--- a/Software/Software System Architecture.pptx
+++ b/Software/Software System Architecture.pptx
@@ -7,7 +7,8 @@
   <p:sldIdLst>
     <p:sldId id="256" r:id="rId2"/>
     <p:sldId id="258" r:id="rId3"/>
-    <p:sldId id="257" r:id="rId4"/>
+    <p:sldId id="259" r:id="rId4"/>
+    <p:sldId id="257" r:id="rId5"/>
   </p:sldIdLst>
   <p:sldSz cx="21945600" cy="16459200"/>
   <p:notesSz cx="6858000" cy="9144000"/>
@@ -113,6 +114,7 @@
           <p14:sldIdLst>
             <p14:sldId id="256"/>
             <p14:sldId id="258"/>
+            <p14:sldId id="259"/>
             <p14:sldId id="257"/>
           </p14:sldIdLst>
         </p14:section>
@@ -256,7 +258,7 @@
           <a:p>
             <a:fld id="{F62E71A9-A198-4BC2-915B-5C3ABADD511E}" type="datetimeFigureOut">
               <a:rPr lang="en-US" smtClean="0"/>
-              <a:t>9/13/2019</a:t>
+              <a:t>9/18/2019</a:t>
             </a:fld>
             <a:endParaRPr lang="en-US"/>
           </a:p>
@@ -426,7 +428,7 @@
           <a:p>
             <a:fld id="{F62E71A9-A198-4BC2-915B-5C3ABADD511E}" type="datetimeFigureOut">
               <a:rPr lang="en-US" smtClean="0"/>
-              <a:t>9/13/2019</a:t>
+              <a:t>9/18/2019</a:t>
             </a:fld>
             <a:endParaRPr lang="en-US"/>
           </a:p>
@@ -606,7 +608,7 @@
           <a:p>
             <a:fld id="{F62E71A9-A198-4BC2-915B-5C3ABADD511E}" type="datetimeFigureOut">
               <a:rPr lang="en-US" smtClean="0"/>
-              <a:t>9/13/2019</a:t>
+              <a:t>9/18/2019</a:t>
             </a:fld>
             <a:endParaRPr lang="en-US"/>
           </a:p>
@@ -776,7 +778,7 @@
           <a:p>
             <a:fld id="{F62E71A9-A198-4BC2-915B-5C3ABADD511E}" type="datetimeFigureOut">
               <a:rPr lang="en-US" smtClean="0"/>
-              <a:t>9/13/2019</a:t>
+              <a:t>9/18/2019</a:t>
             </a:fld>
             <a:endParaRPr lang="en-US"/>
           </a:p>
@@ -1020,7 +1022,7 @@
           <a:p>
             <a:fld id="{F62E71A9-A198-4BC2-915B-5C3ABADD511E}" type="datetimeFigureOut">
               <a:rPr lang="en-US" smtClean="0"/>
-              <a:t>9/13/2019</a:t>
+              <a:t>9/18/2019</a:t>
             </a:fld>
             <a:endParaRPr lang="en-US"/>
           </a:p>
@@ -1252,7 +1254,7 @@
           <a:p>
             <a:fld id="{F62E71A9-A198-4BC2-915B-5C3ABADD511E}" type="datetimeFigureOut">
               <a:rPr lang="en-US" smtClean="0"/>
-              <a:t>9/13/2019</a:t>
+              <a:t>9/18/2019</a:t>
             </a:fld>
             <a:endParaRPr lang="en-US"/>
           </a:p>
@@ -1619,7 +1621,7 @@
           <a:p>
             <a:fld id="{F62E71A9-A198-4BC2-915B-5C3ABADD511E}" type="datetimeFigureOut">
               <a:rPr lang="en-US" smtClean="0"/>
-              <a:t>9/13/2019</a:t>
+              <a:t>9/18/2019</a:t>
             </a:fld>
             <a:endParaRPr lang="en-US"/>
           </a:p>
@@ -1737,7 +1739,7 @@
           <a:p>
             <a:fld id="{F62E71A9-A198-4BC2-915B-5C3ABADD511E}" type="datetimeFigureOut">
               <a:rPr lang="en-US" smtClean="0"/>
-              <a:t>9/13/2019</a:t>
+              <a:t>9/18/2019</a:t>
             </a:fld>
             <a:endParaRPr lang="en-US"/>
           </a:p>
@@ -1832,7 +1834,7 @@
           <a:p>
             <a:fld id="{F62E71A9-A198-4BC2-915B-5C3ABADD511E}" type="datetimeFigureOut">
               <a:rPr lang="en-US" smtClean="0"/>
-              <a:t>9/13/2019</a:t>
+              <a:t>9/18/2019</a:t>
             </a:fld>
             <a:endParaRPr lang="en-US"/>
           </a:p>
@@ -2109,7 +2111,7 @@
           <a:p>
             <a:fld id="{F62E71A9-A198-4BC2-915B-5C3ABADD511E}" type="datetimeFigureOut">
               <a:rPr lang="en-US" smtClean="0"/>
-              <a:t>9/13/2019</a:t>
+              <a:t>9/18/2019</a:t>
             </a:fld>
             <a:endParaRPr lang="en-US"/>
           </a:p>
@@ -2366,7 +2368,7 @@
           <a:p>
             <a:fld id="{F62E71A9-A198-4BC2-915B-5C3ABADD511E}" type="datetimeFigureOut">
               <a:rPr lang="en-US" smtClean="0"/>
-              <a:t>9/13/2019</a:t>
+              <a:t>9/18/2019</a:t>
             </a:fld>
             <a:endParaRPr lang="en-US"/>
           </a:p>
@@ -2579,7 +2581,7 @@
           <a:p>
             <a:fld id="{F62E71A9-A198-4BC2-915B-5C3ABADD511E}" type="datetimeFigureOut">
               <a:rPr lang="en-US" smtClean="0"/>
-              <a:t>9/13/2019</a:t>
+              <a:t>9/18/2019</a:t>
             </a:fld>
             <a:endParaRPr lang="en-US"/>
           </a:p>
@@ -6134,6 +6136,36 @@
           <a:chExt cx="0" cy="0"/>
         </a:xfrm>
       </p:grpSpPr>
+    </p:spTree>
+    <p:extLst>
+      <p:ext uri="{BB962C8B-B14F-4D97-AF65-F5344CB8AC3E}">
+        <p14:creationId xmlns:p14="http://schemas.microsoft.com/office/powerpoint/2010/main" val="1757210696"/>
+      </p:ext>
+    </p:extLst>
+  </p:cSld>
+  <p:clrMapOvr>
+    <a:masterClrMapping/>
+  </p:clrMapOvr>
+</p:sld>
+</file>
+
+<file path=ppt/slides/slide4.xml><?xml version="1.0" encoding="utf-8"?>
+<p:sld xmlns:a="http://schemas.openxmlformats.org/drawingml/2006/main" xmlns:r="http://schemas.openxmlformats.org/officeDocument/2006/relationships" xmlns:p="http://schemas.openxmlformats.org/presentationml/2006/main">
+  <p:cSld>
+    <p:spTree>
+      <p:nvGrpSpPr>
+        <p:cNvPr id="1" name=""/>
+        <p:cNvGrpSpPr/>
+        <p:nvPr/>
+      </p:nvGrpSpPr>
+      <p:grpSpPr>
+        <a:xfrm>
+          <a:off x="0" y="0"/>
+          <a:ext cx="0" cy="0"/>
+          <a:chOff x="0" y="0"/>
+          <a:chExt cx="0" cy="0"/>
+        </a:xfrm>
+      </p:grpSpPr>
       <p:sp>
         <p:nvSpPr>
           <p:cNvPr id="4" name="Flowchart: Decision 3">

--- a/Software/Software System Architecture.pptx
+++ b/Software/Software System Architecture.pptx
@@ -7,7 +7,7 @@
   <p:sldIdLst>
     <p:sldId id="256" r:id="rId2"/>
     <p:sldId id="258" r:id="rId3"/>
-    <p:sldId id="259" r:id="rId4"/>
+    <p:sldId id="260" r:id="rId4"/>
     <p:sldId id="257" r:id="rId5"/>
   </p:sldIdLst>
   <p:sldSz cx="21945600" cy="16459200"/>
@@ -114,7 +114,7 @@
           <p14:sldIdLst>
             <p14:sldId id="256"/>
             <p14:sldId id="258"/>
-            <p14:sldId id="259"/>
+            <p14:sldId id="260"/>
             <p14:sldId id="257"/>
           </p14:sldIdLst>
         </p14:section>
@@ -258,7 +258,7 @@
           <a:p>
             <a:fld id="{F62E71A9-A198-4BC2-915B-5C3ABADD511E}" type="datetimeFigureOut">
               <a:rPr lang="en-US" smtClean="0"/>
-              <a:t>9/18/2019</a:t>
+              <a:t>9/19/2019</a:t>
             </a:fld>
             <a:endParaRPr lang="en-US"/>
           </a:p>
@@ -428,7 +428,7 @@
           <a:p>
             <a:fld id="{F62E71A9-A198-4BC2-915B-5C3ABADD511E}" type="datetimeFigureOut">
               <a:rPr lang="en-US" smtClean="0"/>
-              <a:t>9/18/2019</a:t>
+              <a:t>9/19/2019</a:t>
             </a:fld>
             <a:endParaRPr lang="en-US"/>
           </a:p>
@@ -608,7 +608,7 @@
           <a:p>
             <a:fld id="{F62E71A9-A198-4BC2-915B-5C3ABADD511E}" type="datetimeFigureOut">
               <a:rPr lang="en-US" smtClean="0"/>
-              <a:t>9/18/2019</a:t>
+              <a:t>9/19/2019</a:t>
             </a:fld>
             <a:endParaRPr lang="en-US"/>
           </a:p>
@@ -778,7 +778,7 @@
           <a:p>
             <a:fld id="{F62E71A9-A198-4BC2-915B-5C3ABADD511E}" type="datetimeFigureOut">
               <a:rPr lang="en-US" smtClean="0"/>
-              <a:t>9/18/2019</a:t>
+              <a:t>9/19/2019</a:t>
             </a:fld>
             <a:endParaRPr lang="en-US"/>
           </a:p>
@@ -1022,7 +1022,7 @@
           <a:p>
             <a:fld id="{F62E71A9-A198-4BC2-915B-5C3ABADD511E}" type="datetimeFigureOut">
               <a:rPr lang="en-US" smtClean="0"/>
-              <a:t>9/18/2019</a:t>
+              <a:t>9/19/2019</a:t>
             </a:fld>
             <a:endParaRPr lang="en-US"/>
           </a:p>
@@ -1254,7 +1254,7 @@
           <a:p>
             <a:fld id="{F62E71A9-A198-4BC2-915B-5C3ABADD511E}" type="datetimeFigureOut">
               <a:rPr lang="en-US" smtClean="0"/>
-              <a:t>9/18/2019</a:t>
+              <a:t>9/19/2019</a:t>
             </a:fld>
             <a:endParaRPr lang="en-US"/>
           </a:p>
@@ -1621,7 +1621,7 @@
           <a:p>
             <a:fld id="{F62E71A9-A198-4BC2-915B-5C3ABADD511E}" type="datetimeFigureOut">
               <a:rPr lang="en-US" smtClean="0"/>
-              <a:t>9/18/2019</a:t>
+              <a:t>9/19/2019</a:t>
             </a:fld>
             <a:endParaRPr lang="en-US"/>
           </a:p>
@@ -1739,7 +1739,7 @@
           <a:p>
             <a:fld id="{F62E71A9-A198-4BC2-915B-5C3ABADD511E}" type="datetimeFigureOut">
               <a:rPr lang="en-US" smtClean="0"/>
-              <a:t>9/18/2019</a:t>
+              <a:t>9/19/2019</a:t>
             </a:fld>
             <a:endParaRPr lang="en-US"/>
           </a:p>
@@ -1834,7 +1834,7 @@
           <a:p>
             <a:fld id="{F62E71A9-A198-4BC2-915B-5C3ABADD511E}" type="datetimeFigureOut">
               <a:rPr lang="en-US" smtClean="0"/>
-              <a:t>9/18/2019</a:t>
+              <a:t>9/19/2019</a:t>
             </a:fld>
             <a:endParaRPr lang="en-US"/>
           </a:p>
@@ -2111,7 +2111,7 @@
           <a:p>
             <a:fld id="{F62E71A9-A198-4BC2-915B-5C3ABADD511E}" type="datetimeFigureOut">
               <a:rPr lang="en-US" smtClean="0"/>
-              <a:t>9/18/2019</a:t>
+              <a:t>9/19/2019</a:t>
             </a:fld>
             <a:endParaRPr lang="en-US"/>
           </a:p>
@@ -2368,7 +2368,7 @@
           <a:p>
             <a:fld id="{F62E71A9-A198-4BC2-915B-5C3ABADD511E}" type="datetimeFigureOut">
               <a:rPr lang="en-US" smtClean="0"/>
-              <a:t>9/18/2019</a:t>
+              <a:t>9/19/2019</a:t>
             </a:fld>
             <a:endParaRPr lang="en-US"/>
           </a:p>
@@ -2581,7 +2581,7 @@
           <a:p>
             <a:fld id="{F62E71A9-A198-4BC2-915B-5C3ABADD511E}" type="datetimeFigureOut">
               <a:rPr lang="en-US" smtClean="0"/>
-              <a:t>9/18/2019</a:t>
+              <a:t>9/19/2019</a:t>
             </a:fld>
             <a:endParaRPr lang="en-US"/>
           </a:p>
@@ -6136,10 +6136,2033 @@
           <a:chExt cx="0" cy="0"/>
         </a:xfrm>
       </p:grpSpPr>
+      <p:sp>
+        <p:nvSpPr>
+          <p:cNvPr id="92" name="Rectangle: Rounded Corners 91">
+            <a:extLst>
+              <a:ext uri="{FF2B5EF4-FFF2-40B4-BE49-F238E27FC236}">
+                <a16:creationId xmlns:a16="http://schemas.microsoft.com/office/drawing/2014/main" id="{6485FADE-615A-4E34-9588-C945B5888A95}"/>
+              </a:ext>
+            </a:extLst>
+          </p:cNvPr>
+          <p:cNvSpPr/>
+          <p:nvPr/>
+        </p:nvSpPr>
+        <p:spPr>
+          <a:xfrm>
+            <a:off x="3868614" y="10222523"/>
+            <a:ext cx="3054675" cy="4806462"/>
+          </a:xfrm>
+          <a:prstGeom prst="roundRect">
+            <a:avLst/>
+          </a:prstGeom>
+          <a:solidFill>
+            <a:srgbClr val="8C3FC5">
+              <a:alpha val="60000"/>
+            </a:srgbClr>
+          </a:solidFill>
+          <a:ln>
+            <a:solidFill>
+              <a:schemeClr val="tx1"/>
+            </a:solidFill>
+          </a:ln>
+        </p:spPr>
+        <p:style>
+          <a:lnRef idx="2">
+            <a:schemeClr val="accent1">
+              <a:shade val="50000"/>
+            </a:schemeClr>
+          </a:lnRef>
+          <a:fillRef idx="1">
+            <a:schemeClr val="accent1"/>
+          </a:fillRef>
+          <a:effectRef idx="0">
+            <a:schemeClr val="accent1"/>
+          </a:effectRef>
+          <a:fontRef idx="minor">
+            <a:schemeClr val="lt1"/>
+          </a:fontRef>
+        </p:style>
+        <p:txBody>
+          <a:bodyPr rtlCol="0" anchor="ctr"/>
+          <a:lstStyle/>
+          <a:p>
+            <a:pPr algn="ctr"/>
+            <a:endParaRPr lang="en-US"/>
+          </a:p>
+        </p:txBody>
+      </p:sp>
+      <p:sp>
+        <p:nvSpPr>
+          <p:cNvPr id="91" name="Rectangle: Rounded Corners 90">
+            <a:extLst>
+              <a:ext uri="{FF2B5EF4-FFF2-40B4-BE49-F238E27FC236}">
+                <a16:creationId xmlns:a16="http://schemas.microsoft.com/office/drawing/2014/main" id="{5FADBEF1-B7DE-4F4A-80B0-1C4E9E7871BE}"/>
+              </a:ext>
+            </a:extLst>
+          </p:cNvPr>
+          <p:cNvSpPr/>
+          <p:nvPr/>
+        </p:nvSpPr>
+        <p:spPr>
+          <a:xfrm>
+            <a:off x="7395605" y="6082596"/>
+            <a:ext cx="8946363" cy="7023796"/>
+          </a:xfrm>
+          <a:prstGeom prst="roundRect">
+            <a:avLst/>
+          </a:prstGeom>
+          <a:solidFill>
+            <a:srgbClr val="00B050">
+              <a:alpha val="60000"/>
+            </a:srgbClr>
+          </a:solidFill>
+          <a:ln>
+            <a:solidFill>
+              <a:schemeClr val="tx1"/>
+            </a:solidFill>
+          </a:ln>
+        </p:spPr>
+        <p:style>
+          <a:lnRef idx="2">
+            <a:schemeClr val="accent1">
+              <a:shade val="50000"/>
+            </a:schemeClr>
+          </a:lnRef>
+          <a:fillRef idx="1">
+            <a:schemeClr val="accent1"/>
+          </a:fillRef>
+          <a:effectRef idx="0">
+            <a:schemeClr val="accent1"/>
+          </a:effectRef>
+          <a:fontRef idx="minor">
+            <a:schemeClr val="lt1"/>
+          </a:fontRef>
+        </p:style>
+        <p:txBody>
+          <a:bodyPr rtlCol="0" anchor="ctr"/>
+          <a:lstStyle/>
+          <a:p>
+            <a:pPr algn="ctr"/>
+            <a:endParaRPr lang="en-US"/>
+          </a:p>
+        </p:txBody>
+      </p:sp>
+      <p:sp>
+        <p:nvSpPr>
+          <p:cNvPr id="90" name="Rectangle: Rounded Corners 89">
+            <a:extLst>
+              <a:ext uri="{FF2B5EF4-FFF2-40B4-BE49-F238E27FC236}">
+                <a16:creationId xmlns:a16="http://schemas.microsoft.com/office/drawing/2014/main" id="{F77F15A3-EF3C-4B5B-B350-A5A0FAF4B4CA}"/>
+              </a:ext>
+            </a:extLst>
+          </p:cNvPr>
+          <p:cNvSpPr/>
+          <p:nvPr/>
+        </p:nvSpPr>
+        <p:spPr>
+          <a:xfrm>
+            <a:off x="3868615" y="3212123"/>
+            <a:ext cx="3054674" cy="6462764"/>
+          </a:xfrm>
+          <a:prstGeom prst="roundRect">
+            <a:avLst/>
+          </a:prstGeom>
+          <a:solidFill>
+            <a:schemeClr val="accent1">
+              <a:alpha val="40000"/>
+            </a:schemeClr>
+          </a:solidFill>
+          <a:ln>
+            <a:solidFill>
+              <a:schemeClr val="tx1"/>
+            </a:solidFill>
+          </a:ln>
+        </p:spPr>
+        <p:style>
+          <a:lnRef idx="2">
+            <a:schemeClr val="accent1">
+              <a:shade val="50000"/>
+            </a:schemeClr>
+          </a:lnRef>
+          <a:fillRef idx="1">
+            <a:schemeClr val="accent1"/>
+          </a:fillRef>
+          <a:effectRef idx="0">
+            <a:schemeClr val="accent1"/>
+          </a:effectRef>
+          <a:fontRef idx="minor">
+            <a:schemeClr val="lt1"/>
+          </a:fontRef>
+        </p:style>
+        <p:txBody>
+          <a:bodyPr rtlCol="0" anchor="ctr"/>
+          <a:lstStyle/>
+          <a:p>
+            <a:pPr algn="ctr"/>
+            <a:endParaRPr lang="en-US"/>
+          </a:p>
+        </p:txBody>
+      </p:sp>
+      <p:sp>
+        <p:nvSpPr>
+          <p:cNvPr id="9" name="Flowchart: Decision 8">
+            <a:extLst>
+              <a:ext uri="{FF2B5EF4-FFF2-40B4-BE49-F238E27FC236}">
+                <a16:creationId xmlns:a16="http://schemas.microsoft.com/office/drawing/2014/main" id="{55AAAD1B-29EB-4958-913E-02E144DFFC19}"/>
+              </a:ext>
+            </a:extLst>
+          </p:cNvPr>
+          <p:cNvSpPr/>
+          <p:nvPr/>
+        </p:nvSpPr>
+        <p:spPr>
+          <a:xfrm>
+            <a:off x="4374381" y="3702816"/>
+            <a:ext cx="2090057" cy="1436915"/>
+          </a:xfrm>
+          <a:prstGeom prst="flowChartDecision">
+            <a:avLst/>
+          </a:prstGeom>
+        </p:spPr>
+        <p:style>
+          <a:lnRef idx="2">
+            <a:schemeClr val="accent1">
+              <a:shade val="50000"/>
+            </a:schemeClr>
+          </a:lnRef>
+          <a:fillRef idx="1">
+            <a:schemeClr val="accent1"/>
+          </a:fillRef>
+          <a:effectRef idx="0">
+            <a:schemeClr val="accent1"/>
+          </a:effectRef>
+          <a:fontRef idx="minor">
+            <a:schemeClr val="lt1"/>
+          </a:fontRef>
+        </p:style>
+        <p:txBody>
+          <a:bodyPr rtlCol="0" anchor="ctr"/>
+          <a:lstStyle/>
+          <a:p>
+            <a:pPr algn="ctr"/>
+            <a:r>
+              <a:rPr lang="en-US" dirty="0"/>
+              <a:t>Is there a lever press?</a:t>
+            </a:r>
+          </a:p>
+        </p:txBody>
+      </p:sp>
+      <p:sp>
+        <p:nvSpPr>
+          <p:cNvPr id="10" name="Flowchart: Process 9">
+            <a:extLst>
+              <a:ext uri="{FF2B5EF4-FFF2-40B4-BE49-F238E27FC236}">
+                <a16:creationId xmlns:a16="http://schemas.microsoft.com/office/drawing/2014/main" id="{22671C7B-35EB-4382-9BA2-1F674C0F054B}"/>
+              </a:ext>
+            </a:extLst>
+          </p:cNvPr>
+          <p:cNvSpPr/>
+          <p:nvPr/>
+        </p:nvSpPr>
+        <p:spPr>
+          <a:xfrm>
+            <a:off x="4374380" y="7196290"/>
+            <a:ext cx="2090057" cy="822292"/>
+          </a:xfrm>
+          <a:prstGeom prst="flowChartProcess">
+            <a:avLst/>
+          </a:prstGeom>
+          <a:ln w="38100">
+            <a:solidFill>
+              <a:schemeClr val="tx1"/>
+            </a:solidFill>
+            <a:prstDash val="dash"/>
+          </a:ln>
+        </p:spPr>
+        <p:style>
+          <a:lnRef idx="2">
+            <a:schemeClr val="accent1">
+              <a:shade val="50000"/>
+            </a:schemeClr>
+          </a:lnRef>
+          <a:fillRef idx="1">
+            <a:schemeClr val="accent1"/>
+          </a:fillRef>
+          <a:effectRef idx="0">
+            <a:schemeClr val="accent1"/>
+          </a:effectRef>
+          <a:fontRef idx="minor">
+            <a:schemeClr val="lt1"/>
+          </a:fontRef>
+        </p:style>
+        <p:txBody>
+          <a:bodyPr rtlCol="0" anchor="ctr"/>
+          <a:lstStyle/>
+          <a:p>
+            <a:pPr algn="ctr"/>
+            <a:r>
+              <a:rPr lang="en-US" dirty="0"/>
+              <a:t>Door Opens</a:t>
+            </a:r>
+          </a:p>
+        </p:txBody>
+      </p:sp>
+      <p:sp>
+        <p:nvSpPr>
+          <p:cNvPr id="11" name="Flowchart: Process 10">
+            <a:extLst>
+              <a:ext uri="{FF2B5EF4-FFF2-40B4-BE49-F238E27FC236}">
+                <a16:creationId xmlns:a16="http://schemas.microsoft.com/office/drawing/2014/main" id="{D15A1FEE-6A7C-4C86-AF6D-14EBEBD07D11}"/>
+              </a:ext>
+            </a:extLst>
+          </p:cNvPr>
+          <p:cNvSpPr/>
+          <p:nvPr/>
+        </p:nvSpPr>
+        <p:spPr>
+          <a:xfrm>
+            <a:off x="8167633" y="6446016"/>
+            <a:ext cx="2090057" cy="822293"/>
+          </a:xfrm>
+          <a:prstGeom prst="flowChartProcess">
+            <a:avLst/>
+          </a:prstGeom>
+          <a:ln w="38100">
+            <a:solidFill>
+              <a:schemeClr val="tx1"/>
+            </a:solidFill>
+            <a:prstDash val="dash"/>
+          </a:ln>
+        </p:spPr>
+        <p:style>
+          <a:lnRef idx="2">
+            <a:schemeClr val="accent1">
+              <a:shade val="50000"/>
+            </a:schemeClr>
+          </a:lnRef>
+          <a:fillRef idx="1">
+            <a:schemeClr val="accent1"/>
+          </a:fillRef>
+          <a:effectRef idx="0">
+            <a:schemeClr val="accent1"/>
+          </a:effectRef>
+          <a:fontRef idx="minor">
+            <a:schemeClr val="lt1"/>
+          </a:fontRef>
+        </p:style>
+        <p:txBody>
+          <a:bodyPr rtlCol="0" anchor="ctr"/>
+          <a:lstStyle/>
+          <a:p>
+            <a:pPr algn="ctr"/>
+            <a:r>
+              <a:rPr lang="en-US" dirty="0"/>
+              <a:t>Track RFID</a:t>
+            </a:r>
+          </a:p>
+        </p:txBody>
+      </p:sp>
+      <p:cxnSp>
+        <p:nvCxnSpPr>
+          <p:cNvPr id="13" name="Connector: Elbow 12">
+            <a:extLst>
+              <a:ext uri="{FF2B5EF4-FFF2-40B4-BE49-F238E27FC236}">
+                <a16:creationId xmlns:a16="http://schemas.microsoft.com/office/drawing/2014/main" id="{0B92A5E3-DCF9-421B-A37B-CE7DAF5E1B28}"/>
+              </a:ext>
+            </a:extLst>
+          </p:cNvPr>
+          <p:cNvCxnSpPr>
+            <a:cxnSpLocks/>
+            <a:stCxn id="9" idx="2"/>
+            <a:endCxn id="10" idx="0"/>
+          </p:cNvCxnSpPr>
+          <p:nvPr/>
+        </p:nvCxnSpPr>
+        <p:spPr>
+          <a:xfrm rot="5400000">
+            <a:off x="4391131" y="6168010"/>
+            <a:ext cx="2056559" cy="1"/>
+          </a:xfrm>
+          <a:prstGeom prst="bentConnector3">
+            <a:avLst/>
+          </a:prstGeom>
+          <a:ln w="38100">
+            <a:solidFill>
+              <a:srgbClr val="00B050"/>
+            </a:solidFill>
+            <a:tailEnd type="triangle"/>
+          </a:ln>
+        </p:spPr>
+        <p:style>
+          <a:lnRef idx="1">
+            <a:schemeClr val="accent1"/>
+          </a:lnRef>
+          <a:fillRef idx="0">
+            <a:schemeClr val="accent1"/>
+          </a:fillRef>
+          <a:effectRef idx="0">
+            <a:schemeClr val="accent1"/>
+          </a:effectRef>
+          <a:fontRef idx="minor">
+            <a:schemeClr val="tx1"/>
+          </a:fontRef>
+        </p:style>
+      </p:cxnSp>
+      <p:cxnSp>
+        <p:nvCxnSpPr>
+          <p:cNvPr id="15" name="Connector: Elbow 14">
+            <a:extLst>
+              <a:ext uri="{FF2B5EF4-FFF2-40B4-BE49-F238E27FC236}">
+                <a16:creationId xmlns:a16="http://schemas.microsoft.com/office/drawing/2014/main" id="{06DC6169-4D6F-4545-AC7C-99D6E6567054}"/>
+              </a:ext>
+            </a:extLst>
+          </p:cNvPr>
+          <p:cNvCxnSpPr>
+            <a:cxnSpLocks/>
+            <a:stCxn id="9" idx="2"/>
+            <a:endCxn id="11" idx="0"/>
+          </p:cNvCxnSpPr>
+          <p:nvPr/>
+        </p:nvCxnSpPr>
+        <p:spPr>
+          <a:xfrm rot="16200000" flipH="1">
+            <a:off x="6662894" y="3896247"/>
+            <a:ext cx="1306285" cy="3793252"/>
+          </a:xfrm>
+          <a:prstGeom prst="bentConnector3">
+            <a:avLst/>
+          </a:prstGeom>
+          <a:ln w="38100">
+            <a:solidFill>
+              <a:srgbClr val="00B050"/>
+            </a:solidFill>
+            <a:tailEnd type="triangle"/>
+          </a:ln>
+        </p:spPr>
+        <p:style>
+          <a:lnRef idx="1">
+            <a:schemeClr val="accent1"/>
+          </a:lnRef>
+          <a:fillRef idx="0">
+            <a:schemeClr val="accent1"/>
+          </a:fillRef>
+          <a:effectRef idx="0">
+            <a:schemeClr val="accent1"/>
+          </a:effectRef>
+          <a:fontRef idx="minor">
+            <a:schemeClr val="tx1"/>
+          </a:fontRef>
+        </p:style>
+      </p:cxnSp>
+      <p:sp>
+        <p:nvSpPr>
+          <p:cNvPr id="16" name="Flowchart: Decision 15">
+            <a:extLst>
+              <a:ext uri="{FF2B5EF4-FFF2-40B4-BE49-F238E27FC236}">
+                <a16:creationId xmlns:a16="http://schemas.microsoft.com/office/drawing/2014/main" id="{04BE5BF4-C45D-4AF8-BEDB-D5A15F315DF2}"/>
+              </a:ext>
+            </a:extLst>
+          </p:cNvPr>
+          <p:cNvSpPr/>
+          <p:nvPr/>
+        </p:nvSpPr>
+        <p:spPr>
+          <a:xfrm>
+            <a:off x="8167632" y="9085378"/>
+            <a:ext cx="2090057" cy="1436915"/>
+          </a:xfrm>
+          <a:prstGeom prst="flowChartDecision">
+            <a:avLst/>
+          </a:prstGeom>
+        </p:spPr>
+        <p:style>
+          <a:lnRef idx="2">
+            <a:schemeClr val="accent1">
+              <a:shade val="50000"/>
+            </a:schemeClr>
+          </a:lnRef>
+          <a:fillRef idx="1">
+            <a:schemeClr val="accent1"/>
+          </a:fillRef>
+          <a:effectRef idx="0">
+            <a:schemeClr val="accent1"/>
+          </a:effectRef>
+          <a:fontRef idx="minor">
+            <a:schemeClr val="lt1"/>
+          </a:fontRef>
+        </p:style>
+        <p:txBody>
+          <a:bodyPr rtlCol="0" anchor="ctr"/>
+          <a:lstStyle/>
+          <a:p>
+            <a:pPr algn="ctr"/>
+            <a:r>
+              <a:rPr lang="en-US" dirty="0"/>
+              <a:t>Are Animals in same cage?</a:t>
+            </a:r>
+          </a:p>
+        </p:txBody>
+      </p:sp>
+      <p:sp>
+        <p:nvSpPr>
+          <p:cNvPr id="20" name="Flowchart: Process 19">
+            <a:extLst>
+              <a:ext uri="{FF2B5EF4-FFF2-40B4-BE49-F238E27FC236}">
+                <a16:creationId xmlns:a16="http://schemas.microsoft.com/office/drawing/2014/main" id="{5F9162E0-E5E1-4DDF-BEB7-17191FD886FD}"/>
+              </a:ext>
+            </a:extLst>
+          </p:cNvPr>
+          <p:cNvSpPr/>
+          <p:nvPr/>
+        </p:nvSpPr>
+        <p:spPr>
+          <a:xfrm>
+            <a:off x="4374379" y="11111801"/>
+            <a:ext cx="2090057" cy="822293"/>
+          </a:xfrm>
+          <a:prstGeom prst="flowChartProcess">
+            <a:avLst/>
+          </a:prstGeom>
+          <a:ln w="38100">
+            <a:solidFill>
+              <a:schemeClr val="tx1"/>
+            </a:solidFill>
+            <a:prstDash val="dash"/>
+          </a:ln>
+        </p:spPr>
+        <p:style>
+          <a:lnRef idx="2">
+            <a:schemeClr val="accent1">
+              <a:shade val="50000"/>
+            </a:schemeClr>
+          </a:lnRef>
+          <a:fillRef idx="1">
+            <a:schemeClr val="accent1"/>
+          </a:fillRef>
+          <a:effectRef idx="0">
+            <a:schemeClr val="accent1"/>
+          </a:effectRef>
+          <a:fontRef idx="minor">
+            <a:schemeClr val="lt1"/>
+          </a:fontRef>
+        </p:style>
+        <p:txBody>
+          <a:bodyPr rtlCol="0" anchor="ctr"/>
+          <a:lstStyle/>
+          <a:p>
+            <a:pPr algn="ctr"/>
+            <a:r>
+              <a:rPr lang="en-US" dirty="0"/>
+              <a:t>Track RFID</a:t>
+            </a:r>
+          </a:p>
+        </p:txBody>
+      </p:sp>
+      <p:sp>
+        <p:nvSpPr>
+          <p:cNvPr id="21" name="Flowchart: Decision 20">
+            <a:extLst>
+              <a:ext uri="{FF2B5EF4-FFF2-40B4-BE49-F238E27FC236}">
+                <a16:creationId xmlns:a16="http://schemas.microsoft.com/office/drawing/2014/main" id="{6A0BE6D3-8E2A-4D3C-BBAA-16150B5EBF6D}"/>
+              </a:ext>
+            </a:extLst>
+          </p:cNvPr>
+          <p:cNvSpPr/>
+          <p:nvPr/>
+        </p:nvSpPr>
+        <p:spPr>
+          <a:xfrm>
+            <a:off x="11502011" y="9085377"/>
+            <a:ext cx="2090057" cy="1436915"/>
+          </a:xfrm>
+          <a:prstGeom prst="flowChartDecision">
+            <a:avLst/>
+          </a:prstGeom>
+        </p:spPr>
+        <p:style>
+          <a:lnRef idx="2">
+            <a:schemeClr val="accent1">
+              <a:shade val="50000"/>
+            </a:schemeClr>
+          </a:lnRef>
+          <a:fillRef idx="1">
+            <a:schemeClr val="accent1"/>
+          </a:fillRef>
+          <a:effectRef idx="0">
+            <a:schemeClr val="accent1"/>
+          </a:effectRef>
+          <a:fontRef idx="minor">
+            <a:schemeClr val="lt1"/>
+          </a:fontRef>
+        </p:style>
+        <p:txBody>
+          <a:bodyPr rtlCol="0" anchor="ctr"/>
+          <a:lstStyle/>
+          <a:p>
+            <a:pPr algn="ctr"/>
+            <a:r>
+              <a:rPr lang="en-US" dirty="0"/>
+              <a:t>Animal in separate cages?</a:t>
+            </a:r>
+          </a:p>
+        </p:txBody>
+      </p:sp>
+      <p:sp>
+        <p:nvSpPr>
+          <p:cNvPr id="22" name="Flowchart: Process 21">
+            <a:extLst>
+              <a:ext uri="{FF2B5EF4-FFF2-40B4-BE49-F238E27FC236}">
+                <a16:creationId xmlns:a16="http://schemas.microsoft.com/office/drawing/2014/main" id="{8E92A075-2BCB-4812-8189-4AB30E39D2CE}"/>
+              </a:ext>
+            </a:extLst>
+          </p:cNvPr>
+          <p:cNvSpPr/>
+          <p:nvPr/>
+        </p:nvSpPr>
+        <p:spPr>
+          <a:xfrm>
+            <a:off x="11502012" y="10859753"/>
+            <a:ext cx="2090057" cy="822292"/>
+          </a:xfrm>
+          <a:prstGeom prst="flowChartProcess">
+            <a:avLst/>
+          </a:prstGeom>
+          <a:ln w="38100">
+            <a:solidFill>
+              <a:schemeClr val="tx1"/>
+            </a:solidFill>
+            <a:prstDash val="dash"/>
+          </a:ln>
+        </p:spPr>
+        <p:style>
+          <a:lnRef idx="2">
+            <a:schemeClr val="accent1">
+              <a:shade val="50000"/>
+            </a:schemeClr>
+          </a:lnRef>
+          <a:fillRef idx="1">
+            <a:schemeClr val="accent1"/>
+          </a:fillRef>
+          <a:effectRef idx="0">
+            <a:schemeClr val="accent1"/>
+          </a:effectRef>
+          <a:fontRef idx="minor">
+            <a:schemeClr val="lt1"/>
+          </a:fontRef>
+        </p:style>
+        <p:txBody>
+          <a:bodyPr rtlCol="0" anchor="ctr"/>
+          <a:lstStyle/>
+          <a:p>
+            <a:pPr algn="ctr"/>
+            <a:r>
+              <a:rPr lang="en-US" dirty="0"/>
+              <a:t>Door Closes</a:t>
+            </a:r>
+          </a:p>
+        </p:txBody>
+      </p:sp>
+      <p:cxnSp>
+        <p:nvCxnSpPr>
+          <p:cNvPr id="24" name="Connector: Elbow 23">
+            <a:extLst>
+              <a:ext uri="{FF2B5EF4-FFF2-40B4-BE49-F238E27FC236}">
+                <a16:creationId xmlns:a16="http://schemas.microsoft.com/office/drawing/2014/main" id="{698FA212-F950-4EF4-9C9D-8019B5F7FE4A}"/>
+              </a:ext>
+            </a:extLst>
+          </p:cNvPr>
+          <p:cNvCxnSpPr>
+            <a:stCxn id="11" idx="2"/>
+            <a:endCxn id="16" idx="0"/>
+          </p:cNvCxnSpPr>
+          <p:nvPr/>
+        </p:nvCxnSpPr>
+        <p:spPr>
+          <a:xfrm rot="5400000">
+            <a:off x="8304128" y="8176843"/>
+            <a:ext cx="1817069" cy="1"/>
+          </a:xfrm>
+          <a:prstGeom prst="bentConnector3">
+            <a:avLst/>
+          </a:prstGeom>
+          <a:ln w="38100">
+            <a:tailEnd type="triangle"/>
+          </a:ln>
+        </p:spPr>
+        <p:style>
+          <a:lnRef idx="1">
+            <a:schemeClr val="accent1"/>
+          </a:lnRef>
+          <a:fillRef idx="0">
+            <a:schemeClr val="accent1"/>
+          </a:fillRef>
+          <a:effectRef idx="0">
+            <a:schemeClr val="accent1"/>
+          </a:effectRef>
+          <a:fontRef idx="minor">
+            <a:schemeClr val="tx1"/>
+          </a:fontRef>
+        </p:style>
+      </p:cxnSp>
+      <p:cxnSp>
+        <p:nvCxnSpPr>
+          <p:cNvPr id="26" name="Connector: Elbow 25">
+            <a:extLst>
+              <a:ext uri="{FF2B5EF4-FFF2-40B4-BE49-F238E27FC236}">
+                <a16:creationId xmlns:a16="http://schemas.microsoft.com/office/drawing/2014/main" id="{7D9CCFF4-51C2-486C-B35E-5EE12F8E2A26}"/>
+              </a:ext>
+            </a:extLst>
+          </p:cNvPr>
+          <p:cNvCxnSpPr>
+            <a:stCxn id="16" idx="1"/>
+            <a:endCxn id="20" idx="0"/>
+          </p:cNvCxnSpPr>
+          <p:nvPr/>
+        </p:nvCxnSpPr>
+        <p:spPr>
+          <a:xfrm rot="10800000" flipV="1">
+            <a:off x="5419408" y="9803835"/>
+            <a:ext cx="2748224" cy="1307965"/>
+          </a:xfrm>
+          <a:prstGeom prst="bentConnector2">
+            <a:avLst/>
+          </a:prstGeom>
+          <a:ln w="38100">
+            <a:solidFill>
+              <a:srgbClr val="00B050"/>
+            </a:solidFill>
+            <a:tailEnd type="triangle"/>
+          </a:ln>
+        </p:spPr>
+        <p:style>
+          <a:lnRef idx="1">
+            <a:schemeClr val="accent1"/>
+          </a:lnRef>
+          <a:fillRef idx="0">
+            <a:schemeClr val="accent1"/>
+          </a:fillRef>
+          <a:effectRef idx="0">
+            <a:schemeClr val="accent1"/>
+          </a:effectRef>
+          <a:fontRef idx="minor">
+            <a:schemeClr val="tx1"/>
+          </a:fontRef>
+        </p:style>
+      </p:cxnSp>
+      <p:cxnSp>
+        <p:nvCxnSpPr>
+          <p:cNvPr id="28" name="Connector: Elbow 27">
+            <a:extLst>
+              <a:ext uri="{FF2B5EF4-FFF2-40B4-BE49-F238E27FC236}">
+                <a16:creationId xmlns:a16="http://schemas.microsoft.com/office/drawing/2014/main" id="{4A401566-2422-4E19-AA69-3B385D4494F3}"/>
+              </a:ext>
+            </a:extLst>
+          </p:cNvPr>
+          <p:cNvCxnSpPr>
+            <a:stCxn id="16" idx="3"/>
+            <a:endCxn id="21" idx="1"/>
+          </p:cNvCxnSpPr>
+          <p:nvPr/>
+        </p:nvCxnSpPr>
+        <p:spPr>
+          <a:xfrm flipV="1">
+            <a:off x="10257689" y="9803835"/>
+            <a:ext cx="1244322" cy="1"/>
+          </a:xfrm>
+          <a:prstGeom prst="bentConnector3">
+            <a:avLst/>
+          </a:prstGeom>
+          <a:ln w="38100">
+            <a:solidFill>
+              <a:srgbClr val="FF0000"/>
+            </a:solidFill>
+            <a:tailEnd type="triangle"/>
+          </a:ln>
+        </p:spPr>
+        <p:style>
+          <a:lnRef idx="1">
+            <a:schemeClr val="accent1"/>
+          </a:lnRef>
+          <a:fillRef idx="0">
+            <a:schemeClr val="accent1"/>
+          </a:fillRef>
+          <a:effectRef idx="0">
+            <a:schemeClr val="accent1"/>
+          </a:effectRef>
+          <a:fontRef idx="minor">
+            <a:schemeClr val="tx1"/>
+          </a:fontRef>
+        </p:style>
+      </p:cxnSp>
+      <p:cxnSp>
+        <p:nvCxnSpPr>
+          <p:cNvPr id="30" name="Connector: Elbow 29">
+            <a:extLst>
+              <a:ext uri="{FF2B5EF4-FFF2-40B4-BE49-F238E27FC236}">
+                <a16:creationId xmlns:a16="http://schemas.microsoft.com/office/drawing/2014/main" id="{99FFD5E2-886A-4A60-8DC5-FFB27D8995CA}"/>
+              </a:ext>
+            </a:extLst>
+          </p:cNvPr>
+          <p:cNvCxnSpPr>
+            <a:stCxn id="21" idx="2"/>
+            <a:endCxn id="22" idx="0"/>
+          </p:cNvCxnSpPr>
+          <p:nvPr/>
+        </p:nvCxnSpPr>
+        <p:spPr>
+          <a:xfrm rot="16200000" flipH="1">
+            <a:off x="12378310" y="10691021"/>
+            <a:ext cx="337461" cy="1"/>
+          </a:xfrm>
+          <a:prstGeom prst="bentConnector3">
+            <a:avLst/>
+          </a:prstGeom>
+          <a:ln w="38100">
+            <a:solidFill>
+              <a:srgbClr val="00B050"/>
+            </a:solidFill>
+            <a:tailEnd type="triangle"/>
+          </a:ln>
+        </p:spPr>
+        <p:style>
+          <a:lnRef idx="1">
+            <a:schemeClr val="accent1"/>
+          </a:lnRef>
+          <a:fillRef idx="0">
+            <a:schemeClr val="accent1"/>
+          </a:fillRef>
+          <a:effectRef idx="0">
+            <a:schemeClr val="accent1"/>
+          </a:effectRef>
+          <a:fontRef idx="minor">
+            <a:schemeClr val="tx1"/>
+          </a:fontRef>
+        </p:style>
+      </p:cxnSp>
+      <p:cxnSp>
+        <p:nvCxnSpPr>
+          <p:cNvPr id="32" name="Connector: Elbow 31">
+            <a:extLst>
+              <a:ext uri="{FF2B5EF4-FFF2-40B4-BE49-F238E27FC236}">
+                <a16:creationId xmlns:a16="http://schemas.microsoft.com/office/drawing/2014/main" id="{950E9C9D-7573-4534-9BF9-FEA0E9FB4DC9}"/>
+              </a:ext>
+            </a:extLst>
+          </p:cNvPr>
+          <p:cNvCxnSpPr>
+            <a:stCxn id="21" idx="3"/>
+            <a:endCxn id="11" idx="3"/>
+          </p:cNvCxnSpPr>
+          <p:nvPr/>
+        </p:nvCxnSpPr>
+        <p:spPr>
+          <a:xfrm flipH="1" flipV="1">
+            <a:off x="10257690" y="6857163"/>
+            <a:ext cx="3334378" cy="2946672"/>
+          </a:xfrm>
+          <a:prstGeom prst="bentConnector3">
+            <a:avLst>
+              <a:gd name="adj1" fmla="val -6856"/>
+            </a:avLst>
+          </a:prstGeom>
+          <a:ln w="38100">
+            <a:solidFill>
+              <a:srgbClr val="FF0000"/>
+            </a:solidFill>
+            <a:tailEnd type="triangle"/>
+          </a:ln>
+        </p:spPr>
+        <p:style>
+          <a:lnRef idx="1">
+            <a:schemeClr val="accent1"/>
+          </a:lnRef>
+          <a:fillRef idx="0">
+            <a:schemeClr val="accent1"/>
+          </a:fillRef>
+          <a:effectRef idx="0">
+            <a:schemeClr val="accent1"/>
+          </a:effectRef>
+          <a:fontRef idx="minor">
+            <a:schemeClr val="tx1"/>
+          </a:fontRef>
+        </p:style>
+      </p:cxnSp>
+      <p:cxnSp>
+        <p:nvCxnSpPr>
+          <p:cNvPr id="35" name="Connector: Elbow 34">
+            <a:extLst>
+              <a:ext uri="{FF2B5EF4-FFF2-40B4-BE49-F238E27FC236}">
+                <a16:creationId xmlns:a16="http://schemas.microsoft.com/office/drawing/2014/main" id="{745EC5FF-BC6F-4099-B21E-CFE874477915}"/>
+              </a:ext>
+            </a:extLst>
+          </p:cNvPr>
+          <p:cNvCxnSpPr>
+            <a:stCxn id="22" idx="3"/>
+            <a:endCxn id="9" idx="3"/>
+          </p:cNvCxnSpPr>
+          <p:nvPr/>
+        </p:nvCxnSpPr>
+        <p:spPr>
+          <a:xfrm flipH="1" flipV="1">
+            <a:off x="6464438" y="4421274"/>
+            <a:ext cx="7127631" cy="6849625"/>
+          </a:xfrm>
+          <a:prstGeom prst="bentConnector3">
+            <a:avLst>
+              <a:gd name="adj1" fmla="val -20641"/>
+            </a:avLst>
+          </a:prstGeom>
+          <a:ln w="38100">
+            <a:tailEnd type="triangle"/>
+          </a:ln>
+        </p:spPr>
+        <p:style>
+          <a:lnRef idx="1">
+            <a:schemeClr val="accent1"/>
+          </a:lnRef>
+          <a:fillRef idx="0">
+            <a:schemeClr val="accent1"/>
+          </a:fillRef>
+          <a:effectRef idx="0">
+            <a:schemeClr val="accent1"/>
+          </a:effectRef>
+          <a:fontRef idx="minor">
+            <a:schemeClr val="tx1"/>
+          </a:fontRef>
+        </p:style>
+      </p:cxnSp>
+      <p:sp>
+        <p:nvSpPr>
+          <p:cNvPr id="58" name="Flowchart: Process 57">
+            <a:extLst>
+              <a:ext uri="{FF2B5EF4-FFF2-40B4-BE49-F238E27FC236}">
+                <a16:creationId xmlns:a16="http://schemas.microsoft.com/office/drawing/2014/main" id="{779BAA04-77AB-4CED-AE2A-B84AD6A5E123}"/>
+              </a:ext>
+            </a:extLst>
+          </p:cNvPr>
+          <p:cNvSpPr/>
+          <p:nvPr/>
+        </p:nvSpPr>
+        <p:spPr>
+          <a:xfrm>
+            <a:off x="4374378" y="12835094"/>
+            <a:ext cx="2090057" cy="1436915"/>
+          </a:xfrm>
+          <a:prstGeom prst="flowChartProcess">
+            <a:avLst/>
+          </a:prstGeom>
+        </p:spPr>
+        <p:style>
+          <a:lnRef idx="2">
+            <a:schemeClr val="accent1">
+              <a:shade val="50000"/>
+            </a:schemeClr>
+          </a:lnRef>
+          <a:fillRef idx="1">
+            <a:schemeClr val="accent1"/>
+          </a:fillRef>
+          <a:effectRef idx="0">
+            <a:schemeClr val="accent1"/>
+          </a:effectRef>
+          <a:fontRef idx="minor">
+            <a:schemeClr val="lt1"/>
+          </a:fontRef>
+        </p:style>
+        <p:txBody>
+          <a:bodyPr rtlCol="0" anchor="ctr"/>
+          <a:lstStyle/>
+          <a:p>
+            <a:pPr algn="ctr"/>
+            <a:r>
+              <a:rPr lang="en-US" dirty="0"/>
+              <a:t>Ping when animals get separated</a:t>
+            </a:r>
+          </a:p>
+        </p:txBody>
+      </p:sp>
+      <p:cxnSp>
+        <p:nvCxnSpPr>
+          <p:cNvPr id="60" name="Connector: Elbow 59">
+            <a:extLst>
+              <a:ext uri="{FF2B5EF4-FFF2-40B4-BE49-F238E27FC236}">
+                <a16:creationId xmlns:a16="http://schemas.microsoft.com/office/drawing/2014/main" id="{3A3F706E-233D-417C-8382-C5CF5307916C}"/>
+              </a:ext>
+            </a:extLst>
+          </p:cNvPr>
+          <p:cNvCxnSpPr>
+            <a:stCxn id="20" idx="2"/>
+            <a:endCxn id="58" idx="0"/>
+          </p:cNvCxnSpPr>
+          <p:nvPr/>
+        </p:nvCxnSpPr>
+        <p:spPr>
+          <a:xfrm rot="5400000">
+            <a:off x="4968908" y="12384594"/>
+            <a:ext cx="901000" cy="1"/>
+          </a:xfrm>
+          <a:prstGeom prst="bentConnector3">
+            <a:avLst/>
+          </a:prstGeom>
+          <a:ln w="38100">
+            <a:tailEnd type="triangle"/>
+          </a:ln>
+        </p:spPr>
+        <p:style>
+          <a:lnRef idx="1">
+            <a:schemeClr val="accent1"/>
+          </a:lnRef>
+          <a:fillRef idx="0">
+            <a:schemeClr val="accent1"/>
+          </a:fillRef>
+          <a:effectRef idx="0">
+            <a:schemeClr val="accent1"/>
+          </a:effectRef>
+          <a:fontRef idx="minor">
+            <a:schemeClr val="tx1"/>
+          </a:fontRef>
+        </p:style>
+      </p:cxnSp>
+      <p:cxnSp>
+        <p:nvCxnSpPr>
+          <p:cNvPr id="62" name="Connector: Elbow 61">
+            <a:extLst>
+              <a:ext uri="{FF2B5EF4-FFF2-40B4-BE49-F238E27FC236}">
+                <a16:creationId xmlns:a16="http://schemas.microsoft.com/office/drawing/2014/main" id="{F2105380-6C02-4641-8626-585EA10E12AF}"/>
+              </a:ext>
+            </a:extLst>
+          </p:cNvPr>
+          <p:cNvCxnSpPr>
+            <a:cxnSpLocks/>
+          </p:cNvCxnSpPr>
+          <p:nvPr/>
+        </p:nvCxnSpPr>
+        <p:spPr>
+          <a:xfrm flipV="1">
+            <a:off x="6511327" y="6843341"/>
+            <a:ext cx="7313535" cy="6696390"/>
+          </a:xfrm>
+          <a:prstGeom prst="bentConnector3">
+            <a:avLst>
+              <a:gd name="adj1" fmla="val 156114"/>
+            </a:avLst>
+          </a:prstGeom>
+          <a:ln w="38100">
+            <a:tailEnd type="triangle"/>
+          </a:ln>
+        </p:spPr>
+        <p:style>
+          <a:lnRef idx="1">
+            <a:schemeClr val="accent1"/>
+          </a:lnRef>
+          <a:fillRef idx="0">
+            <a:schemeClr val="accent1"/>
+          </a:fillRef>
+          <a:effectRef idx="0">
+            <a:schemeClr val="accent1"/>
+          </a:effectRef>
+          <a:fontRef idx="minor">
+            <a:schemeClr val="tx1"/>
+          </a:fontRef>
+        </p:style>
+      </p:cxnSp>
+      <p:sp>
+        <p:nvSpPr>
+          <p:cNvPr id="70" name="Flowchart: Off-page Connector 69">
+            <a:extLst>
+              <a:ext uri="{FF2B5EF4-FFF2-40B4-BE49-F238E27FC236}">
+                <a16:creationId xmlns:a16="http://schemas.microsoft.com/office/drawing/2014/main" id="{5C20F089-6562-4579-A619-DF0D2A02B0B0}"/>
+              </a:ext>
+            </a:extLst>
+          </p:cNvPr>
+          <p:cNvSpPr/>
+          <p:nvPr/>
+        </p:nvSpPr>
+        <p:spPr>
+          <a:xfrm>
+            <a:off x="4374376" y="8536071"/>
+            <a:ext cx="2090057" cy="820613"/>
+          </a:xfrm>
+          <a:prstGeom prst="flowChartOffpageConnector">
+            <a:avLst/>
+          </a:prstGeom>
+          <a:solidFill>
+            <a:schemeClr val="accent2">
+              <a:lumMod val="75000"/>
+            </a:schemeClr>
+          </a:solidFill>
+        </p:spPr>
+        <p:style>
+          <a:lnRef idx="2">
+            <a:schemeClr val="accent1">
+              <a:shade val="50000"/>
+            </a:schemeClr>
+          </a:lnRef>
+          <a:fillRef idx="1">
+            <a:schemeClr val="accent1"/>
+          </a:fillRef>
+          <a:effectRef idx="0">
+            <a:schemeClr val="accent1"/>
+          </a:effectRef>
+          <a:fontRef idx="minor">
+            <a:schemeClr val="lt1"/>
+          </a:fontRef>
+        </p:style>
+        <p:txBody>
+          <a:bodyPr rtlCol="0" anchor="ctr"/>
+          <a:lstStyle/>
+          <a:p>
+            <a:pPr algn="ctr"/>
+            <a:r>
+              <a:rPr lang="en-US" dirty="0"/>
+              <a:t>Update Door Queue</a:t>
+            </a:r>
+          </a:p>
+        </p:txBody>
+      </p:sp>
+      <p:cxnSp>
+        <p:nvCxnSpPr>
+          <p:cNvPr id="72" name="Connector: Elbow 71">
+            <a:extLst>
+              <a:ext uri="{FF2B5EF4-FFF2-40B4-BE49-F238E27FC236}">
+                <a16:creationId xmlns:a16="http://schemas.microsoft.com/office/drawing/2014/main" id="{76D756E2-0DD9-411E-AF07-364A988D54E9}"/>
+              </a:ext>
+            </a:extLst>
+          </p:cNvPr>
+          <p:cNvCxnSpPr>
+            <a:stCxn id="10" idx="2"/>
+            <a:endCxn id="70" idx="0"/>
+          </p:cNvCxnSpPr>
+          <p:nvPr/>
+        </p:nvCxnSpPr>
+        <p:spPr>
+          <a:xfrm rot="5400000">
+            <a:off x="5160663" y="8277324"/>
+            <a:ext cx="517489" cy="4"/>
+          </a:xfrm>
+          <a:prstGeom prst="bentConnector3">
+            <a:avLst/>
+          </a:prstGeom>
+          <a:ln w="57150">
+            <a:solidFill>
+              <a:schemeClr val="tx1"/>
+            </a:solidFill>
+            <a:prstDash val="sysDot"/>
+            <a:tailEnd type="triangle"/>
+          </a:ln>
+        </p:spPr>
+        <p:style>
+          <a:lnRef idx="1">
+            <a:schemeClr val="accent1"/>
+          </a:lnRef>
+          <a:fillRef idx="0">
+            <a:schemeClr val="accent1"/>
+          </a:fillRef>
+          <a:effectRef idx="0">
+            <a:schemeClr val="accent1"/>
+          </a:effectRef>
+          <a:fontRef idx="minor">
+            <a:schemeClr val="tx1"/>
+          </a:fontRef>
+        </p:style>
+      </p:cxnSp>
+      <p:sp>
+        <p:nvSpPr>
+          <p:cNvPr id="75" name="Flowchart: Off-page Connector 74">
+            <a:extLst>
+              <a:ext uri="{FF2B5EF4-FFF2-40B4-BE49-F238E27FC236}">
+                <a16:creationId xmlns:a16="http://schemas.microsoft.com/office/drawing/2014/main" id="{0CD5C67A-463D-44D4-8CBB-483D5C1802A3}"/>
+              </a:ext>
+            </a:extLst>
+          </p:cNvPr>
+          <p:cNvSpPr/>
+          <p:nvPr/>
+        </p:nvSpPr>
+        <p:spPr>
+          <a:xfrm>
+            <a:off x="11502011" y="12217119"/>
+            <a:ext cx="2090057" cy="820613"/>
+          </a:xfrm>
+          <a:prstGeom prst="flowChartOffpageConnector">
+            <a:avLst/>
+          </a:prstGeom>
+          <a:solidFill>
+            <a:schemeClr val="accent2">
+              <a:lumMod val="75000"/>
+            </a:schemeClr>
+          </a:solidFill>
+        </p:spPr>
+        <p:style>
+          <a:lnRef idx="2">
+            <a:schemeClr val="accent1">
+              <a:shade val="50000"/>
+            </a:schemeClr>
+          </a:lnRef>
+          <a:fillRef idx="1">
+            <a:schemeClr val="accent1"/>
+          </a:fillRef>
+          <a:effectRef idx="0">
+            <a:schemeClr val="accent1"/>
+          </a:effectRef>
+          <a:fontRef idx="minor">
+            <a:schemeClr val="lt1"/>
+          </a:fontRef>
+        </p:style>
+        <p:txBody>
+          <a:bodyPr rtlCol="0" anchor="ctr"/>
+          <a:lstStyle/>
+          <a:p>
+            <a:pPr algn="ctr"/>
+            <a:r>
+              <a:rPr lang="en-US" dirty="0"/>
+              <a:t>Update Door Queue</a:t>
+            </a:r>
+          </a:p>
+        </p:txBody>
+      </p:sp>
+      <p:cxnSp>
+        <p:nvCxnSpPr>
+          <p:cNvPr id="77" name="Connector: Elbow 76">
+            <a:extLst>
+              <a:ext uri="{FF2B5EF4-FFF2-40B4-BE49-F238E27FC236}">
+                <a16:creationId xmlns:a16="http://schemas.microsoft.com/office/drawing/2014/main" id="{76AC5919-165B-4166-9993-AC0A5191AC7E}"/>
+              </a:ext>
+            </a:extLst>
+          </p:cNvPr>
+          <p:cNvCxnSpPr>
+            <a:stCxn id="22" idx="2"/>
+            <a:endCxn id="75" idx="0"/>
+          </p:cNvCxnSpPr>
+          <p:nvPr/>
+        </p:nvCxnSpPr>
+        <p:spPr>
+          <a:xfrm rot="5400000">
+            <a:off x="12279504" y="11949582"/>
+            <a:ext cx="535074" cy="1"/>
+          </a:xfrm>
+          <a:prstGeom prst="bentConnector3">
+            <a:avLst/>
+          </a:prstGeom>
+          <a:ln w="38100">
+            <a:solidFill>
+              <a:schemeClr val="tx1"/>
+            </a:solidFill>
+            <a:prstDash val="sysDot"/>
+            <a:tailEnd type="triangle"/>
+          </a:ln>
+        </p:spPr>
+        <p:style>
+          <a:lnRef idx="1">
+            <a:schemeClr val="accent1"/>
+          </a:lnRef>
+          <a:fillRef idx="0">
+            <a:schemeClr val="accent1"/>
+          </a:fillRef>
+          <a:effectRef idx="0">
+            <a:schemeClr val="accent1"/>
+          </a:effectRef>
+          <a:fontRef idx="minor">
+            <a:schemeClr val="tx1"/>
+          </a:fontRef>
+        </p:style>
+      </p:cxnSp>
+      <p:sp>
+        <p:nvSpPr>
+          <p:cNvPr id="79" name="Flowchart: Off-page Connector 78">
+            <a:extLst>
+              <a:ext uri="{FF2B5EF4-FFF2-40B4-BE49-F238E27FC236}">
+                <a16:creationId xmlns:a16="http://schemas.microsoft.com/office/drawing/2014/main" id="{5EC41B66-F2E3-4DEF-AA96-CF41F5097C99}"/>
+              </a:ext>
+            </a:extLst>
+          </p:cNvPr>
+          <p:cNvSpPr/>
+          <p:nvPr/>
+        </p:nvSpPr>
+        <p:spPr>
+          <a:xfrm>
+            <a:off x="993103" y="4010966"/>
+            <a:ext cx="2090057" cy="820613"/>
+          </a:xfrm>
+          <a:prstGeom prst="flowChartOffpageConnector">
+            <a:avLst/>
+          </a:prstGeom>
+          <a:solidFill>
+            <a:schemeClr val="accent2">
+              <a:lumMod val="75000"/>
+            </a:schemeClr>
+          </a:solidFill>
+        </p:spPr>
+        <p:style>
+          <a:lnRef idx="2">
+            <a:schemeClr val="accent1">
+              <a:shade val="50000"/>
+            </a:schemeClr>
+          </a:lnRef>
+          <a:fillRef idx="1">
+            <a:schemeClr val="accent1"/>
+          </a:fillRef>
+          <a:effectRef idx="0">
+            <a:schemeClr val="accent1"/>
+          </a:effectRef>
+          <a:fontRef idx="minor">
+            <a:schemeClr val="lt1"/>
+          </a:fontRef>
+        </p:style>
+        <p:txBody>
+          <a:bodyPr rtlCol="0" anchor="ctr"/>
+          <a:lstStyle/>
+          <a:p>
+            <a:pPr algn="ctr"/>
+            <a:r>
+              <a:rPr lang="en-US" dirty="0"/>
+              <a:t>Shared RFID Queue</a:t>
+            </a:r>
+          </a:p>
+        </p:txBody>
+      </p:sp>
+      <p:cxnSp>
+        <p:nvCxnSpPr>
+          <p:cNvPr id="81" name="Connector: Elbow 80">
+            <a:extLst>
+              <a:ext uri="{FF2B5EF4-FFF2-40B4-BE49-F238E27FC236}">
+                <a16:creationId xmlns:a16="http://schemas.microsoft.com/office/drawing/2014/main" id="{0BB1F608-7EEE-41B9-9090-0A4E61F1EFF5}"/>
+              </a:ext>
+            </a:extLst>
+          </p:cNvPr>
+          <p:cNvCxnSpPr>
+            <a:stCxn id="79" idx="2"/>
+            <a:endCxn id="11" idx="1"/>
+          </p:cNvCxnSpPr>
+          <p:nvPr/>
+        </p:nvCxnSpPr>
+        <p:spPr>
+          <a:xfrm rot="16200000" flipH="1">
+            <a:off x="4090090" y="2779620"/>
+            <a:ext cx="2025584" cy="6129501"/>
+          </a:xfrm>
+          <a:prstGeom prst="bentConnector2">
+            <a:avLst/>
+          </a:prstGeom>
+          <a:ln w="38100">
+            <a:solidFill>
+              <a:schemeClr val="tx1"/>
+            </a:solidFill>
+            <a:prstDash val="sysDot"/>
+            <a:tailEnd type="triangle"/>
+          </a:ln>
+        </p:spPr>
+        <p:style>
+          <a:lnRef idx="1">
+            <a:schemeClr val="accent1"/>
+          </a:lnRef>
+          <a:fillRef idx="0">
+            <a:schemeClr val="accent1"/>
+          </a:fillRef>
+          <a:effectRef idx="0">
+            <a:schemeClr val="accent1"/>
+          </a:effectRef>
+          <a:fontRef idx="minor">
+            <a:schemeClr val="tx1"/>
+          </a:fontRef>
+        </p:style>
+      </p:cxnSp>
+      <p:cxnSp>
+        <p:nvCxnSpPr>
+          <p:cNvPr id="86" name="Connector: Elbow 85">
+            <a:extLst>
+              <a:ext uri="{FF2B5EF4-FFF2-40B4-BE49-F238E27FC236}">
+                <a16:creationId xmlns:a16="http://schemas.microsoft.com/office/drawing/2014/main" id="{9DAD9B52-0C02-4533-BAA3-4A77F616C300}"/>
+              </a:ext>
+            </a:extLst>
+          </p:cNvPr>
+          <p:cNvCxnSpPr>
+            <a:stCxn id="79" idx="2"/>
+            <a:endCxn id="20" idx="1"/>
+          </p:cNvCxnSpPr>
+          <p:nvPr/>
+        </p:nvCxnSpPr>
+        <p:spPr>
+          <a:xfrm rot="16200000" flipH="1">
+            <a:off x="-139429" y="7009139"/>
+            <a:ext cx="6691369" cy="2336247"/>
+          </a:xfrm>
+          <a:prstGeom prst="bentConnector2">
+            <a:avLst/>
+          </a:prstGeom>
+          <a:ln w="38100">
+            <a:solidFill>
+              <a:schemeClr val="tx1"/>
+            </a:solidFill>
+            <a:prstDash val="sysDot"/>
+            <a:tailEnd type="triangle"/>
+          </a:ln>
+        </p:spPr>
+        <p:style>
+          <a:lnRef idx="1">
+            <a:schemeClr val="accent1"/>
+          </a:lnRef>
+          <a:fillRef idx="0">
+            <a:schemeClr val="accent1"/>
+          </a:fillRef>
+          <a:effectRef idx="0">
+            <a:schemeClr val="accent1"/>
+          </a:effectRef>
+          <a:fontRef idx="minor">
+            <a:schemeClr val="tx1"/>
+          </a:fontRef>
+        </p:style>
+      </p:cxnSp>
+      <p:grpSp>
+        <p:nvGrpSpPr>
+          <p:cNvPr id="111" name="Group 110">
+            <a:extLst>
+              <a:ext uri="{FF2B5EF4-FFF2-40B4-BE49-F238E27FC236}">
+                <a16:creationId xmlns:a16="http://schemas.microsoft.com/office/drawing/2014/main" id="{244AC103-4941-4267-9E0F-CB737026FEA8}"/>
+              </a:ext>
+            </a:extLst>
+          </p:cNvPr>
+          <p:cNvGrpSpPr/>
+          <p:nvPr/>
+        </p:nvGrpSpPr>
+        <p:grpSpPr>
+          <a:xfrm>
+            <a:off x="17263063" y="779585"/>
+            <a:ext cx="2574458" cy="3479758"/>
+            <a:chOff x="14637095" y="779585"/>
+            <a:chExt cx="2574458" cy="3479758"/>
+          </a:xfrm>
+        </p:grpSpPr>
+        <p:sp>
+          <p:nvSpPr>
+            <p:cNvPr id="93" name="Rectangle: Rounded Corners 92">
+              <a:extLst>
+                <a:ext uri="{FF2B5EF4-FFF2-40B4-BE49-F238E27FC236}">
+                  <a16:creationId xmlns:a16="http://schemas.microsoft.com/office/drawing/2014/main" id="{26E00E05-2724-4B16-B0C6-580ED0AC611B}"/>
+                </a:ext>
+              </a:extLst>
+            </p:cNvPr>
+            <p:cNvSpPr/>
+            <p:nvPr/>
+          </p:nvSpPr>
+          <p:spPr>
+            <a:xfrm>
+              <a:off x="14637095" y="779585"/>
+              <a:ext cx="1024936" cy="369278"/>
+            </a:xfrm>
+            <a:prstGeom prst="roundRect">
+              <a:avLst/>
+            </a:prstGeom>
+            <a:solidFill>
+              <a:schemeClr val="accent1">
+                <a:alpha val="40000"/>
+              </a:schemeClr>
+            </a:solidFill>
+            <a:ln>
+              <a:solidFill>
+                <a:schemeClr val="tx1"/>
+              </a:solidFill>
+            </a:ln>
+          </p:spPr>
+          <p:style>
+            <a:lnRef idx="2">
+              <a:schemeClr val="accent1">
+                <a:shade val="50000"/>
+              </a:schemeClr>
+            </a:lnRef>
+            <a:fillRef idx="1">
+              <a:schemeClr val="accent1"/>
+            </a:fillRef>
+            <a:effectRef idx="0">
+              <a:schemeClr val="accent1"/>
+            </a:effectRef>
+            <a:fontRef idx="minor">
+              <a:schemeClr val="lt1"/>
+            </a:fontRef>
+          </p:style>
+          <p:txBody>
+            <a:bodyPr rtlCol="0" anchor="ctr"/>
+            <a:lstStyle/>
+            <a:p>
+              <a:pPr algn="ctr"/>
+              <a:endParaRPr lang="en-US"/>
+            </a:p>
+          </p:txBody>
+        </p:sp>
+        <p:sp>
+          <p:nvSpPr>
+            <p:cNvPr id="94" name="Rectangle: Rounded Corners 93">
+              <a:extLst>
+                <a:ext uri="{FF2B5EF4-FFF2-40B4-BE49-F238E27FC236}">
+                  <a16:creationId xmlns:a16="http://schemas.microsoft.com/office/drawing/2014/main" id="{57AD9657-EF9E-4256-ADA5-45BF59B8F15D}"/>
+                </a:ext>
+              </a:extLst>
+            </p:cNvPr>
+            <p:cNvSpPr/>
+            <p:nvPr/>
+          </p:nvSpPr>
+          <p:spPr>
+            <a:xfrm>
+              <a:off x="14637095" y="1298123"/>
+              <a:ext cx="1024936" cy="369278"/>
+            </a:xfrm>
+            <a:prstGeom prst="roundRect">
+              <a:avLst/>
+            </a:prstGeom>
+            <a:solidFill>
+              <a:srgbClr val="00B050">
+                <a:alpha val="40000"/>
+              </a:srgbClr>
+            </a:solidFill>
+            <a:ln>
+              <a:solidFill>
+                <a:schemeClr val="tx1"/>
+              </a:solidFill>
+            </a:ln>
+          </p:spPr>
+          <p:style>
+            <a:lnRef idx="2">
+              <a:schemeClr val="accent1">
+                <a:shade val="50000"/>
+              </a:schemeClr>
+            </a:lnRef>
+            <a:fillRef idx="1">
+              <a:schemeClr val="accent1"/>
+            </a:fillRef>
+            <a:effectRef idx="0">
+              <a:schemeClr val="accent1"/>
+            </a:effectRef>
+            <a:fontRef idx="minor">
+              <a:schemeClr val="lt1"/>
+            </a:fontRef>
+          </p:style>
+          <p:txBody>
+            <a:bodyPr rtlCol="0" anchor="ctr"/>
+            <a:lstStyle/>
+            <a:p>
+              <a:pPr algn="ctr"/>
+              <a:endParaRPr lang="en-US"/>
+            </a:p>
+          </p:txBody>
+        </p:sp>
+        <p:sp>
+          <p:nvSpPr>
+            <p:cNvPr id="95" name="Rectangle: Rounded Corners 94">
+              <a:extLst>
+                <a:ext uri="{FF2B5EF4-FFF2-40B4-BE49-F238E27FC236}">
+                  <a16:creationId xmlns:a16="http://schemas.microsoft.com/office/drawing/2014/main" id="{B994CD2C-EC47-4FF1-88F3-8F702CCA49A4}"/>
+                </a:ext>
+              </a:extLst>
+            </p:cNvPr>
+            <p:cNvSpPr/>
+            <p:nvPr/>
+          </p:nvSpPr>
+          <p:spPr>
+            <a:xfrm>
+              <a:off x="14637095" y="1816661"/>
+              <a:ext cx="1024936" cy="369278"/>
+            </a:xfrm>
+            <a:prstGeom prst="roundRect">
+              <a:avLst/>
+            </a:prstGeom>
+            <a:solidFill>
+              <a:srgbClr val="8C3FC5">
+                <a:alpha val="40000"/>
+              </a:srgbClr>
+            </a:solidFill>
+            <a:ln>
+              <a:solidFill>
+                <a:schemeClr val="tx1"/>
+              </a:solidFill>
+            </a:ln>
+          </p:spPr>
+          <p:style>
+            <a:lnRef idx="2">
+              <a:schemeClr val="accent1">
+                <a:shade val="50000"/>
+              </a:schemeClr>
+            </a:lnRef>
+            <a:fillRef idx="1">
+              <a:schemeClr val="accent1"/>
+            </a:fillRef>
+            <a:effectRef idx="0">
+              <a:schemeClr val="accent1"/>
+            </a:effectRef>
+            <a:fontRef idx="minor">
+              <a:schemeClr val="lt1"/>
+            </a:fontRef>
+          </p:style>
+          <p:txBody>
+            <a:bodyPr rtlCol="0" anchor="ctr"/>
+            <a:lstStyle/>
+            <a:p>
+              <a:pPr algn="ctr"/>
+              <a:endParaRPr lang="en-US"/>
+            </a:p>
+          </p:txBody>
+        </p:sp>
+        <p:sp>
+          <p:nvSpPr>
+            <p:cNvPr id="96" name="TextBox 95">
+              <a:extLst>
+                <a:ext uri="{FF2B5EF4-FFF2-40B4-BE49-F238E27FC236}">
+                  <a16:creationId xmlns:a16="http://schemas.microsoft.com/office/drawing/2014/main" id="{15C9E17F-B4E2-4552-A260-425467779D7D}"/>
+                </a:ext>
+              </a:extLst>
+            </p:cNvPr>
+            <p:cNvSpPr txBox="1"/>
+            <p:nvPr/>
+          </p:nvSpPr>
+          <p:spPr>
+            <a:xfrm>
+              <a:off x="15857317" y="779585"/>
+              <a:ext cx="1024936" cy="369278"/>
+            </a:xfrm>
+            <a:prstGeom prst="rect">
+              <a:avLst/>
+            </a:prstGeom>
+            <a:noFill/>
+          </p:spPr>
+          <p:txBody>
+            <a:bodyPr wrap="square" rtlCol="0">
+              <a:spAutoFit/>
+            </a:bodyPr>
+            <a:lstStyle/>
+            <a:p>
+              <a:r>
+                <a:rPr lang="en-US" dirty="0"/>
+                <a:t>Mode 1</a:t>
+              </a:r>
+            </a:p>
+          </p:txBody>
+        </p:sp>
+        <p:sp>
+          <p:nvSpPr>
+            <p:cNvPr id="97" name="TextBox 96">
+              <a:extLst>
+                <a:ext uri="{FF2B5EF4-FFF2-40B4-BE49-F238E27FC236}">
+                  <a16:creationId xmlns:a16="http://schemas.microsoft.com/office/drawing/2014/main" id="{74BE9759-A12B-4E15-BC7F-F6405F3B790B}"/>
+                </a:ext>
+              </a:extLst>
+            </p:cNvPr>
+            <p:cNvSpPr txBox="1"/>
+            <p:nvPr/>
+          </p:nvSpPr>
+          <p:spPr>
+            <a:xfrm>
+              <a:off x="15857317" y="1298123"/>
+              <a:ext cx="1024936" cy="369278"/>
+            </a:xfrm>
+            <a:prstGeom prst="rect">
+              <a:avLst/>
+            </a:prstGeom>
+            <a:noFill/>
+          </p:spPr>
+          <p:txBody>
+            <a:bodyPr wrap="square" rtlCol="0">
+              <a:spAutoFit/>
+            </a:bodyPr>
+            <a:lstStyle/>
+            <a:p>
+              <a:r>
+                <a:rPr lang="en-US" dirty="0"/>
+                <a:t>Mode 2</a:t>
+              </a:r>
+            </a:p>
+          </p:txBody>
+        </p:sp>
+        <p:sp>
+          <p:nvSpPr>
+            <p:cNvPr id="98" name="TextBox 97">
+              <a:extLst>
+                <a:ext uri="{FF2B5EF4-FFF2-40B4-BE49-F238E27FC236}">
+                  <a16:creationId xmlns:a16="http://schemas.microsoft.com/office/drawing/2014/main" id="{DA0E934D-0B05-49FF-BA6F-AE472D330E32}"/>
+                </a:ext>
+              </a:extLst>
+            </p:cNvPr>
+            <p:cNvSpPr txBox="1"/>
+            <p:nvPr/>
+          </p:nvSpPr>
+          <p:spPr>
+            <a:xfrm>
+              <a:off x="15857317" y="1816661"/>
+              <a:ext cx="1024936" cy="369278"/>
+            </a:xfrm>
+            <a:prstGeom prst="rect">
+              <a:avLst/>
+            </a:prstGeom>
+            <a:noFill/>
+          </p:spPr>
+          <p:txBody>
+            <a:bodyPr wrap="square" rtlCol="0">
+              <a:spAutoFit/>
+            </a:bodyPr>
+            <a:lstStyle/>
+            <a:p>
+              <a:r>
+                <a:rPr lang="en-US" dirty="0"/>
+                <a:t>Mode 3</a:t>
+              </a:r>
+            </a:p>
+          </p:txBody>
+        </p:sp>
+        <p:cxnSp>
+          <p:nvCxnSpPr>
+            <p:cNvPr id="103" name="Straight Arrow Connector 102">
+              <a:extLst>
+                <a:ext uri="{FF2B5EF4-FFF2-40B4-BE49-F238E27FC236}">
+                  <a16:creationId xmlns:a16="http://schemas.microsoft.com/office/drawing/2014/main" id="{35278F8B-42EE-4263-8A4D-D7855E0007EC}"/>
+                </a:ext>
+              </a:extLst>
+            </p:cNvPr>
+            <p:cNvCxnSpPr/>
+            <p:nvPr/>
+          </p:nvCxnSpPr>
+          <p:spPr>
+            <a:xfrm>
+              <a:off x="14637095" y="2519838"/>
+              <a:ext cx="1024936" cy="0"/>
+            </a:xfrm>
+            <a:prstGeom prst="straightConnector1">
+              <a:avLst/>
+            </a:prstGeom>
+            <a:ln w="38100">
+              <a:solidFill>
+                <a:srgbClr val="00B050"/>
+              </a:solidFill>
+              <a:tailEnd type="triangle"/>
+            </a:ln>
+          </p:spPr>
+          <p:style>
+            <a:lnRef idx="1">
+              <a:schemeClr val="accent1"/>
+            </a:lnRef>
+            <a:fillRef idx="0">
+              <a:schemeClr val="accent1"/>
+            </a:fillRef>
+            <a:effectRef idx="0">
+              <a:schemeClr val="accent1"/>
+            </a:effectRef>
+            <a:fontRef idx="minor">
+              <a:schemeClr val="tx1"/>
+            </a:fontRef>
+          </p:style>
+        </p:cxnSp>
+        <p:cxnSp>
+          <p:nvCxnSpPr>
+            <p:cNvPr id="104" name="Straight Arrow Connector 103">
+              <a:extLst>
+                <a:ext uri="{FF2B5EF4-FFF2-40B4-BE49-F238E27FC236}">
+                  <a16:creationId xmlns:a16="http://schemas.microsoft.com/office/drawing/2014/main" id="{CCF9C7BA-419A-4F44-836D-840E7BA93B90}"/>
+                </a:ext>
+              </a:extLst>
+            </p:cNvPr>
+            <p:cNvCxnSpPr/>
+            <p:nvPr/>
+          </p:nvCxnSpPr>
+          <p:spPr>
+            <a:xfrm>
+              <a:off x="14637095" y="3038376"/>
+              <a:ext cx="1024936" cy="0"/>
+            </a:xfrm>
+            <a:prstGeom prst="straightConnector1">
+              <a:avLst/>
+            </a:prstGeom>
+            <a:ln w="38100">
+              <a:solidFill>
+                <a:srgbClr val="FF0000"/>
+              </a:solidFill>
+              <a:tailEnd type="triangle"/>
+            </a:ln>
+          </p:spPr>
+          <p:style>
+            <a:lnRef idx="1">
+              <a:schemeClr val="accent1"/>
+            </a:lnRef>
+            <a:fillRef idx="0">
+              <a:schemeClr val="accent1"/>
+            </a:fillRef>
+            <a:effectRef idx="0">
+              <a:schemeClr val="accent1"/>
+            </a:effectRef>
+            <a:fontRef idx="minor">
+              <a:schemeClr val="tx1"/>
+            </a:fontRef>
+          </p:style>
+        </p:cxnSp>
+        <p:sp>
+          <p:nvSpPr>
+            <p:cNvPr id="105" name="TextBox 104">
+              <a:extLst>
+                <a:ext uri="{FF2B5EF4-FFF2-40B4-BE49-F238E27FC236}">
+                  <a16:creationId xmlns:a16="http://schemas.microsoft.com/office/drawing/2014/main" id="{E40A38CB-5A62-4CEA-B1FA-9CF1F15AD255}"/>
+                </a:ext>
+              </a:extLst>
+            </p:cNvPr>
+            <p:cNvSpPr txBox="1"/>
+            <p:nvPr/>
+          </p:nvSpPr>
+          <p:spPr>
+            <a:xfrm>
+              <a:off x="15857317" y="2335199"/>
+              <a:ext cx="1024936" cy="369278"/>
+            </a:xfrm>
+            <a:prstGeom prst="rect">
+              <a:avLst/>
+            </a:prstGeom>
+            <a:noFill/>
+          </p:spPr>
+          <p:txBody>
+            <a:bodyPr wrap="square" rtlCol="0">
+              <a:spAutoFit/>
+            </a:bodyPr>
+            <a:lstStyle/>
+            <a:p>
+              <a:r>
+                <a:rPr lang="en-US" dirty="0"/>
+                <a:t>YES</a:t>
+              </a:r>
+            </a:p>
+          </p:txBody>
+        </p:sp>
+        <p:sp>
+          <p:nvSpPr>
+            <p:cNvPr id="106" name="TextBox 105">
+              <a:extLst>
+                <a:ext uri="{FF2B5EF4-FFF2-40B4-BE49-F238E27FC236}">
+                  <a16:creationId xmlns:a16="http://schemas.microsoft.com/office/drawing/2014/main" id="{E026B96C-247C-4DFD-85F1-7030D7F083C3}"/>
+                </a:ext>
+              </a:extLst>
+            </p:cNvPr>
+            <p:cNvSpPr txBox="1"/>
+            <p:nvPr/>
+          </p:nvSpPr>
+          <p:spPr>
+            <a:xfrm>
+              <a:off x="15857317" y="2853737"/>
+              <a:ext cx="1024936" cy="369278"/>
+            </a:xfrm>
+            <a:prstGeom prst="rect">
+              <a:avLst/>
+            </a:prstGeom>
+            <a:noFill/>
+          </p:spPr>
+          <p:txBody>
+            <a:bodyPr wrap="square" rtlCol="0">
+              <a:spAutoFit/>
+            </a:bodyPr>
+            <a:lstStyle/>
+            <a:p>
+              <a:r>
+                <a:rPr lang="en-US" dirty="0"/>
+                <a:t>NO</a:t>
+              </a:r>
+            </a:p>
+          </p:txBody>
+        </p:sp>
+        <p:cxnSp>
+          <p:nvCxnSpPr>
+            <p:cNvPr id="107" name="Straight Arrow Connector 106">
+              <a:extLst>
+                <a:ext uri="{FF2B5EF4-FFF2-40B4-BE49-F238E27FC236}">
+                  <a16:creationId xmlns:a16="http://schemas.microsoft.com/office/drawing/2014/main" id="{0347E52D-11F2-4C11-BB2E-D25E13BB13CA}"/>
+                </a:ext>
+              </a:extLst>
+            </p:cNvPr>
+            <p:cNvCxnSpPr/>
+            <p:nvPr/>
+          </p:nvCxnSpPr>
+          <p:spPr>
+            <a:xfrm>
+              <a:off x="14637095" y="3540770"/>
+              <a:ext cx="1024936" cy="0"/>
+            </a:xfrm>
+            <a:prstGeom prst="straightConnector1">
+              <a:avLst/>
+            </a:prstGeom>
+            <a:ln w="38100">
+              <a:solidFill>
+                <a:schemeClr val="tx1"/>
+              </a:solidFill>
+              <a:prstDash val="sysDot"/>
+              <a:tailEnd type="triangle"/>
+            </a:ln>
+          </p:spPr>
+          <p:style>
+            <a:lnRef idx="1">
+              <a:schemeClr val="accent1"/>
+            </a:lnRef>
+            <a:fillRef idx="0">
+              <a:schemeClr val="accent1"/>
+            </a:fillRef>
+            <a:effectRef idx="0">
+              <a:schemeClr val="accent1"/>
+            </a:effectRef>
+            <a:fontRef idx="minor">
+              <a:schemeClr val="tx1"/>
+            </a:fontRef>
+          </p:style>
+        </p:cxnSp>
+        <p:sp>
+          <p:nvSpPr>
+            <p:cNvPr id="108" name="TextBox 107">
+              <a:extLst>
+                <a:ext uri="{FF2B5EF4-FFF2-40B4-BE49-F238E27FC236}">
+                  <a16:creationId xmlns:a16="http://schemas.microsoft.com/office/drawing/2014/main" id="{BADD5D42-775A-4051-B214-3098DC4DE962}"/>
+                </a:ext>
+              </a:extLst>
+            </p:cNvPr>
+            <p:cNvSpPr txBox="1"/>
+            <p:nvPr/>
+          </p:nvSpPr>
+          <p:spPr>
+            <a:xfrm>
+              <a:off x="15857316" y="3371847"/>
+              <a:ext cx="1354237" cy="369332"/>
+            </a:xfrm>
+            <a:prstGeom prst="rect">
+              <a:avLst/>
+            </a:prstGeom>
+            <a:noFill/>
+          </p:spPr>
+          <p:txBody>
+            <a:bodyPr wrap="square" rtlCol="0">
+              <a:spAutoFit/>
+            </a:bodyPr>
+            <a:lstStyle/>
+            <a:p>
+              <a:r>
+                <a:rPr lang="en-US" dirty="0"/>
+                <a:t>Queue Data</a:t>
+              </a:r>
+            </a:p>
+          </p:txBody>
+        </p:sp>
+        <p:sp>
+          <p:nvSpPr>
+            <p:cNvPr id="109" name="Rectangle 108">
+              <a:extLst>
+                <a:ext uri="{FF2B5EF4-FFF2-40B4-BE49-F238E27FC236}">
+                  <a16:creationId xmlns:a16="http://schemas.microsoft.com/office/drawing/2014/main" id="{E0874615-2AA1-422D-8F7E-2BA03B5A8124}"/>
+                </a:ext>
+              </a:extLst>
+            </p:cNvPr>
+            <p:cNvSpPr/>
+            <p:nvPr/>
+          </p:nvSpPr>
+          <p:spPr>
+            <a:xfrm>
+              <a:off x="14637095" y="3890011"/>
+              <a:ext cx="1024936" cy="350369"/>
+            </a:xfrm>
+            <a:prstGeom prst="rect">
+              <a:avLst/>
+            </a:prstGeom>
+            <a:ln w="38100">
+              <a:solidFill>
+                <a:schemeClr val="tx1"/>
+              </a:solidFill>
+              <a:prstDash val="dash"/>
+            </a:ln>
+          </p:spPr>
+          <p:style>
+            <a:lnRef idx="2">
+              <a:schemeClr val="accent1">
+                <a:shade val="50000"/>
+              </a:schemeClr>
+            </a:lnRef>
+            <a:fillRef idx="1">
+              <a:schemeClr val="accent1"/>
+            </a:fillRef>
+            <a:effectRef idx="0">
+              <a:schemeClr val="accent1"/>
+            </a:effectRef>
+            <a:fontRef idx="minor">
+              <a:schemeClr val="lt1"/>
+            </a:fontRef>
+          </p:style>
+          <p:txBody>
+            <a:bodyPr rtlCol="0" anchor="ctr"/>
+            <a:lstStyle/>
+            <a:p>
+              <a:pPr algn="ctr"/>
+              <a:endParaRPr lang="en-US"/>
+            </a:p>
+          </p:txBody>
+        </p:sp>
+        <p:sp>
+          <p:nvSpPr>
+            <p:cNvPr id="110" name="TextBox 109">
+              <a:extLst>
+                <a:ext uri="{FF2B5EF4-FFF2-40B4-BE49-F238E27FC236}">
+                  <a16:creationId xmlns:a16="http://schemas.microsoft.com/office/drawing/2014/main" id="{C86916FE-E760-476A-85CF-52A969AB1081}"/>
+                </a:ext>
+              </a:extLst>
+            </p:cNvPr>
+            <p:cNvSpPr txBox="1"/>
+            <p:nvPr/>
+          </p:nvSpPr>
+          <p:spPr>
+            <a:xfrm>
+              <a:off x="15857316" y="3890011"/>
+              <a:ext cx="1354237" cy="369332"/>
+            </a:xfrm>
+            <a:prstGeom prst="rect">
+              <a:avLst/>
+            </a:prstGeom>
+            <a:noFill/>
+          </p:spPr>
+          <p:txBody>
+            <a:bodyPr wrap="square" rtlCol="0">
+              <a:spAutoFit/>
+            </a:bodyPr>
+            <a:lstStyle/>
+            <a:p>
+              <a:r>
+                <a:rPr lang="en-US" dirty="0"/>
+                <a:t>Thread</a:t>
+              </a:r>
+            </a:p>
+          </p:txBody>
+        </p:sp>
+      </p:grpSp>
+      <p:sp>
+        <p:nvSpPr>
+          <p:cNvPr id="113" name="TextBox 112">
+            <a:extLst>
+              <a:ext uri="{FF2B5EF4-FFF2-40B4-BE49-F238E27FC236}">
+                <a16:creationId xmlns:a16="http://schemas.microsoft.com/office/drawing/2014/main" id="{6017EEF9-D4EC-4924-BBE1-912860B2E973}"/>
+              </a:ext>
+            </a:extLst>
+          </p:cNvPr>
+          <p:cNvSpPr txBox="1"/>
+          <p:nvPr/>
+        </p:nvSpPr>
+        <p:spPr>
+          <a:xfrm>
+            <a:off x="773723" y="779585"/>
+            <a:ext cx="15568245" cy="1246495"/>
+          </a:xfrm>
+          <a:prstGeom prst="rect">
+            <a:avLst/>
+          </a:prstGeom>
+          <a:noFill/>
+        </p:spPr>
+        <p:txBody>
+          <a:bodyPr wrap="square" rtlCol="0">
+            <a:spAutoFit/>
+          </a:bodyPr>
+          <a:lstStyle/>
+          <a:p>
+            <a:r>
+              <a:rPr lang="en-US" sz="7500" dirty="0"/>
+              <a:t>Python Decision Tree</a:t>
+            </a:r>
+          </a:p>
+        </p:txBody>
+      </p:sp>
     </p:spTree>
     <p:extLst>
       <p:ext uri="{BB962C8B-B14F-4D97-AF65-F5344CB8AC3E}">
-        <p14:creationId xmlns:p14="http://schemas.microsoft.com/office/powerpoint/2010/main" val="1757210696"/>
+        <p14:creationId xmlns:p14="http://schemas.microsoft.com/office/powerpoint/2010/main" val="3463141290"/>
       </p:ext>
     </p:extLst>
   </p:cSld>

--- a/Software/Software System Architecture.pptx
+++ b/Software/Software System Architecture.pptx
@@ -8,7 +8,8 @@
     <p:sldId id="256" r:id="rId2"/>
     <p:sldId id="258" r:id="rId3"/>
     <p:sldId id="260" r:id="rId4"/>
-    <p:sldId id="257" r:id="rId5"/>
+    <p:sldId id="261" r:id="rId5"/>
+    <p:sldId id="257" r:id="rId6"/>
   </p:sldIdLst>
   <p:sldSz cx="21945600" cy="16459200"/>
   <p:notesSz cx="6858000" cy="9144000"/>
@@ -115,6 +116,7 @@
             <p14:sldId id="256"/>
             <p14:sldId id="258"/>
             <p14:sldId id="260"/>
+            <p14:sldId id="261"/>
             <p14:sldId id="257"/>
           </p14:sldIdLst>
         </p14:section>
@@ -258,7 +260,7 @@
           <a:p>
             <a:fld id="{F62E71A9-A198-4BC2-915B-5C3ABADD511E}" type="datetimeFigureOut">
               <a:rPr lang="en-US" smtClean="0"/>
-              <a:t>9/19/2019</a:t>
+              <a:t>9/20/2019</a:t>
             </a:fld>
             <a:endParaRPr lang="en-US"/>
           </a:p>
@@ -428,7 +430,7 @@
           <a:p>
             <a:fld id="{F62E71A9-A198-4BC2-915B-5C3ABADD511E}" type="datetimeFigureOut">
               <a:rPr lang="en-US" smtClean="0"/>
-              <a:t>9/19/2019</a:t>
+              <a:t>9/20/2019</a:t>
             </a:fld>
             <a:endParaRPr lang="en-US"/>
           </a:p>
@@ -608,7 +610,7 @@
           <a:p>
             <a:fld id="{F62E71A9-A198-4BC2-915B-5C3ABADD511E}" type="datetimeFigureOut">
               <a:rPr lang="en-US" smtClean="0"/>
-              <a:t>9/19/2019</a:t>
+              <a:t>9/20/2019</a:t>
             </a:fld>
             <a:endParaRPr lang="en-US"/>
           </a:p>
@@ -778,7 +780,7 @@
           <a:p>
             <a:fld id="{F62E71A9-A198-4BC2-915B-5C3ABADD511E}" type="datetimeFigureOut">
               <a:rPr lang="en-US" smtClean="0"/>
-              <a:t>9/19/2019</a:t>
+              <a:t>9/20/2019</a:t>
             </a:fld>
             <a:endParaRPr lang="en-US"/>
           </a:p>
@@ -1022,7 +1024,7 @@
           <a:p>
             <a:fld id="{F62E71A9-A198-4BC2-915B-5C3ABADD511E}" type="datetimeFigureOut">
               <a:rPr lang="en-US" smtClean="0"/>
-              <a:t>9/19/2019</a:t>
+              <a:t>9/20/2019</a:t>
             </a:fld>
             <a:endParaRPr lang="en-US"/>
           </a:p>
@@ -1254,7 +1256,7 @@
           <a:p>
             <a:fld id="{F62E71A9-A198-4BC2-915B-5C3ABADD511E}" type="datetimeFigureOut">
               <a:rPr lang="en-US" smtClean="0"/>
-              <a:t>9/19/2019</a:t>
+              <a:t>9/20/2019</a:t>
             </a:fld>
             <a:endParaRPr lang="en-US"/>
           </a:p>
@@ -1621,7 +1623,7 @@
           <a:p>
             <a:fld id="{F62E71A9-A198-4BC2-915B-5C3ABADD511E}" type="datetimeFigureOut">
               <a:rPr lang="en-US" smtClean="0"/>
-              <a:t>9/19/2019</a:t>
+              <a:t>9/20/2019</a:t>
             </a:fld>
             <a:endParaRPr lang="en-US"/>
           </a:p>
@@ -1739,7 +1741,7 @@
           <a:p>
             <a:fld id="{F62E71A9-A198-4BC2-915B-5C3ABADD511E}" type="datetimeFigureOut">
               <a:rPr lang="en-US" smtClean="0"/>
-              <a:t>9/19/2019</a:t>
+              <a:t>9/20/2019</a:t>
             </a:fld>
             <a:endParaRPr lang="en-US"/>
           </a:p>
@@ -1834,7 +1836,7 @@
           <a:p>
             <a:fld id="{F62E71A9-A198-4BC2-915B-5C3ABADD511E}" type="datetimeFigureOut">
               <a:rPr lang="en-US" smtClean="0"/>
-              <a:t>9/19/2019</a:t>
+              <a:t>9/20/2019</a:t>
             </a:fld>
             <a:endParaRPr lang="en-US"/>
           </a:p>
@@ -2111,7 +2113,7 @@
           <a:p>
             <a:fld id="{F62E71A9-A198-4BC2-915B-5C3ABADD511E}" type="datetimeFigureOut">
               <a:rPr lang="en-US" smtClean="0"/>
-              <a:t>9/19/2019</a:t>
+              <a:t>9/20/2019</a:t>
             </a:fld>
             <a:endParaRPr lang="en-US"/>
           </a:p>
@@ -2368,7 +2370,7 @@
           <a:p>
             <a:fld id="{F62E71A9-A198-4BC2-915B-5C3ABADD511E}" type="datetimeFigureOut">
               <a:rPr lang="en-US" smtClean="0"/>
-              <a:t>9/19/2019</a:t>
+              <a:t>9/20/2019</a:t>
             </a:fld>
             <a:endParaRPr lang="en-US"/>
           </a:p>
@@ -2581,7 +2583,7 @@
           <a:p>
             <a:fld id="{F62E71A9-A198-4BC2-915B-5C3ABADD511E}" type="datetimeFigureOut">
               <a:rPr lang="en-US" smtClean="0"/>
-              <a:t>9/19/2019</a:t>
+              <a:t>9/20/2019</a:t>
             </a:fld>
             <a:endParaRPr lang="en-US"/>
           </a:p>
@@ -8191,6 +8193,3022 @@
       </p:grpSpPr>
       <p:sp>
         <p:nvSpPr>
+          <p:cNvPr id="9" name="Flowchart: Process 8">
+            <a:extLst>
+              <a:ext uri="{FF2B5EF4-FFF2-40B4-BE49-F238E27FC236}">
+                <a16:creationId xmlns:a16="http://schemas.microsoft.com/office/drawing/2014/main" id="{EC2DE854-EB5B-4037-BCA0-9C7389675912}"/>
+              </a:ext>
+            </a:extLst>
+          </p:cNvPr>
+          <p:cNvSpPr/>
+          <p:nvPr/>
+        </p:nvSpPr>
+        <p:spPr>
+          <a:xfrm>
+            <a:off x="8636431" y="2995243"/>
+            <a:ext cx="2090057" cy="775399"/>
+          </a:xfrm>
+          <a:prstGeom prst="flowChartProcess">
+            <a:avLst/>
+          </a:prstGeom>
+        </p:spPr>
+        <p:style>
+          <a:lnRef idx="2">
+            <a:schemeClr val="accent1">
+              <a:shade val="50000"/>
+            </a:schemeClr>
+          </a:lnRef>
+          <a:fillRef idx="1">
+            <a:schemeClr val="accent1"/>
+          </a:fillRef>
+          <a:effectRef idx="0">
+            <a:schemeClr val="accent1"/>
+          </a:effectRef>
+          <a:fontRef idx="minor">
+            <a:schemeClr val="lt1"/>
+          </a:fontRef>
+        </p:style>
+        <p:txBody>
+          <a:bodyPr rtlCol="0" anchor="ctr"/>
+          <a:lstStyle/>
+          <a:p>
+            <a:pPr algn="ctr"/>
+            <a:r>
+              <a:rPr lang="en-US" dirty="0"/>
+              <a:t>Define Thread Functions</a:t>
+            </a:r>
+          </a:p>
+        </p:txBody>
+      </p:sp>
+      <p:cxnSp>
+        <p:nvCxnSpPr>
+          <p:cNvPr id="15" name="Connector: Elbow 14">
+            <a:extLst>
+              <a:ext uri="{FF2B5EF4-FFF2-40B4-BE49-F238E27FC236}">
+                <a16:creationId xmlns:a16="http://schemas.microsoft.com/office/drawing/2014/main" id="{C67080A7-CF75-4A09-8B5E-0C79BF963B25}"/>
+              </a:ext>
+            </a:extLst>
+          </p:cNvPr>
+          <p:cNvCxnSpPr>
+            <a:stCxn id="9" idx="2"/>
+            <a:endCxn id="13" idx="0"/>
+          </p:cNvCxnSpPr>
+          <p:nvPr/>
+        </p:nvCxnSpPr>
+        <p:spPr>
+          <a:xfrm rot="5400000">
+            <a:off x="4747371" y="622643"/>
+            <a:ext cx="1786090" cy="8082089"/>
+          </a:xfrm>
+          <a:prstGeom prst="bentConnector3">
+            <a:avLst/>
+          </a:prstGeom>
+          <a:ln w="38100">
+            <a:tailEnd type="triangle"/>
+          </a:ln>
+        </p:spPr>
+        <p:style>
+          <a:lnRef idx="1">
+            <a:schemeClr val="accent1"/>
+          </a:lnRef>
+          <a:fillRef idx="0">
+            <a:schemeClr val="accent1"/>
+          </a:fillRef>
+          <a:effectRef idx="0">
+            <a:schemeClr val="accent1"/>
+          </a:effectRef>
+          <a:fontRef idx="minor">
+            <a:schemeClr val="tx1"/>
+          </a:fontRef>
+        </p:style>
+      </p:cxnSp>
+      <p:cxnSp>
+        <p:nvCxnSpPr>
+          <p:cNvPr id="17" name="Connector: Elbow 16">
+            <a:extLst>
+              <a:ext uri="{FF2B5EF4-FFF2-40B4-BE49-F238E27FC236}">
+                <a16:creationId xmlns:a16="http://schemas.microsoft.com/office/drawing/2014/main" id="{7E618B21-263F-49DA-9C88-3D95EEB18332}"/>
+              </a:ext>
+            </a:extLst>
+          </p:cNvPr>
+          <p:cNvCxnSpPr>
+            <a:stCxn id="9" idx="2"/>
+            <a:endCxn id="12" idx="0"/>
+          </p:cNvCxnSpPr>
+          <p:nvPr/>
+        </p:nvCxnSpPr>
+        <p:spPr>
+          <a:xfrm rot="5400000">
+            <a:off x="7460696" y="3335968"/>
+            <a:ext cx="1786091" cy="2655438"/>
+          </a:xfrm>
+          <a:prstGeom prst="bentConnector3">
+            <a:avLst/>
+          </a:prstGeom>
+          <a:ln w="38100">
+            <a:tailEnd type="triangle"/>
+          </a:ln>
+        </p:spPr>
+        <p:style>
+          <a:lnRef idx="1">
+            <a:schemeClr val="accent1"/>
+          </a:lnRef>
+          <a:fillRef idx="0">
+            <a:schemeClr val="accent1"/>
+          </a:fillRef>
+          <a:effectRef idx="0">
+            <a:schemeClr val="accent1"/>
+          </a:effectRef>
+          <a:fontRef idx="minor">
+            <a:schemeClr val="tx1"/>
+          </a:fontRef>
+        </p:style>
+      </p:cxnSp>
+      <p:cxnSp>
+        <p:nvCxnSpPr>
+          <p:cNvPr id="19" name="Connector: Elbow 18">
+            <a:extLst>
+              <a:ext uri="{FF2B5EF4-FFF2-40B4-BE49-F238E27FC236}">
+                <a16:creationId xmlns:a16="http://schemas.microsoft.com/office/drawing/2014/main" id="{2B8F01A4-EBC0-4FF8-867D-E07F5A7C702B}"/>
+              </a:ext>
+            </a:extLst>
+          </p:cNvPr>
+          <p:cNvCxnSpPr>
+            <a:stCxn id="9" idx="2"/>
+            <a:endCxn id="11" idx="0"/>
+          </p:cNvCxnSpPr>
+          <p:nvPr/>
+        </p:nvCxnSpPr>
+        <p:spPr>
+          <a:xfrm rot="16200000" flipH="1">
+            <a:off x="10175290" y="3276812"/>
+            <a:ext cx="1786090" cy="2773750"/>
+          </a:xfrm>
+          <a:prstGeom prst="bentConnector3">
+            <a:avLst/>
+          </a:prstGeom>
+          <a:ln w="38100">
+            <a:tailEnd type="triangle"/>
+          </a:ln>
+        </p:spPr>
+        <p:style>
+          <a:lnRef idx="1">
+            <a:schemeClr val="accent1"/>
+          </a:lnRef>
+          <a:fillRef idx="0">
+            <a:schemeClr val="accent1"/>
+          </a:fillRef>
+          <a:effectRef idx="0">
+            <a:schemeClr val="accent1"/>
+          </a:effectRef>
+          <a:fontRef idx="minor">
+            <a:schemeClr val="tx1"/>
+          </a:fontRef>
+        </p:style>
+      </p:cxnSp>
+      <p:cxnSp>
+        <p:nvCxnSpPr>
+          <p:cNvPr id="21" name="Connector: Elbow 20">
+            <a:extLst>
+              <a:ext uri="{FF2B5EF4-FFF2-40B4-BE49-F238E27FC236}">
+                <a16:creationId xmlns:a16="http://schemas.microsoft.com/office/drawing/2014/main" id="{010BC228-1817-43CB-BE96-3432F021DD0F}"/>
+              </a:ext>
+            </a:extLst>
+          </p:cNvPr>
+          <p:cNvCxnSpPr>
+            <a:stCxn id="9" idx="2"/>
+            <a:endCxn id="10" idx="0"/>
+          </p:cNvCxnSpPr>
+          <p:nvPr/>
+        </p:nvCxnSpPr>
+        <p:spPr>
+          <a:xfrm rot="16200000" flipH="1">
+            <a:off x="12889885" y="562217"/>
+            <a:ext cx="1786090" cy="8202940"/>
+          </a:xfrm>
+          <a:prstGeom prst="bentConnector3">
+            <a:avLst/>
+          </a:prstGeom>
+          <a:ln w="38100">
+            <a:tailEnd type="triangle"/>
+          </a:ln>
+        </p:spPr>
+        <p:style>
+          <a:lnRef idx="1">
+            <a:schemeClr val="accent1"/>
+          </a:lnRef>
+          <a:fillRef idx="0">
+            <a:schemeClr val="accent1"/>
+          </a:fillRef>
+          <a:effectRef idx="0">
+            <a:schemeClr val="accent1"/>
+          </a:effectRef>
+          <a:fontRef idx="minor">
+            <a:schemeClr val="tx1"/>
+          </a:fontRef>
+        </p:style>
+      </p:cxnSp>
+      <p:grpSp>
+        <p:nvGrpSpPr>
+          <p:cNvPr id="116" name="Group 115">
+            <a:extLst>
+              <a:ext uri="{FF2B5EF4-FFF2-40B4-BE49-F238E27FC236}">
+                <a16:creationId xmlns:a16="http://schemas.microsoft.com/office/drawing/2014/main" id="{68D08A74-DDB0-4480-B938-906A366C7A73}"/>
+              </a:ext>
+            </a:extLst>
+          </p:cNvPr>
+          <p:cNvGrpSpPr/>
+          <p:nvPr/>
+        </p:nvGrpSpPr>
+        <p:grpSpPr>
+          <a:xfrm>
+            <a:off x="553072" y="5556732"/>
+            <a:ext cx="4536153" cy="9252526"/>
+            <a:chOff x="1021992" y="4970582"/>
+            <a:chExt cx="4536153" cy="9252526"/>
+          </a:xfrm>
+        </p:grpSpPr>
+        <p:sp>
+          <p:nvSpPr>
+            <p:cNvPr id="6" name="Flowchart: Alternate Process 5">
+              <a:extLst>
+                <a:ext uri="{FF2B5EF4-FFF2-40B4-BE49-F238E27FC236}">
+                  <a16:creationId xmlns:a16="http://schemas.microsoft.com/office/drawing/2014/main" id="{07A6C21A-D69D-4885-9586-63BD81FD9F7B}"/>
+                </a:ext>
+              </a:extLst>
+            </p:cNvPr>
+            <p:cNvSpPr/>
+            <p:nvPr/>
+          </p:nvSpPr>
+          <p:spPr>
+            <a:xfrm>
+              <a:off x="3886773" y="10373256"/>
+              <a:ext cx="1671372" cy="797169"/>
+            </a:xfrm>
+            <a:prstGeom prst="flowChartAlternateProcess">
+              <a:avLst/>
+            </a:prstGeom>
+          </p:spPr>
+          <p:style>
+            <a:lnRef idx="2">
+              <a:schemeClr val="accent1">
+                <a:shade val="50000"/>
+              </a:schemeClr>
+            </a:lnRef>
+            <a:fillRef idx="1">
+              <a:schemeClr val="accent1"/>
+            </a:fillRef>
+            <a:effectRef idx="0">
+              <a:schemeClr val="accent1"/>
+            </a:effectRef>
+            <a:fontRef idx="minor">
+              <a:schemeClr val="lt1"/>
+            </a:fontRef>
+          </p:style>
+          <p:txBody>
+            <a:bodyPr rtlCol="0" anchor="ctr"/>
+            <a:lstStyle/>
+            <a:p>
+              <a:pPr algn="ctr"/>
+              <a:r>
+                <a:rPr lang="en-US" dirty="0"/>
+                <a:t>Wait for other threads to end</a:t>
+              </a:r>
+            </a:p>
+          </p:txBody>
+        </p:sp>
+        <p:sp>
+          <p:nvSpPr>
+            <p:cNvPr id="13" name="Flowchart: Process 12">
+              <a:extLst>
+                <a:ext uri="{FF2B5EF4-FFF2-40B4-BE49-F238E27FC236}">
+                  <a16:creationId xmlns:a16="http://schemas.microsoft.com/office/drawing/2014/main" id="{5E522051-AA50-4638-9D53-FB7A18EDBB18}"/>
+                </a:ext>
+              </a:extLst>
+            </p:cNvPr>
+            <p:cNvSpPr/>
+            <p:nvPr/>
+          </p:nvSpPr>
+          <p:spPr>
+            <a:xfrm>
+              <a:off x="1023262" y="4970582"/>
+              <a:ext cx="2090057" cy="775400"/>
+            </a:xfrm>
+            <a:prstGeom prst="flowChartProcess">
+              <a:avLst/>
+            </a:prstGeom>
+          </p:spPr>
+          <p:style>
+            <a:lnRef idx="2">
+              <a:schemeClr val="accent1">
+                <a:shade val="50000"/>
+              </a:schemeClr>
+            </a:lnRef>
+            <a:fillRef idx="1">
+              <a:schemeClr val="accent1"/>
+            </a:fillRef>
+            <a:effectRef idx="0">
+              <a:schemeClr val="accent1"/>
+            </a:effectRef>
+            <a:fontRef idx="minor">
+              <a:schemeClr val="lt1"/>
+            </a:fontRef>
+          </p:style>
+          <p:txBody>
+            <a:bodyPr rtlCol="0" anchor="ctr"/>
+            <a:lstStyle/>
+            <a:p>
+              <a:pPr algn="ctr"/>
+              <a:r>
+                <a:rPr lang="en-US" dirty="0"/>
+                <a:t>RFID 1</a:t>
+              </a:r>
+            </a:p>
+          </p:txBody>
+        </p:sp>
+        <p:sp>
+          <p:nvSpPr>
+            <p:cNvPr id="23" name="Flowchart: Process 22">
+              <a:extLst>
+                <a:ext uri="{FF2B5EF4-FFF2-40B4-BE49-F238E27FC236}">
+                  <a16:creationId xmlns:a16="http://schemas.microsoft.com/office/drawing/2014/main" id="{1372777A-3615-46D4-8F41-1AB927CE3F43}"/>
+                </a:ext>
+              </a:extLst>
+            </p:cNvPr>
+            <p:cNvSpPr/>
+            <p:nvPr/>
+          </p:nvSpPr>
+          <p:spPr>
+            <a:xfrm>
+              <a:off x="1023262" y="6618514"/>
+              <a:ext cx="2090057" cy="775400"/>
+            </a:xfrm>
+            <a:prstGeom prst="flowChartProcess">
+              <a:avLst/>
+            </a:prstGeom>
+          </p:spPr>
+          <p:style>
+            <a:lnRef idx="2">
+              <a:schemeClr val="accent1">
+                <a:shade val="50000"/>
+              </a:schemeClr>
+            </a:lnRef>
+            <a:fillRef idx="1">
+              <a:schemeClr val="accent1"/>
+            </a:fillRef>
+            <a:effectRef idx="0">
+              <a:schemeClr val="accent1"/>
+            </a:effectRef>
+            <a:fontRef idx="minor">
+              <a:schemeClr val="lt1"/>
+            </a:fontRef>
+          </p:style>
+          <p:txBody>
+            <a:bodyPr rtlCol="0" anchor="ctr"/>
+            <a:lstStyle/>
+            <a:p>
+              <a:pPr algn="ctr"/>
+              <a:r>
+                <a:rPr lang="en-US" dirty="0"/>
+                <a:t>Setup Serial Port</a:t>
+              </a:r>
+            </a:p>
+          </p:txBody>
+        </p:sp>
+        <p:sp>
+          <p:nvSpPr>
+            <p:cNvPr id="24" name="Flowchart: Process 23">
+              <a:extLst>
+                <a:ext uri="{FF2B5EF4-FFF2-40B4-BE49-F238E27FC236}">
+                  <a16:creationId xmlns:a16="http://schemas.microsoft.com/office/drawing/2014/main" id="{6B7041CF-5D9C-439F-BC50-16E3DEE56C40}"/>
+                </a:ext>
+              </a:extLst>
+            </p:cNvPr>
+            <p:cNvSpPr/>
+            <p:nvPr/>
+          </p:nvSpPr>
+          <p:spPr>
+            <a:xfrm>
+              <a:off x="1021992" y="8287866"/>
+              <a:ext cx="2090057" cy="775400"/>
+            </a:xfrm>
+            <a:prstGeom prst="flowChartProcess">
+              <a:avLst/>
+            </a:prstGeom>
+          </p:spPr>
+          <p:style>
+            <a:lnRef idx="2">
+              <a:schemeClr val="accent1">
+                <a:shade val="50000"/>
+              </a:schemeClr>
+            </a:lnRef>
+            <a:fillRef idx="1">
+              <a:schemeClr val="accent1"/>
+            </a:fillRef>
+            <a:effectRef idx="0">
+              <a:schemeClr val="accent1"/>
+            </a:effectRef>
+            <a:fontRef idx="minor">
+              <a:schemeClr val="lt1"/>
+            </a:fontRef>
+          </p:style>
+          <p:txBody>
+            <a:bodyPr rtlCol="0" anchor="ctr"/>
+            <a:lstStyle/>
+            <a:p>
+              <a:pPr algn="ctr"/>
+              <a:r>
+                <a:rPr lang="en-US" dirty="0"/>
+                <a:t>Read Serial Port</a:t>
+              </a:r>
+            </a:p>
+          </p:txBody>
+        </p:sp>
+        <p:sp>
+          <p:nvSpPr>
+            <p:cNvPr id="26" name="Flowchart: Decision 25">
+              <a:extLst>
+                <a:ext uri="{FF2B5EF4-FFF2-40B4-BE49-F238E27FC236}">
+                  <a16:creationId xmlns:a16="http://schemas.microsoft.com/office/drawing/2014/main" id="{E82BEBA3-9FAA-413D-BBFD-1AF94AEE995B}"/>
+                </a:ext>
+              </a:extLst>
+            </p:cNvPr>
+            <p:cNvSpPr/>
+            <p:nvPr/>
+          </p:nvSpPr>
+          <p:spPr>
+            <a:xfrm>
+              <a:off x="1023262" y="9914378"/>
+              <a:ext cx="2090057" cy="1714924"/>
+            </a:xfrm>
+            <a:prstGeom prst="flowChartDecision">
+              <a:avLst/>
+            </a:prstGeom>
+          </p:spPr>
+          <p:style>
+            <a:lnRef idx="2">
+              <a:schemeClr val="accent1">
+                <a:shade val="50000"/>
+              </a:schemeClr>
+            </a:lnRef>
+            <a:fillRef idx="1">
+              <a:schemeClr val="accent1"/>
+            </a:fillRef>
+            <a:effectRef idx="0">
+              <a:schemeClr val="accent1"/>
+            </a:effectRef>
+            <a:fontRef idx="minor">
+              <a:schemeClr val="lt1"/>
+            </a:fontRef>
+          </p:style>
+          <p:txBody>
+            <a:bodyPr rtlCol="0" anchor="ctr"/>
+            <a:lstStyle/>
+            <a:p>
+              <a:pPr algn="ctr"/>
+              <a:r>
+                <a:rPr lang="en-US" dirty="0"/>
+                <a:t>Is there a vole that pings?</a:t>
+              </a:r>
+            </a:p>
+          </p:txBody>
+        </p:sp>
+        <p:sp>
+          <p:nvSpPr>
+            <p:cNvPr id="27" name="Flowchart: Off-page Connector 26">
+              <a:extLst>
+                <a:ext uri="{FF2B5EF4-FFF2-40B4-BE49-F238E27FC236}">
+                  <a16:creationId xmlns:a16="http://schemas.microsoft.com/office/drawing/2014/main" id="{F5CE1DFE-88BC-44A6-9A02-F867089DD7B0}"/>
+                </a:ext>
+              </a:extLst>
+            </p:cNvPr>
+            <p:cNvSpPr/>
+            <p:nvPr/>
+          </p:nvSpPr>
+          <p:spPr>
+            <a:xfrm>
+              <a:off x="1021992" y="12508184"/>
+              <a:ext cx="2090057" cy="1714924"/>
+            </a:xfrm>
+            <a:prstGeom prst="flowChartOffpageConnector">
+              <a:avLst/>
+            </a:prstGeom>
+          </p:spPr>
+          <p:style>
+            <a:lnRef idx="2">
+              <a:schemeClr val="accent1">
+                <a:shade val="50000"/>
+              </a:schemeClr>
+            </a:lnRef>
+            <a:fillRef idx="1">
+              <a:schemeClr val="accent1"/>
+            </a:fillRef>
+            <a:effectRef idx="0">
+              <a:schemeClr val="accent1"/>
+            </a:effectRef>
+            <a:fontRef idx="minor">
+              <a:schemeClr val="lt1"/>
+            </a:fontRef>
+          </p:style>
+          <p:txBody>
+            <a:bodyPr rtlCol="0" anchor="ctr"/>
+            <a:lstStyle/>
+            <a:p>
+              <a:pPr algn="ctr"/>
+              <a:r>
+                <a:rPr lang="en-US" dirty="0"/>
+                <a:t>Output to Shared Queue:</a:t>
+              </a:r>
+            </a:p>
+            <a:p>
+              <a:pPr algn="ctr"/>
+              <a:r>
+                <a:rPr lang="en-US" dirty="0"/>
+                <a:t>RFID #,</a:t>
+              </a:r>
+            </a:p>
+            <a:p>
+              <a:pPr algn="ctr"/>
+              <a:r>
+                <a:rPr lang="en-US" dirty="0"/>
+                <a:t>Vole #</a:t>
+              </a:r>
+            </a:p>
+          </p:txBody>
+        </p:sp>
+        <p:cxnSp>
+          <p:nvCxnSpPr>
+            <p:cNvPr id="29" name="Connector: Elbow 28">
+              <a:extLst>
+                <a:ext uri="{FF2B5EF4-FFF2-40B4-BE49-F238E27FC236}">
+                  <a16:creationId xmlns:a16="http://schemas.microsoft.com/office/drawing/2014/main" id="{CF4AF9BF-8E61-4E22-AFBB-F4374A804E28}"/>
+                </a:ext>
+              </a:extLst>
+            </p:cNvPr>
+            <p:cNvCxnSpPr>
+              <a:stCxn id="13" idx="2"/>
+            </p:cNvCxnSpPr>
+            <p:nvPr/>
+          </p:nvCxnSpPr>
+          <p:spPr>
+            <a:xfrm rot="16200000" flipH="1">
+              <a:off x="1494698" y="6319574"/>
+              <a:ext cx="1147187" cy="1"/>
+            </a:xfrm>
+            <a:prstGeom prst="bentConnector3">
+              <a:avLst/>
+            </a:prstGeom>
+            <a:ln w="38100">
+              <a:tailEnd type="triangle"/>
+            </a:ln>
+          </p:spPr>
+          <p:style>
+            <a:lnRef idx="1">
+              <a:schemeClr val="accent1"/>
+            </a:lnRef>
+            <a:fillRef idx="0">
+              <a:schemeClr val="accent1"/>
+            </a:fillRef>
+            <a:effectRef idx="0">
+              <a:schemeClr val="accent1"/>
+            </a:effectRef>
+            <a:fontRef idx="minor">
+              <a:schemeClr val="tx1"/>
+            </a:fontRef>
+          </p:style>
+        </p:cxnSp>
+        <p:cxnSp>
+          <p:nvCxnSpPr>
+            <p:cNvPr id="35" name="Connector: Elbow 34">
+              <a:extLst>
+                <a:ext uri="{FF2B5EF4-FFF2-40B4-BE49-F238E27FC236}">
+                  <a16:creationId xmlns:a16="http://schemas.microsoft.com/office/drawing/2014/main" id="{94C653CB-4234-44E4-B18C-AF82EF7D7FF7}"/>
+                </a:ext>
+              </a:extLst>
+            </p:cNvPr>
+            <p:cNvCxnSpPr>
+              <a:stCxn id="26" idx="2"/>
+              <a:endCxn id="27" idx="0"/>
+            </p:cNvCxnSpPr>
+            <p:nvPr/>
+          </p:nvCxnSpPr>
+          <p:spPr>
+            <a:xfrm rot="5400000">
+              <a:off x="1628215" y="12068108"/>
+              <a:ext cx="878882" cy="1270"/>
+            </a:xfrm>
+            <a:prstGeom prst="bentConnector3">
+              <a:avLst/>
+            </a:prstGeom>
+            <a:ln w="38100">
+              <a:solidFill>
+                <a:srgbClr val="00B050"/>
+              </a:solidFill>
+              <a:tailEnd type="triangle"/>
+            </a:ln>
+          </p:spPr>
+          <p:style>
+            <a:lnRef idx="1">
+              <a:schemeClr val="accent1"/>
+            </a:lnRef>
+            <a:fillRef idx="0">
+              <a:schemeClr val="accent1"/>
+            </a:fillRef>
+            <a:effectRef idx="0">
+              <a:schemeClr val="accent1"/>
+            </a:effectRef>
+            <a:fontRef idx="minor">
+              <a:schemeClr val="tx1"/>
+            </a:fontRef>
+          </p:style>
+        </p:cxnSp>
+        <p:cxnSp>
+          <p:nvCxnSpPr>
+            <p:cNvPr id="39" name="Connector: Elbow 38">
+              <a:extLst>
+                <a:ext uri="{FF2B5EF4-FFF2-40B4-BE49-F238E27FC236}">
+                  <a16:creationId xmlns:a16="http://schemas.microsoft.com/office/drawing/2014/main" id="{31046D0A-F3D1-4494-8BA3-EF7135B4143E}"/>
+                </a:ext>
+              </a:extLst>
+            </p:cNvPr>
+            <p:cNvCxnSpPr>
+              <a:stCxn id="26" idx="3"/>
+              <a:endCxn id="6" idx="1"/>
+            </p:cNvCxnSpPr>
+            <p:nvPr/>
+          </p:nvCxnSpPr>
+          <p:spPr>
+            <a:xfrm>
+              <a:off x="3113319" y="10771840"/>
+              <a:ext cx="773454" cy="1"/>
+            </a:xfrm>
+            <a:prstGeom prst="bentConnector3">
+              <a:avLst/>
+            </a:prstGeom>
+            <a:ln w="38100">
+              <a:solidFill>
+                <a:srgbClr val="FF0000"/>
+              </a:solidFill>
+              <a:tailEnd type="triangle"/>
+            </a:ln>
+          </p:spPr>
+          <p:style>
+            <a:lnRef idx="1">
+              <a:schemeClr val="accent1"/>
+            </a:lnRef>
+            <a:fillRef idx="0">
+              <a:schemeClr val="accent1"/>
+            </a:fillRef>
+            <a:effectRef idx="0">
+              <a:schemeClr val="accent1"/>
+            </a:effectRef>
+            <a:fontRef idx="minor">
+              <a:schemeClr val="tx1"/>
+            </a:fontRef>
+          </p:style>
+        </p:cxnSp>
+        <p:cxnSp>
+          <p:nvCxnSpPr>
+            <p:cNvPr id="41" name="Connector: Elbow 40">
+              <a:extLst>
+                <a:ext uri="{FF2B5EF4-FFF2-40B4-BE49-F238E27FC236}">
+                  <a16:creationId xmlns:a16="http://schemas.microsoft.com/office/drawing/2014/main" id="{B5E4EB29-7780-4878-A33B-629473BADCC8}"/>
+                </a:ext>
+              </a:extLst>
+            </p:cNvPr>
+            <p:cNvCxnSpPr>
+              <a:stCxn id="27" idx="2"/>
+              <a:endCxn id="6" idx="2"/>
+            </p:cNvCxnSpPr>
+            <p:nvPr/>
+          </p:nvCxnSpPr>
+          <p:spPr>
+            <a:xfrm rot="5400000" flipH="1" flipV="1">
+              <a:off x="1868398" y="11369048"/>
+              <a:ext cx="3052683" cy="2655438"/>
+            </a:xfrm>
+            <a:prstGeom prst="bentConnector3">
+              <a:avLst>
+                <a:gd name="adj1" fmla="val -7488"/>
+              </a:avLst>
+            </a:prstGeom>
+            <a:ln w="38100">
+              <a:tailEnd type="triangle"/>
+            </a:ln>
+          </p:spPr>
+          <p:style>
+            <a:lnRef idx="1">
+              <a:schemeClr val="accent1"/>
+            </a:lnRef>
+            <a:fillRef idx="0">
+              <a:schemeClr val="accent1"/>
+            </a:fillRef>
+            <a:effectRef idx="0">
+              <a:schemeClr val="accent1"/>
+            </a:effectRef>
+            <a:fontRef idx="minor">
+              <a:schemeClr val="tx1"/>
+            </a:fontRef>
+          </p:style>
+        </p:cxnSp>
+        <p:cxnSp>
+          <p:nvCxnSpPr>
+            <p:cNvPr id="66" name="Connector: Elbow 65">
+              <a:extLst>
+                <a:ext uri="{FF2B5EF4-FFF2-40B4-BE49-F238E27FC236}">
+                  <a16:creationId xmlns:a16="http://schemas.microsoft.com/office/drawing/2014/main" id="{EA9E54AD-EB74-4F04-9A00-F0FD6CA3C0BE}"/>
+                </a:ext>
+              </a:extLst>
+            </p:cNvPr>
+            <p:cNvCxnSpPr>
+              <a:stCxn id="23" idx="2"/>
+              <a:endCxn id="24" idx="0"/>
+            </p:cNvCxnSpPr>
+            <p:nvPr/>
+          </p:nvCxnSpPr>
+          <p:spPr>
+            <a:xfrm rot="5400000">
+              <a:off x="1620680" y="7840255"/>
+              <a:ext cx="893952" cy="1270"/>
+            </a:xfrm>
+            <a:prstGeom prst="bentConnector3">
+              <a:avLst/>
+            </a:prstGeom>
+            <a:ln w="38100">
+              <a:tailEnd type="triangle"/>
+            </a:ln>
+          </p:spPr>
+          <p:style>
+            <a:lnRef idx="1">
+              <a:schemeClr val="accent1"/>
+            </a:lnRef>
+            <a:fillRef idx="0">
+              <a:schemeClr val="accent1"/>
+            </a:fillRef>
+            <a:effectRef idx="0">
+              <a:schemeClr val="accent1"/>
+            </a:effectRef>
+            <a:fontRef idx="minor">
+              <a:schemeClr val="tx1"/>
+            </a:fontRef>
+          </p:style>
+        </p:cxnSp>
+        <p:cxnSp>
+          <p:nvCxnSpPr>
+            <p:cNvPr id="68" name="Connector: Elbow 67">
+              <a:extLst>
+                <a:ext uri="{FF2B5EF4-FFF2-40B4-BE49-F238E27FC236}">
+                  <a16:creationId xmlns:a16="http://schemas.microsoft.com/office/drawing/2014/main" id="{8A0C16A5-7F24-4BBA-A035-C7979A436C52}"/>
+                </a:ext>
+              </a:extLst>
+            </p:cNvPr>
+            <p:cNvCxnSpPr>
+              <a:stCxn id="24" idx="2"/>
+              <a:endCxn id="26" idx="0"/>
+            </p:cNvCxnSpPr>
+            <p:nvPr/>
+          </p:nvCxnSpPr>
+          <p:spPr>
+            <a:xfrm rot="16200000" flipH="1">
+              <a:off x="1642100" y="9488187"/>
+              <a:ext cx="851112" cy="1270"/>
+            </a:xfrm>
+            <a:prstGeom prst="bentConnector3">
+              <a:avLst/>
+            </a:prstGeom>
+            <a:ln w="38100">
+              <a:tailEnd type="triangle"/>
+            </a:ln>
+          </p:spPr>
+          <p:style>
+            <a:lnRef idx="1">
+              <a:schemeClr val="accent1"/>
+            </a:lnRef>
+            <a:fillRef idx="0">
+              <a:schemeClr val="accent1"/>
+            </a:fillRef>
+            <a:effectRef idx="0">
+              <a:schemeClr val="accent1"/>
+            </a:effectRef>
+            <a:fontRef idx="minor">
+              <a:schemeClr val="tx1"/>
+            </a:fontRef>
+          </p:style>
+        </p:cxnSp>
+      </p:grpSp>
+      <p:grpSp>
+        <p:nvGrpSpPr>
+          <p:cNvPr id="113" name="Group 112">
+            <a:extLst>
+              <a:ext uri="{FF2B5EF4-FFF2-40B4-BE49-F238E27FC236}">
+                <a16:creationId xmlns:a16="http://schemas.microsoft.com/office/drawing/2014/main" id="{1FE0271A-C39C-4BA1-9C54-10B6671C25B8}"/>
+              </a:ext>
+            </a:extLst>
+          </p:cNvPr>
+          <p:cNvGrpSpPr/>
+          <p:nvPr/>
+        </p:nvGrpSpPr>
+        <p:grpSpPr>
+          <a:xfrm>
+            <a:off x="5980993" y="5556733"/>
+            <a:ext cx="4536153" cy="9252525"/>
+            <a:chOff x="7115908" y="4970583"/>
+            <a:chExt cx="4536153" cy="9252525"/>
+          </a:xfrm>
+        </p:grpSpPr>
+        <p:sp>
+          <p:nvSpPr>
+            <p:cNvPr id="12" name="Flowchart: Process 11">
+              <a:extLst>
+                <a:ext uri="{FF2B5EF4-FFF2-40B4-BE49-F238E27FC236}">
+                  <a16:creationId xmlns:a16="http://schemas.microsoft.com/office/drawing/2014/main" id="{C8C25461-D9B6-4864-BB44-4C0A711350A2}"/>
+                </a:ext>
+              </a:extLst>
+            </p:cNvPr>
+            <p:cNvSpPr/>
+            <p:nvPr/>
+          </p:nvSpPr>
+          <p:spPr>
+            <a:xfrm>
+              <a:off x="7115908" y="4970583"/>
+              <a:ext cx="2090057" cy="775399"/>
+            </a:xfrm>
+            <a:prstGeom prst="flowChartProcess">
+              <a:avLst/>
+            </a:prstGeom>
+          </p:spPr>
+          <p:style>
+            <a:lnRef idx="2">
+              <a:schemeClr val="accent1">
+                <a:shade val="50000"/>
+              </a:schemeClr>
+            </a:lnRef>
+            <a:fillRef idx="1">
+              <a:schemeClr val="accent1"/>
+            </a:fillRef>
+            <a:effectRef idx="0">
+              <a:schemeClr val="accent1"/>
+            </a:effectRef>
+            <a:fontRef idx="minor">
+              <a:schemeClr val="lt1"/>
+            </a:fontRef>
+          </p:style>
+          <p:txBody>
+            <a:bodyPr rtlCol="0" anchor="ctr"/>
+            <a:lstStyle/>
+            <a:p>
+              <a:pPr algn="ctr"/>
+              <a:r>
+                <a:rPr lang="en-US" dirty="0"/>
+                <a:t>RFID 2</a:t>
+              </a:r>
+            </a:p>
+          </p:txBody>
+        </p:sp>
+        <p:grpSp>
+          <p:nvGrpSpPr>
+            <p:cNvPr id="84" name="Group 83">
+              <a:extLst>
+                <a:ext uri="{FF2B5EF4-FFF2-40B4-BE49-F238E27FC236}">
+                  <a16:creationId xmlns:a16="http://schemas.microsoft.com/office/drawing/2014/main" id="{799E7BBF-A89C-498A-8D7B-AF1A770AFE1F}"/>
+                </a:ext>
+              </a:extLst>
+            </p:cNvPr>
+            <p:cNvGrpSpPr/>
+            <p:nvPr/>
+          </p:nvGrpSpPr>
+          <p:grpSpPr>
+            <a:xfrm>
+              <a:off x="7115908" y="6618514"/>
+              <a:ext cx="4536153" cy="7604594"/>
+              <a:chOff x="939932" y="6770914"/>
+              <a:chExt cx="4536153" cy="7604594"/>
+            </a:xfrm>
+          </p:grpSpPr>
+          <p:sp>
+            <p:nvSpPr>
+              <p:cNvPr id="74" name="Flowchart: Alternate Process 73">
+                <a:extLst>
+                  <a:ext uri="{FF2B5EF4-FFF2-40B4-BE49-F238E27FC236}">
+                    <a16:creationId xmlns:a16="http://schemas.microsoft.com/office/drawing/2014/main" id="{D3A2AD47-7CFF-474F-91D3-08B3F84BFA5B}"/>
+                  </a:ext>
+                </a:extLst>
+              </p:cNvPr>
+              <p:cNvSpPr/>
+              <p:nvPr/>
+            </p:nvSpPr>
+            <p:spPr>
+              <a:xfrm>
+                <a:off x="3804713" y="10525656"/>
+                <a:ext cx="1671372" cy="797169"/>
+              </a:xfrm>
+              <a:prstGeom prst="flowChartAlternateProcess">
+                <a:avLst/>
+              </a:prstGeom>
+            </p:spPr>
+            <p:style>
+              <a:lnRef idx="2">
+                <a:schemeClr val="accent1">
+                  <a:shade val="50000"/>
+                </a:schemeClr>
+              </a:lnRef>
+              <a:fillRef idx="1">
+                <a:schemeClr val="accent1"/>
+              </a:fillRef>
+              <a:effectRef idx="0">
+                <a:schemeClr val="accent1"/>
+              </a:effectRef>
+              <a:fontRef idx="minor">
+                <a:schemeClr val="lt1"/>
+              </a:fontRef>
+            </p:style>
+            <p:txBody>
+              <a:bodyPr rtlCol="0" anchor="ctr"/>
+              <a:lstStyle/>
+              <a:p>
+                <a:pPr algn="ctr"/>
+                <a:r>
+                  <a:rPr lang="en-US" dirty="0"/>
+                  <a:t>Wait for other threads to end</a:t>
+                </a:r>
+              </a:p>
+            </p:txBody>
+          </p:sp>
+          <p:sp>
+            <p:nvSpPr>
+              <p:cNvPr id="75" name="Flowchart: Process 74">
+                <a:extLst>
+                  <a:ext uri="{FF2B5EF4-FFF2-40B4-BE49-F238E27FC236}">
+                    <a16:creationId xmlns:a16="http://schemas.microsoft.com/office/drawing/2014/main" id="{9D6DD0B5-DEC8-4720-B45A-137FF8BD5708}"/>
+                  </a:ext>
+                </a:extLst>
+              </p:cNvPr>
+              <p:cNvSpPr/>
+              <p:nvPr/>
+            </p:nvSpPr>
+            <p:spPr>
+              <a:xfrm>
+                <a:off x="941202" y="6770914"/>
+                <a:ext cx="2090057" cy="775400"/>
+              </a:xfrm>
+              <a:prstGeom prst="flowChartProcess">
+                <a:avLst/>
+              </a:prstGeom>
+            </p:spPr>
+            <p:style>
+              <a:lnRef idx="2">
+                <a:schemeClr val="accent1">
+                  <a:shade val="50000"/>
+                </a:schemeClr>
+              </a:lnRef>
+              <a:fillRef idx="1">
+                <a:schemeClr val="accent1"/>
+              </a:fillRef>
+              <a:effectRef idx="0">
+                <a:schemeClr val="accent1"/>
+              </a:effectRef>
+              <a:fontRef idx="minor">
+                <a:schemeClr val="lt1"/>
+              </a:fontRef>
+            </p:style>
+            <p:txBody>
+              <a:bodyPr rtlCol="0" anchor="ctr"/>
+              <a:lstStyle/>
+              <a:p>
+                <a:pPr algn="ctr"/>
+                <a:r>
+                  <a:rPr lang="en-US" dirty="0"/>
+                  <a:t>Setup Serial Port</a:t>
+                </a:r>
+              </a:p>
+            </p:txBody>
+          </p:sp>
+          <p:sp>
+            <p:nvSpPr>
+              <p:cNvPr id="76" name="Flowchart: Process 75">
+                <a:extLst>
+                  <a:ext uri="{FF2B5EF4-FFF2-40B4-BE49-F238E27FC236}">
+                    <a16:creationId xmlns:a16="http://schemas.microsoft.com/office/drawing/2014/main" id="{BE67985D-C0A9-485E-90EB-5846B6AEB013}"/>
+                  </a:ext>
+                </a:extLst>
+              </p:cNvPr>
+              <p:cNvSpPr/>
+              <p:nvPr/>
+            </p:nvSpPr>
+            <p:spPr>
+              <a:xfrm>
+                <a:off x="939932" y="8440266"/>
+                <a:ext cx="2090057" cy="775400"/>
+              </a:xfrm>
+              <a:prstGeom prst="flowChartProcess">
+                <a:avLst/>
+              </a:prstGeom>
+            </p:spPr>
+            <p:style>
+              <a:lnRef idx="2">
+                <a:schemeClr val="accent1">
+                  <a:shade val="50000"/>
+                </a:schemeClr>
+              </a:lnRef>
+              <a:fillRef idx="1">
+                <a:schemeClr val="accent1"/>
+              </a:fillRef>
+              <a:effectRef idx="0">
+                <a:schemeClr val="accent1"/>
+              </a:effectRef>
+              <a:fontRef idx="minor">
+                <a:schemeClr val="lt1"/>
+              </a:fontRef>
+            </p:style>
+            <p:txBody>
+              <a:bodyPr rtlCol="0" anchor="ctr"/>
+              <a:lstStyle/>
+              <a:p>
+                <a:pPr algn="ctr"/>
+                <a:r>
+                  <a:rPr lang="en-US" dirty="0"/>
+                  <a:t>Read Serial Port</a:t>
+                </a:r>
+              </a:p>
+            </p:txBody>
+          </p:sp>
+          <p:sp>
+            <p:nvSpPr>
+              <p:cNvPr id="77" name="Flowchart: Decision 76">
+                <a:extLst>
+                  <a:ext uri="{FF2B5EF4-FFF2-40B4-BE49-F238E27FC236}">
+                    <a16:creationId xmlns:a16="http://schemas.microsoft.com/office/drawing/2014/main" id="{39583CAC-AAF8-4F01-A468-D65B5B075CEB}"/>
+                  </a:ext>
+                </a:extLst>
+              </p:cNvPr>
+              <p:cNvSpPr/>
+              <p:nvPr/>
+            </p:nvSpPr>
+            <p:spPr>
+              <a:xfrm>
+                <a:off x="941202" y="10066778"/>
+                <a:ext cx="2090057" cy="1714924"/>
+              </a:xfrm>
+              <a:prstGeom prst="flowChartDecision">
+                <a:avLst/>
+              </a:prstGeom>
+            </p:spPr>
+            <p:style>
+              <a:lnRef idx="2">
+                <a:schemeClr val="accent1">
+                  <a:shade val="50000"/>
+                </a:schemeClr>
+              </a:lnRef>
+              <a:fillRef idx="1">
+                <a:schemeClr val="accent1"/>
+              </a:fillRef>
+              <a:effectRef idx="0">
+                <a:schemeClr val="accent1"/>
+              </a:effectRef>
+              <a:fontRef idx="minor">
+                <a:schemeClr val="lt1"/>
+              </a:fontRef>
+            </p:style>
+            <p:txBody>
+              <a:bodyPr rtlCol="0" anchor="ctr"/>
+              <a:lstStyle/>
+              <a:p>
+                <a:pPr algn="ctr"/>
+                <a:r>
+                  <a:rPr lang="en-US" dirty="0"/>
+                  <a:t>Is there a vole that pings?</a:t>
+                </a:r>
+              </a:p>
+            </p:txBody>
+          </p:sp>
+          <p:sp>
+            <p:nvSpPr>
+              <p:cNvPr id="78" name="Flowchart: Off-page Connector 77">
+                <a:extLst>
+                  <a:ext uri="{FF2B5EF4-FFF2-40B4-BE49-F238E27FC236}">
+                    <a16:creationId xmlns:a16="http://schemas.microsoft.com/office/drawing/2014/main" id="{59EC77E5-EB60-4207-8B00-9CB09D873784}"/>
+                  </a:ext>
+                </a:extLst>
+              </p:cNvPr>
+              <p:cNvSpPr/>
+              <p:nvPr/>
+            </p:nvSpPr>
+            <p:spPr>
+              <a:xfrm>
+                <a:off x="939932" y="12660584"/>
+                <a:ext cx="2090057" cy="1714924"/>
+              </a:xfrm>
+              <a:prstGeom prst="flowChartOffpageConnector">
+                <a:avLst/>
+              </a:prstGeom>
+            </p:spPr>
+            <p:style>
+              <a:lnRef idx="2">
+                <a:schemeClr val="accent1">
+                  <a:shade val="50000"/>
+                </a:schemeClr>
+              </a:lnRef>
+              <a:fillRef idx="1">
+                <a:schemeClr val="accent1"/>
+              </a:fillRef>
+              <a:effectRef idx="0">
+                <a:schemeClr val="accent1"/>
+              </a:effectRef>
+              <a:fontRef idx="minor">
+                <a:schemeClr val="lt1"/>
+              </a:fontRef>
+            </p:style>
+            <p:txBody>
+              <a:bodyPr rtlCol="0" anchor="ctr"/>
+              <a:lstStyle/>
+              <a:p>
+                <a:pPr algn="ctr"/>
+                <a:r>
+                  <a:rPr lang="en-US" dirty="0"/>
+                  <a:t>Output to Shared Queue:</a:t>
+                </a:r>
+              </a:p>
+              <a:p>
+                <a:pPr algn="ctr"/>
+                <a:r>
+                  <a:rPr lang="en-US" dirty="0"/>
+                  <a:t>RFID #,</a:t>
+                </a:r>
+              </a:p>
+              <a:p>
+                <a:pPr algn="ctr"/>
+                <a:r>
+                  <a:rPr lang="en-US" dirty="0"/>
+                  <a:t>Vole #</a:t>
+                </a:r>
+              </a:p>
+            </p:txBody>
+          </p:sp>
+          <p:cxnSp>
+            <p:nvCxnSpPr>
+              <p:cNvPr id="79" name="Connector: Elbow 78">
+                <a:extLst>
+                  <a:ext uri="{FF2B5EF4-FFF2-40B4-BE49-F238E27FC236}">
+                    <a16:creationId xmlns:a16="http://schemas.microsoft.com/office/drawing/2014/main" id="{29388B18-F07E-424D-88D9-C30D50FB1ABA}"/>
+                  </a:ext>
+                </a:extLst>
+              </p:cNvPr>
+              <p:cNvCxnSpPr>
+                <a:stCxn id="77" idx="2"/>
+                <a:endCxn id="78" idx="0"/>
+              </p:cNvCxnSpPr>
+              <p:nvPr/>
+            </p:nvCxnSpPr>
+            <p:spPr>
+              <a:xfrm rot="5400000">
+                <a:off x="1546155" y="12220508"/>
+                <a:ext cx="878882" cy="1270"/>
+              </a:xfrm>
+              <a:prstGeom prst="bentConnector3">
+                <a:avLst/>
+              </a:prstGeom>
+              <a:ln w="38100">
+                <a:solidFill>
+                  <a:srgbClr val="00B050"/>
+                </a:solidFill>
+                <a:tailEnd type="triangle"/>
+              </a:ln>
+            </p:spPr>
+            <p:style>
+              <a:lnRef idx="1">
+                <a:schemeClr val="accent1"/>
+              </a:lnRef>
+              <a:fillRef idx="0">
+                <a:schemeClr val="accent1"/>
+              </a:fillRef>
+              <a:effectRef idx="0">
+                <a:schemeClr val="accent1"/>
+              </a:effectRef>
+              <a:fontRef idx="minor">
+                <a:schemeClr val="tx1"/>
+              </a:fontRef>
+            </p:style>
+          </p:cxnSp>
+          <p:cxnSp>
+            <p:nvCxnSpPr>
+              <p:cNvPr id="80" name="Connector: Elbow 79">
+                <a:extLst>
+                  <a:ext uri="{FF2B5EF4-FFF2-40B4-BE49-F238E27FC236}">
+                    <a16:creationId xmlns:a16="http://schemas.microsoft.com/office/drawing/2014/main" id="{64BD6E94-98E2-4568-9215-4EB46F18E0C5}"/>
+                  </a:ext>
+                </a:extLst>
+              </p:cNvPr>
+              <p:cNvCxnSpPr>
+                <a:stCxn id="77" idx="3"/>
+                <a:endCxn id="74" idx="1"/>
+              </p:cNvCxnSpPr>
+              <p:nvPr/>
+            </p:nvCxnSpPr>
+            <p:spPr>
+              <a:xfrm>
+                <a:off x="3031259" y="10924240"/>
+                <a:ext cx="773454" cy="1"/>
+              </a:xfrm>
+              <a:prstGeom prst="bentConnector3">
+                <a:avLst/>
+              </a:prstGeom>
+              <a:ln w="38100">
+                <a:solidFill>
+                  <a:srgbClr val="FF0000"/>
+                </a:solidFill>
+                <a:tailEnd type="triangle"/>
+              </a:ln>
+            </p:spPr>
+            <p:style>
+              <a:lnRef idx="1">
+                <a:schemeClr val="accent1"/>
+              </a:lnRef>
+              <a:fillRef idx="0">
+                <a:schemeClr val="accent1"/>
+              </a:fillRef>
+              <a:effectRef idx="0">
+                <a:schemeClr val="accent1"/>
+              </a:effectRef>
+              <a:fontRef idx="minor">
+                <a:schemeClr val="tx1"/>
+              </a:fontRef>
+            </p:style>
+          </p:cxnSp>
+          <p:cxnSp>
+            <p:nvCxnSpPr>
+              <p:cNvPr id="81" name="Connector: Elbow 80">
+                <a:extLst>
+                  <a:ext uri="{FF2B5EF4-FFF2-40B4-BE49-F238E27FC236}">
+                    <a16:creationId xmlns:a16="http://schemas.microsoft.com/office/drawing/2014/main" id="{A9B77D3D-D9E1-42C0-A95B-081ADEE26B84}"/>
+                  </a:ext>
+                </a:extLst>
+              </p:cNvPr>
+              <p:cNvCxnSpPr>
+                <a:stCxn id="78" idx="2"/>
+                <a:endCxn id="74" idx="2"/>
+              </p:cNvCxnSpPr>
+              <p:nvPr/>
+            </p:nvCxnSpPr>
+            <p:spPr>
+              <a:xfrm rot="5400000" flipH="1" flipV="1">
+                <a:off x="1786338" y="11521448"/>
+                <a:ext cx="3052683" cy="2655438"/>
+              </a:xfrm>
+              <a:prstGeom prst="bentConnector3">
+                <a:avLst>
+                  <a:gd name="adj1" fmla="val -7488"/>
+                </a:avLst>
+              </a:prstGeom>
+              <a:ln w="38100">
+                <a:tailEnd type="triangle"/>
+              </a:ln>
+            </p:spPr>
+            <p:style>
+              <a:lnRef idx="1">
+                <a:schemeClr val="accent1"/>
+              </a:lnRef>
+              <a:fillRef idx="0">
+                <a:schemeClr val="accent1"/>
+              </a:fillRef>
+              <a:effectRef idx="0">
+                <a:schemeClr val="accent1"/>
+              </a:effectRef>
+              <a:fontRef idx="minor">
+                <a:schemeClr val="tx1"/>
+              </a:fontRef>
+            </p:style>
+          </p:cxnSp>
+          <p:cxnSp>
+            <p:nvCxnSpPr>
+              <p:cNvPr id="82" name="Connector: Elbow 81">
+                <a:extLst>
+                  <a:ext uri="{FF2B5EF4-FFF2-40B4-BE49-F238E27FC236}">
+                    <a16:creationId xmlns:a16="http://schemas.microsoft.com/office/drawing/2014/main" id="{BE1457E7-1BB7-4900-A85B-479CB7B7928D}"/>
+                  </a:ext>
+                </a:extLst>
+              </p:cNvPr>
+              <p:cNvCxnSpPr>
+                <a:stCxn id="75" idx="2"/>
+                <a:endCxn id="76" idx="0"/>
+              </p:cNvCxnSpPr>
+              <p:nvPr/>
+            </p:nvCxnSpPr>
+            <p:spPr>
+              <a:xfrm rot="5400000">
+                <a:off x="1538620" y="7992655"/>
+                <a:ext cx="893952" cy="1270"/>
+              </a:xfrm>
+              <a:prstGeom prst="bentConnector3">
+                <a:avLst/>
+              </a:prstGeom>
+              <a:ln w="38100">
+                <a:tailEnd type="triangle"/>
+              </a:ln>
+            </p:spPr>
+            <p:style>
+              <a:lnRef idx="1">
+                <a:schemeClr val="accent1"/>
+              </a:lnRef>
+              <a:fillRef idx="0">
+                <a:schemeClr val="accent1"/>
+              </a:fillRef>
+              <a:effectRef idx="0">
+                <a:schemeClr val="accent1"/>
+              </a:effectRef>
+              <a:fontRef idx="minor">
+                <a:schemeClr val="tx1"/>
+              </a:fontRef>
+            </p:style>
+          </p:cxnSp>
+          <p:cxnSp>
+            <p:nvCxnSpPr>
+              <p:cNvPr id="83" name="Connector: Elbow 82">
+                <a:extLst>
+                  <a:ext uri="{FF2B5EF4-FFF2-40B4-BE49-F238E27FC236}">
+                    <a16:creationId xmlns:a16="http://schemas.microsoft.com/office/drawing/2014/main" id="{E8B29AAC-C512-424A-A774-6CEEB99021D9}"/>
+                  </a:ext>
+                </a:extLst>
+              </p:cNvPr>
+              <p:cNvCxnSpPr>
+                <a:stCxn id="76" idx="2"/>
+                <a:endCxn id="77" idx="0"/>
+              </p:cNvCxnSpPr>
+              <p:nvPr/>
+            </p:nvCxnSpPr>
+            <p:spPr>
+              <a:xfrm rot="16200000" flipH="1">
+                <a:off x="1560040" y="9640587"/>
+                <a:ext cx="851112" cy="1270"/>
+              </a:xfrm>
+              <a:prstGeom prst="bentConnector3">
+                <a:avLst/>
+              </a:prstGeom>
+              <a:ln w="38100">
+                <a:tailEnd type="triangle"/>
+              </a:ln>
+            </p:spPr>
+            <p:style>
+              <a:lnRef idx="1">
+                <a:schemeClr val="accent1"/>
+              </a:lnRef>
+              <a:fillRef idx="0">
+                <a:schemeClr val="accent1"/>
+              </a:fillRef>
+              <a:effectRef idx="0">
+                <a:schemeClr val="accent1"/>
+              </a:effectRef>
+              <a:fontRef idx="minor">
+                <a:schemeClr val="tx1"/>
+              </a:fontRef>
+            </p:style>
+          </p:cxnSp>
+        </p:grpSp>
+        <p:cxnSp>
+          <p:nvCxnSpPr>
+            <p:cNvPr id="86" name="Connector: Elbow 85">
+              <a:extLst>
+                <a:ext uri="{FF2B5EF4-FFF2-40B4-BE49-F238E27FC236}">
+                  <a16:creationId xmlns:a16="http://schemas.microsoft.com/office/drawing/2014/main" id="{B7E6DD71-C318-41C7-AB57-3BD52F5530E1}"/>
+                </a:ext>
+              </a:extLst>
+            </p:cNvPr>
+            <p:cNvCxnSpPr>
+              <a:stCxn id="12" idx="2"/>
+              <a:endCxn id="75" idx="0"/>
+            </p:cNvCxnSpPr>
+            <p:nvPr/>
+          </p:nvCxnSpPr>
+          <p:spPr>
+            <a:xfrm rot="16200000" flipH="1">
+              <a:off x="7725306" y="6181613"/>
+              <a:ext cx="872532" cy="1270"/>
+            </a:xfrm>
+            <a:prstGeom prst="bentConnector3">
+              <a:avLst/>
+            </a:prstGeom>
+            <a:ln w="38100">
+              <a:tailEnd type="triangle"/>
+            </a:ln>
+          </p:spPr>
+          <p:style>
+            <a:lnRef idx="1">
+              <a:schemeClr val="accent1"/>
+            </a:lnRef>
+            <a:fillRef idx="0">
+              <a:schemeClr val="accent1"/>
+            </a:fillRef>
+            <a:effectRef idx="0">
+              <a:schemeClr val="accent1"/>
+            </a:effectRef>
+            <a:fontRef idx="minor">
+              <a:schemeClr val="tx1"/>
+            </a:fontRef>
+          </p:style>
+        </p:cxnSp>
+      </p:grpSp>
+      <p:grpSp>
+        <p:nvGrpSpPr>
+          <p:cNvPr id="114" name="Group 113">
+            <a:extLst>
+              <a:ext uri="{FF2B5EF4-FFF2-40B4-BE49-F238E27FC236}">
+                <a16:creationId xmlns:a16="http://schemas.microsoft.com/office/drawing/2014/main" id="{CBA499D9-0A06-48A7-A91D-DC1482D3543D}"/>
+              </a:ext>
+            </a:extLst>
+          </p:cNvPr>
+          <p:cNvGrpSpPr/>
+          <p:nvPr/>
+        </p:nvGrpSpPr>
+        <p:grpSpPr>
+          <a:xfrm>
+            <a:off x="11408914" y="5556732"/>
+            <a:ext cx="4536153" cy="9177161"/>
+            <a:chOff x="12269447" y="4970582"/>
+            <a:chExt cx="4536153" cy="9177161"/>
+          </a:xfrm>
+        </p:grpSpPr>
+        <p:sp>
+          <p:nvSpPr>
+            <p:cNvPr id="11" name="Flowchart: Process 10">
+              <a:extLst>
+                <a:ext uri="{FF2B5EF4-FFF2-40B4-BE49-F238E27FC236}">
+                  <a16:creationId xmlns:a16="http://schemas.microsoft.com/office/drawing/2014/main" id="{A58405DC-9FF8-462B-846C-E15EDAA7537E}"/>
+                </a:ext>
+              </a:extLst>
+            </p:cNvPr>
+            <p:cNvSpPr/>
+            <p:nvPr/>
+          </p:nvSpPr>
+          <p:spPr>
+            <a:xfrm>
+              <a:off x="12270714" y="4970582"/>
+              <a:ext cx="2090057" cy="775399"/>
+            </a:xfrm>
+            <a:prstGeom prst="flowChartProcess">
+              <a:avLst/>
+            </a:prstGeom>
+          </p:spPr>
+          <p:style>
+            <a:lnRef idx="2">
+              <a:schemeClr val="accent1">
+                <a:shade val="50000"/>
+              </a:schemeClr>
+            </a:lnRef>
+            <a:fillRef idx="1">
+              <a:schemeClr val="accent1"/>
+            </a:fillRef>
+            <a:effectRef idx="0">
+              <a:schemeClr val="accent1"/>
+            </a:effectRef>
+            <a:fontRef idx="minor">
+              <a:schemeClr val="lt1"/>
+            </a:fontRef>
+          </p:style>
+          <p:txBody>
+            <a:bodyPr rtlCol="0" anchor="ctr"/>
+            <a:lstStyle/>
+            <a:p>
+              <a:pPr algn="ctr"/>
+              <a:r>
+                <a:rPr lang="en-US" dirty="0"/>
+                <a:t>RFID 3</a:t>
+              </a:r>
+            </a:p>
+          </p:txBody>
+        </p:sp>
+        <p:grpSp>
+          <p:nvGrpSpPr>
+            <p:cNvPr id="97" name="Group 96">
+              <a:extLst>
+                <a:ext uri="{FF2B5EF4-FFF2-40B4-BE49-F238E27FC236}">
+                  <a16:creationId xmlns:a16="http://schemas.microsoft.com/office/drawing/2014/main" id="{89DA9737-50DE-4879-AF52-8346CF292A0C}"/>
+                </a:ext>
+              </a:extLst>
+            </p:cNvPr>
+            <p:cNvGrpSpPr/>
+            <p:nvPr/>
+          </p:nvGrpSpPr>
+          <p:grpSpPr>
+            <a:xfrm>
+              <a:off x="12269447" y="6543149"/>
+              <a:ext cx="4536153" cy="7604594"/>
+              <a:chOff x="939932" y="6770914"/>
+              <a:chExt cx="4536153" cy="7604594"/>
+            </a:xfrm>
+          </p:grpSpPr>
+          <p:sp>
+            <p:nvSpPr>
+              <p:cNvPr id="87" name="Flowchart: Alternate Process 86">
+                <a:extLst>
+                  <a:ext uri="{FF2B5EF4-FFF2-40B4-BE49-F238E27FC236}">
+                    <a16:creationId xmlns:a16="http://schemas.microsoft.com/office/drawing/2014/main" id="{A9525AF2-4286-42C0-B3C0-85BBD13C150B}"/>
+                  </a:ext>
+                </a:extLst>
+              </p:cNvPr>
+              <p:cNvSpPr/>
+              <p:nvPr/>
+            </p:nvSpPr>
+            <p:spPr>
+              <a:xfrm>
+                <a:off x="3804713" y="10525656"/>
+                <a:ext cx="1671372" cy="797169"/>
+              </a:xfrm>
+              <a:prstGeom prst="flowChartAlternateProcess">
+                <a:avLst/>
+              </a:prstGeom>
+            </p:spPr>
+            <p:style>
+              <a:lnRef idx="2">
+                <a:schemeClr val="accent1">
+                  <a:shade val="50000"/>
+                </a:schemeClr>
+              </a:lnRef>
+              <a:fillRef idx="1">
+                <a:schemeClr val="accent1"/>
+              </a:fillRef>
+              <a:effectRef idx="0">
+                <a:schemeClr val="accent1"/>
+              </a:effectRef>
+              <a:fontRef idx="minor">
+                <a:schemeClr val="lt1"/>
+              </a:fontRef>
+            </p:style>
+            <p:txBody>
+              <a:bodyPr rtlCol="0" anchor="ctr"/>
+              <a:lstStyle/>
+              <a:p>
+                <a:pPr algn="ctr"/>
+                <a:r>
+                  <a:rPr lang="en-US" dirty="0"/>
+                  <a:t>Wait for other threads to end</a:t>
+                </a:r>
+              </a:p>
+            </p:txBody>
+          </p:sp>
+          <p:sp>
+            <p:nvSpPr>
+              <p:cNvPr id="88" name="Flowchart: Process 87">
+                <a:extLst>
+                  <a:ext uri="{FF2B5EF4-FFF2-40B4-BE49-F238E27FC236}">
+                    <a16:creationId xmlns:a16="http://schemas.microsoft.com/office/drawing/2014/main" id="{BBCDEE53-681E-4F30-8DA1-30DBF8226275}"/>
+                  </a:ext>
+                </a:extLst>
+              </p:cNvPr>
+              <p:cNvSpPr/>
+              <p:nvPr/>
+            </p:nvSpPr>
+            <p:spPr>
+              <a:xfrm>
+                <a:off x="941202" y="6770914"/>
+                <a:ext cx="2090057" cy="775400"/>
+              </a:xfrm>
+              <a:prstGeom prst="flowChartProcess">
+                <a:avLst/>
+              </a:prstGeom>
+            </p:spPr>
+            <p:style>
+              <a:lnRef idx="2">
+                <a:schemeClr val="accent1">
+                  <a:shade val="50000"/>
+                </a:schemeClr>
+              </a:lnRef>
+              <a:fillRef idx="1">
+                <a:schemeClr val="accent1"/>
+              </a:fillRef>
+              <a:effectRef idx="0">
+                <a:schemeClr val="accent1"/>
+              </a:effectRef>
+              <a:fontRef idx="minor">
+                <a:schemeClr val="lt1"/>
+              </a:fontRef>
+            </p:style>
+            <p:txBody>
+              <a:bodyPr rtlCol="0" anchor="ctr"/>
+              <a:lstStyle/>
+              <a:p>
+                <a:pPr algn="ctr"/>
+                <a:r>
+                  <a:rPr lang="en-US" dirty="0"/>
+                  <a:t>Setup Serial Port</a:t>
+                </a:r>
+              </a:p>
+            </p:txBody>
+          </p:sp>
+          <p:sp>
+            <p:nvSpPr>
+              <p:cNvPr id="89" name="Flowchart: Process 88">
+                <a:extLst>
+                  <a:ext uri="{FF2B5EF4-FFF2-40B4-BE49-F238E27FC236}">
+                    <a16:creationId xmlns:a16="http://schemas.microsoft.com/office/drawing/2014/main" id="{AC87E887-FEED-4472-AF34-2F31C24CFD72}"/>
+                  </a:ext>
+                </a:extLst>
+              </p:cNvPr>
+              <p:cNvSpPr/>
+              <p:nvPr/>
+            </p:nvSpPr>
+            <p:spPr>
+              <a:xfrm>
+                <a:off x="939932" y="8440266"/>
+                <a:ext cx="2090057" cy="775400"/>
+              </a:xfrm>
+              <a:prstGeom prst="flowChartProcess">
+                <a:avLst/>
+              </a:prstGeom>
+            </p:spPr>
+            <p:style>
+              <a:lnRef idx="2">
+                <a:schemeClr val="accent1">
+                  <a:shade val="50000"/>
+                </a:schemeClr>
+              </a:lnRef>
+              <a:fillRef idx="1">
+                <a:schemeClr val="accent1"/>
+              </a:fillRef>
+              <a:effectRef idx="0">
+                <a:schemeClr val="accent1"/>
+              </a:effectRef>
+              <a:fontRef idx="minor">
+                <a:schemeClr val="lt1"/>
+              </a:fontRef>
+            </p:style>
+            <p:txBody>
+              <a:bodyPr rtlCol="0" anchor="ctr"/>
+              <a:lstStyle/>
+              <a:p>
+                <a:pPr algn="ctr"/>
+                <a:r>
+                  <a:rPr lang="en-US" dirty="0"/>
+                  <a:t>Read Serial Port</a:t>
+                </a:r>
+              </a:p>
+            </p:txBody>
+          </p:sp>
+          <p:sp>
+            <p:nvSpPr>
+              <p:cNvPr id="90" name="Flowchart: Decision 89">
+                <a:extLst>
+                  <a:ext uri="{FF2B5EF4-FFF2-40B4-BE49-F238E27FC236}">
+                    <a16:creationId xmlns:a16="http://schemas.microsoft.com/office/drawing/2014/main" id="{B9C3D8D4-EEA9-4F1D-B080-4222A5B09DB9}"/>
+                  </a:ext>
+                </a:extLst>
+              </p:cNvPr>
+              <p:cNvSpPr/>
+              <p:nvPr/>
+            </p:nvSpPr>
+            <p:spPr>
+              <a:xfrm>
+                <a:off x="941202" y="10066778"/>
+                <a:ext cx="2090057" cy="1714924"/>
+              </a:xfrm>
+              <a:prstGeom prst="flowChartDecision">
+                <a:avLst/>
+              </a:prstGeom>
+            </p:spPr>
+            <p:style>
+              <a:lnRef idx="2">
+                <a:schemeClr val="accent1">
+                  <a:shade val="50000"/>
+                </a:schemeClr>
+              </a:lnRef>
+              <a:fillRef idx="1">
+                <a:schemeClr val="accent1"/>
+              </a:fillRef>
+              <a:effectRef idx="0">
+                <a:schemeClr val="accent1"/>
+              </a:effectRef>
+              <a:fontRef idx="minor">
+                <a:schemeClr val="lt1"/>
+              </a:fontRef>
+            </p:style>
+            <p:txBody>
+              <a:bodyPr rtlCol="0" anchor="ctr"/>
+              <a:lstStyle/>
+              <a:p>
+                <a:pPr algn="ctr"/>
+                <a:r>
+                  <a:rPr lang="en-US" dirty="0"/>
+                  <a:t>Is there a vole that pings?</a:t>
+                </a:r>
+              </a:p>
+            </p:txBody>
+          </p:sp>
+          <p:sp>
+            <p:nvSpPr>
+              <p:cNvPr id="91" name="Flowchart: Off-page Connector 90">
+                <a:extLst>
+                  <a:ext uri="{FF2B5EF4-FFF2-40B4-BE49-F238E27FC236}">
+                    <a16:creationId xmlns:a16="http://schemas.microsoft.com/office/drawing/2014/main" id="{A30D22BC-218A-49C6-B919-247C2AC91A30}"/>
+                  </a:ext>
+                </a:extLst>
+              </p:cNvPr>
+              <p:cNvSpPr/>
+              <p:nvPr/>
+            </p:nvSpPr>
+            <p:spPr>
+              <a:xfrm>
+                <a:off x="939932" y="12660584"/>
+                <a:ext cx="2090057" cy="1714924"/>
+              </a:xfrm>
+              <a:prstGeom prst="flowChartOffpageConnector">
+                <a:avLst/>
+              </a:prstGeom>
+            </p:spPr>
+            <p:style>
+              <a:lnRef idx="2">
+                <a:schemeClr val="accent1">
+                  <a:shade val="50000"/>
+                </a:schemeClr>
+              </a:lnRef>
+              <a:fillRef idx="1">
+                <a:schemeClr val="accent1"/>
+              </a:fillRef>
+              <a:effectRef idx="0">
+                <a:schemeClr val="accent1"/>
+              </a:effectRef>
+              <a:fontRef idx="minor">
+                <a:schemeClr val="lt1"/>
+              </a:fontRef>
+            </p:style>
+            <p:txBody>
+              <a:bodyPr rtlCol="0" anchor="ctr"/>
+              <a:lstStyle/>
+              <a:p>
+                <a:pPr algn="ctr"/>
+                <a:r>
+                  <a:rPr lang="en-US" dirty="0"/>
+                  <a:t>Output to Shared Queue:</a:t>
+                </a:r>
+              </a:p>
+              <a:p>
+                <a:pPr algn="ctr"/>
+                <a:r>
+                  <a:rPr lang="en-US" dirty="0"/>
+                  <a:t>RFID #,</a:t>
+                </a:r>
+              </a:p>
+              <a:p>
+                <a:pPr algn="ctr"/>
+                <a:r>
+                  <a:rPr lang="en-US" dirty="0"/>
+                  <a:t>Vole #</a:t>
+                </a:r>
+              </a:p>
+            </p:txBody>
+          </p:sp>
+          <p:cxnSp>
+            <p:nvCxnSpPr>
+              <p:cNvPr id="92" name="Connector: Elbow 91">
+                <a:extLst>
+                  <a:ext uri="{FF2B5EF4-FFF2-40B4-BE49-F238E27FC236}">
+                    <a16:creationId xmlns:a16="http://schemas.microsoft.com/office/drawing/2014/main" id="{9A4F92F9-1C3A-49A2-B7F4-CCC3455224B3}"/>
+                  </a:ext>
+                </a:extLst>
+              </p:cNvPr>
+              <p:cNvCxnSpPr>
+                <a:stCxn id="90" idx="2"/>
+                <a:endCxn id="91" idx="0"/>
+              </p:cNvCxnSpPr>
+              <p:nvPr/>
+            </p:nvCxnSpPr>
+            <p:spPr>
+              <a:xfrm rot="5400000">
+                <a:off x="1546155" y="12220508"/>
+                <a:ext cx="878882" cy="1270"/>
+              </a:xfrm>
+              <a:prstGeom prst="bentConnector3">
+                <a:avLst/>
+              </a:prstGeom>
+              <a:ln w="38100">
+                <a:solidFill>
+                  <a:srgbClr val="00B050"/>
+                </a:solidFill>
+                <a:tailEnd type="triangle"/>
+              </a:ln>
+            </p:spPr>
+            <p:style>
+              <a:lnRef idx="1">
+                <a:schemeClr val="accent1"/>
+              </a:lnRef>
+              <a:fillRef idx="0">
+                <a:schemeClr val="accent1"/>
+              </a:fillRef>
+              <a:effectRef idx="0">
+                <a:schemeClr val="accent1"/>
+              </a:effectRef>
+              <a:fontRef idx="minor">
+                <a:schemeClr val="tx1"/>
+              </a:fontRef>
+            </p:style>
+          </p:cxnSp>
+          <p:cxnSp>
+            <p:nvCxnSpPr>
+              <p:cNvPr id="93" name="Connector: Elbow 92">
+                <a:extLst>
+                  <a:ext uri="{FF2B5EF4-FFF2-40B4-BE49-F238E27FC236}">
+                    <a16:creationId xmlns:a16="http://schemas.microsoft.com/office/drawing/2014/main" id="{35E33DEE-C0EC-4D65-92AE-DA68D2416105}"/>
+                  </a:ext>
+                </a:extLst>
+              </p:cNvPr>
+              <p:cNvCxnSpPr>
+                <a:stCxn id="90" idx="3"/>
+                <a:endCxn id="87" idx="1"/>
+              </p:cNvCxnSpPr>
+              <p:nvPr/>
+            </p:nvCxnSpPr>
+            <p:spPr>
+              <a:xfrm>
+                <a:off x="3031259" y="10924240"/>
+                <a:ext cx="773454" cy="1"/>
+              </a:xfrm>
+              <a:prstGeom prst="bentConnector3">
+                <a:avLst/>
+              </a:prstGeom>
+              <a:ln w="38100">
+                <a:solidFill>
+                  <a:srgbClr val="FF0000"/>
+                </a:solidFill>
+                <a:tailEnd type="triangle"/>
+              </a:ln>
+            </p:spPr>
+            <p:style>
+              <a:lnRef idx="1">
+                <a:schemeClr val="accent1"/>
+              </a:lnRef>
+              <a:fillRef idx="0">
+                <a:schemeClr val="accent1"/>
+              </a:fillRef>
+              <a:effectRef idx="0">
+                <a:schemeClr val="accent1"/>
+              </a:effectRef>
+              <a:fontRef idx="minor">
+                <a:schemeClr val="tx1"/>
+              </a:fontRef>
+            </p:style>
+          </p:cxnSp>
+          <p:cxnSp>
+            <p:nvCxnSpPr>
+              <p:cNvPr id="94" name="Connector: Elbow 93">
+                <a:extLst>
+                  <a:ext uri="{FF2B5EF4-FFF2-40B4-BE49-F238E27FC236}">
+                    <a16:creationId xmlns:a16="http://schemas.microsoft.com/office/drawing/2014/main" id="{8FAFCAD6-0DC0-4C5B-8C70-5929701A47AE}"/>
+                  </a:ext>
+                </a:extLst>
+              </p:cNvPr>
+              <p:cNvCxnSpPr>
+                <a:stCxn id="91" idx="2"/>
+                <a:endCxn id="87" idx="2"/>
+              </p:cNvCxnSpPr>
+              <p:nvPr/>
+            </p:nvCxnSpPr>
+            <p:spPr>
+              <a:xfrm rot="5400000" flipH="1" flipV="1">
+                <a:off x="1786338" y="11521448"/>
+                <a:ext cx="3052683" cy="2655438"/>
+              </a:xfrm>
+              <a:prstGeom prst="bentConnector3">
+                <a:avLst>
+                  <a:gd name="adj1" fmla="val -7488"/>
+                </a:avLst>
+              </a:prstGeom>
+              <a:ln w="38100">
+                <a:tailEnd type="triangle"/>
+              </a:ln>
+            </p:spPr>
+            <p:style>
+              <a:lnRef idx="1">
+                <a:schemeClr val="accent1"/>
+              </a:lnRef>
+              <a:fillRef idx="0">
+                <a:schemeClr val="accent1"/>
+              </a:fillRef>
+              <a:effectRef idx="0">
+                <a:schemeClr val="accent1"/>
+              </a:effectRef>
+              <a:fontRef idx="minor">
+                <a:schemeClr val="tx1"/>
+              </a:fontRef>
+            </p:style>
+          </p:cxnSp>
+          <p:cxnSp>
+            <p:nvCxnSpPr>
+              <p:cNvPr id="95" name="Connector: Elbow 94">
+                <a:extLst>
+                  <a:ext uri="{FF2B5EF4-FFF2-40B4-BE49-F238E27FC236}">
+                    <a16:creationId xmlns:a16="http://schemas.microsoft.com/office/drawing/2014/main" id="{2AA78A55-B982-4836-A9B3-5FCFB813F7A3}"/>
+                  </a:ext>
+                </a:extLst>
+              </p:cNvPr>
+              <p:cNvCxnSpPr>
+                <a:stCxn id="88" idx="2"/>
+                <a:endCxn id="89" idx="0"/>
+              </p:cNvCxnSpPr>
+              <p:nvPr/>
+            </p:nvCxnSpPr>
+            <p:spPr>
+              <a:xfrm rot="5400000">
+                <a:off x="1538620" y="7992655"/>
+                <a:ext cx="893952" cy="1270"/>
+              </a:xfrm>
+              <a:prstGeom prst="bentConnector3">
+                <a:avLst/>
+              </a:prstGeom>
+              <a:ln w="38100">
+                <a:tailEnd type="triangle"/>
+              </a:ln>
+            </p:spPr>
+            <p:style>
+              <a:lnRef idx="1">
+                <a:schemeClr val="accent1"/>
+              </a:lnRef>
+              <a:fillRef idx="0">
+                <a:schemeClr val="accent1"/>
+              </a:fillRef>
+              <a:effectRef idx="0">
+                <a:schemeClr val="accent1"/>
+              </a:effectRef>
+              <a:fontRef idx="minor">
+                <a:schemeClr val="tx1"/>
+              </a:fontRef>
+            </p:style>
+          </p:cxnSp>
+          <p:cxnSp>
+            <p:nvCxnSpPr>
+              <p:cNvPr id="96" name="Connector: Elbow 95">
+                <a:extLst>
+                  <a:ext uri="{FF2B5EF4-FFF2-40B4-BE49-F238E27FC236}">
+                    <a16:creationId xmlns:a16="http://schemas.microsoft.com/office/drawing/2014/main" id="{B4ED9E08-E3CA-4CF1-8EC7-A95BBF8E7468}"/>
+                  </a:ext>
+                </a:extLst>
+              </p:cNvPr>
+              <p:cNvCxnSpPr>
+                <a:stCxn id="89" idx="2"/>
+                <a:endCxn id="90" idx="0"/>
+              </p:cNvCxnSpPr>
+              <p:nvPr/>
+            </p:nvCxnSpPr>
+            <p:spPr>
+              <a:xfrm rot="16200000" flipH="1">
+                <a:off x="1560040" y="9640587"/>
+                <a:ext cx="851112" cy="1270"/>
+              </a:xfrm>
+              <a:prstGeom prst="bentConnector3">
+                <a:avLst/>
+              </a:prstGeom>
+              <a:ln w="38100">
+                <a:tailEnd type="triangle"/>
+              </a:ln>
+            </p:spPr>
+            <p:style>
+              <a:lnRef idx="1">
+                <a:schemeClr val="accent1"/>
+              </a:lnRef>
+              <a:fillRef idx="0">
+                <a:schemeClr val="accent1"/>
+              </a:fillRef>
+              <a:effectRef idx="0">
+                <a:schemeClr val="accent1"/>
+              </a:effectRef>
+              <a:fontRef idx="minor">
+                <a:schemeClr val="tx1"/>
+              </a:fontRef>
+            </p:style>
+          </p:cxnSp>
+        </p:grpSp>
+        <p:cxnSp>
+          <p:nvCxnSpPr>
+            <p:cNvPr id="110" name="Connector: Elbow 109">
+              <a:extLst>
+                <a:ext uri="{FF2B5EF4-FFF2-40B4-BE49-F238E27FC236}">
+                  <a16:creationId xmlns:a16="http://schemas.microsoft.com/office/drawing/2014/main" id="{6078C2C5-55FC-41E1-8A39-E614F4632F28}"/>
+                </a:ext>
+              </a:extLst>
+            </p:cNvPr>
+            <p:cNvCxnSpPr>
+              <a:stCxn id="11" idx="2"/>
+              <a:endCxn id="88" idx="0"/>
+            </p:cNvCxnSpPr>
+            <p:nvPr/>
+          </p:nvCxnSpPr>
+          <p:spPr>
+            <a:xfrm rot="16200000" flipH="1">
+              <a:off x="12917160" y="6144563"/>
+              <a:ext cx="797168" cy="3"/>
+            </a:xfrm>
+            <a:prstGeom prst="bentConnector3">
+              <a:avLst/>
+            </a:prstGeom>
+            <a:ln w="38100">
+              <a:tailEnd type="triangle"/>
+            </a:ln>
+          </p:spPr>
+          <p:style>
+            <a:lnRef idx="1">
+              <a:schemeClr val="accent1"/>
+            </a:lnRef>
+            <a:fillRef idx="0">
+              <a:schemeClr val="accent1"/>
+            </a:fillRef>
+            <a:effectRef idx="0">
+              <a:schemeClr val="accent1"/>
+            </a:effectRef>
+            <a:fontRef idx="minor">
+              <a:schemeClr val="tx1"/>
+            </a:fontRef>
+          </p:style>
+        </p:cxnSp>
+      </p:grpSp>
+      <p:grpSp>
+        <p:nvGrpSpPr>
+          <p:cNvPr id="115" name="Group 114">
+            <a:extLst>
+              <a:ext uri="{FF2B5EF4-FFF2-40B4-BE49-F238E27FC236}">
+                <a16:creationId xmlns:a16="http://schemas.microsoft.com/office/drawing/2014/main" id="{ED766C6C-E15A-48B0-B17F-9AC4F1283953}"/>
+              </a:ext>
+            </a:extLst>
+          </p:cNvPr>
+          <p:cNvGrpSpPr/>
+          <p:nvPr/>
+        </p:nvGrpSpPr>
+        <p:grpSpPr>
+          <a:xfrm>
+            <a:off x="16836836" y="5556732"/>
+            <a:ext cx="4536153" cy="9177161"/>
+            <a:chOff x="17305756" y="4970582"/>
+            <a:chExt cx="4536153" cy="9177161"/>
+          </a:xfrm>
+        </p:grpSpPr>
+        <p:sp>
+          <p:nvSpPr>
+            <p:cNvPr id="10" name="Flowchart: Process 9">
+              <a:extLst>
+                <a:ext uri="{FF2B5EF4-FFF2-40B4-BE49-F238E27FC236}">
+                  <a16:creationId xmlns:a16="http://schemas.microsoft.com/office/drawing/2014/main" id="{84CE5F60-24DF-4A4F-9E7D-B54C2F7A6B52}"/>
+                </a:ext>
+              </a:extLst>
+            </p:cNvPr>
+            <p:cNvSpPr/>
+            <p:nvPr/>
+          </p:nvSpPr>
+          <p:spPr>
+            <a:xfrm>
+              <a:off x="17308291" y="4970582"/>
+              <a:ext cx="2090057" cy="775400"/>
+            </a:xfrm>
+            <a:prstGeom prst="flowChartProcess">
+              <a:avLst/>
+            </a:prstGeom>
+          </p:spPr>
+          <p:style>
+            <a:lnRef idx="2">
+              <a:schemeClr val="accent1">
+                <a:shade val="50000"/>
+              </a:schemeClr>
+            </a:lnRef>
+            <a:fillRef idx="1">
+              <a:schemeClr val="accent1"/>
+            </a:fillRef>
+            <a:effectRef idx="0">
+              <a:schemeClr val="accent1"/>
+            </a:effectRef>
+            <a:fontRef idx="minor">
+              <a:schemeClr val="lt1"/>
+            </a:fontRef>
+          </p:style>
+          <p:txBody>
+            <a:bodyPr rtlCol="0" anchor="ctr"/>
+            <a:lstStyle/>
+            <a:p>
+              <a:pPr algn="ctr"/>
+              <a:r>
+                <a:rPr lang="en-US" dirty="0"/>
+                <a:t>RFID 4</a:t>
+              </a:r>
+            </a:p>
+          </p:txBody>
+        </p:sp>
+        <p:grpSp>
+          <p:nvGrpSpPr>
+            <p:cNvPr id="108" name="Group 107">
+              <a:extLst>
+                <a:ext uri="{FF2B5EF4-FFF2-40B4-BE49-F238E27FC236}">
+                  <a16:creationId xmlns:a16="http://schemas.microsoft.com/office/drawing/2014/main" id="{23BC1C05-2F41-476F-B3DC-0050576D7D9D}"/>
+                </a:ext>
+              </a:extLst>
+            </p:cNvPr>
+            <p:cNvGrpSpPr/>
+            <p:nvPr/>
+          </p:nvGrpSpPr>
+          <p:grpSpPr>
+            <a:xfrm>
+              <a:off x="17305756" y="6543149"/>
+              <a:ext cx="4536153" cy="7604594"/>
+              <a:chOff x="939932" y="6770914"/>
+              <a:chExt cx="4536153" cy="7604594"/>
+            </a:xfrm>
+          </p:grpSpPr>
+          <p:sp>
+            <p:nvSpPr>
+              <p:cNvPr id="98" name="Flowchart: Alternate Process 97">
+                <a:extLst>
+                  <a:ext uri="{FF2B5EF4-FFF2-40B4-BE49-F238E27FC236}">
+                    <a16:creationId xmlns:a16="http://schemas.microsoft.com/office/drawing/2014/main" id="{0D3D1A04-3478-406E-B6BF-8CCDB3592B2C}"/>
+                  </a:ext>
+                </a:extLst>
+              </p:cNvPr>
+              <p:cNvSpPr/>
+              <p:nvPr/>
+            </p:nvSpPr>
+            <p:spPr>
+              <a:xfrm>
+                <a:off x="3804713" y="10525656"/>
+                <a:ext cx="1671372" cy="797169"/>
+              </a:xfrm>
+              <a:prstGeom prst="flowChartAlternateProcess">
+                <a:avLst/>
+              </a:prstGeom>
+            </p:spPr>
+            <p:style>
+              <a:lnRef idx="2">
+                <a:schemeClr val="accent1">
+                  <a:shade val="50000"/>
+                </a:schemeClr>
+              </a:lnRef>
+              <a:fillRef idx="1">
+                <a:schemeClr val="accent1"/>
+              </a:fillRef>
+              <a:effectRef idx="0">
+                <a:schemeClr val="accent1"/>
+              </a:effectRef>
+              <a:fontRef idx="minor">
+                <a:schemeClr val="lt1"/>
+              </a:fontRef>
+            </p:style>
+            <p:txBody>
+              <a:bodyPr rtlCol="0" anchor="ctr"/>
+              <a:lstStyle/>
+              <a:p>
+                <a:pPr algn="ctr"/>
+                <a:r>
+                  <a:rPr lang="en-US" dirty="0"/>
+                  <a:t>Wait for other threads to end</a:t>
+                </a:r>
+              </a:p>
+            </p:txBody>
+          </p:sp>
+          <p:sp>
+            <p:nvSpPr>
+              <p:cNvPr id="99" name="Flowchart: Process 98">
+                <a:extLst>
+                  <a:ext uri="{FF2B5EF4-FFF2-40B4-BE49-F238E27FC236}">
+                    <a16:creationId xmlns:a16="http://schemas.microsoft.com/office/drawing/2014/main" id="{852399B4-1EE1-469B-A633-372F0D0D9BE7}"/>
+                  </a:ext>
+                </a:extLst>
+              </p:cNvPr>
+              <p:cNvSpPr/>
+              <p:nvPr/>
+            </p:nvSpPr>
+            <p:spPr>
+              <a:xfrm>
+                <a:off x="941202" y="6770914"/>
+                <a:ext cx="2090057" cy="775400"/>
+              </a:xfrm>
+              <a:prstGeom prst="flowChartProcess">
+                <a:avLst/>
+              </a:prstGeom>
+            </p:spPr>
+            <p:style>
+              <a:lnRef idx="2">
+                <a:schemeClr val="accent1">
+                  <a:shade val="50000"/>
+                </a:schemeClr>
+              </a:lnRef>
+              <a:fillRef idx="1">
+                <a:schemeClr val="accent1"/>
+              </a:fillRef>
+              <a:effectRef idx="0">
+                <a:schemeClr val="accent1"/>
+              </a:effectRef>
+              <a:fontRef idx="minor">
+                <a:schemeClr val="lt1"/>
+              </a:fontRef>
+            </p:style>
+            <p:txBody>
+              <a:bodyPr rtlCol="0" anchor="ctr"/>
+              <a:lstStyle/>
+              <a:p>
+                <a:pPr algn="ctr"/>
+                <a:r>
+                  <a:rPr lang="en-US" dirty="0"/>
+                  <a:t>Setup Serial Port</a:t>
+                </a:r>
+              </a:p>
+            </p:txBody>
+          </p:sp>
+          <p:sp>
+            <p:nvSpPr>
+              <p:cNvPr id="100" name="Flowchart: Process 99">
+                <a:extLst>
+                  <a:ext uri="{FF2B5EF4-FFF2-40B4-BE49-F238E27FC236}">
+                    <a16:creationId xmlns:a16="http://schemas.microsoft.com/office/drawing/2014/main" id="{9C72D4FC-A7C1-462A-BCA9-F954D4F48F4D}"/>
+                  </a:ext>
+                </a:extLst>
+              </p:cNvPr>
+              <p:cNvSpPr/>
+              <p:nvPr/>
+            </p:nvSpPr>
+            <p:spPr>
+              <a:xfrm>
+                <a:off x="939932" y="8440266"/>
+                <a:ext cx="2090057" cy="775400"/>
+              </a:xfrm>
+              <a:prstGeom prst="flowChartProcess">
+                <a:avLst/>
+              </a:prstGeom>
+            </p:spPr>
+            <p:style>
+              <a:lnRef idx="2">
+                <a:schemeClr val="accent1">
+                  <a:shade val="50000"/>
+                </a:schemeClr>
+              </a:lnRef>
+              <a:fillRef idx="1">
+                <a:schemeClr val="accent1"/>
+              </a:fillRef>
+              <a:effectRef idx="0">
+                <a:schemeClr val="accent1"/>
+              </a:effectRef>
+              <a:fontRef idx="minor">
+                <a:schemeClr val="lt1"/>
+              </a:fontRef>
+            </p:style>
+            <p:txBody>
+              <a:bodyPr rtlCol="0" anchor="ctr"/>
+              <a:lstStyle/>
+              <a:p>
+                <a:pPr algn="ctr"/>
+                <a:r>
+                  <a:rPr lang="en-US" dirty="0"/>
+                  <a:t>Read Serial Port</a:t>
+                </a:r>
+              </a:p>
+            </p:txBody>
+          </p:sp>
+          <p:sp>
+            <p:nvSpPr>
+              <p:cNvPr id="101" name="Flowchart: Decision 100">
+                <a:extLst>
+                  <a:ext uri="{FF2B5EF4-FFF2-40B4-BE49-F238E27FC236}">
+                    <a16:creationId xmlns:a16="http://schemas.microsoft.com/office/drawing/2014/main" id="{8D38EAFB-B096-4F57-B76E-A79BE6738346}"/>
+                  </a:ext>
+                </a:extLst>
+              </p:cNvPr>
+              <p:cNvSpPr/>
+              <p:nvPr/>
+            </p:nvSpPr>
+            <p:spPr>
+              <a:xfrm>
+                <a:off x="941202" y="10066778"/>
+                <a:ext cx="2090057" cy="1714924"/>
+              </a:xfrm>
+              <a:prstGeom prst="flowChartDecision">
+                <a:avLst/>
+              </a:prstGeom>
+            </p:spPr>
+            <p:style>
+              <a:lnRef idx="2">
+                <a:schemeClr val="accent1">
+                  <a:shade val="50000"/>
+                </a:schemeClr>
+              </a:lnRef>
+              <a:fillRef idx="1">
+                <a:schemeClr val="accent1"/>
+              </a:fillRef>
+              <a:effectRef idx="0">
+                <a:schemeClr val="accent1"/>
+              </a:effectRef>
+              <a:fontRef idx="minor">
+                <a:schemeClr val="lt1"/>
+              </a:fontRef>
+            </p:style>
+            <p:txBody>
+              <a:bodyPr rtlCol="0" anchor="ctr"/>
+              <a:lstStyle/>
+              <a:p>
+                <a:pPr algn="ctr"/>
+                <a:r>
+                  <a:rPr lang="en-US" dirty="0"/>
+                  <a:t>Is there a vole that pings?</a:t>
+                </a:r>
+              </a:p>
+            </p:txBody>
+          </p:sp>
+          <p:sp>
+            <p:nvSpPr>
+              <p:cNvPr id="102" name="Flowchart: Off-page Connector 101">
+                <a:extLst>
+                  <a:ext uri="{FF2B5EF4-FFF2-40B4-BE49-F238E27FC236}">
+                    <a16:creationId xmlns:a16="http://schemas.microsoft.com/office/drawing/2014/main" id="{ACEB8D26-C209-4451-BBBB-59177982225B}"/>
+                  </a:ext>
+                </a:extLst>
+              </p:cNvPr>
+              <p:cNvSpPr/>
+              <p:nvPr/>
+            </p:nvSpPr>
+            <p:spPr>
+              <a:xfrm>
+                <a:off x="939932" y="12660584"/>
+                <a:ext cx="2090057" cy="1714924"/>
+              </a:xfrm>
+              <a:prstGeom prst="flowChartOffpageConnector">
+                <a:avLst/>
+              </a:prstGeom>
+            </p:spPr>
+            <p:style>
+              <a:lnRef idx="2">
+                <a:schemeClr val="accent1">
+                  <a:shade val="50000"/>
+                </a:schemeClr>
+              </a:lnRef>
+              <a:fillRef idx="1">
+                <a:schemeClr val="accent1"/>
+              </a:fillRef>
+              <a:effectRef idx="0">
+                <a:schemeClr val="accent1"/>
+              </a:effectRef>
+              <a:fontRef idx="minor">
+                <a:schemeClr val="lt1"/>
+              </a:fontRef>
+            </p:style>
+            <p:txBody>
+              <a:bodyPr rtlCol="0" anchor="ctr"/>
+              <a:lstStyle/>
+              <a:p>
+                <a:pPr algn="ctr"/>
+                <a:r>
+                  <a:rPr lang="en-US" dirty="0"/>
+                  <a:t>Output to Shared Queue:</a:t>
+                </a:r>
+              </a:p>
+              <a:p>
+                <a:pPr algn="ctr"/>
+                <a:r>
+                  <a:rPr lang="en-US" dirty="0"/>
+                  <a:t>RFID #,</a:t>
+                </a:r>
+              </a:p>
+              <a:p>
+                <a:pPr algn="ctr"/>
+                <a:r>
+                  <a:rPr lang="en-US" dirty="0"/>
+                  <a:t>Vole #</a:t>
+                </a:r>
+              </a:p>
+            </p:txBody>
+          </p:sp>
+          <p:cxnSp>
+            <p:nvCxnSpPr>
+              <p:cNvPr id="103" name="Connector: Elbow 102">
+                <a:extLst>
+                  <a:ext uri="{FF2B5EF4-FFF2-40B4-BE49-F238E27FC236}">
+                    <a16:creationId xmlns:a16="http://schemas.microsoft.com/office/drawing/2014/main" id="{04B7D473-2D67-44F4-8899-F18523832F64}"/>
+                  </a:ext>
+                </a:extLst>
+              </p:cNvPr>
+              <p:cNvCxnSpPr>
+                <a:stCxn id="101" idx="2"/>
+                <a:endCxn id="102" idx="0"/>
+              </p:cNvCxnSpPr>
+              <p:nvPr/>
+            </p:nvCxnSpPr>
+            <p:spPr>
+              <a:xfrm rot="5400000">
+                <a:off x="1546155" y="12220508"/>
+                <a:ext cx="878882" cy="1270"/>
+              </a:xfrm>
+              <a:prstGeom prst="bentConnector3">
+                <a:avLst/>
+              </a:prstGeom>
+              <a:ln w="38100">
+                <a:solidFill>
+                  <a:srgbClr val="00B050"/>
+                </a:solidFill>
+                <a:tailEnd type="triangle"/>
+              </a:ln>
+            </p:spPr>
+            <p:style>
+              <a:lnRef idx="1">
+                <a:schemeClr val="accent1"/>
+              </a:lnRef>
+              <a:fillRef idx="0">
+                <a:schemeClr val="accent1"/>
+              </a:fillRef>
+              <a:effectRef idx="0">
+                <a:schemeClr val="accent1"/>
+              </a:effectRef>
+              <a:fontRef idx="minor">
+                <a:schemeClr val="tx1"/>
+              </a:fontRef>
+            </p:style>
+          </p:cxnSp>
+          <p:cxnSp>
+            <p:nvCxnSpPr>
+              <p:cNvPr id="104" name="Connector: Elbow 103">
+                <a:extLst>
+                  <a:ext uri="{FF2B5EF4-FFF2-40B4-BE49-F238E27FC236}">
+                    <a16:creationId xmlns:a16="http://schemas.microsoft.com/office/drawing/2014/main" id="{B452C6AC-5EF6-436A-90D3-B8F0241DEBD8}"/>
+                  </a:ext>
+                </a:extLst>
+              </p:cNvPr>
+              <p:cNvCxnSpPr>
+                <a:stCxn id="101" idx="3"/>
+                <a:endCxn id="98" idx="1"/>
+              </p:cNvCxnSpPr>
+              <p:nvPr/>
+            </p:nvCxnSpPr>
+            <p:spPr>
+              <a:xfrm>
+                <a:off x="3031259" y="10924240"/>
+                <a:ext cx="773454" cy="1"/>
+              </a:xfrm>
+              <a:prstGeom prst="bentConnector3">
+                <a:avLst/>
+              </a:prstGeom>
+              <a:ln w="38100">
+                <a:solidFill>
+                  <a:srgbClr val="FF0000"/>
+                </a:solidFill>
+                <a:tailEnd type="triangle"/>
+              </a:ln>
+            </p:spPr>
+            <p:style>
+              <a:lnRef idx="1">
+                <a:schemeClr val="accent1"/>
+              </a:lnRef>
+              <a:fillRef idx="0">
+                <a:schemeClr val="accent1"/>
+              </a:fillRef>
+              <a:effectRef idx="0">
+                <a:schemeClr val="accent1"/>
+              </a:effectRef>
+              <a:fontRef idx="minor">
+                <a:schemeClr val="tx1"/>
+              </a:fontRef>
+            </p:style>
+          </p:cxnSp>
+          <p:cxnSp>
+            <p:nvCxnSpPr>
+              <p:cNvPr id="105" name="Connector: Elbow 104">
+                <a:extLst>
+                  <a:ext uri="{FF2B5EF4-FFF2-40B4-BE49-F238E27FC236}">
+                    <a16:creationId xmlns:a16="http://schemas.microsoft.com/office/drawing/2014/main" id="{33D6931E-66A6-46F7-ADB3-8A124A06FC5C}"/>
+                  </a:ext>
+                </a:extLst>
+              </p:cNvPr>
+              <p:cNvCxnSpPr>
+                <a:stCxn id="102" idx="2"/>
+                <a:endCxn id="98" idx="2"/>
+              </p:cNvCxnSpPr>
+              <p:nvPr/>
+            </p:nvCxnSpPr>
+            <p:spPr>
+              <a:xfrm rot="5400000" flipH="1" flipV="1">
+                <a:off x="1786338" y="11521448"/>
+                <a:ext cx="3052683" cy="2655438"/>
+              </a:xfrm>
+              <a:prstGeom prst="bentConnector3">
+                <a:avLst>
+                  <a:gd name="adj1" fmla="val -7488"/>
+                </a:avLst>
+              </a:prstGeom>
+              <a:ln w="38100">
+                <a:tailEnd type="triangle"/>
+              </a:ln>
+            </p:spPr>
+            <p:style>
+              <a:lnRef idx="1">
+                <a:schemeClr val="accent1"/>
+              </a:lnRef>
+              <a:fillRef idx="0">
+                <a:schemeClr val="accent1"/>
+              </a:fillRef>
+              <a:effectRef idx="0">
+                <a:schemeClr val="accent1"/>
+              </a:effectRef>
+              <a:fontRef idx="minor">
+                <a:schemeClr val="tx1"/>
+              </a:fontRef>
+            </p:style>
+          </p:cxnSp>
+          <p:cxnSp>
+            <p:nvCxnSpPr>
+              <p:cNvPr id="106" name="Connector: Elbow 105">
+                <a:extLst>
+                  <a:ext uri="{FF2B5EF4-FFF2-40B4-BE49-F238E27FC236}">
+                    <a16:creationId xmlns:a16="http://schemas.microsoft.com/office/drawing/2014/main" id="{253116EE-0773-4793-A498-1882D51B725B}"/>
+                  </a:ext>
+                </a:extLst>
+              </p:cNvPr>
+              <p:cNvCxnSpPr>
+                <a:stCxn id="99" idx="2"/>
+                <a:endCxn id="100" idx="0"/>
+              </p:cNvCxnSpPr>
+              <p:nvPr/>
+            </p:nvCxnSpPr>
+            <p:spPr>
+              <a:xfrm rot="5400000">
+                <a:off x="1538620" y="7992655"/>
+                <a:ext cx="893952" cy="1270"/>
+              </a:xfrm>
+              <a:prstGeom prst="bentConnector3">
+                <a:avLst/>
+              </a:prstGeom>
+              <a:ln w="38100">
+                <a:tailEnd type="triangle"/>
+              </a:ln>
+            </p:spPr>
+            <p:style>
+              <a:lnRef idx="1">
+                <a:schemeClr val="accent1"/>
+              </a:lnRef>
+              <a:fillRef idx="0">
+                <a:schemeClr val="accent1"/>
+              </a:fillRef>
+              <a:effectRef idx="0">
+                <a:schemeClr val="accent1"/>
+              </a:effectRef>
+              <a:fontRef idx="minor">
+                <a:schemeClr val="tx1"/>
+              </a:fontRef>
+            </p:style>
+          </p:cxnSp>
+          <p:cxnSp>
+            <p:nvCxnSpPr>
+              <p:cNvPr id="107" name="Connector: Elbow 106">
+                <a:extLst>
+                  <a:ext uri="{FF2B5EF4-FFF2-40B4-BE49-F238E27FC236}">
+                    <a16:creationId xmlns:a16="http://schemas.microsoft.com/office/drawing/2014/main" id="{0F668619-3061-404A-BEB6-5D521495407B}"/>
+                  </a:ext>
+                </a:extLst>
+              </p:cNvPr>
+              <p:cNvCxnSpPr>
+                <a:stCxn id="100" idx="2"/>
+                <a:endCxn id="101" idx="0"/>
+              </p:cNvCxnSpPr>
+              <p:nvPr/>
+            </p:nvCxnSpPr>
+            <p:spPr>
+              <a:xfrm rot="16200000" flipH="1">
+                <a:off x="1560040" y="9640587"/>
+                <a:ext cx="851112" cy="1270"/>
+              </a:xfrm>
+              <a:prstGeom prst="bentConnector3">
+                <a:avLst/>
+              </a:prstGeom>
+              <a:ln w="38100">
+                <a:tailEnd type="triangle"/>
+              </a:ln>
+            </p:spPr>
+            <p:style>
+              <a:lnRef idx="1">
+                <a:schemeClr val="accent1"/>
+              </a:lnRef>
+              <a:fillRef idx="0">
+                <a:schemeClr val="accent1"/>
+              </a:fillRef>
+              <a:effectRef idx="0">
+                <a:schemeClr val="accent1"/>
+              </a:effectRef>
+              <a:fontRef idx="minor">
+                <a:schemeClr val="tx1"/>
+              </a:fontRef>
+            </p:style>
+          </p:cxnSp>
+        </p:grpSp>
+        <p:cxnSp>
+          <p:nvCxnSpPr>
+            <p:cNvPr id="112" name="Connector: Elbow 111">
+              <a:extLst>
+                <a:ext uri="{FF2B5EF4-FFF2-40B4-BE49-F238E27FC236}">
+                  <a16:creationId xmlns:a16="http://schemas.microsoft.com/office/drawing/2014/main" id="{53096C55-8059-4AE4-B842-466D8F11F791}"/>
+                </a:ext>
+              </a:extLst>
+            </p:cNvPr>
+            <p:cNvCxnSpPr>
+              <a:stCxn id="10" idx="2"/>
+              <a:endCxn id="99" idx="0"/>
+            </p:cNvCxnSpPr>
+            <p:nvPr/>
+          </p:nvCxnSpPr>
+          <p:spPr>
+            <a:xfrm rot="5400000">
+              <a:off x="17954105" y="6143933"/>
+              <a:ext cx="797167" cy="1265"/>
+            </a:xfrm>
+            <a:prstGeom prst="bentConnector3">
+              <a:avLst/>
+            </a:prstGeom>
+            <a:ln w="38100">
+              <a:tailEnd type="triangle"/>
+            </a:ln>
+          </p:spPr>
+          <p:style>
+            <a:lnRef idx="1">
+              <a:schemeClr val="accent1"/>
+            </a:lnRef>
+            <a:fillRef idx="0">
+              <a:schemeClr val="accent1"/>
+            </a:fillRef>
+            <a:effectRef idx="0">
+              <a:schemeClr val="accent1"/>
+            </a:effectRef>
+            <a:fontRef idx="minor">
+              <a:schemeClr val="tx1"/>
+            </a:fontRef>
+          </p:style>
+        </p:cxnSp>
+      </p:grpSp>
+      <p:sp>
+        <p:nvSpPr>
+          <p:cNvPr id="126" name="TextBox 125">
+            <a:extLst>
+              <a:ext uri="{FF2B5EF4-FFF2-40B4-BE49-F238E27FC236}">
+                <a16:creationId xmlns:a16="http://schemas.microsoft.com/office/drawing/2014/main" id="{6240E120-A88C-4870-A1D8-0DF6E8BDB222}"/>
+              </a:ext>
+            </a:extLst>
+          </p:cNvPr>
+          <p:cNvSpPr txBox="1"/>
+          <p:nvPr/>
+        </p:nvSpPr>
+        <p:spPr>
+          <a:xfrm>
+            <a:off x="351693" y="726916"/>
+            <a:ext cx="11793415" cy="1246495"/>
+          </a:xfrm>
+          <a:prstGeom prst="rect">
+            <a:avLst/>
+          </a:prstGeom>
+          <a:noFill/>
+        </p:spPr>
+        <p:txBody>
+          <a:bodyPr wrap="square" rtlCol="0">
+            <a:spAutoFit/>
+          </a:bodyPr>
+          <a:lstStyle/>
+          <a:p>
+            <a:r>
+              <a:rPr lang="en-US" sz="7500" dirty="0"/>
+              <a:t>RFID Tracking Decision Tree</a:t>
+            </a:r>
+          </a:p>
+        </p:txBody>
+      </p:sp>
+      <p:sp>
+        <p:nvSpPr>
+          <p:cNvPr id="127" name="Rectangle: Rounded Corners 126">
+            <a:extLst>
+              <a:ext uri="{FF2B5EF4-FFF2-40B4-BE49-F238E27FC236}">
+                <a16:creationId xmlns:a16="http://schemas.microsoft.com/office/drawing/2014/main" id="{961F06EB-7498-436B-963F-3AB58809C7F0}"/>
+              </a:ext>
+            </a:extLst>
+          </p:cNvPr>
+          <p:cNvSpPr/>
+          <p:nvPr/>
+        </p:nvSpPr>
+        <p:spPr>
+          <a:xfrm>
+            <a:off x="117232" y="4970585"/>
+            <a:ext cx="5225987" cy="10456984"/>
+          </a:xfrm>
+          <a:prstGeom prst="roundRect">
+            <a:avLst/>
+          </a:prstGeom>
+          <a:noFill/>
+          <a:ln>
+            <a:solidFill>
+              <a:schemeClr val="tx1"/>
+            </a:solidFill>
+          </a:ln>
+        </p:spPr>
+        <p:style>
+          <a:lnRef idx="2">
+            <a:schemeClr val="accent1">
+              <a:shade val="50000"/>
+            </a:schemeClr>
+          </a:lnRef>
+          <a:fillRef idx="1">
+            <a:schemeClr val="accent1"/>
+          </a:fillRef>
+          <a:effectRef idx="0">
+            <a:schemeClr val="accent1"/>
+          </a:effectRef>
+          <a:fontRef idx="minor">
+            <a:schemeClr val="lt1"/>
+          </a:fontRef>
+        </p:style>
+        <p:txBody>
+          <a:bodyPr rtlCol="0" anchor="ctr"/>
+          <a:lstStyle/>
+          <a:p>
+            <a:pPr algn="ctr"/>
+            <a:endParaRPr lang="en-US"/>
+          </a:p>
+        </p:txBody>
+      </p:sp>
+      <p:sp>
+        <p:nvSpPr>
+          <p:cNvPr id="128" name="Rectangle: Rounded Corners 127">
+            <a:extLst>
+              <a:ext uri="{FF2B5EF4-FFF2-40B4-BE49-F238E27FC236}">
+                <a16:creationId xmlns:a16="http://schemas.microsoft.com/office/drawing/2014/main" id="{7E114555-FC85-4491-9140-C19F147A3BFD}"/>
+              </a:ext>
+            </a:extLst>
+          </p:cNvPr>
+          <p:cNvSpPr/>
+          <p:nvPr/>
+        </p:nvSpPr>
+        <p:spPr>
+          <a:xfrm>
+            <a:off x="5615040" y="4970585"/>
+            <a:ext cx="5225987" cy="10456984"/>
+          </a:xfrm>
+          <a:prstGeom prst="roundRect">
+            <a:avLst/>
+          </a:prstGeom>
+          <a:noFill/>
+          <a:ln>
+            <a:solidFill>
+              <a:schemeClr val="tx1"/>
+            </a:solidFill>
+          </a:ln>
+        </p:spPr>
+        <p:style>
+          <a:lnRef idx="2">
+            <a:schemeClr val="accent1">
+              <a:shade val="50000"/>
+            </a:schemeClr>
+          </a:lnRef>
+          <a:fillRef idx="1">
+            <a:schemeClr val="accent1"/>
+          </a:fillRef>
+          <a:effectRef idx="0">
+            <a:schemeClr val="accent1"/>
+          </a:effectRef>
+          <a:fontRef idx="minor">
+            <a:schemeClr val="lt1"/>
+          </a:fontRef>
+        </p:style>
+        <p:txBody>
+          <a:bodyPr rtlCol="0" anchor="ctr"/>
+          <a:lstStyle/>
+          <a:p>
+            <a:pPr algn="ctr"/>
+            <a:endParaRPr lang="en-US"/>
+          </a:p>
+        </p:txBody>
+      </p:sp>
+      <p:sp>
+        <p:nvSpPr>
+          <p:cNvPr id="129" name="Rectangle: Rounded Corners 128">
+            <a:extLst>
+              <a:ext uri="{FF2B5EF4-FFF2-40B4-BE49-F238E27FC236}">
+                <a16:creationId xmlns:a16="http://schemas.microsoft.com/office/drawing/2014/main" id="{407AF111-F7BD-473B-9ABD-A0980A22A276}"/>
+              </a:ext>
+            </a:extLst>
+          </p:cNvPr>
+          <p:cNvSpPr/>
+          <p:nvPr/>
+        </p:nvSpPr>
+        <p:spPr>
+          <a:xfrm>
+            <a:off x="11150478" y="4970585"/>
+            <a:ext cx="5225987" cy="10456984"/>
+          </a:xfrm>
+          <a:prstGeom prst="roundRect">
+            <a:avLst/>
+          </a:prstGeom>
+          <a:noFill/>
+          <a:ln>
+            <a:solidFill>
+              <a:schemeClr val="tx1"/>
+            </a:solidFill>
+          </a:ln>
+        </p:spPr>
+        <p:style>
+          <a:lnRef idx="2">
+            <a:schemeClr val="accent1">
+              <a:shade val="50000"/>
+            </a:schemeClr>
+          </a:lnRef>
+          <a:fillRef idx="1">
+            <a:schemeClr val="accent1"/>
+          </a:fillRef>
+          <a:effectRef idx="0">
+            <a:schemeClr val="accent1"/>
+          </a:effectRef>
+          <a:fontRef idx="minor">
+            <a:schemeClr val="lt1"/>
+          </a:fontRef>
+        </p:style>
+        <p:txBody>
+          <a:bodyPr rtlCol="0" anchor="ctr"/>
+          <a:lstStyle/>
+          <a:p>
+            <a:pPr algn="ctr"/>
+            <a:endParaRPr lang="en-US"/>
+          </a:p>
+        </p:txBody>
+      </p:sp>
+      <p:sp>
+        <p:nvSpPr>
+          <p:cNvPr id="130" name="Rectangle: Rounded Corners 129">
+            <a:extLst>
+              <a:ext uri="{FF2B5EF4-FFF2-40B4-BE49-F238E27FC236}">
+                <a16:creationId xmlns:a16="http://schemas.microsoft.com/office/drawing/2014/main" id="{B18ED907-1884-4484-8FE2-D480BB0B9F07}"/>
+              </a:ext>
+            </a:extLst>
+          </p:cNvPr>
+          <p:cNvSpPr/>
+          <p:nvPr/>
+        </p:nvSpPr>
+        <p:spPr>
+          <a:xfrm>
+            <a:off x="16596589" y="4970585"/>
+            <a:ext cx="5225987" cy="10456984"/>
+          </a:xfrm>
+          <a:prstGeom prst="roundRect">
+            <a:avLst/>
+          </a:prstGeom>
+          <a:noFill/>
+          <a:ln>
+            <a:solidFill>
+              <a:schemeClr val="tx1"/>
+            </a:solidFill>
+          </a:ln>
+        </p:spPr>
+        <p:style>
+          <a:lnRef idx="2">
+            <a:schemeClr val="accent1">
+              <a:shade val="50000"/>
+            </a:schemeClr>
+          </a:lnRef>
+          <a:fillRef idx="1">
+            <a:schemeClr val="accent1"/>
+          </a:fillRef>
+          <a:effectRef idx="0">
+            <a:schemeClr val="accent1"/>
+          </a:effectRef>
+          <a:fontRef idx="minor">
+            <a:schemeClr val="lt1"/>
+          </a:fontRef>
+        </p:style>
+        <p:txBody>
+          <a:bodyPr rtlCol="0" anchor="ctr"/>
+          <a:lstStyle/>
+          <a:p>
+            <a:pPr algn="ctr"/>
+            <a:endParaRPr lang="en-US"/>
+          </a:p>
+        </p:txBody>
+      </p:sp>
+      <p:grpSp>
+        <p:nvGrpSpPr>
+          <p:cNvPr id="133" name="Group 132">
+            <a:extLst>
+              <a:ext uri="{FF2B5EF4-FFF2-40B4-BE49-F238E27FC236}">
+                <a16:creationId xmlns:a16="http://schemas.microsoft.com/office/drawing/2014/main" id="{B09B40CF-29C0-4063-A489-E60BD1529C5C}"/>
+              </a:ext>
+            </a:extLst>
+          </p:cNvPr>
+          <p:cNvGrpSpPr/>
+          <p:nvPr/>
+        </p:nvGrpSpPr>
+        <p:grpSpPr>
+          <a:xfrm>
+            <a:off x="16791609" y="915062"/>
+            <a:ext cx="4270568" cy="670229"/>
+            <a:chOff x="16689569" y="609087"/>
+            <a:chExt cx="4270568" cy="670229"/>
+          </a:xfrm>
+        </p:grpSpPr>
+        <p:sp>
+          <p:nvSpPr>
+            <p:cNvPr id="131" name="Rectangle: Rounded Corners 130">
+              <a:extLst>
+                <a:ext uri="{FF2B5EF4-FFF2-40B4-BE49-F238E27FC236}">
+                  <a16:creationId xmlns:a16="http://schemas.microsoft.com/office/drawing/2014/main" id="{00C7D84D-A11E-4CCA-8C41-C52AB8BCD3A0}"/>
+                </a:ext>
+              </a:extLst>
+            </p:cNvPr>
+            <p:cNvSpPr/>
+            <p:nvPr/>
+          </p:nvSpPr>
+          <p:spPr>
+            <a:xfrm>
+              <a:off x="16689569" y="609087"/>
+              <a:ext cx="1224971" cy="670229"/>
+            </a:xfrm>
+            <a:prstGeom prst="roundRect">
+              <a:avLst/>
+            </a:prstGeom>
+            <a:noFill/>
+            <a:ln>
+              <a:solidFill>
+                <a:schemeClr val="tx1"/>
+              </a:solidFill>
+            </a:ln>
+          </p:spPr>
+          <p:style>
+            <a:lnRef idx="2">
+              <a:schemeClr val="accent1">
+                <a:shade val="50000"/>
+              </a:schemeClr>
+            </a:lnRef>
+            <a:fillRef idx="1">
+              <a:schemeClr val="accent1"/>
+            </a:fillRef>
+            <a:effectRef idx="0">
+              <a:schemeClr val="accent1"/>
+            </a:effectRef>
+            <a:fontRef idx="minor">
+              <a:schemeClr val="lt1"/>
+            </a:fontRef>
+          </p:style>
+          <p:txBody>
+            <a:bodyPr rtlCol="0" anchor="ctr"/>
+            <a:lstStyle/>
+            <a:p>
+              <a:pPr algn="ctr"/>
+              <a:endParaRPr lang="en-US"/>
+            </a:p>
+          </p:txBody>
+        </p:sp>
+        <p:sp>
+          <p:nvSpPr>
+            <p:cNvPr id="132" name="TextBox 131">
+              <a:extLst>
+                <a:ext uri="{FF2B5EF4-FFF2-40B4-BE49-F238E27FC236}">
+                  <a16:creationId xmlns:a16="http://schemas.microsoft.com/office/drawing/2014/main" id="{7A66F985-A05B-4D4B-8E03-A61A53EE58B9}"/>
+                </a:ext>
+              </a:extLst>
+            </p:cNvPr>
+            <p:cNvSpPr txBox="1"/>
+            <p:nvPr/>
+          </p:nvSpPr>
+          <p:spPr>
+            <a:xfrm>
+              <a:off x="18194214" y="705675"/>
+              <a:ext cx="2765923" cy="477054"/>
+            </a:xfrm>
+            <a:prstGeom prst="rect">
+              <a:avLst/>
+            </a:prstGeom>
+            <a:noFill/>
+          </p:spPr>
+          <p:txBody>
+            <a:bodyPr wrap="square" rtlCol="0">
+              <a:spAutoFit/>
+            </a:bodyPr>
+            <a:lstStyle/>
+            <a:p>
+              <a:r>
+                <a:rPr lang="en-US" sz="2500" dirty="0"/>
+                <a:t>Individual Thread</a:t>
+              </a:r>
+            </a:p>
+          </p:txBody>
+        </p:sp>
+      </p:grpSp>
+    </p:spTree>
+    <p:extLst>
+      <p:ext uri="{BB962C8B-B14F-4D97-AF65-F5344CB8AC3E}">
+        <p14:creationId xmlns:p14="http://schemas.microsoft.com/office/powerpoint/2010/main" val="3111910606"/>
+      </p:ext>
+    </p:extLst>
+  </p:cSld>
+  <p:clrMapOvr>
+    <a:masterClrMapping/>
+  </p:clrMapOvr>
+</p:sld>
+</file>
+
+<file path=ppt/slides/slide5.xml><?xml version="1.0" encoding="utf-8"?>
+<p:sld xmlns:a="http://schemas.openxmlformats.org/drawingml/2006/main" xmlns:r="http://schemas.openxmlformats.org/officeDocument/2006/relationships" xmlns:p="http://schemas.openxmlformats.org/presentationml/2006/main">
+  <p:cSld>
+    <p:spTree>
+      <p:nvGrpSpPr>
+        <p:cNvPr id="1" name=""/>
+        <p:cNvGrpSpPr/>
+        <p:nvPr/>
+      </p:nvGrpSpPr>
+      <p:grpSpPr>
+        <a:xfrm>
+          <a:off x="0" y="0"/>
+          <a:ext cx="0" cy="0"/>
+          <a:chOff x="0" y="0"/>
+          <a:chExt cx="0" cy="0"/>
+        </a:xfrm>
+      </p:grpSpPr>
+      <p:sp>
+        <p:nvSpPr>
           <p:cNvPr id="4" name="Flowchart: Decision 3">
             <a:extLst>
               <a:ext uri="{FF2B5EF4-FFF2-40B4-BE49-F238E27FC236}">

--- a/Software/Software System Architecture.pptx
+++ b/Software/Software System Architecture.pptx
@@ -9,7 +9,8 @@
     <p:sldId id="258" r:id="rId3"/>
     <p:sldId id="260" r:id="rId4"/>
     <p:sldId id="261" r:id="rId5"/>
-    <p:sldId id="257" r:id="rId6"/>
+    <p:sldId id="262" r:id="rId6"/>
+    <p:sldId id="257" r:id="rId7"/>
   </p:sldIdLst>
   <p:sldSz cx="21945600" cy="16459200"/>
   <p:notesSz cx="6858000" cy="9144000"/>
@@ -117,6 +118,7 @@
             <p14:sldId id="258"/>
             <p14:sldId id="260"/>
             <p14:sldId id="261"/>
+            <p14:sldId id="262"/>
             <p14:sldId id="257"/>
           </p14:sldIdLst>
         </p14:section>
@@ -260,7 +262,7 @@
           <a:p>
             <a:fld id="{F62E71A9-A198-4BC2-915B-5C3ABADD511E}" type="datetimeFigureOut">
               <a:rPr lang="en-US" smtClean="0"/>
-              <a:t>9/20/2019</a:t>
+              <a:t>9/26/2019</a:t>
             </a:fld>
             <a:endParaRPr lang="en-US"/>
           </a:p>
@@ -430,7 +432,7 @@
           <a:p>
             <a:fld id="{F62E71A9-A198-4BC2-915B-5C3ABADD511E}" type="datetimeFigureOut">
               <a:rPr lang="en-US" smtClean="0"/>
-              <a:t>9/20/2019</a:t>
+              <a:t>9/26/2019</a:t>
             </a:fld>
             <a:endParaRPr lang="en-US"/>
           </a:p>
@@ -610,7 +612,7 @@
           <a:p>
             <a:fld id="{F62E71A9-A198-4BC2-915B-5C3ABADD511E}" type="datetimeFigureOut">
               <a:rPr lang="en-US" smtClean="0"/>
-              <a:t>9/20/2019</a:t>
+              <a:t>9/26/2019</a:t>
             </a:fld>
             <a:endParaRPr lang="en-US"/>
           </a:p>
@@ -780,7 +782,7 @@
           <a:p>
             <a:fld id="{F62E71A9-A198-4BC2-915B-5C3ABADD511E}" type="datetimeFigureOut">
               <a:rPr lang="en-US" smtClean="0"/>
-              <a:t>9/20/2019</a:t>
+              <a:t>9/26/2019</a:t>
             </a:fld>
             <a:endParaRPr lang="en-US"/>
           </a:p>
@@ -1024,7 +1026,7 @@
           <a:p>
             <a:fld id="{F62E71A9-A198-4BC2-915B-5C3ABADD511E}" type="datetimeFigureOut">
               <a:rPr lang="en-US" smtClean="0"/>
-              <a:t>9/20/2019</a:t>
+              <a:t>9/26/2019</a:t>
             </a:fld>
             <a:endParaRPr lang="en-US"/>
           </a:p>
@@ -1256,7 +1258,7 @@
           <a:p>
             <a:fld id="{F62E71A9-A198-4BC2-915B-5C3ABADD511E}" type="datetimeFigureOut">
               <a:rPr lang="en-US" smtClean="0"/>
-              <a:t>9/20/2019</a:t>
+              <a:t>9/26/2019</a:t>
             </a:fld>
             <a:endParaRPr lang="en-US"/>
           </a:p>
@@ -1623,7 +1625,7 @@
           <a:p>
             <a:fld id="{F62E71A9-A198-4BC2-915B-5C3ABADD511E}" type="datetimeFigureOut">
               <a:rPr lang="en-US" smtClean="0"/>
-              <a:t>9/20/2019</a:t>
+              <a:t>9/26/2019</a:t>
             </a:fld>
             <a:endParaRPr lang="en-US"/>
           </a:p>
@@ -1741,7 +1743,7 @@
           <a:p>
             <a:fld id="{F62E71A9-A198-4BC2-915B-5C3ABADD511E}" type="datetimeFigureOut">
               <a:rPr lang="en-US" smtClean="0"/>
-              <a:t>9/20/2019</a:t>
+              <a:t>9/26/2019</a:t>
             </a:fld>
             <a:endParaRPr lang="en-US"/>
           </a:p>
@@ -1836,7 +1838,7 @@
           <a:p>
             <a:fld id="{F62E71A9-A198-4BC2-915B-5C3ABADD511E}" type="datetimeFigureOut">
               <a:rPr lang="en-US" smtClean="0"/>
-              <a:t>9/20/2019</a:t>
+              <a:t>9/26/2019</a:t>
             </a:fld>
             <a:endParaRPr lang="en-US"/>
           </a:p>
@@ -2113,7 +2115,7 @@
           <a:p>
             <a:fld id="{F62E71A9-A198-4BC2-915B-5C3ABADD511E}" type="datetimeFigureOut">
               <a:rPr lang="en-US" smtClean="0"/>
-              <a:t>9/20/2019</a:t>
+              <a:t>9/26/2019</a:t>
             </a:fld>
             <a:endParaRPr lang="en-US"/>
           </a:p>
@@ -2370,7 +2372,7 @@
           <a:p>
             <a:fld id="{F62E71A9-A198-4BC2-915B-5C3ABADD511E}" type="datetimeFigureOut">
               <a:rPr lang="en-US" smtClean="0"/>
-              <a:t>9/20/2019</a:t>
+              <a:t>9/26/2019</a:t>
             </a:fld>
             <a:endParaRPr lang="en-US"/>
           </a:p>
@@ -2583,7 +2585,7 @@
           <a:p>
             <a:fld id="{F62E71A9-A198-4BC2-915B-5C3ABADD511E}" type="datetimeFigureOut">
               <a:rPr lang="en-US" smtClean="0"/>
-              <a:t>9/20/2019</a:t>
+              <a:t>9/26/2019</a:t>
             </a:fld>
             <a:endParaRPr lang="en-US"/>
           </a:p>
@@ -11207,6 +11209,2606 @@
           <a:chExt cx="0" cy="0"/>
         </a:xfrm>
       </p:grpSpPr>
+      <p:cxnSp>
+        <p:nvCxnSpPr>
+          <p:cNvPr id="131" name="Connector: Elbow 130">
+            <a:extLst>
+              <a:ext uri="{FF2B5EF4-FFF2-40B4-BE49-F238E27FC236}">
+                <a16:creationId xmlns:a16="http://schemas.microsoft.com/office/drawing/2014/main" id="{8F09E9AE-558F-4DBD-BC2D-D2C059F47841}"/>
+              </a:ext>
+            </a:extLst>
+          </p:cNvPr>
+          <p:cNvCxnSpPr>
+            <a:stCxn id="117" idx="1"/>
+            <a:endCxn id="19" idx="3"/>
+          </p:cNvCxnSpPr>
+          <p:nvPr/>
+        </p:nvCxnSpPr>
+        <p:spPr>
+          <a:xfrm rot="10800000" flipV="1">
+            <a:off x="9720767" y="5823600"/>
+            <a:ext cx="7319681" cy="879986"/>
+          </a:xfrm>
+          <a:prstGeom prst="bentConnector3">
+            <a:avLst/>
+          </a:prstGeom>
+          <a:ln w="38100">
+            <a:solidFill>
+              <a:srgbClr val="FF0000"/>
+            </a:solidFill>
+            <a:prstDash val="sysDot"/>
+            <a:tailEnd type="triangle"/>
+          </a:ln>
+        </p:spPr>
+        <p:style>
+          <a:lnRef idx="1">
+            <a:schemeClr val="accent1"/>
+          </a:lnRef>
+          <a:fillRef idx="0">
+            <a:schemeClr val="accent1"/>
+          </a:fillRef>
+          <a:effectRef idx="0">
+            <a:schemeClr val="accent1"/>
+          </a:effectRef>
+          <a:fontRef idx="minor">
+            <a:schemeClr val="tx1"/>
+          </a:fontRef>
+        </p:style>
+      </p:cxnSp>
+      <p:cxnSp>
+        <p:nvCxnSpPr>
+          <p:cNvPr id="148" name="Connector: Elbow 147">
+            <a:extLst>
+              <a:ext uri="{FF2B5EF4-FFF2-40B4-BE49-F238E27FC236}">
+                <a16:creationId xmlns:a16="http://schemas.microsoft.com/office/drawing/2014/main" id="{BB025DEB-5111-438F-B6AF-06EE5C414427}"/>
+              </a:ext>
+            </a:extLst>
+          </p:cNvPr>
+          <p:cNvCxnSpPr>
+            <a:stCxn id="118" idx="1"/>
+            <a:endCxn id="28" idx="3"/>
+          </p:cNvCxnSpPr>
+          <p:nvPr/>
+        </p:nvCxnSpPr>
+        <p:spPr>
+          <a:xfrm rot="10800000" flipV="1">
+            <a:off x="9720259" y="7555167"/>
+            <a:ext cx="7320186" cy="855178"/>
+          </a:xfrm>
+          <a:prstGeom prst="bentConnector3">
+            <a:avLst/>
+          </a:prstGeom>
+          <a:ln w="38100">
+            <a:solidFill>
+              <a:srgbClr val="FF0000"/>
+            </a:solidFill>
+            <a:prstDash val="sysDot"/>
+            <a:tailEnd type="triangle"/>
+          </a:ln>
+        </p:spPr>
+        <p:style>
+          <a:lnRef idx="1">
+            <a:schemeClr val="accent1"/>
+          </a:lnRef>
+          <a:fillRef idx="0">
+            <a:schemeClr val="accent1"/>
+          </a:fillRef>
+          <a:effectRef idx="0">
+            <a:schemeClr val="accent1"/>
+          </a:effectRef>
+          <a:fontRef idx="minor">
+            <a:schemeClr val="tx1"/>
+          </a:fontRef>
+        </p:style>
+      </p:cxnSp>
+      <p:cxnSp>
+        <p:nvCxnSpPr>
+          <p:cNvPr id="32" name="Connector: Elbow 31">
+            <a:extLst>
+              <a:ext uri="{FF2B5EF4-FFF2-40B4-BE49-F238E27FC236}">
+                <a16:creationId xmlns:a16="http://schemas.microsoft.com/office/drawing/2014/main" id="{6DC470AC-6469-4027-B284-F4C8546B8BF0}"/>
+              </a:ext>
+            </a:extLst>
+          </p:cNvPr>
+          <p:cNvCxnSpPr>
+            <a:stCxn id="26" idx="3"/>
+            <a:endCxn id="28" idx="1"/>
+          </p:cNvCxnSpPr>
+          <p:nvPr/>
+        </p:nvCxnSpPr>
+        <p:spPr>
+          <a:xfrm>
+            <a:off x="4992747" y="7560246"/>
+            <a:ext cx="2637455" cy="850099"/>
+          </a:xfrm>
+          <a:prstGeom prst="bentConnector3">
+            <a:avLst/>
+          </a:prstGeom>
+          <a:ln w="38100">
+            <a:solidFill>
+              <a:srgbClr val="FF0000"/>
+            </a:solidFill>
+            <a:prstDash val="sysDot"/>
+            <a:tailEnd type="triangle"/>
+          </a:ln>
+        </p:spPr>
+        <p:style>
+          <a:lnRef idx="1">
+            <a:schemeClr val="accent1"/>
+          </a:lnRef>
+          <a:fillRef idx="0">
+            <a:schemeClr val="accent1"/>
+          </a:fillRef>
+          <a:effectRef idx="0">
+            <a:schemeClr val="accent1"/>
+          </a:effectRef>
+          <a:fontRef idx="minor">
+            <a:schemeClr val="tx1"/>
+          </a:fontRef>
+        </p:style>
+      </p:cxnSp>
+      <p:sp>
+        <p:nvSpPr>
+          <p:cNvPr id="9" name="Flowchart: Off-page Connector 8">
+            <a:extLst>
+              <a:ext uri="{FF2B5EF4-FFF2-40B4-BE49-F238E27FC236}">
+                <a16:creationId xmlns:a16="http://schemas.microsoft.com/office/drawing/2014/main" id="{1F042981-F85F-45DB-BAD8-15454EECEB8C}"/>
+              </a:ext>
+            </a:extLst>
+          </p:cNvPr>
+          <p:cNvSpPr/>
+          <p:nvPr/>
+        </p:nvSpPr>
+        <p:spPr>
+          <a:xfrm>
+            <a:off x="7630202" y="1679903"/>
+            <a:ext cx="2090057" cy="1063298"/>
+          </a:xfrm>
+          <a:prstGeom prst="flowChartOffpageConnector">
+            <a:avLst/>
+          </a:prstGeom>
+        </p:spPr>
+        <p:style>
+          <a:lnRef idx="2">
+            <a:schemeClr val="accent1">
+              <a:shade val="50000"/>
+            </a:schemeClr>
+          </a:lnRef>
+          <a:fillRef idx="1">
+            <a:schemeClr val="accent1"/>
+          </a:fillRef>
+          <a:effectRef idx="0">
+            <a:schemeClr val="accent1"/>
+          </a:effectRef>
+          <a:fontRef idx="minor">
+            <a:schemeClr val="lt1"/>
+          </a:fontRef>
+        </p:style>
+        <p:txBody>
+          <a:bodyPr rtlCol="0" anchor="ctr"/>
+          <a:lstStyle/>
+          <a:p>
+            <a:pPr algn="ctr"/>
+            <a:r>
+              <a:rPr lang="en-US" dirty="0"/>
+              <a:t>Initialize </a:t>
+            </a:r>
+            <a:r>
+              <a:rPr lang="en-US" dirty="0" err="1"/>
+              <a:t>voleTags</a:t>
+            </a:r>
+            <a:r>
+              <a:rPr lang="en-US" dirty="0"/>
+              <a:t> Queue</a:t>
+            </a:r>
+          </a:p>
+        </p:txBody>
+      </p:sp>
+      <p:sp>
+        <p:nvSpPr>
+          <p:cNvPr id="10" name="Flowchart: Off-page Connector 9">
+            <a:extLst>
+              <a:ext uri="{FF2B5EF4-FFF2-40B4-BE49-F238E27FC236}">
+                <a16:creationId xmlns:a16="http://schemas.microsoft.com/office/drawing/2014/main" id="{B9F52776-96BA-4401-8979-137C7A06D137}"/>
+              </a:ext>
+            </a:extLst>
+          </p:cNvPr>
+          <p:cNvSpPr/>
+          <p:nvPr/>
+        </p:nvSpPr>
+        <p:spPr>
+          <a:xfrm>
+            <a:off x="10835434" y="1679903"/>
+            <a:ext cx="2090057" cy="1063299"/>
+          </a:xfrm>
+          <a:prstGeom prst="flowChartOffpageConnector">
+            <a:avLst/>
+          </a:prstGeom>
+        </p:spPr>
+        <p:style>
+          <a:lnRef idx="2">
+            <a:schemeClr val="accent1">
+              <a:shade val="50000"/>
+            </a:schemeClr>
+          </a:lnRef>
+          <a:fillRef idx="1">
+            <a:schemeClr val="accent1"/>
+          </a:fillRef>
+          <a:effectRef idx="0">
+            <a:schemeClr val="accent1"/>
+          </a:effectRef>
+          <a:fontRef idx="minor">
+            <a:schemeClr val="lt1"/>
+          </a:fontRef>
+        </p:style>
+        <p:txBody>
+          <a:bodyPr rtlCol="0" anchor="ctr"/>
+          <a:lstStyle/>
+          <a:p>
+            <a:pPr algn="ctr"/>
+            <a:r>
+              <a:rPr lang="en-US" dirty="0"/>
+              <a:t>Initialize time synchronization queue</a:t>
+            </a:r>
+          </a:p>
+        </p:txBody>
+      </p:sp>
+      <p:sp>
+        <p:nvSpPr>
+          <p:cNvPr id="11" name="Flowchart: Process 10">
+            <a:extLst>
+              <a:ext uri="{FF2B5EF4-FFF2-40B4-BE49-F238E27FC236}">
+                <a16:creationId xmlns:a16="http://schemas.microsoft.com/office/drawing/2014/main" id="{80961813-95B7-4E29-B6A3-47DB6CFC40DC}"/>
+              </a:ext>
+            </a:extLst>
+          </p:cNvPr>
+          <p:cNvSpPr/>
+          <p:nvPr/>
+        </p:nvSpPr>
+        <p:spPr>
+          <a:xfrm>
+            <a:off x="2902689" y="3046952"/>
+            <a:ext cx="2090057" cy="519519"/>
+          </a:xfrm>
+          <a:prstGeom prst="flowChartProcess">
+            <a:avLst/>
+          </a:prstGeom>
+        </p:spPr>
+        <p:style>
+          <a:lnRef idx="2">
+            <a:schemeClr val="accent1">
+              <a:shade val="50000"/>
+            </a:schemeClr>
+          </a:lnRef>
+          <a:fillRef idx="1">
+            <a:schemeClr val="accent1"/>
+          </a:fillRef>
+          <a:effectRef idx="0">
+            <a:schemeClr val="accent1"/>
+          </a:effectRef>
+          <a:fontRef idx="minor">
+            <a:schemeClr val="lt1"/>
+          </a:fontRef>
+        </p:style>
+        <p:txBody>
+          <a:bodyPr rtlCol="0" anchor="ctr"/>
+          <a:lstStyle/>
+          <a:p>
+            <a:pPr algn="ctr"/>
+            <a:r>
+              <a:rPr lang="en-US" dirty="0"/>
+              <a:t>Start Thread 1</a:t>
+            </a:r>
+          </a:p>
+        </p:txBody>
+      </p:sp>
+      <p:sp>
+        <p:nvSpPr>
+          <p:cNvPr id="14" name="Flowchart: Process 13">
+            <a:extLst>
+              <a:ext uri="{FF2B5EF4-FFF2-40B4-BE49-F238E27FC236}">
+                <a16:creationId xmlns:a16="http://schemas.microsoft.com/office/drawing/2014/main" id="{AF06097B-4F97-4C03-8FDE-2041BD621146}"/>
+              </a:ext>
+            </a:extLst>
+          </p:cNvPr>
+          <p:cNvSpPr/>
+          <p:nvPr/>
+        </p:nvSpPr>
+        <p:spPr>
+          <a:xfrm>
+            <a:off x="2902690" y="4149712"/>
+            <a:ext cx="2090057" cy="519519"/>
+          </a:xfrm>
+          <a:prstGeom prst="flowChartProcess">
+            <a:avLst/>
+          </a:prstGeom>
+        </p:spPr>
+        <p:style>
+          <a:lnRef idx="2">
+            <a:schemeClr val="accent1">
+              <a:shade val="50000"/>
+            </a:schemeClr>
+          </a:lnRef>
+          <a:fillRef idx="1">
+            <a:schemeClr val="accent1"/>
+          </a:fillRef>
+          <a:effectRef idx="0">
+            <a:schemeClr val="accent1"/>
+          </a:effectRef>
+          <a:fontRef idx="minor">
+            <a:schemeClr val="lt1"/>
+          </a:fontRef>
+        </p:style>
+        <p:txBody>
+          <a:bodyPr rtlCol="0" anchor="ctr"/>
+          <a:lstStyle/>
+          <a:p>
+            <a:pPr algn="ctr"/>
+            <a:r>
+              <a:rPr lang="en-US" dirty="0"/>
+              <a:t>Read sensor signal</a:t>
+            </a:r>
+          </a:p>
+        </p:txBody>
+      </p:sp>
+      <p:sp>
+        <p:nvSpPr>
+          <p:cNvPr id="16" name="Flowchart: Decision 15">
+            <a:extLst>
+              <a:ext uri="{FF2B5EF4-FFF2-40B4-BE49-F238E27FC236}">
+                <a16:creationId xmlns:a16="http://schemas.microsoft.com/office/drawing/2014/main" id="{3E5B697D-4B4A-4D7C-A459-801C297F1B96}"/>
+              </a:ext>
+            </a:extLst>
+          </p:cNvPr>
+          <p:cNvSpPr/>
+          <p:nvPr/>
+        </p:nvSpPr>
+        <p:spPr>
+          <a:xfrm>
+            <a:off x="2902689" y="5246401"/>
+            <a:ext cx="2090057" cy="1154397"/>
+          </a:xfrm>
+          <a:prstGeom prst="flowChartDecision">
+            <a:avLst/>
+          </a:prstGeom>
+        </p:spPr>
+        <p:style>
+          <a:lnRef idx="2">
+            <a:schemeClr val="accent1">
+              <a:shade val="50000"/>
+            </a:schemeClr>
+          </a:lnRef>
+          <a:fillRef idx="1">
+            <a:schemeClr val="accent1"/>
+          </a:fillRef>
+          <a:effectRef idx="0">
+            <a:schemeClr val="accent1"/>
+          </a:effectRef>
+          <a:fontRef idx="minor">
+            <a:schemeClr val="lt1"/>
+          </a:fontRef>
+        </p:style>
+        <p:txBody>
+          <a:bodyPr rtlCol="0" anchor="ctr"/>
+          <a:lstStyle/>
+          <a:p>
+            <a:pPr algn="ctr"/>
+            <a:r>
+              <a:rPr lang="en-US" dirty="0"/>
+              <a:t>Did it ping vole 1?</a:t>
+            </a:r>
+          </a:p>
+        </p:txBody>
+      </p:sp>
+      <p:sp>
+        <p:nvSpPr>
+          <p:cNvPr id="18" name="Flowchart: Off-page Connector 17">
+            <a:extLst>
+              <a:ext uri="{FF2B5EF4-FFF2-40B4-BE49-F238E27FC236}">
+                <a16:creationId xmlns:a16="http://schemas.microsoft.com/office/drawing/2014/main" id="{D5DA2EA4-F75F-4C2F-A354-A0C9245C202B}"/>
+              </a:ext>
+            </a:extLst>
+          </p:cNvPr>
+          <p:cNvSpPr/>
+          <p:nvPr/>
+        </p:nvSpPr>
+        <p:spPr>
+          <a:xfrm>
+            <a:off x="7630709" y="5503090"/>
+            <a:ext cx="2090057" cy="641017"/>
+          </a:xfrm>
+          <a:prstGeom prst="flowChartOffpageConnector">
+            <a:avLst/>
+          </a:prstGeom>
+        </p:spPr>
+        <p:style>
+          <a:lnRef idx="2">
+            <a:schemeClr val="accent1">
+              <a:shade val="50000"/>
+            </a:schemeClr>
+          </a:lnRef>
+          <a:fillRef idx="1">
+            <a:schemeClr val="accent1"/>
+          </a:fillRef>
+          <a:effectRef idx="0">
+            <a:schemeClr val="accent1"/>
+          </a:effectRef>
+          <a:fontRef idx="minor">
+            <a:schemeClr val="lt1"/>
+          </a:fontRef>
+        </p:style>
+        <p:txBody>
+          <a:bodyPr rtlCol="0" anchor="ctr"/>
+          <a:lstStyle/>
+          <a:p>
+            <a:pPr algn="ctr"/>
+            <a:r>
+              <a:rPr lang="en-US" dirty="0"/>
+              <a:t>Output vole number and </a:t>
+            </a:r>
+            <a:r>
+              <a:rPr lang="en-US" dirty="0" err="1"/>
+              <a:t>rfid</a:t>
+            </a:r>
+            <a:r>
+              <a:rPr lang="en-US" dirty="0"/>
+              <a:t> tag</a:t>
+            </a:r>
+          </a:p>
+        </p:txBody>
+      </p:sp>
+      <p:sp>
+        <p:nvSpPr>
+          <p:cNvPr id="19" name="Flowchart: Off-page Connector 18">
+            <a:extLst>
+              <a:ext uri="{FF2B5EF4-FFF2-40B4-BE49-F238E27FC236}">
+                <a16:creationId xmlns:a16="http://schemas.microsoft.com/office/drawing/2014/main" id="{13E91CB5-A8FE-41F6-8115-B07DD79106F2}"/>
+              </a:ext>
+            </a:extLst>
+          </p:cNvPr>
+          <p:cNvSpPr/>
+          <p:nvPr/>
+        </p:nvSpPr>
+        <p:spPr>
+          <a:xfrm>
+            <a:off x="7630709" y="6383077"/>
+            <a:ext cx="2090057" cy="641017"/>
+          </a:xfrm>
+          <a:prstGeom prst="flowChartOffpageConnector">
+            <a:avLst/>
+          </a:prstGeom>
+        </p:spPr>
+        <p:style>
+          <a:lnRef idx="2">
+            <a:schemeClr val="accent1">
+              <a:shade val="50000"/>
+            </a:schemeClr>
+          </a:lnRef>
+          <a:fillRef idx="1">
+            <a:schemeClr val="accent1"/>
+          </a:fillRef>
+          <a:effectRef idx="0">
+            <a:schemeClr val="accent1"/>
+          </a:effectRef>
+          <a:fontRef idx="minor">
+            <a:schemeClr val="lt1"/>
+          </a:fontRef>
+        </p:style>
+        <p:txBody>
+          <a:bodyPr rtlCol="0" anchor="ctr"/>
+          <a:lstStyle/>
+          <a:p>
+            <a:pPr algn="ctr"/>
+            <a:r>
+              <a:rPr lang="en-US" dirty="0"/>
+              <a:t>Output “none”</a:t>
+            </a:r>
+          </a:p>
+        </p:txBody>
+      </p:sp>
+      <p:cxnSp>
+        <p:nvCxnSpPr>
+          <p:cNvPr id="23" name="Connector: Elbow 22">
+            <a:extLst>
+              <a:ext uri="{FF2B5EF4-FFF2-40B4-BE49-F238E27FC236}">
+                <a16:creationId xmlns:a16="http://schemas.microsoft.com/office/drawing/2014/main" id="{4B2F709E-8239-4A72-B5FC-167558804347}"/>
+              </a:ext>
+            </a:extLst>
+          </p:cNvPr>
+          <p:cNvCxnSpPr>
+            <a:stCxn id="16" idx="3"/>
+            <a:endCxn id="19" idx="1"/>
+          </p:cNvCxnSpPr>
+          <p:nvPr/>
+        </p:nvCxnSpPr>
+        <p:spPr>
+          <a:xfrm>
+            <a:off x="4992746" y="5823600"/>
+            <a:ext cx="2637963" cy="879986"/>
+          </a:xfrm>
+          <a:prstGeom prst="bentConnector3">
+            <a:avLst/>
+          </a:prstGeom>
+          <a:ln w="38100">
+            <a:solidFill>
+              <a:srgbClr val="FF0000"/>
+            </a:solidFill>
+            <a:prstDash val="sysDot"/>
+            <a:tailEnd type="triangle"/>
+          </a:ln>
+        </p:spPr>
+        <p:style>
+          <a:lnRef idx="1">
+            <a:schemeClr val="accent1"/>
+          </a:lnRef>
+          <a:fillRef idx="0">
+            <a:schemeClr val="accent1"/>
+          </a:fillRef>
+          <a:effectRef idx="0">
+            <a:schemeClr val="accent1"/>
+          </a:effectRef>
+          <a:fontRef idx="minor">
+            <a:schemeClr val="tx1"/>
+          </a:fontRef>
+        </p:style>
+      </p:cxnSp>
+      <p:cxnSp>
+        <p:nvCxnSpPr>
+          <p:cNvPr id="21" name="Connector: Elbow 20">
+            <a:extLst>
+              <a:ext uri="{FF2B5EF4-FFF2-40B4-BE49-F238E27FC236}">
+                <a16:creationId xmlns:a16="http://schemas.microsoft.com/office/drawing/2014/main" id="{D90E622E-7AC6-4E0C-B517-A477F4952C47}"/>
+              </a:ext>
+            </a:extLst>
+          </p:cNvPr>
+          <p:cNvCxnSpPr>
+            <a:stCxn id="16" idx="3"/>
+            <a:endCxn id="18" idx="1"/>
+          </p:cNvCxnSpPr>
+          <p:nvPr/>
+        </p:nvCxnSpPr>
+        <p:spPr>
+          <a:xfrm flipV="1">
+            <a:off x="4992746" y="5823599"/>
+            <a:ext cx="2637963" cy="1"/>
+          </a:xfrm>
+          <a:prstGeom prst="bentConnector3">
+            <a:avLst/>
+          </a:prstGeom>
+          <a:ln w="38100">
+            <a:solidFill>
+              <a:srgbClr val="00B050"/>
+            </a:solidFill>
+            <a:prstDash val="sysDot"/>
+            <a:tailEnd type="triangle"/>
+          </a:ln>
+        </p:spPr>
+        <p:style>
+          <a:lnRef idx="1">
+            <a:schemeClr val="accent1"/>
+          </a:lnRef>
+          <a:fillRef idx="0">
+            <a:schemeClr val="accent1"/>
+          </a:fillRef>
+          <a:effectRef idx="0">
+            <a:schemeClr val="accent1"/>
+          </a:effectRef>
+          <a:fontRef idx="minor">
+            <a:schemeClr val="tx1"/>
+          </a:fontRef>
+        </p:style>
+      </p:cxnSp>
+      <p:sp>
+        <p:nvSpPr>
+          <p:cNvPr id="26" name="Flowchart: Decision 25">
+            <a:extLst>
+              <a:ext uri="{FF2B5EF4-FFF2-40B4-BE49-F238E27FC236}">
+                <a16:creationId xmlns:a16="http://schemas.microsoft.com/office/drawing/2014/main" id="{E914801D-5893-4494-97CD-025C09D4751D}"/>
+              </a:ext>
+            </a:extLst>
+          </p:cNvPr>
+          <p:cNvSpPr/>
+          <p:nvPr/>
+        </p:nvSpPr>
+        <p:spPr>
+          <a:xfrm>
+            <a:off x="2902690" y="6983047"/>
+            <a:ext cx="2090057" cy="1154397"/>
+          </a:xfrm>
+          <a:prstGeom prst="flowChartDecision">
+            <a:avLst/>
+          </a:prstGeom>
+        </p:spPr>
+        <p:style>
+          <a:lnRef idx="2">
+            <a:schemeClr val="accent1">
+              <a:shade val="50000"/>
+            </a:schemeClr>
+          </a:lnRef>
+          <a:fillRef idx="1">
+            <a:schemeClr val="accent1"/>
+          </a:fillRef>
+          <a:effectRef idx="0">
+            <a:schemeClr val="accent1"/>
+          </a:effectRef>
+          <a:fontRef idx="minor">
+            <a:schemeClr val="lt1"/>
+          </a:fontRef>
+        </p:style>
+        <p:txBody>
+          <a:bodyPr rtlCol="0" anchor="ctr"/>
+          <a:lstStyle/>
+          <a:p>
+            <a:pPr algn="ctr"/>
+            <a:r>
+              <a:rPr lang="en-US" dirty="0"/>
+              <a:t>Did it ping vole 2?</a:t>
+            </a:r>
+          </a:p>
+        </p:txBody>
+      </p:sp>
+      <p:sp>
+        <p:nvSpPr>
+          <p:cNvPr id="27" name="Flowchart: Off-page Connector 26">
+            <a:extLst>
+              <a:ext uri="{FF2B5EF4-FFF2-40B4-BE49-F238E27FC236}">
+                <a16:creationId xmlns:a16="http://schemas.microsoft.com/office/drawing/2014/main" id="{01A2A26C-BA10-4293-93E2-28269DD7AE2E}"/>
+              </a:ext>
+            </a:extLst>
+          </p:cNvPr>
+          <p:cNvSpPr/>
+          <p:nvPr/>
+        </p:nvSpPr>
+        <p:spPr>
+          <a:xfrm>
+            <a:off x="7630203" y="7234137"/>
+            <a:ext cx="2090057" cy="641017"/>
+          </a:xfrm>
+          <a:prstGeom prst="flowChartOffpageConnector">
+            <a:avLst/>
+          </a:prstGeom>
+        </p:spPr>
+        <p:style>
+          <a:lnRef idx="2">
+            <a:schemeClr val="accent1">
+              <a:shade val="50000"/>
+            </a:schemeClr>
+          </a:lnRef>
+          <a:fillRef idx="1">
+            <a:schemeClr val="accent1"/>
+          </a:fillRef>
+          <a:effectRef idx="0">
+            <a:schemeClr val="accent1"/>
+          </a:effectRef>
+          <a:fontRef idx="minor">
+            <a:schemeClr val="lt1"/>
+          </a:fontRef>
+        </p:style>
+        <p:txBody>
+          <a:bodyPr rtlCol="0" anchor="ctr"/>
+          <a:lstStyle/>
+          <a:p>
+            <a:pPr algn="ctr"/>
+            <a:r>
+              <a:rPr lang="en-US" dirty="0"/>
+              <a:t>Output vole number and </a:t>
+            </a:r>
+            <a:r>
+              <a:rPr lang="en-US" dirty="0" err="1"/>
+              <a:t>rfid</a:t>
+            </a:r>
+            <a:r>
+              <a:rPr lang="en-US" dirty="0"/>
+              <a:t> tag</a:t>
+            </a:r>
+          </a:p>
+        </p:txBody>
+      </p:sp>
+      <p:sp>
+        <p:nvSpPr>
+          <p:cNvPr id="28" name="Flowchart: Off-page Connector 27">
+            <a:extLst>
+              <a:ext uri="{FF2B5EF4-FFF2-40B4-BE49-F238E27FC236}">
+                <a16:creationId xmlns:a16="http://schemas.microsoft.com/office/drawing/2014/main" id="{A6CB43D7-C0ED-4368-B0FE-E80E107929D6}"/>
+              </a:ext>
+            </a:extLst>
+          </p:cNvPr>
+          <p:cNvSpPr/>
+          <p:nvPr/>
+        </p:nvSpPr>
+        <p:spPr>
+          <a:xfrm>
+            <a:off x="7630202" y="8089836"/>
+            <a:ext cx="2090057" cy="641017"/>
+          </a:xfrm>
+          <a:prstGeom prst="flowChartOffpageConnector">
+            <a:avLst/>
+          </a:prstGeom>
+        </p:spPr>
+        <p:style>
+          <a:lnRef idx="2">
+            <a:schemeClr val="accent1">
+              <a:shade val="50000"/>
+            </a:schemeClr>
+          </a:lnRef>
+          <a:fillRef idx="1">
+            <a:schemeClr val="accent1"/>
+          </a:fillRef>
+          <a:effectRef idx="0">
+            <a:schemeClr val="accent1"/>
+          </a:effectRef>
+          <a:fontRef idx="minor">
+            <a:schemeClr val="lt1"/>
+          </a:fontRef>
+        </p:style>
+        <p:txBody>
+          <a:bodyPr rtlCol="0" anchor="ctr"/>
+          <a:lstStyle/>
+          <a:p>
+            <a:pPr algn="ctr"/>
+            <a:r>
+              <a:rPr lang="en-US" dirty="0"/>
+              <a:t>Output “none”</a:t>
+            </a:r>
+          </a:p>
+        </p:txBody>
+      </p:sp>
+      <p:cxnSp>
+        <p:nvCxnSpPr>
+          <p:cNvPr id="30" name="Connector: Elbow 29">
+            <a:extLst>
+              <a:ext uri="{FF2B5EF4-FFF2-40B4-BE49-F238E27FC236}">
+                <a16:creationId xmlns:a16="http://schemas.microsoft.com/office/drawing/2014/main" id="{1766EB3B-A78A-4B1C-9959-E2646AA9A7F1}"/>
+              </a:ext>
+            </a:extLst>
+          </p:cNvPr>
+          <p:cNvCxnSpPr>
+            <a:stCxn id="26" idx="3"/>
+            <a:endCxn id="27" idx="1"/>
+          </p:cNvCxnSpPr>
+          <p:nvPr/>
+        </p:nvCxnSpPr>
+        <p:spPr>
+          <a:xfrm flipV="1">
+            <a:off x="4992747" y="7554646"/>
+            <a:ext cx="2637456" cy="5600"/>
+          </a:xfrm>
+          <a:prstGeom prst="bentConnector3">
+            <a:avLst/>
+          </a:prstGeom>
+          <a:ln w="38100">
+            <a:solidFill>
+              <a:srgbClr val="00B050"/>
+            </a:solidFill>
+            <a:prstDash val="sysDot"/>
+            <a:tailEnd type="triangle"/>
+          </a:ln>
+        </p:spPr>
+        <p:style>
+          <a:lnRef idx="1">
+            <a:schemeClr val="accent1"/>
+          </a:lnRef>
+          <a:fillRef idx="0">
+            <a:schemeClr val="accent1"/>
+          </a:fillRef>
+          <a:effectRef idx="0">
+            <a:schemeClr val="accent1"/>
+          </a:effectRef>
+          <a:fontRef idx="minor">
+            <a:schemeClr val="tx1"/>
+          </a:fontRef>
+        </p:style>
+      </p:cxnSp>
+      <p:sp>
+        <p:nvSpPr>
+          <p:cNvPr id="33" name="Flowchart: Process 32">
+            <a:extLst>
+              <a:ext uri="{FF2B5EF4-FFF2-40B4-BE49-F238E27FC236}">
+                <a16:creationId xmlns:a16="http://schemas.microsoft.com/office/drawing/2014/main" id="{F11153D4-8FC7-4A23-9FC6-DBF3C5769F08}"/>
+              </a:ext>
+            </a:extLst>
+          </p:cNvPr>
+          <p:cNvSpPr/>
+          <p:nvPr/>
+        </p:nvSpPr>
+        <p:spPr>
+          <a:xfrm>
+            <a:off x="2902688" y="9317893"/>
+            <a:ext cx="2090057" cy="519519"/>
+          </a:xfrm>
+          <a:prstGeom prst="flowChartProcess">
+            <a:avLst/>
+          </a:prstGeom>
+        </p:spPr>
+        <p:style>
+          <a:lnRef idx="2">
+            <a:schemeClr val="accent1">
+              <a:shade val="50000"/>
+            </a:schemeClr>
+          </a:lnRef>
+          <a:fillRef idx="1">
+            <a:schemeClr val="accent1"/>
+          </a:fillRef>
+          <a:effectRef idx="0">
+            <a:schemeClr val="accent1"/>
+          </a:effectRef>
+          <a:fontRef idx="minor">
+            <a:schemeClr val="lt1"/>
+          </a:fontRef>
+        </p:style>
+        <p:txBody>
+          <a:bodyPr rtlCol="0" anchor="ctr"/>
+          <a:lstStyle/>
+          <a:p>
+            <a:pPr algn="ctr"/>
+            <a:r>
+              <a:rPr lang="en-US" dirty="0"/>
+              <a:t>Read time queue</a:t>
+            </a:r>
+          </a:p>
+        </p:txBody>
+      </p:sp>
+      <p:cxnSp>
+        <p:nvCxnSpPr>
+          <p:cNvPr id="35" name="Connector: Elbow 34">
+            <a:extLst>
+              <a:ext uri="{FF2B5EF4-FFF2-40B4-BE49-F238E27FC236}">
+                <a16:creationId xmlns:a16="http://schemas.microsoft.com/office/drawing/2014/main" id="{9E67CF9A-ED4F-4C0D-BEA1-4DA57B198A8A}"/>
+              </a:ext>
+            </a:extLst>
+          </p:cNvPr>
+          <p:cNvCxnSpPr>
+            <a:stCxn id="10" idx="2"/>
+            <a:endCxn id="33" idx="3"/>
+          </p:cNvCxnSpPr>
+          <p:nvPr/>
+        </p:nvCxnSpPr>
+        <p:spPr>
+          <a:xfrm rot="5400000">
+            <a:off x="5019379" y="2716568"/>
+            <a:ext cx="6834451" cy="6887718"/>
+          </a:xfrm>
+          <a:prstGeom prst="bentConnector2">
+            <a:avLst/>
+          </a:prstGeom>
+          <a:ln w="38100">
+            <a:prstDash val="lgDashDot"/>
+            <a:tailEnd type="triangle"/>
+          </a:ln>
+        </p:spPr>
+        <p:style>
+          <a:lnRef idx="1">
+            <a:schemeClr val="accent1"/>
+          </a:lnRef>
+          <a:fillRef idx="0">
+            <a:schemeClr val="accent1"/>
+          </a:fillRef>
+          <a:effectRef idx="0">
+            <a:schemeClr val="accent1"/>
+          </a:effectRef>
+          <a:fontRef idx="minor">
+            <a:schemeClr val="tx1"/>
+          </a:fontRef>
+        </p:style>
+      </p:cxnSp>
+      <p:sp>
+        <p:nvSpPr>
+          <p:cNvPr id="36" name="Flowchart: Decision 35">
+            <a:extLst>
+              <a:ext uri="{FF2B5EF4-FFF2-40B4-BE49-F238E27FC236}">
+                <a16:creationId xmlns:a16="http://schemas.microsoft.com/office/drawing/2014/main" id="{B129F9B9-9C96-4552-B8C4-39A72C2CF7BB}"/>
+              </a:ext>
+            </a:extLst>
+          </p:cNvPr>
+          <p:cNvSpPr/>
+          <p:nvPr/>
+        </p:nvSpPr>
+        <p:spPr>
+          <a:xfrm>
+            <a:off x="2902689" y="11497304"/>
+            <a:ext cx="2090057" cy="1154397"/>
+          </a:xfrm>
+          <a:prstGeom prst="flowChartDecision">
+            <a:avLst/>
+          </a:prstGeom>
+        </p:spPr>
+        <p:style>
+          <a:lnRef idx="2">
+            <a:schemeClr val="accent1">
+              <a:shade val="50000"/>
+            </a:schemeClr>
+          </a:lnRef>
+          <a:fillRef idx="1">
+            <a:schemeClr val="accent1"/>
+          </a:fillRef>
+          <a:effectRef idx="0">
+            <a:schemeClr val="accent1"/>
+          </a:effectRef>
+          <a:fontRef idx="minor">
+            <a:schemeClr val="lt1"/>
+          </a:fontRef>
+        </p:style>
+        <p:txBody>
+          <a:bodyPr rtlCol="0" anchor="ctr"/>
+          <a:lstStyle/>
+          <a:p>
+            <a:pPr algn="ctr"/>
+            <a:r>
+              <a:rPr lang="en-US" dirty="0"/>
+              <a:t>Number &lt; # of threads?</a:t>
+            </a:r>
+          </a:p>
+        </p:txBody>
+      </p:sp>
+      <p:sp>
+        <p:nvSpPr>
+          <p:cNvPr id="37" name="Flowchart: Off-page Connector 36">
+            <a:extLst>
+              <a:ext uri="{FF2B5EF4-FFF2-40B4-BE49-F238E27FC236}">
+                <a16:creationId xmlns:a16="http://schemas.microsoft.com/office/drawing/2014/main" id="{33EA2426-F959-4F97-819E-07448BF09F71}"/>
+              </a:ext>
+            </a:extLst>
+          </p:cNvPr>
+          <p:cNvSpPr/>
+          <p:nvPr/>
+        </p:nvSpPr>
+        <p:spPr>
+          <a:xfrm>
+            <a:off x="10835435" y="10058398"/>
+            <a:ext cx="2090057" cy="576203"/>
+          </a:xfrm>
+          <a:prstGeom prst="flowChartOffpageConnector">
+            <a:avLst/>
+          </a:prstGeom>
+        </p:spPr>
+        <p:style>
+          <a:lnRef idx="2">
+            <a:schemeClr val="accent1">
+              <a:shade val="50000"/>
+            </a:schemeClr>
+          </a:lnRef>
+          <a:fillRef idx="1">
+            <a:schemeClr val="accent1"/>
+          </a:fillRef>
+          <a:effectRef idx="0">
+            <a:schemeClr val="accent1"/>
+          </a:effectRef>
+          <a:fontRef idx="minor">
+            <a:schemeClr val="lt1"/>
+          </a:fontRef>
+        </p:style>
+        <p:txBody>
+          <a:bodyPr rtlCol="0" anchor="ctr"/>
+          <a:lstStyle/>
+          <a:p>
+            <a:pPr algn="ctr"/>
+            <a:r>
+              <a:rPr lang="en-US" dirty="0"/>
+              <a:t>Add 1 to indicate finished sensing</a:t>
+            </a:r>
+          </a:p>
+        </p:txBody>
+      </p:sp>
+      <p:cxnSp>
+        <p:nvCxnSpPr>
+          <p:cNvPr id="39" name="Connector: Elbow 38">
+            <a:extLst>
+              <a:ext uri="{FF2B5EF4-FFF2-40B4-BE49-F238E27FC236}">
+                <a16:creationId xmlns:a16="http://schemas.microsoft.com/office/drawing/2014/main" id="{EDA6934F-FFAD-4198-B397-8018C5CCCD3F}"/>
+              </a:ext>
+            </a:extLst>
+          </p:cNvPr>
+          <p:cNvCxnSpPr>
+            <a:stCxn id="33" idx="2"/>
+            <a:endCxn id="37" idx="1"/>
+          </p:cNvCxnSpPr>
+          <p:nvPr/>
+        </p:nvCxnSpPr>
+        <p:spPr>
+          <a:xfrm rot="16200000" flipH="1">
+            <a:off x="7137032" y="6648097"/>
+            <a:ext cx="509088" cy="6887718"/>
+          </a:xfrm>
+          <a:prstGeom prst="bentConnector2">
+            <a:avLst/>
+          </a:prstGeom>
+          <a:ln w="38100">
+            <a:prstDash val="lgDashDot"/>
+            <a:tailEnd type="triangle"/>
+          </a:ln>
+        </p:spPr>
+        <p:style>
+          <a:lnRef idx="1">
+            <a:schemeClr val="accent1"/>
+          </a:lnRef>
+          <a:fillRef idx="0">
+            <a:schemeClr val="accent1"/>
+          </a:fillRef>
+          <a:effectRef idx="0">
+            <a:schemeClr val="accent1"/>
+          </a:effectRef>
+          <a:fontRef idx="minor">
+            <a:schemeClr val="tx1"/>
+          </a:fontRef>
+        </p:style>
+      </p:cxnSp>
+      <p:cxnSp>
+        <p:nvCxnSpPr>
+          <p:cNvPr id="41" name="Connector: Elbow 40">
+            <a:extLst>
+              <a:ext uri="{FF2B5EF4-FFF2-40B4-BE49-F238E27FC236}">
+                <a16:creationId xmlns:a16="http://schemas.microsoft.com/office/drawing/2014/main" id="{7DCE2A68-D371-4B4E-ADD5-D8F5287FCE28}"/>
+              </a:ext>
+            </a:extLst>
+          </p:cNvPr>
+          <p:cNvCxnSpPr>
+            <a:stCxn id="37" idx="2"/>
+            <a:endCxn id="36" idx="0"/>
+          </p:cNvCxnSpPr>
+          <p:nvPr/>
+        </p:nvCxnSpPr>
+        <p:spPr>
+          <a:xfrm rot="5400000">
+            <a:off x="7482740" y="7099579"/>
+            <a:ext cx="862703" cy="7932746"/>
+          </a:xfrm>
+          <a:prstGeom prst="bentConnector3">
+            <a:avLst/>
+          </a:prstGeom>
+          <a:ln w="38100">
+            <a:prstDash val="lgDashDot"/>
+            <a:tailEnd type="triangle"/>
+          </a:ln>
+        </p:spPr>
+        <p:style>
+          <a:lnRef idx="1">
+            <a:schemeClr val="accent1"/>
+          </a:lnRef>
+          <a:fillRef idx="0">
+            <a:schemeClr val="accent1"/>
+          </a:fillRef>
+          <a:effectRef idx="0">
+            <a:schemeClr val="accent1"/>
+          </a:effectRef>
+          <a:fontRef idx="minor">
+            <a:schemeClr val="tx1"/>
+          </a:fontRef>
+        </p:style>
+      </p:cxnSp>
+      <p:cxnSp>
+        <p:nvCxnSpPr>
+          <p:cNvPr id="44" name="Connector: Elbow 43">
+            <a:extLst>
+              <a:ext uri="{FF2B5EF4-FFF2-40B4-BE49-F238E27FC236}">
+                <a16:creationId xmlns:a16="http://schemas.microsoft.com/office/drawing/2014/main" id="{B88FA87F-E795-42E6-AC10-F34ECD9F6FEC}"/>
+              </a:ext>
+            </a:extLst>
+          </p:cNvPr>
+          <p:cNvCxnSpPr>
+            <a:stCxn id="11" idx="2"/>
+            <a:endCxn id="14" idx="0"/>
+          </p:cNvCxnSpPr>
+          <p:nvPr/>
+        </p:nvCxnSpPr>
+        <p:spPr>
+          <a:xfrm rot="16200000" flipH="1">
+            <a:off x="3656098" y="3858090"/>
+            <a:ext cx="583241" cy="1"/>
+          </a:xfrm>
+          <a:prstGeom prst="bentConnector3">
+            <a:avLst/>
+          </a:prstGeom>
+          <a:ln w="38100">
+            <a:tailEnd type="triangle"/>
+          </a:ln>
+        </p:spPr>
+        <p:style>
+          <a:lnRef idx="1">
+            <a:schemeClr val="accent1"/>
+          </a:lnRef>
+          <a:fillRef idx="0">
+            <a:schemeClr val="accent1"/>
+          </a:fillRef>
+          <a:effectRef idx="0">
+            <a:schemeClr val="accent1"/>
+          </a:effectRef>
+          <a:fontRef idx="minor">
+            <a:schemeClr val="tx1"/>
+          </a:fontRef>
+        </p:style>
+      </p:cxnSp>
+      <p:cxnSp>
+        <p:nvCxnSpPr>
+          <p:cNvPr id="46" name="Connector: Elbow 45">
+            <a:extLst>
+              <a:ext uri="{FF2B5EF4-FFF2-40B4-BE49-F238E27FC236}">
+                <a16:creationId xmlns:a16="http://schemas.microsoft.com/office/drawing/2014/main" id="{101D61D5-66EE-40CF-867F-0C2708048948}"/>
+              </a:ext>
+            </a:extLst>
+          </p:cNvPr>
+          <p:cNvCxnSpPr>
+            <a:stCxn id="14" idx="2"/>
+            <a:endCxn id="16" idx="0"/>
+          </p:cNvCxnSpPr>
+          <p:nvPr/>
+        </p:nvCxnSpPr>
+        <p:spPr>
+          <a:xfrm rot="5400000">
+            <a:off x="3659134" y="4957816"/>
+            <a:ext cx="577170" cy="1"/>
+          </a:xfrm>
+          <a:prstGeom prst="bentConnector3">
+            <a:avLst/>
+          </a:prstGeom>
+          <a:ln w="38100">
+            <a:tailEnd type="triangle"/>
+          </a:ln>
+        </p:spPr>
+        <p:style>
+          <a:lnRef idx="1">
+            <a:schemeClr val="accent1"/>
+          </a:lnRef>
+          <a:fillRef idx="0">
+            <a:schemeClr val="accent1"/>
+          </a:fillRef>
+          <a:effectRef idx="0">
+            <a:schemeClr val="accent1"/>
+          </a:effectRef>
+          <a:fontRef idx="minor">
+            <a:schemeClr val="tx1"/>
+          </a:fontRef>
+        </p:style>
+      </p:cxnSp>
+      <p:cxnSp>
+        <p:nvCxnSpPr>
+          <p:cNvPr id="48" name="Connector: Elbow 47">
+            <a:extLst>
+              <a:ext uri="{FF2B5EF4-FFF2-40B4-BE49-F238E27FC236}">
+                <a16:creationId xmlns:a16="http://schemas.microsoft.com/office/drawing/2014/main" id="{9BE5B4D8-BE28-4766-ADE5-13BDDBBD39D9}"/>
+              </a:ext>
+            </a:extLst>
+          </p:cNvPr>
+          <p:cNvCxnSpPr>
+            <a:stCxn id="16" idx="2"/>
+            <a:endCxn id="26" idx="0"/>
+          </p:cNvCxnSpPr>
+          <p:nvPr/>
+        </p:nvCxnSpPr>
+        <p:spPr>
+          <a:xfrm rot="16200000" flipH="1">
+            <a:off x="3656594" y="6691921"/>
+            <a:ext cx="582249" cy="1"/>
+          </a:xfrm>
+          <a:prstGeom prst="bentConnector3">
+            <a:avLst/>
+          </a:prstGeom>
+          <a:ln w="38100">
+            <a:tailEnd type="triangle"/>
+          </a:ln>
+        </p:spPr>
+        <p:style>
+          <a:lnRef idx="1">
+            <a:schemeClr val="accent1"/>
+          </a:lnRef>
+          <a:fillRef idx="0">
+            <a:schemeClr val="accent1"/>
+          </a:fillRef>
+          <a:effectRef idx="0">
+            <a:schemeClr val="accent1"/>
+          </a:effectRef>
+          <a:fontRef idx="minor">
+            <a:schemeClr val="tx1"/>
+          </a:fontRef>
+        </p:style>
+      </p:cxnSp>
+      <p:cxnSp>
+        <p:nvCxnSpPr>
+          <p:cNvPr id="69" name="Connector: Elbow 68">
+            <a:extLst>
+              <a:ext uri="{FF2B5EF4-FFF2-40B4-BE49-F238E27FC236}">
+                <a16:creationId xmlns:a16="http://schemas.microsoft.com/office/drawing/2014/main" id="{B166AFE7-C5C4-463D-807B-ABD83A461E4B}"/>
+              </a:ext>
+            </a:extLst>
+          </p:cNvPr>
+          <p:cNvCxnSpPr>
+            <a:stCxn id="26" idx="2"/>
+            <a:endCxn id="33" idx="0"/>
+          </p:cNvCxnSpPr>
+          <p:nvPr/>
+        </p:nvCxnSpPr>
+        <p:spPr>
+          <a:xfrm rot="5400000">
+            <a:off x="3357494" y="8727667"/>
+            <a:ext cx="1180449" cy="2"/>
+          </a:xfrm>
+          <a:prstGeom prst="bentConnector3">
+            <a:avLst/>
+          </a:prstGeom>
+          <a:ln w="38100">
+            <a:tailEnd type="triangle"/>
+          </a:ln>
+        </p:spPr>
+        <p:style>
+          <a:lnRef idx="1">
+            <a:schemeClr val="accent1"/>
+          </a:lnRef>
+          <a:fillRef idx="0">
+            <a:schemeClr val="accent1"/>
+          </a:fillRef>
+          <a:effectRef idx="0">
+            <a:schemeClr val="accent1"/>
+          </a:effectRef>
+          <a:fontRef idx="minor">
+            <a:schemeClr val="tx1"/>
+          </a:fontRef>
+        </p:style>
+      </p:cxnSp>
+      <p:sp>
+        <p:nvSpPr>
+          <p:cNvPr id="76" name="Flowchart: Off-page Connector 75">
+            <a:extLst>
+              <a:ext uri="{FF2B5EF4-FFF2-40B4-BE49-F238E27FC236}">
+                <a16:creationId xmlns:a16="http://schemas.microsoft.com/office/drawing/2014/main" id="{D61B6907-1997-47CD-AF56-56061E7A6AD5}"/>
+              </a:ext>
+            </a:extLst>
+          </p:cNvPr>
+          <p:cNvSpPr/>
+          <p:nvPr/>
+        </p:nvSpPr>
+        <p:spPr>
+          <a:xfrm>
+            <a:off x="10835433" y="11753993"/>
+            <a:ext cx="2090057" cy="641017"/>
+          </a:xfrm>
+          <a:prstGeom prst="flowChartOffpageConnector">
+            <a:avLst/>
+          </a:prstGeom>
+        </p:spPr>
+        <p:style>
+          <a:lnRef idx="2">
+            <a:schemeClr val="accent1">
+              <a:shade val="50000"/>
+            </a:schemeClr>
+          </a:lnRef>
+          <a:fillRef idx="1">
+            <a:schemeClr val="accent1"/>
+          </a:fillRef>
+          <a:effectRef idx="0">
+            <a:schemeClr val="accent1"/>
+          </a:effectRef>
+          <a:fontRef idx="minor">
+            <a:schemeClr val="lt1"/>
+          </a:fontRef>
+        </p:style>
+        <p:txBody>
+          <a:bodyPr rtlCol="0" anchor="ctr"/>
+          <a:lstStyle/>
+          <a:p>
+            <a:pPr algn="ctr"/>
+            <a:r>
+              <a:rPr lang="en-US" dirty="0"/>
+              <a:t>Output 0</a:t>
+            </a:r>
+          </a:p>
+        </p:txBody>
+      </p:sp>
+      <p:sp>
+        <p:nvSpPr>
+          <p:cNvPr id="77" name="Flowchart: Data 76">
+            <a:extLst>
+              <a:ext uri="{FF2B5EF4-FFF2-40B4-BE49-F238E27FC236}">
+                <a16:creationId xmlns:a16="http://schemas.microsoft.com/office/drawing/2014/main" id="{89A03E5F-0078-4755-B494-5B3EF2759610}"/>
+              </a:ext>
+            </a:extLst>
+          </p:cNvPr>
+          <p:cNvSpPr/>
+          <p:nvPr/>
+        </p:nvSpPr>
+        <p:spPr>
+          <a:xfrm>
+            <a:off x="6869062" y="13182602"/>
+            <a:ext cx="2090057" cy="718457"/>
+          </a:xfrm>
+          <a:prstGeom prst="flowChartInputOutput">
+            <a:avLst/>
+          </a:prstGeom>
+        </p:spPr>
+        <p:style>
+          <a:lnRef idx="2">
+            <a:schemeClr val="accent1">
+              <a:shade val="50000"/>
+            </a:schemeClr>
+          </a:lnRef>
+          <a:fillRef idx="1">
+            <a:schemeClr val="accent1"/>
+          </a:fillRef>
+          <a:effectRef idx="0">
+            <a:schemeClr val="accent1"/>
+          </a:effectRef>
+          <a:fontRef idx="minor">
+            <a:schemeClr val="lt1"/>
+          </a:fontRef>
+        </p:style>
+        <p:txBody>
+          <a:bodyPr rtlCol="0" anchor="ctr"/>
+          <a:lstStyle/>
+          <a:p>
+            <a:pPr algn="ctr"/>
+            <a:r>
+              <a:rPr lang="en-US" dirty="0"/>
+              <a:t>END</a:t>
+            </a:r>
+          </a:p>
+        </p:txBody>
+      </p:sp>
+      <p:cxnSp>
+        <p:nvCxnSpPr>
+          <p:cNvPr id="79" name="Connector: Elbow 78">
+            <a:extLst>
+              <a:ext uri="{FF2B5EF4-FFF2-40B4-BE49-F238E27FC236}">
+                <a16:creationId xmlns:a16="http://schemas.microsoft.com/office/drawing/2014/main" id="{466584EA-30E8-4400-B523-BAF6BEDD7F4B}"/>
+              </a:ext>
+            </a:extLst>
+          </p:cNvPr>
+          <p:cNvCxnSpPr>
+            <a:stCxn id="36" idx="3"/>
+            <a:endCxn id="76" idx="1"/>
+          </p:cNvCxnSpPr>
+          <p:nvPr/>
+        </p:nvCxnSpPr>
+        <p:spPr>
+          <a:xfrm flipV="1">
+            <a:off x="4992746" y="12074502"/>
+            <a:ext cx="5842687" cy="1"/>
+          </a:xfrm>
+          <a:prstGeom prst="bentConnector3">
+            <a:avLst/>
+          </a:prstGeom>
+          <a:ln w="38100">
+            <a:solidFill>
+              <a:srgbClr val="FF0000"/>
+            </a:solidFill>
+            <a:prstDash val="lgDashDot"/>
+            <a:tailEnd type="triangle"/>
+          </a:ln>
+        </p:spPr>
+        <p:style>
+          <a:lnRef idx="1">
+            <a:schemeClr val="accent1"/>
+          </a:lnRef>
+          <a:fillRef idx="0">
+            <a:schemeClr val="accent1"/>
+          </a:fillRef>
+          <a:effectRef idx="0">
+            <a:schemeClr val="accent1"/>
+          </a:effectRef>
+          <a:fontRef idx="minor">
+            <a:schemeClr val="tx1"/>
+          </a:fontRef>
+        </p:style>
+      </p:cxnSp>
+      <p:cxnSp>
+        <p:nvCxnSpPr>
+          <p:cNvPr id="83" name="Connector: Elbow 82">
+            <a:extLst>
+              <a:ext uri="{FF2B5EF4-FFF2-40B4-BE49-F238E27FC236}">
+                <a16:creationId xmlns:a16="http://schemas.microsoft.com/office/drawing/2014/main" id="{3C7C3E92-87C3-432E-B368-353EF3AE1E1A}"/>
+              </a:ext>
+            </a:extLst>
+          </p:cNvPr>
+          <p:cNvCxnSpPr>
+            <a:stCxn id="36" idx="3"/>
+            <a:endCxn id="77" idx="0"/>
+          </p:cNvCxnSpPr>
+          <p:nvPr/>
+        </p:nvCxnSpPr>
+        <p:spPr>
+          <a:xfrm>
+            <a:off x="4992746" y="12074503"/>
+            <a:ext cx="3130350" cy="1108099"/>
+          </a:xfrm>
+          <a:prstGeom prst="bentConnector2">
+            <a:avLst/>
+          </a:prstGeom>
+          <a:ln w="38100">
+            <a:solidFill>
+              <a:srgbClr val="FF0000"/>
+            </a:solidFill>
+            <a:tailEnd type="triangle"/>
+          </a:ln>
+        </p:spPr>
+        <p:style>
+          <a:lnRef idx="1">
+            <a:schemeClr val="accent1"/>
+          </a:lnRef>
+          <a:fillRef idx="0">
+            <a:schemeClr val="accent1"/>
+          </a:fillRef>
+          <a:effectRef idx="0">
+            <a:schemeClr val="accent1"/>
+          </a:effectRef>
+          <a:fontRef idx="minor">
+            <a:schemeClr val="tx1"/>
+          </a:fontRef>
+        </p:style>
+      </p:cxnSp>
+      <p:sp>
+        <p:nvSpPr>
+          <p:cNvPr id="84" name="Flowchart: Process 83">
+            <a:extLst>
+              <a:ext uri="{FF2B5EF4-FFF2-40B4-BE49-F238E27FC236}">
+                <a16:creationId xmlns:a16="http://schemas.microsoft.com/office/drawing/2014/main" id="{F93B090C-7B01-471B-8660-C9519D59D02E}"/>
+              </a:ext>
+            </a:extLst>
+          </p:cNvPr>
+          <p:cNvSpPr/>
+          <p:nvPr/>
+        </p:nvSpPr>
+        <p:spPr>
+          <a:xfrm>
+            <a:off x="2902688" y="13228899"/>
+            <a:ext cx="2090057" cy="519519"/>
+          </a:xfrm>
+          <a:prstGeom prst="flowChartProcess">
+            <a:avLst/>
+          </a:prstGeom>
+        </p:spPr>
+        <p:style>
+          <a:lnRef idx="2">
+            <a:schemeClr val="accent1">
+              <a:shade val="50000"/>
+            </a:schemeClr>
+          </a:lnRef>
+          <a:fillRef idx="1">
+            <a:schemeClr val="accent1"/>
+          </a:fillRef>
+          <a:effectRef idx="0">
+            <a:schemeClr val="accent1"/>
+          </a:effectRef>
+          <a:fontRef idx="minor">
+            <a:schemeClr val="lt1"/>
+          </a:fontRef>
+        </p:style>
+        <p:txBody>
+          <a:bodyPr rtlCol="0" anchor="ctr"/>
+          <a:lstStyle/>
+          <a:p>
+            <a:pPr algn="ctr"/>
+            <a:r>
+              <a:rPr lang="en-US" dirty="0"/>
+              <a:t>Read time queue</a:t>
+            </a:r>
+          </a:p>
+        </p:txBody>
+      </p:sp>
+      <p:cxnSp>
+        <p:nvCxnSpPr>
+          <p:cNvPr id="86" name="Connector: Elbow 85">
+            <a:extLst>
+              <a:ext uri="{FF2B5EF4-FFF2-40B4-BE49-F238E27FC236}">
+                <a16:creationId xmlns:a16="http://schemas.microsoft.com/office/drawing/2014/main" id="{A1694BD7-FCC3-4CBD-A769-F9DD11646204}"/>
+              </a:ext>
+            </a:extLst>
+          </p:cNvPr>
+          <p:cNvCxnSpPr>
+            <a:stCxn id="36" idx="2"/>
+            <a:endCxn id="84" idx="0"/>
+          </p:cNvCxnSpPr>
+          <p:nvPr/>
+        </p:nvCxnSpPr>
+        <p:spPr>
+          <a:xfrm rot="5400000">
+            <a:off x="3659119" y="12940300"/>
+            <a:ext cx="577198" cy="1"/>
+          </a:xfrm>
+          <a:prstGeom prst="bentConnector3">
+            <a:avLst/>
+          </a:prstGeom>
+          <a:ln w="38100">
+            <a:solidFill>
+              <a:srgbClr val="00B050"/>
+            </a:solidFill>
+            <a:tailEnd type="triangle"/>
+          </a:ln>
+        </p:spPr>
+        <p:style>
+          <a:lnRef idx="1">
+            <a:schemeClr val="accent1"/>
+          </a:lnRef>
+          <a:fillRef idx="0">
+            <a:schemeClr val="accent1"/>
+          </a:fillRef>
+          <a:effectRef idx="0">
+            <a:schemeClr val="accent1"/>
+          </a:effectRef>
+          <a:fontRef idx="minor">
+            <a:schemeClr val="tx1"/>
+          </a:fontRef>
+        </p:style>
+      </p:cxnSp>
+      <p:cxnSp>
+        <p:nvCxnSpPr>
+          <p:cNvPr id="96" name="Connector: Elbow 95">
+            <a:extLst>
+              <a:ext uri="{FF2B5EF4-FFF2-40B4-BE49-F238E27FC236}">
+                <a16:creationId xmlns:a16="http://schemas.microsoft.com/office/drawing/2014/main" id="{1021A9A6-C761-4A70-9E36-4C947B4FBFAB}"/>
+              </a:ext>
+            </a:extLst>
+          </p:cNvPr>
+          <p:cNvCxnSpPr>
+            <a:stCxn id="84" idx="2"/>
+            <a:endCxn id="36" idx="1"/>
+          </p:cNvCxnSpPr>
+          <p:nvPr/>
+        </p:nvCxnSpPr>
+        <p:spPr>
+          <a:xfrm rot="5400000" flipH="1">
+            <a:off x="2588245" y="12388947"/>
+            <a:ext cx="1673915" cy="1045028"/>
+          </a:xfrm>
+          <a:prstGeom prst="bentConnector4">
+            <a:avLst>
+              <a:gd name="adj1" fmla="val -27314"/>
+              <a:gd name="adj2" fmla="val 191875"/>
+            </a:avLst>
+          </a:prstGeom>
+          <a:ln w="38100">
+            <a:tailEnd type="triangle"/>
+          </a:ln>
+        </p:spPr>
+        <p:style>
+          <a:lnRef idx="1">
+            <a:schemeClr val="accent1"/>
+          </a:lnRef>
+          <a:fillRef idx="0">
+            <a:schemeClr val="accent1"/>
+          </a:fillRef>
+          <a:effectRef idx="0">
+            <a:schemeClr val="accent1"/>
+          </a:effectRef>
+          <a:fontRef idx="minor">
+            <a:schemeClr val="tx1"/>
+          </a:fontRef>
+        </p:style>
+      </p:cxnSp>
+      <p:cxnSp>
+        <p:nvCxnSpPr>
+          <p:cNvPr id="100" name="Connector: Elbow 99">
+            <a:extLst>
+              <a:ext uri="{FF2B5EF4-FFF2-40B4-BE49-F238E27FC236}">
+                <a16:creationId xmlns:a16="http://schemas.microsoft.com/office/drawing/2014/main" id="{BA719404-B595-4C6A-BAE2-B97796946D49}"/>
+              </a:ext>
+            </a:extLst>
+          </p:cNvPr>
+          <p:cNvCxnSpPr>
+            <a:stCxn id="9" idx="2"/>
+            <a:endCxn id="18" idx="0"/>
+          </p:cNvCxnSpPr>
+          <p:nvPr/>
+        </p:nvCxnSpPr>
+        <p:spPr>
+          <a:xfrm rot="16200000" flipH="1">
+            <a:off x="7295540" y="4122891"/>
+            <a:ext cx="2759889" cy="507"/>
+          </a:xfrm>
+          <a:prstGeom prst="bentConnector3">
+            <a:avLst/>
+          </a:prstGeom>
+          <a:ln w="38100">
+            <a:prstDash val="sysDot"/>
+            <a:tailEnd type="triangle"/>
+          </a:ln>
+        </p:spPr>
+        <p:style>
+          <a:lnRef idx="1">
+            <a:schemeClr val="accent1"/>
+          </a:lnRef>
+          <a:fillRef idx="0">
+            <a:schemeClr val="accent1"/>
+          </a:fillRef>
+          <a:effectRef idx="0">
+            <a:schemeClr val="accent1"/>
+          </a:effectRef>
+          <a:fontRef idx="minor">
+            <a:schemeClr val="tx1"/>
+          </a:fontRef>
+        </p:style>
+      </p:cxnSp>
+      <p:sp>
+        <p:nvSpPr>
+          <p:cNvPr id="115" name="Flowchart: Process 114">
+            <a:extLst>
+              <a:ext uri="{FF2B5EF4-FFF2-40B4-BE49-F238E27FC236}">
+                <a16:creationId xmlns:a16="http://schemas.microsoft.com/office/drawing/2014/main" id="{81827D50-FECC-4310-97EB-01052D307168}"/>
+              </a:ext>
+            </a:extLst>
+          </p:cNvPr>
+          <p:cNvSpPr/>
+          <p:nvPr/>
+        </p:nvSpPr>
+        <p:spPr>
+          <a:xfrm>
+            <a:off x="17040447" y="3046952"/>
+            <a:ext cx="2090057" cy="519519"/>
+          </a:xfrm>
+          <a:prstGeom prst="flowChartProcess">
+            <a:avLst/>
+          </a:prstGeom>
+        </p:spPr>
+        <p:style>
+          <a:lnRef idx="2">
+            <a:schemeClr val="accent1">
+              <a:shade val="50000"/>
+            </a:schemeClr>
+          </a:lnRef>
+          <a:fillRef idx="1">
+            <a:schemeClr val="accent1"/>
+          </a:fillRef>
+          <a:effectRef idx="0">
+            <a:schemeClr val="accent1"/>
+          </a:effectRef>
+          <a:fontRef idx="minor">
+            <a:schemeClr val="lt1"/>
+          </a:fontRef>
+        </p:style>
+        <p:txBody>
+          <a:bodyPr rtlCol="0" anchor="ctr"/>
+          <a:lstStyle/>
+          <a:p>
+            <a:pPr algn="ctr"/>
+            <a:r>
+              <a:rPr lang="en-US" dirty="0"/>
+              <a:t>Start Thread 1</a:t>
+            </a:r>
+          </a:p>
+        </p:txBody>
+      </p:sp>
+      <p:sp>
+        <p:nvSpPr>
+          <p:cNvPr id="116" name="Flowchart: Process 115">
+            <a:extLst>
+              <a:ext uri="{FF2B5EF4-FFF2-40B4-BE49-F238E27FC236}">
+                <a16:creationId xmlns:a16="http://schemas.microsoft.com/office/drawing/2014/main" id="{95A043DD-2CA8-4B5B-9E3E-CBA2BC5796FE}"/>
+              </a:ext>
+            </a:extLst>
+          </p:cNvPr>
+          <p:cNvSpPr/>
+          <p:nvPr/>
+        </p:nvSpPr>
+        <p:spPr>
+          <a:xfrm>
+            <a:off x="17040448" y="4149712"/>
+            <a:ext cx="2090057" cy="519519"/>
+          </a:xfrm>
+          <a:prstGeom prst="flowChartProcess">
+            <a:avLst/>
+          </a:prstGeom>
+        </p:spPr>
+        <p:style>
+          <a:lnRef idx="2">
+            <a:schemeClr val="accent1">
+              <a:shade val="50000"/>
+            </a:schemeClr>
+          </a:lnRef>
+          <a:fillRef idx="1">
+            <a:schemeClr val="accent1"/>
+          </a:fillRef>
+          <a:effectRef idx="0">
+            <a:schemeClr val="accent1"/>
+          </a:effectRef>
+          <a:fontRef idx="minor">
+            <a:schemeClr val="lt1"/>
+          </a:fontRef>
+        </p:style>
+        <p:txBody>
+          <a:bodyPr rtlCol="0" anchor="ctr"/>
+          <a:lstStyle/>
+          <a:p>
+            <a:pPr algn="ctr"/>
+            <a:r>
+              <a:rPr lang="en-US" dirty="0"/>
+              <a:t>Read sensor signal</a:t>
+            </a:r>
+          </a:p>
+        </p:txBody>
+      </p:sp>
+      <p:sp>
+        <p:nvSpPr>
+          <p:cNvPr id="117" name="Flowchart: Decision 116">
+            <a:extLst>
+              <a:ext uri="{FF2B5EF4-FFF2-40B4-BE49-F238E27FC236}">
+                <a16:creationId xmlns:a16="http://schemas.microsoft.com/office/drawing/2014/main" id="{23815285-01B5-426C-9A9E-BAE000E0AB76}"/>
+              </a:ext>
+            </a:extLst>
+          </p:cNvPr>
+          <p:cNvSpPr/>
+          <p:nvPr/>
+        </p:nvSpPr>
+        <p:spPr>
+          <a:xfrm>
+            <a:off x="17040447" y="5246401"/>
+            <a:ext cx="2090057" cy="1154397"/>
+          </a:xfrm>
+          <a:prstGeom prst="flowChartDecision">
+            <a:avLst/>
+          </a:prstGeom>
+        </p:spPr>
+        <p:style>
+          <a:lnRef idx="2">
+            <a:schemeClr val="accent1">
+              <a:shade val="50000"/>
+            </a:schemeClr>
+          </a:lnRef>
+          <a:fillRef idx="1">
+            <a:schemeClr val="accent1"/>
+          </a:fillRef>
+          <a:effectRef idx="0">
+            <a:schemeClr val="accent1"/>
+          </a:effectRef>
+          <a:fontRef idx="minor">
+            <a:schemeClr val="lt1"/>
+          </a:fontRef>
+        </p:style>
+        <p:txBody>
+          <a:bodyPr rtlCol="0" anchor="ctr"/>
+          <a:lstStyle/>
+          <a:p>
+            <a:pPr algn="ctr"/>
+            <a:r>
+              <a:rPr lang="en-US" dirty="0"/>
+              <a:t>Did it ping vole 1?</a:t>
+            </a:r>
+          </a:p>
+        </p:txBody>
+      </p:sp>
+      <p:sp>
+        <p:nvSpPr>
+          <p:cNvPr id="118" name="Flowchart: Decision 117">
+            <a:extLst>
+              <a:ext uri="{FF2B5EF4-FFF2-40B4-BE49-F238E27FC236}">
+                <a16:creationId xmlns:a16="http://schemas.microsoft.com/office/drawing/2014/main" id="{39E3A9AC-7B8E-4BD2-AC71-0598A7F6631E}"/>
+              </a:ext>
+            </a:extLst>
+          </p:cNvPr>
+          <p:cNvSpPr/>
+          <p:nvPr/>
+        </p:nvSpPr>
+        <p:spPr>
+          <a:xfrm>
+            <a:off x="17040445" y="6977968"/>
+            <a:ext cx="2090057" cy="1154397"/>
+          </a:xfrm>
+          <a:prstGeom prst="flowChartDecision">
+            <a:avLst/>
+          </a:prstGeom>
+        </p:spPr>
+        <p:style>
+          <a:lnRef idx="2">
+            <a:schemeClr val="accent1">
+              <a:shade val="50000"/>
+            </a:schemeClr>
+          </a:lnRef>
+          <a:fillRef idx="1">
+            <a:schemeClr val="accent1"/>
+          </a:fillRef>
+          <a:effectRef idx="0">
+            <a:schemeClr val="accent1"/>
+          </a:effectRef>
+          <a:fontRef idx="minor">
+            <a:schemeClr val="lt1"/>
+          </a:fontRef>
+        </p:style>
+        <p:txBody>
+          <a:bodyPr rtlCol="0" anchor="ctr"/>
+          <a:lstStyle/>
+          <a:p>
+            <a:pPr algn="ctr"/>
+            <a:r>
+              <a:rPr lang="en-US" dirty="0"/>
+              <a:t>Did it ping vole 2?</a:t>
+            </a:r>
+          </a:p>
+        </p:txBody>
+      </p:sp>
+      <p:sp>
+        <p:nvSpPr>
+          <p:cNvPr id="119" name="Flowchart: Process 118">
+            <a:extLst>
+              <a:ext uri="{FF2B5EF4-FFF2-40B4-BE49-F238E27FC236}">
+                <a16:creationId xmlns:a16="http://schemas.microsoft.com/office/drawing/2014/main" id="{1D7F6F10-B524-40C9-8FC5-B43E23BA251D}"/>
+              </a:ext>
+            </a:extLst>
+          </p:cNvPr>
+          <p:cNvSpPr/>
+          <p:nvPr/>
+        </p:nvSpPr>
+        <p:spPr>
+          <a:xfrm>
+            <a:off x="17040446" y="9317893"/>
+            <a:ext cx="2090057" cy="519519"/>
+          </a:xfrm>
+          <a:prstGeom prst="flowChartProcess">
+            <a:avLst/>
+          </a:prstGeom>
+        </p:spPr>
+        <p:style>
+          <a:lnRef idx="2">
+            <a:schemeClr val="accent1">
+              <a:shade val="50000"/>
+            </a:schemeClr>
+          </a:lnRef>
+          <a:fillRef idx="1">
+            <a:schemeClr val="accent1"/>
+          </a:fillRef>
+          <a:effectRef idx="0">
+            <a:schemeClr val="accent1"/>
+          </a:effectRef>
+          <a:fontRef idx="minor">
+            <a:schemeClr val="lt1"/>
+          </a:fontRef>
+        </p:style>
+        <p:txBody>
+          <a:bodyPr rtlCol="0" anchor="ctr"/>
+          <a:lstStyle/>
+          <a:p>
+            <a:pPr algn="ctr"/>
+            <a:r>
+              <a:rPr lang="en-US" dirty="0"/>
+              <a:t>Read time queue</a:t>
+            </a:r>
+          </a:p>
+        </p:txBody>
+      </p:sp>
+      <p:sp>
+        <p:nvSpPr>
+          <p:cNvPr id="120" name="Flowchart: Decision 119">
+            <a:extLst>
+              <a:ext uri="{FF2B5EF4-FFF2-40B4-BE49-F238E27FC236}">
+                <a16:creationId xmlns:a16="http://schemas.microsoft.com/office/drawing/2014/main" id="{7E2C8527-FA80-4776-A0F6-42F75B5CFA93}"/>
+              </a:ext>
+            </a:extLst>
+          </p:cNvPr>
+          <p:cNvSpPr/>
+          <p:nvPr/>
+        </p:nvSpPr>
+        <p:spPr>
+          <a:xfrm>
+            <a:off x="17040447" y="11497304"/>
+            <a:ext cx="2090057" cy="1154397"/>
+          </a:xfrm>
+          <a:prstGeom prst="flowChartDecision">
+            <a:avLst/>
+          </a:prstGeom>
+        </p:spPr>
+        <p:style>
+          <a:lnRef idx="2">
+            <a:schemeClr val="accent1">
+              <a:shade val="50000"/>
+            </a:schemeClr>
+          </a:lnRef>
+          <a:fillRef idx="1">
+            <a:schemeClr val="accent1"/>
+          </a:fillRef>
+          <a:effectRef idx="0">
+            <a:schemeClr val="accent1"/>
+          </a:effectRef>
+          <a:fontRef idx="minor">
+            <a:schemeClr val="lt1"/>
+          </a:fontRef>
+        </p:style>
+        <p:txBody>
+          <a:bodyPr rtlCol="0" anchor="ctr"/>
+          <a:lstStyle/>
+          <a:p>
+            <a:pPr algn="ctr"/>
+            <a:r>
+              <a:rPr lang="en-US" dirty="0"/>
+              <a:t>Number &lt; # of threads?</a:t>
+            </a:r>
+          </a:p>
+        </p:txBody>
+      </p:sp>
+      <p:cxnSp>
+        <p:nvCxnSpPr>
+          <p:cNvPr id="121" name="Connector: Elbow 120">
+            <a:extLst>
+              <a:ext uri="{FF2B5EF4-FFF2-40B4-BE49-F238E27FC236}">
+                <a16:creationId xmlns:a16="http://schemas.microsoft.com/office/drawing/2014/main" id="{8F1B1CFC-8E8C-4DF7-97B8-BAA8B99917D2}"/>
+              </a:ext>
+            </a:extLst>
+          </p:cNvPr>
+          <p:cNvCxnSpPr>
+            <a:stCxn id="115" idx="2"/>
+            <a:endCxn id="116" idx="0"/>
+          </p:cNvCxnSpPr>
+          <p:nvPr/>
+        </p:nvCxnSpPr>
+        <p:spPr>
+          <a:xfrm rot="16200000" flipH="1">
+            <a:off x="17793856" y="3858090"/>
+            <a:ext cx="583241" cy="1"/>
+          </a:xfrm>
+          <a:prstGeom prst="bentConnector3">
+            <a:avLst/>
+          </a:prstGeom>
+          <a:ln w="38100">
+            <a:tailEnd type="triangle"/>
+          </a:ln>
+        </p:spPr>
+        <p:style>
+          <a:lnRef idx="1">
+            <a:schemeClr val="accent1"/>
+          </a:lnRef>
+          <a:fillRef idx="0">
+            <a:schemeClr val="accent1"/>
+          </a:fillRef>
+          <a:effectRef idx="0">
+            <a:schemeClr val="accent1"/>
+          </a:effectRef>
+          <a:fontRef idx="minor">
+            <a:schemeClr val="tx1"/>
+          </a:fontRef>
+        </p:style>
+      </p:cxnSp>
+      <p:cxnSp>
+        <p:nvCxnSpPr>
+          <p:cNvPr id="122" name="Connector: Elbow 121">
+            <a:extLst>
+              <a:ext uri="{FF2B5EF4-FFF2-40B4-BE49-F238E27FC236}">
+                <a16:creationId xmlns:a16="http://schemas.microsoft.com/office/drawing/2014/main" id="{4D0E5702-B458-4234-B7C7-5439C0AC5E2B}"/>
+              </a:ext>
+            </a:extLst>
+          </p:cNvPr>
+          <p:cNvCxnSpPr>
+            <a:stCxn id="116" idx="2"/>
+            <a:endCxn id="117" idx="0"/>
+          </p:cNvCxnSpPr>
+          <p:nvPr/>
+        </p:nvCxnSpPr>
+        <p:spPr>
+          <a:xfrm rot="5400000">
+            <a:off x="17796892" y="4957816"/>
+            <a:ext cx="577170" cy="1"/>
+          </a:xfrm>
+          <a:prstGeom prst="bentConnector3">
+            <a:avLst/>
+          </a:prstGeom>
+          <a:ln w="38100">
+            <a:tailEnd type="triangle"/>
+          </a:ln>
+        </p:spPr>
+        <p:style>
+          <a:lnRef idx="1">
+            <a:schemeClr val="accent1"/>
+          </a:lnRef>
+          <a:fillRef idx="0">
+            <a:schemeClr val="accent1"/>
+          </a:fillRef>
+          <a:effectRef idx="0">
+            <a:schemeClr val="accent1"/>
+          </a:effectRef>
+          <a:fontRef idx="minor">
+            <a:schemeClr val="tx1"/>
+          </a:fontRef>
+        </p:style>
+      </p:cxnSp>
+      <p:cxnSp>
+        <p:nvCxnSpPr>
+          <p:cNvPr id="123" name="Connector: Elbow 122">
+            <a:extLst>
+              <a:ext uri="{FF2B5EF4-FFF2-40B4-BE49-F238E27FC236}">
+                <a16:creationId xmlns:a16="http://schemas.microsoft.com/office/drawing/2014/main" id="{43ECC7AB-8D85-4F86-A61B-B2464C3D273E}"/>
+              </a:ext>
+            </a:extLst>
+          </p:cNvPr>
+          <p:cNvCxnSpPr>
+            <a:stCxn id="117" idx="2"/>
+            <a:endCxn id="118" idx="0"/>
+          </p:cNvCxnSpPr>
+          <p:nvPr/>
+        </p:nvCxnSpPr>
+        <p:spPr>
+          <a:xfrm rot="5400000">
+            <a:off x="17796890" y="6689382"/>
+            <a:ext cx="577170" cy="2"/>
+          </a:xfrm>
+          <a:prstGeom prst="bentConnector3">
+            <a:avLst/>
+          </a:prstGeom>
+          <a:ln w="38100">
+            <a:tailEnd type="triangle"/>
+          </a:ln>
+        </p:spPr>
+        <p:style>
+          <a:lnRef idx="1">
+            <a:schemeClr val="accent1"/>
+          </a:lnRef>
+          <a:fillRef idx="0">
+            <a:schemeClr val="accent1"/>
+          </a:fillRef>
+          <a:effectRef idx="0">
+            <a:schemeClr val="accent1"/>
+          </a:effectRef>
+          <a:fontRef idx="minor">
+            <a:schemeClr val="tx1"/>
+          </a:fontRef>
+        </p:style>
+      </p:cxnSp>
+      <p:cxnSp>
+        <p:nvCxnSpPr>
+          <p:cNvPr id="124" name="Connector: Elbow 123">
+            <a:extLst>
+              <a:ext uri="{FF2B5EF4-FFF2-40B4-BE49-F238E27FC236}">
+                <a16:creationId xmlns:a16="http://schemas.microsoft.com/office/drawing/2014/main" id="{AA11D207-5B20-40AF-9E47-FF75955B961A}"/>
+              </a:ext>
+            </a:extLst>
+          </p:cNvPr>
+          <p:cNvCxnSpPr>
+            <a:stCxn id="118" idx="2"/>
+            <a:endCxn id="119" idx="0"/>
+          </p:cNvCxnSpPr>
+          <p:nvPr/>
+        </p:nvCxnSpPr>
+        <p:spPr>
+          <a:xfrm rot="16200000" flipH="1">
+            <a:off x="17492710" y="8725128"/>
+            <a:ext cx="1185528" cy="1"/>
+          </a:xfrm>
+          <a:prstGeom prst="bentConnector3">
+            <a:avLst/>
+          </a:prstGeom>
+          <a:ln w="38100">
+            <a:tailEnd type="triangle"/>
+          </a:ln>
+        </p:spPr>
+        <p:style>
+          <a:lnRef idx="1">
+            <a:schemeClr val="accent1"/>
+          </a:lnRef>
+          <a:fillRef idx="0">
+            <a:schemeClr val="accent1"/>
+          </a:fillRef>
+          <a:effectRef idx="0">
+            <a:schemeClr val="accent1"/>
+          </a:effectRef>
+          <a:fontRef idx="minor">
+            <a:schemeClr val="tx1"/>
+          </a:fontRef>
+        </p:style>
+      </p:cxnSp>
+      <p:sp>
+        <p:nvSpPr>
+          <p:cNvPr id="125" name="Flowchart: Process 124">
+            <a:extLst>
+              <a:ext uri="{FF2B5EF4-FFF2-40B4-BE49-F238E27FC236}">
+                <a16:creationId xmlns:a16="http://schemas.microsoft.com/office/drawing/2014/main" id="{083F0069-BAD5-488B-995E-4DE4F2944FD6}"/>
+              </a:ext>
+            </a:extLst>
+          </p:cNvPr>
+          <p:cNvSpPr/>
+          <p:nvPr/>
+        </p:nvSpPr>
+        <p:spPr>
+          <a:xfrm>
+            <a:off x="17040446" y="13228899"/>
+            <a:ext cx="2090057" cy="519519"/>
+          </a:xfrm>
+          <a:prstGeom prst="flowChartProcess">
+            <a:avLst/>
+          </a:prstGeom>
+        </p:spPr>
+        <p:style>
+          <a:lnRef idx="2">
+            <a:schemeClr val="accent1">
+              <a:shade val="50000"/>
+            </a:schemeClr>
+          </a:lnRef>
+          <a:fillRef idx="1">
+            <a:schemeClr val="accent1"/>
+          </a:fillRef>
+          <a:effectRef idx="0">
+            <a:schemeClr val="accent1"/>
+          </a:effectRef>
+          <a:fontRef idx="minor">
+            <a:schemeClr val="lt1"/>
+          </a:fontRef>
+        </p:style>
+        <p:txBody>
+          <a:bodyPr rtlCol="0" anchor="ctr"/>
+          <a:lstStyle/>
+          <a:p>
+            <a:pPr algn="ctr"/>
+            <a:r>
+              <a:rPr lang="en-US" dirty="0"/>
+              <a:t>Read time queue</a:t>
+            </a:r>
+          </a:p>
+        </p:txBody>
+      </p:sp>
+      <p:cxnSp>
+        <p:nvCxnSpPr>
+          <p:cNvPr id="126" name="Connector: Elbow 125">
+            <a:extLst>
+              <a:ext uri="{FF2B5EF4-FFF2-40B4-BE49-F238E27FC236}">
+                <a16:creationId xmlns:a16="http://schemas.microsoft.com/office/drawing/2014/main" id="{FB4AA93E-EF3F-4856-B0DC-484DBE8A1E94}"/>
+              </a:ext>
+            </a:extLst>
+          </p:cNvPr>
+          <p:cNvCxnSpPr>
+            <a:stCxn id="120" idx="2"/>
+            <a:endCxn id="125" idx="0"/>
+          </p:cNvCxnSpPr>
+          <p:nvPr/>
+        </p:nvCxnSpPr>
+        <p:spPr>
+          <a:xfrm rot="5400000">
+            <a:off x="17796877" y="12940300"/>
+            <a:ext cx="577198" cy="1"/>
+          </a:xfrm>
+          <a:prstGeom prst="bentConnector3">
+            <a:avLst/>
+          </a:prstGeom>
+          <a:ln w="38100">
+            <a:solidFill>
+              <a:srgbClr val="00B050"/>
+            </a:solidFill>
+            <a:tailEnd type="triangle"/>
+          </a:ln>
+        </p:spPr>
+        <p:style>
+          <a:lnRef idx="1">
+            <a:schemeClr val="accent1"/>
+          </a:lnRef>
+          <a:fillRef idx="0">
+            <a:schemeClr val="accent1"/>
+          </a:fillRef>
+          <a:effectRef idx="0">
+            <a:schemeClr val="accent1"/>
+          </a:effectRef>
+          <a:fontRef idx="minor">
+            <a:schemeClr val="tx1"/>
+          </a:fontRef>
+        </p:style>
+      </p:cxnSp>
+      <p:cxnSp>
+        <p:nvCxnSpPr>
+          <p:cNvPr id="129" name="Connector: Elbow 128">
+            <a:extLst>
+              <a:ext uri="{FF2B5EF4-FFF2-40B4-BE49-F238E27FC236}">
+                <a16:creationId xmlns:a16="http://schemas.microsoft.com/office/drawing/2014/main" id="{81AAA530-26CB-4FE5-839D-06BA46FC8EF4}"/>
+              </a:ext>
+            </a:extLst>
+          </p:cNvPr>
+          <p:cNvCxnSpPr>
+            <a:stCxn id="117" idx="1"/>
+            <a:endCxn id="18" idx="3"/>
+          </p:cNvCxnSpPr>
+          <p:nvPr/>
+        </p:nvCxnSpPr>
+        <p:spPr>
+          <a:xfrm rot="10800000">
+            <a:off x="9720767" y="5823600"/>
+            <a:ext cx="7319681" cy="1"/>
+          </a:xfrm>
+          <a:prstGeom prst="bentConnector3">
+            <a:avLst/>
+          </a:prstGeom>
+          <a:ln w="38100">
+            <a:solidFill>
+              <a:srgbClr val="00B050"/>
+            </a:solidFill>
+            <a:prstDash val="sysDot"/>
+            <a:tailEnd type="triangle"/>
+          </a:ln>
+        </p:spPr>
+        <p:style>
+          <a:lnRef idx="1">
+            <a:schemeClr val="accent1"/>
+          </a:lnRef>
+          <a:fillRef idx="0">
+            <a:schemeClr val="accent1"/>
+          </a:fillRef>
+          <a:effectRef idx="0">
+            <a:schemeClr val="accent1"/>
+          </a:effectRef>
+          <a:fontRef idx="minor">
+            <a:schemeClr val="tx1"/>
+          </a:fontRef>
+        </p:style>
+      </p:cxnSp>
+      <p:cxnSp>
+        <p:nvCxnSpPr>
+          <p:cNvPr id="133" name="Connector: Elbow 132">
+            <a:extLst>
+              <a:ext uri="{FF2B5EF4-FFF2-40B4-BE49-F238E27FC236}">
+                <a16:creationId xmlns:a16="http://schemas.microsoft.com/office/drawing/2014/main" id="{6E2C91DB-B3E1-4315-BB31-6FD07651CEDE}"/>
+              </a:ext>
+            </a:extLst>
+          </p:cNvPr>
+          <p:cNvCxnSpPr>
+            <a:stCxn id="118" idx="1"/>
+            <a:endCxn id="27" idx="3"/>
+          </p:cNvCxnSpPr>
+          <p:nvPr/>
+        </p:nvCxnSpPr>
+        <p:spPr>
+          <a:xfrm rot="10800000">
+            <a:off x="9720261" y="7554647"/>
+            <a:ext cx="7320185" cy="521"/>
+          </a:xfrm>
+          <a:prstGeom prst="bentConnector3">
+            <a:avLst/>
+          </a:prstGeom>
+          <a:ln w="38100">
+            <a:solidFill>
+              <a:srgbClr val="00B050"/>
+            </a:solidFill>
+            <a:prstDash val="sysDot"/>
+            <a:tailEnd type="triangle"/>
+          </a:ln>
+        </p:spPr>
+        <p:style>
+          <a:lnRef idx="1">
+            <a:schemeClr val="accent1"/>
+          </a:lnRef>
+          <a:fillRef idx="0">
+            <a:schemeClr val="accent1"/>
+          </a:fillRef>
+          <a:effectRef idx="0">
+            <a:schemeClr val="accent1"/>
+          </a:effectRef>
+          <a:fontRef idx="minor">
+            <a:schemeClr val="tx1"/>
+          </a:fontRef>
+        </p:style>
+      </p:cxnSp>
+      <p:cxnSp>
+        <p:nvCxnSpPr>
+          <p:cNvPr id="150" name="Connector: Elbow 149">
+            <a:extLst>
+              <a:ext uri="{FF2B5EF4-FFF2-40B4-BE49-F238E27FC236}">
+                <a16:creationId xmlns:a16="http://schemas.microsoft.com/office/drawing/2014/main" id="{3D68ACE8-5ACB-45B5-9191-B6F1F384FDC8}"/>
+              </a:ext>
+            </a:extLst>
+          </p:cNvPr>
+          <p:cNvCxnSpPr>
+            <a:stCxn id="10" idx="2"/>
+            <a:endCxn id="119" idx="1"/>
+          </p:cNvCxnSpPr>
+          <p:nvPr/>
+        </p:nvCxnSpPr>
+        <p:spPr>
+          <a:xfrm rot="16200000" flipH="1">
+            <a:off x="11043229" y="3580435"/>
+            <a:ext cx="6834451" cy="5159983"/>
+          </a:xfrm>
+          <a:prstGeom prst="bentConnector2">
+            <a:avLst/>
+          </a:prstGeom>
+          <a:ln w="38100">
+            <a:prstDash val="lgDashDot"/>
+            <a:tailEnd type="triangle"/>
+          </a:ln>
+        </p:spPr>
+        <p:style>
+          <a:lnRef idx="1">
+            <a:schemeClr val="accent1"/>
+          </a:lnRef>
+          <a:fillRef idx="0">
+            <a:schemeClr val="accent1"/>
+          </a:fillRef>
+          <a:effectRef idx="0">
+            <a:schemeClr val="accent1"/>
+          </a:effectRef>
+          <a:fontRef idx="minor">
+            <a:schemeClr val="tx1"/>
+          </a:fontRef>
+        </p:style>
+      </p:cxnSp>
+      <p:cxnSp>
+        <p:nvCxnSpPr>
+          <p:cNvPr id="152" name="Connector: Elbow 151">
+            <a:extLst>
+              <a:ext uri="{FF2B5EF4-FFF2-40B4-BE49-F238E27FC236}">
+                <a16:creationId xmlns:a16="http://schemas.microsoft.com/office/drawing/2014/main" id="{CC0241B9-E6E3-4D07-96A3-259D576FC268}"/>
+              </a:ext>
+            </a:extLst>
+          </p:cNvPr>
+          <p:cNvCxnSpPr>
+            <a:stCxn id="119" idx="2"/>
+            <a:endCxn id="37" idx="3"/>
+          </p:cNvCxnSpPr>
+          <p:nvPr/>
+        </p:nvCxnSpPr>
+        <p:spPr>
+          <a:xfrm rot="5400000">
+            <a:off x="15250940" y="7511965"/>
+            <a:ext cx="509088" cy="5159983"/>
+          </a:xfrm>
+          <a:prstGeom prst="bentConnector2">
+            <a:avLst/>
+          </a:prstGeom>
+          <a:ln w="38100">
+            <a:prstDash val="lgDashDot"/>
+            <a:tailEnd type="triangle"/>
+          </a:ln>
+        </p:spPr>
+        <p:style>
+          <a:lnRef idx="1">
+            <a:schemeClr val="accent1"/>
+          </a:lnRef>
+          <a:fillRef idx="0">
+            <a:schemeClr val="accent1"/>
+          </a:fillRef>
+          <a:effectRef idx="0">
+            <a:schemeClr val="accent1"/>
+          </a:effectRef>
+          <a:fontRef idx="minor">
+            <a:schemeClr val="tx1"/>
+          </a:fontRef>
+        </p:style>
+      </p:cxnSp>
+      <p:cxnSp>
+        <p:nvCxnSpPr>
+          <p:cNvPr id="154" name="Connector: Elbow 153">
+            <a:extLst>
+              <a:ext uri="{FF2B5EF4-FFF2-40B4-BE49-F238E27FC236}">
+                <a16:creationId xmlns:a16="http://schemas.microsoft.com/office/drawing/2014/main" id="{B082D0CC-9843-4F5C-A5D9-1F763A9B7B00}"/>
+              </a:ext>
+            </a:extLst>
+          </p:cNvPr>
+          <p:cNvCxnSpPr>
+            <a:stCxn id="37" idx="2"/>
+            <a:endCxn id="120" idx="0"/>
+          </p:cNvCxnSpPr>
+          <p:nvPr/>
+        </p:nvCxnSpPr>
+        <p:spPr>
+          <a:xfrm rot="16200000" flipH="1">
+            <a:off x="14551619" y="7963446"/>
+            <a:ext cx="862703" cy="6205012"/>
+          </a:xfrm>
+          <a:prstGeom prst="bentConnector3">
+            <a:avLst/>
+          </a:prstGeom>
+          <a:ln w="38100">
+            <a:solidFill>
+              <a:srgbClr val="0070C0"/>
+            </a:solidFill>
+            <a:prstDash val="lgDashDot"/>
+            <a:tailEnd type="triangle"/>
+          </a:ln>
+        </p:spPr>
+        <p:style>
+          <a:lnRef idx="1">
+            <a:schemeClr val="accent1"/>
+          </a:lnRef>
+          <a:fillRef idx="0">
+            <a:schemeClr val="accent1"/>
+          </a:fillRef>
+          <a:effectRef idx="0">
+            <a:schemeClr val="accent1"/>
+          </a:effectRef>
+          <a:fontRef idx="minor">
+            <a:schemeClr val="tx1"/>
+          </a:fontRef>
+        </p:style>
+      </p:cxnSp>
+      <p:cxnSp>
+        <p:nvCxnSpPr>
+          <p:cNvPr id="157" name="Connector: Elbow 156">
+            <a:extLst>
+              <a:ext uri="{FF2B5EF4-FFF2-40B4-BE49-F238E27FC236}">
+                <a16:creationId xmlns:a16="http://schemas.microsoft.com/office/drawing/2014/main" id="{E8F963BF-0B6E-4347-8886-6E458B85CF5C}"/>
+              </a:ext>
+            </a:extLst>
+          </p:cNvPr>
+          <p:cNvCxnSpPr>
+            <a:stCxn id="125" idx="2"/>
+            <a:endCxn id="120" idx="3"/>
+          </p:cNvCxnSpPr>
+          <p:nvPr/>
+        </p:nvCxnSpPr>
+        <p:spPr>
+          <a:xfrm rot="5400000" flipH="1" flipV="1">
+            <a:off x="17771031" y="12388946"/>
+            <a:ext cx="1673915" cy="1045029"/>
+          </a:xfrm>
+          <a:prstGeom prst="bentConnector4">
+            <a:avLst>
+              <a:gd name="adj1" fmla="val -26361"/>
+              <a:gd name="adj2" fmla="val 246003"/>
+            </a:avLst>
+          </a:prstGeom>
+          <a:ln w="38100">
+            <a:tailEnd type="triangle"/>
+          </a:ln>
+        </p:spPr>
+        <p:style>
+          <a:lnRef idx="1">
+            <a:schemeClr val="accent1"/>
+          </a:lnRef>
+          <a:fillRef idx="0">
+            <a:schemeClr val="accent1"/>
+          </a:fillRef>
+          <a:effectRef idx="0">
+            <a:schemeClr val="accent1"/>
+          </a:effectRef>
+          <a:fontRef idx="minor">
+            <a:schemeClr val="tx1"/>
+          </a:fontRef>
+        </p:style>
+      </p:cxnSp>
+      <p:cxnSp>
+        <p:nvCxnSpPr>
+          <p:cNvPr id="161" name="Connector: Elbow 160">
+            <a:extLst>
+              <a:ext uri="{FF2B5EF4-FFF2-40B4-BE49-F238E27FC236}">
+                <a16:creationId xmlns:a16="http://schemas.microsoft.com/office/drawing/2014/main" id="{6E87BD5B-36BD-40EB-9013-C4C98D858B6B}"/>
+              </a:ext>
+            </a:extLst>
+          </p:cNvPr>
+          <p:cNvCxnSpPr>
+            <a:stCxn id="120" idx="1"/>
+            <a:endCxn id="76" idx="3"/>
+          </p:cNvCxnSpPr>
+          <p:nvPr/>
+        </p:nvCxnSpPr>
+        <p:spPr>
+          <a:xfrm rot="10800000">
+            <a:off x="12925491" y="12074503"/>
+            <a:ext cx="4114957" cy="1"/>
+          </a:xfrm>
+          <a:prstGeom prst="bentConnector3">
+            <a:avLst/>
+          </a:prstGeom>
+          <a:ln w="38100">
+            <a:solidFill>
+              <a:srgbClr val="FF0000"/>
+            </a:solidFill>
+            <a:prstDash val="lgDashDot"/>
+            <a:tailEnd type="triangle"/>
+          </a:ln>
+        </p:spPr>
+        <p:style>
+          <a:lnRef idx="1">
+            <a:schemeClr val="accent1"/>
+          </a:lnRef>
+          <a:fillRef idx="0">
+            <a:schemeClr val="accent1"/>
+          </a:fillRef>
+          <a:effectRef idx="0">
+            <a:schemeClr val="accent1"/>
+          </a:effectRef>
+          <a:fontRef idx="minor">
+            <a:schemeClr val="tx1"/>
+          </a:fontRef>
+        </p:style>
+      </p:cxnSp>
+      <p:sp>
+        <p:nvSpPr>
+          <p:cNvPr id="164" name="Flowchart: Data 163">
+            <a:extLst>
+              <a:ext uri="{FF2B5EF4-FFF2-40B4-BE49-F238E27FC236}">
+                <a16:creationId xmlns:a16="http://schemas.microsoft.com/office/drawing/2014/main" id="{07C04A08-AF61-4FE8-B1A7-BF1456E96531}"/>
+              </a:ext>
+            </a:extLst>
+          </p:cNvPr>
+          <p:cNvSpPr/>
+          <p:nvPr/>
+        </p:nvSpPr>
+        <p:spPr>
+          <a:xfrm>
+            <a:off x="13074072" y="13129429"/>
+            <a:ext cx="2090057" cy="718457"/>
+          </a:xfrm>
+          <a:prstGeom prst="flowChartInputOutput">
+            <a:avLst/>
+          </a:prstGeom>
+        </p:spPr>
+        <p:style>
+          <a:lnRef idx="2">
+            <a:schemeClr val="accent1">
+              <a:shade val="50000"/>
+            </a:schemeClr>
+          </a:lnRef>
+          <a:fillRef idx="1">
+            <a:schemeClr val="accent1"/>
+          </a:fillRef>
+          <a:effectRef idx="0">
+            <a:schemeClr val="accent1"/>
+          </a:effectRef>
+          <a:fontRef idx="minor">
+            <a:schemeClr val="lt1"/>
+          </a:fontRef>
+        </p:style>
+        <p:txBody>
+          <a:bodyPr rtlCol="0" anchor="ctr"/>
+          <a:lstStyle/>
+          <a:p>
+            <a:pPr algn="ctr"/>
+            <a:r>
+              <a:rPr lang="en-US" dirty="0"/>
+              <a:t>END</a:t>
+            </a:r>
+          </a:p>
+        </p:txBody>
+      </p:sp>
+      <p:cxnSp>
+        <p:nvCxnSpPr>
+          <p:cNvPr id="166" name="Connector: Elbow 165">
+            <a:extLst>
+              <a:ext uri="{FF2B5EF4-FFF2-40B4-BE49-F238E27FC236}">
+                <a16:creationId xmlns:a16="http://schemas.microsoft.com/office/drawing/2014/main" id="{85589DBF-C3EF-4C78-80DE-DDD2A4A17375}"/>
+              </a:ext>
+            </a:extLst>
+          </p:cNvPr>
+          <p:cNvCxnSpPr>
+            <a:stCxn id="120" idx="1"/>
+            <a:endCxn id="164" idx="0"/>
+          </p:cNvCxnSpPr>
+          <p:nvPr/>
+        </p:nvCxnSpPr>
+        <p:spPr>
+          <a:xfrm rot="10800000" flipV="1">
+            <a:off x="14328107" y="12074503"/>
+            <a:ext cx="2712341" cy="1054926"/>
+          </a:xfrm>
+          <a:prstGeom prst="bentConnector2">
+            <a:avLst/>
+          </a:prstGeom>
+          <a:ln w="38100">
+            <a:solidFill>
+              <a:srgbClr val="FF0000"/>
+            </a:solidFill>
+            <a:tailEnd type="triangle"/>
+          </a:ln>
+        </p:spPr>
+        <p:style>
+          <a:lnRef idx="1">
+            <a:schemeClr val="accent1"/>
+          </a:lnRef>
+          <a:fillRef idx="0">
+            <a:schemeClr val="accent1"/>
+          </a:fillRef>
+          <a:effectRef idx="0">
+            <a:schemeClr val="accent1"/>
+          </a:effectRef>
+          <a:fontRef idx="minor">
+            <a:schemeClr val="tx1"/>
+          </a:fontRef>
+        </p:style>
+      </p:cxnSp>
+    </p:spTree>
+    <p:extLst>
+      <p:ext uri="{BB962C8B-B14F-4D97-AF65-F5344CB8AC3E}">
+        <p14:creationId xmlns:p14="http://schemas.microsoft.com/office/powerpoint/2010/main" val="3056836586"/>
+      </p:ext>
+    </p:extLst>
+  </p:cSld>
+  <p:clrMapOvr>
+    <a:masterClrMapping/>
+  </p:clrMapOvr>
+</p:sld>
+</file>
+
+<file path=ppt/slides/slide6.xml><?xml version="1.0" encoding="utf-8"?>
+<p:sld xmlns:a="http://schemas.openxmlformats.org/drawingml/2006/main" xmlns:r="http://schemas.openxmlformats.org/officeDocument/2006/relationships" xmlns:p="http://schemas.openxmlformats.org/presentationml/2006/main">
+  <p:cSld>
+    <p:spTree>
+      <p:nvGrpSpPr>
+        <p:cNvPr id="1" name=""/>
+        <p:cNvGrpSpPr/>
+        <p:nvPr/>
+      </p:nvGrpSpPr>
+      <p:grpSpPr>
+        <a:xfrm>
+          <a:off x="0" y="0"/>
+          <a:ext cx="0" cy="0"/>
+          <a:chOff x="0" y="0"/>
+          <a:chExt cx="0" cy="0"/>
+        </a:xfrm>
+      </p:grpSpPr>
       <p:sp>
         <p:nvSpPr>
           <p:cNvPr id="4" name="Flowchart: Decision 3">

--- a/Software/Software System Architecture.pptx
+++ b/Software/Software System Architecture.pptx
@@ -10,7 +10,8 @@
     <p:sldId id="260" r:id="rId4"/>
     <p:sldId id="261" r:id="rId5"/>
     <p:sldId id="262" r:id="rId6"/>
-    <p:sldId id="257" r:id="rId7"/>
+    <p:sldId id="263" r:id="rId7"/>
+    <p:sldId id="257" r:id="rId8"/>
   </p:sldIdLst>
   <p:sldSz cx="21945600" cy="16459200"/>
   <p:notesSz cx="6858000" cy="9144000"/>
@@ -119,6 +120,7 @@
             <p14:sldId id="260"/>
             <p14:sldId id="261"/>
             <p14:sldId id="262"/>
+            <p14:sldId id="263"/>
             <p14:sldId id="257"/>
           </p14:sldIdLst>
         </p14:section>
@@ -262,7 +264,7 @@
           <a:p>
             <a:fld id="{F62E71A9-A198-4BC2-915B-5C3ABADD511E}" type="datetimeFigureOut">
               <a:rPr lang="en-US" smtClean="0"/>
-              <a:t>9/26/2019</a:t>
+              <a:t>10/3/2019</a:t>
             </a:fld>
             <a:endParaRPr lang="en-US"/>
           </a:p>
@@ -432,7 +434,7 @@
           <a:p>
             <a:fld id="{F62E71A9-A198-4BC2-915B-5C3ABADD511E}" type="datetimeFigureOut">
               <a:rPr lang="en-US" smtClean="0"/>
-              <a:t>9/26/2019</a:t>
+              <a:t>10/3/2019</a:t>
             </a:fld>
             <a:endParaRPr lang="en-US"/>
           </a:p>
@@ -612,7 +614,7 @@
           <a:p>
             <a:fld id="{F62E71A9-A198-4BC2-915B-5C3ABADD511E}" type="datetimeFigureOut">
               <a:rPr lang="en-US" smtClean="0"/>
-              <a:t>9/26/2019</a:t>
+              <a:t>10/3/2019</a:t>
             </a:fld>
             <a:endParaRPr lang="en-US"/>
           </a:p>
@@ -782,7 +784,7 @@
           <a:p>
             <a:fld id="{F62E71A9-A198-4BC2-915B-5C3ABADD511E}" type="datetimeFigureOut">
               <a:rPr lang="en-US" smtClean="0"/>
-              <a:t>9/26/2019</a:t>
+              <a:t>10/3/2019</a:t>
             </a:fld>
             <a:endParaRPr lang="en-US"/>
           </a:p>
@@ -1026,7 +1028,7 @@
           <a:p>
             <a:fld id="{F62E71A9-A198-4BC2-915B-5C3ABADD511E}" type="datetimeFigureOut">
               <a:rPr lang="en-US" smtClean="0"/>
-              <a:t>9/26/2019</a:t>
+              <a:t>10/3/2019</a:t>
             </a:fld>
             <a:endParaRPr lang="en-US"/>
           </a:p>
@@ -1258,7 +1260,7 @@
           <a:p>
             <a:fld id="{F62E71A9-A198-4BC2-915B-5C3ABADD511E}" type="datetimeFigureOut">
               <a:rPr lang="en-US" smtClean="0"/>
-              <a:t>9/26/2019</a:t>
+              <a:t>10/3/2019</a:t>
             </a:fld>
             <a:endParaRPr lang="en-US"/>
           </a:p>
@@ -1625,7 +1627,7 @@
           <a:p>
             <a:fld id="{F62E71A9-A198-4BC2-915B-5C3ABADD511E}" type="datetimeFigureOut">
               <a:rPr lang="en-US" smtClean="0"/>
-              <a:t>9/26/2019</a:t>
+              <a:t>10/3/2019</a:t>
             </a:fld>
             <a:endParaRPr lang="en-US"/>
           </a:p>
@@ -1743,7 +1745,7 @@
           <a:p>
             <a:fld id="{F62E71A9-A198-4BC2-915B-5C3ABADD511E}" type="datetimeFigureOut">
               <a:rPr lang="en-US" smtClean="0"/>
-              <a:t>9/26/2019</a:t>
+              <a:t>10/3/2019</a:t>
             </a:fld>
             <a:endParaRPr lang="en-US"/>
           </a:p>
@@ -1838,7 +1840,7 @@
           <a:p>
             <a:fld id="{F62E71A9-A198-4BC2-915B-5C3ABADD511E}" type="datetimeFigureOut">
               <a:rPr lang="en-US" smtClean="0"/>
-              <a:t>9/26/2019</a:t>
+              <a:t>10/3/2019</a:t>
             </a:fld>
             <a:endParaRPr lang="en-US"/>
           </a:p>
@@ -2115,7 +2117,7 @@
           <a:p>
             <a:fld id="{F62E71A9-A198-4BC2-915B-5C3ABADD511E}" type="datetimeFigureOut">
               <a:rPr lang="en-US" smtClean="0"/>
-              <a:t>9/26/2019</a:t>
+              <a:t>10/3/2019</a:t>
             </a:fld>
             <a:endParaRPr lang="en-US"/>
           </a:p>
@@ -2372,7 +2374,7 @@
           <a:p>
             <a:fld id="{F62E71A9-A198-4BC2-915B-5C3ABADD511E}" type="datetimeFigureOut">
               <a:rPr lang="en-US" smtClean="0"/>
-              <a:t>9/26/2019</a:t>
+              <a:t>10/3/2019</a:t>
             </a:fld>
             <a:endParaRPr lang="en-US"/>
           </a:p>
@@ -2585,7 +2587,7 @@
           <a:p>
             <a:fld id="{F62E71A9-A198-4BC2-915B-5C3ABADD511E}" type="datetimeFigureOut">
               <a:rPr lang="en-US" smtClean="0"/>
-              <a:t>9/26/2019</a:t>
+              <a:t>10/3/2019</a:t>
             </a:fld>
             <a:endParaRPr lang="en-US"/>
           </a:p>
@@ -13779,6 +13781,142 @@
           </a:fontRef>
         </p:style>
       </p:cxnSp>
+      <p:sp>
+        <p:nvSpPr>
+          <p:cNvPr id="2" name="Rectangle 1">
+            <a:extLst>
+              <a:ext uri="{FF2B5EF4-FFF2-40B4-BE49-F238E27FC236}">
+                <a16:creationId xmlns:a16="http://schemas.microsoft.com/office/drawing/2014/main" id="{5C473EEA-EEEE-4804-BD65-1F632981F08E}"/>
+              </a:ext>
+            </a:extLst>
+          </p:cNvPr>
+          <p:cNvSpPr/>
+          <p:nvPr/>
+        </p:nvSpPr>
+        <p:spPr>
+          <a:xfrm>
+            <a:off x="595423" y="467833"/>
+            <a:ext cx="21009935" cy="14949376"/>
+          </a:xfrm>
+          <a:prstGeom prst="rect">
+            <a:avLst/>
+          </a:prstGeom>
+          <a:noFill/>
+          <a:ln w="76200">
+            <a:solidFill>
+              <a:schemeClr val="tx1"/>
+            </a:solidFill>
+          </a:ln>
+        </p:spPr>
+        <p:style>
+          <a:lnRef idx="2">
+            <a:schemeClr val="accent1">
+              <a:shade val="50000"/>
+            </a:schemeClr>
+          </a:lnRef>
+          <a:fillRef idx="1">
+            <a:schemeClr val="accent1"/>
+          </a:fillRef>
+          <a:effectRef idx="0">
+            <a:schemeClr val="accent1"/>
+          </a:effectRef>
+          <a:fontRef idx="minor">
+            <a:schemeClr val="lt1"/>
+          </a:fontRef>
+        </p:style>
+        <p:txBody>
+          <a:bodyPr rtlCol="0" anchor="ctr"/>
+          <a:lstStyle/>
+          <a:p>
+            <a:pPr algn="ctr"/>
+            <a:endParaRPr lang="en-US"/>
+          </a:p>
+        </p:txBody>
+      </p:sp>
+      <p:cxnSp>
+        <p:nvCxnSpPr>
+          <p:cNvPr id="4" name="Straight Connector 3">
+            <a:extLst>
+              <a:ext uri="{FF2B5EF4-FFF2-40B4-BE49-F238E27FC236}">
+                <a16:creationId xmlns:a16="http://schemas.microsoft.com/office/drawing/2014/main" id="{1C0CDB29-A45F-4980-88F2-84BC37508491}"/>
+              </a:ext>
+            </a:extLst>
+          </p:cNvPr>
+          <p:cNvCxnSpPr/>
+          <p:nvPr/>
+        </p:nvCxnSpPr>
+        <p:spPr>
+          <a:xfrm>
+            <a:off x="595423" y="467833"/>
+            <a:ext cx="21009935" cy="14949376"/>
+          </a:xfrm>
+          <a:prstGeom prst="line">
+            <a:avLst/>
+          </a:prstGeom>
+          <a:ln w="76200">
+            <a:solidFill>
+              <a:srgbClr val="FF0000"/>
+            </a:solidFill>
+          </a:ln>
+        </p:spPr>
+        <p:style>
+          <a:lnRef idx="1">
+            <a:schemeClr val="accent1"/>
+          </a:lnRef>
+          <a:fillRef idx="0">
+            <a:schemeClr val="accent1"/>
+          </a:fillRef>
+          <a:effectRef idx="0">
+            <a:schemeClr val="accent1"/>
+          </a:effectRef>
+          <a:fontRef idx="minor">
+            <a:schemeClr val="tx1"/>
+          </a:fontRef>
+        </p:style>
+      </p:cxnSp>
+      <p:cxnSp>
+        <p:nvCxnSpPr>
+          <p:cNvPr id="60" name="Straight Connector 59">
+            <a:extLst>
+              <a:ext uri="{FF2B5EF4-FFF2-40B4-BE49-F238E27FC236}">
+                <a16:creationId xmlns:a16="http://schemas.microsoft.com/office/drawing/2014/main" id="{C9B07648-FBC3-4DE1-98E4-DEBDD185AEAB}"/>
+              </a:ext>
+            </a:extLst>
+          </p:cNvPr>
+          <p:cNvCxnSpPr>
+            <a:cxnSpLocks/>
+          </p:cNvCxnSpPr>
+          <p:nvPr/>
+        </p:nvCxnSpPr>
+        <p:spPr>
+          <a:xfrm flipH="1">
+            <a:off x="595421" y="467833"/>
+            <a:ext cx="21009937" cy="14949376"/>
+          </a:xfrm>
+          <a:prstGeom prst="line">
+            <a:avLst/>
+          </a:prstGeom>
+          <a:ln w="76200">
+            <a:solidFill>
+              <a:srgbClr val="FF0000"/>
+            </a:solidFill>
+          </a:ln>
+        </p:spPr>
+        <p:style>
+          <a:lnRef idx="1">
+            <a:schemeClr val="accent1"/>
+          </a:lnRef>
+          <a:fillRef idx="0">
+            <a:schemeClr val="accent1"/>
+          </a:fillRef>
+          <a:effectRef idx="0">
+            <a:schemeClr val="accent1"/>
+          </a:effectRef>
+          <a:fontRef idx="minor">
+            <a:schemeClr val="tx1"/>
+          </a:fontRef>
+        </p:style>
+      </p:cxnSp>
     </p:spTree>
     <p:extLst>
       <p:ext uri="{BB962C8B-B14F-4D97-AF65-F5344CB8AC3E}">
@@ -13793,6 +13931,2670 @@
 </file>
 
 <file path=ppt/slides/slide6.xml><?xml version="1.0" encoding="utf-8"?>
+<p:sld xmlns:a="http://schemas.openxmlformats.org/drawingml/2006/main" xmlns:r="http://schemas.openxmlformats.org/officeDocument/2006/relationships" xmlns:p="http://schemas.openxmlformats.org/presentationml/2006/main">
+  <p:cSld>
+    <p:spTree>
+      <p:nvGrpSpPr>
+        <p:cNvPr id="1" name=""/>
+        <p:cNvGrpSpPr/>
+        <p:nvPr/>
+      </p:nvGrpSpPr>
+      <p:grpSpPr>
+        <a:xfrm>
+          <a:off x="0" y="0"/>
+          <a:ext cx="0" cy="0"/>
+          <a:chOff x="0" y="0"/>
+          <a:chExt cx="0" cy="0"/>
+        </a:xfrm>
+      </p:grpSpPr>
+      <p:sp>
+        <p:nvSpPr>
+          <p:cNvPr id="123" name="Rectangle: Rounded Corners 122">
+            <a:extLst>
+              <a:ext uri="{FF2B5EF4-FFF2-40B4-BE49-F238E27FC236}">
+                <a16:creationId xmlns:a16="http://schemas.microsoft.com/office/drawing/2014/main" id="{1C7EF2D4-F2FF-49B1-A591-85BFD29AC944}"/>
+              </a:ext>
+            </a:extLst>
+          </p:cNvPr>
+          <p:cNvSpPr/>
+          <p:nvPr/>
+        </p:nvSpPr>
+        <p:spPr>
+          <a:xfrm>
+            <a:off x="15885042" y="2296633"/>
+            <a:ext cx="4918833" cy="11115615"/>
+          </a:xfrm>
+          <a:prstGeom prst="roundRect">
+            <a:avLst/>
+          </a:prstGeom>
+          <a:solidFill>
+            <a:srgbClr val="8C3FC5">
+              <a:alpha val="40000"/>
+            </a:srgbClr>
+          </a:solidFill>
+          <a:ln>
+            <a:solidFill>
+              <a:srgbClr val="8C3FC5"/>
+            </a:solidFill>
+          </a:ln>
+        </p:spPr>
+        <p:style>
+          <a:lnRef idx="2">
+            <a:schemeClr val="accent1">
+              <a:shade val="50000"/>
+            </a:schemeClr>
+          </a:lnRef>
+          <a:fillRef idx="1">
+            <a:schemeClr val="accent1"/>
+          </a:fillRef>
+          <a:effectRef idx="0">
+            <a:schemeClr val="accent1"/>
+          </a:effectRef>
+          <a:fontRef idx="minor">
+            <a:schemeClr val="lt1"/>
+          </a:fontRef>
+        </p:style>
+        <p:txBody>
+          <a:bodyPr rtlCol="0" anchor="ctr"/>
+          <a:lstStyle/>
+          <a:p>
+            <a:pPr algn="ctr"/>
+            <a:endParaRPr lang="en-US"/>
+          </a:p>
+        </p:txBody>
+      </p:sp>
+      <p:sp>
+        <p:nvSpPr>
+          <p:cNvPr id="122" name="Rectangle: Rounded Corners 121">
+            <a:extLst>
+              <a:ext uri="{FF2B5EF4-FFF2-40B4-BE49-F238E27FC236}">
+                <a16:creationId xmlns:a16="http://schemas.microsoft.com/office/drawing/2014/main" id="{1B0B8B19-6970-4FC5-B813-DA3AECF211F5}"/>
+              </a:ext>
+            </a:extLst>
+          </p:cNvPr>
+          <p:cNvSpPr/>
+          <p:nvPr/>
+        </p:nvSpPr>
+        <p:spPr>
+          <a:xfrm>
+            <a:off x="318977" y="2296633"/>
+            <a:ext cx="15289609" cy="11115615"/>
+          </a:xfrm>
+          <a:prstGeom prst="roundRect">
+            <a:avLst/>
+          </a:prstGeom>
+          <a:solidFill>
+            <a:schemeClr val="accent1">
+              <a:alpha val="40000"/>
+            </a:schemeClr>
+          </a:solidFill>
+        </p:spPr>
+        <p:style>
+          <a:lnRef idx="2">
+            <a:schemeClr val="accent1">
+              <a:shade val="50000"/>
+            </a:schemeClr>
+          </a:lnRef>
+          <a:fillRef idx="1">
+            <a:schemeClr val="accent1"/>
+          </a:fillRef>
+          <a:effectRef idx="0">
+            <a:schemeClr val="accent1"/>
+          </a:effectRef>
+          <a:fontRef idx="minor">
+            <a:schemeClr val="lt1"/>
+          </a:fontRef>
+        </p:style>
+        <p:txBody>
+          <a:bodyPr rtlCol="0" anchor="ctr"/>
+          <a:lstStyle/>
+          <a:p>
+            <a:pPr algn="ctr"/>
+            <a:endParaRPr lang="en-US"/>
+          </a:p>
+        </p:txBody>
+      </p:sp>
+      <p:cxnSp>
+        <p:nvCxnSpPr>
+          <p:cNvPr id="82" name="Connector: Elbow 81">
+            <a:extLst>
+              <a:ext uri="{FF2B5EF4-FFF2-40B4-BE49-F238E27FC236}">
+                <a16:creationId xmlns:a16="http://schemas.microsoft.com/office/drawing/2014/main" id="{0B42BB7D-2351-4546-B48C-64CD4D0B2799}"/>
+              </a:ext>
+            </a:extLst>
+          </p:cNvPr>
+          <p:cNvCxnSpPr>
+            <a:cxnSpLocks/>
+            <a:stCxn id="59" idx="1"/>
+            <a:endCxn id="10" idx="3"/>
+          </p:cNvCxnSpPr>
+          <p:nvPr/>
+        </p:nvCxnSpPr>
+        <p:spPr>
+          <a:xfrm rot="10800000" flipV="1">
+            <a:off x="8839960" y="6908118"/>
+            <a:ext cx="2246263" cy="879986"/>
+          </a:xfrm>
+          <a:prstGeom prst="bentConnector3">
+            <a:avLst/>
+          </a:prstGeom>
+          <a:ln w="38100">
+            <a:solidFill>
+              <a:srgbClr val="FF0000"/>
+            </a:solidFill>
+            <a:prstDash val="sysDot"/>
+            <a:tailEnd type="triangle"/>
+          </a:ln>
+        </p:spPr>
+        <p:style>
+          <a:lnRef idx="1">
+            <a:schemeClr val="accent1"/>
+          </a:lnRef>
+          <a:fillRef idx="0">
+            <a:schemeClr val="accent1"/>
+          </a:fillRef>
+          <a:effectRef idx="0">
+            <a:schemeClr val="accent1"/>
+          </a:effectRef>
+          <a:fontRef idx="minor">
+            <a:schemeClr val="tx1"/>
+          </a:fontRef>
+        </p:style>
+      </p:cxnSp>
+      <p:cxnSp>
+        <p:nvCxnSpPr>
+          <p:cNvPr id="4" name="Connector: Elbow 3">
+            <a:extLst>
+              <a:ext uri="{FF2B5EF4-FFF2-40B4-BE49-F238E27FC236}">
+                <a16:creationId xmlns:a16="http://schemas.microsoft.com/office/drawing/2014/main" id="{E4333C8B-4F4D-4DF1-AE5E-867645EC6977}"/>
+              </a:ext>
+            </a:extLst>
+          </p:cNvPr>
+          <p:cNvCxnSpPr>
+            <a:stCxn id="13" idx="3"/>
+            <a:endCxn id="15" idx="1"/>
+          </p:cNvCxnSpPr>
+          <p:nvPr/>
+        </p:nvCxnSpPr>
+        <p:spPr>
+          <a:xfrm>
+            <a:off x="4503652" y="8644764"/>
+            <a:ext cx="2246248" cy="850099"/>
+          </a:xfrm>
+          <a:prstGeom prst="bentConnector3">
+            <a:avLst/>
+          </a:prstGeom>
+          <a:ln w="38100">
+            <a:solidFill>
+              <a:srgbClr val="FF0000"/>
+            </a:solidFill>
+            <a:prstDash val="sysDot"/>
+            <a:tailEnd type="triangle"/>
+          </a:ln>
+        </p:spPr>
+        <p:style>
+          <a:lnRef idx="1">
+            <a:schemeClr val="accent1"/>
+          </a:lnRef>
+          <a:fillRef idx="0">
+            <a:schemeClr val="accent1"/>
+          </a:fillRef>
+          <a:effectRef idx="0">
+            <a:schemeClr val="accent1"/>
+          </a:effectRef>
+          <a:fontRef idx="minor">
+            <a:schemeClr val="tx1"/>
+          </a:fontRef>
+        </p:style>
+      </p:cxnSp>
+      <p:sp>
+        <p:nvSpPr>
+          <p:cNvPr id="5" name="Flowchart: Off-page Connector 4">
+            <a:extLst>
+              <a:ext uri="{FF2B5EF4-FFF2-40B4-BE49-F238E27FC236}">
+                <a16:creationId xmlns:a16="http://schemas.microsoft.com/office/drawing/2014/main" id="{DACAEBCB-4FBC-496C-BAB8-D5ACE92A8E8C}"/>
+              </a:ext>
+            </a:extLst>
+          </p:cNvPr>
+          <p:cNvSpPr/>
+          <p:nvPr/>
+        </p:nvSpPr>
+        <p:spPr>
+          <a:xfrm>
+            <a:off x="6749908" y="2775062"/>
+            <a:ext cx="2090057" cy="1063298"/>
+          </a:xfrm>
+          <a:prstGeom prst="flowChartOffpageConnector">
+            <a:avLst/>
+          </a:prstGeom>
+        </p:spPr>
+        <p:style>
+          <a:lnRef idx="2">
+            <a:schemeClr val="accent1">
+              <a:shade val="50000"/>
+            </a:schemeClr>
+          </a:lnRef>
+          <a:fillRef idx="1">
+            <a:schemeClr val="accent1"/>
+          </a:fillRef>
+          <a:effectRef idx="0">
+            <a:schemeClr val="accent1"/>
+          </a:effectRef>
+          <a:fontRef idx="minor">
+            <a:schemeClr val="lt1"/>
+          </a:fontRef>
+        </p:style>
+        <p:txBody>
+          <a:bodyPr rtlCol="0" anchor="ctr"/>
+          <a:lstStyle/>
+          <a:p>
+            <a:pPr algn="ctr"/>
+            <a:r>
+              <a:rPr lang="en-US" dirty="0"/>
+              <a:t>Initialize </a:t>
+            </a:r>
+            <a:r>
+              <a:rPr lang="en-US" dirty="0" err="1"/>
+              <a:t>voleTags</a:t>
+            </a:r>
+            <a:r>
+              <a:rPr lang="en-US" dirty="0"/>
+              <a:t> Queue</a:t>
+            </a:r>
+          </a:p>
+        </p:txBody>
+      </p:sp>
+      <p:sp>
+        <p:nvSpPr>
+          <p:cNvPr id="9" name="Flowchart: Off-page Connector 8">
+            <a:extLst>
+              <a:ext uri="{FF2B5EF4-FFF2-40B4-BE49-F238E27FC236}">
+                <a16:creationId xmlns:a16="http://schemas.microsoft.com/office/drawing/2014/main" id="{59299086-D702-431F-B750-5697B87233F4}"/>
+              </a:ext>
+            </a:extLst>
+          </p:cNvPr>
+          <p:cNvSpPr/>
+          <p:nvPr/>
+        </p:nvSpPr>
+        <p:spPr>
+          <a:xfrm>
+            <a:off x="6749907" y="6587608"/>
+            <a:ext cx="2090057" cy="641017"/>
+          </a:xfrm>
+          <a:prstGeom prst="flowChartOffpageConnector">
+            <a:avLst/>
+          </a:prstGeom>
+        </p:spPr>
+        <p:style>
+          <a:lnRef idx="2">
+            <a:schemeClr val="accent1">
+              <a:shade val="50000"/>
+            </a:schemeClr>
+          </a:lnRef>
+          <a:fillRef idx="1">
+            <a:schemeClr val="accent1"/>
+          </a:fillRef>
+          <a:effectRef idx="0">
+            <a:schemeClr val="accent1"/>
+          </a:effectRef>
+          <a:fontRef idx="minor">
+            <a:schemeClr val="lt1"/>
+          </a:fontRef>
+        </p:style>
+        <p:txBody>
+          <a:bodyPr rtlCol="0" anchor="ctr"/>
+          <a:lstStyle/>
+          <a:p>
+            <a:pPr algn="ctr"/>
+            <a:r>
+              <a:rPr lang="en-US" dirty="0"/>
+              <a:t>Output vole number and </a:t>
+            </a:r>
+            <a:r>
+              <a:rPr lang="en-US" dirty="0" err="1"/>
+              <a:t>rfid</a:t>
+            </a:r>
+            <a:r>
+              <a:rPr lang="en-US" dirty="0"/>
+              <a:t> tag</a:t>
+            </a:r>
+          </a:p>
+        </p:txBody>
+      </p:sp>
+      <p:sp>
+        <p:nvSpPr>
+          <p:cNvPr id="10" name="Flowchart: Off-page Connector 9">
+            <a:extLst>
+              <a:ext uri="{FF2B5EF4-FFF2-40B4-BE49-F238E27FC236}">
+                <a16:creationId xmlns:a16="http://schemas.microsoft.com/office/drawing/2014/main" id="{1520CC44-909B-4099-9128-22001240A026}"/>
+              </a:ext>
+            </a:extLst>
+          </p:cNvPr>
+          <p:cNvSpPr/>
+          <p:nvPr/>
+        </p:nvSpPr>
+        <p:spPr>
+          <a:xfrm>
+            <a:off x="6749902" y="7467595"/>
+            <a:ext cx="2090057" cy="641017"/>
+          </a:xfrm>
+          <a:prstGeom prst="flowChartOffpageConnector">
+            <a:avLst/>
+          </a:prstGeom>
+        </p:spPr>
+        <p:style>
+          <a:lnRef idx="2">
+            <a:schemeClr val="accent1">
+              <a:shade val="50000"/>
+            </a:schemeClr>
+          </a:lnRef>
+          <a:fillRef idx="1">
+            <a:schemeClr val="accent1"/>
+          </a:fillRef>
+          <a:effectRef idx="0">
+            <a:schemeClr val="accent1"/>
+          </a:effectRef>
+          <a:fontRef idx="minor">
+            <a:schemeClr val="lt1"/>
+          </a:fontRef>
+        </p:style>
+        <p:txBody>
+          <a:bodyPr rtlCol="0" anchor="ctr"/>
+          <a:lstStyle/>
+          <a:p>
+            <a:pPr algn="ctr"/>
+            <a:r>
+              <a:rPr lang="en-US" dirty="0"/>
+              <a:t>Output “none”</a:t>
+            </a:r>
+          </a:p>
+        </p:txBody>
+      </p:sp>
+      <p:cxnSp>
+        <p:nvCxnSpPr>
+          <p:cNvPr id="11" name="Connector: Elbow 10">
+            <a:extLst>
+              <a:ext uri="{FF2B5EF4-FFF2-40B4-BE49-F238E27FC236}">
+                <a16:creationId xmlns:a16="http://schemas.microsoft.com/office/drawing/2014/main" id="{2114D124-8147-4269-9BCB-9F5473E50165}"/>
+              </a:ext>
+            </a:extLst>
+          </p:cNvPr>
+          <p:cNvCxnSpPr>
+            <a:stCxn id="8" idx="3"/>
+            <a:endCxn id="10" idx="1"/>
+          </p:cNvCxnSpPr>
+          <p:nvPr/>
+        </p:nvCxnSpPr>
+        <p:spPr>
+          <a:xfrm>
+            <a:off x="4503651" y="6908118"/>
+            <a:ext cx="2246251" cy="879986"/>
+          </a:xfrm>
+          <a:prstGeom prst="bentConnector3">
+            <a:avLst/>
+          </a:prstGeom>
+          <a:ln w="38100">
+            <a:solidFill>
+              <a:srgbClr val="FF0000"/>
+            </a:solidFill>
+            <a:prstDash val="sysDot"/>
+            <a:tailEnd type="triangle"/>
+          </a:ln>
+        </p:spPr>
+        <p:style>
+          <a:lnRef idx="1">
+            <a:schemeClr val="accent1"/>
+          </a:lnRef>
+          <a:fillRef idx="0">
+            <a:schemeClr val="accent1"/>
+          </a:fillRef>
+          <a:effectRef idx="0">
+            <a:schemeClr val="accent1"/>
+          </a:effectRef>
+          <a:fontRef idx="minor">
+            <a:schemeClr val="tx1"/>
+          </a:fontRef>
+        </p:style>
+      </p:cxnSp>
+      <p:cxnSp>
+        <p:nvCxnSpPr>
+          <p:cNvPr id="12" name="Connector: Elbow 11">
+            <a:extLst>
+              <a:ext uri="{FF2B5EF4-FFF2-40B4-BE49-F238E27FC236}">
+                <a16:creationId xmlns:a16="http://schemas.microsoft.com/office/drawing/2014/main" id="{F28EB982-EA27-4A6D-A6E8-A32ED247A293}"/>
+              </a:ext>
+            </a:extLst>
+          </p:cNvPr>
+          <p:cNvCxnSpPr>
+            <a:stCxn id="8" idx="3"/>
+            <a:endCxn id="9" idx="1"/>
+          </p:cNvCxnSpPr>
+          <p:nvPr/>
+        </p:nvCxnSpPr>
+        <p:spPr>
+          <a:xfrm flipV="1">
+            <a:off x="4503651" y="6908117"/>
+            <a:ext cx="2246256" cy="1"/>
+          </a:xfrm>
+          <a:prstGeom prst="bentConnector3">
+            <a:avLst/>
+          </a:prstGeom>
+          <a:ln w="38100">
+            <a:solidFill>
+              <a:srgbClr val="00B050"/>
+            </a:solidFill>
+            <a:prstDash val="sysDot"/>
+            <a:tailEnd type="triangle"/>
+          </a:ln>
+        </p:spPr>
+        <p:style>
+          <a:lnRef idx="1">
+            <a:schemeClr val="accent1"/>
+          </a:lnRef>
+          <a:fillRef idx="0">
+            <a:schemeClr val="accent1"/>
+          </a:fillRef>
+          <a:effectRef idx="0">
+            <a:schemeClr val="accent1"/>
+          </a:effectRef>
+          <a:fontRef idx="minor">
+            <a:schemeClr val="tx1"/>
+          </a:fontRef>
+        </p:style>
+      </p:cxnSp>
+      <p:sp>
+        <p:nvSpPr>
+          <p:cNvPr id="14" name="Flowchart: Off-page Connector 13">
+            <a:extLst>
+              <a:ext uri="{FF2B5EF4-FFF2-40B4-BE49-F238E27FC236}">
+                <a16:creationId xmlns:a16="http://schemas.microsoft.com/office/drawing/2014/main" id="{12C4F979-FD86-4BC3-B362-B6EDFBF3F19A}"/>
+              </a:ext>
+            </a:extLst>
+          </p:cNvPr>
+          <p:cNvSpPr/>
+          <p:nvPr/>
+        </p:nvSpPr>
+        <p:spPr>
+          <a:xfrm>
+            <a:off x="6749901" y="8317694"/>
+            <a:ext cx="2090057" cy="641017"/>
+          </a:xfrm>
+          <a:prstGeom prst="flowChartOffpageConnector">
+            <a:avLst/>
+          </a:prstGeom>
+        </p:spPr>
+        <p:style>
+          <a:lnRef idx="2">
+            <a:schemeClr val="accent1">
+              <a:shade val="50000"/>
+            </a:schemeClr>
+          </a:lnRef>
+          <a:fillRef idx="1">
+            <a:schemeClr val="accent1"/>
+          </a:fillRef>
+          <a:effectRef idx="0">
+            <a:schemeClr val="accent1"/>
+          </a:effectRef>
+          <a:fontRef idx="minor">
+            <a:schemeClr val="lt1"/>
+          </a:fontRef>
+        </p:style>
+        <p:txBody>
+          <a:bodyPr rtlCol="0" anchor="ctr"/>
+          <a:lstStyle/>
+          <a:p>
+            <a:pPr algn="ctr"/>
+            <a:r>
+              <a:rPr lang="en-US" dirty="0"/>
+              <a:t>Output vole number and </a:t>
+            </a:r>
+            <a:r>
+              <a:rPr lang="en-US" dirty="0" err="1"/>
+              <a:t>rfid</a:t>
+            </a:r>
+            <a:r>
+              <a:rPr lang="en-US" dirty="0"/>
+              <a:t> tag</a:t>
+            </a:r>
+          </a:p>
+        </p:txBody>
+      </p:sp>
+      <p:sp>
+        <p:nvSpPr>
+          <p:cNvPr id="15" name="Flowchart: Off-page Connector 14">
+            <a:extLst>
+              <a:ext uri="{FF2B5EF4-FFF2-40B4-BE49-F238E27FC236}">
+                <a16:creationId xmlns:a16="http://schemas.microsoft.com/office/drawing/2014/main" id="{C80C0554-5CDC-47B0-BBCC-4DD2FF048724}"/>
+              </a:ext>
+            </a:extLst>
+          </p:cNvPr>
+          <p:cNvSpPr/>
+          <p:nvPr/>
+        </p:nvSpPr>
+        <p:spPr>
+          <a:xfrm>
+            <a:off x="6749900" y="9174354"/>
+            <a:ext cx="2090057" cy="641017"/>
+          </a:xfrm>
+          <a:prstGeom prst="flowChartOffpageConnector">
+            <a:avLst/>
+          </a:prstGeom>
+        </p:spPr>
+        <p:style>
+          <a:lnRef idx="2">
+            <a:schemeClr val="accent1">
+              <a:shade val="50000"/>
+            </a:schemeClr>
+          </a:lnRef>
+          <a:fillRef idx="1">
+            <a:schemeClr val="accent1"/>
+          </a:fillRef>
+          <a:effectRef idx="0">
+            <a:schemeClr val="accent1"/>
+          </a:effectRef>
+          <a:fontRef idx="minor">
+            <a:schemeClr val="lt1"/>
+          </a:fontRef>
+        </p:style>
+        <p:txBody>
+          <a:bodyPr rtlCol="0" anchor="ctr"/>
+          <a:lstStyle/>
+          <a:p>
+            <a:pPr algn="ctr"/>
+            <a:r>
+              <a:rPr lang="en-US" dirty="0"/>
+              <a:t>Output “none”</a:t>
+            </a:r>
+          </a:p>
+        </p:txBody>
+      </p:sp>
+      <p:cxnSp>
+        <p:nvCxnSpPr>
+          <p:cNvPr id="16" name="Connector: Elbow 15">
+            <a:extLst>
+              <a:ext uri="{FF2B5EF4-FFF2-40B4-BE49-F238E27FC236}">
+                <a16:creationId xmlns:a16="http://schemas.microsoft.com/office/drawing/2014/main" id="{B9B20591-7037-48DF-9A11-9FF8C12FD53C}"/>
+              </a:ext>
+            </a:extLst>
+          </p:cNvPr>
+          <p:cNvCxnSpPr>
+            <a:stCxn id="13" idx="3"/>
+            <a:endCxn id="14" idx="1"/>
+          </p:cNvCxnSpPr>
+          <p:nvPr/>
+        </p:nvCxnSpPr>
+        <p:spPr>
+          <a:xfrm flipV="1">
+            <a:off x="4503652" y="8638203"/>
+            <a:ext cx="2246249" cy="6561"/>
+          </a:xfrm>
+          <a:prstGeom prst="bentConnector3">
+            <a:avLst/>
+          </a:prstGeom>
+          <a:ln w="38100">
+            <a:solidFill>
+              <a:srgbClr val="00B050"/>
+            </a:solidFill>
+            <a:prstDash val="sysDot"/>
+            <a:tailEnd type="triangle"/>
+          </a:ln>
+        </p:spPr>
+        <p:style>
+          <a:lnRef idx="1">
+            <a:schemeClr val="accent1"/>
+          </a:lnRef>
+          <a:fillRef idx="0">
+            <a:schemeClr val="accent1"/>
+          </a:fillRef>
+          <a:effectRef idx="0">
+            <a:schemeClr val="accent1"/>
+          </a:effectRef>
+          <a:fontRef idx="minor">
+            <a:schemeClr val="tx1"/>
+          </a:fontRef>
+        </p:style>
+      </p:cxnSp>
+      <p:cxnSp>
+        <p:nvCxnSpPr>
+          <p:cNvPr id="20" name="Connector: Elbow 19">
+            <a:extLst>
+              <a:ext uri="{FF2B5EF4-FFF2-40B4-BE49-F238E27FC236}">
+                <a16:creationId xmlns:a16="http://schemas.microsoft.com/office/drawing/2014/main" id="{E88A7956-1ABC-4904-B8E4-5261AB8C0627}"/>
+              </a:ext>
+            </a:extLst>
+          </p:cNvPr>
+          <p:cNvCxnSpPr>
+            <a:stCxn id="5" idx="2"/>
+            <a:endCxn id="9" idx="0"/>
+          </p:cNvCxnSpPr>
+          <p:nvPr/>
+        </p:nvCxnSpPr>
+        <p:spPr>
+          <a:xfrm rot="5400000">
+            <a:off x="6420313" y="5212984"/>
+            <a:ext cx="2749248" cy="1"/>
+          </a:xfrm>
+          <a:prstGeom prst="bentConnector3">
+            <a:avLst/>
+          </a:prstGeom>
+          <a:ln w="38100">
+            <a:prstDash val="sysDot"/>
+            <a:tailEnd type="triangle"/>
+          </a:ln>
+        </p:spPr>
+        <p:style>
+          <a:lnRef idx="1">
+            <a:schemeClr val="accent1"/>
+          </a:lnRef>
+          <a:fillRef idx="0">
+            <a:schemeClr val="accent1"/>
+          </a:fillRef>
+          <a:effectRef idx="0">
+            <a:schemeClr val="accent1"/>
+          </a:effectRef>
+          <a:fontRef idx="minor">
+            <a:schemeClr val="tx1"/>
+          </a:fontRef>
+        </p:style>
+      </p:cxnSp>
+      <p:sp>
+        <p:nvSpPr>
+          <p:cNvPr id="6" name="Flowchart: Process 5">
+            <a:extLst>
+              <a:ext uri="{FF2B5EF4-FFF2-40B4-BE49-F238E27FC236}">
+                <a16:creationId xmlns:a16="http://schemas.microsoft.com/office/drawing/2014/main" id="{0886BD82-75C0-4A57-9682-54659204393F}"/>
+              </a:ext>
+            </a:extLst>
+          </p:cNvPr>
+          <p:cNvSpPr/>
+          <p:nvPr/>
+        </p:nvSpPr>
+        <p:spPr>
+          <a:xfrm>
+            <a:off x="2413594" y="3046952"/>
+            <a:ext cx="2090057" cy="519519"/>
+          </a:xfrm>
+          <a:prstGeom prst="flowChartProcess">
+            <a:avLst/>
+          </a:prstGeom>
+        </p:spPr>
+        <p:style>
+          <a:lnRef idx="2">
+            <a:schemeClr val="accent1">
+              <a:shade val="50000"/>
+            </a:schemeClr>
+          </a:lnRef>
+          <a:fillRef idx="1">
+            <a:schemeClr val="accent1"/>
+          </a:fillRef>
+          <a:effectRef idx="0">
+            <a:schemeClr val="accent1"/>
+          </a:effectRef>
+          <a:fontRef idx="minor">
+            <a:schemeClr val="lt1"/>
+          </a:fontRef>
+        </p:style>
+        <p:txBody>
+          <a:bodyPr rtlCol="0" anchor="ctr"/>
+          <a:lstStyle/>
+          <a:p>
+            <a:pPr algn="ctr"/>
+            <a:r>
+              <a:rPr lang="en-US" dirty="0"/>
+              <a:t>Start Thread 1</a:t>
+            </a:r>
+          </a:p>
+        </p:txBody>
+      </p:sp>
+      <p:sp>
+        <p:nvSpPr>
+          <p:cNvPr id="7" name="Flowchart: Process 6">
+            <a:extLst>
+              <a:ext uri="{FF2B5EF4-FFF2-40B4-BE49-F238E27FC236}">
+                <a16:creationId xmlns:a16="http://schemas.microsoft.com/office/drawing/2014/main" id="{50E0C74D-550C-42E4-BD73-1625F9AFC1E6}"/>
+              </a:ext>
+            </a:extLst>
+          </p:cNvPr>
+          <p:cNvSpPr/>
+          <p:nvPr/>
+        </p:nvSpPr>
+        <p:spPr>
+          <a:xfrm>
+            <a:off x="2413595" y="5229151"/>
+            <a:ext cx="2090057" cy="519519"/>
+          </a:xfrm>
+          <a:prstGeom prst="flowChartProcess">
+            <a:avLst/>
+          </a:prstGeom>
+        </p:spPr>
+        <p:style>
+          <a:lnRef idx="2">
+            <a:schemeClr val="accent1">
+              <a:shade val="50000"/>
+            </a:schemeClr>
+          </a:lnRef>
+          <a:fillRef idx="1">
+            <a:schemeClr val="accent1"/>
+          </a:fillRef>
+          <a:effectRef idx="0">
+            <a:schemeClr val="accent1"/>
+          </a:effectRef>
+          <a:fontRef idx="minor">
+            <a:schemeClr val="lt1"/>
+          </a:fontRef>
+        </p:style>
+        <p:txBody>
+          <a:bodyPr rtlCol="0" anchor="ctr"/>
+          <a:lstStyle/>
+          <a:p>
+            <a:pPr algn="ctr"/>
+            <a:r>
+              <a:rPr lang="en-US" dirty="0"/>
+              <a:t>Read sensor signal</a:t>
+            </a:r>
+          </a:p>
+        </p:txBody>
+      </p:sp>
+      <p:sp>
+        <p:nvSpPr>
+          <p:cNvPr id="8" name="Flowchart: Decision 7">
+            <a:extLst>
+              <a:ext uri="{FF2B5EF4-FFF2-40B4-BE49-F238E27FC236}">
+                <a16:creationId xmlns:a16="http://schemas.microsoft.com/office/drawing/2014/main" id="{463B6A9A-69E1-403E-9058-ACAEDA151340}"/>
+              </a:ext>
+            </a:extLst>
+          </p:cNvPr>
+          <p:cNvSpPr/>
+          <p:nvPr/>
+        </p:nvSpPr>
+        <p:spPr>
+          <a:xfrm>
+            <a:off x="2413594" y="6330919"/>
+            <a:ext cx="2090057" cy="1154397"/>
+          </a:xfrm>
+          <a:prstGeom prst="flowChartDecision">
+            <a:avLst/>
+          </a:prstGeom>
+        </p:spPr>
+        <p:style>
+          <a:lnRef idx="2">
+            <a:schemeClr val="accent1">
+              <a:shade val="50000"/>
+            </a:schemeClr>
+          </a:lnRef>
+          <a:fillRef idx="1">
+            <a:schemeClr val="accent1"/>
+          </a:fillRef>
+          <a:effectRef idx="0">
+            <a:schemeClr val="accent1"/>
+          </a:effectRef>
+          <a:fontRef idx="minor">
+            <a:schemeClr val="lt1"/>
+          </a:fontRef>
+        </p:style>
+        <p:txBody>
+          <a:bodyPr rtlCol="0" anchor="ctr"/>
+          <a:lstStyle/>
+          <a:p>
+            <a:pPr algn="ctr"/>
+            <a:r>
+              <a:rPr lang="en-US" dirty="0"/>
+              <a:t>Did it ping vole 1?</a:t>
+            </a:r>
+          </a:p>
+        </p:txBody>
+      </p:sp>
+      <p:sp>
+        <p:nvSpPr>
+          <p:cNvPr id="13" name="Flowchart: Decision 12">
+            <a:extLst>
+              <a:ext uri="{FF2B5EF4-FFF2-40B4-BE49-F238E27FC236}">
+                <a16:creationId xmlns:a16="http://schemas.microsoft.com/office/drawing/2014/main" id="{C86490A3-4648-4077-B80C-B9DC16FA7FD2}"/>
+              </a:ext>
+            </a:extLst>
+          </p:cNvPr>
+          <p:cNvSpPr/>
+          <p:nvPr/>
+        </p:nvSpPr>
+        <p:spPr>
+          <a:xfrm>
+            <a:off x="2413595" y="8067565"/>
+            <a:ext cx="2090057" cy="1154397"/>
+          </a:xfrm>
+          <a:prstGeom prst="flowChartDecision">
+            <a:avLst/>
+          </a:prstGeom>
+        </p:spPr>
+        <p:style>
+          <a:lnRef idx="2">
+            <a:schemeClr val="accent1">
+              <a:shade val="50000"/>
+            </a:schemeClr>
+          </a:lnRef>
+          <a:fillRef idx="1">
+            <a:schemeClr val="accent1"/>
+          </a:fillRef>
+          <a:effectRef idx="0">
+            <a:schemeClr val="accent1"/>
+          </a:effectRef>
+          <a:fontRef idx="minor">
+            <a:schemeClr val="lt1"/>
+          </a:fontRef>
+        </p:style>
+        <p:txBody>
+          <a:bodyPr rtlCol="0" anchor="ctr"/>
+          <a:lstStyle/>
+          <a:p>
+            <a:pPr algn="ctr"/>
+            <a:r>
+              <a:rPr lang="en-US" dirty="0"/>
+              <a:t>Did it ping vole 2?</a:t>
+            </a:r>
+          </a:p>
+        </p:txBody>
+      </p:sp>
+      <p:cxnSp>
+        <p:nvCxnSpPr>
+          <p:cNvPr id="18" name="Connector: Elbow 17">
+            <a:extLst>
+              <a:ext uri="{FF2B5EF4-FFF2-40B4-BE49-F238E27FC236}">
+                <a16:creationId xmlns:a16="http://schemas.microsoft.com/office/drawing/2014/main" id="{0816CFB8-ABDF-4F15-A835-D9B79153189B}"/>
+              </a:ext>
+            </a:extLst>
+          </p:cNvPr>
+          <p:cNvCxnSpPr>
+            <a:stCxn id="7" idx="2"/>
+            <a:endCxn id="8" idx="0"/>
+          </p:cNvCxnSpPr>
+          <p:nvPr/>
+        </p:nvCxnSpPr>
+        <p:spPr>
+          <a:xfrm rot="5400000">
+            <a:off x="3167500" y="6039794"/>
+            <a:ext cx="582249" cy="1"/>
+          </a:xfrm>
+          <a:prstGeom prst="bentConnector3">
+            <a:avLst/>
+          </a:prstGeom>
+          <a:ln w="38100">
+            <a:tailEnd type="triangle"/>
+          </a:ln>
+        </p:spPr>
+        <p:style>
+          <a:lnRef idx="1">
+            <a:schemeClr val="accent1"/>
+          </a:lnRef>
+          <a:fillRef idx="0">
+            <a:schemeClr val="accent1"/>
+          </a:fillRef>
+          <a:effectRef idx="0">
+            <a:schemeClr val="accent1"/>
+          </a:effectRef>
+          <a:fontRef idx="minor">
+            <a:schemeClr val="tx1"/>
+          </a:fontRef>
+        </p:style>
+      </p:cxnSp>
+      <p:cxnSp>
+        <p:nvCxnSpPr>
+          <p:cNvPr id="19" name="Connector: Elbow 18">
+            <a:extLst>
+              <a:ext uri="{FF2B5EF4-FFF2-40B4-BE49-F238E27FC236}">
+                <a16:creationId xmlns:a16="http://schemas.microsoft.com/office/drawing/2014/main" id="{91992AFC-8BEF-4E3F-9E4C-964814A5FF0E}"/>
+              </a:ext>
+            </a:extLst>
+          </p:cNvPr>
+          <p:cNvCxnSpPr>
+            <a:stCxn id="8" idx="2"/>
+            <a:endCxn id="13" idx="0"/>
+          </p:cNvCxnSpPr>
+          <p:nvPr/>
+        </p:nvCxnSpPr>
+        <p:spPr>
+          <a:xfrm rot="16200000" flipH="1">
+            <a:off x="3167499" y="7776439"/>
+            <a:ext cx="582249" cy="1"/>
+          </a:xfrm>
+          <a:prstGeom prst="bentConnector3">
+            <a:avLst/>
+          </a:prstGeom>
+          <a:ln w="38100">
+            <a:tailEnd type="triangle"/>
+          </a:ln>
+        </p:spPr>
+        <p:style>
+          <a:lnRef idx="1">
+            <a:schemeClr val="accent1"/>
+          </a:lnRef>
+          <a:fillRef idx="0">
+            <a:schemeClr val="accent1"/>
+          </a:fillRef>
+          <a:effectRef idx="0">
+            <a:schemeClr val="accent1"/>
+          </a:effectRef>
+          <a:fontRef idx="minor">
+            <a:schemeClr val="tx1"/>
+          </a:fontRef>
+        </p:style>
+      </p:cxnSp>
+      <p:sp>
+        <p:nvSpPr>
+          <p:cNvPr id="31" name="Flowchart: Process 30">
+            <a:extLst>
+              <a:ext uri="{FF2B5EF4-FFF2-40B4-BE49-F238E27FC236}">
+                <a16:creationId xmlns:a16="http://schemas.microsoft.com/office/drawing/2014/main" id="{5666486C-FB5A-4D7D-B58C-0D5E9345B993}"/>
+              </a:ext>
+            </a:extLst>
+          </p:cNvPr>
+          <p:cNvSpPr/>
+          <p:nvPr/>
+        </p:nvSpPr>
+        <p:spPr>
+          <a:xfrm>
+            <a:off x="2413593" y="4145884"/>
+            <a:ext cx="2090057" cy="519519"/>
+          </a:xfrm>
+          <a:prstGeom prst="flowChartProcess">
+            <a:avLst/>
+          </a:prstGeom>
+        </p:spPr>
+        <p:style>
+          <a:lnRef idx="2">
+            <a:schemeClr val="accent1">
+              <a:shade val="50000"/>
+            </a:schemeClr>
+          </a:lnRef>
+          <a:fillRef idx="1">
+            <a:schemeClr val="accent1"/>
+          </a:fillRef>
+          <a:effectRef idx="0">
+            <a:schemeClr val="accent1"/>
+          </a:effectRef>
+          <a:fontRef idx="minor">
+            <a:schemeClr val="lt1"/>
+          </a:fontRef>
+        </p:style>
+        <p:txBody>
+          <a:bodyPr rtlCol="0" anchor="ctr"/>
+          <a:lstStyle/>
+          <a:p>
+            <a:pPr algn="ctr"/>
+            <a:r>
+              <a:rPr lang="en-US" dirty="0"/>
+              <a:t>Set event to FALSE</a:t>
+            </a:r>
+          </a:p>
+        </p:txBody>
+      </p:sp>
+      <p:cxnSp>
+        <p:nvCxnSpPr>
+          <p:cNvPr id="37" name="Straight Arrow Connector 36">
+            <a:extLst>
+              <a:ext uri="{FF2B5EF4-FFF2-40B4-BE49-F238E27FC236}">
+                <a16:creationId xmlns:a16="http://schemas.microsoft.com/office/drawing/2014/main" id="{9D3F9935-3676-424A-A825-5E3D3DAECAFB}"/>
+              </a:ext>
+            </a:extLst>
+          </p:cNvPr>
+          <p:cNvCxnSpPr>
+            <a:stCxn id="6" idx="2"/>
+            <a:endCxn id="31" idx="0"/>
+          </p:cNvCxnSpPr>
+          <p:nvPr/>
+        </p:nvCxnSpPr>
+        <p:spPr>
+          <a:xfrm flipH="1">
+            <a:off x="3458622" y="3566471"/>
+            <a:ext cx="1" cy="579413"/>
+          </a:xfrm>
+          <a:prstGeom prst="straightConnector1">
+            <a:avLst/>
+          </a:prstGeom>
+          <a:ln w="38100">
+            <a:tailEnd type="triangle"/>
+          </a:ln>
+        </p:spPr>
+        <p:style>
+          <a:lnRef idx="1">
+            <a:schemeClr val="accent1"/>
+          </a:lnRef>
+          <a:fillRef idx="0">
+            <a:schemeClr val="accent1"/>
+          </a:fillRef>
+          <a:effectRef idx="0">
+            <a:schemeClr val="accent1"/>
+          </a:effectRef>
+          <a:fontRef idx="minor">
+            <a:schemeClr val="tx1"/>
+          </a:fontRef>
+        </p:style>
+      </p:cxnSp>
+      <p:cxnSp>
+        <p:nvCxnSpPr>
+          <p:cNvPr id="39" name="Connector: Elbow 38">
+            <a:extLst>
+              <a:ext uri="{FF2B5EF4-FFF2-40B4-BE49-F238E27FC236}">
+                <a16:creationId xmlns:a16="http://schemas.microsoft.com/office/drawing/2014/main" id="{A3A2F40E-DA34-4A46-AE66-B68F5FB0BA37}"/>
+              </a:ext>
+            </a:extLst>
+          </p:cNvPr>
+          <p:cNvCxnSpPr>
+            <a:stCxn id="31" idx="2"/>
+            <a:endCxn id="7" idx="0"/>
+          </p:cNvCxnSpPr>
+          <p:nvPr/>
+        </p:nvCxnSpPr>
+        <p:spPr>
+          <a:xfrm rot="16200000" flipH="1">
+            <a:off x="3176749" y="4947276"/>
+            <a:ext cx="563748" cy="2"/>
+          </a:xfrm>
+          <a:prstGeom prst="bentConnector3">
+            <a:avLst/>
+          </a:prstGeom>
+          <a:ln w="38100">
+            <a:tailEnd type="triangle"/>
+          </a:ln>
+        </p:spPr>
+        <p:style>
+          <a:lnRef idx="1">
+            <a:schemeClr val="accent1"/>
+          </a:lnRef>
+          <a:fillRef idx="0">
+            <a:schemeClr val="accent1"/>
+          </a:fillRef>
+          <a:effectRef idx="0">
+            <a:schemeClr val="accent1"/>
+          </a:effectRef>
+          <a:fontRef idx="minor">
+            <a:schemeClr val="tx1"/>
+          </a:fontRef>
+        </p:style>
+      </p:cxnSp>
+      <p:sp>
+        <p:nvSpPr>
+          <p:cNvPr id="41" name="Flowchart: Process 40">
+            <a:extLst>
+              <a:ext uri="{FF2B5EF4-FFF2-40B4-BE49-F238E27FC236}">
+                <a16:creationId xmlns:a16="http://schemas.microsoft.com/office/drawing/2014/main" id="{247B4AA5-3C82-4F68-8953-C202A5BED085}"/>
+              </a:ext>
+            </a:extLst>
+          </p:cNvPr>
+          <p:cNvSpPr/>
+          <p:nvPr/>
+        </p:nvSpPr>
+        <p:spPr>
+          <a:xfrm>
+            <a:off x="2413593" y="10492462"/>
+            <a:ext cx="2090057" cy="519519"/>
+          </a:xfrm>
+          <a:prstGeom prst="flowChartProcess">
+            <a:avLst/>
+          </a:prstGeom>
+        </p:spPr>
+        <p:style>
+          <a:lnRef idx="2">
+            <a:schemeClr val="accent1">
+              <a:shade val="50000"/>
+            </a:schemeClr>
+          </a:lnRef>
+          <a:fillRef idx="1">
+            <a:schemeClr val="accent1"/>
+          </a:fillRef>
+          <a:effectRef idx="0">
+            <a:schemeClr val="accent1"/>
+          </a:effectRef>
+          <a:fontRef idx="minor">
+            <a:schemeClr val="lt1"/>
+          </a:fontRef>
+        </p:style>
+        <p:txBody>
+          <a:bodyPr rtlCol="0" anchor="ctr"/>
+          <a:lstStyle/>
+          <a:p>
+            <a:pPr algn="ctr"/>
+            <a:r>
+              <a:rPr lang="en-US" dirty="0"/>
+              <a:t>Set event to TRUE</a:t>
+            </a:r>
+          </a:p>
+        </p:txBody>
+      </p:sp>
+      <p:sp>
+        <p:nvSpPr>
+          <p:cNvPr id="42" name="Flowchart: Process 41">
+            <a:extLst>
+              <a:ext uri="{FF2B5EF4-FFF2-40B4-BE49-F238E27FC236}">
+                <a16:creationId xmlns:a16="http://schemas.microsoft.com/office/drawing/2014/main" id="{2ABD2069-1BA1-4C35-A3D5-67CAFF4A3046}"/>
+              </a:ext>
+            </a:extLst>
+          </p:cNvPr>
+          <p:cNvSpPr/>
+          <p:nvPr/>
+        </p:nvSpPr>
+        <p:spPr>
+          <a:xfrm>
+            <a:off x="2413592" y="11575729"/>
+            <a:ext cx="2090057" cy="519519"/>
+          </a:xfrm>
+          <a:prstGeom prst="flowChartProcess">
+            <a:avLst/>
+          </a:prstGeom>
+        </p:spPr>
+        <p:style>
+          <a:lnRef idx="2">
+            <a:schemeClr val="accent1">
+              <a:shade val="50000"/>
+            </a:schemeClr>
+          </a:lnRef>
+          <a:fillRef idx="1">
+            <a:schemeClr val="accent1"/>
+          </a:fillRef>
+          <a:effectRef idx="0">
+            <a:schemeClr val="accent1"/>
+          </a:effectRef>
+          <a:fontRef idx="minor">
+            <a:schemeClr val="lt1"/>
+          </a:fontRef>
+        </p:style>
+        <p:txBody>
+          <a:bodyPr rtlCol="0" anchor="ctr"/>
+          <a:lstStyle/>
+          <a:p>
+            <a:pPr algn="ctr"/>
+            <a:r>
+              <a:rPr lang="en-US" dirty="0"/>
+              <a:t>WAIT for Main Event</a:t>
+            </a:r>
+          </a:p>
+        </p:txBody>
+      </p:sp>
+      <p:cxnSp>
+        <p:nvCxnSpPr>
+          <p:cNvPr id="44" name="Connector: Elbow 43">
+            <a:extLst>
+              <a:ext uri="{FF2B5EF4-FFF2-40B4-BE49-F238E27FC236}">
+                <a16:creationId xmlns:a16="http://schemas.microsoft.com/office/drawing/2014/main" id="{1932285D-6D49-4B3B-AD27-42335F32A5B3}"/>
+              </a:ext>
+            </a:extLst>
+          </p:cNvPr>
+          <p:cNvCxnSpPr>
+            <a:stCxn id="13" idx="2"/>
+            <a:endCxn id="41" idx="0"/>
+          </p:cNvCxnSpPr>
+          <p:nvPr/>
+        </p:nvCxnSpPr>
+        <p:spPr>
+          <a:xfrm rot="5400000">
+            <a:off x="2823373" y="9857211"/>
+            <a:ext cx="1270500" cy="2"/>
+          </a:xfrm>
+          <a:prstGeom prst="bentConnector3">
+            <a:avLst/>
+          </a:prstGeom>
+          <a:ln w="38100">
+            <a:tailEnd type="triangle"/>
+          </a:ln>
+        </p:spPr>
+        <p:style>
+          <a:lnRef idx="1">
+            <a:schemeClr val="accent1"/>
+          </a:lnRef>
+          <a:fillRef idx="0">
+            <a:schemeClr val="accent1"/>
+          </a:fillRef>
+          <a:effectRef idx="0">
+            <a:schemeClr val="accent1"/>
+          </a:effectRef>
+          <a:fontRef idx="minor">
+            <a:schemeClr val="tx1"/>
+          </a:fontRef>
+        </p:style>
+      </p:cxnSp>
+      <p:cxnSp>
+        <p:nvCxnSpPr>
+          <p:cNvPr id="50" name="Connector: Elbow 49">
+            <a:extLst>
+              <a:ext uri="{FF2B5EF4-FFF2-40B4-BE49-F238E27FC236}">
+                <a16:creationId xmlns:a16="http://schemas.microsoft.com/office/drawing/2014/main" id="{6266CFDC-4386-4C97-9C59-994FF373490D}"/>
+              </a:ext>
+            </a:extLst>
+          </p:cNvPr>
+          <p:cNvCxnSpPr>
+            <a:stCxn id="41" idx="2"/>
+            <a:endCxn id="42" idx="0"/>
+          </p:cNvCxnSpPr>
+          <p:nvPr/>
+        </p:nvCxnSpPr>
+        <p:spPr>
+          <a:xfrm rot="5400000">
+            <a:off x="3176748" y="11293855"/>
+            <a:ext cx="563748" cy="1"/>
+          </a:xfrm>
+          <a:prstGeom prst="bentConnector3">
+            <a:avLst/>
+          </a:prstGeom>
+          <a:ln w="38100">
+            <a:tailEnd type="triangle"/>
+          </a:ln>
+        </p:spPr>
+        <p:style>
+          <a:lnRef idx="1">
+            <a:schemeClr val="accent1"/>
+          </a:lnRef>
+          <a:fillRef idx="0">
+            <a:schemeClr val="accent1"/>
+          </a:fillRef>
+          <a:effectRef idx="0">
+            <a:schemeClr val="accent1"/>
+          </a:effectRef>
+          <a:fontRef idx="minor">
+            <a:schemeClr val="tx1"/>
+          </a:fontRef>
+        </p:style>
+      </p:cxnSp>
+      <p:cxnSp>
+        <p:nvCxnSpPr>
+          <p:cNvPr id="55" name="Connector: Elbow 54">
+            <a:extLst>
+              <a:ext uri="{FF2B5EF4-FFF2-40B4-BE49-F238E27FC236}">
+                <a16:creationId xmlns:a16="http://schemas.microsoft.com/office/drawing/2014/main" id="{71B7277C-5B12-4D60-BEA0-5F241E274BF5}"/>
+              </a:ext>
+            </a:extLst>
+          </p:cNvPr>
+          <p:cNvCxnSpPr>
+            <a:stCxn id="42" idx="2"/>
+            <a:endCxn id="31" idx="1"/>
+          </p:cNvCxnSpPr>
+          <p:nvPr/>
+        </p:nvCxnSpPr>
+        <p:spPr>
+          <a:xfrm rot="5400000" flipH="1">
+            <a:off x="-908695" y="7727932"/>
+            <a:ext cx="7689604" cy="1045028"/>
+          </a:xfrm>
+          <a:prstGeom prst="bentConnector4">
+            <a:avLst>
+              <a:gd name="adj1" fmla="val -2973"/>
+              <a:gd name="adj2" fmla="val 246003"/>
+            </a:avLst>
+          </a:prstGeom>
+          <a:ln w="38100">
+            <a:tailEnd type="triangle"/>
+          </a:ln>
+        </p:spPr>
+        <p:style>
+          <a:lnRef idx="1">
+            <a:schemeClr val="accent1"/>
+          </a:lnRef>
+          <a:fillRef idx="0">
+            <a:schemeClr val="accent1"/>
+          </a:fillRef>
+          <a:effectRef idx="0">
+            <a:schemeClr val="accent1"/>
+          </a:effectRef>
+          <a:fontRef idx="minor">
+            <a:schemeClr val="tx1"/>
+          </a:fontRef>
+        </p:style>
+      </p:cxnSp>
+      <p:cxnSp>
+        <p:nvCxnSpPr>
+          <p:cNvPr id="78" name="Connector: Elbow 77">
+            <a:extLst>
+              <a:ext uri="{FF2B5EF4-FFF2-40B4-BE49-F238E27FC236}">
+                <a16:creationId xmlns:a16="http://schemas.microsoft.com/office/drawing/2014/main" id="{72B75C77-773E-45CC-9688-C23051AC86EC}"/>
+              </a:ext>
+            </a:extLst>
+          </p:cNvPr>
+          <p:cNvCxnSpPr>
+            <a:stCxn id="60" idx="1"/>
+            <a:endCxn id="15" idx="3"/>
+          </p:cNvCxnSpPr>
+          <p:nvPr/>
+        </p:nvCxnSpPr>
+        <p:spPr>
+          <a:xfrm rot="10800000" flipV="1">
+            <a:off x="8839957" y="8644763"/>
+            <a:ext cx="2246266" cy="850099"/>
+          </a:xfrm>
+          <a:prstGeom prst="bentConnector3">
+            <a:avLst/>
+          </a:prstGeom>
+          <a:ln w="38100">
+            <a:solidFill>
+              <a:srgbClr val="FF0000"/>
+            </a:solidFill>
+            <a:prstDash val="sysDot"/>
+            <a:tailEnd type="triangle"/>
+          </a:ln>
+        </p:spPr>
+        <p:style>
+          <a:lnRef idx="1">
+            <a:schemeClr val="accent1"/>
+          </a:lnRef>
+          <a:fillRef idx="0">
+            <a:schemeClr val="accent1"/>
+          </a:fillRef>
+          <a:effectRef idx="0">
+            <a:schemeClr val="accent1"/>
+          </a:effectRef>
+          <a:fontRef idx="minor">
+            <a:schemeClr val="tx1"/>
+          </a:fontRef>
+        </p:style>
+      </p:cxnSp>
+      <p:cxnSp>
+        <p:nvCxnSpPr>
+          <p:cNvPr id="72" name="Connector: Elbow 71">
+            <a:extLst>
+              <a:ext uri="{FF2B5EF4-FFF2-40B4-BE49-F238E27FC236}">
+                <a16:creationId xmlns:a16="http://schemas.microsoft.com/office/drawing/2014/main" id="{CD806686-50BB-49C3-99A4-EEAFC1FBB2B9}"/>
+              </a:ext>
+            </a:extLst>
+          </p:cNvPr>
+          <p:cNvCxnSpPr>
+            <a:stCxn id="59" idx="1"/>
+            <a:endCxn id="9" idx="3"/>
+          </p:cNvCxnSpPr>
+          <p:nvPr/>
+        </p:nvCxnSpPr>
+        <p:spPr>
+          <a:xfrm rot="10800000">
+            <a:off x="8839964" y="6908118"/>
+            <a:ext cx="2246258" cy="1"/>
+          </a:xfrm>
+          <a:prstGeom prst="bentConnector3">
+            <a:avLst/>
+          </a:prstGeom>
+          <a:ln w="38100">
+            <a:solidFill>
+              <a:srgbClr val="00B050"/>
+            </a:solidFill>
+            <a:prstDash val="sysDot"/>
+            <a:tailEnd type="triangle"/>
+          </a:ln>
+        </p:spPr>
+        <p:style>
+          <a:lnRef idx="1">
+            <a:schemeClr val="accent1"/>
+          </a:lnRef>
+          <a:fillRef idx="0">
+            <a:schemeClr val="accent1"/>
+          </a:fillRef>
+          <a:effectRef idx="0">
+            <a:schemeClr val="accent1"/>
+          </a:effectRef>
+          <a:fontRef idx="minor">
+            <a:schemeClr val="tx1"/>
+          </a:fontRef>
+        </p:style>
+      </p:cxnSp>
+      <p:cxnSp>
+        <p:nvCxnSpPr>
+          <p:cNvPr id="74" name="Connector: Elbow 73">
+            <a:extLst>
+              <a:ext uri="{FF2B5EF4-FFF2-40B4-BE49-F238E27FC236}">
+                <a16:creationId xmlns:a16="http://schemas.microsoft.com/office/drawing/2014/main" id="{2AB84941-1BCB-44B0-8ACD-014D97ABA07B}"/>
+              </a:ext>
+            </a:extLst>
+          </p:cNvPr>
+          <p:cNvCxnSpPr>
+            <a:stCxn id="60" idx="1"/>
+            <a:endCxn id="14" idx="3"/>
+          </p:cNvCxnSpPr>
+          <p:nvPr/>
+        </p:nvCxnSpPr>
+        <p:spPr>
+          <a:xfrm rot="10800000">
+            <a:off x="8839959" y="8638204"/>
+            <a:ext cx="2246265" cy="6561"/>
+          </a:xfrm>
+          <a:prstGeom prst="bentConnector3">
+            <a:avLst/>
+          </a:prstGeom>
+          <a:ln w="38100">
+            <a:solidFill>
+              <a:srgbClr val="00B050"/>
+            </a:solidFill>
+            <a:prstDash val="sysDot"/>
+            <a:tailEnd type="triangle"/>
+          </a:ln>
+        </p:spPr>
+        <p:style>
+          <a:lnRef idx="1">
+            <a:schemeClr val="accent1"/>
+          </a:lnRef>
+          <a:fillRef idx="0">
+            <a:schemeClr val="accent1"/>
+          </a:fillRef>
+          <a:effectRef idx="0">
+            <a:schemeClr val="accent1"/>
+          </a:effectRef>
+          <a:fontRef idx="minor">
+            <a:schemeClr val="tx1"/>
+          </a:fontRef>
+        </p:style>
+      </p:cxnSp>
+      <p:sp>
+        <p:nvSpPr>
+          <p:cNvPr id="57" name="Flowchart: Process 56">
+            <a:extLst>
+              <a:ext uri="{FF2B5EF4-FFF2-40B4-BE49-F238E27FC236}">
+                <a16:creationId xmlns:a16="http://schemas.microsoft.com/office/drawing/2014/main" id="{A300B1F5-239B-4FF3-A6D2-DDED1E214CD8}"/>
+              </a:ext>
+            </a:extLst>
+          </p:cNvPr>
+          <p:cNvSpPr/>
+          <p:nvPr/>
+        </p:nvSpPr>
+        <p:spPr>
+          <a:xfrm>
+            <a:off x="11086222" y="3046952"/>
+            <a:ext cx="2090057" cy="519519"/>
+          </a:xfrm>
+          <a:prstGeom prst="flowChartProcess">
+            <a:avLst/>
+          </a:prstGeom>
+        </p:spPr>
+        <p:style>
+          <a:lnRef idx="2">
+            <a:schemeClr val="accent1">
+              <a:shade val="50000"/>
+            </a:schemeClr>
+          </a:lnRef>
+          <a:fillRef idx="1">
+            <a:schemeClr val="accent1"/>
+          </a:fillRef>
+          <a:effectRef idx="0">
+            <a:schemeClr val="accent1"/>
+          </a:effectRef>
+          <a:fontRef idx="minor">
+            <a:schemeClr val="lt1"/>
+          </a:fontRef>
+        </p:style>
+        <p:txBody>
+          <a:bodyPr rtlCol="0" anchor="ctr"/>
+          <a:lstStyle/>
+          <a:p>
+            <a:pPr algn="ctr"/>
+            <a:r>
+              <a:rPr lang="en-US" dirty="0"/>
+              <a:t>Start Thread 2</a:t>
+            </a:r>
+          </a:p>
+        </p:txBody>
+      </p:sp>
+      <p:sp>
+        <p:nvSpPr>
+          <p:cNvPr id="58" name="Flowchart: Process 57">
+            <a:extLst>
+              <a:ext uri="{FF2B5EF4-FFF2-40B4-BE49-F238E27FC236}">
+                <a16:creationId xmlns:a16="http://schemas.microsoft.com/office/drawing/2014/main" id="{8A6FF4D4-3B0F-4356-951D-7942628A3BFF}"/>
+              </a:ext>
+            </a:extLst>
+          </p:cNvPr>
+          <p:cNvSpPr/>
+          <p:nvPr/>
+        </p:nvSpPr>
+        <p:spPr>
+          <a:xfrm>
+            <a:off x="11086223" y="5229151"/>
+            <a:ext cx="2090057" cy="519519"/>
+          </a:xfrm>
+          <a:prstGeom prst="flowChartProcess">
+            <a:avLst/>
+          </a:prstGeom>
+        </p:spPr>
+        <p:style>
+          <a:lnRef idx="2">
+            <a:schemeClr val="accent1">
+              <a:shade val="50000"/>
+            </a:schemeClr>
+          </a:lnRef>
+          <a:fillRef idx="1">
+            <a:schemeClr val="accent1"/>
+          </a:fillRef>
+          <a:effectRef idx="0">
+            <a:schemeClr val="accent1"/>
+          </a:effectRef>
+          <a:fontRef idx="minor">
+            <a:schemeClr val="lt1"/>
+          </a:fontRef>
+        </p:style>
+        <p:txBody>
+          <a:bodyPr rtlCol="0" anchor="ctr"/>
+          <a:lstStyle/>
+          <a:p>
+            <a:pPr algn="ctr"/>
+            <a:r>
+              <a:rPr lang="en-US" dirty="0"/>
+              <a:t>Read sensor signal</a:t>
+            </a:r>
+          </a:p>
+        </p:txBody>
+      </p:sp>
+      <p:sp>
+        <p:nvSpPr>
+          <p:cNvPr id="59" name="Flowchart: Decision 58">
+            <a:extLst>
+              <a:ext uri="{FF2B5EF4-FFF2-40B4-BE49-F238E27FC236}">
+                <a16:creationId xmlns:a16="http://schemas.microsoft.com/office/drawing/2014/main" id="{96C5DFAF-2AA1-4AB4-BFF1-F31F7588CD19}"/>
+              </a:ext>
+            </a:extLst>
+          </p:cNvPr>
+          <p:cNvSpPr/>
+          <p:nvPr/>
+        </p:nvSpPr>
+        <p:spPr>
+          <a:xfrm>
+            <a:off x="11086222" y="6330919"/>
+            <a:ext cx="2090057" cy="1154397"/>
+          </a:xfrm>
+          <a:prstGeom prst="flowChartDecision">
+            <a:avLst/>
+          </a:prstGeom>
+        </p:spPr>
+        <p:style>
+          <a:lnRef idx="2">
+            <a:schemeClr val="accent1">
+              <a:shade val="50000"/>
+            </a:schemeClr>
+          </a:lnRef>
+          <a:fillRef idx="1">
+            <a:schemeClr val="accent1"/>
+          </a:fillRef>
+          <a:effectRef idx="0">
+            <a:schemeClr val="accent1"/>
+          </a:effectRef>
+          <a:fontRef idx="minor">
+            <a:schemeClr val="lt1"/>
+          </a:fontRef>
+        </p:style>
+        <p:txBody>
+          <a:bodyPr rtlCol="0" anchor="ctr"/>
+          <a:lstStyle/>
+          <a:p>
+            <a:pPr algn="ctr"/>
+            <a:r>
+              <a:rPr lang="en-US" dirty="0"/>
+              <a:t>Did it ping vole 1?</a:t>
+            </a:r>
+          </a:p>
+        </p:txBody>
+      </p:sp>
+      <p:sp>
+        <p:nvSpPr>
+          <p:cNvPr id="60" name="Flowchart: Decision 59">
+            <a:extLst>
+              <a:ext uri="{FF2B5EF4-FFF2-40B4-BE49-F238E27FC236}">
+                <a16:creationId xmlns:a16="http://schemas.microsoft.com/office/drawing/2014/main" id="{03D06A7B-1056-427C-85D3-6C681DC3A949}"/>
+              </a:ext>
+            </a:extLst>
+          </p:cNvPr>
+          <p:cNvSpPr/>
+          <p:nvPr/>
+        </p:nvSpPr>
+        <p:spPr>
+          <a:xfrm>
+            <a:off x="11086223" y="8067565"/>
+            <a:ext cx="2090057" cy="1154397"/>
+          </a:xfrm>
+          <a:prstGeom prst="flowChartDecision">
+            <a:avLst/>
+          </a:prstGeom>
+        </p:spPr>
+        <p:style>
+          <a:lnRef idx="2">
+            <a:schemeClr val="accent1">
+              <a:shade val="50000"/>
+            </a:schemeClr>
+          </a:lnRef>
+          <a:fillRef idx="1">
+            <a:schemeClr val="accent1"/>
+          </a:fillRef>
+          <a:effectRef idx="0">
+            <a:schemeClr val="accent1"/>
+          </a:effectRef>
+          <a:fontRef idx="minor">
+            <a:schemeClr val="lt1"/>
+          </a:fontRef>
+        </p:style>
+        <p:txBody>
+          <a:bodyPr rtlCol="0" anchor="ctr"/>
+          <a:lstStyle/>
+          <a:p>
+            <a:pPr algn="ctr"/>
+            <a:r>
+              <a:rPr lang="en-US" dirty="0"/>
+              <a:t>Did it ping vole 2?</a:t>
+            </a:r>
+          </a:p>
+        </p:txBody>
+      </p:sp>
+      <p:cxnSp>
+        <p:nvCxnSpPr>
+          <p:cNvPr id="61" name="Connector: Elbow 60">
+            <a:extLst>
+              <a:ext uri="{FF2B5EF4-FFF2-40B4-BE49-F238E27FC236}">
+                <a16:creationId xmlns:a16="http://schemas.microsoft.com/office/drawing/2014/main" id="{56A7C35F-F975-4F5F-96F0-484D92116BF5}"/>
+              </a:ext>
+            </a:extLst>
+          </p:cNvPr>
+          <p:cNvCxnSpPr>
+            <a:stCxn id="58" idx="2"/>
+            <a:endCxn id="59" idx="0"/>
+          </p:cNvCxnSpPr>
+          <p:nvPr/>
+        </p:nvCxnSpPr>
+        <p:spPr>
+          <a:xfrm rot="5400000">
+            <a:off x="11840128" y="6039794"/>
+            <a:ext cx="582249" cy="1"/>
+          </a:xfrm>
+          <a:prstGeom prst="bentConnector3">
+            <a:avLst/>
+          </a:prstGeom>
+          <a:ln w="38100">
+            <a:tailEnd type="triangle"/>
+          </a:ln>
+        </p:spPr>
+        <p:style>
+          <a:lnRef idx="1">
+            <a:schemeClr val="accent1"/>
+          </a:lnRef>
+          <a:fillRef idx="0">
+            <a:schemeClr val="accent1"/>
+          </a:fillRef>
+          <a:effectRef idx="0">
+            <a:schemeClr val="accent1"/>
+          </a:effectRef>
+          <a:fontRef idx="minor">
+            <a:schemeClr val="tx1"/>
+          </a:fontRef>
+        </p:style>
+      </p:cxnSp>
+      <p:cxnSp>
+        <p:nvCxnSpPr>
+          <p:cNvPr id="62" name="Connector: Elbow 61">
+            <a:extLst>
+              <a:ext uri="{FF2B5EF4-FFF2-40B4-BE49-F238E27FC236}">
+                <a16:creationId xmlns:a16="http://schemas.microsoft.com/office/drawing/2014/main" id="{0367CF87-FE27-450E-95D8-F7FF9867C747}"/>
+              </a:ext>
+            </a:extLst>
+          </p:cNvPr>
+          <p:cNvCxnSpPr>
+            <a:stCxn id="59" idx="2"/>
+            <a:endCxn id="60" idx="0"/>
+          </p:cNvCxnSpPr>
+          <p:nvPr/>
+        </p:nvCxnSpPr>
+        <p:spPr>
+          <a:xfrm rot="16200000" flipH="1">
+            <a:off x="11840127" y="7776439"/>
+            <a:ext cx="582249" cy="1"/>
+          </a:xfrm>
+          <a:prstGeom prst="bentConnector3">
+            <a:avLst/>
+          </a:prstGeom>
+          <a:ln w="38100">
+            <a:tailEnd type="triangle"/>
+          </a:ln>
+        </p:spPr>
+        <p:style>
+          <a:lnRef idx="1">
+            <a:schemeClr val="accent1"/>
+          </a:lnRef>
+          <a:fillRef idx="0">
+            <a:schemeClr val="accent1"/>
+          </a:fillRef>
+          <a:effectRef idx="0">
+            <a:schemeClr val="accent1"/>
+          </a:effectRef>
+          <a:fontRef idx="minor">
+            <a:schemeClr val="tx1"/>
+          </a:fontRef>
+        </p:style>
+      </p:cxnSp>
+      <p:sp>
+        <p:nvSpPr>
+          <p:cNvPr id="63" name="Flowchart: Process 62">
+            <a:extLst>
+              <a:ext uri="{FF2B5EF4-FFF2-40B4-BE49-F238E27FC236}">
+                <a16:creationId xmlns:a16="http://schemas.microsoft.com/office/drawing/2014/main" id="{95A8F9BE-44DE-445A-96D8-AD96D46A490A}"/>
+              </a:ext>
+            </a:extLst>
+          </p:cNvPr>
+          <p:cNvSpPr/>
+          <p:nvPr/>
+        </p:nvSpPr>
+        <p:spPr>
+          <a:xfrm>
+            <a:off x="11086221" y="4145884"/>
+            <a:ext cx="2090057" cy="519519"/>
+          </a:xfrm>
+          <a:prstGeom prst="flowChartProcess">
+            <a:avLst/>
+          </a:prstGeom>
+        </p:spPr>
+        <p:style>
+          <a:lnRef idx="2">
+            <a:schemeClr val="accent1">
+              <a:shade val="50000"/>
+            </a:schemeClr>
+          </a:lnRef>
+          <a:fillRef idx="1">
+            <a:schemeClr val="accent1"/>
+          </a:fillRef>
+          <a:effectRef idx="0">
+            <a:schemeClr val="accent1"/>
+          </a:effectRef>
+          <a:fontRef idx="minor">
+            <a:schemeClr val="lt1"/>
+          </a:fontRef>
+        </p:style>
+        <p:txBody>
+          <a:bodyPr rtlCol="0" anchor="ctr"/>
+          <a:lstStyle/>
+          <a:p>
+            <a:pPr algn="ctr"/>
+            <a:r>
+              <a:rPr lang="en-US" dirty="0"/>
+              <a:t>Set event to FALSE</a:t>
+            </a:r>
+          </a:p>
+        </p:txBody>
+      </p:sp>
+      <p:cxnSp>
+        <p:nvCxnSpPr>
+          <p:cNvPr id="64" name="Straight Arrow Connector 63">
+            <a:extLst>
+              <a:ext uri="{FF2B5EF4-FFF2-40B4-BE49-F238E27FC236}">
+                <a16:creationId xmlns:a16="http://schemas.microsoft.com/office/drawing/2014/main" id="{55471AEF-0E14-466F-A6E7-608480AFECAD}"/>
+              </a:ext>
+            </a:extLst>
+          </p:cNvPr>
+          <p:cNvCxnSpPr>
+            <a:stCxn id="57" idx="2"/>
+            <a:endCxn id="63" idx="0"/>
+          </p:cNvCxnSpPr>
+          <p:nvPr/>
+        </p:nvCxnSpPr>
+        <p:spPr>
+          <a:xfrm flipH="1">
+            <a:off x="12131250" y="3566471"/>
+            <a:ext cx="1" cy="579413"/>
+          </a:xfrm>
+          <a:prstGeom prst="straightConnector1">
+            <a:avLst/>
+          </a:prstGeom>
+          <a:ln w="38100">
+            <a:tailEnd type="triangle"/>
+          </a:ln>
+        </p:spPr>
+        <p:style>
+          <a:lnRef idx="1">
+            <a:schemeClr val="accent1"/>
+          </a:lnRef>
+          <a:fillRef idx="0">
+            <a:schemeClr val="accent1"/>
+          </a:fillRef>
+          <a:effectRef idx="0">
+            <a:schemeClr val="accent1"/>
+          </a:effectRef>
+          <a:fontRef idx="minor">
+            <a:schemeClr val="tx1"/>
+          </a:fontRef>
+        </p:style>
+      </p:cxnSp>
+      <p:cxnSp>
+        <p:nvCxnSpPr>
+          <p:cNvPr id="65" name="Connector: Elbow 64">
+            <a:extLst>
+              <a:ext uri="{FF2B5EF4-FFF2-40B4-BE49-F238E27FC236}">
+                <a16:creationId xmlns:a16="http://schemas.microsoft.com/office/drawing/2014/main" id="{5EFD2EC7-8FA5-4424-A8B5-E0E58A8B980D}"/>
+              </a:ext>
+            </a:extLst>
+          </p:cNvPr>
+          <p:cNvCxnSpPr>
+            <a:stCxn id="63" idx="2"/>
+            <a:endCxn id="58" idx="0"/>
+          </p:cNvCxnSpPr>
+          <p:nvPr/>
+        </p:nvCxnSpPr>
+        <p:spPr>
+          <a:xfrm rot="16200000" flipH="1">
+            <a:off x="11849377" y="4947276"/>
+            <a:ext cx="563748" cy="2"/>
+          </a:xfrm>
+          <a:prstGeom prst="bentConnector3">
+            <a:avLst/>
+          </a:prstGeom>
+          <a:ln w="38100">
+            <a:tailEnd type="triangle"/>
+          </a:ln>
+        </p:spPr>
+        <p:style>
+          <a:lnRef idx="1">
+            <a:schemeClr val="accent1"/>
+          </a:lnRef>
+          <a:fillRef idx="0">
+            <a:schemeClr val="accent1"/>
+          </a:fillRef>
+          <a:effectRef idx="0">
+            <a:schemeClr val="accent1"/>
+          </a:effectRef>
+          <a:fontRef idx="minor">
+            <a:schemeClr val="tx1"/>
+          </a:fontRef>
+        </p:style>
+      </p:cxnSp>
+      <p:sp>
+        <p:nvSpPr>
+          <p:cNvPr id="66" name="Flowchart: Process 65">
+            <a:extLst>
+              <a:ext uri="{FF2B5EF4-FFF2-40B4-BE49-F238E27FC236}">
+                <a16:creationId xmlns:a16="http://schemas.microsoft.com/office/drawing/2014/main" id="{E8566C4C-6DE3-4493-BC44-00386531AD4C}"/>
+              </a:ext>
+            </a:extLst>
+          </p:cNvPr>
+          <p:cNvSpPr/>
+          <p:nvPr/>
+        </p:nvSpPr>
+        <p:spPr>
+          <a:xfrm>
+            <a:off x="11086221" y="10492462"/>
+            <a:ext cx="2090057" cy="519519"/>
+          </a:xfrm>
+          <a:prstGeom prst="flowChartProcess">
+            <a:avLst/>
+          </a:prstGeom>
+        </p:spPr>
+        <p:style>
+          <a:lnRef idx="2">
+            <a:schemeClr val="accent1">
+              <a:shade val="50000"/>
+            </a:schemeClr>
+          </a:lnRef>
+          <a:fillRef idx="1">
+            <a:schemeClr val="accent1"/>
+          </a:fillRef>
+          <a:effectRef idx="0">
+            <a:schemeClr val="accent1"/>
+          </a:effectRef>
+          <a:fontRef idx="minor">
+            <a:schemeClr val="lt1"/>
+          </a:fontRef>
+        </p:style>
+        <p:txBody>
+          <a:bodyPr rtlCol="0" anchor="ctr"/>
+          <a:lstStyle/>
+          <a:p>
+            <a:pPr algn="ctr"/>
+            <a:r>
+              <a:rPr lang="en-US" dirty="0"/>
+              <a:t>Set event to TRUE</a:t>
+            </a:r>
+          </a:p>
+        </p:txBody>
+      </p:sp>
+      <p:sp>
+        <p:nvSpPr>
+          <p:cNvPr id="67" name="Flowchart: Process 66">
+            <a:extLst>
+              <a:ext uri="{FF2B5EF4-FFF2-40B4-BE49-F238E27FC236}">
+                <a16:creationId xmlns:a16="http://schemas.microsoft.com/office/drawing/2014/main" id="{F9642ED0-698E-418A-BE46-0C575C4CBA13}"/>
+              </a:ext>
+            </a:extLst>
+          </p:cNvPr>
+          <p:cNvSpPr/>
+          <p:nvPr/>
+        </p:nvSpPr>
+        <p:spPr>
+          <a:xfrm>
+            <a:off x="11086220" y="11575729"/>
+            <a:ext cx="2090057" cy="519519"/>
+          </a:xfrm>
+          <a:prstGeom prst="flowChartProcess">
+            <a:avLst/>
+          </a:prstGeom>
+        </p:spPr>
+        <p:style>
+          <a:lnRef idx="2">
+            <a:schemeClr val="accent1">
+              <a:shade val="50000"/>
+            </a:schemeClr>
+          </a:lnRef>
+          <a:fillRef idx="1">
+            <a:schemeClr val="accent1"/>
+          </a:fillRef>
+          <a:effectRef idx="0">
+            <a:schemeClr val="accent1"/>
+          </a:effectRef>
+          <a:fontRef idx="minor">
+            <a:schemeClr val="lt1"/>
+          </a:fontRef>
+        </p:style>
+        <p:txBody>
+          <a:bodyPr rtlCol="0" anchor="ctr"/>
+          <a:lstStyle/>
+          <a:p>
+            <a:pPr algn="ctr"/>
+            <a:r>
+              <a:rPr lang="en-US" dirty="0"/>
+              <a:t>WAIT for Main Event</a:t>
+            </a:r>
+          </a:p>
+        </p:txBody>
+      </p:sp>
+      <p:cxnSp>
+        <p:nvCxnSpPr>
+          <p:cNvPr id="68" name="Connector: Elbow 67">
+            <a:extLst>
+              <a:ext uri="{FF2B5EF4-FFF2-40B4-BE49-F238E27FC236}">
+                <a16:creationId xmlns:a16="http://schemas.microsoft.com/office/drawing/2014/main" id="{CC7497C3-53B5-41E1-AF8E-895E639AD546}"/>
+              </a:ext>
+            </a:extLst>
+          </p:cNvPr>
+          <p:cNvCxnSpPr>
+            <a:stCxn id="60" idx="2"/>
+            <a:endCxn id="66" idx="0"/>
+          </p:cNvCxnSpPr>
+          <p:nvPr/>
+        </p:nvCxnSpPr>
+        <p:spPr>
+          <a:xfrm rot="5400000">
+            <a:off x="11496001" y="9857211"/>
+            <a:ext cx="1270500" cy="2"/>
+          </a:xfrm>
+          <a:prstGeom prst="bentConnector3">
+            <a:avLst/>
+          </a:prstGeom>
+          <a:ln w="38100">
+            <a:tailEnd type="triangle"/>
+          </a:ln>
+        </p:spPr>
+        <p:style>
+          <a:lnRef idx="1">
+            <a:schemeClr val="accent1"/>
+          </a:lnRef>
+          <a:fillRef idx="0">
+            <a:schemeClr val="accent1"/>
+          </a:fillRef>
+          <a:effectRef idx="0">
+            <a:schemeClr val="accent1"/>
+          </a:effectRef>
+          <a:fontRef idx="minor">
+            <a:schemeClr val="tx1"/>
+          </a:fontRef>
+        </p:style>
+      </p:cxnSp>
+      <p:cxnSp>
+        <p:nvCxnSpPr>
+          <p:cNvPr id="69" name="Connector: Elbow 68">
+            <a:extLst>
+              <a:ext uri="{FF2B5EF4-FFF2-40B4-BE49-F238E27FC236}">
+                <a16:creationId xmlns:a16="http://schemas.microsoft.com/office/drawing/2014/main" id="{45600D0F-1784-47D4-8125-4AFE27627ED2}"/>
+              </a:ext>
+            </a:extLst>
+          </p:cNvPr>
+          <p:cNvCxnSpPr>
+            <a:stCxn id="66" idx="2"/>
+            <a:endCxn id="67" idx="0"/>
+          </p:cNvCxnSpPr>
+          <p:nvPr/>
+        </p:nvCxnSpPr>
+        <p:spPr>
+          <a:xfrm rot="5400000">
+            <a:off x="11849376" y="11293855"/>
+            <a:ext cx="563748" cy="1"/>
+          </a:xfrm>
+          <a:prstGeom prst="bentConnector3">
+            <a:avLst/>
+          </a:prstGeom>
+          <a:ln w="38100">
+            <a:tailEnd type="triangle"/>
+          </a:ln>
+        </p:spPr>
+        <p:style>
+          <a:lnRef idx="1">
+            <a:schemeClr val="accent1"/>
+          </a:lnRef>
+          <a:fillRef idx="0">
+            <a:schemeClr val="accent1"/>
+          </a:fillRef>
+          <a:effectRef idx="0">
+            <a:schemeClr val="accent1"/>
+          </a:effectRef>
+          <a:fontRef idx="minor">
+            <a:schemeClr val="tx1"/>
+          </a:fontRef>
+        </p:style>
+      </p:cxnSp>
+      <p:cxnSp>
+        <p:nvCxnSpPr>
+          <p:cNvPr id="87" name="Connector: Elbow 86">
+            <a:extLst>
+              <a:ext uri="{FF2B5EF4-FFF2-40B4-BE49-F238E27FC236}">
+                <a16:creationId xmlns:a16="http://schemas.microsoft.com/office/drawing/2014/main" id="{DBDDD432-385C-46E9-B495-733F2E9B0449}"/>
+              </a:ext>
+            </a:extLst>
+          </p:cNvPr>
+          <p:cNvCxnSpPr>
+            <a:cxnSpLocks/>
+            <a:stCxn id="67" idx="2"/>
+            <a:endCxn id="63" idx="3"/>
+          </p:cNvCxnSpPr>
+          <p:nvPr/>
+        </p:nvCxnSpPr>
+        <p:spPr>
+          <a:xfrm rot="5400000" flipH="1" flipV="1">
+            <a:off x="8808961" y="7727931"/>
+            <a:ext cx="7689604" cy="1045029"/>
+          </a:xfrm>
+          <a:prstGeom prst="bentConnector4">
+            <a:avLst>
+              <a:gd name="adj1" fmla="val -2973"/>
+              <a:gd name="adj2" fmla="val 246003"/>
+            </a:avLst>
+          </a:prstGeom>
+          <a:ln w="38100">
+            <a:tailEnd type="triangle"/>
+          </a:ln>
+        </p:spPr>
+        <p:style>
+          <a:lnRef idx="1">
+            <a:schemeClr val="accent1"/>
+          </a:lnRef>
+          <a:fillRef idx="0">
+            <a:schemeClr val="accent1"/>
+          </a:fillRef>
+          <a:effectRef idx="0">
+            <a:schemeClr val="accent1"/>
+          </a:effectRef>
+          <a:fontRef idx="minor">
+            <a:schemeClr val="tx1"/>
+          </a:fontRef>
+        </p:style>
+      </p:cxnSp>
+      <p:sp>
+        <p:nvSpPr>
+          <p:cNvPr id="106" name="Flowchart: Process 105">
+            <a:extLst>
+              <a:ext uri="{FF2B5EF4-FFF2-40B4-BE49-F238E27FC236}">
+                <a16:creationId xmlns:a16="http://schemas.microsoft.com/office/drawing/2014/main" id="{7C18C280-2EC7-43D3-BAD9-C290958A4052}"/>
+              </a:ext>
+            </a:extLst>
+          </p:cNvPr>
+          <p:cNvSpPr/>
+          <p:nvPr/>
+        </p:nvSpPr>
+        <p:spPr>
+          <a:xfrm>
+            <a:off x="16467563" y="3046952"/>
+            <a:ext cx="2090057" cy="519519"/>
+          </a:xfrm>
+          <a:prstGeom prst="flowChartProcess">
+            <a:avLst/>
+          </a:prstGeom>
+        </p:spPr>
+        <p:style>
+          <a:lnRef idx="2">
+            <a:schemeClr val="accent1">
+              <a:shade val="50000"/>
+            </a:schemeClr>
+          </a:lnRef>
+          <a:fillRef idx="1">
+            <a:schemeClr val="accent1"/>
+          </a:fillRef>
+          <a:effectRef idx="0">
+            <a:schemeClr val="accent1"/>
+          </a:effectRef>
+          <a:fontRef idx="minor">
+            <a:schemeClr val="lt1"/>
+          </a:fontRef>
+        </p:style>
+        <p:txBody>
+          <a:bodyPr rtlCol="0" anchor="ctr"/>
+          <a:lstStyle/>
+          <a:p>
+            <a:pPr algn="ctr"/>
+            <a:r>
+              <a:rPr lang="en-US" dirty="0"/>
+              <a:t>Start Schedule Thread</a:t>
+            </a:r>
+          </a:p>
+        </p:txBody>
+      </p:sp>
+      <p:sp>
+        <p:nvSpPr>
+          <p:cNvPr id="107" name="Flowchart: Process 106">
+            <a:extLst>
+              <a:ext uri="{FF2B5EF4-FFF2-40B4-BE49-F238E27FC236}">
+                <a16:creationId xmlns:a16="http://schemas.microsoft.com/office/drawing/2014/main" id="{D18B9DAD-7571-4EC6-B476-9FFF483DE12C}"/>
+              </a:ext>
+            </a:extLst>
+          </p:cNvPr>
+          <p:cNvSpPr/>
+          <p:nvPr/>
+        </p:nvSpPr>
+        <p:spPr>
+          <a:xfrm>
+            <a:off x="16497172" y="5179146"/>
+            <a:ext cx="2090057" cy="519519"/>
+          </a:xfrm>
+          <a:prstGeom prst="flowChartProcess">
+            <a:avLst/>
+          </a:prstGeom>
+        </p:spPr>
+        <p:style>
+          <a:lnRef idx="2">
+            <a:schemeClr val="accent1">
+              <a:shade val="50000"/>
+            </a:schemeClr>
+          </a:lnRef>
+          <a:fillRef idx="1">
+            <a:schemeClr val="accent1"/>
+          </a:fillRef>
+          <a:effectRef idx="0">
+            <a:schemeClr val="accent1"/>
+          </a:effectRef>
+          <a:fontRef idx="minor">
+            <a:schemeClr val="lt1"/>
+          </a:fontRef>
+        </p:style>
+        <p:txBody>
+          <a:bodyPr rtlCol="0" anchor="ctr"/>
+          <a:lstStyle/>
+          <a:p>
+            <a:pPr algn="ctr"/>
+            <a:r>
+              <a:rPr lang="en-US" dirty="0"/>
+              <a:t>Set Main Event to FASLE</a:t>
+            </a:r>
+          </a:p>
+        </p:txBody>
+      </p:sp>
+      <p:sp>
+        <p:nvSpPr>
+          <p:cNvPr id="108" name="Flowchart: Process 107">
+            <a:extLst>
+              <a:ext uri="{FF2B5EF4-FFF2-40B4-BE49-F238E27FC236}">
+                <a16:creationId xmlns:a16="http://schemas.microsoft.com/office/drawing/2014/main" id="{2AF955FE-FD4F-4704-90E4-A3D9497C8041}"/>
+              </a:ext>
+            </a:extLst>
+          </p:cNvPr>
+          <p:cNvSpPr/>
+          <p:nvPr/>
+        </p:nvSpPr>
+        <p:spPr>
+          <a:xfrm>
+            <a:off x="16497172" y="7311340"/>
+            <a:ext cx="2090057" cy="519519"/>
+          </a:xfrm>
+          <a:prstGeom prst="flowChartProcess">
+            <a:avLst/>
+          </a:prstGeom>
+        </p:spPr>
+        <p:style>
+          <a:lnRef idx="2">
+            <a:schemeClr val="accent1">
+              <a:shade val="50000"/>
+            </a:schemeClr>
+          </a:lnRef>
+          <a:fillRef idx="1">
+            <a:schemeClr val="accent1"/>
+          </a:fillRef>
+          <a:effectRef idx="0">
+            <a:schemeClr val="accent1"/>
+          </a:effectRef>
+          <a:fontRef idx="minor">
+            <a:schemeClr val="lt1"/>
+          </a:fontRef>
+        </p:style>
+        <p:txBody>
+          <a:bodyPr rtlCol="0" anchor="ctr"/>
+          <a:lstStyle/>
+          <a:p>
+            <a:pPr algn="ctr"/>
+            <a:r>
+              <a:rPr lang="en-US" dirty="0"/>
+              <a:t>WAIT for thread1 event</a:t>
+            </a:r>
+          </a:p>
+        </p:txBody>
+      </p:sp>
+      <p:sp>
+        <p:nvSpPr>
+          <p:cNvPr id="109" name="Flowchart: Process 108">
+            <a:extLst>
+              <a:ext uri="{FF2B5EF4-FFF2-40B4-BE49-F238E27FC236}">
+                <a16:creationId xmlns:a16="http://schemas.microsoft.com/office/drawing/2014/main" id="{60162DF9-D237-46AD-9870-5AD81C394553}"/>
+              </a:ext>
+            </a:extLst>
+          </p:cNvPr>
+          <p:cNvSpPr/>
+          <p:nvPr/>
+        </p:nvSpPr>
+        <p:spPr>
+          <a:xfrm>
+            <a:off x="16497173" y="9443534"/>
+            <a:ext cx="2090057" cy="519519"/>
+          </a:xfrm>
+          <a:prstGeom prst="flowChartProcess">
+            <a:avLst/>
+          </a:prstGeom>
+        </p:spPr>
+        <p:style>
+          <a:lnRef idx="2">
+            <a:schemeClr val="accent1">
+              <a:shade val="50000"/>
+            </a:schemeClr>
+          </a:lnRef>
+          <a:fillRef idx="1">
+            <a:schemeClr val="accent1"/>
+          </a:fillRef>
+          <a:effectRef idx="0">
+            <a:schemeClr val="accent1"/>
+          </a:effectRef>
+          <a:fontRef idx="minor">
+            <a:schemeClr val="lt1"/>
+          </a:fontRef>
+        </p:style>
+        <p:txBody>
+          <a:bodyPr rtlCol="0" anchor="ctr"/>
+          <a:lstStyle/>
+          <a:p>
+            <a:pPr algn="ctr"/>
+            <a:r>
+              <a:rPr lang="en-US" dirty="0"/>
+              <a:t>WAIT for thread2 event</a:t>
+            </a:r>
+          </a:p>
+        </p:txBody>
+      </p:sp>
+      <p:sp>
+        <p:nvSpPr>
+          <p:cNvPr id="110" name="Flowchart: Process 109">
+            <a:extLst>
+              <a:ext uri="{FF2B5EF4-FFF2-40B4-BE49-F238E27FC236}">
+                <a16:creationId xmlns:a16="http://schemas.microsoft.com/office/drawing/2014/main" id="{69E058D1-CB47-4011-A663-034DC8299506}"/>
+              </a:ext>
+            </a:extLst>
+          </p:cNvPr>
+          <p:cNvSpPr/>
+          <p:nvPr/>
+        </p:nvSpPr>
+        <p:spPr>
+          <a:xfrm>
+            <a:off x="16497173" y="11575729"/>
+            <a:ext cx="2090057" cy="519519"/>
+          </a:xfrm>
+          <a:prstGeom prst="flowChartProcess">
+            <a:avLst/>
+          </a:prstGeom>
+        </p:spPr>
+        <p:style>
+          <a:lnRef idx="2">
+            <a:schemeClr val="accent1">
+              <a:shade val="50000"/>
+            </a:schemeClr>
+          </a:lnRef>
+          <a:fillRef idx="1">
+            <a:schemeClr val="accent1"/>
+          </a:fillRef>
+          <a:effectRef idx="0">
+            <a:schemeClr val="accent1"/>
+          </a:effectRef>
+          <a:fontRef idx="minor">
+            <a:schemeClr val="lt1"/>
+          </a:fontRef>
+        </p:style>
+        <p:txBody>
+          <a:bodyPr rtlCol="0" anchor="ctr"/>
+          <a:lstStyle/>
+          <a:p>
+            <a:pPr algn="ctr"/>
+            <a:r>
+              <a:rPr lang="en-US" dirty="0"/>
+              <a:t>Set Main Event to TRUE</a:t>
+            </a:r>
+          </a:p>
+        </p:txBody>
+      </p:sp>
+      <p:cxnSp>
+        <p:nvCxnSpPr>
+          <p:cNvPr id="112" name="Connector: Elbow 111">
+            <a:extLst>
+              <a:ext uri="{FF2B5EF4-FFF2-40B4-BE49-F238E27FC236}">
+                <a16:creationId xmlns:a16="http://schemas.microsoft.com/office/drawing/2014/main" id="{5F050C83-D856-49F6-881E-F6D26F2C0A36}"/>
+              </a:ext>
+            </a:extLst>
+          </p:cNvPr>
+          <p:cNvCxnSpPr>
+            <a:stCxn id="110" idx="2"/>
+            <a:endCxn id="107" idx="3"/>
+          </p:cNvCxnSpPr>
+          <p:nvPr/>
+        </p:nvCxnSpPr>
+        <p:spPr>
+          <a:xfrm rot="5400000" flipH="1" flipV="1">
+            <a:off x="14736544" y="8244563"/>
+            <a:ext cx="6656342" cy="1045027"/>
+          </a:xfrm>
+          <a:prstGeom prst="bentConnector4">
+            <a:avLst>
+              <a:gd name="adj1" fmla="val -3434"/>
+              <a:gd name="adj2" fmla="val 260247"/>
+            </a:avLst>
+          </a:prstGeom>
+          <a:ln w="38100">
+            <a:tailEnd type="triangle"/>
+          </a:ln>
+        </p:spPr>
+        <p:style>
+          <a:lnRef idx="1">
+            <a:schemeClr val="accent1"/>
+          </a:lnRef>
+          <a:fillRef idx="0">
+            <a:schemeClr val="accent1"/>
+          </a:fillRef>
+          <a:effectRef idx="0">
+            <a:schemeClr val="accent1"/>
+          </a:effectRef>
+          <a:fontRef idx="minor">
+            <a:schemeClr val="tx1"/>
+          </a:fontRef>
+        </p:style>
+      </p:cxnSp>
+      <p:cxnSp>
+        <p:nvCxnSpPr>
+          <p:cNvPr id="115" name="Connector: Elbow 114">
+            <a:extLst>
+              <a:ext uri="{FF2B5EF4-FFF2-40B4-BE49-F238E27FC236}">
+                <a16:creationId xmlns:a16="http://schemas.microsoft.com/office/drawing/2014/main" id="{A248F1A3-64B1-4DF2-91A6-124A6F878433}"/>
+              </a:ext>
+            </a:extLst>
+          </p:cNvPr>
+          <p:cNvCxnSpPr>
+            <a:stCxn id="106" idx="2"/>
+          </p:cNvCxnSpPr>
+          <p:nvPr/>
+        </p:nvCxnSpPr>
+        <p:spPr>
+          <a:xfrm rot="5400000">
+            <a:off x="16681252" y="4397811"/>
+            <a:ext cx="1662680" cy="1"/>
+          </a:xfrm>
+          <a:prstGeom prst="bentConnector3">
+            <a:avLst/>
+          </a:prstGeom>
+          <a:ln w="38100">
+            <a:tailEnd type="triangle"/>
+          </a:ln>
+        </p:spPr>
+        <p:style>
+          <a:lnRef idx="1">
+            <a:schemeClr val="accent1"/>
+          </a:lnRef>
+          <a:fillRef idx="0">
+            <a:schemeClr val="accent1"/>
+          </a:fillRef>
+          <a:effectRef idx="0">
+            <a:schemeClr val="accent1"/>
+          </a:effectRef>
+          <a:fontRef idx="minor">
+            <a:schemeClr val="tx1"/>
+          </a:fontRef>
+        </p:style>
+      </p:cxnSp>
+      <p:cxnSp>
+        <p:nvCxnSpPr>
+          <p:cNvPr id="117" name="Connector: Elbow 116">
+            <a:extLst>
+              <a:ext uri="{FF2B5EF4-FFF2-40B4-BE49-F238E27FC236}">
+                <a16:creationId xmlns:a16="http://schemas.microsoft.com/office/drawing/2014/main" id="{42DFFBA9-AE64-47CF-B8DB-FFB40A23F55E}"/>
+              </a:ext>
+            </a:extLst>
+          </p:cNvPr>
+          <p:cNvCxnSpPr>
+            <a:stCxn id="107" idx="2"/>
+          </p:cNvCxnSpPr>
+          <p:nvPr/>
+        </p:nvCxnSpPr>
+        <p:spPr>
+          <a:xfrm rot="5400000">
+            <a:off x="16717478" y="6523388"/>
+            <a:ext cx="1649446" cy="1"/>
+          </a:xfrm>
+          <a:prstGeom prst="bentConnector3">
+            <a:avLst/>
+          </a:prstGeom>
+          <a:ln w="38100">
+            <a:tailEnd type="triangle"/>
+          </a:ln>
+        </p:spPr>
+        <p:style>
+          <a:lnRef idx="1">
+            <a:schemeClr val="accent1"/>
+          </a:lnRef>
+          <a:fillRef idx="0">
+            <a:schemeClr val="accent1"/>
+          </a:fillRef>
+          <a:effectRef idx="0">
+            <a:schemeClr val="accent1"/>
+          </a:effectRef>
+          <a:fontRef idx="minor">
+            <a:schemeClr val="tx1"/>
+          </a:fontRef>
+        </p:style>
+      </p:cxnSp>
+      <p:cxnSp>
+        <p:nvCxnSpPr>
+          <p:cNvPr id="119" name="Connector: Elbow 118">
+            <a:extLst>
+              <a:ext uri="{FF2B5EF4-FFF2-40B4-BE49-F238E27FC236}">
+                <a16:creationId xmlns:a16="http://schemas.microsoft.com/office/drawing/2014/main" id="{00795708-6FAC-425F-90FE-FDB3DE070C56}"/>
+              </a:ext>
+            </a:extLst>
+          </p:cNvPr>
+          <p:cNvCxnSpPr>
+            <a:stCxn id="108" idx="2"/>
+          </p:cNvCxnSpPr>
+          <p:nvPr/>
+        </p:nvCxnSpPr>
+        <p:spPr>
+          <a:xfrm rot="5400000">
+            <a:off x="16710199" y="8662859"/>
+            <a:ext cx="1664003" cy="2"/>
+          </a:xfrm>
+          <a:prstGeom prst="bentConnector3">
+            <a:avLst/>
+          </a:prstGeom>
+          <a:ln w="38100">
+            <a:tailEnd type="triangle"/>
+          </a:ln>
+        </p:spPr>
+        <p:style>
+          <a:lnRef idx="1">
+            <a:schemeClr val="accent1"/>
+          </a:lnRef>
+          <a:fillRef idx="0">
+            <a:schemeClr val="accent1"/>
+          </a:fillRef>
+          <a:effectRef idx="0">
+            <a:schemeClr val="accent1"/>
+          </a:effectRef>
+          <a:fontRef idx="minor">
+            <a:schemeClr val="tx1"/>
+          </a:fontRef>
+        </p:style>
+      </p:cxnSp>
+      <p:cxnSp>
+        <p:nvCxnSpPr>
+          <p:cNvPr id="121" name="Connector: Elbow 120">
+            <a:extLst>
+              <a:ext uri="{FF2B5EF4-FFF2-40B4-BE49-F238E27FC236}">
+                <a16:creationId xmlns:a16="http://schemas.microsoft.com/office/drawing/2014/main" id="{C0DCD96C-C749-4C35-88DD-783B1F4B27D5}"/>
+              </a:ext>
+            </a:extLst>
+          </p:cNvPr>
+          <p:cNvCxnSpPr>
+            <a:stCxn id="109" idx="2"/>
+          </p:cNvCxnSpPr>
+          <p:nvPr/>
+        </p:nvCxnSpPr>
+        <p:spPr>
+          <a:xfrm rot="5400000">
+            <a:off x="16735864" y="10769389"/>
+            <a:ext cx="1612675" cy="3"/>
+          </a:xfrm>
+          <a:prstGeom prst="bentConnector3">
+            <a:avLst/>
+          </a:prstGeom>
+          <a:ln w="38100">
+            <a:tailEnd type="triangle"/>
+          </a:ln>
+        </p:spPr>
+        <p:style>
+          <a:lnRef idx="1">
+            <a:schemeClr val="accent1"/>
+          </a:lnRef>
+          <a:fillRef idx="0">
+            <a:schemeClr val="accent1"/>
+          </a:fillRef>
+          <a:effectRef idx="0">
+            <a:schemeClr val="accent1"/>
+          </a:effectRef>
+          <a:fontRef idx="minor">
+            <a:schemeClr val="tx1"/>
+          </a:fontRef>
+        </p:style>
+      </p:cxnSp>
+      <p:sp>
+        <p:nvSpPr>
+          <p:cNvPr id="124" name="TextBox 123">
+            <a:extLst>
+              <a:ext uri="{FF2B5EF4-FFF2-40B4-BE49-F238E27FC236}">
+                <a16:creationId xmlns:a16="http://schemas.microsoft.com/office/drawing/2014/main" id="{7D99093A-04C1-4CC0-B076-5EAA68198C4B}"/>
+              </a:ext>
+            </a:extLst>
+          </p:cNvPr>
+          <p:cNvSpPr txBox="1"/>
+          <p:nvPr/>
+        </p:nvSpPr>
+        <p:spPr>
+          <a:xfrm>
+            <a:off x="1318437" y="13864856"/>
+            <a:ext cx="13716000" cy="1107996"/>
+          </a:xfrm>
+          <a:prstGeom prst="rect">
+            <a:avLst/>
+          </a:prstGeom>
+          <a:noFill/>
+        </p:spPr>
+        <p:txBody>
+          <a:bodyPr wrap="square" rtlCol="0">
+            <a:spAutoFit/>
+          </a:bodyPr>
+          <a:lstStyle/>
+          <a:p>
+            <a:r>
+              <a:rPr lang="en-US" sz="2200" b="1" dirty="0"/>
+              <a:t>NOTE:</a:t>
+            </a:r>
+            <a:r>
+              <a:rPr lang="en-US" sz="2200" dirty="0"/>
+              <a:t> The threads in blue are the threads assigned to each </a:t>
+            </a:r>
+            <a:r>
+              <a:rPr lang="en-US" sz="2200" dirty="0" err="1"/>
+              <a:t>rfid</a:t>
+            </a:r>
+            <a:r>
+              <a:rPr lang="en-US" sz="2200" dirty="0"/>
+              <a:t> chip. This is not limited to only two threads, copy the thread for as many </a:t>
+            </a:r>
+            <a:r>
+              <a:rPr lang="en-US" sz="2200" dirty="0" err="1"/>
+              <a:t>rfid</a:t>
+            </a:r>
+            <a:r>
+              <a:rPr lang="en-US" sz="2200" dirty="0"/>
+              <a:t> chips as you have. The process is the same for each, simply add an </a:t>
+            </a:r>
+            <a:r>
+              <a:rPr lang="en-US" sz="2200" i="1" dirty="0" err="1"/>
+              <a:t>eventX.wait</a:t>
+            </a:r>
+            <a:r>
+              <a:rPr lang="en-US" sz="2200" i="1" dirty="0"/>
+              <a:t>()</a:t>
+            </a:r>
+            <a:r>
+              <a:rPr lang="en-US" sz="2200" dirty="0"/>
+              <a:t> command in the scheduling thread (purple) after the other </a:t>
+            </a:r>
+            <a:r>
+              <a:rPr lang="en-US" sz="2200" i="1" dirty="0"/>
+              <a:t>wait()</a:t>
+            </a:r>
+            <a:r>
+              <a:rPr lang="en-US" sz="2200" dirty="0"/>
+              <a:t> commands. This is meant to be a scalable architecture.</a:t>
+            </a:r>
+            <a:endParaRPr lang="en-US" sz="2200" b="1" dirty="0"/>
+          </a:p>
+        </p:txBody>
+      </p:sp>
+      <p:sp>
+        <p:nvSpPr>
+          <p:cNvPr id="125" name="TextBox 124">
+            <a:extLst>
+              <a:ext uri="{FF2B5EF4-FFF2-40B4-BE49-F238E27FC236}">
+                <a16:creationId xmlns:a16="http://schemas.microsoft.com/office/drawing/2014/main" id="{5493B97D-5FDB-4777-A0F6-0DAC973906C1}"/>
+              </a:ext>
+            </a:extLst>
+          </p:cNvPr>
+          <p:cNvSpPr txBox="1"/>
+          <p:nvPr/>
+        </p:nvSpPr>
+        <p:spPr>
+          <a:xfrm>
+            <a:off x="914400" y="340242"/>
+            <a:ext cx="19436316" cy="1246495"/>
+          </a:xfrm>
+          <a:prstGeom prst="rect">
+            <a:avLst/>
+          </a:prstGeom>
+          <a:noFill/>
+        </p:spPr>
+        <p:txBody>
+          <a:bodyPr wrap="square" rtlCol="0">
+            <a:spAutoFit/>
+          </a:bodyPr>
+          <a:lstStyle/>
+          <a:p>
+            <a:r>
+              <a:rPr lang="en-US" sz="7500" dirty="0"/>
+              <a:t>RFID Threading Flow Chart</a:t>
+            </a:r>
+          </a:p>
+        </p:txBody>
+      </p:sp>
+    </p:spTree>
+    <p:extLst>
+      <p:ext uri="{BB962C8B-B14F-4D97-AF65-F5344CB8AC3E}">
+        <p14:creationId xmlns:p14="http://schemas.microsoft.com/office/powerpoint/2010/main" val="2932622137"/>
+      </p:ext>
+    </p:extLst>
+  </p:cSld>
+  <p:clrMapOvr>
+    <a:masterClrMapping/>
+  </p:clrMapOvr>
+</p:sld>
+</file>
+
+<file path=ppt/slides/slide7.xml><?xml version="1.0" encoding="utf-8"?>
 <p:sld xmlns:a="http://schemas.openxmlformats.org/drawingml/2006/main" xmlns:r="http://schemas.openxmlformats.org/officeDocument/2006/relationships" xmlns:p="http://schemas.openxmlformats.org/presentationml/2006/main">
   <p:cSld>
     <p:spTree>

--- a/Software/Software System Architecture.pptx
+++ b/Software/Software System Architecture.pptx
@@ -9,9 +9,10 @@
     <p:sldId id="258" r:id="rId3"/>
     <p:sldId id="260" r:id="rId4"/>
     <p:sldId id="261" r:id="rId5"/>
-    <p:sldId id="262" r:id="rId6"/>
-    <p:sldId id="263" r:id="rId7"/>
+    <p:sldId id="263" r:id="rId6"/>
+    <p:sldId id="264" r:id="rId7"/>
     <p:sldId id="257" r:id="rId8"/>
+    <p:sldId id="262" r:id="rId9"/>
   </p:sldIdLst>
   <p:sldSz cx="21945600" cy="16459200"/>
   <p:notesSz cx="6858000" cy="9144000"/>
@@ -119,9 +120,10 @@
             <p14:sldId id="258"/>
             <p14:sldId id="260"/>
             <p14:sldId id="261"/>
+            <p14:sldId id="263"/>
+            <p14:sldId id="264"/>
+            <p14:sldId id="257"/>
             <p14:sldId id="262"/>
-            <p14:sldId id="263"/>
-            <p14:sldId id="257"/>
           </p14:sldIdLst>
         </p14:section>
       </p14:sectionLst>
@@ -11211,25 +11213,133 @@
           <a:chExt cx="0" cy="0"/>
         </a:xfrm>
       </p:grpSpPr>
+      <p:sp>
+        <p:nvSpPr>
+          <p:cNvPr id="123" name="Rectangle: Rounded Corners 122">
+            <a:extLst>
+              <a:ext uri="{FF2B5EF4-FFF2-40B4-BE49-F238E27FC236}">
+                <a16:creationId xmlns:a16="http://schemas.microsoft.com/office/drawing/2014/main" id="{1C7EF2D4-F2FF-49B1-A591-85BFD29AC944}"/>
+              </a:ext>
+            </a:extLst>
+          </p:cNvPr>
+          <p:cNvSpPr/>
+          <p:nvPr/>
+        </p:nvSpPr>
+        <p:spPr>
+          <a:xfrm>
+            <a:off x="15885042" y="2296633"/>
+            <a:ext cx="4918833" cy="11115615"/>
+          </a:xfrm>
+          <a:prstGeom prst="roundRect">
+            <a:avLst/>
+          </a:prstGeom>
+          <a:solidFill>
+            <a:srgbClr val="8C3FC5">
+              <a:alpha val="40000"/>
+            </a:srgbClr>
+          </a:solidFill>
+          <a:ln>
+            <a:solidFill>
+              <a:srgbClr val="8C3FC5"/>
+            </a:solidFill>
+          </a:ln>
+        </p:spPr>
+        <p:style>
+          <a:lnRef idx="2">
+            <a:schemeClr val="accent1">
+              <a:shade val="50000"/>
+            </a:schemeClr>
+          </a:lnRef>
+          <a:fillRef idx="1">
+            <a:schemeClr val="accent1"/>
+          </a:fillRef>
+          <a:effectRef idx="0">
+            <a:schemeClr val="accent1"/>
+          </a:effectRef>
+          <a:fontRef idx="minor">
+            <a:schemeClr val="lt1"/>
+          </a:fontRef>
+        </p:style>
+        <p:txBody>
+          <a:bodyPr rtlCol="0" anchor="ctr"/>
+          <a:lstStyle/>
+          <a:p>
+            <a:pPr algn="ctr"/>
+            <a:endParaRPr lang="en-US"/>
+          </a:p>
+        </p:txBody>
+      </p:sp>
+      <p:sp>
+        <p:nvSpPr>
+          <p:cNvPr id="122" name="Rectangle: Rounded Corners 121">
+            <a:extLst>
+              <a:ext uri="{FF2B5EF4-FFF2-40B4-BE49-F238E27FC236}">
+                <a16:creationId xmlns:a16="http://schemas.microsoft.com/office/drawing/2014/main" id="{1B0B8B19-6970-4FC5-B813-DA3AECF211F5}"/>
+              </a:ext>
+            </a:extLst>
+          </p:cNvPr>
+          <p:cNvSpPr/>
+          <p:nvPr/>
+        </p:nvSpPr>
+        <p:spPr>
+          <a:xfrm>
+            <a:off x="318977" y="2296633"/>
+            <a:ext cx="15289609" cy="11115615"/>
+          </a:xfrm>
+          <a:prstGeom prst="roundRect">
+            <a:avLst/>
+          </a:prstGeom>
+          <a:solidFill>
+            <a:schemeClr val="accent1">
+              <a:alpha val="40000"/>
+            </a:schemeClr>
+          </a:solidFill>
+        </p:spPr>
+        <p:style>
+          <a:lnRef idx="2">
+            <a:schemeClr val="accent1">
+              <a:shade val="50000"/>
+            </a:schemeClr>
+          </a:lnRef>
+          <a:fillRef idx="1">
+            <a:schemeClr val="accent1"/>
+          </a:fillRef>
+          <a:effectRef idx="0">
+            <a:schemeClr val="accent1"/>
+          </a:effectRef>
+          <a:fontRef idx="minor">
+            <a:schemeClr val="lt1"/>
+          </a:fontRef>
+        </p:style>
+        <p:txBody>
+          <a:bodyPr rtlCol="0" anchor="ctr"/>
+          <a:lstStyle/>
+          <a:p>
+            <a:pPr algn="ctr"/>
+            <a:endParaRPr lang="en-US"/>
+          </a:p>
+        </p:txBody>
+      </p:sp>
       <p:cxnSp>
         <p:nvCxnSpPr>
-          <p:cNvPr id="131" name="Connector: Elbow 130">
-            <a:extLst>
-              <a:ext uri="{FF2B5EF4-FFF2-40B4-BE49-F238E27FC236}">
-                <a16:creationId xmlns:a16="http://schemas.microsoft.com/office/drawing/2014/main" id="{8F09E9AE-558F-4DBD-BC2D-D2C059F47841}"/>
+          <p:cNvPr id="82" name="Connector: Elbow 81">
+            <a:extLst>
+              <a:ext uri="{FF2B5EF4-FFF2-40B4-BE49-F238E27FC236}">
+                <a16:creationId xmlns:a16="http://schemas.microsoft.com/office/drawing/2014/main" id="{0B42BB7D-2351-4546-B48C-64CD4D0B2799}"/>
               </a:ext>
             </a:extLst>
           </p:cNvPr>
           <p:cNvCxnSpPr>
-            <a:stCxn id="117" idx="1"/>
-            <a:endCxn id="19" idx="3"/>
+            <a:cxnSpLocks/>
+            <a:stCxn id="59" idx="1"/>
+            <a:endCxn id="10" idx="3"/>
           </p:cNvCxnSpPr>
           <p:nvPr/>
         </p:nvCxnSpPr>
         <p:spPr>
           <a:xfrm rot="10800000" flipV="1">
-            <a:off x="9720767" y="5823600"/>
-            <a:ext cx="7319681" cy="879986"/>
+            <a:off x="8839960" y="6908118"/>
+            <a:ext cx="2246263" cy="879986"/>
           </a:xfrm>
           <a:prstGeom prst="bentConnector3">
             <a:avLst/>
@@ -11259,23 +11369,23 @@
       </p:cxnSp>
       <p:cxnSp>
         <p:nvCxnSpPr>
-          <p:cNvPr id="148" name="Connector: Elbow 147">
-            <a:extLst>
-              <a:ext uri="{FF2B5EF4-FFF2-40B4-BE49-F238E27FC236}">
-                <a16:creationId xmlns:a16="http://schemas.microsoft.com/office/drawing/2014/main" id="{BB025DEB-5111-438F-B6AF-06EE5C414427}"/>
+          <p:cNvPr id="4" name="Connector: Elbow 3">
+            <a:extLst>
+              <a:ext uri="{FF2B5EF4-FFF2-40B4-BE49-F238E27FC236}">
+                <a16:creationId xmlns:a16="http://schemas.microsoft.com/office/drawing/2014/main" id="{E4333C8B-4F4D-4DF1-AE5E-867645EC6977}"/>
               </a:ext>
             </a:extLst>
           </p:cNvPr>
           <p:cNvCxnSpPr>
-            <a:stCxn id="118" idx="1"/>
-            <a:endCxn id="28" idx="3"/>
+            <a:stCxn id="13" idx="3"/>
+            <a:endCxn id="15" idx="1"/>
           </p:cNvCxnSpPr>
           <p:nvPr/>
         </p:nvCxnSpPr>
         <p:spPr>
-          <a:xfrm rot="10800000" flipV="1">
-            <a:off x="9720259" y="7555167"/>
-            <a:ext cx="7320186" cy="855178"/>
+          <a:xfrm>
+            <a:off x="4503652" y="8644764"/>
+            <a:ext cx="2246248" cy="850099"/>
           </a:xfrm>
           <a:prstGeom prst="bentConnector3">
             <a:avLst/>
@@ -11303,25 +11413,188 @@
           </a:fontRef>
         </p:style>
       </p:cxnSp>
+      <p:sp>
+        <p:nvSpPr>
+          <p:cNvPr id="5" name="Flowchart: Off-page Connector 4">
+            <a:extLst>
+              <a:ext uri="{FF2B5EF4-FFF2-40B4-BE49-F238E27FC236}">
+                <a16:creationId xmlns:a16="http://schemas.microsoft.com/office/drawing/2014/main" id="{DACAEBCB-4FBC-496C-BAB8-D5ACE92A8E8C}"/>
+              </a:ext>
+            </a:extLst>
+          </p:cNvPr>
+          <p:cNvSpPr/>
+          <p:nvPr/>
+        </p:nvSpPr>
+        <p:spPr>
+          <a:xfrm>
+            <a:off x="6749908" y="2775062"/>
+            <a:ext cx="2090057" cy="1063298"/>
+          </a:xfrm>
+          <a:prstGeom prst="flowChartOffpageConnector">
+            <a:avLst/>
+          </a:prstGeom>
+        </p:spPr>
+        <p:style>
+          <a:lnRef idx="2">
+            <a:schemeClr val="accent1">
+              <a:shade val="50000"/>
+            </a:schemeClr>
+          </a:lnRef>
+          <a:fillRef idx="1">
+            <a:schemeClr val="accent1"/>
+          </a:fillRef>
+          <a:effectRef idx="0">
+            <a:schemeClr val="accent1"/>
+          </a:effectRef>
+          <a:fontRef idx="minor">
+            <a:schemeClr val="lt1"/>
+          </a:fontRef>
+        </p:style>
+        <p:txBody>
+          <a:bodyPr rtlCol="0" anchor="ctr"/>
+          <a:lstStyle/>
+          <a:p>
+            <a:pPr algn="ctr"/>
+            <a:r>
+              <a:rPr lang="en-US" dirty="0"/>
+              <a:t>Initialize </a:t>
+            </a:r>
+            <a:r>
+              <a:rPr lang="en-US" dirty="0" err="1"/>
+              <a:t>voleTags</a:t>
+            </a:r>
+            <a:r>
+              <a:rPr lang="en-US" dirty="0"/>
+              <a:t> Queue</a:t>
+            </a:r>
+          </a:p>
+        </p:txBody>
+      </p:sp>
+      <p:sp>
+        <p:nvSpPr>
+          <p:cNvPr id="9" name="Flowchart: Off-page Connector 8">
+            <a:extLst>
+              <a:ext uri="{FF2B5EF4-FFF2-40B4-BE49-F238E27FC236}">
+                <a16:creationId xmlns:a16="http://schemas.microsoft.com/office/drawing/2014/main" id="{59299086-D702-431F-B750-5697B87233F4}"/>
+              </a:ext>
+            </a:extLst>
+          </p:cNvPr>
+          <p:cNvSpPr/>
+          <p:nvPr/>
+        </p:nvSpPr>
+        <p:spPr>
+          <a:xfrm>
+            <a:off x="6749907" y="6587608"/>
+            <a:ext cx="2090057" cy="641017"/>
+          </a:xfrm>
+          <a:prstGeom prst="flowChartOffpageConnector">
+            <a:avLst/>
+          </a:prstGeom>
+        </p:spPr>
+        <p:style>
+          <a:lnRef idx="2">
+            <a:schemeClr val="accent1">
+              <a:shade val="50000"/>
+            </a:schemeClr>
+          </a:lnRef>
+          <a:fillRef idx="1">
+            <a:schemeClr val="accent1"/>
+          </a:fillRef>
+          <a:effectRef idx="0">
+            <a:schemeClr val="accent1"/>
+          </a:effectRef>
+          <a:fontRef idx="minor">
+            <a:schemeClr val="lt1"/>
+          </a:fontRef>
+        </p:style>
+        <p:txBody>
+          <a:bodyPr rtlCol="0" anchor="ctr"/>
+          <a:lstStyle/>
+          <a:p>
+            <a:pPr algn="ctr"/>
+            <a:r>
+              <a:rPr lang="en-US" dirty="0"/>
+              <a:t>Output vole number and </a:t>
+            </a:r>
+            <a:r>
+              <a:rPr lang="en-US" dirty="0" err="1"/>
+              <a:t>rfid</a:t>
+            </a:r>
+            <a:r>
+              <a:rPr lang="en-US" dirty="0"/>
+              <a:t> tag</a:t>
+            </a:r>
+          </a:p>
+        </p:txBody>
+      </p:sp>
+      <p:sp>
+        <p:nvSpPr>
+          <p:cNvPr id="10" name="Flowchart: Off-page Connector 9">
+            <a:extLst>
+              <a:ext uri="{FF2B5EF4-FFF2-40B4-BE49-F238E27FC236}">
+                <a16:creationId xmlns:a16="http://schemas.microsoft.com/office/drawing/2014/main" id="{1520CC44-909B-4099-9128-22001240A026}"/>
+              </a:ext>
+            </a:extLst>
+          </p:cNvPr>
+          <p:cNvSpPr/>
+          <p:nvPr/>
+        </p:nvSpPr>
+        <p:spPr>
+          <a:xfrm>
+            <a:off x="6749902" y="7467595"/>
+            <a:ext cx="2090057" cy="641017"/>
+          </a:xfrm>
+          <a:prstGeom prst="flowChartOffpageConnector">
+            <a:avLst/>
+          </a:prstGeom>
+        </p:spPr>
+        <p:style>
+          <a:lnRef idx="2">
+            <a:schemeClr val="accent1">
+              <a:shade val="50000"/>
+            </a:schemeClr>
+          </a:lnRef>
+          <a:fillRef idx="1">
+            <a:schemeClr val="accent1"/>
+          </a:fillRef>
+          <a:effectRef idx="0">
+            <a:schemeClr val="accent1"/>
+          </a:effectRef>
+          <a:fontRef idx="minor">
+            <a:schemeClr val="lt1"/>
+          </a:fontRef>
+        </p:style>
+        <p:txBody>
+          <a:bodyPr rtlCol="0" anchor="ctr"/>
+          <a:lstStyle/>
+          <a:p>
+            <a:pPr algn="ctr"/>
+            <a:r>
+              <a:rPr lang="en-US" dirty="0"/>
+              <a:t>Output “none”</a:t>
+            </a:r>
+          </a:p>
+        </p:txBody>
+      </p:sp>
       <p:cxnSp>
         <p:nvCxnSpPr>
-          <p:cNvPr id="32" name="Connector: Elbow 31">
-            <a:extLst>
-              <a:ext uri="{FF2B5EF4-FFF2-40B4-BE49-F238E27FC236}">
-                <a16:creationId xmlns:a16="http://schemas.microsoft.com/office/drawing/2014/main" id="{6DC470AC-6469-4027-B284-F4C8546B8BF0}"/>
+          <p:cNvPr id="11" name="Connector: Elbow 10">
+            <a:extLst>
+              <a:ext uri="{FF2B5EF4-FFF2-40B4-BE49-F238E27FC236}">
+                <a16:creationId xmlns:a16="http://schemas.microsoft.com/office/drawing/2014/main" id="{2114D124-8147-4269-9BCB-9F5473E50165}"/>
               </a:ext>
             </a:extLst>
           </p:cNvPr>
           <p:cNvCxnSpPr>
-            <a:stCxn id="26" idx="3"/>
-            <a:endCxn id="28" idx="1"/>
+            <a:stCxn id="8" idx="3"/>
+            <a:endCxn id="10" idx="1"/>
           </p:cNvCxnSpPr>
           <p:nvPr/>
         </p:nvCxnSpPr>
         <p:spPr>
           <a:xfrm>
-            <a:off x="4992747" y="7560246"/>
-            <a:ext cx="2637455" cy="850099"/>
+            <a:off x="4503651" y="6908118"/>
+            <a:ext cx="2246251" cy="879986"/>
           </a:xfrm>
           <a:prstGeom prst="bentConnector3">
             <a:avLst/>
@@ -11349,12 +11622,58 @@
           </a:fontRef>
         </p:style>
       </p:cxnSp>
-      <p:sp>
-        <p:nvSpPr>
-          <p:cNvPr id="9" name="Flowchart: Off-page Connector 8">
-            <a:extLst>
-              <a:ext uri="{FF2B5EF4-FFF2-40B4-BE49-F238E27FC236}">
-                <a16:creationId xmlns:a16="http://schemas.microsoft.com/office/drawing/2014/main" id="{1F042981-F85F-45DB-BAD8-15454EECEB8C}"/>
+      <p:cxnSp>
+        <p:nvCxnSpPr>
+          <p:cNvPr id="12" name="Connector: Elbow 11">
+            <a:extLst>
+              <a:ext uri="{FF2B5EF4-FFF2-40B4-BE49-F238E27FC236}">
+                <a16:creationId xmlns:a16="http://schemas.microsoft.com/office/drawing/2014/main" id="{F28EB982-EA27-4A6D-A6E8-A32ED247A293}"/>
+              </a:ext>
+            </a:extLst>
+          </p:cNvPr>
+          <p:cNvCxnSpPr>
+            <a:stCxn id="8" idx="3"/>
+            <a:endCxn id="9" idx="1"/>
+          </p:cNvCxnSpPr>
+          <p:nvPr/>
+        </p:nvCxnSpPr>
+        <p:spPr>
+          <a:xfrm flipV="1">
+            <a:off x="4503651" y="6908117"/>
+            <a:ext cx="2246256" cy="1"/>
+          </a:xfrm>
+          <a:prstGeom prst="bentConnector3">
+            <a:avLst/>
+          </a:prstGeom>
+          <a:ln w="38100">
+            <a:solidFill>
+              <a:srgbClr val="00B050"/>
+            </a:solidFill>
+            <a:prstDash val="sysDot"/>
+            <a:tailEnd type="triangle"/>
+          </a:ln>
+        </p:spPr>
+        <p:style>
+          <a:lnRef idx="1">
+            <a:schemeClr val="accent1"/>
+          </a:lnRef>
+          <a:fillRef idx="0">
+            <a:schemeClr val="accent1"/>
+          </a:fillRef>
+          <a:effectRef idx="0">
+            <a:schemeClr val="accent1"/>
+          </a:effectRef>
+          <a:fontRef idx="minor">
+            <a:schemeClr val="tx1"/>
+          </a:fontRef>
+        </p:style>
+      </p:cxnSp>
+      <p:sp>
+        <p:nvSpPr>
+          <p:cNvPr id="14" name="Flowchart: Off-page Connector 13">
+            <a:extLst>
+              <a:ext uri="{FF2B5EF4-FFF2-40B4-BE49-F238E27FC236}">
+                <a16:creationId xmlns:a16="http://schemas.microsoft.com/office/drawing/2014/main" id="{12C4F979-FD86-4BC3-B362-B6EDFBF3F19A}"/>
               </a:ext>
             </a:extLst>
           </p:cNvPr>
@@ -11363,8 +11682,8 @@
         </p:nvSpPr>
         <p:spPr>
           <a:xfrm>
-            <a:off x="7630202" y="1679903"/>
-            <a:ext cx="2090057" cy="1063298"/>
+            <a:off x="6749901" y="8317694"/>
+            <a:ext cx="2090057" cy="641017"/>
           </a:xfrm>
           <a:prstGeom prst="flowChartOffpageConnector">
             <a:avLst/>
@@ -11393,25 +11712,25 @@
             <a:pPr algn="ctr"/>
             <a:r>
               <a:rPr lang="en-US" dirty="0"/>
-              <a:t>Initialize </a:t>
+              <a:t>Output vole number and </a:t>
             </a:r>
             <a:r>
               <a:rPr lang="en-US" dirty="0" err="1"/>
-              <a:t>voleTags</a:t>
+              <a:t>rfid</a:t>
             </a:r>
             <a:r>
               <a:rPr lang="en-US" dirty="0"/>
-              <a:t> Queue</a:t>
-            </a:r>
-          </a:p>
-        </p:txBody>
-      </p:sp>
-      <p:sp>
-        <p:nvSpPr>
-          <p:cNvPr id="10" name="Flowchart: Off-page Connector 9">
-            <a:extLst>
-              <a:ext uri="{FF2B5EF4-FFF2-40B4-BE49-F238E27FC236}">
-                <a16:creationId xmlns:a16="http://schemas.microsoft.com/office/drawing/2014/main" id="{B9F52776-96BA-4401-8979-137C7A06D137}"/>
+              <a:t> tag</a:t>
+            </a:r>
+          </a:p>
+        </p:txBody>
+      </p:sp>
+      <p:sp>
+        <p:nvSpPr>
+          <p:cNvPr id="15" name="Flowchart: Off-page Connector 14">
+            <a:extLst>
+              <a:ext uri="{FF2B5EF4-FFF2-40B4-BE49-F238E27FC236}">
+                <a16:creationId xmlns:a16="http://schemas.microsoft.com/office/drawing/2014/main" id="{C80C0554-5CDC-47B0-BBCC-4DD2FF048724}"/>
               </a:ext>
             </a:extLst>
           </p:cNvPr>
@@ -11420,8 +11739,8 @@
         </p:nvSpPr>
         <p:spPr>
           <a:xfrm>
-            <a:off x="10835434" y="1679903"/>
-            <a:ext cx="2090057" cy="1063299"/>
+            <a:off x="6749900" y="9174354"/>
+            <a:ext cx="2090057" cy="641017"/>
           </a:xfrm>
           <a:prstGeom prst="flowChartOffpageConnector">
             <a:avLst/>
@@ -11450,17 +11769,106 @@
             <a:pPr algn="ctr"/>
             <a:r>
               <a:rPr lang="en-US" dirty="0"/>
-              <a:t>Initialize time synchronization queue</a:t>
-            </a:r>
-          </a:p>
-        </p:txBody>
-      </p:sp>
-      <p:sp>
-        <p:nvSpPr>
-          <p:cNvPr id="11" name="Flowchart: Process 10">
-            <a:extLst>
-              <a:ext uri="{FF2B5EF4-FFF2-40B4-BE49-F238E27FC236}">
-                <a16:creationId xmlns:a16="http://schemas.microsoft.com/office/drawing/2014/main" id="{80961813-95B7-4E29-B6A3-47DB6CFC40DC}"/>
+              <a:t>Output “none”</a:t>
+            </a:r>
+          </a:p>
+        </p:txBody>
+      </p:sp>
+      <p:cxnSp>
+        <p:nvCxnSpPr>
+          <p:cNvPr id="16" name="Connector: Elbow 15">
+            <a:extLst>
+              <a:ext uri="{FF2B5EF4-FFF2-40B4-BE49-F238E27FC236}">
+                <a16:creationId xmlns:a16="http://schemas.microsoft.com/office/drawing/2014/main" id="{B9B20591-7037-48DF-9A11-9FF8C12FD53C}"/>
+              </a:ext>
+            </a:extLst>
+          </p:cNvPr>
+          <p:cNvCxnSpPr>
+            <a:stCxn id="13" idx="3"/>
+            <a:endCxn id="14" idx="1"/>
+          </p:cNvCxnSpPr>
+          <p:nvPr/>
+        </p:nvCxnSpPr>
+        <p:spPr>
+          <a:xfrm flipV="1">
+            <a:off x="4503652" y="8638203"/>
+            <a:ext cx="2246249" cy="6561"/>
+          </a:xfrm>
+          <a:prstGeom prst="bentConnector3">
+            <a:avLst/>
+          </a:prstGeom>
+          <a:ln w="38100">
+            <a:solidFill>
+              <a:srgbClr val="00B050"/>
+            </a:solidFill>
+            <a:prstDash val="sysDot"/>
+            <a:tailEnd type="triangle"/>
+          </a:ln>
+        </p:spPr>
+        <p:style>
+          <a:lnRef idx="1">
+            <a:schemeClr val="accent1"/>
+          </a:lnRef>
+          <a:fillRef idx="0">
+            <a:schemeClr val="accent1"/>
+          </a:fillRef>
+          <a:effectRef idx="0">
+            <a:schemeClr val="accent1"/>
+          </a:effectRef>
+          <a:fontRef idx="minor">
+            <a:schemeClr val="tx1"/>
+          </a:fontRef>
+        </p:style>
+      </p:cxnSp>
+      <p:cxnSp>
+        <p:nvCxnSpPr>
+          <p:cNvPr id="20" name="Connector: Elbow 19">
+            <a:extLst>
+              <a:ext uri="{FF2B5EF4-FFF2-40B4-BE49-F238E27FC236}">
+                <a16:creationId xmlns:a16="http://schemas.microsoft.com/office/drawing/2014/main" id="{E88A7956-1ABC-4904-B8E4-5261AB8C0627}"/>
+              </a:ext>
+            </a:extLst>
+          </p:cNvPr>
+          <p:cNvCxnSpPr>
+            <a:stCxn id="5" idx="2"/>
+            <a:endCxn id="9" idx="0"/>
+          </p:cNvCxnSpPr>
+          <p:nvPr/>
+        </p:nvCxnSpPr>
+        <p:spPr>
+          <a:xfrm rot="5400000">
+            <a:off x="6420313" y="5212984"/>
+            <a:ext cx="2749248" cy="1"/>
+          </a:xfrm>
+          <a:prstGeom prst="bentConnector3">
+            <a:avLst/>
+          </a:prstGeom>
+          <a:ln w="38100">
+            <a:prstDash val="sysDot"/>
+            <a:tailEnd type="triangle"/>
+          </a:ln>
+        </p:spPr>
+        <p:style>
+          <a:lnRef idx="1">
+            <a:schemeClr val="accent1"/>
+          </a:lnRef>
+          <a:fillRef idx="0">
+            <a:schemeClr val="accent1"/>
+          </a:fillRef>
+          <a:effectRef idx="0">
+            <a:schemeClr val="accent1"/>
+          </a:effectRef>
+          <a:fontRef idx="minor">
+            <a:schemeClr val="tx1"/>
+          </a:fontRef>
+        </p:style>
+      </p:cxnSp>
+      <p:sp>
+        <p:nvSpPr>
+          <p:cNvPr id="6" name="Flowchart: Process 5">
+            <a:extLst>
+              <a:ext uri="{FF2B5EF4-FFF2-40B4-BE49-F238E27FC236}">
+                <a16:creationId xmlns:a16="http://schemas.microsoft.com/office/drawing/2014/main" id="{0886BD82-75C0-4A57-9682-54659204393F}"/>
               </a:ext>
             </a:extLst>
           </p:cNvPr>
@@ -11469,7 +11877,7 @@
         </p:nvSpPr>
         <p:spPr>
           <a:xfrm>
-            <a:off x="2902689" y="3046952"/>
+            <a:off x="2413594" y="3046952"/>
             <a:ext cx="2090057" cy="519519"/>
           </a:xfrm>
           <a:prstGeom prst="flowChartProcess">
@@ -11506,10 +11914,10 @@
       </p:sp>
       <p:sp>
         <p:nvSpPr>
-          <p:cNvPr id="14" name="Flowchart: Process 13">
-            <a:extLst>
-              <a:ext uri="{FF2B5EF4-FFF2-40B4-BE49-F238E27FC236}">
-                <a16:creationId xmlns:a16="http://schemas.microsoft.com/office/drawing/2014/main" id="{AF06097B-4F97-4C03-8FDE-2041BD621146}"/>
+          <p:cNvPr id="7" name="Flowchart: Process 6">
+            <a:extLst>
+              <a:ext uri="{FF2B5EF4-FFF2-40B4-BE49-F238E27FC236}">
+                <a16:creationId xmlns:a16="http://schemas.microsoft.com/office/drawing/2014/main" id="{50E0C74D-550C-42E4-BD73-1625F9AFC1E6}"/>
               </a:ext>
             </a:extLst>
           </p:cNvPr>
@@ -11518,7 +11926,7 @@
         </p:nvSpPr>
         <p:spPr>
           <a:xfrm>
-            <a:off x="2902690" y="4149712"/>
+            <a:off x="2413595" y="5229151"/>
             <a:ext cx="2090057" cy="519519"/>
           </a:xfrm>
           <a:prstGeom prst="flowChartProcess">
@@ -11555,10 +11963,10 @@
       </p:sp>
       <p:sp>
         <p:nvSpPr>
-          <p:cNvPr id="16" name="Flowchart: Decision 15">
-            <a:extLst>
-              <a:ext uri="{FF2B5EF4-FFF2-40B4-BE49-F238E27FC236}">
-                <a16:creationId xmlns:a16="http://schemas.microsoft.com/office/drawing/2014/main" id="{3E5B697D-4B4A-4D7C-A459-801C297F1B96}"/>
+          <p:cNvPr id="8" name="Flowchart: Decision 7">
+            <a:extLst>
+              <a:ext uri="{FF2B5EF4-FFF2-40B4-BE49-F238E27FC236}">
+                <a16:creationId xmlns:a16="http://schemas.microsoft.com/office/drawing/2014/main" id="{463B6A9A-69E1-403E-9058-ACAEDA151340}"/>
               </a:ext>
             </a:extLst>
           </p:cNvPr>
@@ -11567,7 +11975,7 @@
         </p:nvSpPr>
         <p:spPr>
           <a:xfrm>
-            <a:off x="2902689" y="5246401"/>
+            <a:off x="2413594" y="6330919"/>
             <a:ext cx="2090057" cy="1154397"/>
           </a:xfrm>
           <a:prstGeom prst="flowChartDecision">
@@ -11604,10 +12012,10 @@
       </p:sp>
       <p:sp>
         <p:nvSpPr>
-          <p:cNvPr id="18" name="Flowchart: Off-page Connector 17">
-            <a:extLst>
-              <a:ext uri="{FF2B5EF4-FFF2-40B4-BE49-F238E27FC236}">
-                <a16:creationId xmlns:a16="http://schemas.microsoft.com/office/drawing/2014/main" id="{D5DA2EA4-F75F-4C2F-A354-A0C9245C202B}"/>
+          <p:cNvPr id="13" name="Flowchart: Decision 12">
+            <a:extLst>
+              <a:ext uri="{FF2B5EF4-FFF2-40B4-BE49-F238E27FC236}">
+                <a16:creationId xmlns:a16="http://schemas.microsoft.com/office/drawing/2014/main" id="{C86490A3-4648-4077-B80C-B9DC16FA7FD2}"/>
               </a:ext>
             </a:extLst>
           </p:cNvPr>
@@ -11616,10 +12024,10 @@
         </p:nvSpPr>
         <p:spPr>
           <a:xfrm>
-            <a:off x="7630709" y="5503090"/>
-            <a:ext cx="2090057" cy="641017"/>
-          </a:xfrm>
-          <a:prstGeom prst="flowChartOffpageConnector">
+            <a:off x="2413595" y="8067565"/>
+            <a:ext cx="2090057" cy="1154397"/>
+          </a:xfrm>
+          <a:prstGeom prst="flowChartDecision">
             <a:avLst/>
           </a:prstGeom>
         </p:spPr>
@@ -11646,25 +12054,101 @@
             <a:pPr algn="ctr"/>
             <a:r>
               <a:rPr lang="en-US" dirty="0"/>
-              <a:t>Output vole number and </a:t>
-            </a:r>
-            <a:r>
-              <a:rPr lang="en-US" dirty="0" err="1"/>
-              <a:t>rfid</a:t>
-            </a:r>
-            <a:r>
-              <a:rPr lang="en-US" dirty="0"/>
-              <a:t> tag</a:t>
-            </a:r>
-          </a:p>
-        </p:txBody>
-      </p:sp>
-      <p:sp>
-        <p:nvSpPr>
-          <p:cNvPr id="19" name="Flowchart: Off-page Connector 18">
-            <a:extLst>
-              <a:ext uri="{FF2B5EF4-FFF2-40B4-BE49-F238E27FC236}">
-                <a16:creationId xmlns:a16="http://schemas.microsoft.com/office/drawing/2014/main" id="{13E91CB5-A8FE-41F6-8115-B07DD79106F2}"/>
+              <a:t>Did it ping vole 2?</a:t>
+            </a:r>
+          </a:p>
+        </p:txBody>
+      </p:sp>
+      <p:cxnSp>
+        <p:nvCxnSpPr>
+          <p:cNvPr id="18" name="Connector: Elbow 17">
+            <a:extLst>
+              <a:ext uri="{FF2B5EF4-FFF2-40B4-BE49-F238E27FC236}">
+                <a16:creationId xmlns:a16="http://schemas.microsoft.com/office/drawing/2014/main" id="{0816CFB8-ABDF-4F15-A835-D9B79153189B}"/>
+              </a:ext>
+            </a:extLst>
+          </p:cNvPr>
+          <p:cNvCxnSpPr>
+            <a:stCxn id="7" idx="2"/>
+            <a:endCxn id="8" idx="0"/>
+          </p:cNvCxnSpPr>
+          <p:nvPr/>
+        </p:nvCxnSpPr>
+        <p:spPr>
+          <a:xfrm rot="5400000">
+            <a:off x="3167500" y="6039794"/>
+            <a:ext cx="582249" cy="1"/>
+          </a:xfrm>
+          <a:prstGeom prst="bentConnector3">
+            <a:avLst/>
+          </a:prstGeom>
+          <a:ln w="38100">
+            <a:tailEnd type="triangle"/>
+          </a:ln>
+        </p:spPr>
+        <p:style>
+          <a:lnRef idx="1">
+            <a:schemeClr val="accent1"/>
+          </a:lnRef>
+          <a:fillRef idx="0">
+            <a:schemeClr val="accent1"/>
+          </a:fillRef>
+          <a:effectRef idx="0">
+            <a:schemeClr val="accent1"/>
+          </a:effectRef>
+          <a:fontRef idx="minor">
+            <a:schemeClr val="tx1"/>
+          </a:fontRef>
+        </p:style>
+      </p:cxnSp>
+      <p:cxnSp>
+        <p:nvCxnSpPr>
+          <p:cNvPr id="19" name="Connector: Elbow 18">
+            <a:extLst>
+              <a:ext uri="{FF2B5EF4-FFF2-40B4-BE49-F238E27FC236}">
+                <a16:creationId xmlns:a16="http://schemas.microsoft.com/office/drawing/2014/main" id="{91992AFC-8BEF-4E3F-9E4C-964814A5FF0E}"/>
+              </a:ext>
+            </a:extLst>
+          </p:cNvPr>
+          <p:cNvCxnSpPr>
+            <a:stCxn id="8" idx="2"/>
+            <a:endCxn id="13" idx="0"/>
+          </p:cNvCxnSpPr>
+          <p:nvPr/>
+        </p:nvCxnSpPr>
+        <p:spPr>
+          <a:xfrm rot="16200000" flipH="1">
+            <a:off x="3167499" y="7776439"/>
+            <a:ext cx="582249" cy="1"/>
+          </a:xfrm>
+          <a:prstGeom prst="bentConnector3">
+            <a:avLst/>
+          </a:prstGeom>
+          <a:ln w="38100">
+            <a:tailEnd type="triangle"/>
+          </a:ln>
+        </p:spPr>
+        <p:style>
+          <a:lnRef idx="1">
+            <a:schemeClr val="accent1"/>
+          </a:lnRef>
+          <a:fillRef idx="0">
+            <a:schemeClr val="accent1"/>
+          </a:fillRef>
+          <a:effectRef idx="0">
+            <a:schemeClr val="accent1"/>
+          </a:effectRef>
+          <a:fontRef idx="minor">
+            <a:schemeClr val="tx1"/>
+          </a:fontRef>
+        </p:style>
+      </p:cxnSp>
+      <p:sp>
+        <p:nvSpPr>
+          <p:cNvPr id="31" name="Flowchart: Process 30">
+            <a:extLst>
+              <a:ext uri="{FF2B5EF4-FFF2-40B4-BE49-F238E27FC236}">
+                <a16:creationId xmlns:a16="http://schemas.microsoft.com/office/drawing/2014/main" id="{5666486C-FB5A-4D7D-B58C-0D5E9345B993}"/>
               </a:ext>
             </a:extLst>
           </p:cNvPr>
@@ -11673,10 +12157,10 @@
         </p:nvSpPr>
         <p:spPr>
           <a:xfrm>
-            <a:off x="7630709" y="6383077"/>
-            <a:ext cx="2090057" cy="641017"/>
-          </a:xfrm>
-          <a:prstGeom prst="flowChartOffpageConnector">
+            <a:off x="2413593" y="4145884"/>
+            <a:ext cx="2090057" cy="519519"/>
+          </a:xfrm>
+          <a:prstGeom prst="flowChartProcess">
             <a:avLst/>
           </a:prstGeom>
         </p:spPr>
@@ -11703,30 +12187,341 @@
             <a:pPr algn="ctr"/>
             <a:r>
               <a:rPr lang="en-US" dirty="0"/>
-              <a:t>Output “none”</a:t>
+              <a:t>Set event to FALSE</a:t>
             </a:r>
           </a:p>
         </p:txBody>
       </p:sp>
       <p:cxnSp>
         <p:nvCxnSpPr>
-          <p:cNvPr id="23" name="Connector: Elbow 22">
-            <a:extLst>
-              <a:ext uri="{FF2B5EF4-FFF2-40B4-BE49-F238E27FC236}">
-                <a16:creationId xmlns:a16="http://schemas.microsoft.com/office/drawing/2014/main" id="{4B2F709E-8239-4A72-B5FC-167558804347}"/>
+          <p:cNvPr id="37" name="Straight Arrow Connector 36">
+            <a:extLst>
+              <a:ext uri="{FF2B5EF4-FFF2-40B4-BE49-F238E27FC236}">
+                <a16:creationId xmlns:a16="http://schemas.microsoft.com/office/drawing/2014/main" id="{9D3F9935-3676-424A-A825-5E3D3DAECAFB}"/>
               </a:ext>
             </a:extLst>
           </p:cNvPr>
           <p:cNvCxnSpPr>
-            <a:stCxn id="16" idx="3"/>
-            <a:endCxn id="19" idx="1"/>
+            <a:stCxn id="6" idx="2"/>
+            <a:endCxn id="31" idx="0"/>
           </p:cNvCxnSpPr>
           <p:nvPr/>
         </p:nvCxnSpPr>
         <p:spPr>
+          <a:xfrm flipH="1">
+            <a:off x="3458622" y="3566471"/>
+            <a:ext cx="1" cy="579413"/>
+          </a:xfrm>
+          <a:prstGeom prst="straightConnector1">
+            <a:avLst/>
+          </a:prstGeom>
+          <a:ln w="38100">
+            <a:tailEnd type="triangle"/>
+          </a:ln>
+        </p:spPr>
+        <p:style>
+          <a:lnRef idx="1">
+            <a:schemeClr val="accent1"/>
+          </a:lnRef>
+          <a:fillRef idx="0">
+            <a:schemeClr val="accent1"/>
+          </a:fillRef>
+          <a:effectRef idx="0">
+            <a:schemeClr val="accent1"/>
+          </a:effectRef>
+          <a:fontRef idx="minor">
+            <a:schemeClr val="tx1"/>
+          </a:fontRef>
+        </p:style>
+      </p:cxnSp>
+      <p:cxnSp>
+        <p:nvCxnSpPr>
+          <p:cNvPr id="39" name="Connector: Elbow 38">
+            <a:extLst>
+              <a:ext uri="{FF2B5EF4-FFF2-40B4-BE49-F238E27FC236}">
+                <a16:creationId xmlns:a16="http://schemas.microsoft.com/office/drawing/2014/main" id="{A3A2F40E-DA34-4A46-AE66-B68F5FB0BA37}"/>
+              </a:ext>
+            </a:extLst>
+          </p:cNvPr>
+          <p:cNvCxnSpPr>
+            <a:stCxn id="31" idx="2"/>
+            <a:endCxn id="7" idx="0"/>
+          </p:cNvCxnSpPr>
+          <p:nvPr/>
+        </p:nvCxnSpPr>
+        <p:spPr>
+          <a:xfrm rot="16200000" flipH="1">
+            <a:off x="3176749" y="4947276"/>
+            <a:ext cx="563748" cy="2"/>
+          </a:xfrm>
+          <a:prstGeom prst="bentConnector3">
+            <a:avLst/>
+          </a:prstGeom>
+          <a:ln w="38100">
+            <a:tailEnd type="triangle"/>
+          </a:ln>
+        </p:spPr>
+        <p:style>
+          <a:lnRef idx="1">
+            <a:schemeClr val="accent1"/>
+          </a:lnRef>
+          <a:fillRef idx="0">
+            <a:schemeClr val="accent1"/>
+          </a:fillRef>
+          <a:effectRef idx="0">
+            <a:schemeClr val="accent1"/>
+          </a:effectRef>
+          <a:fontRef idx="minor">
+            <a:schemeClr val="tx1"/>
+          </a:fontRef>
+        </p:style>
+      </p:cxnSp>
+      <p:sp>
+        <p:nvSpPr>
+          <p:cNvPr id="41" name="Flowchart: Process 40">
+            <a:extLst>
+              <a:ext uri="{FF2B5EF4-FFF2-40B4-BE49-F238E27FC236}">
+                <a16:creationId xmlns:a16="http://schemas.microsoft.com/office/drawing/2014/main" id="{247B4AA5-3C82-4F68-8953-C202A5BED085}"/>
+              </a:ext>
+            </a:extLst>
+          </p:cNvPr>
+          <p:cNvSpPr/>
+          <p:nvPr/>
+        </p:nvSpPr>
+        <p:spPr>
           <a:xfrm>
-            <a:off x="4992746" y="5823600"/>
-            <a:ext cx="2637963" cy="879986"/>
+            <a:off x="2413593" y="10492462"/>
+            <a:ext cx="2090057" cy="519519"/>
+          </a:xfrm>
+          <a:prstGeom prst="flowChartProcess">
+            <a:avLst/>
+          </a:prstGeom>
+        </p:spPr>
+        <p:style>
+          <a:lnRef idx="2">
+            <a:schemeClr val="accent1">
+              <a:shade val="50000"/>
+            </a:schemeClr>
+          </a:lnRef>
+          <a:fillRef idx="1">
+            <a:schemeClr val="accent1"/>
+          </a:fillRef>
+          <a:effectRef idx="0">
+            <a:schemeClr val="accent1"/>
+          </a:effectRef>
+          <a:fontRef idx="minor">
+            <a:schemeClr val="lt1"/>
+          </a:fontRef>
+        </p:style>
+        <p:txBody>
+          <a:bodyPr rtlCol="0" anchor="ctr"/>
+          <a:lstStyle/>
+          <a:p>
+            <a:pPr algn="ctr"/>
+            <a:r>
+              <a:rPr lang="en-US" dirty="0"/>
+              <a:t>Set event to TRUE</a:t>
+            </a:r>
+          </a:p>
+        </p:txBody>
+      </p:sp>
+      <p:sp>
+        <p:nvSpPr>
+          <p:cNvPr id="42" name="Flowchart: Process 41">
+            <a:extLst>
+              <a:ext uri="{FF2B5EF4-FFF2-40B4-BE49-F238E27FC236}">
+                <a16:creationId xmlns:a16="http://schemas.microsoft.com/office/drawing/2014/main" id="{2ABD2069-1BA1-4C35-A3D5-67CAFF4A3046}"/>
+              </a:ext>
+            </a:extLst>
+          </p:cNvPr>
+          <p:cNvSpPr/>
+          <p:nvPr/>
+        </p:nvSpPr>
+        <p:spPr>
+          <a:xfrm>
+            <a:off x="2413592" y="11575729"/>
+            <a:ext cx="2090057" cy="519519"/>
+          </a:xfrm>
+          <a:prstGeom prst="flowChartProcess">
+            <a:avLst/>
+          </a:prstGeom>
+        </p:spPr>
+        <p:style>
+          <a:lnRef idx="2">
+            <a:schemeClr val="accent1">
+              <a:shade val="50000"/>
+            </a:schemeClr>
+          </a:lnRef>
+          <a:fillRef idx="1">
+            <a:schemeClr val="accent1"/>
+          </a:fillRef>
+          <a:effectRef idx="0">
+            <a:schemeClr val="accent1"/>
+          </a:effectRef>
+          <a:fontRef idx="minor">
+            <a:schemeClr val="lt1"/>
+          </a:fontRef>
+        </p:style>
+        <p:txBody>
+          <a:bodyPr rtlCol="0" anchor="ctr"/>
+          <a:lstStyle/>
+          <a:p>
+            <a:pPr algn="ctr"/>
+            <a:r>
+              <a:rPr lang="en-US" dirty="0"/>
+              <a:t>WAIT for Main Event</a:t>
+            </a:r>
+          </a:p>
+        </p:txBody>
+      </p:sp>
+      <p:cxnSp>
+        <p:nvCxnSpPr>
+          <p:cNvPr id="44" name="Connector: Elbow 43">
+            <a:extLst>
+              <a:ext uri="{FF2B5EF4-FFF2-40B4-BE49-F238E27FC236}">
+                <a16:creationId xmlns:a16="http://schemas.microsoft.com/office/drawing/2014/main" id="{1932285D-6D49-4B3B-AD27-42335F32A5B3}"/>
+              </a:ext>
+            </a:extLst>
+          </p:cNvPr>
+          <p:cNvCxnSpPr>
+            <a:stCxn id="13" idx="2"/>
+            <a:endCxn id="41" idx="0"/>
+          </p:cNvCxnSpPr>
+          <p:nvPr/>
+        </p:nvCxnSpPr>
+        <p:spPr>
+          <a:xfrm rot="5400000">
+            <a:off x="2823373" y="9857211"/>
+            <a:ext cx="1270500" cy="2"/>
+          </a:xfrm>
+          <a:prstGeom prst="bentConnector3">
+            <a:avLst/>
+          </a:prstGeom>
+          <a:ln w="38100">
+            <a:tailEnd type="triangle"/>
+          </a:ln>
+        </p:spPr>
+        <p:style>
+          <a:lnRef idx="1">
+            <a:schemeClr val="accent1"/>
+          </a:lnRef>
+          <a:fillRef idx="0">
+            <a:schemeClr val="accent1"/>
+          </a:fillRef>
+          <a:effectRef idx="0">
+            <a:schemeClr val="accent1"/>
+          </a:effectRef>
+          <a:fontRef idx="minor">
+            <a:schemeClr val="tx1"/>
+          </a:fontRef>
+        </p:style>
+      </p:cxnSp>
+      <p:cxnSp>
+        <p:nvCxnSpPr>
+          <p:cNvPr id="50" name="Connector: Elbow 49">
+            <a:extLst>
+              <a:ext uri="{FF2B5EF4-FFF2-40B4-BE49-F238E27FC236}">
+                <a16:creationId xmlns:a16="http://schemas.microsoft.com/office/drawing/2014/main" id="{6266CFDC-4386-4C97-9C59-994FF373490D}"/>
+              </a:ext>
+            </a:extLst>
+          </p:cNvPr>
+          <p:cNvCxnSpPr>
+            <a:stCxn id="41" idx="2"/>
+            <a:endCxn id="42" idx="0"/>
+          </p:cNvCxnSpPr>
+          <p:nvPr/>
+        </p:nvCxnSpPr>
+        <p:spPr>
+          <a:xfrm rot="5400000">
+            <a:off x="3176748" y="11293855"/>
+            <a:ext cx="563748" cy="1"/>
+          </a:xfrm>
+          <a:prstGeom prst="bentConnector3">
+            <a:avLst/>
+          </a:prstGeom>
+          <a:ln w="38100">
+            <a:tailEnd type="triangle"/>
+          </a:ln>
+        </p:spPr>
+        <p:style>
+          <a:lnRef idx="1">
+            <a:schemeClr val="accent1"/>
+          </a:lnRef>
+          <a:fillRef idx="0">
+            <a:schemeClr val="accent1"/>
+          </a:fillRef>
+          <a:effectRef idx="0">
+            <a:schemeClr val="accent1"/>
+          </a:effectRef>
+          <a:fontRef idx="minor">
+            <a:schemeClr val="tx1"/>
+          </a:fontRef>
+        </p:style>
+      </p:cxnSp>
+      <p:cxnSp>
+        <p:nvCxnSpPr>
+          <p:cNvPr id="55" name="Connector: Elbow 54">
+            <a:extLst>
+              <a:ext uri="{FF2B5EF4-FFF2-40B4-BE49-F238E27FC236}">
+                <a16:creationId xmlns:a16="http://schemas.microsoft.com/office/drawing/2014/main" id="{71B7277C-5B12-4D60-BEA0-5F241E274BF5}"/>
+              </a:ext>
+            </a:extLst>
+          </p:cNvPr>
+          <p:cNvCxnSpPr>
+            <a:stCxn id="42" idx="2"/>
+            <a:endCxn id="31" idx="1"/>
+          </p:cNvCxnSpPr>
+          <p:nvPr/>
+        </p:nvCxnSpPr>
+        <p:spPr>
+          <a:xfrm rot="5400000" flipH="1">
+            <a:off x="-908695" y="7727932"/>
+            <a:ext cx="7689604" cy="1045028"/>
+          </a:xfrm>
+          <a:prstGeom prst="bentConnector4">
+            <a:avLst>
+              <a:gd name="adj1" fmla="val -2973"/>
+              <a:gd name="adj2" fmla="val 246003"/>
+            </a:avLst>
+          </a:prstGeom>
+          <a:ln w="38100">
+            <a:tailEnd type="triangle"/>
+          </a:ln>
+        </p:spPr>
+        <p:style>
+          <a:lnRef idx="1">
+            <a:schemeClr val="accent1"/>
+          </a:lnRef>
+          <a:fillRef idx="0">
+            <a:schemeClr val="accent1"/>
+          </a:fillRef>
+          <a:effectRef idx="0">
+            <a:schemeClr val="accent1"/>
+          </a:effectRef>
+          <a:fontRef idx="minor">
+            <a:schemeClr val="tx1"/>
+          </a:fontRef>
+        </p:style>
+      </p:cxnSp>
+      <p:cxnSp>
+        <p:nvCxnSpPr>
+          <p:cNvPr id="78" name="Connector: Elbow 77">
+            <a:extLst>
+              <a:ext uri="{FF2B5EF4-FFF2-40B4-BE49-F238E27FC236}">
+                <a16:creationId xmlns:a16="http://schemas.microsoft.com/office/drawing/2014/main" id="{72B75C77-773E-45CC-9688-C23051AC86EC}"/>
+              </a:ext>
+            </a:extLst>
+          </p:cNvPr>
+          <p:cNvCxnSpPr>
+            <a:stCxn id="60" idx="1"/>
+            <a:endCxn id="15" idx="3"/>
+          </p:cNvCxnSpPr>
+          <p:nvPr/>
+        </p:nvCxnSpPr>
+        <p:spPr>
+          <a:xfrm rot="10800000" flipV="1">
+            <a:off x="8839957" y="8644763"/>
+            <a:ext cx="2246266" cy="850099"/>
           </a:xfrm>
           <a:prstGeom prst="bentConnector3">
             <a:avLst/>
@@ -11756,23 +12551,23 @@
       </p:cxnSp>
       <p:cxnSp>
         <p:nvCxnSpPr>
-          <p:cNvPr id="21" name="Connector: Elbow 20">
-            <a:extLst>
-              <a:ext uri="{FF2B5EF4-FFF2-40B4-BE49-F238E27FC236}">
-                <a16:creationId xmlns:a16="http://schemas.microsoft.com/office/drawing/2014/main" id="{D90E622E-7AC6-4E0C-B517-A477F4952C47}"/>
+          <p:cNvPr id="72" name="Connector: Elbow 71">
+            <a:extLst>
+              <a:ext uri="{FF2B5EF4-FFF2-40B4-BE49-F238E27FC236}">
+                <a16:creationId xmlns:a16="http://schemas.microsoft.com/office/drawing/2014/main" id="{CD806686-50BB-49C3-99A4-EEAFC1FBB2B9}"/>
               </a:ext>
             </a:extLst>
           </p:cNvPr>
           <p:cNvCxnSpPr>
-            <a:stCxn id="16" idx="3"/>
-            <a:endCxn id="18" idx="1"/>
+            <a:stCxn id="59" idx="1"/>
+            <a:endCxn id="9" idx="3"/>
           </p:cNvCxnSpPr>
           <p:nvPr/>
         </p:nvCxnSpPr>
         <p:spPr>
-          <a:xfrm flipV="1">
-            <a:off x="4992746" y="5823599"/>
-            <a:ext cx="2637963" cy="1"/>
+          <a:xfrm rot="10800000">
+            <a:off x="8839964" y="6908118"/>
+            <a:ext cx="2246258" cy="1"/>
           </a:xfrm>
           <a:prstGeom prst="bentConnector3">
             <a:avLst/>
@@ -11800,180 +12595,25 @@
           </a:fontRef>
         </p:style>
       </p:cxnSp>
-      <p:sp>
-        <p:nvSpPr>
-          <p:cNvPr id="26" name="Flowchart: Decision 25">
-            <a:extLst>
-              <a:ext uri="{FF2B5EF4-FFF2-40B4-BE49-F238E27FC236}">
-                <a16:creationId xmlns:a16="http://schemas.microsoft.com/office/drawing/2014/main" id="{E914801D-5893-4494-97CD-025C09D4751D}"/>
-              </a:ext>
-            </a:extLst>
-          </p:cNvPr>
-          <p:cNvSpPr/>
-          <p:nvPr/>
-        </p:nvSpPr>
-        <p:spPr>
-          <a:xfrm>
-            <a:off x="2902690" y="6983047"/>
-            <a:ext cx="2090057" cy="1154397"/>
-          </a:xfrm>
-          <a:prstGeom prst="flowChartDecision">
-            <a:avLst/>
-          </a:prstGeom>
-        </p:spPr>
-        <p:style>
-          <a:lnRef idx="2">
-            <a:schemeClr val="accent1">
-              <a:shade val="50000"/>
-            </a:schemeClr>
-          </a:lnRef>
-          <a:fillRef idx="1">
-            <a:schemeClr val="accent1"/>
-          </a:fillRef>
-          <a:effectRef idx="0">
-            <a:schemeClr val="accent1"/>
-          </a:effectRef>
-          <a:fontRef idx="minor">
-            <a:schemeClr val="lt1"/>
-          </a:fontRef>
-        </p:style>
-        <p:txBody>
-          <a:bodyPr rtlCol="0" anchor="ctr"/>
-          <a:lstStyle/>
-          <a:p>
-            <a:pPr algn="ctr"/>
-            <a:r>
-              <a:rPr lang="en-US" dirty="0"/>
-              <a:t>Did it ping vole 2?</a:t>
-            </a:r>
-          </a:p>
-        </p:txBody>
-      </p:sp>
-      <p:sp>
-        <p:nvSpPr>
-          <p:cNvPr id="27" name="Flowchart: Off-page Connector 26">
-            <a:extLst>
-              <a:ext uri="{FF2B5EF4-FFF2-40B4-BE49-F238E27FC236}">
-                <a16:creationId xmlns:a16="http://schemas.microsoft.com/office/drawing/2014/main" id="{01A2A26C-BA10-4293-93E2-28269DD7AE2E}"/>
-              </a:ext>
-            </a:extLst>
-          </p:cNvPr>
-          <p:cNvSpPr/>
-          <p:nvPr/>
-        </p:nvSpPr>
-        <p:spPr>
-          <a:xfrm>
-            <a:off x="7630203" y="7234137"/>
-            <a:ext cx="2090057" cy="641017"/>
-          </a:xfrm>
-          <a:prstGeom prst="flowChartOffpageConnector">
-            <a:avLst/>
-          </a:prstGeom>
-        </p:spPr>
-        <p:style>
-          <a:lnRef idx="2">
-            <a:schemeClr val="accent1">
-              <a:shade val="50000"/>
-            </a:schemeClr>
-          </a:lnRef>
-          <a:fillRef idx="1">
-            <a:schemeClr val="accent1"/>
-          </a:fillRef>
-          <a:effectRef idx="0">
-            <a:schemeClr val="accent1"/>
-          </a:effectRef>
-          <a:fontRef idx="minor">
-            <a:schemeClr val="lt1"/>
-          </a:fontRef>
-        </p:style>
-        <p:txBody>
-          <a:bodyPr rtlCol="0" anchor="ctr"/>
-          <a:lstStyle/>
-          <a:p>
-            <a:pPr algn="ctr"/>
-            <a:r>
-              <a:rPr lang="en-US" dirty="0"/>
-              <a:t>Output vole number and </a:t>
-            </a:r>
-            <a:r>
-              <a:rPr lang="en-US" dirty="0" err="1"/>
-              <a:t>rfid</a:t>
-            </a:r>
-            <a:r>
-              <a:rPr lang="en-US" dirty="0"/>
-              <a:t> tag</a:t>
-            </a:r>
-          </a:p>
-        </p:txBody>
-      </p:sp>
-      <p:sp>
-        <p:nvSpPr>
-          <p:cNvPr id="28" name="Flowchart: Off-page Connector 27">
-            <a:extLst>
-              <a:ext uri="{FF2B5EF4-FFF2-40B4-BE49-F238E27FC236}">
-                <a16:creationId xmlns:a16="http://schemas.microsoft.com/office/drawing/2014/main" id="{A6CB43D7-C0ED-4368-B0FE-E80E107929D6}"/>
-              </a:ext>
-            </a:extLst>
-          </p:cNvPr>
-          <p:cNvSpPr/>
-          <p:nvPr/>
-        </p:nvSpPr>
-        <p:spPr>
-          <a:xfrm>
-            <a:off x="7630202" y="8089836"/>
-            <a:ext cx="2090057" cy="641017"/>
-          </a:xfrm>
-          <a:prstGeom prst="flowChartOffpageConnector">
-            <a:avLst/>
-          </a:prstGeom>
-        </p:spPr>
-        <p:style>
-          <a:lnRef idx="2">
-            <a:schemeClr val="accent1">
-              <a:shade val="50000"/>
-            </a:schemeClr>
-          </a:lnRef>
-          <a:fillRef idx="1">
-            <a:schemeClr val="accent1"/>
-          </a:fillRef>
-          <a:effectRef idx="0">
-            <a:schemeClr val="accent1"/>
-          </a:effectRef>
-          <a:fontRef idx="minor">
-            <a:schemeClr val="lt1"/>
-          </a:fontRef>
-        </p:style>
-        <p:txBody>
-          <a:bodyPr rtlCol="0" anchor="ctr"/>
-          <a:lstStyle/>
-          <a:p>
-            <a:pPr algn="ctr"/>
-            <a:r>
-              <a:rPr lang="en-US" dirty="0"/>
-              <a:t>Output “none”</a:t>
-            </a:r>
-          </a:p>
-        </p:txBody>
-      </p:sp>
       <p:cxnSp>
         <p:nvCxnSpPr>
-          <p:cNvPr id="30" name="Connector: Elbow 29">
-            <a:extLst>
-              <a:ext uri="{FF2B5EF4-FFF2-40B4-BE49-F238E27FC236}">
-                <a16:creationId xmlns:a16="http://schemas.microsoft.com/office/drawing/2014/main" id="{1766EB3B-A78A-4B1C-9959-E2646AA9A7F1}"/>
+          <p:cNvPr id="74" name="Connector: Elbow 73">
+            <a:extLst>
+              <a:ext uri="{FF2B5EF4-FFF2-40B4-BE49-F238E27FC236}">
+                <a16:creationId xmlns:a16="http://schemas.microsoft.com/office/drawing/2014/main" id="{2AB84941-1BCB-44B0-8ACD-014D97ABA07B}"/>
               </a:ext>
             </a:extLst>
           </p:cNvPr>
           <p:cNvCxnSpPr>
-            <a:stCxn id="26" idx="3"/>
-            <a:endCxn id="27" idx="1"/>
+            <a:stCxn id="60" idx="1"/>
+            <a:endCxn id="14" idx="3"/>
           </p:cNvCxnSpPr>
           <p:nvPr/>
         </p:nvCxnSpPr>
         <p:spPr>
-          <a:xfrm flipV="1">
-            <a:off x="4992747" y="7554646"/>
-            <a:ext cx="2637456" cy="5600"/>
+          <a:xfrm rot="10800000">
+            <a:off x="8839959" y="8638204"/>
+            <a:ext cx="2246265" cy="6561"/>
           </a:xfrm>
           <a:prstGeom prst="bentConnector3">
             <a:avLst/>
@@ -12003,10 +12643,10 @@
       </p:cxnSp>
       <p:sp>
         <p:nvSpPr>
-          <p:cNvPr id="33" name="Flowchart: Process 32">
-            <a:extLst>
-              <a:ext uri="{FF2B5EF4-FFF2-40B4-BE49-F238E27FC236}">
-                <a16:creationId xmlns:a16="http://schemas.microsoft.com/office/drawing/2014/main" id="{F11153D4-8FC7-4A23-9FC6-DBF3C5769F08}"/>
+          <p:cNvPr id="57" name="Flowchart: Process 56">
+            <a:extLst>
+              <a:ext uri="{FF2B5EF4-FFF2-40B4-BE49-F238E27FC236}">
+                <a16:creationId xmlns:a16="http://schemas.microsoft.com/office/drawing/2014/main" id="{A300B1F5-239B-4FF3-A6D2-DDED1E214CD8}"/>
               </a:ext>
             </a:extLst>
           </p:cNvPr>
@@ -12015,7 +12655,7 @@
         </p:nvSpPr>
         <p:spPr>
           <a:xfrm>
-            <a:off x="2902688" y="9317893"/>
+            <a:off x="11086222" y="3046952"/>
             <a:ext cx="2090057" cy="519519"/>
           </a:xfrm>
           <a:prstGeom prst="flowChartProcess">
@@ -12045,60 +12685,17 @@
             <a:pPr algn="ctr"/>
             <a:r>
               <a:rPr lang="en-US" dirty="0"/>
-              <a:t>Read time queue</a:t>
-            </a:r>
-          </a:p>
-        </p:txBody>
-      </p:sp>
-      <p:cxnSp>
-        <p:nvCxnSpPr>
-          <p:cNvPr id="35" name="Connector: Elbow 34">
-            <a:extLst>
-              <a:ext uri="{FF2B5EF4-FFF2-40B4-BE49-F238E27FC236}">
-                <a16:creationId xmlns:a16="http://schemas.microsoft.com/office/drawing/2014/main" id="{9E67CF9A-ED4F-4C0D-BEA1-4DA57B198A8A}"/>
-              </a:ext>
-            </a:extLst>
-          </p:cNvPr>
-          <p:cNvCxnSpPr>
-            <a:stCxn id="10" idx="2"/>
-            <a:endCxn id="33" idx="3"/>
-          </p:cNvCxnSpPr>
-          <p:nvPr/>
-        </p:nvCxnSpPr>
-        <p:spPr>
-          <a:xfrm rot="5400000">
-            <a:off x="5019379" y="2716568"/>
-            <a:ext cx="6834451" cy="6887718"/>
-          </a:xfrm>
-          <a:prstGeom prst="bentConnector2">
-            <a:avLst/>
-          </a:prstGeom>
-          <a:ln w="38100">
-            <a:prstDash val="lgDashDot"/>
-            <a:tailEnd type="triangle"/>
-          </a:ln>
-        </p:spPr>
-        <p:style>
-          <a:lnRef idx="1">
-            <a:schemeClr val="accent1"/>
-          </a:lnRef>
-          <a:fillRef idx="0">
-            <a:schemeClr val="accent1"/>
-          </a:fillRef>
-          <a:effectRef idx="0">
-            <a:schemeClr val="accent1"/>
-          </a:effectRef>
-          <a:fontRef idx="minor">
-            <a:schemeClr val="tx1"/>
-          </a:fontRef>
-        </p:style>
-      </p:cxnSp>
-      <p:sp>
-        <p:nvSpPr>
-          <p:cNvPr id="36" name="Flowchart: Decision 35">
-            <a:extLst>
-              <a:ext uri="{FF2B5EF4-FFF2-40B4-BE49-F238E27FC236}">
-                <a16:creationId xmlns:a16="http://schemas.microsoft.com/office/drawing/2014/main" id="{B129F9B9-9C96-4552-B8C4-39A72C2CF7BB}"/>
+              <a:t>Start Thread 2</a:t>
+            </a:r>
+          </a:p>
+        </p:txBody>
+      </p:sp>
+      <p:sp>
+        <p:nvSpPr>
+          <p:cNvPr id="58" name="Flowchart: Process 57">
+            <a:extLst>
+              <a:ext uri="{FF2B5EF4-FFF2-40B4-BE49-F238E27FC236}">
+                <a16:creationId xmlns:a16="http://schemas.microsoft.com/office/drawing/2014/main" id="{8A6FF4D4-3B0F-4356-951D-7942628A3BFF}"/>
               </a:ext>
             </a:extLst>
           </p:cNvPr>
@@ -12107,10 +12704,10 @@
         </p:nvSpPr>
         <p:spPr>
           <a:xfrm>
-            <a:off x="2902689" y="11497304"/>
-            <a:ext cx="2090057" cy="1154397"/>
-          </a:xfrm>
-          <a:prstGeom prst="flowChartDecision">
+            <a:off x="11086223" y="5229151"/>
+            <a:ext cx="2090057" cy="519519"/>
+          </a:xfrm>
+          <a:prstGeom prst="flowChartProcess">
             <a:avLst/>
           </a:prstGeom>
         </p:spPr>
@@ -12137,17 +12734,17 @@
             <a:pPr algn="ctr"/>
             <a:r>
               <a:rPr lang="en-US" dirty="0"/>
-              <a:t>Number &lt; # of threads?</a:t>
-            </a:r>
-          </a:p>
-        </p:txBody>
-      </p:sp>
-      <p:sp>
-        <p:nvSpPr>
-          <p:cNvPr id="37" name="Flowchart: Off-page Connector 36">
-            <a:extLst>
-              <a:ext uri="{FF2B5EF4-FFF2-40B4-BE49-F238E27FC236}">
-                <a16:creationId xmlns:a16="http://schemas.microsoft.com/office/drawing/2014/main" id="{33EA2426-F959-4F97-819E-07448BF09F71}"/>
+              <a:t>Read sensor signal</a:t>
+            </a:r>
+          </a:p>
+        </p:txBody>
+      </p:sp>
+      <p:sp>
+        <p:nvSpPr>
+          <p:cNvPr id="59" name="Flowchart: Decision 58">
+            <a:extLst>
+              <a:ext uri="{FF2B5EF4-FFF2-40B4-BE49-F238E27FC236}">
+                <a16:creationId xmlns:a16="http://schemas.microsoft.com/office/drawing/2014/main" id="{96C5DFAF-2AA1-4AB4-BFF1-F31F7588CD19}"/>
               </a:ext>
             </a:extLst>
           </p:cNvPr>
@@ -12156,10 +12753,10 @@
         </p:nvSpPr>
         <p:spPr>
           <a:xfrm>
-            <a:off x="10835435" y="10058398"/>
-            <a:ext cx="2090057" cy="576203"/>
-          </a:xfrm>
-          <a:prstGeom prst="flowChartOffpageConnector">
+            <a:off x="11086222" y="6330919"/>
+            <a:ext cx="2090057" cy="1154397"/>
+          </a:xfrm>
+          <a:prstGeom prst="flowChartDecision">
             <a:avLst/>
           </a:prstGeom>
         </p:spPr>
@@ -12186,36 +12783,84 @@
             <a:pPr algn="ctr"/>
             <a:r>
               <a:rPr lang="en-US" dirty="0"/>
-              <a:t>Add 1 to indicate finished sensing</a:t>
+              <a:t>Did it ping vole 1?</a:t>
+            </a:r>
+          </a:p>
+        </p:txBody>
+      </p:sp>
+      <p:sp>
+        <p:nvSpPr>
+          <p:cNvPr id="60" name="Flowchart: Decision 59">
+            <a:extLst>
+              <a:ext uri="{FF2B5EF4-FFF2-40B4-BE49-F238E27FC236}">
+                <a16:creationId xmlns:a16="http://schemas.microsoft.com/office/drawing/2014/main" id="{03D06A7B-1056-427C-85D3-6C681DC3A949}"/>
+              </a:ext>
+            </a:extLst>
+          </p:cNvPr>
+          <p:cNvSpPr/>
+          <p:nvPr/>
+        </p:nvSpPr>
+        <p:spPr>
+          <a:xfrm>
+            <a:off x="11086223" y="8067565"/>
+            <a:ext cx="2090057" cy="1154397"/>
+          </a:xfrm>
+          <a:prstGeom prst="flowChartDecision">
+            <a:avLst/>
+          </a:prstGeom>
+        </p:spPr>
+        <p:style>
+          <a:lnRef idx="2">
+            <a:schemeClr val="accent1">
+              <a:shade val="50000"/>
+            </a:schemeClr>
+          </a:lnRef>
+          <a:fillRef idx="1">
+            <a:schemeClr val="accent1"/>
+          </a:fillRef>
+          <a:effectRef idx="0">
+            <a:schemeClr val="accent1"/>
+          </a:effectRef>
+          <a:fontRef idx="minor">
+            <a:schemeClr val="lt1"/>
+          </a:fontRef>
+        </p:style>
+        <p:txBody>
+          <a:bodyPr rtlCol="0" anchor="ctr"/>
+          <a:lstStyle/>
+          <a:p>
+            <a:pPr algn="ctr"/>
+            <a:r>
+              <a:rPr lang="en-US" dirty="0"/>
+              <a:t>Did it ping vole 2?</a:t>
             </a:r>
           </a:p>
         </p:txBody>
       </p:sp>
       <p:cxnSp>
         <p:nvCxnSpPr>
-          <p:cNvPr id="39" name="Connector: Elbow 38">
-            <a:extLst>
-              <a:ext uri="{FF2B5EF4-FFF2-40B4-BE49-F238E27FC236}">
-                <a16:creationId xmlns:a16="http://schemas.microsoft.com/office/drawing/2014/main" id="{EDA6934F-FFAD-4198-B397-8018C5CCCD3F}"/>
+          <p:cNvPr id="61" name="Connector: Elbow 60">
+            <a:extLst>
+              <a:ext uri="{FF2B5EF4-FFF2-40B4-BE49-F238E27FC236}">
+                <a16:creationId xmlns:a16="http://schemas.microsoft.com/office/drawing/2014/main" id="{56A7C35F-F975-4F5F-96F0-484D92116BF5}"/>
               </a:ext>
             </a:extLst>
           </p:cNvPr>
           <p:cNvCxnSpPr>
-            <a:stCxn id="33" idx="2"/>
-            <a:endCxn id="37" idx="1"/>
+            <a:stCxn id="58" idx="2"/>
+            <a:endCxn id="59" idx="0"/>
           </p:cNvCxnSpPr>
           <p:nvPr/>
         </p:nvCxnSpPr>
         <p:spPr>
-          <a:xfrm rot="16200000" flipH="1">
-            <a:off x="7137032" y="6648097"/>
-            <a:ext cx="509088" cy="6887718"/>
-          </a:xfrm>
-          <a:prstGeom prst="bentConnector2">
+          <a:xfrm rot="5400000">
+            <a:off x="11840128" y="6039794"/>
+            <a:ext cx="582249" cy="1"/>
+          </a:xfrm>
+          <a:prstGeom prst="bentConnector3">
             <a:avLst/>
           </a:prstGeom>
           <a:ln w="38100">
-            <a:prstDash val="lgDashDot"/>
             <a:tailEnd type="triangle"/>
           </a:ln>
         </p:spPr>
@@ -12236,29 +12881,119 @@
       </p:cxnSp>
       <p:cxnSp>
         <p:nvCxnSpPr>
-          <p:cNvPr id="41" name="Connector: Elbow 40">
-            <a:extLst>
-              <a:ext uri="{FF2B5EF4-FFF2-40B4-BE49-F238E27FC236}">
-                <a16:creationId xmlns:a16="http://schemas.microsoft.com/office/drawing/2014/main" id="{7DCE2A68-D371-4B4E-ADD5-D8F5287FCE28}"/>
+          <p:cNvPr id="62" name="Connector: Elbow 61">
+            <a:extLst>
+              <a:ext uri="{FF2B5EF4-FFF2-40B4-BE49-F238E27FC236}">
+                <a16:creationId xmlns:a16="http://schemas.microsoft.com/office/drawing/2014/main" id="{0367CF87-FE27-450E-95D8-F7FF9867C747}"/>
               </a:ext>
             </a:extLst>
           </p:cNvPr>
           <p:cNvCxnSpPr>
-            <a:stCxn id="37" idx="2"/>
-            <a:endCxn id="36" idx="0"/>
+            <a:stCxn id="59" idx="2"/>
+            <a:endCxn id="60" idx="0"/>
           </p:cNvCxnSpPr>
           <p:nvPr/>
         </p:nvCxnSpPr>
         <p:spPr>
-          <a:xfrm rot="5400000">
-            <a:off x="7482740" y="7099579"/>
-            <a:ext cx="862703" cy="7932746"/>
+          <a:xfrm rot="16200000" flipH="1">
+            <a:off x="11840127" y="7776439"/>
+            <a:ext cx="582249" cy="1"/>
           </a:xfrm>
           <a:prstGeom prst="bentConnector3">
             <a:avLst/>
           </a:prstGeom>
           <a:ln w="38100">
-            <a:prstDash val="lgDashDot"/>
+            <a:tailEnd type="triangle"/>
+          </a:ln>
+        </p:spPr>
+        <p:style>
+          <a:lnRef idx="1">
+            <a:schemeClr val="accent1"/>
+          </a:lnRef>
+          <a:fillRef idx="0">
+            <a:schemeClr val="accent1"/>
+          </a:fillRef>
+          <a:effectRef idx="0">
+            <a:schemeClr val="accent1"/>
+          </a:effectRef>
+          <a:fontRef idx="minor">
+            <a:schemeClr val="tx1"/>
+          </a:fontRef>
+        </p:style>
+      </p:cxnSp>
+      <p:sp>
+        <p:nvSpPr>
+          <p:cNvPr id="63" name="Flowchart: Process 62">
+            <a:extLst>
+              <a:ext uri="{FF2B5EF4-FFF2-40B4-BE49-F238E27FC236}">
+                <a16:creationId xmlns:a16="http://schemas.microsoft.com/office/drawing/2014/main" id="{95A8F9BE-44DE-445A-96D8-AD96D46A490A}"/>
+              </a:ext>
+            </a:extLst>
+          </p:cNvPr>
+          <p:cNvSpPr/>
+          <p:nvPr/>
+        </p:nvSpPr>
+        <p:spPr>
+          <a:xfrm>
+            <a:off x="11086221" y="4145884"/>
+            <a:ext cx="2090057" cy="519519"/>
+          </a:xfrm>
+          <a:prstGeom prst="flowChartProcess">
+            <a:avLst/>
+          </a:prstGeom>
+        </p:spPr>
+        <p:style>
+          <a:lnRef idx="2">
+            <a:schemeClr val="accent1">
+              <a:shade val="50000"/>
+            </a:schemeClr>
+          </a:lnRef>
+          <a:fillRef idx="1">
+            <a:schemeClr val="accent1"/>
+          </a:fillRef>
+          <a:effectRef idx="0">
+            <a:schemeClr val="accent1"/>
+          </a:effectRef>
+          <a:fontRef idx="minor">
+            <a:schemeClr val="lt1"/>
+          </a:fontRef>
+        </p:style>
+        <p:txBody>
+          <a:bodyPr rtlCol="0" anchor="ctr"/>
+          <a:lstStyle/>
+          <a:p>
+            <a:pPr algn="ctr"/>
+            <a:r>
+              <a:rPr lang="en-US" dirty="0"/>
+              <a:t>Set event to FALSE</a:t>
+            </a:r>
+          </a:p>
+        </p:txBody>
+      </p:sp>
+      <p:cxnSp>
+        <p:nvCxnSpPr>
+          <p:cNvPr id="64" name="Straight Arrow Connector 63">
+            <a:extLst>
+              <a:ext uri="{FF2B5EF4-FFF2-40B4-BE49-F238E27FC236}">
+                <a16:creationId xmlns:a16="http://schemas.microsoft.com/office/drawing/2014/main" id="{55471AEF-0E14-466F-A6E7-608480AFECAD}"/>
+              </a:ext>
+            </a:extLst>
+          </p:cNvPr>
+          <p:cNvCxnSpPr>
+            <a:stCxn id="57" idx="2"/>
+            <a:endCxn id="63" idx="0"/>
+          </p:cNvCxnSpPr>
+          <p:nvPr/>
+        </p:nvCxnSpPr>
+        <p:spPr>
+          <a:xfrm flipH="1">
+            <a:off x="12131250" y="3566471"/>
+            <a:ext cx="1" cy="579413"/>
+          </a:xfrm>
+          <a:prstGeom prst="straightConnector1">
+            <a:avLst/>
+          </a:prstGeom>
+          <a:ln w="38100">
             <a:tailEnd type="triangle"/>
           </a:ln>
         </p:spPr>
@@ -12279,23 +13014,23 @@
       </p:cxnSp>
       <p:cxnSp>
         <p:nvCxnSpPr>
-          <p:cNvPr id="44" name="Connector: Elbow 43">
-            <a:extLst>
-              <a:ext uri="{FF2B5EF4-FFF2-40B4-BE49-F238E27FC236}">
-                <a16:creationId xmlns:a16="http://schemas.microsoft.com/office/drawing/2014/main" id="{B88FA87F-E795-42E6-AC10-F34ECD9F6FEC}"/>
+          <p:cNvPr id="65" name="Connector: Elbow 64">
+            <a:extLst>
+              <a:ext uri="{FF2B5EF4-FFF2-40B4-BE49-F238E27FC236}">
+                <a16:creationId xmlns:a16="http://schemas.microsoft.com/office/drawing/2014/main" id="{5EFD2EC7-8FA5-4424-A8B5-E0E58A8B980D}"/>
               </a:ext>
             </a:extLst>
           </p:cNvPr>
           <p:cNvCxnSpPr>
-            <a:stCxn id="11" idx="2"/>
-            <a:endCxn id="14" idx="0"/>
+            <a:stCxn id="63" idx="2"/>
+            <a:endCxn id="58" idx="0"/>
           </p:cNvCxnSpPr>
           <p:nvPr/>
         </p:nvCxnSpPr>
         <p:spPr>
           <a:xfrm rot="16200000" flipH="1">
-            <a:off x="3656098" y="3858090"/>
-            <a:ext cx="583241" cy="1"/>
+            <a:off x="11849377" y="4947276"/>
+            <a:ext cx="563748" cy="2"/>
           </a:xfrm>
           <a:prstGeom prst="bentConnector3">
             <a:avLst/>
@@ -12319,67 +13054,123 @@
           </a:fontRef>
         </p:style>
       </p:cxnSp>
+      <p:sp>
+        <p:nvSpPr>
+          <p:cNvPr id="66" name="Flowchart: Process 65">
+            <a:extLst>
+              <a:ext uri="{FF2B5EF4-FFF2-40B4-BE49-F238E27FC236}">
+                <a16:creationId xmlns:a16="http://schemas.microsoft.com/office/drawing/2014/main" id="{E8566C4C-6DE3-4493-BC44-00386531AD4C}"/>
+              </a:ext>
+            </a:extLst>
+          </p:cNvPr>
+          <p:cNvSpPr/>
+          <p:nvPr/>
+        </p:nvSpPr>
+        <p:spPr>
+          <a:xfrm>
+            <a:off x="11086221" y="10492462"/>
+            <a:ext cx="2090057" cy="519519"/>
+          </a:xfrm>
+          <a:prstGeom prst="flowChartProcess">
+            <a:avLst/>
+          </a:prstGeom>
+        </p:spPr>
+        <p:style>
+          <a:lnRef idx="2">
+            <a:schemeClr val="accent1">
+              <a:shade val="50000"/>
+            </a:schemeClr>
+          </a:lnRef>
+          <a:fillRef idx="1">
+            <a:schemeClr val="accent1"/>
+          </a:fillRef>
+          <a:effectRef idx="0">
+            <a:schemeClr val="accent1"/>
+          </a:effectRef>
+          <a:fontRef idx="minor">
+            <a:schemeClr val="lt1"/>
+          </a:fontRef>
+        </p:style>
+        <p:txBody>
+          <a:bodyPr rtlCol="0" anchor="ctr"/>
+          <a:lstStyle/>
+          <a:p>
+            <a:pPr algn="ctr"/>
+            <a:r>
+              <a:rPr lang="en-US" dirty="0"/>
+              <a:t>Set event to TRUE</a:t>
+            </a:r>
+          </a:p>
+        </p:txBody>
+      </p:sp>
+      <p:sp>
+        <p:nvSpPr>
+          <p:cNvPr id="67" name="Flowchart: Process 66">
+            <a:extLst>
+              <a:ext uri="{FF2B5EF4-FFF2-40B4-BE49-F238E27FC236}">
+                <a16:creationId xmlns:a16="http://schemas.microsoft.com/office/drawing/2014/main" id="{F9642ED0-698E-418A-BE46-0C575C4CBA13}"/>
+              </a:ext>
+            </a:extLst>
+          </p:cNvPr>
+          <p:cNvSpPr/>
+          <p:nvPr/>
+        </p:nvSpPr>
+        <p:spPr>
+          <a:xfrm>
+            <a:off x="11086220" y="11575729"/>
+            <a:ext cx="2090057" cy="519519"/>
+          </a:xfrm>
+          <a:prstGeom prst="flowChartProcess">
+            <a:avLst/>
+          </a:prstGeom>
+        </p:spPr>
+        <p:style>
+          <a:lnRef idx="2">
+            <a:schemeClr val="accent1">
+              <a:shade val="50000"/>
+            </a:schemeClr>
+          </a:lnRef>
+          <a:fillRef idx="1">
+            <a:schemeClr val="accent1"/>
+          </a:fillRef>
+          <a:effectRef idx="0">
+            <a:schemeClr val="accent1"/>
+          </a:effectRef>
+          <a:fontRef idx="minor">
+            <a:schemeClr val="lt1"/>
+          </a:fontRef>
+        </p:style>
+        <p:txBody>
+          <a:bodyPr rtlCol="0" anchor="ctr"/>
+          <a:lstStyle/>
+          <a:p>
+            <a:pPr algn="ctr"/>
+            <a:r>
+              <a:rPr lang="en-US" dirty="0"/>
+              <a:t>WAIT for Main Event</a:t>
+            </a:r>
+          </a:p>
+        </p:txBody>
+      </p:sp>
       <p:cxnSp>
         <p:nvCxnSpPr>
-          <p:cNvPr id="46" name="Connector: Elbow 45">
-            <a:extLst>
-              <a:ext uri="{FF2B5EF4-FFF2-40B4-BE49-F238E27FC236}">
-                <a16:creationId xmlns:a16="http://schemas.microsoft.com/office/drawing/2014/main" id="{101D61D5-66EE-40CF-867F-0C2708048948}"/>
+          <p:cNvPr id="68" name="Connector: Elbow 67">
+            <a:extLst>
+              <a:ext uri="{FF2B5EF4-FFF2-40B4-BE49-F238E27FC236}">
+                <a16:creationId xmlns:a16="http://schemas.microsoft.com/office/drawing/2014/main" id="{CC7497C3-53B5-41E1-AF8E-895E639AD546}"/>
               </a:ext>
             </a:extLst>
           </p:cNvPr>
           <p:cNvCxnSpPr>
-            <a:stCxn id="14" idx="2"/>
-            <a:endCxn id="16" idx="0"/>
+            <a:stCxn id="60" idx="2"/>
+            <a:endCxn id="66" idx="0"/>
           </p:cNvCxnSpPr>
           <p:nvPr/>
         </p:nvCxnSpPr>
         <p:spPr>
           <a:xfrm rot="5400000">
-            <a:off x="3659134" y="4957816"/>
-            <a:ext cx="577170" cy="1"/>
-          </a:xfrm>
-          <a:prstGeom prst="bentConnector3">
-            <a:avLst/>
-          </a:prstGeom>
-          <a:ln w="38100">
-            <a:tailEnd type="triangle"/>
-          </a:ln>
-        </p:spPr>
-        <p:style>
-          <a:lnRef idx="1">
-            <a:schemeClr val="accent1"/>
-          </a:lnRef>
-          <a:fillRef idx="0">
-            <a:schemeClr val="accent1"/>
-          </a:fillRef>
-          <a:effectRef idx="0">
-            <a:schemeClr val="accent1"/>
-          </a:effectRef>
-          <a:fontRef idx="minor">
-            <a:schemeClr val="tx1"/>
-          </a:fontRef>
-        </p:style>
-      </p:cxnSp>
-      <p:cxnSp>
-        <p:nvCxnSpPr>
-          <p:cNvPr id="48" name="Connector: Elbow 47">
-            <a:extLst>
-              <a:ext uri="{FF2B5EF4-FFF2-40B4-BE49-F238E27FC236}">
-                <a16:creationId xmlns:a16="http://schemas.microsoft.com/office/drawing/2014/main" id="{9BE5B4D8-BE28-4766-ADE5-13BDDBBD39D9}"/>
-              </a:ext>
-            </a:extLst>
-          </p:cNvPr>
-          <p:cNvCxnSpPr>
-            <a:stCxn id="16" idx="2"/>
-            <a:endCxn id="26" idx="0"/>
-          </p:cNvCxnSpPr>
-          <p:nvPr/>
-        </p:nvCxnSpPr>
-        <p:spPr>
-          <a:xfrm rot="16200000" flipH="1">
-            <a:off x="3656594" y="6691921"/>
-            <a:ext cx="582249" cy="1"/>
+            <a:off x="11496001" y="9857211"/>
+            <a:ext cx="1270500" cy="2"/>
           </a:xfrm>
           <a:prstGeom prst="bentConnector3">
             <a:avLst/>
@@ -12408,20 +13199,20 @@
           <p:cNvPr id="69" name="Connector: Elbow 68">
             <a:extLst>
               <a:ext uri="{FF2B5EF4-FFF2-40B4-BE49-F238E27FC236}">
-                <a16:creationId xmlns:a16="http://schemas.microsoft.com/office/drawing/2014/main" id="{B166AFE7-C5C4-463D-807B-ABD83A461E4B}"/>
+                <a16:creationId xmlns:a16="http://schemas.microsoft.com/office/drawing/2014/main" id="{45600D0F-1784-47D4-8125-4AFE27627ED2}"/>
               </a:ext>
             </a:extLst>
           </p:cNvPr>
           <p:cNvCxnSpPr>
-            <a:stCxn id="26" idx="2"/>
-            <a:endCxn id="33" idx="0"/>
+            <a:stCxn id="66" idx="2"/>
+            <a:endCxn id="67" idx="0"/>
           </p:cNvCxnSpPr>
           <p:nvPr/>
         </p:nvCxnSpPr>
         <p:spPr>
           <a:xfrm rot="5400000">
-            <a:off x="3357494" y="8727667"/>
-            <a:ext cx="1180449" cy="2"/>
+            <a:off x="11849376" y="11293855"/>
+            <a:ext cx="563748" cy="1"/>
           </a:xfrm>
           <a:prstGeom prst="bentConnector3">
             <a:avLst/>
@@ -12445,12 +13236,58 @@
           </a:fontRef>
         </p:style>
       </p:cxnSp>
-      <p:sp>
-        <p:nvSpPr>
-          <p:cNvPr id="76" name="Flowchart: Off-page Connector 75">
-            <a:extLst>
-              <a:ext uri="{FF2B5EF4-FFF2-40B4-BE49-F238E27FC236}">
-                <a16:creationId xmlns:a16="http://schemas.microsoft.com/office/drawing/2014/main" id="{D61B6907-1997-47CD-AF56-56061E7A6AD5}"/>
+      <p:cxnSp>
+        <p:nvCxnSpPr>
+          <p:cNvPr id="87" name="Connector: Elbow 86">
+            <a:extLst>
+              <a:ext uri="{FF2B5EF4-FFF2-40B4-BE49-F238E27FC236}">
+                <a16:creationId xmlns:a16="http://schemas.microsoft.com/office/drawing/2014/main" id="{DBDDD432-385C-46E9-B495-733F2E9B0449}"/>
+              </a:ext>
+            </a:extLst>
+          </p:cNvPr>
+          <p:cNvCxnSpPr>
+            <a:cxnSpLocks/>
+            <a:stCxn id="67" idx="2"/>
+            <a:endCxn id="63" idx="3"/>
+          </p:cNvCxnSpPr>
+          <p:nvPr/>
+        </p:nvCxnSpPr>
+        <p:spPr>
+          <a:xfrm rot="5400000" flipH="1" flipV="1">
+            <a:off x="8808961" y="7727931"/>
+            <a:ext cx="7689604" cy="1045029"/>
+          </a:xfrm>
+          <a:prstGeom prst="bentConnector4">
+            <a:avLst>
+              <a:gd name="adj1" fmla="val -2973"/>
+              <a:gd name="adj2" fmla="val 246003"/>
+            </a:avLst>
+          </a:prstGeom>
+          <a:ln w="38100">
+            <a:tailEnd type="triangle"/>
+          </a:ln>
+        </p:spPr>
+        <p:style>
+          <a:lnRef idx="1">
+            <a:schemeClr val="accent1"/>
+          </a:lnRef>
+          <a:fillRef idx="0">
+            <a:schemeClr val="accent1"/>
+          </a:fillRef>
+          <a:effectRef idx="0">
+            <a:schemeClr val="accent1"/>
+          </a:effectRef>
+          <a:fontRef idx="minor">
+            <a:schemeClr val="tx1"/>
+          </a:fontRef>
+        </p:style>
+      </p:cxnSp>
+      <p:sp>
+        <p:nvSpPr>
+          <p:cNvPr id="106" name="Flowchart: Process 105">
+            <a:extLst>
+              <a:ext uri="{FF2B5EF4-FFF2-40B4-BE49-F238E27FC236}">
+                <a16:creationId xmlns:a16="http://schemas.microsoft.com/office/drawing/2014/main" id="{7C18C280-2EC7-43D3-BAD9-C290958A4052}"/>
               </a:ext>
             </a:extLst>
           </p:cNvPr>
@@ -12459,10 +13296,10 @@
         </p:nvSpPr>
         <p:spPr>
           <a:xfrm>
-            <a:off x="10835433" y="11753993"/>
-            <a:ext cx="2090057" cy="641017"/>
-          </a:xfrm>
-          <a:prstGeom prst="flowChartOffpageConnector">
+            <a:off x="16467563" y="3046952"/>
+            <a:ext cx="2090057" cy="519519"/>
+          </a:xfrm>
+          <a:prstGeom prst="flowChartProcess">
             <a:avLst/>
           </a:prstGeom>
         </p:spPr>
@@ -12489,17 +13326,17 @@
             <a:pPr algn="ctr"/>
             <a:r>
               <a:rPr lang="en-US" dirty="0"/>
-              <a:t>Output 0</a:t>
-            </a:r>
-          </a:p>
-        </p:txBody>
-      </p:sp>
-      <p:sp>
-        <p:nvSpPr>
-          <p:cNvPr id="77" name="Flowchart: Data 76">
-            <a:extLst>
-              <a:ext uri="{FF2B5EF4-FFF2-40B4-BE49-F238E27FC236}">
-                <a16:creationId xmlns:a16="http://schemas.microsoft.com/office/drawing/2014/main" id="{89A03E5F-0078-4755-B494-5B3EF2759610}"/>
+              <a:t>Start Schedule Thread</a:t>
+            </a:r>
+          </a:p>
+        </p:txBody>
+      </p:sp>
+      <p:sp>
+        <p:nvSpPr>
+          <p:cNvPr id="107" name="Flowchart: Process 106">
+            <a:extLst>
+              <a:ext uri="{FF2B5EF4-FFF2-40B4-BE49-F238E27FC236}">
+                <a16:creationId xmlns:a16="http://schemas.microsoft.com/office/drawing/2014/main" id="{D18B9DAD-7571-4EC6-B476-9FFF483DE12C}"/>
               </a:ext>
             </a:extLst>
           </p:cNvPr>
@@ -12508,10 +13345,10 @@
         </p:nvSpPr>
         <p:spPr>
           <a:xfrm>
-            <a:off x="6869062" y="13182602"/>
-            <a:ext cx="2090057" cy="718457"/>
-          </a:xfrm>
-          <a:prstGeom prst="flowChartInputOutput">
+            <a:off x="16497172" y="5179146"/>
+            <a:ext cx="2090057" cy="519519"/>
+          </a:xfrm>
+          <a:prstGeom prst="flowChartProcess">
             <a:avLst/>
           </a:prstGeom>
         </p:spPr>
@@ -12538,117 +13375,26 @@
             <a:pPr algn="ctr"/>
             <a:r>
               <a:rPr lang="en-US" dirty="0"/>
-              <a:t>END</a:t>
-            </a:r>
-          </a:p>
-        </p:txBody>
-      </p:sp>
-      <p:cxnSp>
-        <p:nvCxnSpPr>
-          <p:cNvPr id="79" name="Connector: Elbow 78">
-            <a:extLst>
-              <a:ext uri="{FF2B5EF4-FFF2-40B4-BE49-F238E27FC236}">
-                <a16:creationId xmlns:a16="http://schemas.microsoft.com/office/drawing/2014/main" id="{466584EA-30E8-4400-B523-BAF6BEDD7F4B}"/>
-              </a:ext>
-            </a:extLst>
-          </p:cNvPr>
-          <p:cNvCxnSpPr>
-            <a:stCxn id="36" idx="3"/>
-            <a:endCxn id="76" idx="1"/>
-          </p:cNvCxnSpPr>
-          <p:nvPr/>
-        </p:nvCxnSpPr>
-        <p:spPr>
-          <a:xfrm flipV="1">
-            <a:off x="4992746" y="12074502"/>
-            <a:ext cx="5842687" cy="1"/>
-          </a:xfrm>
-          <a:prstGeom prst="bentConnector3">
-            <a:avLst/>
-          </a:prstGeom>
-          <a:ln w="38100">
-            <a:solidFill>
-              <a:srgbClr val="FF0000"/>
-            </a:solidFill>
-            <a:prstDash val="lgDashDot"/>
-            <a:tailEnd type="triangle"/>
-          </a:ln>
-        </p:spPr>
-        <p:style>
-          <a:lnRef idx="1">
-            <a:schemeClr val="accent1"/>
-          </a:lnRef>
-          <a:fillRef idx="0">
-            <a:schemeClr val="accent1"/>
-          </a:fillRef>
-          <a:effectRef idx="0">
-            <a:schemeClr val="accent1"/>
-          </a:effectRef>
-          <a:fontRef idx="minor">
-            <a:schemeClr val="tx1"/>
-          </a:fontRef>
-        </p:style>
-      </p:cxnSp>
-      <p:cxnSp>
-        <p:nvCxnSpPr>
-          <p:cNvPr id="83" name="Connector: Elbow 82">
-            <a:extLst>
-              <a:ext uri="{FF2B5EF4-FFF2-40B4-BE49-F238E27FC236}">
-                <a16:creationId xmlns:a16="http://schemas.microsoft.com/office/drawing/2014/main" id="{3C7C3E92-87C3-432E-B368-353EF3AE1E1A}"/>
-              </a:ext>
-            </a:extLst>
-          </p:cNvPr>
-          <p:cNvCxnSpPr>
-            <a:stCxn id="36" idx="3"/>
-            <a:endCxn id="77" idx="0"/>
-          </p:cNvCxnSpPr>
-          <p:nvPr/>
-        </p:nvCxnSpPr>
+              <a:t>Set Main Event to FASLE</a:t>
+            </a:r>
+          </a:p>
+        </p:txBody>
+      </p:sp>
+      <p:sp>
+        <p:nvSpPr>
+          <p:cNvPr id="108" name="Flowchart: Process 107">
+            <a:extLst>
+              <a:ext uri="{FF2B5EF4-FFF2-40B4-BE49-F238E27FC236}">
+                <a16:creationId xmlns:a16="http://schemas.microsoft.com/office/drawing/2014/main" id="{2AF955FE-FD4F-4704-90E4-A3D9497C8041}"/>
+              </a:ext>
+            </a:extLst>
+          </p:cNvPr>
+          <p:cNvSpPr/>
+          <p:nvPr/>
+        </p:nvSpPr>
         <p:spPr>
           <a:xfrm>
-            <a:off x="4992746" y="12074503"/>
-            <a:ext cx="3130350" cy="1108099"/>
-          </a:xfrm>
-          <a:prstGeom prst="bentConnector2">
-            <a:avLst/>
-          </a:prstGeom>
-          <a:ln w="38100">
-            <a:solidFill>
-              <a:srgbClr val="FF0000"/>
-            </a:solidFill>
-            <a:tailEnd type="triangle"/>
-          </a:ln>
-        </p:spPr>
-        <p:style>
-          <a:lnRef idx="1">
-            <a:schemeClr val="accent1"/>
-          </a:lnRef>
-          <a:fillRef idx="0">
-            <a:schemeClr val="accent1"/>
-          </a:fillRef>
-          <a:effectRef idx="0">
-            <a:schemeClr val="accent1"/>
-          </a:effectRef>
-          <a:fontRef idx="minor">
-            <a:schemeClr val="tx1"/>
-          </a:fontRef>
-        </p:style>
-      </p:cxnSp>
-      <p:sp>
-        <p:nvSpPr>
-          <p:cNvPr id="84" name="Flowchart: Process 83">
-            <a:extLst>
-              <a:ext uri="{FF2B5EF4-FFF2-40B4-BE49-F238E27FC236}">
-                <a16:creationId xmlns:a16="http://schemas.microsoft.com/office/drawing/2014/main" id="{F93B090C-7B01-471B-8660-C9519D59D02E}"/>
-              </a:ext>
-            </a:extLst>
-          </p:cNvPr>
-          <p:cNvSpPr/>
-          <p:nvPr/>
-        </p:nvSpPr>
-        <p:spPr>
-          <a:xfrm>
-            <a:off x="2902688" y="13228899"/>
+            <a:off x="16497172" y="7311340"/>
             <a:ext cx="2090057" cy="519519"/>
           </a:xfrm>
           <a:prstGeom prst="flowChartProcess">
@@ -12678,150 +13424,17 @@
             <a:pPr algn="ctr"/>
             <a:r>
               <a:rPr lang="en-US" dirty="0"/>
-              <a:t>Read time queue</a:t>
-            </a:r>
-          </a:p>
-        </p:txBody>
-      </p:sp>
-      <p:cxnSp>
-        <p:nvCxnSpPr>
-          <p:cNvPr id="86" name="Connector: Elbow 85">
-            <a:extLst>
-              <a:ext uri="{FF2B5EF4-FFF2-40B4-BE49-F238E27FC236}">
-                <a16:creationId xmlns:a16="http://schemas.microsoft.com/office/drawing/2014/main" id="{A1694BD7-FCC3-4CBD-A769-F9DD11646204}"/>
-              </a:ext>
-            </a:extLst>
-          </p:cNvPr>
-          <p:cNvCxnSpPr>
-            <a:stCxn id="36" idx="2"/>
-            <a:endCxn id="84" idx="0"/>
-          </p:cNvCxnSpPr>
-          <p:nvPr/>
-        </p:nvCxnSpPr>
-        <p:spPr>
-          <a:xfrm rot="5400000">
-            <a:off x="3659119" y="12940300"/>
-            <a:ext cx="577198" cy="1"/>
-          </a:xfrm>
-          <a:prstGeom prst="bentConnector3">
-            <a:avLst/>
-          </a:prstGeom>
-          <a:ln w="38100">
-            <a:solidFill>
-              <a:srgbClr val="00B050"/>
-            </a:solidFill>
-            <a:tailEnd type="triangle"/>
-          </a:ln>
-        </p:spPr>
-        <p:style>
-          <a:lnRef idx="1">
-            <a:schemeClr val="accent1"/>
-          </a:lnRef>
-          <a:fillRef idx="0">
-            <a:schemeClr val="accent1"/>
-          </a:fillRef>
-          <a:effectRef idx="0">
-            <a:schemeClr val="accent1"/>
-          </a:effectRef>
-          <a:fontRef idx="minor">
-            <a:schemeClr val="tx1"/>
-          </a:fontRef>
-        </p:style>
-      </p:cxnSp>
-      <p:cxnSp>
-        <p:nvCxnSpPr>
-          <p:cNvPr id="96" name="Connector: Elbow 95">
-            <a:extLst>
-              <a:ext uri="{FF2B5EF4-FFF2-40B4-BE49-F238E27FC236}">
-                <a16:creationId xmlns:a16="http://schemas.microsoft.com/office/drawing/2014/main" id="{1021A9A6-C761-4A70-9E36-4C947B4FBFAB}"/>
-              </a:ext>
-            </a:extLst>
-          </p:cNvPr>
-          <p:cNvCxnSpPr>
-            <a:stCxn id="84" idx="2"/>
-            <a:endCxn id="36" idx="1"/>
-          </p:cNvCxnSpPr>
-          <p:nvPr/>
-        </p:nvCxnSpPr>
-        <p:spPr>
-          <a:xfrm rot="5400000" flipH="1">
-            <a:off x="2588245" y="12388947"/>
-            <a:ext cx="1673915" cy="1045028"/>
-          </a:xfrm>
-          <a:prstGeom prst="bentConnector4">
-            <a:avLst>
-              <a:gd name="adj1" fmla="val -27314"/>
-              <a:gd name="adj2" fmla="val 191875"/>
-            </a:avLst>
-          </a:prstGeom>
-          <a:ln w="38100">
-            <a:tailEnd type="triangle"/>
-          </a:ln>
-        </p:spPr>
-        <p:style>
-          <a:lnRef idx="1">
-            <a:schemeClr val="accent1"/>
-          </a:lnRef>
-          <a:fillRef idx="0">
-            <a:schemeClr val="accent1"/>
-          </a:fillRef>
-          <a:effectRef idx="0">
-            <a:schemeClr val="accent1"/>
-          </a:effectRef>
-          <a:fontRef idx="minor">
-            <a:schemeClr val="tx1"/>
-          </a:fontRef>
-        </p:style>
-      </p:cxnSp>
-      <p:cxnSp>
-        <p:nvCxnSpPr>
-          <p:cNvPr id="100" name="Connector: Elbow 99">
-            <a:extLst>
-              <a:ext uri="{FF2B5EF4-FFF2-40B4-BE49-F238E27FC236}">
-                <a16:creationId xmlns:a16="http://schemas.microsoft.com/office/drawing/2014/main" id="{BA719404-B595-4C6A-BAE2-B97796946D49}"/>
-              </a:ext>
-            </a:extLst>
-          </p:cNvPr>
-          <p:cNvCxnSpPr>
-            <a:stCxn id="9" idx="2"/>
-            <a:endCxn id="18" idx="0"/>
-          </p:cNvCxnSpPr>
-          <p:nvPr/>
-        </p:nvCxnSpPr>
-        <p:spPr>
-          <a:xfrm rot="16200000" flipH="1">
-            <a:off x="7295540" y="4122891"/>
-            <a:ext cx="2759889" cy="507"/>
-          </a:xfrm>
-          <a:prstGeom prst="bentConnector3">
-            <a:avLst/>
-          </a:prstGeom>
-          <a:ln w="38100">
-            <a:prstDash val="sysDot"/>
-            <a:tailEnd type="triangle"/>
-          </a:ln>
-        </p:spPr>
-        <p:style>
-          <a:lnRef idx="1">
-            <a:schemeClr val="accent1"/>
-          </a:lnRef>
-          <a:fillRef idx="0">
-            <a:schemeClr val="accent1"/>
-          </a:fillRef>
-          <a:effectRef idx="0">
-            <a:schemeClr val="accent1"/>
-          </a:effectRef>
-          <a:fontRef idx="minor">
-            <a:schemeClr val="tx1"/>
-          </a:fontRef>
-        </p:style>
-      </p:cxnSp>
-      <p:sp>
-        <p:nvSpPr>
-          <p:cNvPr id="115" name="Flowchart: Process 114">
-            <a:extLst>
-              <a:ext uri="{FF2B5EF4-FFF2-40B4-BE49-F238E27FC236}">
-                <a16:creationId xmlns:a16="http://schemas.microsoft.com/office/drawing/2014/main" id="{81827D50-FECC-4310-97EB-01052D307168}"/>
+              <a:t>WAIT for thread1 event</a:t>
+            </a:r>
+          </a:p>
+        </p:txBody>
+      </p:sp>
+      <p:sp>
+        <p:nvSpPr>
+          <p:cNvPr id="109" name="Flowchart: Process 108">
+            <a:extLst>
+              <a:ext uri="{FF2B5EF4-FFF2-40B4-BE49-F238E27FC236}">
+                <a16:creationId xmlns:a16="http://schemas.microsoft.com/office/drawing/2014/main" id="{60162DF9-D237-46AD-9870-5AD81C394553}"/>
               </a:ext>
             </a:extLst>
           </p:cNvPr>
@@ -12830,7 +13443,7 @@
         </p:nvSpPr>
         <p:spPr>
           <a:xfrm>
-            <a:off x="17040447" y="3046952"/>
+            <a:off x="16497173" y="9443534"/>
             <a:ext cx="2090057" cy="519519"/>
           </a:xfrm>
           <a:prstGeom prst="flowChartProcess">
@@ -12860,17 +13473,17 @@
             <a:pPr algn="ctr"/>
             <a:r>
               <a:rPr lang="en-US" dirty="0"/>
-              <a:t>Start Thread 1</a:t>
-            </a:r>
-          </a:p>
-        </p:txBody>
-      </p:sp>
-      <p:sp>
-        <p:nvSpPr>
-          <p:cNvPr id="116" name="Flowchart: Process 115">
-            <a:extLst>
-              <a:ext uri="{FF2B5EF4-FFF2-40B4-BE49-F238E27FC236}">
-                <a16:creationId xmlns:a16="http://schemas.microsoft.com/office/drawing/2014/main" id="{95A043DD-2CA8-4B5B-9E3E-CBA2BC5796FE}"/>
+              <a:t>WAIT for thread2 event</a:t>
+            </a:r>
+          </a:p>
+        </p:txBody>
+      </p:sp>
+      <p:sp>
+        <p:nvSpPr>
+          <p:cNvPr id="110" name="Flowchart: Process 109">
+            <a:extLst>
+              <a:ext uri="{FF2B5EF4-FFF2-40B4-BE49-F238E27FC236}">
+                <a16:creationId xmlns:a16="http://schemas.microsoft.com/office/drawing/2014/main" id="{69E058D1-CB47-4011-A663-034DC8299506}"/>
               </a:ext>
             </a:extLst>
           </p:cNvPr>
@@ -12879,7 +13492,7 @@
         </p:nvSpPr>
         <p:spPr>
           <a:xfrm>
-            <a:off x="17040448" y="4149712"/>
+            <a:off x="16497173" y="11575729"/>
             <a:ext cx="2090057" cy="519519"/>
           </a:xfrm>
           <a:prstGeom prst="flowChartProcess">
@@ -12909,226 +13522,197 @@
             <a:pPr algn="ctr"/>
             <a:r>
               <a:rPr lang="en-US" dirty="0"/>
-              <a:t>Read sensor signal</a:t>
-            </a:r>
-          </a:p>
-        </p:txBody>
-      </p:sp>
-      <p:sp>
-        <p:nvSpPr>
-          <p:cNvPr id="117" name="Flowchart: Decision 116">
-            <a:extLst>
-              <a:ext uri="{FF2B5EF4-FFF2-40B4-BE49-F238E27FC236}">
-                <a16:creationId xmlns:a16="http://schemas.microsoft.com/office/drawing/2014/main" id="{23815285-01B5-426C-9A9E-BAE000E0AB76}"/>
-              </a:ext>
-            </a:extLst>
-          </p:cNvPr>
-          <p:cNvSpPr/>
-          <p:nvPr/>
-        </p:nvSpPr>
-        <p:spPr>
-          <a:xfrm>
-            <a:off x="17040447" y="5246401"/>
-            <a:ext cx="2090057" cy="1154397"/>
-          </a:xfrm>
-          <a:prstGeom prst="flowChartDecision">
-            <a:avLst/>
-          </a:prstGeom>
-        </p:spPr>
-        <p:style>
-          <a:lnRef idx="2">
-            <a:schemeClr val="accent1">
-              <a:shade val="50000"/>
-            </a:schemeClr>
-          </a:lnRef>
-          <a:fillRef idx="1">
-            <a:schemeClr val="accent1"/>
-          </a:fillRef>
-          <a:effectRef idx="0">
-            <a:schemeClr val="accent1"/>
-          </a:effectRef>
-          <a:fontRef idx="minor">
-            <a:schemeClr val="lt1"/>
-          </a:fontRef>
-        </p:style>
-        <p:txBody>
-          <a:bodyPr rtlCol="0" anchor="ctr"/>
-          <a:lstStyle/>
-          <a:p>
-            <a:pPr algn="ctr"/>
-            <a:r>
-              <a:rPr lang="en-US" dirty="0"/>
-              <a:t>Did it ping vole 1?</a:t>
-            </a:r>
-          </a:p>
-        </p:txBody>
-      </p:sp>
-      <p:sp>
-        <p:nvSpPr>
-          <p:cNvPr id="118" name="Flowchart: Decision 117">
-            <a:extLst>
-              <a:ext uri="{FF2B5EF4-FFF2-40B4-BE49-F238E27FC236}">
-                <a16:creationId xmlns:a16="http://schemas.microsoft.com/office/drawing/2014/main" id="{39E3A9AC-7B8E-4BD2-AC71-0598A7F6631E}"/>
-              </a:ext>
-            </a:extLst>
-          </p:cNvPr>
-          <p:cNvSpPr/>
-          <p:nvPr/>
-        </p:nvSpPr>
-        <p:spPr>
-          <a:xfrm>
-            <a:off x="17040445" y="6977968"/>
-            <a:ext cx="2090057" cy="1154397"/>
-          </a:xfrm>
-          <a:prstGeom prst="flowChartDecision">
-            <a:avLst/>
-          </a:prstGeom>
-        </p:spPr>
-        <p:style>
-          <a:lnRef idx="2">
-            <a:schemeClr val="accent1">
-              <a:shade val="50000"/>
-            </a:schemeClr>
-          </a:lnRef>
-          <a:fillRef idx="1">
-            <a:schemeClr val="accent1"/>
-          </a:fillRef>
-          <a:effectRef idx="0">
-            <a:schemeClr val="accent1"/>
-          </a:effectRef>
-          <a:fontRef idx="minor">
-            <a:schemeClr val="lt1"/>
-          </a:fontRef>
-        </p:style>
-        <p:txBody>
-          <a:bodyPr rtlCol="0" anchor="ctr"/>
-          <a:lstStyle/>
-          <a:p>
-            <a:pPr algn="ctr"/>
-            <a:r>
-              <a:rPr lang="en-US" dirty="0"/>
-              <a:t>Did it ping vole 2?</a:t>
-            </a:r>
-          </a:p>
-        </p:txBody>
-      </p:sp>
-      <p:sp>
-        <p:nvSpPr>
-          <p:cNvPr id="119" name="Flowchart: Process 118">
-            <a:extLst>
-              <a:ext uri="{FF2B5EF4-FFF2-40B4-BE49-F238E27FC236}">
-                <a16:creationId xmlns:a16="http://schemas.microsoft.com/office/drawing/2014/main" id="{1D7F6F10-B524-40C9-8FC5-B43E23BA251D}"/>
-              </a:ext>
-            </a:extLst>
-          </p:cNvPr>
-          <p:cNvSpPr/>
-          <p:nvPr/>
-        </p:nvSpPr>
-        <p:spPr>
-          <a:xfrm>
-            <a:off x="17040446" y="9317893"/>
-            <a:ext cx="2090057" cy="519519"/>
-          </a:xfrm>
-          <a:prstGeom prst="flowChartProcess">
-            <a:avLst/>
-          </a:prstGeom>
-        </p:spPr>
-        <p:style>
-          <a:lnRef idx="2">
-            <a:schemeClr val="accent1">
-              <a:shade val="50000"/>
-            </a:schemeClr>
-          </a:lnRef>
-          <a:fillRef idx="1">
-            <a:schemeClr val="accent1"/>
-          </a:fillRef>
-          <a:effectRef idx="0">
-            <a:schemeClr val="accent1"/>
-          </a:effectRef>
-          <a:fontRef idx="minor">
-            <a:schemeClr val="lt1"/>
-          </a:fontRef>
-        </p:style>
-        <p:txBody>
-          <a:bodyPr rtlCol="0" anchor="ctr"/>
-          <a:lstStyle/>
-          <a:p>
-            <a:pPr algn="ctr"/>
-            <a:r>
-              <a:rPr lang="en-US" dirty="0"/>
-              <a:t>Read time queue</a:t>
-            </a:r>
-          </a:p>
-        </p:txBody>
-      </p:sp>
-      <p:sp>
-        <p:nvSpPr>
-          <p:cNvPr id="120" name="Flowchart: Decision 119">
-            <a:extLst>
-              <a:ext uri="{FF2B5EF4-FFF2-40B4-BE49-F238E27FC236}">
-                <a16:creationId xmlns:a16="http://schemas.microsoft.com/office/drawing/2014/main" id="{7E2C8527-FA80-4776-A0F6-42F75B5CFA93}"/>
-              </a:ext>
-            </a:extLst>
-          </p:cNvPr>
-          <p:cNvSpPr/>
-          <p:nvPr/>
-        </p:nvSpPr>
-        <p:spPr>
-          <a:xfrm>
-            <a:off x="17040447" y="11497304"/>
-            <a:ext cx="2090057" cy="1154397"/>
-          </a:xfrm>
-          <a:prstGeom prst="flowChartDecision">
-            <a:avLst/>
-          </a:prstGeom>
-        </p:spPr>
-        <p:style>
-          <a:lnRef idx="2">
-            <a:schemeClr val="accent1">
-              <a:shade val="50000"/>
-            </a:schemeClr>
-          </a:lnRef>
-          <a:fillRef idx="1">
-            <a:schemeClr val="accent1"/>
-          </a:fillRef>
-          <a:effectRef idx="0">
-            <a:schemeClr val="accent1"/>
-          </a:effectRef>
-          <a:fontRef idx="minor">
-            <a:schemeClr val="lt1"/>
-          </a:fontRef>
-        </p:style>
-        <p:txBody>
-          <a:bodyPr rtlCol="0" anchor="ctr"/>
-          <a:lstStyle/>
-          <a:p>
-            <a:pPr algn="ctr"/>
-            <a:r>
-              <a:rPr lang="en-US" dirty="0"/>
-              <a:t>Number &lt; # of threads?</a:t>
-            </a:r>
-          </a:p>
-        </p:txBody>
-      </p:sp>
+              <a:t>Set Main Event to TRUE</a:t>
+            </a:r>
+          </a:p>
+        </p:txBody>
+      </p:sp>
+      <p:cxnSp>
+        <p:nvCxnSpPr>
+          <p:cNvPr id="112" name="Connector: Elbow 111">
+            <a:extLst>
+              <a:ext uri="{FF2B5EF4-FFF2-40B4-BE49-F238E27FC236}">
+                <a16:creationId xmlns:a16="http://schemas.microsoft.com/office/drawing/2014/main" id="{5F050C83-D856-49F6-881E-F6D26F2C0A36}"/>
+              </a:ext>
+            </a:extLst>
+          </p:cNvPr>
+          <p:cNvCxnSpPr>
+            <a:stCxn id="110" idx="2"/>
+            <a:endCxn id="107" idx="3"/>
+          </p:cNvCxnSpPr>
+          <p:nvPr/>
+        </p:nvCxnSpPr>
+        <p:spPr>
+          <a:xfrm rot="5400000" flipH="1" flipV="1">
+            <a:off x="14736544" y="8244563"/>
+            <a:ext cx="6656342" cy="1045027"/>
+          </a:xfrm>
+          <a:prstGeom prst="bentConnector4">
+            <a:avLst>
+              <a:gd name="adj1" fmla="val -3434"/>
+              <a:gd name="adj2" fmla="val 260247"/>
+            </a:avLst>
+          </a:prstGeom>
+          <a:ln w="38100">
+            <a:tailEnd type="triangle"/>
+          </a:ln>
+        </p:spPr>
+        <p:style>
+          <a:lnRef idx="1">
+            <a:schemeClr val="accent1"/>
+          </a:lnRef>
+          <a:fillRef idx="0">
+            <a:schemeClr val="accent1"/>
+          </a:fillRef>
+          <a:effectRef idx="0">
+            <a:schemeClr val="accent1"/>
+          </a:effectRef>
+          <a:fontRef idx="minor">
+            <a:schemeClr val="tx1"/>
+          </a:fontRef>
+        </p:style>
+      </p:cxnSp>
+      <p:cxnSp>
+        <p:nvCxnSpPr>
+          <p:cNvPr id="115" name="Connector: Elbow 114">
+            <a:extLst>
+              <a:ext uri="{FF2B5EF4-FFF2-40B4-BE49-F238E27FC236}">
+                <a16:creationId xmlns:a16="http://schemas.microsoft.com/office/drawing/2014/main" id="{A248F1A3-64B1-4DF2-91A6-124A6F878433}"/>
+              </a:ext>
+            </a:extLst>
+          </p:cNvPr>
+          <p:cNvCxnSpPr>
+            <a:stCxn id="106" idx="2"/>
+          </p:cNvCxnSpPr>
+          <p:nvPr/>
+        </p:nvCxnSpPr>
+        <p:spPr>
+          <a:xfrm rot="5400000">
+            <a:off x="16681252" y="4397811"/>
+            <a:ext cx="1662680" cy="1"/>
+          </a:xfrm>
+          <a:prstGeom prst="bentConnector3">
+            <a:avLst/>
+          </a:prstGeom>
+          <a:ln w="38100">
+            <a:tailEnd type="triangle"/>
+          </a:ln>
+        </p:spPr>
+        <p:style>
+          <a:lnRef idx="1">
+            <a:schemeClr val="accent1"/>
+          </a:lnRef>
+          <a:fillRef idx="0">
+            <a:schemeClr val="accent1"/>
+          </a:fillRef>
+          <a:effectRef idx="0">
+            <a:schemeClr val="accent1"/>
+          </a:effectRef>
+          <a:fontRef idx="minor">
+            <a:schemeClr val="tx1"/>
+          </a:fontRef>
+        </p:style>
+      </p:cxnSp>
+      <p:cxnSp>
+        <p:nvCxnSpPr>
+          <p:cNvPr id="117" name="Connector: Elbow 116">
+            <a:extLst>
+              <a:ext uri="{FF2B5EF4-FFF2-40B4-BE49-F238E27FC236}">
+                <a16:creationId xmlns:a16="http://schemas.microsoft.com/office/drawing/2014/main" id="{42DFFBA9-AE64-47CF-B8DB-FFB40A23F55E}"/>
+              </a:ext>
+            </a:extLst>
+          </p:cNvPr>
+          <p:cNvCxnSpPr>
+            <a:stCxn id="107" idx="2"/>
+          </p:cNvCxnSpPr>
+          <p:nvPr/>
+        </p:nvCxnSpPr>
+        <p:spPr>
+          <a:xfrm rot="5400000">
+            <a:off x="16717478" y="6523388"/>
+            <a:ext cx="1649446" cy="1"/>
+          </a:xfrm>
+          <a:prstGeom prst="bentConnector3">
+            <a:avLst/>
+          </a:prstGeom>
+          <a:ln w="38100">
+            <a:tailEnd type="triangle"/>
+          </a:ln>
+        </p:spPr>
+        <p:style>
+          <a:lnRef idx="1">
+            <a:schemeClr val="accent1"/>
+          </a:lnRef>
+          <a:fillRef idx="0">
+            <a:schemeClr val="accent1"/>
+          </a:fillRef>
+          <a:effectRef idx="0">
+            <a:schemeClr val="accent1"/>
+          </a:effectRef>
+          <a:fontRef idx="minor">
+            <a:schemeClr val="tx1"/>
+          </a:fontRef>
+        </p:style>
+      </p:cxnSp>
+      <p:cxnSp>
+        <p:nvCxnSpPr>
+          <p:cNvPr id="119" name="Connector: Elbow 118">
+            <a:extLst>
+              <a:ext uri="{FF2B5EF4-FFF2-40B4-BE49-F238E27FC236}">
+                <a16:creationId xmlns:a16="http://schemas.microsoft.com/office/drawing/2014/main" id="{00795708-6FAC-425F-90FE-FDB3DE070C56}"/>
+              </a:ext>
+            </a:extLst>
+          </p:cNvPr>
+          <p:cNvCxnSpPr>
+            <a:stCxn id="108" idx="2"/>
+          </p:cNvCxnSpPr>
+          <p:nvPr/>
+        </p:nvCxnSpPr>
+        <p:spPr>
+          <a:xfrm rot="5400000">
+            <a:off x="16710199" y="8662859"/>
+            <a:ext cx="1664003" cy="2"/>
+          </a:xfrm>
+          <a:prstGeom prst="bentConnector3">
+            <a:avLst/>
+          </a:prstGeom>
+          <a:ln w="38100">
+            <a:tailEnd type="triangle"/>
+          </a:ln>
+        </p:spPr>
+        <p:style>
+          <a:lnRef idx="1">
+            <a:schemeClr val="accent1"/>
+          </a:lnRef>
+          <a:fillRef idx="0">
+            <a:schemeClr val="accent1"/>
+          </a:fillRef>
+          <a:effectRef idx="0">
+            <a:schemeClr val="accent1"/>
+          </a:effectRef>
+          <a:fontRef idx="minor">
+            <a:schemeClr val="tx1"/>
+          </a:fontRef>
+        </p:style>
+      </p:cxnSp>
       <p:cxnSp>
         <p:nvCxnSpPr>
           <p:cNvPr id="121" name="Connector: Elbow 120">
             <a:extLst>
               <a:ext uri="{FF2B5EF4-FFF2-40B4-BE49-F238E27FC236}">
-                <a16:creationId xmlns:a16="http://schemas.microsoft.com/office/drawing/2014/main" id="{8F1B1CFC-8E8C-4DF7-97B8-BAA8B99917D2}"/>
+                <a16:creationId xmlns:a16="http://schemas.microsoft.com/office/drawing/2014/main" id="{C0DCD96C-C749-4C35-88DD-783B1F4B27D5}"/>
               </a:ext>
             </a:extLst>
           </p:cNvPr>
           <p:cNvCxnSpPr>
-            <a:stCxn id="115" idx="2"/>
-            <a:endCxn id="116" idx="0"/>
+            <a:stCxn id="109" idx="2"/>
           </p:cNvCxnSpPr>
           <p:nvPr/>
         </p:nvCxnSpPr>
         <p:spPr>
-          <a:xfrm rot="16200000" flipH="1">
-            <a:off x="17793856" y="3858090"/>
-            <a:ext cx="583241" cy="1"/>
+          <a:xfrm rot="5400000">
+            <a:off x="16735864" y="10769389"/>
+            <a:ext cx="1612675" cy="3"/>
           </a:xfrm>
           <a:prstGeom prst="bentConnector3">
             <a:avLst/>
@@ -13152,775 +13736,121 @@
           </a:fontRef>
         </p:style>
       </p:cxnSp>
-      <p:cxnSp>
-        <p:nvCxnSpPr>
-          <p:cNvPr id="122" name="Connector: Elbow 121">
-            <a:extLst>
-              <a:ext uri="{FF2B5EF4-FFF2-40B4-BE49-F238E27FC236}">
-                <a16:creationId xmlns:a16="http://schemas.microsoft.com/office/drawing/2014/main" id="{4D0E5702-B458-4234-B7C7-5439C0AC5E2B}"/>
-              </a:ext>
-            </a:extLst>
-          </p:cNvPr>
-          <p:cNvCxnSpPr>
-            <a:stCxn id="116" idx="2"/>
-            <a:endCxn id="117" idx="0"/>
-          </p:cNvCxnSpPr>
-          <p:nvPr/>
-        </p:nvCxnSpPr>
-        <p:spPr>
-          <a:xfrm rot="5400000">
-            <a:off x="17796892" y="4957816"/>
-            <a:ext cx="577170" cy="1"/>
-          </a:xfrm>
-          <a:prstGeom prst="bentConnector3">
-            <a:avLst/>
-          </a:prstGeom>
-          <a:ln w="38100">
-            <a:tailEnd type="triangle"/>
-          </a:ln>
-        </p:spPr>
-        <p:style>
-          <a:lnRef idx="1">
-            <a:schemeClr val="accent1"/>
-          </a:lnRef>
-          <a:fillRef idx="0">
-            <a:schemeClr val="accent1"/>
-          </a:fillRef>
-          <a:effectRef idx="0">
-            <a:schemeClr val="accent1"/>
-          </a:effectRef>
-          <a:fontRef idx="minor">
-            <a:schemeClr val="tx1"/>
-          </a:fontRef>
-        </p:style>
-      </p:cxnSp>
-      <p:cxnSp>
-        <p:nvCxnSpPr>
-          <p:cNvPr id="123" name="Connector: Elbow 122">
-            <a:extLst>
-              <a:ext uri="{FF2B5EF4-FFF2-40B4-BE49-F238E27FC236}">
-                <a16:creationId xmlns:a16="http://schemas.microsoft.com/office/drawing/2014/main" id="{43ECC7AB-8D85-4F86-A61B-B2464C3D273E}"/>
-              </a:ext>
-            </a:extLst>
-          </p:cNvPr>
-          <p:cNvCxnSpPr>
-            <a:stCxn id="117" idx="2"/>
-            <a:endCxn id="118" idx="0"/>
-          </p:cNvCxnSpPr>
-          <p:nvPr/>
-        </p:nvCxnSpPr>
-        <p:spPr>
-          <a:xfrm rot="5400000">
-            <a:off x="17796890" y="6689382"/>
-            <a:ext cx="577170" cy="2"/>
-          </a:xfrm>
-          <a:prstGeom prst="bentConnector3">
-            <a:avLst/>
-          </a:prstGeom>
-          <a:ln w="38100">
-            <a:tailEnd type="triangle"/>
-          </a:ln>
-        </p:spPr>
-        <p:style>
-          <a:lnRef idx="1">
-            <a:schemeClr val="accent1"/>
-          </a:lnRef>
-          <a:fillRef idx="0">
-            <a:schemeClr val="accent1"/>
-          </a:fillRef>
-          <a:effectRef idx="0">
-            <a:schemeClr val="accent1"/>
-          </a:effectRef>
-          <a:fontRef idx="minor">
-            <a:schemeClr val="tx1"/>
-          </a:fontRef>
-        </p:style>
-      </p:cxnSp>
-      <p:cxnSp>
-        <p:nvCxnSpPr>
-          <p:cNvPr id="124" name="Connector: Elbow 123">
-            <a:extLst>
-              <a:ext uri="{FF2B5EF4-FFF2-40B4-BE49-F238E27FC236}">
-                <a16:creationId xmlns:a16="http://schemas.microsoft.com/office/drawing/2014/main" id="{AA11D207-5B20-40AF-9E47-FF75955B961A}"/>
-              </a:ext>
-            </a:extLst>
-          </p:cNvPr>
-          <p:cNvCxnSpPr>
-            <a:stCxn id="118" idx="2"/>
-            <a:endCxn id="119" idx="0"/>
-          </p:cNvCxnSpPr>
-          <p:nvPr/>
-        </p:nvCxnSpPr>
-        <p:spPr>
-          <a:xfrm rot="16200000" flipH="1">
-            <a:off x="17492710" y="8725128"/>
-            <a:ext cx="1185528" cy="1"/>
-          </a:xfrm>
-          <a:prstGeom prst="bentConnector3">
-            <a:avLst/>
-          </a:prstGeom>
-          <a:ln w="38100">
-            <a:tailEnd type="triangle"/>
-          </a:ln>
-        </p:spPr>
-        <p:style>
-          <a:lnRef idx="1">
-            <a:schemeClr val="accent1"/>
-          </a:lnRef>
-          <a:fillRef idx="0">
-            <a:schemeClr val="accent1"/>
-          </a:fillRef>
-          <a:effectRef idx="0">
-            <a:schemeClr val="accent1"/>
-          </a:effectRef>
-          <a:fontRef idx="minor">
-            <a:schemeClr val="tx1"/>
-          </a:fontRef>
-        </p:style>
-      </p:cxnSp>
-      <p:sp>
-        <p:nvSpPr>
-          <p:cNvPr id="125" name="Flowchart: Process 124">
-            <a:extLst>
-              <a:ext uri="{FF2B5EF4-FFF2-40B4-BE49-F238E27FC236}">
-                <a16:creationId xmlns:a16="http://schemas.microsoft.com/office/drawing/2014/main" id="{083F0069-BAD5-488B-995E-4DE4F2944FD6}"/>
-              </a:ext>
-            </a:extLst>
-          </p:cNvPr>
-          <p:cNvSpPr/>
+      <p:sp>
+        <p:nvSpPr>
+          <p:cNvPr id="124" name="TextBox 123">
+            <a:extLst>
+              <a:ext uri="{FF2B5EF4-FFF2-40B4-BE49-F238E27FC236}">
+                <a16:creationId xmlns:a16="http://schemas.microsoft.com/office/drawing/2014/main" id="{7D99093A-04C1-4CC0-B076-5EAA68198C4B}"/>
+              </a:ext>
+            </a:extLst>
+          </p:cNvPr>
+          <p:cNvSpPr txBox="1"/>
           <p:nvPr/>
         </p:nvSpPr>
         <p:spPr>
           <a:xfrm>
-            <a:off x="17040446" y="13228899"/>
-            <a:ext cx="2090057" cy="519519"/>
-          </a:xfrm>
-          <a:prstGeom prst="flowChartProcess">
-            <a:avLst/>
-          </a:prstGeom>
-        </p:spPr>
-        <p:style>
-          <a:lnRef idx="2">
-            <a:schemeClr val="accent1">
-              <a:shade val="50000"/>
-            </a:schemeClr>
-          </a:lnRef>
-          <a:fillRef idx="1">
-            <a:schemeClr val="accent1"/>
-          </a:fillRef>
-          <a:effectRef idx="0">
-            <a:schemeClr val="accent1"/>
-          </a:effectRef>
-          <a:fontRef idx="minor">
-            <a:schemeClr val="lt1"/>
-          </a:fontRef>
-        </p:style>
-        <p:txBody>
-          <a:bodyPr rtlCol="0" anchor="ctr"/>
+            <a:off x="1318437" y="13864856"/>
+            <a:ext cx="13716000" cy="1107996"/>
+          </a:xfrm>
+          <a:prstGeom prst="rect">
+            <a:avLst/>
+          </a:prstGeom>
+          <a:noFill/>
+        </p:spPr>
+        <p:txBody>
+          <a:bodyPr wrap="square" rtlCol="0">
+            <a:spAutoFit/>
+          </a:bodyPr>
           <a:lstStyle/>
           <a:p>
-            <a:pPr algn="ctr"/>
-            <a:r>
-              <a:rPr lang="en-US" dirty="0"/>
-              <a:t>Read time queue</a:t>
-            </a:r>
-          </a:p>
-        </p:txBody>
-      </p:sp>
-      <p:cxnSp>
-        <p:nvCxnSpPr>
-          <p:cNvPr id="126" name="Connector: Elbow 125">
-            <a:extLst>
-              <a:ext uri="{FF2B5EF4-FFF2-40B4-BE49-F238E27FC236}">
-                <a16:creationId xmlns:a16="http://schemas.microsoft.com/office/drawing/2014/main" id="{FB4AA93E-EF3F-4856-B0DC-484DBE8A1E94}"/>
-              </a:ext>
-            </a:extLst>
-          </p:cNvPr>
-          <p:cNvCxnSpPr>
-            <a:stCxn id="120" idx="2"/>
-            <a:endCxn id="125" idx="0"/>
-          </p:cNvCxnSpPr>
-          <p:nvPr/>
-        </p:nvCxnSpPr>
-        <p:spPr>
-          <a:xfrm rot="5400000">
-            <a:off x="17796877" y="12940300"/>
-            <a:ext cx="577198" cy="1"/>
-          </a:xfrm>
-          <a:prstGeom prst="bentConnector3">
-            <a:avLst/>
-          </a:prstGeom>
-          <a:ln w="38100">
-            <a:solidFill>
-              <a:srgbClr val="00B050"/>
-            </a:solidFill>
-            <a:tailEnd type="triangle"/>
-          </a:ln>
-        </p:spPr>
-        <p:style>
-          <a:lnRef idx="1">
-            <a:schemeClr val="accent1"/>
-          </a:lnRef>
-          <a:fillRef idx="0">
-            <a:schemeClr val="accent1"/>
-          </a:fillRef>
-          <a:effectRef idx="0">
-            <a:schemeClr val="accent1"/>
-          </a:effectRef>
-          <a:fontRef idx="minor">
-            <a:schemeClr val="tx1"/>
-          </a:fontRef>
-        </p:style>
-      </p:cxnSp>
-      <p:cxnSp>
-        <p:nvCxnSpPr>
-          <p:cNvPr id="129" name="Connector: Elbow 128">
-            <a:extLst>
-              <a:ext uri="{FF2B5EF4-FFF2-40B4-BE49-F238E27FC236}">
-                <a16:creationId xmlns:a16="http://schemas.microsoft.com/office/drawing/2014/main" id="{81AAA530-26CB-4FE5-839D-06BA46FC8EF4}"/>
-              </a:ext>
-            </a:extLst>
-          </p:cNvPr>
-          <p:cNvCxnSpPr>
-            <a:stCxn id="117" idx="1"/>
-            <a:endCxn id="18" idx="3"/>
-          </p:cNvCxnSpPr>
-          <p:nvPr/>
-        </p:nvCxnSpPr>
-        <p:spPr>
-          <a:xfrm rot="10800000">
-            <a:off x="9720767" y="5823600"/>
-            <a:ext cx="7319681" cy="1"/>
-          </a:xfrm>
-          <a:prstGeom prst="bentConnector3">
-            <a:avLst/>
-          </a:prstGeom>
-          <a:ln w="38100">
-            <a:solidFill>
-              <a:srgbClr val="00B050"/>
-            </a:solidFill>
-            <a:prstDash val="sysDot"/>
-            <a:tailEnd type="triangle"/>
-          </a:ln>
-        </p:spPr>
-        <p:style>
-          <a:lnRef idx="1">
-            <a:schemeClr val="accent1"/>
-          </a:lnRef>
-          <a:fillRef idx="0">
-            <a:schemeClr val="accent1"/>
-          </a:fillRef>
-          <a:effectRef idx="0">
-            <a:schemeClr val="accent1"/>
-          </a:effectRef>
-          <a:fontRef idx="minor">
-            <a:schemeClr val="tx1"/>
-          </a:fontRef>
-        </p:style>
-      </p:cxnSp>
-      <p:cxnSp>
-        <p:nvCxnSpPr>
-          <p:cNvPr id="133" name="Connector: Elbow 132">
-            <a:extLst>
-              <a:ext uri="{FF2B5EF4-FFF2-40B4-BE49-F238E27FC236}">
-                <a16:creationId xmlns:a16="http://schemas.microsoft.com/office/drawing/2014/main" id="{6E2C91DB-B3E1-4315-BB31-6FD07651CEDE}"/>
-              </a:ext>
-            </a:extLst>
-          </p:cNvPr>
-          <p:cNvCxnSpPr>
-            <a:stCxn id="118" idx="1"/>
-            <a:endCxn id="27" idx="3"/>
-          </p:cNvCxnSpPr>
-          <p:nvPr/>
-        </p:nvCxnSpPr>
-        <p:spPr>
-          <a:xfrm rot="10800000">
-            <a:off x="9720261" y="7554647"/>
-            <a:ext cx="7320185" cy="521"/>
-          </a:xfrm>
-          <a:prstGeom prst="bentConnector3">
-            <a:avLst/>
-          </a:prstGeom>
-          <a:ln w="38100">
-            <a:solidFill>
-              <a:srgbClr val="00B050"/>
-            </a:solidFill>
-            <a:prstDash val="sysDot"/>
-            <a:tailEnd type="triangle"/>
-          </a:ln>
-        </p:spPr>
-        <p:style>
-          <a:lnRef idx="1">
-            <a:schemeClr val="accent1"/>
-          </a:lnRef>
-          <a:fillRef idx="0">
-            <a:schemeClr val="accent1"/>
-          </a:fillRef>
-          <a:effectRef idx="0">
-            <a:schemeClr val="accent1"/>
-          </a:effectRef>
-          <a:fontRef idx="minor">
-            <a:schemeClr val="tx1"/>
-          </a:fontRef>
-        </p:style>
-      </p:cxnSp>
-      <p:cxnSp>
-        <p:nvCxnSpPr>
-          <p:cNvPr id="150" name="Connector: Elbow 149">
-            <a:extLst>
-              <a:ext uri="{FF2B5EF4-FFF2-40B4-BE49-F238E27FC236}">
-                <a16:creationId xmlns:a16="http://schemas.microsoft.com/office/drawing/2014/main" id="{3D68ACE8-5ACB-45B5-9191-B6F1F384FDC8}"/>
-              </a:ext>
-            </a:extLst>
-          </p:cNvPr>
-          <p:cNvCxnSpPr>
-            <a:stCxn id="10" idx="2"/>
-            <a:endCxn id="119" idx="1"/>
-          </p:cNvCxnSpPr>
-          <p:nvPr/>
-        </p:nvCxnSpPr>
-        <p:spPr>
-          <a:xfrm rot="16200000" flipH="1">
-            <a:off x="11043229" y="3580435"/>
-            <a:ext cx="6834451" cy="5159983"/>
-          </a:xfrm>
-          <a:prstGeom prst="bentConnector2">
-            <a:avLst/>
-          </a:prstGeom>
-          <a:ln w="38100">
-            <a:prstDash val="lgDashDot"/>
-            <a:tailEnd type="triangle"/>
-          </a:ln>
-        </p:spPr>
-        <p:style>
-          <a:lnRef idx="1">
-            <a:schemeClr val="accent1"/>
-          </a:lnRef>
-          <a:fillRef idx="0">
-            <a:schemeClr val="accent1"/>
-          </a:fillRef>
-          <a:effectRef idx="0">
-            <a:schemeClr val="accent1"/>
-          </a:effectRef>
-          <a:fontRef idx="minor">
-            <a:schemeClr val="tx1"/>
-          </a:fontRef>
-        </p:style>
-      </p:cxnSp>
-      <p:cxnSp>
-        <p:nvCxnSpPr>
-          <p:cNvPr id="152" name="Connector: Elbow 151">
-            <a:extLst>
-              <a:ext uri="{FF2B5EF4-FFF2-40B4-BE49-F238E27FC236}">
-                <a16:creationId xmlns:a16="http://schemas.microsoft.com/office/drawing/2014/main" id="{CC0241B9-E6E3-4D07-96A3-259D576FC268}"/>
-              </a:ext>
-            </a:extLst>
-          </p:cNvPr>
-          <p:cNvCxnSpPr>
-            <a:stCxn id="119" idx="2"/>
-            <a:endCxn id="37" idx="3"/>
-          </p:cNvCxnSpPr>
-          <p:nvPr/>
-        </p:nvCxnSpPr>
-        <p:spPr>
-          <a:xfrm rot="5400000">
-            <a:off x="15250940" y="7511965"/>
-            <a:ext cx="509088" cy="5159983"/>
-          </a:xfrm>
-          <a:prstGeom prst="bentConnector2">
-            <a:avLst/>
-          </a:prstGeom>
-          <a:ln w="38100">
-            <a:prstDash val="lgDashDot"/>
-            <a:tailEnd type="triangle"/>
-          </a:ln>
-        </p:spPr>
-        <p:style>
-          <a:lnRef idx="1">
-            <a:schemeClr val="accent1"/>
-          </a:lnRef>
-          <a:fillRef idx="0">
-            <a:schemeClr val="accent1"/>
-          </a:fillRef>
-          <a:effectRef idx="0">
-            <a:schemeClr val="accent1"/>
-          </a:effectRef>
-          <a:fontRef idx="minor">
-            <a:schemeClr val="tx1"/>
-          </a:fontRef>
-        </p:style>
-      </p:cxnSp>
-      <p:cxnSp>
-        <p:nvCxnSpPr>
-          <p:cNvPr id="154" name="Connector: Elbow 153">
-            <a:extLst>
-              <a:ext uri="{FF2B5EF4-FFF2-40B4-BE49-F238E27FC236}">
-                <a16:creationId xmlns:a16="http://schemas.microsoft.com/office/drawing/2014/main" id="{B082D0CC-9843-4F5C-A5D9-1F763A9B7B00}"/>
-              </a:ext>
-            </a:extLst>
-          </p:cNvPr>
-          <p:cNvCxnSpPr>
-            <a:stCxn id="37" idx="2"/>
-            <a:endCxn id="120" idx="0"/>
-          </p:cNvCxnSpPr>
-          <p:nvPr/>
-        </p:nvCxnSpPr>
-        <p:spPr>
-          <a:xfrm rot="16200000" flipH="1">
-            <a:off x="14551619" y="7963446"/>
-            <a:ext cx="862703" cy="6205012"/>
-          </a:xfrm>
-          <a:prstGeom prst="bentConnector3">
-            <a:avLst/>
-          </a:prstGeom>
-          <a:ln w="38100">
-            <a:solidFill>
-              <a:srgbClr val="0070C0"/>
-            </a:solidFill>
-            <a:prstDash val="lgDashDot"/>
-            <a:tailEnd type="triangle"/>
-          </a:ln>
-        </p:spPr>
-        <p:style>
-          <a:lnRef idx="1">
-            <a:schemeClr val="accent1"/>
-          </a:lnRef>
-          <a:fillRef idx="0">
-            <a:schemeClr val="accent1"/>
-          </a:fillRef>
-          <a:effectRef idx="0">
-            <a:schemeClr val="accent1"/>
-          </a:effectRef>
-          <a:fontRef idx="minor">
-            <a:schemeClr val="tx1"/>
-          </a:fontRef>
-        </p:style>
-      </p:cxnSp>
-      <p:cxnSp>
-        <p:nvCxnSpPr>
-          <p:cNvPr id="157" name="Connector: Elbow 156">
-            <a:extLst>
-              <a:ext uri="{FF2B5EF4-FFF2-40B4-BE49-F238E27FC236}">
-                <a16:creationId xmlns:a16="http://schemas.microsoft.com/office/drawing/2014/main" id="{E8F963BF-0B6E-4347-8886-6E458B85CF5C}"/>
-              </a:ext>
-            </a:extLst>
-          </p:cNvPr>
-          <p:cNvCxnSpPr>
-            <a:stCxn id="125" idx="2"/>
-            <a:endCxn id="120" idx="3"/>
-          </p:cNvCxnSpPr>
-          <p:nvPr/>
-        </p:nvCxnSpPr>
-        <p:spPr>
-          <a:xfrm rot="5400000" flipH="1" flipV="1">
-            <a:off x="17771031" y="12388946"/>
-            <a:ext cx="1673915" cy="1045029"/>
-          </a:xfrm>
-          <a:prstGeom prst="bentConnector4">
-            <a:avLst>
-              <a:gd name="adj1" fmla="val -26361"/>
-              <a:gd name="adj2" fmla="val 246003"/>
-            </a:avLst>
-          </a:prstGeom>
-          <a:ln w="38100">
-            <a:tailEnd type="triangle"/>
-          </a:ln>
-        </p:spPr>
-        <p:style>
-          <a:lnRef idx="1">
-            <a:schemeClr val="accent1"/>
-          </a:lnRef>
-          <a:fillRef idx="0">
-            <a:schemeClr val="accent1"/>
-          </a:fillRef>
-          <a:effectRef idx="0">
-            <a:schemeClr val="accent1"/>
-          </a:effectRef>
-          <a:fontRef idx="minor">
-            <a:schemeClr val="tx1"/>
-          </a:fontRef>
-        </p:style>
-      </p:cxnSp>
-      <p:cxnSp>
-        <p:nvCxnSpPr>
-          <p:cNvPr id="161" name="Connector: Elbow 160">
-            <a:extLst>
-              <a:ext uri="{FF2B5EF4-FFF2-40B4-BE49-F238E27FC236}">
-                <a16:creationId xmlns:a16="http://schemas.microsoft.com/office/drawing/2014/main" id="{6E87BD5B-36BD-40EB-9013-C4C98D858B6B}"/>
-              </a:ext>
-            </a:extLst>
-          </p:cNvPr>
-          <p:cNvCxnSpPr>
-            <a:stCxn id="120" idx="1"/>
-            <a:endCxn id="76" idx="3"/>
-          </p:cNvCxnSpPr>
-          <p:nvPr/>
-        </p:nvCxnSpPr>
-        <p:spPr>
-          <a:xfrm rot="10800000">
-            <a:off x="12925491" y="12074503"/>
-            <a:ext cx="4114957" cy="1"/>
-          </a:xfrm>
-          <a:prstGeom prst="bentConnector3">
-            <a:avLst/>
-          </a:prstGeom>
-          <a:ln w="38100">
-            <a:solidFill>
-              <a:srgbClr val="FF0000"/>
-            </a:solidFill>
-            <a:prstDash val="lgDashDot"/>
-            <a:tailEnd type="triangle"/>
-          </a:ln>
-        </p:spPr>
-        <p:style>
-          <a:lnRef idx="1">
-            <a:schemeClr val="accent1"/>
-          </a:lnRef>
-          <a:fillRef idx="0">
-            <a:schemeClr val="accent1"/>
-          </a:fillRef>
-          <a:effectRef idx="0">
-            <a:schemeClr val="accent1"/>
-          </a:effectRef>
-          <a:fontRef idx="minor">
-            <a:schemeClr val="tx1"/>
-          </a:fontRef>
-        </p:style>
-      </p:cxnSp>
-      <p:sp>
-        <p:nvSpPr>
-          <p:cNvPr id="164" name="Flowchart: Data 163">
-            <a:extLst>
-              <a:ext uri="{FF2B5EF4-FFF2-40B4-BE49-F238E27FC236}">
-                <a16:creationId xmlns:a16="http://schemas.microsoft.com/office/drawing/2014/main" id="{07C04A08-AF61-4FE8-B1A7-BF1456E96531}"/>
-              </a:ext>
-            </a:extLst>
-          </p:cNvPr>
-          <p:cNvSpPr/>
+            <a:r>
+              <a:rPr lang="en-US" sz="2200" b="1" dirty="0"/>
+              <a:t>NOTE:</a:t>
+            </a:r>
+            <a:r>
+              <a:rPr lang="en-US" sz="2200" dirty="0"/>
+              <a:t> The threads in blue are the threads assigned to each </a:t>
+            </a:r>
+            <a:r>
+              <a:rPr lang="en-US" sz="2200" dirty="0" err="1"/>
+              <a:t>rfid</a:t>
+            </a:r>
+            <a:r>
+              <a:rPr lang="en-US" sz="2200" dirty="0"/>
+              <a:t> chip. This is not limited to only two threads, copy the thread for as many </a:t>
+            </a:r>
+            <a:r>
+              <a:rPr lang="en-US" sz="2200" dirty="0" err="1"/>
+              <a:t>rfid</a:t>
+            </a:r>
+            <a:r>
+              <a:rPr lang="en-US" sz="2200" dirty="0"/>
+              <a:t> chips as you have. The process is the same for each, simply add an </a:t>
+            </a:r>
+            <a:r>
+              <a:rPr lang="en-US" sz="2200" i="1" dirty="0" err="1"/>
+              <a:t>eventX.wait</a:t>
+            </a:r>
+            <a:r>
+              <a:rPr lang="en-US" sz="2200" i="1" dirty="0"/>
+              <a:t>()</a:t>
+            </a:r>
+            <a:r>
+              <a:rPr lang="en-US" sz="2200" dirty="0"/>
+              <a:t> command in the scheduling thread (purple) after the other </a:t>
+            </a:r>
+            <a:r>
+              <a:rPr lang="en-US" sz="2200" i="1" dirty="0"/>
+              <a:t>wait()</a:t>
+            </a:r>
+            <a:r>
+              <a:rPr lang="en-US" sz="2200" dirty="0"/>
+              <a:t> commands. This is meant to be a scalable architecture.</a:t>
+            </a:r>
+            <a:endParaRPr lang="en-US" sz="2200" b="1" dirty="0"/>
+          </a:p>
+        </p:txBody>
+      </p:sp>
+      <p:sp>
+        <p:nvSpPr>
+          <p:cNvPr id="125" name="TextBox 124">
+            <a:extLst>
+              <a:ext uri="{FF2B5EF4-FFF2-40B4-BE49-F238E27FC236}">
+                <a16:creationId xmlns:a16="http://schemas.microsoft.com/office/drawing/2014/main" id="{5493B97D-5FDB-4777-A0F6-0DAC973906C1}"/>
+              </a:ext>
+            </a:extLst>
+          </p:cNvPr>
+          <p:cNvSpPr txBox="1"/>
           <p:nvPr/>
         </p:nvSpPr>
         <p:spPr>
           <a:xfrm>
-            <a:off x="13074072" y="13129429"/>
-            <a:ext cx="2090057" cy="718457"/>
-          </a:xfrm>
-          <a:prstGeom prst="flowChartInputOutput">
-            <a:avLst/>
-          </a:prstGeom>
-        </p:spPr>
-        <p:style>
-          <a:lnRef idx="2">
-            <a:schemeClr val="accent1">
-              <a:shade val="50000"/>
-            </a:schemeClr>
-          </a:lnRef>
-          <a:fillRef idx="1">
-            <a:schemeClr val="accent1"/>
-          </a:fillRef>
-          <a:effectRef idx="0">
-            <a:schemeClr val="accent1"/>
-          </a:effectRef>
-          <a:fontRef idx="minor">
-            <a:schemeClr val="lt1"/>
-          </a:fontRef>
-        </p:style>
-        <p:txBody>
-          <a:bodyPr rtlCol="0" anchor="ctr"/>
+            <a:off x="914400" y="340242"/>
+            <a:ext cx="19436316" cy="1246495"/>
+          </a:xfrm>
+          <a:prstGeom prst="rect">
+            <a:avLst/>
+          </a:prstGeom>
+          <a:noFill/>
+        </p:spPr>
+        <p:txBody>
+          <a:bodyPr wrap="square" rtlCol="0">
+            <a:spAutoFit/>
+          </a:bodyPr>
           <a:lstStyle/>
           <a:p>
-            <a:pPr algn="ctr"/>
-            <a:r>
-              <a:rPr lang="en-US" dirty="0"/>
-              <a:t>END</a:t>
-            </a:r>
-          </a:p>
-        </p:txBody>
-      </p:sp>
-      <p:cxnSp>
-        <p:nvCxnSpPr>
-          <p:cNvPr id="166" name="Connector: Elbow 165">
-            <a:extLst>
-              <a:ext uri="{FF2B5EF4-FFF2-40B4-BE49-F238E27FC236}">
-                <a16:creationId xmlns:a16="http://schemas.microsoft.com/office/drawing/2014/main" id="{85589DBF-C3EF-4C78-80DE-DDD2A4A17375}"/>
-              </a:ext>
-            </a:extLst>
-          </p:cNvPr>
-          <p:cNvCxnSpPr>
-            <a:stCxn id="120" idx="1"/>
-            <a:endCxn id="164" idx="0"/>
-          </p:cNvCxnSpPr>
-          <p:nvPr/>
-        </p:nvCxnSpPr>
-        <p:spPr>
-          <a:xfrm rot="10800000" flipV="1">
-            <a:off x="14328107" y="12074503"/>
-            <a:ext cx="2712341" cy="1054926"/>
-          </a:xfrm>
-          <a:prstGeom prst="bentConnector2">
-            <a:avLst/>
-          </a:prstGeom>
-          <a:ln w="38100">
-            <a:solidFill>
-              <a:srgbClr val="FF0000"/>
-            </a:solidFill>
-            <a:tailEnd type="triangle"/>
-          </a:ln>
-        </p:spPr>
-        <p:style>
-          <a:lnRef idx="1">
-            <a:schemeClr val="accent1"/>
-          </a:lnRef>
-          <a:fillRef idx="0">
-            <a:schemeClr val="accent1"/>
-          </a:fillRef>
-          <a:effectRef idx="0">
-            <a:schemeClr val="accent1"/>
-          </a:effectRef>
-          <a:fontRef idx="minor">
-            <a:schemeClr val="tx1"/>
-          </a:fontRef>
-        </p:style>
-      </p:cxnSp>
-      <p:sp>
-        <p:nvSpPr>
-          <p:cNvPr id="2" name="Rectangle 1">
-            <a:extLst>
-              <a:ext uri="{FF2B5EF4-FFF2-40B4-BE49-F238E27FC236}">
-                <a16:creationId xmlns:a16="http://schemas.microsoft.com/office/drawing/2014/main" id="{5C473EEA-EEEE-4804-BD65-1F632981F08E}"/>
-              </a:ext>
-            </a:extLst>
-          </p:cNvPr>
-          <p:cNvSpPr/>
-          <p:nvPr/>
-        </p:nvSpPr>
-        <p:spPr>
-          <a:xfrm>
-            <a:off x="595423" y="467833"/>
-            <a:ext cx="21009935" cy="14949376"/>
-          </a:xfrm>
-          <a:prstGeom prst="rect">
-            <a:avLst/>
-          </a:prstGeom>
-          <a:noFill/>
-          <a:ln w="76200">
-            <a:solidFill>
-              <a:schemeClr val="tx1"/>
-            </a:solidFill>
-          </a:ln>
-        </p:spPr>
-        <p:style>
-          <a:lnRef idx="2">
-            <a:schemeClr val="accent1">
-              <a:shade val="50000"/>
-            </a:schemeClr>
-          </a:lnRef>
-          <a:fillRef idx="1">
-            <a:schemeClr val="accent1"/>
-          </a:fillRef>
-          <a:effectRef idx="0">
-            <a:schemeClr val="accent1"/>
-          </a:effectRef>
-          <a:fontRef idx="minor">
-            <a:schemeClr val="lt1"/>
-          </a:fontRef>
-        </p:style>
-        <p:txBody>
-          <a:bodyPr rtlCol="0" anchor="ctr"/>
-          <a:lstStyle/>
-          <a:p>
-            <a:pPr algn="ctr"/>
-            <a:endParaRPr lang="en-US"/>
-          </a:p>
-        </p:txBody>
-      </p:sp>
-      <p:cxnSp>
-        <p:nvCxnSpPr>
-          <p:cNvPr id="4" name="Straight Connector 3">
-            <a:extLst>
-              <a:ext uri="{FF2B5EF4-FFF2-40B4-BE49-F238E27FC236}">
-                <a16:creationId xmlns:a16="http://schemas.microsoft.com/office/drawing/2014/main" id="{1C0CDB29-A45F-4980-88F2-84BC37508491}"/>
-              </a:ext>
-            </a:extLst>
-          </p:cNvPr>
-          <p:cNvCxnSpPr/>
-          <p:nvPr/>
-        </p:nvCxnSpPr>
-        <p:spPr>
-          <a:xfrm>
-            <a:off x="595423" y="467833"/>
-            <a:ext cx="21009935" cy="14949376"/>
-          </a:xfrm>
-          <a:prstGeom prst="line">
-            <a:avLst/>
-          </a:prstGeom>
-          <a:ln w="76200">
-            <a:solidFill>
-              <a:srgbClr val="FF0000"/>
-            </a:solidFill>
-          </a:ln>
-        </p:spPr>
-        <p:style>
-          <a:lnRef idx="1">
-            <a:schemeClr val="accent1"/>
-          </a:lnRef>
-          <a:fillRef idx="0">
-            <a:schemeClr val="accent1"/>
-          </a:fillRef>
-          <a:effectRef idx="0">
-            <a:schemeClr val="accent1"/>
-          </a:effectRef>
-          <a:fontRef idx="minor">
-            <a:schemeClr val="tx1"/>
-          </a:fontRef>
-        </p:style>
-      </p:cxnSp>
-      <p:cxnSp>
-        <p:nvCxnSpPr>
-          <p:cNvPr id="60" name="Straight Connector 59">
-            <a:extLst>
-              <a:ext uri="{FF2B5EF4-FFF2-40B4-BE49-F238E27FC236}">
-                <a16:creationId xmlns:a16="http://schemas.microsoft.com/office/drawing/2014/main" id="{C9B07648-FBC3-4DE1-98E4-DEBDD185AEAB}"/>
-              </a:ext>
-            </a:extLst>
-          </p:cNvPr>
-          <p:cNvCxnSpPr>
-            <a:cxnSpLocks/>
-          </p:cNvCxnSpPr>
-          <p:nvPr/>
-        </p:nvCxnSpPr>
-        <p:spPr>
-          <a:xfrm flipH="1">
-            <a:off x="595421" y="467833"/>
-            <a:ext cx="21009937" cy="14949376"/>
-          </a:xfrm>
-          <a:prstGeom prst="line">
-            <a:avLst/>
-          </a:prstGeom>
-          <a:ln w="76200">
-            <a:solidFill>
-              <a:srgbClr val="FF0000"/>
-            </a:solidFill>
-          </a:ln>
-        </p:spPr>
-        <p:style>
-          <a:lnRef idx="1">
-            <a:schemeClr val="accent1"/>
-          </a:lnRef>
-          <a:fillRef idx="0">
-            <a:schemeClr val="accent1"/>
-          </a:fillRef>
-          <a:effectRef idx="0">
-            <a:schemeClr val="accent1"/>
-          </a:effectRef>
-          <a:fontRef idx="minor">
-            <a:schemeClr val="tx1"/>
-          </a:fontRef>
-        </p:style>
-      </p:cxnSp>
+            <a:r>
+              <a:rPr lang="en-US" sz="7500" dirty="0"/>
+              <a:t>RFID Threading Flow Chart</a:t>
+            </a:r>
+          </a:p>
+        </p:txBody>
+      </p:sp>
     </p:spTree>
     <p:extLst>
       <p:ext uri="{BB962C8B-B14F-4D97-AF65-F5344CB8AC3E}">
-        <p14:creationId xmlns:p14="http://schemas.microsoft.com/office/powerpoint/2010/main" val="3056836586"/>
+        <p14:creationId xmlns:p14="http://schemas.microsoft.com/office/powerpoint/2010/main" val="2932622137"/>
       </p:ext>
     </p:extLst>
   </p:cSld>
@@ -13949,2634 +13879,28 @@
       </p:grpSpPr>
       <p:sp>
         <p:nvSpPr>
-          <p:cNvPr id="123" name="Rectangle: Rounded Corners 122">
-            <a:extLst>
-              <a:ext uri="{FF2B5EF4-FFF2-40B4-BE49-F238E27FC236}">
-                <a16:creationId xmlns:a16="http://schemas.microsoft.com/office/drawing/2014/main" id="{1C7EF2D4-F2FF-49B1-A591-85BFD29AC944}"/>
-              </a:ext>
-            </a:extLst>
-          </p:cNvPr>
-          <p:cNvSpPr/>
-          <p:nvPr/>
-        </p:nvSpPr>
-        <p:spPr>
-          <a:xfrm>
-            <a:off x="15885042" y="2296633"/>
-            <a:ext cx="4918833" cy="11115615"/>
-          </a:xfrm>
-          <a:prstGeom prst="roundRect">
-            <a:avLst/>
-          </a:prstGeom>
-          <a:solidFill>
-            <a:srgbClr val="8C3FC5">
-              <a:alpha val="40000"/>
-            </a:srgbClr>
-          </a:solidFill>
-          <a:ln>
-            <a:solidFill>
-              <a:srgbClr val="8C3FC5"/>
-            </a:solidFill>
-          </a:ln>
-        </p:spPr>
-        <p:style>
-          <a:lnRef idx="2">
-            <a:schemeClr val="accent1">
-              <a:shade val="50000"/>
-            </a:schemeClr>
-          </a:lnRef>
-          <a:fillRef idx="1">
-            <a:schemeClr val="accent1"/>
-          </a:fillRef>
-          <a:effectRef idx="0">
-            <a:schemeClr val="accent1"/>
-          </a:effectRef>
-          <a:fontRef idx="minor">
-            <a:schemeClr val="lt1"/>
-          </a:fontRef>
-        </p:style>
-        <p:txBody>
-          <a:bodyPr rtlCol="0" anchor="ctr"/>
+          <p:cNvPr id="6" name="Title 5">
+            <a:extLst>
+              <a:ext uri="{FF2B5EF4-FFF2-40B4-BE49-F238E27FC236}">
+                <a16:creationId xmlns:a16="http://schemas.microsoft.com/office/drawing/2014/main" id="{C2A4A3CC-D7EC-417E-B6B0-17828F675749}"/>
+              </a:ext>
+            </a:extLst>
+          </p:cNvPr>
+          <p:cNvSpPr>
+            <a:spLocks noGrp="1"/>
+          </p:cNvSpPr>
+          <p:nvPr>
+            <p:ph type="ctrTitle"/>
+          </p:nvPr>
+        </p:nvSpPr>
+        <p:spPr/>
+        <p:txBody>
+          <a:bodyPr/>
           <a:lstStyle/>
           <a:p>
-            <a:pPr algn="ctr"/>
-            <a:endParaRPr lang="en-US"/>
-          </a:p>
-        </p:txBody>
-      </p:sp>
-      <p:sp>
-        <p:nvSpPr>
-          <p:cNvPr id="122" name="Rectangle: Rounded Corners 121">
-            <a:extLst>
-              <a:ext uri="{FF2B5EF4-FFF2-40B4-BE49-F238E27FC236}">
-                <a16:creationId xmlns:a16="http://schemas.microsoft.com/office/drawing/2014/main" id="{1B0B8B19-6970-4FC5-B813-DA3AECF211F5}"/>
-              </a:ext>
-            </a:extLst>
-          </p:cNvPr>
-          <p:cNvSpPr/>
-          <p:nvPr/>
-        </p:nvSpPr>
-        <p:spPr>
-          <a:xfrm>
-            <a:off x="318977" y="2296633"/>
-            <a:ext cx="15289609" cy="11115615"/>
-          </a:xfrm>
-          <a:prstGeom prst="roundRect">
-            <a:avLst/>
-          </a:prstGeom>
-          <a:solidFill>
-            <a:schemeClr val="accent1">
-              <a:alpha val="40000"/>
-            </a:schemeClr>
-          </a:solidFill>
-        </p:spPr>
-        <p:style>
-          <a:lnRef idx="2">
-            <a:schemeClr val="accent1">
-              <a:shade val="50000"/>
-            </a:schemeClr>
-          </a:lnRef>
-          <a:fillRef idx="1">
-            <a:schemeClr val="accent1"/>
-          </a:fillRef>
-          <a:effectRef idx="0">
-            <a:schemeClr val="accent1"/>
-          </a:effectRef>
-          <a:fontRef idx="minor">
-            <a:schemeClr val="lt1"/>
-          </a:fontRef>
-        </p:style>
-        <p:txBody>
-          <a:bodyPr rtlCol="0" anchor="ctr"/>
-          <a:lstStyle/>
-          <a:p>
-            <a:pPr algn="ctr"/>
-            <a:endParaRPr lang="en-US"/>
-          </a:p>
-        </p:txBody>
-      </p:sp>
-      <p:cxnSp>
-        <p:nvCxnSpPr>
-          <p:cNvPr id="82" name="Connector: Elbow 81">
-            <a:extLst>
-              <a:ext uri="{FF2B5EF4-FFF2-40B4-BE49-F238E27FC236}">
-                <a16:creationId xmlns:a16="http://schemas.microsoft.com/office/drawing/2014/main" id="{0B42BB7D-2351-4546-B48C-64CD4D0B2799}"/>
-              </a:ext>
-            </a:extLst>
-          </p:cNvPr>
-          <p:cNvCxnSpPr>
-            <a:cxnSpLocks/>
-            <a:stCxn id="59" idx="1"/>
-            <a:endCxn id="10" idx="3"/>
-          </p:cNvCxnSpPr>
-          <p:nvPr/>
-        </p:nvCxnSpPr>
-        <p:spPr>
-          <a:xfrm rot="10800000" flipV="1">
-            <a:off x="8839960" y="6908118"/>
-            <a:ext cx="2246263" cy="879986"/>
-          </a:xfrm>
-          <a:prstGeom prst="bentConnector3">
-            <a:avLst/>
-          </a:prstGeom>
-          <a:ln w="38100">
-            <a:solidFill>
-              <a:srgbClr val="FF0000"/>
-            </a:solidFill>
-            <a:prstDash val="sysDot"/>
-            <a:tailEnd type="triangle"/>
-          </a:ln>
-        </p:spPr>
-        <p:style>
-          <a:lnRef idx="1">
-            <a:schemeClr val="accent1"/>
-          </a:lnRef>
-          <a:fillRef idx="0">
-            <a:schemeClr val="accent1"/>
-          </a:fillRef>
-          <a:effectRef idx="0">
-            <a:schemeClr val="accent1"/>
-          </a:effectRef>
-          <a:fontRef idx="minor">
-            <a:schemeClr val="tx1"/>
-          </a:fontRef>
-        </p:style>
-      </p:cxnSp>
-      <p:cxnSp>
-        <p:nvCxnSpPr>
-          <p:cNvPr id="4" name="Connector: Elbow 3">
-            <a:extLst>
-              <a:ext uri="{FF2B5EF4-FFF2-40B4-BE49-F238E27FC236}">
-                <a16:creationId xmlns:a16="http://schemas.microsoft.com/office/drawing/2014/main" id="{E4333C8B-4F4D-4DF1-AE5E-867645EC6977}"/>
-              </a:ext>
-            </a:extLst>
-          </p:cNvPr>
-          <p:cNvCxnSpPr>
-            <a:stCxn id="13" idx="3"/>
-            <a:endCxn id="15" idx="1"/>
-          </p:cNvCxnSpPr>
-          <p:nvPr/>
-        </p:nvCxnSpPr>
-        <p:spPr>
-          <a:xfrm>
-            <a:off x="4503652" y="8644764"/>
-            <a:ext cx="2246248" cy="850099"/>
-          </a:xfrm>
-          <a:prstGeom prst="bentConnector3">
-            <a:avLst/>
-          </a:prstGeom>
-          <a:ln w="38100">
-            <a:solidFill>
-              <a:srgbClr val="FF0000"/>
-            </a:solidFill>
-            <a:prstDash val="sysDot"/>
-            <a:tailEnd type="triangle"/>
-          </a:ln>
-        </p:spPr>
-        <p:style>
-          <a:lnRef idx="1">
-            <a:schemeClr val="accent1"/>
-          </a:lnRef>
-          <a:fillRef idx="0">
-            <a:schemeClr val="accent1"/>
-          </a:fillRef>
-          <a:effectRef idx="0">
-            <a:schemeClr val="accent1"/>
-          </a:effectRef>
-          <a:fontRef idx="minor">
-            <a:schemeClr val="tx1"/>
-          </a:fontRef>
-        </p:style>
-      </p:cxnSp>
-      <p:sp>
-        <p:nvSpPr>
-          <p:cNvPr id="5" name="Flowchart: Off-page Connector 4">
-            <a:extLst>
-              <a:ext uri="{FF2B5EF4-FFF2-40B4-BE49-F238E27FC236}">
-                <a16:creationId xmlns:a16="http://schemas.microsoft.com/office/drawing/2014/main" id="{DACAEBCB-4FBC-496C-BAB8-D5ACE92A8E8C}"/>
-              </a:ext>
-            </a:extLst>
-          </p:cNvPr>
-          <p:cNvSpPr/>
-          <p:nvPr/>
-        </p:nvSpPr>
-        <p:spPr>
-          <a:xfrm>
-            <a:off x="6749908" y="2775062"/>
-            <a:ext cx="2090057" cy="1063298"/>
-          </a:xfrm>
-          <a:prstGeom prst="flowChartOffpageConnector">
-            <a:avLst/>
-          </a:prstGeom>
-        </p:spPr>
-        <p:style>
-          <a:lnRef idx="2">
-            <a:schemeClr val="accent1">
-              <a:shade val="50000"/>
-            </a:schemeClr>
-          </a:lnRef>
-          <a:fillRef idx="1">
-            <a:schemeClr val="accent1"/>
-          </a:fillRef>
-          <a:effectRef idx="0">
-            <a:schemeClr val="accent1"/>
-          </a:effectRef>
-          <a:fontRef idx="minor">
-            <a:schemeClr val="lt1"/>
-          </a:fontRef>
-        </p:style>
-        <p:txBody>
-          <a:bodyPr rtlCol="0" anchor="ctr"/>
-          <a:lstStyle/>
-          <a:p>
-            <a:pPr algn="ctr"/>
             <a:r>
               <a:rPr lang="en-US" dirty="0"/>
-              <a:t>Initialize </a:t>
-            </a:r>
-            <a:r>
-              <a:rPr lang="en-US" dirty="0" err="1"/>
-              <a:t>voleTags</a:t>
-            </a:r>
-            <a:r>
-              <a:rPr lang="en-US" dirty="0"/>
-              <a:t> Queue</a:t>
-            </a:r>
-          </a:p>
-        </p:txBody>
-      </p:sp>
-      <p:sp>
-        <p:nvSpPr>
-          <p:cNvPr id="9" name="Flowchart: Off-page Connector 8">
-            <a:extLst>
-              <a:ext uri="{FF2B5EF4-FFF2-40B4-BE49-F238E27FC236}">
-                <a16:creationId xmlns:a16="http://schemas.microsoft.com/office/drawing/2014/main" id="{59299086-D702-431F-B750-5697B87233F4}"/>
-              </a:ext>
-            </a:extLst>
-          </p:cNvPr>
-          <p:cNvSpPr/>
-          <p:nvPr/>
-        </p:nvSpPr>
-        <p:spPr>
-          <a:xfrm>
-            <a:off x="6749907" y="6587608"/>
-            <a:ext cx="2090057" cy="641017"/>
-          </a:xfrm>
-          <a:prstGeom prst="flowChartOffpageConnector">
-            <a:avLst/>
-          </a:prstGeom>
-        </p:spPr>
-        <p:style>
-          <a:lnRef idx="2">
-            <a:schemeClr val="accent1">
-              <a:shade val="50000"/>
-            </a:schemeClr>
-          </a:lnRef>
-          <a:fillRef idx="1">
-            <a:schemeClr val="accent1"/>
-          </a:fillRef>
-          <a:effectRef idx="0">
-            <a:schemeClr val="accent1"/>
-          </a:effectRef>
-          <a:fontRef idx="minor">
-            <a:schemeClr val="lt1"/>
-          </a:fontRef>
-        </p:style>
-        <p:txBody>
-          <a:bodyPr rtlCol="0" anchor="ctr"/>
-          <a:lstStyle/>
-          <a:p>
-            <a:pPr algn="ctr"/>
-            <a:r>
-              <a:rPr lang="en-US" dirty="0"/>
-              <a:t>Output vole number and </a:t>
-            </a:r>
-            <a:r>
-              <a:rPr lang="en-US" dirty="0" err="1"/>
-              <a:t>rfid</a:t>
-            </a:r>
-            <a:r>
-              <a:rPr lang="en-US" dirty="0"/>
-              <a:t> tag</a:t>
-            </a:r>
-          </a:p>
-        </p:txBody>
-      </p:sp>
-      <p:sp>
-        <p:nvSpPr>
-          <p:cNvPr id="10" name="Flowchart: Off-page Connector 9">
-            <a:extLst>
-              <a:ext uri="{FF2B5EF4-FFF2-40B4-BE49-F238E27FC236}">
-                <a16:creationId xmlns:a16="http://schemas.microsoft.com/office/drawing/2014/main" id="{1520CC44-909B-4099-9128-22001240A026}"/>
-              </a:ext>
-            </a:extLst>
-          </p:cNvPr>
-          <p:cNvSpPr/>
-          <p:nvPr/>
-        </p:nvSpPr>
-        <p:spPr>
-          <a:xfrm>
-            <a:off x="6749902" y="7467595"/>
-            <a:ext cx="2090057" cy="641017"/>
-          </a:xfrm>
-          <a:prstGeom prst="flowChartOffpageConnector">
-            <a:avLst/>
-          </a:prstGeom>
-        </p:spPr>
-        <p:style>
-          <a:lnRef idx="2">
-            <a:schemeClr val="accent1">
-              <a:shade val="50000"/>
-            </a:schemeClr>
-          </a:lnRef>
-          <a:fillRef idx="1">
-            <a:schemeClr val="accent1"/>
-          </a:fillRef>
-          <a:effectRef idx="0">
-            <a:schemeClr val="accent1"/>
-          </a:effectRef>
-          <a:fontRef idx="minor">
-            <a:schemeClr val="lt1"/>
-          </a:fontRef>
-        </p:style>
-        <p:txBody>
-          <a:bodyPr rtlCol="0" anchor="ctr"/>
-          <a:lstStyle/>
-          <a:p>
-            <a:pPr algn="ctr"/>
-            <a:r>
-              <a:rPr lang="en-US" dirty="0"/>
-              <a:t>Output “none”</a:t>
-            </a:r>
-          </a:p>
-        </p:txBody>
-      </p:sp>
-      <p:cxnSp>
-        <p:nvCxnSpPr>
-          <p:cNvPr id="11" name="Connector: Elbow 10">
-            <a:extLst>
-              <a:ext uri="{FF2B5EF4-FFF2-40B4-BE49-F238E27FC236}">
-                <a16:creationId xmlns:a16="http://schemas.microsoft.com/office/drawing/2014/main" id="{2114D124-8147-4269-9BCB-9F5473E50165}"/>
-              </a:ext>
-            </a:extLst>
-          </p:cNvPr>
-          <p:cNvCxnSpPr>
-            <a:stCxn id="8" idx="3"/>
-            <a:endCxn id="10" idx="1"/>
-          </p:cNvCxnSpPr>
-          <p:nvPr/>
-        </p:nvCxnSpPr>
-        <p:spPr>
-          <a:xfrm>
-            <a:off x="4503651" y="6908118"/>
-            <a:ext cx="2246251" cy="879986"/>
-          </a:xfrm>
-          <a:prstGeom prst="bentConnector3">
-            <a:avLst/>
-          </a:prstGeom>
-          <a:ln w="38100">
-            <a:solidFill>
-              <a:srgbClr val="FF0000"/>
-            </a:solidFill>
-            <a:prstDash val="sysDot"/>
-            <a:tailEnd type="triangle"/>
-          </a:ln>
-        </p:spPr>
-        <p:style>
-          <a:lnRef idx="1">
-            <a:schemeClr val="accent1"/>
-          </a:lnRef>
-          <a:fillRef idx="0">
-            <a:schemeClr val="accent1"/>
-          </a:fillRef>
-          <a:effectRef idx="0">
-            <a:schemeClr val="accent1"/>
-          </a:effectRef>
-          <a:fontRef idx="minor">
-            <a:schemeClr val="tx1"/>
-          </a:fontRef>
-        </p:style>
-      </p:cxnSp>
-      <p:cxnSp>
-        <p:nvCxnSpPr>
-          <p:cNvPr id="12" name="Connector: Elbow 11">
-            <a:extLst>
-              <a:ext uri="{FF2B5EF4-FFF2-40B4-BE49-F238E27FC236}">
-                <a16:creationId xmlns:a16="http://schemas.microsoft.com/office/drawing/2014/main" id="{F28EB982-EA27-4A6D-A6E8-A32ED247A293}"/>
-              </a:ext>
-            </a:extLst>
-          </p:cNvPr>
-          <p:cNvCxnSpPr>
-            <a:stCxn id="8" idx="3"/>
-            <a:endCxn id="9" idx="1"/>
-          </p:cNvCxnSpPr>
-          <p:nvPr/>
-        </p:nvCxnSpPr>
-        <p:spPr>
-          <a:xfrm flipV="1">
-            <a:off x="4503651" y="6908117"/>
-            <a:ext cx="2246256" cy="1"/>
-          </a:xfrm>
-          <a:prstGeom prst="bentConnector3">
-            <a:avLst/>
-          </a:prstGeom>
-          <a:ln w="38100">
-            <a:solidFill>
-              <a:srgbClr val="00B050"/>
-            </a:solidFill>
-            <a:prstDash val="sysDot"/>
-            <a:tailEnd type="triangle"/>
-          </a:ln>
-        </p:spPr>
-        <p:style>
-          <a:lnRef idx="1">
-            <a:schemeClr val="accent1"/>
-          </a:lnRef>
-          <a:fillRef idx="0">
-            <a:schemeClr val="accent1"/>
-          </a:fillRef>
-          <a:effectRef idx="0">
-            <a:schemeClr val="accent1"/>
-          </a:effectRef>
-          <a:fontRef idx="minor">
-            <a:schemeClr val="tx1"/>
-          </a:fontRef>
-        </p:style>
-      </p:cxnSp>
-      <p:sp>
-        <p:nvSpPr>
-          <p:cNvPr id="14" name="Flowchart: Off-page Connector 13">
-            <a:extLst>
-              <a:ext uri="{FF2B5EF4-FFF2-40B4-BE49-F238E27FC236}">
-                <a16:creationId xmlns:a16="http://schemas.microsoft.com/office/drawing/2014/main" id="{12C4F979-FD86-4BC3-B362-B6EDFBF3F19A}"/>
-              </a:ext>
-            </a:extLst>
-          </p:cNvPr>
-          <p:cNvSpPr/>
-          <p:nvPr/>
-        </p:nvSpPr>
-        <p:spPr>
-          <a:xfrm>
-            <a:off x="6749901" y="8317694"/>
-            <a:ext cx="2090057" cy="641017"/>
-          </a:xfrm>
-          <a:prstGeom prst="flowChartOffpageConnector">
-            <a:avLst/>
-          </a:prstGeom>
-        </p:spPr>
-        <p:style>
-          <a:lnRef idx="2">
-            <a:schemeClr val="accent1">
-              <a:shade val="50000"/>
-            </a:schemeClr>
-          </a:lnRef>
-          <a:fillRef idx="1">
-            <a:schemeClr val="accent1"/>
-          </a:fillRef>
-          <a:effectRef idx="0">
-            <a:schemeClr val="accent1"/>
-          </a:effectRef>
-          <a:fontRef idx="minor">
-            <a:schemeClr val="lt1"/>
-          </a:fontRef>
-        </p:style>
-        <p:txBody>
-          <a:bodyPr rtlCol="0" anchor="ctr"/>
-          <a:lstStyle/>
-          <a:p>
-            <a:pPr algn="ctr"/>
-            <a:r>
-              <a:rPr lang="en-US" dirty="0"/>
-              <a:t>Output vole number and </a:t>
-            </a:r>
-            <a:r>
-              <a:rPr lang="en-US" dirty="0" err="1"/>
-              <a:t>rfid</a:t>
-            </a:r>
-            <a:r>
-              <a:rPr lang="en-US" dirty="0"/>
-              <a:t> tag</a:t>
-            </a:r>
-          </a:p>
-        </p:txBody>
-      </p:sp>
-      <p:sp>
-        <p:nvSpPr>
-          <p:cNvPr id="15" name="Flowchart: Off-page Connector 14">
-            <a:extLst>
-              <a:ext uri="{FF2B5EF4-FFF2-40B4-BE49-F238E27FC236}">
-                <a16:creationId xmlns:a16="http://schemas.microsoft.com/office/drawing/2014/main" id="{C80C0554-5CDC-47B0-BBCC-4DD2FF048724}"/>
-              </a:ext>
-            </a:extLst>
-          </p:cNvPr>
-          <p:cNvSpPr/>
-          <p:nvPr/>
-        </p:nvSpPr>
-        <p:spPr>
-          <a:xfrm>
-            <a:off x="6749900" y="9174354"/>
-            <a:ext cx="2090057" cy="641017"/>
-          </a:xfrm>
-          <a:prstGeom prst="flowChartOffpageConnector">
-            <a:avLst/>
-          </a:prstGeom>
-        </p:spPr>
-        <p:style>
-          <a:lnRef idx="2">
-            <a:schemeClr val="accent1">
-              <a:shade val="50000"/>
-            </a:schemeClr>
-          </a:lnRef>
-          <a:fillRef idx="1">
-            <a:schemeClr val="accent1"/>
-          </a:fillRef>
-          <a:effectRef idx="0">
-            <a:schemeClr val="accent1"/>
-          </a:effectRef>
-          <a:fontRef idx="minor">
-            <a:schemeClr val="lt1"/>
-          </a:fontRef>
-        </p:style>
-        <p:txBody>
-          <a:bodyPr rtlCol="0" anchor="ctr"/>
-          <a:lstStyle/>
-          <a:p>
-            <a:pPr algn="ctr"/>
-            <a:r>
-              <a:rPr lang="en-US" dirty="0"/>
-              <a:t>Output “none”</a:t>
-            </a:r>
-          </a:p>
-        </p:txBody>
-      </p:sp>
-      <p:cxnSp>
-        <p:nvCxnSpPr>
-          <p:cNvPr id="16" name="Connector: Elbow 15">
-            <a:extLst>
-              <a:ext uri="{FF2B5EF4-FFF2-40B4-BE49-F238E27FC236}">
-                <a16:creationId xmlns:a16="http://schemas.microsoft.com/office/drawing/2014/main" id="{B9B20591-7037-48DF-9A11-9FF8C12FD53C}"/>
-              </a:ext>
-            </a:extLst>
-          </p:cNvPr>
-          <p:cNvCxnSpPr>
-            <a:stCxn id="13" idx="3"/>
-            <a:endCxn id="14" idx="1"/>
-          </p:cNvCxnSpPr>
-          <p:nvPr/>
-        </p:nvCxnSpPr>
-        <p:spPr>
-          <a:xfrm flipV="1">
-            <a:off x="4503652" y="8638203"/>
-            <a:ext cx="2246249" cy="6561"/>
-          </a:xfrm>
-          <a:prstGeom prst="bentConnector3">
-            <a:avLst/>
-          </a:prstGeom>
-          <a:ln w="38100">
-            <a:solidFill>
-              <a:srgbClr val="00B050"/>
-            </a:solidFill>
-            <a:prstDash val="sysDot"/>
-            <a:tailEnd type="triangle"/>
-          </a:ln>
-        </p:spPr>
-        <p:style>
-          <a:lnRef idx="1">
-            <a:schemeClr val="accent1"/>
-          </a:lnRef>
-          <a:fillRef idx="0">
-            <a:schemeClr val="accent1"/>
-          </a:fillRef>
-          <a:effectRef idx="0">
-            <a:schemeClr val="accent1"/>
-          </a:effectRef>
-          <a:fontRef idx="minor">
-            <a:schemeClr val="tx1"/>
-          </a:fontRef>
-        </p:style>
-      </p:cxnSp>
-      <p:cxnSp>
-        <p:nvCxnSpPr>
-          <p:cNvPr id="20" name="Connector: Elbow 19">
-            <a:extLst>
-              <a:ext uri="{FF2B5EF4-FFF2-40B4-BE49-F238E27FC236}">
-                <a16:creationId xmlns:a16="http://schemas.microsoft.com/office/drawing/2014/main" id="{E88A7956-1ABC-4904-B8E4-5261AB8C0627}"/>
-              </a:ext>
-            </a:extLst>
-          </p:cNvPr>
-          <p:cNvCxnSpPr>
-            <a:stCxn id="5" idx="2"/>
-            <a:endCxn id="9" idx="0"/>
-          </p:cNvCxnSpPr>
-          <p:nvPr/>
-        </p:nvCxnSpPr>
-        <p:spPr>
-          <a:xfrm rot="5400000">
-            <a:off x="6420313" y="5212984"/>
-            <a:ext cx="2749248" cy="1"/>
-          </a:xfrm>
-          <a:prstGeom prst="bentConnector3">
-            <a:avLst/>
-          </a:prstGeom>
-          <a:ln w="38100">
-            <a:prstDash val="sysDot"/>
-            <a:tailEnd type="triangle"/>
-          </a:ln>
-        </p:spPr>
-        <p:style>
-          <a:lnRef idx="1">
-            <a:schemeClr val="accent1"/>
-          </a:lnRef>
-          <a:fillRef idx="0">
-            <a:schemeClr val="accent1"/>
-          </a:fillRef>
-          <a:effectRef idx="0">
-            <a:schemeClr val="accent1"/>
-          </a:effectRef>
-          <a:fontRef idx="minor">
-            <a:schemeClr val="tx1"/>
-          </a:fontRef>
-        </p:style>
-      </p:cxnSp>
-      <p:sp>
-        <p:nvSpPr>
-          <p:cNvPr id="6" name="Flowchart: Process 5">
-            <a:extLst>
-              <a:ext uri="{FF2B5EF4-FFF2-40B4-BE49-F238E27FC236}">
-                <a16:creationId xmlns:a16="http://schemas.microsoft.com/office/drawing/2014/main" id="{0886BD82-75C0-4A57-9682-54659204393F}"/>
-              </a:ext>
-            </a:extLst>
-          </p:cNvPr>
-          <p:cNvSpPr/>
-          <p:nvPr/>
-        </p:nvSpPr>
-        <p:spPr>
-          <a:xfrm>
-            <a:off x="2413594" y="3046952"/>
-            <a:ext cx="2090057" cy="519519"/>
-          </a:xfrm>
-          <a:prstGeom prst="flowChartProcess">
-            <a:avLst/>
-          </a:prstGeom>
-        </p:spPr>
-        <p:style>
-          <a:lnRef idx="2">
-            <a:schemeClr val="accent1">
-              <a:shade val="50000"/>
-            </a:schemeClr>
-          </a:lnRef>
-          <a:fillRef idx="1">
-            <a:schemeClr val="accent1"/>
-          </a:fillRef>
-          <a:effectRef idx="0">
-            <a:schemeClr val="accent1"/>
-          </a:effectRef>
-          <a:fontRef idx="minor">
-            <a:schemeClr val="lt1"/>
-          </a:fontRef>
-        </p:style>
-        <p:txBody>
-          <a:bodyPr rtlCol="0" anchor="ctr"/>
-          <a:lstStyle/>
-          <a:p>
-            <a:pPr algn="ctr"/>
-            <a:r>
-              <a:rPr lang="en-US" dirty="0"/>
-              <a:t>Start Thread 1</a:t>
-            </a:r>
-          </a:p>
-        </p:txBody>
-      </p:sp>
-      <p:sp>
-        <p:nvSpPr>
-          <p:cNvPr id="7" name="Flowchart: Process 6">
-            <a:extLst>
-              <a:ext uri="{FF2B5EF4-FFF2-40B4-BE49-F238E27FC236}">
-                <a16:creationId xmlns:a16="http://schemas.microsoft.com/office/drawing/2014/main" id="{50E0C74D-550C-42E4-BD73-1625F9AFC1E6}"/>
-              </a:ext>
-            </a:extLst>
-          </p:cNvPr>
-          <p:cNvSpPr/>
-          <p:nvPr/>
-        </p:nvSpPr>
-        <p:spPr>
-          <a:xfrm>
-            <a:off x="2413595" y="5229151"/>
-            <a:ext cx="2090057" cy="519519"/>
-          </a:xfrm>
-          <a:prstGeom prst="flowChartProcess">
-            <a:avLst/>
-          </a:prstGeom>
-        </p:spPr>
-        <p:style>
-          <a:lnRef idx="2">
-            <a:schemeClr val="accent1">
-              <a:shade val="50000"/>
-            </a:schemeClr>
-          </a:lnRef>
-          <a:fillRef idx="1">
-            <a:schemeClr val="accent1"/>
-          </a:fillRef>
-          <a:effectRef idx="0">
-            <a:schemeClr val="accent1"/>
-          </a:effectRef>
-          <a:fontRef idx="minor">
-            <a:schemeClr val="lt1"/>
-          </a:fontRef>
-        </p:style>
-        <p:txBody>
-          <a:bodyPr rtlCol="0" anchor="ctr"/>
-          <a:lstStyle/>
-          <a:p>
-            <a:pPr algn="ctr"/>
-            <a:r>
-              <a:rPr lang="en-US" dirty="0"/>
-              <a:t>Read sensor signal</a:t>
-            </a:r>
-          </a:p>
-        </p:txBody>
-      </p:sp>
-      <p:sp>
-        <p:nvSpPr>
-          <p:cNvPr id="8" name="Flowchart: Decision 7">
-            <a:extLst>
-              <a:ext uri="{FF2B5EF4-FFF2-40B4-BE49-F238E27FC236}">
-                <a16:creationId xmlns:a16="http://schemas.microsoft.com/office/drawing/2014/main" id="{463B6A9A-69E1-403E-9058-ACAEDA151340}"/>
-              </a:ext>
-            </a:extLst>
-          </p:cNvPr>
-          <p:cNvSpPr/>
-          <p:nvPr/>
-        </p:nvSpPr>
-        <p:spPr>
-          <a:xfrm>
-            <a:off x="2413594" y="6330919"/>
-            <a:ext cx="2090057" cy="1154397"/>
-          </a:xfrm>
-          <a:prstGeom prst="flowChartDecision">
-            <a:avLst/>
-          </a:prstGeom>
-        </p:spPr>
-        <p:style>
-          <a:lnRef idx="2">
-            <a:schemeClr val="accent1">
-              <a:shade val="50000"/>
-            </a:schemeClr>
-          </a:lnRef>
-          <a:fillRef idx="1">
-            <a:schemeClr val="accent1"/>
-          </a:fillRef>
-          <a:effectRef idx="0">
-            <a:schemeClr val="accent1"/>
-          </a:effectRef>
-          <a:fontRef idx="minor">
-            <a:schemeClr val="lt1"/>
-          </a:fontRef>
-        </p:style>
-        <p:txBody>
-          <a:bodyPr rtlCol="0" anchor="ctr"/>
-          <a:lstStyle/>
-          <a:p>
-            <a:pPr algn="ctr"/>
-            <a:r>
-              <a:rPr lang="en-US" dirty="0"/>
-              <a:t>Did it ping vole 1?</a:t>
-            </a:r>
-          </a:p>
-        </p:txBody>
-      </p:sp>
-      <p:sp>
-        <p:nvSpPr>
-          <p:cNvPr id="13" name="Flowchart: Decision 12">
-            <a:extLst>
-              <a:ext uri="{FF2B5EF4-FFF2-40B4-BE49-F238E27FC236}">
-                <a16:creationId xmlns:a16="http://schemas.microsoft.com/office/drawing/2014/main" id="{C86490A3-4648-4077-B80C-B9DC16FA7FD2}"/>
-              </a:ext>
-            </a:extLst>
-          </p:cNvPr>
-          <p:cNvSpPr/>
-          <p:nvPr/>
-        </p:nvSpPr>
-        <p:spPr>
-          <a:xfrm>
-            <a:off x="2413595" y="8067565"/>
-            <a:ext cx="2090057" cy="1154397"/>
-          </a:xfrm>
-          <a:prstGeom prst="flowChartDecision">
-            <a:avLst/>
-          </a:prstGeom>
-        </p:spPr>
-        <p:style>
-          <a:lnRef idx="2">
-            <a:schemeClr val="accent1">
-              <a:shade val="50000"/>
-            </a:schemeClr>
-          </a:lnRef>
-          <a:fillRef idx="1">
-            <a:schemeClr val="accent1"/>
-          </a:fillRef>
-          <a:effectRef idx="0">
-            <a:schemeClr val="accent1"/>
-          </a:effectRef>
-          <a:fontRef idx="minor">
-            <a:schemeClr val="lt1"/>
-          </a:fontRef>
-        </p:style>
-        <p:txBody>
-          <a:bodyPr rtlCol="0" anchor="ctr"/>
-          <a:lstStyle/>
-          <a:p>
-            <a:pPr algn="ctr"/>
-            <a:r>
-              <a:rPr lang="en-US" dirty="0"/>
-              <a:t>Did it ping vole 2?</a:t>
-            </a:r>
-          </a:p>
-        </p:txBody>
-      </p:sp>
-      <p:cxnSp>
-        <p:nvCxnSpPr>
-          <p:cNvPr id="18" name="Connector: Elbow 17">
-            <a:extLst>
-              <a:ext uri="{FF2B5EF4-FFF2-40B4-BE49-F238E27FC236}">
-                <a16:creationId xmlns:a16="http://schemas.microsoft.com/office/drawing/2014/main" id="{0816CFB8-ABDF-4F15-A835-D9B79153189B}"/>
-              </a:ext>
-            </a:extLst>
-          </p:cNvPr>
-          <p:cNvCxnSpPr>
-            <a:stCxn id="7" idx="2"/>
-            <a:endCxn id="8" idx="0"/>
-          </p:cNvCxnSpPr>
-          <p:nvPr/>
-        </p:nvCxnSpPr>
-        <p:spPr>
-          <a:xfrm rot="5400000">
-            <a:off x="3167500" y="6039794"/>
-            <a:ext cx="582249" cy="1"/>
-          </a:xfrm>
-          <a:prstGeom prst="bentConnector3">
-            <a:avLst/>
-          </a:prstGeom>
-          <a:ln w="38100">
-            <a:tailEnd type="triangle"/>
-          </a:ln>
-        </p:spPr>
-        <p:style>
-          <a:lnRef idx="1">
-            <a:schemeClr val="accent1"/>
-          </a:lnRef>
-          <a:fillRef idx="0">
-            <a:schemeClr val="accent1"/>
-          </a:fillRef>
-          <a:effectRef idx="0">
-            <a:schemeClr val="accent1"/>
-          </a:effectRef>
-          <a:fontRef idx="minor">
-            <a:schemeClr val="tx1"/>
-          </a:fontRef>
-        </p:style>
-      </p:cxnSp>
-      <p:cxnSp>
-        <p:nvCxnSpPr>
-          <p:cNvPr id="19" name="Connector: Elbow 18">
-            <a:extLst>
-              <a:ext uri="{FF2B5EF4-FFF2-40B4-BE49-F238E27FC236}">
-                <a16:creationId xmlns:a16="http://schemas.microsoft.com/office/drawing/2014/main" id="{91992AFC-8BEF-4E3F-9E4C-964814A5FF0E}"/>
-              </a:ext>
-            </a:extLst>
-          </p:cNvPr>
-          <p:cNvCxnSpPr>
-            <a:stCxn id="8" idx="2"/>
-            <a:endCxn id="13" idx="0"/>
-          </p:cNvCxnSpPr>
-          <p:nvPr/>
-        </p:nvCxnSpPr>
-        <p:spPr>
-          <a:xfrm rot="16200000" flipH="1">
-            <a:off x="3167499" y="7776439"/>
-            <a:ext cx="582249" cy="1"/>
-          </a:xfrm>
-          <a:prstGeom prst="bentConnector3">
-            <a:avLst/>
-          </a:prstGeom>
-          <a:ln w="38100">
-            <a:tailEnd type="triangle"/>
-          </a:ln>
-        </p:spPr>
-        <p:style>
-          <a:lnRef idx="1">
-            <a:schemeClr val="accent1"/>
-          </a:lnRef>
-          <a:fillRef idx="0">
-            <a:schemeClr val="accent1"/>
-          </a:fillRef>
-          <a:effectRef idx="0">
-            <a:schemeClr val="accent1"/>
-          </a:effectRef>
-          <a:fontRef idx="minor">
-            <a:schemeClr val="tx1"/>
-          </a:fontRef>
-        </p:style>
-      </p:cxnSp>
-      <p:sp>
-        <p:nvSpPr>
-          <p:cNvPr id="31" name="Flowchart: Process 30">
-            <a:extLst>
-              <a:ext uri="{FF2B5EF4-FFF2-40B4-BE49-F238E27FC236}">
-                <a16:creationId xmlns:a16="http://schemas.microsoft.com/office/drawing/2014/main" id="{5666486C-FB5A-4D7D-B58C-0D5E9345B993}"/>
-              </a:ext>
-            </a:extLst>
-          </p:cNvPr>
-          <p:cNvSpPr/>
-          <p:nvPr/>
-        </p:nvSpPr>
-        <p:spPr>
-          <a:xfrm>
-            <a:off x="2413593" y="4145884"/>
-            <a:ext cx="2090057" cy="519519"/>
-          </a:xfrm>
-          <a:prstGeom prst="flowChartProcess">
-            <a:avLst/>
-          </a:prstGeom>
-        </p:spPr>
-        <p:style>
-          <a:lnRef idx="2">
-            <a:schemeClr val="accent1">
-              <a:shade val="50000"/>
-            </a:schemeClr>
-          </a:lnRef>
-          <a:fillRef idx="1">
-            <a:schemeClr val="accent1"/>
-          </a:fillRef>
-          <a:effectRef idx="0">
-            <a:schemeClr val="accent1"/>
-          </a:effectRef>
-          <a:fontRef idx="minor">
-            <a:schemeClr val="lt1"/>
-          </a:fontRef>
-        </p:style>
-        <p:txBody>
-          <a:bodyPr rtlCol="0" anchor="ctr"/>
-          <a:lstStyle/>
-          <a:p>
-            <a:pPr algn="ctr"/>
-            <a:r>
-              <a:rPr lang="en-US" dirty="0"/>
-              <a:t>Set event to FALSE</a:t>
-            </a:r>
-          </a:p>
-        </p:txBody>
-      </p:sp>
-      <p:cxnSp>
-        <p:nvCxnSpPr>
-          <p:cNvPr id="37" name="Straight Arrow Connector 36">
-            <a:extLst>
-              <a:ext uri="{FF2B5EF4-FFF2-40B4-BE49-F238E27FC236}">
-                <a16:creationId xmlns:a16="http://schemas.microsoft.com/office/drawing/2014/main" id="{9D3F9935-3676-424A-A825-5E3D3DAECAFB}"/>
-              </a:ext>
-            </a:extLst>
-          </p:cNvPr>
-          <p:cNvCxnSpPr>
-            <a:stCxn id="6" idx="2"/>
-            <a:endCxn id="31" idx="0"/>
-          </p:cNvCxnSpPr>
-          <p:nvPr/>
-        </p:nvCxnSpPr>
-        <p:spPr>
-          <a:xfrm flipH="1">
-            <a:off x="3458622" y="3566471"/>
-            <a:ext cx="1" cy="579413"/>
-          </a:xfrm>
-          <a:prstGeom prst="straightConnector1">
-            <a:avLst/>
-          </a:prstGeom>
-          <a:ln w="38100">
-            <a:tailEnd type="triangle"/>
-          </a:ln>
-        </p:spPr>
-        <p:style>
-          <a:lnRef idx="1">
-            <a:schemeClr val="accent1"/>
-          </a:lnRef>
-          <a:fillRef idx="0">
-            <a:schemeClr val="accent1"/>
-          </a:fillRef>
-          <a:effectRef idx="0">
-            <a:schemeClr val="accent1"/>
-          </a:effectRef>
-          <a:fontRef idx="minor">
-            <a:schemeClr val="tx1"/>
-          </a:fontRef>
-        </p:style>
-      </p:cxnSp>
-      <p:cxnSp>
-        <p:nvCxnSpPr>
-          <p:cNvPr id="39" name="Connector: Elbow 38">
-            <a:extLst>
-              <a:ext uri="{FF2B5EF4-FFF2-40B4-BE49-F238E27FC236}">
-                <a16:creationId xmlns:a16="http://schemas.microsoft.com/office/drawing/2014/main" id="{A3A2F40E-DA34-4A46-AE66-B68F5FB0BA37}"/>
-              </a:ext>
-            </a:extLst>
-          </p:cNvPr>
-          <p:cNvCxnSpPr>
-            <a:stCxn id="31" idx="2"/>
-            <a:endCxn id="7" idx="0"/>
-          </p:cNvCxnSpPr>
-          <p:nvPr/>
-        </p:nvCxnSpPr>
-        <p:spPr>
-          <a:xfrm rot="16200000" flipH="1">
-            <a:off x="3176749" y="4947276"/>
-            <a:ext cx="563748" cy="2"/>
-          </a:xfrm>
-          <a:prstGeom prst="bentConnector3">
-            <a:avLst/>
-          </a:prstGeom>
-          <a:ln w="38100">
-            <a:tailEnd type="triangle"/>
-          </a:ln>
-        </p:spPr>
-        <p:style>
-          <a:lnRef idx="1">
-            <a:schemeClr val="accent1"/>
-          </a:lnRef>
-          <a:fillRef idx="0">
-            <a:schemeClr val="accent1"/>
-          </a:fillRef>
-          <a:effectRef idx="0">
-            <a:schemeClr val="accent1"/>
-          </a:effectRef>
-          <a:fontRef idx="minor">
-            <a:schemeClr val="tx1"/>
-          </a:fontRef>
-        </p:style>
-      </p:cxnSp>
-      <p:sp>
-        <p:nvSpPr>
-          <p:cNvPr id="41" name="Flowchart: Process 40">
-            <a:extLst>
-              <a:ext uri="{FF2B5EF4-FFF2-40B4-BE49-F238E27FC236}">
-                <a16:creationId xmlns:a16="http://schemas.microsoft.com/office/drawing/2014/main" id="{247B4AA5-3C82-4F68-8953-C202A5BED085}"/>
-              </a:ext>
-            </a:extLst>
-          </p:cNvPr>
-          <p:cNvSpPr/>
-          <p:nvPr/>
-        </p:nvSpPr>
-        <p:spPr>
-          <a:xfrm>
-            <a:off x="2413593" y="10492462"/>
-            <a:ext cx="2090057" cy="519519"/>
-          </a:xfrm>
-          <a:prstGeom prst="flowChartProcess">
-            <a:avLst/>
-          </a:prstGeom>
-        </p:spPr>
-        <p:style>
-          <a:lnRef idx="2">
-            <a:schemeClr val="accent1">
-              <a:shade val="50000"/>
-            </a:schemeClr>
-          </a:lnRef>
-          <a:fillRef idx="1">
-            <a:schemeClr val="accent1"/>
-          </a:fillRef>
-          <a:effectRef idx="0">
-            <a:schemeClr val="accent1"/>
-          </a:effectRef>
-          <a:fontRef idx="minor">
-            <a:schemeClr val="lt1"/>
-          </a:fontRef>
-        </p:style>
-        <p:txBody>
-          <a:bodyPr rtlCol="0" anchor="ctr"/>
-          <a:lstStyle/>
-          <a:p>
-            <a:pPr algn="ctr"/>
-            <a:r>
-              <a:rPr lang="en-US" dirty="0"/>
-              <a:t>Set event to TRUE</a:t>
-            </a:r>
-          </a:p>
-        </p:txBody>
-      </p:sp>
-      <p:sp>
-        <p:nvSpPr>
-          <p:cNvPr id="42" name="Flowchart: Process 41">
-            <a:extLst>
-              <a:ext uri="{FF2B5EF4-FFF2-40B4-BE49-F238E27FC236}">
-                <a16:creationId xmlns:a16="http://schemas.microsoft.com/office/drawing/2014/main" id="{2ABD2069-1BA1-4C35-A3D5-67CAFF4A3046}"/>
-              </a:ext>
-            </a:extLst>
-          </p:cNvPr>
-          <p:cNvSpPr/>
-          <p:nvPr/>
-        </p:nvSpPr>
-        <p:spPr>
-          <a:xfrm>
-            <a:off x="2413592" y="11575729"/>
-            <a:ext cx="2090057" cy="519519"/>
-          </a:xfrm>
-          <a:prstGeom prst="flowChartProcess">
-            <a:avLst/>
-          </a:prstGeom>
-        </p:spPr>
-        <p:style>
-          <a:lnRef idx="2">
-            <a:schemeClr val="accent1">
-              <a:shade val="50000"/>
-            </a:schemeClr>
-          </a:lnRef>
-          <a:fillRef idx="1">
-            <a:schemeClr val="accent1"/>
-          </a:fillRef>
-          <a:effectRef idx="0">
-            <a:schemeClr val="accent1"/>
-          </a:effectRef>
-          <a:fontRef idx="minor">
-            <a:schemeClr val="lt1"/>
-          </a:fontRef>
-        </p:style>
-        <p:txBody>
-          <a:bodyPr rtlCol="0" anchor="ctr"/>
-          <a:lstStyle/>
-          <a:p>
-            <a:pPr algn="ctr"/>
-            <a:r>
-              <a:rPr lang="en-US" dirty="0"/>
-              <a:t>WAIT for Main Event</a:t>
-            </a:r>
-          </a:p>
-        </p:txBody>
-      </p:sp>
-      <p:cxnSp>
-        <p:nvCxnSpPr>
-          <p:cNvPr id="44" name="Connector: Elbow 43">
-            <a:extLst>
-              <a:ext uri="{FF2B5EF4-FFF2-40B4-BE49-F238E27FC236}">
-                <a16:creationId xmlns:a16="http://schemas.microsoft.com/office/drawing/2014/main" id="{1932285D-6D49-4B3B-AD27-42335F32A5B3}"/>
-              </a:ext>
-            </a:extLst>
-          </p:cNvPr>
-          <p:cNvCxnSpPr>
-            <a:stCxn id="13" idx="2"/>
-            <a:endCxn id="41" idx="0"/>
-          </p:cNvCxnSpPr>
-          <p:nvPr/>
-        </p:nvCxnSpPr>
-        <p:spPr>
-          <a:xfrm rot="5400000">
-            <a:off x="2823373" y="9857211"/>
-            <a:ext cx="1270500" cy="2"/>
-          </a:xfrm>
-          <a:prstGeom prst="bentConnector3">
-            <a:avLst/>
-          </a:prstGeom>
-          <a:ln w="38100">
-            <a:tailEnd type="triangle"/>
-          </a:ln>
-        </p:spPr>
-        <p:style>
-          <a:lnRef idx="1">
-            <a:schemeClr val="accent1"/>
-          </a:lnRef>
-          <a:fillRef idx="0">
-            <a:schemeClr val="accent1"/>
-          </a:fillRef>
-          <a:effectRef idx="0">
-            <a:schemeClr val="accent1"/>
-          </a:effectRef>
-          <a:fontRef idx="minor">
-            <a:schemeClr val="tx1"/>
-          </a:fontRef>
-        </p:style>
-      </p:cxnSp>
-      <p:cxnSp>
-        <p:nvCxnSpPr>
-          <p:cNvPr id="50" name="Connector: Elbow 49">
-            <a:extLst>
-              <a:ext uri="{FF2B5EF4-FFF2-40B4-BE49-F238E27FC236}">
-                <a16:creationId xmlns:a16="http://schemas.microsoft.com/office/drawing/2014/main" id="{6266CFDC-4386-4C97-9C59-994FF373490D}"/>
-              </a:ext>
-            </a:extLst>
-          </p:cNvPr>
-          <p:cNvCxnSpPr>
-            <a:stCxn id="41" idx="2"/>
-            <a:endCxn id="42" idx="0"/>
-          </p:cNvCxnSpPr>
-          <p:nvPr/>
-        </p:nvCxnSpPr>
-        <p:spPr>
-          <a:xfrm rot="5400000">
-            <a:off x="3176748" y="11293855"/>
-            <a:ext cx="563748" cy="1"/>
-          </a:xfrm>
-          <a:prstGeom prst="bentConnector3">
-            <a:avLst/>
-          </a:prstGeom>
-          <a:ln w="38100">
-            <a:tailEnd type="triangle"/>
-          </a:ln>
-        </p:spPr>
-        <p:style>
-          <a:lnRef idx="1">
-            <a:schemeClr val="accent1"/>
-          </a:lnRef>
-          <a:fillRef idx="0">
-            <a:schemeClr val="accent1"/>
-          </a:fillRef>
-          <a:effectRef idx="0">
-            <a:schemeClr val="accent1"/>
-          </a:effectRef>
-          <a:fontRef idx="minor">
-            <a:schemeClr val="tx1"/>
-          </a:fontRef>
-        </p:style>
-      </p:cxnSp>
-      <p:cxnSp>
-        <p:nvCxnSpPr>
-          <p:cNvPr id="55" name="Connector: Elbow 54">
-            <a:extLst>
-              <a:ext uri="{FF2B5EF4-FFF2-40B4-BE49-F238E27FC236}">
-                <a16:creationId xmlns:a16="http://schemas.microsoft.com/office/drawing/2014/main" id="{71B7277C-5B12-4D60-BEA0-5F241E274BF5}"/>
-              </a:ext>
-            </a:extLst>
-          </p:cNvPr>
-          <p:cNvCxnSpPr>
-            <a:stCxn id="42" idx="2"/>
-            <a:endCxn id="31" idx="1"/>
-          </p:cNvCxnSpPr>
-          <p:nvPr/>
-        </p:nvCxnSpPr>
-        <p:spPr>
-          <a:xfrm rot="5400000" flipH="1">
-            <a:off x="-908695" y="7727932"/>
-            <a:ext cx="7689604" cy="1045028"/>
-          </a:xfrm>
-          <a:prstGeom prst="bentConnector4">
-            <a:avLst>
-              <a:gd name="adj1" fmla="val -2973"/>
-              <a:gd name="adj2" fmla="val 246003"/>
-            </a:avLst>
-          </a:prstGeom>
-          <a:ln w="38100">
-            <a:tailEnd type="triangle"/>
-          </a:ln>
-        </p:spPr>
-        <p:style>
-          <a:lnRef idx="1">
-            <a:schemeClr val="accent1"/>
-          </a:lnRef>
-          <a:fillRef idx="0">
-            <a:schemeClr val="accent1"/>
-          </a:fillRef>
-          <a:effectRef idx="0">
-            <a:schemeClr val="accent1"/>
-          </a:effectRef>
-          <a:fontRef idx="minor">
-            <a:schemeClr val="tx1"/>
-          </a:fontRef>
-        </p:style>
-      </p:cxnSp>
-      <p:cxnSp>
-        <p:nvCxnSpPr>
-          <p:cNvPr id="78" name="Connector: Elbow 77">
-            <a:extLst>
-              <a:ext uri="{FF2B5EF4-FFF2-40B4-BE49-F238E27FC236}">
-                <a16:creationId xmlns:a16="http://schemas.microsoft.com/office/drawing/2014/main" id="{72B75C77-773E-45CC-9688-C23051AC86EC}"/>
-              </a:ext>
-            </a:extLst>
-          </p:cNvPr>
-          <p:cNvCxnSpPr>
-            <a:stCxn id="60" idx="1"/>
-            <a:endCxn id="15" idx="3"/>
-          </p:cNvCxnSpPr>
-          <p:nvPr/>
-        </p:nvCxnSpPr>
-        <p:spPr>
-          <a:xfrm rot="10800000" flipV="1">
-            <a:off x="8839957" y="8644763"/>
-            <a:ext cx="2246266" cy="850099"/>
-          </a:xfrm>
-          <a:prstGeom prst="bentConnector3">
-            <a:avLst/>
-          </a:prstGeom>
-          <a:ln w="38100">
-            <a:solidFill>
-              <a:srgbClr val="FF0000"/>
-            </a:solidFill>
-            <a:prstDash val="sysDot"/>
-            <a:tailEnd type="triangle"/>
-          </a:ln>
-        </p:spPr>
-        <p:style>
-          <a:lnRef idx="1">
-            <a:schemeClr val="accent1"/>
-          </a:lnRef>
-          <a:fillRef idx="0">
-            <a:schemeClr val="accent1"/>
-          </a:fillRef>
-          <a:effectRef idx="0">
-            <a:schemeClr val="accent1"/>
-          </a:effectRef>
-          <a:fontRef idx="minor">
-            <a:schemeClr val="tx1"/>
-          </a:fontRef>
-        </p:style>
-      </p:cxnSp>
-      <p:cxnSp>
-        <p:nvCxnSpPr>
-          <p:cNvPr id="72" name="Connector: Elbow 71">
-            <a:extLst>
-              <a:ext uri="{FF2B5EF4-FFF2-40B4-BE49-F238E27FC236}">
-                <a16:creationId xmlns:a16="http://schemas.microsoft.com/office/drawing/2014/main" id="{CD806686-50BB-49C3-99A4-EEAFC1FBB2B9}"/>
-              </a:ext>
-            </a:extLst>
-          </p:cNvPr>
-          <p:cNvCxnSpPr>
-            <a:stCxn id="59" idx="1"/>
-            <a:endCxn id="9" idx="3"/>
-          </p:cNvCxnSpPr>
-          <p:nvPr/>
-        </p:nvCxnSpPr>
-        <p:spPr>
-          <a:xfrm rot="10800000">
-            <a:off x="8839964" y="6908118"/>
-            <a:ext cx="2246258" cy="1"/>
-          </a:xfrm>
-          <a:prstGeom prst="bentConnector3">
-            <a:avLst/>
-          </a:prstGeom>
-          <a:ln w="38100">
-            <a:solidFill>
-              <a:srgbClr val="00B050"/>
-            </a:solidFill>
-            <a:prstDash val="sysDot"/>
-            <a:tailEnd type="triangle"/>
-          </a:ln>
-        </p:spPr>
-        <p:style>
-          <a:lnRef idx="1">
-            <a:schemeClr val="accent1"/>
-          </a:lnRef>
-          <a:fillRef idx="0">
-            <a:schemeClr val="accent1"/>
-          </a:fillRef>
-          <a:effectRef idx="0">
-            <a:schemeClr val="accent1"/>
-          </a:effectRef>
-          <a:fontRef idx="minor">
-            <a:schemeClr val="tx1"/>
-          </a:fontRef>
-        </p:style>
-      </p:cxnSp>
-      <p:cxnSp>
-        <p:nvCxnSpPr>
-          <p:cNvPr id="74" name="Connector: Elbow 73">
-            <a:extLst>
-              <a:ext uri="{FF2B5EF4-FFF2-40B4-BE49-F238E27FC236}">
-                <a16:creationId xmlns:a16="http://schemas.microsoft.com/office/drawing/2014/main" id="{2AB84941-1BCB-44B0-8ACD-014D97ABA07B}"/>
-              </a:ext>
-            </a:extLst>
-          </p:cNvPr>
-          <p:cNvCxnSpPr>
-            <a:stCxn id="60" idx="1"/>
-            <a:endCxn id="14" idx="3"/>
-          </p:cNvCxnSpPr>
-          <p:nvPr/>
-        </p:nvCxnSpPr>
-        <p:spPr>
-          <a:xfrm rot="10800000">
-            <a:off x="8839959" y="8638204"/>
-            <a:ext cx="2246265" cy="6561"/>
-          </a:xfrm>
-          <a:prstGeom prst="bentConnector3">
-            <a:avLst/>
-          </a:prstGeom>
-          <a:ln w="38100">
-            <a:solidFill>
-              <a:srgbClr val="00B050"/>
-            </a:solidFill>
-            <a:prstDash val="sysDot"/>
-            <a:tailEnd type="triangle"/>
-          </a:ln>
-        </p:spPr>
-        <p:style>
-          <a:lnRef idx="1">
-            <a:schemeClr val="accent1"/>
-          </a:lnRef>
-          <a:fillRef idx="0">
-            <a:schemeClr val="accent1"/>
-          </a:fillRef>
-          <a:effectRef idx="0">
-            <a:schemeClr val="accent1"/>
-          </a:effectRef>
-          <a:fontRef idx="minor">
-            <a:schemeClr val="tx1"/>
-          </a:fontRef>
-        </p:style>
-      </p:cxnSp>
-      <p:sp>
-        <p:nvSpPr>
-          <p:cNvPr id="57" name="Flowchart: Process 56">
-            <a:extLst>
-              <a:ext uri="{FF2B5EF4-FFF2-40B4-BE49-F238E27FC236}">
-                <a16:creationId xmlns:a16="http://schemas.microsoft.com/office/drawing/2014/main" id="{A300B1F5-239B-4FF3-A6D2-DDED1E214CD8}"/>
-              </a:ext>
-            </a:extLst>
-          </p:cNvPr>
-          <p:cNvSpPr/>
-          <p:nvPr/>
-        </p:nvSpPr>
-        <p:spPr>
-          <a:xfrm>
-            <a:off x="11086222" y="3046952"/>
-            <a:ext cx="2090057" cy="519519"/>
-          </a:xfrm>
-          <a:prstGeom prst="flowChartProcess">
-            <a:avLst/>
-          </a:prstGeom>
-        </p:spPr>
-        <p:style>
-          <a:lnRef idx="2">
-            <a:schemeClr val="accent1">
-              <a:shade val="50000"/>
-            </a:schemeClr>
-          </a:lnRef>
-          <a:fillRef idx="1">
-            <a:schemeClr val="accent1"/>
-          </a:fillRef>
-          <a:effectRef idx="0">
-            <a:schemeClr val="accent1"/>
-          </a:effectRef>
-          <a:fontRef idx="minor">
-            <a:schemeClr val="lt1"/>
-          </a:fontRef>
-        </p:style>
-        <p:txBody>
-          <a:bodyPr rtlCol="0" anchor="ctr"/>
-          <a:lstStyle/>
-          <a:p>
-            <a:pPr algn="ctr"/>
-            <a:r>
-              <a:rPr lang="en-US" dirty="0"/>
-              <a:t>Start Thread 2</a:t>
-            </a:r>
-          </a:p>
-        </p:txBody>
-      </p:sp>
-      <p:sp>
-        <p:nvSpPr>
-          <p:cNvPr id="58" name="Flowchart: Process 57">
-            <a:extLst>
-              <a:ext uri="{FF2B5EF4-FFF2-40B4-BE49-F238E27FC236}">
-                <a16:creationId xmlns:a16="http://schemas.microsoft.com/office/drawing/2014/main" id="{8A6FF4D4-3B0F-4356-951D-7942628A3BFF}"/>
-              </a:ext>
-            </a:extLst>
-          </p:cNvPr>
-          <p:cNvSpPr/>
-          <p:nvPr/>
-        </p:nvSpPr>
-        <p:spPr>
-          <a:xfrm>
-            <a:off x="11086223" y="5229151"/>
-            <a:ext cx="2090057" cy="519519"/>
-          </a:xfrm>
-          <a:prstGeom prst="flowChartProcess">
-            <a:avLst/>
-          </a:prstGeom>
-        </p:spPr>
-        <p:style>
-          <a:lnRef idx="2">
-            <a:schemeClr val="accent1">
-              <a:shade val="50000"/>
-            </a:schemeClr>
-          </a:lnRef>
-          <a:fillRef idx="1">
-            <a:schemeClr val="accent1"/>
-          </a:fillRef>
-          <a:effectRef idx="0">
-            <a:schemeClr val="accent1"/>
-          </a:effectRef>
-          <a:fontRef idx="minor">
-            <a:schemeClr val="lt1"/>
-          </a:fontRef>
-        </p:style>
-        <p:txBody>
-          <a:bodyPr rtlCol="0" anchor="ctr"/>
-          <a:lstStyle/>
-          <a:p>
-            <a:pPr algn="ctr"/>
-            <a:r>
-              <a:rPr lang="en-US" dirty="0"/>
-              <a:t>Read sensor signal</a:t>
-            </a:r>
-          </a:p>
-        </p:txBody>
-      </p:sp>
-      <p:sp>
-        <p:nvSpPr>
-          <p:cNvPr id="59" name="Flowchart: Decision 58">
-            <a:extLst>
-              <a:ext uri="{FF2B5EF4-FFF2-40B4-BE49-F238E27FC236}">
-                <a16:creationId xmlns:a16="http://schemas.microsoft.com/office/drawing/2014/main" id="{96C5DFAF-2AA1-4AB4-BFF1-F31F7588CD19}"/>
-              </a:ext>
-            </a:extLst>
-          </p:cNvPr>
-          <p:cNvSpPr/>
-          <p:nvPr/>
-        </p:nvSpPr>
-        <p:spPr>
-          <a:xfrm>
-            <a:off x="11086222" y="6330919"/>
-            <a:ext cx="2090057" cy="1154397"/>
-          </a:xfrm>
-          <a:prstGeom prst="flowChartDecision">
-            <a:avLst/>
-          </a:prstGeom>
-        </p:spPr>
-        <p:style>
-          <a:lnRef idx="2">
-            <a:schemeClr val="accent1">
-              <a:shade val="50000"/>
-            </a:schemeClr>
-          </a:lnRef>
-          <a:fillRef idx="1">
-            <a:schemeClr val="accent1"/>
-          </a:fillRef>
-          <a:effectRef idx="0">
-            <a:schemeClr val="accent1"/>
-          </a:effectRef>
-          <a:fontRef idx="minor">
-            <a:schemeClr val="lt1"/>
-          </a:fontRef>
-        </p:style>
-        <p:txBody>
-          <a:bodyPr rtlCol="0" anchor="ctr"/>
-          <a:lstStyle/>
-          <a:p>
-            <a:pPr algn="ctr"/>
-            <a:r>
-              <a:rPr lang="en-US" dirty="0"/>
-              <a:t>Did it ping vole 1?</a:t>
-            </a:r>
-          </a:p>
-        </p:txBody>
-      </p:sp>
-      <p:sp>
-        <p:nvSpPr>
-          <p:cNvPr id="60" name="Flowchart: Decision 59">
-            <a:extLst>
-              <a:ext uri="{FF2B5EF4-FFF2-40B4-BE49-F238E27FC236}">
-                <a16:creationId xmlns:a16="http://schemas.microsoft.com/office/drawing/2014/main" id="{03D06A7B-1056-427C-85D3-6C681DC3A949}"/>
-              </a:ext>
-            </a:extLst>
-          </p:cNvPr>
-          <p:cNvSpPr/>
-          <p:nvPr/>
-        </p:nvSpPr>
-        <p:spPr>
-          <a:xfrm>
-            <a:off x="11086223" y="8067565"/>
-            <a:ext cx="2090057" cy="1154397"/>
-          </a:xfrm>
-          <a:prstGeom prst="flowChartDecision">
-            <a:avLst/>
-          </a:prstGeom>
-        </p:spPr>
-        <p:style>
-          <a:lnRef idx="2">
-            <a:schemeClr val="accent1">
-              <a:shade val="50000"/>
-            </a:schemeClr>
-          </a:lnRef>
-          <a:fillRef idx="1">
-            <a:schemeClr val="accent1"/>
-          </a:fillRef>
-          <a:effectRef idx="0">
-            <a:schemeClr val="accent1"/>
-          </a:effectRef>
-          <a:fontRef idx="minor">
-            <a:schemeClr val="lt1"/>
-          </a:fontRef>
-        </p:style>
-        <p:txBody>
-          <a:bodyPr rtlCol="0" anchor="ctr"/>
-          <a:lstStyle/>
-          <a:p>
-            <a:pPr algn="ctr"/>
-            <a:r>
-              <a:rPr lang="en-US" dirty="0"/>
-              <a:t>Did it ping vole 2?</a:t>
-            </a:r>
-          </a:p>
-        </p:txBody>
-      </p:sp>
-      <p:cxnSp>
-        <p:nvCxnSpPr>
-          <p:cNvPr id="61" name="Connector: Elbow 60">
-            <a:extLst>
-              <a:ext uri="{FF2B5EF4-FFF2-40B4-BE49-F238E27FC236}">
-                <a16:creationId xmlns:a16="http://schemas.microsoft.com/office/drawing/2014/main" id="{56A7C35F-F975-4F5F-96F0-484D92116BF5}"/>
-              </a:ext>
-            </a:extLst>
-          </p:cNvPr>
-          <p:cNvCxnSpPr>
-            <a:stCxn id="58" idx="2"/>
-            <a:endCxn id="59" idx="0"/>
-          </p:cNvCxnSpPr>
-          <p:nvPr/>
-        </p:nvCxnSpPr>
-        <p:spPr>
-          <a:xfrm rot="5400000">
-            <a:off x="11840128" y="6039794"/>
-            <a:ext cx="582249" cy="1"/>
-          </a:xfrm>
-          <a:prstGeom prst="bentConnector3">
-            <a:avLst/>
-          </a:prstGeom>
-          <a:ln w="38100">
-            <a:tailEnd type="triangle"/>
-          </a:ln>
-        </p:spPr>
-        <p:style>
-          <a:lnRef idx="1">
-            <a:schemeClr val="accent1"/>
-          </a:lnRef>
-          <a:fillRef idx="0">
-            <a:schemeClr val="accent1"/>
-          </a:fillRef>
-          <a:effectRef idx="0">
-            <a:schemeClr val="accent1"/>
-          </a:effectRef>
-          <a:fontRef idx="minor">
-            <a:schemeClr val="tx1"/>
-          </a:fontRef>
-        </p:style>
-      </p:cxnSp>
-      <p:cxnSp>
-        <p:nvCxnSpPr>
-          <p:cNvPr id="62" name="Connector: Elbow 61">
-            <a:extLst>
-              <a:ext uri="{FF2B5EF4-FFF2-40B4-BE49-F238E27FC236}">
-                <a16:creationId xmlns:a16="http://schemas.microsoft.com/office/drawing/2014/main" id="{0367CF87-FE27-450E-95D8-F7FF9867C747}"/>
-              </a:ext>
-            </a:extLst>
-          </p:cNvPr>
-          <p:cNvCxnSpPr>
-            <a:stCxn id="59" idx="2"/>
-            <a:endCxn id="60" idx="0"/>
-          </p:cNvCxnSpPr>
-          <p:nvPr/>
-        </p:nvCxnSpPr>
-        <p:spPr>
-          <a:xfrm rot="16200000" flipH="1">
-            <a:off x="11840127" y="7776439"/>
-            <a:ext cx="582249" cy="1"/>
-          </a:xfrm>
-          <a:prstGeom prst="bentConnector3">
-            <a:avLst/>
-          </a:prstGeom>
-          <a:ln w="38100">
-            <a:tailEnd type="triangle"/>
-          </a:ln>
-        </p:spPr>
-        <p:style>
-          <a:lnRef idx="1">
-            <a:schemeClr val="accent1"/>
-          </a:lnRef>
-          <a:fillRef idx="0">
-            <a:schemeClr val="accent1"/>
-          </a:fillRef>
-          <a:effectRef idx="0">
-            <a:schemeClr val="accent1"/>
-          </a:effectRef>
-          <a:fontRef idx="minor">
-            <a:schemeClr val="tx1"/>
-          </a:fontRef>
-        </p:style>
-      </p:cxnSp>
-      <p:sp>
-        <p:nvSpPr>
-          <p:cNvPr id="63" name="Flowchart: Process 62">
-            <a:extLst>
-              <a:ext uri="{FF2B5EF4-FFF2-40B4-BE49-F238E27FC236}">
-                <a16:creationId xmlns:a16="http://schemas.microsoft.com/office/drawing/2014/main" id="{95A8F9BE-44DE-445A-96D8-AD96D46A490A}"/>
-              </a:ext>
-            </a:extLst>
-          </p:cNvPr>
-          <p:cNvSpPr/>
-          <p:nvPr/>
-        </p:nvSpPr>
-        <p:spPr>
-          <a:xfrm>
-            <a:off x="11086221" y="4145884"/>
-            <a:ext cx="2090057" cy="519519"/>
-          </a:xfrm>
-          <a:prstGeom prst="flowChartProcess">
-            <a:avLst/>
-          </a:prstGeom>
-        </p:spPr>
-        <p:style>
-          <a:lnRef idx="2">
-            <a:schemeClr val="accent1">
-              <a:shade val="50000"/>
-            </a:schemeClr>
-          </a:lnRef>
-          <a:fillRef idx="1">
-            <a:schemeClr val="accent1"/>
-          </a:fillRef>
-          <a:effectRef idx="0">
-            <a:schemeClr val="accent1"/>
-          </a:effectRef>
-          <a:fontRef idx="minor">
-            <a:schemeClr val="lt1"/>
-          </a:fontRef>
-        </p:style>
-        <p:txBody>
-          <a:bodyPr rtlCol="0" anchor="ctr"/>
-          <a:lstStyle/>
-          <a:p>
-            <a:pPr algn="ctr"/>
-            <a:r>
-              <a:rPr lang="en-US" dirty="0"/>
-              <a:t>Set event to FALSE</a:t>
-            </a:r>
-          </a:p>
-        </p:txBody>
-      </p:sp>
-      <p:cxnSp>
-        <p:nvCxnSpPr>
-          <p:cNvPr id="64" name="Straight Arrow Connector 63">
-            <a:extLst>
-              <a:ext uri="{FF2B5EF4-FFF2-40B4-BE49-F238E27FC236}">
-                <a16:creationId xmlns:a16="http://schemas.microsoft.com/office/drawing/2014/main" id="{55471AEF-0E14-466F-A6E7-608480AFECAD}"/>
-              </a:ext>
-            </a:extLst>
-          </p:cNvPr>
-          <p:cNvCxnSpPr>
-            <a:stCxn id="57" idx="2"/>
-            <a:endCxn id="63" idx="0"/>
-          </p:cNvCxnSpPr>
-          <p:nvPr/>
-        </p:nvCxnSpPr>
-        <p:spPr>
-          <a:xfrm flipH="1">
-            <a:off x="12131250" y="3566471"/>
-            <a:ext cx="1" cy="579413"/>
-          </a:xfrm>
-          <a:prstGeom prst="straightConnector1">
-            <a:avLst/>
-          </a:prstGeom>
-          <a:ln w="38100">
-            <a:tailEnd type="triangle"/>
-          </a:ln>
-        </p:spPr>
-        <p:style>
-          <a:lnRef idx="1">
-            <a:schemeClr val="accent1"/>
-          </a:lnRef>
-          <a:fillRef idx="0">
-            <a:schemeClr val="accent1"/>
-          </a:fillRef>
-          <a:effectRef idx="0">
-            <a:schemeClr val="accent1"/>
-          </a:effectRef>
-          <a:fontRef idx="minor">
-            <a:schemeClr val="tx1"/>
-          </a:fontRef>
-        </p:style>
-      </p:cxnSp>
-      <p:cxnSp>
-        <p:nvCxnSpPr>
-          <p:cNvPr id="65" name="Connector: Elbow 64">
-            <a:extLst>
-              <a:ext uri="{FF2B5EF4-FFF2-40B4-BE49-F238E27FC236}">
-                <a16:creationId xmlns:a16="http://schemas.microsoft.com/office/drawing/2014/main" id="{5EFD2EC7-8FA5-4424-A8B5-E0E58A8B980D}"/>
-              </a:ext>
-            </a:extLst>
-          </p:cNvPr>
-          <p:cNvCxnSpPr>
-            <a:stCxn id="63" idx="2"/>
-            <a:endCxn id="58" idx="0"/>
-          </p:cNvCxnSpPr>
-          <p:nvPr/>
-        </p:nvCxnSpPr>
-        <p:spPr>
-          <a:xfrm rot="16200000" flipH="1">
-            <a:off x="11849377" y="4947276"/>
-            <a:ext cx="563748" cy="2"/>
-          </a:xfrm>
-          <a:prstGeom prst="bentConnector3">
-            <a:avLst/>
-          </a:prstGeom>
-          <a:ln w="38100">
-            <a:tailEnd type="triangle"/>
-          </a:ln>
-        </p:spPr>
-        <p:style>
-          <a:lnRef idx="1">
-            <a:schemeClr val="accent1"/>
-          </a:lnRef>
-          <a:fillRef idx="0">
-            <a:schemeClr val="accent1"/>
-          </a:fillRef>
-          <a:effectRef idx="0">
-            <a:schemeClr val="accent1"/>
-          </a:effectRef>
-          <a:fontRef idx="minor">
-            <a:schemeClr val="tx1"/>
-          </a:fontRef>
-        </p:style>
-      </p:cxnSp>
-      <p:sp>
-        <p:nvSpPr>
-          <p:cNvPr id="66" name="Flowchart: Process 65">
-            <a:extLst>
-              <a:ext uri="{FF2B5EF4-FFF2-40B4-BE49-F238E27FC236}">
-                <a16:creationId xmlns:a16="http://schemas.microsoft.com/office/drawing/2014/main" id="{E8566C4C-6DE3-4493-BC44-00386531AD4C}"/>
-              </a:ext>
-            </a:extLst>
-          </p:cNvPr>
-          <p:cNvSpPr/>
-          <p:nvPr/>
-        </p:nvSpPr>
-        <p:spPr>
-          <a:xfrm>
-            <a:off x="11086221" y="10492462"/>
-            <a:ext cx="2090057" cy="519519"/>
-          </a:xfrm>
-          <a:prstGeom prst="flowChartProcess">
-            <a:avLst/>
-          </a:prstGeom>
-        </p:spPr>
-        <p:style>
-          <a:lnRef idx="2">
-            <a:schemeClr val="accent1">
-              <a:shade val="50000"/>
-            </a:schemeClr>
-          </a:lnRef>
-          <a:fillRef idx="1">
-            <a:schemeClr val="accent1"/>
-          </a:fillRef>
-          <a:effectRef idx="0">
-            <a:schemeClr val="accent1"/>
-          </a:effectRef>
-          <a:fontRef idx="minor">
-            <a:schemeClr val="lt1"/>
-          </a:fontRef>
-        </p:style>
-        <p:txBody>
-          <a:bodyPr rtlCol="0" anchor="ctr"/>
-          <a:lstStyle/>
-          <a:p>
-            <a:pPr algn="ctr"/>
-            <a:r>
-              <a:rPr lang="en-US" dirty="0"/>
-              <a:t>Set event to TRUE</a:t>
-            </a:r>
-          </a:p>
-        </p:txBody>
-      </p:sp>
-      <p:sp>
-        <p:nvSpPr>
-          <p:cNvPr id="67" name="Flowchart: Process 66">
-            <a:extLst>
-              <a:ext uri="{FF2B5EF4-FFF2-40B4-BE49-F238E27FC236}">
-                <a16:creationId xmlns:a16="http://schemas.microsoft.com/office/drawing/2014/main" id="{F9642ED0-698E-418A-BE46-0C575C4CBA13}"/>
-              </a:ext>
-            </a:extLst>
-          </p:cNvPr>
-          <p:cNvSpPr/>
-          <p:nvPr/>
-        </p:nvSpPr>
-        <p:spPr>
-          <a:xfrm>
-            <a:off x="11086220" y="11575729"/>
-            <a:ext cx="2090057" cy="519519"/>
-          </a:xfrm>
-          <a:prstGeom prst="flowChartProcess">
-            <a:avLst/>
-          </a:prstGeom>
-        </p:spPr>
-        <p:style>
-          <a:lnRef idx="2">
-            <a:schemeClr val="accent1">
-              <a:shade val="50000"/>
-            </a:schemeClr>
-          </a:lnRef>
-          <a:fillRef idx="1">
-            <a:schemeClr val="accent1"/>
-          </a:fillRef>
-          <a:effectRef idx="0">
-            <a:schemeClr val="accent1"/>
-          </a:effectRef>
-          <a:fontRef idx="minor">
-            <a:schemeClr val="lt1"/>
-          </a:fontRef>
-        </p:style>
-        <p:txBody>
-          <a:bodyPr rtlCol="0" anchor="ctr"/>
-          <a:lstStyle/>
-          <a:p>
-            <a:pPr algn="ctr"/>
-            <a:r>
-              <a:rPr lang="en-US" dirty="0"/>
-              <a:t>WAIT for Main Event</a:t>
-            </a:r>
-          </a:p>
-        </p:txBody>
-      </p:sp>
-      <p:cxnSp>
-        <p:nvCxnSpPr>
-          <p:cNvPr id="68" name="Connector: Elbow 67">
-            <a:extLst>
-              <a:ext uri="{FF2B5EF4-FFF2-40B4-BE49-F238E27FC236}">
-                <a16:creationId xmlns:a16="http://schemas.microsoft.com/office/drawing/2014/main" id="{CC7497C3-53B5-41E1-AF8E-895E639AD546}"/>
-              </a:ext>
-            </a:extLst>
-          </p:cNvPr>
-          <p:cNvCxnSpPr>
-            <a:stCxn id="60" idx="2"/>
-            <a:endCxn id="66" idx="0"/>
-          </p:cNvCxnSpPr>
-          <p:nvPr/>
-        </p:nvCxnSpPr>
-        <p:spPr>
-          <a:xfrm rot="5400000">
-            <a:off x="11496001" y="9857211"/>
-            <a:ext cx="1270500" cy="2"/>
-          </a:xfrm>
-          <a:prstGeom prst="bentConnector3">
-            <a:avLst/>
-          </a:prstGeom>
-          <a:ln w="38100">
-            <a:tailEnd type="triangle"/>
-          </a:ln>
-        </p:spPr>
-        <p:style>
-          <a:lnRef idx="1">
-            <a:schemeClr val="accent1"/>
-          </a:lnRef>
-          <a:fillRef idx="0">
-            <a:schemeClr val="accent1"/>
-          </a:fillRef>
-          <a:effectRef idx="0">
-            <a:schemeClr val="accent1"/>
-          </a:effectRef>
-          <a:fontRef idx="minor">
-            <a:schemeClr val="tx1"/>
-          </a:fontRef>
-        </p:style>
-      </p:cxnSp>
-      <p:cxnSp>
-        <p:nvCxnSpPr>
-          <p:cNvPr id="69" name="Connector: Elbow 68">
-            <a:extLst>
-              <a:ext uri="{FF2B5EF4-FFF2-40B4-BE49-F238E27FC236}">
-                <a16:creationId xmlns:a16="http://schemas.microsoft.com/office/drawing/2014/main" id="{45600D0F-1784-47D4-8125-4AFE27627ED2}"/>
-              </a:ext>
-            </a:extLst>
-          </p:cNvPr>
-          <p:cNvCxnSpPr>
-            <a:stCxn id="66" idx="2"/>
-            <a:endCxn id="67" idx="0"/>
-          </p:cNvCxnSpPr>
-          <p:nvPr/>
-        </p:nvCxnSpPr>
-        <p:spPr>
-          <a:xfrm rot="5400000">
-            <a:off x="11849376" y="11293855"/>
-            <a:ext cx="563748" cy="1"/>
-          </a:xfrm>
-          <a:prstGeom prst="bentConnector3">
-            <a:avLst/>
-          </a:prstGeom>
-          <a:ln w="38100">
-            <a:tailEnd type="triangle"/>
-          </a:ln>
-        </p:spPr>
-        <p:style>
-          <a:lnRef idx="1">
-            <a:schemeClr val="accent1"/>
-          </a:lnRef>
-          <a:fillRef idx="0">
-            <a:schemeClr val="accent1"/>
-          </a:fillRef>
-          <a:effectRef idx="0">
-            <a:schemeClr val="accent1"/>
-          </a:effectRef>
-          <a:fontRef idx="minor">
-            <a:schemeClr val="tx1"/>
-          </a:fontRef>
-        </p:style>
-      </p:cxnSp>
-      <p:cxnSp>
-        <p:nvCxnSpPr>
-          <p:cNvPr id="87" name="Connector: Elbow 86">
-            <a:extLst>
-              <a:ext uri="{FF2B5EF4-FFF2-40B4-BE49-F238E27FC236}">
-                <a16:creationId xmlns:a16="http://schemas.microsoft.com/office/drawing/2014/main" id="{DBDDD432-385C-46E9-B495-733F2E9B0449}"/>
-              </a:ext>
-            </a:extLst>
-          </p:cNvPr>
-          <p:cNvCxnSpPr>
-            <a:cxnSpLocks/>
-            <a:stCxn id="67" idx="2"/>
-            <a:endCxn id="63" idx="3"/>
-          </p:cNvCxnSpPr>
-          <p:nvPr/>
-        </p:nvCxnSpPr>
-        <p:spPr>
-          <a:xfrm rot="5400000" flipH="1" flipV="1">
-            <a:off x="8808961" y="7727931"/>
-            <a:ext cx="7689604" cy="1045029"/>
-          </a:xfrm>
-          <a:prstGeom prst="bentConnector4">
-            <a:avLst>
-              <a:gd name="adj1" fmla="val -2973"/>
-              <a:gd name="adj2" fmla="val 246003"/>
-            </a:avLst>
-          </a:prstGeom>
-          <a:ln w="38100">
-            <a:tailEnd type="triangle"/>
-          </a:ln>
-        </p:spPr>
-        <p:style>
-          <a:lnRef idx="1">
-            <a:schemeClr val="accent1"/>
-          </a:lnRef>
-          <a:fillRef idx="0">
-            <a:schemeClr val="accent1"/>
-          </a:fillRef>
-          <a:effectRef idx="0">
-            <a:schemeClr val="accent1"/>
-          </a:effectRef>
-          <a:fontRef idx="minor">
-            <a:schemeClr val="tx1"/>
-          </a:fontRef>
-        </p:style>
-      </p:cxnSp>
-      <p:sp>
-        <p:nvSpPr>
-          <p:cNvPr id="106" name="Flowchart: Process 105">
-            <a:extLst>
-              <a:ext uri="{FF2B5EF4-FFF2-40B4-BE49-F238E27FC236}">
-                <a16:creationId xmlns:a16="http://schemas.microsoft.com/office/drawing/2014/main" id="{7C18C280-2EC7-43D3-BAD9-C290958A4052}"/>
-              </a:ext>
-            </a:extLst>
-          </p:cNvPr>
-          <p:cNvSpPr/>
-          <p:nvPr/>
-        </p:nvSpPr>
-        <p:spPr>
-          <a:xfrm>
-            <a:off x="16467563" y="3046952"/>
-            <a:ext cx="2090057" cy="519519"/>
-          </a:xfrm>
-          <a:prstGeom prst="flowChartProcess">
-            <a:avLst/>
-          </a:prstGeom>
-        </p:spPr>
-        <p:style>
-          <a:lnRef idx="2">
-            <a:schemeClr val="accent1">
-              <a:shade val="50000"/>
-            </a:schemeClr>
-          </a:lnRef>
-          <a:fillRef idx="1">
-            <a:schemeClr val="accent1"/>
-          </a:fillRef>
-          <a:effectRef idx="0">
-            <a:schemeClr val="accent1"/>
-          </a:effectRef>
-          <a:fontRef idx="minor">
-            <a:schemeClr val="lt1"/>
-          </a:fontRef>
-        </p:style>
-        <p:txBody>
-          <a:bodyPr rtlCol="0" anchor="ctr"/>
-          <a:lstStyle/>
-          <a:p>
-            <a:pPr algn="ctr"/>
-            <a:r>
-              <a:rPr lang="en-US" dirty="0"/>
-              <a:t>Start Schedule Thread</a:t>
-            </a:r>
-          </a:p>
-        </p:txBody>
-      </p:sp>
-      <p:sp>
-        <p:nvSpPr>
-          <p:cNvPr id="107" name="Flowchart: Process 106">
-            <a:extLst>
-              <a:ext uri="{FF2B5EF4-FFF2-40B4-BE49-F238E27FC236}">
-                <a16:creationId xmlns:a16="http://schemas.microsoft.com/office/drawing/2014/main" id="{D18B9DAD-7571-4EC6-B476-9FFF483DE12C}"/>
-              </a:ext>
-            </a:extLst>
-          </p:cNvPr>
-          <p:cNvSpPr/>
-          <p:nvPr/>
-        </p:nvSpPr>
-        <p:spPr>
-          <a:xfrm>
-            <a:off x="16497172" y="5179146"/>
-            <a:ext cx="2090057" cy="519519"/>
-          </a:xfrm>
-          <a:prstGeom prst="flowChartProcess">
-            <a:avLst/>
-          </a:prstGeom>
-        </p:spPr>
-        <p:style>
-          <a:lnRef idx="2">
-            <a:schemeClr val="accent1">
-              <a:shade val="50000"/>
-            </a:schemeClr>
-          </a:lnRef>
-          <a:fillRef idx="1">
-            <a:schemeClr val="accent1"/>
-          </a:fillRef>
-          <a:effectRef idx="0">
-            <a:schemeClr val="accent1"/>
-          </a:effectRef>
-          <a:fontRef idx="minor">
-            <a:schemeClr val="lt1"/>
-          </a:fontRef>
-        </p:style>
-        <p:txBody>
-          <a:bodyPr rtlCol="0" anchor="ctr"/>
-          <a:lstStyle/>
-          <a:p>
-            <a:pPr algn="ctr"/>
-            <a:r>
-              <a:rPr lang="en-US" dirty="0"/>
-              <a:t>Set Main Event to FASLE</a:t>
-            </a:r>
-          </a:p>
-        </p:txBody>
-      </p:sp>
-      <p:sp>
-        <p:nvSpPr>
-          <p:cNvPr id="108" name="Flowchart: Process 107">
-            <a:extLst>
-              <a:ext uri="{FF2B5EF4-FFF2-40B4-BE49-F238E27FC236}">
-                <a16:creationId xmlns:a16="http://schemas.microsoft.com/office/drawing/2014/main" id="{2AF955FE-FD4F-4704-90E4-A3D9497C8041}"/>
-              </a:ext>
-            </a:extLst>
-          </p:cNvPr>
-          <p:cNvSpPr/>
-          <p:nvPr/>
-        </p:nvSpPr>
-        <p:spPr>
-          <a:xfrm>
-            <a:off x="16497172" y="7311340"/>
-            <a:ext cx="2090057" cy="519519"/>
-          </a:xfrm>
-          <a:prstGeom prst="flowChartProcess">
-            <a:avLst/>
-          </a:prstGeom>
-        </p:spPr>
-        <p:style>
-          <a:lnRef idx="2">
-            <a:schemeClr val="accent1">
-              <a:shade val="50000"/>
-            </a:schemeClr>
-          </a:lnRef>
-          <a:fillRef idx="1">
-            <a:schemeClr val="accent1"/>
-          </a:fillRef>
-          <a:effectRef idx="0">
-            <a:schemeClr val="accent1"/>
-          </a:effectRef>
-          <a:fontRef idx="minor">
-            <a:schemeClr val="lt1"/>
-          </a:fontRef>
-        </p:style>
-        <p:txBody>
-          <a:bodyPr rtlCol="0" anchor="ctr"/>
-          <a:lstStyle/>
-          <a:p>
-            <a:pPr algn="ctr"/>
-            <a:r>
-              <a:rPr lang="en-US" dirty="0"/>
-              <a:t>WAIT for thread1 event</a:t>
-            </a:r>
-          </a:p>
-        </p:txBody>
-      </p:sp>
-      <p:sp>
-        <p:nvSpPr>
-          <p:cNvPr id="109" name="Flowchart: Process 108">
-            <a:extLst>
-              <a:ext uri="{FF2B5EF4-FFF2-40B4-BE49-F238E27FC236}">
-                <a16:creationId xmlns:a16="http://schemas.microsoft.com/office/drawing/2014/main" id="{60162DF9-D237-46AD-9870-5AD81C394553}"/>
-              </a:ext>
-            </a:extLst>
-          </p:cNvPr>
-          <p:cNvSpPr/>
-          <p:nvPr/>
-        </p:nvSpPr>
-        <p:spPr>
-          <a:xfrm>
-            <a:off x="16497173" y="9443534"/>
-            <a:ext cx="2090057" cy="519519"/>
-          </a:xfrm>
-          <a:prstGeom prst="flowChartProcess">
-            <a:avLst/>
-          </a:prstGeom>
-        </p:spPr>
-        <p:style>
-          <a:lnRef idx="2">
-            <a:schemeClr val="accent1">
-              <a:shade val="50000"/>
-            </a:schemeClr>
-          </a:lnRef>
-          <a:fillRef idx="1">
-            <a:schemeClr val="accent1"/>
-          </a:fillRef>
-          <a:effectRef idx="0">
-            <a:schemeClr val="accent1"/>
-          </a:effectRef>
-          <a:fontRef idx="minor">
-            <a:schemeClr val="lt1"/>
-          </a:fontRef>
-        </p:style>
-        <p:txBody>
-          <a:bodyPr rtlCol="0" anchor="ctr"/>
-          <a:lstStyle/>
-          <a:p>
-            <a:pPr algn="ctr"/>
-            <a:r>
-              <a:rPr lang="en-US" dirty="0"/>
-              <a:t>WAIT for thread2 event</a:t>
-            </a:r>
-          </a:p>
-        </p:txBody>
-      </p:sp>
-      <p:sp>
-        <p:nvSpPr>
-          <p:cNvPr id="110" name="Flowchart: Process 109">
-            <a:extLst>
-              <a:ext uri="{FF2B5EF4-FFF2-40B4-BE49-F238E27FC236}">
-                <a16:creationId xmlns:a16="http://schemas.microsoft.com/office/drawing/2014/main" id="{69E058D1-CB47-4011-A663-034DC8299506}"/>
-              </a:ext>
-            </a:extLst>
-          </p:cNvPr>
-          <p:cNvSpPr/>
-          <p:nvPr/>
-        </p:nvSpPr>
-        <p:spPr>
-          <a:xfrm>
-            <a:off x="16497173" y="11575729"/>
-            <a:ext cx="2090057" cy="519519"/>
-          </a:xfrm>
-          <a:prstGeom prst="flowChartProcess">
-            <a:avLst/>
-          </a:prstGeom>
-        </p:spPr>
-        <p:style>
-          <a:lnRef idx="2">
-            <a:schemeClr val="accent1">
-              <a:shade val="50000"/>
-            </a:schemeClr>
-          </a:lnRef>
-          <a:fillRef idx="1">
-            <a:schemeClr val="accent1"/>
-          </a:fillRef>
-          <a:effectRef idx="0">
-            <a:schemeClr val="accent1"/>
-          </a:effectRef>
-          <a:fontRef idx="minor">
-            <a:schemeClr val="lt1"/>
-          </a:fontRef>
-        </p:style>
-        <p:txBody>
-          <a:bodyPr rtlCol="0" anchor="ctr"/>
-          <a:lstStyle/>
-          <a:p>
-            <a:pPr algn="ctr"/>
-            <a:r>
-              <a:rPr lang="en-US" dirty="0"/>
-              <a:t>Set Main Event to TRUE</a:t>
-            </a:r>
-          </a:p>
-        </p:txBody>
-      </p:sp>
-      <p:cxnSp>
-        <p:nvCxnSpPr>
-          <p:cNvPr id="112" name="Connector: Elbow 111">
-            <a:extLst>
-              <a:ext uri="{FF2B5EF4-FFF2-40B4-BE49-F238E27FC236}">
-                <a16:creationId xmlns:a16="http://schemas.microsoft.com/office/drawing/2014/main" id="{5F050C83-D856-49F6-881E-F6D26F2C0A36}"/>
-              </a:ext>
-            </a:extLst>
-          </p:cNvPr>
-          <p:cNvCxnSpPr>
-            <a:stCxn id="110" idx="2"/>
-            <a:endCxn id="107" idx="3"/>
-          </p:cNvCxnSpPr>
-          <p:nvPr/>
-        </p:nvCxnSpPr>
-        <p:spPr>
-          <a:xfrm rot="5400000" flipH="1" flipV="1">
-            <a:off x="14736544" y="8244563"/>
-            <a:ext cx="6656342" cy="1045027"/>
-          </a:xfrm>
-          <a:prstGeom prst="bentConnector4">
-            <a:avLst>
-              <a:gd name="adj1" fmla="val -3434"/>
-              <a:gd name="adj2" fmla="val 260247"/>
-            </a:avLst>
-          </a:prstGeom>
-          <a:ln w="38100">
-            <a:tailEnd type="triangle"/>
-          </a:ln>
-        </p:spPr>
-        <p:style>
-          <a:lnRef idx="1">
-            <a:schemeClr val="accent1"/>
-          </a:lnRef>
-          <a:fillRef idx="0">
-            <a:schemeClr val="accent1"/>
-          </a:fillRef>
-          <a:effectRef idx="0">
-            <a:schemeClr val="accent1"/>
-          </a:effectRef>
-          <a:fontRef idx="minor">
-            <a:schemeClr val="tx1"/>
-          </a:fontRef>
-        </p:style>
-      </p:cxnSp>
-      <p:cxnSp>
-        <p:nvCxnSpPr>
-          <p:cNvPr id="115" name="Connector: Elbow 114">
-            <a:extLst>
-              <a:ext uri="{FF2B5EF4-FFF2-40B4-BE49-F238E27FC236}">
-                <a16:creationId xmlns:a16="http://schemas.microsoft.com/office/drawing/2014/main" id="{A248F1A3-64B1-4DF2-91A6-124A6F878433}"/>
-              </a:ext>
-            </a:extLst>
-          </p:cNvPr>
-          <p:cNvCxnSpPr>
-            <a:stCxn id="106" idx="2"/>
-          </p:cNvCxnSpPr>
-          <p:nvPr/>
-        </p:nvCxnSpPr>
-        <p:spPr>
-          <a:xfrm rot="5400000">
-            <a:off x="16681252" y="4397811"/>
-            <a:ext cx="1662680" cy="1"/>
-          </a:xfrm>
-          <a:prstGeom prst="bentConnector3">
-            <a:avLst/>
-          </a:prstGeom>
-          <a:ln w="38100">
-            <a:tailEnd type="triangle"/>
-          </a:ln>
-        </p:spPr>
-        <p:style>
-          <a:lnRef idx="1">
-            <a:schemeClr val="accent1"/>
-          </a:lnRef>
-          <a:fillRef idx="0">
-            <a:schemeClr val="accent1"/>
-          </a:fillRef>
-          <a:effectRef idx="0">
-            <a:schemeClr val="accent1"/>
-          </a:effectRef>
-          <a:fontRef idx="minor">
-            <a:schemeClr val="tx1"/>
-          </a:fontRef>
-        </p:style>
-      </p:cxnSp>
-      <p:cxnSp>
-        <p:nvCxnSpPr>
-          <p:cNvPr id="117" name="Connector: Elbow 116">
-            <a:extLst>
-              <a:ext uri="{FF2B5EF4-FFF2-40B4-BE49-F238E27FC236}">
-                <a16:creationId xmlns:a16="http://schemas.microsoft.com/office/drawing/2014/main" id="{42DFFBA9-AE64-47CF-B8DB-FFB40A23F55E}"/>
-              </a:ext>
-            </a:extLst>
-          </p:cNvPr>
-          <p:cNvCxnSpPr>
-            <a:stCxn id="107" idx="2"/>
-          </p:cNvCxnSpPr>
-          <p:nvPr/>
-        </p:nvCxnSpPr>
-        <p:spPr>
-          <a:xfrm rot="5400000">
-            <a:off x="16717478" y="6523388"/>
-            <a:ext cx="1649446" cy="1"/>
-          </a:xfrm>
-          <a:prstGeom prst="bentConnector3">
-            <a:avLst/>
-          </a:prstGeom>
-          <a:ln w="38100">
-            <a:tailEnd type="triangle"/>
-          </a:ln>
-        </p:spPr>
-        <p:style>
-          <a:lnRef idx="1">
-            <a:schemeClr val="accent1"/>
-          </a:lnRef>
-          <a:fillRef idx="0">
-            <a:schemeClr val="accent1"/>
-          </a:fillRef>
-          <a:effectRef idx="0">
-            <a:schemeClr val="accent1"/>
-          </a:effectRef>
-          <a:fontRef idx="minor">
-            <a:schemeClr val="tx1"/>
-          </a:fontRef>
-        </p:style>
-      </p:cxnSp>
-      <p:cxnSp>
-        <p:nvCxnSpPr>
-          <p:cNvPr id="119" name="Connector: Elbow 118">
-            <a:extLst>
-              <a:ext uri="{FF2B5EF4-FFF2-40B4-BE49-F238E27FC236}">
-                <a16:creationId xmlns:a16="http://schemas.microsoft.com/office/drawing/2014/main" id="{00795708-6FAC-425F-90FE-FDB3DE070C56}"/>
-              </a:ext>
-            </a:extLst>
-          </p:cNvPr>
-          <p:cNvCxnSpPr>
-            <a:stCxn id="108" idx="2"/>
-          </p:cNvCxnSpPr>
-          <p:nvPr/>
-        </p:nvCxnSpPr>
-        <p:spPr>
-          <a:xfrm rot="5400000">
-            <a:off x="16710199" y="8662859"/>
-            <a:ext cx="1664003" cy="2"/>
-          </a:xfrm>
-          <a:prstGeom prst="bentConnector3">
-            <a:avLst/>
-          </a:prstGeom>
-          <a:ln w="38100">
-            <a:tailEnd type="triangle"/>
-          </a:ln>
-        </p:spPr>
-        <p:style>
-          <a:lnRef idx="1">
-            <a:schemeClr val="accent1"/>
-          </a:lnRef>
-          <a:fillRef idx="0">
-            <a:schemeClr val="accent1"/>
-          </a:fillRef>
-          <a:effectRef idx="0">
-            <a:schemeClr val="accent1"/>
-          </a:effectRef>
-          <a:fontRef idx="minor">
-            <a:schemeClr val="tx1"/>
-          </a:fontRef>
-        </p:style>
-      </p:cxnSp>
-      <p:cxnSp>
-        <p:nvCxnSpPr>
-          <p:cNvPr id="121" name="Connector: Elbow 120">
-            <a:extLst>
-              <a:ext uri="{FF2B5EF4-FFF2-40B4-BE49-F238E27FC236}">
-                <a16:creationId xmlns:a16="http://schemas.microsoft.com/office/drawing/2014/main" id="{C0DCD96C-C749-4C35-88DD-783B1F4B27D5}"/>
-              </a:ext>
-            </a:extLst>
-          </p:cNvPr>
-          <p:cNvCxnSpPr>
-            <a:stCxn id="109" idx="2"/>
-          </p:cNvCxnSpPr>
-          <p:nvPr/>
-        </p:nvCxnSpPr>
-        <p:spPr>
-          <a:xfrm rot="5400000">
-            <a:off x="16735864" y="10769389"/>
-            <a:ext cx="1612675" cy="3"/>
-          </a:xfrm>
-          <a:prstGeom prst="bentConnector3">
-            <a:avLst/>
-          </a:prstGeom>
-          <a:ln w="38100">
-            <a:tailEnd type="triangle"/>
-          </a:ln>
-        </p:spPr>
-        <p:style>
-          <a:lnRef idx="1">
-            <a:schemeClr val="accent1"/>
-          </a:lnRef>
-          <a:fillRef idx="0">
-            <a:schemeClr val="accent1"/>
-          </a:fillRef>
-          <a:effectRef idx="0">
-            <a:schemeClr val="accent1"/>
-          </a:effectRef>
-          <a:fontRef idx="minor">
-            <a:schemeClr val="tx1"/>
-          </a:fontRef>
-        </p:style>
-      </p:cxnSp>
-      <p:sp>
-        <p:nvSpPr>
-          <p:cNvPr id="124" name="TextBox 123">
-            <a:extLst>
-              <a:ext uri="{FF2B5EF4-FFF2-40B4-BE49-F238E27FC236}">
-                <a16:creationId xmlns:a16="http://schemas.microsoft.com/office/drawing/2014/main" id="{7D99093A-04C1-4CC0-B076-5EAA68198C4B}"/>
-              </a:ext>
-            </a:extLst>
-          </p:cNvPr>
-          <p:cNvSpPr txBox="1"/>
-          <p:nvPr/>
-        </p:nvSpPr>
-        <p:spPr>
-          <a:xfrm>
-            <a:off x="1318437" y="13864856"/>
-            <a:ext cx="13716000" cy="1107996"/>
-          </a:xfrm>
-          <a:prstGeom prst="rect">
-            <a:avLst/>
-          </a:prstGeom>
-          <a:noFill/>
-        </p:spPr>
-        <p:txBody>
-          <a:bodyPr wrap="square" rtlCol="0">
-            <a:spAutoFit/>
-          </a:bodyPr>
-          <a:lstStyle/>
-          <a:p>
-            <a:r>
-              <a:rPr lang="en-US" sz="2200" b="1" dirty="0"/>
-              <a:t>NOTE:</a:t>
-            </a:r>
-            <a:r>
-              <a:rPr lang="en-US" sz="2200" dirty="0"/>
-              <a:t> The threads in blue are the threads assigned to each </a:t>
-            </a:r>
-            <a:r>
-              <a:rPr lang="en-US" sz="2200" dirty="0" err="1"/>
-              <a:t>rfid</a:t>
-            </a:r>
-            <a:r>
-              <a:rPr lang="en-US" sz="2200" dirty="0"/>
-              <a:t> chip. This is not limited to only two threads, copy the thread for as many </a:t>
-            </a:r>
-            <a:r>
-              <a:rPr lang="en-US" sz="2200" dirty="0" err="1"/>
-              <a:t>rfid</a:t>
-            </a:r>
-            <a:r>
-              <a:rPr lang="en-US" sz="2200" dirty="0"/>
-              <a:t> chips as you have. The process is the same for each, simply add an </a:t>
-            </a:r>
-            <a:r>
-              <a:rPr lang="en-US" sz="2200" i="1" dirty="0" err="1"/>
-              <a:t>eventX.wait</a:t>
-            </a:r>
-            <a:r>
-              <a:rPr lang="en-US" sz="2200" i="1" dirty="0"/>
-              <a:t>()</a:t>
-            </a:r>
-            <a:r>
-              <a:rPr lang="en-US" sz="2200" dirty="0"/>
-              <a:t> command in the scheduling thread (purple) after the other </a:t>
-            </a:r>
-            <a:r>
-              <a:rPr lang="en-US" sz="2200" i="1" dirty="0"/>
-              <a:t>wait()</a:t>
-            </a:r>
-            <a:r>
-              <a:rPr lang="en-US" sz="2200" dirty="0"/>
-              <a:t> commands. This is meant to be a scalable architecture.</a:t>
-            </a:r>
-            <a:endParaRPr lang="en-US" sz="2200" b="1" dirty="0"/>
-          </a:p>
-        </p:txBody>
-      </p:sp>
-      <p:sp>
-        <p:nvSpPr>
-          <p:cNvPr id="125" name="TextBox 124">
-            <a:extLst>
-              <a:ext uri="{FF2B5EF4-FFF2-40B4-BE49-F238E27FC236}">
-                <a16:creationId xmlns:a16="http://schemas.microsoft.com/office/drawing/2014/main" id="{5493B97D-5FDB-4777-A0F6-0DAC973906C1}"/>
-              </a:ext>
-            </a:extLst>
-          </p:cNvPr>
-          <p:cNvSpPr txBox="1"/>
-          <p:nvPr/>
-        </p:nvSpPr>
-        <p:spPr>
-          <a:xfrm>
-            <a:off x="914400" y="340242"/>
-            <a:ext cx="19436316" cy="1246495"/>
-          </a:xfrm>
-          <a:prstGeom prst="rect">
-            <a:avLst/>
-          </a:prstGeom>
-          <a:noFill/>
-        </p:spPr>
-        <p:txBody>
-          <a:bodyPr wrap="square" rtlCol="0">
-            <a:spAutoFit/>
-          </a:bodyPr>
-          <a:lstStyle/>
-          <a:p>
-            <a:r>
-              <a:rPr lang="en-US" sz="7500" dirty="0"/>
-              <a:t>RFID Threading Flow Chart</a:t>
+              <a:t>Old Slides</a:t>
             </a:r>
           </a:p>
         </p:txBody>
@@ -16584,7 +13908,7 @@
     </p:spTree>
     <p:extLst>
       <p:ext uri="{BB962C8B-B14F-4D97-AF65-F5344CB8AC3E}">
-        <p14:creationId xmlns:p14="http://schemas.microsoft.com/office/powerpoint/2010/main" val="2932622137"/>
+        <p14:creationId xmlns:p14="http://schemas.microsoft.com/office/powerpoint/2010/main" val="799690724"/>
       </p:ext>
     </p:extLst>
   </p:cSld>
@@ -16845,6 +14169,2606 @@
     <p:extLst>
       <p:ext uri="{BB962C8B-B14F-4D97-AF65-F5344CB8AC3E}">
         <p14:creationId xmlns:p14="http://schemas.microsoft.com/office/powerpoint/2010/main" val="2121468264"/>
+      </p:ext>
+    </p:extLst>
+  </p:cSld>
+  <p:clrMapOvr>
+    <a:masterClrMapping/>
+  </p:clrMapOvr>
+</p:sld>
+</file>
+
+<file path=ppt/slides/slide8.xml><?xml version="1.0" encoding="utf-8"?>
+<p:sld xmlns:a="http://schemas.openxmlformats.org/drawingml/2006/main" xmlns:r="http://schemas.openxmlformats.org/officeDocument/2006/relationships" xmlns:p="http://schemas.openxmlformats.org/presentationml/2006/main">
+  <p:cSld>
+    <p:spTree>
+      <p:nvGrpSpPr>
+        <p:cNvPr id="1" name=""/>
+        <p:cNvGrpSpPr/>
+        <p:nvPr/>
+      </p:nvGrpSpPr>
+      <p:grpSpPr>
+        <a:xfrm>
+          <a:off x="0" y="0"/>
+          <a:ext cx="0" cy="0"/>
+          <a:chOff x="0" y="0"/>
+          <a:chExt cx="0" cy="0"/>
+        </a:xfrm>
+      </p:grpSpPr>
+      <p:cxnSp>
+        <p:nvCxnSpPr>
+          <p:cNvPr id="131" name="Connector: Elbow 130">
+            <a:extLst>
+              <a:ext uri="{FF2B5EF4-FFF2-40B4-BE49-F238E27FC236}">
+                <a16:creationId xmlns:a16="http://schemas.microsoft.com/office/drawing/2014/main" id="{8F09E9AE-558F-4DBD-BC2D-D2C059F47841}"/>
+              </a:ext>
+            </a:extLst>
+          </p:cNvPr>
+          <p:cNvCxnSpPr>
+            <a:stCxn id="117" idx="1"/>
+            <a:endCxn id="19" idx="3"/>
+          </p:cNvCxnSpPr>
+          <p:nvPr/>
+        </p:nvCxnSpPr>
+        <p:spPr>
+          <a:xfrm rot="10800000" flipV="1">
+            <a:off x="9720767" y="5823600"/>
+            <a:ext cx="7319681" cy="879986"/>
+          </a:xfrm>
+          <a:prstGeom prst="bentConnector3">
+            <a:avLst/>
+          </a:prstGeom>
+          <a:ln w="38100">
+            <a:solidFill>
+              <a:srgbClr val="FF0000"/>
+            </a:solidFill>
+            <a:prstDash val="sysDot"/>
+            <a:tailEnd type="triangle"/>
+          </a:ln>
+        </p:spPr>
+        <p:style>
+          <a:lnRef idx="1">
+            <a:schemeClr val="accent1"/>
+          </a:lnRef>
+          <a:fillRef idx="0">
+            <a:schemeClr val="accent1"/>
+          </a:fillRef>
+          <a:effectRef idx="0">
+            <a:schemeClr val="accent1"/>
+          </a:effectRef>
+          <a:fontRef idx="minor">
+            <a:schemeClr val="tx1"/>
+          </a:fontRef>
+        </p:style>
+      </p:cxnSp>
+      <p:cxnSp>
+        <p:nvCxnSpPr>
+          <p:cNvPr id="148" name="Connector: Elbow 147">
+            <a:extLst>
+              <a:ext uri="{FF2B5EF4-FFF2-40B4-BE49-F238E27FC236}">
+                <a16:creationId xmlns:a16="http://schemas.microsoft.com/office/drawing/2014/main" id="{BB025DEB-5111-438F-B6AF-06EE5C414427}"/>
+              </a:ext>
+            </a:extLst>
+          </p:cNvPr>
+          <p:cNvCxnSpPr>
+            <a:stCxn id="118" idx="1"/>
+            <a:endCxn id="28" idx="3"/>
+          </p:cNvCxnSpPr>
+          <p:nvPr/>
+        </p:nvCxnSpPr>
+        <p:spPr>
+          <a:xfrm rot="10800000" flipV="1">
+            <a:off x="9720259" y="7555167"/>
+            <a:ext cx="7320186" cy="855178"/>
+          </a:xfrm>
+          <a:prstGeom prst="bentConnector3">
+            <a:avLst/>
+          </a:prstGeom>
+          <a:ln w="38100">
+            <a:solidFill>
+              <a:srgbClr val="FF0000"/>
+            </a:solidFill>
+            <a:prstDash val="sysDot"/>
+            <a:tailEnd type="triangle"/>
+          </a:ln>
+        </p:spPr>
+        <p:style>
+          <a:lnRef idx="1">
+            <a:schemeClr val="accent1"/>
+          </a:lnRef>
+          <a:fillRef idx="0">
+            <a:schemeClr val="accent1"/>
+          </a:fillRef>
+          <a:effectRef idx="0">
+            <a:schemeClr val="accent1"/>
+          </a:effectRef>
+          <a:fontRef idx="minor">
+            <a:schemeClr val="tx1"/>
+          </a:fontRef>
+        </p:style>
+      </p:cxnSp>
+      <p:cxnSp>
+        <p:nvCxnSpPr>
+          <p:cNvPr id="32" name="Connector: Elbow 31">
+            <a:extLst>
+              <a:ext uri="{FF2B5EF4-FFF2-40B4-BE49-F238E27FC236}">
+                <a16:creationId xmlns:a16="http://schemas.microsoft.com/office/drawing/2014/main" id="{6DC470AC-6469-4027-B284-F4C8546B8BF0}"/>
+              </a:ext>
+            </a:extLst>
+          </p:cNvPr>
+          <p:cNvCxnSpPr>
+            <a:stCxn id="26" idx="3"/>
+            <a:endCxn id="28" idx="1"/>
+          </p:cNvCxnSpPr>
+          <p:nvPr/>
+        </p:nvCxnSpPr>
+        <p:spPr>
+          <a:xfrm>
+            <a:off x="4992747" y="7560246"/>
+            <a:ext cx="2637455" cy="850099"/>
+          </a:xfrm>
+          <a:prstGeom prst="bentConnector3">
+            <a:avLst/>
+          </a:prstGeom>
+          <a:ln w="38100">
+            <a:solidFill>
+              <a:srgbClr val="FF0000"/>
+            </a:solidFill>
+            <a:prstDash val="sysDot"/>
+            <a:tailEnd type="triangle"/>
+          </a:ln>
+        </p:spPr>
+        <p:style>
+          <a:lnRef idx="1">
+            <a:schemeClr val="accent1"/>
+          </a:lnRef>
+          <a:fillRef idx="0">
+            <a:schemeClr val="accent1"/>
+          </a:fillRef>
+          <a:effectRef idx="0">
+            <a:schemeClr val="accent1"/>
+          </a:effectRef>
+          <a:fontRef idx="minor">
+            <a:schemeClr val="tx1"/>
+          </a:fontRef>
+        </p:style>
+      </p:cxnSp>
+      <p:sp>
+        <p:nvSpPr>
+          <p:cNvPr id="9" name="Flowchart: Off-page Connector 8">
+            <a:extLst>
+              <a:ext uri="{FF2B5EF4-FFF2-40B4-BE49-F238E27FC236}">
+                <a16:creationId xmlns:a16="http://schemas.microsoft.com/office/drawing/2014/main" id="{1F042981-F85F-45DB-BAD8-15454EECEB8C}"/>
+              </a:ext>
+            </a:extLst>
+          </p:cNvPr>
+          <p:cNvSpPr/>
+          <p:nvPr/>
+        </p:nvSpPr>
+        <p:spPr>
+          <a:xfrm>
+            <a:off x="7630202" y="1679903"/>
+            <a:ext cx="2090057" cy="1063298"/>
+          </a:xfrm>
+          <a:prstGeom prst="flowChartOffpageConnector">
+            <a:avLst/>
+          </a:prstGeom>
+        </p:spPr>
+        <p:style>
+          <a:lnRef idx="2">
+            <a:schemeClr val="accent1">
+              <a:shade val="50000"/>
+            </a:schemeClr>
+          </a:lnRef>
+          <a:fillRef idx="1">
+            <a:schemeClr val="accent1"/>
+          </a:fillRef>
+          <a:effectRef idx="0">
+            <a:schemeClr val="accent1"/>
+          </a:effectRef>
+          <a:fontRef idx="minor">
+            <a:schemeClr val="lt1"/>
+          </a:fontRef>
+        </p:style>
+        <p:txBody>
+          <a:bodyPr rtlCol="0" anchor="ctr"/>
+          <a:lstStyle/>
+          <a:p>
+            <a:pPr algn="ctr"/>
+            <a:r>
+              <a:rPr lang="en-US" dirty="0"/>
+              <a:t>Initialize </a:t>
+            </a:r>
+            <a:r>
+              <a:rPr lang="en-US" dirty="0" err="1"/>
+              <a:t>voleTags</a:t>
+            </a:r>
+            <a:r>
+              <a:rPr lang="en-US" dirty="0"/>
+              <a:t> Queue</a:t>
+            </a:r>
+          </a:p>
+        </p:txBody>
+      </p:sp>
+      <p:sp>
+        <p:nvSpPr>
+          <p:cNvPr id="10" name="Flowchart: Off-page Connector 9">
+            <a:extLst>
+              <a:ext uri="{FF2B5EF4-FFF2-40B4-BE49-F238E27FC236}">
+                <a16:creationId xmlns:a16="http://schemas.microsoft.com/office/drawing/2014/main" id="{B9F52776-96BA-4401-8979-137C7A06D137}"/>
+              </a:ext>
+            </a:extLst>
+          </p:cNvPr>
+          <p:cNvSpPr/>
+          <p:nvPr/>
+        </p:nvSpPr>
+        <p:spPr>
+          <a:xfrm>
+            <a:off x="10835434" y="1679903"/>
+            <a:ext cx="2090057" cy="1063299"/>
+          </a:xfrm>
+          <a:prstGeom prst="flowChartOffpageConnector">
+            <a:avLst/>
+          </a:prstGeom>
+        </p:spPr>
+        <p:style>
+          <a:lnRef idx="2">
+            <a:schemeClr val="accent1">
+              <a:shade val="50000"/>
+            </a:schemeClr>
+          </a:lnRef>
+          <a:fillRef idx="1">
+            <a:schemeClr val="accent1"/>
+          </a:fillRef>
+          <a:effectRef idx="0">
+            <a:schemeClr val="accent1"/>
+          </a:effectRef>
+          <a:fontRef idx="minor">
+            <a:schemeClr val="lt1"/>
+          </a:fontRef>
+        </p:style>
+        <p:txBody>
+          <a:bodyPr rtlCol="0" anchor="ctr"/>
+          <a:lstStyle/>
+          <a:p>
+            <a:pPr algn="ctr"/>
+            <a:r>
+              <a:rPr lang="en-US" dirty="0"/>
+              <a:t>Initialize time synchronization queue</a:t>
+            </a:r>
+          </a:p>
+        </p:txBody>
+      </p:sp>
+      <p:sp>
+        <p:nvSpPr>
+          <p:cNvPr id="11" name="Flowchart: Process 10">
+            <a:extLst>
+              <a:ext uri="{FF2B5EF4-FFF2-40B4-BE49-F238E27FC236}">
+                <a16:creationId xmlns:a16="http://schemas.microsoft.com/office/drawing/2014/main" id="{80961813-95B7-4E29-B6A3-47DB6CFC40DC}"/>
+              </a:ext>
+            </a:extLst>
+          </p:cNvPr>
+          <p:cNvSpPr/>
+          <p:nvPr/>
+        </p:nvSpPr>
+        <p:spPr>
+          <a:xfrm>
+            <a:off x="2902689" y="3046952"/>
+            <a:ext cx="2090057" cy="519519"/>
+          </a:xfrm>
+          <a:prstGeom prst="flowChartProcess">
+            <a:avLst/>
+          </a:prstGeom>
+        </p:spPr>
+        <p:style>
+          <a:lnRef idx="2">
+            <a:schemeClr val="accent1">
+              <a:shade val="50000"/>
+            </a:schemeClr>
+          </a:lnRef>
+          <a:fillRef idx="1">
+            <a:schemeClr val="accent1"/>
+          </a:fillRef>
+          <a:effectRef idx="0">
+            <a:schemeClr val="accent1"/>
+          </a:effectRef>
+          <a:fontRef idx="minor">
+            <a:schemeClr val="lt1"/>
+          </a:fontRef>
+        </p:style>
+        <p:txBody>
+          <a:bodyPr rtlCol="0" anchor="ctr"/>
+          <a:lstStyle/>
+          <a:p>
+            <a:pPr algn="ctr"/>
+            <a:r>
+              <a:rPr lang="en-US" dirty="0"/>
+              <a:t>Start Thread 1</a:t>
+            </a:r>
+          </a:p>
+        </p:txBody>
+      </p:sp>
+      <p:sp>
+        <p:nvSpPr>
+          <p:cNvPr id="14" name="Flowchart: Process 13">
+            <a:extLst>
+              <a:ext uri="{FF2B5EF4-FFF2-40B4-BE49-F238E27FC236}">
+                <a16:creationId xmlns:a16="http://schemas.microsoft.com/office/drawing/2014/main" id="{AF06097B-4F97-4C03-8FDE-2041BD621146}"/>
+              </a:ext>
+            </a:extLst>
+          </p:cNvPr>
+          <p:cNvSpPr/>
+          <p:nvPr/>
+        </p:nvSpPr>
+        <p:spPr>
+          <a:xfrm>
+            <a:off x="2902690" y="4149712"/>
+            <a:ext cx="2090057" cy="519519"/>
+          </a:xfrm>
+          <a:prstGeom prst="flowChartProcess">
+            <a:avLst/>
+          </a:prstGeom>
+        </p:spPr>
+        <p:style>
+          <a:lnRef idx="2">
+            <a:schemeClr val="accent1">
+              <a:shade val="50000"/>
+            </a:schemeClr>
+          </a:lnRef>
+          <a:fillRef idx="1">
+            <a:schemeClr val="accent1"/>
+          </a:fillRef>
+          <a:effectRef idx="0">
+            <a:schemeClr val="accent1"/>
+          </a:effectRef>
+          <a:fontRef idx="minor">
+            <a:schemeClr val="lt1"/>
+          </a:fontRef>
+        </p:style>
+        <p:txBody>
+          <a:bodyPr rtlCol="0" anchor="ctr"/>
+          <a:lstStyle/>
+          <a:p>
+            <a:pPr algn="ctr"/>
+            <a:r>
+              <a:rPr lang="en-US" dirty="0"/>
+              <a:t>Read sensor signal</a:t>
+            </a:r>
+          </a:p>
+        </p:txBody>
+      </p:sp>
+      <p:sp>
+        <p:nvSpPr>
+          <p:cNvPr id="16" name="Flowchart: Decision 15">
+            <a:extLst>
+              <a:ext uri="{FF2B5EF4-FFF2-40B4-BE49-F238E27FC236}">
+                <a16:creationId xmlns:a16="http://schemas.microsoft.com/office/drawing/2014/main" id="{3E5B697D-4B4A-4D7C-A459-801C297F1B96}"/>
+              </a:ext>
+            </a:extLst>
+          </p:cNvPr>
+          <p:cNvSpPr/>
+          <p:nvPr/>
+        </p:nvSpPr>
+        <p:spPr>
+          <a:xfrm>
+            <a:off x="2902689" y="5246401"/>
+            <a:ext cx="2090057" cy="1154397"/>
+          </a:xfrm>
+          <a:prstGeom prst="flowChartDecision">
+            <a:avLst/>
+          </a:prstGeom>
+        </p:spPr>
+        <p:style>
+          <a:lnRef idx="2">
+            <a:schemeClr val="accent1">
+              <a:shade val="50000"/>
+            </a:schemeClr>
+          </a:lnRef>
+          <a:fillRef idx="1">
+            <a:schemeClr val="accent1"/>
+          </a:fillRef>
+          <a:effectRef idx="0">
+            <a:schemeClr val="accent1"/>
+          </a:effectRef>
+          <a:fontRef idx="minor">
+            <a:schemeClr val="lt1"/>
+          </a:fontRef>
+        </p:style>
+        <p:txBody>
+          <a:bodyPr rtlCol="0" anchor="ctr"/>
+          <a:lstStyle/>
+          <a:p>
+            <a:pPr algn="ctr"/>
+            <a:r>
+              <a:rPr lang="en-US" dirty="0"/>
+              <a:t>Did it ping vole 1?</a:t>
+            </a:r>
+          </a:p>
+        </p:txBody>
+      </p:sp>
+      <p:sp>
+        <p:nvSpPr>
+          <p:cNvPr id="18" name="Flowchart: Off-page Connector 17">
+            <a:extLst>
+              <a:ext uri="{FF2B5EF4-FFF2-40B4-BE49-F238E27FC236}">
+                <a16:creationId xmlns:a16="http://schemas.microsoft.com/office/drawing/2014/main" id="{D5DA2EA4-F75F-4C2F-A354-A0C9245C202B}"/>
+              </a:ext>
+            </a:extLst>
+          </p:cNvPr>
+          <p:cNvSpPr/>
+          <p:nvPr/>
+        </p:nvSpPr>
+        <p:spPr>
+          <a:xfrm>
+            <a:off x="7630709" y="5503090"/>
+            <a:ext cx="2090057" cy="641017"/>
+          </a:xfrm>
+          <a:prstGeom prst="flowChartOffpageConnector">
+            <a:avLst/>
+          </a:prstGeom>
+        </p:spPr>
+        <p:style>
+          <a:lnRef idx="2">
+            <a:schemeClr val="accent1">
+              <a:shade val="50000"/>
+            </a:schemeClr>
+          </a:lnRef>
+          <a:fillRef idx="1">
+            <a:schemeClr val="accent1"/>
+          </a:fillRef>
+          <a:effectRef idx="0">
+            <a:schemeClr val="accent1"/>
+          </a:effectRef>
+          <a:fontRef idx="minor">
+            <a:schemeClr val="lt1"/>
+          </a:fontRef>
+        </p:style>
+        <p:txBody>
+          <a:bodyPr rtlCol="0" anchor="ctr"/>
+          <a:lstStyle/>
+          <a:p>
+            <a:pPr algn="ctr"/>
+            <a:r>
+              <a:rPr lang="en-US" dirty="0"/>
+              <a:t>Output vole number and </a:t>
+            </a:r>
+            <a:r>
+              <a:rPr lang="en-US" dirty="0" err="1"/>
+              <a:t>rfid</a:t>
+            </a:r>
+            <a:r>
+              <a:rPr lang="en-US" dirty="0"/>
+              <a:t> tag</a:t>
+            </a:r>
+          </a:p>
+        </p:txBody>
+      </p:sp>
+      <p:sp>
+        <p:nvSpPr>
+          <p:cNvPr id="19" name="Flowchart: Off-page Connector 18">
+            <a:extLst>
+              <a:ext uri="{FF2B5EF4-FFF2-40B4-BE49-F238E27FC236}">
+                <a16:creationId xmlns:a16="http://schemas.microsoft.com/office/drawing/2014/main" id="{13E91CB5-A8FE-41F6-8115-B07DD79106F2}"/>
+              </a:ext>
+            </a:extLst>
+          </p:cNvPr>
+          <p:cNvSpPr/>
+          <p:nvPr/>
+        </p:nvSpPr>
+        <p:spPr>
+          <a:xfrm>
+            <a:off x="7630709" y="6383077"/>
+            <a:ext cx="2090057" cy="641017"/>
+          </a:xfrm>
+          <a:prstGeom prst="flowChartOffpageConnector">
+            <a:avLst/>
+          </a:prstGeom>
+        </p:spPr>
+        <p:style>
+          <a:lnRef idx="2">
+            <a:schemeClr val="accent1">
+              <a:shade val="50000"/>
+            </a:schemeClr>
+          </a:lnRef>
+          <a:fillRef idx="1">
+            <a:schemeClr val="accent1"/>
+          </a:fillRef>
+          <a:effectRef idx="0">
+            <a:schemeClr val="accent1"/>
+          </a:effectRef>
+          <a:fontRef idx="minor">
+            <a:schemeClr val="lt1"/>
+          </a:fontRef>
+        </p:style>
+        <p:txBody>
+          <a:bodyPr rtlCol="0" anchor="ctr"/>
+          <a:lstStyle/>
+          <a:p>
+            <a:pPr algn="ctr"/>
+            <a:r>
+              <a:rPr lang="en-US" dirty="0"/>
+              <a:t>Output “none”</a:t>
+            </a:r>
+          </a:p>
+        </p:txBody>
+      </p:sp>
+      <p:cxnSp>
+        <p:nvCxnSpPr>
+          <p:cNvPr id="23" name="Connector: Elbow 22">
+            <a:extLst>
+              <a:ext uri="{FF2B5EF4-FFF2-40B4-BE49-F238E27FC236}">
+                <a16:creationId xmlns:a16="http://schemas.microsoft.com/office/drawing/2014/main" id="{4B2F709E-8239-4A72-B5FC-167558804347}"/>
+              </a:ext>
+            </a:extLst>
+          </p:cNvPr>
+          <p:cNvCxnSpPr>
+            <a:stCxn id="16" idx="3"/>
+            <a:endCxn id="19" idx="1"/>
+          </p:cNvCxnSpPr>
+          <p:nvPr/>
+        </p:nvCxnSpPr>
+        <p:spPr>
+          <a:xfrm>
+            <a:off x="4992746" y="5823600"/>
+            <a:ext cx="2637963" cy="879986"/>
+          </a:xfrm>
+          <a:prstGeom prst="bentConnector3">
+            <a:avLst/>
+          </a:prstGeom>
+          <a:ln w="38100">
+            <a:solidFill>
+              <a:srgbClr val="FF0000"/>
+            </a:solidFill>
+            <a:prstDash val="sysDot"/>
+            <a:tailEnd type="triangle"/>
+          </a:ln>
+        </p:spPr>
+        <p:style>
+          <a:lnRef idx="1">
+            <a:schemeClr val="accent1"/>
+          </a:lnRef>
+          <a:fillRef idx="0">
+            <a:schemeClr val="accent1"/>
+          </a:fillRef>
+          <a:effectRef idx="0">
+            <a:schemeClr val="accent1"/>
+          </a:effectRef>
+          <a:fontRef idx="minor">
+            <a:schemeClr val="tx1"/>
+          </a:fontRef>
+        </p:style>
+      </p:cxnSp>
+      <p:cxnSp>
+        <p:nvCxnSpPr>
+          <p:cNvPr id="21" name="Connector: Elbow 20">
+            <a:extLst>
+              <a:ext uri="{FF2B5EF4-FFF2-40B4-BE49-F238E27FC236}">
+                <a16:creationId xmlns:a16="http://schemas.microsoft.com/office/drawing/2014/main" id="{D90E622E-7AC6-4E0C-B517-A477F4952C47}"/>
+              </a:ext>
+            </a:extLst>
+          </p:cNvPr>
+          <p:cNvCxnSpPr>
+            <a:stCxn id="16" idx="3"/>
+            <a:endCxn id="18" idx="1"/>
+          </p:cNvCxnSpPr>
+          <p:nvPr/>
+        </p:nvCxnSpPr>
+        <p:spPr>
+          <a:xfrm flipV="1">
+            <a:off x="4992746" y="5823599"/>
+            <a:ext cx="2637963" cy="1"/>
+          </a:xfrm>
+          <a:prstGeom prst="bentConnector3">
+            <a:avLst/>
+          </a:prstGeom>
+          <a:ln w="38100">
+            <a:solidFill>
+              <a:srgbClr val="00B050"/>
+            </a:solidFill>
+            <a:prstDash val="sysDot"/>
+            <a:tailEnd type="triangle"/>
+          </a:ln>
+        </p:spPr>
+        <p:style>
+          <a:lnRef idx="1">
+            <a:schemeClr val="accent1"/>
+          </a:lnRef>
+          <a:fillRef idx="0">
+            <a:schemeClr val="accent1"/>
+          </a:fillRef>
+          <a:effectRef idx="0">
+            <a:schemeClr val="accent1"/>
+          </a:effectRef>
+          <a:fontRef idx="minor">
+            <a:schemeClr val="tx1"/>
+          </a:fontRef>
+        </p:style>
+      </p:cxnSp>
+      <p:sp>
+        <p:nvSpPr>
+          <p:cNvPr id="26" name="Flowchart: Decision 25">
+            <a:extLst>
+              <a:ext uri="{FF2B5EF4-FFF2-40B4-BE49-F238E27FC236}">
+                <a16:creationId xmlns:a16="http://schemas.microsoft.com/office/drawing/2014/main" id="{E914801D-5893-4494-97CD-025C09D4751D}"/>
+              </a:ext>
+            </a:extLst>
+          </p:cNvPr>
+          <p:cNvSpPr/>
+          <p:nvPr/>
+        </p:nvSpPr>
+        <p:spPr>
+          <a:xfrm>
+            <a:off x="2902690" y="6983047"/>
+            <a:ext cx="2090057" cy="1154397"/>
+          </a:xfrm>
+          <a:prstGeom prst="flowChartDecision">
+            <a:avLst/>
+          </a:prstGeom>
+        </p:spPr>
+        <p:style>
+          <a:lnRef idx="2">
+            <a:schemeClr val="accent1">
+              <a:shade val="50000"/>
+            </a:schemeClr>
+          </a:lnRef>
+          <a:fillRef idx="1">
+            <a:schemeClr val="accent1"/>
+          </a:fillRef>
+          <a:effectRef idx="0">
+            <a:schemeClr val="accent1"/>
+          </a:effectRef>
+          <a:fontRef idx="minor">
+            <a:schemeClr val="lt1"/>
+          </a:fontRef>
+        </p:style>
+        <p:txBody>
+          <a:bodyPr rtlCol="0" anchor="ctr"/>
+          <a:lstStyle/>
+          <a:p>
+            <a:pPr algn="ctr"/>
+            <a:r>
+              <a:rPr lang="en-US" dirty="0"/>
+              <a:t>Did it ping vole 2?</a:t>
+            </a:r>
+          </a:p>
+        </p:txBody>
+      </p:sp>
+      <p:sp>
+        <p:nvSpPr>
+          <p:cNvPr id="27" name="Flowchart: Off-page Connector 26">
+            <a:extLst>
+              <a:ext uri="{FF2B5EF4-FFF2-40B4-BE49-F238E27FC236}">
+                <a16:creationId xmlns:a16="http://schemas.microsoft.com/office/drawing/2014/main" id="{01A2A26C-BA10-4293-93E2-28269DD7AE2E}"/>
+              </a:ext>
+            </a:extLst>
+          </p:cNvPr>
+          <p:cNvSpPr/>
+          <p:nvPr/>
+        </p:nvSpPr>
+        <p:spPr>
+          <a:xfrm>
+            <a:off x="7630203" y="7234137"/>
+            <a:ext cx="2090057" cy="641017"/>
+          </a:xfrm>
+          <a:prstGeom prst="flowChartOffpageConnector">
+            <a:avLst/>
+          </a:prstGeom>
+        </p:spPr>
+        <p:style>
+          <a:lnRef idx="2">
+            <a:schemeClr val="accent1">
+              <a:shade val="50000"/>
+            </a:schemeClr>
+          </a:lnRef>
+          <a:fillRef idx="1">
+            <a:schemeClr val="accent1"/>
+          </a:fillRef>
+          <a:effectRef idx="0">
+            <a:schemeClr val="accent1"/>
+          </a:effectRef>
+          <a:fontRef idx="minor">
+            <a:schemeClr val="lt1"/>
+          </a:fontRef>
+        </p:style>
+        <p:txBody>
+          <a:bodyPr rtlCol="0" anchor="ctr"/>
+          <a:lstStyle/>
+          <a:p>
+            <a:pPr algn="ctr"/>
+            <a:r>
+              <a:rPr lang="en-US" dirty="0"/>
+              <a:t>Output vole number and </a:t>
+            </a:r>
+            <a:r>
+              <a:rPr lang="en-US" dirty="0" err="1"/>
+              <a:t>rfid</a:t>
+            </a:r>
+            <a:r>
+              <a:rPr lang="en-US" dirty="0"/>
+              <a:t> tag</a:t>
+            </a:r>
+          </a:p>
+        </p:txBody>
+      </p:sp>
+      <p:sp>
+        <p:nvSpPr>
+          <p:cNvPr id="28" name="Flowchart: Off-page Connector 27">
+            <a:extLst>
+              <a:ext uri="{FF2B5EF4-FFF2-40B4-BE49-F238E27FC236}">
+                <a16:creationId xmlns:a16="http://schemas.microsoft.com/office/drawing/2014/main" id="{A6CB43D7-C0ED-4368-B0FE-E80E107929D6}"/>
+              </a:ext>
+            </a:extLst>
+          </p:cNvPr>
+          <p:cNvSpPr/>
+          <p:nvPr/>
+        </p:nvSpPr>
+        <p:spPr>
+          <a:xfrm>
+            <a:off x="7630202" y="8089836"/>
+            <a:ext cx="2090057" cy="641017"/>
+          </a:xfrm>
+          <a:prstGeom prst="flowChartOffpageConnector">
+            <a:avLst/>
+          </a:prstGeom>
+        </p:spPr>
+        <p:style>
+          <a:lnRef idx="2">
+            <a:schemeClr val="accent1">
+              <a:shade val="50000"/>
+            </a:schemeClr>
+          </a:lnRef>
+          <a:fillRef idx="1">
+            <a:schemeClr val="accent1"/>
+          </a:fillRef>
+          <a:effectRef idx="0">
+            <a:schemeClr val="accent1"/>
+          </a:effectRef>
+          <a:fontRef idx="minor">
+            <a:schemeClr val="lt1"/>
+          </a:fontRef>
+        </p:style>
+        <p:txBody>
+          <a:bodyPr rtlCol="0" anchor="ctr"/>
+          <a:lstStyle/>
+          <a:p>
+            <a:pPr algn="ctr"/>
+            <a:r>
+              <a:rPr lang="en-US" dirty="0"/>
+              <a:t>Output “none”</a:t>
+            </a:r>
+          </a:p>
+        </p:txBody>
+      </p:sp>
+      <p:cxnSp>
+        <p:nvCxnSpPr>
+          <p:cNvPr id="30" name="Connector: Elbow 29">
+            <a:extLst>
+              <a:ext uri="{FF2B5EF4-FFF2-40B4-BE49-F238E27FC236}">
+                <a16:creationId xmlns:a16="http://schemas.microsoft.com/office/drawing/2014/main" id="{1766EB3B-A78A-4B1C-9959-E2646AA9A7F1}"/>
+              </a:ext>
+            </a:extLst>
+          </p:cNvPr>
+          <p:cNvCxnSpPr>
+            <a:stCxn id="26" idx="3"/>
+            <a:endCxn id="27" idx="1"/>
+          </p:cNvCxnSpPr>
+          <p:nvPr/>
+        </p:nvCxnSpPr>
+        <p:spPr>
+          <a:xfrm flipV="1">
+            <a:off x="4992747" y="7554646"/>
+            <a:ext cx="2637456" cy="5600"/>
+          </a:xfrm>
+          <a:prstGeom prst="bentConnector3">
+            <a:avLst/>
+          </a:prstGeom>
+          <a:ln w="38100">
+            <a:solidFill>
+              <a:srgbClr val="00B050"/>
+            </a:solidFill>
+            <a:prstDash val="sysDot"/>
+            <a:tailEnd type="triangle"/>
+          </a:ln>
+        </p:spPr>
+        <p:style>
+          <a:lnRef idx="1">
+            <a:schemeClr val="accent1"/>
+          </a:lnRef>
+          <a:fillRef idx="0">
+            <a:schemeClr val="accent1"/>
+          </a:fillRef>
+          <a:effectRef idx="0">
+            <a:schemeClr val="accent1"/>
+          </a:effectRef>
+          <a:fontRef idx="minor">
+            <a:schemeClr val="tx1"/>
+          </a:fontRef>
+        </p:style>
+      </p:cxnSp>
+      <p:sp>
+        <p:nvSpPr>
+          <p:cNvPr id="33" name="Flowchart: Process 32">
+            <a:extLst>
+              <a:ext uri="{FF2B5EF4-FFF2-40B4-BE49-F238E27FC236}">
+                <a16:creationId xmlns:a16="http://schemas.microsoft.com/office/drawing/2014/main" id="{F11153D4-8FC7-4A23-9FC6-DBF3C5769F08}"/>
+              </a:ext>
+            </a:extLst>
+          </p:cNvPr>
+          <p:cNvSpPr/>
+          <p:nvPr/>
+        </p:nvSpPr>
+        <p:spPr>
+          <a:xfrm>
+            <a:off x="2902688" y="9317893"/>
+            <a:ext cx="2090057" cy="519519"/>
+          </a:xfrm>
+          <a:prstGeom prst="flowChartProcess">
+            <a:avLst/>
+          </a:prstGeom>
+        </p:spPr>
+        <p:style>
+          <a:lnRef idx="2">
+            <a:schemeClr val="accent1">
+              <a:shade val="50000"/>
+            </a:schemeClr>
+          </a:lnRef>
+          <a:fillRef idx="1">
+            <a:schemeClr val="accent1"/>
+          </a:fillRef>
+          <a:effectRef idx="0">
+            <a:schemeClr val="accent1"/>
+          </a:effectRef>
+          <a:fontRef idx="minor">
+            <a:schemeClr val="lt1"/>
+          </a:fontRef>
+        </p:style>
+        <p:txBody>
+          <a:bodyPr rtlCol="0" anchor="ctr"/>
+          <a:lstStyle/>
+          <a:p>
+            <a:pPr algn="ctr"/>
+            <a:r>
+              <a:rPr lang="en-US" dirty="0"/>
+              <a:t>Read time queue</a:t>
+            </a:r>
+          </a:p>
+        </p:txBody>
+      </p:sp>
+      <p:cxnSp>
+        <p:nvCxnSpPr>
+          <p:cNvPr id="35" name="Connector: Elbow 34">
+            <a:extLst>
+              <a:ext uri="{FF2B5EF4-FFF2-40B4-BE49-F238E27FC236}">
+                <a16:creationId xmlns:a16="http://schemas.microsoft.com/office/drawing/2014/main" id="{9E67CF9A-ED4F-4C0D-BEA1-4DA57B198A8A}"/>
+              </a:ext>
+            </a:extLst>
+          </p:cNvPr>
+          <p:cNvCxnSpPr>
+            <a:stCxn id="10" idx="2"/>
+            <a:endCxn id="33" idx="3"/>
+          </p:cNvCxnSpPr>
+          <p:nvPr/>
+        </p:nvCxnSpPr>
+        <p:spPr>
+          <a:xfrm rot="5400000">
+            <a:off x="5019379" y="2716568"/>
+            <a:ext cx="6834451" cy="6887718"/>
+          </a:xfrm>
+          <a:prstGeom prst="bentConnector2">
+            <a:avLst/>
+          </a:prstGeom>
+          <a:ln w="38100">
+            <a:prstDash val="lgDashDot"/>
+            <a:tailEnd type="triangle"/>
+          </a:ln>
+        </p:spPr>
+        <p:style>
+          <a:lnRef idx="1">
+            <a:schemeClr val="accent1"/>
+          </a:lnRef>
+          <a:fillRef idx="0">
+            <a:schemeClr val="accent1"/>
+          </a:fillRef>
+          <a:effectRef idx="0">
+            <a:schemeClr val="accent1"/>
+          </a:effectRef>
+          <a:fontRef idx="minor">
+            <a:schemeClr val="tx1"/>
+          </a:fontRef>
+        </p:style>
+      </p:cxnSp>
+      <p:sp>
+        <p:nvSpPr>
+          <p:cNvPr id="36" name="Flowchart: Decision 35">
+            <a:extLst>
+              <a:ext uri="{FF2B5EF4-FFF2-40B4-BE49-F238E27FC236}">
+                <a16:creationId xmlns:a16="http://schemas.microsoft.com/office/drawing/2014/main" id="{B129F9B9-9C96-4552-B8C4-39A72C2CF7BB}"/>
+              </a:ext>
+            </a:extLst>
+          </p:cNvPr>
+          <p:cNvSpPr/>
+          <p:nvPr/>
+        </p:nvSpPr>
+        <p:spPr>
+          <a:xfrm>
+            <a:off x="2902689" y="11497304"/>
+            <a:ext cx="2090057" cy="1154397"/>
+          </a:xfrm>
+          <a:prstGeom prst="flowChartDecision">
+            <a:avLst/>
+          </a:prstGeom>
+        </p:spPr>
+        <p:style>
+          <a:lnRef idx="2">
+            <a:schemeClr val="accent1">
+              <a:shade val="50000"/>
+            </a:schemeClr>
+          </a:lnRef>
+          <a:fillRef idx="1">
+            <a:schemeClr val="accent1"/>
+          </a:fillRef>
+          <a:effectRef idx="0">
+            <a:schemeClr val="accent1"/>
+          </a:effectRef>
+          <a:fontRef idx="minor">
+            <a:schemeClr val="lt1"/>
+          </a:fontRef>
+        </p:style>
+        <p:txBody>
+          <a:bodyPr rtlCol="0" anchor="ctr"/>
+          <a:lstStyle/>
+          <a:p>
+            <a:pPr algn="ctr"/>
+            <a:r>
+              <a:rPr lang="en-US" dirty="0"/>
+              <a:t>Number &lt; # of threads?</a:t>
+            </a:r>
+          </a:p>
+        </p:txBody>
+      </p:sp>
+      <p:sp>
+        <p:nvSpPr>
+          <p:cNvPr id="37" name="Flowchart: Off-page Connector 36">
+            <a:extLst>
+              <a:ext uri="{FF2B5EF4-FFF2-40B4-BE49-F238E27FC236}">
+                <a16:creationId xmlns:a16="http://schemas.microsoft.com/office/drawing/2014/main" id="{33EA2426-F959-4F97-819E-07448BF09F71}"/>
+              </a:ext>
+            </a:extLst>
+          </p:cNvPr>
+          <p:cNvSpPr/>
+          <p:nvPr/>
+        </p:nvSpPr>
+        <p:spPr>
+          <a:xfrm>
+            <a:off x="10835435" y="10058398"/>
+            <a:ext cx="2090057" cy="576203"/>
+          </a:xfrm>
+          <a:prstGeom prst="flowChartOffpageConnector">
+            <a:avLst/>
+          </a:prstGeom>
+        </p:spPr>
+        <p:style>
+          <a:lnRef idx="2">
+            <a:schemeClr val="accent1">
+              <a:shade val="50000"/>
+            </a:schemeClr>
+          </a:lnRef>
+          <a:fillRef idx="1">
+            <a:schemeClr val="accent1"/>
+          </a:fillRef>
+          <a:effectRef idx="0">
+            <a:schemeClr val="accent1"/>
+          </a:effectRef>
+          <a:fontRef idx="minor">
+            <a:schemeClr val="lt1"/>
+          </a:fontRef>
+        </p:style>
+        <p:txBody>
+          <a:bodyPr rtlCol="0" anchor="ctr"/>
+          <a:lstStyle/>
+          <a:p>
+            <a:pPr algn="ctr"/>
+            <a:r>
+              <a:rPr lang="en-US" dirty="0"/>
+              <a:t>Add 1 to indicate finished sensing</a:t>
+            </a:r>
+          </a:p>
+        </p:txBody>
+      </p:sp>
+      <p:cxnSp>
+        <p:nvCxnSpPr>
+          <p:cNvPr id="39" name="Connector: Elbow 38">
+            <a:extLst>
+              <a:ext uri="{FF2B5EF4-FFF2-40B4-BE49-F238E27FC236}">
+                <a16:creationId xmlns:a16="http://schemas.microsoft.com/office/drawing/2014/main" id="{EDA6934F-FFAD-4198-B397-8018C5CCCD3F}"/>
+              </a:ext>
+            </a:extLst>
+          </p:cNvPr>
+          <p:cNvCxnSpPr>
+            <a:stCxn id="33" idx="2"/>
+            <a:endCxn id="37" idx="1"/>
+          </p:cNvCxnSpPr>
+          <p:nvPr/>
+        </p:nvCxnSpPr>
+        <p:spPr>
+          <a:xfrm rot="16200000" flipH="1">
+            <a:off x="7137032" y="6648097"/>
+            <a:ext cx="509088" cy="6887718"/>
+          </a:xfrm>
+          <a:prstGeom prst="bentConnector2">
+            <a:avLst/>
+          </a:prstGeom>
+          <a:ln w="38100">
+            <a:prstDash val="lgDashDot"/>
+            <a:tailEnd type="triangle"/>
+          </a:ln>
+        </p:spPr>
+        <p:style>
+          <a:lnRef idx="1">
+            <a:schemeClr val="accent1"/>
+          </a:lnRef>
+          <a:fillRef idx="0">
+            <a:schemeClr val="accent1"/>
+          </a:fillRef>
+          <a:effectRef idx="0">
+            <a:schemeClr val="accent1"/>
+          </a:effectRef>
+          <a:fontRef idx="minor">
+            <a:schemeClr val="tx1"/>
+          </a:fontRef>
+        </p:style>
+      </p:cxnSp>
+      <p:cxnSp>
+        <p:nvCxnSpPr>
+          <p:cNvPr id="41" name="Connector: Elbow 40">
+            <a:extLst>
+              <a:ext uri="{FF2B5EF4-FFF2-40B4-BE49-F238E27FC236}">
+                <a16:creationId xmlns:a16="http://schemas.microsoft.com/office/drawing/2014/main" id="{7DCE2A68-D371-4B4E-ADD5-D8F5287FCE28}"/>
+              </a:ext>
+            </a:extLst>
+          </p:cNvPr>
+          <p:cNvCxnSpPr>
+            <a:stCxn id="37" idx="2"/>
+            <a:endCxn id="36" idx="0"/>
+          </p:cNvCxnSpPr>
+          <p:nvPr/>
+        </p:nvCxnSpPr>
+        <p:spPr>
+          <a:xfrm rot="5400000">
+            <a:off x="7482740" y="7099579"/>
+            <a:ext cx="862703" cy="7932746"/>
+          </a:xfrm>
+          <a:prstGeom prst="bentConnector3">
+            <a:avLst/>
+          </a:prstGeom>
+          <a:ln w="38100">
+            <a:prstDash val="lgDashDot"/>
+            <a:tailEnd type="triangle"/>
+          </a:ln>
+        </p:spPr>
+        <p:style>
+          <a:lnRef idx="1">
+            <a:schemeClr val="accent1"/>
+          </a:lnRef>
+          <a:fillRef idx="0">
+            <a:schemeClr val="accent1"/>
+          </a:fillRef>
+          <a:effectRef idx="0">
+            <a:schemeClr val="accent1"/>
+          </a:effectRef>
+          <a:fontRef idx="minor">
+            <a:schemeClr val="tx1"/>
+          </a:fontRef>
+        </p:style>
+      </p:cxnSp>
+      <p:cxnSp>
+        <p:nvCxnSpPr>
+          <p:cNvPr id="44" name="Connector: Elbow 43">
+            <a:extLst>
+              <a:ext uri="{FF2B5EF4-FFF2-40B4-BE49-F238E27FC236}">
+                <a16:creationId xmlns:a16="http://schemas.microsoft.com/office/drawing/2014/main" id="{B88FA87F-E795-42E6-AC10-F34ECD9F6FEC}"/>
+              </a:ext>
+            </a:extLst>
+          </p:cNvPr>
+          <p:cNvCxnSpPr>
+            <a:stCxn id="11" idx="2"/>
+            <a:endCxn id="14" idx="0"/>
+          </p:cNvCxnSpPr>
+          <p:nvPr/>
+        </p:nvCxnSpPr>
+        <p:spPr>
+          <a:xfrm rot="16200000" flipH="1">
+            <a:off x="3656098" y="3858090"/>
+            <a:ext cx="583241" cy="1"/>
+          </a:xfrm>
+          <a:prstGeom prst="bentConnector3">
+            <a:avLst/>
+          </a:prstGeom>
+          <a:ln w="38100">
+            <a:tailEnd type="triangle"/>
+          </a:ln>
+        </p:spPr>
+        <p:style>
+          <a:lnRef idx="1">
+            <a:schemeClr val="accent1"/>
+          </a:lnRef>
+          <a:fillRef idx="0">
+            <a:schemeClr val="accent1"/>
+          </a:fillRef>
+          <a:effectRef idx="0">
+            <a:schemeClr val="accent1"/>
+          </a:effectRef>
+          <a:fontRef idx="minor">
+            <a:schemeClr val="tx1"/>
+          </a:fontRef>
+        </p:style>
+      </p:cxnSp>
+      <p:cxnSp>
+        <p:nvCxnSpPr>
+          <p:cNvPr id="46" name="Connector: Elbow 45">
+            <a:extLst>
+              <a:ext uri="{FF2B5EF4-FFF2-40B4-BE49-F238E27FC236}">
+                <a16:creationId xmlns:a16="http://schemas.microsoft.com/office/drawing/2014/main" id="{101D61D5-66EE-40CF-867F-0C2708048948}"/>
+              </a:ext>
+            </a:extLst>
+          </p:cNvPr>
+          <p:cNvCxnSpPr>
+            <a:stCxn id="14" idx="2"/>
+            <a:endCxn id="16" idx="0"/>
+          </p:cNvCxnSpPr>
+          <p:nvPr/>
+        </p:nvCxnSpPr>
+        <p:spPr>
+          <a:xfrm rot="5400000">
+            <a:off x="3659134" y="4957816"/>
+            <a:ext cx="577170" cy="1"/>
+          </a:xfrm>
+          <a:prstGeom prst="bentConnector3">
+            <a:avLst/>
+          </a:prstGeom>
+          <a:ln w="38100">
+            <a:tailEnd type="triangle"/>
+          </a:ln>
+        </p:spPr>
+        <p:style>
+          <a:lnRef idx="1">
+            <a:schemeClr val="accent1"/>
+          </a:lnRef>
+          <a:fillRef idx="0">
+            <a:schemeClr val="accent1"/>
+          </a:fillRef>
+          <a:effectRef idx="0">
+            <a:schemeClr val="accent1"/>
+          </a:effectRef>
+          <a:fontRef idx="minor">
+            <a:schemeClr val="tx1"/>
+          </a:fontRef>
+        </p:style>
+      </p:cxnSp>
+      <p:cxnSp>
+        <p:nvCxnSpPr>
+          <p:cNvPr id="48" name="Connector: Elbow 47">
+            <a:extLst>
+              <a:ext uri="{FF2B5EF4-FFF2-40B4-BE49-F238E27FC236}">
+                <a16:creationId xmlns:a16="http://schemas.microsoft.com/office/drawing/2014/main" id="{9BE5B4D8-BE28-4766-ADE5-13BDDBBD39D9}"/>
+              </a:ext>
+            </a:extLst>
+          </p:cNvPr>
+          <p:cNvCxnSpPr>
+            <a:stCxn id="16" idx="2"/>
+            <a:endCxn id="26" idx="0"/>
+          </p:cNvCxnSpPr>
+          <p:nvPr/>
+        </p:nvCxnSpPr>
+        <p:spPr>
+          <a:xfrm rot="16200000" flipH="1">
+            <a:off x="3656594" y="6691921"/>
+            <a:ext cx="582249" cy="1"/>
+          </a:xfrm>
+          <a:prstGeom prst="bentConnector3">
+            <a:avLst/>
+          </a:prstGeom>
+          <a:ln w="38100">
+            <a:tailEnd type="triangle"/>
+          </a:ln>
+        </p:spPr>
+        <p:style>
+          <a:lnRef idx="1">
+            <a:schemeClr val="accent1"/>
+          </a:lnRef>
+          <a:fillRef idx="0">
+            <a:schemeClr val="accent1"/>
+          </a:fillRef>
+          <a:effectRef idx="0">
+            <a:schemeClr val="accent1"/>
+          </a:effectRef>
+          <a:fontRef idx="minor">
+            <a:schemeClr val="tx1"/>
+          </a:fontRef>
+        </p:style>
+      </p:cxnSp>
+      <p:cxnSp>
+        <p:nvCxnSpPr>
+          <p:cNvPr id="69" name="Connector: Elbow 68">
+            <a:extLst>
+              <a:ext uri="{FF2B5EF4-FFF2-40B4-BE49-F238E27FC236}">
+                <a16:creationId xmlns:a16="http://schemas.microsoft.com/office/drawing/2014/main" id="{B166AFE7-C5C4-463D-807B-ABD83A461E4B}"/>
+              </a:ext>
+            </a:extLst>
+          </p:cNvPr>
+          <p:cNvCxnSpPr>
+            <a:stCxn id="26" idx="2"/>
+            <a:endCxn id="33" idx="0"/>
+          </p:cNvCxnSpPr>
+          <p:nvPr/>
+        </p:nvCxnSpPr>
+        <p:spPr>
+          <a:xfrm rot="5400000">
+            <a:off x="3357494" y="8727667"/>
+            <a:ext cx="1180449" cy="2"/>
+          </a:xfrm>
+          <a:prstGeom prst="bentConnector3">
+            <a:avLst/>
+          </a:prstGeom>
+          <a:ln w="38100">
+            <a:tailEnd type="triangle"/>
+          </a:ln>
+        </p:spPr>
+        <p:style>
+          <a:lnRef idx="1">
+            <a:schemeClr val="accent1"/>
+          </a:lnRef>
+          <a:fillRef idx="0">
+            <a:schemeClr val="accent1"/>
+          </a:fillRef>
+          <a:effectRef idx="0">
+            <a:schemeClr val="accent1"/>
+          </a:effectRef>
+          <a:fontRef idx="minor">
+            <a:schemeClr val="tx1"/>
+          </a:fontRef>
+        </p:style>
+      </p:cxnSp>
+      <p:sp>
+        <p:nvSpPr>
+          <p:cNvPr id="76" name="Flowchart: Off-page Connector 75">
+            <a:extLst>
+              <a:ext uri="{FF2B5EF4-FFF2-40B4-BE49-F238E27FC236}">
+                <a16:creationId xmlns:a16="http://schemas.microsoft.com/office/drawing/2014/main" id="{D61B6907-1997-47CD-AF56-56061E7A6AD5}"/>
+              </a:ext>
+            </a:extLst>
+          </p:cNvPr>
+          <p:cNvSpPr/>
+          <p:nvPr/>
+        </p:nvSpPr>
+        <p:spPr>
+          <a:xfrm>
+            <a:off x="10835433" y="11753993"/>
+            <a:ext cx="2090057" cy="641017"/>
+          </a:xfrm>
+          <a:prstGeom prst="flowChartOffpageConnector">
+            <a:avLst/>
+          </a:prstGeom>
+        </p:spPr>
+        <p:style>
+          <a:lnRef idx="2">
+            <a:schemeClr val="accent1">
+              <a:shade val="50000"/>
+            </a:schemeClr>
+          </a:lnRef>
+          <a:fillRef idx="1">
+            <a:schemeClr val="accent1"/>
+          </a:fillRef>
+          <a:effectRef idx="0">
+            <a:schemeClr val="accent1"/>
+          </a:effectRef>
+          <a:fontRef idx="minor">
+            <a:schemeClr val="lt1"/>
+          </a:fontRef>
+        </p:style>
+        <p:txBody>
+          <a:bodyPr rtlCol="0" anchor="ctr"/>
+          <a:lstStyle/>
+          <a:p>
+            <a:pPr algn="ctr"/>
+            <a:r>
+              <a:rPr lang="en-US" dirty="0"/>
+              <a:t>Output 0</a:t>
+            </a:r>
+          </a:p>
+        </p:txBody>
+      </p:sp>
+      <p:sp>
+        <p:nvSpPr>
+          <p:cNvPr id="77" name="Flowchart: Data 76">
+            <a:extLst>
+              <a:ext uri="{FF2B5EF4-FFF2-40B4-BE49-F238E27FC236}">
+                <a16:creationId xmlns:a16="http://schemas.microsoft.com/office/drawing/2014/main" id="{89A03E5F-0078-4755-B494-5B3EF2759610}"/>
+              </a:ext>
+            </a:extLst>
+          </p:cNvPr>
+          <p:cNvSpPr/>
+          <p:nvPr/>
+        </p:nvSpPr>
+        <p:spPr>
+          <a:xfrm>
+            <a:off x="6869062" y="13182602"/>
+            <a:ext cx="2090057" cy="718457"/>
+          </a:xfrm>
+          <a:prstGeom prst="flowChartInputOutput">
+            <a:avLst/>
+          </a:prstGeom>
+        </p:spPr>
+        <p:style>
+          <a:lnRef idx="2">
+            <a:schemeClr val="accent1">
+              <a:shade val="50000"/>
+            </a:schemeClr>
+          </a:lnRef>
+          <a:fillRef idx="1">
+            <a:schemeClr val="accent1"/>
+          </a:fillRef>
+          <a:effectRef idx="0">
+            <a:schemeClr val="accent1"/>
+          </a:effectRef>
+          <a:fontRef idx="minor">
+            <a:schemeClr val="lt1"/>
+          </a:fontRef>
+        </p:style>
+        <p:txBody>
+          <a:bodyPr rtlCol="0" anchor="ctr"/>
+          <a:lstStyle/>
+          <a:p>
+            <a:pPr algn="ctr"/>
+            <a:r>
+              <a:rPr lang="en-US" dirty="0"/>
+              <a:t>END</a:t>
+            </a:r>
+          </a:p>
+        </p:txBody>
+      </p:sp>
+      <p:cxnSp>
+        <p:nvCxnSpPr>
+          <p:cNvPr id="79" name="Connector: Elbow 78">
+            <a:extLst>
+              <a:ext uri="{FF2B5EF4-FFF2-40B4-BE49-F238E27FC236}">
+                <a16:creationId xmlns:a16="http://schemas.microsoft.com/office/drawing/2014/main" id="{466584EA-30E8-4400-B523-BAF6BEDD7F4B}"/>
+              </a:ext>
+            </a:extLst>
+          </p:cNvPr>
+          <p:cNvCxnSpPr>
+            <a:stCxn id="36" idx="3"/>
+            <a:endCxn id="76" idx="1"/>
+          </p:cNvCxnSpPr>
+          <p:nvPr/>
+        </p:nvCxnSpPr>
+        <p:spPr>
+          <a:xfrm flipV="1">
+            <a:off x="4992746" y="12074502"/>
+            <a:ext cx="5842687" cy="1"/>
+          </a:xfrm>
+          <a:prstGeom prst="bentConnector3">
+            <a:avLst/>
+          </a:prstGeom>
+          <a:ln w="38100">
+            <a:solidFill>
+              <a:srgbClr val="FF0000"/>
+            </a:solidFill>
+            <a:prstDash val="lgDashDot"/>
+            <a:tailEnd type="triangle"/>
+          </a:ln>
+        </p:spPr>
+        <p:style>
+          <a:lnRef idx="1">
+            <a:schemeClr val="accent1"/>
+          </a:lnRef>
+          <a:fillRef idx="0">
+            <a:schemeClr val="accent1"/>
+          </a:fillRef>
+          <a:effectRef idx="0">
+            <a:schemeClr val="accent1"/>
+          </a:effectRef>
+          <a:fontRef idx="minor">
+            <a:schemeClr val="tx1"/>
+          </a:fontRef>
+        </p:style>
+      </p:cxnSp>
+      <p:cxnSp>
+        <p:nvCxnSpPr>
+          <p:cNvPr id="83" name="Connector: Elbow 82">
+            <a:extLst>
+              <a:ext uri="{FF2B5EF4-FFF2-40B4-BE49-F238E27FC236}">
+                <a16:creationId xmlns:a16="http://schemas.microsoft.com/office/drawing/2014/main" id="{3C7C3E92-87C3-432E-B368-353EF3AE1E1A}"/>
+              </a:ext>
+            </a:extLst>
+          </p:cNvPr>
+          <p:cNvCxnSpPr>
+            <a:stCxn id="36" idx="3"/>
+            <a:endCxn id="77" idx="0"/>
+          </p:cNvCxnSpPr>
+          <p:nvPr/>
+        </p:nvCxnSpPr>
+        <p:spPr>
+          <a:xfrm>
+            <a:off x="4992746" y="12074503"/>
+            <a:ext cx="3130350" cy="1108099"/>
+          </a:xfrm>
+          <a:prstGeom prst="bentConnector2">
+            <a:avLst/>
+          </a:prstGeom>
+          <a:ln w="38100">
+            <a:solidFill>
+              <a:srgbClr val="FF0000"/>
+            </a:solidFill>
+            <a:tailEnd type="triangle"/>
+          </a:ln>
+        </p:spPr>
+        <p:style>
+          <a:lnRef idx="1">
+            <a:schemeClr val="accent1"/>
+          </a:lnRef>
+          <a:fillRef idx="0">
+            <a:schemeClr val="accent1"/>
+          </a:fillRef>
+          <a:effectRef idx="0">
+            <a:schemeClr val="accent1"/>
+          </a:effectRef>
+          <a:fontRef idx="minor">
+            <a:schemeClr val="tx1"/>
+          </a:fontRef>
+        </p:style>
+      </p:cxnSp>
+      <p:sp>
+        <p:nvSpPr>
+          <p:cNvPr id="84" name="Flowchart: Process 83">
+            <a:extLst>
+              <a:ext uri="{FF2B5EF4-FFF2-40B4-BE49-F238E27FC236}">
+                <a16:creationId xmlns:a16="http://schemas.microsoft.com/office/drawing/2014/main" id="{F93B090C-7B01-471B-8660-C9519D59D02E}"/>
+              </a:ext>
+            </a:extLst>
+          </p:cNvPr>
+          <p:cNvSpPr/>
+          <p:nvPr/>
+        </p:nvSpPr>
+        <p:spPr>
+          <a:xfrm>
+            <a:off x="2902688" y="13228899"/>
+            <a:ext cx="2090057" cy="519519"/>
+          </a:xfrm>
+          <a:prstGeom prst="flowChartProcess">
+            <a:avLst/>
+          </a:prstGeom>
+        </p:spPr>
+        <p:style>
+          <a:lnRef idx="2">
+            <a:schemeClr val="accent1">
+              <a:shade val="50000"/>
+            </a:schemeClr>
+          </a:lnRef>
+          <a:fillRef idx="1">
+            <a:schemeClr val="accent1"/>
+          </a:fillRef>
+          <a:effectRef idx="0">
+            <a:schemeClr val="accent1"/>
+          </a:effectRef>
+          <a:fontRef idx="minor">
+            <a:schemeClr val="lt1"/>
+          </a:fontRef>
+        </p:style>
+        <p:txBody>
+          <a:bodyPr rtlCol="0" anchor="ctr"/>
+          <a:lstStyle/>
+          <a:p>
+            <a:pPr algn="ctr"/>
+            <a:r>
+              <a:rPr lang="en-US" dirty="0"/>
+              <a:t>Read time queue</a:t>
+            </a:r>
+          </a:p>
+        </p:txBody>
+      </p:sp>
+      <p:cxnSp>
+        <p:nvCxnSpPr>
+          <p:cNvPr id="86" name="Connector: Elbow 85">
+            <a:extLst>
+              <a:ext uri="{FF2B5EF4-FFF2-40B4-BE49-F238E27FC236}">
+                <a16:creationId xmlns:a16="http://schemas.microsoft.com/office/drawing/2014/main" id="{A1694BD7-FCC3-4CBD-A769-F9DD11646204}"/>
+              </a:ext>
+            </a:extLst>
+          </p:cNvPr>
+          <p:cNvCxnSpPr>
+            <a:stCxn id="36" idx="2"/>
+            <a:endCxn id="84" idx="0"/>
+          </p:cNvCxnSpPr>
+          <p:nvPr/>
+        </p:nvCxnSpPr>
+        <p:spPr>
+          <a:xfrm rot="5400000">
+            <a:off x="3659119" y="12940300"/>
+            <a:ext cx="577198" cy="1"/>
+          </a:xfrm>
+          <a:prstGeom prst="bentConnector3">
+            <a:avLst/>
+          </a:prstGeom>
+          <a:ln w="38100">
+            <a:solidFill>
+              <a:srgbClr val="00B050"/>
+            </a:solidFill>
+            <a:tailEnd type="triangle"/>
+          </a:ln>
+        </p:spPr>
+        <p:style>
+          <a:lnRef idx="1">
+            <a:schemeClr val="accent1"/>
+          </a:lnRef>
+          <a:fillRef idx="0">
+            <a:schemeClr val="accent1"/>
+          </a:fillRef>
+          <a:effectRef idx="0">
+            <a:schemeClr val="accent1"/>
+          </a:effectRef>
+          <a:fontRef idx="minor">
+            <a:schemeClr val="tx1"/>
+          </a:fontRef>
+        </p:style>
+      </p:cxnSp>
+      <p:cxnSp>
+        <p:nvCxnSpPr>
+          <p:cNvPr id="96" name="Connector: Elbow 95">
+            <a:extLst>
+              <a:ext uri="{FF2B5EF4-FFF2-40B4-BE49-F238E27FC236}">
+                <a16:creationId xmlns:a16="http://schemas.microsoft.com/office/drawing/2014/main" id="{1021A9A6-C761-4A70-9E36-4C947B4FBFAB}"/>
+              </a:ext>
+            </a:extLst>
+          </p:cNvPr>
+          <p:cNvCxnSpPr>
+            <a:stCxn id="84" idx="2"/>
+            <a:endCxn id="36" idx="1"/>
+          </p:cNvCxnSpPr>
+          <p:nvPr/>
+        </p:nvCxnSpPr>
+        <p:spPr>
+          <a:xfrm rot="5400000" flipH="1">
+            <a:off x="2588245" y="12388947"/>
+            <a:ext cx="1673915" cy="1045028"/>
+          </a:xfrm>
+          <a:prstGeom prst="bentConnector4">
+            <a:avLst>
+              <a:gd name="adj1" fmla="val -27314"/>
+              <a:gd name="adj2" fmla="val 191875"/>
+            </a:avLst>
+          </a:prstGeom>
+          <a:ln w="38100">
+            <a:tailEnd type="triangle"/>
+          </a:ln>
+        </p:spPr>
+        <p:style>
+          <a:lnRef idx="1">
+            <a:schemeClr val="accent1"/>
+          </a:lnRef>
+          <a:fillRef idx="0">
+            <a:schemeClr val="accent1"/>
+          </a:fillRef>
+          <a:effectRef idx="0">
+            <a:schemeClr val="accent1"/>
+          </a:effectRef>
+          <a:fontRef idx="minor">
+            <a:schemeClr val="tx1"/>
+          </a:fontRef>
+        </p:style>
+      </p:cxnSp>
+      <p:cxnSp>
+        <p:nvCxnSpPr>
+          <p:cNvPr id="100" name="Connector: Elbow 99">
+            <a:extLst>
+              <a:ext uri="{FF2B5EF4-FFF2-40B4-BE49-F238E27FC236}">
+                <a16:creationId xmlns:a16="http://schemas.microsoft.com/office/drawing/2014/main" id="{BA719404-B595-4C6A-BAE2-B97796946D49}"/>
+              </a:ext>
+            </a:extLst>
+          </p:cNvPr>
+          <p:cNvCxnSpPr>
+            <a:stCxn id="9" idx="2"/>
+            <a:endCxn id="18" idx="0"/>
+          </p:cNvCxnSpPr>
+          <p:nvPr/>
+        </p:nvCxnSpPr>
+        <p:spPr>
+          <a:xfrm rot="16200000" flipH="1">
+            <a:off x="7295540" y="4122891"/>
+            <a:ext cx="2759889" cy="507"/>
+          </a:xfrm>
+          <a:prstGeom prst="bentConnector3">
+            <a:avLst/>
+          </a:prstGeom>
+          <a:ln w="38100">
+            <a:prstDash val="sysDot"/>
+            <a:tailEnd type="triangle"/>
+          </a:ln>
+        </p:spPr>
+        <p:style>
+          <a:lnRef idx="1">
+            <a:schemeClr val="accent1"/>
+          </a:lnRef>
+          <a:fillRef idx="0">
+            <a:schemeClr val="accent1"/>
+          </a:fillRef>
+          <a:effectRef idx="0">
+            <a:schemeClr val="accent1"/>
+          </a:effectRef>
+          <a:fontRef idx="minor">
+            <a:schemeClr val="tx1"/>
+          </a:fontRef>
+        </p:style>
+      </p:cxnSp>
+      <p:sp>
+        <p:nvSpPr>
+          <p:cNvPr id="115" name="Flowchart: Process 114">
+            <a:extLst>
+              <a:ext uri="{FF2B5EF4-FFF2-40B4-BE49-F238E27FC236}">
+                <a16:creationId xmlns:a16="http://schemas.microsoft.com/office/drawing/2014/main" id="{81827D50-FECC-4310-97EB-01052D307168}"/>
+              </a:ext>
+            </a:extLst>
+          </p:cNvPr>
+          <p:cNvSpPr/>
+          <p:nvPr/>
+        </p:nvSpPr>
+        <p:spPr>
+          <a:xfrm>
+            <a:off x="17040447" y="3046952"/>
+            <a:ext cx="2090057" cy="519519"/>
+          </a:xfrm>
+          <a:prstGeom prst="flowChartProcess">
+            <a:avLst/>
+          </a:prstGeom>
+        </p:spPr>
+        <p:style>
+          <a:lnRef idx="2">
+            <a:schemeClr val="accent1">
+              <a:shade val="50000"/>
+            </a:schemeClr>
+          </a:lnRef>
+          <a:fillRef idx="1">
+            <a:schemeClr val="accent1"/>
+          </a:fillRef>
+          <a:effectRef idx="0">
+            <a:schemeClr val="accent1"/>
+          </a:effectRef>
+          <a:fontRef idx="minor">
+            <a:schemeClr val="lt1"/>
+          </a:fontRef>
+        </p:style>
+        <p:txBody>
+          <a:bodyPr rtlCol="0" anchor="ctr"/>
+          <a:lstStyle/>
+          <a:p>
+            <a:pPr algn="ctr"/>
+            <a:r>
+              <a:rPr lang="en-US" dirty="0"/>
+              <a:t>Start Thread 1</a:t>
+            </a:r>
+          </a:p>
+        </p:txBody>
+      </p:sp>
+      <p:sp>
+        <p:nvSpPr>
+          <p:cNvPr id="116" name="Flowchart: Process 115">
+            <a:extLst>
+              <a:ext uri="{FF2B5EF4-FFF2-40B4-BE49-F238E27FC236}">
+                <a16:creationId xmlns:a16="http://schemas.microsoft.com/office/drawing/2014/main" id="{95A043DD-2CA8-4B5B-9E3E-CBA2BC5796FE}"/>
+              </a:ext>
+            </a:extLst>
+          </p:cNvPr>
+          <p:cNvSpPr/>
+          <p:nvPr/>
+        </p:nvSpPr>
+        <p:spPr>
+          <a:xfrm>
+            <a:off x="17040448" y="4149712"/>
+            <a:ext cx="2090057" cy="519519"/>
+          </a:xfrm>
+          <a:prstGeom prst="flowChartProcess">
+            <a:avLst/>
+          </a:prstGeom>
+        </p:spPr>
+        <p:style>
+          <a:lnRef idx="2">
+            <a:schemeClr val="accent1">
+              <a:shade val="50000"/>
+            </a:schemeClr>
+          </a:lnRef>
+          <a:fillRef idx="1">
+            <a:schemeClr val="accent1"/>
+          </a:fillRef>
+          <a:effectRef idx="0">
+            <a:schemeClr val="accent1"/>
+          </a:effectRef>
+          <a:fontRef idx="minor">
+            <a:schemeClr val="lt1"/>
+          </a:fontRef>
+        </p:style>
+        <p:txBody>
+          <a:bodyPr rtlCol="0" anchor="ctr"/>
+          <a:lstStyle/>
+          <a:p>
+            <a:pPr algn="ctr"/>
+            <a:r>
+              <a:rPr lang="en-US" dirty="0"/>
+              <a:t>Read sensor signal</a:t>
+            </a:r>
+          </a:p>
+        </p:txBody>
+      </p:sp>
+      <p:sp>
+        <p:nvSpPr>
+          <p:cNvPr id="117" name="Flowchart: Decision 116">
+            <a:extLst>
+              <a:ext uri="{FF2B5EF4-FFF2-40B4-BE49-F238E27FC236}">
+                <a16:creationId xmlns:a16="http://schemas.microsoft.com/office/drawing/2014/main" id="{23815285-01B5-426C-9A9E-BAE000E0AB76}"/>
+              </a:ext>
+            </a:extLst>
+          </p:cNvPr>
+          <p:cNvSpPr/>
+          <p:nvPr/>
+        </p:nvSpPr>
+        <p:spPr>
+          <a:xfrm>
+            <a:off x="17040447" y="5246401"/>
+            <a:ext cx="2090057" cy="1154397"/>
+          </a:xfrm>
+          <a:prstGeom prst="flowChartDecision">
+            <a:avLst/>
+          </a:prstGeom>
+        </p:spPr>
+        <p:style>
+          <a:lnRef idx="2">
+            <a:schemeClr val="accent1">
+              <a:shade val="50000"/>
+            </a:schemeClr>
+          </a:lnRef>
+          <a:fillRef idx="1">
+            <a:schemeClr val="accent1"/>
+          </a:fillRef>
+          <a:effectRef idx="0">
+            <a:schemeClr val="accent1"/>
+          </a:effectRef>
+          <a:fontRef idx="minor">
+            <a:schemeClr val="lt1"/>
+          </a:fontRef>
+        </p:style>
+        <p:txBody>
+          <a:bodyPr rtlCol="0" anchor="ctr"/>
+          <a:lstStyle/>
+          <a:p>
+            <a:pPr algn="ctr"/>
+            <a:r>
+              <a:rPr lang="en-US" dirty="0"/>
+              <a:t>Did it ping vole 1?</a:t>
+            </a:r>
+          </a:p>
+        </p:txBody>
+      </p:sp>
+      <p:sp>
+        <p:nvSpPr>
+          <p:cNvPr id="118" name="Flowchart: Decision 117">
+            <a:extLst>
+              <a:ext uri="{FF2B5EF4-FFF2-40B4-BE49-F238E27FC236}">
+                <a16:creationId xmlns:a16="http://schemas.microsoft.com/office/drawing/2014/main" id="{39E3A9AC-7B8E-4BD2-AC71-0598A7F6631E}"/>
+              </a:ext>
+            </a:extLst>
+          </p:cNvPr>
+          <p:cNvSpPr/>
+          <p:nvPr/>
+        </p:nvSpPr>
+        <p:spPr>
+          <a:xfrm>
+            <a:off x="17040445" y="6977968"/>
+            <a:ext cx="2090057" cy="1154397"/>
+          </a:xfrm>
+          <a:prstGeom prst="flowChartDecision">
+            <a:avLst/>
+          </a:prstGeom>
+        </p:spPr>
+        <p:style>
+          <a:lnRef idx="2">
+            <a:schemeClr val="accent1">
+              <a:shade val="50000"/>
+            </a:schemeClr>
+          </a:lnRef>
+          <a:fillRef idx="1">
+            <a:schemeClr val="accent1"/>
+          </a:fillRef>
+          <a:effectRef idx="0">
+            <a:schemeClr val="accent1"/>
+          </a:effectRef>
+          <a:fontRef idx="minor">
+            <a:schemeClr val="lt1"/>
+          </a:fontRef>
+        </p:style>
+        <p:txBody>
+          <a:bodyPr rtlCol="0" anchor="ctr"/>
+          <a:lstStyle/>
+          <a:p>
+            <a:pPr algn="ctr"/>
+            <a:r>
+              <a:rPr lang="en-US" dirty="0"/>
+              <a:t>Did it ping vole 2?</a:t>
+            </a:r>
+          </a:p>
+        </p:txBody>
+      </p:sp>
+      <p:sp>
+        <p:nvSpPr>
+          <p:cNvPr id="119" name="Flowchart: Process 118">
+            <a:extLst>
+              <a:ext uri="{FF2B5EF4-FFF2-40B4-BE49-F238E27FC236}">
+                <a16:creationId xmlns:a16="http://schemas.microsoft.com/office/drawing/2014/main" id="{1D7F6F10-B524-40C9-8FC5-B43E23BA251D}"/>
+              </a:ext>
+            </a:extLst>
+          </p:cNvPr>
+          <p:cNvSpPr/>
+          <p:nvPr/>
+        </p:nvSpPr>
+        <p:spPr>
+          <a:xfrm>
+            <a:off x="17040446" y="9317893"/>
+            <a:ext cx="2090057" cy="519519"/>
+          </a:xfrm>
+          <a:prstGeom prst="flowChartProcess">
+            <a:avLst/>
+          </a:prstGeom>
+        </p:spPr>
+        <p:style>
+          <a:lnRef idx="2">
+            <a:schemeClr val="accent1">
+              <a:shade val="50000"/>
+            </a:schemeClr>
+          </a:lnRef>
+          <a:fillRef idx="1">
+            <a:schemeClr val="accent1"/>
+          </a:fillRef>
+          <a:effectRef idx="0">
+            <a:schemeClr val="accent1"/>
+          </a:effectRef>
+          <a:fontRef idx="minor">
+            <a:schemeClr val="lt1"/>
+          </a:fontRef>
+        </p:style>
+        <p:txBody>
+          <a:bodyPr rtlCol="0" anchor="ctr"/>
+          <a:lstStyle/>
+          <a:p>
+            <a:pPr algn="ctr"/>
+            <a:r>
+              <a:rPr lang="en-US" dirty="0"/>
+              <a:t>Read time queue</a:t>
+            </a:r>
+          </a:p>
+        </p:txBody>
+      </p:sp>
+      <p:sp>
+        <p:nvSpPr>
+          <p:cNvPr id="120" name="Flowchart: Decision 119">
+            <a:extLst>
+              <a:ext uri="{FF2B5EF4-FFF2-40B4-BE49-F238E27FC236}">
+                <a16:creationId xmlns:a16="http://schemas.microsoft.com/office/drawing/2014/main" id="{7E2C8527-FA80-4776-A0F6-42F75B5CFA93}"/>
+              </a:ext>
+            </a:extLst>
+          </p:cNvPr>
+          <p:cNvSpPr/>
+          <p:nvPr/>
+        </p:nvSpPr>
+        <p:spPr>
+          <a:xfrm>
+            <a:off x="17040447" y="11497304"/>
+            <a:ext cx="2090057" cy="1154397"/>
+          </a:xfrm>
+          <a:prstGeom prst="flowChartDecision">
+            <a:avLst/>
+          </a:prstGeom>
+        </p:spPr>
+        <p:style>
+          <a:lnRef idx="2">
+            <a:schemeClr val="accent1">
+              <a:shade val="50000"/>
+            </a:schemeClr>
+          </a:lnRef>
+          <a:fillRef idx="1">
+            <a:schemeClr val="accent1"/>
+          </a:fillRef>
+          <a:effectRef idx="0">
+            <a:schemeClr val="accent1"/>
+          </a:effectRef>
+          <a:fontRef idx="minor">
+            <a:schemeClr val="lt1"/>
+          </a:fontRef>
+        </p:style>
+        <p:txBody>
+          <a:bodyPr rtlCol="0" anchor="ctr"/>
+          <a:lstStyle/>
+          <a:p>
+            <a:pPr algn="ctr"/>
+            <a:r>
+              <a:rPr lang="en-US" dirty="0"/>
+              <a:t>Number &lt; # of threads?</a:t>
+            </a:r>
+          </a:p>
+        </p:txBody>
+      </p:sp>
+      <p:cxnSp>
+        <p:nvCxnSpPr>
+          <p:cNvPr id="121" name="Connector: Elbow 120">
+            <a:extLst>
+              <a:ext uri="{FF2B5EF4-FFF2-40B4-BE49-F238E27FC236}">
+                <a16:creationId xmlns:a16="http://schemas.microsoft.com/office/drawing/2014/main" id="{8F1B1CFC-8E8C-4DF7-97B8-BAA8B99917D2}"/>
+              </a:ext>
+            </a:extLst>
+          </p:cNvPr>
+          <p:cNvCxnSpPr>
+            <a:stCxn id="115" idx="2"/>
+            <a:endCxn id="116" idx="0"/>
+          </p:cNvCxnSpPr>
+          <p:nvPr/>
+        </p:nvCxnSpPr>
+        <p:spPr>
+          <a:xfrm rot="16200000" flipH="1">
+            <a:off x="17793856" y="3858090"/>
+            <a:ext cx="583241" cy="1"/>
+          </a:xfrm>
+          <a:prstGeom prst="bentConnector3">
+            <a:avLst/>
+          </a:prstGeom>
+          <a:ln w="38100">
+            <a:tailEnd type="triangle"/>
+          </a:ln>
+        </p:spPr>
+        <p:style>
+          <a:lnRef idx="1">
+            <a:schemeClr val="accent1"/>
+          </a:lnRef>
+          <a:fillRef idx="0">
+            <a:schemeClr val="accent1"/>
+          </a:fillRef>
+          <a:effectRef idx="0">
+            <a:schemeClr val="accent1"/>
+          </a:effectRef>
+          <a:fontRef idx="minor">
+            <a:schemeClr val="tx1"/>
+          </a:fontRef>
+        </p:style>
+      </p:cxnSp>
+      <p:cxnSp>
+        <p:nvCxnSpPr>
+          <p:cNvPr id="122" name="Connector: Elbow 121">
+            <a:extLst>
+              <a:ext uri="{FF2B5EF4-FFF2-40B4-BE49-F238E27FC236}">
+                <a16:creationId xmlns:a16="http://schemas.microsoft.com/office/drawing/2014/main" id="{4D0E5702-B458-4234-B7C7-5439C0AC5E2B}"/>
+              </a:ext>
+            </a:extLst>
+          </p:cNvPr>
+          <p:cNvCxnSpPr>
+            <a:stCxn id="116" idx="2"/>
+            <a:endCxn id="117" idx="0"/>
+          </p:cNvCxnSpPr>
+          <p:nvPr/>
+        </p:nvCxnSpPr>
+        <p:spPr>
+          <a:xfrm rot="5400000">
+            <a:off x="17796892" y="4957816"/>
+            <a:ext cx="577170" cy="1"/>
+          </a:xfrm>
+          <a:prstGeom prst="bentConnector3">
+            <a:avLst/>
+          </a:prstGeom>
+          <a:ln w="38100">
+            <a:tailEnd type="triangle"/>
+          </a:ln>
+        </p:spPr>
+        <p:style>
+          <a:lnRef idx="1">
+            <a:schemeClr val="accent1"/>
+          </a:lnRef>
+          <a:fillRef idx="0">
+            <a:schemeClr val="accent1"/>
+          </a:fillRef>
+          <a:effectRef idx="0">
+            <a:schemeClr val="accent1"/>
+          </a:effectRef>
+          <a:fontRef idx="minor">
+            <a:schemeClr val="tx1"/>
+          </a:fontRef>
+        </p:style>
+      </p:cxnSp>
+      <p:cxnSp>
+        <p:nvCxnSpPr>
+          <p:cNvPr id="123" name="Connector: Elbow 122">
+            <a:extLst>
+              <a:ext uri="{FF2B5EF4-FFF2-40B4-BE49-F238E27FC236}">
+                <a16:creationId xmlns:a16="http://schemas.microsoft.com/office/drawing/2014/main" id="{43ECC7AB-8D85-4F86-A61B-B2464C3D273E}"/>
+              </a:ext>
+            </a:extLst>
+          </p:cNvPr>
+          <p:cNvCxnSpPr>
+            <a:stCxn id="117" idx="2"/>
+            <a:endCxn id="118" idx="0"/>
+          </p:cNvCxnSpPr>
+          <p:nvPr/>
+        </p:nvCxnSpPr>
+        <p:spPr>
+          <a:xfrm rot="5400000">
+            <a:off x="17796890" y="6689382"/>
+            <a:ext cx="577170" cy="2"/>
+          </a:xfrm>
+          <a:prstGeom prst="bentConnector3">
+            <a:avLst/>
+          </a:prstGeom>
+          <a:ln w="38100">
+            <a:tailEnd type="triangle"/>
+          </a:ln>
+        </p:spPr>
+        <p:style>
+          <a:lnRef idx="1">
+            <a:schemeClr val="accent1"/>
+          </a:lnRef>
+          <a:fillRef idx="0">
+            <a:schemeClr val="accent1"/>
+          </a:fillRef>
+          <a:effectRef idx="0">
+            <a:schemeClr val="accent1"/>
+          </a:effectRef>
+          <a:fontRef idx="minor">
+            <a:schemeClr val="tx1"/>
+          </a:fontRef>
+        </p:style>
+      </p:cxnSp>
+      <p:cxnSp>
+        <p:nvCxnSpPr>
+          <p:cNvPr id="124" name="Connector: Elbow 123">
+            <a:extLst>
+              <a:ext uri="{FF2B5EF4-FFF2-40B4-BE49-F238E27FC236}">
+                <a16:creationId xmlns:a16="http://schemas.microsoft.com/office/drawing/2014/main" id="{AA11D207-5B20-40AF-9E47-FF75955B961A}"/>
+              </a:ext>
+            </a:extLst>
+          </p:cNvPr>
+          <p:cNvCxnSpPr>
+            <a:stCxn id="118" idx="2"/>
+            <a:endCxn id="119" idx="0"/>
+          </p:cNvCxnSpPr>
+          <p:nvPr/>
+        </p:nvCxnSpPr>
+        <p:spPr>
+          <a:xfrm rot="16200000" flipH="1">
+            <a:off x="17492710" y="8725128"/>
+            <a:ext cx="1185528" cy="1"/>
+          </a:xfrm>
+          <a:prstGeom prst="bentConnector3">
+            <a:avLst/>
+          </a:prstGeom>
+          <a:ln w="38100">
+            <a:tailEnd type="triangle"/>
+          </a:ln>
+        </p:spPr>
+        <p:style>
+          <a:lnRef idx="1">
+            <a:schemeClr val="accent1"/>
+          </a:lnRef>
+          <a:fillRef idx="0">
+            <a:schemeClr val="accent1"/>
+          </a:fillRef>
+          <a:effectRef idx="0">
+            <a:schemeClr val="accent1"/>
+          </a:effectRef>
+          <a:fontRef idx="minor">
+            <a:schemeClr val="tx1"/>
+          </a:fontRef>
+        </p:style>
+      </p:cxnSp>
+      <p:sp>
+        <p:nvSpPr>
+          <p:cNvPr id="125" name="Flowchart: Process 124">
+            <a:extLst>
+              <a:ext uri="{FF2B5EF4-FFF2-40B4-BE49-F238E27FC236}">
+                <a16:creationId xmlns:a16="http://schemas.microsoft.com/office/drawing/2014/main" id="{083F0069-BAD5-488B-995E-4DE4F2944FD6}"/>
+              </a:ext>
+            </a:extLst>
+          </p:cNvPr>
+          <p:cNvSpPr/>
+          <p:nvPr/>
+        </p:nvSpPr>
+        <p:spPr>
+          <a:xfrm>
+            <a:off x="17040446" y="13228899"/>
+            <a:ext cx="2090057" cy="519519"/>
+          </a:xfrm>
+          <a:prstGeom prst="flowChartProcess">
+            <a:avLst/>
+          </a:prstGeom>
+        </p:spPr>
+        <p:style>
+          <a:lnRef idx="2">
+            <a:schemeClr val="accent1">
+              <a:shade val="50000"/>
+            </a:schemeClr>
+          </a:lnRef>
+          <a:fillRef idx="1">
+            <a:schemeClr val="accent1"/>
+          </a:fillRef>
+          <a:effectRef idx="0">
+            <a:schemeClr val="accent1"/>
+          </a:effectRef>
+          <a:fontRef idx="minor">
+            <a:schemeClr val="lt1"/>
+          </a:fontRef>
+        </p:style>
+        <p:txBody>
+          <a:bodyPr rtlCol="0" anchor="ctr"/>
+          <a:lstStyle/>
+          <a:p>
+            <a:pPr algn="ctr"/>
+            <a:r>
+              <a:rPr lang="en-US" dirty="0"/>
+              <a:t>Read time queue</a:t>
+            </a:r>
+          </a:p>
+        </p:txBody>
+      </p:sp>
+      <p:cxnSp>
+        <p:nvCxnSpPr>
+          <p:cNvPr id="126" name="Connector: Elbow 125">
+            <a:extLst>
+              <a:ext uri="{FF2B5EF4-FFF2-40B4-BE49-F238E27FC236}">
+                <a16:creationId xmlns:a16="http://schemas.microsoft.com/office/drawing/2014/main" id="{FB4AA93E-EF3F-4856-B0DC-484DBE8A1E94}"/>
+              </a:ext>
+            </a:extLst>
+          </p:cNvPr>
+          <p:cNvCxnSpPr>
+            <a:stCxn id="120" idx="2"/>
+            <a:endCxn id="125" idx="0"/>
+          </p:cNvCxnSpPr>
+          <p:nvPr/>
+        </p:nvCxnSpPr>
+        <p:spPr>
+          <a:xfrm rot="5400000">
+            <a:off x="17796877" y="12940300"/>
+            <a:ext cx="577198" cy="1"/>
+          </a:xfrm>
+          <a:prstGeom prst="bentConnector3">
+            <a:avLst/>
+          </a:prstGeom>
+          <a:ln w="38100">
+            <a:solidFill>
+              <a:srgbClr val="00B050"/>
+            </a:solidFill>
+            <a:tailEnd type="triangle"/>
+          </a:ln>
+        </p:spPr>
+        <p:style>
+          <a:lnRef idx="1">
+            <a:schemeClr val="accent1"/>
+          </a:lnRef>
+          <a:fillRef idx="0">
+            <a:schemeClr val="accent1"/>
+          </a:fillRef>
+          <a:effectRef idx="0">
+            <a:schemeClr val="accent1"/>
+          </a:effectRef>
+          <a:fontRef idx="minor">
+            <a:schemeClr val="tx1"/>
+          </a:fontRef>
+        </p:style>
+      </p:cxnSp>
+      <p:cxnSp>
+        <p:nvCxnSpPr>
+          <p:cNvPr id="129" name="Connector: Elbow 128">
+            <a:extLst>
+              <a:ext uri="{FF2B5EF4-FFF2-40B4-BE49-F238E27FC236}">
+                <a16:creationId xmlns:a16="http://schemas.microsoft.com/office/drawing/2014/main" id="{81AAA530-26CB-4FE5-839D-06BA46FC8EF4}"/>
+              </a:ext>
+            </a:extLst>
+          </p:cNvPr>
+          <p:cNvCxnSpPr>
+            <a:stCxn id="117" idx="1"/>
+            <a:endCxn id="18" idx="3"/>
+          </p:cNvCxnSpPr>
+          <p:nvPr/>
+        </p:nvCxnSpPr>
+        <p:spPr>
+          <a:xfrm rot="10800000">
+            <a:off x="9720767" y="5823600"/>
+            <a:ext cx="7319681" cy="1"/>
+          </a:xfrm>
+          <a:prstGeom prst="bentConnector3">
+            <a:avLst/>
+          </a:prstGeom>
+          <a:ln w="38100">
+            <a:solidFill>
+              <a:srgbClr val="00B050"/>
+            </a:solidFill>
+            <a:prstDash val="sysDot"/>
+            <a:tailEnd type="triangle"/>
+          </a:ln>
+        </p:spPr>
+        <p:style>
+          <a:lnRef idx="1">
+            <a:schemeClr val="accent1"/>
+          </a:lnRef>
+          <a:fillRef idx="0">
+            <a:schemeClr val="accent1"/>
+          </a:fillRef>
+          <a:effectRef idx="0">
+            <a:schemeClr val="accent1"/>
+          </a:effectRef>
+          <a:fontRef idx="minor">
+            <a:schemeClr val="tx1"/>
+          </a:fontRef>
+        </p:style>
+      </p:cxnSp>
+      <p:cxnSp>
+        <p:nvCxnSpPr>
+          <p:cNvPr id="133" name="Connector: Elbow 132">
+            <a:extLst>
+              <a:ext uri="{FF2B5EF4-FFF2-40B4-BE49-F238E27FC236}">
+                <a16:creationId xmlns:a16="http://schemas.microsoft.com/office/drawing/2014/main" id="{6E2C91DB-B3E1-4315-BB31-6FD07651CEDE}"/>
+              </a:ext>
+            </a:extLst>
+          </p:cNvPr>
+          <p:cNvCxnSpPr>
+            <a:stCxn id="118" idx="1"/>
+            <a:endCxn id="27" idx="3"/>
+          </p:cNvCxnSpPr>
+          <p:nvPr/>
+        </p:nvCxnSpPr>
+        <p:spPr>
+          <a:xfrm rot="10800000">
+            <a:off x="9720261" y="7554647"/>
+            <a:ext cx="7320185" cy="521"/>
+          </a:xfrm>
+          <a:prstGeom prst="bentConnector3">
+            <a:avLst/>
+          </a:prstGeom>
+          <a:ln w="38100">
+            <a:solidFill>
+              <a:srgbClr val="00B050"/>
+            </a:solidFill>
+            <a:prstDash val="sysDot"/>
+            <a:tailEnd type="triangle"/>
+          </a:ln>
+        </p:spPr>
+        <p:style>
+          <a:lnRef idx="1">
+            <a:schemeClr val="accent1"/>
+          </a:lnRef>
+          <a:fillRef idx="0">
+            <a:schemeClr val="accent1"/>
+          </a:fillRef>
+          <a:effectRef idx="0">
+            <a:schemeClr val="accent1"/>
+          </a:effectRef>
+          <a:fontRef idx="minor">
+            <a:schemeClr val="tx1"/>
+          </a:fontRef>
+        </p:style>
+      </p:cxnSp>
+      <p:cxnSp>
+        <p:nvCxnSpPr>
+          <p:cNvPr id="150" name="Connector: Elbow 149">
+            <a:extLst>
+              <a:ext uri="{FF2B5EF4-FFF2-40B4-BE49-F238E27FC236}">
+                <a16:creationId xmlns:a16="http://schemas.microsoft.com/office/drawing/2014/main" id="{3D68ACE8-5ACB-45B5-9191-B6F1F384FDC8}"/>
+              </a:ext>
+            </a:extLst>
+          </p:cNvPr>
+          <p:cNvCxnSpPr>
+            <a:stCxn id="10" idx="2"/>
+            <a:endCxn id="119" idx="1"/>
+          </p:cNvCxnSpPr>
+          <p:nvPr/>
+        </p:nvCxnSpPr>
+        <p:spPr>
+          <a:xfrm rot="16200000" flipH="1">
+            <a:off x="11043229" y="3580435"/>
+            <a:ext cx="6834451" cy="5159983"/>
+          </a:xfrm>
+          <a:prstGeom prst="bentConnector2">
+            <a:avLst/>
+          </a:prstGeom>
+          <a:ln w="38100">
+            <a:prstDash val="lgDashDot"/>
+            <a:tailEnd type="triangle"/>
+          </a:ln>
+        </p:spPr>
+        <p:style>
+          <a:lnRef idx="1">
+            <a:schemeClr val="accent1"/>
+          </a:lnRef>
+          <a:fillRef idx="0">
+            <a:schemeClr val="accent1"/>
+          </a:fillRef>
+          <a:effectRef idx="0">
+            <a:schemeClr val="accent1"/>
+          </a:effectRef>
+          <a:fontRef idx="minor">
+            <a:schemeClr val="tx1"/>
+          </a:fontRef>
+        </p:style>
+      </p:cxnSp>
+      <p:cxnSp>
+        <p:nvCxnSpPr>
+          <p:cNvPr id="152" name="Connector: Elbow 151">
+            <a:extLst>
+              <a:ext uri="{FF2B5EF4-FFF2-40B4-BE49-F238E27FC236}">
+                <a16:creationId xmlns:a16="http://schemas.microsoft.com/office/drawing/2014/main" id="{CC0241B9-E6E3-4D07-96A3-259D576FC268}"/>
+              </a:ext>
+            </a:extLst>
+          </p:cNvPr>
+          <p:cNvCxnSpPr>
+            <a:stCxn id="119" idx="2"/>
+            <a:endCxn id="37" idx="3"/>
+          </p:cNvCxnSpPr>
+          <p:nvPr/>
+        </p:nvCxnSpPr>
+        <p:spPr>
+          <a:xfrm rot="5400000">
+            <a:off x="15250940" y="7511965"/>
+            <a:ext cx="509088" cy="5159983"/>
+          </a:xfrm>
+          <a:prstGeom prst="bentConnector2">
+            <a:avLst/>
+          </a:prstGeom>
+          <a:ln w="38100">
+            <a:prstDash val="lgDashDot"/>
+            <a:tailEnd type="triangle"/>
+          </a:ln>
+        </p:spPr>
+        <p:style>
+          <a:lnRef idx="1">
+            <a:schemeClr val="accent1"/>
+          </a:lnRef>
+          <a:fillRef idx="0">
+            <a:schemeClr val="accent1"/>
+          </a:fillRef>
+          <a:effectRef idx="0">
+            <a:schemeClr val="accent1"/>
+          </a:effectRef>
+          <a:fontRef idx="minor">
+            <a:schemeClr val="tx1"/>
+          </a:fontRef>
+        </p:style>
+      </p:cxnSp>
+      <p:cxnSp>
+        <p:nvCxnSpPr>
+          <p:cNvPr id="154" name="Connector: Elbow 153">
+            <a:extLst>
+              <a:ext uri="{FF2B5EF4-FFF2-40B4-BE49-F238E27FC236}">
+                <a16:creationId xmlns:a16="http://schemas.microsoft.com/office/drawing/2014/main" id="{B082D0CC-9843-4F5C-A5D9-1F763A9B7B00}"/>
+              </a:ext>
+            </a:extLst>
+          </p:cNvPr>
+          <p:cNvCxnSpPr>
+            <a:stCxn id="37" idx="2"/>
+            <a:endCxn id="120" idx="0"/>
+          </p:cNvCxnSpPr>
+          <p:nvPr/>
+        </p:nvCxnSpPr>
+        <p:spPr>
+          <a:xfrm rot="16200000" flipH="1">
+            <a:off x="14551619" y="7963446"/>
+            <a:ext cx="862703" cy="6205012"/>
+          </a:xfrm>
+          <a:prstGeom prst="bentConnector3">
+            <a:avLst/>
+          </a:prstGeom>
+          <a:ln w="38100">
+            <a:solidFill>
+              <a:srgbClr val="0070C0"/>
+            </a:solidFill>
+            <a:prstDash val="lgDashDot"/>
+            <a:tailEnd type="triangle"/>
+          </a:ln>
+        </p:spPr>
+        <p:style>
+          <a:lnRef idx="1">
+            <a:schemeClr val="accent1"/>
+          </a:lnRef>
+          <a:fillRef idx="0">
+            <a:schemeClr val="accent1"/>
+          </a:fillRef>
+          <a:effectRef idx="0">
+            <a:schemeClr val="accent1"/>
+          </a:effectRef>
+          <a:fontRef idx="minor">
+            <a:schemeClr val="tx1"/>
+          </a:fontRef>
+        </p:style>
+      </p:cxnSp>
+      <p:cxnSp>
+        <p:nvCxnSpPr>
+          <p:cNvPr id="157" name="Connector: Elbow 156">
+            <a:extLst>
+              <a:ext uri="{FF2B5EF4-FFF2-40B4-BE49-F238E27FC236}">
+                <a16:creationId xmlns:a16="http://schemas.microsoft.com/office/drawing/2014/main" id="{E8F963BF-0B6E-4347-8886-6E458B85CF5C}"/>
+              </a:ext>
+            </a:extLst>
+          </p:cNvPr>
+          <p:cNvCxnSpPr>
+            <a:stCxn id="125" idx="2"/>
+            <a:endCxn id="120" idx="3"/>
+          </p:cNvCxnSpPr>
+          <p:nvPr/>
+        </p:nvCxnSpPr>
+        <p:spPr>
+          <a:xfrm rot="5400000" flipH="1" flipV="1">
+            <a:off x="17771031" y="12388946"/>
+            <a:ext cx="1673915" cy="1045029"/>
+          </a:xfrm>
+          <a:prstGeom prst="bentConnector4">
+            <a:avLst>
+              <a:gd name="adj1" fmla="val -26361"/>
+              <a:gd name="adj2" fmla="val 246003"/>
+            </a:avLst>
+          </a:prstGeom>
+          <a:ln w="38100">
+            <a:tailEnd type="triangle"/>
+          </a:ln>
+        </p:spPr>
+        <p:style>
+          <a:lnRef idx="1">
+            <a:schemeClr val="accent1"/>
+          </a:lnRef>
+          <a:fillRef idx="0">
+            <a:schemeClr val="accent1"/>
+          </a:fillRef>
+          <a:effectRef idx="0">
+            <a:schemeClr val="accent1"/>
+          </a:effectRef>
+          <a:fontRef idx="minor">
+            <a:schemeClr val="tx1"/>
+          </a:fontRef>
+        </p:style>
+      </p:cxnSp>
+      <p:cxnSp>
+        <p:nvCxnSpPr>
+          <p:cNvPr id="161" name="Connector: Elbow 160">
+            <a:extLst>
+              <a:ext uri="{FF2B5EF4-FFF2-40B4-BE49-F238E27FC236}">
+                <a16:creationId xmlns:a16="http://schemas.microsoft.com/office/drawing/2014/main" id="{6E87BD5B-36BD-40EB-9013-C4C98D858B6B}"/>
+              </a:ext>
+            </a:extLst>
+          </p:cNvPr>
+          <p:cNvCxnSpPr>
+            <a:stCxn id="120" idx="1"/>
+            <a:endCxn id="76" idx="3"/>
+          </p:cNvCxnSpPr>
+          <p:nvPr/>
+        </p:nvCxnSpPr>
+        <p:spPr>
+          <a:xfrm rot="10800000">
+            <a:off x="12925491" y="12074503"/>
+            <a:ext cx="4114957" cy="1"/>
+          </a:xfrm>
+          <a:prstGeom prst="bentConnector3">
+            <a:avLst/>
+          </a:prstGeom>
+          <a:ln w="38100">
+            <a:solidFill>
+              <a:srgbClr val="FF0000"/>
+            </a:solidFill>
+            <a:prstDash val="lgDashDot"/>
+            <a:tailEnd type="triangle"/>
+          </a:ln>
+        </p:spPr>
+        <p:style>
+          <a:lnRef idx="1">
+            <a:schemeClr val="accent1"/>
+          </a:lnRef>
+          <a:fillRef idx="0">
+            <a:schemeClr val="accent1"/>
+          </a:fillRef>
+          <a:effectRef idx="0">
+            <a:schemeClr val="accent1"/>
+          </a:effectRef>
+          <a:fontRef idx="minor">
+            <a:schemeClr val="tx1"/>
+          </a:fontRef>
+        </p:style>
+      </p:cxnSp>
+      <p:sp>
+        <p:nvSpPr>
+          <p:cNvPr id="164" name="Flowchart: Data 163">
+            <a:extLst>
+              <a:ext uri="{FF2B5EF4-FFF2-40B4-BE49-F238E27FC236}">
+                <a16:creationId xmlns:a16="http://schemas.microsoft.com/office/drawing/2014/main" id="{07C04A08-AF61-4FE8-B1A7-BF1456E96531}"/>
+              </a:ext>
+            </a:extLst>
+          </p:cNvPr>
+          <p:cNvSpPr/>
+          <p:nvPr/>
+        </p:nvSpPr>
+        <p:spPr>
+          <a:xfrm>
+            <a:off x="13074072" y="13129429"/>
+            <a:ext cx="2090057" cy="718457"/>
+          </a:xfrm>
+          <a:prstGeom prst="flowChartInputOutput">
+            <a:avLst/>
+          </a:prstGeom>
+        </p:spPr>
+        <p:style>
+          <a:lnRef idx="2">
+            <a:schemeClr val="accent1">
+              <a:shade val="50000"/>
+            </a:schemeClr>
+          </a:lnRef>
+          <a:fillRef idx="1">
+            <a:schemeClr val="accent1"/>
+          </a:fillRef>
+          <a:effectRef idx="0">
+            <a:schemeClr val="accent1"/>
+          </a:effectRef>
+          <a:fontRef idx="minor">
+            <a:schemeClr val="lt1"/>
+          </a:fontRef>
+        </p:style>
+        <p:txBody>
+          <a:bodyPr rtlCol="0" anchor="ctr"/>
+          <a:lstStyle/>
+          <a:p>
+            <a:pPr algn="ctr"/>
+            <a:r>
+              <a:rPr lang="en-US" dirty="0"/>
+              <a:t>END</a:t>
+            </a:r>
+          </a:p>
+        </p:txBody>
+      </p:sp>
+      <p:cxnSp>
+        <p:nvCxnSpPr>
+          <p:cNvPr id="166" name="Connector: Elbow 165">
+            <a:extLst>
+              <a:ext uri="{FF2B5EF4-FFF2-40B4-BE49-F238E27FC236}">
+                <a16:creationId xmlns:a16="http://schemas.microsoft.com/office/drawing/2014/main" id="{85589DBF-C3EF-4C78-80DE-DDD2A4A17375}"/>
+              </a:ext>
+            </a:extLst>
+          </p:cNvPr>
+          <p:cNvCxnSpPr>
+            <a:stCxn id="120" idx="1"/>
+            <a:endCxn id="164" idx="0"/>
+          </p:cNvCxnSpPr>
+          <p:nvPr/>
+        </p:nvCxnSpPr>
+        <p:spPr>
+          <a:xfrm rot="10800000" flipV="1">
+            <a:off x="14328107" y="12074503"/>
+            <a:ext cx="2712341" cy="1054926"/>
+          </a:xfrm>
+          <a:prstGeom prst="bentConnector2">
+            <a:avLst/>
+          </a:prstGeom>
+          <a:ln w="38100">
+            <a:solidFill>
+              <a:srgbClr val="FF0000"/>
+            </a:solidFill>
+            <a:tailEnd type="triangle"/>
+          </a:ln>
+        </p:spPr>
+        <p:style>
+          <a:lnRef idx="1">
+            <a:schemeClr val="accent1"/>
+          </a:lnRef>
+          <a:fillRef idx="0">
+            <a:schemeClr val="accent1"/>
+          </a:fillRef>
+          <a:effectRef idx="0">
+            <a:schemeClr val="accent1"/>
+          </a:effectRef>
+          <a:fontRef idx="minor">
+            <a:schemeClr val="tx1"/>
+          </a:fontRef>
+        </p:style>
+      </p:cxnSp>
+    </p:spTree>
+    <p:extLst>
+      <p:ext uri="{BB962C8B-B14F-4D97-AF65-F5344CB8AC3E}">
+        <p14:creationId xmlns:p14="http://schemas.microsoft.com/office/powerpoint/2010/main" val="3056836586"/>
       </p:ext>
     </p:extLst>
   </p:cSld>

--- a/Software/Software System Architecture.pptx
+++ b/Software/Software System Architecture.pptx
@@ -10,9 +10,10 @@
     <p:sldId id="260" r:id="rId4"/>
     <p:sldId id="261" r:id="rId5"/>
     <p:sldId id="263" r:id="rId6"/>
-    <p:sldId id="264" r:id="rId7"/>
-    <p:sldId id="257" r:id="rId8"/>
-    <p:sldId id="262" r:id="rId9"/>
+    <p:sldId id="265" r:id="rId7"/>
+    <p:sldId id="264" r:id="rId8"/>
+    <p:sldId id="257" r:id="rId9"/>
+    <p:sldId id="262" r:id="rId10"/>
   </p:sldIdLst>
   <p:sldSz cx="21945600" cy="16459200"/>
   <p:notesSz cx="6858000" cy="9144000"/>
@@ -121,6 +122,7 @@
             <p14:sldId id="260"/>
             <p14:sldId id="261"/>
             <p14:sldId id="263"/>
+            <p14:sldId id="265"/>
             <p14:sldId id="264"/>
             <p14:sldId id="257"/>
             <p14:sldId id="262"/>
@@ -266,7 +268,7 @@
           <a:p>
             <a:fld id="{F62E71A9-A198-4BC2-915B-5C3ABADD511E}" type="datetimeFigureOut">
               <a:rPr lang="en-US" smtClean="0"/>
-              <a:t>10/3/2019</a:t>
+              <a:t>10/9/2019</a:t>
             </a:fld>
             <a:endParaRPr lang="en-US"/>
           </a:p>
@@ -436,7 +438,7 @@
           <a:p>
             <a:fld id="{F62E71A9-A198-4BC2-915B-5C3ABADD511E}" type="datetimeFigureOut">
               <a:rPr lang="en-US" smtClean="0"/>
-              <a:t>10/3/2019</a:t>
+              <a:t>10/9/2019</a:t>
             </a:fld>
             <a:endParaRPr lang="en-US"/>
           </a:p>
@@ -616,7 +618,7 @@
           <a:p>
             <a:fld id="{F62E71A9-A198-4BC2-915B-5C3ABADD511E}" type="datetimeFigureOut">
               <a:rPr lang="en-US" smtClean="0"/>
-              <a:t>10/3/2019</a:t>
+              <a:t>10/9/2019</a:t>
             </a:fld>
             <a:endParaRPr lang="en-US"/>
           </a:p>
@@ -786,7 +788,7 @@
           <a:p>
             <a:fld id="{F62E71A9-A198-4BC2-915B-5C3ABADD511E}" type="datetimeFigureOut">
               <a:rPr lang="en-US" smtClean="0"/>
-              <a:t>10/3/2019</a:t>
+              <a:t>10/9/2019</a:t>
             </a:fld>
             <a:endParaRPr lang="en-US"/>
           </a:p>
@@ -1030,7 +1032,7 @@
           <a:p>
             <a:fld id="{F62E71A9-A198-4BC2-915B-5C3ABADD511E}" type="datetimeFigureOut">
               <a:rPr lang="en-US" smtClean="0"/>
-              <a:t>10/3/2019</a:t>
+              <a:t>10/9/2019</a:t>
             </a:fld>
             <a:endParaRPr lang="en-US"/>
           </a:p>
@@ -1262,7 +1264,7 @@
           <a:p>
             <a:fld id="{F62E71A9-A198-4BC2-915B-5C3ABADD511E}" type="datetimeFigureOut">
               <a:rPr lang="en-US" smtClean="0"/>
-              <a:t>10/3/2019</a:t>
+              <a:t>10/9/2019</a:t>
             </a:fld>
             <a:endParaRPr lang="en-US"/>
           </a:p>
@@ -1629,7 +1631,7 @@
           <a:p>
             <a:fld id="{F62E71A9-A198-4BC2-915B-5C3ABADD511E}" type="datetimeFigureOut">
               <a:rPr lang="en-US" smtClean="0"/>
-              <a:t>10/3/2019</a:t>
+              <a:t>10/9/2019</a:t>
             </a:fld>
             <a:endParaRPr lang="en-US"/>
           </a:p>
@@ -1747,7 +1749,7 @@
           <a:p>
             <a:fld id="{F62E71A9-A198-4BC2-915B-5C3ABADD511E}" type="datetimeFigureOut">
               <a:rPr lang="en-US" smtClean="0"/>
-              <a:t>10/3/2019</a:t>
+              <a:t>10/9/2019</a:t>
             </a:fld>
             <a:endParaRPr lang="en-US"/>
           </a:p>
@@ -1842,7 +1844,7 @@
           <a:p>
             <a:fld id="{F62E71A9-A198-4BC2-915B-5C3ABADD511E}" type="datetimeFigureOut">
               <a:rPr lang="en-US" smtClean="0"/>
-              <a:t>10/3/2019</a:t>
+              <a:t>10/9/2019</a:t>
             </a:fld>
             <a:endParaRPr lang="en-US"/>
           </a:p>
@@ -2119,7 +2121,7 @@
           <a:p>
             <a:fld id="{F62E71A9-A198-4BC2-915B-5C3ABADD511E}" type="datetimeFigureOut">
               <a:rPr lang="en-US" smtClean="0"/>
-              <a:t>10/3/2019</a:t>
+              <a:t>10/9/2019</a:t>
             </a:fld>
             <a:endParaRPr lang="en-US"/>
           </a:p>
@@ -2376,7 +2378,7 @@
           <a:p>
             <a:fld id="{F62E71A9-A198-4BC2-915B-5C3ABADD511E}" type="datetimeFigureOut">
               <a:rPr lang="en-US" smtClean="0"/>
-              <a:t>10/3/2019</a:t>
+              <a:t>10/9/2019</a:t>
             </a:fld>
             <a:endParaRPr lang="en-US"/>
           </a:p>
@@ -2589,7 +2591,7 @@
           <a:p>
             <a:fld id="{F62E71A9-A198-4BC2-915B-5C3ABADD511E}" type="datetimeFigureOut">
               <a:rPr lang="en-US" smtClean="0"/>
-              <a:t>10/3/2019</a:t>
+              <a:t>10/9/2019</a:t>
             </a:fld>
             <a:endParaRPr lang="en-US"/>
           </a:p>
@@ -13879,36 +13881,703 @@
       </p:grpSpPr>
       <p:sp>
         <p:nvSpPr>
-          <p:cNvPr id="6" name="Title 5">
-            <a:extLst>
-              <a:ext uri="{FF2B5EF4-FFF2-40B4-BE49-F238E27FC236}">
-                <a16:creationId xmlns:a16="http://schemas.microsoft.com/office/drawing/2014/main" id="{C2A4A3CC-D7EC-417E-B6B0-17828F675749}"/>
-              </a:ext>
-            </a:extLst>
-          </p:cNvPr>
-          <p:cNvSpPr>
-            <a:spLocks noGrp="1"/>
-          </p:cNvSpPr>
-          <p:nvPr>
-            <p:ph type="ctrTitle"/>
-          </p:nvPr>
-        </p:nvSpPr>
-        <p:spPr/>
-        <p:txBody>
-          <a:bodyPr/>
+          <p:cNvPr id="4" name="Rectangle 3">
+            <a:extLst>
+              <a:ext uri="{FF2B5EF4-FFF2-40B4-BE49-F238E27FC236}">
+                <a16:creationId xmlns:a16="http://schemas.microsoft.com/office/drawing/2014/main" id="{8910DB94-51C4-4E2D-9439-C606660827E0}"/>
+              </a:ext>
+            </a:extLst>
+          </p:cNvPr>
+          <p:cNvSpPr/>
+          <p:nvPr/>
+        </p:nvSpPr>
+        <p:spPr>
+          <a:xfrm>
+            <a:off x="956929" y="3476843"/>
+            <a:ext cx="6719777" cy="10866474"/>
+          </a:xfrm>
+          <a:prstGeom prst="rect">
+            <a:avLst/>
+          </a:prstGeom>
+          <a:solidFill>
+            <a:srgbClr val="8C3FC5">
+              <a:alpha val="70000"/>
+            </a:srgbClr>
+          </a:solidFill>
+          <a:ln>
+            <a:solidFill>
+              <a:schemeClr val="tx1"/>
+            </a:solidFill>
+          </a:ln>
+        </p:spPr>
+        <p:style>
+          <a:lnRef idx="2">
+            <a:schemeClr val="accent1">
+              <a:shade val="50000"/>
+            </a:schemeClr>
+          </a:lnRef>
+          <a:fillRef idx="1">
+            <a:schemeClr val="accent1"/>
+          </a:fillRef>
+          <a:effectRef idx="0">
+            <a:schemeClr val="accent1"/>
+          </a:effectRef>
+          <a:fontRef idx="minor">
+            <a:schemeClr val="lt1"/>
+          </a:fontRef>
+        </p:style>
+        <p:txBody>
+          <a:bodyPr rtlCol="0" anchor="ctr"/>
           <a:lstStyle/>
           <a:p>
-            <a:r>
-              <a:rPr lang="en-US" dirty="0"/>
-              <a:t>Old Slides</a:t>
-            </a:r>
-          </a:p>
-        </p:txBody>
-      </p:sp>
+            <a:pPr algn="ctr"/>
+            <a:endParaRPr lang="en-US"/>
+          </a:p>
+        </p:txBody>
+      </p:sp>
+      <p:sp>
+        <p:nvSpPr>
+          <p:cNvPr id="6" name="Rectangle 5">
+            <a:extLst>
+              <a:ext uri="{FF2B5EF4-FFF2-40B4-BE49-F238E27FC236}">
+                <a16:creationId xmlns:a16="http://schemas.microsoft.com/office/drawing/2014/main" id="{3DB47140-473A-4185-BE9C-3C207373B7FA}"/>
+              </a:ext>
+            </a:extLst>
+          </p:cNvPr>
+          <p:cNvSpPr/>
+          <p:nvPr/>
+        </p:nvSpPr>
+        <p:spPr>
+          <a:xfrm>
+            <a:off x="12408198" y="2434851"/>
+            <a:ext cx="8580473" cy="4561367"/>
+          </a:xfrm>
+          <a:prstGeom prst="rect">
+            <a:avLst/>
+          </a:prstGeom>
+          <a:solidFill>
+            <a:schemeClr val="accent1">
+              <a:alpha val="70000"/>
+            </a:schemeClr>
+          </a:solidFill>
+          <a:ln>
+            <a:solidFill>
+              <a:schemeClr val="tx1"/>
+            </a:solidFill>
+          </a:ln>
+        </p:spPr>
+        <p:style>
+          <a:lnRef idx="2">
+            <a:schemeClr val="accent1">
+              <a:shade val="50000"/>
+            </a:schemeClr>
+          </a:lnRef>
+          <a:fillRef idx="1">
+            <a:schemeClr val="accent1"/>
+          </a:fillRef>
+          <a:effectRef idx="0">
+            <a:schemeClr val="accent1"/>
+          </a:effectRef>
+          <a:fontRef idx="minor">
+            <a:schemeClr val="lt1"/>
+          </a:fontRef>
+        </p:style>
+        <p:txBody>
+          <a:bodyPr rtlCol="0" anchor="ctr"/>
+          <a:lstStyle/>
+          <a:p>
+            <a:pPr algn="ctr"/>
+            <a:endParaRPr lang="en-US"/>
+          </a:p>
+        </p:txBody>
+      </p:sp>
+      <p:sp>
+        <p:nvSpPr>
+          <p:cNvPr id="8" name="Rectangle 7">
+            <a:extLst>
+              <a:ext uri="{FF2B5EF4-FFF2-40B4-BE49-F238E27FC236}">
+                <a16:creationId xmlns:a16="http://schemas.microsoft.com/office/drawing/2014/main" id="{637DDEC4-2CC9-4E1C-A425-BA25E049A878}"/>
+              </a:ext>
+            </a:extLst>
+          </p:cNvPr>
+          <p:cNvSpPr/>
+          <p:nvPr/>
+        </p:nvSpPr>
+        <p:spPr>
+          <a:xfrm>
+            <a:off x="12408198" y="10823940"/>
+            <a:ext cx="8580473" cy="4561367"/>
+          </a:xfrm>
+          <a:prstGeom prst="rect">
+            <a:avLst/>
+          </a:prstGeom>
+          <a:solidFill>
+            <a:schemeClr val="accent1">
+              <a:alpha val="70000"/>
+            </a:schemeClr>
+          </a:solidFill>
+          <a:ln>
+            <a:solidFill>
+              <a:schemeClr val="tx1"/>
+            </a:solidFill>
+          </a:ln>
+        </p:spPr>
+        <p:style>
+          <a:lnRef idx="2">
+            <a:schemeClr val="accent1">
+              <a:shade val="50000"/>
+            </a:schemeClr>
+          </a:lnRef>
+          <a:fillRef idx="1">
+            <a:schemeClr val="accent1"/>
+          </a:fillRef>
+          <a:effectRef idx="0">
+            <a:schemeClr val="accent1"/>
+          </a:effectRef>
+          <a:fontRef idx="minor">
+            <a:schemeClr val="lt1"/>
+          </a:fontRef>
+        </p:style>
+        <p:txBody>
+          <a:bodyPr rtlCol="0" anchor="ctr"/>
+          <a:lstStyle/>
+          <a:p>
+            <a:pPr algn="ctr"/>
+            <a:endParaRPr lang="en-US"/>
+          </a:p>
+        </p:txBody>
+      </p:sp>
+      <p:sp>
+        <p:nvSpPr>
+          <p:cNvPr id="9" name="TextBox 8">
+            <a:extLst>
+              <a:ext uri="{FF2B5EF4-FFF2-40B4-BE49-F238E27FC236}">
+                <a16:creationId xmlns:a16="http://schemas.microsoft.com/office/drawing/2014/main" id="{9B0F0A09-CF79-4424-A0D1-FA594ACFB99A}"/>
+              </a:ext>
+            </a:extLst>
+          </p:cNvPr>
+          <p:cNvSpPr txBox="1"/>
+          <p:nvPr/>
+        </p:nvSpPr>
+        <p:spPr>
+          <a:xfrm>
+            <a:off x="2583710" y="8402248"/>
+            <a:ext cx="3466214" cy="1015663"/>
+          </a:xfrm>
+          <a:prstGeom prst="rect">
+            <a:avLst/>
+          </a:prstGeom>
+          <a:noFill/>
+        </p:spPr>
+        <p:txBody>
+          <a:bodyPr wrap="square" rtlCol="0" anchor="ctr">
+            <a:spAutoFit/>
+          </a:bodyPr>
+          <a:lstStyle/>
+          <a:p>
+            <a:pPr algn="ctr"/>
+            <a:r>
+              <a:rPr lang="en-US" sz="6000" dirty="0"/>
+              <a:t>2</a:t>
+            </a:r>
+          </a:p>
+        </p:txBody>
+      </p:sp>
+      <p:sp>
+        <p:nvSpPr>
+          <p:cNvPr id="10" name="TextBox 9">
+            <a:extLst>
+              <a:ext uri="{FF2B5EF4-FFF2-40B4-BE49-F238E27FC236}">
+                <a16:creationId xmlns:a16="http://schemas.microsoft.com/office/drawing/2014/main" id="{801EACFF-5F90-4B44-9B82-C12BB0637345}"/>
+              </a:ext>
+            </a:extLst>
+          </p:cNvPr>
+          <p:cNvSpPr txBox="1"/>
+          <p:nvPr/>
+        </p:nvSpPr>
+        <p:spPr>
+          <a:xfrm>
+            <a:off x="914400" y="340242"/>
+            <a:ext cx="19436316" cy="1246495"/>
+          </a:xfrm>
+          <a:prstGeom prst="rect">
+            <a:avLst/>
+          </a:prstGeom>
+          <a:noFill/>
+        </p:spPr>
+        <p:txBody>
+          <a:bodyPr wrap="square" rtlCol="0">
+            <a:spAutoFit/>
+          </a:bodyPr>
+          <a:lstStyle/>
+          <a:p>
+            <a:r>
+              <a:rPr lang="en-US" sz="7500" dirty="0"/>
+              <a:t>Cage Numbering System</a:t>
+            </a:r>
+          </a:p>
+        </p:txBody>
+      </p:sp>
+      <p:sp>
+        <p:nvSpPr>
+          <p:cNvPr id="5" name="Rectangle 4">
+            <a:extLst>
+              <a:ext uri="{FF2B5EF4-FFF2-40B4-BE49-F238E27FC236}">
+                <a16:creationId xmlns:a16="http://schemas.microsoft.com/office/drawing/2014/main" id="{81EB1DD9-6AA8-48B1-8D5C-7CDADEF35BE4}"/>
+              </a:ext>
+            </a:extLst>
+          </p:cNvPr>
+          <p:cNvSpPr/>
+          <p:nvPr/>
+        </p:nvSpPr>
+        <p:spPr>
+          <a:xfrm>
+            <a:off x="8173779" y="3476843"/>
+            <a:ext cx="3721396" cy="2477386"/>
+          </a:xfrm>
+          <a:prstGeom prst="rect">
+            <a:avLst/>
+          </a:prstGeom>
+          <a:solidFill>
+            <a:srgbClr val="00B050">
+              <a:alpha val="60000"/>
+            </a:srgbClr>
+          </a:solidFill>
+          <a:ln>
+            <a:solidFill>
+              <a:schemeClr val="tx1"/>
+            </a:solidFill>
+          </a:ln>
+        </p:spPr>
+        <p:style>
+          <a:lnRef idx="2">
+            <a:schemeClr val="accent1">
+              <a:shade val="50000"/>
+            </a:schemeClr>
+          </a:lnRef>
+          <a:fillRef idx="1">
+            <a:schemeClr val="accent1"/>
+          </a:fillRef>
+          <a:effectRef idx="0">
+            <a:schemeClr val="accent1"/>
+          </a:effectRef>
+          <a:fontRef idx="minor">
+            <a:schemeClr val="lt1"/>
+          </a:fontRef>
+        </p:style>
+        <p:txBody>
+          <a:bodyPr rtlCol="0" anchor="ctr"/>
+          <a:lstStyle/>
+          <a:p>
+            <a:pPr algn="ctr"/>
+            <a:endParaRPr lang="en-US"/>
+          </a:p>
+        </p:txBody>
+      </p:sp>
+      <p:sp>
+        <p:nvSpPr>
+          <p:cNvPr id="11" name="Rectangle: Rounded Corners 10">
+            <a:extLst>
+              <a:ext uri="{FF2B5EF4-FFF2-40B4-BE49-F238E27FC236}">
+                <a16:creationId xmlns:a16="http://schemas.microsoft.com/office/drawing/2014/main" id="{3E867CB7-5363-460A-ABD7-BCEE77DF9B07}"/>
+              </a:ext>
+            </a:extLst>
+          </p:cNvPr>
+          <p:cNvSpPr/>
+          <p:nvPr/>
+        </p:nvSpPr>
+        <p:spPr>
+          <a:xfrm>
+            <a:off x="8460863" y="4040372"/>
+            <a:ext cx="1446028" cy="1339702"/>
+          </a:xfrm>
+          <a:prstGeom prst="roundRect">
+            <a:avLst/>
+          </a:prstGeom>
+        </p:spPr>
+        <p:style>
+          <a:lnRef idx="2">
+            <a:schemeClr val="accent1">
+              <a:shade val="50000"/>
+            </a:schemeClr>
+          </a:lnRef>
+          <a:fillRef idx="1">
+            <a:schemeClr val="accent1"/>
+          </a:fillRef>
+          <a:effectRef idx="0">
+            <a:schemeClr val="accent1"/>
+          </a:effectRef>
+          <a:fontRef idx="minor">
+            <a:schemeClr val="lt1"/>
+          </a:fontRef>
+        </p:style>
+        <p:txBody>
+          <a:bodyPr rtlCol="0" anchor="ctr"/>
+          <a:lstStyle/>
+          <a:p>
+            <a:pPr algn="ctr"/>
+            <a:endParaRPr lang="en-US"/>
+          </a:p>
+        </p:txBody>
+      </p:sp>
+      <p:sp>
+        <p:nvSpPr>
+          <p:cNvPr id="12" name="Rectangle: Rounded Corners 11">
+            <a:extLst>
+              <a:ext uri="{FF2B5EF4-FFF2-40B4-BE49-F238E27FC236}">
+                <a16:creationId xmlns:a16="http://schemas.microsoft.com/office/drawing/2014/main" id="{1CD38AF0-E348-4EDF-A661-16C75EF23E52}"/>
+              </a:ext>
+            </a:extLst>
+          </p:cNvPr>
+          <p:cNvSpPr/>
+          <p:nvPr/>
+        </p:nvSpPr>
+        <p:spPr>
+          <a:xfrm>
+            <a:off x="10162063" y="4040372"/>
+            <a:ext cx="1446028" cy="1339702"/>
+          </a:xfrm>
+          <a:prstGeom prst="roundRect">
+            <a:avLst/>
+          </a:prstGeom>
+        </p:spPr>
+        <p:style>
+          <a:lnRef idx="2">
+            <a:schemeClr val="accent1">
+              <a:shade val="50000"/>
+            </a:schemeClr>
+          </a:lnRef>
+          <a:fillRef idx="1">
+            <a:schemeClr val="accent1"/>
+          </a:fillRef>
+          <a:effectRef idx="0">
+            <a:schemeClr val="accent1"/>
+          </a:effectRef>
+          <a:fontRef idx="minor">
+            <a:schemeClr val="lt1"/>
+          </a:fontRef>
+        </p:style>
+        <p:txBody>
+          <a:bodyPr rtlCol="0" anchor="ctr"/>
+          <a:lstStyle/>
+          <a:p>
+            <a:pPr algn="ctr"/>
+            <a:endParaRPr lang="en-US"/>
+          </a:p>
+        </p:txBody>
+      </p:sp>
+      <p:sp>
+        <p:nvSpPr>
+          <p:cNvPr id="15" name="Rectangle 14">
+            <a:extLst>
+              <a:ext uri="{FF2B5EF4-FFF2-40B4-BE49-F238E27FC236}">
+                <a16:creationId xmlns:a16="http://schemas.microsoft.com/office/drawing/2014/main" id="{77C5604E-A125-4ECF-A7A8-BFD615253946}"/>
+              </a:ext>
+            </a:extLst>
+          </p:cNvPr>
+          <p:cNvSpPr/>
+          <p:nvPr/>
+        </p:nvSpPr>
+        <p:spPr>
+          <a:xfrm>
+            <a:off x="8173779" y="11865930"/>
+            <a:ext cx="3721396" cy="2477386"/>
+          </a:xfrm>
+          <a:prstGeom prst="rect">
+            <a:avLst/>
+          </a:prstGeom>
+          <a:solidFill>
+            <a:srgbClr val="00B050">
+              <a:alpha val="60000"/>
+            </a:srgbClr>
+          </a:solidFill>
+          <a:ln>
+            <a:solidFill>
+              <a:schemeClr val="tx1"/>
+            </a:solidFill>
+          </a:ln>
+        </p:spPr>
+        <p:style>
+          <a:lnRef idx="2">
+            <a:schemeClr val="accent1">
+              <a:shade val="50000"/>
+            </a:schemeClr>
+          </a:lnRef>
+          <a:fillRef idx="1">
+            <a:schemeClr val="accent1"/>
+          </a:fillRef>
+          <a:effectRef idx="0">
+            <a:schemeClr val="accent1"/>
+          </a:effectRef>
+          <a:fontRef idx="minor">
+            <a:schemeClr val="lt1"/>
+          </a:fontRef>
+        </p:style>
+        <p:txBody>
+          <a:bodyPr rtlCol="0" anchor="ctr"/>
+          <a:lstStyle/>
+          <a:p>
+            <a:pPr algn="ctr"/>
+            <a:endParaRPr lang="en-US"/>
+          </a:p>
+        </p:txBody>
+      </p:sp>
+      <p:sp>
+        <p:nvSpPr>
+          <p:cNvPr id="16" name="Rectangle: Rounded Corners 15">
+            <a:extLst>
+              <a:ext uri="{FF2B5EF4-FFF2-40B4-BE49-F238E27FC236}">
+                <a16:creationId xmlns:a16="http://schemas.microsoft.com/office/drawing/2014/main" id="{EE246863-D9FF-4557-BDD8-3E4A716169B0}"/>
+              </a:ext>
+            </a:extLst>
+          </p:cNvPr>
+          <p:cNvSpPr/>
+          <p:nvPr/>
+        </p:nvSpPr>
+        <p:spPr>
+          <a:xfrm>
+            <a:off x="8460863" y="12429459"/>
+            <a:ext cx="1446028" cy="1339702"/>
+          </a:xfrm>
+          <a:prstGeom prst="roundRect">
+            <a:avLst/>
+          </a:prstGeom>
+        </p:spPr>
+        <p:style>
+          <a:lnRef idx="2">
+            <a:schemeClr val="accent1">
+              <a:shade val="50000"/>
+            </a:schemeClr>
+          </a:lnRef>
+          <a:fillRef idx="1">
+            <a:schemeClr val="accent1"/>
+          </a:fillRef>
+          <a:effectRef idx="0">
+            <a:schemeClr val="accent1"/>
+          </a:effectRef>
+          <a:fontRef idx="minor">
+            <a:schemeClr val="lt1"/>
+          </a:fontRef>
+        </p:style>
+        <p:txBody>
+          <a:bodyPr rtlCol="0" anchor="ctr"/>
+          <a:lstStyle/>
+          <a:p>
+            <a:pPr algn="ctr"/>
+            <a:endParaRPr lang="en-US"/>
+          </a:p>
+        </p:txBody>
+      </p:sp>
+      <p:sp>
+        <p:nvSpPr>
+          <p:cNvPr id="17" name="Rectangle: Rounded Corners 16">
+            <a:extLst>
+              <a:ext uri="{FF2B5EF4-FFF2-40B4-BE49-F238E27FC236}">
+                <a16:creationId xmlns:a16="http://schemas.microsoft.com/office/drawing/2014/main" id="{DC0C7F3D-5A90-4A8B-B95A-A50246170CB7}"/>
+              </a:ext>
+            </a:extLst>
+          </p:cNvPr>
+          <p:cNvSpPr/>
+          <p:nvPr/>
+        </p:nvSpPr>
+        <p:spPr>
+          <a:xfrm>
+            <a:off x="10162063" y="12429459"/>
+            <a:ext cx="1446028" cy="1339702"/>
+          </a:xfrm>
+          <a:prstGeom prst="roundRect">
+            <a:avLst/>
+          </a:prstGeom>
+        </p:spPr>
+        <p:style>
+          <a:lnRef idx="2">
+            <a:schemeClr val="accent1">
+              <a:shade val="50000"/>
+            </a:schemeClr>
+          </a:lnRef>
+          <a:fillRef idx="1">
+            <a:schemeClr val="accent1"/>
+          </a:fillRef>
+          <a:effectRef idx="0">
+            <a:schemeClr val="accent1"/>
+          </a:effectRef>
+          <a:fontRef idx="minor">
+            <a:schemeClr val="lt1"/>
+          </a:fontRef>
+        </p:style>
+        <p:txBody>
+          <a:bodyPr rtlCol="0" anchor="ctr"/>
+          <a:lstStyle/>
+          <a:p>
+            <a:pPr algn="ctr"/>
+            <a:endParaRPr lang="en-US"/>
+          </a:p>
+        </p:txBody>
+      </p:sp>
+      <p:cxnSp>
+        <p:nvCxnSpPr>
+          <p:cNvPr id="19" name="Straight Arrow Connector 18">
+            <a:extLst>
+              <a:ext uri="{FF2B5EF4-FFF2-40B4-BE49-F238E27FC236}">
+                <a16:creationId xmlns:a16="http://schemas.microsoft.com/office/drawing/2014/main" id="{71C8EE71-E105-4B1D-B7C3-BDA38CB328AE}"/>
+              </a:ext>
+            </a:extLst>
+          </p:cNvPr>
+          <p:cNvCxnSpPr>
+            <a:cxnSpLocks/>
+          </p:cNvCxnSpPr>
+          <p:nvPr/>
+        </p:nvCxnSpPr>
+        <p:spPr>
+          <a:xfrm flipH="1">
+            <a:off x="8173779" y="3104707"/>
+            <a:ext cx="3721396" cy="0"/>
+          </a:xfrm>
+          <a:prstGeom prst="straightConnector1">
+            <a:avLst/>
+          </a:prstGeom>
+          <a:ln w="63500">
+            <a:tailEnd type="triangle"/>
+          </a:ln>
+        </p:spPr>
+        <p:style>
+          <a:lnRef idx="1">
+            <a:schemeClr val="accent1"/>
+          </a:lnRef>
+          <a:fillRef idx="0">
+            <a:schemeClr val="accent1"/>
+          </a:fillRef>
+          <a:effectRef idx="0">
+            <a:schemeClr val="accent1"/>
+          </a:effectRef>
+          <a:fontRef idx="minor">
+            <a:schemeClr val="tx1"/>
+          </a:fontRef>
+        </p:style>
+      </p:cxnSp>
+      <p:cxnSp>
+        <p:nvCxnSpPr>
+          <p:cNvPr id="21" name="Straight Arrow Connector 20">
+            <a:extLst>
+              <a:ext uri="{FF2B5EF4-FFF2-40B4-BE49-F238E27FC236}">
+                <a16:creationId xmlns:a16="http://schemas.microsoft.com/office/drawing/2014/main" id="{CC1C2E4A-FE6E-4EB0-A02B-60F0CAE7988C}"/>
+              </a:ext>
+            </a:extLst>
+          </p:cNvPr>
+          <p:cNvCxnSpPr>
+            <a:cxnSpLocks/>
+          </p:cNvCxnSpPr>
+          <p:nvPr/>
+        </p:nvCxnSpPr>
+        <p:spPr>
+          <a:xfrm flipH="1">
+            <a:off x="8173779" y="11461897"/>
+            <a:ext cx="3721396" cy="0"/>
+          </a:xfrm>
+          <a:prstGeom prst="straightConnector1">
+            <a:avLst/>
+          </a:prstGeom>
+          <a:ln w="63500">
+            <a:tailEnd type="triangle"/>
+          </a:ln>
+        </p:spPr>
+        <p:style>
+          <a:lnRef idx="1">
+            <a:schemeClr val="accent1"/>
+          </a:lnRef>
+          <a:fillRef idx="0">
+            <a:schemeClr val="accent1"/>
+          </a:fillRef>
+          <a:effectRef idx="0">
+            <a:schemeClr val="accent1"/>
+          </a:effectRef>
+          <a:fontRef idx="minor">
+            <a:schemeClr val="tx1"/>
+          </a:fontRef>
+        </p:style>
+      </p:cxnSp>
+      <p:cxnSp>
+        <p:nvCxnSpPr>
+          <p:cNvPr id="23" name="Straight Arrow Connector 22">
+            <a:extLst>
+              <a:ext uri="{FF2B5EF4-FFF2-40B4-BE49-F238E27FC236}">
+                <a16:creationId xmlns:a16="http://schemas.microsoft.com/office/drawing/2014/main" id="{0D0FC1C7-B2F7-44A7-848E-5F1E94D236B7}"/>
+              </a:ext>
+            </a:extLst>
+          </p:cNvPr>
+          <p:cNvCxnSpPr/>
+          <p:nvPr/>
+        </p:nvCxnSpPr>
+        <p:spPr>
+          <a:xfrm>
+            <a:off x="8173779" y="6337005"/>
+            <a:ext cx="3721396" cy="0"/>
+          </a:xfrm>
+          <a:prstGeom prst="straightConnector1">
+            <a:avLst/>
+          </a:prstGeom>
+          <a:ln w="63500">
+            <a:tailEnd type="triangle"/>
+          </a:ln>
+        </p:spPr>
+        <p:style>
+          <a:lnRef idx="1">
+            <a:schemeClr val="accent1"/>
+          </a:lnRef>
+          <a:fillRef idx="0">
+            <a:schemeClr val="accent1"/>
+          </a:fillRef>
+          <a:effectRef idx="0">
+            <a:schemeClr val="accent1"/>
+          </a:effectRef>
+          <a:fontRef idx="minor">
+            <a:schemeClr val="tx1"/>
+          </a:fontRef>
+        </p:style>
+      </p:cxnSp>
+      <p:cxnSp>
+        <p:nvCxnSpPr>
+          <p:cNvPr id="24" name="Straight Arrow Connector 23">
+            <a:extLst>
+              <a:ext uri="{FF2B5EF4-FFF2-40B4-BE49-F238E27FC236}">
+                <a16:creationId xmlns:a16="http://schemas.microsoft.com/office/drawing/2014/main" id="{4C655B81-5D75-46E3-AAED-E4A3B03AF8DE}"/>
+              </a:ext>
+            </a:extLst>
+          </p:cNvPr>
+          <p:cNvCxnSpPr/>
+          <p:nvPr/>
+        </p:nvCxnSpPr>
+        <p:spPr>
+          <a:xfrm>
+            <a:off x="8173779" y="14694196"/>
+            <a:ext cx="3721396" cy="0"/>
+          </a:xfrm>
+          <a:prstGeom prst="straightConnector1">
+            <a:avLst/>
+          </a:prstGeom>
+          <a:ln w="63500">
+            <a:tailEnd type="triangle"/>
+          </a:ln>
+        </p:spPr>
+        <p:style>
+          <a:lnRef idx="1">
+            <a:schemeClr val="accent1"/>
+          </a:lnRef>
+          <a:fillRef idx="0">
+            <a:schemeClr val="accent1"/>
+          </a:fillRef>
+          <a:effectRef idx="0">
+            <a:schemeClr val="accent1"/>
+          </a:effectRef>
+          <a:fontRef idx="minor">
+            <a:schemeClr val="tx1"/>
+          </a:fontRef>
+        </p:style>
+      </p:cxnSp>
     </p:spTree>
     <p:extLst>
       <p:ext uri="{BB962C8B-B14F-4D97-AF65-F5344CB8AC3E}">
-        <p14:creationId xmlns:p14="http://schemas.microsoft.com/office/powerpoint/2010/main" val="799690724"/>
+        <p14:creationId xmlns:p14="http://schemas.microsoft.com/office/powerpoint/2010/main" val="2988699478"/>
       </p:ext>
     </p:extLst>
   </p:cSld>
@@ -13937,6 +14606,64 @@
       </p:grpSpPr>
       <p:sp>
         <p:nvSpPr>
+          <p:cNvPr id="6" name="Title 5">
+            <a:extLst>
+              <a:ext uri="{FF2B5EF4-FFF2-40B4-BE49-F238E27FC236}">
+                <a16:creationId xmlns:a16="http://schemas.microsoft.com/office/drawing/2014/main" id="{C2A4A3CC-D7EC-417E-B6B0-17828F675749}"/>
+              </a:ext>
+            </a:extLst>
+          </p:cNvPr>
+          <p:cNvSpPr>
+            <a:spLocks noGrp="1"/>
+          </p:cNvSpPr>
+          <p:nvPr>
+            <p:ph type="ctrTitle"/>
+          </p:nvPr>
+        </p:nvSpPr>
+        <p:spPr/>
+        <p:txBody>
+          <a:bodyPr/>
+          <a:lstStyle/>
+          <a:p>
+            <a:r>
+              <a:rPr lang="en-US" dirty="0"/>
+              <a:t>Old Slides</a:t>
+            </a:r>
+          </a:p>
+        </p:txBody>
+      </p:sp>
+    </p:spTree>
+    <p:extLst>
+      <p:ext uri="{BB962C8B-B14F-4D97-AF65-F5344CB8AC3E}">
+        <p14:creationId xmlns:p14="http://schemas.microsoft.com/office/powerpoint/2010/main" val="799690724"/>
+      </p:ext>
+    </p:extLst>
+  </p:cSld>
+  <p:clrMapOvr>
+    <a:masterClrMapping/>
+  </p:clrMapOvr>
+</p:sld>
+</file>
+
+<file path=ppt/slides/slide8.xml><?xml version="1.0" encoding="utf-8"?>
+<p:sld xmlns:a="http://schemas.openxmlformats.org/drawingml/2006/main" xmlns:r="http://schemas.openxmlformats.org/officeDocument/2006/relationships" xmlns:p="http://schemas.openxmlformats.org/presentationml/2006/main">
+  <p:cSld>
+    <p:spTree>
+      <p:nvGrpSpPr>
+        <p:cNvPr id="1" name=""/>
+        <p:cNvGrpSpPr/>
+        <p:nvPr/>
+      </p:nvGrpSpPr>
+      <p:grpSpPr>
+        <a:xfrm>
+          <a:off x="0" y="0"/>
+          <a:ext cx="0" cy="0"/>
+          <a:chOff x="0" y="0"/>
+          <a:chExt cx="0" cy="0"/>
+        </a:xfrm>
+      </p:grpSpPr>
+      <p:sp>
+        <p:nvSpPr>
           <p:cNvPr id="4" name="Flowchart: Decision 3">
             <a:extLst>
               <a:ext uri="{FF2B5EF4-FFF2-40B4-BE49-F238E27FC236}">
@@ -14178,7 +14905,7 @@
 </p:sld>
 </file>
 
-<file path=ppt/slides/slide8.xml><?xml version="1.0" encoding="utf-8"?>
+<file path=ppt/slides/slide9.xml><?xml version="1.0" encoding="utf-8"?>
 <p:sld xmlns:a="http://schemas.openxmlformats.org/drawingml/2006/main" xmlns:r="http://schemas.openxmlformats.org/officeDocument/2006/relationships" xmlns:p="http://schemas.openxmlformats.org/presentationml/2006/main">
   <p:cSld>
     <p:spTree>

--- a/Software/Software System Architecture.pptx
+++ b/Software/Software System Architecture.pptx
@@ -268,7 +268,7 @@
           <a:p>
             <a:fld id="{F62E71A9-A198-4BC2-915B-5C3ABADD511E}" type="datetimeFigureOut">
               <a:rPr lang="en-US" smtClean="0"/>
-              <a:t>10/9/2019</a:t>
+              <a:t>10/10/2019</a:t>
             </a:fld>
             <a:endParaRPr lang="en-US"/>
           </a:p>
@@ -438,7 +438,7 @@
           <a:p>
             <a:fld id="{F62E71A9-A198-4BC2-915B-5C3ABADD511E}" type="datetimeFigureOut">
               <a:rPr lang="en-US" smtClean="0"/>
-              <a:t>10/9/2019</a:t>
+              <a:t>10/10/2019</a:t>
             </a:fld>
             <a:endParaRPr lang="en-US"/>
           </a:p>
@@ -618,7 +618,7 @@
           <a:p>
             <a:fld id="{F62E71A9-A198-4BC2-915B-5C3ABADD511E}" type="datetimeFigureOut">
               <a:rPr lang="en-US" smtClean="0"/>
-              <a:t>10/9/2019</a:t>
+              <a:t>10/10/2019</a:t>
             </a:fld>
             <a:endParaRPr lang="en-US"/>
           </a:p>
@@ -788,7 +788,7 @@
           <a:p>
             <a:fld id="{F62E71A9-A198-4BC2-915B-5C3ABADD511E}" type="datetimeFigureOut">
               <a:rPr lang="en-US" smtClean="0"/>
-              <a:t>10/9/2019</a:t>
+              <a:t>10/10/2019</a:t>
             </a:fld>
             <a:endParaRPr lang="en-US"/>
           </a:p>
@@ -1032,7 +1032,7 @@
           <a:p>
             <a:fld id="{F62E71A9-A198-4BC2-915B-5C3ABADD511E}" type="datetimeFigureOut">
               <a:rPr lang="en-US" smtClean="0"/>
-              <a:t>10/9/2019</a:t>
+              <a:t>10/10/2019</a:t>
             </a:fld>
             <a:endParaRPr lang="en-US"/>
           </a:p>
@@ -1264,7 +1264,7 @@
           <a:p>
             <a:fld id="{F62E71A9-A198-4BC2-915B-5C3ABADD511E}" type="datetimeFigureOut">
               <a:rPr lang="en-US" smtClean="0"/>
-              <a:t>10/9/2019</a:t>
+              <a:t>10/10/2019</a:t>
             </a:fld>
             <a:endParaRPr lang="en-US"/>
           </a:p>
@@ -1631,7 +1631,7 @@
           <a:p>
             <a:fld id="{F62E71A9-A198-4BC2-915B-5C3ABADD511E}" type="datetimeFigureOut">
               <a:rPr lang="en-US" smtClean="0"/>
-              <a:t>10/9/2019</a:t>
+              <a:t>10/10/2019</a:t>
             </a:fld>
             <a:endParaRPr lang="en-US"/>
           </a:p>
@@ -1749,7 +1749,7 @@
           <a:p>
             <a:fld id="{F62E71A9-A198-4BC2-915B-5C3ABADD511E}" type="datetimeFigureOut">
               <a:rPr lang="en-US" smtClean="0"/>
-              <a:t>10/9/2019</a:t>
+              <a:t>10/10/2019</a:t>
             </a:fld>
             <a:endParaRPr lang="en-US"/>
           </a:p>
@@ -1844,7 +1844,7 @@
           <a:p>
             <a:fld id="{F62E71A9-A198-4BC2-915B-5C3ABADD511E}" type="datetimeFigureOut">
               <a:rPr lang="en-US" smtClean="0"/>
-              <a:t>10/9/2019</a:t>
+              <a:t>10/10/2019</a:t>
             </a:fld>
             <a:endParaRPr lang="en-US"/>
           </a:p>
@@ -2121,7 +2121,7 @@
           <a:p>
             <a:fld id="{F62E71A9-A198-4BC2-915B-5C3ABADD511E}" type="datetimeFigureOut">
               <a:rPr lang="en-US" smtClean="0"/>
-              <a:t>10/9/2019</a:t>
+              <a:t>10/10/2019</a:t>
             </a:fld>
             <a:endParaRPr lang="en-US"/>
           </a:p>
@@ -2378,7 +2378,7 @@
           <a:p>
             <a:fld id="{F62E71A9-A198-4BC2-915B-5C3ABADD511E}" type="datetimeFigureOut">
               <a:rPr lang="en-US" smtClean="0"/>
-              <a:t>10/9/2019</a:t>
+              <a:t>10/10/2019</a:t>
             </a:fld>
             <a:endParaRPr lang="en-US"/>
           </a:p>
@@ -2591,7 +2591,7 @@
           <a:p>
             <a:fld id="{F62E71A9-A198-4BC2-915B-5C3ABADD511E}" type="datetimeFigureOut">
               <a:rPr lang="en-US" smtClean="0"/>
-              <a:t>10/9/2019</a:t>
+              <a:t>10/10/2019</a:t>
             </a:fld>
             <a:endParaRPr lang="en-US"/>
           </a:p>
@@ -14078,7 +14078,7 @@
             <a:pPr algn="ctr"/>
             <a:r>
               <a:rPr lang="en-US" sz="6000" dirty="0"/>
-              <a:t>2</a:t>
+              <a:t>0</a:t>
             </a:r>
           </a:p>
         </p:txBody>
@@ -14216,7 +14216,10 @@
           <a:lstStyle/>
           <a:p>
             <a:pPr algn="ctr"/>
-            <a:endParaRPr lang="en-US"/>
+            <a:r>
+              <a:rPr lang="en-US" sz="5000" dirty="0"/>
+              <a:t>-1</a:t>
+            </a:r>
           </a:p>
         </p:txBody>
       </p:sp>
@@ -14262,7 +14265,10 @@
           <a:lstStyle/>
           <a:p>
             <a:pPr algn="ctr"/>
-            <a:endParaRPr lang="en-US"/>
+            <a:r>
+              <a:rPr lang="en-US" sz="5000" dirty="0"/>
+              <a:t>-3</a:t>
+            </a:r>
           </a:p>
         </p:txBody>
       </p:sp>
@@ -14364,7 +14370,10 @@
           <a:lstStyle/>
           <a:p>
             <a:pPr algn="ctr"/>
-            <a:endParaRPr lang="en-US"/>
+            <a:r>
+              <a:rPr lang="en-US" sz="5000" dirty="0"/>
+              <a:t>1</a:t>
+            </a:r>
           </a:p>
         </p:txBody>
       </p:sp>
@@ -14410,7 +14419,10 @@
           <a:lstStyle/>
           <a:p>
             <a:pPr algn="ctr"/>
-            <a:endParaRPr lang="en-US"/>
+            <a:r>
+              <a:rPr lang="en-US" sz="5000" dirty="0"/>
+              <a:t>3</a:t>
+            </a:r>
           </a:p>
         </p:txBody>
       </p:sp>
@@ -14574,6 +14586,222 @@
           </a:fontRef>
         </p:style>
       </p:cxnSp>
+      <p:sp>
+        <p:nvSpPr>
+          <p:cNvPr id="18" name="TextBox 17">
+            <a:extLst>
+              <a:ext uri="{FF2B5EF4-FFF2-40B4-BE49-F238E27FC236}">
+                <a16:creationId xmlns:a16="http://schemas.microsoft.com/office/drawing/2014/main" id="{5BDB123B-9412-4C64-BCD3-80F3B5A44559}"/>
+              </a:ext>
+            </a:extLst>
+          </p:cNvPr>
+          <p:cNvSpPr txBox="1"/>
+          <p:nvPr/>
+        </p:nvSpPr>
+        <p:spPr>
+          <a:xfrm>
+            <a:off x="14965327" y="12591478"/>
+            <a:ext cx="3466214" cy="1015663"/>
+          </a:xfrm>
+          <a:prstGeom prst="rect">
+            <a:avLst/>
+          </a:prstGeom>
+          <a:noFill/>
+        </p:spPr>
+        <p:txBody>
+          <a:bodyPr wrap="square" rtlCol="0" anchor="ctr">
+            <a:spAutoFit/>
+          </a:bodyPr>
+          <a:lstStyle/>
+          <a:p>
+            <a:pPr algn="ctr"/>
+            <a:r>
+              <a:rPr lang="en-US" sz="6000" dirty="0"/>
+              <a:t>2</a:t>
+            </a:r>
+          </a:p>
+        </p:txBody>
+      </p:sp>
+      <p:sp>
+        <p:nvSpPr>
+          <p:cNvPr id="20" name="TextBox 19">
+            <a:extLst>
+              <a:ext uri="{FF2B5EF4-FFF2-40B4-BE49-F238E27FC236}">
+                <a16:creationId xmlns:a16="http://schemas.microsoft.com/office/drawing/2014/main" id="{0BB98573-D0AC-4E02-97D7-F9EA9A70E071}"/>
+              </a:ext>
+            </a:extLst>
+          </p:cNvPr>
+          <p:cNvSpPr txBox="1"/>
+          <p:nvPr/>
+        </p:nvSpPr>
+        <p:spPr>
+          <a:xfrm>
+            <a:off x="14965327" y="4202391"/>
+            <a:ext cx="3466214" cy="1015663"/>
+          </a:xfrm>
+          <a:prstGeom prst="rect">
+            <a:avLst/>
+          </a:prstGeom>
+          <a:noFill/>
+        </p:spPr>
+        <p:txBody>
+          <a:bodyPr wrap="square" rtlCol="0" anchor="ctr">
+            <a:spAutoFit/>
+          </a:bodyPr>
+          <a:lstStyle/>
+          <a:p>
+            <a:pPr algn="ctr"/>
+            <a:r>
+              <a:rPr lang="en-US" sz="6000" dirty="0"/>
+              <a:t>-2</a:t>
+            </a:r>
+          </a:p>
+        </p:txBody>
+      </p:sp>
+      <p:sp>
+        <p:nvSpPr>
+          <p:cNvPr id="2" name="TextBox 1">
+            <a:extLst>
+              <a:ext uri="{FF2B5EF4-FFF2-40B4-BE49-F238E27FC236}">
+                <a16:creationId xmlns:a16="http://schemas.microsoft.com/office/drawing/2014/main" id="{BD2133DC-E336-4DA3-B70C-98A22C8E8E42}"/>
+              </a:ext>
+            </a:extLst>
+          </p:cNvPr>
+          <p:cNvSpPr txBox="1"/>
+          <p:nvPr/>
+        </p:nvSpPr>
+        <p:spPr>
+          <a:xfrm>
+            <a:off x="9103467" y="6645351"/>
+            <a:ext cx="2022839" cy="707886"/>
+          </a:xfrm>
+          <a:prstGeom prst="rect">
+            <a:avLst/>
+          </a:prstGeom>
+          <a:noFill/>
+        </p:spPr>
+        <p:txBody>
+          <a:bodyPr wrap="square" rtlCol="0">
+            <a:spAutoFit/>
+          </a:bodyPr>
+          <a:lstStyle/>
+          <a:p>
+            <a:pPr algn="ctr"/>
+            <a:r>
+              <a:rPr lang="en-US" sz="4000" dirty="0"/>
+              <a:t>-1</a:t>
+            </a:r>
+          </a:p>
+        </p:txBody>
+      </p:sp>
+      <p:sp>
+        <p:nvSpPr>
+          <p:cNvPr id="22" name="TextBox 21">
+            <a:extLst>
+              <a:ext uri="{FF2B5EF4-FFF2-40B4-BE49-F238E27FC236}">
+                <a16:creationId xmlns:a16="http://schemas.microsoft.com/office/drawing/2014/main" id="{6A666CD5-16F9-43E9-BE14-73D4D63C2EED}"/>
+              </a:ext>
+            </a:extLst>
+          </p:cNvPr>
+          <p:cNvSpPr txBox="1"/>
+          <p:nvPr/>
+        </p:nvSpPr>
+        <p:spPr>
+          <a:xfrm>
+            <a:off x="9103467" y="2080908"/>
+            <a:ext cx="2022839" cy="707886"/>
+          </a:xfrm>
+          <a:prstGeom prst="rect">
+            <a:avLst/>
+          </a:prstGeom>
+          <a:noFill/>
+        </p:spPr>
+        <p:txBody>
+          <a:bodyPr wrap="square" rtlCol="0">
+            <a:spAutoFit/>
+          </a:bodyPr>
+          <a:lstStyle/>
+          <a:p>
+            <a:pPr algn="ctr"/>
+            <a:r>
+              <a:rPr lang="en-US" sz="4000" dirty="0"/>
+              <a:t>-3</a:t>
+            </a:r>
+          </a:p>
+        </p:txBody>
+      </p:sp>
+      <p:sp>
+        <p:nvSpPr>
+          <p:cNvPr id="25" name="TextBox 24">
+            <a:extLst>
+              <a:ext uri="{FF2B5EF4-FFF2-40B4-BE49-F238E27FC236}">
+                <a16:creationId xmlns:a16="http://schemas.microsoft.com/office/drawing/2014/main" id="{7493936A-9755-4BF7-8A75-7FF513A44220}"/>
+              </a:ext>
+            </a:extLst>
+          </p:cNvPr>
+          <p:cNvSpPr txBox="1"/>
+          <p:nvPr/>
+        </p:nvSpPr>
+        <p:spPr>
+          <a:xfrm>
+            <a:off x="9103467" y="10469997"/>
+            <a:ext cx="2022839" cy="707886"/>
+          </a:xfrm>
+          <a:prstGeom prst="rect">
+            <a:avLst/>
+          </a:prstGeom>
+          <a:noFill/>
+        </p:spPr>
+        <p:txBody>
+          <a:bodyPr wrap="square" rtlCol="0">
+            <a:spAutoFit/>
+          </a:bodyPr>
+          <a:lstStyle/>
+          <a:p>
+            <a:pPr algn="ctr"/>
+            <a:r>
+              <a:rPr lang="en-US" sz="4000" dirty="0"/>
+              <a:t>3</a:t>
+            </a:r>
+          </a:p>
+        </p:txBody>
+      </p:sp>
+      <p:sp>
+        <p:nvSpPr>
+          <p:cNvPr id="26" name="TextBox 25">
+            <a:extLst>
+              <a:ext uri="{FF2B5EF4-FFF2-40B4-BE49-F238E27FC236}">
+                <a16:creationId xmlns:a16="http://schemas.microsoft.com/office/drawing/2014/main" id="{24101CF6-2F83-41F3-BA66-7195FF8A7E12}"/>
+              </a:ext>
+            </a:extLst>
+          </p:cNvPr>
+          <p:cNvSpPr txBox="1"/>
+          <p:nvPr/>
+        </p:nvSpPr>
+        <p:spPr>
+          <a:xfrm>
+            <a:off x="9103467" y="14906845"/>
+            <a:ext cx="2022839" cy="707886"/>
+          </a:xfrm>
+          <a:prstGeom prst="rect">
+            <a:avLst/>
+          </a:prstGeom>
+          <a:noFill/>
+        </p:spPr>
+        <p:txBody>
+          <a:bodyPr wrap="square" rtlCol="0">
+            <a:spAutoFit/>
+          </a:bodyPr>
+          <a:lstStyle/>
+          <a:p>
+            <a:pPr algn="ctr"/>
+            <a:r>
+              <a:rPr lang="en-US" sz="4000" dirty="0"/>
+              <a:t>1</a:t>
+            </a:r>
+          </a:p>
+        </p:txBody>
+      </p:sp>
     </p:spTree>
     <p:extLst>
       <p:ext uri="{BB962C8B-B14F-4D97-AF65-F5344CB8AC3E}">

--- a/Software/Software System Architecture.pptx
+++ b/Software/Software System Architecture.pptx
@@ -11,9 +11,10 @@
     <p:sldId id="261" r:id="rId5"/>
     <p:sldId id="263" r:id="rId6"/>
     <p:sldId id="265" r:id="rId7"/>
-    <p:sldId id="264" r:id="rId8"/>
-    <p:sldId id="257" r:id="rId9"/>
-    <p:sldId id="262" r:id="rId10"/>
+    <p:sldId id="266" r:id="rId8"/>
+    <p:sldId id="264" r:id="rId9"/>
+    <p:sldId id="257" r:id="rId10"/>
+    <p:sldId id="262" r:id="rId11"/>
   </p:sldIdLst>
   <p:sldSz cx="21945600" cy="16459200"/>
   <p:notesSz cx="6858000" cy="9144000"/>
@@ -123,6 +124,7 @@
             <p14:sldId id="261"/>
             <p14:sldId id="263"/>
             <p14:sldId id="265"/>
+            <p14:sldId id="266"/>
             <p14:sldId id="264"/>
             <p14:sldId id="257"/>
             <p14:sldId id="262"/>
@@ -268,7 +270,7 @@
           <a:p>
             <a:fld id="{F62E71A9-A198-4BC2-915B-5C3ABADD511E}" type="datetimeFigureOut">
               <a:rPr lang="en-US" smtClean="0"/>
-              <a:t>10/10/2019</a:t>
+              <a:t>10/18/2019</a:t>
             </a:fld>
             <a:endParaRPr lang="en-US"/>
           </a:p>
@@ -438,7 +440,7 @@
           <a:p>
             <a:fld id="{F62E71A9-A198-4BC2-915B-5C3ABADD511E}" type="datetimeFigureOut">
               <a:rPr lang="en-US" smtClean="0"/>
-              <a:t>10/10/2019</a:t>
+              <a:t>10/18/2019</a:t>
             </a:fld>
             <a:endParaRPr lang="en-US"/>
           </a:p>
@@ -618,7 +620,7 @@
           <a:p>
             <a:fld id="{F62E71A9-A198-4BC2-915B-5C3ABADD511E}" type="datetimeFigureOut">
               <a:rPr lang="en-US" smtClean="0"/>
-              <a:t>10/10/2019</a:t>
+              <a:t>10/18/2019</a:t>
             </a:fld>
             <a:endParaRPr lang="en-US"/>
           </a:p>
@@ -788,7 +790,7 @@
           <a:p>
             <a:fld id="{F62E71A9-A198-4BC2-915B-5C3ABADD511E}" type="datetimeFigureOut">
               <a:rPr lang="en-US" smtClean="0"/>
-              <a:t>10/10/2019</a:t>
+              <a:t>10/18/2019</a:t>
             </a:fld>
             <a:endParaRPr lang="en-US"/>
           </a:p>
@@ -1032,7 +1034,7 @@
           <a:p>
             <a:fld id="{F62E71A9-A198-4BC2-915B-5C3ABADD511E}" type="datetimeFigureOut">
               <a:rPr lang="en-US" smtClean="0"/>
-              <a:t>10/10/2019</a:t>
+              <a:t>10/18/2019</a:t>
             </a:fld>
             <a:endParaRPr lang="en-US"/>
           </a:p>
@@ -1264,7 +1266,7 @@
           <a:p>
             <a:fld id="{F62E71A9-A198-4BC2-915B-5C3ABADD511E}" type="datetimeFigureOut">
               <a:rPr lang="en-US" smtClean="0"/>
-              <a:t>10/10/2019</a:t>
+              <a:t>10/18/2019</a:t>
             </a:fld>
             <a:endParaRPr lang="en-US"/>
           </a:p>
@@ -1631,7 +1633,7 @@
           <a:p>
             <a:fld id="{F62E71A9-A198-4BC2-915B-5C3ABADD511E}" type="datetimeFigureOut">
               <a:rPr lang="en-US" smtClean="0"/>
-              <a:t>10/10/2019</a:t>
+              <a:t>10/18/2019</a:t>
             </a:fld>
             <a:endParaRPr lang="en-US"/>
           </a:p>
@@ -1749,7 +1751,7 @@
           <a:p>
             <a:fld id="{F62E71A9-A198-4BC2-915B-5C3ABADD511E}" type="datetimeFigureOut">
               <a:rPr lang="en-US" smtClean="0"/>
-              <a:t>10/10/2019</a:t>
+              <a:t>10/18/2019</a:t>
             </a:fld>
             <a:endParaRPr lang="en-US"/>
           </a:p>
@@ -1844,7 +1846,7 @@
           <a:p>
             <a:fld id="{F62E71A9-A198-4BC2-915B-5C3ABADD511E}" type="datetimeFigureOut">
               <a:rPr lang="en-US" smtClean="0"/>
-              <a:t>10/10/2019</a:t>
+              <a:t>10/18/2019</a:t>
             </a:fld>
             <a:endParaRPr lang="en-US"/>
           </a:p>
@@ -2121,7 +2123,7 @@
           <a:p>
             <a:fld id="{F62E71A9-A198-4BC2-915B-5C3ABADD511E}" type="datetimeFigureOut">
               <a:rPr lang="en-US" smtClean="0"/>
-              <a:t>10/10/2019</a:t>
+              <a:t>10/18/2019</a:t>
             </a:fld>
             <a:endParaRPr lang="en-US"/>
           </a:p>
@@ -2378,7 +2380,7 @@
           <a:p>
             <a:fld id="{F62E71A9-A198-4BC2-915B-5C3ABADD511E}" type="datetimeFigureOut">
               <a:rPr lang="en-US" smtClean="0"/>
-              <a:t>10/10/2019</a:t>
+              <a:t>10/18/2019</a:t>
             </a:fld>
             <a:endParaRPr lang="en-US"/>
           </a:p>
@@ -2591,7 +2593,7 @@
           <a:p>
             <a:fld id="{F62E71A9-A198-4BC2-915B-5C3ABADD511E}" type="datetimeFigureOut">
               <a:rPr lang="en-US" smtClean="0"/>
-              <a:t>10/10/2019</a:t>
+              <a:t>10/18/2019</a:t>
             </a:fld>
             <a:endParaRPr lang="en-US"/>
           </a:p>
@@ -5112,6 +5114,2606 @@
     <p:extLst>
       <p:ext uri="{BB962C8B-B14F-4D97-AF65-F5344CB8AC3E}">
         <p14:creationId xmlns:p14="http://schemas.microsoft.com/office/powerpoint/2010/main" val="589777863"/>
+      </p:ext>
+    </p:extLst>
+  </p:cSld>
+  <p:clrMapOvr>
+    <a:masterClrMapping/>
+  </p:clrMapOvr>
+</p:sld>
+</file>
+
+<file path=ppt/slides/slide10.xml><?xml version="1.0" encoding="utf-8"?>
+<p:sld xmlns:a="http://schemas.openxmlformats.org/drawingml/2006/main" xmlns:r="http://schemas.openxmlformats.org/officeDocument/2006/relationships" xmlns:p="http://schemas.openxmlformats.org/presentationml/2006/main">
+  <p:cSld>
+    <p:spTree>
+      <p:nvGrpSpPr>
+        <p:cNvPr id="1" name=""/>
+        <p:cNvGrpSpPr/>
+        <p:nvPr/>
+      </p:nvGrpSpPr>
+      <p:grpSpPr>
+        <a:xfrm>
+          <a:off x="0" y="0"/>
+          <a:ext cx="0" cy="0"/>
+          <a:chOff x="0" y="0"/>
+          <a:chExt cx="0" cy="0"/>
+        </a:xfrm>
+      </p:grpSpPr>
+      <p:cxnSp>
+        <p:nvCxnSpPr>
+          <p:cNvPr id="131" name="Connector: Elbow 130">
+            <a:extLst>
+              <a:ext uri="{FF2B5EF4-FFF2-40B4-BE49-F238E27FC236}">
+                <a16:creationId xmlns:a16="http://schemas.microsoft.com/office/drawing/2014/main" id="{8F09E9AE-558F-4DBD-BC2D-D2C059F47841}"/>
+              </a:ext>
+            </a:extLst>
+          </p:cNvPr>
+          <p:cNvCxnSpPr>
+            <a:stCxn id="117" idx="1"/>
+            <a:endCxn id="19" idx="3"/>
+          </p:cNvCxnSpPr>
+          <p:nvPr/>
+        </p:nvCxnSpPr>
+        <p:spPr>
+          <a:xfrm rot="10800000" flipV="1">
+            <a:off x="9720767" y="5823600"/>
+            <a:ext cx="7319681" cy="879986"/>
+          </a:xfrm>
+          <a:prstGeom prst="bentConnector3">
+            <a:avLst/>
+          </a:prstGeom>
+          <a:ln w="38100">
+            <a:solidFill>
+              <a:srgbClr val="FF0000"/>
+            </a:solidFill>
+            <a:prstDash val="sysDot"/>
+            <a:tailEnd type="triangle"/>
+          </a:ln>
+        </p:spPr>
+        <p:style>
+          <a:lnRef idx="1">
+            <a:schemeClr val="accent1"/>
+          </a:lnRef>
+          <a:fillRef idx="0">
+            <a:schemeClr val="accent1"/>
+          </a:fillRef>
+          <a:effectRef idx="0">
+            <a:schemeClr val="accent1"/>
+          </a:effectRef>
+          <a:fontRef idx="minor">
+            <a:schemeClr val="tx1"/>
+          </a:fontRef>
+        </p:style>
+      </p:cxnSp>
+      <p:cxnSp>
+        <p:nvCxnSpPr>
+          <p:cNvPr id="148" name="Connector: Elbow 147">
+            <a:extLst>
+              <a:ext uri="{FF2B5EF4-FFF2-40B4-BE49-F238E27FC236}">
+                <a16:creationId xmlns:a16="http://schemas.microsoft.com/office/drawing/2014/main" id="{BB025DEB-5111-438F-B6AF-06EE5C414427}"/>
+              </a:ext>
+            </a:extLst>
+          </p:cNvPr>
+          <p:cNvCxnSpPr>
+            <a:stCxn id="118" idx="1"/>
+            <a:endCxn id="28" idx="3"/>
+          </p:cNvCxnSpPr>
+          <p:nvPr/>
+        </p:nvCxnSpPr>
+        <p:spPr>
+          <a:xfrm rot="10800000" flipV="1">
+            <a:off x="9720259" y="7555167"/>
+            <a:ext cx="7320186" cy="855178"/>
+          </a:xfrm>
+          <a:prstGeom prst="bentConnector3">
+            <a:avLst/>
+          </a:prstGeom>
+          <a:ln w="38100">
+            <a:solidFill>
+              <a:srgbClr val="FF0000"/>
+            </a:solidFill>
+            <a:prstDash val="sysDot"/>
+            <a:tailEnd type="triangle"/>
+          </a:ln>
+        </p:spPr>
+        <p:style>
+          <a:lnRef idx="1">
+            <a:schemeClr val="accent1"/>
+          </a:lnRef>
+          <a:fillRef idx="0">
+            <a:schemeClr val="accent1"/>
+          </a:fillRef>
+          <a:effectRef idx="0">
+            <a:schemeClr val="accent1"/>
+          </a:effectRef>
+          <a:fontRef idx="minor">
+            <a:schemeClr val="tx1"/>
+          </a:fontRef>
+        </p:style>
+      </p:cxnSp>
+      <p:cxnSp>
+        <p:nvCxnSpPr>
+          <p:cNvPr id="32" name="Connector: Elbow 31">
+            <a:extLst>
+              <a:ext uri="{FF2B5EF4-FFF2-40B4-BE49-F238E27FC236}">
+                <a16:creationId xmlns:a16="http://schemas.microsoft.com/office/drawing/2014/main" id="{6DC470AC-6469-4027-B284-F4C8546B8BF0}"/>
+              </a:ext>
+            </a:extLst>
+          </p:cNvPr>
+          <p:cNvCxnSpPr>
+            <a:stCxn id="26" idx="3"/>
+            <a:endCxn id="28" idx="1"/>
+          </p:cNvCxnSpPr>
+          <p:nvPr/>
+        </p:nvCxnSpPr>
+        <p:spPr>
+          <a:xfrm>
+            <a:off x="4992747" y="7560246"/>
+            <a:ext cx="2637455" cy="850099"/>
+          </a:xfrm>
+          <a:prstGeom prst="bentConnector3">
+            <a:avLst/>
+          </a:prstGeom>
+          <a:ln w="38100">
+            <a:solidFill>
+              <a:srgbClr val="FF0000"/>
+            </a:solidFill>
+            <a:prstDash val="sysDot"/>
+            <a:tailEnd type="triangle"/>
+          </a:ln>
+        </p:spPr>
+        <p:style>
+          <a:lnRef idx="1">
+            <a:schemeClr val="accent1"/>
+          </a:lnRef>
+          <a:fillRef idx="0">
+            <a:schemeClr val="accent1"/>
+          </a:fillRef>
+          <a:effectRef idx="0">
+            <a:schemeClr val="accent1"/>
+          </a:effectRef>
+          <a:fontRef idx="minor">
+            <a:schemeClr val="tx1"/>
+          </a:fontRef>
+        </p:style>
+      </p:cxnSp>
+      <p:sp>
+        <p:nvSpPr>
+          <p:cNvPr id="9" name="Flowchart: Off-page Connector 8">
+            <a:extLst>
+              <a:ext uri="{FF2B5EF4-FFF2-40B4-BE49-F238E27FC236}">
+                <a16:creationId xmlns:a16="http://schemas.microsoft.com/office/drawing/2014/main" id="{1F042981-F85F-45DB-BAD8-15454EECEB8C}"/>
+              </a:ext>
+            </a:extLst>
+          </p:cNvPr>
+          <p:cNvSpPr/>
+          <p:nvPr/>
+        </p:nvSpPr>
+        <p:spPr>
+          <a:xfrm>
+            <a:off x="7630202" y="1679903"/>
+            <a:ext cx="2090057" cy="1063298"/>
+          </a:xfrm>
+          <a:prstGeom prst="flowChartOffpageConnector">
+            <a:avLst/>
+          </a:prstGeom>
+        </p:spPr>
+        <p:style>
+          <a:lnRef idx="2">
+            <a:schemeClr val="accent1">
+              <a:shade val="50000"/>
+            </a:schemeClr>
+          </a:lnRef>
+          <a:fillRef idx="1">
+            <a:schemeClr val="accent1"/>
+          </a:fillRef>
+          <a:effectRef idx="0">
+            <a:schemeClr val="accent1"/>
+          </a:effectRef>
+          <a:fontRef idx="minor">
+            <a:schemeClr val="lt1"/>
+          </a:fontRef>
+        </p:style>
+        <p:txBody>
+          <a:bodyPr rtlCol="0" anchor="ctr"/>
+          <a:lstStyle/>
+          <a:p>
+            <a:pPr algn="ctr"/>
+            <a:r>
+              <a:rPr lang="en-US" dirty="0"/>
+              <a:t>Initialize </a:t>
+            </a:r>
+            <a:r>
+              <a:rPr lang="en-US" dirty="0" err="1"/>
+              <a:t>voleTags</a:t>
+            </a:r>
+            <a:r>
+              <a:rPr lang="en-US" dirty="0"/>
+              <a:t> Queue</a:t>
+            </a:r>
+          </a:p>
+        </p:txBody>
+      </p:sp>
+      <p:sp>
+        <p:nvSpPr>
+          <p:cNvPr id="10" name="Flowchart: Off-page Connector 9">
+            <a:extLst>
+              <a:ext uri="{FF2B5EF4-FFF2-40B4-BE49-F238E27FC236}">
+                <a16:creationId xmlns:a16="http://schemas.microsoft.com/office/drawing/2014/main" id="{B9F52776-96BA-4401-8979-137C7A06D137}"/>
+              </a:ext>
+            </a:extLst>
+          </p:cNvPr>
+          <p:cNvSpPr/>
+          <p:nvPr/>
+        </p:nvSpPr>
+        <p:spPr>
+          <a:xfrm>
+            <a:off x="10835434" y="1679903"/>
+            <a:ext cx="2090057" cy="1063299"/>
+          </a:xfrm>
+          <a:prstGeom prst="flowChartOffpageConnector">
+            <a:avLst/>
+          </a:prstGeom>
+        </p:spPr>
+        <p:style>
+          <a:lnRef idx="2">
+            <a:schemeClr val="accent1">
+              <a:shade val="50000"/>
+            </a:schemeClr>
+          </a:lnRef>
+          <a:fillRef idx="1">
+            <a:schemeClr val="accent1"/>
+          </a:fillRef>
+          <a:effectRef idx="0">
+            <a:schemeClr val="accent1"/>
+          </a:effectRef>
+          <a:fontRef idx="minor">
+            <a:schemeClr val="lt1"/>
+          </a:fontRef>
+        </p:style>
+        <p:txBody>
+          <a:bodyPr rtlCol="0" anchor="ctr"/>
+          <a:lstStyle/>
+          <a:p>
+            <a:pPr algn="ctr"/>
+            <a:r>
+              <a:rPr lang="en-US" dirty="0"/>
+              <a:t>Initialize time synchronization queue</a:t>
+            </a:r>
+          </a:p>
+        </p:txBody>
+      </p:sp>
+      <p:sp>
+        <p:nvSpPr>
+          <p:cNvPr id="11" name="Flowchart: Process 10">
+            <a:extLst>
+              <a:ext uri="{FF2B5EF4-FFF2-40B4-BE49-F238E27FC236}">
+                <a16:creationId xmlns:a16="http://schemas.microsoft.com/office/drawing/2014/main" id="{80961813-95B7-4E29-B6A3-47DB6CFC40DC}"/>
+              </a:ext>
+            </a:extLst>
+          </p:cNvPr>
+          <p:cNvSpPr/>
+          <p:nvPr/>
+        </p:nvSpPr>
+        <p:spPr>
+          <a:xfrm>
+            <a:off x="2902689" y="3046952"/>
+            <a:ext cx="2090057" cy="519519"/>
+          </a:xfrm>
+          <a:prstGeom prst="flowChartProcess">
+            <a:avLst/>
+          </a:prstGeom>
+        </p:spPr>
+        <p:style>
+          <a:lnRef idx="2">
+            <a:schemeClr val="accent1">
+              <a:shade val="50000"/>
+            </a:schemeClr>
+          </a:lnRef>
+          <a:fillRef idx="1">
+            <a:schemeClr val="accent1"/>
+          </a:fillRef>
+          <a:effectRef idx="0">
+            <a:schemeClr val="accent1"/>
+          </a:effectRef>
+          <a:fontRef idx="minor">
+            <a:schemeClr val="lt1"/>
+          </a:fontRef>
+        </p:style>
+        <p:txBody>
+          <a:bodyPr rtlCol="0" anchor="ctr"/>
+          <a:lstStyle/>
+          <a:p>
+            <a:pPr algn="ctr"/>
+            <a:r>
+              <a:rPr lang="en-US" dirty="0"/>
+              <a:t>Start Thread 1</a:t>
+            </a:r>
+          </a:p>
+        </p:txBody>
+      </p:sp>
+      <p:sp>
+        <p:nvSpPr>
+          <p:cNvPr id="14" name="Flowchart: Process 13">
+            <a:extLst>
+              <a:ext uri="{FF2B5EF4-FFF2-40B4-BE49-F238E27FC236}">
+                <a16:creationId xmlns:a16="http://schemas.microsoft.com/office/drawing/2014/main" id="{AF06097B-4F97-4C03-8FDE-2041BD621146}"/>
+              </a:ext>
+            </a:extLst>
+          </p:cNvPr>
+          <p:cNvSpPr/>
+          <p:nvPr/>
+        </p:nvSpPr>
+        <p:spPr>
+          <a:xfrm>
+            <a:off x="2902690" y="4149712"/>
+            <a:ext cx="2090057" cy="519519"/>
+          </a:xfrm>
+          <a:prstGeom prst="flowChartProcess">
+            <a:avLst/>
+          </a:prstGeom>
+        </p:spPr>
+        <p:style>
+          <a:lnRef idx="2">
+            <a:schemeClr val="accent1">
+              <a:shade val="50000"/>
+            </a:schemeClr>
+          </a:lnRef>
+          <a:fillRef idx="1">
+            <a:schemeClr val="accent1"/>
+          </a:fillRef>
+          <a:effectRef idx="0">
+            <a:schemeClr val="accent1"/>
+          </a:effectRef>
+          <a:fontRef idx="minor">
+            <a:schemeClr val="lt1"/>
+          </a:fontRef>
+        </p:style>
+        <p:txBody>
+          <a:bodyPr rtlCol="0" anchor="ctr"/>
+          <a:lstStyle/>
+          <a:p>
+            <a:pPr algn="ctr"/>
+            <a:r>
+              <a:rPr lang="en-US" dirty="0"/>
+              <a:t>Read sensor signal</a:t>
+            </a:r>
+          </a:p>
+        </p:txBody>
+      </p:sp>
+      <p:sp>
+        <p:nvSpPr>
+          <p:cNvPr id="16" name="Flowchart: Decision 15">
+            <a:extLst>
+              <a:ext uri="{FF2B5EF4-FFF2-40B4-BE49-F238E27FC236}">
+                <a16:creationId xmlns:a16="http://schemas.microsoft.com/office/drawing/2014/main" id="{3E5B697D-4B4A-4D7C-A459-801C297F1B96}"/>
+              </a:ext>
+            </a:extLst>
+          </p:cNvPr>
+          <p:cNvSpPr/>
+          <p:nvPr/>
+        </p:nvSpPr>
+        <p:spPr>
+          <a:xfrm>
+            <a:off x="2902689" y="5246401"/>
+            <a:ext cx="2090057" cy="1154397"/>
+          </a:xfrm>
+          <a:prstGeom prst="flowChartDecision">
+            <a:avLst/>
+          </a:prstGeom>
+        </p:spPr>
+        <p:style>
+          <a:lnRef idx="2">
+            <a:schemeClr val="accent1">
+              <a:shade val="50000"/>
+            </a:schemeClr>
+          </a:lnRef>
+          <a:fillRef idx="1">
+            <a:schemeClr val="accent1"/>
+          </a:fillRef>
+          <a:effectRef idx="0">
+            <a:schemeClr val="accent1"/>
+          </a:effectRef>
+          <a:fontRef idx="minor">
+            <a:schemeClr val="lt1"/>
+          </a:fontRef>
+        </p:style>
+        <p:txBody>
+          <a:bodyPr rtlCol="0" anchor="ctr"/>
+          <a:lstStyle/>
+          <a:p>
+            <a:pPr algn="ctr"/>
+            <a:r>
+              <a:rPr lang="en-US" dirty="0"/>
+              <a:t>Did it ping vole 1?</a:t>
+            </a:r>
+          </a:p>
+        </p:txBody>
+      </p:sp>
+      <p:sp>
+        <p:nvSpPr>
+          <p:cNvPr id="18" name="Flowchart: Off-page Connector 17">
+            <a:extLst>
+              <a:ext uri="{FF2B5EF4-FFF2-40B4-BE49-F238E27FC236}">
+                <a16:creationId xmlns:a16="http://schemas.microsoft.com/office/drawing/2014/main" id="{D5DA2EA4-F75F-4C2F-A354-A0C9245C202B}"/>
+              </a:ext>
+            </a:extLst>
+          </p:cNvPr>
+          <p:cNvSpPr/>
+          <p:nvPr/>
+        </p:nvSpPr>
+        <p:spPr>
+          <a:xfrm>
+            <a:off x="7630709" y="5503090"/>
+            <a:ext cx="2090057" cy="641017"/>
+          </a:xfrm>
+          <a:prstGeom prst="flowChartOffpageConnector">
+            <a:avLst/>
+          </a:prstGeom>
+        </p:spPr>
+        <p:style>
+          <a:lnRef idx="2">
+            <a:schemeClr val="accent1">
+              <a:shade val="50000"/>
+            </a:schemeClr>
+          </a:lnRef>
+          <a:fillRef idx="1">
+            <a:schemeClr val="accent1"/>
+          </a:fillRef>
+          <a:effectRef idx="0">
+            <a:schemeClr val="accent1"/>
+          </a:effectRef>
+          <a:fontRef idx="minor">
+            <a:schemeClr val="lt1"/>
+          </a:fontRef>
+        </p:style>
+        <p:txBody>
+          <a:bodyPr rtlCol="0" anchor="ctr"/>
+          <a:lstStyle/>
+          <a:p>
+            <a:pPr algn="ctr"/>
+            <a:r>
+              <a:rPr lang="en-US" dirty="0"/>
+              <a:t>Output vole number and </a:t>
+            </a:r>
+            <a:r>
+              <a:rPr lang="en-US" dirty="0" err="1"/>
+              <a:t>rfid</a:t>
+            </a:r>
+            <a:r>
+              <a:rPr lang="en-US" dirty="0"/>
+              <a:t> tag</a:t>
+            </a:r>
+          </a:p>
+        </p:txBody>
+      </p:sp>
+      <p:sp>
+        <p:nvSpPr>
+          <p:cNvPr id="19" name="Flowchart: Off-page Connector 18">
+            <a:extLst>
+              <a:ext uri="{FF2B5EF4-FFF2-40B4-BE49-F238E27FC236}">
+                <a16:creationId xmlns:a16="http://schemas.microsoft.com/office/drawing/2014/main" id="{13E91CB5-A8FE-41F6-8115-B07DD79106F2}"/>
+              </a:ext>
+            </a:extLst>
+          </p:cNvPr>
+          <p:cNvSpPr/>
+          <p:nvPr/>
+        </p:nvSpPr>
+        <p:spPr>
+          <a:xfrm>
+            <a:off x="7630709" y="6383077"/>
+            <a:ext cx="2090057" cy="641017"/>
+          </a:xfrm>
+          <a:prstGeom prst="flowChartOffpageConnector">
+            <a:avLst/>
+          </a:prstGeom>
+        </p:spPr>
+        <p:style>
+          <a:lnRef idx="2">
+            <a:schemeClr val="accent1">
+              <a:shade val="50000"/>
+            </a:schemeClr>
+          </a:lnRef>
+          <a:fillRef idx="1">
+            <a:schemeClr val="accent1"/>
+          </a:fillRef>
+          <a:effectRef idx="0">
+            <a:schemeClr val="accent1"/>
+          </a:effectRef>
+          <a:fontRef idx="minor">
+            <a:schemeClr val="lt1"/>
+          </a:fontRef>
+        </p:style>
+        <p:txBody>
+          <a:bodyPr rtlCol="0" anchor="ctr"/>
+          <a:lstStyle/>
+          <a:p>
+            <a:pPr algn="ctr"/>
+            <a:r>
+              <a:rPr lang="en-US" dirty="0"/>
+              <a:t>Output “none”</a:t>
+            </a:r>
+          </a:p>
+        </p:txBody>
+      </p:sp>
+      <p:cxnSp>
+        <p:nvCxnSpPr>
+          <p:cNvPr id="23" name="Connector: Elbow 22">
+            <a:extLst>
+              <a:ext uri="{FF2B5EF4-FFF2-40B4-BE49-F238E27FC236}">
+                <a16:creationId xmlns:a16="http://schemas.microsoft.com/office/drawing/2014/main" id="{4B2F709E-8239-4A72-B5FC-167558804347}"/>
+              </a:ext>
+            </a:extLst>
+          </p:cNvPr>
+          <p:cNvCxnSpPr>
+            <a:stCxn id="16" idx="3"/>
+            <a:endCxn id="19" idx="1"/>
+          </p:cNvCxnSpPr>
+          <p:nvPr/>
+        </p:nvCxnSpPr>
+        <p:spPr>
+          <a:xfrm>
+            <a:off x="4992746" y="5823600"/>
+            <a:ext cx="2637963" cy="879986"/>
+          </a:xfrm>
+          <a:prstGeom prst="bentConnector3">
+            <a:avLst/>
+          </a:prstGeom>
+          <a:ln w="38100">
+            <a:solidFill>
+              <a:srgbClr val="FF0000"/>
+            </a:solidFill>
+            <a:prstDash val="sysDot"/>
+            <a:tailEnd type="triangle"/>
+          </a:ln>
+        </p:spPr>
+        <p:style>
+          <a:lnRef idx="1">
+            <a:schemeClr val="accent1"/>
+          </a:lnRef>
+          <a:fillRef idx="0">
+            <a:schemeClr val="accent1"/>
+          </a:fillRef>
+          <a:effectRef idx="0">
+            <a:schemeClr val="accent1"/>
+          </a:effectRef>
+          <a:fontRef idx="minor">
+            <a:schemeClr val="tx1"/>
+          </a:fontRef>
+        </p:style>
+      </p:cxnSp>
+      <p:cxnSp>
+        <p:nvCxnSpPr>
+          <p:cNvPr id="21" name="Connector: Elbow 20">
+            <a:extLst>
+              <a:ext uri="{FF2B5EF4-FFF2-40B4-BE49-F238E27FC236}">
+                <a16:creationId xmlns:a16="http://schemas.microsoft.com/office/drawing/2014/main" id="{D90E622E-7AC6-4E0C-B517-A477F4952C47}"/>
+              </a:ext>
+            </a:extLst>
+          </p:cNvPr>
+          <p:cNvCxnSpPr>
+            <a:stCxn id="16" idx="3"/>
+            <a:endCxn id="18" idx="1"/>
+          </p:cNvCxnSpPr>
+          <p:nvPr/>
+        </p:nvCxnSpPr>
+        <p:spPr>
+          <a:xfrm flipV="1">
+            <a:off x="4992746" y="5823599"/>
+            <a:ext cx="2637963" cy="1"/>
+          </a:xfrm>
+          <a:prstGeom prst="bentConnector3">
+            <a:avLst/>
+          </a:prstGeom>
+          <a:ln w="38100">
+            <a:solidFill>
+              <a:srgbClr val="00B050"/>
+            </a:solidFill>
+            <a:prstDash val="sysDot"/>
+            <a:tailEnd type="triangle"/>
+          </a:ln>
+        </p:spPr>
+        <p:style>
+          <a:lnRef idx="1">
+            <a:schemeClr val="accent1"/>
+          </a:lnRef>
+          <a:fillRef idx="0">
+            <a:schemeClr val="accent1"/>
+          </a:fillRef>
+          <a:effectRef idx="0">
+            <a:schemeClr val="accent1"/>
+          </a:effectRef>
+          <a:fontRef idx="minor">
+            <a:schemeClr val="tx1"/>
+          </a:fontRef>
+        </p:style>
+      </p:cxnSp>
+      <p:sp>
+        <p:nvSpPr>
+          <p:cNvPr id="26" name="Flowchart: Decision 25">
+            <a:extLst>
+              <a:ext uri="{FF2B5EF4-FFF2-40B4-BE49-F238E27FC236}">
+                <a16:creationId xmlns:a16="http://schemas.microsoft.com/office/drawing/2014/main" id="{E914801D-5893-4494-97CD-025C09D4751D}"/>
+              </a:ext>
+            </a:extLst>
+          </p:cNvPr>
+          <p:cNvSpPr/>
+          <p:nvPr/>
+        </p:nvSpPr>
+        <p:spPr>
+          <a:xfrm>
+            <a:off x="2902690" y="6983047"/>
+            <a:ext cx="2090057" cy="1154397"/>
+          </a:xfrm>
+          <a:prstGeom prst="flowChartDecision">
+            <a:avLst/>
+          </a:prstGeom>
+        </p:spPr>
+        <p:style>
+          <a:lnRef idx="2">
+            <a:schemeClr val="accent1">
+              <a:shade val="50000"/>
+            </a:schemeClr>
+          </a:lnRef>
+          <a:fillRef idx="1">
+            <a:schemeClr val="accent1"/>
+          </a:fillRef>
+          <a:effectRef idx="0">
+            <a:schemeClr val="accent1"/>
+          </a:effectRef>
+          <a:fontRef idx="minor">
+            <a:schemeClr val="lt1"/>
+          </a:fontRef>
+        </p:style>
+        <p:txBody>
+          <a:bodyPr rtlCol="0" anchor="ctr"/>
+          <a:lstStyle/>
+          <a:p>
+            <a:pPr algn="ctr"/>
+            <a:r>
+              <a:rPr lang="en-US" dirty="0"/>
+              <a:t>Did it ping vole 2?</a:t>
+            </a:r>
+          </a:p>
+        </p:txBody>
+      </p:sp>
+      <p:sp>
+        <p:nvSpPr>
+          <p:cNvPr id="27" name="Flowchart: Off-page Connector 26">
+            <a:extLst>
+              <a:ext uri="{FF2B5EF4-FFF2-40B4-BE49-F238E27FC236}">
+                <a16:creationId xmlns:a16="http://schemas.microsoft.com/office/drawing/2014/main" id="{01A2A26C-BA10-4293-93E2-28269DD7AE2E}"/>
+              </a:ext>
+            </a:extLst>
+          </p:cNvPr>
+          <p:cNvSpPr/>
+          <p:nvPr/>
+        </p:nvSpPr>
+        <p:spPr>
+          <a:xfrm>
+            <a:off x="7630203" y="7234137"/>
+            <a:ext cx="2090057" cy="641017"/>
+          </a:xfrm>
+          <a:prstGeom prst="flowChartOffpageConnector">
+            <a:avLst/>
+          </a:prstGeom>
+        </p:spPr>
+        <p:style>
+          <a:lnRef idx="2">
+            <a:schemeClr val="accent1">
+              <a:shade val="50000"/>
+            </a:schemeClr>
+          </a:lnRef>
+          <a:fillRef idx="1">
+            <a:schemeClr val="accent1"/>
+          </a:fillRef>
+          <a:effectRef idx="0">
+            <a:schemeClr val="accent1"/>
+          </a:effectRef>
+          <a:fontRef idx="minor">
+            <a:schemeClr val="lt1"/>
+          </a:fontRef>
+        </p:style>
+        <p:txBody>
+          <a:bodyPr rtlCol="0" anchor="ctr"/>
+          <a:lstStyle/>
+          <a:p>
+            <a:pPr algn="ctr"/>
+            <a:r>
+              <a:rPr lang="en-US" dirty="0"/>
+              <a:t>Output vole number and </a:t>
+            </a:r>
+            <a:r>
+              <a:rPr lang="en-US" dirty="0" err="1"/>
+              <a:t>rfid</a:t>
+            </a:r>
+            <a:r>
+              <a:rPr lang="en-US" dirty="0"/>
+              <a:t> tag</a:t>
+            </a:r>
+          </a:p>
+        </p:txBody>
+      </p:sp>
+      <p:sp>
+        <p:nvSpPr>
+          <p:cNvPr id="28" name="Flowchart: Off-page Connector 27">
+            <a:extLst>
+              <a:ext uri="{FF2B5EF4-FFF2-40B4-BE49-F238E27FC236}">
+                <a16:creationId xmlns:a16="http://schemas.microsoft.com/office/drawing/2014/main" id="{A6CB43D7-C0ED-4368-B0FE-E80E107929D6}"/>
+              </a:ext>
+            </a:extLst>
+          </p:cNvPr>
+          <p:cNvSpPr/>
+          <p:nvPr/>
+        </p:nvSpPr>
+        <p:spPr>
+          <a:xfrm>
+            <a:off x="7630202" y="8089836"/>
+            <a:ext cx="2090057" cy="641017"/>
+          </a:xfrm>
+          <a:prstGeom prst="flowChartOffpageConnector">
+            <a:avLst/>
+          </a:prstGeom>
+        </p:spPr>
+        <p:style>
+          <a:lnRef idx="2">
+            <a:schemeClr val="accent1">
+              <a:shade val="50000"/>
+            </a:schemeClr>
+          </a:lnRef>
+          <a:fillRef idx="1">
+            <a:schemeClr val="accent1"/>
+          </a:fillRef>
+          <a:effectRef idx="0">
+            <a:schemeClr val="accent1"/>
+          </a:effectRef>
+          <a:fontRef idx="minor">
+            <a:schemeClr val="lt1"/>
+          </a:fontRef>
+        </p:style>
+        <p:txBody>
+          <a:bodyPr rtlCol="0" anchor="ctr"/>
+          <a:lstStyle/>
+          <a:p>
+            <a:pPr algn="ctr"/>
+            <a:r>
+              <a:rPr lang="en-US" dirty="0"/>
+              <a:t>Output “none”</a:t>
+            </a:r>
+          </a:p>
+        </p:txBody>
+      </p:sp>
+      <p:cxnSp>
+        <p:nvCxnSpPr>
+          <p:cNvPr id="30" name="Connector: Elbow 29">
+            <a:extLst>
+              <a:ext uri="{FF2B5EF4-FFF2-40B4-BE49-F238E27FC236}">
+                <a16:creationId xmlns:a16="http://schemas.microsoft.com/office/drawing/2014/main" id="{1766EB3B-A78A-4B1C-9959-E2646AA9A7F1}"/>
+              </a:ext>
+            </a:extLst>
+          </p:cNvPr>
+          <p:cNvCxnSpPr>
+            <a:stCxn id="26" idx="3"/>
+            <a:endCxn id="27" idx="1"/>
+          </p:cNvCxnSpPr>
+          <p:nvPr/>
+        </p:nvCxnSpPr>
+        <p:spPr>
+          <a:xfrm flipV="1">
+            <a:off x="4992747" y="7554646"/>
+            <a:ext cx="2637456" cy="5600"/>
+          </a:xfrm>
+          <a:prstGeom prst="bentConnector3">
+            <a:avLst/>
+          </a:prstGeom>
+          <a:ln w="38100">
+            <a:solidFill>
+              <a:srgbClr val="00B050"/>
+            </a:solidFill>
+            <a:prstDash val="sysDot"/>
+            <a:tailEnd type="triangle"/>
+          </a:ln>
+        </p:spPr>
+        <p:style>
+          <a:lnRef idx="1">
+            <a:schemeClr val="accent1"/>
+          </a:lnRef>
+          <a:fillRef idx="0">
+            <a:schemeClr val="accent1"/>
+          </a:fillRef>
+          <a:effectRef idx="0">
+            <a:schemeClr val="accent1"/>
+          </a:effectRef>
+          <a:fontRef idx="minor">
+            <a:schemeClr val="tx1"/>
+          </a:fontRef>
+        </p:style>
+      </p:cxnSp>
+      <p:sp>
+        <p:nvSpPr>
+          <p:cNvPr id="33" name="Flowchart: Process 32">
+            <a:extLst>
+              <a:ext uri="{FF2B5EF4-FFF2-40B4-BE49-F238E27FC236}">
+                <a16:creationId xmlns:a16="http://schemas.microsoft.com/office/drawing/2014/main" id="{F11153D4-8FC7-4A23-9FC6-DBF3C5769F08}"/>
+              </a:ext>
+            </a:extLst>
+          </p:cNvPr>
+          <p:cNvSpPr/>
+          <p:nvPr/>
+        </p:nvSpPr>
+        <p:spPr>
+          <a:xfrm>
+            <a:off x="2902688" y="9317893"/>
+            <a:ext cx="2090057" cy="519519"/>
+          </a:xfrm>
+          <a:prstGeom prst="flowChartProcess">
+            <a:avLst/>
+          </a:prstGeom>
+        </p:spPr>
+        <p:style>
+          <a:lnRef idx="2">
+            <a:schemeClr val="accent1">
+              <a:shade val="50000"/>
+            </a:schemeClr>
+          </a:lnRef>
+          <a:fillRef idx="1">
+            <a:schemeClr val="accent1"/>
+          </a:fillRef>
+          <a:effectRef idx="0">
+            <a:schemeClr val="accent1"/>
+          </a:effectRef>
+          <a:fontRef idx="minor">
+            <a:schemeClr val="lt1"/>
+          </a:fontRef>
+        </p:style>
+        <p:txBody>
+          <a:bodyPr rtlCol="0" anchor="ctr"/>
+          <a:lstStyle/>
+          <a:p>
+            <a:pPr algn="ctr"/>
+            <a:r>
+              <a:rPr lang="en-US" dirty="0"/>
+              <a:t>Read time queue</a:t>
+            </a:r>
+          </a:p>
+        </p:txBody>
+      </p:sp>
+      <p:cxnSp>
+        <p:nvCxnSpPr>
+          <p:cNvPr id="35" name="Connector: Elbow 34">
+            <a:extLst>
+              <a:ext uri="{FF2B5EF4-FFF2-40B4-BE49-F238E27FC236}">
+                <a16:creationId xmlns:a16="http://schemas.microsoft.com/office/drawing/2014/main" id="{9E67CF9A-ED4F-4C0D-BEA1-4DA57B198A8A}"/>
+              </a:ext>
+            </a:extLst>
+          </p:cNvPr>
+          <p:cNvCxnSpPr>
+            <a:stCxn id="10" idx="2"/>
+            <a:endCxn id="33" idx="3"/>
+          </p:cNvCxnSpPr>
+          <p:nvPr/>
+        </p:nvCxnSpPr>
+        <p:spPr>
+          <a:xfrm rot="5400000">
+            <a:off x="5019379" y="2716568"/>
+            <a:ext cx="6834451" cy="6887718"/>
+          </a:xfrm>
+          <a:prstGeom prst="bentConnector2">
+            <a:avLst/>
+          </a:prstGeom>
+          <a:ln w="38100">
+            <a:prstDash val="lgDashDot"/>
+            <a:tailEnd type="triangle"/>
+          </a:ln>
+        </p:spPr>
+        <p:style>
+          <a:lnRef idx="1">
+            <a:schemeClr val="accent1"/>
+          </a:lnRef>
+          <a:fillRef idx="0">
+            <a:schemeClr val="accent1"/>
+          </a:fillRef>
+          <a:effectRef idx="0">
+            <a:schemeClr val="accent1"/>
+          </a:effectRef>
+          <a:fontRef idx="minor">
+            <a:schemeClr val="tx1"/>
+          </a:fontRef>
+        </p:style>
+      </p:cxnSp>
+      <p:sp>
+        <p:nvSpPr>
+          <p:cNvPr id="36" name="Flowchart: Decision 35">
+            <a:extLst>
+              <a:ext uri="{FF2B5EF4-FFF2-40B4-BE49-F238E27FC236}">
+                <a16:creationId xmlns:a16="http://schemas.microsoft.com/office/drawing/2014/main" id="{B129F9B9-9C96-4552-B8C4-39A72C2CF7BB}"/>
+              </a:ext>
+            </a:extLst>
+          </p:cNvPr>
+          <p:cNvSpPr/>
+          <p:nvPr/>
+        </p:nvSpPr>
+        <p:spPr>
+          <a:xfrm>
+            <a:off x="2902689" y="11497304"/>
+            <a:ext cx="2090057" cy="1154397"/>
+          </a:xfrm>
+          <a:prstGeom prst="flowChartDecision">
+            <a:avLst/>
+          </a:prstGeom>
+        </p:spPr>
+        <p:style>
+          <a:lnRef idx="2">
+            <a:schemeClr val="accent1">
+              <a:shade val="50000"/>
+            </a:schemeClr>
+          </a:lnRef>
+          <a:fillRef idx="1">
+            <a:schemeClr val="accent1"/>
+          </a:fillRef>
+          <a:effectRef idx="0">
+            <a:schemeClr val="accent1"/>
+          </a:effectRef>
+          <a:fontRef idx="minor">
+            <a:schemeClr val="lt1"/>
+          </a:fontRef>
+        </p:style>
+        <p:txBody>
+          <a:bodyPr rtlCol="0" anchor="ctr"/>
+          <a:lstStyle/>
+          <a:p>
+            <a:pPr algn="ctr"/>
+            <a:r>
+              <a:rPr lang="en-US" dirty="0"/>
+              <a:t>Number &lt; # of threads?</a:t>
+            </a:r>
+          </a:p>
+        </p:txBody>
+      </p:sp>
+      <p:sp>
+        <p:nvSpPr>
+          <p:cNvPr id="37" name="Flowchart: Off-page Connector 36">
+            <a:extLst>
+              <a:ext uri="{FF2B5EF4-FFF2-40B4-BE49-F238E27FC236}">
+                <a16:creationId xmlns:a16="http://schemas.microsoft.com/office/drawing/2014/main" id="{33EA2426-F959-4F97-819E-07448BF09F71}"/>
+              </a:ext>
+            </a:extLst>
+          </p:cNvPr>
+          <p:cNvSpPr/>
+          <p:nvPr/>
+        </p:nvSpPr>
+        <p:spPr>
+          <a:xfrm>
+            <a:off x="10835435" y="10058398"/>
+            <a:ext cx="2090057" cy="576203"/>
+          </a:xfrm>
+          <a:prstGeom prst="flowChartOffpageConnector">
+            <a:avLst/>
+          </a:prstGeom>
+        </p:spPr>
+        <p:style>
+          <a:lnRef idx="2">
+            <a:schemeClr val="accent1">
+              <a:shade val="50000"/>
+            </a:schemeClr>
+          </a:lnRef>
+          <a:fillRef idx="1">
+            <a:schemeClr val="accent1"/>
+          </a:fillRef>
+          <a:effectRef idx="0">
+            <a:schemeClr val="accent1"/>
+          </a:effectRef>
+          <a:fontRef idx="minor">
+            <a:schemeClr val="lt1"/>
+          </a:fontRef>
+        </p:style>
+        <p:txBody>
+          <a:bodyPr rtlCol="0" anchor="ctr"/>
+          <a:lstStyle/>
+          <a:p>
+            <a:pPr algn="ctr"/>
+            <a:r>
+              <a:rPr lang="en-US" dirty="0"/>
+              <a:t>Add 1 to indicate finished sensing</a:t>
+            </a:r>
+          </a:p>
+        </p:txBody>
+      </p:sp>
+      <p:cxnSp>
+        <p:nvCxnSpPr>
+          <p:cNvPr id="39" name="Connector: Elbow 38">
+            <a:extLst>
+              <a:ext uri="{FF2B5EF4-FFF2-40B4-BE49-F238E27FC236}">
+                <a16:creationId xmlns:a16="http://schemas.microsoft.com/office/drawing/2014/main" id="{EDA6934F-FFAD-4198-B397-8018C5CCCD3F}"/>
+              </a:ext>
+            </a:extLst>
+          </p:cNvPr>
+          <p:cNvCxnSpPr>
+            <a:stCxn id="33" idx="2"/>
+            <a:endCxn id="37" idx="1"/>
+          </p:cNvCxnSpPr>
+          <p:nvPr/>
+        </p:nvCxnSpPr>
+        <p:spPr>
+          <a:xfrm rot="16200000" flipH="1">
+            <a:off x="7137032" y="6648097"/>
+            <a:ext cx="509088" cy="6887718"/>
+          </a:xfrm>
+          <a:prstGeom prst="bentConnector2">
+            <a:avLst/>
+          </a:prstGeom>
+          <a:ln w="38100">
+            <a:prstDash val="lgDashDot"/>
+            <a:tailEnd type="triangle"/>
+          </a:ln>
+        </p:spPr>
+        <p:style>
+          <a:lnRef idx="1">
+            <a:schemeClr val="accent1"/>
+          </a:lnRef>
+          <a:fillRef idx="0">
+            <a:schemeClr val="accent1"/>
+          </a:fillRef>
+          <a:effectRef idx="0">
+            <a:schemeClr val="accent1"/>
+          </a:effectRef>
+          <a:fontRef idx="minor">
+            <a:schemeClr val="tx1"/>
+          </a:fontRef>
+        </p:style>
+      </p:cxnSp>
+      <p:cxnSp>
+        <p:nvCxnSpPr>
+          <p:cNvPr id="41" name="Connector: Elbow 40">
+            <a:extLst>
+              <a:ext uri="{FF2B5EF4-FFF2-40B4-BE49-F238E27FC236}">
+                <a16:creationId xmlns:a16="http://schemas.microsoft.com/office/drawing/2014/main" id="{7DCE2A68-D371-4B4E-ADD5-D8F5287FCE28}"/>
+              </a:ext>
+            </a:extLst>
+          </p:cNvPr>
+          <p:cNvCxnSpPr>
+            <a:stCxn id="37" idx="2"/>
+            <a:endCxn id="36" idx="0"/>
+          </p:cNvCxnSpPr>
+          <p:nvPr/>
+        </p:nvCxnSpPr>
+        <p:spPr>
+          <a:xfrm rot="5400000">
+            <a:off x="7482740" y="7099579"/>
+            <a:ext cx="862703" cy="7932746"/>
+          </a:xfrm>
+          <a:prstGeom prst="bentConnector3">
+            <a:avLst/>
+          </a:prstGeom>
+          <a:ln w="38100">
+            <a:prstDash val="lgDashDot"/>
+            <a:tailEnd type="triangle"/>
+          </a:ln>
+        </p:spPr>
+        <p:style>
+          <a:lnRef idx="1">
+            <a:schemeClr val="accent1"/>
+          </a:lnRef>
+          <a:fillRef idx="0">
+            <a:schemeClr val="accent1"/>
+          </a:fillRef>
+          <a:effectRef idx="0">
+            <a:schemeClr val="accent1"/>
+          </a:effectRef>
+          <a:fontRef idx="minor">
+            <a:schemeClr val="tx1"/>
+          </a:fontRef>
+        </p:style>
+      </p:cxnSp>
+      <p:cxnSp>
+        <p:nvCxnSpPr>
+          <p:cNvPr id="44" name="Connector: Elbow 43">
+            <a:extLst>
+              <a:ext uri="{FF2B5EF4-FFF2-40B4-BE49-F238E27FC236}">
+                <a16:creationId xmlns:a16="http://schemas.microsoft.com/office/drawing/2014/main" id="{B88FA87F-E795-42E6-AC10-F34ECD9F6FEC}"/>
+              </a:ext>
+            </a:extLst>
+          </p:cNvPr>
+          <p:cNvCxnSpPr>
+            <a:stCxn id="11" idx="2"/>
+            <a:endCxn id="14" idx="0"/>
+          </p:cNvCxnSpPr>
+          <p:nvPr/>
+        </p:nvCxnSpPr>
+        <p:spPr>
+          <a:xfrm rot="16200000" flipH="1">
+            <a:off x="3656098" y="3858090"/>
+            <a:ext cx="583241" cy="1"/>
+          </a:xfrm>
+          <a:prstGeom prst="bentConnector3">
+            <a:avLst/>
+          </a:prstGeom>
+          <a:ln w="38100">
+            <a:tailEnd type="triangle"/>
+          </a:ln>
+        </p:spPr>
+        <p:style>
+          <a:lnRef idx="1">
+            <a:schemeClr val="accent1"/>
+          </a:lnRef>
+          <a:fillRef idx="0">
+            <a:schemeClr val="accent1"/>
+          </a:fillRef>
+          <a:effectRef idx="0">
+            <a:schemeClr val="accent1"/>
+          </a:effectRef>
+          <a:fontRef idx="minor">
+            <a:schemeClr val="tx1"/>
+          </a:fontRef>
+        </p:style>
+      </p:cxnSp>
+      <p:cxnSp>
+        <p:nvCxnSpPr>
+          <p:cNvPr id="46" name="Connector: Elbow 45">
+            <a:extLst>
+              <a:ext uri="{FF2B5EF4-FFF2-40B4-BE49-F238E27FC236}">
+                <a16:creationId xmlns:a16="http://schemas.microsoft.com/office/drawing/2014/main" id="{101D61D5-66EE-40CF-867F-0C2708048948}"/>
+              </a:ext>
+            </a:extLst>
+          </p:cNvPr>
+          <p:cNvCxnSpPr>
+            <a:stCxn id="14" idx="2"/>
+            <a:endCxn id="16" idx="0"/>
+          </p:cNvCxnSpPr>
+          <p:nvPr/>
+        </p:nvCxnSpPr>
+        <p:spPr>
+          <a:xfrm rot="5400000">
+            <a:off x="3659134" y="4957816"/>
+            <a:ext cx="577170" cy="1"/>
+          </a:xfrm>
+          <a:prstGeom prst="bentConnector3">
+            <a:avLst/>
+          </a:prstGeom>
+          <a:ln w="38100">
+            <a:tailEnd type="triangle"/>
+          </a:ln>
+        </p:spPr>
+        <p:style>
+          <a:lnRef idx="1">
+            <a:schemeClr val="accent1"/>
+          </a:lnRef>
+          <a:fillRef idx="0">
+            <a:schemeClr val="accent1"/>
+          </a:fillRef>
+          <a:effectRef idx="0">
+            <a:schemeClr val="accent1"/>
+          </a:effectRef>
+          <a:fontRef idx="minor">
+            <a:schemeClr val="tx1"/>
+          </a:fontRef>
+        </p:style>
+      </p:cxnSp>
+      <p:cxnSp>
+        <p:nvCxnSpPr>
+          <p:cNvPr id="48" name="Connector: Elbow 47">
+            <a:extLst>
+              <a:ext uri="{FF2B5EF4-FFF2-40B4-BE49-F238E27FC236}">
+                <a16:creationId xmlns:a16="http://schemas.microsoft.com/office/drawing/2014/main" id="{9BE5B4D8-BE28-4766-ADE5-13BDDBBD39D9}"/>
+              </a:ext>
+            </a:extLst>
+          </p:cNvPr>
+          <p:cNvCxnSpPr>
+            <a:stCxn id="16" idx="2"/>
+            <a:endCxn id="26" idx="0"/>
+          </p:cNvCxnSpPr>
+          <p:nvPr/>
+        </p:nvCxnSpPr>
+        <p:spPr>
+          <a:xfrm rot="16200000" flipH="1">
+            <a:off x="3656594" y="6691921"/>
+            <a:ext cx="582249" cy="1"/>
+          </a:xfrm>
+          <a:prstGeom prst="bentConnector3">
+            <a:avLst/>
+          </a:prstGeom>
+          <a:ln w="38100">
+            <a:tailEnd type="triangle"/>
+          </a:ln>
+        </p:spPr>
+        <p:style>
+          <a:lnRef idx="1">
+            <a:schemeClr val="accent1"/>
+          </a:lnRef>
+          <a:fillRef idx="0">
+            <a:schemeClr val="accent1"/>
+          </a:fillRef>
+          <a:effectRef idx="0">
+            <a:schemeClr val="accent1"/>
+          </a:effectRef>
+          <a:fontRef idx="minor">
+            <a:schemeClr val="tx1"/>
+          </a:fontRef>
+        </p:style>
+      </p:cxnSp>
+      <p:cxnSp>
+        <p:nvCxnSpPr>
+          <p:cNvPr id="69" name="Connector: Elbow 68">
+            <a:extLst>
+              <a:ext uri="{FF2B5EF4-FFF2-40B4-BE49-F238E27FC236}">
+                <a16:creationId xmlns:a16="http://schemas.microsoft.com/office/drawing/2014/main" id="{B166AFE7-C5C4-463D-807B-ABD83A461E4B}"/>
+              </a:ext>
+            </a:extLst>
+          </p:cNvPr>
+          <p:cNvCxnSpPr>
+            <a:stCxn id="26" idx="2"/>
+            <a:endCxn id="33" idx="0"/>
+          </p:cNvCxnSpPr>
+          <p:nvPr/>
+        </p:nvCxnSpPr>
+        <p:spPr>
+          <a:xfrm rot="5400000">
+            <a:off x="3357494" y="8727667"/>
+            <a:ext cx="1180449" cy="2"/>
+          </a:xfrm>
+          <a:prstGeom prst="bentConnector3">
+            <a:avLst/>
+          </a:prstGeom>
+          <a:ln w="38100">
+            <a:tailEnd type="triangle"/>
+          </a:ln>
+        </p:spPr>
+        <p:style>
+          <a:lnRef idx="1">
+            <a:schemeClr val="accent1"/>
+          </a:lnRef>
+          <a:fillRef idx="0">
+            <a:schemeClr val="accent1"/>
+          </a:fillRef>
+          <a:effectRef idx="0">
+            <a:schemeClr val="accent1"/>
+          </a:effectRef>
+          <a:fontRef idx="minor">
+            <a:schemeClr val="tx1"/>
+          </a:fontRef>
+        </p:style>
+      </p:cxnSp>
+      <p:sp>
+        <p:nvSpPr>
+          <p:cNvPr id="76" name="Flowchart: Off-page Connector 75">
+            <a:extLst>
+              <a:ext uri="{FF2B5EF4-FFF2-40B4-BE49-F238E27FC236}">
+                <a16:creationId xmlns:a16="http://schemas.microsoft.com/office/drawing/2014/main" id="{D61B6907-1997-47CD-AF56-56061E7A6AD5}"/>
+              </a:ext>
+            </a:extLst>
+          </p:cNvPr>
+          <p:cNvSpPr/>
+          <p:nvPr/>
+        </p:nvSpPr>
+        <p:spPr>
+          <a:xfrm>
+            <a:off x="10835433" y="11753993"/>
+            <a:ext cx="2090057" cy="641017"/>
+          </a:xfrm>
+          <a:prstGeom prst="flowChartOffpageConnector">
+            <a:avLst/>
+          </a:prstGeom>
+        </p:spPr>
+        <p:style>
+          <a:lnRef idx="2">
+            <a:schemeClr val="accent1">
+              <a:shade val="50000"/>
+            </a:schemeClr>
+          </a:lnRef>
+          <a:fillRef idx="1">
+            <a:schemeClr val="accent1"/>
+          </a:fillRef>
+          <a:effectRef idx="0">
+            <a:schemeClr val="accent1"/>
+          </a:effectRef>
+          <a:fontRef idx="minor">
+            <a:schemeClr val="lt1"/>
+          </a:fontRef>
+        </p:style>
+        <p:txBody>
+          <a:bodyPr rtlCol="0" anchor="ctr"/>
+          <a:lstStyle/>
+          <a:p>
+            <a:pPr algn="ctr"/>
+            <a:r>
+              <a:rPr lang="en-US" dirty="0"/>
+              <a:t>Output 0</a:t>
+            </a:r>
+          </a:p>
+        </p:txBody>
+      </p:sp>
+      <p:sp>
+        <p:nvSpPr>
+          <p:cNvPr id="77" name="Flowchart: Data 76">
+            <a:extLst>
+              <a:ext uri="{FF2B5EF4-FFF2-40B4-BE49-F238E27FC236}">
+                <a16:creationId xmlns:a16="http://schemas.microsoft.com/office/drawing/2014/main" id="{89A03E5F-0078-4755-B494-5B3EF2759610}"/>
+              </a:ext>
+            </a:extLst>
+          </p:cNvPr>
+          <p:cNvSpPr/>
+          <p:nvPr/>
+        </p:nvSpPr>
+        <p:spPr>
+          <a:xfrm>
+            <a:off x="6869062" y="13182602"/>
+            <a:ext cx="2090057" cy="718457"/>
+          </a:xfrm>
+          <a:prstGeom prst="flowChartInputOutput">
+            <a:avLst/>
+          </a:prstGeom>
+        </p:spPr>
+        <p:style>
+          <a:lnRef idx="2">
+            <a:schemeClr val="accent1">
+              <a:shade val="50000"/>
+            </a:schemeClr>
+          </a:lnRef>
+          <a:fillRef idx="1">
+            <a:schemeClr val="accent1"/>
+          </a:fillRef>
+          <a:effectRef idx="0">
+            <a:schemeClr val="accent1"/>
+          </a:effectRef>
+          <a:fontRef idx="minor">
+            <a:schemeClr val="lt1"/>
+          </a:fontRef>
+        </p:style>
+        <p:txBody>
+          <a:bodyPr rtlCol="0" anchor="ctr"/>
+          <a:lstStyle/>
+          <a:p>
+            <a:pPr algn="ctr"/>
+            <a:r>
+              <a:rPr lang="en-US" dirty="0"/>
+              <a:t>END</a:t>
+            </a:r>
+          </a:p>
+        </p:txBody>
+      </p:sp>
+      <p:cxnSp>
+        <p:nvCxnSpPr>
+          <p:cNvPr id="79" name="Connector: Elbow 78">
+            <a:extLst>
+              <a:ext uri="{FF2B5EF4-FFF2-40B4-BE49-F238E27FC236}">
+                <a16:creationId xmlns:a16="http://schemas.microsoft.com/office/drawing/2014/main" id="{466584EA-30E8-4400-B523-BAF6BEDD7F4B}"/>
+              </a:ext>
+            </a:extLst>
+          </p:cNvPr>
+          <p:cNvCxnSpPr>
+            <a:stCxn id="36" idx="3"/>
+            <a:endCxn id="76" idx="1"/>
+          </p:cNvCxnSpPr>
+          <p:nvPr/>
+        </p:nvCxnSpPr>
+        <p:spPr>
+          <a:xfrm flipV="1">
+            <a:off x="4992746" y="12074502"/>
+            <a:ext cx="5842687" cy="1"/>
+          </a:xfrm>
+          <a:prstGeom prst="bentConnector3">
+            <a:avLst/>
+          </a:prstGeom>
+          <a:ln w="38100">
+            <a:solidFill>
+              <a:srgbClr val="FF0000"/>
+            </a:solidFill>
+            <a:prstDash val="lgDashDot"/>
+            <a:tailEnd type="triangle"/>
+          </a:ln>
+        </p:spPr>
+        <p:style>
+          <a:lnRef idx="1">
+            <a:schemeClr val="accent1"/>
+          </a:lnRef>
+          <a:fillRef idx="0">
+            <a:schemeClr val="accent1"/>
+          </a:fillRef>
+          <a:effectRef idx="0">
+            <a:schemeClr val="accent1"/>
+          </a:effectRef>
+          <a:fontRef idx="minor">
+            <a:schemeClr val="tx1"/>
+          </a:fontRef>
+        </p:style>
+      </p:cxnSp>
+      <p:cxnSp>
+        <p:nvCxnSpPr>
+          <p:cNvPr id="83" name="Connector: Elbow 82">
+            <a:extLst>
+              <a:ext uri="{FF2B5EF4-FFF2-40B4-BE49-F238E27FC236}">
+                <a16:creationId xmlns:a16="http://schemas.microsoft.com/office/drawing/2014/main" id="{3C7C3E92-87C3-432E-B368-353EF3AE1E1A}"/>
+              </a:ext>
+            </a:extLst>
+          </p:cNvPr>
+          <p:cNvCxnSpPr>
+            <a:stCxn id="36" idx="3"/>
+            <a:endCxn id="77" idx="0"/>
+          </p:cNvCxnSpPr>
+          <p:nvPr/>
+        </p:nvCxnSpPr>
+        <p:spPr>
+          <a:xfrm>
+            <a:off x="4992746" y="12074503"/>
+            <a:ext cx="3130350" cy="1108099"/>
+          </a:xfrm>
+          <a:prstGeom prst="bentConnector2">
+            <a:avLst/>
+          </a:prstGeom>
+          <a:ln w="38100">
+            <a:solidFill>
+              <a:srgbClr val="FF0000"/>
+            </a:solidFill>
+            <a:tailEnd type="triangle"/>
+          </a:ln>
+        </p:spPr>
+        <p:style>
+          <a:lnRef idx="1">
+            <a:schemeClr val="accent1"/>
+          </a:lnRef>
+          <a:fillRef idx="0">
+            <a:schemeClr val="accent1"/>
+          </a:fillRef>
+          <a:effectRef idx="0">
+            <a:schemeClr val="accent1"/>
+          </a:effectRef>
+          <a:fontRef idx="minor">
+            <a:schemeClr val="tx1"/>
+          </a:fontRef>
+        </p:style>
+      </p:cxnSp>
+      <p:sp>
+        <p:nvSpPr>
+          <p:cNvPr id="84" name="Flowchart: Process 83">
+            <a:extLst>
+              <a:ext uri="{FF2B5EF4-FFF2-40B4-BE49-F238E27FC236}">
+                <a16:creationId xmlns:a16="http://schemas.microsoft.com/office/drawing/2014/main" id="{F93B090C-7B01-471B-8660-C9519D59D02E}"/>
+              </a:ext>
+            </a:extLst>
+          </p:cNvPr>
+          <p:cNvSpPr/>
+          <p:nvPr/>
+        </p:nvSpPr>
+        <p:spPr>
+          <a:xfrm>
+            <a:off x="2902688" y="13228899"/>
+            <a:ext cx="2090057" cy="519519"/>
+          </a:xfrm>
+          <a:prstGeom prst="flowChartProcess">
+            <a:avLst/>
+          </a:prstGeom>
+        </p:spPr>
+        <p:style>
+          <a:lnRef idx="2">
+            <a:schemeClr val="accent1">
+              <a:shade val="50000"/>
+            </a:schemeClr>
+          </a:lnRef>
+          <a:fillRef idx="1">
+            <a:schemeClr val="accent1"/>
+          </a:fillRef>
+          <a:effectRef idx="0">
+            <a:schemeClr val="accent1"/>
+          </a:effectRef>
+          <a:fontRef idx="minor">
+            <a:schemeClr val="lt1"/>
+          </a:fontRef>
+        </p:style>
+        <p:txBody>
+          <a:bodyPr rtlCol="0" anchor="ctr"/>
+          <a:lstStyle/>
+          <a:p>
+            <a:pPr algn="ctr"/>
+            <a:r>
+              <a:rPr lang="en-US" dirty="0"/>
+              <a:t>Read time queue</a:t>
+            </a:r>
+          </a:p>
+        </p:txBody>
+      </p:sp>
+      <p:cxnSp>
+        <p:nvCxnSpPr>
+          <p:cNvPr id="86" name="Connector: Elbow 85">
+            <a:extLst>
+              <a:ext uri="{FF2B5EF4-FFF2-40B4-BE49-F238E27FC236}">
+                <a16:creationId xmlns:a16="http://schemas.microsoft.com/office/drawing/2014/main" id="{A1694BD7-FCC3-4CBD-A769-F9DD11646204}"/>
+              </a:ext>
+            </a:extLst>
+          </p:cNvPr>
+          <p:cNvCxnSpPr>
+            <a:stCxn id="36" idx="2"/>
+            <a:endCxn id="84" idx="0"/>
+          </p:cNvCxnSpPr>
+          <p:nvPr/>
+        </p:nvCxnSpPr>
+        <p:spPr>
+          <a:xfrm rot="5400000">
+            <a:off x="3659119" y="12940300"/>
+            <a:ext cx="577198" cy="1"/>
+          </a:xfrm>
+          <a:prstGeom prst="bentConnector3">
+            <a:avLst/>
+          </a:prstGeom>
+          <a:ln w="38100">
+            <a:solidFill>
+              <a:srgbClr val="00B050"/>
+            </a:solidFill>
+            <a:tailEnd type="triangle"/>
+          </a:ln>
+        </p:spPr>
+        <p:style>
+          <a:lnRef idx="1">
+            <a:schemeClr val="accent1"/>
+          </a:lnRef>
+          <a:fillRef idx="0">
+            <a:schemeClr val="accent1"/>
+          </a:fillRef>
+          <a:effectRef idx="0">
+            <a:schemeClr val="accent1"/>
+          </a:effectRef>
+          <a:fontRef idx="minor">
+            <a:schemeClr val="tx1"/>
+          </a:fontRef>
+        </p:style>
+      </p:cxnSp>
+      <p:cxnSp>
+        <p:nvCxnSpPr>
+          <p:cNvPr id="96" name="Connector: Elbow 95">
+            <a:extLst>
+              <a:ext uri="{FF2B5EF4-FFF2-40B4-BE49-F238E27FC236}">
+                <a16:creationId xmlns:a16="http://schemas.microsoft.com/office/drawing/2014/main" id="{1021A9A6-C761-4A70-9E36-4C947B4FBFAB}"/>
+              </a:ext>
+            </a:extLst>
+          </p:cNvPr>
+          <p:cNvCxnSpPr>
+            <a:stCxn id="84" idx="2"/>
+            <a:endCxn id="36" idx="1"/>
+          </p:cNvCxnSpPr>
+          <p:nvPr/>
+        </p:nvCxnSpPr>
+        <p:spPr>
+          <a:xfrm rot="5400000" flipH="1">
+            <a:off x="2588245" y="12388947"/>
+            <a:ext cx="1673915" cy="1045028"/>
+          </a:xfrm>
+          <a:prstGeom prst="bentConnector4">
+            <a:avLst>
+              <a:gd name="adj1" fmla="val -27314"/>
+              <a:gd name="adj2" fmla="val 191875"/>
+            </a:avLst>
+          </a:prstGeom>
+          <a:ln w="38100">
+            <a:tailEnd type="triangle"/>
+          </a:ln>
+        </p:spPr>
+        <p:style>
+          <a:lnRef idx="1">
+            <a:schemeClr val="accent1"/>
+          </a:lnRef>
+          <a:fillRef idx="0">
+            <a:schemeClr val="accent1"/>
+          </a:fillRef>
+          <a:effectRef idx="0">
+            <a:schemeClr val="accent1"/>
+          </a:effectRef>
+          <a:fontRef idx="minor">
+            <a:schemeClr val="tx1"/>
+          </a:fontRef>
+        </p:style>
+      </p:cxnSp>
+      <p:cxnSp>
+        <p:nvCxnSpPr>
+          <p:cNvPr id="100" name="Connector: Elbow 99">
+            <a:extLst>
+              <a:ext uri="{FF2B5EF4-FFF2-40B4-BE49-F238E27FC236}">
+                <a16:creationId xmlns:a16="http://schemas.microsoft.com/office/drawing/2014/main" id="{BA719404-B595-4C6A-BAE2-B97796946D49}"/>
+              </a:ext>
+            </a:extLst>
+          </p:cNvPr>
+          <p:cNvCxnSpPr>
+            <a:stCxn id="9" idx="2"/>
+            <a:endCxn id="18" idx="0"/>
+          </p:cNvCxnSpPr>
+          <p:nvPr/>
+        </p:nvCxnSpPr>
+        <p:spPr>
+          <a:xfrm rot="16200000" flipH="1">
+            <a:off x="7295540" y="4122891"/>
+            <a:ext cx="2759889" cy="507"/>
+          </a:xfrm>
+          <a:prstGeom prst="bentConnector3">
+            <a:avLst/>
+          </a:prstGeom>
+          <a:ln w="38100">
+            <a:prstDash val="sysDot"/>
+            <a:tailEnd type="triangle"/>
+          </a:ln>
+        </p:spPr>
+        <p:style>
+          <a:lnRef idx="1">
+            <a:schemeClr val="accent1"/>
+          </a:lnRef>
+          <a:fillRef idx="0">
+            <a:schemeClr val="accent1"/>
+          </a:fillRef>
+          <a:effectRef idx="0">
+            <a:schemeClr val="accent1"/>
+          </a:effectRef>
+          <a:fontRef idx="minor">
+            <a:schemeClr val="tx1"/>
+          </a:fontRef>
+        </p:style>
+      </p:cxnSp>
+      <p:sp>
+        <p:nvSpPr>
+          <p:cNvPr id="115" name="Flowchart: Process 114">
+            <a:extLst>
+              <a:ext uri="{FF2B5EF4-FFF2-40B4-BE49-F238E27FC236}">
+                <a16:creationId xmlns:a16="http://schemas.microsoft.com/office/drawing/2014/main" id="{81827D50-FECC-4310-97EB-01052D307168}"/>
+              </a:ext>
+            </a:extLst>
+          </p:cNvPr>
+          <p:cNvSpPr/>
+          <p:nvPr/>
+        </p:nvSpPr>
+        <p:spPr>
+          <a:xfrm>
+            <a:off x="17040447" y="3046952"/>
+            <a:ext cx="2090057" cy="519519"/>
+          </a:xfrm>
+          <a:prstGeom prst="flowChartProcess">
+            <a:avLst/>
+          </a:prstGeom>
+        </p:spPr>
+        <p:style>
+          <a:lnRef idx="2">
+            <a:schemeClr val="accent1">
+              <a:shade val="50000"/>
+            </a:schemeClr>
+          </a:lnRef>
+          <a:fillRef idx="1">
+            <a:schemeClr val="accent1"/>
+          </a:fillRef>
+          <a:effectRef idx="0">
+            <a:schemeClr val="accent1"/>
+          </a:effectRef>
+          <a:fontRef idx="minor">
+            <a:schemeClr val="lt1"/>
+          </a:fontRef>
+        </p:style>
+        <p:txBody>
+          <a:bodyPr rtlCol="0" anchor="ctr"/>
+          <a:lstStyle/>
+          <a:p>
+            <a:pPr algn="ctr"/>
+            <a:r>
+              <a:rPr lang="en-US" dirty="0"/>
+              <a:t>Start Thread 1</a:t>
+            </a:r>
+          </a:p>
+        </p:txBody>
+      </p:sp>
+      <p:sp>
+        <p:nvSpPr>
+          <p:cNvPr id="116" name="Flowchart: Process 115">
+            <a:extLst>
+              <a:ext uri="{FF2B5EF4-FFF2-40B4-BE49-F238E27FC236}">
+                <a16:creationId xmlns:a16="http://schemas.microsoft.com/office/drawing/2014/main" id="{95A043DD-2CA8-4B5B-9E3E-CBA2BC5796FE}"/>
+              </a:ext>
+            </a:extLst>
+          </p:cNvPr>
+          <p:cNvSpPr/>
+          <p:nvPr/>
+        </p:nvSpPr>
+        <p:spPr>
+          <a:xfrm>
+            <a:off x="17040448" y="4149712"/>
+            <a:ext cx="2090057" cy="519519"/>
+          </a:xfrm>
+          <a:prstGeom prst="flowChartProcess">
+            <a:avLst/>
+          </a:prstGeom>
+        </p:spPr>
+        <p:style>
+          <a:lnRef idx="2">
+            <a:schemeClr val="accent1">
+              <a:shade val="50000"/>
+            </a:schemeClr>
+          </a:lnRef>
+          <a:fillRef idx="1">
+            <a:schemeClr val="accent1"/>
+          </a:fillRef>
+          <a:effectRef idx="0">
+            <a:schemeClr val="accent1"/>
+          </a:effectRef>
+          <a:fontRef idx="minor">
+            <a:schemeClr val="lt1"/>
+          </a:fontRef>
+        </p:style>
+        <p:txBody>
+          <a:bodyPr rtlCol="0" anchor="ctr"/>
+          <a:lstStyle/>
+          <a:p>
+            <a:pPr algn="ctr"/>
+            <a:r>
+              <a:rPr lang="en-US" dirty="0"/>
+              <a:t>Read sensor signal</a:t>
+            </a:r>
+          </a:p>
+        </p:txBody>
+      </p:sp>
+      <p:sp>
+        <p:nvSpPr>
+          <p:cNvPr id="117" name="Flowchart: Decision 116">
+            <a:extLst>
+              <a:ext uri="{FF2B5EF4-FFF2-40B4-BE49-F238E27FC236}">
+                <a16:creationId xmlns:a16="http://schemas.microsoft.com/office/drawing/2014/main" id="{23815285-01B5-426C-9A9E-BAE000E0AB76}"/>
+              </a:ext>
+            </a:extLst>
+          </p:cNvPr>
+          <p:cNvSpPr/>
+          <p:nvPr/>
+        </p:nvSpPr>
+        <p:spPr>
+          <a:xfrm>
+            <a:off x="17040447" y="5246401"/>
+            <a:ext cx="2090057" cy="1154397"/>
+          </a:xfrm>
+          <a:prstGeom prst="flowChartDecision">
+            <a:avLst/>
+          </a:prstGeom>
+        </p:spPr>
+        <p:style>
+          <a:lnRef idx="2">
+            <a:schemeClr val="accent1">
+              <a:shade val="50000"/>
+            </a:schemeClr>
+          </a:lnRef>
+          <a:fillRef idx="1">
+            <a:schemeClr val="accent1"/>
+          </a:fillRef>
+          <a:effectRef idx="0">
+            <a:schemeClr val="accent1"/>
+          </a:effectRef>
+          <a:fontRef idx="minor">
+            <a:schemeClr val="lt1"/>
+          </a:fontRef>
+        </p:style>
+        <p:txBody>
+          <a:bodyPr rtlCol="0" anchor="ctr"/>
+          <a:lstStyle/>
+          <a:p>
+            <a:pPr algn="ctr"/>
+            <a:r>
+              <a:rPr lang="en-US" dirty="0"/>
+              <a:t>Did it ping vole 1?</a:t>
+            </a:r>
+          </a:p>
+        </p:txBody>
+      </p:sp>
+      <p:sp>
+        <p:nvSpPr>
+          <p:cNvPr id="118" name="Flowchart: Decision 117">
+            <a:extLst>
+              <a:ext uri="{FF2B5EF4-FFF2-40B4-BE49-F238E27FC236}">
+                <a16:creationId xmlns:a16="http://schemas.microsoft.com/office/drawing/2014/main" id="{39E3A9AC-7B8E-4BD2-AC71-0598A7F6631E}"/>
+              </a:ext>
+            </a:extLst>
+          </p:cNvPr>
+          <p:cNvSpPr/>
+          <p:nvPr/>
+        </p:nvSpPr>
+        <p:spPr>
+          <a:xfrm>
+            <a:off x="17040445" y="6977968"/>
+            <a:ext cx="2090057" cy="1154397"/>
+          </a:xfrm>
+          <a:prstGeom prst="flowChartDecision">
+            <a:avLst/>
+          </a:prstGeom>
+        </p:spPr>
+        <p:style>
+          <a:lnRef idx="2">
+            <a:schemeClr val="accent1">
+              <a:shade val="50000"/>
+            </a:schemeClr>
+          </a:lnRef>
+          <a:fillRef idx="1">
+            <a:schemeClr val="accent1"/>
+          </a:fillRef>
+          <a:effectRef idx="0">
+            <a:schemeClr val="accent1"/>
+          </a:effectRef>
+          <a:fontRef idx="minor">
+            <a:schemeClr val="lt1"/>
+          </a:fontRef>
+        </p:style>
+        <p:txBody>
+          <a:bodyPr rtlCol="0" anchor="ctr"/>
+          <a:lstStyle/>
+          <a:p>
+            <a:pPr algn="ctr"/>
+            <a:r>
+              <a:rPr lang="en-US" dirty="0"/>
+              <a:t>Did it ping vole 2?</a:t>
+            </a:r>
+          </a:p>
+        </p:txBody>
+      </p:sp>
+      <p:sp>
+        <p:nvSpPr>
+          <p:cNvPr id="119" name="Flowchart: Process 118">
+            <a:extLst>
+              <a:ext uri="{FF2B5EF4-FFF2-40B4-BE49-F238E27FC236}">
+                <a16:creationId xmlns:a16="http://schemas.microsoft.com/office/drawing/2014/main" id="{1D7F6F10-B524-40C9-8FC5-B43E23BA251D}"/>
+              </a:ext>
+            </a:extLst>
+          </p:cNvPr>
+          <p:cNvSpPr/>
+          <p:nvPr/>
+        </p:nvSpPr>
+        <p:spPr>
+          <a:xfrm>
+            <a:off x="17040446" y="9317893"/>
+            <a:ext cx="2090057" cy="519519"/>
+          </a:xfrm>
+          <a:prstGeom prst="flowChartProcess">
+            <a:avLst/>
+          </a:prstGeom>
+        </p:spPr>
+        <p:style>
+          <a:lnRef idx="2">
+            <a:schemeClr val="accent1">
+              <a:shade val="50000"/>
+            </a:schemeClr>
+          </a:lnRef>
+          <a:fillRef idx="1">
+            <a:schemeClr val="accent1"/>
+          </a:fillRef>
+          <a:effectRef idx="0">
+            <a:schemeClr val="accent1"/>
+          </a:effectRef>
+          <a:fontRef idx="minor">
+            <a:schemeClr val="lt1"/>
+          </a:fontRef>
+        </p:style>
+        <p:txBody>
+          <a:bodyPr rtlCol="0" anchor="ctr"/>
+          <a:lstStyle/>
+          <a:p>
+            <a:pPr algn="ctr"/>
+            <a:r>
+              <a:rPr lang="en-US" dirty="0"/>
+              <a:t>Read time queue</a:t>
+            </a:r>
+          </a:p>
+        </p:txBody>
+      </p:sp>
+      <p:sp>
+        <p:nvSpPr>
+          <p:cNvPr id="120" name="Flowchart: Decision 119">
+            <a:extLst>
+              <a:ext uri="{FF2B5EF4-FFF2-40B4-BE49-F238E27FC236}">
+                <a16:creationId xmlns:a16="http://schemas.microsoft.com/office/drawing/2014/main" id="{7E2C8527-FA80-4776-A0F6-42F75B5CFA93}"/>
+              </a:ext>
+            </a:extLst>
+          </p:cNvPr>
+          <p:cNvSpPr/>
+          <p:nvPr/>
+        </p:nvSpPr>
+        <p:spPr>
+          <a:xfrm>
+            <a:off x="17040447" y="11497304"/>
+            <a:ext cx="2090057" cy="1154397"/>
+          </a:xfrm>
+          <a:prstGeom prst="flowChartDecision">
+            <a:avLst/>
+          </a:prstGeom>
+        </p:spPr>
+        <p:style>
+          <a:lnRef idx="2">
+            <a:schemeClr val="accent1">
+              <a:shade val="50000"/>
+            </a:schemeClr>
+          </a:lnRef>
+          <a:fillRef idx="1">
+            <a:schemeClr val="accent1"/>
+          </a:fillRef>
+          <a:effectRef idx="0">
+            <a:schemeClr val="accent1"/>
+          </a:effectRef>
+          <a:fontRef idx="minor">
+            <a:schemeClr val="lt1"/>
+          </a:fontRef>
+        </p:style>
+        <p:txBody>
+          <a:bodyPr rtlCol="0" anchor="ctr"/>
+          <a:lstStyle/>
+          <a:p>
+            <a:pPr algn="ctr"/>
+            <a:r>
+              <a:rPr lang="en-US" dirty="0"/>
+              <a:t>Number &lt; # of threads?</a:t>
+            </a:r>
+          </a:p>
+        </p:txBody>
+      </p:sp>
+      <p:cxnSp>
+        <p:nvCxnSpPr>
+          <p:cNvPr id="121" name="Connector: Elbow 120">
+            <a:extLst>
+              <a:ext uri="{FF2B5EF4-FFF2-40B4-BE49-F238E27FC236}">
+                <a16:creationId xmlns:a16="http://schemas.microsoft.com/office/drawing/2014/main" id="{8F1B1CFC-8E8C-4DF7-97B8-BAA8B99917D2}"/>
+              </a:ext>
+            </a:extLst>
+          </p:cNvPr>
+          <p:cNvCxnSpPr>
+            <a:stCxn id="115" idx="2"/>
+            <a:endCxn id="116" idx="0"/>
+          </p:cNvCxnSpPr>
+          <p:nvPr/>
+        </p:nvCxnSpPr>
+        <p:spPr>
+          <a:xfrm rot="16200000" flipH="1">
+            <a:off x="17793856" y="3858090"/>
+            <a:ext cx="583241" cy="1"/>
+          </a:xfrm>
+          <a:prstGeom prst="bentConnector3">
+            <a:avLst/>
+          </a:prstGeom>
+          <a:ln w="38100">
+            <a:tailEnd type="triangle"/>
+          </a:ln>
+        </p:spPr>
+        <p:style>
+          <a:lnRef idx="1">
+            <a:schemeClr val="accent1"/>
+          </a:lnRef>
+          <a:fillRef idx="0">
+            <a:schemeClr val="accent1"/>
+          </a:fillRef>
+          <a:effectRef idx="0">
+            <a:schemeClr val="accent1"/>
+          </a:effectRef>
+          <a:fontRef idx="minor">
+            <a:schemeClr val="tx1"/>
+          </a:fontRef>
+        </p:style>
+      </p:cxnSp>
+      <p:cxnSp>
+        <p:nvCxnSpPr>
+          <p:cNvPr id="122" name="Connector: Elbow 121">
+            <a:extLst>
+              <a:ext uri="{FF2B5EF4-FFF2-40B4-BE49-F238E27FC236}">
+                <a16:creationId xmlns:a16="http://schemas.microsoft.com/office/drawing/2014/main" id="{4D0E5702-B458-4234-B7C7-5439C0AC5E2B}"/>
+              </a:ext>
+            </a:extLst>
+          </p:cNvPr>
+          <p:cNvCxnSpPr>
+            <a:stCxn id="116" idx="2"/>
+            <a:endCxn id="117" idx="0"/>
+          </p:cNvCxnSpPr>
+          <p:nvPr/>
+        </p:nvCxnSpPr>
+        <p:spPr>
+          <a:xfrm rot="5400000">
+            <a:off x="17796892" y="4957816"/>
+            <a:ext cx="577170" cy="1"/>
+          </a:xfrm>
+          <a:prstGeom prst="bentConnector3">
+            <a:avLst/>
+          </a:prstGeom>
+          <a:ln w="38100">
+            <a:tailEnd type="triangle"/>
+          </a:ln>
+        </p:spPr>
+        <p:style>
+          <a:lnRef idx="1">
+            <a:schemeClr val="accent1"/>
+          </a:lnRef>
+          <a:fillRef idx="0">
+            <a:schemeClr val="accent1"/>
+          </a:fillRef>
+          <a:effectRef idx="0">
+            <a:schemeClr val="accent1"/>
+          </a:effectRef>
+          <a:fontRef idx="minor">
+            <a:schemeClr val="tx1"/>
+          </a:fontRef>
+        </p:style>
+      </p:cxnSp>
+      <p:cxnSp>
+        <p:nvCxnSpPr>
+          <p:cNvPr id="123" name="Connector: Elbow 122">
+            <a:extLst>
+              <a:ext uri="{FF2B5EF4-FFF2-40B4-BE49-F238E27FC236}">
+                <a16:creationId xmlns:a16="http://schemas.microsoft.com/office/drawing/2014/main" id="{43ECC7AB-8D85-4F86-A61B-B2464C3D273E}"/>
+              </a:ext>
+            </a:extLst>
+          </p:cNvPr>
+          <p:cNvCxnSpPr>
+            <a:stCxn id="117" idx="2"/>
+            <a:endCxn id="118" idx="0"/>
+          </p:cNvCxnSpPr>
+          <p:nvPr/>
+        </p:nvCxnSpPr>
+        <p:spPr>
+          <a:xfrm rot="5400000">
+            <a:off x="17796890" y="6689382"/>
+            <a:ext cx="577170" cy="2"/>
+          </a:xfrm>
+          <a:prstGeom prst="bentConnector3">
+            <a:avLst/>
+          </a:prstGeom>
+          <a:ln w="38100">
+            <a:tailEnd type="triangle"/>
+          </a:ln>
+        </p:spPr>
+        <p:style>
+          <a:lnRef idx="1">
+            <a:schemeClr val="accent1"/>
+          </a:lnRef>
+          <a:fillRef idx="0">
+            <a:schemeClr val="accent1"/>
+          </a:fillRef>
+          <a:effectRef idx="0">
+            <a:schemeClr val="accent1"/>
+          </a:effectRef>
+          <a:fontRef idx="minor">
+            <a:schemeClr val="tx1"/>
+          </a:fontRef>
+        </p:style>
+      </p:cxnSp>
+      <p:cxnSp>
+        <p:nvCxnSpPr>
+          <p:cNvPr id="124" name="Connector: Elbow 123">
+            <a:extLst>
+              <a:ext uri="{FF2B5EF4-FFF2-40B4-BE49-F238E27FC236}">
+                <a16:creationId xmlns:a16="http://schemas.microsoft.com/office/drawing/2014/main" id="{AA11D207-5B20-40AF-9E47-FF75955B961A}"/>
+              </a:ext>
+            </a:extLst>
+          </p:cNvPr>
+          <p:cNvCxnSpPr>
+            <a:stCxn id="118" idx="2"/>
+            <a:endCxn id="119" idx="0"/>
+          </p:cNvCxnSpPr>
+          <p:nvPr/>
+        </p:nvCxnSpPr>
+        <p:spPr>
+          <a:xfrm rot="16200000" flipH="1">
+            <a:off x="17492710" y="8725128"/>
+            <a:ext cx="1185528" cy="1"/>
+          </a:xfrm>
+          <a:prstGeom prst="bentConnector3">
+            <a:avLst/>
+          </a:prstGeom>
+          <a:ln w="38100">
+            <a:tailEnd type="triangle"/>
+          </a:ln>
+        </p:spPr>
+        <p:style>
+          <a:lnRef idx="1">
+            <a:schemeClr val="accent1"/>
+          </a:lnRef>
+          <a:fillRef idx="0">
+            <a:schemeClr val="accent1"/>
+          </a:fillRef>
+          <a:effectRef idx="0">
+            <a:schemeClr val="accent1"/>
+          </a:effectRef>
+          <a:fontRef idx="minor">
+            <a:schemeClr val="tx1"/>
+          </a:fontRef>
+        </p:style>
+      </p:cxnSp>
+      <p:sp>
+        <p:nvSpPr>
+          <p:cNvPr id="125" name="Flowchart: Process 124">
+            <a:extLst>
+              <a:ext uri="{FF2B5EF4-FFF2-40B4-BE49-F238E27FC236}">
+                <a16:creationId xmlns:a16="http://schemas.microsoft.com/office/drawing/2014/main" id="{083F0069-BAD5-488B-995E-4DE4F2944FD6}"/>
+              </a:ext>
+            </a:extLst>
+          </p:cNvPr>
+          <p:cNvSpPr/>
+          <p:nvPr/>
+        </p:nvSpPr>
+        <p:spPr>
+          <a:xfrm>
+            <a:off x="17040446" y="13228899"/>
+            <a:ext cx="2090057" cy="519519"/>
+          </a:xfrm>
+          <a:prstGeom prst="flowChartProcess">
+            <a:avLst/>
+          </a:prstGeom>
+        </p:spPr>
+        <p:style>
+          <a:lnRef idx="2">
+            <a:schemeClr val="accent1">
+              <a:shade val="50000"/>
+            </a:schemeClr>
+          </a:lnRef>
+          <a:fillRef idx="1">
+            <a:schemeClr val="accent1"/>
+          </a:fillRef>
+          <a:effectRef idx="0">
+            <a:schemeClr val="accent1"/>
+          </a:effectRef>
+          <a:fontRef idx="minor">
+            <a:schemeClr val="lt1"/>
+          </a:fontRef>
+        </p:style>
+        <p:txBody>
+          <a:bodyPr rtlCol="0" anchor="ctr"/>
+          <a:lstStyle/>
+          <a:p>
+            <a:pPr algn="ctr"/>
+            <a:r>
+              <a:rPr lang="en-US" dirty="0"/>
+              <a:t>Read time queue</a:t>
+            </a:r>
+          </a:p>
+        </p:txBody>
+      </p:sp>
+      <p:cxnSp>
+        <p:nvCxnSpPr>
+          <p:cNvPr id="126" name="Connector: Elbow 125">
+            <a:extLst>
+              <a:ext uri="{FF2B5EF4-FFF2-40B4-BE49-F238E27FC236}">
+                <a16:creationId xmlns:a16="http://schemas.microsoft.com/office/drawing/2014/main" id="{FB4AA93E-EF3F-4856-B0DC-484DBE8A1E94}"/>
+              </a:ext>
+            </a:extLst>
+          </p:cNvPr>
+          <p:cNvCxnSpPr>
+            <a:stCxn id="120" idx="2"/>
+            <a:endCxn id="125" idx="0"/>
+          </p:cNvCxnSpPr>
+          <p:nvPr/>
+        </p:nvCxnSpPr>
+        <p:spPr>
+          <a:xfrm rot="5400000">
+            <a:off x="17796877" y="12940300"/>
+            <a:ext cx="577198" cy="1"/>
+          </a:xfrm>
+          <a:prstGeom prst="bentConnector3">
+            <a:avLst/>
+          </a:prstGeom>
+          <a:ln w="38100">
+            <a:solidFill>
+              <a:srgbClr val="00B050"/>
+            </a:solidFill>
+            <a:tailEnd type="triangle"/>
+          </a:ln>
+        </p:spPr>
+        <p:style>
+          <a:lnRef idx="1">
+            <a:schemeClr val="accent1"/>
+          </a:lnRef>
+          <a:fillRef idx="0">
+            <a:schemeClr val="accent1"/>
+          </a:fillRef>
+          <a:effectRef idx="0">
+            <a:schemeClr val="accent1"/>
+          </a:effectRef>
+          <a:fontRef idx="minor">
+            <a:schemeClr val="tx1"/>
+          </a:fontRef>
+        </p:style>
+      </p:cxnSp>
+      <p:cxnSp>
+        <p:nvCxnSpPr>
+          <p:cNvPr id="129" name="Connector: Elbow 128">
+            <a:extLst>
+              <a:ext uri="{FF2B5EF4-FFF2-40B4-BE49-F238E27FC236}">
+                <a16:creationId xmlns:a16="http://schemas.microsoft.com/office/drawing/2014/main" id="{81AAA530-26CB-4FE5-839D-06BA46FC8EF4}"/>
+              </a:ext>
+            </a:extLst>
+          </p:cNvPr>
+          <p:cNvCxnSpPr>
+            <a:stCxn id="117" idx="1"/>
+            <a:endCxn id="18" idx="3"/>
+          </p:cNvCxnSpPr>
+          <p:nvPr/>
+        </p:nvCxnSpPr>
+        <p:spPr>
+          <a:xfrm rot="10800000">
+            <a:off x="9720767" y="5823600"/>
+            <a:ext cx="7319681" cy="1"/>
+          </a:xfrm>
+          <a:prstGeom prst="bentConnector3">
+            <a:avLst/>
+          </a:prstGeom>
+          <a:ln w="38100">
+            <a:solidFill>
+              <a:srgbClr val="00B050"/>
+            </a:solidFill>
+            <a:prstDash val="sysDot"/>
+            <a:tailEnd type="triangle"/>
+          </a:ln>
+        </p:spPr>
+        <p:style>
+          <a:lnRef idx="1">
+            <a:schemeClr val="accent1"/>
+          </a:lnRef>
+          <a:fillRef idx="0">
+            <a:schemeClr val="accent1"/>
+          </a:fillRef>
+          <a:effectRef idx="0">
+            <a:schemeClr val="accent1"/>
+          </a:effectRef>
+          <a:fontRef idx="minor">
+            <a:schemeClr val="tx1"/>
+          </a:fontRef>
+        </p:style>
+      </p:cxnSp>
+      <p:cxnSp>
+        <p:nvCxnSpPr>
+          <p:cNvPr id="133" name="Connector: Elbow 132">
+            <a:extLst>
+              <a:ext uri="{FF2B5EF4-FFF2-40B4-BE49-F238E27FC236}">
+                <a16:creationId xmlns:a16="http://schemas.microsoft.com/office/drawing/2014/main" id="{6E2C91DB-B3E1-4315-BB31-6FD07651CEDE}"/>
+              </a:ext>
+            </a:extLst>
+          </p:cNvPr>
+          <p:cNvCxnSpPr>
+            <a:stCxn id="118" idx="1"/>
+            <a:endCxn id="27" idx="3"/>
+          </p:cNvCxnSpPr>
+          <p:nvPr/>
+        </p:nvCxnSpPr>
+        <p:spPr>
+          <a:xfrm rot="10800000">
+            <a:off x="9720261" y="7554647"/>
+            <a:ext cx="7320185" cy="521"/>
+          </a:xfrm>
+          <a:prstGeom prst="bentConnector3">
+            <a:avLst/>
+          </a:prstGeom>
+          <a:ln w="38100">
+            <a:solidFill>
+              <a:srgbClr val="00B050"/>
+            </a:solidFill>
+            <a:prstDash val="sysDot"/>
+            <a:tailEnd type="triangle"/>
+          </a:ln>
+        </p:spPr>
+        <p:style>
+          <a:lnRef idx="1">
+            <a:schemeClr val="accent1"/>
+          </a:lnRef>
+          <a:fillRef idx="0">
+            <a:schemeClr val="accent1"/>
+          </a:fillRef>
+          <a:effectRef idx="0">
+            <a:schemeClr val="accent1"/>
+          </a:effectRef>
+          <a:fontRef idx="minor">
+            <a:schemeClr val="tx1"/>
+          </a:fontRef>
+        </p:style>
+      </p:cxnSp>
+      <p:cxnSp>
+        <p:nvCxnSpPr>
+          <p:cNvPr id="150" name="Connector: Elbow 149">
+            <a:extLst>
+              <a:ext uri="{FF2B5EF4-FFF2-40B4-BE49-F238E27FC236}">
+                <a16:creationId xmlns:a16="http://schemas.microsoft.com/office/drawing/2014/main" id="{3D68ACE8-5ACB-45B5-9191-B6F1F384FDC8}"/>
+              </a:ext>
+            </a:extLst>
+          </p:cNvPr>
+          <p:cNvCxnSpPr>
+            <a:stCxn id="10" idx="2"/>
+            <a:endCxn id="119" idx="1"/>
+          </p:cNvCxnSpPr>
+          <p:nvPr/>
+        </p:nvCxnSpPr>
+        <p:spPr>
+          <a:xfrm rot="16200000" flipH="1">
+            <a:off x="11043229" y="3580435"/>
+            <a:ext cx="6834451" cy="5159983"/>
+          </a:xfrm>
+          <a:prstGeom prst="bentConnector2">
+            <a:avLst/>
+          </a:prstGeom>
+          <a:ln w="38100">
+            <a:prstDash val="lgDashDot"/>
+            <a:tailEnd type="triangle"/>
+          </a:ln>
+        </p:spPr>
+        <p:style>
+          <a:lnRef idx="1">
+            <a:schemeClr val="accent1"/>
+          </a:lnRef>
+          <a:fillRef idx="0">
+            <a:schemeClr val="accent1"/>
+          </a:fillRef>
+          <a:effectRef idx="0">
+            <a:schemeClr val="accent1"/>
+          </a:effectRef>
+          <a:fontRef idx="minor">
+            <a:schemeClr val="tx1"/>
+          </a:fontRef>
+        </p:style>
+      </p:cxnSp>
+      <p:cxnSp>
+        <p:nvCxnSpPr>
+          <p:cNvPr id="152" name="Connector: Elbow 151">
+            <a:extLst>
+              <a:ext uri="{FF2B5EF4-FFF2-40B4-BE49-F238E27FC236}">
+                <a16:creationId xmlns:a16="http://schemas.microsoft.com/office/drawing/2014/main" id="{CC0241B9-E6E3-4D07-96A3-259D576FC268}"/>
+              </a:ext>
+            </a:extLst>
+          </p:cNvPr>
+          <p:cNvCxnSpPr>
+            <a:stCxn id="119" idx="2"/>
+            <a:endCxn id="37" idx="3"/>
+          </p:cNvCxnSpPr>
+          <p:nvPr/>
+        </p:nvCxnSpPr>
+        <p:spPr>
+          <a:xfrm rot="5400000">
+            <a:off x="15250940" y="7511965"/>
+            <a:ext cx="509088" cy="5159983"/>
+          </a:xfrm>
+          <a:prstGeom prst="bentConnector2">
+            <a:avLst/>
+          </a:prstGeom>
+          <a:ln w="38100">
+            <a:prstDash val="lgDashDot"/>
+            <a:tailEnd type="triangle"/>
+          </a:ln>
+        </p:spPr>
+        <p:style>
+          <a:lnRef idx="1">
+            <a:schemeClr val="accent1"/>
+          </a:lnRef>
+          <a:fillRef idx="0">
+            <a:schemeClr val="accent1"/>
+          </a:fillRef>
+          <a:effectRef idx="0">
+            <a:schemeClr val="accent1"/>
+          </a:effectRef>
+          <a:fontRef idx="minor">
+            <a:schemeClr val="tx1"/>
+          </a:fontRef>
+        </p:style>
+      </p:cxnSp>
+      <p:cxnSp>
+        <p:nvCxnSpPr>
+          <p:cNvPr id="154" name="Connector: Elbow 153">
+            <a:extLst>
+              <a:ext uri="{FF2B5EF4-FFF2-40B4-BE49-F238E27FC236}">
+                <a16:creationId xmlns:a16="http://schemas.microsoft.com/office/drawing/2014/main" id="{B082D0CC-9843-4F5C-A5D9-1F763A9B7B00}"/>
+              </a:ext>
+            </a:extLst>
+          </p:cNvPr>
+          <p:cNvCxnSpPr>
+            <a:stCxn id="37" idx="2"/>
+            <a:endCxn id="120" idx="0"/>
+          </p:cNvCxnSpPr>
+          <p:nvPr/>
+        </p:nvCxnSpPr>
+        <p:spPr>
+          <a:xfrm rot="16200000" flipH="1">
+            <a:off x="14551619" y="7963446"/>
+            <a:ext cx="862703" cy="6205012"/>
+          </a:xfrm>
+          <a:prstGeom prst="bentConnector3">
+            <a:avLst/>
+          </a:prstGeom>
+          <a:ln w="38100">
+            <a:solidFill>
+              <a:srgbClr val="0070C0"/>
+            </a:solidFill>
+            <a:prstDash val="lgDashDot"/>
+            <a:tailEnd type="triangle"/>
+          </a:ln>
+        </p:spPr>
+        <p:style>
+          <a:lnRef idx="1">
+            <a:schemeClr val="accent1"/>
+          </a:lnRef>
+          <a:fillRef idx="0">
+            <a:schemeClr val="accent1"/>
+          </a:fillRef>
+          <a:effectRef idx="0">
+            <a:schemeClr val="accent1"/>
+          </a:effectRef>
+          <a:fontRef idx="minor">
+            <a:schemeClr val="tx1"/>
+          </a:fontRef>
+        </p:style>
+      </p:cxnSp>
+      <p:cxnSp>
+        <p:nvCxnSpPr>
+          <p:cNvPr id="157" name="Connector: Elbow 156">
+            <a:extLst>
+              <a:ext uri="{FF2B5EF4-FFF2-40B4-BE49-F238E27FC236}">
+                <a16:creationId xmlns:a16="http://schemas.microsoft.com/office/drawing/2014/main" id="{E8F963BF-0B6E-4347-8886-6E458B85CF5C}"/>
+              </a:ext>
+            </a:extLst>
+          </p:cNvPr>
+          <p:cNvCxnSpPr>
+            <a:stCxn id="125" idx="2"/>
+            <a:endCxn id="120" idx="3"/>
+          </p:cNvCxnSpPr>
+          <p:nvPr/>
+        </p:nvCxnSpPr>
+        <p:spPr>
+          <a:xfrm rot="5400000" flipH="1" flipV="1">
+            <a:off x="17771031" y="12388946"/>
+            <a:ext cx="1673915" cy="1045029"/>
+          </a:xfrm>
+          <a:prstGeom prst="bentConnector4">
+            <a:avLst>
+              <a:gd name="adj1" fmla="val -26361"/>
+              <a:gd name="adj2" fmla="val 246003"/>
+            </a:avLst>
+          </a:prstGeom>
+          <a:ln w="38100">
+            <a:tailEnd type="triangle"/>
+          </a:ln>
+        </p:spPr>
+        <p:style>
+          <a:lnRef idx="1">
+            <a:schemeClr val="accent1"/>
+          </a:lnRef>
+          <a:fillRef idx="0">
+            <a:schemeClr val="accent1"/>
+          </a:fillRef>
+          <a:effectRef idx="0">
+            <a:schemeClr val="accent1"/>
+          </a:effectRef>
+          <a:fontRef idx="minor">
+            <a:schemeClr val="tx1"/>
+          </a:fontRef>
+        </p:style>
+      </p:cxnSp>
+      <p:cxnSp>
+        <p:nvCxnSpPr>
+          <p:cNvPr id="161" name="Connector: Elbow 160">
+            <a:extLst>
+              <a:ext uri="{FF2B5EF4-FFF2-40B4-BE49-F238E27FC236}">
+                <a16:creationId xmlns:a16="http://schemas.microsoft.com/office/drawing/2014/main" id="{6E87BD5B-36BD-40EB-9013-C4C98D858B6B}"/>
+              </a:ext>
+            </a:extLst>
+          </p:cNvPr>
+          <p:cNvCxnSpPr>
+            <a:stCxn id="120" idx="1"/>
+            <a:endCxn id="76" idx="3"/>
+          </p:cNvCxnSpPr>
+          <p:nvPr/>
+        </p:nvCxnSpPr>
+        <p:spPr>
+          <a:xfrm rot="10800000">
+            <a:off x="12925491" y="12074503"/>
+            <a:ext cx="4114957" cy="1"/>
+          </a:xfrm>
+          <a:prstGeom prst="bentConnector3">
+            <a:avLst/>
+          </a:prstGeom>
+          <a:ln w="38100">
+            <a:solidFill>
+              <a:srgbClr val="FF0000"/>
+            </a:solidFill>
+            <a:prstDash val="lgDashDot"/>
+            <a:tailEnd type="triangle"/>
+          </a:ln>
+        </p:spPr>
+        <p:style>
+          <a:lnRef idx="1">
+            <a:schemeClr val="accent1"/>
+          </a:lnRef>
+          <a:fillRef idx="0">
+            <a:schemeClr val="accent1"/>
+          </a:fillRef>
+          <a:effectRef idx="0">
+            <a:schemeClr val="accent1"/>
+          </a:effectRef>
+          <a:fontRef idx="minor">
+            <a:schemeClr val="tx1"/>
+          </a:fontRef>
+        </p:style>
+      </p:cxnSp>
+      <p:sp>
+        <p:nvSpPr>
+          <p:cNvPr id="164" name="Flowchart: Data 163">
+            <a:extLst>
+              <a:ext uri="{FF2B5EF4-FFF2-40B4-BE49-F238E27FC236}">
+                <a16:creationId xmlns:a16="http://schemas.microsoft.com/office/drawing/2014/main" id="{07C04A08-AF61-4FE8-B1A7-BF1456E96531}"/>
+              </a:ext>
+            </a:extLst>
+          </p:cNvPr>
+          <p:cNvSpPr/>
+          <p:nvPr/>
+        </p:nvSpPr>
+        <p:spPr>
+          <a:xfrm>
+            <a:off x="13074072" y="13129429"/>
+            <a:ext cx="2090057" cy="718457"/>
+          </a:xfrm>
+          <a:prstGeom prst="flowChartInputOutput">
+            <a:avLst/>
+          </a:prstGeom>
+        </p:spPr>
+        <p:style>
+          <a:lnRef idx="2">
+            <a:schemeClr val="accent1">
+              <a:shade val="50000"/>
+            </a:schemeClr>
+          </a:lnRef>
+          <a:fillRef idx="1">
+            <a:schemeClr val="accent1"/>
+          </a:fillRef>
+          <a:effectRef idx="0">
+            <a:schemeClr val="accent1"/>
+          </a:effectRef>
+          <a:fontRef idx="minor">
+            <a:schemeClr val="lt1"/>
+          </a:fontRef>
+        </p:style>
+        <p:txBody>
+          <a:bodyPr rtlCol="0" anchor="ctr"/>
+          <a:lstStyle/>
+          <a:p>
+            <a:pPr algn="ctr"/>
+            <a:r>
+              <a:rPr lang="en-US" dirty="0"/>
+              <a:t>END</a:t>
+            </a:r>
+          </a:p>
+        </p:txBody>
+      </p:sp>
+      <p:cxnSp>
+        <p:nvCxnSpPr>
+          <p:cNvPr id="166" name="Connector: Elbow 165">
+            <a:extLst>
+              <a:ext uri="{FF2B5EF4-FFF2-40B4-BE49-F238E27FC236}">
+                <a16:creationId xmlns:a16="http://schemas.microsoft.com/office/drawing/2014/main" id="{85589DBF-C3EF-4C78-80DE-DDD2A4A17375}"/>
+              </a:ext>
+            </a:extLst>
+          </p:cNvPr>
+          <p:cNvCxnSpPr>
+            <a:stCxn id="120" idx="1"/>
+            <a:endCxn id="164" idx="0"/>
+          </p:cNvCxnSpPr>
+          <p:nvPr/>
+        </p:nvCxnSpPr>
+        <p:spPr>
+          <a:xfrm rot="10800000" flipV="1">
+            <a:off x="14328107" y="12074503"/>
+            <a:ext cx="2712341" cy="1054926"/>
+          </a:xfrm>
+          <a:prstGeom prst="bentConnector2">
+            <a:avLst/>
+          </a:prstGeom>
+          <a:ln w="38100">
+            <a:solidFill>
+              <a:srgbClr val="FF0000"/>
+            </a:solidFill>
+            <a:tailEnd type="triangle"/>
+          </a:ln>
+        </p:spPr>
+        <p:style>
+          <a:lnRef idx="1">
+            <a:schemeClr val="accent1"/>
+          </a:lnRef>
+          <a:fillRef idx="0">
+            <a:schemeClr val="accent1"/>
+          </a:fillRef>
+          <a:effectRef idx="0">
+            <a:schemeClr val="accent1"/>
+          </a:effectRef>
+          <a:fontRef idx="minor">
+            <a:schemeClr val="tx1"/>
+          </a:fontRef>
+        </p:style>
+      </p:cxnSp>
+    </p:spTree>
+    <p:extLst>
+      <p:ext uri="{BB962C8B-B14F-4D97-AF65-F5344CB8AC3E}">
+        <p14:creationId xmlns:p14="http://schemas.microsoft.com/office/powerpoint/2010/main" val="3056836586"/>
       </p:ext>
     </p:extLst>
   </p:cSld>
@@ -14834,36 +17436,400 @@
       </p:grpSpPr>
       <p:sp>
         <p:nvSpPr>
-          <p:cNvPr id="6" name="Title 5">
-            <a:extLst>
-              <a:ext uri="{FF2B5EF4-FFF2-40B4-BE49-F238E27FC236}">
-                <a16:creationId xmlns:a16="http://schemas.microsoft.com/office/drawing/2014/main" id="{C2A4A3CC-D7EC-417E-B6B0-17828F675749}"/>
-              </a:ext>
-            </a:extLst>
-          </p:cNvPr>
-          <p:cNvSpPr>
-            <a:spLocks noGrp="1"/>
-          </p:cNvSpPr>
-          <p:nvPr>
-            <p:ph type="ctrTitle"/>
-          </p:nvPr>
-        </p:nvSpPr>
-        <p:spPr/>
-        <p:txBody>
-          <a:bodyPr/>
-          <a:lstStyle/>
-          <a:p>
+          <p:cNvPr id="4" name="Flowchart: Decision 3">
+            <a:extLst>
+              <a:ext uri="{FF2B5EF4-FFF2-40B4-BE49-F238E27FC236}">
+                <a16:creationId xmlns:a16="http://schemas.microsoft.com/office/drawing/2014/main" id="{24993EB9-9357-4AA4-A57C-848617F134DD}"/>
+              </a:ext>
+            </a:extLst>
+          </p:cNvPr>
+          <p:cNvSpPr/>
+          <p:nvPr/>
+        </p:nvSpPr>
+        <p:spPr>
+          <a:xfrm>
+            <a:off x="8207829" y="1088569"/>
+            <a:ext cx="2090057" cy="1436915"/>
+          </a:xfrm>
+          <a:prstGeom prst="flowChartDecision">
+            <a:avLst/>
+          </a:prstGeom>
+        </p:spPr>
+        <p:style>
+          <a:lnRef idx="2">
+            <a:schemeClr val="accent1">
+              <a:shade val="50000"/>
+            </a:schemeClr>
+          </a:lnRef>
+          <a:fillRef idx="1">
+            <a:schemeClr val="accent1"/>
+          </a:fillRef>
+          <a:effectRef idx="0">
+            <a:schemeClr val="accent1"/>
+          </a:effectRef>
+          <a:fontRef idx="minor">
+            <a:schemeClr val="lt1"/>
+          </a:fontRef>
+        </p:style>
+        <p:txBody>
+          <a:bodyPr rtlCol="0" anchor="ctr"/>
+          <a:lstStyle/>
+          <a:p>
+            <a:pPr algn="ctr"/>
+            <a:endParaRPr lang="en-US" dirty="0"/>
+          </a:p>
+        </p:txBody>
+      </p:sp>
+      <p:sp>
+        <p:nvSpPr>
+          <p:cNvPr id="5" name="Flowchart: Process 4">
+            <a:extLst>
+              <a:ext uri="{FF2B5EF4-FFF2-40B4-BE49-F238E27FC236}">
+                <a16:creationId xmlns:a16="http://schemas.microsoft.com/office/drawing/2014/main" id="{E49ED617-EE82-4A17-888C-09E3CA31052C}"/>
+              </a:ext>
+            </a:extLst>
+          </p:cNvPr>
+          <p:cNvSpPr/>
+          <p:nvPr/>
+        </p:nvSpPr>
+        <p:spPr>
+          <a:xfrm>
+            <a:off x="11277602" y="1088570"/>
+            <a:ext cx="2090057" cy="1436915"/>
+          </a:xfrm>
+          <a:prstGeom prst="flowChartProcess">
+            <a:avLst/>
+          </a:prstGeom>
+        </p:spPr>
+        <p:style>
+          <a:lnRef idx="2">
+            <a:schemeClr val="accent1">
+              <a:shade val="50000"/>
+            </a:schemeClr>
+          </a:lnRef>
+          <a:fillRef idx="1">
+            <a:schemeClr val="accent1"/>
+          </a:fillRef>
+          <a:effectRef idx="0">
+            <a:schemeClr val="accent1"/>
+          </a:effectRef>
+          <a:fontRef idx="minor">
+            <a:schemeClr val="lt1"/>
+          </a:fontRef>
+        </p:style>
+        <p:txBody>
+          <a:bodyPr rtlCol="0" anchor="ctr"/>
+          <a:lstStyle/>
+          <a:p>
+            <a:pPr algn="ctr"/>
+            <a:endParaRPr lang="en-US" dirty="0"/>
+          </a:p>
+        </p:txBody>
+      </p:sp>
+      <p:sp>
+        <p:nvSpPr>
+          <p:cNvPr id="6" name="Flowchart: Alternate Process 5">
+            <a:extLst>
+              <a:ext uri="{FF2B5EF4-FFF2-40B4-BE49-F238E27FC236}">
+                <a16:creationId xmlns:a16="http://schemas.microsoft.com/office/drawing/2014/main" id="{7BFEA5A4-BA8A-44E1-8064-2A391C8F71D7}"/>
+              </a:ext>
+            </a:extLst>
+          </p:cNvPr>
+          <p:cNvSpPr/>
+          <p:nvPr/>
+        </p:nvSpPr>
+        <p:spPr>
+          <a:xfrm>
+            <a:off x="15022289" y="1088570"/>
+            <a:ext cx="2090057" cy="1436915"/>
+          </a:xfrm>
+          <a:prstGeom prst="flowChartAlternateProcess">
+            <a:avLst/>
+          </a:prstGeom>
+        </p:spPr>
+        <p:style>
+          <a:lnRef idx="2">
+            <a:schemeClr val="accent1">
+              <a:shade val="50000"/>
+            </a:schemeClr>
+          </a:lnRef>
+          <a:fillRef idx="1">
+            <a:schemeClr val="accent1"/>
+          </a:fillRef>
+          <a:effectRef idx="0">
+            <a:schemeClr val="accent1"/>
+          </a:effectRef>
+          <a:fontRef idx="minor">
+            <a:schemeClr val="lt1"/>
+          </a:fontRef>
+        </p:style>
+        <p:txBody>
+          <a:bodyPr rtlCol="0" anchor="ctr"/>
+          <a:lstStyle/>
+          <a:p>
+            <a:pPr algn="ctr"/>
+            <a:endParaRPr lang="en-US"/>
+          </a:p>
+        </p:txBody>
+      </p:sp>
+      <p:sp>
+        <p:nvSpPr>
+          <p:cNvPr id="7" name="Flowchart: Off-page Connector 6">
+            <a:extLst>
+              <a:ext uri="{FF2B5EF4-FFF2-40B4-BE49-F238E27FC236}">
+                <a16:creationId xmlns:a16="http://schemas.microsoft.com/office/drawing/2014/main" id="{93D6541B-08D4-4852-986D-818B4C083470}"/>
+              </a:ext>
+            </a:extLst>
+          </p:cNvPr>
+          <p:cNvSpPr/>
+          <p:nvPr/>
+        </p:nvSpPr>
+        <p:spPr>
+          <a:xfrm>
+            <a:off x="5138056" y="1088569"/>
+            <a:ext cx="2090057" cy="1436915"/>
+          </a:xfrm>
+          <a:prstGeom prst="flowChartOffpageConnector">
+            <a:avLst/>
+          </a:prstGeom>
+        </p:spPr>
+        <p:style>
+          <a:lnRef idx="2">
+            <a:schemeClr val="accent1">
+              <a:shade val="50000"/>
+            </a:schemeClr>
+          </a:lnRef>
+          <a:fillRef idx="1">
+            <a:schemeClr val="accent1"/>
+          </a:fillRef>
+          <a:effectRef idx="0">
+            <a:schemeClr val="accent1"/>
+          </a:effectRef>
+          <a:fontRef idx="minor">
+            <a:schemeClr val="lt1"/>
+          </a:fontRef>
+        </p:style>
+        <p:txBody>
+          <a:bodyPr rtlCol="0" anchor="ctr"/>
+          <a:lstStyle/>
+          <a:p>
+            <a:pPr algn="ctr"/>
+            <a:endParaRPr lang="en-US" dirty="0"/>
+          </a:p>
+        </p:txBody>
+      </p:sp>
+      <p:sp>
+        <p:nvSpPr>
+          <p:cNvPr id="8" name="Flowchart: Data 7">
+            <a:extLst>
+              <a:ext uri="{FF2B5EF4-FFF2-40B4-BE49-F238E27FC236}">
+                <a16:creationId xmlns:a16="http://schemas.microsoft.com/office/drawing/2014/main" id="{E466EAE0-9B32-497B-9A17-8EC415DB5897}"/>
+              </a:ext>
+            </a:extLst>
+          </p:cNvPr>
+          <p:cNvSpPr/>
+          <p:nvPr/>
+        </p:nvSpPr>
+        <p:spPr>
+          <a:xfrm>
+            <a:off x="17939658" y="1088569"/>
+            <a:ext cx="2090057" cy="1436915"/>
+          </a:xfrm>
+          <a:prstGeom prst="flowChartInputOutput">
+            <a:avLst/>
+          </a:prstGeom>
+        </p:spPr>
+        <p:style>
+          <a:lnRef idx="2">
+            <a:schemeClr val="accent1">
+              <a:shade val="50000"/>
+            </a:schemeClr>
+          </a:lnRef>
+          <a:fillRef idx="1">
+            <a:schemeClr val="accent1"/>
+          </a:fillRef>
+          <a:effectRef idx="0">
+            <a:schemeClr val="accent1"/>
+          </a:effectRef>
+          <a:fontRef idx="minor">
+            <a:schemeClr val="lt1"/>
+          </a:fontRef>
+        </p:style>
+        <p:txBody>
+          <a:bodyPr rtlCol="0" anchor="ctr"/>
+          <a:lstStyle/>
+          <a:p>
+            <a:pPr algn="ctr"/>
+            <a:endParaRPr lang="en-US"/>
+          </a:p>
+        </p:txBody>
+      </p:sp>
+      <p:sp>
+        <p:nvSpPr>
+          <p:cNvPr id="9" name="Flowchart: Alternate Process 8">
+            <a:extLst>
+              <a:ext uri="{FF2B5EF4-FFF2-40B4-BE49-F238E27FC236}">
+                <a16:creationId xmlns:a16="http://schemas.microsoft.com/office/drawing/2014/main" id="{FBA3CA55-23D4-4D36-94B9-85E5A33BBBFF}"/>
+              </a:ext>
+            </a:extLst>
+          </p:cNvPr>
+          <p:cNvSpPr/>
+          <p:nvPr/>
+        </p:nvSpPr>
+        <p:spPr>
+          <a:xfrm>
+            <a:off x="1816652" y="4129481"/>
+            <a:ext cx="2090057" cy="548845"/>
+          </a:xfrm>
+          <a:prstGeom prst="flowChartAlternateProcess">
+            <a:avLst/>
+          </a:prstGeom>
+        </p:spPr>
+        <p:style>
+          <a:lnRef idx="2">
+            <a:schemeClr val="accent1">
+              <a:shade val="50000"/>
+            </a:schemeClr>
+          </a:lnRef>
+          <a:fillRef idx="1">
+            <a:schemeClr val="accent1"/>
+          </a:fillRef>
+          <a:effectRef idx="0">
+            <a:schemeClr val="accent1"/>
+          </a:effectRef>
+          <a:fontRef idx="minor">
+            <a:schemeClr val="lt1"/>
+          </a:fontRef>
+        </p:style>
+        <p:txBody>
+          <a:bodyPr rtlCol="0" anchor="ctr"/>
+          <a:lstStyle/>
+          <a:p>
+            <a:pPr algn="ctr"/>
             <a:r>
               <a:rPr lang="en-US" dirty="0"/>
-              <a:t>Old Slides</a:t>
-            </a:r>
+              <a:t>Define </a:t>
+            </a:r>
+            <a:r>
+              <a:rPr lang="en-US" dirty="0" err="1"/>
+              <a:t>voleClass</a:t>
+            </a:r>
+            <a:endParaRPr lang="en-US" dirty="0"/>
+          </a:p>
+        </p:txBody>
+      </p:sp>
+      <p:sp>
+        <p:nvSpPr>
+          <p:cNvPr id="10" name="Flowchart: Alternate Process 9">
+            <a:extLst>
+              <a:ext uri="{FF2B5EF4-FFF2-40B4-BE49-F238E27FC236}">
+                <a16:creationId xmlns:a16="http://schemas.microsoft.com/office/drawing/2014/main" id="{75707409-26C8-4A95-8836-22D4DFDD4B93}"/>
+              </a:ext>
+            </a:extLst>
+          </p:cNvPr>
+          <p:cNvSpPr/>
+          <p:nvPr/>
+        </p:nvSpPr>
+        <p:spPr>
+          <a:xfrm>
+            <a:off x="1816652" y="5065146"/>
+            <a:ext cx="2090057" cy="548845"/>
+          </a:xfrm>
+          <a:prstGeom prst="flowChartAlternateProcess">
+            <a:avLst/>
+          </a:prstGeom>
+        </p:spPr>
+        <p:style>
+          <a:lnRef idx="2">
+            <a:schemeClr val="accent1">
+              <a:shade val="50000"/>
+            </a:schemeClr>
+          </a:lnRef>
+          <a:fillRef idx="1">
+            <a:schemeClr val="accent1"/>
+          </a:fillRef>
+          <a:effectRef idx="0">
+            <a:schemeClr val="accent1"/>
+          </a:effectRef>
+          <a:fontRef idx="minor">
+            <a:schemeClr val="lt1"/>
+          </a:fontRef>
+        </p:style>
+        <p:txBody>
+          <a:bodyPr rtlCol="0" anchor="ctr"/>
+          <a:lstStyle/>
+          <a:p>
+            <a:pPr algn="ctr"/>
+            <a:r>
+              <a:rPr lang="en-US" dirty="0"/>
+              <a:t>Create </a:t>
+            </a:r>
+            <a:r>
+              <a:rPr lang="en-US" dirty="0" err="1"/>
+              <a:t>voleManager</a:t>
+            </a:r>
+            <a:endParaRPr lang="en-US" dirty="0"/>
+          </a:p>
+        </p:txBody>
+      </p:sp>
+      <p:sp>
+        <p:nvSpPr>
+          <p:cNvPr id="11" name="Flowchart: Alternate Process 10">
+            <a:extLst>
+              <a:ext uri="{FF2B5EF4-FFF2-40B4-BE49-F238E27FC236}">
+                <a16:creationId xmlns:a16="http://schemas.microsoft.com/office/drawing/2014/main" id="{0C015496-B44D-4FC6-9A7F-8D6F6CE41D50}"/>
+              </a:ext>
+            </a:extLst>
+          </p:cNvPr>
+          <p:cNvSpPr/>
+          <p:nvPr/>
+        </p:nvSpPr>
+        <p:spPr>
+          <a:xfrm>
+            <a:off x="4666177" y="5065146"/>
+            <a:ext cx="2090057" cy="548845"/>
+          </a:xfrm>
+          <a:prstGeom prst="flowChartAlternateProcess">
+            <a:avLst/>
+          </a:prstGeom>
+        </p:spPr>
+        <p:style>
+          <a:lnRef idx="2">
+            <a:schemeClr val="accent1">
+              <a:shade val="50000"/>
+            </a:schemeClr>
+          </a:lnRef>
+          <a:fillRef idx="1">
+            <a:schemeClr val="accent1"/>
+          </a:fillRef>
+          <a:effectRef idx="0">
+            <a:schemeClr val="accent1"/>
+          </a:effectRef>
+          <a:fontRef idx="minor">
+            <a:schemeClr val="lt1"/>
+          </a:fontRef>
+        </p:style>
+        <p:txBody>
+          <a:bodyPr rtlCol="0" anchor="ctr"/>
+          <a:lstStyle/>
+          <a:p>
+            <a:pPr algn="ctr"/>
+            <a:r>
+              <a:rPr lang="en-US" dirty="0"/>
+              <a:t>Register the </a:t>
+            </a:r>
+            <a:r>
+              <a:rPr lang="en-US" dirty="0" err="1"/>
+              <a:t>voleClass</a:t>
+            </a:r>
+            <a:endParaRPr lang="en-US" dirty="0"/>
           </a:p>
         </p:txBody>
       </p:sp>
     </p:spTree>
     <p:extLst>
       <p:ext uri="{BB962C8B-B14F-4D97-AF65-F5344CB8AC3E}">
-        <p14:creationId xmlns:p14="http://schemas.microsoft.com/office/powerpoint/2010/main" val="799690724"/>
+        <p14:creationId xmlns:p14="http://schemas.microsoft.com/office/powerpoint/2010/main" val="318053236"/>
       </p:ext>
     </p:extLst>
   </p:cSld>
@@ -14892,238 +17858,36 @@
       </p:grpSpPr>
       <p:sp>
         <p:nvSpPr>
-          <p:cNvPr id="4" name="Flowchart: Decision 3">
-            <a:extLst>
-              <a:ext uri="{FF2B5EF4-FFF2-40B4-BE49-F238E27FC236}">
-                <a16:creationId xmlns:a16="http://schemas.microsoft.com/office/drawing/2014/main" id="{4DC650F2-3745-4C0D-BE0D-4DB011CE0B5C}"/>
-              </a:ext>
-            </a:extLst>
-          </p:cNvPr>
-          <p:cNvSpPr/>
-          <p:nvPr/>
-        </p:nvSpPr>
-        <p:spPr>
-          <a:xfrm>
-            <a:off x="8207829" y="1088569"/>
-            <a:ext cx="2090057" cy="1436915"/>
-          </a:xfrm>
-          <a:prstGeom prst="flowChartDecision">
-            <a:avLst/>
-          </a:prstGeom>
-        </p:spPr>
-        <p:style>
-          <a:lnRef idx="2">
-            <a:schemeClr val="accent1">
-              <a:shade val="50000"/>
-            </a:schemeClr>
-          </a:lnRef>
-          <a:fillRef idx="1">
-            <a:schemeClr val="accent1"/>
-          </a:fillRef>
-          <a:effectRef idx="0">
-            <a:schemeClr val="accent1"/>
-          </a:effectRef>
-          <a:fontRef idx="minor">
-            <a:schemeClr val="lt1"/>
-          </a:fontRef>
-        </p:style>
-        <p:txBody>
-          <a:bodyPr rtlCol="0" anchor="ctr"/>
-          <a:lstStyle/>
-          <a:p>
-            <a:pPr algn="ctr"/>
-            <a:endParaRPr lang="en-US" dirty="0"/>
-          </a:p>
-        </p:txBody>
-      </p:sp>
-      <p:sp>
-        <p:nvSpPr>
-          <p:cNvPr id="5" name="Flowchart: Process 4">
-            <a:extLst>
-              <a:ext uri="{FF2B5EF4-FFF2-40B4-BE49-F238E27FC236}">
-                <a16:creationId xmlns:a16="http://schemas.microsoft.com/office/drawing/2014/main" id="{EC7012ED-FC39-4BA0-A0F2-FEA3A1963B47}"/>
-              </a:ext>
-            </a:extLst>
-          </p:cNvPr>
-          <p:cNvSpPr/>
-          <p:nvPr/>
-        </p:nvSpPr>
-        <p:spPr>
-          <a:xfrm>
-            <a:off x="11277602" y="1088570"/>
-            <a:ext cx="2090057" cy="1436915"/>
-          </a:xfrm>
-          <a:prstGeom prst="flowChartProcess">
-            <a:avLst/>
-          </a:prstGeom>
-        </p:spPr>
-        <p:style>
-          <a:lnRef idx="2">
-            <a:schemeClr val="accent1">
-              <a:shade val="50000"/>
-            </a:schemeClr>
-          </a:lnRef>
-          <a:fillRef idx="1">
-            <a:schemeClr val="accent1"/>
-          </a:fillRef>
-          <a:effectRef idx="0">
-            <a:schemeClr val="accent1"/>
-          </a:effectRef>
-          <a:fontRef idx="minor">
-            <a:schemeClr val="lt1"/>
-          </a:fontRef>
-        </p:style>
-        <p:txBody>
-          <a:bodyPr rtlCol="0" anchor="ctr"/>
-          <a:lstStyle/>
-          <a:p>
-            <a:pPr algn="ctr"/>
-            <a:endParaRPr lang="en-US" dirty="0"/>
-          </a:p>
-        </p:txBody>
-      </p:sp>
-      <p:sp>
-        <p:nvSpPr>
-          <p:cNvPr id="6" name="Flowchart: Alternate Process 5">
-            <a:extLst>
-              <a:ext uri="{FF2B5EF4-FFF2-40B4-BE49-F238E27FC236}">
-                <a16:creationId xmlns:a16="http://schemas.microsoft.com/office/drawing/2014/main" id="{8451389B-F9D3-4380-9098-CDD9CC96CEF6}"/>
-              </a:ext>
-            </a:extLst>
-          </p:cNvPr>
-          <p:cNvSpPr/>
-          <p:nvPr/>
-        </p:nvSpPr>
-        <p:spPr>
-          <a:xfrm>
-            <a:off x="15022289" y="1088570"/>
-            <a:ext cx="2090057" cy="1436915"/>
-          </a:xfrm>
-          <a:prstGeom prst="flowChartAlternateProcess">
-            <a:avLst/>
-          </a:prstGeom>
-        </p:spPr>
-        <p:style>
-          <a:lnRef idx="2">
-            <a:schemeClr val="accent1">
-              <a:shade val="50000"/>
-            </a:schemeClr>
-          </a:lnRef>
-          <a:fillRef idx="1">
-            <a:schemeClr val="accent1"/>
-          </a:fillRef>
-          <a:effectRef idx="0">
-            <a:schemeClr val="accent1"/>
-          </a:effectRef>
-          <a:fontRef idx="minor">
-            <a:schemeClr val="lt1"/>
-          </a:fontRef>
-        </p:style>
-        <p:txBody>
-          <a:bodyPr rtlCol="0" anchor="ctr"/>
-          <a:lstStyle/>
-          <a:p>
-            <a:pPr algn="ctr"/>
-            <a:endParaRPr lang="en-US"/>
-          </a:p>
-        </p:txBody>
-      </p:sp>
-      <p:sp>
-        <p:nvSpPr>
-          <p:cNvPr id="7" name="Flowchart: Off-page Connector 6">
-            <a:extLst>
-              <a:ext uri="{FF2B5EF4-FFF2-40B4-BE49-F238E27FC236}">
-                <a16:creationId xmlns:a16="http://schemas.microsoft.com/office/drawing/2014/main" id="{17991506-76DA-48F8-BEEA-875C6C0FEE29}"/>
-              </a:ext>
-            </a:extLst>
-          </p:cNvPr>
-          <p:cNvSpPr/>
-          <p:nvPr/>
-        </p:nvSpPr>
-        <p:spPr>
-          <a:xfrm>
-            <a:off x="5138056" y="1088569"/>
-            <a:ext cx="2090057" cy="1436915"/>
-          </a:xfrm>
-          <a:prstGeom prst="flowChartOffpageConnector">
-            <a:avLst/>
-          </a:prstGeom>
-        </p:spPr>
-        <p:style>
-          <a:lnRef idx="2">
-            <a:schemeClr val="accent1">
-              <a:shade val="50000"/>
-            </a:schemeClr>
-          </a:lnRef>
-          <a:fillRef idx="1">
-            <a:schemeClr val="accent1"/>
-          </a:fillRef>
-          <a:effectRef idx="0">
-            <a:schemeClr val="accent1"/>
-          </a:effectRef>
-          <a:fontRef idx="minor">
-            <a:schemeClr val="lt1"/>
-          </a:fontRef>
-        </p:style>
-        <p:txBody>
-          <a:bodyPr rtlCol="0" anchor="ctr"/>
-          <a:lstStyle/>
-          <a:p>
-            <a:pPr algn="ctr"/>
-            <a:endParaRPr lang="en-US" dirty="0"/>
-          </a:p>
-        </p:txBody>
-      </p:sp>
-      <p:sp>
-        <p:nvSpPr>
-          <p:cNvPr id="8" name="Flowchart: Data 7">
-            <a:extLst>
-              <a:ext uri="{FF2B5EF4-FFF2-40B4-BE49-F238E27FC236}">
-                <a16:creationId xmlns:a16="http://schemas.microsoft.com/office/drawing/2014/main" id="{31AC280A-80DA-46CB-A5F2-E89563BE8717}"/>
-              </a:ext>
-            </a:extLst>
-          </p:cNvPr>
-          <p:cNvSpPr/>
-          <p:nvPr/>
-        </p:nvSpPr>
-        <p:spPr>
-          <a:xfrm>
-            <a:off x="17939658" y="1088569"/>
-            <a:ext cx="2090057" cy="1436915"/>
-          </a:xfrm>
-          <a:prstGeom prst="flowChartInputOutput">
-            <a:avLst/>
-          </a:prstGeom>
-        </p:spPr>
-        <p:style>
-          <a:lnRef idx="2">
-            <a:schemeClr val="accent1">
-              <a:shade val="50000"/>
-            </a:schemeClr>
-          </a:lnRef>
-          <a:fillRef idx="1">
-            <a:schemeClr val="accent1"/>
-          </a:fillRef>
-          <a:effectRef idx="0">
-            <a:schemeClr val="accent1"/>
-          </a:effectRef>
-          <a:fontRef idx="minor">
-            <a:schemeClr val="lt1"/>
-          </a:fontRef>
-        </p:style>
-        <p:txBody>
-          <a:bodyPr rtlCol="0" anchor="ctr"/>
-          <a:lstStyle/>
-          <a:p>
-            <a:pPr algn="ctr"/>
-            <a:endParaRPr lang="en-US"/>
+          <p:cNvPr id="6" name="Title 5">
+            <a:extLst>
+              <a:ext uri="{FF2B5EF4-FFF2-40B4-BE49-F238E27FC236}">
+                <a16:creationId xmlns:a16="http://schemas.microsoft.com/office/drawing/2014/main" id="{C2A4A3CC-D7EC-417E-B6B0-17828F675749}"/>
+              </a:ext>
+            </a:extLst>
+          </p:cNvPr>
+          <p:cNvSpPr>
+            <a:spLocks noGrp="1"/>
+          </p:cNvSpPr>
+          <p:nvPr>
+            <p:ph type="ctrTitle"/>
+          </p:nvPr>
+        </p:nvSpPr>
+        <p:spPr/>
+        <p:txBody>
+          <a:bodyPr/>
+          <a:lstStyle/>
+          <a:p>
+            <a:r>
+              <a:rPr lang="en-US" dirty="0"/>
+              <a:t>Old Slides</a:t>
+            </a:r>
           </a:p>
         </p:txBody>
       </p:sp>
     </p:spTree>
     <p:extLst>
       <p:ext uri="{BB962C8B-B14F-4D97-AF65-F5344CB8AC3E}">
-        <p14:creationId xmlns:p14="http://schemas.microsoft.com/office/powerpoint/2010/main" val="2121468264"/>
+        <p14:creationId xmlns:p14="http://schemas.microsoft.com/office/powerpoint/2010/main" val="799690724"/>
       </p:ext>
     </p:extLst>
   </p:cSld>
@@ -15150,162 +17914,24 @@
           <a:chExt cx="0" cy="0"/>
         </a:xfrm>
       </p:grpSpPr>
-      <p:cxnSp>
-        <p:nvCxnSpPr>
-          <p:cNvPr id="131" name="Connector: Elbow 130">
-            <a:extLst>
-              <a:ext uri="{FF2B5EF4-FFF2-40B4-BE49-F238E27FC236}">
-                <a16:creationId xmlns:a16="http://schemas.microsoft.com/office/drawing/2014/main" id="{8F09E9AE-558F-4DBD-BC2D-D2C059F47841}"/>
-              </a:ext>
-            </a:extLst>
-          </p:cNvPr>
-          <p:cNvCxnSpPr>
-            <a:stCxn id="117" idx="1"/>
-            <a:endCxn id="19" idx="3"/>
-          </p:cNvCxnSpPr>
-          <p:nvPr/>
-        </p:nvCxnSpPr>
-        <p:spPr>
-          <a:xfrm rot="10800000" flipV="1">
-            <a:off x="9720767" y="5823600"/>
-            <a:ext cx="7319681" cy="879986"/>
-          </a:xfrm>
-          <a:prstGeom prst="bentConnector3">
-            <a:avLst/>
-          </a:prstGeom>
-          <a:ln w="38100">
-            <a:solidFill>
-              <a:srgbClr val="FF0000"/>
-            </a:solidFill>
-            <a:prstDash val="sysDot"/>
-            <a:tailEnd type="triangle"/>
-          </a:ln>
-        </p:spPr>
-        <p:style>
-          <a:lnRef idx="1">
-            <a:schemeClr val="accent1"/>
-          </a:lnRef>
-          <a:fillRef idx="0">
-            <a:schemeClr val="accent1"/>
-          </a:fillRef>
-          <a:effectRef idx="0">
-            <a:schemeClr val="accent1"/>
-          </a:effectRef>
-          <a:fontRef idx="minor">
-            <a:schemeClr val="tx1"/>
-          </a:fontRef>
-        </p:style>
-      </p:cxnSp>
-      <p:cxnSp>
-        <p:nvCxnSpPr>
-          <p:cNvPr id="148" name="Connector: Elbow 147">
-            <a:extLst>
-              <a:ext uri="{FF2B5EF4-FFF2-40B4-BE49-F238E27FC236}">
-                <a16:creationId xmlns:a16="http://schemas.microsoft.com/office/drawing/2014/main" id="{BB025DEB-5111-438F-B6AF-06EE5C414427}"/>
-              </a:ext>
-            </a:extLst>
-          </p:cNvPr>
-          <p:cNvCxnSpPr>
-            <a:stCxn id="118" idx="1"/>
-            <a:endCxn id="28" idx="3"/>
-          </p:cNvCxnSpPr>
-          <p:nvPr/>
-        </p:nvCxnSpPr>
-        <p:spPr>
-          <a:xfrm rot="10800000" flipV="1">
-            <a:off x="9720259" y="7555167"/>
-            <a:ext cx="7320186" cy="855178"/>
-          </a:xfrm>
-          <a:prstGeom prst="bentConnector3">
-            <a:avLst/>
-          </a:prstGeom>
-          <a:ln w="38100">
-            <a:solidFill>
-              <a:srgbClr val="FF0000"/>
-            </a:solidFill>
-            <a:prstDash val="sysDot"/>
-            <a:tailEnd type="triangle"/>
-          </a:ln>
-        </p:spPr>
-        <p:style>
-          <a:lnRef idx="1">
-            <a:schemeClr val="accent1"/>
-          </a:lnRef>
-          <a:fillRef idx="0">
-            <a:schemeClr val="accent1"/>
-          </a:fillRef>
-          <a:effectRef idx="0">
-            <a:schemeClr val="accent1"/>
-          </a:effectRef>
-          <a:fontRef idx="minor">
-            <a:schemeClr val="tx1"/>
-          </a:fontRef>
-        </p:style>
-      </p:cxnSp>
-      <p:cxnSp>
-        <p:nvCxnSpPr>
-          <p:cNvPr id="32" name="Connector: Elbow 31">
-            <a:extLst>
-              <a:ext uri="{FF2B5EF4-FFF2-40B4-BE49-F238E27FC236}">
-                <a16:creationId xmlns:a16="http://schemas.microsoft.com/office/drawing/2014/main" id="{6DC470AC-6469-4027-B284-F4C8546B8BF0}"/>
-              </a:ext>
-            </a:extLst>
-          </p:cNvPr>
-          <p:cNvCxnSpPr>
-            <a:stCxn id="26" idx="3"/>
-            <a:endCxn id="28" idx="1"/>
-          </p:cNvCxnSpPr>
-          <p:nvPr/>
-        </p:nvCxnSpPr>
+      <p:sp>
+        <p:nvSpPr>
+          <p:cNvPr id="4" name="Flowchart: Decision 3">
+            <a:extLst>
+              <a:ext uri="{FF2B5EF4-FFF2-40B4-BE49-F238E27FC236}">
+                <a16:creationId xmlns:a16="http://schemas.microsoft.com/office/drawing/2014/main" id="{4DC650F2-3745-4C0D-BE0D-4DB011CE0B5C}"/>
+              </a:ext>
+            </a:extLst>
+          </p:cNvPr>
+          <p:cNvSpPr/>
+          <p:nvPr/>
+        </p:nvSpPr>
         <p:spPr>
           <a:xfrm>
-            <a:off x="4992747" y="7560246"/>
-            <a:ext cx="2637455" cy="850099"/>
-          </a:xfrm>
-          <a:prstGeom prst="bentConnector3">
-            <a:avLst/>
-          </a:prstGeom>
-          <a:ln w="38100">
-            <a:solidFill>
-              <a:srgbClr val="FF0000"/>
-            </a:solidFill>
-            <a:prstDash val="sysDot"/>
-            <a:tailEnd type="triangle"/>
-          </a:ln>
-        </p:spPr>
-        <p:style>
-          <a:lnRef idx="1">
-            <a:schemeClr val="accent1"/>
-          </a:lnRef>
-          <a:fillRef idx="0">
-            <a:schemeClr val="accent1"/>
-          </a:fillRef>
-          <a:effectRef idx="0">
-            <a:schemeClr val="accent1"/>
-          </a:effectRef>
-          <a:fontRef idx="minor">
-            <a:schemeClr val="tx1"/>
-          </a:fontRef>
-        </p:style>
-      </p:cxnSp>
-      <p:sp>
-        <p:nvSpPr>
-          <p:cNvPr id="9" name="Flowchart: Off-page Connector 8">
-            <a:extLst>
-              <a:ext uri="{FF2B5EF4-FFF2-40B4-BE49-F238E27FC236}">
-                <a16:creationId xmlns:a16="http://schemas.microsoft.com/office/drawing/2014/main" id="{1F042981-F85F-45DB-BAD8-15454EECEB8C}"/>
-              </a:ext>
-            </a:extLst>
-          </p:cNvPr>
-          <p:cNvSpPr/>
-          <p:nvPr/>
-        </p:nvSpPr>
-        <p:spPr>
-          <a:xfrm>
-            <a:off x="7630202" y="1679903"/>
-            <a:ext cx="2090057" cy="1063298"/>
-          </a:xfrm>
-          <a:prstGeom prst="flowChartOffpageConnector">
+            <a:off x="8207829" y="1088569"/>
+            <a:ext cx="2090057" cy="1436915"/>
+          </a:xfrm>
+          <a:prstGeom prst="flowChartDecision">
             <a:avLst/>
           </a:prstGeom>
         </p:spPr>
@@ -15330,27 +17956,16 @@
           <a:lstStyle/>
           <a:p>
             <a:pPr algn="ctr"/>
-            <a:r>
-              <a:rPr lang="en-US" dirty="0"/>
-              <a:t>Initialize </a:t>
-            </a:r>
-            <a:r>
-              <a:rPr lang="en-US" dirty="0" err="1"/>
-              <a:t>voleTags</a:t>
-            </a:r>
-            <a:r>
-              <a:rPr lang="en-US" dirty="0"/>
-              <a:t> Queue</a:t>
-            </a:r>
-          </a:p>
-        </p:txBody>
-      </p:sp>
-      <p:sp>
-        <p:nvSpPr>
-          <p:cNvPr id="10" name="Flowchart: Off-page Connector 9">
-            <a:extLst>
-              <a:ext uri="{FF2B5EF4-FFF2-40B4-BE49-F238E27FC236}">
-                <a16:creationId xmlns:a16="http://schemas.microsoft.com/office/drawing/2014/main" id="{B9F52776-96BA-4401-8979-137C7A06D137}"/>
+            <a:endParaRPr lang="en-US" dirty="0"/>
+          </a:p>
+        </p:txBody>
+      </p:sp>
+      <p:sp>
+        <p:nvSpPr>
+          <p:cNvPr id="5" name="Flowchart: Process 4">
+            <a:extLst>
+              <a:ext uri="{FF2B5EF4-FFF2-40B4-BE49-F238E27FC236}">
+                <a16:creationId xmlns:a16="http://schemas.microsoft.com/office/drawing/2014/main" id="{EC7012ED-FC39-4BA0-A0F2-FEA3A1963B47}"/>
               </a:ext>
             </a:extLst>
           </p:cNvPr>
@@ -15359,10 +17974,10 @@
         </p:nvSpPr>
         <p:spPr>
           <a:xfrm>
-            <a:off x="10835434" y="1679903"/>
-            <a:ext cx="2090057" cy="1063299"/>
-          </a:xfrm>
-          <a:prstGeom prst="flowChartOffpageConnector">
+            <a:off x="11277602" y="1088570"/>
+            <a:ext cx="2090057" cy="1436915"/>
+          </a:xfrm>
+          <a:prstGeom prst="flowChartProcess">
             <a:avLst/>
           </a:prstGeom>
         </p:spPr>
@@ -15387,19 +18002,16 @@
           <a:lstStyle/>
           <a:p>
             <a:pPr algn="ctr"/>
-            <a:r>
-              <a:rPr lang="en-US" dirty="0"/>
-              <a:t>Initialize time synchronization queue</a:t>
-            </a:r>
-          </a:p>
-        </p:txBody>
-      </p:sp>
-      <p:sp>
-        <p:nvSpPr>
-          <p:cNvPr id="11" name="Flowchart: Process 10">
-            <a:extLst>
-              <a:ext uri="{FF2B5EF4-FFF2-40B4-BE49-F238E27FC236}">
-                <a16:creationId xmlns:a16="http://schemas.microsoft.com/office/drawing/2014/main" id="{80961813-95B7-4E29-B6A3-47DB6CFC40DC}"/>
+            <a:endParaRPr lang="en-US" dirty="0"/>
+          </a:p>
+        </p:txBody>
+      </p:sp>
+      <p:sp>
+        <p:nvSpPr>
+          <p:cNvPr id="6" name="Flowchart: Alternate Process 5">
+            <a:extLst>
+              <a:ext uri="{FF2B5EF4-FFF2-40B4-BE49-F238E27FC236}">
+                <a16:creationId xmlns:a16="http://schemas.microsoft.com/office/drawing/2014/main" id="{8451389B-F9D3-4380-9098-CDD9CC96CEF6}"/>
               </a:ext>
             </a:extLst>
           </p:cNvPr>
@@ -15408,10 +18020,10 @@
         </p:nvSpPr>
         <p:spPr>
           <a:xfrm>
-            <a:off x="2902689" y="3046952"/>
-            <a:ext cx="2090057" cy="519519"/>
-          </a:xfrm>
-          <a:prstGeom prst="flowChartProcess">
+            <a:off x="15022289" y="1088570"/>
+            <a:ext cx="2090057" cy="1436915"/>
+          </a:xfrm>
+          <a:prstGeom prst="flowChartAlternateProcess">
             <a:avLst/>
           </a:prstGeom>
         </p:spPr>
@@ -15436,19 +18048,16 @@
           <a:lstStyle/>
           <a:p>
             <a:pPr algn="ctr"/>
-            <a:r>
-              <a:rPr lang="en-US" dirty="0"/>
-              <a:t>Start Thread 1</a:t>
-            </a:r>
-          </a:p>
-        </p:txBody>
-      </p:sp>
-      <p:sp>
-        <p:nvSpPr>
-          <p:cNvPr id="14" name="Flowchart: Process 13">
-            <a:extLst>
-              <a:ext uri="{FF2B5EF4-FFF2-40B4-BE49-F238E27FC236}">
-                <a16:creationId xmlns:a16="http://schemas.microsoft.com/office/drawing/2014/main" id="{AF06097B-4F97-4C03-8FDE-2041BD621146}"/>
+            <a:endParaRPr lang="en-US"/>
+          </a:p>
+        </p:txBody>
+      </p:sp>
+      <p:sp>
+        <p:nvSpPr>
+          <p:cNvPr id="7" name="Flowchart: Off-page Connector 6">
+            <a:extLst>
+              <a:ext uri="{FF2B5EF4-FFF2-40B4-BE49-F238E27FC236}">
+                <a16:creationId xmlns:a16="http://schemas.microsoft.com/office/drawing/2014/main" id="{17991506-76DA-48F8-BEEA-875C6C0FEE29}"/>
               </a:ext>
             </a:extLst>
           </p:cNvPr>
@@ -15457,10 +18066,10 @@
         </p:nvSpPr>
         <p:spPr>
           <a:xfrm>
-            <a:off x="2902690" y="4149712"/>
-            <a:ext cx="2090057" cy="519519"/>
-          </a:xfrm>
-          <a:prstGeom prst="flowChartProcess">
+            <a:off x="5138056" y="1088569"/>
+            <a:ext cx="2090057" cy="1436915"/>
+          </a:xfrm>
+          <a:prstGeom prst="flowChartOffpageConnector">
             <a:avLst/>
           </a:prstGeom>
         </p:spPr>
@@ -15485,19 +18094,16 @@
           <a:lstStyle/>
           <a:p>
             <a:pPr algn="ctr"/>
-            <a:r>
-              <a:rPr lang="en-US" dirty="0"/>
-              <a:t>Read sensor signal</a:t>
-            </a:r>
-          </a:p>
-        </p:txBody>
-      </p:sp>
-      <p:sp>
-        <p:nvSpPr>
-          <p:cNvPr id="16" name="Flowchart: Decision 15">
-            <a:extLst>
-              <a:ext uri="{FF2B5EF4-FFF2-40B4-BE49-F238E27FC236}">
-                <a16:creationId xmlns:a16="http://schemas.microsoft.com/office/drawing/2014/main" id="{3E5B697D-4B4A-4D7C-A459-801C297F1B96}"/>
+            <a:endParaRPr lang="en-US" dirty="0"/>
+          </a:p>
+        </p:txBody>
+      </p:sp>
+      <p:sp>
+        <p:nvSpPr>
+          <p:cNvPr id="8" name="Flowchart: Data 7">
+            <a:extLst>
+              <a:ext uri="{FF2B5EF4-FFF2-40B4-BE49-F238E27FC236}">
+                <a16:creationId xmlns:a16="http://schemas.microsoft.com/office/drawing/2014/main" id="{31AC280A-80DA-46CB-A5F2-E89563BE8717}"/>
               </a:ext>
             </a:extLst>
           </p:cNvPr>
@@ -15506,10 +18112,10 @@
         </p:nvSpPr>
         <p:spPr>
           <a:xfrm>
-            <a:off x="2902689" y="5246401"/>
-            <a:ext cx="2090057" cy="1154397"/>
-          </a:xfrm>
-          <a:prstGeom prst="flowChartDecision">
+            <a:off x="17939658" y="1088569"/>
+            <a:ext cx="2090057" cy="1436915"/>
+          </a:xfrm>
+          <a:prstGeom prst="flowChartInputOutput">
             <a:avLst/>
           </a:prstGeom>
         </p:spPr>
@@ -15534,2196 +18140,14 @@
           <a:lstStyle/>
           <a:p>
             <a:pPr algn="ctr"/>
-            <a:r>
-              <a:rPr lang="en-US" dirty="0"/>
-              <a:t>Did it ping vole 1?</a:t>
-            </a:r>
-          </a:p>
-        </p:txBody>
-      </p:sp>
-      <p:sp>
-        <p:nvSpPr>
-          <p:cNvPr id="18" name="Flowchart: Off-page Connector 17">
-            <a:extLst>
-              <a:ext uri="{FF2B5EF4-FFF2-40B4-BE49-F238E27FC236}">
-                <a16:creationId xmlns:a16="http://schemas.microsoft.com/office/drawing/2014/main" id="{D5DA2EA4-F75F-4C2F-A354-A0C9245C202B}"/>
-              </a:ext>
-            </a:extLst>
-          </p:cNvPr>
-          <p:cNvSpPr/>
-          <p:nvPr/>
-        </p:nvSpPr>
-        <p:spPr>
-          <a:xfrm>
-            <a:off x="7630709" y="5503090"/>
-            <a:ext cx="2090057" cy="641017"/>
-          </a:xfrm>
-          <a:prstGeom prst="flowChartOffpageConnector">
-            <a:avLst/>
-          </a:prstGeom>
-        </p:spPr>
-        <p:style>
-          <a:lnRef idx="2">
-            <a:schemeClr val="accent1">
-              <a:shade val="50000"/>
-            </a:schemeClr>
-          </a:lnRef>
-          <a:fillRef idx="1">
-            <a:schemeClr val="accent1"/>
-          </a:fillRef>
-          <a:effectRef idx="0">
-            <a:schemeClr val="accent1"/>
-          </a:effectRef>
-          <a:fontRef idx="minor">
-            <a:schemeClr val="lt1"/>
-          </a:fontRef>
-        </p:style>
-        <p:txBody>
-          <a:bodyPr rtlCol="0" anchor="ctr"/>
-          <a:lstStyle/>
-          <a:p>
-            <a:pPr algn="ctr"/>
-            <a:r>
-              <a:rPr lang="en-US" dirty="0"/>
-              <a:t>Output vole number and </a:t>
-            </a:r>
-            <a:r>
-              <a:rPr lang="en-US" dirty="0" err="1"/>
-              <a:t>rfid</a:t>
-            </a:r>
-            <a:r>
-              <a:rPr lang="en-US" dirty="0"/>
-              <a:t> tag</a:t>
-            </a:r>
-          </a:p>
-        </p:txBody>
-      </p:sp>
-      <p:sp>
-        <p:nvSpPr>
-          <p:cNvPr id="19" name="Flowchart: Off-page Connector 18">
-            <a:extLst>
-              <a:ext uri="{FF2B5EF4-FFF2-40B4-BE49-F238E27FC236}">
-                <a16:creationId xmlns:a16="http://schemas.microsoft.com/office/drawing/2014/main" id="{13E91CB5-A8FE-41F6-8115-B07DD79106F2}"/>
-              </a:ext>
-            </a:extLst>
-          </p:cNvPr>
-          <p:cNvSpPr/>
-          <p:nvPr/>
-        </p:nvSpPr>
-        <p:spPr>
-          <a:xfrm>
-            <a:off x="7630709" y="6383077"/>
-            <a:ext cx="2090057" cy="641017"/>
-          </a:xfrm>
-          <a:prstGeom prst="flowChartOffpageConnector">
-            <a:avLst/>
-          </a:prstGeom>
-        </p:spPr>
-        <p:style>
-          <a:lnRef idx="2">
-            <a:schemeClr val="accent1">
-              <a:shade val="50000"/>
-            </a:schemeClr>
-          </a:lnRef>
-          <a:fillRef idx="1">
-            <a:schemeClr val="accent1"/>
-          </a:fillRef>
-          <a:effectRef idx="0">
-            <a:schemeClr val="accent1"/>
-          </a:effectRef>
-          <a:fontRef idx="minor">
-            <a:schemeClr val="lt1"/>
-          </a:fontRef>
-        </p:style>
-        <p:txBody>
-          <a:bodyPr rtlCol="0" anchor="ctr"/>
-          <a:lstStyle/>
-          <a:p>
-            <a:pPr algn="ctr"/>
-            <a:r>
-              <a:rPr lang="en-US" dirty="0"/>
-              <a:t>Output “none”</a:t>
-            </a:r>
-          </a:p>
-        </p:txBody>
-      </p:sp>
-      <p:cxnSp>
-        <p:nvCxnSpPr>
-          <p:cNvPr id="23" name="Connector: Elbow 22">
-            <a:extLst>
-              <a:ext uri="{FF2B5EF4-FFF2-40B4-BE49-F238E27FC236}">
-                <a16:creationId xmlns:a16="http://schemas.microsoft.com/office/drawing/2014/main" id="{4B2F709E-8239-4A72-B5FC-167558804347}"/>
-              </a:ext>
-            </a:extLst>
-          </p:cNvPr>
-          <p:cNvCxnSpPr>
-            <a:stCxn id="16" idx="3"/>
-            <a:endCxn id="19" idx="1"/>
-          </p:cNvCxnSpPr>
-          <p:nvPr/>
-        </p:nvCxnSpPr>
-        <p:spPr>
-          <a:xfrm>
-            <a:off x="4992746" y="5823600"/>
-            <a:ext cx="2637963" cy="879986"/>
-          </a:xfrm>
-          <a:prstGeom prst="bentConnector3">
-            <a:avLst/>
-          </a:prstGeom>
-          <a:ln w="38100">
-            <a:solidFill>
-              <a:srgbClr val="FF0000"/>
-            </a:solidFill>
-            <a:prstDash val="sysDot"/>
-            <a:tailEnd type="triangle"/>
-          </a:ln>
-        </p:spPr>
-        <p:style>
-          <a:lnRef idx="1">
-            <a:schemeClr val="accent1"/>
-          </a:lnRef>
-          <a:fillRef idx="0">
-            <a:schemeClr val="accent1"/>
-          </a:fillRef>
-          <a:effectRef idx="0">
-            <a:schemeClr val="accent1"/>
-          </a:effectRef>
-          <a:fontRef idx="minor">
-            <a:schemeClr val="tx1"/>
-          </a:fontRef>
-        </p:style>
-      </p:cxnSp>
-      <p:cxnSp>
-        <p:nvCxnSpPr>
-          <p:cNvPr id="21" name="Connector: Elbow 20">
-            <a:extLst>
-              <a:ext uri="{FF2B5EF4-FFF2-40B4-BE49-F238E27FC236}">
-                <a16:creationId xmlns:a16="http://schemas.microsoft.com/office/drawing/2014/main" id="{D90E622E-7AC6-4E0C-B517-A477F4952C47}"/>
-              </a:ext>
-            </a:extLst>
-          </p:cNvPr>
-          <p:cNvCxnSpPr>
-            <a:stCxn id="16" idx="3"/>
-            <a:endCxn id="18" idx="1"/>
-          </p:cNvCxnSpPr>
-          <p:nvPr/>
-        </p:nvCxnSpPr>
-        <p:spPr>
-          <a:xfrm flipV="1">
-            <a:off x="4992746" y="5823599"/>
-            <a:ext cx="2637963" cy="1"/>
-          </a:xfrm>
-          <a:prstGeom prst="bentConnector3">
-            <a:avLst/>
-          </a:prstGeom>
-          <a:ln w="38100">
-            <a:solidFill>
-              <a:srgbClr val="00B050"/>
-            </a:solidFill>
-            <a:prstDash val="sysDot"/>
-            <a:tailEnd type="triangle"/>
-          </a:ln>
-        </p:spPr>
-        <p:style>
-          <a:lnRef idx="1">
-            <a:schemeClr val="accent1"/>
-          </a:lnRef>
-          <a:fillRef idx="0">
-            <a:schemeClr val="accent1"/>
-          </a:fillRef>
-          <a:effectRef idx="0">
-            <a:schemeClr val="accent1"/>
-          </a:effectRef>
-          <a:fontRef idx="minor">
-            <a:schemeClr val="tx1"/>
-          </a:fontRef>
-        </p:style>
-      </p:cxnSp>
-      <p:sp>
-        <p:nvSpPr>
-          <p:cNvPr id="26" name="Flowchart: Decision 25">
-            <a:extLst>
-              <a:ext uri="{FF2B5EF4-FFF2-40B4-BE49-F238E27FC236}">
-                <a16:creationId xmlns:a16="http://schemas.microsoft.com/office/drawing/2014/main" id="{E914801D-5893-4494-97CD-025C09D4751D}"/>
-              </a:ext>
-            </a:extLst>
-          </p:cNvPr>
-          <p:cNvSpPr/>
-          <p:nvPr/>
-        </p:nvSpPr>
-        <p:spPr>
-          <a:xfrm>
-            <a:off x="2902690" y="6983047"/>
-            <a:ext cx="2090057" cy="1154397"/>
-          </a:xfrm>
-          <a:prstGeom prst="flowChartDecision">
-            <a:avLst/>
-          </a:prstGeom>
-        </p:spPr>
-        <p:style>
-          <a:lnRef idx="2">
-            <a:schemeClr val="accent1">
-              <a:shade val="50000"/>
-            </a:schemeClr>
-          </a:lnRef>
-          <a:fillRef idx="1">
-            <a:schemeClr val="accent1"/>
-          </a:fillRef>
-          <a:effectRef idx="0">
-            <a:schemeClr val="accent1"/>
-          </a:effectRef>
-          <a:fontRef idx="minor">
-            <a:schemeClr val="lt1"/>
-          </a:fontRef>
-        </p:style>
-        <p:txBody>
-          <a:bodyPr rtlCol="0" anchor="ctr"/>
-          <a:lstStyle/>
-          <a:p>
-            <a:pPr algn="ctr"/>
-            <a:r>
-              <a:rPr lang="en-US" dirty="0"/>
-              <a:t>Did it ping vole 2?</a:t>
-            </a:r>
-          </a:p>
-        </p:txBody>
-      </p:sp>
-      <p:sp>
-        <p:nvSpPr>
-          <p:cNvPr id="27" name="Flowchart: Off-page Connector 26">
-            <a:extLst>
-              <a:ext uri="{FF2B5EF4-FFF2-40B4-BE49-F238E27FC236}">
-                <a16:creationId xmlns:a16="http://schemas.microsoft.com/office/drawing/2014/main" id="{01A2A26C-BA10-4293-93E2-28269DD7AE2E}"/>
-              </a:ext>
-            </a:extLst>
-          </p:cNvPr>
-          <p:cNvSpPr/>
-          <p:nvPr/>
-        </p:nvSpPr>
-        <p:spPr>
-          <a:xfrm>
-            <a:off x="7630203" y="7234137"/>
-            <a:ext cx="2090057" cy="641017"/>
-          </a:xfrm>
-          <a:prstGeom prst="flowChartOffpageConnector">
-            <a:avLst/>
-          </a:prstGeom>
-        </p:spPr>
-        <p:style>
-          <a:lnRef idx="2">
-            <a:schemeClr val="accent1">
-              <a:shade val="50000"/>
-            </a:schemeClr>
-          </a:lnRef>
-          <a:fillRef idx="1">
-            <a:schemeClr val="accent1"/>
-          </a:fillRef>
-          <a:effectRef idx="0">
-            <a:schemeClr val="accent1"/>
-          </a:effectRef>
-          <a:fontRef idx="minor">
-            <a:schemeClr val="lt1"/>
-          </a:fontRef>
-        </p:style>
-        <p:txBody>
-          <a:bodyPr rtlCol="0" anchor="ctr"/>
-          <a:lstStyle/>
-          <a:p>
-            <a:pPr algn="ctr"/>
-            <a:r>
-              <a:rPr lang="en-US" dirty="0"/>
-              <a:t>Output vole number and </a:t>
-            </a:r>
-            <a:r>
-              <a:rPr lang="en-US" dirty="0" err="1"/>
-              <a:t>rfid</a:t>
-            </a:r>
-            <a:r>
-              <a:rPr lang="en-US" dirty="0"/>
-              <a:t> tag</a:t>
-            </a:r>
-          </a:p>
-        </p:txBody>
-      </p:sp>
-      <p:sp>
-        <p:nvSpPr>
-          <p:cNvPr id="28" name="Flowchart: Off-page Connector 27">
-            <a:extLst>
-              <a:ext uri="{FF2B5EF4-FFF2-40B4-BE49-F238E27FC236}">
-                <a16:creationId xmlns:a16="http://schemas.microsoft.com/office/drawing/2014/main" id="{A6CB43D7-C0ED-4368-B0FE-E80E107929D6}"/>
-              </a:ext>
-            </a:extLst>
-          </p:cNvPr>
-          <p:cNvSpPr/>
-          <p:nvPr/>
-        </p:nvSpPr>
-        <p:spPr>
-          <a:xfrm>
-            <a:off x="7630202" y="8089836"/>
-            <a:ext cx="2090057" cy="641017"/>
-          </a:xfrm>
-          <a:prstGeom prst="flowChartOffpageConnector">
-            <a:avLst/>
-          </a:prstGeom>
-        </p:spPr>
-        <p:style>
-          <a:lnRef idx="2">
-            <a:schemeClr val="accent1">
-              <a:shade val="50000"/>
-            </a:schemeClr>
-          </a:lnRef>
-          <a:fillRef idx="1">
-            <a:schemeClr val="accent1"/>
-          </a:fillRef>
-          <a:effectRef idx="0">
-            <a:schemeClr val="accent1"/>
-          </a:effectRef>
-          <a:fontRef idx="minor">
-            <a:schemeClr val="lt1"/>
-          </a:fontRef>
-        </p:style>
-        <p:txBody>
-          <a:bodyPr rtlCol="0" anchor="ctr"/>
-          <a:lstStyle/>
-          <a:p>
-            <a:pPr algn="ctr"/>
-            <a:r>
-              <a:rPr lang="en-US" dirty="0"/>
-              <a:t>Output “none”</a:t>
-            </a:r>
-          </a:p>
-        </p:txBody>
-      </p:sp>
-      <p:cxnSp>
-        <p:nvCxnSpPr>
-          <p:cNvPr id="30" name="Connector: Elbow 29">
-            <a:extLst>
-              <a:ext uri="{FF2B5EF4-FFF2-40B4-BE49-F238E27FC236}">
-                <a16:creationId xmlns:a16="http://schemas.microsoft.com/office/drawing/2014/main" id="{1766EB3B-A78A-4B1C-9959-E2646AA9A7F1}"/>
-              </a:ext>
-            </a:extLst>
-          </p:cNvPr>
-          <p:cNvCxnSpPr>
-            <a:stCxn id="26" idx="3"/>
-            <a:endCxn id="27" idx="1"/>
-          </p:cNvCxnSpPr>
-          <p:nvPr/>
-        </p:nvCxnSpPr>
-        <p:spPr>
-          <a:xfrm flipV="1">
-            <a:off x="4992747" y="7554646"/>
-            <a:ext cx="2637456" cy="5600"/>
-          </a:xfrm>
-          <a:prstGeom prst="bentConnector3">
-            <a:avLst/>
-          </a:prstGeom>
-          <a:ln w="38100">
-            <a:solidFill>
-              <a:srgbClr val="00B050"/>
-            </a:solidFill>
-            <a:prstDash val="sysDot"/>
-            <a:tailEnd type="triangle"/>
-          </a:ln>
-        </p:spPr>
-        <p:style>
-          <a:lnRef idx="1">
-            <a:schemeClr val="accent1"/>
-          </a:lnRef>
-          <a:fillRef idx="0">
-            <a:schemeClr val="accent1"/>
-          </a:fillRef>
-          <a:effectRef idx="0">
-            <a:schemeClr val="accent1"/>
-          </a:effectRef>
-          <a:fontRef idx="minor">
-            <a:schemeClr val="tx1"/>
-          </a:fontRef>
-        </p:style>
-      </p:cxnSp>
-      <p:sp>
-        <p:nvSpPr>
-          <p:cNvPr id="33" name="Flowchart: Process 32">
-            <a:extLst>
-              <a:ext uri="{FF2B5EF4-FFF2-40B4-BE49-F238E27FC236}">
-                <a16:creationId xmlns:a16="http://schemas.microsoft.com/office/drawing/2014/main" id="{F11153D4-8FC7-4A23-9FC6-DBF3C5769F08}"/>
-              </a:ext>
-            </a:extLst>
-          </p:cNvPr>
-          <p:cNvSpPr/>
-          <p:nvPr/>
-        </p:nvSpPr>
-        <p:spPr>
-          <a:xfrm>
-            <a:off x="2902688" y="9317893"/>
-            <a:ext cx="2090057" cy="519519"/>
-          </a:xfrm>
-          <a:prstGeom prst="flowChartProcess">
-            <a:avLst/>
-          </a:prstGeom>
-        </p:spPr>
-        <p:style>
-          <a:lnRef idx="2">
-            <a:schemeClr val="accent1">
-              <a:shade val="50000"/>
-            </a:schemeClr>
-          </a:lnRef>
-          <a:fillRef idx="1">
-            <a:schemeClr val="accent1"/>
-          </a:fillRef>
-          <a:effectRef idx="0">
-            <a:schemeClr val="accent1"/>
-          </a:effectRef>
-          <a:fontRef idx="minor">
-            <a:schemeClr val="lt1"/>
-          </a:fontRef>
-        </p:style>
-        <p:txBody>
-          <a:bodyPr rtlCol="0" anchor="ctr"/>
-          <a:lstStyle/>
-          <a:p>
-            <a:pPr algn="ctr"/>
-            <a:r>
-              <a:rPr lang="en-US" dirty="0"/>
-              <a:t>Read time queue</a:t>
-            </a:r>
-          </a:p>
-        </p:txBody>
-      </p:sp>
-      <p:cxnSp>
-        <p:nvCxnSpPr>
-          <p:cNvPr id="35" name="Connector: Elbow 34">
-            <a:extLst>
-              <a:ext uri="{FF2B5EF4-FFF2-40B4-BE49-F238E27FC236}">
-                <a16:creationId xmlns:a16="http://schemas.microsoft.com/office/drawing/2014/main" id="{9E67CF9A-ED4F-4C0D-BEA1-4DA57B198A8A}"/>
-              </a:ext>
-            </a:extLst>
-          </p:cNvPr>
-          <p:cNvCxnSpPr>
-            <a:stCxn id="10" idx="2"/>
-            <a:endCxn id="33" idx="3"/>
-          </p:cNvCxnSpPr>
-          <p:nvPr/>
-        </p:nvCxnSpPr>
-        <p:spPr>
-          <a:xfrm rot="5400000">
-            <a:off x="5019379" y="2716568"/>
-            <a:ext cx="6834451" cy="6887718"/>
-          </a:xfrm>
-          <a:prstGeom prst="bentConnector2">
-            <a:avLst/>
-          </a:prstGeom>
-          <a:ln w="38100">
-            <a:prstDash val="lgDashDot"/>
-            <a:tailEnd type="triangle"/>
-          </a:ln>
-        </p:spPr>
-        <p:style>
-          <a:lnRef idx="1">
-            <a:schemeClr val="accent1"/>
-          </a:lnRef>
-          <a:fillRef idx="0">
-            <a:schemeClr val="accent1"/>
-          </a:fillRef>
-          <a:effectRef idx="0">
-            <a:schemeClr val="accent1"/>
-          </a:effectRef>
-          <a:fontRef idx="minor">
-            <a:schemeClr val="tx1"/>
-          </a:fontRef>
-        </p:style>
-      </p:cxnSp>
-      <p:sp>
-        <p:nvSpPr>
-          <p:cNvPr id="36" name="Flowchart: Decision 35">
-            <a:extLst>
-              <a:ext uri="{FF2B5EF4-FFF2-40B4-BE49-F238E27FC236}">
-                <a16:creationId xmlns:a16="http://schemas.microsoft.com/office/drawing/2014/main" id="{B129F9B9-9C96-4552-B8C4-39A72C2CF7BB}"/>
-              </a:ext>
-            </a:extLst>
-          </p:cNvPr>
-          <p:cNvSpPr/>
-          <p:nvPr/>
-        </p:nvSpPr>
-        <p:spPr>
-          <a:xfrm>
-            <a:off x="2902689" y="11497304"/>
-            <a:ext cx="2090057" cy="1154397"/>
-          </a:xfrm>
-          <a:prstGeom prst="flowChartDecision">
-            <a:avLst/>
-          </a:prstGeom>
-        </p:spPr>
-        <p:style>
-          <a:lnRef idx="2">
-            <a:schemeClr val="accent1">
-              <a:shade val="50000"/>
-            </a:schemeClr>
-          </a:lnRef>
-          <a:fillRef idx="1">
-            <a:schemeClr val="accent1"/>
-          </a:fillRef>
-          <a:effectRef idx="0">
-            <a:schemeClr val="accent1"/>
-          </a:effectRef>
-          <a:fontRef idx="minor">
-            <a:schemeClr val="lt1"/>
-          </a:fontRef>
-        </p:style>
-        <p:txBody>
-          <a:bodyPr rtlCol="0" anchor="ctr"/>
-          <a:lstStyle/>
-          <a:p>
-            <a:pPr algn="ctr"/>
-            <a:r>
-              <a:rPr lang="en-US" dirty="0"/>
-              <a:t>Number &lt; # of threads?</a:t>
-            </a:r>
-          </a:p>
-        </p:txBody>
-      </p:sp>
-      <p:sp>
-        <p:nvSpPr>
-          <p:cNvPr id="37" name="Flowchart: Off-page Connector 36">
-            <a:extLst>
-              <a:ext uri="{FF2B5EF4-FFF2-40B4-BE49-F238E27FC236}">
-                <a16:creationId xmlns:a16="http://schemas.microsoft.com/office/drawing/2014/main" id="{33EA2426-F959-4F97-819E-07448BF09F71}"/>
-              </a:ext>
-            </a:extLst>
-          </p:cNvPr>
-          <p:cNvSpPr/>
-          <p:nvPr/>
-        </p:nvSpPr>
-        <p:spPr>
-          <a:xfrm>
-            <a:off x="10835435" y="10058398"/>
-            <a:ext cx="2090057" cy="576203"/>
-          </a:xfrm>
-          <a:prstGeom prst="flowChartOffpageConnector">
-            <a:avLst/>
-          </a:prstGeom>
-        </p:spPr>
-        <p:style>
-          <a:lnRef idx="2">
-            <a:schemeClr val="accent1">
-              <a:shade val="50000"/>
-            </a:schemeClr>
-          </a:lnRef>
-          <a:fillRef idx="1">
-            <a:schemeClr val="accent1"/>
-          </a:fillRef>
-          <a:effectRef idx="0">
-            <a:schemeClr val="accent1"/>
-          </a:effectRef>
-          <a:fontRef idx="minor">
-            <a:schemeClr val="lt1"/>
-          </a:fontRef>
-        </p:style>
-        <p:txBody>
-          <a:bodyPr rtlCol="0" anchor="ctr"/>
-          <a:lstStyle/>
-          <a:p>
-            <a:pPr algn="ctr"/>
-            <a:r>
-              <a:rPr lang="en-US" dirty="0"/>
-              <a:t>Add 1 to indicate finished sensing</a:t>
-            </a:r>
-          </a:p>
-        </p:txBody>
-      </p:sp>
-      <p:cxnSp>
-        <p:nvCxnSpPr>
-          <p:cNvPr id="39" name="Connector: Elbow 38">
-            <a:extLst>
-              <a:ext uri="{FF2B5EF4-FFF2-40B4-BE49-F238E27FC236}">
-                <a16:creationId xmlns:a16="http://schemas.microsoft.com/office/drawing/2014/main" id="{EDA6934F-FFAD-4198-B397-8018C5CCCD3F}"/>
-              </a:ext>
-            </a:extLst>
-          </p:cNvPr>
-          <p:cNvCxnSpPr>
-            <a:stCxn id="33" idx="2"/>
-            <a:endCxn id="37" idx="1"/>
-          </p:cNvCxnSpPr>
-          <p:nvPr/>
-        </p:nvCxnSpPr>
-        <p:spPr>
-          <a:xfrm rot="16200000" flipH="1">
-            <a:off x="7137032" y="6648097"/>
-            <a:ext cx="509088" cy="6887718"/>
-          </a:xfrm>
-          <a:prstGeom prst="bentConnector2">
-            <a:avLst/>
-          </a:prstGeom>
-          <a:ln w="38100">
-            <a:prstDash val="lgDashDot"/>
-            <a:tailEnd type="triangle"/>
-          </a:ln>
-        </p:spPr>
-        <p:style>
-          <a:lnRef idx="1">
-            <a:schemeClr val="accent1"/>
-          </a:lnRef>
-          <a:fillRef idx="0">
-            <a:schemeClr val="accent1"/>
-          </a:fillRef>
-          <a:effectRef idx="0">
-            <a:schemeClr val="accent1"/>
-          </a:effectRef>
-          <a:fontRef idx="minor">
-            <a:schemeClr val="tx1"/>
-          </a:fontRef>
-        </p:style>
-      </p:cxnSp>
-      <p:cxnSp>
-        <p:nvCxnSpPr>
-          <p:cNvPr id="41" name="Connector: Elbow 40">
-            <a:extLst>
-              <a:ext uri="{FF2B5EF4-FFF2-40B4-BE49-F238E27FC236}">
-                <a16:creationId xmlns:a16="http://schemas.microsoft.com/office/drawing/2014/main" id="{7DCE2A68-D371-4B4E-ADD5-D8F5287FCE28}"/>
-              </a:ext>
-            </a:extLst>
-          </p:cNvPr>
-          <p:cNvCxnSpPr>
-            <a:stCxn id="37" idx="2"/>
-            <a:endCxn id="36" idx="0"/>
-          </p:cNvCxnSpPr>
-          <p:nvPr/>
-        </p:nvCxnSpPr>
-        <p:spPr>
-          <a:xfrm rot="5400000">
-            <a:off x="7482740" y="7099579"/>
-            <a:ext cx="862703" cy="7932746"/>
-          </a:xfrm>
-          <a:prstGeom prst="bentConnector3">
-            <a:avLst/>
-          </a:prstGeom>
-          <a:ln w="38100">
-            <a:prstDash val="lgDashDot"/>
-            <a:tailEnd type="triangle"/>
-          </a:ln>
-        </p:spPr>
-        <p:style>
-          <a:lnRef idx="1">
-            <a:schemeClr val="accent1"/>
-          </a:lnRef>
-          <a:fillRef idx="0">
-            <a:schemeClr val="accent1"/>
-          </a:fillRef>
-          <a:effectRef idx="0">
-            <a:schemeClr val="accent1"/>
-          </a:effectRef>
-          <a:fontRef idx="minor">
-            <a:schemeClr val="tx1"/>
-          </a:fontRef>
-        </p:style>
-      </p:cxnSp>
-      <p:cxnSp>
-        <p:nvCxnSpPr>
-          <p:cNvPr id="44" name="Connector: Elbow 43">
-            <a:extLst>
-              <a:ext uri="{FF2B5EF4-FFF2-40B4-BE49-F238E27FC236}">
-                <a16:creationId xmlns:a16="http://schemas.microsoft.com/office/drawing/2014/main" id="{B88FA87F-E795-42E6-AC10-F34ECD9F6FEC}"/>
-              </a:ext>
-            </a:extLst>
-          </p:cNvPr>
-          <p:cNvCxnSpPr>
-            <a:stCxn id="11" idx="2"/>
-            <a:endCxn id="14" idx="0"/>
-          </p:cNvCxnSpPr>
-          <p:nvPr/>
-        </p:nvCxnSpPr>
-        <p:spPr>
-          <a:xfrm rot="16200000" flipH="1">
-            <a:off x="3656098" y="3858090"/>
-            <a:ext cx="583241" cy="1"/>
-          </a:xfrm>
-          <a:prstGeom prst="bentConnector3">
-            <a:avLst/>
-          </a:prstGeom>
-          <a:ln w="38100">
-            <a:tailEnd type="triangle"/>
-          </a:ln>
-        </p:spPr>
-        <p:style>
-          <a:lnRef idx="1">
-            <a:schemeClr val="accent1"/>
-          </a:lnRef>
-          <a:fillRef idx="0">
-            <a:schemeClr val="accent1"/>
-          </a:fillRef>
-          <a:effectRef idx="0">
-            <a:schemeClr val="accent1"/>
-          </a:effectRef>
-          <a:fontRef idx="minor">
-            <a:schemeClr val="tx1"/>
-          </a:fontRef>
-        </p:style>
-      </p:cxnSp>
-      <p:cxnSp>
-        <p:nvCxnSpPr>
-          <p:cNvPr id="46" name="Connector: Elbow 45">
-            <a:extLst>
-              <a:ext uri="{FF2B5EF4-FFF2-40B4-BE49-F238E27FC236}">
-                <a16:creationId xmlns:a16="http://schemas.microsoft.com/office/drawing/2014/main" id="{101D61D5-66EE-40CF-867F-0C2708048948}"/>
-              </a:ext>
-            </a:extLst>
-          </p:cNvPr>
-          <p:cNvCxnSpPr>
-            <a:stCxn id="14" idx="2"/>
-            <a:endCxn id="16" idx="0"/>
-          </p:cNvCxnSpPr>
-          <p:nvPr/>
-        </p:nvCxnSpPr>
-        <p:spPr>
-          <a:xfrm rot="5400000">
-            <a:off x="3659134" y="4957816"/>
-            <a:ext cx="577170" cy="1"/>
-          </a:xfrm>
-          <a:prstGeom prst="bentConnector3">
-            <a:avLst/>
-          </a:prstGeom>
-          <a:ln w="38100">
-            <a:tailEnd type="triangle"/>
-          </a:ln>
-        </p:spPr>
-        <p:style>
-          <a:lnRef idx="1">
-            <a:schemeClr val="accent1"/>
-          </a:lnRef>
-          <a:fillRef idx="0">
-            <a:schemeClr val="accent1"/>
-          </a:fillRef>
-          <a:effectRef idx="0">
-            <a:schemeClr val="accent1"/>
-          </a:effectRef>
-          <a:fontRef idx="minor">
-            <a:schemeClr val="tx1"/>
-          </a:fontRef>
-        </p:style>
-      </p:cxnSp>
-      <p:cxnSp>
-        <p:nvCxnSpPr>
-          <p:cNvPr id="48" name="Connector: Elbow 47">
-            <a:extLst>
-              <a:ext uri="{FF2B5EF4-FFF2-40B4-BE49-F238E27FC236}">
-                <a16:creationId xmlns:a16="http://schemas.microsoft.com/office/drawing/2014/main" id="{9BE5B4D8-BE28-4766-ADE5-13BDDBBD39D9}"/>
-              </a:ext>
-            </a:extLst>
-          </p:cNvPr>
-          <p:cNvCxnSpPr>
-            <a:stCxn id="16" idx="2"/>
-            <a:endCxn id="26" idx="0"/>
-          </p:cNvCxnSpPr>
-          <p:nvPr/>
-        </p:nvCxnSpPr>
-        <p:spPr>
-          <a:xfrm rot="16200000" flipH="1">
-            <a:off x="3656594" y="6691921"/>
-            <a:ext cx="582249" cy="1"/>
-          </a:xfrm>
-          <a:prstGeom prst="bentConnector3">
-            <a:avLst/>
-          </a:prstGeom>
-          <a:ln w="38100">
-            <a:tailEnd type="triangle"/>
-          </a:ln>
-        </p:spPr>
-        <p:style>
-          <a:lnRef idx="1">
-            <a:schemeClr val="accent1"/>
-          </a:lnRef>
-          <a:fillRef idx="0">
-            <a:schemeClr val="accent1"/>
-          </a:fillRef>
-          <a:effectRef idx="0">
-            <a:schemeClr val="accent1"/>
-          </a:effectRef>
-          <a:fontRef idx="minor">
-            <a:schemeClr val="tx1"/>
-          </a:fontRef>
-        </p:style>
-      </p:cxnSp>
-      <p:cxnSp>
-        <p:nvCxnSpPr>
-          <p:cNvPr id="69" name="Connector: Elbow 68">
-            <a:extLst>
-              <a:ext uri="{FF2B5EF4-FFF2-40B4-BE49-F238E27FC236}">
-                <a16:creationId xmlns:a16="http://schemas.microsoft.com/office/drawing/2014/main" id="{B166AFE7-C5C4-463D-807B-ABD83A461E4B}"/>
-              </a:ext>
-            </a:extLst>
-          </p:cNvPr>
-          <p:cNvCxnSpPr>
-            <a:stCxn id="26" idx="2"/>
-            <a:endCxn id="33" idx="0"/>
-          </p:cNvCxnSpPr>
-          <p:nvPr/>
-        </p:nvCxnSpPr>
-        <p:spPr>
-          <a:xfrm rot="5400000">
-            <a:off x="3357494" y="8727667"/>
-            <a:ext cx="1180449" cy="2"/>
-          </a:xfrm>
-          <a:prstGeom prst="bentConnector3">
-            <a:avLst/>
-          </a:prstGeom>
-          <a:ln w="38100">
-            <a:tailEnd type="triangle"/>
-          </a:ln>
-        </p:spPr>
-        <p:style>
-          <a:lnRef idx="1">
-            <a:schemeClr val="accent1"/>
-          </a:lnRef>
-          <a:fillRef idx="0">
-            <a:schemeClr val="accent1"/>
-          </a:fillRef>
-          <a:effectRef idx="0">
-            <a:schemeClr val="accent1"/>
-          </a:effectRef>
-          <a:fontRef idx="minor">
-            <a:schemeClr val="tx1"/>
-          </a:fontRef>
-        </p:style>
-      </p:cxnSp>
-      <p:sp>
-        <p:nvSpPr>
-          <p:cNvPr id="76" name="Flowchart: Off-page Connector 75">
-            <a:extLst>
-              <a:ext uri="{FF2B5EF4-FFF2-40B4-BE49-F238E27FC236}">
-                <a16:creationId xmlns:a16="http://schemas.microsoft.com/office/drawing/2014/main" id="{D61B6907-1997-47CD-AF56-56061E7A6AD5}"/>
-              </a:ext>
-            </a:extLst>
-          </p:cNvPr>
-          <p:cNvSpPr/>
-          <p:nvPr/>
-        </p:nvSpPr>
-        <p:spPr>
-          <a:xfrm>
-            <a:off x="10835433" y="11753993"/>
-            <a:ext cx="2090057" cy="641017"/>
-          </a:xfrm>
-          <a:prstGeom prst="flowChartOffpageConnector">
-            <a:avLst/>
-          </a:prstGeom>
-        </p:spPr>
-        <p:style>
-          <a:lnRef idx="2">
-            <a:schemeClr val="accent1">
-              <a:shade val="50000"/>
-            </a:schemeClr>
-          </a:lnRef>
-          <a:fillRef idx="1">
-            <a:schemeClr val="accent1"/>
-          </a:fillRef>
-          <a:effectRef idx="0">
-            <a:schemeClr val="accent1"/>
-          </a:effectRef>
-          <a:fontRef idx="minor">
-            <a:schemeClr val="lt1"/>
-          </a:fontRef>
-        </p:style>
-        <p:txBody>
-          <a:bodyPr rtlCol="0" anchor="ctr"/>
-          <a:lstStyle/>
-          <a:p>
-            <a:pPr algn="ctr"/>
-            <a:r>
-              <a:rPr lang="en-US" dirty="0"/>
-              <a:t>Output 0</a:t>
-            </a:r>
-          </a:p>
-        </p:txBody>
-      </p:sp>
-      <p:sp>
-        <p:nvSpPr>
-          <p:cNvPr id="77" name="Flowchart: Data 76">
-            <a:extLst>
-              <a:ext uri="{FF2B5EF4-FFF2-40B4-BE49-F238E27FC236}">
-                <a16:creationId xmlns:a16="http://schemas.microsoft.com/office/drawing/2014/main" id="{89A03E5F-0078-4755-B494-5B3EF2759610}"/>
-              </a:ext>
-            </a:extLst>
-          </p:cNvPr>
-          <p:cNvSpPr/>
-          <p:nvPr/>
-        </p:nvSpPr>
-        <p:spPr>
-          <a:xfrm>
-            <a:off x="6869062" y="13182602"/>
-            <a:ext cx="2090057" cy="718457"/>
-          </a:xfrm>
-          <a:prstGeom prst="flowChartInputOutput">
-            <a:avLst/>
-          </a:prstGeom>
-        </p:spPr>
-        <p:style>
-          <a:lnRef idx="2">
-            <a:schemeClr val="accent1">
-              <a:shade val="50000"/>
-            </a:schemeClr>
-          </a:lnRef>
-          <a:fillRef idx="1">
-            <a:schemeClr val="accent1"/>
-          </a:fillRef>
-          <a:effectRef idx="0">
-            <a:schemeClr val="accent1"/>
-          </a:effectRef>
-          <a:fontRef idx="minor">
-            <a:schemeClr val="lt1"/>
-          </a:fontRef>
-        </p:style>
-        <p:txBody>
-          <a:bodyPr rtlCol="0" anchor="ctr"/>
-          <a:lstStyle/>
-          <a:p>
-            <a:pPr algn="ctr"/>
-            <a:r>
-              <a:rPr lang="en-US" dirty="0"/>
-              <a:t>END</a:t>
-            </a:r>
-          </a:p>
-        </p:txBody>
-      </p:sp>
-      <p:cxnSp>
-        <p:nvCxnSpPr>
-          <p:cNvPr id="79" name="Connector: Elbow 78">
-            <a:extLst>
-              <a:ext uri="{FF2B5EF4-FFF2-40B4-BE49-F238E27FC236}">
-                <a16:creationId xmlns:a16="http://schemas.microsoft.com/office/drawing/2014/main" id="{466584EA-30E8-4400-B523-BAF6BEDD7F4B}"/>
-              </a:ext>
-            </a:extLst>
-          </p:cNvPr>
-          <p:cNvCxnSpPr>
-            <a:stCxn id="36" idx="3"/>
-            <a:endCxn id="76" idx="1"/>
-          </p:cNvCxnSpPr>
-          <p:nvPr/>
-        </p:nvCxnSpPr>
-        <p:spPr>
-          <a:xfrm flipV="1">
-            <a:off x="4992746" y="12074502"/>
-            <a:ext cx="5842687" cy="1"/>
-          </a:xfrm>
-          <a:prstGeom prst="bentConnector3">
-            <a:avLst/>
-          </a:prstGeom>
-          <a:ln w="38100">
-            <a:solidFill>
-              <a:srgbClr val="FF0000"/>
-            </a:solidFill>
-            <a:prstDash val="lgDashDot"/>
-            <a:tailEnd type="triangle"/>
-          </a:ln>
-        </p:spPr>
-        <p:style>
-          <a:lnRef idx="1">
-            <a:schemeClr val="accent1"/>
-          </a:lnRef>
-          <a:fillRef idx="0">
-            <a:schemeClr val="accent1"/>
-          </a:fillRef>
-          <a:effectRef idx="0">
-            <a:schemeClr val="accent1"/>
-          </a:effectRef>
-          <a:fontRef idx="minor">
-            <a:schemeClr val="tx1"/>
-          </a:fontRef>
-        </p:style>
-      </p:cxnSp>
-      <p:cxnSp>
-        <p:nvCxnSpPr>
-          <p:cNvPr id="83" name="Connector: Elbow 82">
-            <a:extLst>
-              <a:ext uri="{FF2B5EF4-FFF2-40B4-BE49-F238E27FC236}">
-                <a16:creationId xmlns:a16="http://schemas.microsoft.com/office/drawing/2014/main" id="{3C7C3E92-87C3-432E-B368-353EF3AE1E1A}"/>
-              </a:ext>
-            </a:extLst>
-          </p:cNvPr>
-          <p:cNvCxnSpPr>
-            <a:stCxn id="36" idx="3"/>
-            <a:endCxn id="77" idx="0"/>
-          </p:cNvCxnSpPr>
-          <p:nvPr/>
-        </p:nvCxnSpPr>
-        <p:spPr>
-          <a:xfrm>
-            <a:off x="4992746" y="12074503"/>
-            <a:ext cx="3130350" cy="1108099"/>
-          </a:xfrm>
-          <a:prstGeom prst="bentConnector2">
-            <a:avLst/>
-          </a:prstGeom>
-          <a:ln w="38100">
-            <a:solidFill>
-              <a:srgbClr val="FF0000"/>
-            </a:solidFill>
-            <a:tailEnd type="triangle"/>
-          </a:ln>
-        </p:spPr>
-        <p:style>
-          <a:lnRef idx="1">
-            <a:schemeClr val="accent1"/>
-          </a:lnRef>
-          <a:fillRef idx="0">
-            <a:schemeClr val="accent1"/>
-          </a:fillRef>
-          <a:effectRef idx="0">
-            <a:schemeClr val="accent1"/>
-          </a:effectRef>
-          <a:fontRef idx="minor">
-            <a:schemeClr val="tx1"/>
-          </a:fontRef>
-        </p:style>
-      </p:cxnSp>
-      <p:sp>
-        <p:nvSpPr>
-          <p:cNvPr id="84" name="Flowchart: Process 83">
-            <a:extLst>
-              <a:ext uri="{FF2B5EF4-FFF2-40B4-BE49-F238E27FC236}">
-                <a16:creationId xmlns:a16="http://schemas.microsoft.com/office/drawing/2014/main" id="{F93B090C-7B01-471B-8660-C9519D59D02E}"/>
-              </a:ext>
-            </a:extLst>
-          </p:cNvPr>
-          <p:cNvSpPr/>
-          <p:nvPr/>
-        </p:nvSpPr>
-        <p:spPr>
-          <a:xfrm>
-            <a:off x="2902688" y="13228899"/>
-            <a:ext cx="2090057" cy="519519"/>
-          </a:xfrm>
-          <a:prstGeom prst="flowChartProcess">
-            <a:avLst/>
-          </a:prstGeom>
-        </p:spPr>
-        <p:style>
-          <a:lnRef idx="2">
-            <a:schemeClr val="accent1">
-              <a:shade val="50000"/>
-            </a:schemeClr>
-          </a:lnRef>
-          <a:fillRef idx="1">
-            <a:schemeClr val="accent1"/>
-          </a:fillRef>
-          <a:effectRef idx="0">
-            <a:schemeClr val="accent1"/>
-          </a:effectRef>
-          <a:fontRef idx="minor">
-            <a:schemeClr val="lt1"/>
-          </a:fontRef>
-        </p:style>
-        <p:txBody>
-          <a:bodyPr rtlCol="0" anchor="ctr"/>
-          <a:lstStyle/>
-          <a:p>
-            <a:pPr algn="ctr"/>
-            <a:r>
-              <a:rPr lang="en-US" dirty="0"/>
-              <a:t>Read time queue</a:t>
-            </a:r>
-          </a:p>
-        </p:txBody>
-      </p:sp>
-      <p:cxnSp>
-        <p:nvCxnSpPr>
-          <p:cNvPr id="86" name="Connector: Elbow 85">
-            <a:extLst>
-              <a:ext uri="{FF2B5EF4-FFF2-40B4-BE49-F238E27FC236}">
-                <a16:creationId xmlns:a16="http://schemas.microsoft.com/office/drawing/2014/main" id="{A1694BD7-FCC3-4CBD-A769-F9DD11646204}"/>
-              </a:ext>
-            </a:extLst>
-          </p:cNvPr>
-          <p:cNvCxnSpPr>
-            <a:stCxn id="36" idx="2"/>
-            <a:endCxn id="84" idx="0"/>
-          </p:cNvCxnSpPr>
-          <p:nvPr/>
-        </p:nvCxnSpPr>
-        <p:spPr>
-          <a:xfrm rot="5400000">
-            <a:off x="3659119" y="12940300"/>
-            <a:ext cx="577198" cy="1"/>
-          </a:xfrm>
-          <a:prstGeom prst="bentConnector3">
-            <a:avLst/>
-          </a:prstGeom>
-          <a:ln w="38100">
-            <a:solidFill>
-              <a:srgbClr val="00B050"/>
-            </a:solidFill>
-            <a:tailEnd type="triangle"/>
-          </a:ln>
-        </p:spPr>
-        <p:style>
-          <a:lnRef idx="1">
-            <a:schemeClr val="accent1"/>
-          </a:lnRef>
-          <a:fillRef idx="0">
-            <a:schemeClr val="accent1"/>
-          </a:fillRef>
-          <a:effectRef idx="0">
-            <a:schemeClr val="accent1"/>
-          </a:effectRef>
-          <a:fontRef idx="minor">
-            <a:schemeClr val="tx1"/>
-          </a:fontRef>
-        </p:style>
-      </p:cxnSp>
-      <p:cxnSp>
-        <p:nvCxnSpPr>
-          <p:cNvPr id="96" name="Connector: Elbow 95">
-            <a:extLst>
-              <a:ext uri="{FF2B5EF4-FFF2-40B4-BE49-F238E27FC236}">
-                <a16:creationId xmlns:a16="http://schemas.microsoft.com/office/drawing/2014/main" id="{1021A9A6-C761-4A70-9E36-4C947B4FBFAB}"/>
-              </a:ext>
-            </a:extLst>
-          </p:cNvPr>
-          <p:cNvCxnSpPr>
-            <a:stCxn id="84" idx="2"/>
-            <a:endCxn id="36" idx="1"/>
-          </p:cNvCxnSpPr>
-          <p:nvPr/>
-        </p:nvCxnSpPr>
-        <p:spPr>
-          <a:xfrm rot="5400000" flipH="1">
-            <a:off x="2588245" y="12388947"/>
-            <a:ext cx="1673915" cy="1045028"/>
-          </a:xfrm>
-          <a:prstGeom prst="bentConnector4">
-            <a:avLst>
-              <a:gd name="adj1" fmla="val -27314"/>
-              <a:gd name="adj2" fmla="val 191875"/>
-            </a:avLst>
-          </a:prstGeom>
-          <a:ln w="38100">
-            <a:tailEnd type="triangle"/>
-          </a:ln>
-        </p:spPr>
-        <p:style>
-          <a:lnRef idx="1">
-            <a:schemeClr val="accent1"/>
-          </a:lnRef>
-          <a:fillRef idx="0">
-            <a:schemeClr val="accent1"/>
-          </a:fillRef>
-          <a:effectRef idx="0">
-            <a:schemeClr val="accent1"/>
-          </a:effectRef>
-          <a:fontRef idx="minor">
-            <a:schemeClr val="tx1"/>
-          </a:fontRef>
-        </p:style>
-      </p:cxnSp>
-      <p:cxnSp>
-        <p:nvCxnSpPr>
-          <p:cNvPr id="100" name="Connector: Elbow 99">
-            <a:extLst>
-              <a:ext uri="{FF2B5EF4-FFF2-40B4-BE49-F238E27FC236}">
-                <a16:creationId xmlns:a16="http://schemas.microsoft.com/office/drawing/2014/main" id="{BA719404-B595-4C6A-BAE2-B97796946D49}"/>
-              </a:ext>
-            </a:extLst>
-          </p:cNvPr>
-          <p:cNvCxnSpPr>
-            <a:stCxn id="9" idx="2"/>
-            <a:endCxn id="18" idx="0"/>
-          </p:cNvCxnSpPr>
-          <p:nvPr/>
-        </p:nvCxnSpPr>
-        <p:spPr>
-          <a:xfrm rot="16200000" flipH="1">
-            <a:off x="7295540" y="4122891"/>
-            <a:ext cx="2759889" cy="507"/>
-          </a:xfrm>
-          <a:prstGeom prst="bentConnector3">
-            <a:avLst/>
-          </a:prstGeom>
-          <a:ln w="38100">
-            <a:prstDash val="sysDot"/>
-            <a:tailEnd type="triangle"/>
-          </a:ln>
-        </p:spPr>
-        <p:style>
-          <a:lnRef idx="1">
-            <a:schemeClr val="accent1"/>
-          </a:lnRef>
-          <a:fillRef idx="0">
-            <a:schemeClr val="accent1"/>
-          </a:fillRef>
-          <a:effectRef idx="0">
-            <a:schemeClr val="accent1"/>
-          </a:effectRef>
-          <a:fontRef idx="minor">
-            <a:schemeClr val="tx1"/>
-          </a:fontRef>
-        </p:style>
-      </p:cxnSp>
-      <p:sp>
-        <p:nvSpPr>
-          <p:cNvPr id="115" name="Flowchart: Process 114">
-            <a:extLst>
-              <a:ext uri="{FF2B5EF4-FFF2-40B4-BE49-F238E27FC236}">
-                <a16:creationId xmlns:a16="http://schemas.microsoft.com/office/drawing/2014/main" id="{81827D50-FECC-4310-97EB-01052D307168}"/>
-              </a:ext>
-            </a:extLst>
-          </p:cNvPr>
-          <p:cNvSpPr/>
-          <p:nvPr/>
-        </p:nvSpPr>
-        <p:spPr>
-          <a:xfrm>
-            <a:off x="17040447" y="3046952"/>
-            <a:ext cx="2090057" cy="519519"/>
-          </a:xfrm>
-          <a:prstGeom prst="flowChartProcess">
-            <a:avLst/>
-          </a:prstGeom>
-        </p:spPr>
-        <p:style>
-          <a:lnRef idx="2">
-            <a:schemeClr val="accent1">
-              <a:shade val="50000"/>
-            </a:schemeClr>
-          </a:lnRef>
-          <a:fillRef idx="1">
-            <a:schemeClr val="accent1"/>
-          </a:fillRef>
-          <a:effectRef idx="0">
-            <a:schemeClr val="accent1"/>
-          </a:effectRef>
-          <a:fontRef idx="minor">
-            <a:schemeClr val="lt1"/>
-          </a:fontRef>
-        </p:style>
-        <p:txBody>
-          <a:bodyPr rtlCol="0" anchor="ctr"/>
-          <a:lstStyle/>
-          <a:p>
-            <a:pPr algn="ctr"/>
-            <a:r>
-              <a:rPr lang="en-US" dirty="0"/>
-              <a:t>Start Thread 1</a:t>
-            </a:r>
-          </a:p>
-        </p:txBody>
-      </p:sp>
-      <p:sp>
-        <p:nvSpPr>
-          <p:cNvPr id="116" name="Flowchart: Process 115">
-            <a:extLst>
-              <a:ext uri="{FF2B5EF4-FFF2-40B4-BE49-F238E27FC236}">
-                <a16:creationId xmlns:a16="http://schemas.microsoft.com/office/drawing/2014/main" id="{95A043DD-2CA8-4B5B-9E3E-CBA2BC5796FE}"/>
-              </a:ext>
-            </a:extLst>
-          </p:cNvPr>
-          <p:cNvSpPr/>
-          <p:nvPr/>
-        </p:nvSpPr>
-        <p:spPr>
-          <a:xfrm>
-            <a:off x="17040448" y="4149712"/>
-            <a:ext cx="2090057" cy="519519"/>
-          </a:xfrm>
-          <a:prstGeom prst="flowChartProcess">
-            <a:avLst/>
-          </a:prstGeom>
-        </p:spPr>
-        <p:style>
-          <a:lnRef idx="2">
-            <a:schemeClr val="accent1">
-              <a:shade val="50000"/>
-            </a:schemeClr>
-          </a:lnRef>
-          <a:fillRef idx="1">
-            <a:schemeClr val="accent1"/>
-          </a:fillRef>
-          <a:effectRef idx="0">
-            <a:schemeClr val="accent1"/>
-          </a:effectRef>
-          <a:fontRef idx="minor">
-            <a:schemeClr val="lt1"/>
-          </a:fontRef>
-        </p:style>
-        <p:txBody>
-          <a:bodyPr rtlCol="0" anchor="ctr"/>
-          <a:lstStyle/>
-          <a:p>
-            <a:pPr algn="ctr"/>
-            <a:r>
-              <a:rPr lang="en-US" dirty="0"/>
-              <a:t>Read sensor signal</a:t>
-            </a:r>
-          </a:p>
-        </p:txBody>
-      </p:sp>
-      <p:sp>
-        <p:nvSpPr>
-          <p:cNvPr id="117" name="Flowchart: Decision 116">
-            <a:extLst>
-              <a:ext uri="{FF2B5EF4-FFF2-40B4-BE49-F238E27FC236}">
-                <a16:creationId xmlns:a16="http://schemas.microsoft.com/office/drawing/2014/main" id="{23815285-01B5-426C-9A9E-BAE000E0AB76}"/>
-              </a:ext>
-            </a:extLst>
-          </p:cNvPr>
-          <p:cNvSpPr/>
-          <p:nvPr/>
-        </p:nvSpPr>
-        <p:spPr>
-          <a:xfrm>
-            <a:off x="17040447" y="5246401"/>
-            <a:ext cx="2090057" cy="1154397"/>
-          </a:xfrm>
-          <a:prstGeom prst="flowChartDecision">
-            <a:avLst/>
-          </a:prstGeom>
-        </p:spPr>
-        <p:style>
-          <a:lnRef idx="2">
-            <a:schemeClr val="accent1">
-              <a:shade val="50000"/>
-            </a:schemeClr>
-          </a:lnRef>
-          <a:fillRef idx="1">
-            <a:schemeClr val="accent1"/>
-          </a:fillRef>
-          <a:effectRef idx="0">
-            <a:schemeClr val="accent1"/>
-          </a:effectRef>
-          <a:fontRef idx="minor">
-            <a:schemeClr val="lt1"/>
-          </a:fontRef>
-        </p:style>
-        <p:txBody>
-          <a:bodyPr rtlCol="0" anchor="ctr"/>
-          <a:lstStyle/>
-          <a:p>
-            <a:pPr algn="ctr"/>
-            <a:r>
-              <a:rPr lang="en-US" dirty="0"/>
-              <a:t>Did it ping vole 1?</a:t>
-            </a:r>
-          </a:p>
-        </p:txBody>
-      </p:sp>
-      <p:sp>
-        <p:nvSpPr>
-          <p:cNvPr id="118" name="Flowchart: Decision 117">
-            <a:extLst>
-              <a:ext uri="{FF2B5EF4-FFF2-40B4-BE49-F238E27FC236}">
-                <a16:creationId xmlns:a16="http://schemas.microsoft.com/office/drawing/2014/main" id="{39E3A9AC-7B8E-4BD2-AC71-0598A7F6631E}"/>
-              </a:ext>
-            </a:extLst>
-          </p:cNvPr>
-          <p:cNvSpPr/>
-          <p:nvPr/>
-        </p:nvSpPr>
-        <p:spPr>
-          <a:xfrm>
-            <a:off x="17040445" y="6977968"/>
-            <a:ext cx="2090057" cy="1154397"/>
-          </a:xfrm>
-          <a:prstGeom prst="flowChartDecision">
-            <a:avLst/>
-          </a:prstGeom>
-        </p:spPr>
-        <p:style>
-          <a:lnRef idx="2">
-            <a:schemeClr val="accent1">
-              <a:shade val="50000"/>
-            </a:schemeClr>
-          </a:lnRef>
-          <a:fillRef idx="1">
-            <a:schemeClr val="accent1"/>
-          </a:fillRef>
-          <a:effectRef idx="0">
-            <a:schemeClr val="accent1"/>
-          </a:effectRef>
-          <a:fontRef idx="minor">
-            <a:schemeClr val="lt1"/>
-          </a:fontRef>
-        </p:style>
-        <p:txBody>
-          <a:bodyPr rtlCol="0" anchor="ctr"/>
-          <a:lstStyle/>
-          <a:p>
-            <a:pPr algn="ctr"/>
-            <a:r>
-              <a:rPr lang="en-US" dirty="0"/>
-              <a:t>Did it ping vole 2?</a:t>
-            </a:r>
-          </a:p>
-        </p:txBody>
-      </p:sp>
-      <p:sp>
-        <p:nvSpPr>
-          <p:cNvPr id="119" name="Flowchart: Process 118">
-            <a:extLst>
-              <a:ext uri="{FF2B5EF4-FFF2-40B4-BE49-F238E27FC236}">
-                <a16:creationId xmlns:a16="http://schemas.microsoft.com/office/drawing/2014/main" id="{1D7F6F10-B524-40C9-8FC5-B43E23BA251D}"/>
-              </a:ext>
-            </a:extLst>
-          </p:cNvPr>
-          <p:cNvSpPr/>
-          <p:nvPr/>
-        </p:nvSpPr>
-        <p:spPr>
-          <a:xfrm>
-            <a:off x="17040446" y="9317893"/>
-            <a:ext cx="2090057" cy="519519"/>
-          </a:xfrm>
-          <a:prstGeom prst="flowChartProcess">
-            <a:avLst/>
-          </a:prstGeom>
-        </p:spPr>
-        <p:style>
-          <a:lnRef idx="2">
-            <a:schemeClr val="accent1">
-              <a:shade val="50000"/>
-            </a:schemeClr>
-          </a:lnRef>
-          <a:fillRef idx="1">
-            <a:schemeClr val="accent1"/>
-          </a:fillRef>
-          <a:effectRef idx="0">
-            <a:schemeClr val="accent1"/>
-          </a:effectRef>
-          <a:fontRef idx="minor">
-            <a:schemeClr val="lt1"/>
-          </a:fontRef>
-        </p:style>
-        <p:txBody>
-          <a:bodyPr rtlCol="0" anchor="ctr"/>
-          <a:lstStyle/>
-          <a:p>
-            <a:pPr algn="ctr"/>
-            <a:r>
-              <a:rPr lang="en-US" dirty="0"/>
-              <a:t>Read time queue</a:t>
-            </a:r>
-          </a:p>
-        </p:txBody>
-      </p:sp>
-      <p:sp>
-        <p:nvSpPr>
-          <p:cNvPr id="120" name="Flowchart: Decision 119">
-            <a:extLst>
-              <a:ext uri="{FF2B5EF4-FFF2-40B4-BE49-F238E27FC236}">
-                <a16:creationId xmlns:a16="http://schemas.microsoft.com/office/drawing/2014/main" id="{7E2C8527-FA80-4776-A0F6-42F75B5CFA93}"/>
-              </a:ext>
-            </a:extLst>
-          </p:cNvPr>
-          <p:cNvSpPr/>
-          <p:nvPr/>
-        </p:nvSpPr>
-        <p:spPr>
-          <a:xfrm>
-            <a:off x="17040447" y="11497304"/>
-            <a:ext cx="2090057" cy="1154397"/>
-          </a:xfrm>
-          <a:prstGeom prst="flowChartDecision">
-            <a:avLst/>
-          </a:prstGeom>
-        </p:spPr>
-        <p:style>
-          <a:lnRef idx="2">
-            <a:schemeClr val="accent1">
-              <a:shade val="50000"/>
-            </a:schemeClr>
-          </a:lnRef>
-          <a:fillRef idx="1">
-            <a:schemeClr val="accent1"/>
-          </a:fillRef>
-          <a:effectRef idx="0">
-            <a:schemeClr val="accent1"/>
-          </a:effectRef>
-          <a:fontRef idx="minor">
-            <a:schemeClr val="lt1"/>
-          </a:fontRef>
-        </p:style>
-        <p:txBody>
-          <a:bodyPr rtlCol="0" anchor="ctr"/>
-          <a:lstStyle/>
-          <a:p>
-            <a:pPr algn="ctr"/>
-            <a:r>
-              <a:rPr lang="en-US" dirty="0"/>
-              <a:t>Number &lt; # of threads?</a:t>
-            </a:r>
-          </a:p>
-        </p:txBody>
-      </p:sp>
-      <p:cxnSp>
-        <p:nvCxnSpPr>
-          <p:cNvPr id="121" name="Connector: Elbow 120">
-            <a:extLst>
-              <a:ext uri="{FF2B5EF4-FFF2-40B4-BE49-F238E27FC236}">
-                <a16:creationId xmlns:a16="http://schemas.microsoft.com/office/drawing/2014/main" id="{8F1B1CFC-8E8C-4DF7-97B8-BAA8B99917D2}"/>
-              </a:ext>
-            </a:extLst>
-          </p:cNvPr>
-          <p:cNvCxnSpPr>
-            <a:stCxn id="115" idx="2"/>
-            <a:endCxn id="116" idx="0"/>
-          </p:cNvCxnSpPr>
-          <p:nvPr/>
-        </p:nvCxnSpPr>
-        <p:spPr>
-          <a:xfrm rot="16200000" flipH="1">
-            <a:off x="17793856" y="3858090"/>
-            <a:ext cx="583241" cy="1"/>
-          </a:xfrm>
-          <a:prstGeom prst="bentConnector3">
-            <a:avLst/>
-          </a:prstGeom>
-          <a:ln w="38100">
-            <a:tailEnd type="triangle"/>
-          </a:ln>
-        </p:spPr>
-        <p:style>
-          <a:lnRef idx="1">
-            <a:schemeClr val="accent1"/>
-          </a:lnRef>
-          <a:fillRef idx="0">
-            <a:schemeClr val="accent1"/>
-          </a:fillRef>
-          <a:effectRef idx="0">
-            <a:schemeClr val="accent1"/>
-          </a:effectRef>
-          <a:fontRef idx="minor">
-            <a:schemeClr val="tx1"/>
-          </a:fontRef>
-        </p:style>
-      </p:cxnSp>
-      <p:cxnSp>
-        <p:nvCxnSpPr>
-          <p:cNvPr id="122" name="Connector: Elbow 121">
-            <a:extLst>
-              <a:ext uri="{FF2B5EF4-FFF2-40B4-BE49-F238E27FC236}">
-                <a16:creationId xmlns:a16="http://schemas.microsoft.com/office/drawing/2014/main" id="{4D0E5702-B458-4234-B7C7-5439C0AC5E2B}"/>
-              </a:ext>
-            </a:extLst>
-          </p:cNvPr>
-          <p:cNvCxnSpPr>
-            <a:stCxn id="116" idx="2"/>
-            <a:endCxn id="117" idx="0"/>
-          </p:cNvCxnSpPr>
-          <p:nvPr/>
-        </p:nvCxnSpPr>
-        <p:spPr>
-          <a:xfrm rot="5400000">
-            <a:off x="17796892" y="4957816"/>
-            <a:ext cx="577170" cy="1"/>
-          </a:xfrm>
-          <a:prstGeom prst="bentConnector3">
-            <a:avLst/>
-          </a:prstGeom>
-          <a:ln w="38100">
-            <a:tailEnd type="triangle"/>
-          </a:ln>
-        </p:spPr>
-        <p:style>
-          <a:lnRef idx="1">
-            <a:schemeClr val="accent1"/>
-          </a:lnRef>
-          <a:fillRef idx="0">
-            <a:schemeClr val="accent1"/>
-          </a:fillRef>
-          <a:effectRef idx="0">
-            <a:schemeClr val="accent1"/>
-          </a:effectRef>
-          <a:fontRef idx="minor">
-            <a:schemeClr val="tx1"/>
-          </a:fontRef>
-        </p:style>
-      </p:cxnSp>
-      <p:cxnSp>
-        <p:nvCxnSpPr>
-          <p:cNvPr id="123" name="Connector: Elbow 122">
-            <a:extLst>
-              <a:ext uri="{FF2B5EF4-FFF2-40B4-BE49-F238E27FC236}">
-                <a16:creationId xmlns:a16="http://schemas.microsoft.com/office/drawing/2014/main" id="{43ECC7AB-8D85-4F86-A61B-B2464C3D273E}"/>
-              </a:ext>
-            </a:extLst>
-          </p:cNvPr>
-          <p:cNvCxnSpPr>
-            <a:stCxn id="117" idx="2"/>
-            <a:endCxn id="118" idx="0"/>
-          </p:cNvCxnSpPr>
-          <p:nvPr/>
-        </p:nvCxnSpPr>
-        <p:spPr>
-          <a:xfrm rot="5400000">
-            <a:off x="17796890" y="6689382"/>
-            <a:ext cx="577170" cy="2"/>
-          </a:xfrm>
-          <a:prstGeom prst="bentConnector3">
-            <a:avLst/>
-          </a:prstGeom>
-          <a:ln w="38100">
-            <a:tailEnd type="triangle"/>
-          </a:ln>
-        </p:spPr>
-        <p:style>
-          <a:lnRef idx="1">
-            <a:schemeClr val="accent1"/>
-          </a:lnRef>
-          <a:fillRef idx="0">
-            <a:schemeClr val="accent1"/>
-          </a:fillRef>
-          <a:effectRef idx="0">
-            <a:schemeClr val="accent1"/>
-          </a:effectRef>
-          <a:fontRef idx="minor">
-            <a:schemeClr val="tx1"/>
-          </a:fontRef>
-        </p:style>
-      </p:cxnSp>
-      <p:cxnSp>
-        <p:nvCxnSpPr>
-          <p:cNvPr id="124" name="Connector: Elbow 123">
-            <a:extLst>
-              <a:ext uri="{FF2B5EF4-FFF2-40B4-BE49-F238E27FC236}">
-                <a16:creationId xmlns:a16="http://schemas.microsoft.com/office/drawing/2014/main" id="{AA11D207-5B20-40AF-9E47-FF75955B961A}"/>
-              </a:ext>
-            </a:extLst>
-          </p:cNvPr>
-          <p:cNvCxnSpPr>
-            <a:stCxn id="118" idx="2"/>
-            <a:endCxn id="119" idx="0"/>
-          </p:cNvCxnSpPr>
-          <p:nvPr/>
-        </p:nvCxnSpPr>
-        <p:spPr>
-          <a:xfrm rot="16200000" flipH="1">
-            <a:off x="17492710" y="8725128"/>
-            <a:ext cx="1185528" cy="1"/>
-          </a:xfrm>
-          <a:prstGeom prst="bentConnector3">
-            <a:avLst/>
-          </a:prstGeom>
-          <a:ln w="38100">
-            <a:tailEnd type="triangle"/>
-          </a:ln>
-        </p:spPr>
-        <p:style>
-          <a:lnRef idx="1">
-            <a:schemeClr val="accent1"/>
-          </a:lnRef>
-          <a:fillRef idx="0">
-            <a:schemeClr val="accent1"/>
-          </a:fillRef>
-          <a:effectRef idx="0">
-            <a:schemeClr val="accent1"/>
-          </a:effectRef>
-          <a:fontRef idx="minor">
-            <a:schemeClr val="tx1"/>
-          </a:fontRef>
-        </p:style>
-      </p:cxnSp>
-      <p:sp>
-        <p:nvSpPr>
-          <p:cNvPr id="125" name="Flowchart: Process 124">
-            <a:extLst>
-              <a:ext uri="{FF2B5EF4-FFF2-40B4-BE49-F238E27FC236}">
-                <a16:creationId xmlns:a16="http://schemas.microsoft.com/office/drawing/2014/main" id="{083F0069-BAD5-488B-995E-4DE4F2944FD6}"/>
-              </a:ext>
-            </a:extLst>
-          </p:cNvPr>
-          <p:cNvSpPr/>
-          <p:nvPr/>
-        </p:nvSpPr>
-        <p:spPr>
-          <a:xfrm>
-            <a:off x="17040446" y="13228899"/>
-            <a:ext cx="2090057" cy="519519"/>
-          </a:xfrm>
-          <a:prstGeom prst="flowChartProcess">
-            <a:avLst/>
-          </a:prstGeom>
-        </p:spPr>
-        <p:style>
-          <a:lnRef idx="2">
-            <a:schemeClr val="accent1">
-              <a:shade val="50000"/>
-            </a:schemeClr>
-          </a:lnRef>
-          <a:fillRef idx="1">
-            <a:schemeClr val="accent1"/>
-          </a:fillRef>
-          <a:effectRef idx="0">
-            <a:schemeClr val="accent1"/>
-          </a:effectRef>
-          <a:fontRef idx="minor">
-            <a:schemeClr val="lt1"/>
-          </a:fontRef>
-        </p:style>
-        <p:txBody>
-          <a:bodyPr rtlCol="0" anchor="ctr"/>
-          <a:lstStyle/>
-          <a:p>
-            <a:pPr algn="ctr"/>
-            <a:r>
-              <a:rPr lang="en-US" dirty="0"/>
-              <a:t>Read time queue</a:t>
-            </a:r>
-          </a:p>
-        </p:txBody>
-      </p:sp>
-      <p:cxnSp>
-        <p:nvCxnSpPr>
-          <p:cNvPr id="126" name="Connector: Elbow 125">
-            <a:extLst>
-              <a:ext uri="{FF2B5EF4-FFF2-40B4-BE49-F238E27FC236}">
-                <a16:creationId xmlns:a16="http://schemas.microsoft.com/office/drawing/2014/main" id="{FB4AA93E-EF3F-4856-B0DC-484DBE8A1E94}"/>
-              </a:ext>
-            </a:extLst>
-          </p:cNvPr>
-          <p:cNvCxnSpPr>
-            <a:stCxn id="120" idx="2"/>
-            <a:endCxn id="125" idx="0"/>
-          </p:cNvCxnSpPr>
-          <p:nvPr/>
-        </p:nvCxnSpPr>
-        <p:spPr>
-          <a:xfrm rot="5400000">
-            <a:off x="17796877" y="12940300"/>
-            <a:ext cx="577198" cy="1"/>
-          </a:xfrm>
-          <a:prstGeom prst="bentConnector3">
-            <a:avLst/>
-          </a:prstGeom>
-          <a:ln w="38100">
-            <a:solidFill>
-              <a:srgbClr val="00B050"/>
-            </a:solidFill>
-            <a:tailEnd type="triangle"/>
-          </a:ln>
-        </p:spPr>
-        <p:style>
-          <a:lnRef idx="1">
-            <a:schemeClr val="accent1"/>
-          </a:lnRef>
-          <a:fillRef idx="0">
-            <a:schemeClr val="accent1"/>
-          </a:fillRef>
-          <a:effectRef idx="0">
-            <a:schemeClr val="accent1"/>
-          </a:effectRef>
-          <a:fontRef idx="minor">
-            <a:schemeClr val="tx1"/>
-          </a:fontRef>
-        </p:style>
-      </p:cxnSp>
-      <p:cxnSp>
-        <p:nvCxnSpPr>
-          <p:cNvPr id="129" name="Connector: Elbow 128">
-            <a:extLst>
-              <a:ext uri="{FF2B5EF4-FFF2-40B4-BE49-F238E27FC236}">
-                <a16:creationId xmlns:a16="http://schemas.microsoft.com/office/drawing/2014/main" id="{81AAA530-26CB-4FE5-839D-06BA46FC8EF4}"/>
-              </a:ext>
-            </a:extLst>
-          </p:cNvPr>
-          <p:cNvCxnSpPr>
-            <a:stCxn id="117" idx="1"/>
-            <a:endCxn id="18" idx="3"/>
-          </p:cNvCxnSpPr>
-          <p:nvPr/>
-        </p:nvCxnSpPr>
-        <p:spPr>
-          <a:xfrm rot="10800000">
-            <a:off x="9720767" y="5823600"/>
-            <a:ext cx="7319681" cy="1"/>
-          </a:xfrm>
-          <a:prstGeom prst="bentConnector3">
-            <a:avLst/>
-          </a:prstGeom>
-          <a:ln w="38100">
-            <a:solidFill>
-              <a:srgbClr val="00B050"/>
-            </a:solidFill>
-            <a:prstDash val="sysDot"/>
-            <a:tailEnd type="triangle"/>
-          </a:ln>
-        </p:spPr>
-        <p:style>
-          <a:lnRef idx="1">
-            <a:schemeClr val="accent1"/>
-          </a:lnRef>
-          <a:fillRef idx="0">
-            <a:schemeClr val="accent1"/>
-          </a:fillRef>
-          <a:effectRef idx="0">
-            <a:schemeClr val="accent1"/>
-          </a:effectRef>
-          <a:fontRef idx="minor">
-            <a:schemeClr val="tx1"/>
-          </a:fontRef>
-        </p:style>
-      </p:cxnSp>
-      <p:cxnSp>
-        <p:nvCxnSpPr>
-          <p:cNvPr id="133" name="Connector: Elbow 132">
-            <a:extLst>
-              <a:ext uri="{FF2B5EF4-FFF2-40B4-BE49-F238E27FC236}">
-                <a16:creationId xmlns:a16="http://schemas.microsoft.com/office/drawing/2014/main" id="{6E2C91DB-B3E1-4315-BB31-6FD07651CEDE}"/>
-              </a:ext>
-            </a:extLst>
-          </p:cNvPr>
-          <p:cNvCxnSpPr>
-            <a:stCxn id="118" idx="1"/>
-            <a:endCxn id="27" idx="3"/>
-          </p:cNvCxnSpPr>
-          <p:nvPr/>
-        </p:nvCxnSpPr>
-        <p:spPr>
-          <a:xfrm rot="10800000">
-            <a:off x="9720261" y="7554647"/>
-            <a:ext cx="7320185" cy="521"/>
-          </a:xfrm>
-          <a:prstGeom prst="bentConnector3">
-            <a:avLst/>
-          </a:prstGeom>
-          <a:ln w="38100">
-            <a:solidFill>
-              <a:srgbClr val="00B050"/>
-            </a:solidFill>
-            <a:prstDash val="sysDot"/>
-            <a:tailEnd type="triangle"/>
-          </a:ln>
-        </p:spPr>
-        <p:style>
-          <a:lnRef idx="1">
-            <a:schemeClr val="accent1"/>
-          </a:lnRef>
-          <a:fillRef idx="0">
-            <a:schemeClr val="accent1"/>
-          </a:fillRef>
-          <a:effectRef idx="0">
-            <a:schemeClr val="accent1"/>
-          </a:effectRef>
-          <a:fontRef idx="minor">
-            <a:schemeClr val="tx1"/>
-          </a:fontRef>
-        </p:style>
-      </p:cxnSp>
-      <p:cxnSp>
-        <p:nvCxnSpPr>
-          <p:cNvPr id="150" name="Connector: Elbow 149">
-            <a:extLst>
-              <a:ext uri="{FF2B5EF4-FFF2-40B4-BE49-F238E27FC236}">
-                <a16:creationId xmlns:a16="http://schemas.microsoft.com/office/drawing/2014/main" id="{3D68ACE8-5ACB-45B5-9191-B6F1F384FDC8}"/>
-              </a:ext>
-            </a:extLst>
-          </p:cNvPr>
-          <p:cNvCxnSpPr>
-            <a:stCxn id="10" idx="2"/>
-            <a:endCxn id="119" idx="1"/>
-          </p:cNvCxnSpPr>
-          <p:nvPr/>
-        </p:nvCxnSpPr>
-        <p:spPr>
-          <a:xfrm rot="16200000" flipH="1">
-            <a:off x="11043229" y="3580435"/>
-            <a:ext cx="6834451" cy="5159983"/>
-          </a:xfrm>
-          <a:prstGeom prst="bentConnector2">
-            <a:avLst/>
-          </a:prstGeom>
-          <a:ln w="38100">
-            <a:prstDash val="lgDashDot"/>
-            <a:tailEnd type="triangle"/>
-          </a:ln>
-        </p:spPr>
-        <p:style>
-          <a:lnRef idx="1">
-            <a:schemeClr val="accent1"/>
-          </a:lnRef>
-          <a:fillRef idx="0">
-            <a:schemeClr val="accent1"/>
-          </a:fillRef>
-          <a:effectRef idx="0">
-            <a:schemeClr val="accent1"/>
-          </a:effectRef>
-          <a:fontRef idx="minor">
-            <a:schemeClr val="tx1"/>
-          </a:fontRef>
-        </p:style>
-      </p:cxnSp>
-      <p:cxnSp>
-        <p:nvCxnSpPr>
-          <p:cNvPr id="152" name="Connector: Elbow 151">
-            <a:extLst>
-              <a:ext uri="{FF2B5EF4-FFF2-40B4-BE49-F238E27FC236}">
-                <a16:creationId xmlns:a16="http://schemas.microsoft.com/office/drawing/2014/main" id="{CC0241B9-E6E3-4D07-96A3-259D576FC268}"/>
-              </a:ext>
-            </a:extLst>
-          </p:cNvPr>
-          <p:cNvCxnSpPr>
-            <a:stCxn id="119" idx="2"/>
-            <a:endCxn id="37" idx="3"/>
-          </p:cNvCxnSpPr>
-          <p:nvPr/>
-        </p:nvCxnSpPr>
-        <p:spPr>
-          <a:xfrm rot="5400000">
-            <a:off x="15250940" y="7511965"/>
-            <a:ext cx="509088" cy="5159983"/>
-          </a:xfrm>
-          <a:prstGeom prst="bentConnector2">
-            <a:avLst/>
-          </a:prstGeom>
-          <a:ln w="38100">
-            <a:prstDash val="lgDashDot"/>
-            <a:tailEnd type="triangle"/>
-          </a:ln>
-        </p:spPr>
-        <p:style>
-          <a:lnRef idx="1">
-            <a:schemeClr val="accent1"/>
-          </a:lnRef>
-          <a:fillRef idx="0">
-            <a:schemeClr val="accent1"/>
-          </a:fillRef>
-          <a:effectRef idx="0">
-            <a:schemeClr val="accent1"/>
-          </a:effectRef>
-          <a:fontRef idx="minor">
-            <a:schemeClr val="tx1"/>
-          </a:fontRef>
-        </p:style>
-      </p:cxnSp>
-      <p:cxnSp>
-        <p:nvCxnSpPr>
-          <p:cNvPr id="154" name="Connector: Elbow 153">
-            <a:extLst>
-              <a:ext uri="{FF2B5EF4-FFF2-40B4-BE49-F238E27FC236}">
-                <a16:creationId xmlns:a16="http://schemas.microsoft.com/office/drawing/2014/main" id="{B082D0CC-9843-4F5C-A5D9-1F763A9B7B00}"/>
-              </a:ext>
-            </a:extLst>
-          </p:cNvPr>
-          <p:cNvCxnSpPr>
-            <a:stCxn id="37" idx="2"/>
-            <a:endCxn id="120" idx="0"/>
-          </p:cNvCxnSpPr>
-          <p:nvPr/>
-        </p:nvCxnSpPr>
-        <p:spPr>
-          <a:xfrm rot="16200000" flipH="1">
-            <a:off x="14551619" y="7963446"/>
-            <a:ext cx="862703" cy="6205012"/>
-          </a:xfrm>
-          <a:prstGeom prst="bentConnector3">
-            <a:avLst/>
-          </a:prstGeom>
-          <a:ln w="38100">
-            <a:solidFill>
-              <a:srgbClr val="0070C0"/>
-            </a:solidFill>
-            <a:prstDash val="lgDashDot"/>
-            <a:tailEnd type="triangle"/>
-          </a:ln>
-        </p:spPr>
-        <p:style>
-          <a:lnRef idx="1">
-            <a:schemeClr val="accent1"/>
-          </a:lnRef>
-          <a:fillRef idx="0">
-            <a:schemeClr val="accent1"/>
-          </a:fillRef>
-          <a:effectRef idx="0">
-            <a:schemeClr val="accent1"/>
-          </a:effectRef>
-          <a:fontRef idx="minor">
-            <a:schemeClr val="tx1"/>
-          </a:fontRef>
-        </p:style>
-      </p:cxnSp>
-      <p:cxnSp>
-        <p:nvCxnSpPr>
-          <p:cNvPr id="157" name="Connector: Elbow 156">
-            <a:extLst>
-              <a:ext uri="{FF2B5EF4-FFF2-40B4-BE49-F238E27FC236}">
-                <a16:creationId xmlns:a16="http://schemas.microsoft.com/office/drawing/2014/main" id="{E8F963BF-0B6E-4347-8886-6E458B85CF5C}"/>
-              </a:ext>
-            </a:extLst>
-          </p:cNvPr>
-          <p:cNvCxnSpPr>
-            <a:stCxn id="125" idx="2"/>
-            <a:endCxn id="120" idx="3"/>
-          </p:cNvCxnSpPr>
-          <p:nvPr/>
-        </p:nvCxnSpPr>
-        <p:spPr>
-          <a:xfrm rot="5400000" flipH="1" flipV="1">
-            <a:off x="17771031" y="12388946"/>
-            <a:ext cx="1673915" cy="1045029"/>
-          </a:xfrm>
-          <a:prstGeom prst="bentConnector4">
-            <a:avLst>
-              <a:gd name="adj1" fmla="val -26361"/>
-              <a:gd name="adj2" fmla="val 246003"/>
-            </a:avLst>
-          </a:prstGeom>
-          <a:ln w="38100">
-            <a:tailEnd type="triangle"/>
-          </a:ln>
-        </p:spPr>
-        <p:style>
-          <a:lnRef idx="1">
-            <a:schemeClr val="accent1"/>
-          </a:lnRef>
-          <a:fillRef idx="0">
-            <a:schemeClr val="accent1"/>
-          </a:fillRef>
-          <a:effectRef idx="0">
-            <a:schemeClr val="accent1"/>
-          </a:effectRef>
-          <a:fontRef idx="minor">
-            <a:schemeClr val="tx1"/>
-          </a:fontRef>
-        </p:style>
-      </p:cxnSp>
-      <p:cxnSp>
-        <p:nvCxnSpPr>
-          <p:cNvPr id="161" name="Connector: Elbow 160">
-            <a:extLst>
-              <a:ext uri="{FF2B5EF4-FFF2-40B4-BE49-F238E27FC236}">
-                <a16:creationId xmlns:a16="http://schemas.microsoft.com/office/drawing/2014/main" id="{6E87BD5B-36BD-40EB-9013-C4C98D858B6B}"/>
-              </a:ext>
-            </a:extLst>
-          </p:cNvPr>
-          <p:cNvCxnSpPr>
-            <a:stCxn id="120" idx="1"/>
-            <a:endCxn id="76" idx="3"/>
-          </p:cNvCxnSpPr>
-          <p:nvPr/>
-        </p:nvCxnSpPr>
-        <p:spPr>
-          <a:xfrm rot="10800000">
-            <a:off x="12925491" y="12074503"/>
-            <a:ext cx="4114957" cy="1"/>
-          </a:xfrm>
-          <a:prstGeom prst="bentConnector3">
-            <a:avLst/>
-          </a:prstGeom>
-          <a:ln w="38100">
-            <a:solidFill>
-              <a:srgbClr val="FF0000"/>
-            </a:solidFill>
-            <a:prstDash val="lgDashDot"/>
-            <a:tailEnd type="triangle"/>
-          </a:ln>
-        </p:spPr>
-        <p:style>
-          <a:lnRef idx="1">
-            <a:schemeClr val="accent1"/>
-          </a:lnRef>
-          <a:fillRef idx="0">
-            <a:schemeClr val="accent1"/>
-          </a:fillRef>
-          <a:effectRef idx="0">
-            <a:schemeClr val="accent1"/>
-          </a:effectRef>
-          <a:fontRef idx="minor">
-            <a:schemeClr val="tx1"/>
-          </a:fontRef>
-        </p:style>
-      </p:cxnSp>
-      <p:sp>
-        <p:nvSpPr>
-          <p:cNvPr id="164" name="Flowchart: Data 163">
-            <a:extLst>
-              <a:ext uri="{FF2B5EF4-FFF2-40B4-BE49-F238E27FC236}">
-                <a16:creationId xmlns:a16="http://schemas.microsoft.com/office/drawing/2014/main" id="{07C04A08-AF61-4FE8-B1A7-BF1456E96531}"/>
-              </a:ext>
-            </a:extLst>
-          </p:cNvPr>
-          <p:cNvSpPr/>
-          <p:nvPr/>
-        </p:nvSpPr>
-        <p:spPr>
-          <a:xfrm>
-            <a:off x="13074072" y="13129429"/>
-            <a:ext cx="2090057" cy="718457"/>
-          </a:xfrm>
-          <a:prstGeom prst="flowChartInputOutput">
-            <a:avLst/>
-          </a:prstGeom>
-        </p:spPr>
-        <p:style>
-          <a:lnRef idx="2">
-            <a:schemeClr val="accent1">
-              <a:shade val="50000"/>
-            </a:schemeClr>
-          </a:lnRef>
-          <a:fillRef idx="1">
-            <a:schemeClr val="accent1"/>
-          </a:fillRef>
-          <a:effectRef idx="0">
-            <a:schemeClr val="accent1"/>
-          </a:effectRef>
-          <a:fontRef idx="minor">
-            <a:schemeClr val="lt1"/>
-          </a:fontRef>
-        </p:style>
-        <p:txBody>
-          <a:bodyPr rtlCol="0" anchor="ctr"/>
-          <a:lstStyle/>
-          <a:p>
-            <a:pPr algn="ctr"/>
-            <a:r>
-              <a:rPr lang="en-US" dirty="0"/>
-              <a:t>END</a:t>
-            </a:r>
-          </a:p>
-        </p:txBody>
-      </p:sp>
-      <p:cxnSp>
-        <p:nvCxnSpPr>
-          <p:cNvPr id="166" name="Connector: Elbow 165">
-            <a:extLst>
-              <a:ext uri="{FF2B5EF4-FFF2-40B4-BE49-F238E27FC236}">
-                <a16:creationId xmlns:a16="http://schemas.microsoft.com/office/drawing/2014/main" id="{85589DBF-C3EF-4C78-80DE-DDD2A4A17375}"/>
-              </a:ext>
-            </a:extLst>
-          </p:cNvPr>
-          <p:cNvCxnSpPr>
-            <a:stCxn id="120" idx="1"/>
-            <a:endCxn id="164" idx="0"/>
-          </p:cNvCxnSpPr>
-          <p:nvPr/>
-        </p:nvCxnSpPr>
-        <p:spPr>
-          <a:xfrm rot="10800000" flipV="1">
-            <a:off x="14328107" y="12074503"/>
-            <a:ext cx="2712341" cy="1054926"/>
-          </a:xfrm>
-          <a:prstGeom prst="bentConnector2">
-            <a:avLst/>
-          </a:prstGeom>
-          <a:ln w="38100">
-            <a:solidFill>
-              <a:srgbClr val="FF0000"/>
-            </a:solidFill>
-            <a:tailEnd type="triangle"/>
-          </a:ln>
-        </p:spPr>
-        <p:style>
-          <a:lnRef idx="1">
-            <a:schemeClr val="accent1"/>
-          </a:lnRef>
-          <a:fillRef idx="0">
-            <a:schemeClr val="accent1"/>
-          </a:fillRef>
-          <a:effectRef idx="0">
-            <a:schemeClr val="accent1"/>
-          </a:effectRef>
-          <a:fontRef idx="minor">
-            <a:schemeClr val="tx1"/>
-          </a:fontRef>
-        </p:style>
-      </p:cxnSp>
+            <a:endParaRPr lang="en-US"/>
+          </a:p>
+        </p:txBody>
+      </p:sp>
     </p:spTree>
     <p:extLst>
       <p:ext uri="{BB962C8B-B14F-4D97-AF65-F5344CB8AC3E}">
-        <p14:creationId xmlns:p14="http://schemas.microsoft.com/office/powerpoint/2010/main" val="3056836586"/>
+        <p14:creationId xmlns:p14="http://schemas.microsoft.com/office/powerpoint/2010/main" val="2121468264"/>
       </p:ext>
     </p:extLst>
   </p:cSld>

--- a/Software/Software System Architecture.pptx
+++ b/Software/Software System Architecture.pptx
@@ -7,14 +7,16 @@
   <p:sldIdLst>
     <p:sldId id="256" r:id="rId2"/>
     <p:sldId id="258" r:id="rId3"/>
-    <p:sldId id="260" r:id="rId4"/>
+    <p:sldId id="267" r:id="rId4"/>
     <p:sldId id="261" r:id="rId5"/>
     <p:sldId id="263" r:id="rId6"/>
     <p:sldId id="265" r:id="rId7"/>
-    <p:sldId id="266" r:id="rId8"/>
-    <p:sldId id="264" r:id="rId9"/>
-    <p:sldId id="257" r:id="rId10"/>
-    <p:sldId id="262" r:id="rId11"/>
+    <p:sldId id="268" r:id="rId8"/>
+    <p:sldId id="269" r:id="rId9"/>
+    <p:sldId id="266" r:id="rId10"/>
+    <p:sldId id="264" r:id="rId11"/>
+    <p:sldId id="257" r:id="rId12"/>
+    <p:sldId id="262" r:id="rId13"/>
   </p:sldIdLst>
   <p:sldSz cx="21945600" cy="16459200"/>
   <p:notesSz cx="6858000" cy="9144000"/>
@@ -120,10 +122,12 @@
           <p14:sldIdLst>
             <p14:sldId id="256"/>
             <p14:sldId id="258"/>
-            <p14:sldId id="260"/>
+            <p14:sldId id="267"/>
             <p14:sldId id="261"/>
             <p14:sldId id="263"/>
             <p14:sldId id="265"/>
+            <p14:sldId id="268"/>
+            <p14:sldId id="269"/>
             <p14:sldId id="266"/>
             <p14:sldId id="264"/>
             <p14:sldId id="257"/>
@@ -270,7 +274,7 @@
           <a:p>
             <a:fld id="{F62E71A9-A198-4BC2-915B-5C3ABADD511E}" type="datetimeFigureOut">
               <a:rPr lang="en-US" smtClean="0"/>
-              <a:t>10/18/2019</a:t>
+              <a:t>1/6/2021</a:t>
             </a:fld>
             <a:endParaRPr lang="en-US"/>
           </a:p>
@@ -440,7 +444,7 @@
           <a:p>
             <a:fld id="{F62E71A9-A198-4BC2-915B-5C3ABADD511E}" type="datetimeFigureOut">
               <a:rPr lang="en-US" smtClean="0"/>
-              <a:t>10/18/2019</a:t>
+              <a:t>1/6/2021</a:t>
             </a:fld>
             <a:endParaRPr lang="en-US"/>
           </a:p>
@@ -620,7 +624,7 @@
           <a:p>
             <a:fld id="{F62E71A9-A198-4BC2-915B-5C3ABADD511E}" type="datetimeFigureOut">
               <a:rPr lang="en-US" smtClean="0"/>
-              <a:t>10/18/2019</a:t>
+              <a:t>1/6/2021</a:t>
             </a:fld>
             <a:endParaRPr lang="en-US"/>
           </a:p>
@@ -790,7 +794,7 @@
           <a:p>
             <a:fld id="{F62E71A9-A198-4BC2-915B-5C3ABADD511E}" type="datetimeFigureOut">
               <a:rPr lang="en-US" smtClean="0"/>
-              <a:t>10/18/2019</a:t>
+              <a:t>1/6/2021</a:t>
             </a:fld>
             <a:endParaRPr lang="en-US"/>
           </a:p>
@@ -1034,7 +1038,7 @@
           <a:p>
             <a:fld id="{F62E71A9-A198-4BC2-915B-5C3ABADD511E}" type="datetimeFigureOut">
               <a:rPr lang="en-US" smtClean="0"/>
-              <a:t>10/18/2019</a:t>
+              <a:t>1/6/2021</a:t>
             </a:fld>
             <a:endParaRPr lang="en-US"/>
           </a:p>
@@ -1266,7 +1270,7 @@
           <a:p>
             <a:fld id="{F62E71A9-A198-4BC2-915B-5C3ABADD511E}" type="datetimeFigureOut">
               <a:rPr lang="en-US" smtClean="0"/>
-              <a:t>10/18/2019</a:t>
+              <a:t>1/6/2021</a:t>
             </a:fld>
             <a:endParaRPr lang="en-US"/>
           </a:p>
@@ -1633,7 +1637,7 @@
           <a:p>
             <a:fld id="{F62E71A9-A198-4BC2-915B-5C3ABADD511E}" type="datetimeFigureOut">
               <a:rPr lang="en-US" smtClean="0"/>
-              <a:t>10/18/2019</a:t>
+              <a:t>1/6/2021</a:t>
             </a:fld>
             <a:endParaRPr lang="en-US"/>
           </a:p>
@@ -1751,7 +1755,7 @@
           <a:p>
             <a:fld id="{F62E71A9-A198-4BC2-915B-5C3ABADD511E}" type="datetimeFigureOut">
               <a:rPr lang="en-US" smtClean="0"/>
-              <a:t>10/18/2019</a:t>
+              <a:t>1/6/2021</a:t>
             </a:fld>
             <a:endParaRPr lang="en-US"/>
           </a:p>
@@ -1846,7 +1850,7 @@
           <a:p>
             <a:fld id="{F62E71A9-A198-4BC2-915B-5C3ABADD511E}" type="datetimeFigureOut">
               <a:rPr lang="en-US" smtClean="0"/>
-              <a:t>10/18/2019</a:t>
+              <a:t>1/6/2021</a:t>
             </a:fld>
             <a:endParaRPr lang="en-US"/>
           </a:p>
@@ -2123,7 +2127,7 @@
           <a:p>
             <a:fld id="{F62E71A9-A198-4BC2-915B-5C3ABADD511E}" type="datetimeFigureOut">
               <a:rPr lang="en-US" smtClean="0"/>
-              <a:t>10/18/2019</a:t>
+              <a:t>1/6/2021</a:t>
             </a:fld>
             <a:endParaRPr lang="en-US"/>
           </a:p>
@@ -2380,7 +2384,7 @@
           <a:p>
             <a:fld id="{F62E71A9-A198-4BC2-915B-5C3ABADD511E}" type="datetimeFigureOut">
               <a:rPr lang="en-US" smtClean="0"/>
-              <a:t>10/18/2019</a:t>
+              <a:t>1/6/2021</a:t>
             </a:fld>
             <a:endParaRPr lang="en-US"/>
           </a:p>
@@ -2593,7 +2597,7 @@
           <a:p>
             <a:fld id="{F62E71A9-A198-4BC2-915B-5C3ABADD511E}" type="datetimeFigureOut">
               <a:rPr lang="en-US" smtClean="0"/>
-              <a:t>10/18/2019</a:t>
+              <a:t>1/6/2021</a:t>
             </a:fld>
             <a:endParaRPr lang="en-US"/>
           </a:p>
@@ -5140,6 +5144,324 @@
           <a:chExt cx="0" cy="0"/>
         </a:xfrm>
       </p:grpSpPr>
+      <p:sp>
+        <p:nvSpPr>
+          <p:cNvPr id="6" name="Title 5">
+            <a:extLst>
+              <a:ext uri="{FF2B5EF4-FFF2-40B4-BE49-F238E27FC236}">
+                <a16:creationId xmlns:a16="http://schemas.microsoft.com/office/drawing/2014/main" id="{C2A4A3CC-D7EC-417E-B6B0-17828F675749}"/>
+              </a:ext>
+            </a:extLst>
+          </p:cNvPr>
+          <p:cNvSpPr>
+            <a:spLocks noGrp="1"/>
+          </p:cNvSpPr>
+          <p:nvPr>
+            <p:ph type="ctrTitle"/>
+          </p:nvPr>
+        </p:nvSpPr>
+        <p:spPr/>
+        <p:txBody>
+          <a:bodyPr/>
+          <a:lstStyle/>
+          <a:p>
+            <a:r>
+              <a:rPr lang="en-US" dirty="0"/>
+              <a:t>Old Slides</a:t>
+            </a:r>
+          </a:p>
+        </p:txBody>
+      </p:sp>
+    </p:spTree>
+    <p:extLst>
+      <p:ext uri="{BB962C8B-B14F-4D97-AF65-F5344CB8AC3E}">
+        <p14:creationId xmlns:p14="http://schemas.microsoft.com/office/powerpoint/2010/main" val="799690724"/>
+      </p:ext>
+    </p:extLst>
+  </p:cSld>
+  <p:clrMapOvr>
+    <a:masterClrMapping/>
+  </p:clrMapOvr>
+</p:sld>
+</file>
+
+<file path=ppt/slides/slide11.xml><?xml version="1.0" encoding="utf-8"?>
+<p:sld xmlns:a="http://schemas.openxmlformats.org/drawingml/2006/main" xmlns:r="http://schemas.openxmlformats.org/officeDocument/2006/relationships" xmlns:p="http://schemas.openxmlformats.org/presentationml/2006/main">
+  <p:cSld>
+    <p:spTree>
+      <p:nvGrpSpPr>
+        <p:cNvPr id="1" name=""/>
+        <p:cNvGrpSpPr/>
+        <p:nvPr/>
+      </p:nvGrpSpPr>
+      <p:grpSpPr>
+        <a:xfrm>
+          <a:off x="0" y="0"/>
+          <a:ext cx="0" cy="0"/>
+          <a:chOff x="0" y="0"/>
+          <a:chExt cx="0" cy="0"/>
+        </a:xfrm>
+      </p:grpSpPr>
+      <p:sp>
+        <p:nvSpPr>
+          <p:cNvPr id="4" name="Flowchart: Decision 3">
+            <a:extLst>
+              <a:ext uri="{FF2B5EF4-FFF2-40B4-BE49-F238E27FC236}">
+                <a16:creationId xmlns:a16="http://schemas.microsoft.com/office/drawing/2014/main" id="{4DC650F2-3745-4C0D-BE0D-4DB011CE0B5C}"/>
+              </a:ext>
+            </a:extLst>
+          </p:cNvPr>
+          <p:cNvSpPr/>
+          <p:nvPr/>
+        </p:nvSpPr>
+        <p:spPr>
+          <a:xfrm>
+            <a:off x="8207829" y="1088569"/>
+            <a:ext cx="2090057" cy="1436915"/>
+          </a:xfrm>
+          <a:prstGeom prst="flowChartDecision">
+            <a:avLst/>
+          </a:prstGeom>
+        </p:spPr>
+        <p:style>
+          <a:lnRef idx="2">
+            <a:schemeClr val="accent1">
+              <a:shade val="50000"/>
+            </a:schemeClr>
+          </a:lnRef>
+          <a:fillRef idx="1">
+            <a:schemeClr val="accent1"/>
+          </a:fillRef>
+          <a:effectRef idx="0">
+            <a:schemeClr val="accent1"/>
+          </a:effectRef>
+          <a:fontRef idx="minor">
+            <a:schemeClr val="lt1"/>
+          </a:fontRef>
+        </p:style>
+        <p:txBody>
+          <a:bodyPr rtlCol="0" anchor="ctr"/>
+          <a:lstStyle/>
+          <a:p>
+            <a:pPr algn="ctr"/>
+            <a:endParaRPr lang="en-US" dirty="0"/>
+          </a:p>
+        </p:txBody>
+      </p:sp>
+      <p:sp>
+        <p:nvSpPr>
+          <p:cNvPr id="5" name="Flowchart: Process 4">
+            <a:extLst>
+              <a:ext uri="{FF2B5EF4-FFF2-40B4-BE49-F238E27FC236}">
+                <a16:creationId xmlns:a16="http://schemas.microsoft.com/office/drawing/2014/main" id="{EC7012ED-FC39-4BA0-A0F2-FEA3A1963B47}"/>
+              </a:ext>
+            </a:extLst>
+          </p:cNvPr>
+          <p:cNvSpPr/>
+          <p:nvPr/>
+        </p:nvSpPr>
+        <p:spPr>
+          <a:xfrm>
+            <a:off x="11277602" y="1088570"/>
+            <a:ext cx="2090057" cy="1436915"/>
+          </a:xfrm>
+          <a:prstGeom prst="flowChartProcess">
+            <a:avLst/>
+          </a:prstGeom>
+        </p:spPr>
+        <p:style>
+          <a:lnRef idx="2">
+            <a:schemeClr val="accent1">
+              <a:shade val="50000"/>
+            </a:schemeClr>
+          </a:lnRef>
+          <a:fillRef idx="1">
+            <a:schemeClr val="accent1"/>
+          </a:fillRef>
+          <a:effectRef idx="0">
+            <a:schemeClr val="accent1"/>
+          </a:effectRef>
+          <a:fontRef idx="minor">
+            <a:schemeClr val="lt1"/>
+          </a:fontRef>
+        </p:style>
+        <p:txBody>
+          <a:bodyPr rtlCol="0" anchor="ctr"/>
+          <a:lstStyle/>
+          <a:p>
+            <a:pPr algn="ctr"/>
+            <a:endParaRPr lang="en-US" dirty="0"/>
+          </a:p>
+        </p:txBody>
+      </p:sp>
+      <p:sp>
+        <p:nvSpPr>
+          <p:cNvPr id="6" name="Flowchart: Alternate Process 5">
+            <a:extLst>
+              <a:ext uri="{FF2B5EF4-FFF2-40B4-BE49-F238E27FC236}">
+                <a16:creationId xmlns:a16="http://schemas.microsoft.com/office/drawing/2014/main" id="{8451389B-F9D3-4380-9098-CDD9CC96CEF6}"/>
+              </a:ext>
+            </a:extLst>
+          </p:cNvPr>
+          <p:cNvSpPr/>
+          <p:nvPr/>
+        </p:nvSpPr>
+        <p:spPr>
+          <a:xfrm>
+            <a:off x="15022289" y="1088570"/>
+            <a:ext cx="2090057" cy="1436915"/>
+          </a:xfrm>
+          <a:prstGeom prst="flowChartAlternateProcess">
+            <a:avLst/>
+          </a:prstGeom>
+        </p:spPr>
+        <p:style>
+          <a:lnRef idx="2">
+            <a:schemeClr val="accent1">
+              <a:shade val="50000"/>
+            </a:schemeClr>
+          </a:lnRef>
+          <a:fillRef idx="1">
+            <a:schemeClr val="accent1"/>
+          </a:fillRef>
+          <a:effectRef idx="0">
+            <a:schemeClr val="accent1"/>
+          </a:effectRef>
+          <a:fontRef idx="minor">
+            <a:schemeClr val="lt1"/>
+          </a:fontRef>
+        </p:style>
+        <p:txBody>
+          <a:bodyPr rtlCol="0" anchor="ctr"/>
+          <a:lstStyle/>
+          <a:p>
+            <a:pPr algn="ctr"/>
+            <a:endParaRPr lang="en-US"/>
+          </a:p>
+        </p:txBody>
+      </p:sp>
+      <p:sp>
+        <p:nvSpPr>
+          <p:cNvPr id="7" name="Flowchart: Off-page Connector 6">
+            <a:extLst>
+              <a:ext uri="{FF2B5EF4-FFF2-40B4-BE49-F238E27FC236}">
+                <a16:creationId xmlns:a16="http://schemas.microsoft.com/office/drawing/2014/main" id="{17991506-76DA-48F8-BEEA-875C6C0FEE29}"/>
+              </a:ext>
+            </a:extLst>
+          </p:cNvPr>
+          <p:cNvSpPr/>
+          <p:nvPr/>
+        </p:nvSpPr>
+        <p:spPr>
+          <a:xfrm>
+            <a:off x="5138056" y="1088569"/>
+            <a:ext cx="2090057" cy="1436915"/>
+          </a:xfrm>
+          <a:prstGeom prst="flowChartOffpageConnector">
+            <a:avLst/>
+          </a:prstGeom>
+        </p:spPr>
+        <p:style>
+          <a:lnRef idx="2">
+            <a:schemeClr val="accent1">
+              <a:shade val="50000"/>
+            </a:schemeClr>
+          </a:lnRef>
+          <a:fillRef idx="1">
+            <a:schemeClr val="accent1"/>
+          </a:fillRef>
+          <a:effectRef idx="0">
+            <a:schemeClr val="accent1"/>
+          </a:effectRef>
+          <a:fontRef idx="minor">
+            <a:schemeClr val="lt1"/>
+          </a:fontRef>
+        </p:style>
+        <p:txBody>
+          <a:bodyPr rtlCol="0" anchor="ctr"/>
+          <a:lstStyle/>
+          <a:p>
+            <a:pPr algn="ctr"/>
+            <a:endParaRPr lang="en-US" dirty="0"/>
+          </a:p>
+        </p:txBody>
+      </p:sp>
+      <p:sp>
+        <p:nvSpPr>
+          <p:cNvPr id="8" name="Flowchart: Data 7">
+            <a:extLst>
+              <a:ext uri="{FF2B5EF4-FFF2-40B4-BE49-F238E27FC236}">
+                <a16:creationId xmlns:a16="http://schemas.microsoft.com/office/drawing/2014/main" id="{31AC280A-80DA-46CB-A5F2-E89563BE8717}"/>
+              </a:ext>
+            </a:extLst>
+          </p:cNvPr>
+          <p:cNvSpPr/>
+          <p:nvPr/>
+        </p:nvSpPr>
+        <p:spPr>
+          <a:xfrm>
+            <a:off x="17939658" y="1088569"/>
+            <a:ext cx="2090057" cy="1436915"/>
+          </a:xfrm>
+          <a:prstGeom prst="flowChartInputOutput">
+            <a:avLst/>
+          </a:prstGeom>
+        </p:spPr>
+        <p:style>
+          <a:lnRef idx="2">
+            <a:schemeClr val="accent1">
+              <a:shade val="50000"/>
+            </a:schemeClr>
+          </a:lnRef>
+          <a:fillRef idx="1">
+            <a:schemeClr val="accent1"/>
+          </a:fillRef>
+          <a:effectRef idx="0">
+            <a:schemeClr val="accent1"/>
+          </a:effectRef>
+          <a:fontRef idx="minor">
+            <a:schemeClr val="lt1"/>
+          </a:fontRef>
+        </p:style>
+        <p:txBody>
+          <a:bodyPr rtlCol="0" anchor="ctr"/>
+          <a:lstStyle/>
+          <a:p>
+            <a:pPr algn="ctr"/>
+            <a:endParaRPr lang="en-US"/>
+          </a:p>
+        </p:txBody>
+      </p:sp>
+    </p:spTree>
+    <p:extLst>
+      <p:ext uri="{BB962C8B-B14F-4D97-AF65-F5344CB8AC3E}">
+        <p14:creationId xmlns:p14="http://schemas.microsoft.com/office/powerpoint/2010/main" val="2121468264"/>
+      </p:ext>
+    </p:extLst>
+  </p:cSld>
+  <p:clrMapOvr>
+    <a:masterClrMapping/>
+  </p:clrMapOvr>
+</p:sld>
+</file>
+
+<file path=ppt/slides/slide12.xml><?xml version="1.0" encoding="utf-8"?>
+<p:sld xmlns:a="http://schemas.openxmlformats.org/drawingml/2006/main" xmlns:r="http://schemas.openxmlformats.org/officeDocument/2006/relationships" xmlns:p="http://schemas.openxmlformats.org/presentationml/2006/main">
+  <p:cSld>
+    <p:spTree>
+      <p:nvGrpSpPr>
+        <p:cNvPr id="1" name=""/>
+        <p:cNvGrpSpPr/>
+        <p:nvPr/>
+      </p:nvGrpSpPr>
+      <p:grpSpPr>
+        <a:xfrm>
+          <a:off x="0" y="0"/>
+          <a:ext cx="0" cy="0"/>
+          <a:chOff x="0" y="0"/>
+          <a:chExt cx="0" cy="0"/>
+        </a:xfrm>
+      </p:grpSpPr>
       <p:cxnSp>
         <p:nvCxnSpPr>
           <p:cNvPr id="131" name="Connector: Elbow 130">
@@ -8748,356 +9070,827 @@
           <a:chExt cx="0" cy="0"/>
         </a:xfrm>
       </p:grpSpPr>
-      <p:sp>
-        <p:nvSpPr>
-          <p:cNvPr id="92" name="Rectangle: Rounded Corners 91">
-            <a:extLst>
-              <a:ext uri="{FF2B5EF4-FFF2-40B4-BE49-F238E27FC236}">
-                <a16:creationId xmlns:a16="http://schemas.microsoft.com/office/drawing/2014/main" id="{6485FADE-615A-4E34-9588-C945B5888A95}"/>
-              </a:ext>
-            </a:extLst>
-          </p:cNvPr>
-          <p:cNvSpPr/>
-          <p:nvPr/>
-        </p:nvSpPr>
-        <p:spPr>
+      <p:grpSp>
+        <p:nvGrpSpPr>
+          <p:cNvPr id="116" name="Group 115">
+            <a:extLst>
+              <a:ext uri="{FF2B5EF4-FFF2-40B4-BE49-F238E27FC236}">
+                <a16:creationId xmlns:a16="http://schemas.microsoft.com/office/drawing/2014/main" id="{5B150CC5-7A14-4D4A-BBFA-1A7D7EB6C3D3}"/>
+              </a:ext>
+            </a:extLst>
+          </p:cNvPr>
+          <p:cNvGrpSpPr/>
+          <p:nvPr/>
+        </p:nvGrpSpPr>
+        <p:grpSpPr>
           <a:xfrm>
-            <a:off x="3868614" y="10222523"/>
-            <a:ext cx="3054675" cy="4806462"/>
-          </a:xfrm>
-          <a:prstGeom prst="roundRect">
-            <a:avLst/>
-          </a:prstGeom>
-          <a:solidFill>
-            <a:srgbClr val="8C3FC5">
-              <a:alpha val="60000"/>
-            </a:srgbClr>
-          </a:solidFill>
-          <a:ln>
+            <a:off x="14005501" y="5938722"/>
+            <a:ext cx="3054675" cy="5551562"/>
+            <a:chOff x="14005501" y="6933099"/>
+            <a:chExt cx="3054675" cy="4806462"/>
+          </a:xfrm>
+        </p:grpSpPr>
+        <p:sp>
+          <p:nvSpPr>
+            <p:cNvPr id="92" name="Rectangle: Rounded Corners 91">
+              <a:extLst>
+                <a:ext uri="{FF2B5EF4-FFF2-40B4-BE49-F238E27FC236}">
+                  <a16:creationId xmlns:a16="http://schemas.microsoft.com/office/drawing/2014/main" id="{6485FADE-615A-4E34-9588-C945B5888A95}"/>
+                </a:ext>
+              </a:extLst>
+            </p:cNvPr>
+            <p:cNvSpPr/>
+            <p:nvPr/>
+          </p:nvSpPr>
+          <p:spPr>
+            <a:xfrm>
+              <a:off x="14005501" y="6933099"/>
+              <a:ext cx="3054675" cy="4806462"/>
+            </a:xfrm>
+            <a:prstGeom prst="roundRect">
+              <a:avLst/>
+            </a:prstGeom>
             <a:solidFill>
+              <a:srgbClr val="8C3FC5">
+                <a:alpha val="60000"/>
+              </a:srgbClr>
+            </a:solidFill>
+            <a:ln>
+              <a:solidFill>
+                <a:schemeClr val="tx1"/>
+              </a:solidFill>
+            </a:ln>
+          </p:spPr>
+          <p:style>
+            <a:lnRef idx="2">
+              <a:schemeClr val="accent1">
+                <a:shade val="50000"/>
+              </a:schemeClr>
+            </a:lnRef>
+            <a:fillRef idx="1">
+              <a:schemeClr val="accent1"/>
+            </a:fillRef>
+            <a:effectRef idx="0">
+              <a:schemeClr val="accent1"/>
+            </a:effectRef>
+            <a:fontRef idx="minor">
+              <a:schemeClr val="lt1"/>
+            </a:fontRef>
+          </p:style>
+          <p:txBody>
+            <a:bodyPr rtlCol="0" anchor="ctr"/>
+            <a:lstStyle/>
+            <a:p>
+              <a:pPr algn="ctr"/>
+              <a:endParaRPr lang="en-US"/>
+            </a:p>
+          </p:txBody>
+        </p:sp>
+        <p:sp>
+          <p:nvSpPr>
+            <p:cNvPr id="20" name="Flowchart: Process 19">
+              <a:extLst>
+                <a:ext uri="{FF2B5EF4-FFF2-40B4-BE49-F238E27FC236}">
+                  <a16:creationId xmlns:a16="http://schemas.microsoft.com/office/drawing/2014/main" id="{5F9162E0-E5E1-4DDF-BEB7-17191FD886FD}"/>
+                </a:ext>
+              </a:extLst>
+            </p:cNvPr>
+            <p:cNvSpPr/>
+            <p:nvPr/>
+          </p:nvSpPr>
+          <p:spPr>
+            <a:xfrm>
+              <a:off x="14511266" y="7727131"/>
+              <a:ext cx="2090057" cy="822293"/>
+            </a:xfrm>
+            <a:prstGeom prst="flowChartProcess">
+              <a:avLst/>
+            </a:prstGeom>
+            <a:ln w="38100">
+              <a:solidFill>
+                <a:schemeClr val="tx1"/>
+              </a:solidFill>
+              <a:prstDash val="dash"/>
+            </a:ln>
+          </p:spPr>
+          <p:style>
+            <a:lnRef idx="2">
+              <a:schemeClr val="accent1">
+                <a:shade val="50000"/>
+              </a:schemeClr>
+            </a:lnRef>
+            <a:fillRef idx="1">
+              <a:schemeClr val="accent1"/>
+            </a:fillRef>
+            <a:effectRef idx="0">
+              <a:schemeClr val="accent1"/>
+            </a:effectRef>
+            <a:fontRef idx="minor">
+              <a:schemeClr val="lt1"/>
+            </a:fontRef>
+          </p:style>
+          <p:txBody>
+            <a:bodyPr rtlCol="0" anchor="ctr"/>
+            <a:lstStyle/>
+            <a:p>
+              <a:pPr algn="ctr"/>
+              <a:r>
+                <a:rPr lang="en-US" sz="2400" dirty="0"/>
+                <a:t>Track RFID</a:t>
+              </a:r>
+            </a:p>
+          </p:txBody>
+        </p:sp>
+        <p:sp>
+          <p:nvSpPr>
+            <p:cNvPr id="58" name="Flowchart: Process 57">
+              <a:extLst>
+                <a:ext uri="{FF2B5EF4-FFF2-40B4-BE49-F238E27FC236}">
+                  <a16:creationId xmlns:a16="http://schemas.microsoft.com/office/drawing/2014/main" id="{779BAA04-77AB-4CED-AE2A-B84AD6A5E123}"/>
+                </a:ext>
+              </a:extLst>
+            </p:cNvPr>
+            <p:cNvSpPr/>
+            <p:nvPr/>
+          </p:nvSpPr>
+          <p:spPr>
+            <a:xfrm>
+              <a:off x="14511265" y="9483410"/>
+              <a:ext cx="2090057" cy="1436915"/>
+            </a:xfrm>
+            <a:prstGeom prst="flowChartProcess">
+              <a:avLst/>
+            </a:prstGeom>
+          </p:spPr>
+          <p:style>
+            <a:lnRef idx="2">
+              <a:schemeClr val="accent1">
+                <a:shade val="50000"/>
+              </a:schemeClr>
+            </a:lnRef>
+            <a:fillRef idx="1">
+              <a:schemeClr val="accent1"/>
+            </a:fillRef>
+            <a:effectRef idx="0">
+              <a:schemeClr val="accent1"/>
+            </a:effectRef>
+            <a:fontRef idx="minor">
+              <a:schemeClr val="lt1"/>
+            </a:fontRef>
+          </p:style>
+          <p:txBody>
+            <a:bodyPr rtlCol="0" anchor="ctr"/>
+            <a:lstStyle/>
+            <a:p>
+              <a:pPr algn="ctr"/>
+              <a:r>
+                <a:rPr lang="en-US" sz="2400" dirty="0"/>
+                <a:t>Ping when animals get separated</a:t>
+              </a:r>
+            </a:p>
+          </p:txBody>
+        </p:sp>
+        <p:cxnSp>
+          <p:nvCxnSpPr>
+            <p:cNvPr id="60" name="Connector: Elbow 59">
+              <a:extLst>
+                <a:ext uri="{FF2B5EF4-FFF2-40B4-BE49-F238E27FC236}">
+                  <a16:creationId xmlns:a16="http://schemas.microsoft.com/office/drawing/2014/main" id="{3A3F706E-233D-417C-8382-C5CF5307916C}"/>
+                </a:ext>
+              </a:extLst>
+            </p:cNvPr>
+            <p:cNvCxnSpPr>
+              <a:stCxn id="20" idx="2"/>
+              <a:endCxn id="58" idx="0"/>
+            </p:cNvCxnSpPr>
+            <p:nvPr/>
+          </p:nvCxnSpPr>
+          <p:spPr>
+            <a:xfrm rot="5400000">
+              <a:off x="15089302" y="9016416"/>
+              <a:ext cx="933986" cy="1"/>
+            </a:xfrm>
+            <a:prstGeom prst="bentConnector3">
+              <a:avLst/>
+            </a:prstGeom>
+            <a:ln w="38100">
+              <a:tailEnd type="triangle"/>
+            </a:ln>
+          </p:spPr>
+          <p:style>
+            <a:lnRef idx="1">
+              <a:schemeClr val="accent1"/>
+            </a:lnRef>
+            <a:fillRef idx="0">
+              <a:schemeClr val="accent1"/>
+            </a:fillRef>
+            <a:effectRef idx="0">
+              <a:schemeClr val="accent1"/>
+            </a:effectRef>
+            <a:fontRef idx="minor">
               <a:schemeClr val="tx1"/>
+            </a:fontRef>
+          </p:style>
+        </p:cxnSp>
+      </p:grpSp>
+      <p:grpSp>
+        <p:nvGrpSpPr>
+          <p:cNvPr id="114" name="Group 113">
+            <a:extLst>
+              <a:ext uri="{FF2B5EF4-FFF2-40B4-BE49-F238E27FC236}">
+                <a16:creationId xmlns:a16="http://schemas.microsoft.com/office/drawing/2014/main" id="{AE201B19-686A-4989-A152-C559F7622A99}"/>
+              </a:ext>
+            </a:extLst>
+          </p:cNvPr>
+          <p:cNvGrpSpPr/>
+          <p:nvPr/>
+        </p:nvGrpSpPr>
+        <p:grpSpPr>
+          <a:xfrm>
+            <a:off x="5777576" y="4259343"/>
+            <a:ext cx="6980482" cy="8225319"/>
+            <a:chOff x="5777576" y="5460866"/>
+            <a:chExt cx="6980482" cy="7023796"/>
+          </a:xfrm>
+        </p:grpSpPr>
+        <p:sp>
+          <p:nvSpPr>
+            <p:cNvPr id="91" name="Rectangle: Rounded Corners 90">
+              <a:extLst>
+                <a:ext uri="{FF2B5EF4-FFF2-40B4-BE49-F238E27FC236}">
+                  <a16:creationId xmlns:a16="http://schemas.microsoft.com/office/drawing/2014/main" id="{5FADBEF1-B7DE-4F4A-80B0-1C4E9E7871BE}"/>
+                </a:ext>
+              </a:extLst>
+            </p:cNvPr>
+            <p:cNvSpPr/>
+            <p:nvPr/>
+          </p:nvSpPr>
+          <p:spPr>
+            <a:xfrm>
+              <a:off x="5777576" y="5460866"/>
+              <a:ext cx="6980482" cy="7023796"/>
+            </a:xfrm>
+            <a:prstGeom prst="roundRect">
+              <a:avLst/>
+            </a:prstGeom>
+            <a:solidFill>
+              <a:srgbClr val="00B050">
+                <a:alpha val="60000"/>
+              </a:srgbClr>
             </a:solidFill>
-          </a:ln>
-        </p:spPr>
-        <p:style>
-          <a:lnRef idx="2">
-            <a:schemeClr val="accent1">
-              <a:shade val="50000"/>
-            </a:schemeClr>
-          </a:lnRef>
-          <a:fillRef idx="1">
-            <a:schemeClr val="accent1"/>
-          </a:fillRef>
-          <a:effectRef idx="0">
-            <a:schemeClr val="accent1"/>
-          </a:effectRef>
-          <a:fontRef idx="minor">
-            <a:schemeClr val="lt1"/>
-          </a:fontRef>
-        </p:style>
-        <p:txBody>
-          <a:bodyPr rtlCol="0" anchor="ctr"/>
-          <a:lstStyle/>
-          <a:p>
-            <a:pPr algn="ctr"/>
-            <a:endParaRPr lang="en-US"/>
-          </a:p>
-        </p:txBody>
-      </p:sp>
-      <p:sp>
-        <p:nvSpPr>
-          <p:cNvPr id="91" name="Rectangle: Rounded Corners 90">
-            <a:extLst>
-              <a:ext uri="{FF2B5EF4-FFF2-40B4-BE49-F238E27FC236}">
-                <a16:creationId xmlns:a16="http://schemas.microsoft.com/office/drawing/2014/main" id="{5FADBEF1-B7DE-4F4A-80B0-1C4E9E7871BE}"/>
-              </a:ext>
-            </a:extLst>
-          </p:cNvPr>
-          <p:cNvSpPr/>
-          <p:nvPr/>
-        </p:nvSpPr>
-        <p:spPr>
-          <a:xfrm>
-            <a:off x="7395605" y="6082596"/>
-            <a:ext cx="8946363" cy="7023796"/>
-          </a:xfrm>
-          <a:prstGeom prst="roundRect">
-            <a:avLst/>
-          </a:prstGeom>
-          <a:solidFill>
-            <a:srgbClr val="00B050">
-              <a:alpha val="60000"/>
-            </a:srgbClr>
-          </a:solidFill>
-          <a:ln>
+            <a:ln>
+              <a:solidFill>
+                <a:schemeClr val="tx1"/>
+              </a:solidFill>
+            </a:ln>
+          </p:spPr>
+          <p:style>
+            <a:lnRef idx="2">
+              <a:schemeClr val="accent1">
+                <a:shade val="50000"/>
+              </a:schemeClr>
+            </a:lnRef>
+            <a:fillRef idx="1">
+              <a:schemeClr val="accent1"/>
+            </a:fillRef>
+            <a:effectRef idx="0">
+              <a:schemeClr val="accent1"/>
+            </a:effectRef>
+            <a:fontRef idx="minor">
+              <a:schemeClr val="lt1"/>
+            </a:fontRef>
+          </p:style>
+          <p:txBody>
+            <a:bodyPr rtlCol="0" anchor="ctr"/>
+            <a:lstStyle/>
+            <a:p>
+              <a:pPr algn="ctr"/>
+              <a:endParaRPr lang="en-US"/>
+            </a:p>
+          </p:txBody>
+        </p:sp>
+        <p:sp>
+          <p:nvSpPr>
+            <p:cNvPr id="11" name="Flowchart: Process 10">
+              <a:extLst>
+                <a:ext uri="{FF2B5EF4-FFF2-40B4-BE49-F238E27FC236}">
+                  <a16:creationId xmlns:a16="http://schemas.microsoft.com/office/drawing/2014/main" id="{D15A1FEE-6A7C-4C86-AF6D-14EBEBD07D11}"/>
+                </a:ext>
+              </a:extLst>
+            </p:cNvPr>
+            <p:cNvSpPr/>
+            <p:nvPr/>
+          </p:nvSpPr>
+          <p:spPr>
+            <a:xfrm>
+              <a:off x="6731749" y="5857355"/>
+              <a:ext cx="2090057" cy="822293"/>
+            </a:xfrm>
+            <a:prstGeom prst="flowChartProcess">
+              <a:avLst/>
+            </a:prstGeom>
+            <a:ln w="38100">
+              <a:solidFill>
+                <a:schemeClr val="tx1"/>
+              </a:solidFill>
+              <a:prstDash val="dash"/>
+            </a:ln>
+          </p:spPr>
+          <p:style>
+            <a:lnRef idx="2">
+              <a:schemeClr val="accent1">
+                <a:shade val="50000"/>
+              </a:schemeClr>
+            </a:lnRef>
+            <a:fillRef idx="1">
+              <a:schemeClr val="accent1"/>
+            </a:fillRef>
+            <a:effectRef idx="0">
+              <a:schemeClr val="accent1"/>
+            </a:effectRef>
+            <a:fontRef idx="minor">
+              <a:schemeClr val="lt1"/>
+            </a:fontRef>
+          </p:style>
+          <p:txBody>
+            <a:bodyPr rtlCol="0" anchor="ctr"/>
+            <a:lstStyle/>
+            <a:p>
+              <a:pPr algn="ctr"/>
+              <a:r>
+                <a:rPr lang="en-US" sz="2400" dirty="0"/>
+                <a:t>Track RFID</a:t>
+              </a:r>
+            </a:p>
+          </p:txBody>
+        </p:sp>
+        <p:sp>
+          <p:nvSpPr>
+            <p:cNvPr id="16" name="Flowchart: Decision 15">
+              <a:extLst>
+                <a:ext uri="{FF2B5EF4-FFF2-40B4-BE49-F238E27FC236}">
+                  <a16:creationId xmlns:a16="http://schemas.microsoft.com/office/drawing/2014/main" id="{04BE5BF4-C45D-4AF8-BEDB-D5A15F315DF2}"/>
+                </a:ext>
+              </a:extLst>
+            </p:cNvPr>
+            <p:cNvSpPr/>
+            <p:nvPr/>
+          </p:nvSpPr>
+          <p:spPr>
+            <a:xfrm>
+              <a:off x="6573037" y="7210839"/>
+              <a:ext cx="2405162" cy="1739354"/>
+            </a:xfrm>
+            <a:prstGeom prst="flowChartDecision">
+              <a:avLst/>
+            </a:prstGeom>
+          </p:spPr>
+          <p:style>
+            <a:lnRef idx="2">
+              <a:schemeClr val="accent1">
+                <a:shade val="50000"/>
+              </a:schemeClr>
+            </a:lnRef>
+            <a:fillRef idx="1">
+              <a:schemeClr val="accent1"/>
+            </a:fillRef>
+            <a:effectRef idx="0">
+              <a:schemeClr val="accent1"/>
+            </a:effectRef>
+            <a:fontRef idx="minor">
+              <a:schemeClr val="lt1"/>
+            </a:fontRef>
+          </p:style>
+          <p:txBody>
+            <a:bodyPr rtlCol="0" anchor="ctr"/>
+            <a:lstStyle/>
+            <a:p>
+              <a:pPr algn="ctr"/>
+              <a:r>
+                <a:rPr lang="en-US" sz="2400" dirty="0"/>
+                <a:t>Are Animals in same cage?</a:t>
+              </a:r>
+            </a:p>
+          </p:txBody>
+        </p:sp>
+        <p:sp>
+          <p:nvSpPr>
+            <p:cNvPr id="21" name="Flowchart: Decision 20">
+              <a:extLst>
+                <a:ext uri="{FF2B5EF4-FFF2-40B4-BE49-F238E27FC236}">
+                  <a16:creationId xmlns:a16="http://schemas.microsoft.com/office/drawing/2014/main" id="{6A0BE6D3-8E2A-4D3C-BBAA-16150B5EBF6D}"/>
+                </a:ext>
+              </a:extLst>
+            </p:cNvPr>
+            <p:cNvSpPr/>
+            <p:nvPr/>
+          </p:nvSpPr>
+          <p:spPr>
+            <a:xfrm>
+              <a:off x="6575099" y="9173127"/>
+              <a:ext cx="2405163" cy="1729838"/>
+            </a:xfrm>
+            <a:prstGeom prst="flowChartDecision">
+              <a:avLst/>
+            </a:prstGeom>
+          </p:spPr>
+          <p:style>
+            <a:lnRef idx="2">
+              <a:schemeClr val="accent1">
+                <a:shade val="50000"/>
+              </a:schemeClr>
+            </a:lnRef>
+            <a:fillRef idx="1">
+              <a:schemeClr val="accent1"/>
+            </a:fillRef>
+            <a:effectRef idx="0">
+              <a:schemeClr val="accent1"/>
+            </a:effectRef>
+            <a:fontRef idx="minor">
+              <a:schemeClr val="lt1"/>
+            </a:fontRef>
+          </p:style>
+          <p:txBody>
+            <a:bodyPr rtlCol="0" anchor="ctr"/>
+            <a:lstStyle/>
+            <a:p>
+              <a:pPr algn="ctr"/>
+              <a:r>
+                <a:rPr lang="en-US" sz="2400" dirty="0"/>
+                <a:t>Are animals in diff cages?</a:t>
+              </a:r>
+            </a:p>
+          </p:txBody>
+        </p:sp>
+        <p:sp>
+          <p:nvSpPr>
+            <p:cNvPr id="22" name="Flowchart: Process 21">
+              <a:extLst>
+                <a:ext uri="{FF2B5EF4-FFF2-40B4-BE49-F238E27FC236}">
+                  <a16:creationId xmlns:a16="http://schemas.microsoft.com/office/drawing/2014/main" id="{8E92A075-2BCB-4812-8189-4AB30E39D2CE}"/>
+                </a:ext>
+              </a:extLst>
+            </p:cNvPr>
+            <p:cNvSpPr/>
+            <p:nvPr/>
+          </p:nvSpPr>
+          <p:spPr>
+            <a:xfrm>
+              <a:off x="6731748" y="11239784"/>
+              <a:ext cx="2090057" cy="822292"/>
+            </a:xfrm>
+            <a:prstGeom prst="flowChartProcess">
+              <a:avLst/>
+            </a:prstGeom>
+            <a:ln w="38100">
+              <a:solidFill>
+                <a:schemeClr val="tx1"/>
+              </a:solidFill>
+              <a:prstDash val="dash"/>
+            </a:ln>
+          </p:spPr>
+          <p:style>
+            <a:lnRef idx="2">
+              <a:schemeClr val="accent1">
+                <a:shade val="50000"/>
+              </a:schemeClr>
+            </a:lnRef>
+            <a:fillRef idx="1">
+              <a:schemeClr val="accent1"/>
+            </a:fillRef>
+            <a:effectRef idx="0">
+              <a:schemeClr val="accent1"/>
+            </a:effectRef>
+            <a:fontRef idx="minor">
+              <a:schemeClr val="lt1"/>
+            </a:fontRef>
+          </p:style>
+          <p:txBody>
+            <a:bodyPr rtlCol="0" anchor="ctr"/>
+            <a:lstStyle/>
+            <a:p>
+              <a:pPr algn="ctr"/>
+              <a:r>
+                <a:rPr lang="en-US" sz="2400" dirty="0"/>
+                <a:t>Door Closes</a:t>
+              </a:r>
+            </a:p>
+          </p:txBody>
+        </p:sp>
+        <p:cxnSp>
+          <p:nvCxnSpPr>
+            <p:cNvPr id="24" name="Connector: Elbow 23">
+              <a:extLst>
+                <a:ext uri="{FF2B5EF4-FFF2-40B4-BE49-F238E27FC236}">
+                  <a16:creationId xmlns:a16="http://schemas.microsoft.com/office/drawing/2014/main" id="{698FA212-F950-4EF4-9C9D-8019B5F7FE4A}"/>
+                </a:ext>
+              </a:extLst>
+            </p:cNvPr>
+            <p:cNvCxnSpPr>
+              <a:cxnSpLocks/>
+              <a:stCxn id="11" idx="2"/>
+              <a:endCxn id="16" idx="0"/>
+            </p:cNvCxnSpPr>
+            <p:nvPr/>
+          </p:nvCxnSpPr>
+          <p:spPr>
+            <a:xfrm rot="5400000">
+              <a:off x="7510603" y="6944663"/>
+              <a:ext cx="531191" cy="1160"/>
+            </a:xfrm>
+            <a:prstGeom prst="bentConnector3">
+              <a:avLst/>
+            </a:prstGeom>
+            <a:ln w="38100">
+              <a:tailEnd type="triangle"/>
+            </a:ln>
+          </p:spPr>
+          <p:style>
+            <a:lnRef idx="1">
+              <a:schemeClr val="accent1"/>
+            </a:lnRef>
+            <a:fillRef idx="0">
+              <a:schemeClr val="accent1"/>
+            </a:fillRef>
+            <a:effectRef idx="0">
+              <a:schemeClr val="accent1"/>
+            </a:effectRef>
+            <a:fontRef idx="minor">
+              <a:schemeClr val="tx1"/>
+            </a:fontRef>
+          </p:style>
+        </p:cxnSp>
+        <p:cxnSp>
+          <p:nvCxnSpPr>
+            <p:cNvPr id="30" name="Connector: Elbow 29">
+              <a:extLst>
+                <a:ext uri="{FF2B5EF4-FFF2-40B4-BE49-F238E27FC236}">
+                  <a16:creationId xmlns:a16="http://schemas.microsoft.com/office/drawing/2014/main" id="{99FFD5E2-886A-4A60-8DC5-FFB27D8995CA}"/>
+                </a:ext>
+              </a:extLst>
+            </p:cNvPr>
+            <p:cNvCxnSpPr>
+              <a:cxnSpLocks/>
+              <a:stCxn id="21" idx="2"/>
+              <a:endCxn id="22" idx="0"/>
+            </p:cNvCxnSpPr>
+            <p:nvPr/>
+          </p:nvCxnSpPr>
+          <p:spPr>
+            <a:xfrm rot="5400000">
+              <a:off x="7608820" y="11070922"/>
+              <a:ext cx="336818" cy="904"/>
+            </a:xfrm>
+            <a:prstGeom prst="bentConnector3">
+              <a:avLst>
+                <a:gd name="adj1" fmla="val 50000"/>
+              </a:avLst>
+            </a:prstGeom>
+            <a:ln w="38100">
+              <a:solidFill>
+                <a:srgbClr val="00B050"/>
+              </a:solidFill>
+              <a:tailEnd type="triangle"/>
+            </a:ln>
+          </p:spPr>
+          <p:style>
+            <a:lnRef idx="1">
+              <a:schemeClr val="accent1"/>
+            </a:lnRef>
+            <a:fillRef idx="0">
+              <a:schemeClr val="accent1"/>
+            </a:fillRef>
+            <a:effectRef idx="0">
+              <a:schemeClr val="accent1"/>
+            </a:effectRef>
+            <a:fontRef idx="minor">
+              <a:schemeClr val="tx1"/>
+            </a:fontRef>
+          </p:style>
+        </p:cxnSp>
+        <p:cxnSp>
+          <p:nvCxnSpPr>
+            <p:cNvPr id="32" name="Connector: Elbow 31">
+              <a:extLst>
+                <a:ext uri="{FF2B5EF4-FFF2-40B4-BE49-F238E27FC236}">
+                  <a16:creationId xmlns:a16="http://schemas.microsoft.com/office/drawing/2014/main" id="{950E9C9D-7573-4534-9BF9-FEA0E9FB4DC9}"/>
+                </a:ext>
+              </a:extLst>
+            </p:cNvPr>
+            <p:cNvCxnSpPr>
+              <a:cxnSpLocks/>
+              <a:stCxn id="21" idx="1"/>
+              <a:endCxn id="11" idx="1"/>
+            </p:cNvCxnSpPr>
+            <p:nvPr/>
+          </p:nvCxnSpPr>
+          <p:spPr>
+            <a:xfrm rot="10800000" flipH="1">
+              <a:off x="6575099" y="6268502"/>
+              <a:ext cx="156650" cy="3769545"/>
+            </a:xfrm>
+            <a:prstGeom prst="bentConnector3">
+              <a:avLst>
+                <a:gd name="adj1" fmla="val -145930"/>
+              </a:avLst>
+            </a:prstGeom>
+            <a:ln w="38100">
+              <a:solidFill>
+                <a:srgbClr val="FF0000"/>
+              </a:solidFill>
+              <a:tailEnd type="triangle"/>
+            </a:ln>
+          </p:spPr>
+          <p:style>
+            <a:lnRef idx="1">
+              <a:schemeClr val="accent1"/>
+            </a:lnRef>
+            <a:fillRef idx="0">
+              <a:schemeClr val="accent1"/>
+            </a:fillRef>
+            <a:effectRef idx="0">
+              <a:schemeClr val="accent1"/>
+            </a:effectRef>
+            <a:fontRef idx="minor">
+              <a:schemeClr val="tx1"/>
+            </a:fontRef>
+          </p:style>
+        </p:cxnSp>
+        <p:sp>
+          <p:nvSpPr>
+            <p:cNvPr id="75" name="Flowchart: Off-page Connector 74">
+              <a:extLst>
+                <a:ext uri="{FF2B5EF4-FFF2-40B4-BE49-F238E27FC236}">
+                  <a16:creationId xmlns:a16="http://schemas.microsoft.com/office/drawing/2014/main" id="{0CD5C67A-463D-44D4-8CBB-483D5C1802A3}"/>
+                </a:ext>
+              </a:extLst>
+            </p:cNvPr>
+            <p:cNvSpPr/>
+            <p:nvPr/>
+          </p:nvSpPr>
+          <p:spPr>
+            <a:xfrm>
+              <a:off x="9864930" y="11239784"/>
+              <a:ext cx="2090057" cy="820613"/>
+            </a:xfrm>
+            <a:prstGeom prst="flowChartOffpageConnector">
+              <a:avLst/>
+            </a:prstGeom>
             <a:solidFill>
+              <a:schemeClr val="accent2">
+                <a:lumMod val="75000"/>
+              </a:schemeClr>
+            </a:solidFill>
+          </p:spPr>
+          <p:style>
+            <a:lnRef idx="2">
+              <a:schemeClr val="accent1">
+                <a:shade val="50000"/>
+              </a:schemeClr>
+            </a:lnRef>
+            <a:fillRef idx="1">
+              <a:schemeClr val="accent1"/>
+            </a:fillRef>
+            <a:effectRef idx="0">
+              <a:schemeClr val="accent1"/>
+            </a:effectRef>
+            <a:fontRef idx="minor">
+              <a:schemeClr val="lt1"/>
+            </a:fontRef>
+          </p:style>
+          <p:txBody>
+            <a:bodyPr rtlCol="0" anchor="ctr"/>
+            <a:lstStyle/>
+            <a:p>
+              <a:pPr algn="ctr"/>
+              <a:r>
+                <a:rPr lang="en-US" sz="2400" dirty="0"/>
+                <a:t>Update Door Queue</a:t>
+              </a:r>
+            </a:p>
+          </p:txBody>
+        </p:sp>
+        <p:cxnSp>
+          <p:nvCxnSpPr>
+            <p:cNvPr id="77" name="Connector: Elbow 76">
+              <a:extLst>
+                <a:ext uri="{FF2B5EF4-FFF2-40B4-BE49-F238E27FC236}">
+                  <a16:creationId xmlns:a16="http://schemas.microsoft.com/office/drawing/2014/main" id="{76AC5919-165B-4166-9993-AC0A5191AC7E}"/>
+                </a:ext>
+              </a:extLst>
+            </p:cNvPr>
+            <p:cNvCxnSpPr>
+              <a:cxnSpLocks/>
+              <a:stCxn id="22" idx="3"/>
+              <a:endCxn id="75" idx="1"/>
+            </p:cNvCxnSpPr>
+            <p:nvPr/>
+          </p:nvCxnSpPr>
+          <p:spPr>
+            <a:xfrm flipV="1">
+              <a:off x="8821805" y="11650091"/>
+              <a:ext cx="1043125" cy="839"/>
+            </a:xfrm>
+            <a:prstGeom prst="bentConnector3">
+              <a:avLst>
+                <a:gd name="adj1" fmla="val 50000"/>
+              </a:avLst>
+            </a:prstGeom>
+            <a:ln w="38100">
+              <a:solidFill>
+                <a:schemeClr val="tx1"/>
+              </a:solidFill>
+              <a:prstDash val="sysDot"/>
+              <a:tailEnd type="triangle"/>
+            </a:ln>
+          </p:spPr>
+          <p:style>
+            <a:lnRef idx="1">
+              <a:schemeClr val="accent1"/>
+            </a:lnRef>
+            <a:fillRef idx="0">
+              <a:schemeClr val="accent1"/>
+            </a:fillRef>
+            <a:effectRef idx="0">
+              <a:schemeClr val="accent1"/>
+            </a:effectRef>
+            <a:fontRef idx="minor">
               <a:schemeClr val="tx1"/>
-            </a:solidFill>
-          </a:ln>
-        </p:spPr>
-        <p:style>
-          <a:lnRef idx="2">
-            <a:schemeClr val="accent1">
-              <a:shade val="50000"/>
-            </a:schemeClr>
-          </a:lnRef>
-          <a:fillRef idx="1">
-            <a:schemeClr val="accent1"/>
-          </a:fillRef>
-          <a:effectRef idx="0">
-            <a:schemeClr val="accent1"/>
-          </a:effectRef>
-          <a:fontRef idx="minor">
-            <a:schemeClr val="lt1"/>
-          </a:fontRef>
-        </p:style>
-        <p:txBody>
-          <a:bodyPr rtlCol="0" anchor="ctr"/>
-          <a:lstStyle/>
-          <a:p>
-            <a:pPr algn="ctr"/>
-            <a:endParaRPr lang="en-US"/>
-          </a:p>
-        </p:txBody>
-      </p:sp>
-      <p:sp>
-        <p:nvSpPr>
-          <p:cNvPr id="90" name="Rectangle: Rounded Corners 89">
-            <a:extLst>
-              <a:ext uri="{FF2B5EF4-FFF2-40B4-BE49-F238E27FC236}">
-                <a16:creationId xmlns:a16="http://schemas.microsoft.com/office/drawing/2014/main" id="{F77F15A3-EF3C-4B5B-B350-A5A0FAF4B4CA}"/>
-              </a:ext>
-            </a:extLst>
-          </p:cNvPr>
-          <p:cNvSpPr/>
-          <p:nvPr/>
-        </p:nvSpPr>
-        <p:spPr>
-          <a:xfrm>
-            <a:off x="3868615" y="3212123"/>
-            <a:ext cx="3054674" cy="6462764"/>
-          </a:xfrm>
-          <a:prstGeom prst="roundRect">
-            <a:avLst/>
-          </a:prstGeom>
-          <a:solidFill>
-            <a:schemeClr val="accent1">
-              <a:alpha val="40000"/>
-            </a:schemeClr>
-          </a:solidFill>
-          <a:ln>
-            <a:solidFill>
+            </a:fontRef>
+          </p:style>
+        </p:cxnSp>
+        <p:cxnSp>
+          <p:nvCxnSpPr>
+            <p:cNvPr id="61" name="Straight Arrow Connector 60">
+              <a:extLst>
+                <a:ext uri="{FF2B5EF4-FFF2-40B4-BE49-F238E27FC236}">
+                  <a16:creationId xmlns:a16="http://schemas.microsoft.com/office/drawing/2014/main" id="{E6AA69E8-8815-4BDC-B71D-FB837BB4BFD9}"/>
+                </a:ext>
+              </a:extLst>
+            </p:cNvPr>
+            <p:cNvCxnSpPr>
+              <a:cxnSpLocks/>
+              <a:stCxn id="16" idx="2"/>
+              <a:endCxn id="21" idx="0"/>
+            </p:cNvCxnSpPr>
+            <p:nvPr/>
+          </p:nvCxnSpPr>
+          <p:spPr>
+            <a:xfrm>
+              <a:off x="7775618" y="8950193"/>
+              <a:ext cx="2063" cy="222935"/>
+            </a:xfrm>
+            <a:prstGeom prst="straightConnector1">
+              <a:avLst/>
+            </a:prstGeom>
+            <a:ln w="38100">
+              <a:solidFill>
+                <a:srgbClr val="FF0000"/>
+              </a:solidFill>
+              <a:tailEnd type="triangle"/>
+            </a:ln>
+          </p:spPr>
+          <p:style>
+            <a:lnRef idx="1">
+              <a:schemeClr val="accent1"/>
+            </a:lnRef>
+            <a:fillRef idx="0">
+              <a:schemeClr val="accent1"/>
+            </a:fillRef>
+            <a:effectRef idx="0">
+              <a:schemeClr val="accent1"/>
+            </a:effectRef>
+            <a:fontRef idx="minor">
               <a:schemeClr val="tx1"/>
-            </a:solidFill>
-          </a:ln>
-        </p:spPr>
-        <p:style>
-          <a:lnRef idx="2">
-            <a:schemeClr val="accent1">
-              <a:shade val="50000"/>
-            </a:schemeClr>
-          </a:lnRef>
-          <a:fillRef idx="1">
-            <a:schemeClr val="accent1"/>
-          </a:fillRef>
-          <a:effectRef idx="0">
-            <a:schemeClr val="accent1"/>
-          </a:effectRef>
-          <a:fontRef idx="minor">
-            <a:schemeClr val="lt1"/>
-          </a:fontRef>
-        </p:style>
-        <p:txBody>
-          <a:bodyPr rtlCol="0" anchor="ctr"/>
-          <a:lstStyle/>
-          <a:p>
-            <a:pPr algn="ctr"/>
-            <a:endParaRPr lang="en-US"/>
-          </a:p>
-        </p:txBody>
-      </p:sp>
-      <p:sp>
-        <p:nvSpPr>
-          <p:cNvPr id="9" name="Flowchart: Decision 8">
-            <a:extLst>
-              <a:ext uri="{FF2B5EF4-FFF2-40B4-BE49-F238E27FC236}">
-                <a16:creationId xmlns:a16="http://schemas.microsoft.com/office/drawing/2014/main" id="{55AAAD1B-29EB-4958-913E-02E144DFFC19}"/>
-              </a:ext>
-            </a:extLst>
-          </p:cNvPr>
-          <p:cNvSpPr/>
-          <p:nvPr/>
-        </p:nvSpPr>
-        <p:spPr>
-          <a:xfrm>
-            <a:off x="4374381" y="3702816"/>
-            <a:ext cx="2090057" cy="1436915"/>
-          </a:xfrm>
-          <a:prstGeom prst="flowChartDecision">
-            <a:avLst/>
-          </a:prstGeom>
-        </p:spPr>
-        <p:style>
-          <a:lnRef idx="2">
-            <a:schemeClr val="accent1">
-              <a:shade val="50000"/>
-            </a:schemeClr>
-          </a:lnRef>
-          <a:fillRef idx="1">
-            <a:schemeClr val="accent1"/>
-          </a:fillRef>
-          <a:effectRef idx="0">
-            <a:schemeClr val="accent1"/>
-          </a:effectRef>
-          <a:fontRef idx="minor">
-            <a:schemeClr val="lt1"/>
-          </a:fontRef>
-        </p:style>
-        <p:txBody>
-          <a:bodyPr rtlCol="0" anchor="ctr"/>
-          <a:lstStyle/>
-          <a:p>
-            <a:pPr algn="ctr"/>
-            <a:r>
-              <a:rPr lang="en-US" dirty="0"/>
-              <a:t>Is there a lever press?</a:t>
-            </a:r>
-          </a:p>
-        </p:txBody>
-      </p:sp>
-      <p:sp>
-        <p:nvSpPr>
-          <p:cNvPr id="10" name="Flowchart: Process 9">
-            <a:extLst>
-              <a:ext uri="{FF2B5EF4-FFF2-40B4-BE49-F238E27FC236}">
-                <a16:creationId xmlns:a16="http://schemas.microsoft.com/office/drawing/2014/main" id="{22671C7B-35EB-4382-9BA2-1F674C0F054B}"/>
-              </a:ext>
-            </a:extLst>
-          </p:cNvPr>
-          <p:cNvSpPr/>
-          <p:nvPr/>
-        </p:nvSpPr>
-        <p:spPr>
-          <a:xfrm>
-            <a:off x="4374380" y="7196290"/>
-            <a:ext cx="2090057" cy="822292"/>
-          </a:xfrm>
-          <a:prstGeom prst="flowChartProcess">
-            <a:avLst/>
-          </a:prstGeom>
-          <a:ln w="38100">
-            <a:solidFill>
-              <a:schemeClr val="tx1"/>
-            </a:solidFill>
-            <a:prstDash val="dash"/>
-          </a:ln>
-        </p:spPr>
-        <p:style>
-          <a:lnRef idx="2">
-            <a:schemeClr val="accent1">
-              <a:shade val="50000"/>
-            </a:schemeClr>
-          </a:lnRef>
-          <a:fillRef idx="1">
-            <a:schemeClr val="accent1"/>
-          </a:fillRef>
-          <a:effectRef idx="0">
-            <a:schemeClr val="accent1"/>
-          </a:effectRef>
-          <a:fontRef idx="minor">
-            <a:schemeClr val="lt1"/>
-          </a:fontRef>
-        </p:style>
-        <p:txBody>
-          <a:bodyPr rtlCol="0" anchor="ctr"/>
-          <a:lstStyle/>
-          <a:p>
-            <a:pPr algn="ctr"/>
-            <a:r>
-              <a:rPr lang="en-US" dirty="0"/>
-              <a:t>Door Opens</a:t>
-            </a:r>
-          </a:p>
-        </p:txBody>
-      </p:sp>
-      <p:sp>
-        <p:nvSpPr>
-          <p:cNvPr id="11" name="Flowchart: Process 10">
-            <a:extLst>
-              <a:ext uri="{FF2B5EF4-FFF2-40B4-BE49-F238E27FC236}">
-                <a16:creationId xmlns:a16="http://schemas.microsoft.com/office/drawing/2014/main" id="{D15A1FEE-6A7C-4C86-AF6D-14EBEBD07D11}"/>
-              </a:ext>
-            </a:extLst>
-          </p:cNvPr>
-          <p:cNvSpPr/>
-          <p:nvPr/>
-        </p:nvSpPr>
-        <p:spPr>
-          <a:xfrm>
-            <a:off x="8167633" y="6446016"/>
-            <a:ext cx="2090057" cy="822293"/>
-          </a:xfrm>
-          <a:prstGeom prst="flowChartProcess">
-            <a:avLst/>
-          </a:prstGeom>
-          <a:ln w="38100">
-            <a:solidFill>
-              <a:schemeClr val="tx1"/>
-            </a:solidFill>
-            <a:prstDash val="dash"/>
-          </a:ln>
-        </p:spPr>
-        <p:style>
-          <a:lnRef idx="2">
-            <a:schemeClr val="accent1">
-              <a:shade val="50000"/>
-            </a:schemeClr>
-          </a:lnRef>
-          <a:fillRef idx="1">
-            <a:schemeClr val="accent1"/>
-          </a:fillRef>
-          <a:effectRef idx="0">
-            <a:schemeClr val="accent1"/>
-          </a:effectRef>
-          <a:fontRef idx="minor">
-            <a:schemeClr val="lt1"/>
-          </a:fontRef>
-        </p:style>
-        <p:txBody>
-          <a:bodyPr rtlCol="0" anchor="ctr"/>
-          <a:lstStyle/>
-          <a:p>
-            <a:pPr algn="ctr"/>
-            <a:r>
-              <a:rPr lang="en-US" dirty="0"/>
-              <a:t>Track RFID</a:t>
-            </a:r>
-          </a:p>
-        </p:txBody>
-      </p:sp>
+            </a:fontRef>
+          </p:style>
+        </p:cxnSp>
+      </p:grpSp>
       <p:cxnSp>
         <p:nvCxnSpPr>
-          <p:cNvPr id="13" name="Connector: Elbow 12">
-            <a:extLst>
-              <a:ext uri="{FF2B5EF4-FFF2-40B4-BE49-F238E27FC236}">
-                <a16:creationId xmlns:a16="http://schemas.microsoft.com/office/drawing/2014/main" id="{0B92A5E3-DCF9-421B-A37B-CE7DAF5E1B28}"/>
+          <p:cNvPr id="26" name="Connector: Elbow 25">
+            <a:extLst>
+              <a:ext uri="{FF2B5EF4-FFF2-40B4-BE49-F238E27FC236}">
+                <a16:creationId xmlns:a16="http://schemas.microsoft.com/office/drawing/2014/main" id="{7D9CCFF4-51C2-486C-B35E-5EE12F8E2A26}"/>
               </a:ext>
             </a:extLst>
           </p:cNvPr>
           <p:cNvCxnSpPr>
             <a:cxnSpLocks/>
-            <a:stCxn id="9" idx="2"/>
-            <a:endCxn id="10" idx="0"/>
+            <a:stCxn id="16" idx="3"/>
+            <a:endCxn id="20" idx="1"/>
           </p:cNvCxnSpPr>
           <p:nvPr/>
         </p:nvCxnSpPr>
         <p:spPr>
-          <a:xfrm rot="5400000">
-            <a:off x="4391131" y="6168010"/>
-            <a:ext cx="2056559" cy="1"/>
+          <a:xfrm>
+            <a:off x="8978199" y="7327122"/>
+            <a:ext cx="5533067" cy="3606"/>
           </a:xfrm>
           <a:prstGeom prst="bentConnector3">
-            <a:avLst/>
+            <a:avLst>
+              <a:gd name="adj1" fmla="val 50000"/>
+            </a:avLst>
           </a:prstGeom>
           <a:ln w="38100">
             <a:solidFill>
@@ -9123,597 +9916,29 @@
       </p:cxnSp>
       <p:cxnSp>
         <p:nvCxnSpPr>
-          <p:cNvPr id="15" name="Connector: Elbow 14">
-            <a:extLst>
-              <a:ext uri="{FF2B5EF4-FFF2-40B4-BE49-F238E27FC236}">
-                <a16:creationId xmlns:a16="http://schemas.microsoft.com/office/drawing/2014/main" id="{06DC6169-4D6F-4545-AC7C-99D6E6567054}"/>
+          <p:cNvPr id="35" name="Connector: Elbow 34">
+            <a:extLst>
+              <a:ext uri="{FF2B5EF4-FFF2-40B4-BE49-F238E27FC236}">
+                <a16:creationId xmlns:a16="http://schemas.microsoft.com/office/drawing/2014/main" id="{745EC5FF-BC6F-4099-B21E-CFE874477915}"/>
               </a:ext>
             </a:extLst>
           </p:cNvPr>
           <p:cNvCxnSpPr>
             <a:cxnSpLocks/>
-            <a:stCxn id="9" idx="2"/>
-            <a:endCxn id="11" idx="0"/>
+            <a:stCxn id="22" idx="1"/>
+            <a:endCxn id="9" idx="3"/>
           </p:cNvCxnSpPr>
           <p:nvPr/>
         </p:nvCxnSpPr>
         <p:spPr>
-          <a:xfrm rot="16200000" flipH="1">
-            <a:off x="6662894" y="3896247"/>
-            <a:ext cx="1306285" cy="3793252"/>
-          </a:xfrm>
-          <a:prstGeom prst="bentConnector3">
-            <a:avLst/>
-          </a:prstGeom>
-          <a:ln w="38100">
-            <a:solidFill>
-              <a:srgbClr val="00B050"/>
-            </a:solidFill>
-            <a:tailEnd type="triangle"/>
-          </a:ln>
-        </p:spPr>
-        <p:style>
-          <a:lnRef idx="1">
-            <a:schemeClr val="accent1"/>
-          </a:lnRef>
-          <a:fillRef idx="0">
-            <a:schemeClr val="accent1"/>
-          </a:fillRef>
-          <a:effectRef idx="0">
-            <a:schemeClr val="accent1"/>
-          </a:effectRef>
-          <a:fontRef idx="minor">
-            <a:schemeClr val="tx1"/>
-          </a:fontRef>
-        </p:style>
-      </p:cxnSp>
-      <p:sp>
-        <p:nvSpPr>
-          <p:cNvPr id="16" name="Flowchart: Decision 15">
-            <a:extLst>
-              <a:ext uri="{FF2B5EF4-FFF2-40B4-BE49-F238E27FC236}">
-                <a16:creationId xmlns:a16="http://schemas.microsoft.com/office/drawing/2014/main" id="{04BE5BF4-C45D-4AF8-BEDB-D5A15F315DF2}"/>
-              </a:ext>
-            </a:extLst>
-          </p:cNvPr>
-          <p:cNvSpPr/>
-          <p:nvPr/>
-        </p:nvSpPr>
-        <p:spPr>
-          <a:xfrm>
-            <a:off x="8167632" y="9085378"/>
-            <a:ext cx="2090057" cy="1436915"/>
-          </a:xfrm>
-          <a:prstGeom prst="flowChartDecision">
-            <a:avLst/>
-          </a:prstGeom>
-        </p:spPr>
-        <p:style>
-          <a:lnRef idx="2">
-            <a:schemeClr val="accent1">
-              <a:shade val="50000"/>
-            </a:schemeClr>
-          </a:lnRef>
-          <a:fillRef idx="1">
-            <a:schemeClr val="accent1"/>
-          </a:fillRef>
-          <a:effectRef idx="0">
-            <a:schemeClr val="accent1"/>
-          </a:effectRef>
-          <a:fontRef idx="minor">
-            <a:schemeClr val="lt1"/>
-          </a:fontRef>
-        </p:style>
-        <p:txBody>
-          <a:bodyPr rtlCol="0" anchor="ctr"/>
-          <a:lstStyle/>
-          <a:p>
-            <a:pPr algn="ctr"/>
-            <a:r>
-              <a:rPr lang="en-US" dirty="0"/>
-              <a:t>Are Animals in same cage?</a:t>
-            </a:r>
-          </a:p>
-        </p:txBody>
-      </p:sp>
-      <p:sp>
-        <p:nvSpPr>
-          <p:cNvPr id="20" name="Flowchart: Process 19">
-            <a:extLst>
-              <a:ext uri="{FF2B5EF4-FFF2-40B4-BE49-F238E27FC236}">
-                <a16:creationId xmlns:a16="http://schemas.microsoft.com/office/drawing/2014/main" id="{5F9162E0-E5E1-4DDF-BEB7-17191FD886FD}"/>
-              </a:ext>
-            </a:extLst>
-          </p:cNvPr>
-          <p:cNvSpPr/>
-          <p:nvPr/>
-        </p:nvSpPr>
-        <p:spPr>
-          <a:xfrm>
-            <a:off x="4374379" y="11111801"/>
-            <a:ext cx="2090057" cy="822293"/>
-          </a:xfrm>
-          <a:prstGeom prst="flowChartProcess">
-            <a:avLst/>
-          </a:prstGeom>
-          <a:ln w="38100">
-            <a:solidFill>
-              <a:schemeClr val="tx1"/>
-            </a:solidFill>
-            <a:prstDash val="dash"/>
-          </a:ln>
-        </p:spPr>
-        <p:style>
-          <a:lnRef idx="2">
-            <a:schemeClr val="accent1">
-              <a:shade val="50000"/>
-            </a:schemeClr>
-          </a:lnRef>
-          <a:fillRef idx="1">
-            <a:schemeClr val="accent1"/>
-          </a:fillRef>
-          <a:effectRef idx="0">
-            <a:schemeClr val="accent1"/>
-          </a:effectRef>
-          <a:fontRef idx="minor">
-            <a:schemeClr val="lt1"/>
-          </a:fontRef>
-        </p:style>
-        <p:txBody>
-          <a:bodyPr rtlCol="0" anchor="ctr"/>
-          <a:lstStyle/>
-          <a:p>
-            <a:pPr algn="ctr"/>
-            <a:r>
-              <a:rPr lang="en-US" dirty="0"/>
-              <a:t>Track RFID</a:t>
-            </a:r>
-          </a:p>
-        </p:txBody>
-      </p:sp>
-      <p:sp>
-        <p:nvSpPr>
-          <p:cNvPr id="21" name="Flowchart: Decision 20">
-            <a:extLst>
-              <a:ext uri="{FF2B5EF4-FFF2-40B4-BE49-F238E27FC236}">
-                <a16:creationId xmlns:a16="http://schemas.microsoft.com/office/drawing/2014/main" id="{6A0BE6D3-8E2A-4D3C-BBAA-16150B5EBF6D}"/>
-              </a:ext>
-            </a:extLst>
-          </p:cNvPr>
-          <p:cNvSpPr/>
-          <p:nvPr/>
-        </p:nvSpPr>
-        <p:spPr>
-          <a:xfrm>
-            <a:off x="11502011" y="9085377"/>
-            <a:ext cx="2090057" cy="1436915"/>
-          </a:xfrm>
-          <a:prstGeom prst="flowChartDecision">
-            <a:avLst/>
-          </a:prstGeom>
-        </p:spPr>
-        <p:style>
-          <a:lnRef idx="2">
-            <a:schemeClr val="accent1">
-              <a:shade val="50000"/>
-            </a:schemeClr>
-          </a:lnRef>
-          <a:fillRef idx="1">
-            <a:schemeClr val="accent1"/>
-          </a:fillRef>
-          <a:effectRef idx="0">
-            <a:schemeClr val="accent1"/>
-          </a:effectRef>
-          <a:fontRef idx="minor">
-            <a:schemeClr val="lt1"/>
-          </a:fontRef>
-        </p:style>
-        <p:txBody>
-          <a:bodyPr rtlCol="0" anchor="ctr"/>
-          <a:lstStyle/>
-          <a:p>
-            <a:pPr algn="ctr"/>
-            <a:r>
-              <a:rPr lang="en-US" dirty="0"/>
-              <a:t>Animal in separate cages?</a:t>
-            </a:r>
-          </a:p>
-        </p:txBody>
-      </p:sp>
-      <p:sp>
-        <p:nvSpPr>
-          <p:cNvPr id="22" name="Flowchart: Process 21">
-            <a:extLst>
-              <a:ext uri="{FF2B5EF4-FFF2-40B4-BE49-F238E27FC236}">
-                <a16:creationId xmlns:a16="http://schemas.microsoft.com/office/drawing/2014/main" id="{8E92A075-2BCB-4812-8189-4AB30E39D2CE}"/>
-              </a:ext>
-            </a:extLst>
-          </p:cNvPr>
-          <p:cNvSpPr/>
-          <p:nvPr/>
-        </p:nvSpPr>
-        <p:spPr>
-          <a:xfrm>
-            <a:off x="11502012" y="10859753"/>
-            <a:ext cx="2090057" cy="822292"/>
-          </a:xfrm>
-          <a:prstGeom prst="flowChartProcess">
-            <a:avLst/>
-          </a:prstGeom>
-          <a:ln w="38100">
-            <a:solidFill>
-              <a:schemeClr val="tx1"/>
-            </a:solidFill>
-            <a:prstDash val="dash"/>
-          </a:ln>
-        </p:spPr>
-        <p:style>
-          <a:lnRef idx="2">
-            <a:schemeClr val="accent1">
-              <a:shade val="50000"/>
-            </a:schemeClr>
-          </a:lnRef>
-          <a:fillRef idx="1">
-            <a:schemeClr val="accent1"/>
-          </a:fillRef>
-          <a:effectRef idx="0">
-            <a:schemeClr val="accent1"/>
-          </a:effectRef>
-          <a:fontRef idx="minor">
-            <a:schemeClr val="lt1"/>
-          </a:fontRef>
-        </p:style>
-        <p:txBody>
-          <a:bodyPr rtlCol="0" anchor="ctr"/>
-          <a:lstStyle/>
-          <a:p>
-            <a:pPr algn="ctr"/>
-            <a:r>
-              <a:rPr lang="en-US" dirty="0"/>
-              <a:t>Door Closes</a:t>
-            </a:r>
-          </a:p>
-        </p:txBody>
-      </p:sp>
-      <p:cxnSp>
-        <p:nvCxnSpPr>
-          <p:cNvPr id="24" name="Connector: Elbow 23">
-            <a:extLst>
-              <a:ext uri="{FF2B5EF4-FFF2-40B4-BE49-F238E27FC236}">
-                <a16:creationId xmlns:a16="http://schemas.microsoft.com/office/drawing/2014/main" id="{698FA212-F950-4EF4-9C9D-8019B5F7FE4A}"/>
-              </a:ext>
-            </a:extLst>
-          </p:cNvPr>
-          <p:cNvCxnSpPr>
-            <a:stCxn id="11" idx="2"/>
-            <a:endCxn id="16" idx="0"/>
-          </p:cNvCxnSpPr>
-          <p:nvPr/>
-        </p:nvCxnSpPr>
-        <p:spPr>
-          <a:xfrm rot="5400000">
-            <a:off x="8304128" y="8176843"/>
-            <a:ext cx="1817069" cy="1"/>
-          </a:xfrm>
-          <a:prstGeom prst="bentConnector3">
-            <a:avLst/>
-          </a:prstGeom>
-          <a:ln w="38100">
-            <a:tailEnd type="triangle"/>
-          </a:ln>
-        </p:spPr>
-        <p:style>
-          <a:lnRef idx="1">
-            <a:schemeClr val="accent1"/>
-          </a:lnRef>
-          <a:fillRef idx="0">
-            <a:schemeClr val="accent1"/>
-          </a:fillRef>
-          <a:effectRef idx="0">
-            <a:schemeClr val="accent1"/>
-          </a:effectRef>
-          <a:fontRef idx="minor">
-            <a:schemeClr val="tx1"/>
-          </a:fontRef>
-        </p:style>
-      </p:cxnSp>
-      <p:cxnSp>
-        <p:nvCxnSpPr>
-          <p:cNvPr id="26" name="Connector: Elbow 25">
-            <a:extLst>
-              <a:ext uri="{FF2B5EF4-FFF2-40B4-BE49-F238E27FC236}">
-                <a16:creationId xmlns:a16="http://schemas.microsoft.com/office/drawing/2014/main" id="{7D9CCFF4-51C2-486C-B35E-5EE12F8E2A26}"/>
-              </a:ext>
-            </a:extLst>
-          </p:cNvPr>
-          <p:cNvCxnSpPr>
-            <a:stCxn id="16" idx="1"/>
-            <a:endCxn id="20" idx="0"/>
-          </p:cNvCxnSpPr>
-          <p:nvPr/>
-        </p:nvCxnSpPr>
-        <p:spPr>
-          <a:xfrm rot="10800000" flipV="1">
-            <a:off x="5419408" y="9803835"/>
-            <a:ext cx="2748224" cy="1307965"/>
-          </a:xfrm>
-          <a:prstGeom prst="bentConnector2">
-            <a:avLst/>
-          </a:prstGeom>
-          <a:ln w="38100">
-            <a:solidFill>
-              <a:srgbClr val="00B050"/>
-            </a:solidFill>
-            <a:tailEnd type="triangle"/>
-          </a:ln>
-        </p:spPr>
-        <p:style>
-          <a:lnRef idx="1">
-            <a:schemeClr val="accent1"/>
-          </a:lnRef>
-          <a:fillRef idx="0">
-            <a:schemeClr val="accent1"/>
-          </a:fillRef>
-          <a:effectRef idx="0">
-            <a:schemeClr val="accent1"/>
-          </a:effectRef>
-          <a:fontRef idx="minor">
-            <a:schemeClr val="tx1"/>
-          </a:fontRef>
-        </p:style>
-      </p:cxnSp>
-      <p:cxnSp>
-        <p:nvCxnSpPr>
-          <p:cNvPr id="28" name="Connector: Elbow 27">
-            <a:extLst>
-              <a:ext uri="{FF2B5EF4-FFF2-40B4-BE49-F238E27FC236}">
-                <a16:creationId xmlns:a16="http://schemas.microsoft.com/office/drawing/2014/main" id="{4A401566-2422-4E19-AA69-3B385D4494F3}"/>
-              </a:ext>
-            </a:extLst>
-          </p:cNvPr>
-          <p:cNvCxnSpPr>
-            <a:stCxn id="16" idx="3"/>
-            <a:endCxn id="21" idx="1"/>
-          </p:cNvCxnSpPr>
-          <p:nvPr/>
-        </p:nvCxnSpPr>
-        <p:spPr>
-          <a:xfrm flipV="1">
-            <a:off x="10257689" y="9803835"/>
-            <a:ext cx="1244322" cy="1"/>
-          </a:xfrm>
-          <a:prstGeom prst="bentConnector3">
-            <a:avLst/>
-          </a:prstGeom>
-          <a:ln w="38100">
-            <a:solidFill>
-              <a:srgbClr val="FF0000"/>
-            </a:solidFill>
-            <a:tailEnd type="triangle"/>
-          </a:ln>
-        </p:spPr>
-        <p:style>
-          <a:lnRef idx="1">
-            <a:schemeClr val="accent1"/>
-          </a:lnRef>
-          <a:fillRef idx="0">
-            <a:schemeClr val="accent1"/>
-          </a:fillRef>
-          <a:effectRef idx="0">
-            <a:schemeClr val="accent1"/>
-          </a:effectRef>
-          <a:fontRef idx="minor">
-            <a:schemeClr val="tx1"/>
-          </a:fontRef>
-        </p:style>
-      </p:cxnSp>
-      <p:cxnSp>
-        <p:nvCxnSpPr>
-          <p:cNvPr id="30" name="Connector: Elbow 29">
-            <a:extLst>
-              <a:ext uri="{FF2B5EF4-FFF2-40B4-BE49-F238E27FC236}">
-                <a16:creationId xmlns:a16="http://schemas.microsoft.com/office/drawing/2014/main" id="{99FFD5E2-886A-4A60-8DC5-FFB27D8995CA}"/>
-              </a:ext>
-            </a:extLst>
-          </p:cNvPr>
-          <p:cNvCxnSpPr>
-            <a:stCxn id="21" idx="2"/>
-            <a:endCxn id="22" idx="0"/>
-          </p:cNvCxnSpPr>
-          <p:nvPr/>
-        </p:nvCxnSpPr>
-        <p:spPr>
-          <a:xfrm rot="16200000" flipH="1">
-            <a:off x="12378310" y="10691021"/>
-            <a:ext cx="337461" cy="1"/>
-          </a:xfrm>
-          <a:prstGeom prst="bentConnector3">
-            <a:avLst/>
-          </a:prstGeom>
-          <a:ln w="38100">
-            <a:solidFill>
-              <a:srgbClr val="00B050"/>
-            </a:solidFill>
-            <a:tailEnd type="triangle"/>
-          </a:ln>
-        </p:spPr>
-        <p:style>
-          <a:lnRef idx="1">
-            <a:schemeClr val="accent1"/>
-          </a:lnRef>
-          <a:fillRef idx="0">
-            <a:schemeClr val="accent1"/>
-          </a:fillRef>
-          <a:effectRef idx="0">
-            <a:schemeClr val="accent1"/>
-          </a:effectRef>
-          <a:fontRef idx="minor">
-            <a:schemeClr val="tx1"/>
-          </a:fontRef>
-        </p:style>
-      </p:cxnSp>
-      <p:cxnSp>
-        <p:nvCxnSpPr>
-          <p:cNvPr id="32" name="Connector: Elbow 31">
-            <a:extLst>
-              <a:ext uri="{FF2B5EF4-FFF2-40B4-BE49-F238E27FC236}">
-                <a16:creationId xmlns:a16="http://schemas.microsoft.com/office/drawing/2014/main" id="{950E9C9D-7573-4534-9BF9-FEA0E9FB4DC9}"/>
-              </a:ext>
-            </a:extLst>
-          </p:cNvPr>
-          <p:cNvCxnSpPr>
-            <a:stCxn id="21" idx="3"/>
-            <a:endCxn id="11" idx="3"/>
-          </p:cNvCxnSpPr>
-          <p:nvPr/>
-        </p:nvCxnSpPr>
-        <p:spPr>
-          <a:xfrm flipH="1" flipV="1">
-            <a:off x="10257690" y="6857163"/>
-            <a:ext cx="3334378" cy="2946672"/>
+          <a:xfrm rot="10800000">
+            <a:off x="4530134" y="5920698"/>
+            <a:ext cx="2201615" cy="5587611"/>
           </a:xfrm>
           <a:prstGeom prst="bentConnector3">
             <a:avLst>
-              <a:gd name="adj1" fmla="val -6856"/>
+              <a:gd name="adj1" fmla="val 50000"/>
             </a:avLst>
-          </a:prstGeom>
-          <a:ln w="38100">
-            <a:solidFill>
-              <a:srgbClr val="FF0000"/>
-            </a:solidFill>
-            <a:tailEnd type="triangle"/>
-          </a:ln>
-        </p:spPr>
-        <p:style>
-          <a:lnRef idx="1">
-            <a:schemeClr val="accent1"/>
-          </a:lnRef>
-          <a:fillRef idx="0">
-            <a:schemeClr val="accent1"/>
-          </a:fillRef>
-          <a:effectRef idx="0">
-            <a:schemeClr val="accent1"/>
-          </a:effectRef>
-          <a:fontRef idx="minor">
-            <a:schemeClr val="tx1"/>
-          </a:fontRef>
-        </p:style>
-      </p:cxnSp>
-      <p:cxnSp>
-        <p:nvCxnSpPr>
-          <p:cNvPr id="35" name="Connector: Elbow 34">
-            <a:extLst>
-              <a:ext uri="{FF2B5EF4-FFF2-40B4-BE49-F238E27FC236}">
-                <a16:creationId xmlns:a16="http://schemas.microsoft.com/office/drawing/2014/main" id="{745EC5FF-BC6F-4099-B21E-CFE874477915}"/>
-              </a:ext>
-            </a:extLst>
-          </p:cNvPr>
-          <p:cNvCxnSpPr>
-            <a:stCxn id="22" idx="3"/>
-            <a:endCxn id="9" idx="3"/>
-          </p:cNvCxnSpPr>
-          <p:nvPr/>
-        </p:nvCxnSpPr>
-        <p:spPr>
-          <a:xfrm flipH="1" flipV="1">
-            <a:off x="6464438" y="4421274"/>
-            <a:ext cx="7127631" cy="6849625"/>
-          </a:xfrm>
-          <a:prstGeom prst="bentConnector3">
-            <a:avLst>
-              <a:gd name="adj1" fmla="val -20641"/>
-            </a:avLst>
-          </a:prstGeom>
-          <a:ln w="38100">
-            <a:tailEnd type="triangle"/>
-          </a:ln>
-        </p:spPr>
-        <p:style>
-          <a:lnRef idx="1">
-            <a:schemeClr val="accent1"/>
-          </a:lnRef>
-          <a:fillRef idx="0">
-            <a:schemeClr val="accent1"/>
-          </a:fillRef>
-          <a:effectRef idx="0">
-            <a:schemeClr val="accent1"/>
-          </a:effectRef>
-          <a:fontRef idx="minor">
-            <a:schemeClr val="tx1"/>
-          </a:fontRef>
-        </p:style>
-      </p:cxnSp>
-      <p:sp>
-        <p:nvSpPr>
-          <p:cNvPr id="58" name="Flowchart: Process 57">
-            <a:extLst>
-              <a:ext uri="{FF2B5EF4-FFF2-40B4-BE49-F238E27FC236}">
-                <a16:creationId xmlns:a16="http://schemas.microsoft.com/office/drawing/2014/main" id="{779BAA04-77AB-4CED-AE2A-B84AD6A5E123}"/>
-              </a:ext>
-            </a:extLst>
-          </p:cNvPr>
-          <p:cNvSpPr/>
-          <p:nvPr/>
-        </p:nvSpPr>
-        <p:spPr>
-          <a:xfrm>
-            <a:off x="4374378" y="12835094"/>
-            <a:ext cx="2090057" cy="1436915"/>
-          </a:xfrm>
-          <a:prstGeom prst="flowChartProcess">
-            <a:avLst/>
-          </a:prstGeom>
-        </p:spPr>
-        <p:style>
-          <a:lnRef idx="2">
-            <a:schemeClr val="accent1">
-              <a:shade val="50000"/>
-            </a:schemeClr>
-          </a:lnRef>
-          <a:fillRef idx="1">
-            <a:schemeClr val="accent1"/>
-          </a:fillRef>
-          <a:effectRef idx="0">
-            <a:schemeClr val="accent1"/>
-          </a:effectRef>
-          <a:fontRef idx="minor">
-            <a:schemeClr val="lt1"/>
-          </a:fontRef>
-        </p:style>
-        <p:txBody>
-          <a:bodyPr rtlCol="0" anchor="ctr"/>
-          <a:lstStyle/>
-          <a:p>
-            <a:pPr algn="ctr"/>
-            <a:r>
-              <a:rPr lang="en-US" dirty="0"/>
-              <a:t>Ping when animals get separated</a:t>
-            </a:r>
-          </a:p>
-        </p:txBody>
-      </p:sp>
-      <p:cxnSp>
-        <p:nvCxnSpPr>
-          <p:cNvPr id="60" name="Connector: Elbow 59">
-            <a:extLst>
-              <a:ext uri="{FF2B5EF4-FFF2-40B4-BE49-F238E27FC236}">
-                <a16:creationId xmlns:a16="http://schemas.microsoft.com/office/drawing/2014/main" id="{3A3F706E-233D-417C-8382-C5CF5307916C}"/>
-              </a:ext>
-            </a:extLst>
-          </p:cNvPr>
-          <p:cNvCxnSpPr>
-            <a:stCxn id="20" idx="2"/>
-            <a:endCxn id="58" idx="0"/>
-          </p:cNvCxnSpPr>
-          <p:nvPr/>
-        </p:nvCxnSpPr>
-        <p:spPr>
-          <a:xfrm rot="5400000">
-            <a:off x="4968908" y="12384594"/>
-            <a:ext cx="901000" cy="1"/>
-          </a:xfrm>
-          <a:prstGeom prst="bentConnector3">
-            <a:avLst/>
           </a:prstGeom>
           <a:ln w="38100">
             <a:tailEnd type="triangle"/>
@@ -9745,17 +9970,19 @@
           </p:cNvPr>
           <p:cNvCxnSpPr>
             <a:cxnSpLocks/>
+            <a:stCxn id="58" idx="3"/>
+            <a:endCxn id="11" idx="3"/>
           </p:cNvCxnSpPr>
           <p:nvPr/>
         </p:nvCxnSpPr>
         <p:spPr>
-          <a:xfrm flipV="1">
-            <a:off x="6511327" y="6843341"/>
-            <a:ext cx="7313535" cy="6696390"/>
+          <a:xfrm flipH="1" flipV="1">
+            <a:off x="8821806" y="5205136"/>
+            <a:ext cx="7779516" cy="4509080"/>
           </a:xfrm>
           <a:prstGeom prst="bentConnector3">
             <a:avLst>
-              <a:gd name="adj1" fmla="val 156114"/>
+              <a:gd name="adj1" fmla="val -20814"/>
             </a:avLst>
           </a:prstGeom>
           <a:ln w="38100">
@@ -9777,12 +10004,339 @@
           </a:fontRef>
         </p:style>
       </p:cxnSp>
-      <p:sp>
-        <p:nvSpPr>
-          <p:cNvPr id="70" name="Flowchart: Off-page Connector 69">
-            <a:extLst>
-              <a:ext uri="{FF2B5EF4-FFF2-40B4-BE49-F238E27FC236}">
-                <a16:creationId xmlns:a16="http://schemas.microsoft.com/office/drawing/2014/main" id="{5C20F089-6562-4579-A619-DF0D2A02B0B0}"/>
+      <p:grpSp>
+        <p:nvGrpSpPr>
+          <p:cNvPr id="7" name="Group 6">
+            <a:extLst>
+              <a:ext uri="{FF2B5EF4-FFF2-40B4-BE49-F238E27FC236}">
+                <a16:creationId xmlns:a16="http://schemas.microsoft.com/office/drawing/2014/main" id="{DF2385DB-EF5A-453C-BD59-4363096FDAF7}"/>
+              </a:ext>
+            </a:extLst>
+          </p:cNvPr>
+          <p:cNvGrpSpPr/>
+          <p:nvPr/>
+        </p:nvGrpSpPr>
+        <p:grpSpPr>
+          <a:xfrm>
+            <a:off x="1730168" y="4240380"/>
+            <a:ext cx="3054674" cy="8244281"/>
+            <a:chOff x="3868615" y="3212123"/>
+            <a:chExt cx="3054674" cy="6462764"/>
+          </a:xfrm>
+        </p:grpSpPr>
+        <p:sp>
+          <p:nvSpPr>
+            <p:cNvPr id="90" name="Rectangle: Rounded Corners 89">
+              <a:extLst>
+                <a:ext uri="{FF2B5EF4-FFF2-40B4-BE49-F238E27FC236}">
+                  <a16:creationId xmlns:a16="http://schemas.microsoft.com/office/drawing/2014/main" id="{F77F15A3-EF3C-4B5B-B350-A5A0FAF4B4CA}"/>
+                </a:ext>
+              </a:extLst>
+            </p:cNvPr>
+            <p:cNvSpPr/>
+            <p:nvPr/>
+          </p:nvSpPr>
+          <p:spPr>
+            <a:xfrm>
+              <a:off x="3868615" y="3212123"/>
+              <a:ext cx="3054674" cy="6462764"/>
+            </a:xfrm>
+            <a:prstGeom prst="roundRect">
+              <a:avLst/>
+            </a:prstGeom>
+            <a:solidFill>
+              <a:schemeClr val="accent1">
+                <a:alpha val="40000"/>
+              </a:schemeClr>
+            </a:solidFill>
+            <a:ln>
+              <a:solidFill>
+                <a:schemeClr val="tx1"/>
+              </a:solidFill>
+            </a:ln>
+          </p:spPr>
+          <p:style>
+            <a:lnRef idx="2">
+              <a:schemeClr val="accent1">
+                <a:shade val="50000"/>
+              </a:schemeClr>
+            </a:lnRef>
+            <a:fillRef idx="1">
+              <a:schemeClr val="accent1"/>
+            </a:fillRef>
+            <a:effectRef idx="0">
+              <a:schemeClr val="accent1"/>
+            </a:effectRef>
+            <a:fontRef idx="minor">
+              <a:schemeClr val="lt1"/>
+            </a:fontRef>
+          </p:style>
+          <p:txBody>
+            <a:bodyPr rtlCol="0" anchor="ctr"/>
+            <a:lstStyle/>
+            <a:p>
+              <a:pPr algn="ctr"/>
+              <a:endParaRPr lang="en-US"/>
+            </a:p>
+          </p:txBody>
+        </p:sp>
+        <p:sp>
+          <p:nvSpPr>
+            <p:cNvPr id="9" name="Flowchart: Decision 8">
+              <a:extLst>
+                <a:ext uri="{FF2B5EF4-FFF2-40B4-BE49-F238E27FC236}">
+                  <a16:creationId xmlns:a16="http://schemas.microsoft.com/office/drawing/2014/main" id="{55AAAD1B-29EB-4958-913E-02E144DFFC19}"/>
+                </a:ext>
+              </a:extLst>
+            </p:cNvPr>
+            <p:cNvSpPr/>
+            <p:nvPr/>
+          </p:nvSpPr>
+          <p:spPr>
+            <a:xfrm>
+              <a:off x="4176797" y="3576942"/>
+              <a:ext cx="2491783" cy="1904791"/>
+            </a:xfrm>
+            <a:prstGeom prst="flowChartDecision">
+              <a:avLst/>
+            </a:prstGeom>
+          </p:spPr>
+          <p:style>
+            <a:lnRef idx="2">
+              <a:schemeClr val="accent1">
+                <a:shade val="50000"/>
+              </a:schemeClr>
+            </a:lnRef>
+            <a:fillRef idx="1">
+              <a:schemeClr val="accent1"/>
+            </a:fillRef>
+            <a:effectRef idx="0">
+              <a:schemeClr val="accent1"/>
+            </a:effectRef>
+            <a:fontRef idx="minor">
+              <a:schemeClr val="lt1"/>
+            </a:fontRef>
+          </p:style>
+          <p:txBody>
+            <a:bodyPr rtlCol="0" anchor="ctr"/>
+            <a:lstStyle/>
+            <a:p>
+              <a:pPr algn="ctr"/>
+              <a:r>
+                <a:rPr lang="en-US" sz="2400" dirty="0"/>
+                <a:t>Is there a lever press?</a:t>
+              </a:r>
+            </a:p>
+          </p:txBody>
+        </p:sp>
+        <p:sp>
+          <p:nvSpPr>
+            <p:cNvPr id="10" name="Flowchart: Process 9">
+              <a:extLst>
+                <a:ext uri="{FF2B5EF4-FFF2-40B4-BE49-F238E27FC236}">
+                  <a16:creationId xmlns:a16="http://schemas.microsoft.com/office/drawing/2014/main" id="{22671C7B-35EB-4382-9BA2-1F674C0F054B}"/>
+                </a:ext>
+              </a:extLst>
+            </p:cNvPr>
+            <p:cNvSpPr/>
+            <p:nvPr/>
+          </p:nvSpPr>
+          <p:spPr>
+            <a:xfrm>
+              <a:off x="4374380" y="6302345"/>
+              <a:ext cx="2090057" cy="822292"/>
+            </a:xfrm>
+            <a:prstGeom prst="flowChartProcess">
+              <a:avLst/>
+            </a:prstGeom>
+            <a:ln w="38100">
+              <a:solidFill>
+                <a:schemeClr val="tx1"/>
+              </a:solidFill>
+              <a:prstDash val="dash"/>
+            </a:ln>
+          </p:spPr>
+          <p:style>
+            <a:lnRef idx="2">
+              <a:schemeClr val="accent1">
+                <a:shade val="50000"/>
+              </a:schemeClr>
+            </a:lnRef>
+            <a:fillRef idx="1">
+              <a:schemeClr val="accent1"/>
+            </a:fillRef>
+            <a:effectRef idx="0">
+              <a:schemeClr val="accent1"/>
+            </a:effectRef>
+            <a:fontRef idx="minor">
+              <a:schemeClr val="lt1"/>
+            </a:fontRef>
+          </p:style>
+          <p:txBody>
+            <a:bodyPr rtlCol="0" anchor="ctr"/>
+            <a:lstStyle/>
+            <a:p>
+              <a:pPr algn="ctr"/>
+              <a:r>
+                <a:rPr lang="en-US" sz="2400" dirty="0"/>
+                <a:t>Door Opens</a:t>
+              </a:r>
+            </a:p>
+          </p:txBody>
+        </p:sp>
+        <p:cxnSp>
+          <p:nvCxnSpPr>
+            <p:cNvPr id="13" name="Connector: Elbow 12">
+              <a:extLst>
+                <a:ext uri="{FF2B5EF4-FFF2-40B4-BE49-F238E27FC236}">
+                  <a16:creationId xmlns:a16="http://schemas.microsoft.com/office/drawing/2014/main" id="{0B92A5E3-DCF9-421B-A37B-CE7DAF5E1B28}"/>
+                </a:ext>
+              </a:extLst>
+            </p:cNvPr>
+            <p:cNvCxnSpPr>
+              <a:cxnSpLocks/>
+              <a:stCxn id="9" idx="2"/>
+              <a:endCxn id="10" idx="0"/>
+            </p:cNvCxnSpPr>
+            <p:nvPr/>
+          </p:nvCxnSpPr>
+          <p:spPr>
+            <a:xfrm rot="5400000">
+              <a:off x="5010744" y="5890398"/>
+              <a:ext cx="820612" cy="3280"/>
+            </a:xfrm>
+            <a:prstGeom prst="bentConnector3">
+              <a:avLst/>
+            </a:prstGeom>
+            <a:ln w="38100">
+              <a:solidFill>
+                <a:srgbClr val="00B050"/>
+              </a:solidFill>
+              <a:tailEnd type="triangle"/>
+            </a:ln>
+          </p:spPr>
+          <p:style>
+            <a:lnRef idx="1">
+              <a:schemeClr val="accent1"/>
+            </a:lnRef>
+            <a:fillRef idx="0">
+              <a:schemeClr val="accent1"/>
+            </a:fillRef>
+            <a:effectRef idx="0">
+              <a:schemeClr val="accent1"/>
+            </a:effectRef>
+            <a:fontRef idx="minor">
+              <a:schemeClr val="tx1"/>
+            </a:fontRef>
+          </p:style>
+        </p:cxnSp>
+        <p:sp>
+          <p:nvSpPr>
+            <p:cNvPr id="70" name="Flowchart: Off-page Connector 69">
+              <a:extLst>
+                <a:ext uri="{FF2B5EF4-FFF2-40B4-BE49-F238E27FC236}">
+                  <a16:creationId xmlns:a16="http://schemas.microsoft.com/office/drawing/2014/main" id="{5C20F089-6562-4579-A619-DF0D2A02B0B0}"/>
+                </a:ext>
+              </a:extLst>
+            </p:cNvPr>
+            <p:cNvSpPr/>
+            <p:nvPr/>
+          </p:nvSpPr>
+          <p:spPr>
+            <a:xfrm>
+              <a:off x="4374376" y="8536071"/>
+              <a:ext cx="2090057" cy="820613"/>
+            </a:xfrm>
+            <a:prstGeom prst="flowChartOffpageConnector">
+              <a:avLst/>
+            </a:prstGeom>
+            <a:solidFill>
+              <a:schemeClr val="accent2">
+                <a:lumMod val="75000"/>
+              </a:schemeClr>
+            </a:solidFill>
+          </p:spPr>
+          <p:style>
+            <a:lnRef idx="2">
+              <a:schemeClr val="accent1">
+                <a:shade val="50000"/>
+              </a:schemeClr>
+            </a:lnRef>
+            <a:fillRef idx="1">
+              <a:schemeClr val="accent1"/>
+            </a:fillRef>
+            <a:effectRef idx="0">
+              <a:schemeClr val="accent1"/>
+            </a:effectRef>
+            <a:fontRef idx="minor">
+              <a:schemeClr val="lt1"/>
+            </a:fontRef>
+          </p:style>
+          <p:txBody>
+            <a:bodyPr rtlCol="0" anchor="ctr"/>
+            <a:lstStyle/>
+            <a:p>
+              <a:pPr algn="ctr"/>
+              <a:r>
+                <a:rPr lang="en-US" sz="2400" dirty="0"/>
+                <a:t>Update Door Queue</a:t>
+              </a:r>
+            </a:p>
+          </p:txBody>
+        </p:sp>
+        <p:cxnSp>
+          <p:nvCxnSpPr>
+            <p:cNvPr id="72" name="Connector: Elbow 71">
+              <a:extLst>
+                <a:ext uri="{FF2B5EF4-FFF2-40B4-BE49-F238E27FC236}">
+                  <a16:creationId xmlns:a16="http://schemas.microsoft.com/office/drawing/2014/main" id="{76D756E2-0DD9-411E-AF07-364A988D54E9}"/>
+                </a:ext>
+              </a:extLst>
+            </p:cNvPr>
+            <p:cNvCxnSpPr>
+              <a:stCxn id="10" idx="2"/>
+              <a:endCxn id="70" idx="0"/>
+            </p:cNvCxnSpPr>
+            <p:nvPr/>
+          </p:nvCxnSpPr>
+          <p:spPr>
+            <a:xfrm rot="5400000">
+              <a:off x="4713690" y="7830352"/>
+              <a:ext cx="1411435" cy="4"/>
+            </a:xfrm>
+            <a:prstGeom prst="bentConnector3">
+              <a:avLst/>
+            </a:prstGeom>
+            <a:ln w="57150">
+              <a:solidFill>
+                <a:schemeClr val="tx1"/>
+              </a:solidFill>
+              <a:prstDash val="sysDot"/>
+              <a:tailEnd type="triangle"/>
+            </a:ln>
+          </p:spPr>
+          <p:style>
+            <a:lnRef idx="1">
+              <a:schemeClr val="accent1"/>
+            </a:lnRef>
+            <a:fillRef idx="0">
+              <a:schemeClr val="accent1"/>
+            </a:fillRef>
+            <a:effectRef idx="0">
+              <a:schemeClr val="accent1"/>
+            </a:effectRef>
+            <a:fontRef idx="minor">
+              <a:schemeClr val="tx1"/>
+            </a:fontRef>
+          </p:style>
+        </p:cxnSp>
+      </p:grpSp>
+      <p:sp>
+        <p:nvSpPr>
+          <p:cNvPr id="79" name="Flowchart: Off-page Connector 78">
+            <a:extLst>
+              <a:ext uri="{FF2B5EF4-FFF2-40B4-BE49-F238E27FC236}">
+                <a16:creationId xmlns:a16="http://schemas.microsoft.com/office/drawing/2014/main" id="{5EC41B66-F2E3-4DEF-AA96-CF41F5097C99}"/>
               </a:ext>
             </a:extLst>
           </p:cNvPr>
@@ -9791,8 +10345,8 @@
         </p:nvSpPr>
         <p:spPr>
           <a:xfrm>
-            <a:off x="4374376" y="8536071"/>
-            <a:ext cx="2090057" cy="820613"/>
+            <a:off x="6731748" y="2483276"/>
+            <a:ext cx="2090057" cy="1047324"/>
           </a:xfrm>
           <a:prstGeom prst="flowChartOffpageConnector">
             <a:avLst/>
@@ -9825,304 +10379,12 @@
           <a:p>
             <a:pPr algn="ctr"/>
             <a:r>
-              <a:rPr lang="en-US" dirty="0"/>
-              <a:t>Update Door Queue</a:t>
-            </a:r>
-          </a:p>
-        </p:txBody>
-      </p:sp>
-      <p:cxnSp>
-        <p:nvCxnSpPr>
-          <p:cNvPr id="72" name="Connector: Elbow 71">
-            <a:extLst>
-              <a:ext uri="{FF2B5EF4-FFF2-40B4-BE49-F238E27FC236}">
-                <a16:creationId xmlns:a16="http://schemas.microsoft.com/office/drawing/2014/main" id="{76D756E2-0DD9-411E-AF07-364A988D54E9}"/>
-              </a:ext>
-            </a:extLst>
-          </p:cNvPr>
-          <p:cNvCxnSpPr>
-            <a:stCxn id="10" idx="2"/>
-            <a:endCxn id="70" idx="0"/>
-          </p:cNvCxnSpPr>
-          <p:nvPr/>
-        </p:nvCxnSpPr>
-        <p:spPr>
-          <a:xfrm rot="5400000">
-            <a:off x="5160663" y="8277324"/>
-            <a:ext cx="517489" cy="4"/>
-          </a:xfrm>
-          <a:prstGeom prst="bentConnector3">
-            <a:avLst/>
-          </a:prstGeom>
-          <a:ln w="57150">
-            <a:solidFill>
-              <a:schemeClr val="tx1"/>
-            </a:solidFill>
-            <a:prstDash val="sysDot"/>
-            <a:tailEnd type="triangle"/>
-          </a:ln>
-        </p:spPr>
-        <p:style>
-          <a:lnRef idx="1">
-            <a:schemeClr val="accent1"/>
-          </a:lnRef>
-          <a:fillRef idx="0">
-            <a:schemeClr val="accent1"/>
-          </a:fillRef>
-          <a:effectRef idx="0">
-            <a:schemeClr val="accent1"/>
-          </a:effectRef>
-          <a:fontRef idx="minor">
-            <a:schemeClr val="tx1"/>
-          </a:fontRef>
-        </p:style>
-      </p:cxnSp>
-      <p:sp>
-        <p:nvSpPr>
-          <p:cNvPr id="75" name="Flowchart: Off-page Connector 74">
-            <a:extLst>
-              <a:ext uri="{FF2B5EF4-FFF2-40B4-BE49-F238E27FC236}">
-                <a16:creationId xmlns:a16="http://schemas.microsoft.com/office/drawing/2014/main" id="{0CD5C67A-463D-44D4-8CBB-483D5C1802A3}"/>
-              </a:ext>
-            </a:extLst>
-          </p:cNvPr>
-          <p:cNvSpPr/>
-          <p:nvPr/>
-        </p:nvSpPr>
-        <p:spPr>
-          <a:xfrm>
-            <a:off x="11502011" y="12217119"/>
-            <a:ext cx="2090057" cy="820613"/>
-          </a:xfrm>
-          <a:prstGeom prst="flowChartOffpageConnector">
-            <a:avLst/>
-          </a:prstGeom>
-          <a:solidFill>
-            <a:schemeClr val="accent2">
-              <a:lumMod val="75000"/>
-            </a:schemeClr>
-          </a:solidFill>
-        </p:spPr>
-        <p:style>
-          <a:lnRef idx="2">
-            <a:schemeClr val="accent1">
-              <a:shade val="50000"/>
-            </a:schemeClr>
-          </a:lnRef>
-          <a:fillRef idx="1">
-            <a:schemeClr val="accent1"/>
-          </a:fillRef>
-          <a:effectRef idx="0">
-            <a:schemeClr val="accent1"/>
-          </a:effectRef>
-          <a:fontRef idx="minor">
-            <a:schemeClr val="lt1"/>
-          </a:fontRef>
-        </p:style>
-        <p:txBody>
-          <a:bodyPr rtlCol="0" anchor="ctr"/>
-          <a:lstStyle/>
-          <a:p>
-            <a:pPr algn="ctr"/>
-            <a:r>
-              <a:rPr lang="en-US" dirty="0"/>
-              <a:t>Update Door Queue</a:t>
-            </a:r>
-          </a:p>
-        </p:txBody>
-      </p:sp>
-      <p:cxnSp>
-        <p:nvCxnSpPr>
-          <p:cNvPr id="77" name="Connector: Elbow 76">
-            <a:extLst>
-              <a:ext uri="{FF2B5EF4-FFF2-40B4-BE49-F238E27FC236}">
-                <a16:creationId xmlns:a16="http://schemas.microsoft.com/office/drawing/2014/main" id="{76AC5919-165B-4166-9993-AC0A5191AC7E}"/>
-              </a:ext>
-            </a:extLst>
-          </p:cNvPr>
-          <p:cNvCxnSpPr>
-            <a:stCxn id="22" idx="2"/>
-            <a:endCxn id="75" idx="0"/>
-          </p:cNvCxnSpPr>
-          <p:nvPr/>
-        </p:nvCxnSpPr>
-        <p:spPr>
-          <a:xfrm rot="5400000">
-            <a:off x="12279504" y="11949582"/>
-            <a:ext cx="535074" cy="1"/>
-          </a:xfrm>
-          <a:prstGeom prst="bentConnector3">
-            <a:avLst/>
-          </a:prstGeom>
-          <a:ln w="38100">
-            <a:solidFill>
-              <a:schemeClr val="tx1"/>
-            </a:solidFill>
-            <a:prstDash val="sysDot"/>
-            <a:tailEnd type="triangle"/>
-          </a:ln>
-        </p:spPr>
-        <p:style>
-          <a:lnRef idx="1">
-            <a:schemeClr val="accent1"/>
-          </a:lnRef>
-          <a:fillRef idx="0">
-            <a:schemeClr val="accent1"/>
-          </a:fillRef>
-          <a:effectRef idx="0">
-            <a:schemeClr val="accent1"/>
-          </a:effectRef>
-          <a:fontRef idx="minor">
-            <a:schemeClr val="tx1"/>
-          </a:fontRef>
-        </p:style>
-      </p:cxnSp>
-      <p:sp>
-        <p:nvSpPr>
-          <p:cNvPr id="79" name="Flowchart: Off-page Connector 78">
-            <a:extLst>
-              <a:ext uri="{FF2B5EF4-FFF2-40B4-BE49-F238E27FC236}">
-                <a16:creationId xmlns:a16="http://schemas.microsoft.com/office/drawing/2014/main" id="{5EC41B66-F2E3-4DEF-AA96-CF41F5097C99}"/>
-              </a:ext>
-            </a:extLst>
-          </p:cNvPr>
-          <p:cNvSpPr/>
-          <p:nvPr/>
-        </p:nvSpPr>
-        <p:spPr>
-          <a:xfrm>
-            <a:off x="993103" y="4010966"/>
-            <a:ext cx="2090057" cy="820613"/>
-          </a:xfrm>
-          <a:prstGeom prst="flowChartOffpageConnector">
-            <a:avLst/>
-          </a:prstGeom>
-          <a:solidFill>
-            <a:schemeClr val="accent2">
-              <a:lumMod val="75000"/>
-            </a:schemeClr>
-          </a:solidFill>
-        </p:spPr>
-        <p:style>
-          <a:lnRef idx="2">
-            <a:schemeClr val="accent1">
-              <a:shade val="50000"/>
-            </a:schemeClr>
-          </a:lnRef>
-          <a:fillRef idx="1">
-            <a:schemeClr val="accent1"/>
-          </a:fillRef>
-          <a:effectRef idx="0">
-            <a:schemeClr val="accent1"/>
-          </a:effectRef>
-          <a:fontRef idx="minor">
-            <a:schemeClr val="lt1"/>
-          </a:fontRef>
-        </p:style>
-        <p:txBody>
-          <a:bodyPr rtlCol="0" anchor="ctr"/>
-          <a:lstStyle/>
-          <a:p>
-            <a:pPr algn="ctr"/>
-            <a:r>
-              <a:rPr lang="en-US" dirty="0"/>
+              <a:rPr lang="en-US" sz="2400" dirty="0"/>
               <a:t>Shared RFID Queue</a:t>
             </a:r>
           </a:p>
         </p:txBody>
       </p:sp>
-      <p:cxnSp>
-        <p:nvCxnSpPr>
-          <p:cNvPr id="81" name="Connector: Elbow 80">
-            <a:extLst>
-              <a:ext uri="{FF2B5EF4-FFF2-40B4-BE49-F238E27FC236}">
-                <a16:creationId xmlns:a16="http://schemas.microsoft.com/office/drawing/2014/main" id="{0BB1F608-7EEE-41B9-9090-0A4E61F1EFF5}"/>
-              </a:ext>
-            </a:extLst>
-          </p:cNvPr>
-          <p:cNvCxnSpPr>
-            <a:stCxn id="79" idx="2"/>
-            <a:endCxn id="11" idx="1"/>
-          </p:cNvCxnSpPr>
-          <p:nvPr/>
-        </p:nvCxnSpPr>
-        <p:spPr>
-          <a:xfrm rot="16200000" flipH="1">
-            <a:off x="4090090" y="2779620"/>
-            <a:ext cx="2025584" cy="6129501"/>
-          </a:xfrm>
-          <a:prstGeom prst="bentConnector2">
-            <a:avLst/>
-          </a:prstGeom>
-          <a:ln w="38100">
-            <a:solidFill>
-              <a:schemeClr val="tx1"/>
-            </a:solidFill>
-            <a:prstDash val="sysDot"/>
-            <a:tailEnd type="triangle"/>
-          </a:ln>
-        </p:spPr>
-        <p:style>
-          <a:lnRef idx="1">
-            <a:schemeClr val="accent1"/>
-          </a:lnRef>
-          <a:fillRef idx="0">
-            <a:schemeClr val="accent1"/>
-          </a:fillRef>
-          <a:effectRef idx="0">
-            <a:schemeClr val="accent1"/>
-          </a:effectRef>
-          <a:fontRef idx="minor">
-            <a:schemeClr val="tx1"/>
-          </a:fontRef>
-        </p:style>
-      </p:cxnSp>
-      <p:cxnSp>
-        <p:nvCxnSpPr>
-          <p:cNvPr id="86" name="Connector: Elbow 85">
-            <a:extLst>
-              <a:ext uri="{FF2B5EF4-FFF2-40B4-BE49-F238E27FC236}">
-                <a16:creationId xmlns:a16="http://schemas.microsoft.com/office/drawing/2014/main" id="{9DAD9B52-0C02-4533-BAA3-4A77F616C300}"/>
-              </a:ext>
-            </a:extLst>
-          </p:cNvPr>
-          <p:cNvCxnSpPr>
-            <a:stCxn id="79" idx="2"/>
-            <a:endCxn id="20" idx="1"/>
-          </p:cNvCxnSpPr>
-          <p:nvPr/>
-        </p:nvCxnSpPr>
-        <p:spPr>
-          <a:xfrm rot="16200000" flipH="1">
-            <a:off x="-139429" y="7009139"/>
-            <a:ext cx="6691369" cy="2336247"/>
-          </a:xfrm>
-          <a:prstGeom prst="bentConnector2">
-            <a:avLst/>
-          </a:prstGeom>
-          <a:ln w="38100">
-            <a:solidFill>
-              <a:schemeClr val="tx1"/>
-            </a:solidFill>
-            <a:prstDash val="sysDot"/>
-            <a:tailEnd type="triangle"/>
-          </a:ln>
-        </p:spPr>
-        <p:style>
-          <a:lnRef idx="1">
-            <a:schemeClr val="accent1"/>
-          </a:lnRef>
-          <a:fillRef idx="0">
-            <a:schemeClr val="accent1"/>
-          </a:fillRef>
-          <a:effectRef idx="0">
-            <a:schemeClr val="accent1"/>
-          </a:effectRef>
-          <a:fontRef idx="minor">
-            <a:schemeClr val="tx1"/>
-          </a:fontRef>
-        </p:style>
-      </p:cxnSp>
       <p:grpSp>
         <p:nvGrpSpPr>
           <p:cNvPr id="111" name="Group 110">
@@ -10766,7 +11028,211 @@
           <a:p>
             <a:r>
               <a:rPr lang="en-US" sz="7500" dirty="0"/>
-              <a:t>Python Decision Tree</a:t>
+              <a:t>Modal Decision Tree</a:t>
+            </a:r>
+          </a:p>
+        </p:txBody>
+      </p:sp>
+      <p:cxnSp>
+        <p:nvCxnSpPr>
+          <p:cNvPr id="89" name="Straight Arrow Connector 88">
+            <a:extLst>
+              <a:ext uri="{FF2B5EF4-FFF2-40B4-BE49-F238E27FC236}">
+                <a16:creationId xmlns:a16="http://schemas.microsoft.com/office/drawing/2014/main" id="{DF8F6050-2053-4C76-AFD6-1AE608E1A909}"/>
+              </a:ext>
+            </a:extLst>
+          </p:cNvPr>
+          <p:cNvCxnSpPr>
+            <a:cxnSpLocks/>
+            <a:stCxn id="79" idx="2"/>
+            <a:endCxn id="11" idx="0"/>
+          </p:cNvCxnSpPr>
+          <p:nvPr/>
+        </p:nvCxnSpPr>
+        <p:spPr>
+          <a:xfrm>
+            <a:off x="7776777" y="3530600"/>
+            <a:ext cx="1" cy="1193057"/>
+          </a:xfrm>
+          <a:prstGeom prst="straightConnector1">
+            <a:avLst/>
+          </a:prstGeom>
+          <a:ln w="31750">
+            <a:solidFill>
+              <a:schemeClr val="tx1"/>
+            </a:solidFill>
+            <a:prstDash val="sysDot"/>
+            <a:tailEnd type="triangle"/>
+          </a:ln>
+        </p:spPr>
+        <p:style>
+          <a:lnRef idx="1">
+            <a:schemeClr val="accent1"/>
+          </a:lnRef>
+          <a:fillRef idx="0">
+            <a:schemeClr val="accent1"/>
+          </a:fillRef>
+          <a:effectRef idx="0">
+            <a:schemeClr val="accent1"/>
+          </a:effectRef>
+          <a:fontRef idx="minor">
+            <a:schemeClr val="tx1"/>
+          </a:fontRef>
+        </p:style>
+      </p:cxnSp>
+      <p:cxnSp>
+        <p:nvCxnSpPr>
+          <p:cNvPr id="102" name="Connector: Elbow 101">
+            <a:extLst>
+              <a:ext uri="{FF2B5EF4-FFF2-40B4-BE49-F238E27FC236}">
+                <a16:creationId xmlns:a16="http://schemas.microsoft.com/office/drawing/2014/main" id="{7E195C8C-84B2-464D-B0F2-DAB3B835BF09}"/>
+              </a:ext>
+            </a:extLst>
+          </p:cNvPr>
+          <p:cNvCxnSpPr>
+            <a:cxnSpLocks/>
+            <a:stCxn id="79" idx="2"/>
+            <a:endCxn id="20" idx="0"/>
+          </p:cNvCxnSpPr>
+          <p:nvPr/>
+        </p:nvCxnSpPr>
+        <p:spPr>
+          <a:xfrm rot="16200000" flipH="1">
+            <a:off x="10003914" y="1303463"/>
+            <a:ext cx="3325245" cy="7779518"/>
+          </a:xfrm>
+          <a:prstGeom prst="bentConnector3">
+            <a:avLst>
+              <a:gd name="adj1" fmla="val 12762"/>
+            </a:avLst>
+          </a:prstGeom>
+          <a:ln w="31750">
+            <a:solidFill>
+              <a:schemeClr val="tx1"/>
+            </a:solidFill>
+            <a:prstDash val="sysDot"/>
+            <a:tailEnd type="triangle"/>
+          </a:ln>
+        </p:spPr>
+        <p:style>
+          <a:lnRef idx="1">
+            <a:schemeClr val="accent1"/>
+          </a:lnRef>
+          <a:fillRef idx="0">
+            <a:schemeClr val="accent1"/>
+          </a:fillRef>
+          <a:effectRef idx="0">
+            <a:schemeClr val="accent1"/>
+          </a:effectRef>
+          <a:fontRef idx="minor">
+            <a:schemeClr val="tx1"/>
+          </a:fontRef>
+        </p:style>
+      </p:cxnSp>
+      <p:sp>
+        <p:nvSpPr>
+          <p:cNvPr id="117" name="TextBox 116">
+            <a:extLst>
+              <a:ext uri="{FF2B5EF4-FFF2-40B4-BE49-F238E27FC236}">
+                <a16:creationId xmlns:a16="http://schemas.microsoft.com/office/drawing/2014/main" id="{954BCEE8-6679-4B4E-988C-DF992C733920}"/>
+              </a:ext>
+            </a:extLst>
+          </p:cNvPr>
+          <p:cNvSpPr txBox="1"/>
+          <p:nvPr/>
+        </p:nvSpPr>
+        <p:spPr>
+          <a:xfrm>
+            <a:off x="1753620" y="12843504"/>
+            <a:ext cx="3054674" cy="646331"/>
+          </a:xfrm>
+          <a:prstGeom prst="rect">
+            <a:avLst/>
+          </a:prstGeom>
+          <a:noFill/>
+        </p:spPr>
+        <p:txBody>
+          <a:bodyPr wrap="square" rtlCol="0" anchor="ctr">
+            <a:spAutoFit/>
+          </a:bodyPr>
+          <a:lstStyle/>
+          <a:p>
+            <a:pPr algn="ctr"/>
+            <a:r>
+              <a:rPr lang="en-US" sz="3600" b="1" dirty="0"/>
+              <a:t>MODE 1</a:t>
+            </a:r>
+          </a:p>
+        </p:txBody>
+      </p:sp>
+      <p:sp>
+        <p:nvSpPr>
+          <p:cNvPr id="119" name="TextBox 118">
+            <a:extLst>
+              <a:ext uri="{FF2B5EF4-FFF2-40B4-BE49-F238E27FC236}">
+                <a16:creationId xmlns:a16="http://schemas.microsoft.com/office/drawing/2014/main" id="{EEA6F4D7-B8F0-4CCE-B4C9-B0973910CA3F}"/>
+              </a:ext>
+            </a:extLst>
+          </p:cNvPr>
+          <p:cNvSpPr txBox="1"/>
+          <p:nvPr/>
+        </p:nvSpPr>
+        <p:spPr>
+          <a:xfrm>
+            <a:off x="7294468" y="12843506"/>
+            <a:ext cx="3054674" cy="646331"/>
+          </a:xfrm>
+          <a:prstGeom prst="rect">
+            <a:avLst/>
+          </a:prstGeom>
+          <a:noFill/>
+        </p:spPr>
+        <p:txBody>
+          <a:bodyPr wrap="square" rtlCol="0" anchor="ctr">
+            <a:spAutoFit/>
+          </a:bodyPr>
+          <a:lstStyle/>
+          <a:p>
+            <a:pPr algn="ctr"/>
+            <a:r>
+              <a:rPr lang="en-US" sz="3600" b="1" dirty="0"/>
+              <a:t>MODE 2</a:t>
+            </a:r>
+          </a:p>
+        </p:txBody>
+      </p:sp>
+      <p:sp>
+        <p:nvSpPr>
+          <p:cNvPr id="121" name="TextBox 120">
+            <a:extLst>
+              <a:ext uri="{FF2B5EF4-FFF2-40B4-BE49-F238E27FC236}">
+                <a16:creationId xmlns:a16="http://schemas.microsoft.com/office/drawing/2014/main" id="{B89C30EB-7DA0-4BBB-8A07-79E810E49980}"/>
+              </a:ext>
+            </a:extLst>
+          </p:cNvPr>
+          <p:cNvSpPr txBox="1"/>
+          <p:nvPr/>
+        </p:nvSpPr>
+        <p:spPr>
+          <a:xfrm>
+            <a:off x="14005501" y="12843505"/>
+            <a:ext cx="3054674" cy="646331"/>
+          </a:xfrm>
+          <a:prstGeom prst="rect">
+            <a:avLst/>
+          </a:prstGeom>
+          <a:noFill/>
+        </p:spPr>
+        <p:txBody>
+          <a:bodyPr wrap="square" rtlCol="0" anchor="ctr">
+            <a:spAutoFit/>
+          </a:bodyPr>
+          <a:lstStyle/>
+          <a:p>
+            <a:pPr algn="ctr"/>
+            <a:r>
+              <a:rPr lang="en-US" sz="3600" b="1" dirty="0"/>
+              <a:t>MODE 3</a:t>
             </a:r>
           </a:p>
         </p:txBody>
@@ -10774,7 +11240,7 @@
     </p:spTree>
     <p:extLst>
       <p:ext uri="{BB962C8B-B14F-4D97-AF65-F5344CB8AC3E}">
-        <p14:creationId xmlns:p14="http://schemas.microsoft.com/office/powerpoint/2010/main" val="3463141290"/>
+        <p14:creationId xmlns:p14="http://schemas.microsoft.com/office/powerpoint/2010/main" val="1986267900"/>
       </p:ext>
     </p:extLst>
   </p:cSld>
@@ -16342,82 +16808,6 @@
       </p:cxnSp>
       <p:sp>
         <p:nvSpPr>
-          <p:cNvPr id="124" name="TextBox 123">
-            <a:extLst>
-              <a:ext uri="{FF2B5EF4-FFF2-40B4-BE49-F238E27FC236}">
-                <a16:creationId xmlns:a16="http://schemas.microsoft.com/office/drawing/2014/main" id="{7D99093A-04C1-4CC0-B076-5EAA68198C4B}"/>
-              </a:ext>
-            </a:extLst>
-          </p:cNvPr>
-          <p:cNvSpPr txBox="1"/>
-          <p:nvPr/>
-        </p:nvSpPr>
-        <p:spPr>
-          <a:xfrm>
-            <a:off x="1318437" y="13864856"/>
-            <a:ext cx="13716000" cy="1107996"/>
-          </a:xfrm>
-          <a:prstGeom prst="rect">
-            <a:avLst/>
-          </a:prstGeom>
-          <a:noFill/>
-        </p:spPr>
-        <p:txBody>
-          <a:bodyPr wrap="square" rtlCol="0">
-            <a:spAutoFit/>
-          </a:bodyPr>
-          <a:lstStyle/>
-          <a:p>
-            <a:r>
-              <a:rPr lang="en-US" sz="2200" b="1" dirty="0"/>
-              <a:t>NOTE:</a:t>
-            </a:r>
-            <a:r>
-              <a:rPr lang="en-US" sz="2200" dirty="0"/>
-              <a:t> The threads in blue are the threads assigned to each </a:t>
-            </a:r>
-            <a:r>
-              <a:rPr lang="en-US" sz="2200" dirty="0" err="1"/>
-              <a:t>rfid</a:t>
-            </a:r>
-            <a:r>
-              <a:rPr lang="en-US" sz="2200" dirty="0"/>
-              <a:t> chip. This is not limited to only two threads, copy the thread for as many </a:t>
-            </a:r>
-            <a:r>
-              <a:rPr lang="en-US" sz="2200" dirty="0" err="1"/>
-              <a:t>rfid</a:t>
-            </a:r>
-            <a:r>
-              <a:rPr lang="en-US" sz="2200" dirty="0"/>
-              <a:t> chips as you have. The process is the same for each, simply add an </a:t>
-            </a:r>
-            <a:r>
-              <a:rPr lang="en-US" sz="2200" i="1" dirty="0" err="1"/>
-              <a:t>eventX.wait</a:t>
-            </a:r>
-            <a:r>
-              <a:rPr lang="en-US" sz="2200" i="1" dirty="0"/>
-              <a:t>()</a:t>
-            </a:r>
-            <a:r>
-              <a:rPr lang="en-US" sz="2200" dirty="0"/>
-              <a:t> command in the scheduling thread (purple) after the other </a:t>
-            </a:r>
-            <a:r>
-              <a:rPr lang="en-US" sz="2200" i="1" dirty="0"/>
-              <a:t>wait()</a:t>
-            </a:r>
-            <a:r>
-              <a:rPr lang="en-US" sz="2200" dirty="0"/>
-              <a:t> commands. This is meant to be a scalable architecture.</a:t>
-            </a:r>
-            <a:endParaRPr lang="en-US" sz="2200" b="1" dirty="0"/>
-          </a:p>
-        </p:txBody>
-      </p:sp>
-      <p:sp>
-        <p:nvSpPr>
           <p:cNvPr id="125" name="TextBox 124">
             <a:extLst>
               <a:ext uri="{FF2B5EF4-FFF2-40B4-BE49-F238E27FC236}">
@@ -17436,400 +17826,61 @@
       </p:grpSpPr>
       <p:sp>
         <p:nvSpPr>
-          <p:cNvPr id="4" name="Flowchart: Decision 3">
-            <a:extLst>
-              <a:ext uri="{FF2B5EF4-FFF2-40B4-BE49-F238E27FC236}">
-                <a16:creationId xmlns:a16="http://schemas.microsoft.com/office/drawing/2014/main" id="{24993EB9-9357-4AA4-A57C-848617F134DD}"/>
-              </a:ext>
-            </a:extLst>
-          </p:cNvPr>
-          <p:cNvSpPr/>
-          <p:nvPr/>
-        </p:nvSpPr>
-        <p:spPr>
-          <a:xfrm>
-            <a:off x="8207829" y="1088569"/>
-            <a:ext cx="2090057" cy="1436915"/>
-          </a:xfrm>
-          <a:prstGeom prst="flowChartDecision">
-            <a:avLst/>
-          </a:prstGeom>
-        </p:spPr>
-        <p:style>
-          <a:lnRef idx="2">
-            <a:schemeClr val="accent1">
-              <a:shade val="50000"/>
-            </a:schemeClr>
-          </a:lnRef>
-          <a:fillRef idx="1">
-            <a:schemeClr val="accent1"/>
-          </a:fillRef>
-          <a:effectRef idx="0">
-            <a:schemeClr val="accent1"/>
-          </a:effectRef>
-          <a:fontRef idx="minor">
-            <a:schemeClr val="lt1"/>
-          </a:fontRef>
-        </p:style>
-        <p:txBody>
-          <a:bodyPr rtlCol="0" anchor="ctr"/>
+          <p:cNvPr id="4" name="Title 3">
+            <a:extLst>
+              <a:ext uri="{FF2B5EF4-FFF2-40B4-BE49-F238E27FC236}">
+                <a16:creationId xmlns:a16="http://schemas.microsoft.com/office/drawing/2014/main" id="{25B123E2-207B-49F8-81BA-862AD5B07AD5}"/>
+              </a:ext>
+            </a:extLst>
+          </p:cNvPr>
+          <p:cNvSpPr>
+            <a:spLocks noGrp="1"/>
+          </p:cNvSpPr>
+          <p:nvPr>
+            <p:ph type="ctrTitle"/>
+          </p:nvPr>
+        </p:nvSpPr>
+        <p:spPr/>
+        <p:txBody>
+          <a:bodyPr/>
           <a:lstStyle/>
           <a:p>
-            <a:pPr algn="ctr"/>
-            <a:endParaRPr lang="en-US" dirty="0"/>
-          </a:p>
-        </p:txBody>
-      </p:sp>
-      <p:sp>
-        <p:nvSpPr>
-          <p:cNvPr id="5" name="Flowchart: Process 4">
-            <a:extLst>
-              <a:ext uri="{FF2B5EF4-FFF2-40B4-BE49-F238E27FC236}">
-                <a16:creationId xmlns:a16="http://schemas.microsoft.com/office/drawing/2014/main" id="{E49ED617-EE82-4A17-888C-09E3CA31052C}"/>
-              </a:ext>
-            </a:extLst>
-          </p:cNvPr>
-          <p:cNvSpPr/>
-          <p:nvPr/>
-        </p:nvSpPr>
-        <p:spPr>
-          <a:xfrm>
-            <a:off x="11277602" y="1088570"/>
-            <a:ext cx="2090057" cy="1436915"/>
-          </a:xfrm>
-          <a:prstGeom prst="flowChartProcess">
-            <a:avLst/>
-          </a:prstGeom>
-        </p:spPr>
-        <p:style>
-          <a:lnRef idx="2">
-            <a:schemeClr val="accent1">
-              <a:shade val="50000"/>
-            </a:schemeClr>
-          </a:lnRef>
-          <a:fillRef idx="1">
-            <a:schemeClr val="accent1"/>
-          </a:fillRef>
-          <a:effectRef idx="0">
-            <a:schemeClr val="accent1"/>
-          </a:effectRef>
-          <a:fontRef idx="minor">
-            <a:schemeClr val="lt1"/>
-          </a:fontRef>
-        </p:style>
-        <p:txBody>
-          <a:bodyPr rtlCol="0" anchor="ctr"/>
+            <a:r>
+              <a:rPr lang="en-US" dirty="0"/>
+              <a:t>Class &amp; Object Diagrams</a:t>
+            </a:r>
+          </a:p>
+        </p:txBody>
+      </p:sp>
+      <p:sp>
+        <p:nvSpPr>
+          <p:cNvPr id="5" name="Subtitle 4">
+            <a:extLst>
+              <a:ext uri="{FF2B5EF4-FFF2-40B4-BE49-F238E27FC236}">
+                <a16:creationId xmlns:a16="http://schemas.microsoft.com/office/drawing/2014/main" id="{54BEA01E-3113-4E03-9B1D-3FBEEC66ACF0}"/>
+              </a:ext>
+            </a:extLst>
+          </p:cNvPr>
+          <p:cNvSpPr>
+            <a:spLocks noGrp="1"/>
+          </p:cNvSpPr>
+          <p:nvPr>
+            <p:ph type="subTitle" idx="1"/>
+          </p:nvPr>
+        </p:nvSpPr>
+        <p:spPr/>
+        <p:txBody>
+          <a:bodyPr/>
           <a:lstStyle/>
           <a:p>
-            <a:pPr algn="ctr"/>
-            <a:endParaRPr lang="en-US" dirty="0"/>
-          </a:p>
-        </p:txBody>
-      </p:sp>
-      <p:sp>
-        <p:nvSpPr>
-          <p:cNvPr id="6" name="Flowchart: Alternate Process 5">
-            <a:extLst>
-              <a:ext uri="{FF2B5EF4-FFF2-40B4-BE49-F238E27FC236}">
-                <a16:creationId xmlns:a16="http://schemas.microsoft.com/office/drawing/2014/main" id="{7BFEA5A4-BA8A-44E1-8064-2A391C8F71D7}"/>
-              </a:ext>
-            </a:extLst>
-          </p:cNvPr>
-          <p:cNvSpPr/>
-          <p:nvPr/>
-        </p:nvSpPr>
-        <p:spPr>
-          <a:xfrm>
-            <a:off x="15022289" y="1088570"/>
-            <a:ext cx="2090057" cy="1436915"/>
-          </a:xfrm>
-          <a:prstGeom prst="flowChartAlternateProcess">
-            <a:avLst/>
-          </a:prstGeom>
-        </p:spPr>
-        <p:style>
-          <a:lnRef idx="2">
-            <a:schemeClr val="accent1">
-              <a:shade val="50000"/>
-            </a:schemeClr>
-          </a:lnRef>
-          <a:fillRef idx="1">
-            <a:schemeClr val="accent1"/>
-          </a:fillRef>
-          <a:effectRef idx="0">
-            <a:schemeClr val="accent1"/>
-          </a:effectRef>
-          <a:fontRef idx="minor">
-            <a:schemeClr val="lt1"/>
-          </a:fontRef>
-        </p:style>
-        <p:txBody>
-          <a:bodyPr rtlCol="0" anchor="ctr"/>
-          <a:lstStyle/>
-          <a:p>
-            <a:pPr algn="ctr"/>
             <a:endParaRPr lang="en-US"/>
-          </a:p>
-        </p:txBody>
-      </p:sp>
-      <p:sp>
-        <p:nvSpPr>
-          <p:cNvPr id="7" name="Flowchart: Off-page Connector 6">
-            <a:extLst>
-              <a:ext uri="{FF2B5EF4-FFF2-40B4-BE49-F238E27FC236}">
-                <a16:creationId xmlns:a16="http://schemas.microsoft.com/office/drawing/2014/main" id="{93D6541B-08D4-4852-986D-818B4C083470}"/>
-              </a:ext>
-            </a:extLst>
-          </p:cNvPr>
-          <p:cNvSpPr/>
-          <p:nvPr/>
-        </p:nvSpPr>
-        <p:spPr>
-          <a:xfrm>
-            <a:off x="5138056" y="1088569"/>
-            <a:ext cx="2090057" cy="1436915"/>
-          </a:xfrm>
-          <a:prstGeom prst="flowChartOffpageConnector">
-            <a:avLst/>
-          </a:prstGeom>
-        </p:spPr>
-        <p:style>
-          <a:lnRef idx="2">
-            <a:schemeClr val="accent1">
-              <a:shade val="50000"/>
-            </a:schemeClr>
-          </a:lnRef>
-          <a:fillRef idx="1">
-            <a:schemeClr val="accent1"/>
-          </a:fillRef>
-          <a:effectRef idx="0">
-            <a:schemeClr val="accent1"/>
-          </a:effectRef>
-          <a:fontRef idx="minor">
-            <a:schemeClr val="lt1"/>
-          </a:fontRef>
-        </p:style>
-        <p:txBody>
-          <a:bodyPr rtlCol="0" anchor="ctr"/>
-          <a:lstStyle/>
-          <a:p>
-            <a:pPr algn="ctr"/>
-            <a:endParaRPr lang="en-US" dirty="0"/>
-          </a:p>
-        </p:txBody>
-      </p:sp>
-      <p:sp>
-        <p:nvSpPr>
-          <p:cNvPr id="8" name="Flowchart: Data 7">
-            <a:extLst>
-              <a:ext uri="{FF2B5EF4-FFF2-40B4-BE49-F238E27FC236}">
-                <a16:creationId xmlns:a16="http://schemas.microsoft.com/office/drawing/2014/main" id="{E466EAE0-9B32-497B-9A17-8EC415DB5897}"/>
-              </a:ext>
-            </a:extLst>
-          </p:cNvPr>
-          <p:cNvSpPr/>
-          <p:nvPr/>
-        </p:nvSpPr>
-        <p:spPr>
-          <a:xfrm>
-            <a:off x="17939658" y="1088569"/>
-            <a:ext cx="2090057" cy="1436915"/>
-          </a:xfrm>
-          <a:prstGeom prst="flowChartInputOutput">
-            <a:avLst/>
-          </a:prstGeom>
-        </p:spPr>
-        <p:style>
-          <a:lnRef idx="2">
-            <a:schemeClr val="accent1">
-              <a:shade val="50000"/>
-            </a:schemeClr>
-          </a:lnRef>
-          <a:fillRef idx="1">
-            <a:schemeClr val="accent1"/>
-          </a:fillRef>
-          <a:effectRef idx="0">
-            <a:schemeClr val="accent1"/>
-          </a:effectRef>
-          <a:fontRef idx="minor">
-            <a:schemeClr val="lt1"/>
-          </a:fontRef>
-        </p:style>
-        <p:txBody>
-          <a:bodyPr rtlCol="0" anchor="ctr"/>
-          <a:lstStyle/>
-          <a:p>
-            <a:pPr algn="ctr"/>
-            <a:endParaRPr lang="en-US"/>
-          </a:p>
-        </p:txBody>
-      </p:sp>
-      <p:sp>
-        <p:nvSpPr>
-          <p:cNvPr id="9" name="Flowchart: Alternate Process 8">
-            <a:extLst>
-              <a:ext uri="{FF2B5EF4-FFF2-40B4-BE49-F238E27FC236}">
-                <a16:creationId xmlns:a16="http://schemas.microsoft.com/office/drawing/2014/main" id="{FBA3CA55-23D4-4D36-94B9-85E5A33BBBFF}"/>
-              </a:ext>
-            </a:extLst>
-          </p:cNvPr>
-          <p:cNvSpPr/>
-          <p:nvPr/>
-        </p:nvSpPr>
-        <p:spPr>
-          <a:xfrm>
-            <a:off x="1816652" y="4129481"/>
-            <a:ext cx="2090057" cy="548845"/>
-          </a:xfrm>
-          <a:prstGeom prst="flowChartAlternateProcess">
-            <a:avLst/>
-          </a:prstGeom>
-        </p:spPr>
-        <p:style>
-          <a:lnRef idx="2">
-            <a:schemeClr val="accent1">
-              <a:shade val="50000"/>
-            </a:schemeClr>
-          </a:lnRef>
-          <a:fillRef idx="1">
-            <a:schemeClr val="accent1"/>
-          </a:fillRef>
-          <a:effectRef idx="0">
-            <a:schemeClr val="accent1"/>
-          </a:effectRef>
-          <a:fontRef idx="minor">
-            <a:schemeClr val="lt1"/>
-          </a:fontRef>
-        </p:style>
-        <p:txBody>
-          <a:bodyPr rtlCol="0" anchor="ctr"/>
-          <a:lstStyle/>
-          <a:p>
-            <a:pPr algn="ctr"/>
-            <a:r>
-              <a:rPr lang="en-US" dirty="0"/>
-              <a:t>Define </a:t>
-            </a:r>
-            <a:r>
-              <a:rPr lang="en-US" dirty="0" err="1"/>
-              <a:t>voleClass</a:t>
-            </a:r>
-            <a:endParaRPr lang="en-US" dirty="0"/>
-          </a:p>
-        </p:txBody>
-      </p:sp>
-      <p:sp>
-        <p:nvSpPr>
-          <p:cNvPr id="10" name="Flowchart: Alternate Process 9">
-            <a:extLst>
-              <a:ext uri="{FF2B5EF4-FFF2-40B4-BE49-F238E27FC236}">
-                <a16:creationId xmlns:a16="http://schemas.microsoft.com/office/drawing/2014/main" id="{75707409-26C8-4A95-8836-22D4DFDD4B93}"/>
-              </a:ext>
-            </a:extLst>
-          </p:cNvPr>
-          <p:cNvSpPr/>
-          <p:nvPr/>
-        </p:nvSpPr>
-        <p:spPr>
-          <a:xfrm>
-            <a:off x="1816652" y="5065146"/>
-            <a:ext cx="2090057" cy="548845"/>
-          </a:xfrm>
-          <a:prstGeom prst="flowChartAlternateProcess">
-            <a:avLst/>
-          </a:prstGeom>
-        </p:spPr>
-        <p:style>
-          <a:lnRef idx="2">
-            <a:schemeClr val="accent1">
-              <a:shade val="50000"/>
-            </a:schemeClr>
-          </a:lnRef>
-          <a:fillRef idx="1">
-            <a:schemeClr val="accent1"/>
-          </a:fillRef>
-          <a:effectRef idx="0">
-            <a:schemeClr val="accent1"/>
-          </a:effectRef>
-          <a:fontRef idx="minor">
-            <a:schemeClr val="lt1"/>
-          </a:fontRef>
-        </p:style>
-        <p:txBody>
-          <a:bodyPr rtlCol="0" anchor="ctr"/>
-          <a:lstStyle/>
-          <a:p>
-            <a:pPr algn="ctr"/>
-            <a:r>
-              <a:rPr lang="en-US" dirty="0"/>
-              <a:t>Create </a:t>
-            </a:r>
-            <a:r>
-              <a:rPr lang="en-US" dirty="0" err="1"/>
-              <a:t>voleManager</a:t>
-            </a:r>
-            <a:endParaRPr lang="en-US" dirty="0"/>
-          </a:p>
-        </p:txBody>
-      </p:sp>
-      <p:sp>
-        <p:nvSpPr>
-          <p:cNvPr id="11" name="Flowchart: Alternate Process 10">
-            <a:extLst>
-              <a:ext uri="{FF2B5EF4-FFF2-40B4-BE49-F238E27FC236}">
-                <a16:creationId xmlns:a16="http://schemas.microsoft.com/office/drawing/2014/main" id="{0C015496-B44D-4FC6-9A7F-8D6F6CE41D50}"/>
-              </a:ext>
-            </a:extLst>
-          </p:cNvPr>
-          <p:cNvSpPr/>
-          <p:nvPr/>
-        </p:nvSpPr>
-        <p:spPr>
-          <a:xfrm>
-            <a:off x="4666177" y="5065146"/>
-            <a:ext cx="2090057" cy="548845"/>
-          </a:xfrm>
-          <a:prstGeom prst="flowChartAlternateProcess">
-            <a:avLst/>
-          </a:prstGeom>
-        </p:spPr>
-        <p:style>
-          <a:lnRef idx="2">
-            <a:schemeClr val="accent1">
-              <a:shade val="50000"/>
-            </a:schemeClr>
-          </a:lnRef>
-          <a:fillRef idx="1">
-            <a:schemeClr val="accent1"/>
-          </a:fillRef>
-          <a:effectRef idx="0">
-            <a:schemeClr val="accent1"/>
-          </a:effectRef>
-          <a:fontRef idx="minor">
-            <a:schemeClr val="lt1"/>
-          </a:fontRef>
-        </p:style>
-        <p:txBody>
-          <a:bodyPr rtlCol="0" anchor="ctr"/>
-          <a:lstStyle/>
-          <a:p>
-            <a:pPr algn="ctr"/>
-            <a:r>
-              <a:rPr lang="en-US" dirty="0"/>
-              <a:t>Register the </a:t>
-            </a:r>
-            <a:r>
-              <a:rPr lang="en-US" dirty="0" err="1"/>
-              <a:t>voleClass</a:t>
-            </a:r>
-            <a:endParaRPr lang="en-US" dirty="0"/>
           </a:p>
         </p:txBody>
       </p:sp>
     </p:spTree>
     <p:extLst>
       <p:ext uri="{BB962C8B-B14F-4D97-AF65-F5344CB8AC3E}">
-        <p14:creationId xmlns:p14="http://schemas.microsoft.com/office/powerpoint/2010/main" val="318053236"/>
+        <p14:creationId xmlns:p14="http://schemas.microsoft.com/office/powerpoint/2010/main" val="1009338886"/>
       </p:ext>
     </p:extLst>
   </p:cSld>
@@ -17858,10 +17909,10 @@
       </p:grpSpPr>
       <p:sp>
         <p:nvSpPr>
-          <p:cNvPr id="6" name="Title 5">
-            <a:extLst>
-              <a:ext uri="{FF2B5EF4-FFF2-40B4-BE49-F238E27FC236}">
-                <a16:creationId xmlns:a16="http://schemas.microsoft.com/office/drawing/2014/main" id="{C2A4A3CC-D7EC-417E-B6B0-17828F675749}"/>
+          <p:cNvPr id="2" name="Title 1">
+            <a:extLst>
+              <a:ext uri="{FF2B5EF4-FFF2-40B4-BE49-F238E27FC236}">
+                <a16:creationId xmlns:a16="http://schemas.microsoft.com/office/drawing/2014/main" id="{C7BAF760-397F-46E5-A272-7348C82C3E6D}"/>
               </a:ext>
             </a:extLst>
           </p:cNvPr>
@@ -17869,7 +17920,7 @@
             <a:spLocks noGrp="1"/>
           </p:cNvSpPr>
           <p:nvPr>
-            <p:ph type="ctrTitle"/>
+            <p:ph type="title"/>
           </p:nvPr>
         </p:nvSpPr>
         <p:spPr/>
@@ -17877,17 +17928,39 @@
           <a:bodyPr/>
           <a:lstStyle/>
           <a:p>
-            <a:r>
-              <a:rPr lang="en-US" dirty="0"/>
-              <a:t>Old Slides</a:t>
-            </a:r>
+            <a:endParaRPr lang="en-US"/>
+          </a:p>
+        </p:txBody>
+      </p:sp>
+      <p:sp>
+        <p:nvSpPr>
+          <p:cNvPr id="3" name="Content Placeholder 2">
+            <a:extLst>
+              <a:ext uri="{FF2B5EF4-FFF2-40B4-BE49-F238E27FC236}">
+                <a16:creationId xmlns:a16="http://schemas.microsoft.com/office/drawing/2014/main" id="{95F9C036-4DE0-414D-86D6-3767788945F8}"/>
+              </a:ext>
+            </a:extLst>
+          </p:cNvPr>
+          <p:cNvSpPr>
+            <a:spLocks noGrp="1"/>
+          </p:cNvSpPr>
+          <p:nvPr>
+            <p:ph idx="1"/>
+          </p:nvPr>
+        </p:nvSpPr>
+        <p:spPr/>
+        <p:txBody>
+          <a:bodyPr/>
+          <a:lstStyle/>
+          <a:p>
+            <a:endParaRPr lang="en-US"/>
           </a:p>
         </p:txBody>
       </p:sp>
     </p:spTree>
     <p:extLst>
       <p:ext uri="{BB962C8B-B14F-4D97-AF65-F5344CB8AC3E}">
-        <p14:creationId xmlns:p14="http://schemas.microsoft.com/office/powerpoint/2010/main" val="799690724"/>
+        <p14:creationId xmlns:p14="http://schemas.microsoft.com/office/powerpoint/2010/main" val="244868552"/>
       </p:ext>
     </p:extLst>
   </p:cSld>
@@ -17919,7 +17992,7 @@
           <p:cNvPr id="4" name="Flowchart: Decision 3">
             <a:extLst>
               <a:ext uri="{FF2B5EF4-FFF2-40B4-BE49-F238E27FC236}">
-                <a16:creationId xmlns:a16="http://schemas.microsoft.com/office/drawing/2014/main" id="{4DC650F2-3745-4C0D-BE0D-4DB011CE0B5C}"/>
+                <a16:creationId xmlns:a16="http://schemas.microsoft.com/office/drawing/2014/main" id="{24993EB9-9357-4AA4-A57C-848617F134DD}"/>
               </a:ext>
             </a:extLst>
           </p:cNvPr>
@@ -17965,7 +18038,7 @@
           <p:cNvPr id="5" name="Flowchart: Process 4">
             <a:extLst>
               <a:ext uri="{FF2B5EF4-FFF2-40B4-BE49-F238E27FC236}">
-                <a16:creationId xmlns:a16="http://schemas.microsoft.com/office/drawing/2014/main" id="{EC7012ED-FC39-4BA0-A0F2-FEA3A1963B47}"/>
+                <a16:creationId xmlns:a16="http://schemas.microsoft.com/office/drawing/2014/main" id="{E49ED617-EE82-4A17-888C-09E3CA31052C}"/>
               </a:ext>
             </a:extLst>
           </p:cNvPr>
@@ -18011,7 +18084,7 @@
           <p:cNvPr id="6" name="Flowchart: Alternate Process 5">
             <a:extLst>
               <a:ext uri="{FF2B5EF4-FFF2-40B4-BE49-F238E27FC236}">
-                <a16:creationId xmlns:a16="http://schemas.microsoft.com/office/drawing/2014/main" id="{8451389B-F9D3-4380-9098-CDD9CC96CEF6}"/>
+                <a16:creationId xmlns:a16="http://schemas.microsoft.com/office/drawing/2014/main" id="{7BFEA5A4-BA8A-44E1-8064-2A391C8F71D7}"/>
               </a:ext>
             </a:extLst>
           </p:cNvPr>
@@ -18057,7 +18130,7 @@
           <p:cNvPr id="7" name="Flowchart: Off-page Connector 6">
             <a:extLst>
               <a:ext uri="{FF2B5EF4-FFF2-40B4-BE49-F238E27FC236}">
-                <a16:creationId xmlns:a16="http://schemas.microsoft.com/office/drawing/2014/main" id="{17991506-76DA-48F8-BEEA-875C6C0FEE29}"/>
+                <a16:creationId xmlns:a16="http://schemas.microsoft.com/office/drawing/2014/main" id="{93D6541B-08D4-4852-986D-818B4C083470}"/>
               </a:ext>
             </a:extLst>
           </p:cNvPr>
@@ -18103,7 +18176,7 @@
           <p:cNvPr id="8" name="Flowchart: Data 7">
             <a:extLst>
               <a:ext uri="{FF2B5EF4-FFF2-40B4-BE49-F238E27FC236}">
-                <a16:creationId xmlns:a16="http://schemas.microsoft.com/office/drawing/2014/main" id="{31AC280A-80DA-46CB-A5F2-E89563BE8717}"/>
+                <a16:creationId xmlns:a16="http://schemas.microsoft.com/office/drawing/2014/main" id="{E466EAE0-9B32-497B-9A17-8EC415DB5897}"/>
               </a:ext>
             </a:extLst>
           </p:cNvPr>
@@ -18144,10 +18217,172 @@
           </a:p>
         </p:txBody>
       </p:sp>
+      <p:sp>
+        <p:nvSpPr>
+          <p:cNvPr id="9" name="Flowchart: Alternate Process 8">
+            <a:extLst>
+              <a:ext uri="{FF2B5EF4-FFF2-40B4-BE49-F238E27FC236}">
+                <a16:creationId xmlns:a16="http://schemas.microsoft.com/office/drawing/2014/main" id="{FBA3CA55-23D4-4D36-94B9-85E5A33BBBFF}"/>
+              </a:ext>
+            </a:extLst>
+          </p:cNvPr>
+          <p:cNvSpPr/>
+          <p:nvPr/>
+        </p:nvSpPr>
+        <p:spPr>
+          <a:xfrm>
+            <a:off x="1816652" y="4129481"/>
+            <a:ext cx="2090057" cy="548845"/>
+          </a:xfrm>
+          <a:prstGeom prst="flowChartAlternateProcess">
+            <a:avLst/>
+          </a:prstGeom>
+        </p:spPr>
+        <p:style>
+          <a:lnRef idx="2">
+            <a:schemeClr val="accent1">
+              <a:shade val="50000"/>
+            </a:schemeClr>
+          </a:lnRef>
+          <a:fillRef idx="1">
+            <a:schemeClr val="accent1"/>
+          </a:fillRef>
+          <a:effectRef idx="0">
+            <a:schemeClr val="accent1"/>
+          </a:effectRef>
+          <a:fontRef idx="minor">
+            <a:schemeClr val="lt1"/>
+          </a:fontRef>
+        </p:style>
+        <p:txBody>
+          <a:bodyPr rtlCol="0" anchor="ctr"/>
+          <a:lstStyle/>
+          <a:p>
+            <a:pPr algn="ctr"/>
+            <a:r>
+              <a:rPr lang="en-US" dirty="0"/>
+              <a:t>Define </a:t>
+            </a:r>
+            <a:r>
+              <a:rPr lang="en-US" dirty="0" err="1"/>
+              <a:t>voleClass</a:t>
+            </a:r>
+            <a:endParaRPr lang="en-US" dirty="0"/>
+          </a:p>
+        </p:txBody>
+      </p:sp>
+      <p:sp>
+        <p:nvSpPr>
+          <p:cNvPr id="10" name="Flowchart: Alternate Process 9">
+            <a:extLst>
+              <a:ext uri="{FF2B5EF4-FFF2-40B4-BE49-F238E27FC236}">
+                <a16:creationId xmlns:a16="http://schemas.microsoft.com/office/drawing/2014/main" id="{75707409-26C8-4A95-8836-22D4DFDD4B93}"/>
+              </a:ext>
+            </a:extLst>
+          </p:cNvPr>
+          <p:cNvSpPr/>
+          <p:nvPr/>
+        </p:nvSpPr>
+        <p:spPr>
+          <a:xfrm>
+            <a:off x="1816652" y="5065146"/>
+            <a:ext cx="2090057" cy="548845"/>
+          </a:xfrm>
+          <a:prstGeom prst="flowChartAlternateProcess">
+            <a:avLst/>
+          </a:prstGeom>
+        </p:spPr>
+        <p:style>
+          <a:lnRef idx="2">
+            <a:schemeClr val="accent1">
+              <a:shade val="50000"/>
+            </a:schemeClr>
+          </a:lnRef>
+          <a:fillRef idx="1">
+            <a:schemeClr val="accent1"/>
+          </a:fillRef>
+          <a:effectRef idx="0">
+            <a:schemeClr val="accent1"/>
+          </a:effectRef>
+          <a:fontRef idx="minor">
+            <a:schemeClr val="lt1"/>
+          </a:fontRef>
+        </p:style>
+        <p:txBody>
+          <a:bodyPr rtlCol="0" anchor="ctr"/>
+          <a:lstStyle/>
+          <a:p>
+            <a:pPr algn="ctr"/>
+            <a:r>
+              <a:rPr lang="en-US" dirty="0"/>
+              <a:t>Create </a:t>
+            </a:r>
+            <a:r>
+              <a:rPr lang="en-US" dirty="0" err="1"/>
+              <a:t>voleManager</a:t>
+            </a:r>
+            <a:endParaRPr lang="en-US" dirty="0"/>
+          </a:p>
+        </p:txBody>
+      </p:sp>
+      <p:sp>
+        <p:nvSpPr>
+          <p:cNvPr id="11" name="Flowchart: Alternate Process 10">
+            <a:extLst>
+              <a:ext uri="{FF2B5EF4-FFF2-40B4-BE49-F238E27FC236}">
+                <a16:creationId xmlns:a16="http://schemas.microsoft.com/office/drawing/2014/main" id="{0C015496-B44D-4FC6-9A7F-8D6F6CE41D50}"/>
+              </a:ext>
+            </a:extLst>
+          </p:cNvPr>
+          <p:cNvSpPr/>
+          <p:nvPr/>
+        </p:nvSpPr>
+        <p:spPr>
+          <a:xfrm>
+            <a:off x="4666177" y="5065146"/>
+            <a:ext cx="2090057" cy="548845"/>
+          </a:xfrm>
+          <a:prstGeom prst="flowChartAlternateProcess">
+            <a:avLst/>
+          </a:prstGeom>
+        </p:spPr>
+        <p:style>
+          <a:lnRef idx="2">
+            <a:schemeClr val="accent1">
+              <a:shade val="50000"/>
+            </a:schemeClr>
+          </a:lnRef>
+          <a:fillRef idx="1">
+            <a:schemeClr val="accent1"/>
+          </a:fillRef>
+          <a:effectRef idx="0">
+            <a:schemeClr val="accent1"/>
+          </a:effectRef>
+          <a:fontRef idx="minor">
+            <a:schemeClr val="lt1"/>
+          </a:fontRef>
+        </p:style>
+        <p:txBody>
+          <a:bodyPr rtlCol="0" anchor="ctr"/>
+          <a:lstStyle/>
+          <a:p>
+            <a:pPr algn="ctr"/>
+            <a:r>
+              <a:rPr lang="en-US" dirty="0"/>
+              <a:t>Register the </a:t>
+            </a:r>
+            <a:r>
+              <a:rPr lang="en-US" dirty="0" err="1"/>
+              <a:t>voleClass</a:t>
+            </a:r>
+            <a:endParaRPr lang="en-US" dirty="0"/>
+          </a:p>
+        </p:txBody>
+      </p:sp>
     </p:spTree>
     <p:extLst>
       <p:ext uri="{BB962C8B-B14F-4D97-AF65-F5344CB8AC3E}">
-        <p14:creationId xmlns:p14="http://schemas.microsoft.com/office/powerpoint/2010/main" val="2121468264"/>
+        <p14:creationId xmlns:p14="http://schemas.microsoft.com/office/powerpoint/2010/main" val="318053236"/>
       </p:ext>
     </p:extLst>
   </p:cSld>

--- a/Software/Software System Architecture.pptx
+++ b/Software/Software System Architecture.pptx
@@ -2,7 +2,7 @@
 <file path=ppt/presentation.xml><?xml version="1.0" encoding="utf-8"?>
 <p:presentation xmlns:a="http://schemas.openxmlformats.org/drawingml/2006/main" xmlns:r="http://schemas.openxmlformats.org/officeDocument/2006/relationships" xmlns:p="http://schemas.openxmlformats.org/presentationml/2006/main" saveSubsetFonts="1">
   <p:sldMasterIdLst>
-    <p:sldMasterId id="2147483660" r:id="rId1"/>
+    <p:sldMasterId id="2147483672" r:id="rId1"/>
   </p:sldMasterIdLst>
   <p:sldIdLst>
     <p:sldId id="256" r:id="rId2"/>
@@ -18,7 +18,7 @@
     <p:sldId id="257" r:id="rId12"/>
     <p:sldId id="262" r:id="rId13"/>
   </p:sldIdLst>
-  <p:sldSz cx="21945600" cy="16459200"/>
+  <p:sldSz cx="18288000" cy="10287000"/>
   <p:notesSz cx="6858000" cy="9144000"/>
   <p:defaultTextStyle>
     <a:defPPr>
@@ -172,15 +172,15 @@
         </p:nvSpPr>
         <p:spPr>
           <a:xfrm>
-            <a:off x="1645920" y="2693671"/>
-            <a:ext cx="18653760" cy="5730240"/>
+            <a:off x="2286000" y="1683545"/>
+            <a:ext cx="13716000" cy="3581400"/>
           </a:xfrm>
         </p:spPr>
         <p:txBody>
           <a:bodyPr anchor="b"/>
           <a:lstStyle>
             <a:lvl1pPr algn="ctr">
-              <a:defRPr sz="14400"/>
+              <a:defRPr sz="9000"/>
             </a:lvl1pPr>
           </a:lstStyle>
           <a:p>
@@ -204,8 +204,8 @@
         </p:nvSpPr>
         <p:spPr>
           <a:xfrm>
-            <a:off x="2743200" y="8644891"/>
-            <a:ext cx="16459200" cy="3973829"/>
+            <a:off x="2286000" y="5403057"/>
+            <a:ext cx="13716000" cy="2483643"/>
           </a:xfrm>
         </p:spPr>
         <p:txBody>
@@ -213,39 +213,39 @@
           <a:lstStyle>
             <a:lvl1pPr marL="0" indent="0" algn="ctr">
               <a:buNone/>
-              <a:defRPr sz="5760"/>
+              <a:defRPr sz="3600"/>
             </a:lvl1pPr>
-            <a:lvl2pPr marL="1097280" indent="0" algn="ctr">
+            <a:lvl2pPr marL="685800" indent="0" algn="ctr">
               <a:buNone/>
-              <a:defRPr sz="4800"/>
+              <a:defRPr sz="3000"/>
             </a:lvl2pPr>
-            <a:lvl3pPr marL="2194560" indent="0" algn="ctr">
+            <a:lvl3pPr marL="1371600" indent="0" algn="ctr">
               <a:buNone/>
-              <a:defRPr sz="4320"/>
+              <a:defRPr sz="2700"/>
             </a:lvl3pPr>
-            <a:lvl4pPr marL="3291840" indent="0" algn="ctr">
+            <a:lvl4pPr marL="2057400" indent="0" algn="ctr">
               <a:buNone/>
-              <a:defRPr sz="3840"/>
+              <a:defRPr sz="2400"/>
             </a:lvl4pPr>
-            <a:lvl5pPr marL="4389120" indent="0" algn="ctr">
+            <a:lvl5pPr marL="2743200" indent="0" algn="ctr">
               <a:buNone/>
-              <a:defRPr sz="3840"/>
+              <a:defRPr sz="2400"/>
             </a:lvl5pPr>
-            <a:lvl6pPr marL="5486400" indent="0" algn="ctr">
+            <a:lvl6pPr marL="3429000" indent="0" algn="ctr">
               <a:buNone/>
-              <a:defRPr sz="3840"/>
+              <a:defRPr sz="2400"/>
             </a:lvl6pPr>
-            <a:lvl7pPr marL="6583680" indent="0" algn="ctr">
+            <a:lvl7pPr marL="4114800" indent="0" algn="ctr">
               <a:buNone/>
-              <a:defRPr sz="3840"/>
+              <a:defRPr sz="2400"/>
             </a:lvl7pPr>
-            <a:lvl8pPr marL="7680960" indent="0" algn="ctr">
+            <a:lvl8pPr marL="4800600" indent="0" algn="ctr">
               <a:buNone/>
-              <a:defRPr sz="3840"/>
+              <a:defRPr sz="2400"/>
             </a:lvl8pPr>
-            <a:lvl9pPr marL="8778240" indent="0" algn="ctr">
+            <a:lvl9pPr marL="5486400" indent="0" algn="ctr">
               <a:buNone/>
-              <a:defRPr sz="3840"/>
+              <a:defRPr sz="2400"/>
             </a:lvl9pPr>
           </a:lstStyle>
           <a:p>
@@ -274,7 +274,7 @@
           <a:p>
             <a:fld id="{F62E71A9-A198-4BC2-915B-5C3ABADD511E}" type="datetimeFigureOut">
               <a:rPr lang="en-US" smtClean="0"/>
-              <a:t>1/6/2021</a:t>
+              <a:t>9/15/2021</a:t>
             </a:fld>
             <a:endParaRPr lang="en-US"/>
           </a:p>
@@ -325,7 +325,7 @@
     </p:spTree>
     <p:extLst>
       <p:ext uri="{BB962C8B-B14F-4D97-AF65-F5344CB8AC3E}">
-        <p14:creationId xmlns:p14="http://schemas.microsoft.com/office/powerpoint/2010/main" val="380076417"/>
+        <p14:creationId xmlns:p14="http://schemas.microsoft.com/office/powerpoint/2010/main" val="535979135"/>
       </p:ext>
     </p:extLst>
   </p:cSld>
@@ -444,7 +444,7 @@
           <a:p>
             <a:fld id="{F62E71A9-A198-4BC2-915B-5C3ABADD511E}" type="datetimeFigureOut">
               <a:rPr lang="en-US" smtClean="0"/>
-              <a:t>1/6/2021</a:t>
+              <a:t>9/15/2021</a:t>
             </a:fld>
             <a:endParaRPr lang="en-US"/>
           </a:p>
@@ -495,7 +495,7 @@
     </p:spTree>
     <p:extLst>
       <p:ext uri="{BB962C8B-B14F-4D97-AF65-F5344CB8AC3E}">
-        <p14:creationId xmlns:p14="http://schemas.microsoft.com/office/powerpoint/2010/main" val="4087642788"/>
+        <p14:creationId xmlns:p14="http://schemas.microsoft.com/office/powerpoint/2010/main" val="1791083086"/>
       </p:ext>
     </p:extLst>
   </p:cSld>
@@ -534,8 +534,8 @@
         </p:nvSpPr>
         <p:spPr>
           <a:xfrm>
-            <a:off x="15704821" y="876300"/>
-            <a:ext cx="4732020" cy="13948411"/>
+            <a:off x="13087350" y="547688"/>
+            <a:ext cx="3943350" cy="8717757"/>
           </a:xfrm>
         </p:spPr>
         <p:txBody>
@@ -562,8 +562,8 @@
         </p:nvSpPr>
         <p:spPr>
           <a:xfrm>
-            <a:off x="1508761" y="876300"/>
-            <a:ext cx="13921740" cy="13948411"/>
+            <a:off x="1257300" y="547688"/>
+            <a:ext cx="11601450" cy="8717757"/>
           </a:xfrm>
         </p:spPr>
         <p:txBody>
@@ -624,7 +624,7 @@
           <a:p>
             <a:fld id="{F62E71A9-A198-4BC2-915B-5C3ABADD511E}" type="datetimeFigureOut">
               <a:rPr lang="en-US" smtClean="0"/>
-              <a:t>1/6/2021</a:t>
+              <a:t>9/15/2021</a:t>
             </a:fld>
             <a:endParaRPr lang="en-US"/>
           </a:p>
@@ -675,7 +675,7 @@
     </p:spTree>
     <p:extLst>
       <p:ext uri="{BB962C8B-B14F-4D97-AF65-F5344CB8AC3E}">
-        <p14:creationId xmlns:p14="http://schemas.microsoft.com/office/powerpoint/2010/main" val="4251127333"/>
+        <p14:creationId xmlns:p14="http://schemas.microsoft.com/office/powerpoint/2010/main" val="1966595967"/>
       </p:ext>
     </p:extLst>
   </p:cSld>
@@ -794,7 +794,7 @@
           <a:p>
             <a:fld id="{F62E71A9-A198-4BC2-915B-5C3ABADD511E}" type="datetimeFigureOut">
               <a:rPr lang="en-US" smtClean="0"/>
-              <a:t>1/6/2021</a:t>
+              <a:t>9/15/2021</a:t>
             </a:fld>
             <a:endParaRPr lang="en-US"/>
           </a:p>
@@ -845,7 +845,7 @@
     </p:spTree>
     <p:extLst>
       <p:ext uri="{BB962C8B-B14F-4D97-AF65-F5344CB8AC3E}">
-        <p14:creationId xmlns:p14="http://schemas.microsoft.com/office/powerpoint/2010/main" val="2031494922"/>
+        <p14:creationId xmlns:p14="http://schemas.microsoft.com/office/powerpoint/2010/main" val="3931639349"/>
       </p:ext>
     </p:extLst>
   </p:cSld>
@@ -884,15 +884,15 @@
         </p:nvSpPr>
         <p:spPr>
           <a:xfrm>
-            <a:off x="1497331" y="4103375"/>
-            <a:ext cx="18928080" cy="6846569"/>
+            <a:off x="1247775" y="2564608"/>
+            <a:ext cx="15773400" cy="4279106"/>
           </a:xfrm>
         </p:spPr>
         <p:txBody>
           <a:bodyPr anchor="b"/>
           <a:lstStyle>
             <a:lvl1pPr>
-              <a:defRPr sz="14400"/>
+              <a:defRPr sz="9000"/>
             </a:lvl1pPr>
           </a:lstStyle>
           <a:p>
@@ -916,8 +916,8 @@
         </p:nvSpPr>
         <p:spPr>
           <a:xfrm>
-            <a:off x="1497331" y="11014715"/>
-            <a:ext cx="18928080" cy="3600449"/>
+            <a:off x="1247775" y="6884195"/>
+            <a:ext cx="15773400" cy="2250281"/>
           </a:xfrm>
         </p:spPr>
         <p:txBody>
@@ -925,15 +925,17 @@
           <a:lstStyle>
             <a:lvl1pPr marL="0" indent="0">
               <a:buNone/>
-              <a:defRPr sz="5760">
+              <a:defRPr sz="3600">
                 <a:solidFill>
-                  <a:schemeClr val="tx1"/>
+                  <a:schemeClr val="tx1">
+                    <a:tint val="75000"/>
+                  </a:schemeClr>
                 </a:solidFill>
               </a:defRPr>
             </a:lvl1pPr>
-            <a:lvl2pPr marL="1097280" indent="0">
+            <a:lvl2pPr marL="685800" indent="0">
               <a:buNone/>
-              <a:defRPr sz="4800">
+              <a:defRPr sz="3000">
                 <a:solidFill>
                   <a:schemeClr val="tx1">
                     <a:tint val="75000"/>
@@ -941,9 +943,9 @@
                 </a:solidFill>
               </a:defRPr>
             </a:lvl2pPr>
-            <a:lvl3pPr marL="2194560" indent="0">
+            <a:lvl3pPr marL="1371600" indent="0">
               <a:buNone/>
-              <a:defRPr sz="4320">
+              <a:defRPr sz="2700">
                 <a:solidFill>
                   <a:schemeClr val="tx1">
                     <a:tint val="75000"/>
@@ -951,9 +953,9 @@
                 </a:solidFill>
               </a:defRPr>
             </a:lvl3pPr>
-            <a:lvl4pPr marL="3291840" indent="0">
+            <a:lvl4pPr marL="2057400" indent="0">
               <a:buNone/>
-              <a:defRPr sz="3840">
+              <a:defRPr sz="2400">
                 <a:solidFill>
                   <a:schemeClr val="tx1">
                     <a:tint val="75000"/>
@@ -961,9 +963,9 @@
                 </a:solidFill>
               </a:defRPr>
             </a:lvl4pPr>
-            <a:lvl5pPr marL="4389120" indent="0">
+            <a:lvl5pPr marL="2743200" indent="0">
               <a:buNone/>
-              <a:defRPr sz="3840">
+              <a:defRPr sz="2400">
                 <a:solidFill>
                   <a:schemeClr val="tx1">
                     <a:tint val="75000"/>
@@ -971,9 +973,9 @@
                 </a:solidFill>
               </a:defRPr>
             </a:lvl5pPr>
-            <a:lvl6pPr marL="5486400" indent="0">
+            <a:lvl6pPr marL="3429000" indent="0">
               <a:buNone/>
-              <a:defRPr sz="3840">
+              <a:defRPr sz="2400">
                 <a:solidFill>
                   <a:schemeClr val="tx1">
                     <a:tint val="75000"/>
@@ -981,9 +983,9 @@
                 </a:solidFill>
               </a:defRPr>
             </a:lvl6pPr>
-            <a:lvl7pPr marL="6583680" indent="0">
+            <a:lvl7pPr marL="4114800" indent="0">
               <a:buNone/>
-              <a:defRPr sz="3840">
+              <a:defRPr sz="2400">
                 <a:solidFill>
                   <a:schemeClr val="tx1">
                     <a:tint val="75000"/>
@@ -991,9 +993,9 @@
                 </a:solidFill>
               </a:defRPr>
             </a:lvl7pPr>
-            <a:lvl8pPr marL="7680960" indent="0">
+            <a:lvl8pPr marL="4800600" indent="0">
               <a:buNone/>
-              <a:defRPr sz="3840">
+              <a:defRPr sz="2400">
                 <a:solidFill>
                   <a:schemeClr val="tx1">
                     <a:tint val="75000"/>
@@ -1001,9 +1003,9 @@
                 </a:solidFill>
               </a:defRPr>
             </a:lvl8pPr>
-            <a:lvl9pPr marL="8778240" indent="0">
+            <a:lvl9pPr marL="5486400" indent="0">
               <a:buNone/>
-              <a:defRPr sz="3840">
+              <a:defRPr sz="2400">
                 <a:solidFill>
                   <a:schemeClr val="tx1">
                     <a:tint val="75000"/>
@@ -1038,7 +1040,7 @@
           <a:p>
             <a:fld id="{F62E71A9-A198-4BC2-915B-5C3ABADD511E}" type="datetimeFigureOut">
               <a:rPr lang="en-US" smtClean="0"/>
-              <a:t>1/6/2021</a:t>
+              <a:t>9/15/2021</a:t>
             </a:fld>
             <a:endParaRPr lang="en-US"/>
           </a:p>
@@ -1089,7 +1091,7 @@
     </p:spTree>
     <p:extLst>
       <p:ext uri="{BB962C8B-B14F-4D97-AF65-F5344CB8AC3E}">
-        <p14:creationId xmlns:p14="http://schemas.microsoft.com/office/powerpoint/2010/main" val="3085914568"/>
+        <p14:creationId xmlns:p14="http://schemas.microsoft.com/office/powerpoint/2010/main" val="1346579757"/>
       </p:ext>
     </p:extLst>
   </p:cSld>
@@ -1151,8 +1153,8 @@
         </p:nvSpPr>
         <p:spPr>
           <a:xfrm>
-            <a:off x="1508760" y="4381500"/>
-            <a:ext cx="9326880" cy="10443211"/>
+            <a:off x="1257300" y="2738438"/>
+            <a:ext cx="7772400" cy="6527007"/>
           </a:xfrm>
         </p:spPr>
         <p:txBody>
@@ -1208,8 +1210,8 @@
         </p:nvSpPr>
         <p:spPr>
           <a:xfrm>
-            <a:off x="11109960" y="4381500"/>
-            <a:ext cx="9326880" cy="10443211"/>
+            <a:off x="9258300" y="2738438"/>
+            <a:ext cx="7772400" cy="6527007"/>
           </a:xfrm>
         </p:spPr>
         <p:txBody>
@@ -1270,7 +1272,7 @@
           <a:p>
             <a:fld id="{F62E71A9-A198-4BC2-915B-5C3ABADD511E}" type="datetimeFigureOut">
               <a:rPr lang="en-US" smtClean="0"/>
-              <a:t>1/6/2021</a:t>
+              <a:t>9/15/2021</a:t>
             </a:fld>
             <a:endParaRPr lang="en-US"/>
           </a:p>
@@ -1321,7 +1323,7 @@
     </p:spTree>
     <p:extLst>
       <p:ext uri="{BB962C8B-B14F-4D97-AF65-F5344CB8AC3E}">
-        <p14:creationId xmlns:p14="http://schemas.microsoft.com/office/powerpoint/2010/main" val="2215308777"/>
+        <p14:creationId xmlns:p14="http://schemas.microsoft.com/office/powerpoint/2010/main" val="2249552029"/>
       </p:ext>
     </p:extLst>
   </p:cSld>
@@ -1360,8 +1362,8 @@
         </p:nvSpPr>
         <p:spPr>
           <a:xfrm>
-            <a:off x="1511618" y="876304"/>
-            <a:ext cx="18928080" cy="3181351"/>
+            <a:off x="1259682" y="547688"/>
+            <a:ext cx="15773400" cy="1988345"/>
           </a:xfrm>
         </p:spPr>
         <p:txBody>
@@ -1388,8 +1390,8 @@
         </p:nvSpPr>
         <p:spPr>
           <a:xfrm>
-            <a:off x="1511621" y="4034791"/>
-            <a:ext cx="9284016" cy="1977389"/>
+            <a:off x="1259683" y="2521745"/>
+            <a:ext cx="7736681" cy="1235868"/>
           </a:xfrm>
         </p:spPr>
         <p:txBody>
@@ -1397,39 +1399,39 @@
           <a:lstStyle>
             <a:lvl1pPr marL="0" indent="0">
               <a:buNone/>
-              <a:defRPr sz="5760" b="1"/>
+              <a:defRPr sz="3600" b="1"/>
             </a:lvl1pPr>
-            <a:lvl2pPr marL="1097280" indent="0">
+            <a:lvl2pPr marL="685800" indent="0">
               <a:buNone/>
-              <a:defRPr sz="4800" b="1"/>
+              <a:defRPr sz="3000" b="1"/>
             </a:lvl2pPr>
-            <a:lvl3pPr marL="2194560" indent="0">
+            <a:lvl3pPr marL="1371600" indent="0">
               <a:buNone/>
-              <a:defRPr sz="4320" b="1"/>
+              <a:defRPr sz="2700" b="1"/>
             </a:lvl3pPr>
-            <a:lvl4pPr marL="3291840" indent="0">
+            <a:lvl4pPr marL="2057400" indent="0">
               <a:buNone/>
-              <a:defRPr sz="3840" b="1"/>
+              <a:defRPr sz="2400" b="1"/>
             </a:lvl4pPr>
-            <a:lvl5pPr marL="4389120" indent="0">
+            <a:lvl5pPr marL="2743200" indent="0">
               <a:buNone/>
-              <a:defRPr sz="3840" b="1"/>
+              <a:defRPr sz="2400" b="1"/>
             </a:lvl5pPr>
-            <a:lvl6pPr marL="5486400" indent="0">
+            <a:lvl6pPr marL="3429000" indent="0">
               <a:buNone/>
-              <a:defRPr sz="3840" b="1"/>
+              <a:defRPr sz="2400" b="1"/>
             </a:lvl6pPr>
-            <a:lvl7pPr marL="6583680" indent="0">
+            <a:lvl7pPr marL="4114800" indent="0">
               <a:buNone/>
-              <a:defRPr sz="3840" b="1"/>
+              <a:defRPr sz="2400" b="1"/>
             </a:lvl7pPr>
-            <a:lvl8pPr marL="7680960" indent="0">
+            <a:lvl8pPr marL="4800600" indent="0">
               <a:buNone/>
-              <a:defRPr sz="3840" b="1"/>
+              <a:defRPr sz="2400" b="1"/>
             </a:lvl8pPr>
-            <a:lvl9pPr marL="8778240" indent="0">
+            <a:lvl9pPr marL="5486400" indent="0">
               <a:buNone/>
-              <a:defRPr sz="3840" b="1"/>
+              <a:defRPr sz="2400" b="1"/>
             </a:lvl9pPr>
           </a:lstStyle>
           <a:p>
@@ -1453,8 +1455,8 @@
         </p:nvSpPr>
         <p:spPr>
           <a:xfrm>
-            <a:off x="1511621" y="6012180"/>
-            <a:ext cx="9284016" cy="8843011"/>
+            <a:off x="1259683" y="3757613"/>
+            <a:ext cx="7736681" cy="5526882"/>
           </a:xfrm>
         </p:spPr>
         <p:txBody>
@@ -1510,8 +1512,8 @@
         </p:nvSpPr>
         <p:spPr>
           <a:xfrm>
-            <a:off x="11109961" y="4034791"/>
-            <a:ext cx="9329738" cy="1977389"/>
+            <a:off x="9258300" y="2521745"/>
+            <a:ext cx="7774782" cy="1235868"/>
           </a:xfrm>
         </p:spPr>
         <p:txBody>
@@ -1519,39 +1521,39 @@
           <a:lstStyle>
             <a:lvl1pPr marL="0" indent="0">
               <a:buNone/>
-              <a:defRPr sz="5760" b="1"/>
+              <a:defRPr sz="3600" b="1"/>
             </a:lvl1pPr>
-            <a:lvl2pPr marL="1097280" indent="0">
+            <a:lvl2pPr marL="685800" indent="0">
               <a:buNone/>
-              <a:defRPr sz="4800" b="1"/>
+              <a:defRPr sz="3000" b="1"/>
             </a:lvl2pPr>
-            <a:lvl3pPr marL="2194560" indent="0">
+            <a:lvl3pPr marL="1371600" indent="0">
               <a:buNone/>
-              <a:defRPr sz="4320" b="1"/>
+              <a:defRPr sz="2700" b="1"/>
             </a:lvl3pPr>
-            <a:lvl4pPr marL="3291840" indent="0">
+            <a:lvl4pPr marL="2057400" indent="0">
               <a:buNone/>
-              <a:defRPr sz="3840" b="1"/>
+              <a:defRPr sz="2400" b="1"/>
             </a:lvl4pPr>
-            <a:lvl5pPr marL="4389120" indent="0">
+            <a:lvl5pPr marL="2743200" indent="0">
               <a:buNone/>
-              <a:defRPr sz="3840" b="1"/>
+              <a:defRPr sz="2400" b="1"/>
             </a:lvl5pPr>
-            <a:lvl6pPr marL="5486400" indent="0">
+            <a:lvl6pPr marL="3429000" indent="0">
               <a:buNone/>
-              <a:defRPr sz="3840" b="1"/>
+              <a:defRPr sz="2400" b="1"/>
             </a:lvl6pPr>
-            <a:lvl7pPr marL="6583680" indent="0">
+            <a:lvl7pPr marL="4114800" indent="0">
               <a:buNone/>
-              <a:defRPr sz="3840" b="1"/>
+              <a:defRPr sz="2400" b="1"/>
             </a:lvl7pPr>
-            <a:lvl8pPr marL="7680960" indent="0">
+            <a:lvl8pPr marL="4800600" indent="0">
               <a:buNone/>
-              <a:defRPr sz="3840" b="1"/>
+              <a:defRPr sz="2400" b="1"/>
             </a:lvl8pPr>
-            <a:lvl9pPr marL="8778240" indent="0">
+            <a:lvl9pPr marL="5486400" indent="0">
               <a:buNone/>
-              <a:defRPr sz="3840" b="1"/>
+              <a:defRPr sz="2400" b="1"/>
             </a:lvl9pPr>
           </a:lstStyle>
           <a:p>
@@ -1575,8 +1577,8 @@
         </p:nvSpPr>
         <p:spPr>
           <a:xfrm>
-            <a:off x="11109961" y="6012180"/>
-            <a:ext cx="9329738" cy="8843011"/>
+            <a:off x="9258300" y="3757613"/>
+            <a:ext cx="7774782" cy="5526882"/>
           </a:xfrm>
         </p:spPr>
         <p:txBody>
@@ -1637,7 +1639,7 @@
           <a:p>
             <a:fld id="{F62E71A9-A198-4BC2-915B-5C3ABADD511E}" type="datetimeFigureOut">
               <a:rPr lang="en-US" smtClean="0"/>
-              <a:t>1/6/2021</a:t>
+              <a:t>9/15/2021</a:t>
             </a:fld>
             <a:endParaRPr lang="en-US"/>
           </a:p>
@@ -1688,7 +1690,7 @@
     </p:spTree>
     <p:extLst>
       <p:ext uri="{BB962C8B-B14F-4D97-AF65-F5344CB8AC3E}">
-        <p14:creationId xmlns:p14="http://schemas.microsoft.com/office/powerpoint/2010/main" val="1350499896"/>
+        <p14:creationId xmlns:p14="http://schemas.microsoft.com/office/powerpoint/2010/main" val="525373131"/>
       </p:ext>
     </p:extLst>
   </p:cSld>
@@ -1755,7 +1757,7 @@
           <a:p>
             <a:fld id="{F62E71A9-A198-4BC2-915B-5C3ABADD511E}" type="datetimeFigureOut">
               <a:rPr lang="en-US" smtClean="0"/>
-              <a:t>1/6/2021</a:t>
+              <a:t>9/15/2021</a:t>
             </a:fld>
             <a:endParaRPr lang="en-US"/>
           </a:p>
@@ -1806,7 +1808,7 @@
     </p:spTree>
     <p:extLst>
       <p:ext uri="{BB962C8B-B14F-4D97-AF65-F5344CB8AC3E}">
-        <p14:creationId xmlns:p14="http://schemas.microsoft.com/office/powerpoint/2010/main" val="1899822451"/>
+        <p14:creationId xmlns:p14="http://schemas.microsoft.com/office/powerpoint/2010/main" val="2650951304"/>
       </p:ext>
     </p:extLst>
   </p:cSld>
@@ -1850,7 +1852,7 @@
           <a:p>
             <a:fld id="{F62E71A9-A198-4BC2-915B-5C3ABADD511E}" type="datetimeFigureOut">
               <a:rPr lang="en-US" smtClean="0"/>
-              <a:t>1/6/2021</a:t>
+              <a:t>9/15/2021</a:t>
             </a:fld>
             <a:endParaRPr lang="en-US"/>
           </a:p>
@@ -1901,7 +1903,7 @@
     </p:spTree>
     <p:extLst>
       <p:ext uri="{BB962C8B-B14F-4D97-AF65-F5344CB8AC3E}">
-        <p14:creationId xmlns:p14="http://schemas.microsoft.com/office/powerpoint/2010/main" val="1476972847"/>
+        <p14:creationId xmlns:p14="http://schemas.microsoft.com/office/powerpoint/2010/main" val="492844030"/>
       </p:ext>
     </p:extLst>
   </p:cSld>
@@ -1940,15 +1942,15 @@
         </p:nvSpPr>
         <p:spPr>
           <a:xfrm>
-            <a:off x="1511619" y="1097280"/>
-            <a:ext cx="7078027" cy="3840480"/>
+            <a:off x="1259683" y="685800"/>
+            <a:ext cx="5898356" cy="2400300"/>
           </a:xfrm>
         </p:spPr>
         <p:txBody>
           <a:bodyPr anchor="b"/>
           <a:lstStyle>
             <a:lvl1pPr>
-              <a:defRPr sz="7680"/>
+              <a:defRPr sz="4800"/>
             </a:lvl1pPr>
           </a:lstStyle>
           <a:p>
@@ -1972,39 +1974,39 @@
         </p:nvSpPr>
         <p:spPr>
           <a:xfrm>
-            <a:off x="9329738" y="2369824"/>
-            <a:ext cx="11109960" cy="11696700"/>
+            <a:off x="7774782" y="1481138"/>
+            <a:ext cx="9258300" cy="7310438"/>
           </a:xfrm>
         </p:spPr>
         <p:txBody>
           <a:bodyPr/>
           <a:lstStyle>
             <a:lvl1pPr>
-              <a:defRPr sz="7680"/>
+              <a:defRPr sz="4800"/>
             </a:lvl1pPr>
             <a:lvl2pPr>
-              <a:defRPr sz="6720"/>
+              <a:defRPr sz="4200"/>
             </a:lvl2pPr>
             <a:lvl3pPr>
-              <a:defRPr sz="5760"/>
+              <a:defRPr sz="3600"/>
             </a:lvl3pPr>
             <a:lvl4pPr>
-              <a:defRPr sz="4800"/>
+              <a:defRPr sz="3000"/>
             </a:lvl4pPr>
             <a:lvl5pPr>
-              <a:defRPr sz="4800"/>
+              <a:defRPr sz="3000"/>
             </a:lvl5pPr>
             <a:lvl6pPr>
-              <a:defRPr sz="4800"/>
+              <a:defRPr sz="3000"/>
             </a:lvl6pPr>
             <a:lvl7pPr>
-              <a:defRPr sz="4800"/>
+              <a:defRPr sz="3000"/>
             </a:lvl7pPr>
             <a:lvl8pPr>
-              <a:defRPr sz="4800"/>
+              <a:defRPr sz="3000"/>
             </a:lvl8pPr>
             <a:lvl9pPr>
-              <a:defRPr sz="4800"/>
+              <a:defRPr sz="3000"/>
             </a:lvl9pPr>
           </a:lstStyle>
           <a:p>
@@ -2057,8 +2059,8 @@
         </p:nvSpPr>
         <p:spPr>
           <a:xfrm>
-            <a:off x="1511619" y="4937760"/>
-            <a:ext cx="7078027" cy="9147811"/>
+            <a:off x="1259683" y="3086100"/>
+            <a:ext cx="5898356" cy="5717382"/>
           </a:xfrm>
         </p:spPr>
         <p:txBody>
@@ -2066,39 +2068,39 @@
           <a:lstStyle>
             <a:lvl1pPr marL="0" indent="0">
               <a:buNone/>
-              <a:defRPr sz="3840"/>
+              <a:defRPr sz="2400"/>
             </a:lvl1pPr>
-            <a:lvl2pPr marL="1097280" indent="0">
+            <a:lvl2pPr marL="685800" indent="0">
               <a:buNone/>
-              <a:defRPr sz="3360"/>
+              <a:defRPr sz="2100"/>
             </a:lvl2pPr>
-            <a:lvl3pPr marL="2194560" indent="0">
+            <a:lvl3pPr marL="1371600" indent="0">
               <a:buNone/>
-              <a:defRPr sz="2880"/>
+              <a:defRPr sz="1800"/>
             </a:lvl3pPr>
-            <a:lvl4pPr marL="3291840" indent="0">
+            <a:lvl4pPr marL="2057400" indent="0">
               <a:buNone/>
-              <a:defRPr sz="2400"/>
+              <a:defRPr sz="1500"/>
             </a:lvl4pPr>
-            <a:lvl5pPr marL="4389120" indent="0">
+            <a:lvl5pPr marL="2743200" indent="0">
               <a:buNone/>
-              <a:defRPr sz="2400"/>
+              <a:defRPr sz="1500"/>
             </a:lvl5pPr>
-            <a:lvl6pPr marL="5486400" indent="0">
+            <a:lvl6pPr marL="3429000" indent="0">
               <a:buNone/>
-              <a:defRPr sz="2400"/>
+              <a:defRPr sz="1500"/>
             </a:lvl6pPr>
-            <a:lvl7pPr marL="6583680" indent="0">
+            <a:lvl7pPr marL="4114800" indent="0">
               <a:buNone/>
-              <a:defRPr sz="2400"/>
+              <a:defRPr sz="1500"/>
             </a:lvl7pPr>
-            <a:lvl8pPr marL="7680960" indent="0">
+            <a:lvl8pPr marL="4800600" indent="0">
               <a:buNone/>
-              <a:defRPr sz="2400"/>
+              <a:defRPr sz="1500"/>
             </a:lvl8pPr>
-            <a:lvl9pPr marL="8778240" indent="0">
+            <a:lvl9pPr marL="5486400" indent="0">
               <a:buNone/>
-              <a:defRPr sz="2400"/>
+              <a:defRPr sz="1500"/>
             </a:lvl9pPr>
           </a:lstStyle>
           <a:p>
@@ -2127,7 +2129,7 @@
           <a:p>
             <a:fld id="{F62E71A9-A198-4BC2-915B-5C3ABADD511E}" type="datetimeFigureOut">
               <a:rPr lang="en-US" smtClean="0"/>
-              <a:t>1/6/2021</a:t>
+              <a:t>9/15/2021</a:t>
             </a:fld>
             <a:endParaRPr lang="en-US"/>
           </a:p>
@@ -2178,7 +2180,7 @@
     </p:spTree>
     <p:extLst>
       <p:ext uri="{BB962C8B-B14F-4D97-AF65-F5344CB8AC3E}">
-        <p14:creationId xmlns:p14="http://schemas.microsoft.com/office/powerpoint/2010/main" val="535795005"/>
+        <p14:creationId xmlns:p14="http://schemas.microsoft.com/office/powerpoint/2010/main" val="4141376617"/>
       </p:ext>
     </p:extLst>
   </p:cSld>
@@ -2217,15 +2219,15 @@
         </p:nvSpPr>
         <p:spPr>
           <a:xfrm>
-            <a:off x="1511619" y="1097280"/>
-            <a:ext cx="7078027" cy="3840480"/>
+            <a:off x="1259683" y="685800"/>
+            <a:ext cx="5898356" cy="2400300"/>
           </a:xfrm>
         </p:spPr>
         <p:txBody>
           <a:bodyPr anchor="b"/>
           <a:lstStyle>
             <a:lvl1pPr>
-              <a:defRPr sz="7680"/>
+              <a:defRPr sz="4800"/>
             </a:lvl1pPr>
           </a:lstStyle>
           <a:p>
@@ -2249,8 +2251,8 @@
         </p:nvSpPr>
         <p:spPr>
           <a:xfrm>
-            <a:off x="9329738" y="2369824"/>
-            <a:ext cx="11109960" cy="11696700"/>
+            <a:off x="7774782" y="1481138"/>
+            <a:ext cx="9258300" cy="7310438"/>
           </a:xfrm>
         </p:spPr>
         <p:txBody>
@@ -2258,39 +2260,39 @@
           <a:lstStyle>
             <a:lvl1pPr marL="0" indent="0">
               <a:buNone/>
-              <a:defRPr sz="7680"/>
+              <a:defRPr sz="4800"/>
             </a:lvl1pPr>
-            <a:lvl2pPr marL="1097280" indent="0">
+            <a:lvl2pPr marL="685800" indent="0">
               <a:buNone/>
-              <a:defRPr sz="6720"/>
+              <a:defRPr sz="4200"/>
             </a:lvl2pPr>
-            <a:lvl3pPr marL="2194560" indent="0">
+            <a:lvl3pPr marL="1371600" indent="0">
               <a:buNone/>
-              <a:defRPr sz="5760"/>
+              <a:defRPr sz="3600"/>
             </a:lvl3pPr>
-            <a:lvl4pPr marL="3291840" indent="0">
+            <a:lvl4pPr marL="2057400" indent="0">
               <a:buNone/>
-              <a:defRPr sz="4800"/>
+              <a:defRPr sz="3000"/>
             </a:lvl4pPr>
-            <a:lvl5pPr marL="4389120" indent="0">
+            <a:lvl5pPr marL="2743200" indent="0">
               <a:buNone/>
-              <a:defRPr sz="4800"/>
+              <a:defRPr sz="3000"/>
             </a:lvl5pPr>
-            <a:lvl6pPr marL="5486400" indent="0">
+            <a:lvl6pPr marL="3429000" indent="0">
               <a:buNone/>
-              <a:defRPr sz="4800"/>
+              <a:defRPr sz="3000"/>
             </a:lvl6pPr>
-            <a:lvl7pPr marL="6583680" indent="0">
+            <a:lvl7pPr marL="4114800" indent="0">
               <a:buNone/>
-              <a:defRPr sz="4800"/>
+              <a:defRPr sz="3000"/>
             </a:lvl7pPr>
-            <a:lvl8pPr marL="7680960" indent="0">
+            <a:lvl8pPr marL="4800600" indent="0">
               <a:buNone/>
-              <a:defRPr sz="4800"/>
+              <a:defRPr sz="3000"/>
             </a:lvl8pPr>
-            <a:lvl9pPr marL="8778240" indent="0">
+            <a:lvl9pPr marL="5486400" indent="0">
               <a:buNone/>
-              <a:defRPr sz="4800"/>
+              <a:defRPr sz="3000"/>
             </a:lvl9pPr>
           </a:lstStyle>
           <a:p>
@@ -2314,8 +2316,8 @@
         </p:nvSpPr>
         <p:spPr>
           <a:xfrm>
-            <a:off x="1511619" y="4937760"/>
-            <a:ext cx="7078027" cy="9147811"/>
+            <a:off x="1259683" y="3086100"/>
+            <a:ext cx="5898356" cy="5717382"/>
           </a:xfrm>
         </p:spPr>
         <p:txBody>
@@ -2323,39 +2325,39 @@
           <a:lstStyle>
             <a:lvl1pPr marL="0" indent="0">
               <a:buNone/>
-              <a:defRPr sz="3840"/>
+              <a:defRPr sz="2400"/>
             </a:lvl1pPr>
-            <a:lvl2pPr marL="1097280" indent="0">
+            <a:lvl2pPr marL="685800" indent="0">
               <a:buNone/>
-              <a:defRPr sz="3360"/>
+              <a:defRPr sz="2100"/>
             </a:lvl2pPr>
-            <a:lvl3pPr marL="2194560" indent="0">
+            <a:lvl3pPr marL="1371600" indent="0">
               <a:buNone/>
-              <a:defRPr sz="2880"/>
+              <a:defRPr sz="1800"/>
             </a:lvl3pPr>
-            <a:lvl4pPr marL="3291840" indent="0">
+            <a:lvl4pPr marL="2057400" indent="0">
               <a:buNone/>
-              <a:defRPr sz="2400"/>
+              <a:defRPr sz="1500"/>
             </a:lvl4pPr>
-            <a:lvl5pPr marL="4389120" indent="0">
+            <a:lvl5pPr marL="2743200" indent="0">
               <a:buNone/>
-              <a:defRPr sz="2400"/>
+              <a:defRPr sz="1500"/>
             </a:lvl5pPr>
-            <a:lvl6pPr marL="5486400" indent="0">
+            <a:lvl6pPr marL="3429000" indent="0">
               <a:buNone/>
-              <a:defRPr sz="2400"/>
+              <a:defRPr sz="1500"/>
             </a:lvl6pPr>
-            <a:lvl7pPr marL="6583680" indent="0">
+            <a:lvl7pPr marL="4114800" indent="0">
               <a:buNone/>
-              <a:defRPr sz="2400"/>
+              <a:defRPr sz="1500"/>
             </a:lvl7pPr>
-            <a:lvl8pPr marL="7680960" indent="0">
+            <a:lvl8pPr marL="4800600" indent="0">
               <a:buNone/>
-              <a:defRPr sz="2400"/>
+              <a:defRPr sz="1500"/>
             </a:lvl8pPr>
-            <a:lvl9pPr marL="8778240" indent="0">
+            <a:lvl9pPr marL="5486400" indent="0">
               <a:buNone/>
-              <a:defRPr sz="2400"/>
+              <a:defRPr sz="1500"/>
             </a:lvl9pPr>
           </a:lstStyle>
           <a:p>
@@ -2384,7 +2386,7 @@
           <a:p>
             <a:fld id="{F62E71A9-A198-4BC2-915B-5C3ABADD511E}" type="datetimeFigureOut">
               <a:rPr lang="en-US" smtClean="0"/>
-              <a:t>1/6/2021</a:t>
+              <a:t>9/15/2021</a:t>
             </a:fld>
             <a:endParaRPr lang="en-US"/>
           </a:p>
@@ -2435,7 +2437,7 @@
     </p:spTree>
     <p:extLst>
       <p:ext uri="{BB962C8B-B14F-4D97-AF65-F5344CB8AC3E}">
-        <p14:creationId xmlns:p14="http://schemas.microsoft.com/office/powerpoint/2010/main" val="332920875"/>
+        <p14:creationId xmlns:p14="http://schemas.microsoft.com/office/powerpoint/2010/main" val="2060038755"/>
       </p:ext>
     </p:extLst>
   </p:cSld>
@@ -2479,8 +2481,8 @@
         </p:nvSpPr>
         <p:spPr>
           <a:xfrm>
-            <a:off x="1508760" y="876304"/>
-            <a:ext cx="18928080" cy="3181351"/>
+            <a:off x="1257300" y="547688"/>
+            <a:ext cx="15773400" cy="1988345"/>
           </a:xfrm>
           <a:prstGeom prst="rect">
             <a:avLst/>
@@ -2512,8 +2514,8 @@
         </p:nvSpPr>
         <p:spPr>
           <a:xfrm>
-            <a:off x="1508760" y="4381500"/>
-            <a:ext cx="18928080" cy="10443211"/>
+            <a:off x="1257300" y="2738438"/>
+            <a:ext cx="15773400" cy="6527007"/>
           </a:xfrm>
           <a:prstGeom prst="rect">
             <a:avLst/>
@@ -2574,8 +2576,8 @@
         </p:nvSpPr>
         <p:spPr>
           <a:xfrm>
-            <a:off x="1508760" y="15255244"/>
-            <a:ext cx="4937760" cy="876300"/>
+            <a:off x="1257300" y="9534526"/>
+            <a:ext cx="4114800" cy="547688"/>
           </a:xfrm>
           <a:prstGeom prst="rect">
             <a:avLst/>
@@ -2585,7 +2587,7 @@
           <a:bodyPr vert="horz" lIns="91440" tIns="45720" rIns="91440" bIns="45720" rtlCol="0" anchor="ctr"/>
           <a:lstStyle>
             <a:lvl1pPr algn="l">
-              <a:defRPr sz="2880">
+              <a:defRPr sz="1800">
                 <a:solidFill>
                   <a:schemeClr val="tx1">
                     <a:tint val="75000"/>
@@ -2597,7 +2599,7 @@
           <a:p>
             <a:fld id="{F62E71A9-A198-4BC2-915B-5C3ABADD511E}" type="datetimeFigureOut">
               <a:rPr lang="en-US" smtClean="0"/>
-              <a:t>1/6/2021</a:t>
+              <a:t>9/15/2021</a:t>
             </a:fld>
             <a:endParaRPr lang="en-US"/>
           </a:p>
@@ -2615,8 +2617,8 @@
         </p:nvSpPr>
         <p:spPr>
           <a:xfrm>
-            <a:off x="7269480" y="15255244"/>
-            <a:ext cx="7406640" cy="876300"/>
+            <a:off x="6057900" y="9534526"/>
+            <a:ext cx="6172200" cy="547688"/>
           </a:xfrm>
           <a:prstGeom prst="rect">
             <a:avLst/>
@@ -2626,7 +2628,7 @@
           <a:bodyPr vert="horz" lIns="91440" tIns="45720" rIns="91440" bIns="45720" rtlCol="0" anchor="ctr"/>
           <a:lstStyle>
             <a:lvl1pPr algn="ctr">
-              <a:defRPr sz="2880">
+              <a:defRPr sz="1800">
                 <a:solidFill>
                   <a:schemeClr val="tx1">
                     <a:tint val="75000"/>
@@ -2652,8 +2654,8 @@
         </p:nvSpPr>
         <p:spPr>
           <a:xfrm>
-            <a:off x="15499080" y="15255244"/>
-            <a:ext cx="4937760" cy="876300"/>
+            <a:off x="12915900" y="9534526"/>
+            <a:ext cx="4114800" cy="547688"/>
           </a:xfrm>
           <a:prstGeom prst="rect">
             <a:avLst/>
@@ -2663,7 +2665,7 @@
           <a:bodyPr vert="horz" lIns="91440" tIns="45720" rIns="91440" bIns="45720" rtlCol="0" anchor="ctr"/>
           <a:lstStyle>
             <a:lvl1pPr algn="r">
-              <a:defRPr sz="2880">
+              <a:defRPr sz="1800">
                 <a:solidFill>
                   <a:schemeClr val="tx1">
                     <a:tint val="75000"/>
@@ -2684,27 +2686,27 @@
     </p:spTree>
     <p:extLst>
       <p:ext uri="{BB962C8B-B14F-4D97-AF65-F5344CB8AC3E}">
-        <p14:creationId xmlns:p14="http://schemas.microsoft.com/office/powerpoint/2010/main" val="236928421"/>
+        <p14:creationId xmlns:p14="http://schemas.microsoft.com/office/powerpoint/2010/main" val="2268040701"/>
       </p:ext>
     </p:extLst>
   </p:cSld>
   <p:clrMap bg1="lt1" tx1="dk1" bg2="lt2" tx2="dk2" accent1="accent1" accent2="accent2" accent3="accent3" accent4="accent4" accent5="accent5" accent6="accent6" hlink="hlink" folHlink="folHlink"/>
   <p:sldLayoutIdLst>
-    <p:sldLayoutId id="2147483661" r:id="rId1"/>
-    <p:sldLayoutId id="2147483662" r:id="rId2"/>
-    <p:sldLayoutId id="2147483663" r:id="rId3"/>
-    <p:sldLayoutId id="2147483664" r:id="rId4"/>
-    <p:sldLayoutId id="2147483665" r:id="rId5"/>
-    <p:sldLayoutId id="2147483666" r:id="rId6"/>
-    <p:sldLayoutId id="2147483667" r:id="rId7"/>
-    <p:sldLayoutId id="2147483668" r:id="rId8"/>
-    <p:sldLayoutId id="2147483669" r:id="rId9"/>
-    <p:sldLayoutId id="2147483670" r:id="rId10"/>
-    <p:sldLayoutId id="2147483671" r:id="rId11"/>
+    <p:sldLayoutId id="2147483673" r:id="rId1"/>
+    <p:sldLayoutId id="2147483674" r:id="rId2"/>
+    <p:sldLayoutId id="2147483675" r:id="rId3"/>
+    <p:sldLayoutId id="2147483676" r:id="rId4"/>
+    <p:sldLayoutId id="2147483677" r:id="rId5"/>
+    <p:sldLayoutId id="2147483678" r:id="rId6"/>
+    <p:sldLayoutId id="2147483679" r:id="rId7"/>
+    <p:sldLayoutId id="2147483680" r:id="rId8"/>
+    <p:sldLayoutId id="2147483681" r:id="rId9"/>
+    <p:sldLayoutId id="2147483682" r:id="rId10"/>
+    <p:sldLayoutId id="2147483683" r:id="rId11"/>
   </p:sldLayoutIdLst>
   <p:txStyles>
     <p:titleStyle>
-      <a:lvl1pPr algn="l" defTabSz="2194560" rtl="0" eaLnBrk="1" latinLnBrk="0" hangingPunct="1">
+      <a:lvl1pPr algn="l" defTabSz="1371600" rtl="0" eaLnBrk="1" latinLnBrk="0" hangingPunct="1">
         <a:lnSpc>
           <a:spcPct val="90000"/>
         </a:lnSpc>
@@ -2712,7 +2714,7 @@
           <a:spcPct val="0"/>
         </a:spcBef>
         <a:buNone/>
-        <a:defRPr sz="10560" kern="1200">
+        <a:defRPr sz="6600" kern="1200">
           <a:solidFill>
             <a:schemeClr val="tx1"/>
           </a:solidFill>
@@ -2723,16 +2725,16 @@
       </a:lvl1pPr>
     </p:titleStyle>
     <p:bodyStyle>
-      <a:lvl1pPr marL="548640" indent="-548640" algn="l" defTabSz="2194560" rtl="0" eaLnBrk="1" latinLnBrk="0" hangingPunct="1">
+      <a:lvl1pPr marL="342900" indent="-342900" algn="l" defTabSz="1371600" rtl="0" eaLnBrk="1" latinLnBrk="0" hangingPunct="1">
         <a:lnSpc>
           <a:spcPct val="90000"/>
         </a:lnSpc>
         <a:spcBef>
-          <a:spcPts val="2400"/>
+          <a:spcPts val="1500"/>
         </a:spcBef>
         <a:buFont typeface="Arial" panose="020B0604020202020204" pitchFamily="34" charset="0"/>
         <a:buChar char="•"/>
-        <a:defRPr sz="6720" kern="1200">
+        <a:defRPr sz="4200" kern="1200">
           <a:solidFill>
             <a:schemeClr val="tx1"/>
           </a:solidFill>
@@ -2741,16 +2743,16 @@
           <a:cs typeface="+mn-cs"/>
         </a:defRPr>
       </a:lvl1pPr>
-      <a:lvl2pPr marL="1645920" indent="-548640" algn="l" defTabSz="2194560" rtl="0" eaLnBrk="1" latinLnBrk="0" hangingPunct="1">
+      <a:lvl2pPr marL="1028700" indent="-342900" algn="l" defTabSz="1371600" rtl="0" eaLnBrk="1" latinLnBrk="0" hangingPunct="1">
         <a:lnSpc>
           <a:spcPct val="90000"/>
         </a:lnSpc>
         <a:spcBef>
-          <a:spcPts val="1200"/>
+          <a:spcPts val="750"/>
         </a:spcBef>
         <a:buFont typeface="Arial" panose="020B0604020202020204" pitchFamily="34" charset="0"/>
         <a:buChar char="•"/>
-        <a:defRPr sz="5760" kern="1200">
+        <a:defRPr sz="3600" kern="1200">
           <a:solidFill>
             <a:schemeClr val="tx1"/>
           </a:solidFill>
@@ -2759,16 +2761,16 @@
           <a:cs typeface="+mn-cs"/>
         </a:defRPr>
       </a:lvl2pPr>
-      <a:lvl3pPr marL="2743200" indent="-548640" algn="l" defTabSz="2194560" rtl="0" eaLnBrk="1" latinLnBrk="0" hangingPunct="1">
+      <a:lvl3pPr marL="1714500" indent="-342900" algn="l" defTabSz="1371600" rtl="0" eaLnBrk="1" latinLnBrk="0" hangingPunct="1">
         <a:lnSpc>
           <a:spcPct val="90000"/>
         </a:lnSpc>
         <a:spcBef>
-          <a:spcPts val="1200"/>
+          <a:spcPts val="750"/>
         </a:spcBef>
         <a:buFont typeface="Arial" panose="020B0604020202020204" pitchFamily="34" charset="0"/>
         <a:buChar char="•"/>
-        <a:defRPr sz="4800" kern="1200">
+        <a:defRPr sz="3000" kern="1200">
           <a:solidFill>
             <a:schemeClr val="tx1"/>
           </a:solidFill>
@@ -2777,16 +2779,16 @@
           <a:cs typeface="+mn-cs"/>
         </a:defRPr>
       </a:lvl3pPr>
-      <a:lvl4pPr marL="3840480" indent="-548640" algn="l" defTabSz="2194560" rtl="0" eaLnBrk="1" latinLnBrk="0" hangingPunct="1">
+      <a:lvl4pPr marL="2400300" indent="-342900" algn="l" defTabSz="1371600" rtl="0" eaLnBrk="1" latinLnBrk="0" hangingPunct="1">
         <a:lnSpc>
           <a:spcPct val="90000"/>
         </a:lnSpc>
         <a:spcBef>
-          <a:spcPts val="1200"/>
+          <a:spcPts val="750"/>
         </a:spcBef>
         <a:buFont typeface="Arial" panose="020B0604020202020204" pitchFamily="34" charset="0"/>
         <a:buChar char="•"/>
-        <a:defRPr sz="4320" kern="1200">
+        <a:defRPr sz="2700" kern="1200">
           <a:solidFill>
             <a:schemeClr val="tx1"/>
           </a:solidFill>
@@ -2795,16 +2797,16 @@
           <a:cs typeface="+mn-cs"/>
         </a:defRPr>
       </a:lvl4pPr>
-      <a:lvl5pPr marL="4937760" indent="-548640" algn="l" defTabSz="2194560" rtl="0" eaLnBrk="1" latinLnBrk="0" hangingPunct="1">
+      <a:lvl5pPr marL="3086100" indent="-342900" algn="l" defTabSz="1371600" rtl="0" eaLnBrk="1" latinLnBrk="0" hangingPunct="1">
         <a:lnSpc>
           <a:spcPct val="90000"/>
         </a:lnSpc>
         <a:spcBef>
-          <a:spcPts val="1200"/>
+          <a:spcPts val="750"/>
         </a:spcBef>
         <a:buFont typeface="Arial" panose="020B0604020202020204" pitchFamily="34" charset="0"/>
         <a:buChar char="•"/>
-        <a:defRPr sz="4320" kern="1200">
+        <a:defRPr sz="2700" kern="1200">
           <a:solidFill>
             <a:schemeClr val="tx1"/>
           </a:solidFill>
@@ -2813,16 +2815,16 @@
           <a:cs typeface="+mn-cs"/>
         </a:defRPr>
       </a:lvl5pPr>
-      <a:lvl6pPr marL="6035040" indent="-548640" algn="l" defTabSz="2194560" rtl="0" eaLnBrk="1" latinLnBrk="0" hangingPunct="1">
+      <a:lvl6pPr marL="3771900" indent="-342900" algn="l" defTabSz="1371600" rtl="0" eaLnBrk="1" latinLnBrk="0" hangingPunct="1">
         <a:lnSpc>
           <a:spcPct val="90000"/>
         </a:lnSpc>
         <a:spcBef>
-          <a:spcPts val="1200"/>
+          <a:spcPts val="750"/>
         </a:spcBef>
         <a:buFont typeface="Arial" panose="020B0604020202020204" pitchFamily="34" charset="0"/>
         <a:buChar char="•"/>
-        <a:defRPr sz="4320" kern="1200">
+        <a:defRPr sz="2700" kern="1200">
           <a:solidFill>
             <a:schemeClr val="tx1"/>
           </a:solidFill>
@@ -2831,16 +2833,16 @@
           <a:cs typeface="+mn-cs"/>
         </a:defRPr>
       </a:lvl6pPr>
-      <a:lvl7pPr marL="7132320" indent="-548640" algn="l" defTabSz="2194560" rtl="0" eaLnBrk="1" latinLnBrk="0" hangingPunct="1">
+      <a:lvl7pPr marL="4457700" indent="-342900" algn="l" defTabSz="1371600" rtl="0" eaLnBrk="1" latinLnBrk="0" hangingPunct="1">
         <a:lnSpc>
           <a:spcPct val="90000"/>
         </a:lnSpc>
         <a:spcBef>
-          <a:spcPts val="1200"/>
+          <a:spcPts val="750"/>
         </a:spcBef>
         <a:buFont typeface="Arial" panose="020B0604020202020204" pitchFamily="34" charset="0"/>
         <a:buChar char="•"/>
-        <a:defRPr sz="4320" kern="1200">
+        <a:defRPr sz="2700" kern="1200">
           <a:solidFill>
             <a:schemeClr val="tx1"/>
           </a:solidFill>
@@ -2849,16 +2851,16 @@
           <a:cs typeface="+mn-cs"/>
         </a:defRPr>
       </a:lvl7pPr>
-      <a:lvl8pPr marL="8229600" indent="-548640" algn="l" defTabSz="2194560" rtl="0" eaLnBrk="1" latinLnBrk="0" hangingPunct="1">
+      <a:lvl8pPr marL="5143500" indent="-342900" algn="l" defTabSz="1371600" rtl="0" eaLnBrk="1" latinLnBrk="0" hangingPunct="1">
         <a:lnSpc>
           <a:spcPct val="90000"/>
         </a:lnSpc>
         <a:spcBef>
-          <a:spcPts val="1200"/>
+          <a:spcPts val="750"/>
         </a:spcBef>
         <a:buFont typeface="Arial" panose="020B0604020202020204" pitchFamily="34" charset="0"/>
         <a:buChar char="•"/>
-        <a:defRPr sz="4320" kern="1200">
+        <a:defRPr sz="2700" kern="1200">
           <a:solidFill>
             <a:schemeClr val="tx1"/>
           </a:solidFill>
@@ -2867,16 +2869,16 @@
           <a:cs typeface="+mn-cs"/>
         </a:defRPr>
       </a:lvl8pPr>
-      <a:lvl9pPr marL="9326880" indent="-548640" algn="l" defTabSz="2194560" rtl="0" eaLnBrk="1" latinLnBrk="0" hangingPunct="1">
+      <a:lvl9pPr marL="5829300" indent="-342900" algn="l" defTabSz="1371600" rtl="0" eaLnBrk="1" latinLnBrk="0" hangingPunct="1">
         <a:lnSpc>
           <a:spcPct val="90000"/>
         </a:lnSpc>
         <a:spcBef>
-          <a:spcPts val="1200"/>
+          <a:spcPts val="750"/>
         </a:spcBef>
         <a:buFont typeface="Arial" panose="020B0604020202020204" pitchFamily="34" charset="0"/>
         <a:buChar char="•"/>
-        <a:defRPr sz="4320" kern="1200">
+        <a:defRPr sz="2700" kern="1200">
           <a:solidFill>
             <a:schemeClr val="tx1"/>
           </a:solidFill>
@@ -2890,8 +2892,8 @@
       <a:defPPr>
         <a:defRPr lang="en-US"/>
       </a:defPPr>
-      <a:lvl1pPr marL="0" algn="l" defTabSz="2194560" rtl="0" eaLnBrk="1" latinLnBrk="0" hangingPunct="1">
-        <a:defRPr sz="4320" kern="1200">
+      <a:lvl1pPr marL="0" algn="l" defTabSz="1371600" rtl="0" eaLnBrk="1" latinLnBrk="0" hangingPunct="1">
+        <a:defRPr sz="2700" kern="1200">
           <a:solidFill>
             <a:schemeClr val="tx1"/>
           </a:solidFill>
@@ -2900,8 +2902,8 @@
           <a:cs typeface="+mn-cs"/>
         </a:defRPr>
       </a:lvl1pPr>
-      <a:lvl2pPr marL="1097280" algn="l" defTabSz="2194560" rtl="0" eaLnBrk="1" latinLnBrk="0" hangingPunct="1">
-        <a:defRPr sz="4320" kern="1200">
+      <a:lvl2pPr marL="685800" algn="l" defTabSz="1371600" rtl="0" eaLnBrk="1" latinLnBrk="0" hangingPunct="1">
+        <a:defRPr sz="2700" kern="1200">
           <a:solidFill>
             <a:schemeClr val="tx1"/>
           </a:solidFill>
@@ -2910,8 +2912,8 @@
           <a:cs typeface="+mn-cs"/>
         </a:defRPr>
       </a:lvl2pPr>
-      <a:lvl3pPr marL="2194560" algn="l" defTabSz="2194560" rtl="0" eaLnBrk="1" latinLnBrk="0" hangingPunct="1">
-        <a:defRPr sz="4320" kern="1200">
+      <a:lvl3pPr marL="1371600" algn="l" defTabSz="1371600" rtl="0" eaLnBrk="1" latinLnBrk="0" hangingPunct="1">
+        <a:defRPr sz="2700" kern="1200">
           <a:solidFill>
             <a:schemeClr val="tx1"/>
           </a:solidFill>
@@ -2920,8 +2922,8 @@
           <a:cs typeface="+mn-cs"/>
         </a:defRPr>
       </a:lvl3pPr>
-      <a:lvl4pPr marL="3291840" algn="l" defTabSz="2194560" rtl="0" eaLnBrk="1" latinLnBrk="0" hangingPunct="1">
-        <a:defRPr sz="4320" kern="1200">
+      <a:lvl4pPr marL="2057400" algn="l" defTabSz="1371600" rtl="0" eaLnBrk="1" latinLnBrk="0" hangingPunct="1">
+        <a:defRPr sz="2700" kern="1200">
           <a:solidFill>
             <a:schemeClr val="tx1"/>
           </a:solidFill>
@@ -2930,8 +2932,8 @@
           <a:cs typeface="+mn-cs"/>
         </a:defRPr>
       </a:lvl4pPr>
-      <a:lvl5pPr marL="4389120" algn="l" defTabSz="2194560" rtl="0" eaLnBrk="1" latinLnBrk="0" hangingPunct="1">
-        <a:defRPr sz="4320" kern="1200">
+      <a:lvl5pPr marL="2743200" algn="l" defTabSz="1371600" rtl="0" eaLnBrk="1" latinLnBrk="0" hangingPunct="1">
+        <a:defRPr sz="2700" kern="1200">
           <a:solidFill>
             <a:schemeClr val="tx1"/>
           </a:solidFill>
@@ -2940,8 +2942,8 @@
           <a:cs typeface="+mn-cs"/>
         </a:defRPr>
       </a:lvl5pPr>
-      <a:lvl6pPr marL="5486400" algn="l" defTabSz="2194560" rtl="0" eaLnBrk="1" latinLnBrk="0" hangingPunct="1">
-        <a:defRPr sz="4320" kern="1200">
+      <a:lvl6pPr marL="3429000" algn="l" defTabSz="1371600" rtl="0" eaLnBrk="1" latinLnBrk="0" hangingPunct="1">
+        <a:defRPr sz="2700" kern="1200">
           <a:solidFill>
             <a:schemeClr val="tx1"/>
           </a:solidFill>
@@ -2950,8 +2952,8 @@
           <a:cs typeface="+mn-cs"/>
         </a:defRPr>
       </a:lvl6pPr>
-      <a:lvl7pPr marL="6583680" algn="l" defTabSz="2194560" rtl="0" eaLnBrk="1" latinLnBrk="0" hangingPunct="1">
-        <a:defRPr sz="4320" kern="1200">
+      <a:lvl7pPr marL="4114800" algn="l" defTabSz="1371600" rtl="0" eaLnBrk="1" latinLnBrk="0" hangingPunct="1">
+        <a:defRPr sz="2700" kern="1200">
           <a:solidFill>
             <a:schemeClr val="tx1"/>
           </a:solidFill>
@@ -2960,8 +2962,8 @@
           <a:cs typeface="+mn-cs"/>
         </a:defRPr>
       </a:lvl7pPr>
-      <a:lvl8pPr marL="7680960" algn="l" defTabSz="2194560" rtl="0" eaLnBrk="1" latinLnBrk="0" hangingPunct="1">
-        <a:defRPr sz="4320" kern="1200">
+      <a:lvl8pPr marL="4800600" algn="l" defTabSz="1371600" rtl="0" eaLnBrk="1" latinLnBrk="0" hangingPunct="1">
+        <a:defRPr sz="2700" kern="1200">
           <a:solidFill>
             <a:schemeClr val="tx1"/>
           </a:solidFill>
@@ -2970,8 +2972,8 @@
           <a:cs typeface="+mn-cs"/>
         </a:defRPr>
       </a:lvl8pPr>
-      <a:lvl9pPr marL="8778240" algn="l" defTabSz="2194560" rtl="0" eaLnBrk="1" latinLnBrk="0" hangingPunct="1">
-        <a:defRPr sz="4320" kern="1200">
+      <a:lvl9pPr marL="5486400" algn="l" defTabSz="1371600" rtl="0" eaLnBrk="1" latinLnBrk="0" hangingPunct="1">
+        <a:defRPr sz="2700" kern="1200">
           <a:solidFill>
             <a:schemeClr val="tx1"/>
           </a:solidFill>
@@ -3016,7 +3018,7 @@
         </p:nvSpPr>
         <p:spPr>
           <a:xfrm>
-            <a:off x="876795" y="3721928"/>
+            <a:off x="-952005" y="635829"/>
             <a:ext cx="2090057" cy="1436915"/>
           </a:xfrm>
           <a:prstGeom prst="flowChartProcess">
@@ -3065,7 +3067,7 @@
         </p:nvSpPr>
         <p:spPr>
           <a:xfrm>
-            <a:off x="4326575" y="3721928"/>
+            <a:off x="2497776" y="635829"/>
             <a:ext cx="2090057" cy="1436915"/>
           </a:xfrm>
           <a:prstGeom prst="flowChartProcess">
@@ -3114,7 +3116,7 @@
         </p:nvSpPr>
         <p:spPr>
           <a:xfrm>
-            <a:off x="2623457" y="6116784"/>
+            <a:off x="794658" y="3030685"/>
             <a:ext cx="2090057" cy="1436915"/>
           </a:xfrm>
           <a:prstGeom prst="flowChartAlternateProcess">
@@ -3169,7 +3171,7 @@
         </p:nvCxnSpPr>
         <p:spPr>
           <a:xfrm rot="16200000" flipH="1">
-            <a:off x="2316185" y="4764482"/>
+            <a:off x="487386" y="1678382"/>
             <a:ext cx="957941" cy="1746662"/>
           </a:xfrm>
           <a:prstGeom prst="bentConnector3">
@@ -3211,7 +3213,7 @@
         </p:nvCxnSpPr>
         <p:spPr>
           <a:xfrm rot="5400000">
-            <a:off x="4041075" y="4786254"/>
+            <a:off x="2212276" y="1700154"/>
             <a:ext cx="957941" cy="1703118"/>
           </a:xfrm>
           <a:prstGeom prst="bentConnector3">
@@ -3250,7 +3252,7 @@
         </p:nvSpPr>
         <p:spPr>
           <a:xfrm>
-            <a:off x="11705113" y="3721928"/>
+            <a:off x="9876314" y="635829"/>
             <a:ext cx="2090057" cy="1436915"/>
           </a:xfrm>
           <a:prstGeom prst="flowChartProcess">
@@ -3299,7 +3301,7 @@
         </p:nvSpPr>
         <p:spPr>
           <a:xfrm>
-            <a:off x="11705118" y="5637813"/>
+            <a:off x="9876319" y="2551714"/>
             <a:ext cx="2090057" cy="1436915"/>
           </a:xfrm>
           <a:prstGeom prst="flowChartDecision">
@@ -3348,7 +3350,7 @@
         </p:nvSpPr>
         <p:spPr>
           <a:xfrm>
-            <a:off x="8728969" y="7553698"/>
+            <a:off x="6900170" y="4467599"/>
             <a:ext cx="2090057" cy="1436915"/>
           </a:xfrm>
           <a:prstGeom prst="flowChartProcess">
@@ -3397,7 +3399,7 @@
         </p:nvSpPr>
         <p:spPr>
           <a:xfrm>
-            <a:off x="8728971" y="9360723"/>
+            <a:off x="6900172" y="6274624"/>
             <a:ext cx="2090057" cy="1436915"/>
           </a:xfrm>
           <a:prstGeom prst="flowChartDecision">
@@ -3446,7 +3448,7 @@
         </p:nvSpPr>
         <p:spPr>
           <a:xfrm>
-            <a:off x="6846732" y="11407245"/>
+            <a:off x="5017933" y="8321146"/>
             <a:ext cx="2090057" cy="1436915"/>
           </a:xfrm>
           <a:prstGeom prst="flowChartProcess">
@@ -3502,7 +3504,7 @@
         </p:nvCxnSpPr>
         <p:spPr>
           <a:xfrm rot="5400000">
-            <a:off x="11022588" y="5826139"/>
+            <a:off x="9193788" y="2740040"/>
             <a:ext cx="478970" cy="2976149"/>
           </a:xfrm>
           <a:prstGeom prst="bentConnector3">
@@ -3547,7 +3549,7 @@
         </p:nvCxnSpPr>
         <p:spPr>
           <a:xfrm rot="16200000" flipH="1">
-            <a:off x="9588944" y="9175667"/>
+            <a:off x="7760144" y="6089567"/>
             <a:ext cx="370110" cy="2"/>
           </a:xfrm>
           <a:prstGeom prst="bentConnector3">
@@ -3589,7 +3591,7 @@
         </p:nvCxnSpPr>
         <p:spPr>
           <a:xfrm rot="5400000">
-            <a:off x="8528078" y="10161322"/>
+            <a:off x="6699279" y="7075223"/>
             <a:ext cx="609607" cy="1882239"/>
           </a:xfrm>
           <a:prstGeom prst="bentConnector3">
@@ -3634,7 +3636,7 @@
         </p:nvCxnSpPr>
         <p:spPr>
           <a:xfrm rot="16200000" flipH="1">
-            <a:off x="12510659" y="5398325"/>
+            <a:off x="10681859" y="2312226"/>
             <a:ext cx="478970" cy="5"/>
           </a:xfrm>
           <a:prstGeom prst="bentConnector3">
@@ -3673,7 +3675,7 @@
         </p:nvSpPr>
         <p:spPr>
           <a:xfrm>
-            <a:off x="14680268" y="7553698"/>
+            <a:off x="12851469" y="4467599"/>
             <a:ext cx="2090057" cy="1436915"/>
           </a:xfrm>
           <a:prstGeom prst="flowChartDecision">
@@ -3722,7 +3724,7 @@
         </p:nvSpPr>
         <p:spPr>
           <a:xfrm>
-            <a:off x="16562505" y="9360720"/>
+            <a:off x="14733706" y="6274621"/>
             <a:ext cx="2090057" cy="1436915"/>
           </a:xfrm>
           <a:prstGeom prst="flowChartDecision">
@@ -3771,7 +3773,7 @@
         </p:nvSpPr>
         <p:spPr>
           <a:xfrm>
-            <a:off x="18444740" y="11385467"/>
+            <a:off x="16615941" y="8299368"/>
             <a:ext cx="2090057" cy="1436915"/>
           </a:xfrm>
           <a:prstGeom prst="flowChartProcess">
@@ -3826,7 +3828,7 @@
         </p:nvCxnSpPr>
         <p:spPr>
           <a:xfrm rot="16200000" flipH="1">
-            <a:off x="16481362" y="8234547"/>
+            <a:off x="14652563" y="5148448"/>
             <a:ext cx="370107" cy="1882237"/>
           </a:xfrm>
           <a:prstGeom prst="bentConnector3">
@@ -3871,7 +3873,7 @@
         </p:nvCxnSpPr>
         <p:spPr>
           <a:xfrm rot="16200000" flipH="1">
-            <a:off x="18254735" y="10150433"/>
+            <a:off x="16425935" y="7064334"/>
             <a:ext cx="587832" cy="1882235"/>
           </a:xfrm>
           <a:prstGeom prst="bentConnector3">
@@ -3913,7 +3915,7 @@
         </p:nvSpPr>
         <p:spPr>
           <a:xfrm>
-            <a:off x="10611205" y="13673360"/>
+            <a:off x="8782406" y="10587261"/>
             <a:ext cx="2090057" cy="1436915"/>
           </a:xfrm>
           <a:prstGeom prst="flowChartOffpageConnector">
@@ -3962,7 +3964,7 @@
         </p:nvSpPr>
         <p:spPr>
           <a:xfrm>
-            <a:off x="12798032" y="9360719"/>
+            <a:off x="10969233" y="6274620"/>
             <a:ext cx="2090057" cy="1436915"/>
           </a:xfrm>
           <a:prstGeom prst="flowChartOffpageConnector">
@@ -4011,7 +4013,7 @@
         </p:nvSpPr>
         <p:spPr>
           <a:xfrm>
-            <a:off x="14680268" y="11385468"/>
+            <a:off x="12851469" y="8299369"/>
             <a:ext cx="2090057" cy="1436915"/>
           </a:xfrm>
           <a:prstGeom prst="flowChartOffpageConnector">
@@ -4063,7 +4065,7 @@
         </p:nvCxnSpPr>
         <p:spPr>
           <a:xfrm rot="5400000">
-            <a:off x="14599126" y="8234548"/>
+            <a:off x="12770326" y="5148448"/>
             <a:ext cx="370106" cy="1882236"/>
           </a:xfrm>
           <a:prstGeom prst="bentConnector3">
@@ -4108,7 +4110,7 @@
         </p:nvCxnSpPr>
         <p:spPr>
           <a:xfrm rot="5400000">
-            <a:off x="16372500" y="10150433"/>
+            <a:off x="14543701" y="7064334"/>
             <a:ext cx="587833" cy="1882237"/>
           </a:xfrm>
           <a:prstGeom prst="bentConnector3">
@@ -4153,7 +4155,7 @@
         </p:nvCxnSpPr>
         <p:spPr>
           <a:xfrm rot="16200000" flipH="1">
-            <a:off x="13998237" y="5826638"/>
+            <a:off x="12169437" y="2740538"/>
             <a:ext cx="478970" cy="2975150"/>
           </a:xfrm>
           <a:prstGeom prst="bentConnector3">
@@ -4195,7 +4197,7 @@
         </p:nvSpPr>
         <p:spPr>
           <a:xfrm>
-            <a:off x="6846731" y="13673361"/>
+            <a:off x="5017932" y="10587262"/>
             <a:ext cx="2090057" cy="1436915"/>
           </a:xfrm>
           <a:prstGeom prst="flowChartInputOutput">
@@ -4252,7 +4254,7 @@
         </p:nvSpPr>
         <p:spPr>
           <a:xfrm>
-            <a:off x="10611206" y="11407245"/>
+            <a:off x="8782407" y="8321146"/>
             <a:ext cx="2090057" cy="1436915"/>
           </a:xfrm>
           <a:prstGeom prst="flowChartInputOutput">
@@ -4312,7 +4314,7 @@
         </p:nvCxnSpPr>
         <p:spPr>
           <a:xfrm rot="16200000" flipH="1">
-            <a:off x="10410314" y="10161323"/>
+            <a:off x="8581515" y="7075224"/>
             <a:ext cx="609607" cy="1882235"/>
           </a:xfrm>
           <a:prstGeom prst="bentConnector3">
@@ -4357,7 +4359,7 @@
         </p:nvCxnSpPr>
         <p:spPr>
           <a:xfrm rot="5400000">
-            <a:off x="7477161" y="13258760"/>
+            <a:off x="5648362" y="10172661"/>
             <a:ext cx="829201" cy="1"/>
           </a:xfrm>
           <a:prstGeom prst="bentConnector3">
@@ -4399,7 +4401,7 @@
         </p:nvCxnSpPr>
         <p:spPr>
           <a:xfrm rot="5400000">
-            <a:off x="11241635" y="13258760"/>
+            <a:off x="9412835" y="10172661"/>
             <a:ext cx="829200" cy="1"/>
           </a:xfrm>
           <a:prstGeom prst="bentConnector3">
@@ -4438,7 +4440,7 @@
         </p:nvSpPr>
         <p:spPr>
           <a:xfrm>
-            <a:off x="18444739" y="13673359"/>
+            <a:off x="16615940" y="10587260"/>
             <a:ext cx="2090057" cy="1436915"/>
           </a:xfrm>
           <a:prstGeom prst="flowChartInputOutput">
@@ -4498,7 +4500,7 @@
         </p:nvCxnSpPr>
         <p:spPr>
           <a:xfrm rot="5400000">
-            <a:off x="19064281" y="13247870"/>
+            <a:off x="17235482" y="10161771"/>
             <a:ext cx="850977" cy="1"/>
           </a:xfrm>
           <a:prstGeom prst="bentConnector3">
@@ -4537,7 +4539,7 @@
         </p:nvSpPr>
         <p:spPr>
           <a:xfrm>
-            <a:off x="18652558" y="7553696"/>
+            <a:off x="16823759" y="4467597"/>
             <a:ext cx="2090057" cy="1436915"/>
           </a:xfrm>
           <a:prstGeom prst="flowChartInputOutput">
@@ -4597,7 +4599,7 @@
         </p:nvCxnSpPr>
         <p:spPr>
           <a:xfrm flipV="1">
-            <a:off x="16770325" y="8272154"/>
+            <a:off x="14941526" y="5186054"/>
             <a:ext cx="2091239" cy="2"/>
           </a:xfrm>
           <a:prstGeom prst="bentConnector3">
@@ -4636,7 +4638,7 @@
         </p:nvSpPr>
         <p:spPr>
           <a:xfrm>
-            <a:off x="2623456" y="8511640"/>
+            <a:off x="794657" y="5425541"/>
             <a:ext cx="2090057" cy="1436915"/>
           </a:xfrm>
           <a:prstGeom prst="flowChartInputOutput">
@@ -4696,7 +4698,7 @@
         </p:nvCxnSpPr>
         <p:spPr>
           <a:xfrm rot="5400000">
-            <a:off x="3189516" y="8032669"/>
+            <a:off x="1360717" y="4946570"/>
             <a:ext cx="957941" cy="1"/>
           </a:xfrm>
           <a:prstGeom prst="bentConnector3">
@@ -4735,8 +4737,8 @@
         </p:nvSpPr>
         <p:spPr>
           <a:xfrm>
-            <a:off x="18272556" y="311728"/>
-            <a:ext cx="1674414" cy="369332"/>
+            <a:off x="16443756" y="-2774372"/>
+            <a:ext cx="1674414" cy="298415"/>
           </a:xfrm>
           <a:prstGeom prst="rect">
             <a:avLst/>
@@ -4776,10 +4778,10 @@
         </p:nvGrpSpPr>
         <p:grpSpPr>
           <a:xfrm>
-            <a:off x="17352818" y="1018309"/>
-            <a:ext cx="2594152" cy="369332"/>
+            <a:off x="15524018" y="-2067791"/>
+            <a:ext cx="2594152" cy="311631"/>
             <a:chOff x="17352818" y="1018309"/>
-            <a:chExt cx="2594152" cy="369332"/>
+            <a:chExt cx="2594152" cy="311631"/>
           </a:xfrm>
         </p:grpSpPr>
         <p:sp>
@@ -4843,7 +4845,7 @@
           <p:spPr>
             <a:xfrm>
               <a:off x="18272556" y="1018309"/>
-              <a:ext cx="1674414" cy="369332"/>
+              <a:ext cx="1674414" cy="298415"/>
             </a:xfrm>
             <a:prstGeom prst="rect">
               <a:avLst/>
@@ -4878,10 +4880,10 @@
         </p:nvGrpSpPr>
         <p:grpSpPr>
           <a:xfrm>
-            <a:off x="17352818" y="1522611"/>
-            <a:ext cx="3715986" cy="369332"/>
+            <a:off x="15524018" y="-1563489"/>
+            <a:ext cx="3715986" cy="340482"/>
             <a:chOff x="17352818" y="1484160"/>
-            <a:chExt cx="3715986" cy="369332"/>
+            <a:chExt cx="3715986" cy="340482"/>
           </a:xfrm>
         </p:grpSpPr>
         <p:sp>
@@ -4948,7 +4950,7 @@
           <p:spPr>
             <a:xfrm>
               <a:off x="18272555" y="1484160"/>
-              <a:ext cx="2796249" cy="369332"/>
+              <a:ext cx="2796249" cy="298415"/>
             </a:xfrm>
             <a:prstGeom prst="rect">
               <a:avLst/>
@@ -4983,10 +4985,10 @@
         </p:nvGrpSpPr>
         <p:grpSpPr>
           <a:xfrm>
-            <a:off x="17352818" y="2026913"/>
-            <a:ext cx="3927764" cy="369332"/>
+            <a:off x="15524018" y="-1059187"/>
+            <a:ext cx="3927764" cy="342010"/>
             <a:chOff x="17352818" y="2026913"/>
-            <a:chExt cx="3927764" cy="369332"/>
+            <a:chExt cx="3927764" cy="342010"/>
           </a:xfrm>
         </p:grpSpPr>
         <p:sp>
@@ -5058,7 +5060,7 @@
           <p:spPr>
             <a:xfrm>
               <a:off x="18272556" y="2026913"/>
-              <a:ext cx="3008026" cy="369332"/>
+              <a:ext cx="3008026" cy="298415"/>
             </a:xfrm>
             <a:prstGeom prst="rect">
               <a:avLst/>
@@ -5093,7 +5095,7 @@
         </p:nvSpPr>
         <p:spPr>
           <a:xfrm>
-            <a:off x="886114" y="1133728"/>
+            <a:off x="-942686" y="-1952372"/>
             <a:ext cx="15685710" cy="1246495"/>
           </a:xfrm>
           <a:prstGeom prst="rect">
@@ -5216,7 +5218,7 @@
         </p:nvSpPr>
         <p:spPr>
           <a:xfrm>
-            <a:off x="8207829" y="1088569"/>
+            <a:off x="6379030" y="-1997531"/>
             <a:ext cx="2090057" cy="1436915"/>
           </a:xfrm>
           <a:prstGeom prst="flowChartDecision">
@@ -5262,7 +5264,7 @@
         </p:nvSpPr>
         <p:spPr>
           <a:xfrm>
-            <a:off x="11277602" y="1088570"/>
+            <a:off x="9448803" y="-1997530"/>
             <a:ext cx="2090057" cy="1436915"/>
           </a:xfrm>
           <a:prstGeom prst="flowChartProcess">
@@ -5308,7 +5310,7 @@
         </p:nvSpPr>
         <p:spPr>
           <a:xfrm>
-            <a:off x="15022289" y="1088570"/>
+            <a:off x="13193490" y="-1997530"/>
             <a:ext cx="2090057" cy="1436915"/>
           </a:xfrm>
           <a:prstGeom prst="flowChartAlternateProcess">
@@ -5354,7 +5356,7 @@
         </p:nvSpPr>
         <p:spPr>
           <a:xfrm>
-            <a:off x="5138056" y="1088569"/>
+            <a:off x="3309257" y="-1997531"/>
             <a:ext cx="2090057" cy="1436915"/>
           </a:xfrm>
           <a:prstGeom prst="flowChartOffpageConnector">
@@ -5400,7 +5402,7 @@
         </p:nvSpPr>
         <p:spPr>
           <a:xfrm>
-            <a:off x="17939658" y="1088569"/>
+            <a:off x="16110859" y="-1997531"/>
             <a:ext cx="2090057" cy="1436915"/>
           </a:xfrm>
           <a:prstGeom prst="flowChartInputOutput">
@@ -5479,7 +5481,7 @@
         </p:nvCxnSpPr>
         <p:spPr>
           <a:xfrm rot="10800000" flipV="1">
-            <a:off x="9720767" y="5823600"/>
+            <a:off x="7891968" y="2737500"/>
             <a:ext cx="7319681" cy="879986"/>
           </a:xfrm>
           <a:prstGeom prst="bentConnector3">
@@ -5525,7 +5527,7 @@
         </p:nvCxnSpPr>
         <p:spPr>
           <a:xfrm rot="10800000" flipV="1">
-            <a:off x="9720259" y="7555167"/>
+            <a:off x="7891459" y="4469067"/>
             <a:ext cx="7320186" cy="855178"/>
           </a:xfrm>
           <a:prstGeom prst="bentConnector3">
@@ -5571,7 +5573,7 @@
         </p:nvCxnSpPr>
         <p:spPr>
           <a:xfrm>
-            <a:off x="4992747" y="7560246"/>
+            <a:off x="3163948" y="4474147"/>
             <a:ext cx="2637455" cy="850099"/>
           </a:xfrm>
           <a:prstGeom prst="bentConnector3">
@@ -5614,7 +5616,7 @@
         </p:nvSpPr>
         <p:spPr>
           <a:xfrm>
-            <a:off x="7630202" y="1679903"/>
+            <a:off x="5801403" y="-1406197"/>
             <a:ext cx="2090057" cy="1063298"/>
           </a:xfrm>
           <a:prstGeom prst="flowChartOffpageConnector">
@@ -5671,7 +5673,7 @@
         </p:nvSpPr>
         <p:spPr>
           <a:xfrm>
-            <a:off x="10835434" y="1679903"/>
+            <a:off x="9006635" y="-1406197"/>
             <a:ext cx="2090057" cy="1063299"/>
           </a:xfrm>
           <a:prstGeom prst="flowChartOffpageConnector">
@@ -5720,7 +5722,7 @@
         </p:nvSpPr>
         <p:spPr>
           <a:xfrm>
-            <a:off x="2902689" y="3046952"/>
+            <a:off x="1073890" y="-39148"/>
             <a:ext cx="2090057" cy="519519"/>
           </a:xfrm>
           <a:prstGeom prst="flowChartProcess">
@@ -5769,7 +5771,7 @@
         </p:nvSpPr>
         <p:spPr>
           <a:xfrm>
-            <a:off x="2902690" y="4149712"/>
+            <a:off x="1073891" y="1063613"/>
             <a:ext cx="2090057" cy="519519"/>
           </a:xfrm>
           <a:prstGeom prst="flowChartProcess">
@@ -5818,7 +5820,7 @@
         </p:nvSpPr>
         <p:spPr>
           <a:xfrm>
-            <a:off x="2902689" y="5246401"/>
+            <a:off x="1073890" y="2160302"/>
             <a:ext cx="2090057" cy="1154397"/>
           </a:xfrm>
           <a:prstGeom prst="flowChartDecision">
@@ -5867,7 +5869,7 @@
         </p:nvSpPr>
         <p:spPr>
           <a:xfrm>
-            <a:off x="7630709" y="5503090"/>
+            <a:off x="5801910" y="2416991"/>
             <a:ext cx="2090057" cy="641017"/>
           </a:xfrm>
           <a:prstGeom prst="flowChartOffpageConnector">
@@ -5924,7 +5926,7 @@
         </p:nvSpPr>
         <p:spPr>
           <a:xfrm>
-            <a:off x="7630709" y="6383077"/>
+            <a:off x="5801910" y="3296978"/>
             <a:ext cx="2090057" cy="641017"/>
           </a:xfrm>
           <a:prstGeom prst="flowChartOffpageConnector">
@@ -5976,7 +5978,7 @@
         </p:nvCxnSpPr>
         <p:spPr>
           <a:xfrm>
-            <a:off x="4992746" y="5823600"/>
+            <a:off x="3163947" y="2737500"/>
             <a:ext cx="2637963" cy="879986"/>
           </a:xfrm>
           <a:prstGeom prst="bentConnector3">
@@ -6022,7 +6024,7 @@
         </p:nvCxnSpPr>
         <p:spPr>
           <a:xfrm flipV="1">
-            <a:off x="4992746" y="5823599"/>
+            <a:off x="3163947" y="2737500"/>
             <a:ext cx="2637963" cy="1"/>
           </a:xfrm>
           <a:prstGeom prst="bentConnector3">
@@ -6065,7 +6067,7 @@
         </p:nvSpPr>
         <p:spPr>
           <a:xfrm>
-            <a:off x="2902690" y="6983047"/>
+            <a:off x="1073891" y="3896948"/>
             <a:ext cx="2090057" cy="1154397"/>
           </a:xfrm>
           <a:prstGeom prst="flowChartDecision">
@@ -6114,7 +6116,7 @@
         </p:nvSpPr>
         <p:spPr>
           <a:xfrm>
-            <a:off x="7630203" y="7234137"/>
+            <a:off x="5801404" y="4148038"/>
             <a:ext cx="2090057" cy="641017"/>
           </a:xfrm>
           <a:prstGeom prst="flowChartOffpageConnector">
@@ -6171,7 +6173,7 @@
         </p:nvSpPr>
         <p:spPr>
           <a:xfrm>
-            <a:off x="7630202" y="8089836"/>
+            <a:off x="5801403" y="5003737"/>
             <a:ext cx="2090057" cy="641017"/>
           </a:xfrm>
           <a:prstGeom prst="flowChartOffpageConnector">
@@ -6223,7 +6225,7 @@
         </p:nvCxnSpPr>
         <p:spPr>
           <a:xfrm flipV="1">
-            <a:off x="4992747" y="7554646"/>
+            <a:off x="3163947" y="4468546"/>
             <a:ext cx="2637456" cy="5600"/>
           </a:xfrm>
           <a:prstGeom prst="bentConnector3">
@@ -6266,7 +6268,7 @@
         </p:nvSpPr>
         <p:spPr>
           <a:xfrm>
-            <a:off x="2902688" y="9317893"/>
+            <a:off x="1073889" y="6231794"/>
             <a:ext cx="2090057" cy="519519"/>
           </a:xfrm>
           <a:prstGeom prst="flowChartProcess">
@@ -6318,7 +6320,7 @@
         </p:nvCxnSpPr>
         <p:spPr>
           <a:xfrm rot="5400000">
-            <a:off x="5019379" y="2716568"/>
+            <a:off x="3190580" y="-369532"/>
             <a:ext cx="6834451" cy="6887718"/>
           </a:xfrm>
           <a:prstGeom prst="bentConnector2">
@@ -6358,7 +6360,7 @@
         </p:nvSpPr>
         <p:spPr>
           <a:xfrm>
-            <a:off x="2902689" y="11497304"/>
+            <a:off x="1073890" y="8411205"/>
             <a:ext cx="2090057" cy="1154397"/>
           </a:xfrm>
           <a:prstGeom prst="flowChartDecision">
@@ -6407,7 +6409,7 @@
         </p:nvSpPr>
         <p:spPr>
           <a:xfrm>
-            <a:off x="10835435" y="10058398"/>
+            <a:off x="9006636" y="6972299"/>
             <a:ext cx="2090057" cy="576203"/>
           </a:xfrm>
           <a:prstGeom prst="flowChartOffpageConnector">
@@ -6459,7 +6461,7 @@
         </p:nvCxnSpPr>
         <p:spPr>
           <a:xfrm rot="16200000" flipH="1">
-            <a:off x="7137032" y="6648097"/>
+            <a:off x="5308232" y="3561997"/>
             <a:ext cx="509088" cy="6887718"/>
           </a:xfrm>
           <a:prstGeom prst="bentConnector2">
@@ -6502,7 +6504,7 @@
         </p:nvCxnSpPr>
         <p:spPr>
           <a:xfrm rot="5400000">
-            <a:off x="7482740" y="7099579"/>
+            <a:off x="5653941" y="4013479"/>
             <a:ext cx="862703" cy="7932746"/>
           </a:xfrm>
           <a:prstGeom prst="bentConnector3">
@@ -6545,7 +6547,7 @@
         </p:nvCxnSpPr>
         <p:spPr>
           <a:xfrm rot="16200000" flipH="1">
-            <a:off x="3656098" y="3858090"/>
+            <a:off x="1827299" y="771991"/>
             <a:ext cx="583241" cy="1"/>
           </a:xfrm>
           <a:prstGeom prst="bentConnector3">
@@ -6587,7 +6589,7 @@
         </p:nvCxnSpPr>
         <p:spPr>
           <a:xfrm rot="5400000">
-            <a:off x="3659134" y="4957816"/>
+            <a:off x="1830334" y="1871717"/>
             <a:ext cx="577170" cy="1"/>
           </a:xfrm>
           <a:prstGeom prst="bentConnector3">
@@ -6629,7 +6631,7 @@
         </p:nvCxnSpPr>
         <p:spPr>
           <a:xfrm rot="16200000" flipH="1">
-            <a:off x="3656594" y="6691921"/>
+            <a:off x="1827795" y="3605822"/>
             <a:ext cx="582249" cy="1"/>
           </a:xfrm>
           <a:prstGeom prst="bentConnector3">
@@ -6671,7 +6673,7 @@
         </p:nvCxnSpPr>
         <p:spPr>
           <a:xfrm rot="5400000">
-            <a:off x="3357494" y="8727667"/>
+            <a:off x="1528695" y="5641567"/>
             <a:ext cx="1180449" cy="2"/>
           </a:xfrm>
           <a:prstGeom prst="bentConnector3">
@@ -6710,7 +6712,7 @@
         </p:nvSpPr>
         <p:spPr>
           <a:xfrm>
-            <a:off x="10835433" y="11753993"/>
+            <a:off x="9006634" y="8667894"/>
             <a:ext cx="2090057" cy="641017"/>
           </a:xfrm>
           <a:prstGeom prst="flowChartOffpageConnector">
@@ -6759,7 +6761,7 @@
         </p:nvSpPr>
         <p:spPr>
           <a:xfrm>
-            <a:off x="6869062" y="13182602"/>
+            <a:off x="5040263" y="10096503"/>
             <a:ext cx="2090057" cy="718457"/>
           </a:xfrm>
           <a:prstGeom prst="flowChartInputOutput">
@@ -6811,7 +6813,7 @@
         </p:nvCxnSpPr>
         <p:spPr>
           <a:xfrm flipV="1">
-            <a:off x="4992746" y="12074502"/>
+            <a:off x="3163947" y="8988403"/>
             <a:ext cx="5842687" cy="1"/>
           </a:xfrm>
           <a:prstGeom prst="bentConnector3">
@@ -6857,7 +6859,7 @@
         </p:nvCxnSpPr>
         <p:spPr>
           <a:xfrm>
-            <a:off x="4992746" y="12074503"/>
+            <a:off x="3163946" y="8988404"/>
             <a:ext cx="3130350" cy="1108099"/>
           </a:xfrm>
           <a:prstGeom prst="bentConnector2">
@@ -6899,7 +6901,7 @@
         </p:nvSpPr>
         <p:spPr>
           <a:xfrm>
-            <a:off x="2902688" y="13228899"/>
+            <a:off x="1073889" y="10142800"/>
             <a:ext cx="2090057" cy="519519"/>
           </a:xfrm>
           <a:prstGeom prst="flowChartProcess">
@@ -6951,7 +6953,7 @@
         </p:nvCxnSpPr>
         <p:spPr>
           <a:xfrm rot="5400000">
-            <a:off x="3659119" y="12940300"/>
+            <a:off x="1830319" y="9854201"/>
             <a:ext cx="577198" cy="1"/>
           </a:xfrm>
           <a:prstGeom prst="bentConnector3">
@@ -6996,7 +6998,7 @@
         </p:nvCxnSpPr>
         <p:spPr>
           <a:xfrm rot="5400000" flipH="1">
-            <a:off x="2588245" y="12388947"/>
+            <a:off x="759446" y="9302847"/>
             <a:ext cx="1673915" cy="1045028"/>
           </a:xfrm>
           <a:prstGeom prst="bentConnector4">
@@ -7041,7 +7043,7 @@
         </p:nvCxnSpPr>
         <p:spPr>
           <a:xfrm rot="16200000" flipH="1">
-            <a:off x="7295540" y="4122891"/>
+            <a:off x="5466741" y="1036792"/>
             <a:ext cx="2759889" cy="507"/>
           </a:xfrm>
           <a:prstGeom prst="bentConnector3">
@@ -7081,7 +7083,7 @@
         </p:nvSpPr>
         <p:spPr>
           <a:xfrm>
-            <a:off x="17040447" y="3046952"/>
+            <a:off x="15211648" y="-39148"/>
             <a:ext cx="2090057" cy="519519"/>
           </a:xfrm>
           <a:prstGeom prst="flowChartProcess">
@@ -7130,7 +7132,7 @@
         </p:nvSpPr>
         <p:spPr>
           <a:xfrm>
-            <a:off x="17040448" y="4149712"/>
+            <a:off x="15211649" y="1063613"/>
             <a:ext cx="2090057" cy="519519"/>
           </a:xfrm>
           <a:prstGeom prst="flowChartProcess">
@@ -7179,7 +7181,7 @@
         </p:nvSpPr>
         <p:spPr>
           <a:xfrm>
-            <a:off x="17040447" y="5246401"/>
+            <a:off x="15211648" y="2160302"/>
             <a:ext cx="2090057" cy="1154397"/>
           </a:xfrm>
           <a:prstGeom prst="flowChartDecision">
@@ -7228,7 +7230,7 @@
         </p:nvSpPr>
         <p:spPr>
           <a:xfrm>
-            <a:off x="17040445" y="6977968"/>
+            <a:off x="15211646" y="3891869"/>
             <a:ext cx="2090057" cy="1154397"/>
           </a:xfrm>
           <a:prstGeom prst="flowChartDecision">
@@ -7277,7 +7279,7 @@
         </p:nvSpPr>
         <p:spPr>
           <a:xfrm>
-            <a:off x="17040446" y="9317893"/>
+            <a:off x="15211647" y="6231794"/>
             <a:ext cx="2090057" cy="519519"/>
           </a:xfrm>
           <a:prstGeom prst="flowChartProcess">
@@ -7326,7 +7328,7 @@
         </p:nvSpPr>
         <p:spPr>
           <a:xfrm>
-            <a:off x="17040447" y="11497304"/>
+            <a:off x="15211648" y="8411205"/>
             <a:ext cx="2090057" cy="1154397"/>
           </a:xfrm>
           <a:prstGeom prst="flowChartDecision">
@@ -7378,7 +7380,7 @@
         </p:nvCxnSpPr>
         <p:spPr>
           <a:xfrm rot="16200000" flipH="1">
-            <a:off x="17793856" y="3858090"/>
+            <a:off x="15965057" y="771991"/>
             <a:ext cx="583241" cy="1"/>
           </a:xfrm>
           <a:prstGeom prst="bentConnector3">
@@ -7420,7 +7422,7 @@
         </p:nvCxnSpPr>
         <p:spPr>
           <a:xfrm rot="5400000">
-            <a:off x="17796892" y="4957816"/>
+            <a:off x="15968092" y="1871717"/>
             <a:ext cx="577170" cy="1"/>
           </a:xfrm>
           <a:prstGeom prst="bentConnector3">
@@ -7462,7 +7464,7 @@
         </p:nvCxnSpPr>
         <p:spPr>
           <a:xfrm rot="5400000">
-            <a:off x="17796890" y="6689382"/>
+            <a:off x="15968090" y="3603282"/>
             <a:ext cx="577170" cy="2"/>
           </a:xfrm>
           <a:prstGeom prst="bentConnector3">
@@ -7504,7 +7506,7 @@
         </p:nvCxnSpPr>
         <p:spPr>
           <a:xfrm rot="16200000" flipH="1">
-            <a:off x="17492710" y="8725128"/>
+            <a:off x="15663910" y="5639029"/>
             <a:ext cx="1185528" cy="1"/>
           </a:xfrm>
           <a:prstGeom prst="bentConnector3">
@@ -7543,7 +7545,7 @@
         </p:nvSpPr>
         <p:spPr>
           <a:xfrm>
-            <a:off x="17040446" y="13228899"/>
+            <a:off x="15211647" y="10142800"/>
             <a:ext cx="2090057" cy="519519"/>
           </a:xfrm>
           <a:prstGeom prst="flowChartProcess">
@@ -7595,7 +7597,7 @@
         </p:nvCxnSpPr>
         <p:spPr>
           <a:xfrm rot="5400000">
-            <a:off x="17796877" y="12940300"/>
+            <a:off x="15968077" y="9854201"/>
             <a:ext cx="577198" cy="1"/>
           </a:xfrm>
           <a:prstGeom prst="bentConnector3">
@@ -7640,7 +7642,7 @@
         </p:nvCxnSpPr>
         <p:spPr>
           <a:xfrm rot="10800000">
-            <a:off x="9720767" y="5823600"/>
+            <a:off x="7891968" y="2737501"/>
             <a:ext cx="7319681" cy="1"/>
           </a:xfrm>
           <a:prstGeom prst="bentConnector3">
@@ -7686,7 +7688,7 @@
         </p:nvCxnSpPr>
         <p:spPr>
           <a:xfrm rot="10800000">
-            <a:off x="9720261" y="7554647"/>
+            <a:off x="7891462" y="4468548"/>
             <a:ext cx="7320185" cy="521"/>
           </a:xfrm>
           <a:prstGeom prst="bentConnector3">
@@ -7732,7 +7734,7 @@
         </p:nvCxnSpPr>
         <p:spPr>
           <a:xfrm rot="16200000" flipH="1">
-            <a:off x="11043229" y="3580435"/>
+            <a:off x="9214430" y="494336"/>
             <a:ext cx="6834451" cy="5159983"/>
           </a:xfrm>
           <a:prstGeom prst="bentConnector2">
@@ -7775,7 +7777,7 @@
         </p:nvCxnSpPr>
         <p:spPr>
           <a:xfrm rot="5400000">
-            <a:off x="15250940" y="7511965"/>
+            <a:off x="13422140" y="4425866"/>
             <a:ext cx="509088" cy="5159983"/>
           </a:xfrm>
           <a:prstGeom prst="bentConnector2">
@@ -7818,7 +7820,7 @@
         </p:nvCxnSpPr>
         <p:spPr>
           <a:xfrm rot="16200000" flipH="1">
-            <a:off x="14551619" y="7963446"/>
+            <a:off x="12722820" y="4877346"/>
             <a:ext cx="862703" cy="6205012"/>
           </a:xfrm>
           <a:prstGeom prst="bentConnector3">
@@ -7864,7 +7866,7 @@
         </p:nvCxnSpPr>
         <p:spPr>
           <a:xfrm rot="5400000" flipH="1" flipV="1">
-            <a:off x="17771031" y="12388946"/>
+            <a:off x="15942232" y="9302847"/>
             <a:ext cx="1673915" cy="1045029"/>
           </a:xfrm>
           <a:prstGeom prst="bentConnector4">
@@ -7909,7 +7911,7 @@
         </p:nvCxnSpPr>
         <p:spPr>
           <a:xfrm rot="10800000">
-            <a:off x="12925491" y="12074503"/>
+            <a:off x="11096692" y="8988404"/>
             <a:ext cx="4114957" cy="1"/>
           </a:xfrm>
           <a:prstGeom prst="bentConnector3">
@@ -7952,7 +7954,7 @@
         </p:nvSpPr>
         <p:spPr>
           <a:xfrm>
-            <a:off x="13074072" y="13129429"/>
+            <a:off x="11245273" y="10043330"/>
             <a:ext cx="2090057" cy="718457"/>
           </a:xfrm>
           <a:prstGeom prst="flowChartInputOutput">
@@ -8004,7 +8006,7 @@
         </p:nvCxnSpPr>
         <p:spPr>
           <a:xfrm rot="10800000" flipV="1">
-            <a:off x="14328107" y="12074503"/>
+            <a:off x="12499308" y="8988403"/>
             <a:ext cx="2712341" cy="1054926"/>
           </a:xfrm>
           <a:prstGeom prst="bentConnector2">
@@ -8076,7 +8078,7 @@
         </p:nvSpPr>
         <p:spPr>
           <a:xfrm>
-            <a:off x="665018" y="706582"/>
+            <a:off x="-1163782" y="-2379518"/>
             <a:ext cx="20615564" cy="11035145"/>
           </a:xfrm>
           <a:prstGeom prst="roundRect">
@@ -8130,7 +8132,7 @@
         </p:nvSpPr>
         <p:spPr>
           <a:xfrm>
-            <a:off x="1288472" y="1226127"/>
+            <a:off x="-540328" y="-1859973"/>
             <a:ext cx="4468092" cy="1200329"/>
           </a:xfrm>
           <a:prstGeom prst="rect">
@@ -8181,7 +8183,7 @@
         </p:nvSpPr>
         <p:spPr>
           <a:xfrm>
-            <a:off x="665019" y="14256327"/>
+            <a:off x="-1163781" y="11170227"/>
             <a:ext cx="20615564" cy="1433946"/>
           </a:xfrm>
           <a:prstGeom prst="roundRect">
@@ -8239,7 +8241,7 @@
         </p:nvSpPr>
         <p:spPr>
           <a:xfrm>
-            <a:off x="5527964" y="2202873"/>
+            <a:off x="3699164" y="-883227"/>
             <a:ext cx="15129164" cy="9019309"/>
           </a:xfrm>
           <a:prstGeom prst="roundRect">
@@ -8290,7 +8292,7 @@
         </p:nvSpPr>
         <p:spPr>
           <a:xfrm>
-            <a:off x="5943600" y="2639291"/>
+            <a:off x="4114800" y="-446809"/>
             <a:ext cx="5216236" cy="1200329"/>
           </a:xfrm>
           <a:prstGeom prst="rect">
@@ -8341,7 +8343,7 @@
         </p:nvSpPr>
         <p:spPr>
           <a:xfrm>
-            <a:off x="665018" y="12261272"/>
+            <a:off x="-1163782" y="9175172"/>
             <a:ext cx="20615564" cy="1433946"/>
           </a:xfrm>
           <a:prstGeom prst="roundRect">
@@ -8399,7 +8401,7 @@
         </p:nvCxnSpPr>
         <p:spPr>
           <a:xfrm>
-            <a:off x="1745673" y="3239455"/>
+            <a:off x="-83127" y="153355"/>
             <a:ext cx="3782291" cy="0"/>
           </a:xfrm>
           <a:prstGeom prst="straightConnector1">
@@ -8441,7 +8443,7 @@
         </p:nvSpPr>
         <p:spPr>
           <a:xfrm>
-            <a:off x="1745673" y="3449782"/>
+            <a:off x="-83127" y="363683"/>
             <a:ext cx="3470563" cy="830997"/>
           </a:xfrm>
           <a:prstGeom prst="rect">
@@ -8478,7 +8480,7 @@
         </p:nvCxnSpPr>
         <p:spPr>
           <a:xfrm flipV="1">
-            <a:off x="7148942" y="6744333"/>
+            <a:off x="5320142" y="3658234"/>
             <a:ext cx="0" cy="5766323"/>
           </a:xfrm>
           <a:prstGeom prst="straightConnector1">
@@ -8523,7 +8525,7 @@
         </p:nvCxnSpPr>
         <p:spPr>
           <a:xfrm>
-            <a:off x="9518077" y="4943289"/>
+            <a:off x="7689277" y="1857189"/>
             <a:ext cx="2286000" cy="0"/>
           </a:xfrm>
           <a:prstGeom prst="straightConnector1">
@@ -8565,7 +8567,7 @@
         </p:nvSpPr>
         <p:spPr>
           <a:xfrm>
-            <a:off x="11928758" y="3839620"/>
+            <a:off x="10099958" y="753520"/>
             <a:ext cx="8063250" cy="6925362"/>
           </a:xfrm>
           <a:prstGeom prst="roundRect">
@@ -8616,7 +8618,7 @@
         </p:nvSpPr>
         <p:spPr>
           <a:xfrm>
-            <a:off x="12240492" y="4280779"/>
+            <a:off x="10411692" y="1194680"/>
             <a:ext cx="4759036" cy="1200329"/>
           </a:xfrm>
           <a:prstGeom prst="rect">
@@ -8667,7 +8669,7 @@
         </p:nvSpPr>
         <p:spPr>
           <a:xfrm>
-            <a:off x="9518077" y="5174673"/>
+            <a:off x="7689278" y="2088573"/>
             <a:ext cx="2285997" cy="1569660"/>
           </a:xfrm>
           <a:prstGeom prst="rect">
@@ -8704,7 +8706,7 @@
         </p:nvCxnSpPr>
         <p:spPr>
           <a:xfrm flipV="1">
-            <a:off x="16926786" y="8562109"/>
+            <a:off x="15097986" y="5476009"/>
             <a:ext cx="0" cy="3948548"/>
           </a:xfrm>
           <a:prstGeom prst="straightConnector1">
@@ -8747,7 +8749,7 @@
         </p:nvCxnSpPr>
         <p:spPr>
           <a:xfrm flipV="1">
-            <a:off x="10972800" y="13279582"/>
+            <a:off x="9144000" y="10193482"/>
             <a:ext cx="0" cy="1371600"/>
           </a:xfrm>
           <a:prstGeom prst="straightConnector1">
@@ -8790,7 +8792,7 @@
         </p:nvSpPr>
         <p:spPr>
           <a:xfrm>
-            <a:off x="6234645" y="4614199"/>
+            <a:off x="4405846" y="1528099"/>
             <a:ext cx="2951019" cy="1891144"/>
           </a:xfrm>
           <a:prstGeom prst="rect">
@@ -8842,7 +8844,7 @@
         </p:nvSpPr>
         <p:spPr>
           <a:xfrm>
-            <a:off x="16292942" y="6224154"/>
+            <a:off x="14464143" y="3138054"/>
             <a:ext cx="2951019" cy="1891144"/>
           </a:xfrm>
           <a:prstGeom prst="rect">
@@ -8896,7 +8898,7 @@
         </p:nvCxnSpPr>
         <p:spPr>
           <a:xfrm flipH="1" flipV="1">
-            <a:off x="16916398" y="3239455"/>
+            <a:off x="15087598" y="153355"/>
             <a:ext cx="20776" cy="2911966"/>
           </a:xfrm>
           <a:prstGeom prst="straightConnector1">
@@ -8939,7 +8941,7 @@
         </p:nvSpPr>
         <p:spPr>
           <a:xfrm>
-            <a:off x="17352818" y="4280779"/>
+            <a:off x="15524019" y="1194679"/>
             <a:ext cx="1891143" cy="1569660"/>
           </a:xfrm>
           <a:prstGeom prst="rect">
@@ -8974,7 +8976,7 @@
         </p:nvCxnSpPr>
         <p:spPr>
           <a:xfrm rot="10800000">
-            <a:off x="6234646" y="1454728"/>
+            <a:off x="4405847" y="-1631372"/>
             <a:ext cx="5694113" cy="2161309"/>
           </a:xfrm>
           <a:prstGeom prst="bentConnector3">
@@ -9019,7 +9021,7 @@
         </p:nvSpPr>
         <p:spPr>
           <a:xfrm>
-            <a:off x="12240492" y="2426456"/>
+            <a:off x="10411692" y="-659644"/>
             <a:ext cx="3595250" cy="830997"/>
           </a:xfrm>
           <a:prstGeom prst="rect">
@@ -9084,7 +9086,7 @@
         </p:nvGrpSpPr>
         <p:grpSpPr>
           <a:xfrm>
-            <a:off x="14005501" y="5938722"/>
+            <a:off x="12176702" y="2852622"/>
             <a:ext cx="3054675" cy="5551562"/>
             <a:chOff x="14005501" y="6933099"/>
             <a:chExt cx="3054675" cy="4806462"/>
@@ -9307,7 +9309,7 @@
         </p:nvGrpSpPr>
         <p:grpSpPr>
           <a:xfrm>
-            <a:off x="5777576" y="4259343"/>
+            <a:off x="3948776" y="1173244"/>
             <a:ext cx="6980482" cy="8225319"/>
             <a:chOff x="5777576" y="5460866"/>
             <a:chExt cx="6980482" cy="7023796"/>
@@ -9884,7 +9886,7 @@
         </p:nvCxnSpPr>
         <p:spPr>
           <a:xfrm>
-            <a:off x="8978199" y="7327122"/>
+            <a:off x="7149400" y="4241022"/>
             <a:ext cx="5533067" cy="3606"/>
           </a:xfrm>
           <a:prstGeom prst="bentConnector3">
@@ -9932,7 +9934,7 @@
         </p:nvCxnSpPr>
         <p:spPr>
           <a:xfrm rot="10800000">
-            <a:off x="4530134" y="5920698"/>
+            <a:off x="2701335" y="2834599"/>
             <a:ext cx="2201615" cy="5587611"/>
           </a:xfrm>
           <a:prstGeom prst="bentConnector3">
@@ -9977,7 +9979,7 @@
         </p:nvCxnSpPr>
         <p:spPr>
           <a:xfrm flipH="1" flipV="1">
-            <a:off x="8821806" y="5205136"/>
+            <a:off x="6993006" y="2119036"/>
             <a:ext cx="7779516" cy="4509080"/>
           </a:xfrm>
           <a:prstGeom prst="bentConnector3">
@@ -10018,7 +10020,7 @@
         </p:nvGrpSpPr>
         <p:grpSpPr>
           <a:xfrm>
-            <a:off x="1730168" y="4240380"/>
+            <a:off x="-98632" y="1154281"/>
             <a:ext cx="3054674" cy="8244281"/>
             <a:chOff x="3868615" y="3212123"/>
             <a:chExt cx="3054674" cy="6462764"/>
@@ -10345,7 +10347,7 @@
         </p:nvSpPr>
         <p:spPr>
           <a:xfrm>
-            <a:off x="6731748" y="2483276"/>
+            <a:off x="4902949" y="-602824"/>
             <a:ext cx="2090057" cy="1047324"/>
           </a:xfrm>
           <a:prstGeom prst="flowChartOffpageConnector">
@@ -10399,10 +10401,10 @@
         </p:nvGrpSpPr>
         <p:grpSpPr>
           <a:xfrm>
-            <a:off x="17263063" y="779585"/>
-            <a:ext cx="2574458" cy="3479758"/>
+            <a:off x="15434263" y="-2306515"/>
+            <a:ext cx="2574458" cy="3460795"/>
             <a:chOff x="14637095" y="779585"/>
-            <a:chExt cx="2574458" cy="3479758"/>
+            <a:chExt cx="2574458" cy="3460795"/>
           </a:xfrm>
         </p:grpSpPr>
         <p:sp>
@@ -10588,7 +10590,7 @@
           <p:spPr>
             <a:xfrm>
               <a:off x="15857317" y="779585"/>
-              <a:ext cx="1024936" cy="369278"/>
+              <a:ext cx="1024936" cy="298415"/>
             </a:xfrm>
             <a:prstGeom prst="rect">
               <a:avLst/>
@@ -10623,7 +10625,7 @@
           <p:spPr>
             <a:xfrm>
               <a:off x="15857317" y="1298123"/>
-              <a:ext cx="1024936" cy="369278"/>
+              <a:ext cx="1024936" cy="298415"/>
             </a:xfrm>
             <a:prstGeom prst="rect">
               <a:avLst/>
@@ -10658,7 +10660,7 @@
           <p:spPr>
             <a:xfrm>
               <a:off x="15857317" y="1816661"/>
-              <a:ext cx="1024936" cy="369278"/>
+              <a:ext cx="1024936" cy="298415"/>
             </a:xfrm>
             <a:prstGeom prst="rect">
               <a:avLst/>
@@ -10777,7 +10779,7 @@
           <p:spPr>
             <a:xfrm>
               <a:off x="15857317" y="2335199"/>
-              <a:ext cx="1024936" cy="369278"/>
+              <a:ext cx="1024936" cy="298415"/>
             </a:xfrm>
             <a:prstGeom prst="rect">
               <a:avLst/>
@@ -10812,7 +10814,7 @@
           <p:spPr>
             <a:xfrm>
               <a:off x="15857317" y="2853737"/>
-              <a:ext cx="1024936" cy="369278"/>
+              <a:ext cx="1024936" cy="298415"/>
             </a:xfrm>
             <a:prstGeom prst="rect">
               <a:avLst/>
@@ -10890,7 +10892,7 @@
           <p:spPr>
             <a:xfrm>
               <a:off x="15857316" y="3371847"/>
-              <a:ext cx="1354237" cy="369332"/>
+              <a:ext cx="1354237" cy="298415"/>
             </a:xfrm>
             <a:prstGeom prst="rect">
               <a:avLst/>
@@ -10977,7 +10979,7 @@
           <p:spPr>
             <a:xfrm>
               <a:off x="15857316" y="3890011"/>
-              <a:ext cx="1354237" cy="369332"/>
+              <a:ext cx="1354237" cy="298415"/>
             </a:xfrm>
             <a:prstGeom prst="rect">
               <a:avLst/>
@@ -11012,7 +11014,7 @@
         </p:nvSpPr>
         <p:spPr>
           <a:xfrm>
-            <a:off x="773723" y="779585"/>
+            <a:off x="-1055077" y="-2306515"/>
             <a:ext cx="15568245" cy="1246495"/>
           </a:xfrm>
           <a:prstGeom prst="rect">
@@ -11051,7 +11053,7 @@
         </p:nvCxnSpPr>
         <p:spPr>
           <a:xfrm>
-            <a:off x="7776777" y="3530600"/>
+            <a:off x="5947978" y="444501"/>
             <a:ext cx="1" cy="1193057"/>
           </a:xfrm>
           <a:prstGeom prst="straightConnector1">
@@ -11098,7 +11100,7 @@
         </p:nvCxnSpPr>
         <p:spPr>
           <a:xfrm rot="16200000" flipH="1">
-            <a:off x="10003914" y="1303463"/>
+            <a:off x="8175115" y="-1782637"/>
             <a:ext cx="3325245" cy="7779518"/>
           </a:xfrm>
           <a:prstGeom prst="bentConnector3">
@@ -11143,7 +11145,7 @@
         </p:nvSpPr>
         <p:spPr>
           <a:xfrm>
-            <a:off x="1753620" y="12843504"/>
+            <a:off x="-75180" y="9757405"/>
             <a:ext cx="3054674" cy="646331"/>
           </a:xfrm>
           <a:prstGeom prst="rect">
@@ -11179,7 +11181,7 @@
         </p:nvSpPr>
         <p:spPr>
           <a:xfrm>
-            <a:off x="7294468" y="12843506"/>
+            <a:off x="5465668" y="9757407"/>
             <a:ext cx="3054674" cy="646331"/>
           </a:xfrm>
           <a:prstGeom prst="rect">
@@ -11215,7 +11217,7 @@
         </p:nvSpPr>
         <p:spPr>
           <a:xfrm>
-            <a:off x="14005501" y="12843505"/>
+            <a:off x="12176701" y="9757406"/>
             <a:ext cx="3054674" cy="646331"/>
           </a:xfrm>
           <a:prstGeom prst="rect">
@@ -11281,7 +11283,7 @@
         </p:nvSpPr>
         <p:spPr>
           <a:xfrm>
-            <a:off x="8636431" y="2995243"/>
+            <a:off x="6807632" y="-90857"/>
             <a:ext cx="2090057" cy="775399"/>
           </a:xfrm>
           <a:prstGeom prst="flowChartProcess">
@@ -11333,7 +11335,7 @@
         </p:nvCxnSpPr>
         <p:spPr>
           <a:xfrm rot="5400000">
-            <a:off x="4747371" y="622643"/>
+            <a:off x="2918571" y="-2463457"/>
             <a:ext cx="1786090" cy="8082089"/>
           </a:xfrm>
           <a:prstGeom prst="bentConnector3">
@@ -11375,7 +11377,7 @@
         </p:nvCxnSpPr>
         <p:spPr>
           <a:xfrm rot="5400000">
-            <a:off x="7460696" y="3335968"/>
+            <a:off x="5631897" y="249868"/>
             <a:ext cx="1786091" cy="2655438"/>
           </a:xfrm>
           <a:prstGeom prst="bentConnector3">
@@ -11417,7 +11419,7 @@
         </p:nvCxnSpPr>
         <p:spPr>
           <a:xfrm rot="16200000" flipH="1">
-            <a:off x="10175290" y="3276812"/>
+            <a:off x="8346490" y="190712"/>
             <a:ext cx="1786090" cy="2773750"/>
           </a:xfrm>
           <a:prstGeom prst="bentConnector3">
@@ -11459,7 +11461,7 @@
         </p:nvCxnSpPr>
         <p:spPr>
           <a:xfrm rot="16200000" flipH="1">
-            <a:off x="12889885" y="562217"/>
+            <a:off x="11061085" y="-2523883"/>
             <a:ext cx="1786090" cy="8202940"/>
           </a:xfrm>
           <a:prstGeom prst="bentConnector3">
@@ -11498,7 +11500,7 @@
         </p:nvGrpSpPr>
         <p:grpSpPr>
           <a:xfrm>
-            <a:off x="553072" y="5556732"/>
+            <a:off x="-1275728" y="2470632"/>
             <a:ext cx="4536153" cy="9252526"/>
             <a:chOff x="1021992" y="4970582"/>
             <a:chExt cx="4536153" cy="9252526"/>
@@ -12086,7 +12088,7 @@
         </p:nvGrpSpPr>
         <p:grpSpPr>
           <a:xfrm>
-            <a:off x="5980993" y="5556733"/>
+            <a:off x="4152194" y="2470634"/>
             <a:ext cx="4536153" cy="9252525"/>
             <a:chOff x="7115908" y="4970583"/>
             <a:chExt cx="4536153" cy="9252525"/>
@@ -12696,7 +12698,7 @@
         </p:nvGrpSpPr>
         <p:grpSpPr>
           <a:xfrm>
-            <a:off x="11408914" y="5556732"/>
+            <a:off x="9580115" y="2470633"/>
             <a:ext cx="4536153" cy="9177161"/>
             <a:chOff x="12269447" y="4970582"/>
             <a:chExt cx="4536153" cy="9177161"/>
@@ -13306,7 +13308,7 @@
         </p:nvGrpSpPr>
         <p:grpSpPr>
           <a:xfrm>
-            <a:off x="16836836" y="5556732"/>
+            <a:off x="15008037" y="2470633"/>
             <a:ext cx="4536153" cy="9177161"/>
             <a:chOff x="17305756" y="4970582"/>
             <a:chExt cx="4536153" cy="9177161"/>
@@ -13916,7 +13918,7 @@
         </p:nvSpPr>
         <p:spPr>
           <a:xfrm>
-            <a:off x="351693" y="726916"/>
+            <a:off x="-1477107" y="-2359184"/>
             <a:ext cx="11793415" cy="1246495"/>
           </a:xfrm>
           <a:prstGeom prst="rect">
@@ -13951,7 +13953,7 @@
         </p:nvSpPr>
         <p:spPr>
           <a:xfrm>
-            <a:off x="117232" y="4970585"/>
+            <a:off x="-1711568" y="1884485"/>
             <a:ext cx="5225987" cy="10456984"/>
           </a:xfrm>
           <a:prstGeom prst="roundRect">
@@ -14003,7 +14005,7 @@
         </p:nvSpPr>
         <p:spPr>
           <a:xfrm>
-            <a:off x="5615040" y="4970585"/>
+            <a:off x="3786241" y="1884485"/>
             <a:ext cx="5225987" cy="10456984"/>
           </a:xfrm>
           <a:prstGeom prst="roundRect">
@@ -14055,7 +14057,7 @@
         </p:nvSpPr>
         <p:spPr>
           <a:xfrm>
-            <a:off x="11150478" y="4970585"/>
+            <a:off x="9321679" y="1884485"/>
             <a:ext cx="5225987" cy="10456984"/>
           </a:xfrm>
           <a:prstGeom prst="roundRect">
@@ -14107,7 +14109,7 @@
         </p:nvSpPr>
         <p:spPr>
           <a:xfrm>
-            <a:off x="16596589" y="4970585"/>
+            <a:off x="14767790" y="1884485"/>
             <a:ext cx="5225987" cy="10456984"/>
           </a:xfrm>
           <a:prstGeom prst="roundRect">
@@ -14159,7 +14161,7 @@
         </p:nvGrpSpPr>
         <p:grpSpPr>
           <a:xfrm>
-            <a:off x="16791609" y="915062"/>
+            <a:off x="14962809" y="-2171038"/>
             <a:ext cx="4270568" cy="670229"/>
             <a:chOff x="16689569" y="609087"/>
             <a:chExt cx="4270568" cy="670229"/>
@@ -14297,7 +14299,7 @@
         </p:nvSpPr>
         <p:spPr>
           <a:xfrm>
-            <a:off x="15885042" y="2296633"/>
+            <a:off x="14056243" y="-789467"/>
             <a:ext cx="4918833" cy="11115615"/>
           </a:xfrm>
           <a:prstGeom prst="roundRect">
@@ -14353,7 +14355,7 @@
         </p:nvSpPr>
         <p:spPr>
           <a:xfrm>
-            <a:off x="318977" y="2296633"/>
+            <a:off x="-1509823" y="-789467"/>
             <a:ext cx="15289609" cy="11115615"/>
           </a:xfrm>
           <a:prstGeom prst="roundRect">
@@ -14408,7 +14410,7 @@
         </p:nvCxnSpPr>
         <p:spPr>
           <a:xfrm rot="10800000" flipV="1">
-            <a:off x="8839960" y="6908118"/>
+            <a:off x="7011161" y="3822018"/>
             <a:ext cx="2246263" cy="879986"/>
           </a:xfrm>
           <a:prstGeom prst="bentConnector3">
@@ -14454,7 +14456,7 @@
         </p:nvCxnSpPr>
         <p:spPr>
           <a:xfrm>
-            <a:off x="4503652" y="8644764"/>
+            <a:off x="2674852" y="5558665"/>
             <a:ext cx="2246248" cy="850099"/>
           </a:xfrm>
           <a:prstGeom prst="bentConnector3">
@@ -14497,7 +14499,7 @@
         </p:nvSpPr>
         <p:spPr>
           <a:xfrm>
-            <a:off x="6749908" y="2775062"/>
+            <a:off x="4921109" y="-311038"/>
             <a:ext cx="2090057" cy="1063298"/>
           </a:xfrm>
           <a:prstGeom prst="flowChartOffpageConnector">
@@ -14554,7 +14556,7 @@
         </p:nvSpPr>
         <p:spPr>
           <a:xfrm>
-            <a:off x="6749907" y="6587608"/>
+            <a:off x="4921108" y="3501509"/>
             <a:ext cx="2090057" cy="641017"/>
           </a:xfrm>
           <a:prstGeom prst="flowChartOffpageConnector">
@@ -14611,7 +14613,7 @@
         </p:nvSpPr>
         <p:spPr>
           <a:xfrm>
-            <a:off x="6749902" y="7467595"/>
+            <a:off x="4921103" y="4381496"/>
             <a:ext cx="2090057" cy="641017"/>
           </a:xfrm>
           <a:prstGeom prst="flowChartOffpageConnector">
@@ -14663,7 +14665,7 @@
         </p:nvCxnSpPr>
         <p:spPr>
           <a:xfrm>
-            <a:off x="4503651" y="6908118"/>
+            <a:off x="2674852" y="3822018"/>
             <a:ext cx="2246251" cy="879986"/>
           </a:xfrm>
           <a:prstGeom prst="bentConnector3">
@@ -14709,7 +14711,7 @@
         </p:nvCxnSpPr>
         <p:spPr>
           <a:xfrm flipV="1">
-            <a:off x="4503651" y="6908117"/>
+            <a:off x="2674851" y="3822018"/>
             <a:ext cx="2246256" cy="1"/>
           </a:xfrm>
           <a:prstGeom prst="bentConnector3">
@@ -14752,7 +14754,7 @@
         </p:nvSpPr>
         <p:spPr>
           <a:xfrm>
-            <a:off x="6749901" y="8317694"/>
+            <a:off x="4921102" y="5231595"/>
             <a:ext cx="2090057" cy="641017"/>
           </a:xfrm>
           <a:prstGeom prst="flowChartOffpageConnector">
@@ -14809,7 +14811,7 @@
         </p:nvSpPr>
         <p:spPr>
           <a:xfrm>
-            <a:off x="6749900" y="9174354"/>
+            <a:off x="4921101" y="6088255"/>
             <a:ext cx="2090057" cy="641017"/>
           </a:xfrm>
           <a:prstGeom prst="flowChartOffpageConnector">
@@ -14861,7 +14863,7 @@
         </p:nvCxnSpPr>
         <p:spPr>
           <a:xfrm flipV="1">
-            <a:off x="4503652" y="8638203"/>
+            <a:off x="2674853" y="5552104"/>
             <a:ext cx="2246249" cy="6561"/>
           </a:xfrm>
           <a:prstGeom prst="bentConnector3">
@@ -14907,7 +14909,7 @@
         </p:nvCxnSpPr>
         <p:spPr>
           <a:xfrm rot="5400000">
-            <a:off x="6420313" y="5212984"/>
+            <a:off x="4591513" y="2126885"/>
             <a:ext cx="2749248" cy="1"/>
           </a:xfrm>
           <a:prstGeom prst="bentConnector3">
@@ -14947,7 +14949,7 @@
         </p:nvSpPr>
         <p:spPr>
           <a:xfrm>
-            <a:off x="2413594" y="3046952"/>
+            <a:off x="584795" y="-39148"/>
             <a:ext cx="2090057" cy="519519"/>
           </a:xfrm>
           <a:prstGeom prst="flowChartProcess">
@@ -14996,7 +14998,7 @@
         </p:nvSpPr>
         <p:spPr>
           <a:xfrm>
-            <a:off x="2413595" y="5229151"/>
+            <a:off x="584796" y="2143052"/>
             <a:ext cx="2090057" cy="519519"/>
           </a:xfrm>
           <a:prstGeom prst="flowChartProcess">
@@ -15045,7 +15047,7 @@
         </p:nvSpPr>
         <p:spPr>
           <a:xfrm>
-            <a:off x="2413594" y="6330919"/>
+            <a:off x="584795" y="3244820"/>
             <a:ext cx="2090057" cy="1154397"/>
           </a:xfrm>
           <a:prstGeom prst="flowChartDecision">
@@ -15094,7 +15096,7 @@
         </p:nvSpPr>
         <p:spPr>
           <a:xfrm>
-            <a:off x="2413595" y="8067565"/>
+            <a:off x="584796" y="4981466"/>
             <a:ext cx="2090057" cy="1154397"/>
           </a:xfrm>
           <a:prstGeom prst="flowChartDecision">
@@ -15146,7 +15148,7 @@
         </p:nvCxnSpPr>
         <p:spPr>
           <a:xfrm rot="5400000">
-            <a:off x="3167500" y="6039794"/>
+            <a:off x="1338701" y="2953695"/>
             <a:ext cx="582249" cy="1"/>
           </a:xfrm>
           <a:prstGeom prst="bentConnector3">
@@ -15188,7 +15190,7 @@
         </p:nvCxnSpPr>
         <p:spPr>
           <a:xfrm rot="16200000" flipH="1">
-            <a:off x="3167499" y="7776439"/>
+            <a:off x="1338700" y="4690340"/>
             <a:ext cx="582249" cy="1"/>
           </a:xfrm>
           <a:prstGeom prst="bentConnector3">
@@ -15227,7 +15229,7 @@
         </p:nvSpPr>
         <p:spPr>
           <a:xfrm>
-            <a:off x="2413593" y="4145884"/>
+            <a:off x="584794" y="1059785"/>
             <a:ext cx="2090057" cy="519519"/>
           </a:xfrm>
           <a:prstGeom prst="flowChartProcess">
@@ -15279,7 +15281,7 @@
         </p:nvCxnSpPr>
         <p:spPr>
           <a:xfrm flipH="1">
-            <a:off x="3458622" y="3566471"/>
+            <a:off x="1629823" y="480372"/>
             <a:ext cx="1" cy="579413"/>
           </a:xfrm>
           <a:prstGeom prst="straightConnector1">
@@ -15321,7 +15323,7 @@
         </p:nvCxnSpPr>
         <p:spPr>
           <a:xfrm rot="16200000" flipH="1">
-            <a:off x="3176749" y="4947276"/>
+            <a:off x="1347949" y="1861176"/>
             <a:ext cx="563748" cy="2"/>
           </a:xfrm>
           <a:prstGeom prst="bentConnector3">
@@ -15360,7 +15362,7 @@
         </p:nvSpPr>
         <p:spPr>
           <a:xfrm>
-            <a:off x="2413593" y="10492462"/>
+            <a:off x="584794" y="7406363"/>
             <a:ext cx="2090057" cy="519519"/>
           </a:xfrm>
           <a:prstGeom prst="flowChartProcess">
@@ -15409,7 +15411,7 @@
         </p:nvSpPr>
         <p:spPr>
           <a:xfrm>
-            <a:off x="2413592" y="11575729"/>
+            <a:off x="584793" y="8489630"/>
             <a:ext cx="2090057" cy="519519"/>
           </a:xfrm>
           <a:prstGeom prst="flowChartProcess">
@@ -15461,7 +15463,7 @@
         </p:nvCxnSpPr>
         <p:spPr>
           <a:xfrm rot="5400000">
-            <a:off x="2823373" y="9857211"/>
+            <a:off x="994573" y="6771111"/>
             <a:ext cx="1270500" cy="2"/>
           </a:xfrm>
           <a:prstGeom prst="bentConnector3">
@@ -15503,7 +15505,7 @@
         </p:nvCxnSpPr>
         <p:spPr>
           <a:xfrm rot="5400000">
-            <a:off x="3176748" y="11293855"/>
+            <a:off x="1347948" y="8207756"/>
             <a:ext cx="563748" cy="1"/>
           </a:xfrm>
           <a:prstGeom prst="bentConnector3">
@@ -15545,7 +15547,7 @@
         </p:nvCxnSpPr>
         <p:spPr>
           <a:xfrm rot="5400000" flipH="1">
-            <a:off x="-908695" y="7727932"/>
+            <a:off x="-2737495" y="4641832"/>
             <a:ext cx="7689604" cy="1045028"/>
           </a:xfrm>
           <a:prstGeom prst="bentConnector4">
@@ -15590,7 +15592,7 @@
         </p:nvCxnSpPr>
         <p:spPr>
           <a:xfrm rot="10800000" flipV="1">
-            <a:off x="8839957" y="8644763"/>
+            <a:off x="7011157" y="5558664"/>
             <a:ext cx="2246266" cy="850099"/>
           </a:xfrm>
           <a:prstGeom prst="bentConnector3">
@@ -15636,7 +15638,7 @@
         </p:nvCxnSpPr>
         <p:spPr>
           <a:xfrm rot="10800000">
-            <a:off x="8839964" y="6908118"/>
+            <a:off x="7011164" y="3822019"/>
             <a:ext cx="2246258" cy="1"/>
           </a:xfrm>
           <a:prstGeom prst="bentConnector3">
@@ -15682,7 +15684,7 @@
         </p:nvCxnSpPr>
         <p:spPr>
           <a:xfrm rot="10800000">
-            <a:off x="8839959" y="8638204"/>
+            <a:off x="7011160" y="5552105"/>
             <a:ext cx="2246265" cy="6561"/>
           </a:xfrm>
           <a:prstGeom prst="bentConnector3">
@@ -15725,7 +15727,7 @@
         </p:nvSpPr>
         <p:spPr>
           <a:xfrm>
-            <a:off x="11086222" y="3046952"/>
+            <a:off x="9257423" y="-39148"/>
             <a:ext cx="2090057" cy="519519"/>
           </a:xfrm>
           <a:prstGeom prst="flowChartProcess">
@@ -15774,7 +15776,7 @@
         </p:nvSpPr>
         <p:spPr>
           <a:xfrm>
-            <a:off x="11086223" y="5229151"/>
+            <a:off x="9257424" y="2143052"/>
             <a:ext cx="2090057" cy="519519"/>
           </a:xfrm>
           <a:prstGeom prst="flowChartProcess">
@@ -15823,7 +15825,7 @@
         </p:nvSpPr>
         <p:spPr>
           <a:xfrm>
-            <a:off x="11086222" y="6330919"/>
+            <a:off x="9257423" y="3244820"/>
             <a:ext cx="2090057" cy="1154397"/>
           </a:xfrm>
           <a:prstGeom prst="flowChartDecision">
@@ -15872,7 +15874,7 @@
         </p:nvSpPr>
         <p:spPr>
           <a:xfrm>
-            <a:off x="11086223" y="8067565"/>
+            <a:off x="9257424" y="4981466"/>
             <a:ext cx="2090057" cy="1154397"/>
           </a:xfrm>
           <a:prstGeom prst="flowChartDecision">
@@ -15924,7 +15926,7 @@
         </p:nvCxnSpPr>
         <p:spPr>
           <a:xfrm rot="5400000">
-            <a:off x="11840128" y="6039794"/>
+            <a:off x="10011329" y="2953695"/>
             <a:ext cx="582249" cy="1"/>
           </a:xfrm>
           <a:prstGeom prst="bentConnector3">
@@ -15966,7 +15968,7 @@
         </p:nvCxnSpPr>
         <p:spPr>
           <a:xfrm rot="16200000" flipH="1">
-            <a:off x="11840127" y="7776439"/>
+            <a:off x="10011328" y="4690340"/>
             <a:ext cx="582249" cy="1"/>
           </a:xfrm>
           <a:prstGeom prst="bentConnector3">
@@ -16005,7 +16007,7 @@
         </p:nvSpPr>
         <p:spPr>
           <a:xfrm>
-            <a:off x="11086221" y="4145884"/>
+            <a:off x="9257422" y="1059785"/>
             <a:ext cx="2090057" cy="519519"/>
           </a:xfrm>
           <a:prstGeom prst="flowChartProcess">
@@ -16057,7 +16059,7 @@
         </p:nvCxnSpPr>
         <p:spPr>
           <a:xfrm flipH="1">
-            <a:off x="12131250" y="3566471"/>
+            <a:off x="10302451" y="480372"/>
             <a:ext cx="1" cy="579413"/>
           </a:xfrm>
           <a:prstGeom prst="straightConnector1">
@@ -16099,7 +16101,7 @@
         </p:nvCxnSpPr>
         <p:spPr>
           <a:xfrm rot="16200000" flipH="1">
-            <a:off x="11849377" y="4947276"/>
+            <a:off x="10020577" y="1861176"/>
             <a:ext cx="563748" cy="2"/>
           </a:xfrm>
           <a:prstGeom prst="bentConnector3">
@@ -16138,7 +16140,7 @@
         </p:nvSpPr>
         <p:spPr>
           <a:xfrm>
-            <a:off x="11086221" y="10492462"/>
+            <a:off x="9257422" y="7406363"/>
             <a:ext cx="2090057" cy="519519"/>
           </a:xfrm>
           <a:prstGeom prst="flowChartProcess">
@@ -16187,7 +16189,7 @@
         </p:nvSpPr>
         <p:spPr>
           <a:xfrm>
-            <a:off x="11086220" y="11575729"/>
+            <a:off x="9257421" y="8489630"/>
             <a:ext cx="2090057" cy="519519"/>
           </a:xfrm>
           <a:prstGeom prst="flowChartProcess">
@@ -16239,7 +16241,7 @@
         </p:nvCxnSpPr>
         <p:spPr>
           <a:xfrm rot="5400000">
-            <a:off x="11496001" y="9857211"/>
+            <a:off x="9667201" y="6771111"/>
             <a:ext cx="1270500" cy="2"/>
           </a:xfrm>
           <a:prstGeom prst="bentConnector3">
@@ -16281,7 +16283,7 @@
         </p:nvCxnSpPr>
         <p:spPr>
           <a:xfrm rot="5400000">
-            <a:off x="11849376" y="11293855"/>
+            <a:off x="10020576" y="8207756"/>
             <a:ext cx="563748" cy="1"/>
           </a:xfrm>
           <a:prstGeom prst="bentConnector3">
@@ -16324,7 +16326,7 @@
         </p:nvCxnSpPr>
         <p:spPr>
           <a:xfrm rot="5400000" flipH="1" flipV="1">
-            <a:off x="8808961" y="7727931"/>
+            <a:off x="6980161" y="4641832"/>
             <a:ext cx="7689604" cy="1045029"/>
           </a:xfrm>
           <a:prstGeom prst="bentConnector4">
@@ -16366,7 +16368,7 @@
         </p:nvSpPr>
         <p:spPr>
           <a:xfrm>
-            <a:off x="16467563" y="3046952"/>
+            <a:off x="14638764" y="-39148"/>
             <a:ext cx="2090057" cy="519519"/>
           </a:xfrm>
           <a:prstGeom prst="flowChartProcess">
@@ -16415,7 +16417,7 @@
         </p:nvSpPr>
         <p:spPr>
           <a:xfrm>
-            <a:off x="16497172" y="5179146"/>
+            <a:off x="14668373" y="2093047"/>
             <a:ext cx="2090057" cy="519519"/>
           </a:xfrm>
           <a:prstGeom prst="flowChartProcess">
@@ -16464,7 +16466,7 @@
         </p:nvSpPr>
         <p:spPr>
           <a:xfrm>
-            <a:off x="16497172" y="7311340"/>
+            <a:off x="14668373" y="4225241"/>
             <a:ext cx="2090057" cy="519519"/>
           </a:xfrm>
           <a:prstGeom prst="flowChartProcess">
@@ -16513,7 +16515,7 @@
         </p:nvSpPr>
         <p:spPr>
           <a:xfrm>
-            <a:off x="16497173" y="9443534"/>
+            <a:off x="14668374" y="6357435"/>
             <a:ext cx="2090057" cy="519519"/>
           </a:xfrm>
           <a:prstGeom prst="flowChartProcess">
@@ -16562,7 +16564,7 @@
         </p:nvSpPr>
         <p:spPr>
           <a:xfrm>
-            <a:off x="16497173" y="11575729"/>
+            <a:off x="14668374" y="8489630"/>
             <a:ext cx="2090057" cy="519519"/>
           </a:xfrm>
           <a:prstGeom prst="flowChartProcess">
@@ -16614,7 +16616,7 @@
         </p:nvCxnSpPr>
         <p:spPr>
           <a:xfrm rot="5400000" flipH="1" flipV="1">
-            <a:off x="14736544" y="8244563"/>
+            <a:off x="12907744" y="5158464"/>
             <a:ext cx="6656342" cy="1045027"/>
           </a:xfrm>
           <a:prstGeom prst="bentConnector4">
@@ -16658,7 +16660,7 @@
         </p:nvCxnSpPr>
         <p:spPr>
           <a:xfrm rot="5400000">
-            <a:off x="16681252" y="4397811"/>
+            <a:off x="14852452" y="1311712"/>
             <a:ext cx="1662680" cy="1"/>
           </a:xfrm>
           <a:prstGeom prst="bentConnector3">
@@ -16699,7 +16701,7 @@
         </p:nvCxnSpPr>
         <p:spPr>
           <a:xfrm rot="5400000">
-            <a:off x="16717478" y="6523388"/>
+            <a:off x="14888678" y="3437289"/>
             <a:ext cx="1649446" cy="1"/>
           </a:xfrm>
           <a:prstGeom prst="bentConnector3">
@@ -16740,7 +16742,7 @@
         </p:nvCxnSpPr>
         <p:spPr>
           <a:xfrm rot="5400000">
-            <a:off x="16710199" y="8662859"/>
+            <a:off x="14881400" y="5576759"/>
             <a:ext cx="1664003" cy="2"/>
           </a:xfrm>
           <a:prstGeom prst="bentConnector3">
@@ -16781,7 +16783,7 @@
         </p:nvCxnSpPr>
         <p:spPr>
           <a:xfrm rot="5400000">
-            <a:off x="16735864" y="10769389"/>
+            <a:off x="14907065" y="7683290"/>
             <a:ext cx="1612675" cy="3"/>
           </a:xfrm>
           <a:prstGeom prst="bentConnector3">
@@ -16820,7 +16822,7 @@
         </p:nvSpPr>
         <p:spPr>
           <a:xfrm>
-            <a:off x="914400" y="340242"/>
+            <a:off x="-914400" y="-2745858"/>
             <a:ext cx="19436316" cy="1246495"/>
           </a:xfrm>
           <a:prstGeom prst="rect">
@@ -16885,7 +16887,7 @@
         </p:nvSpPr>
         <p:spPr>
           <a:xfrm>
-            <a:off x="956929" y="3476843"/>
+            <a:off x="-871871" y="390743"/>
             <a:ext cx="6719777" cy="10866474"/>
           </a:xfrm>
           <a:prstGeom prst="rect">
@@ -16941,7 +16943,7 @@
         </p:nvSpPr>
         <p:spPr>
           <a:xfrm>
-            <a:off x="12408198" y="2434851"/>
+            <a:off x="10579399" y="-651249"/>
             <a:ext cx="8580473" cy="4561367"/>
           </a:xfrm>
           <a:prstGeom prst="rect">
@@ -16997,7 +16999,7 @@
         </p:nvSpPr>
         <p:spPr>
           <a:xfrm>
-            <a:off x="12408198" y="10823940"/>
+            <a:off x="10579399" y="7737841"/>
             <a:ext cx="8580473" cy="4561367"/>
           </a:xfrm>
           <a:prstGeom prst="rect">
@@ -17053,7 +17055,7 @@
         </p:nvSpPr>
         <p:spPr>
           <a:xfrm>
-            <a:off x="2583710" y="8402248"/>
+            <a:off x="754910" y="5316149"/>
             <a:ext cx="3466214" cy="1015663"/>
           </a:xfrm>
           <a:prstGeom prst="rect">
@@ -17089,7 +17091,7 @@
         </p:nvSpPr>
         <p:spPr>
           <a:xfrm>
-            <a:off x="914400" y="340242"/>
+            <a:off x="-914400" y="-2745858"/>
             <a:ext cx="19436316" cy="1246495"/>
           </a:xfrm>
           <a:prstGeom prst="rect">
@@ -17124,7 +17126,7 @@
         </p:nvSpPr>
         <p:spPr>
           <a:xfrm>
-            <a:off x="8173779" y="3476843"/>
+            <a:off x="6344979" y="390743"/>
             <a:ext cx="3721396" cy="2477386"/>
           </a:xfrm>
           <a:prstGeom prst="rect">
@@ -17180,7 +17182,7 @@
         </p:nvSpPr>
         <p:spPr>
           <a:xfrm>
-            <a:off x="8460863" y="4040372"/>
+            <a:off x="6632063" y="954272"/>
             <a:ext cx="1446028" cy="1339702"/>
           </a:xfrm>
           <a:prstGeom prst="roundRect">
@@ -17229,7 +17231,7 @@
         </p:nvSpPr>
         <p:spPr>
           <a:xfrm>
-            <a:off x="10162063" y="4040372"/>
+            <a:off x="8333263" y="954272"/>
             <a:ext cx="1446028" cy="1339702"/>
           </a:xfrm>
           <a:prstGeom prst="roundRect">
@@ -17278,7 +17280,7 @@
         </p:nvSpPr>
         <p:spPr>
           <a:xfrm>
-            <a:off x="8173779" y="11865930"/>
+            <a:off x="6344979" y="8779830"/>
             <a:ext cx="3721396" cy="2477386"/>
           </a:xfrm>
           <a:prstGeom prst="rect">
@@ -17334,7 +17336,7 @@
         </p:nvSpPr>
         <p:spPr>
           <a:xfrm>
-            <a:off x="8460863" y="12429459"/>
+            <a:off x="6632063" y="9343359"/>
             <a:ext cx="1446028" cy="1339702"/>
           </a:xfrm>
           <a:prstGeom prst="roundRect">
@@ -17383,7 +17385,7 @@
         </p:nvSpPr>
         <p:spPr>
           <a:xfrm>
-            <a:off x="10162063" y="12429459"/>
+            <a:off x="8333263" y="9343359"/>
             <a:ext cx="1446028" cy="1339702"/>
           </a:xfrm>
           <a:prstGeom prst="roundRect">
@@ -17434,7 +17436,7 @@
         </p:nvCxnSpPr>
         <p:spPr>
           <a:xfrm flipH="1">
-            <a:off x="8173779" y="3104707"/>
+            <a:off x="6344979" y="18607"/>
             <a:ext cx="3721396" cy="0"/>
           </a:xfrm>
           <a:prstGeom prst="straightConnector1">
@@ -17475,7 +17477,7 @@
         </p:nvCxnSpPr>
         <p:spPr>
           <a:xfrm flipH="1">
-            <a:off x="8173779" y="11461897"/>
+            <a:off x="6344979" y="8375797"/>
             <a:ext cx="3721396" cy="0"/>
           </a:xfrm>
           <a:prstGeom prst="straightConnector1">
@@ -17514,7 +17516,7 @@
         </p:nvCxnSpPr>
         <p:spPr>
           <a:xfrm>
-            <a:off x="8173779" y="6337005"/>
+            <a:off x="6344979" y="3250905"/>
             <a:ext cx="3721396" cy="0"/>
           </a:xfrm>
           <a:prstGeom prst="straightConnector1">
@@ -17553,7 +17555,7 @@
         </p:nvCxnSpPr>
         <p:spPr>
           <a:xfrm>
-            <a:off x="8173779" y="14694196"/>
+            <a:off x="6344979" y="11608096"/>
             <a:ext cx="3721396" cy="0"/>
           </a:xfrm>
           <a:prstGeom prst="straightConnector1">
@@ -17592,7 +17594,7 @@
         </p:nvSpPr>
         <p:spPr>
           <a:xfrm>
-            <a:off x="14965327" y="12591478"/>
+            <a:off x="13136527" y="9505379"/>
             <a:ext cx="3466214" cy="1015663"/>
           </a:xfrm>
           <a:prstGeom prst="rect">
@@ -17628,7 +17630,7 @@
         </p:nvSpPr>
         <p:spPr>
           <a:xfrm>
-            <a:off x="14965327" y="4202391"/>
+            <a:off x="13136527" y="1116292"/>
             <a:ext cx="3466214" cy="1015663"/>
           </a:xfrm>
           <a:prstGeom prst="rect">
@@ -17664,7 +17666,7 @@
         </p:nvSpPr>
         <p:spPr>
           <a:xfrm>
-            <a:off x="9103467" y="6645351"/>
+            <a:off x="7274668" y="3559251"/>
             <a:ext cx="2022839" cy="707886"/>
           </a:xfrm>
           <a:prstGeom prst="rect">
@@ -17700,7 +17702,7 @@
         </p:nvSpPr>
         <p:spPr>
           <a:xfrm>
-            <a:off x="9103467" y="2080908"/>
+            <a:off x="7274668" y="-1005192"/>
             <a:ext cx="2022839" cy="707886"/>
           </a:xfrm>
           <a:prstGeom prst="rect">
@@ -17736,7 +17738,7 @@
         </p:nvSpPr>
         <p:spPr>
           <a:xfrm>
-            <a:off x="9103467" y="10469997"/>
+            <a:off x="7274668" y="7383897"/>
             <a:ext cx="2022839" cy="707886"/>
           </a:xfrm>
           <a:prstGeom prst="rect">
@@ -17772,7 +17774,7 @@
         </p:nvSpPr>
         <p:spPr>
           <a:xfrm>
-            <a:off x="9103467" y="14906845"/>
+            <a:off x="7274668" y="11820745"/>
             <a:ext cx="2022839" cy="707886"/>
           </a:xfrm>
           <a:prstGeom prst="rect">
@@ -18001,56 +18003,10 @@
         </p:nvSpPr>
         <p:spPr>
           <a:xfrm>
-            <a:off x="8207829" y="1088569"/>
+            <a:off x="6379030" y="-1997531"/>
             <a:ext cx="2090057" cy="1436915"/>
           </a:xfrm>
           <a:prstGeom prst="flowChartDecision">
-            <a:avLst/>
-          </a:prstGeom>
-        </p:spPr>
-        <p:style>
-          <a:lnRef idx="2">
-            <a:schemeClr val="accent1">
-              <a:shade val="50000"/>
-            </a:schemeClr>
-          </a:lnRef>
-          <a:fillRef idx="1">
-            <a:schemeClr val="accent1"/>
-          </a:fillRef>
-          <a:effectRef idx="0">
-            <a:schemeClr val="accent1"/>
-          </a:effectRef>
-          <a:fontRef idx="minor">
-            <a:schemeClr val="lt1"/>
-          </a:fontRef>
-        </p:style>
-        <p:txBody>
-          <a:bodyPr rtlCol="0" anchor="ctr"/>
-          <a:lstStyle/>
-          <a:p>
-            <a:pPr algn="ctr"/>
-            <a:endParaRPr lang="en-US" dirty="0"/>
-          </a:p>
-        </p:txBody>
-      </p:sp>
-      <p:sp>
-        <p:nvSpPr>
-          <p:cNvPr id="5" name="Flowchart: Process 4">
-            <a:extLst>
-              <a:ext uri="{FF2B5EF4-FFF2-40B4-BE49-F238E27FC236}">
-                <a16:creationId xmlns:a16="http://schemas.microsoft.com/office/drawing/2014/main" id="{E49ED617-EE82-4A17-888C-09E3CA31052C}"/>
-              </a:ext>
-            </a:extLst>
-          </p:cNvPr>
-          <p:cNvSpPr/>
-          <p:nvPr/>
-        </p:nvSpPr>
-        <p:spPr>
-          <a:xfrm>
-            <a:off x="11277602" y="1088570"/>
-            <a:ext cx="2090057" cy="1436915"/>
-          </a:xfrm>
-          <a:prstGeom prst="flowChartProcess">
             <a:avLst/>
           </a:prstGeom>
         </p:spPr>
@@ -18093,7 +18049,7 @@
         </p:nvSpPr>
         <p:spPr>
           <a:xfrm>
-            <a:off x="15022289" y="1088570"/>
+            <a:off x="13193490" y="-1997530"/>
             <a:ext cx="2090057" cy="1436915"/>
           </a:xfrm>
           <a:prstGeom prst="flowChartAlternateProcess">
@@ -18139,7 +18095,7 @@
         </p:nvSpPr>
         <p:spPr>
           <a:xfrm>
-            <a:off x="5138056" y="1088569"/>
+            <a:off x="3309257" y="-1997531"/>
             <a:ext cx="2090057" cy="1436915"/>
           </a:xfrm>
           <a:prstGeom prst="flowChartOffpageConnector">
@@ -18185,7 +18141,7 @@
         </p:nvSpPr>
         <p:spPr>
           <a:xfrm>
-            <a:off x="17939658" y="1088569"/>
+            <a:off x="16110859" y="-1997531"/>
             <a:ext cx="2090057" cy="1436915"/>
           </a:xfrm>
           <a:prstGeom prst="flowChartInputOutput">
@@ -18217,168 +18173,1369 @@
           </a:p>
         </p:txBody>
       </p:sp>
+      <p:grpSp>
+        <p:nvGrpSpPr>
+          <p:cNvPr id="2" name="Group 1">
+            <a:extLst>
+              <a:ext uri="{FF2B5EF4-FFF2-40B4-BE49-F238E27FC236}">
+                <a16:creationId xmlns:a16="http://schemas.microsoft.com/office/drawing/2014/main" id="{D1C34CB3-F8E4-484E-B18F-277B85F3FB0D}"/>
+              </a:ext>
+            </a:extLst>
+          </p:cNvPr>
+          <p:cNvGrpSpPr/>
+          <p:nvPr/>
+        </p:nvGrpSpPr>
+        <p:grpSpPr>
+          <a:xfrm>
+            <a:off x="4714749" y="3338929"/>
+            <a:ext cx="2544796" cy="2307240"/>
+            <a:chOff x="439036" y="646412"/>
+            <a:chExt cx="2544796" cy="2307240"/>
+          </a:xfrm>
+        </p:grpSpPr>
+        <p:sp>
+          <p:nvSpPr>
+            <p:cNvPr id="5" name="Flowchart: Process 4">
+              <a:extLst>
+                <a:ext uri="{FF2B5EF4-FFF2-40B4-BE49-F238E27FC236}">
+                  <a16:creationId xmlns:a16="http://schemas.microsoft.com/office/drawing/2014/main" id="{E49ED617-EE82-4A17-888C-09E3CA31052C}"/>
+                </a:ext>
+              </a:extLst>
+            </p:cNvPr>
+            <p:cNvSpPr/>
+            <p:nvPr/>
+          </p:nvSpPr>
+          <p:spPr>
+            <a:xfrm>
+              <a:off x="439036" y="646412"/>
+              <a:ext cx="2544796" cy="275246"/>
+            </a:xfrm>
+            <a:prstGeom prst="flowChartProcess">
+              <a:avLst/>
+            </a:prstGeom>
+          </p:spPr>
+          <p:style>
+            <a:lnRef idx="2">
+              <a:schemeClr val="accent1">
+                <a:shade val="50000"/>
+              </a:schemeClr>
+            </a:lnRef>
+            <a:fillRef idx="1">
+              <a:schemeClr val="accent1"/>
+            </a:fillRef>
+            <a:effectRef idx="0">
+              <a:schemeClr val="accent1"/>
+            </a:effectRef>
+            <a:fontRef idx="minor">
+              <a:schemeClr val="lt1"/>
+            </a:fontRef>
+          </p:style>
+          <p:txBody>
+            <a:bodyPr rtlCol="0" anchor="ctr"/>
+            <a:lstStyle/>
+            <a:p>
+              <a:pPr algn="ctr"/>
+              <a:r>
+                <a:rPr lang="en-US" dirty="0"/>
+                <a:t>Lever</a:t>
+              </a:r>
+            </a:p>
+          </p:txBody>
+        </p:sp>
+        <p:sp>
+          <p:nvSpPr>
+            <p:cNvPr id="12" name="Flowchart: Process 11">
+              <a:extLst>
+                <a:ext uri="{FF2B5EF4-FFF2-40B4-BE49-F238E27FC236}">
+                  <a16:creationId xmlns:a16="http://schemas.microsoft.com/office/drawing/2014/main" id="{BDAEFF0E-9E77-4C7A-A8AB-0B5B5CB51D6E}"/>
+                </a:ext>
+              </a:extLst>
+            </p:cNvPr>
+            <p:cNvSpPr/>
+            <p:nvPr/>
+          </p:nvSpPr>
+          <p:spPr>
+            <a:xfrm>
+              <a:off x="439036" y="921658"/>
+              <a:ext cx="2544796" cy="1015998"/>
+            </a:xfrm>
+            <a:prstGeom prst="flowChartProcess">
+              <a:avLst/>
+            </a:prstGeom>
+          </p:spPr>
+          <p:style>
+            <a:lnRef idx="2">
+              <a:schemeClr val="accent1">
+                <a:shade val="50000"/>
+              </a:schemeClr>
+            </a:lnRef>
+            <a:fillRef idx="1">
+              <a:schemeClr val="accent1"/>
+            </a:fillRef>
+            <a:effectRef idx="0">
+              <a:schemeClr val="accent1"/>
+            </a:effectRef>
+            <a:fontRef idx="minor">
+              <a:schemeClr val="lt1"/>
+            </a:fontRef>
+          </p:style>
+          <p:txBody>
+            <a:bodyPr rtlCol="0" anchor="ctr"/>
+            <a:lstStyle/>
+            <a:p>
+              <a:pPr marL="285750" indent="-285750">
+                <a:buFont typeface="Arial" panose="020B0604020202020204" pitchFamily="34" charset="0"/>
+                <a:buChar char="•"/>
+              </a:pPr>
+              <a:r>
+                <a:rPr lang="en-US" sz="1600" dirty="0"/>
+                <a:t>Extended value</a:t>
+              </a:r>
+            </a:p>
+            <a:p>
+              <a:pPr marL="285750" indent="-285750">
+                <a:buFont typeface="Arial" panose="020B0604020202020204" pitchFamily="34" charset="0"/>
+                <a:buChar char="•"/>
+              </a:pPr>
+              <a:r>
+                <a:rPr lang="en-US" sz="1600" dirty="0"/>
+                <a:t>Retracted value</a:t>
+              </a:r>
+            </a:p>
+            <a:p>
+              <a:pPr marL="285750" indent="-285750">
+                <a:buFont typeface="Arial" panose="020B0604020202020204" pitchFamily="34" charset="0"/>
+                <a:buChar char="•"/>
+              </a:pPr>
+              <a:r>
+                <a:rPr lang="en-US" sz="1600" dirty="0"/>
+                <a:t>Servo </a:t>
+              </a:r>
+            </a:p>
+            <a:p>
+              <a:pPr marL="285750" indent="-285750">
+                <a:buFont typeface="Arial" panose="020B0604020202020204" pitchFamily="34" charset="0"/>
+                <a:buChar char="•"/>
+              </a:pPr>
+              <a:r>
+                <a:rPr lang="en-US" sz="1600" dirty="0"/>
+                <a:t>Switch </a:t>
+              </a:r>
+            </a:p>
+          </p:txBody>
+        </p:sp>
+        <p:sp>
+          <p:nvSpPr>
+            <p:cNvPr id="13" name="Flowchart: Process 12">
+              <a:extLst>
+                <a:ext uri="{FF2B5EF4-FFF2-40B4-BE49-F238E27FC236}">
+                  <a16:creationId xmlns:a16="http://schemas.microsoft.com/office/drawing/2014/main" id="{F81DE76F-8074-4733-9A22-E7CA4C77BFAC}"/>
+                </a:ext>
+              </a:extLst>
+            </p:cNvPr>
+            <p:cNvSpPr/>
+            <p:nvPr/>
+          </p:nvSpPr>
+          <p:spPr>
+            <a:xfrm>
+              <a:off x="439036" y="1937655"/>
+              <a:ext cx="2544796" cy="1015997"/>
+            </a:xfrm>
+            <a:prstGeom prst="flowChartProcess">
+              <a:avLst/>
+            </a:prstGeom>
+          </p:spPr>
+          <p:style>
+            <a:lnRef idx="2">
+              <a:schemeClr val="accent1">
+                <a:shade val="50000"/>
+              </a:schemeClr>
+            </a:lnRef>
+            <a:fillRef idx="1">
+              <a:schemeClr val="accent1"/>
+            </a:fillRef>
+            <a:effectRef idx="0">
+              <a:schemeClr val="accent1"/>
+            </a:effectRef>
+            <a:fontRef idx="minor">
+              <a:schemeClr val="lt1"/>
+            </a:fontRef>
+          </p:style>
+          <p:txBody>
+            <a:bodyPr rtlCol="0" anchor="ctr"/>
+            <a:lstStyle/>
+            <a:p>
+              <a:pPr marL="285750" indent="-285750">
+                <a:buFont typeface="Arial" panose="020B0604020202020204" pitchFamily="34" charset="0"/>
+                <a:buChar char="•"/>
+              </a:pPr>
+              <a:r>
+                <a:rPr lang="en-US" sz="1600" dirty="0"/>
+                <a:t>Extend()</a:t>
+              </a:r>
+            </a:p>
+            <a:p>
+              <a:pPr marL="285750" indent="-285750">
+                <a:buFont typeface="Arial" panose="020B0604020202020204" pitchFamily="34" charset="0"/>
+                <a:buChar char="•"/>
+              </a:pPr>
+              <a:r>
+                <a:rPr lang="en-US" sz="1600" dirty="0"/>
+                <a:t>Retract()</a:t>
+              </a:r>
+            </a:p>
+            <a:p>
+              <a:pPr marL="285750" indent="-285750">
+                <a:buFont typeface="Arial" panose="020B0604020202020204" pitchFamily="34" charset="0"/>
+                <a:buChar char="•"/>
+              </a:pPr>
+              <a:r>
+                <a:rPr lang="en-US" sz="1600" dirty="0"/>
+                <a:t>Monitor()</a:t>
+              </a:r>
+            </a:p>
+            <a:p>
+              <a:pPr marL="285750" indent="-285750">
+                <a:buFont typeface="Arial" panose="020B0604020202020204" pitchFamily="34" charset="0"/>
+                <a:buChar char="•"/>
+              </a:pPr>
+              <a:r>
+                <a:rPr lang="en-US" sz="1600" dirty="0" err="1"/>
+                <a:t>Get_state</a:t>
+              </a:r>
+              <a:r>
+                <a:rPr lang="en-US" sz="1600" dirty="0"/>
+                <a:t>()</a:t>
+              </a:r>
+            </a:p>
+          </p:txBody>
+        </p:sp>
+      </p:grpSp>
+      <p:grpSp>
+        <p:nvGrpSpPr>
+          <p:cNvPr id="14" name="Group 13">
+            <a:extLst>
+              <a:ext uri="{FF2B5EF4-FFF2-40B4-BE49-F238E27FC236}">
+                <a16:creationId xmlns:a16="http://schemas.microsoft.com/office/drawing/2014/main" id="{ABB9F5E3-7C58-4E94-992C-D8E5EDD82539}"/>
+              </a:ext>
+            </a:extLst>
+          </p:cNvPr>
+          <p:cNvGrpSpPr/>
+          <p:nvPr/>
+        </p:nvGrpSpPr>
+        <p:grpSpPr>
+          <a:xfrm>
+            <a:off x="482579" y="3527611"/>
+            <a:ext cx="2544796" cy="1523476"/>
+            <a:chOff x="439036" y="646412"/>
+            <a:chExt cx="2544796" cy="1523476"/>
+          </a:xfrm>
+        </p:grpSpPr>
+        <p:sp>
+          <p:nvSpPr>
+            <p:cNvPr id="15" name="Flowchart: Process 14">
+              <a:extLst>
+                <a:ext uri="{FF2B5EF4-FFF2-40B4-BE49-F238E27FC236}">
+                  <a16:creationId xmlns:a16="http://schemas.microsoft.com/office/drawing/2014/main" id="{71F4BE33-11D8-4F76-B100-A6D8BFD33168}"/>
+                </a:ext>
+              </a:extLst>
+            </p:cNvPr>
+            <p:cNvSpPr/>
+            <p:nvPr/>
+          </p:nvSpPr>
+          <p:spPr>
+            <a:xfrm>
+              <a:off x="439036" y="646412"/>
+              <a:ext cx="2544796" cy="275246"/>
+            </a:xfrm>
+            <a:prstGeom prst="flowChartProcess">
+              <a:avLst/>
+            </a:prstGeom>
+          </p:spPr>
+          <p:style>
+            <a:lnRef idx="2">
+              <a:schemeClr val="accent1">
+                <a:shade val="50000"/>
+              </a:schemeClr>
+            </a:lnRef>
+            <a:fillRef idx="1">
+              <a:schemeClr val="accent1"/>
+            </a:fillRef>
+            <a:effectRef idx="0">
+              <a:schemeClr val="accent1"/>
+            </a:effectRef>
+            <a:fontRef idx="minor">
+              <a:schemeClr val="lt1"/>
+            </a:fontRef>
+          </p:style>
+          <p:txBody>
+            <a:bodyPr rtlCol="0" anchor="ctr"/>
+            <a:lstStyle/>
+            <a:p>
+              <a:pPr algn="ctr"/>
+              <a:r>
+                <a:rPr lang="en-US" dirty="0"/>
+                <a:t>Servo</a:t>
+              </a:r>
+            </a:p>
+          </p:txBody>
+        </p:sp>
+        <p:sp>
+          <p:nvSpPr>
+            <p:cNvPr id="16" name="Flowchart: Process 15">
+              <a:extLst>
+                <a:ext uri="{FF2B5EF4-FFF2-40B4-BE49-F238E27FC236}">
+                  <a16:creationId xmlns:a16="http://schemas.microsoft.com/office/drawing/2014/main" id="{8C94DF93-335D-47CF-8810-2AAC8CC6B5C6}"/>
+                </a:ext>
+              </a:extLst>
+            </p:cNvPr>
+            <p:cNvSpPr/>
+            <p:nvPr/>
+          </p:nvSpPr>
+          <p:spPr>
+            <a:xfrm>
+              <a:off x="439036" y="921659"/>
+              <a:ext cx="2544796" cy="624114"/>
+            </a:xfrm>
+            <a:prstGeom prst="flowChartProcess">
+              <a:avLst/>
+            </a:prstGeom>
+          </p:spPr>
+          <p:style>
+            <a:lnRef idx="2">
+              <a:schemeClr val="accent1">
+                <a:shade val="50000"/>
+              </a:schemeClr>
+            </a:lnRef>
+            <a:fillRef idx="1">
+              <a:schemeClr val="accent1"/>
+            </a:fillRef>
+            <a:effectRef idx="0">
+              <a:schemeClr val="accent1"/>
+            </a:effectRef>
+            <a:fontRef idx="minor">
+              <a:schemeClr val="lt1"/>
+            </a:fontRef>
+          </p:style>
+          <p:txBody>
+            <a:bodyPr rtlCol="0" anchor="ctr"/>
+            <a:lstStyle/>
+            <a:p>
+              <a:pPr marL="285750" indent="-285750">
+                <a:buFont typeface="Arial" panose="020B0604020202020204" pitchFamily="34" charset="0"/>
+                <a:buChar char="•"/>
+              </a:pPr>
+              <a:r>
+                <a:rPr lang="en-US" sz="1600" dirty="0"/>
+                <a:t>Motor Angle</a:t>
+              </a:r>
+            </a:p>
+            <a:p>
+              <a:pPr marL="285750" indent="-285750">
+                <a:buFont typeface="Arial" panose="020B0604020202020204" pitchFamily="34" charset="0"/>
+                <a:buChar char="•"/>
+              </a:pPr>
+              <a:r>
+                <a:rPr lang="en-US" sz="1600" dirty="0"/>
+                <a:t>Pin Number</a:t>
+              </a:r>
+            </a:p>
+          </p:txBody>
+        </p:sp>
+        <p:sp>
+          <p:nvSpPr>
+            <p:cNvPr id="17" name="Flowchart: Process 16">
+              <a:extLst>
+                <a:ext uri="{FF2B5EF4-FFF2-40B4-BE49-F238E27FC236}">
+                  <a16:creationId xmlns:a16="http://schemas.microsoft.com/office/drawing/2014/main" id="{E3D4539C-0D75-4359-A13C-4CA0CEAF5C67}"/>
+                </a:ext>
+              </a:extLst>
+            </p:cNvPr>
+            <p:cNvSpPr/>
+            <p:nvPr/>
+          </p:nvSpPr>
+          <p:spPr>
+            <a:xfrm>
+              <a:off x="439036" y="1545774"/>
+              <a:ext cx="2544796" cy="624114"/>
+            </a:xfrm>
+            <a:prstGeom prst="flowChartProcess">
+              <a:avLst/>
+            </a:prstGeom>
+          </p:spPr>
+          <p:style>
+            <a:lnRef idx="2">
+              <a:schemeClr val="accent1">
+                <a:shade val="50000"/>
+              </a:schemeClr>
+            </a:lnRef>
+            <a:fillRef idx="1">
+              <a:schemeClr val="accent1"/>
+            </a:fillRef>
+            <a:effectRef idx="0">
+              <a:schemeClr val="accent1"/>
+            </a:effectRef>
+            <a:fontRef idx="minor">
+              <a:schemeClr val="lt1"/>
+            </a:fontRef>
+          </p:style>
+          <p:txBody>
+            <a:bodyPr rtlCol="0" anchor="ctr"/>
+            <a:lstStyle/>
+            <a:p>
+              <a:pPr marL="285750" indent="-285750">
+                <a:buFont typeface="Arial" panose="020B0604020202020204" pitchFamily="34" charset="0"/>
+                <a:buChar char="•"/>
+              </a:pPr>
+              <a:r>
+                <a:rPr lang="en-US" sz="1600" dirty="0"/>
+                <a:t>Move()</a:t>
+              </a:r>
+            </a:p>
+            <a:p>
+              <a:pPr marL="285750" indent="-285750">
+                <a:buFont typeface="Arial" panose="020B0604020202020204" pitchFamily="34" charset="0"/>
+                <a:buChar char="•"/>
+              </a:pPr>
+              <a:r>
+                <a:rPr lang="en-US" sz="1600" dirty="0" err="1"/>
+                <a:t>Monitor_angle</a:t>
+              </a:r>
+              <a:r>
+                <a:rPr lang="en-US" sz="1600" dirty="0"/>
+                <a:t>()</a:t>
+              </a:r>
+            </a:p>
+          </p:txBody>
+        </p:sp>
+      </p:grpSp>
+      <p:grpSp>
+        <p:nvGrpSpPr>
+          <p:cNvPr id="18" name="Group 17">
+            <a:extLst>
+              <a:ext uri="{FF2B5EF4-FFF2-40B4-BE49-F238E27FC236}">
+                <a16:creationId xmlns:a16="http://schemas.microsoft.com/office/drawing/2014/main" id="{09BD5617-2DBA-411C-A279-7CAC9794B615}"/>
+              </a:ext>
+            </a:extLst>
+          </p:cNvPr>
+          <p:cNvGrpSpPr/>
+          <p:nvPr/>
+        </p:nvGrpSpPr>
+        <p:grpSpPr>
+          <a:xfrm>
+            <a:off x="482579" y="5627686"/>
+            <a:ext cx="2544796" cy="1673345"/>
+            <a:chOff x="439036" y="646411"/>
+            <a:chExt cx="2544796" cy="1673345"/>
+          </a:xfrm>
+        </p:grpSpPr>
+        <p:sp>
+          <p:nvSpPr>
+            <p:cNvPr id="19" name="Flowchart: Process 18">
+              <a:extLst>
+                <a:ext uri="{FF2B5EF4-FFF2-40B4-BE49-F238E27FC236}">
+                  <a16:creationId xmlns:a16="http://schemas.microsoft.com/office/drawing/2014/main" id="{C506D8B6-DC73-488D-AE9A-D2A5DB94F734}"/>
+                </a:ext>
+              </a:extLst>
+            </p:cNvPr>
+            <p:cNvSpPr/>
+            <p:nvPr/>
+          </p:nvSpPr>
+          <p:spPr>
+            <a:xfrm>
+              <a:off x="439036" y="646411"/>
+              <a:ext cx="2544796" cy="299931"/>
+            </a:xfrm>
+            <a:prstGeom prst="flowChartProcess">
+              <a:avLst/>
+            </a:prstGeom>
+          </p:spPr>
+          <p:style>
+            <a:lnRef idx="2">
+              <a:schemeClr val="accent1">
+                <a:shade val="50000"/>
+              </a:schemeClr>
+            </a:lnRef>
+            <a:fillRef idx="1">
+              <a:schemeClr val="accent1"/>
+            </a:fillRef>
+            <a:effectRef idx="0">
+              <a:schemeClr val="accent1"/>
+            </a:effectRef>
+            <a:fontRef idx="minor">
+              <a:schemeClr val="lt1"/>
+            </a:fontRef>
+          </p:style>
+          <p:txBody>
+            <a:bodyPr rtlCol="0" anchor="ctr"/>
+            <a:lstStyle/>
+            <a:p>
+              <a:pPr algn="ctr"/>
+              <a:r>
+                <a:rPr lang="en-US" dirty="0"/>
+                <a:t>Switch</a:t>
+              </a:r>
+            </a:p>
+          </p:txBody>
+        </p:sp>
+        <p:sp>
+          <p:nvSpPr>
+            <p:cNvPr id="20" name="Flowchart: Process 19">
+              <a:extLst>
+                <a:ext uri="{FF2B5EF4-FFF2-40B4-BE49-F238E27FC236}">
+                  <a16:creationId xmlns:a16="http://schemas.microsoft.com/office/drawing/2014/main" id="{4871FEE9-1A02-4E5F-A089-3B69071E9887}"/>
+                </a:ext>
+              </a:extLst>
+            </p:cNvPr>
+            <p:cNvSpPr/>
+            <p:nvPr/>
+          </p:nvSpPr>
+          <p:spPr>
+            <a:xfrm>
+              <a:off x="439036" y="946342"/>
+              <a:ext cx="2544796" cy="853429"/>
+            </a:xfrm>
+            <a:prstGeom prst="flowChartProcess">
+              <a:avLst/>
+            </a:prstGeom>
+          </p:spPr>
+          <p:style>
+            <a:lnRef idx="2">
+              <a:schemeClr val="accent1">
+                <a:shade val="50000"/>
+              </a:schemeClr>
+            </a:lnRef>
+            <a:fillRef idx="1">
+              <a:schemeClr val="accent1"/>
+            </a:fillRef>
+            <a:effectRef idx="0">
+              <a:schemeClr val="accent1"/>
+            </a:effectRef>
+            <a:fontRef idx="minor">
+              <a:schemeClr val="lt1"/>
+            </a:fontRef>
+          </p:style>
+          <p:txBody>
+            <a:bodyPr rtlCol="0" anchor="ctr"/>
+            <a:lstStyle/>
+            <a:p>
+              <a:pPr marL="285750" indent="-285750">
+                <a:buFont typeface="Arial" panose="020B0604020202020204" pitchFamily="34" charset="0"/>
+                <a:buChar char="•"/>
+              </a:pPr>
+              <a:r>
+                <a:rPr lang="en-US" sz="1600" dirty="0"/>
+                <a:t>Pin number</a:t>
+              </a:r>
+            </a:p>
+            <a:p>
+              <a:pPr marL="285750" indent="-285750">
+                <a:buFont typeface="Arial" panose="020B0604020202020204" pitchFamily="34" charset="0"/>
+                <a:buChar char="•"/>
+              </a:pPr>
+              <a:r>
+                <a:rPr lang="en-US" sz="1600" dirty="0"/>
+                <a:t>Resting value</a:t>
+              </a:r>
+            </a:p>
+            <a:p>
+              <a:pPr marL="285750" indent="-285750">
+                <a:buFont typeface="Arial" panose="020B0604020202020204" pitchFamily="34" charset="0"/>
+                <a:buChar char="•"/>
+              </a:pPr>
+              <a:r>
+                <a:rPr lang="en-US" sz="1600" dirty="0"/>
+                <a:t>Current value</a:t>
+              </a:r>
+            </a:p>
+          </p:txBody>
+        </p:sp>
+        <p:sp>
+          <p:nvSpPr>
+            <p:cNvPr id="21" name="Flowchart: Process 20">
+              <a:extLst>
+                <a:ext uri="{FF2B5EF4-FFF2-40B4-BE49-F238E27FC236}">
+                  <a16:creationId xmlns:a16="http://schemas.microsoft.com/office/drawing/2014/main" id="{21570C9A-6E1B-49C0-9F04-BABB192B8F88}"/>
+                </a:ext>
+              </a:extLst>
+            </p:cNvPr>
+            <p:cNvSpPr/>
+            <p:nvPr/>
+          </p:nvSpPr>
+          <p:spPr>
+            <a:xfrm>
+              <a:off x="439036" y="1799771"/>
+              <a:ext cx="2544796" cy="519985"/>
+            </a:xfrm>
+            <a:prstGeom prst="flowChartProcess">
+              <a:avLst/>
+            </a:prstGeom>
+          </p:spPr>
+          <p:style>
+            <a:lnRef idx="2">
+              <a:schemeClr val="accent1">
+                <a:shade val="50000"/>
+              </a:schemeClr>
+            </a:lnRef>
+            <a:fillRef idx="1">
+              <a:schemeClr val="accent1"/>
+            </a:fillRef>
+            <a:effectRef idx="0">
+              <a:schemeClr val="accent1"/>
+            </a:effectRef>
+            <a:fontRef idx="minor">
+              <a:schemeClr val="lt1"/>
+            </a:fontRef>
+          </p:style>
+          <p:txBody>
+            <a:bodyPr rtlCol="0" anchor="ctr"/>
+            <a:lstStyle/>
+            <a:p>
+              <a:pPr marL="285750" indent="-285750">
+                <a:buFont typeface="Arial" panose="020B0604020202020204" pitchFamily="34" charset="0"/>
+                <a:buChar char="•"/>
+              </a:pPr>
+              <a:r>
+                <a:rPr lang="en-US" sz="1600" dirty="0" err="1"/>
+                <a:t>Get_value</a:t>
+              </a:r>
+              <a:r>
+                <a:rPr lang="en-US" sz="1600" dirty="0"/>
+                <a:t>()</a:t>
+              </a:r>
+            </a:p>
+            <a:p>
+              <a:pPr marL="285750" indent="-285750">
+                <a:buFont typeface="Arial" panose="020B0604020202020204" pitchFamily="34" charset="0"/>
+                <a:buChar char="•"/>
+              </a:pPr>
+              <a:r>
+                <a:rPr lang="en-US" sz="1600" dirty="0" err="1"/>
+                <a:t>Monitor_value</a:t>
+              </a:r>
+              <a:r>
+                <a:rPr lang="en-US" sz="1600" dirty="0"/>
+                <a:t>()</a:t>
+              </a:r>
+            </a:p>
+          </p:txBody>
+        </p:sp>
+      </p:grpSp>
+      <p:grpSp>
+        <p:nvGrpSpPr>
+          <p:cNvPr id="22" name="Group 21">
+            <a:extLst>
+              <a:ext uri="{FF2B5EF4-FFF2-40B4-BE49-F238E27FC236}">
+                <a16:creationId xmlns:a16="http://schemas.microsoft.com/office/drawing/2014/main" id="{A5871120-DEA5-4DF9-AEC4-C0ACC45C3B58}"/>
+              </a:ext>
+            </a:extLst>
+          </p:cNvPr>
+          <p:cNvGrpSpPr/>
+          <p:nvPr/>
+        </p:nvGrpSpPr>
+        <p:grpSpPr>
+          <a:xfrm>
+            <a:off x="482579" y="7877629"/>
+            <a:ext cx="2544796" cy="1918415"/>
+            <a:chOff x="439036" y="646411"/>
+            <a:chExt cx="2544796" cy="1918415"/>
+          </a:xfrm>
+        </p:grpSpPr>
+        <p:sp>
+          <p:nvSpPr>
+            <p:cNvPr id="23" name="Flowchart: Process 22">
+              <a:extLst>
+                <a:ext uri="{FF2B5EF4-FFF2-40B4-BE49-F238E27FC236}">
+                  <a16:creationId xmlns:a16="http://schemas.microsoft.com/office/drawing/2014/main" id="{6B2BE12A-B4BF-49EF-A48D-E57230054704}"/>
+                </a:ext>
+              </a:extLst>
+            </p:cNvPr>
+            <p:cNvSpPr/>
+            <p:nvPr/>
+          </p:nvSpPr>
+          <p:spPr>
+            <a:xfrm>
+              <a:off x="439036" y="646411"/>
+              <a:ext cx="2544796" cy="278137"/>
+            </a:xfrm>
+            <a:prstGeom prst="flowChartProcess">
+              <a:avLst/>
+            </a:prstGeom>
+          </p:spPr>
+          <p:style>
+            <a:lnRef idx="2">
+              <a:schemeClr val="accent1">
+                <a:shade val="50000"/>
+              </a:schemeClr>
+            </a:lnRef>
+            <a:fillRef idx="1">
+              <a:schemeClr val="accent1"/>
+            </a:fillRef>
+            <a:effectRef idx="0">
+              <a:schemeClr val="accent1"/>
+            </a:effectRef>
+            <a:fontRef idx="minor">
+              <a:schemeClr val="lt1"/>
+            </a:fontRef>
+          </p:style>
+          <p:txBody>
+            <a:bodyPr rtlCol="0" anchor="ctr"/>
+            <a:lstStyle/>
+            <a:p>
+              <a:pPr algn="ctr"/>
+              <a:r>
+                <a:rPr lang="en-US" dirty="0"/>
+                <a:t>IR</a:t>
+              </a:r>
+            </a:p>
+          </p:txBody>
+        </p:sp>
+        <p:sp>
+          <p:nvSpPr>
+            <p:cNvPr id="24" name="Flowchart: Process 23">
+              <a:extLst>
+                <a:ext uri="{FF2B5EF4-FFF2-40B4-BE49-F238E27FC236}">
+                  <a16:creationId xmlns:a16="http://schemas.microsoft.com/office/drawing/2014/main" id="{27DF34DC-88F8-4841-98D6-CFB6D8166295}"/>
+                </a:ext>
+              </a:extLst>
+            </p:cNvPr>
+            <p:cNvSpPr/>
+            <p:nvPr/>
+          </p:nvSpPr>
+          <p:spPr>
+            <a:xfrm>
+              <a:off x="439036" y="924548"/>
+              <a:ext cx="2544796" cy="875223"/>
+            </a:xfrm>
+            <a:prstGeom prst="flowChartProcess">
+              <a:avLst/>
+            </a:prstGeom>
+          </p:spPr>
+          <p:style>
+            <a:lnRef idx="2">
+              <a:schemeClr val="accent1">
+                <a:shade val="50000"/>
+              </a:schemeClr>
+            </a:lnRef>
+            <a:fillRef idx="1">
+              <a:schemeClr val="accent1"/>
+            </a:fillRef>
+            <a:effectRef idx="0">
+              <a:schemeClr val="accent1"/>
+            </a:effectRef>
+            <a:fontRef idx="minor">
+              <a:schemeClr val="lt1"/>
+            </a:fontRef>
+          </p:style>
+          <p:txBody>
+            <a:bodyPr rtlCol="0" anchor="ctr"/>
+            <a:lstStyle/>
+            <a:p>
+              <a:pPr marL="285750" indent="-285750">
+                <a:buFont typeface="Arial" panose="020B0604020202020204" pitchFamily="34" charset="0"/>
+                <a:buChar char="•"/>
+              </a:pPr>
+              <a:r>
+                <a:rPr lang="en-US" sz="1600" dirty="0"/>
+                <a:t>Pin Number</a:t>
+              </a:r>
+            </a:p>
+            <a:p>
+              <a:pPr marL="285750" indent="-285750">
+                <a:buFont typeface="Arial" panose="020B0604020202020204" pitchFamily="34" charset="0"/>
+                <a:buChar char="•"/>
+              </a:pPr>
+              <a:r>
+                <a:rPr lang="en-US" sz="1600" dirty="0"/>
+                <a:t>Resting value</a:t>
+              </a:r>
+            </a:p>
+            <a:p>
+              <a:pPr marL="285750" indent="-285750">
+                <a:buFont typeface="Arial" panose="020B0604020202020204" pitchFamily="34" charset="0"/>
+                <a:buChar char="•"/>
+              </a:pPr>
+              <a:r>
+                <a:rPr lang="en-US" sz="1600" dirty="0"/>
+                <a:t>Current Value</a:t>
+              </a:r>
+            </a:p>
+          </p:txBody>
+        </p:sp>
+        <p:sp>
+          <p:nvSpPr>
+            <p:cNvPr id="25" name="Flowchart: Process 24">
+              <a:extLst>
+                <a:ext uri="{FF2B5EF4-FFF2-40B4-BE49-F238E27FC236}">
+                  <a16:creationId xmlns:a16="http://schemas.microsoft.com/office/drawing/2014/main" id="{A3A611E2-9E0E-4578-B87C-8166D0C77E10}"/>
+                </a:ext>
+              </a:extLst>
+            </p:cNvPr>
+            <p:cNvSpPr/>
+            <p:nvPr/>
+          </p:nvSpPr>
+          <p:spPr>
+            <a:xfrm>
+              <a:off x="439036" y="1799771"/>
+              <a:ext cx="2544796" cy="765055"/>
+            </a:xfrm>
+            <a:prstGeom prst="flowChartProcess">
+              <a:avLst/>
+            </a:prstGeom>
+          </p:spPr>
+          <p:style>
+            <a:lnRef idx="2">
+              <a:schemeClr val="accent1">
+                <a:shade val="50000"/>
+              </a:schemeClr>
+            </a:lnRef>
+            <a:fillRef idx="1">
+              <a:schemeClr val="accent1"/>
+            </a:fillRef>
+            <a:effectRef idx="0">
+              <a:schemeClr val="accent1"/>
+            </a:effectRef>
+            <a:fontRef idx="minor">
+              <a:schemeClr val="lt1"/>
+            </a:fontRef>
+          </p:style>
+          <p:txBody>
+            <a:bodyPr rtlCol="0" anchor="ctr"/>
+            <a:lstStyle/>
+            <a:p>
+              <a:pPr marL="285750" indent="-285750">
+                <a:buFont typeface="Arial" panose="020B0604020202020204" pitchFamily="34" charset="0"/>
+                <a:buChar char="•"/>
+              </a:pPr>
+              <a:r>
+                <a:rPr lang="en-US" sz="1600" dirty="0" err="1"/>
+                <a:t>Get_value</a:t>
+              </a:r>
+              <a:r>
+                <a:rPr lang="en-US" sz="1600" dirty="0"/>
+                <a:t>()</a:t>
+              </a:r>
+            </a:p>
+            <a:p>
+              <a:pPr marL="285750" indent="-285750">
+                <a:buFont typeface="Arial" panose="020B0604020202020204" pitchFamily="34" charset="0"/>
+                <a:buChar char="•"/>
+              </a:pPr>
+              <a:r>
+                <a:rPr lang="en-US" sz="1600" dirty="0" err="1"/>
+                <a:t>Monitor_value</a:t>
+              </a:r>
+              <a:r>
+                <a:rPr lang="en-US" sz="1600" dirty="0"/>
+                <a:t>()</a:t>
+              </a:r>
+            </a:p>
+          </p:txBody>
+        </p:sp>
+      </p:grpSp>
+      <p:grpSp>
+        <p:nvGrpSpPr>
+          <p:cNvPr id="26" name="Group 25">
+            <a:extLst>
+              <a:ext uri="{FF2B5EF4-FFF2-40B4-BE49-F238E27FC236}">
+                <a16:creationId xmlns:a16="http://schemas.microsoft.com/office/drawing/2014/main" id="{3C640669-3F21-4BD2-99BC-84CFF0D2B5DF}"/>
+              </a:ext>
+            </a:extLst>
+          </p:cNvPr>
+          <p:cNvGrpSpPr/>
+          <p:nvPr/>
+        </p:nvGrpSpPr>
+        <p:grpSpPr>
+          <a:xfrm>
+            <a:off x="482579" y="1368337"/>
+            <a:ext cx="2544796" cy="1582675"/>
+            <a:chOff x="439036" y="646412"/>
+            <a:chExt cx="2544796" cy="1582675"/>
+          </a:xfrm>
+        </p:grpSpPr>
+        <p:sp>
+          <p:nvSpPr>
+            <p:cNvPr id="27" name="Flowchart: Process 26">
+              <a:extLst>
+                <a:ext uri="{FF2B5EF4-FFF2-40B4-BE49-F238E27FC236}">
+                  <a16:creationId xmlns:a16="http://schemas.microsoft.com/office/drawing/2014/main" id="{2AB6AFC2-7918-493E-8588-D86CED103750}"/>
+                </a:ext>
+              </a:extLst>
+            </p:cNvPr>
+            <p:cNvSpPr/>
+            <p:nvPr/>
+          </p:nvSpPr>
+          <p:spPr>
+            <a:xfrm>
+              <a:off x="439036" y="646412"/>
+              <a:ext cx="2544796" cy="275246"/>
+            </a:xfrm>
+            <a:prstGeom prst="flowChartProcess">
+              <a:avLst/>
+            </a:prstGeom>
+          </p:spPr>
+          <p:style>
+            <a:lnRef idx="2">
+              <a:schemeClr val="accent1">
+                <a:shade val="50000"/>
+              </a:schemeClr>
+            </a:lnRef>
+            <a:fillRef idx="1">
+              <a:schemeClr val="accent1"/>
+            </a:fillRef>
+            <a:effectRef idx="0">
+              <a:schemeClr val="accent1"/>
+            </a:effectRef>
+            <a:fontRef idx="minor">
+              <a:schemeClr val="lt1"/>
+            </a:fontRef>
+          </p:style>
+          <p:txBody>
+            <a:bodyPr rtlCol="0" anchor="ctr"/>
+            <a:lstStyle/>
+            <a:p>
+              <a:pPr algn="ctr"/>
+              <a:r>
+                <a:rPr lang="en-US" dirty="0"/>
+                <a:t>RFID</a:t>
+              </a:r>
+            </a:p>
+          </p:txBody>
+        </p:sp>
+        <p:sp>
+          <p:nvSpPr>
+            <p:cNvPr id="28" name="Flowchart: Process 27">
+              <a:extLst>
+                <a:ext uri="{FF2B5EF4-FFF2-40B4-BE49-F238E27FC236}">
+                  <a16:creationId xmlns:a16="http://schemas.microsoft.com/office/drawing/2014/main" id="{C6155FDA-F4E1-4C00-B8B0-771652125BA1}"/>
+                </a:ext>
+              </a:extLst>
+            </p:cNvPr>
+            <p:cNvSpPr/>
+            <p:nvPr/>
+          </p:nvSpPr>
+          <p:spPr>
+            <a:xfrm>
+              <a:off x="439036" y="921658"/>
+              <a:ext cx="2544796" cy="653714"/>
+            </a:xfrm>
+            <a:prstGeom prst="flowChartProcess">
+              <a:avLst/>
+            </a:prstGeom>
+          </p:spPr>
+          <p:style>
+            <a:lnRef idx="2">
+              <a:schemeClr val="accent1">
+                <a:shade val="50000"/>
+              </a:schemeClr>
+            </a:lnRef>
+            <a:fillRef idx="1">
+              <a:schemeClr val="accent1"/>
+            </a:fillRef>
+            <a:effectRef idx="0">
+              <a:schemeClr val="accent1"/>
+            </a:effectRef>
+            <a:fontRef idx="minor">
+              <a:schemeClr val="lt1"/>
+            </a:fontRef>
+          </p:style>
+          <p:txBody>
+            <a:bodyPr rtlCol="0" anchor="ctr"/>
+            <a:lstStyle/>
+            <a:p>
+              <a:pPr marL="285750" indent="-285750">
+                <a:buFont typeface="Arial" panose="020B0604020202020204" pitchFamily="34" charset="0"/>
+                <a:buChar char="•"/>
+              </a:pPr>
+              <a:r>
+                <a:rPr lang="en-US" sz="1600" dirty="0"/>
+                <a:t>RFID number</a:t>
+              </a:r>
+            </a:p>
+            <a:p>
+              <a:pPr marL="285750" indent="-285750">
+                <a:buFont typeface="Arial" panose="020B0604020202020204" pitchFamily="34" charset="0"/>
+                <a:buChar char="•"/>
+              </a:pPr>
+              <a:r>
+                <a:rPr lang="en-US" sz="1600" dirty="0"/>
+                <a:t>Operating frequency</a:t>
+              </a:r>
+            </a:p>
+          </p:txBody>
+        </p:sp>
+        <p:sp>
+          <p:nvSpPr>
+            <p:cNvPr id="29" name="Flowchart: Process 28">
+              <a:extLst>
+                <a:ext uri="{FF2B5EF4-FFF2-40B4-BE49-F238E27FC236}">
+                  <a16:creationId xmlns:a16="http://schemas.microsoft.com/office/drawing/2014/main" id="{BFA3148C-32BB-40DD-8D45-56BBEB00EE86}"/>
+                </a:ext>
+              </a:extLst>
+            </p:cNvPr>
+            <p:cNvSpPr/>
+            <p:nvPr/>
+          </p:nvSpPr>
+          <p:spPr>
+            <a:xfrm>
+              <a:off x="439036" y="1575373"/>
+              <a:ext cx="2544796" cy="653714"/>
+            </a:xfrm>
+            <a:prstGeom prst="flowChartProcess">
+              <a:avLst/>
+            </a:prstGeom>
+          </p:spPr>
+          <p:style>
+            <a:lnRef idx="2">
+              <a:schemeClr val="accent1">
+                <a:shade val="50000"/>
+              </a:schemeClr>
+            </a:lnRef>
+            <a:fillRef idx="1">
+              <a:schemeClr val="accent1"/>
+            </a:fillRef>
+            <a:effectRef idx="0">
+              <a:schemeClr val="accent1"/>
+            </a:effectRef>
+            <a:fontRef idx="minor">
+              <a:schemeClr val="lt1"/>
+            </a:fontRef>
+          </p:style>
+          <p:txBody>
+            <a:bodyPr rtlCol="0" anchor="ctr"/>
+            <a:lstStyle/>
+            <a:p>
+              <a:pPr marL="285750" indent="-285750">
+                <a:buFont typeface="Arial" panose="020B0604020202020204" pitchFamily="34" charset="0"/>
+                <a:buChar char="•"/>
+              </a:pPr>
+              <a:r>
+                <a:rPr lang="en-US" sz="1600" dirty="0" err="1"/>
+                <a:t>Monitor_pings</a:t>
+              </a:r>
+              <a:r>
+                <a:rPr lang="en-US" sz="1600" dirty="0"/>
+                <a:t>()</a:t>
+              </a:r>
+            </a:p>
+            <a:p>
+              <a:pPr marL="285750" indent="-285750">
+                <a:buFont typeface="Arial" panose="020B0604020202020204" pitchFamily="34" charset="0"/>
+                <a:buChar char="•"/>
+              </a:pPr>
+              <a:r>
+                <a:rPr lang="en-US" sz="1600" dirty="0" err="1"/>
+                <a:t>Send_data</a:t>
+              </a:r>
+              <a:r>
+                <a:rPr lang="en-US" sz="1600" dirty="0"/>
+                <a:t>()</a:t>
+              </a:r>
+            </a:p>
+          </p:txBody>
+        </p:sp>
+      </p:grpSp>
+      <p:cxnSp>
+        <p:nvCxnSpPr>
+          <p:cNvPr id="34" name="Connector: Elbow 33">
+            <a:extLst>
+              <a:ext uri="{FF2B5EF4-FFF2-40B4-BE49-F238E27FC236}">
+                <a16:creationId xmlns:a16="http://schemas.microsoft.com/office/drawing/2014/main" id="{05F3B7B2-405D-4EB2-A9E9-F829C0888DA3}"/>
+              </a:ext>
+            </a:extLst>
+          </p:cNvPr>
+          <p:cNvCxnSpPr>
+            <a:stCxn id="16" idx="3"/>
+            <a:endCxn id="12" idx="1"/>
+          </p:cNvCxnSpPr>
+          <p:nvPr/>
+        </p:nvCxnSpPr>
+        <p:spPr>
+          <a:xfrm>
+            <a:off x="3027375" y="4114915"/>
+            <a:ext cx="1687374" cy="7259"/>
+          </a:xfrm>
+          <a:prstGeom prst="bentConnector3">
+            <a:avLst/>
+          </a:prstGeom>
+          <a:ln w="28575">
+            <a:tailEnd type="triangle"/>
+          </a:ln>
+        </p:spPr>
+        <p:style>
+          <a:lnRef idx="1">
+            <a:schemeClr val="accent1"/>
+          </a:lnRef>
+          <a:fillRef idx="0">
+            <a:schemeClr val="accent1"/>
+          </a:fillRef>
+          <a:effectRef idx="0">
+            <a:schemeClr val="accent1"/>
+          </a:effectRef>
+          <a:fontRef idx="minor">
+            <a:schemeClr val="tx1"/>
+          </a:fontRef>
+        </p:style>
+      </p:cxnSp>
+      <p:cxnSp>
+        <p:nvCxnSpPr>
+          <p:cNvPr id="36" name="Connector: Elbow 35">
+            <a:extLst>
+              <a:ext uri="{FF2B5EF4-FFF2-40B4-BE49-F238E27FC236}">
+                <a16:creationId xmlns:a16="http://schemas.microsoft.com/office/drawing/2014/main" id="{32C6612E-D2D7-46EA-B825-7968B823A911}"/>
+              </a:ext>
+            </a:extLst>
+          </p:cNvPr>
+          <p:cNvCxnSpPr>
+            <a:stCxn id="20" idx="3"/>
+            <a:endCxn id="12" idx="1"/>
+          </p:cNvCxnSpPr>
+          <p:nvPr/>
+        </p:nvCxnSpPr>
+        <p:spPr>
+          <a:xfrm flipV="1">
+            <a:off x="3027375" y="4122174"/>
+            <a:ext cx="1687374" cy="2232158"/>
+          </a:xfrm>
+          <a:prstGeom prst="bentConnector3">
+            <a:avLst/>
+          </a:prstGeom>
+          <a:ln w="28575">
+            <a:tailEnd type="triangle"/>
+          </a:ln>
+        </p:spPr>
+        <p:style>
+          <a:lnRef idx="1">
+            <a:schemeClr val="accent1"/>
+          </a:lnRef>
+          <a:fillRef idx="0">
+            <a:schemeClr val="accent1"/>
+          </a:fillRef>
+          <a:effectRef idx="0">
+            <a:schemeClr val="accent1"/>
+          </a:effectRef>
+          <a:fontRef idx="minor">
+            <a:schemeClr val="tx1"/>
+          </a:fontRef>
+        </p:style>
+      </p:cxnSp>
       <p:sp>
         <p:nvSpPr>
-          <p:cNvPr id="9" name="Flowchart: Alternate Process 8">
-            <a:extLst>
-              <a:ext uri="{FF2B5EF4-FFF2-40B4-BE49-F238E27FC236}">
-                <a16:creationId xmlns:a16="http://schemas.microsoft.com/office/drawing/2014/main" id="{FBA3CA55-23D4-4D36-94B9-85E5A33BBBFF}"/>
-              </a:ext>
-            </a:extLst>
-          </p:cNvPr>
-          <p:cNvSpPr/>
+          <p:cNvPr id="37" name="TextBox 36">
+            <a:extLst>
+              <a:ext uri="{FF2B5EF4-FFF2-40B4-BE49-F238E27FC236}">
+                <a16:creationId xmlns:a16="http://schemas.microsoft.com/office/drawing/2014/main" id="{07D4BD08-AEE6-463F-BD35-E8BFD4241559}"/>
+              </a:ext>
+            </a:extLst>
+          </p:cNvPr>
+          <p:cNvSpPr txBox="1"/>
           <p:nvPr/>
         </p:nvSpPr>
         <p:spPr>
           <a:xfrm>
-            <a:off x="1816652" y="4129481"/>
-            <a:ext cx="2090057" cy="548845"/>
-          </a:xfrm>
-          <a:prstGeom prst="flowChartAlternateProcess">
-            <a:avLst/>
-          </a:prstGeom>
-        </p:spPr>
-        <p:style>
-          <a:lnRef idx="2">
-            <a:schemeClr val="accent1">
-              <a:shade val="50000"/>
-            </a:schemeClr>
-          </a:lnRef>
-          <a:fillRef idx="1">
-            <a:schemeClr val="accent1"/>
-          </a:fillRef>
-          <a:effectRef idx="0">
-            <a:schemeClr val="accent1"/>
-          </a:effectRef>
-          <a:fontRef idx="minor">
-            <a:schemeClr val="lt1"/>
-          </a:fontRef>
-        </p:style>
+            <a:off x="482579" y="456705"/>
+            <a:ext cx="6776966" cy="584775"/>
+          </a:xfrm>
+          <a:prstGeom prst="rect">
+            <a:avLst/>
+          </a:prstGeom>
+          <a:noFill/>
+          <a:ln>
+            <a:solidFill>
+              <a:schemeClr val="tx1"/>
+            </a:solidFill>
+          </a:ln>
+        </p:spPr>
         <p:txBody>
-          <a:bodyPr rtlCol="0" anchor="ctr"/>
+          <a:bodyPr wrap="square" rtlCol="0">
+            <a:spAutoFit/>
+          </a:bodyPr>
           <a:lstStyle/>
           <a:p>
             <a:pPr algn="ctr"/>
             <a:r>
-              <a:rPr lang="en-US" dirty="0"/>
-              <a:t>Define </a:t>
+              <a:rPr lang="en-US" sz="3200" dirty="0"/>
+              <a:t>Physical Objects</a:t>
             </a:r>
-            <a:r>
-              <a:rPr lang="en-US" dirty="0" err="1"/>
-              <a:t>voleClass</a:t>
-            </a:r>
-            <a:endParaRPr lang="en-US" dirty="0"/>
           </a:p>
         </p:txBody>
       </p:sp>
       <p:sp>
         <p:nvSpPr>
-          <p:cNvPr id="10" name="Flowchart: Alternate Process 9">
-            <a:extLst>
-              <a:ext uri="{FF2B5EF4-FFF2-40B4-BE49-F238E27FC236}">
-                <a16:creationId xmlns:a16="http://schemas.microsoft.com/office/drawing/2014/main" id="{75707409-26C8-4A95-8836-22D4DFDD4B93}"/>
-              </a:ext>
-            </a:extLst>
-          </p:cNvPr>
-          <p:cNvSpPr/>
+          <p:cNvPr id="38" name="TextBox 37">
+            <a:extLst>
+              <a:ext uri="{FF2B5EF4-FFF2-40B4-BE49-F238E27FC236}">
+                <a16:creationId xmlns:a16="http://schemas.microsoft.com/office/drawing/2014/main" id="{13734726-3307-4A7F-8291-EA9ED1CD2175}"/>
+              </a:ext>
+            </a:extLst>
+          </p:cNvPr>
+          <p:cNvSpPr txBox="1"/>
           <p:nvPr/>
         </p:nvSpPr>
         <p:spPr>
           <a:xfrm>
-            <a:off x="1816652" y="5065146"/>
-            <a:ext cx="2090057" cy="548845"/>
-          </a:xfrm>
-          <a:prstGeom prst="flowChartAlternateProcess">
-            <a:avLst/>
-          </a:prstGeom>
-        </p:spPr>
-        <p:style>
-          <a:lnRef idx="2">
-            <a:schemeClr val="accent1">
-              <a:shade val="50000"/>
-            </a:schemeClr>
-          </a:lnRef>
-          <a:fillRef idx="1">
-            <a:schemeClr val="accent1"/>
-          </a:fillRef>
-          <a:effectRef idx="0">
-            <a:schemeClr val="accent1"/>
-          </a:effectRef>
-          <a:fontRef idx="minor">
-            <a:schemeClr val="lt1"/>
-          </a:fontRef>
-        </p:style>
+            <a:off x="9144000" y="4114915"/>
+            <a:ext cx="3874168" cy="523220"/>
+          </a:xfrm>
+          <a:prstGeom prst="rect">
+            <a:avLst/>
+          </a:prstGeom>
+          <a:noFill/>
+          <a:ln>
+            <a:solidFill>
+              <a:schemeClr val="tx1"/>
+            </a:solidFill>
+          </a:ln>
+        </p:spPr>
         <p:txBody>
-          <a:bodyPr rtlCol="0" anchor="ctr"/>
+          <a:bodyPr wrap="square" rtlCol="0">
+            <a:spAutoFit/>
+          </a:bodyPr>
           <a:lstStyle/>
           <a:p>
             <a:pPr algn="ctr"/>
             <a:r>
-              <a:rPr lang="en-US" dirty="0"/>
-              <a:t>Create </a:t>
+              <a:rPr lang="en-US" sz="2800" dirty="0"/>
+              <a:t>Control Objects</a:t>
             </a:r>
-            <a:r>
-              <a:rPr lang="en-US" dirty="0" err="1"/>
-              <a:t>voleManager</a:t>
-            </a:r>
-            <a:endParaRPr lang="en-US" dirty="0"/>
           </a:p>
         </p:txBody>
       </p:sp>
-      <p:sp>
-        <p:nvSpPr>
-          <p:cNvPr id="11" name="Flowchart: Alternate Process 10">
-            <a:extLst>
-              <a:ext uri="{FF2B5EF4-FFF2-40B4-BE49-F238E27FC236}">
-                <a16:creationId xmlns:a16="http://schemas.microsoft.com/office/drawing/2014/main" id="{0C015496-B44D-4FC6-9A7F-8D6F6CE41D50}"/>
-              </a:ext>
-            </a:extLst>
-          </p:cNvPr>
-          <p:cNvSpPr/>
-          <p:nvPr/>
-        </p:nvSpPr>
+      <p:cxnSp>
+        <p:nvCxnSpPr>
+          <p:cNvPr id="40" name="Connector: Elbow 39">
+            <a:extLst>
+              <a:ext uri="{FF2B5EF4-FFF2-40B4-BE49-F238E27FC236}">
+                <a16:creationId xmlns:a16="http://schemas.microsoft.com/office/drawing/2014/main" id="{F9F2E0ED-B079-43EF-A1D5-E7DDF3871ED9}"/>
+              </a:ext>
+            </a:extLst>
+          </p:cNvPr>
+          <p:cNvCxnSpPr>
+            <a:cxnSpLocks/>
+            <a:stCxn id="28" idx="3"/>
+            <a:endCxn id="38" idx="1"/>
+          </p:cNvCxnSpPr>
+          <p:nvPr/>
+        </p:nvCxnSpPr>
         <p:spPr>
           <a:xfrm>
-            <a:off x="4666177" y="5065146"/>
-            <a:ext cx="2090057" cy="548845"/>
-          </a:xfrm>
-          <a:prstGeom prst="flowChartAlternateProcess">
-            <a:avLst/>
-          </a:prstGeom>
-        </p:spPr>
-        <p:style>
-          <a:lnRef idx="2">
-            <a:schemeClr val="accent1">
-              <a:shade val="50000"/>
-            </a:schemeClr>
-          </a:lnRef>
-          <a:fillRef idx="1">
-            <a:schemeClr val="accent1"/>
-          </a:fillRef>
-          <a:effectRef idx="0">
-            <a:schemeClr val="accent1"/>
-          </a:effectRef>
-          <a:fontRef idx="minor">
-            <a:schemeClr val="lt1"/>
-          </a:fontRef>
-        </p:style>
-        <p:txBody>
-          <a:bodyPr rtlCol="0" anchor="ctr"/>
-          <a:lstStyle/>
-          <a:p>
-            <a:pPr algn="ctr"/>
-            <a:r>
-              <a:rPr lang="en-US" dirty="0"/>
-              <a:t>Register the </a:t>
-            </a:r>
-            <a:r>
-              <a:rPr lang="en-US" dirty="0" err="1"/>
-              <a:t>voleClass</a:t>
-            </a:r>
-            <a:endParaRPr lang="en-US" dirty="0"/>
-          </a:p>
-        </p:txBody>
-      </p:sp>
+            <a:off x="3027375" y="1970440"/>
+            <a:ext cx="6116625" cy="2406085"/>
+          </a:xfrm>
+          <a:prstGeom prst="bentConnector3">
+            <a:avLst>
+              <a:gd name="adj1" fmla="val 84571"/>
+            </a:avLst>
+          </a:prstGeom>
+          <a:ln w="28575">
+            <a:tailEnd type="triangle"/>
+          </a:ln>
+        </p:spPr>
+        <p:style>
+          <a:lnRef idx="1">
+            <a:schemeClr val="accent1"/>
+          </a:lnRef>
+          <a:fillRef idx="0">
+            <a:schemeClr val="accent1"/>
+          </a:fillRef>
+          <a:effectRef idx="0">
+            <a:schemeClr val="accent1"/>
+          </a:effectRef>
+          <a:fontRef idx="minor">
+            <a:schemeClr val="tx1"/>
+          </a:fontRef>
+        </p:style>
+      </p:cxnSp>
+      <p:cxnSp>
+        <p:nvCxnSpPr>
+          <p:cNvPr id="43" name="Connector: Elbow 42">
+            <a:extLst>
+              <a:ext uri="{FF2B5EF4-FFF2-40B4-BE49-F238E27FC236}">
+                <a16:creationId xmlns:a16="http://schemas.microsoft.com/office/drawing/2014/main" id="{C0A2CC46-F4BD-4185-955C-63460E1DEC15}"/>
+              </a:ext>
+            </a:extLst>
+          </p:cNvPr>
+          <p:cNvCxnSpPr>
+            <a:cxnSpLocks/>
+            <a:stCxn id="24" idx="3"/>
+            <a:endCxn id="38" idx="1"/>
+          </p:cNvCxnSpPr>
+          <p:nvPr/>
+        </p:nvCxnSpPr>
+        <p:spPr>
+          <a:xfrm flipV="1">
+            <a:off x="3027375" y="4376525"/>
+            <a:ext cx="6116625" cy="4216853"/>
+          </a:xfrm>
+          <a:prstGeom prst="bentConnector3">
+            <a:avLst>
+              <a:gd name="adj1" fmla="val 84415"/>
+            </a:avLst>
+          </a:prstGeom>
+          <a:ln w="28575">
+            <a:tailEnd type="triangle"/>
+          </a:ln>
+        </p:spPr>
+        <p:style>
+          <a:lnRef idx="1">
+            <a:schemeClr val="accent1"/>
+          </a:lnRef>
+          <a:fillRef idx="0">
+            <a:schemeClr val="accent1"/>
+          </a:fillRef>
+          <a:effectRef idx="0">
+            <a:schemeClr val="accent1"/>
+          </a:effectRef>
+          <a:fontRef idx="minor">
+            <a:schemeClr val="tx1"/>
+          </a:fontRef>
+        </p:style>
+      </p:cxnSp>
+      <p:cxnSp>
+        <p:nvCxnSpPr>
+          <p:cNvPr id="46" name="Connector: Elbow 45">
+            <a:extLst>
+              <a:ext uri="{FF2B5EF4-FFF2-40B4-BE49-F238E27FC236}">
+                <a16:creationId xmlns:a16="http://schemas.microsoft.com/office/drawing/2014/main" id="{ED0921C0-EC49-4817-9A69-9AAF3D922477}"/>
+              </a:ext>
+            </a:extLst>
+          </p:cNvPr>
+          <p:cNvCxnSpPr>
+            <a:cxnSpLocks/>
+            <a:stCxn id="12" idx="3"/>
+            <a:endCxn id="38" idx="1"/>
+          </p:cNvCxnSpPr>
+          <p:nvPr/>
+        </p:nvCxnSpPr>
+        <p:spPr>
+          <a:xfrm>
+            <a:off x="7259545" y="4122174"/>
+            <a:ext cx="1884455" cy="254351"/>
+          </a:xfrm>
+          <a:prstGeom prst="bentConnector3">
+            <a:avLst>
+              <a:gd name="adj1" fmla="val 50000"/>
+            </a:avLst>
+          </a:prstGeom>
+          <a:ln w="28575">
+            <a:tailEnd type="triangle"/>
+          </a:ln>
+        </p:spPr>
+        <p:style>
+          <a:lnRef idx="1">
+            <a:schemeClr val="accent1"/>
+          </a:lnRef>
+          <a:fillRef idx="0">
+            <a:schemeClr val="accent1"/>
+          </a:fillRef>
+          <a:effectRef idx="0">
+            <a:schemeClr val="accent1"/>
+          </a:effectRef>
+          <a:fontRef idx="minor">
+            <a:schemeClr val="tx1"/>
+          </a:fontRef>
+        </p:style>
+      </p:cxnSp>
     </p:spTree>
     <p:extLst>
       <p:ext uri="{BB962C8B-B14F-4D97-AF65-F5344CB8AC3E}">

--- a/Software/Software System Architecture.pptx
+++ b/Software/Software System Architecture.pptx
@@ -2,7 +2,7 @@
 <file path=ppt/presentation.xml><?xml version="1.0" encoding="utf-8"?>
 <p:presentation xmlns:a="http://schemas.openxmlformats.org/drawingml/2006/main" xmlns:r="http://schemas.openxmlformats.org/officeDocument/2006/relationships" xmlns:p="http://schemas.openxmlformats.org/presentationml/2006/main" saveSubsetFonts="1">
   <p:sldMasterIdLst>
-    <p:sldMasterId id="2147483672" r:id="rId1"/>
+    <p:sldMasterId id="2147483684" r:id="rId1"/>
   </p:sldMasterIdLst>
   <p:sldIdLst>
     <p:sldId id="256" r:id="rId2"/>
@@ -18,7 +18,7 @@
     <p:sldId id="257" r:id="rId12"/>
     <p:sldId id="262" r:id="rId13"/>
   </p:sldIdLst>
-  <p:sldSz cx="18288000" cy="10287000"/>
+  <p:sldSz cx="22860000" cy="13716000"/>
   <p:notesSz cx="6858000" cy="9144000"/>
   <p:defaultTextStyle>
     <a:defPPr>
@@ -172,15 +172,15 @@
         </p:nvSpPr>
         <p:spPr>
           <a:xfrm>
-            <a:off x="2286000" y="1683545"/>
-            <a:ext cx="13716000" cy="3581400"/>
+            <a:off x="2857500" y="2244726"/>
+            <a:ext cx="17145000" cy="4775200"/>
           </a:xfrm>
         </p:spPr>
         <p:txBody>
           <a:bodyPr anchor="b"/>
           <a:lstStyle>
             <a:lvl1pPr algn="ctr">
-              <a:defRPr sz="9000"/>
+              <a:defRPr sz="11250"/>
             </a:lvl1pPr>
           </a:lstStyle>
           <a:p>
@@ -204,8 +204,8 @@
         </p:nvSpPr>
         <p:spPr>
           <a:xfrm>
-            <a:off x="2286000" y="5403057"/>
-            <a:ext cx="13716000" cy="2483643"/>
+            <a:off x="2857500" y="7204076"/>
+            <a:ext cx="17145000" cy="3311524"/>
           </a:xfrm>
         </p:spPr>
         <p:txBody>
@@ -213,39 +213,39 @@
           <a:lstStyle>
             <a:lvl1pPr marL="0" indent="0" algn="ctr">
               <a:buNone/>
-              <a:defRPr sz="3600"/>
+              <a:defRPr sz="4500"/>
             </a:lvl1pPr>
-            <a:lvl2pPr marL="685800" indent="0" algn="ctr">
+            <a:lvl2pPr marL="857250" indent="0" algn="ctr">
+              <a:buNone/>
+              <a:defRPr sz="3750"/>
+            </a:lvl2pPr>
+            <a:lvl3pPr marL="1714500" indent="0" algn="ctr">
+              <a:buNone/>
+              <a:defRPr sz="3375"/>
+            </a:lvl3pPr>
+            <a:lvl4pPr marL="2571750" indent="0" algn="ctr">
               <a:buNone/>
               <a:defRPr sz="3000"/>
-            </a:lvl2pPr>
-            <a:lvl3pPr marL="1371600" indent="0" algn="ctr">
+            </a:lvl4pPr>
+            <a:lvl5pPr marL="3429000" indent="0" algn="ctr">
               <a:buNone/>
-              <a:defRPr sz="2700"/>
-            </a:lvl3pPr>
-            <a:lvl4pPr marL="2057400" indent="0" algn="ctr">
+              <a:defRPr sz="3000"/>
+            </a:lvl5pPr>
+            <a:lvl6pPr marL="4286250" indent="0" algn="ctr">
               <a:buNone/>
-              <a:defRPr sz="2400"/>
-            </a:lvl4pPr>
-            <a:lvl5pPr marL="2743200" indent="0" algn="ctr">
+              <a:defRPr sz="3000"/>
+            </a:lvl6pPr>
+            <a:lvl7pPr marL="5143500" indent="0" algn="ctr">
               <a:buNone/>
-              <a:defRPr sz="2400"/>
-            </a:lvl5pPr>
-            <a:lvl6pPr marL="3429000" indent="0" algn="ctr">
+              <a:defRPr sz="3000"/>
+            </a:lvl7pPr>
+            <a:lvl8pPr marL="6000750" indent="0" algn="ctr">
               <a:buNone/>
-              <a:defRPr sz="2400"/>
-            </a:lvl6pPr>
-            <a:lvl7pPr marL="4114800" indent="0" algn="ctr">
+              <a:defRPr sz="3000"/>
+            </a:lvl8pPr>
+            <a:lvl9pPr marL="6858000" indent="0" algn="ctr">
               <a:buNone/>
-              <a:defRPr sz="2400"/>
-            </a:lvl7pPr>
-            <a:lvl8pPr marL="4800600" indent="0" algn="ctr">
-              <a:buNone/>
-              <a:defRPr sz="2400"/>
-            </a:lvl8pPr>
-            <a:lvl9pPr marL="5486400" indent="0" algn="ctr">
-              <a:buNone/>
-              <a:defRPr sz="2400"/>
+              <a:defRPr sz="3000"/>
             </a:lvl9pPr>
           </a:lstStyle>
           <a:p>
@@ -274,7 +274,7 @@
           <a:p>
             <a:fld id="{F62E71A9-A198-4BC2-915B-5C3ABADD511E}" type="datetimeFigureOut">
               <a:rPr lang="en-US" smtClean="0"/>
-              <a:t>9/15/2021</a:t>
+              <a:t>1/14/2022</a:t>
             </a:fld>
             <a:endParaRPr lang="en-US"/>
           </a:p>
@@ -325,7 +325,7 @@
     </p:spTree>
     <p:extLst>
       <p:ext uri="{BB962C8B-B14F-4D97-AF65-F5344CB8AC3E}">
-        <p14:creationId xmlns:p14="http://schemas.microsoft.com/office/powerpoint/2010/main" val="535979135"/>
+        <p14:creationId xmlns:p14="http://schemas.microsoft.com/office/powerpoint/2010/main" val="1358263360"/>
       </p:ext>
     </p:extLst>
   </p:cSld>
@@ -444,7 +444,7 @@
           <a:p>
             <a:fld id="{F62E71A9-A198-4BC2-915B-5C3ABADD511E}" type="datetimeFigureOut">
               <a:rPr lang="en-US" smtClean="0"/>
-              <a:t>9/15/2021</a:t>
+              <a:t>1/14/2022</a:t>
             </a:fld>
             <a:endParaRPr lang="en-US"/>
           </a:p>
@@ -495,7 +495,7 @@
     </p:spTree>
     <p:extLst>
       <p:ext uri="{BB962C8B-B14F-4D97-AF65-F5344CB8AC3E}">
-        <p14:creationId xmlns:p14="http://schemas.microsoft.com/office/powerpoint/2010/main" val="1791083086"/>
+        <p14:creationId xmlns:p14="http://schemas.microsoft.com/office/powerpoint/2010/main" val="3000317348"/>
       </p:ext>
     </p:extLst>
   </p:cSld>
@@ -534,8 +534,8 @@
         </p:nvSpPr>
         <p:spPr>
           <a:xfrm>
-            <a:off x="13087350" y="547688"/>
-            <a:ext cx="3943350" cy="8717757"/>
+            <a:off x="16359187" y="730250"/>
+            <a:ext cx="4929188" cy="11623676"/>
           </a:xfrm>
         </p:spPr>
         <p:txBody>
@@ -562,8 +562,8 @@
         </p:nvSpPr>
         <p:spPr>
           <a:xfrm>
-            <a:off x="1257300" y="547688"/>
-            <a:ext cx="11601450" cy="8717757"/>
+            <a:off x="1571625" y="730250"/>
+            <a:ext cx="14501813" cy="11623676"/>
           </a:xfrm>
         </p:spPr>
         <p:txBody>
@@ -624,7 +624,7 @@
           <a:p>
             <a:fld id="{F62E71A9-A198-4BC2-915B-5C3ABADD511E}" type="datetimeFigureOut">
               <a:rPr lang="en-US" smtClean="0"/>
-              <a:t>9/15/2021</a:t>
+              <a:t>1/14/2022</a:t>
             </a:fld>
             <a:endParaRPr lang="en-US"/>
           </a:p>
@@ -675,7 +675,7 @@
     </p:spTree>
     <p:extLst>
       <p:ext uri="{BB962C8B-B14F-4D97-AF65-F5344CB8AC3E}">
-        <p14:creationId xmlns:p14="http://schemas.microsoft.com/office/powerpoint/2010/main" val="1966595967"/>
+        <p14:creationId xmlns:p14="http://schemas.microsoft.com/office/powerpoint/2010/main" val="3372073519"/>
       </p:ext>
     </p:extLst>
   </p:cSld>
@@ -794,7 +794,7 @@
           <a:p>
             <a:fld id="{F62E71A9-A198-4BC2-915B-5C3ABADD511E}" type="datetimeFigureOut">
               <a:rPr lang="en-US" smtClean="0"/>
-              <a:t>9/15/2021</a:t>
+              <a:t>1/14/2022</a:t>
             </a:fld>
             <a:endParaRPr lang="en-US"/>
           </a:p>
@@ -845,7 +845,7 @@
     </p:spTree>
     <p:extLst>
       <p:ext uri="{BB962C8B-B14F-4D97-AF65-F5344CB8AC3E}">
-        <p14:creationId xmlns:p14="http://schemas.microsoft.com/office/powerpoint/2010/main" val="3931639349"/>
+        <p14:creationId xmlns:p14="http://schemas.microsoft.com/office/powerpoint/2010/main" val="3378376635"/>
       </p:ext>
     </p:extLst>
   </p:cSld>
@@ -884,15 +884,15 @@
         </p:nvSpPr>
         <p:spPr>
           <a:xfrm>
-            <a:off x="1247775" y="2564608"/>
-            <a:ext cx="15773400" cy="4279106"/>
+            <a:off x="1559719" y="3419477"/>
+            <a:ext cx="19716750" cy="5705474"/>
           </a:xfrm>
         </p:spPr>
         <p:txBody>
           <a:bodyPr anchor="b"/>
           <a:lstStyle>
             <a:lvl1pPr>
-              <a:defRPr sz="9000"/>
+              <a:defRPr sz="11250"/>
             </a:lvl1pPr>
           </a:lstStyle>
           <a:p>
@@ -916,8 +916,8 @@
         </p:nvSpPr>
         <p:spPr>
           <a:xfrm>
-            <a:off x="1247775" y="6884195"/>
-            <a:ext cx="15773400" cy="2250281"/>
+            <a:off x="1559719" y="9178927"/>
+            <a:ext cx="19716750" cy="3000374"/>
           </a:xfrm>
         </p:spPr>
         <p:txBody>
@@ -925,7 +925,7 @@
           <a:lstStyle>
             <a:lvl1pPr marL="0" indent="0">
               <a:buNone/>
-              <a:defRPr sz="3600">
+              <a:defRPr sz="4500">
                 <a:solidFill>
                   <a:schemeClr val="tx1">
                     <a:tint val="75000"/>
@@ -933,7 +933,27 @@
                 </a:solidFill>
               </a:defRPr>
             </a:lvl1pPr>
-            <a:lvl2pPr marL="685800" indent="0">
+            <a:lvl2pPr marL="857250" indent="0">
+              <a:buNone/>
+              <a:defRPr sz="3750">
+                <a:solidFill>
+                  <a:schemeClr val="tx1">
+                    <a:tint val="75000"/>
+                  </a:schemeClr>
+                </a:solidFill>
+              </a:defRPr>
+            </a:lvl2pPr>
+            <a:lvl3pPr marL="1714500" indent="0">
+              <a:buNone/>
+              <a:defRPr sz="3375">
+                <a:solidFill>
+                  <a:schemeClr val="tx1">
+                    <a:tint val="75000"/>
+                  </a:schemeClr>
+                </a:solidFill>
+              </a:defRPr>
+            </a:lvl3pPr>
+            <a:lvl4pPr marL="2571750" indent="0">
               <a:buNone/>
               <a:defRPr sz="3000">
                 <a:solidFill>
@@ -942,30 +962,10 @@
                   </a:schemeClr>
                 </a:solidFill>
               </a:defRPr>
-            </a:lvl2pPr>
-            <a:lvl3pPr marL="1371600" indent="0">
+            </a:lvl4pPr>
+            <a:lvl5pPr marL="3429000" indent="0">
               <a:buNone/>
-              <a:defRPr sz="2700">
-                <a:solidFill>
-                  <a:schemeClr val="tx1">
-                    <a:tint val="75000"/>
-                  </a:schemeClr>
-                </a:solidFill>
-              </a:defRPr>
-            </a:lvl3pPr>
-            <a:lvl4pPr marL="2057400" indent="0">
-              <a:buNone/>
-              <a:defRPr sz="2400">
-                <a:solidFill>
-                  <a:schemeClr val="tx1">
-                    <a:tint val="75000"/>
-                  </a:schemeClr>
-                </a:solidFill>
-              </a:defRPr>
-            </a:lvl4pPr>
-            <a:lvl5pPr marL="2743200" indent="0">
-              <a:buNone/>
-              <a:defRPr sz="2400">
+              <a:defRPr sz="3000">
                 <a:solidFill>
                   <a:schemeClr val="tx1">
                     <a:tint val="75000"/>
@@ -973,9 +973,9 @@
                 </a:solidFill>
               </a:defRPr>
             </a:lvl5pPr>
-            <a:lvl6pPr marL="3429000" indent="0">
+            <a:lvl6pPr marL="4286250" indent="0">
               <a:buNone/>
-              <a:defRPr sz="2400">
+              <a:defRPr sz="3000">
                 <a:solidFill>
                   <a:schemeClr val="tx1">
                     <a:tint val="75000"/>
@@ -983,9 +983,9 @@
                 </a:solidFill>
               </a:defRPr>
             </a:lvl6pPr>
-            <a:lvl7pPr marL="4114800" indent="0">
+            <a:lvl7pPr marL="5143500" indent="0">
               <a:buNone/>
-              <a:defRPr sz="2400">
+              <a:defRPr sz="3000">
                 <a:solidFill>
                   <a:schemeClr val="tx1">
                     <a:tint val="75000"/>
@@ -993,9 +993,9 @@
                 </a:solidFill>
               </a:defRPr>
             </a:lvl7pPr>
-            <a:lvl8pPr marL="4800600" indent="0">
+            <a:lvl8pPr marL="6000750" indent="0">
               <a:buNone/>
-              <a:defRPr sz="2400">
+              <a:defRPr sz="3000">
                 <a:solidFill>
                   <a:schemeClr val="tx1">
                     <a:tint val="75000"/>
@@ -1003,9 +1003,9 @@
                 </a:solidFill>
               </a:defRPr>
             </a:lvl8pPr>
-            <a:lvl9pPr marL="5486400" indent="0">
+            <a:lvl9pPr marL="6858000" indent="0">
               <a:buNone/>
-              <a:defRPr sz="2400">
+              <a:defRPr sz="3000">
                 <a:solidFill>
                   <a:schemeClr val="tx1">
                     <a:tint val="75000"/>
@@ -1040,7 +1040,7 @@
           <a:p>
             <a:fld id="{F62E71A9-A198-4BC2-915B-5C3ABADD511E}" type="datetimeFigureOut">
               <a:rPr lang="en-US" smtClean="0"/>
-              <a:t>9/15/2021</a:t>
+              <a:t>1/14/2022</a:t>
             </a:fld>
             <a:endParaRPr lang="en-US"/>
           </a:p>
@@ -1091,7 +1091,7 @@
     </p:spTree>
     <p:extLst>
       <p:ext uri="{BB962C8B-B14F-4D97-AF65-F5344CB8AC3E}">
-        <p14:creationId xmlns:p14="http://schemas.microsoft.com/office/powerpoint/2010/main" val="1346579757"/>
+        <p14:creationId xmlns:p14="http://schemas.microsoft.com/office/powerpoint/2010/main" val="2063246777"/>
       </p:ext>
     </p:extLst>
   </p:cSld>
@@ -1153,8 +1153,8 @@
         </p:nvSpPr>
         <p:spPr>
           <a:xfrm>
-            <a:off x="1257300" y="2738438"/>
-            <a:ext cx="7772400" cy="6527007"/>
+            <a:off x="1571625" y="3651250"/>
+            <a:ext cx="9715500" cy="8702676"/>
           </a:xfrm>
         </p:spPr>
         <p:txBody>
@@ -1210,8 +1210,8 @@
         </p:nvSpPr>
         <p:spPr>
           <a:xfrm>
-            <a:off x="9258300" y="2738438"/>
-            <a:ext cx="7772400" cy="6527007"/>
+            <a:off x="11572875" y="3651250"/>
+            <a:ext cx="9715500" cy="8702676"/>
           </a:xfrm>
         </p:spPr>
         <p:txBody>
@@ -1272,7 +1272,7 @@
           <a:p>
             <a:fld id="{F62E71A9-A198-4BC2-915B-5C3ABADD511E}" type="datetimeFigureOut">
               <a:rPr lang="en-US" smtClean="0"/>
-              <a:t>9/15/2021</a:t>
+              <a:t>1/14/2022</a:t>
             </a:fld>
             <a:endParaRPr lang="en-US"/>
           </a:p>
@@ -1323,7 +1323,7 @@
     </p:spTree>
     <p:extLst>
       <p:ext uri="{BB962C8B-B14F-4D97-AF65-F5344CB8AC3E}">
-        <p14:creationId xmlns:p14="http://schemas.microsoft.com/office/powerpoint/2010/main" val="2249552029"/>
+        <p14:creationId xmlns:p14="http://schemas.microsoft.com/office/powerpoint/2010/main" val="1749677002"/>
       </p:ext>
     </p:extLst>
   </p:cSld>
@@ -1362,8 +1362,8 @@
         </p:nvSpPr>
         <p:spPr>
           <a:xfrm>
-            <a:off x="1259682" y="547688"/>
-            <a:ext cx="15773400" cy="1988345"/>
+            <a:off x="1574603" y="730251"/>
+            <a:ext cx="19716750" cy="2651126"/>
           </a:xfrm>
         </p:spPr>
         <p:txBody>
@@ -1390,8 +1390,8 @@
         </p:nvSpPr>
         <p:spPr>
           <a:xfrm>
-            <a:off x="1259683" y="2521745"/>
-            <a:ext cx="7736681" cy="1235868"/>
+            <a:off x="1574603" y="3362326"/>
+            <a:ext cx="9670851" cy="1647824"/>
           </a:xfrm>
         </p:spPr>
         <p:txBody>
@@ -1399,39 +1399,39 @@
           <a:lstStyle>
             <a:lvl1pPr marL="0" indent="0">
               <a:buNone/>
-              <a:defRPr sz="3600" b="1"/>
+              <a:defRPr sz="4500" b="1"/>
             </a:lvl1pPr>
-            <a:lvl2pPr marL="685800" indent="0">
+            <a:lvl2pPr marL="857250" indent="0">
+              <a:buNone/>
+              <a:defRPr sz="3750" b="1"/>
+            </a:lvl2pPr>
+            <a:lvl3pPr marL="1714500" indent="0">
+              <a:buNone/>
+              <a:defRPr sz="3375" b="1"/>
+            </a:lvl3pPr>
+            <a:lvl4pPr marL="2571750" indent="0">
               <a:buNone/>
               <a:defRPr sz="3000" b="1"/>
-            </a:lvl2pPr>
-            <a:lvl3pPr marL="1371600" indent="0">
+            </a:lvl4pPr>
+            <a:lvl5pPr marL="3429000" indent="0">
               <a:buNone/>
-              <a:defRPr sz="2700" b="1"/>
-            </a:lvl3pPr>
-            <a:lvl4pPr marL="2057400" indent="0">
+              <a:defRPr sz="3000" b="1"/>
+            </a:lvl5pPr>
+            <a:lvl6pPr marL="4286250" indent="0">
               <a:buNone/>
-              <a:defRPr sz="2400" b="1"/>
-            </a:lvl4pPr>
-            <a:lvl5pPr marL="2743200" indent="0">
+              <a:defRPr sz="3000" b="1"/>
+            </a:lvl6pPr>
+            <a:lvl7pPr marL="5143500" indent="0">
               <a:buNone/>
-              <a:defRPr sz="2400" b="1"/>
-            </a:lvl5pPr>
-            <a:lvl6pPr marL="3429000" indent="0">
+              <a:defRPr sz="3000" b="1"/>
+            </a:lvl7pPr>
+            <a:lvl8pPr marL="6000750" indent="0">
               <a:buNone/>
-              <a:defRPr sz="2400" b="1"/>
-            </a:lvl6pPr>
-            <a:lvl7pPr marL="4114800" indent="0">
+              <a:defRPr sz="3000" b="1"/>
+            </a:lvl8pPr>
+            <a:lvl9pPr marL="6858000" indent="0">
               <a:buNone/>
-              <a:defRPr sz="2400" b="1"/>
-            </a:lvl7pPr>
-            <a:lvl8pPr marL="4800600" indent="0">
-              <a:buNone/>
-              <a:defRPr sz="2400" b="1"/>
-            </a:lvl8pPr>
-            <a:lvl9pPr marL="5486400" indent="0">
-              <a:buNone/>
-              <a:defRPr sz="2400" b="1"/>
+              <a:defRPr sz="3000" b="1"/>
             </a:lvl9pPr>
           </a:lstStyle>
           <a:p>
@@ -1455,8 +1455,8 @@
         </p:nvSpPr>
         <p:spPr>
           <a:xfrm>
-            <a:off x="1259683" y="3757613"/>
-            <a:ext cx="7736681" cy="5526882"/>
+            <a:off x="1574603" y="5010150"/>
+            <a:ext cx="9670851" cy="7369176"/>
           </a:xfrm>
         </p:spPr>
         <p:txBody>
@@ -1512,8 +1512,8 @@
         </p:nvSpPr>
         <p:spPr>
           <a:xfrm>
-            <a:off x="9258300" y="2521745"/>
-            <a:ext cx="7774782" cy="1235868"/>
+            <a:off x="11572875" y="3362326"/>
+            <a:ext cx="9718478" cy="1647824"/>
           </a:xfrm>
         </p:spPr>
         <p:txBody>
@@ -1521,39 +1521,39 @@
           <a:lstStyle>
             <a:lvl1pPr marL="0" indent="0">
               <a:buNone/>
-              <a:defRPr sz="3600" b="1"/>
+              <a:defRPr sz="4500" b="1"/>
             </a:lvl1pPr>
-            <a:lvl2pPr marL="685800" indent="0">
+            <a:lvl2pPr marL="857250" indent="0">
+              <a:buNone/>
+              <a:defRPr sz="3750" b="1"/>
+            </a:lvl2pPr>
+            <a:lvl3pPr marL="1714500" indent="0">
+              <a:buNone/>
+              <a:defRPr sz="3375" b="1"/>
+            </a:lvl3pPr>
+            <a:lvl4pPr marL="2571750" indent="0">
               <a:buNone/>
               <a:defRPr sz="3000" b="1"/>
-            </a:lvl2pPr>
-            <a:lvl3pPr marL="1371600" indent="0">
+            </a:lvl4pPr>
+            <a:lvl5pPr marL="3429000" indent="0">
               <a:buNone/>
-              <a:defRPr sz="2700" b="1"/>
-            </a:lvl3pPr>
-            <a:lvl4pPr marL="2057400" indent="0">
+              <a:defRPr sz="3000" b="1"/>
+            </a:lvl5pPr>
+            <a:lvl6pPr marL="4286250" indent="0">
               <a:buNone/>
-              <a:defRPr sz="2400" b="1"/>
-            </a:lvl4pPr>
-            <a:lvl5pPr marL="2743200" indent="0">
+              <a:defRPr sz="3000" b="1"/>
+            </a:lvl6pPr>
+            <a:lvl7pPr marL="5143500" indent="0">
               <a:buNone/>
-              <a:defRPr sz="2400" b="1"/>
-            </a:lvl5pPr>
-            <a:lvl6pPr marL="3429000" indent="0">
+              <a:defRPr sz="3000" b="1"/>
+            </a:lvl7pPr>
+            <a:lvl8pPr marL="6000750" indent="0">
               <a:buNone/>
-              <a:defRPr sz="2400" b="1"/>
-            </a:lvl6pPr>
-            <a:lvl7pPr marL="4114800" indent="0">
+              <a:defRPr sz="3000" b="1"/>
+            </a:lvl8pPr>
+            <a:lvl9pPr marL="6858000" indent="0">
               <a:buNone/>
-              <a:defRPr sz="2400" b="1"/>
-            </a:lvl7pPr>
-            <a:lvl8pPr marL="4800600" indent="0">
-              <a:buNone/>
-              <a:defRPr sz="2400" b="1"/>
-            </a:lvl8pPr>
-            <a:lvl9pPr marL="5486400" indent="0">
-              <a:buNone/>
-              <a:defRPr sz="2400" b="1"/>
+              <a:defRPr sz="3000" b="1"/>
             </a:lvl9pPr>
           </a:lstStyle>
           <a:p>
@@ -1577,8 +1577,8 @@
         </p:nvSpPr>
         <p:spPr>
           <a:xfrm>
-            <a:off x="9258300" y="3757613"/>
-            <a:ext cx="7774782" cy="5526882"/>
+            <a:off x="11572875" y="5010150"/>
+            <a:ext cx="9718478" cy="7369176"/>
           </a:xfrm>
         </p:spPr>
         <p:txBody>
@@ -1639,7 +1639,7 @@
           <a:p>
             <a:fld id="{F62E71A9-A198-4BC2-915B-5C3ABADD511E}" type="datetimeFigureOut">
               <a:rPr lang="en-US" smtClean="0"/>
-              <a:t>9/15/2021</a:t>
+              <a:t>1/14/2022</a:t>
             </a:fld>
             <a:endParaRPr lang="en-US"/>
           </a:p>
@@ -1690,7 +1690,7 @@
     </p:spTree>
     <p:extLst>
       <p:ext uri="{BB962C8B-B14F-4D97-AF65-F5344CB8AC3E}">
-        <p14:creationId xmlns:p14="http://schemas.microsoft.com/office/powerpoint/2010/main" val="525373131"/>
+        <p14:creationId xmlns:p14="http://schemas.microsoft.com/office/powerpoint/2010/main" val="3515177845"/>
       </p:ext>
     </p:extLst>
   </p:cSld>
@@ -1757,7 +1757,7 @@
           <a:p>
             <a:fld id="{F62E71A9-A198-4BC2-915B-5C3ABADD511E}" type="datetimeFigureOut">
               <a:rPr lang="en-US" smtClean="0"/>
-              <a:t>9/15/2021</a:t>
+              <a:t>1/14/2022</a:t>
             </a:fld>
             <a:endParaRPr lang="en-US"/>
           </a:p>
@@ -1808,7 +1808,7 @@
     </p:spTree>
     <p:extLst>
       <p:ext uri="{BB962C8B-B14F-4D97-AF65-F5344CB8AC3E}">
-        <p14:creationId xmlns:p14="http://schemas.microsoft.com/office/powerpoint/2010/main" val="2650951304"/>
+        <p14:creationId xmlns:p14="http://schemas.microsoft.com/office/powerpoint/2010/main" val="719759212"/>
       </p:ext>
     </p:extLst>
   </p:cSld>
@@ -1852,7 +1852,7 @@
           <a:p>
             <a:fld id="{F62E71A9-A198-4BC2-915B-5C3ABADD511E}" type="datetimeFigureOut">
               <a:rPr lang="en-US" smtClean="0"/>
-              <a:t>9/15/2021</a:t>
+              <a:t>1/14/2022</a:t>
             </a:fld>
             <a:endParaRPr lang="en-US"/>
           </a:p>
@@ -1903,7 +1903,7 @@
     </p:spTree>
     <p:extLst>
       <p:ext uri="{BB962C8B-B14F-4D97-AF65-F5344CB8AC3E}">
-        <p14:creationId xmlns:p14="http://schemas.microsoft.com/office/powerpoint/2010/main" val="492844030"/>
+        <p14:creationId xmlns:p14="http://schemas.microsoft.com/office/powerpoint/2010/main" val="3339949998"/>
       </p:ext>
     </p:extLst>
   </p:cSld>
@@ -1942,15 +1942,15 @@
         </p:nvSpPr>
         <p:spPr>
           <a:xfrm>
-            <a:off x="1259683" y="685800"/>
-            <a:ext cx="5898356" cy="2400300"/>
+            <a:off x="1574604" y="914400"/>
+            <a:ext cx="7372944" cy="3200400"/>
           </a:xfrm>
         </p:spPr>
         <p:txBody>
           <a:bodyPr anchor="b"/>
           <a:lstStyle>
             <a:lvl1pPr>
-              <a:defRPr sz="4800"/>
+              <a:defRPr sz="6000"/>
             </a:lvl1pPr>
           </a:lstStyle>
           <a:p>
@@ -1974,39 +1974,39 @@
         </p:nvSpPr>
         <p:spPr>
           <a:xfrm>
-            <a:off x="7774782" y="1481138"/>
-            <a:ext cx="9258300" cy="7310438"/>
+            <a:off x="9718477" y="1974851"/>
+            <a:ext cx="11572875" cy="9747250"/>
           </a:xfrm>
         </p:spPr>
         <p:txBody>
           <a:bodyPr/>
           <a:lstStyle>
             <a:lvl1pPr>
-              <a:defRPr sz="4800"/>
+              <a:defRPr sz="6000"/>
             </a:lvl1pPr>
             <a:lvl2pPr>
-              <a:defRPr sz="4200"/>
+              <a:defRPr sz="5250"/>
             </a:lvl2pPr>
             <a:lvl3pPr>
-              <a:defRPr sz="3600"/>
+              <a:defRPr sz="4500"/>
             </a:lvl3pPr>
             <a:lvl4pPr>
-              <a:defRPr sz="3000"/>
+              <a:defRPr sz="3750"/>
             </a:lvl4pPr>
             <a:lvl5pPr>
-              <a:defRPr sz="3000"/>
+              <a:defRPr sz="3750"/>
             </a:lvl5pPr>
             <a:lvl6pPr>
-              <a:defRPr sz="3000"/>
+              <a:defRPr sz="3750"/>
             </a:lvl6pPr>
             <a:lvl7pPr>
-              <a:defRPr sz="3000"/>
+              <a:defRPr sz="3750"/>
             </a:lvl7pPr>
             <a:lvl8pPr>
-              <a:defRPr sz="3000"/>
+              <a:defRPr sz="3750"/>
             </a:lvl8pPr>
             <a:lvl9pPr>
-              <a:defRPr sz="3000"/>
+              <a:defRPr sz="3750"/>
             </a:lvl9pPr>
           </a:lstStyle>
           <a:p>
@@ -2059,8 +2059,8 @@
         </p:nvSpPr>
         <p:spPr>
           <a:xfrm>
-            <a:off x="1259683" y="3086100"/>
-            <a:ext cx="5898356" cy="5717382"/>
+            <a:off x="1574604" y="4114800"/>
+            <a:ext cx="7372944" cy="7623176"/>
           </a:xfrm>
         </p:spPr>
         <p:txBody>
@@ -2068,39 +2068,39 @@
           <a:lstStyle>
             <a:lvl1pPr marL="0" indent="0">
               <a:buNone/>
-              <a:defRPr sz="2400"/>
+              <a:defRPr sz="3000"/>
             </a:lvl1pPr>
-            <a:lvl2pPr marL="685800" indent="0">
+            <a:lvl2pPr marL="857250" indent="0">
               <a:buNone/>
-              <a:defRPr sz="2100"/>
+              <a:defRPr sz="2625"/>
             </a:lvl2pPr>
-            <a:lvl3pPr marL="1371600" indent="0">
+            <a:lvl3pPr marL="1714500" indent="0">
               <a:buNone/>
-              <a:defRPr sz="1800"/>
+              <a:defRPr sz="2250"/>
             </a:lvl3pPr>
-            <a:lvl4pPr marL="2057400" indent="0">
+            <a:lvl4pPr marL="2571750" indent="0">
               <a:buNone/>
-              <a:defRPr sz="1500"/>
+              <a:defRPr sz="1875"/>
             </a:lvl4pPr>
-            <a:lvl5pPr marL="2743200" indent="0">
+            <a:lvl5pPr marL="3429000" indent="0">
               <a:buNone/>
-              <a:defRPr sz="1500"/>
+              <a:defRPr sz="1875"/>
             </a:lvl5pPr>
-            <a:lvl6pPr marL="3429000" indent="0">
+            <a:lvl6pPr marL="4286250" indent="0">
               <a:buNone/>
-              <a:defRPr sz="1500"/>
+              <a:defRPr sz="1875"/>
             </a:lvl6pPr>
-            <a:lvl7pPr marL="4114800" indent="0">
+            <a:lvl7pPr marL="5143500" indent="0">
               <a:buNone/>
-              <a:defRPr sz="1500"/>
+              <a:defRPr sz="1875"/>
             </a:lvl7pPr>
-            <a:lvl8pPr marL="4800600" indent="0">
+            <a:lvl8pPr marL="6000750" indent="0">
               <a:buNone/>
-              <a:defRPr sz="1500"/>
+              <a:defRPr sz="1875"/>
             </a:lvl8pPr>
-            <a:lvl9pPr marL="5486400" indent="0">
+            <a:lvl9pPr marL="6858000" indent="0">
               <a:buNone/>
-              <a:defRPr sz="1500"/>
+              <a:defRPr sz="1875"/>
             </a:lvl9pPr>
           </a:lstStyle>
           <a:p>
@@ -2129,7 +2129,7 @@
           <a:p>
             <a:fld id="{F62E71A9-A198-4BC2-915B-5C3ABADD511E}" type="datetimeFigureOut">
               <a:rPr lang="en-US" smtClean="0"/>
-              <a:t>9/15/2021</a:t>
+              <a:t>1/14/2022</a:t>
             </a:fld>
             <a:endParaRPr lang="en-US"/>
           </a:p>
@@ -2180,7 +2180,7 @@
     </p:spTree>
     <p:extLst>
       <p:ext uri="{BB962C8B-B14F-4D97-AF65-F5344CB8AC3E}">
-        <p14:creationId xmlns:p14="http://schemas.microsoft.com/office/powerpoint/2010/main" val="4141376617"/>
+        <p14:creationId xmlns:p14="http://schemas.microsoft.com/office/powerpoint/2010/main" val="3146411870"/>
       </p:ext>
     </p:extLst>
   </p:cSld>
@@ -2219,15 +2219,15 @@
         </p:nvSpPr>
         <p:spPr>
           <a:xfrm>
-            <a:off x="1259683" y="685800"/>
-            <a:ext cx="5898356" cy="2400300"/>
+            <a:off x="1574604" y="914400"/>
+            <a:ext cx="7372944" cy="3200400"/>
           </a:xfrm>
         </p:spPr>
         <p:txBody>
           <a:bodyPr anchor="b"/>
           <a:lstStyle>
             <a:lvl1pPr>
-              <a:defRPr sz="4800"/>
+              <a:defRPr sz="6000"/>
             </a:lvl1pPr>
           </a:lstStyle>
           <a:p>
@@ -2251,8 +2251,8 @@
         </p:nvSpPr>
         <p:spPr>
           <a:xfrm>
-            <a:off x="7774782" y="1481138"/>
-            <a:ext cx="9258300" cy="7310438"/>
+            <a:off x="9718477" y="1974851"/>
+            <a:ext cx="11572875" cy="9747250"/>
           </a:xfrm>
         </p:spPr>
         <p:txBody>
@@ -2260,39 +2260,39 @@
           <a:lstStyle>
             <a:lvl1pPr marL="0" indent="0">
               <a:buNone/>
-              <a:defRPr sz="4800"/>
+              <a:defRPr sz="6000"/>
             </a:lvl1pPr>
-            <a:lvl2pPr marL="685800" indent="0">
+            <a:lvl2pPr marL="857250" indent="0">
               <a:buNone/>
-              <a:defRPr sz="4200"/>
+              <a:defRPr sz="5250"/>
             </a:lvl2pPr>
-            <a:lvl3pPr marL="1371600" indent="0">
+            <a:lvl3pPr marL="1714500" indent="0">
               <a:buNone/>
-              <a:defRPr sz="3600"/>
+              <a:defRPr sz="4500"/>
             </a:lvl3pPr>
-            <a:lvl4pPr marL="2057400" indent="0">
+            <a:lvl4pPr marL="2571750" indent="0">
               <a:buNone/>
-              <a:defRPr sz="3000"/>
+              <a:defRPr sz="3750"/>
             </a:lvl4pPr>
-            <a:lvl5pPr marL="2743200" indent="0">
+            <a:lvl5pPr marL="3429000" indent="0">
               <a:buNone/>
-              <a:defRPr sz="3000"/>
+              <a:defRPr sz="3750"/>
             </a:lvl5pPr>
-            <a:lvl6pPr marL="3429000" indent="0">
+            <a:lvl6pPr marL="4286250" indent="0">
               <a:buNone/>
-              <a:defRPr sz="3000"/>
+              <a:defRPr sz="3750"/>
             </a:lvl6pPr>
-            <a:lvl7pPr marL="4114800" indent="0">
+            <a:lvl7pPr marL="5143500" indent="0">
               <a:buNone/>
-              <a:defRPr sz="3000"/>
+              <a:defRPr sz="3750"/>
             </a:lvl7pPr>
-            <a:lvl8pPr marL="4800600" indent="0">
+            <a:lvl8pPr marL="6000750" indent="0">
               <a:buNone/>
-              <a:defRPr sz="3000"/>
+              <a:defRPr sz="3750"/>
             </a:lvl8pPr>
-            <a:lvl9pPr marL="5486400" indent="0">
+            <a:lvl9pPr marL="6858000" indent="0">
               <a:buNone/>
-              <a:defRPr sz="3000"/>
+              <a:defRPr sz="3750"/>
             </a:lvl9pPr>
           </a:lstStyle>
           <a:p>
@@ -2316,8 +2316,8 @@
         </p:nvSpPr>
         <p:spPr>
           <a:xfrm>
-            <a:off x="1259683" y="3086100"/>
-            <a:ext cx="5898356" cy="5717382"/>
+            <a:off x="1574604" y="4114800"/>
+            <a:ext cx="7372944" cy="7623176"/>
           </a:xfrm>
         </p:spPr>
         <p:txBody>
@@ -2325,39 +2325,39 @@
           <a:lstStyle>
             <a:lvl1pPr marL="0" indent="0">
               <a:buNone/>
-              <a:defRPr sz="2400"/>
+              <a:defRPr sz="3000"/>
             </a:lvl1pPr>
-            <a:lvl2pPr marL="685800" indent="0">
+            <a:lvl2pPr marL="857250" indent="0">
               <a:buNone/>
-              <a:defRPr sz="2100"/>
+              <a:defRPr sz="2625"/>
             </a:lvl2pPr>
-            <a:lvl3pPr marL="1371600" indent="0">
+            <a:lvl3pPr marL="1714500" indent="0">
               <a:buNone/>
-              <a:defRPr sz="1800"/>
+              <a:defRPr sz="2250"/>
             </a:lvl3pPr>
-            <a:lvl4pPr marL="2057400" indent="0">
+            <a:lvl4pPr marL="2571750" indent="0">
               <a:buNone/>
-              <a:defRPr sz="1500"/>
+              <a:defRPr sz="1875"/>
             </a:lvl4pPr>
-            <a:lvl5pPr marL="2743200" indent="0">
+            <a:lvl5pPr marL="3429000" indent="0">
               <a:buNone/>
-              <a:defRPr sz="1500"/>
+              <a:defRPr sz="1875"/>
             </a:lvl5pPr>
-            <a:lvl6pPr marL="3429000" indent="0">
+            <a:lvl6pPr marL="4286250" indent="0">
               <a:buNone/>
-              <a:defRPr sz="1500"/>
+              <a:defRPr sz="1875"/>
             </a:lvl6pPr>
-            <a:lvl7pPr marL="4114800" indent="0">
+            <a:lvl7pPr marL="5143500" indent="0">
               <a:buNone/>
-              <a:defRPr sz="1500"/>
+              <a:defRPr sz="1875"/>
             </a:lvl7pPr>
-            <a:lvl8pPr marL="4800600" indent="0">
+            <a:lvl8pPr marL="6000750" indent="0">
               <a:buNone/>
-              <a:defRPr sz="1500"/>
+              <a:defRPr sz="1875"/>
             </a:lvl8pPr>
-            <a:lvl9pPr marL="5486400" indent="0">
+            <a:lvl9pPr marL="6858000" indent="0">
               <a:buNone/>
-              <a:defRPr sz="1500"/>
+              <a:defRPr sz="1875"/>
             </a:lvl9pPr>
           </a:lstStyle>
           <a:p>
@@ -2386,7 +2386,7 @@
           <a:p>
             <a:fld id="{F62E71A9-A198-4BC2-915B-5C3ABADD511E}" type="datetimeFigureOut">
               <a:rPr lang="en-US" smtClean="0"/>
-              <a:t>9/15/2021</a:t>
+              <a:t>1/14/2022</a:t>
             </a:fld>
             <a:endParaRPr lang="en-US"/>
           </a:p>
@@ -2437,7 +2437,7 @@
     </p:spTree>
     <p:extLst>
       <p:ext uri="{BB962C8B-B14F-4D97-AF65-F5344CB8AC3E}">
-        <p14:creationId xmlns:p14="http://schemas.microsoft.com/office/powerpoint/2010/main" val="2060038755"/>
+        <p14:creationId xmlns:p14="http://schemas.microsoft.com/office/powerpoint/2010/main" val="3232460041"/>
       </p:ext>
     </p:extLst>
   </p:cSld>
@@ -2481,8 +2481,8 @@
         </p:nvSpPr>
         <p:spPr>
           <a:xfrm>
-            <a:off x="1257300" y="547688"/>
-            <a:ext cx="15773400" cy="1988345"/>
+            <a:off x="1571625" y="730251"/>
+            <a:ext cx="19716750" cy="2651126"/>
           </a:xfrm>
           <a:prstGeom prst="rect">
             <a:avLst/>
@@ -2514,8 +2514,8 @@
         </p:nvSpPr>
         <p:spPr>
           <a:xfrm>
-            <a:off x="1257300" y="2738438"/>
-            <a:ext cx="15773400" cy="6527007"/>
+            <a:off x="1571625" y="3651250"/>
+            <a:ext cx="19716750" cy="8702676"/>
           </a:xfrm>
           <a:prstGeom prst="rect">
             <a:avLst/>
@@ -2576,8 +2576,8 @@
         </p:nvSpPr>
         <p:spPr>
           <a:xfrm>
-            <a:off x="1257300" y="9534526"/>
-            <a:ext cx="4114800" cy="547688"/>
+            <a:off x="1571625" y="12712701"/>
+            <a:ext cx="5143500" cy="730250"/>
           </a:xfrm>
           <a:prstGeom prst="rect">
             <a:avLst/>
@@ -2587,7 +2587,7 @@
           <a:bodyPr vert="horz" lIns="91440" tIns="45720" rIns="91440" bIns="45720" rtlCol="0" anchor="ctr"/>
           <a:lstStyle>
             <a:lvl1pPr algn="l">
-              <a:defRPr sz="1800">
+              <a:defRPr sz="2250">
                 <a:solidFill>
                   <a:schemeClr val="tx1">
                     <a:tint val="75000"/>
@@ -2599,7 +2599,7 @@
           <a:p>
             <a:fld id="{F62E71A9-A198-4BC2-915B-5C3ABADD511E}" type="datetimeFigureOut">
               <a:rPr lang="en-US" smtClean="0"/>
-              <a:t>9/15/2021</a:t>
+              <a:t>1/14/2022</a:t>
             </a:fld>
             <a:endParaRPr lang="en-US"/>
           </a:p>
@@ -2617,8 +2617,8 @@
         </p:nvSpPr>
         <p:spPr>
           <a:xfrm>
-            <a:off x="6057900" y="9534526"/>
-            <a:ext cx="6172200" cy="547688"/>
+            <a:off x="7572375" y="12712701"/>
+            <a:ext cx="7715250" cy="730250"/>
           </a:xfrm>
           <a:prstGeom prst="rect">
             <a:avLst/>
@@ -2628,7 +2628,7 @@
           <a:bodyPr vert="horz" lIns="91440" tIns="45720" rIns="91440" bIns="45720" rtlCol="0" anchor="ctr"/>
           <a:lstStyle>
             <a:lvl1pPr algn="ctr">
-              <a:defRPr sz="1800">
+              <a:defRPr sz="2250">
                 <a:solidFill>
                   <a:schemeClr val="tx1">
                     <a:tint val="75000"/>
@@ -2654,8 +2654,8 @@
         </p:nvSpPr>
         <p:spPr>
           <a:xfrm>
-            <a:off x="12915900" y="9534526"/>
-            <a:ext cx="4114800" cy="547688"/>
+            <a:off x="16144875" y="12712701"/>
+            <a:ext cx="5143500" cy="730250"/>
           </a:xfrm>
           <a:prstGeom prst="rect">
             <a:avLst/>
@@ -2665,7 +2665,7 @@
           <a:bodyPr vert="horz" lIns="91440" tIns="45720" rIns="91440" bIns="45720" rtlCol="0" anchor="ctr"/>
           <a:lstStyle>
             <a:lvl1pPr algn="r">
-              <a:defRPr sz="1800">
+              <a:defRPr sz="2250">
                 <a:solidFill>
                   <a:schemeClr val="tx1">
                     <a:tint val="75000"/>
@@ -2686,27 +2686,27 @@
     </p:spTree>
     <p:extLst>
       <p:ext uri="{BB962C8B-B14F-4D97-AF65-F5344CB8AC3E}">
-        <p14:creationId xmlns:p14="http://schemas.microsoft.com/office/powerpoint/2010/main" val="2268040701"/>
+        <p14:creationId xmlns:p14="http://schemas.microsoft.com/office/powerpoint/2010/main" val="1916400364"/>
       </p:ext>
     </p:extLst>
   </p:cSld>
   <p:clrMap bg1="lt1" tx1="dk1" bg2="lt2" tx2="dk2" accent1="accent1" accent2="accent2" accent3="accent3" accent4="accent4" accent5="accent5" accent6="accent6" hlink="hlink" folHlink="folHlink"/>
   <p:sldLayoutIdLst>
-    <p:sldLayoutId id="2147483673" r:id="rId1"/>
-    <p:sldLayoutId id="2147483674" r:id="rId2"/>
-    <p:sldLayoutId id="2147483675" r:id="rId3"/>
-    <p:sldLayoutId id="2147483676" r:id="rId4"/>
-    <p:sldLayoutId id="2147483677" r:id="rId5"/>
-    <p:sldLayoutId id="2147483678" r:id="rId6"/>
-    <p:sldLayoutId id="2147483679" r:id="rId7"/>
-    <p:sldLayoutId id="2147483680" r:id="rId8"/>
-    <p:sldLayoutId id="2147483681" r:id="rId9"/>
-    <p:sldLayoutId id="2147483682" r:id="rId10"/>
-    <p:sldLayoutId id="2147483683" r:id="rId11"/>
+    <p:sldLayoutId id="2147483685" r:id="rId1"/>
+    <p:sldLayoutId id="2147483686" r:id="rId2"/>
+    <p:sldLayoutId id="2147483687" r:id="rId3"/>
+    <p:sldLayoutId id="2147483688" r:id="rId4"/>
+    <p:sldLayoutId id="2147483689" r:id="rId5"/>
+    <p:sldLayoutId id="2147483690" r:id="rId6"/>
+    <p:sldLayoutId id="2147483691" r:id="rId7"/>
+    <p:sldLayoutId id="2147483692" r:id="rId8"/>
+    <p:sldLayoutId id="2147483693" r:id="rId9"/>
+    <p:sldLayoutId id="2147483694" r:id="rId10"/>
+    <p:sldLayoutId id="2147483695" r:id="rId11"/>
   </p:sldLayoutIdLst>
   <p:txStyles>
     <p:titleStyle>
-      <a:lvl1pPr algn="l" defTabSz="1371600" rtl="0" eaLnBrk="1" latinLnBrk="0" hangingPunct="1">
+      <a:lvl1pPr algn="l" defTabSz="1714500" rtl="0" eaLnBrk="1" latinLnBrk="0" hangingPunct="1">
         <a:lnSpc>
           <a:spcPct val="90000"/>
         </a:lnSpc>
@@ -2714,7 +2714,7 @@
           <a:spcPct val="0"/>
         </a:spcBef>
         <a:buNone/>
-        <a:defRPr sz="6600" kern="1200">
+        <a:defRPr sz="8250" kern="1200">
           <a:solidFill>
             <a:schemeClr val="tx1"/>
           </a:solidFill>
@@ -2725,16 +2725,16 @@
       </a:lvl1pPr>
     </p:titleStyle>
     <p:bodyStyle>
-      <a:lvl1pPr marL="342900" indent="-342900" algn="l" defTabSz="1371600" rtl="0" eaLnBrk="1" latinLnBrk="0" hangingPunct="1">
+      <a:lvl1pPr marL="428625" indent="-428625" algn="l" defTabSz="1714500" rtl="0" eaLnBrk="1" latinLnBrk="0" hangingPunct="1">
         <a:lnSpc>
           <a:spcPct val="90000"/>
         </a:lnSpc>
         <a:spcBef>
-          <a:spcPts val="1500"/>
+          <a:spcPts val="1875"/>
         </a:spcBef>
         <a:buFont typeface="Arial" panose="020B0604020202020204" pitchFamily="34" charset="0"/>
         <a:buChar char="•"/>
-        <a:defRPr sz="4200" kern="1200">
+        <a:defRPr sz="5250" kern="1200">
           <a:solidFill>
             <a:schemeClr val="tx1"/>
           </a:solidFill>
@@ -2743,16 +2743,16 @@
           <a:cs typeface="+mn-cs"/>
         </a:defRPr>
       </a:lvl1pPr>
-      <a:lvl2pPr marL="1028700" indent="-342900" algn="l" defTabSz="1371600" rtl="0" eaLnBrk="1" latinLnBrk="0" hangingPunct="1">
+      <a:lvl2pPr marL="1285875" indent="-428625" algn="l" defTabSz="1714500" rtl="0" eaLnBrk="1" latinLnBrk="0" hangingPunct="1">
         <a:lnSpc>
           <a:spcPct val="90000"/>
         </a:lnSpc>
         <a:spcBef>
-          <a:spcPts val="750"/>
+          <a:spcPts val="938"/>
         </a:spcBef>
         <a:buFont typeface="Arial" panose="020B0604020202020204" pitchFamily="34" charset="0"/>
         <a:buChar char="•"/>
-        <a:defRPr sz="3600" kern="1200">
+        <a:defRPr sz="4500" kern="1200">
           <a:solidFill>
             <a:schemeClr val="tx1"/>
           </a:solidFill>
@@ -2761,16 +2761,16 @@
           <a:cs typeface="+mn-cs"/>
         </a:defRPr>
       </a:lvl2pPr>
-      <a:lvl3pPr marL="1714500" indent="-342900" algn="l" defTabSz="1371600" rtl="0" eaLnBrk="1" latinLnBrk="0" hangingPunct="1">
+      <a:lvl3pPr marL="2143125" indent="-428625" algn="l" defTabSz="1714500" rtl="0" eaLnBrk="1" latinLnBrk="0" hangingPunct="1">
         <a:lnSpc>
           <a:spcPct val="90000"/>
         </a:lnSpc>
         <a:spcBef>
-          <a:spcPts val="750"/>
+          <a:spcPts val="938"/>
         </a:spcBef>
         <a:buFont typeface="Arial" panose="020B0604020202020204" pitchFamily="34" charset="0"/>
         <a:buChar char="•"/>
-        <a:defRPr sz="3000" kern="1200">
+        <a:defRPr sz="3750" kern="1200">
           <a:solidFill>
             <a:schemeClr val="tx1"/>
           </a:solidFill>
@@ -2779,16 +2779,16 @@
           <a:cs typeface="+mn-cs"/>
         </a:defRPr>
       </a:lvl3pPr>
-      <a:lvl4pPr marL="2400300" indent="-342900" algn="l" defTabSz="1371600" rtl="0" eaLnBrk="1" latinLnBrk="0" hangingPunct="1">
+      <a:lvl4pPr marL="3000375" indent="-428625" algn="l" defTabSz="1714500" rtl="0" eaLnBrk="1" latinLnBrk="0" hangingPunct="1">
         <a:lnSpc>
           <a:spcPct val="90000"/>
         </a:lnSpc>
         <a:spcBef>
-          <a:spcPts val="750"/>
+          <a:spcPts val="938"/>
         </a:spcBef>
         <a:buFont typeface="Arial" panose="020B0604020202020204" pitchFamily="34" charset="0"/>
         <a:buChar char="•"/>
-        <a:defRPr sz="2700" kern="1200">
+        <a:defRPr sz="3375" kern="1200">
           <a:solidFill>
             <a:schemeClr val="tx1"/>
           </a:solidFill>
@@ -2797,16 +2797,16 @@
           <a:cs typeface="+mn-cs"/>
         </a:defRPr>
       </a:lvl4pPr>
-      <a:lvl5pPr marL="3086100" indent="-342900" algn="l" defTabSz="1371600" rtl="0" eaLnBrk="1" latinLnBrk="0" hangingPunct="1">
+      <a:lvl5pPr marL="3857625" indent="-428625" algn="l" defTabSz="1714500" rtl="0" eaLnBrk="1" latinLnBrk="0" hangingPunct="1">
         <a:lnSpc>
           <a:spcPct val="90000"/>
         </a:lnSpc>
         <a:spcBef>
-          <a:spcPts val="750"/>
+          <a:spcPts val="938"/>
         </a:spcBef>
         <a:buFont typeface="Arial" panose="020B0604020202020204" pitchFamily="34" charset="0"/>
         <a:buChar char="•"/>
-        <a:defRPr sz="2700" kern="1200">
+        <a:defRPr sz="3375" kern="1200">
           <a:solidFill>
             <a:schemeClr val="tx1"/>
           </a:solidFill>
@@ -2815,16 +2815,16 @@
           <a:cs typeface="+mn-cs"/>
         </a:defRPr>
       </a:lvl5pPr>
-      <a:lvl6pPr marL="3771900" indent="-342900" algn="l" defTabSz="1371600" rtl="0" eaLnBrk="1" latinLnBrk="0" hangingPunct="1">
+      <a:lvl6pPr marL="4714875" indent="-428625" algn="l" defTabSz="1714500" rtl="0" eaLnBrk="1" latinLnBrk="0" hangingPunct="1">
         <a:lnSpc>
           <a:spcPct val="90000"/>
         </a:lnSpc>
         <a:spcBef>
-          <a:spcPts val="750"/>
+          <a:spcPts val="938"/>
         </a:spcBef>
         <a:buFont typeface="Arial" panose="020B0604020202020204" pitchFamily="34" charset="0"/>
         <a:buChar char="•"/>
-        <a:defRPr sz="2700" kern="1200">
+        <a:defRPr sz="3375" kern="1200">
           <a:solidFill>
             <a:schemeClr val="tx1"/>
           </a:solidFill>
@@ -2833,16 +2833,16 @@
           <a:cs typeface="+mn-cs"/>
         </a:defRPr>
       </a:lvl6pPr>
-      <a:lvl7pPr marL="4457700" indent="-342900" algn="l" defTabSz="1371600" rtl="0" eaLnBrk="1" latinLnBrk="0" hangingPunct="1">
+      <a:lvl7pPr marL="5572125" indent="-428625" algn="l" defTabSz="1714500" rtl="0" eaLnBrk="1" latinLnBrk="0" hangingPunct="1">
         <a:lnSpc>
           <a:spcPct val="90000"/>
         </a:lnSpc>
         <a:spcBef>
-          <a:spcPts val="750"/>
+          <a:spcPts val="938"/>
         </a:spcBef>
         <a:buFont typeface="Arial" panose="020B0604020202020204" pitchFamily="34" charset="0"/>
         <a:buChar char="•"/>
-        <a:defRPr sz="2700" kern="1200">
+        <a:defRPr sz="3375" kern="1200">
           <a:solidFill>
             <a:schemeClr val="tx1"/>
           </a:solidFill>
@@ -2851,16 +2851,16 @@
           <a:cs typeface="+mn-cs"/>
         </a:defRPr>
       </a:lvl7pPr>
-      <a:lvl8pPr marL="5143500" indent="-342900" algn="l" defTabSz="1371600" rtl="0" eaLnBrk="1" latinLnBrk="0" hangingPunct="1">
+      <a:lvl8pPr marL="6429375" indent="-428625" algn="l" defTabSz="1714500" rtl="0" eaLnBrk="1" latinLnBrk="0" hangingPunct="1">
         <a:lnSpc>
           <a:spcPct val="90000"/>
         </a:lnSpc>
         <a:spcBef>
-          <a:spcPts val="750"/>
+          <a:spcPts val="938"/>
         </a:spcBef>
         <a:buFont typeface="Arial" panose="020B0604020202020204" pitchFamily="34" charset="0"/>
         <a:buChar char="•"/>
-        <a:defRPr sz="2700" kern="1200">
+        <a:defRPr sz="3375" kern="1200">
           <a:solidFill>
             <a:schemeClr val="tx1"/>
           </a:solidFill>
@@ -2869,16 +2869,16 @@
           <a:cs typeface="+mn-cs"/>
         </a:defRPr>
       </a:lvl8pPr>
-      <a:lvl9pPr marL="5829300" indent="-342900" algn="l" defTabSz="1371600" rtl="0" eaLnBrk="1" latinLnBrk="0" hangingPunct="1">
+      <a:lvl9pPr marL="7286625" indent="-428625" algn="l" defTabSz="1714500" rtl="0" eaLnBrk="1" latinLnBrk="0" hangingPunct="1">
         <a:lnSpc>
           <a:spcPct val="90000"/>
         </a:lnSpc>
         <a:spcBef>
-          <a:spcPts val="750"/>
+          <a:spcPts val="938"/>
         </a:spcBef>
         <a:buFont typeface="Arial" panose="020B0604020202020204" pitchFamily="34" charset="0"/>
         <a:buChar char="•"/>
-        <a:defRPr sz="2700" kern="1200">
+        <a:defRPr sz="3375" kern="1200">
           <a:solidFill>
             <a:schemeClr val="tx1"/>
           </a:solidFill>
@@ -2892,8 +2892,8 @@
       <a:defPPr>
         <a:defRPr lang="en-US"/>
       </a:defPPr>
-      <a:lvl1pPr marL="0" algn="l" defTabSz="1371600" rtl="0" eaLnBrk="1" latinLnBrk="0" hangingPunct="1">
-        <a:defRPr sz="2700" kern="1200">
+      <a:lvl1pPr marL="0" algn="l" defTabSz="1714500" rtl="0" eaLnBrk="1" latinLnBrk="0" hangingPunct="1">
+        <a:defRPr sz="3375" kern="1200">
           <a:solidFill>
             <a:schemeClr val="tx1"/>
           </a:solidFill>
@@ -2902,8 +2902,8 @@
           <a:cs typeface="+mn-cs"/>
         </a:defRPr>
       </a:lvl1pPr>
-      <a:lvl2pPr marL="685800" algn="l" defTabSz="1371600" rtl="0" eaLnBrk="1" latinLnBrk="0" hangingPunct="1">
-        <a:defRPr sz="2700" kern="1200">
+      <a:lvl2pPr marL="857250" algn="l" defTabSz="1714500" rtl="0" eaLnBrk="1" latinLnBrk="0" hangingPunct="1">
+        <a:defRPr sz="3375" kern="1200">
           <a:solidFill>
             <a:schemeClr val="tx1"/>
           </a:solidFill>
@@ -2912,8 +2912,8 @@
           <a:cs typeface="+mn-cs"/>
         </a:defRPr>
       </a:lvl2pPr>
-      <a:lvl3pPr marL="1371600" algn="l" defTabSz="1371600" rtl="0" eaLnBrk="1" latinLnBrk="0" hangingPunct="1">
-        <a:defRPr sz="2700" kern="1200">
+      <a:lvl3pPr marL="1714500" algn="l" defTabSz="1714500" rtl="0" eaLnBrk="1" latinLnBrk="0" hangingPunct="1">
+        <a:defRPr sz="3375" kern="1200">
           <a:solidFill>
             <a:schemeClr val="tx1"/>
           </a:solidFill>
@@ -2922,8 +2922,8 @@
           <a:cs typeface="+mn-cs"/>
         </a:defRPr>
       </a:lvl3pPr>
-      <a:lvl4pPr marL="2057400" algn="l" defTabSz="1371600" rtl="0" eaLnBrk="1" latinLnBrk="0" hangingPunct="1">
-        <a:defRPr sz="2700" kern="1200">
+      <a:lvl4pPr marL="2571750" algn="l" defTabSz="1714500" rtl="0" eaLnBrk="1" latinLnBrk="0" hangingPunct="1">
+        <a:defRPr sz="3375" kern="1200">
           <a:solidFill>
             <a:schemeClr val="tx1"/>
           </a:solidFill>
@@ -2932,8 +2932,8 @@
           <a:cs typeface="+mn-cs"/>
         </a:defRPr>
       </a:lvl4pPr>
-      <a:lvl5pPr marL="2743200" algn="l" defTabSz="1371600" rtl="0" eaLnBrk="1" latinLnBrk="0" hangingPunct="1">
-        <a:defRPr sz="2700" kern="1200">
+      <a:lvl5pPr marL="3429000" algn="l" defTabSz="1714500" rtl="0" eaLnBrk="1" latinLnBrk="0" hangingPunct="1">
+        <a:defRPr sz="3375" kern="1200">
           <a:solidFill>
             <a:schemeClr val="tx1"/>
           </a:solidFill>
@@ -2942,8 +2942,8 @@
           <a:cs typeface="+mn-cs"/>
         </a:defRPr>
       </a:lvl5pPr>
-      <a:lvl6pPr marL="3429000" algn="l" defTabSz="1371600" rtl="0" eaLnBrk="1" latinLnBrk="0" hangingPunct="1">
-        <a:defRPr sz="2700" kern="1200">
+      <a:lvl6pPr marL="4286250" algn="l" defTabSz="1714500" rtl="0" eaLnBrk="1" latinLnBrk="0" hangingPunct="1">
+        <a:defRPr sz="3375" kern="1200">
           <a:solidFill>
             <a:schemeClr val="tx1"/>
           </a:solidFill>
@@ -2952,8 +2952,8 @@
           <a:cs typeface="+mn-cs"/>
         </a:defRPr>
       </a:lvl6pPr>
-      <a:lvl7pPr marL="4114800" algn="l" defTabSz="1371600" rtl="0" eaLnBrk="1" latinLnBrk="0" hangingPunct="1">
-        <a:defRPr sz="2700" kern="1200">
+      <a:lvl7pPr marL="5143500" algn="l" defTabSz="1714500" rtl="0" eaLnBrk="1" latinLnBrk="0" hangingPunct="1">
+        <a:defRPr sz="3375" kern="1200">
           <a:solidFill>
             <a:schemeClr val="tx1"/>
           </a:solidFill>
@@ -2962,8 +2962,8 @@
           <a:cs typeface="+mn-cs"/>
         </a:defRPr>
       </a:lvl7pPr>
-      <a:lvl8pPr marL="4800600" algn="l" defTabSz="1371600" rtl="0" eaLnBrk="1" latinLnBrk="0" hangingPunct="1">
-        <a:defRPr sz="2700" kern="1200">
+      <a:lvl8pPr marL="6000750" algn="l" defTabSz="1714500" rtl="0" eaLnBrk="1" latinLnBrk="0" hangingPunct="1">
+        <a:defRPr sz="3375" kern="1200">
           <a:solidFill>
             <a:schemeClr val="tx1"/>
           </a:solidFill>
@@ -2972,8 +2972,8 @@
           <a:cs typeface="+mn-cs"/>
         </a:defRPr>
       </a:lvl8pPr>
-      <a:lvl9pPr marL="5486400" algn="l" defTabSz="1371600" rtl="0" eaLnBrk="1" latinLnBrk="0" hangingPunct="1">
-        <a:defRPr sz="2700" kern="1200">
+      <a:lvl9pPr marL="6858000" algn="l" defTabSz="1714500" rtl="0" eaLnBrk="1" latinLnBrk="0" hangingPunct="1">
+        <a:defRPr sz="3375" kern="1200">
           <a:solidFill>
             <a:schemeClr val="tx1"/>
           </a:solidFill>
@@ -3018,7 +3018,7 @@
         </p:nvSpPr>
         <p:spPr>
           <a:xfrm>
-            <a:off x="-952005" y="635829"/>
+            <a:off x="1333999" y="2350334"/>
             <a:ext cx="2090057" cy="1436915"/>
           </a:xfrm>
           <a:prstGeom prst="flowChartProcess">
@@ -3047,7 +3047,7 @@
           <a:p>
             <a:pPr algn="ctr"/>
             <a:r>
-              <a:rPr lang="en-US" dirty="0"/>
+              <a:rPr lang="en-US" sz="3240" dirty="0"/>
               <a:t>Get initial position of male and female voles</a:t>
             </a:r>
           </a:p>
@@ -3067,7 +3067,7 @@
         </p:nvSpPr>
         <p:spPr>
           <a:xfrm>
-            <a:off x="2497776" y="635829"/>
+            <a:off x="4783782" y="2350335"/>
             <a:ext cx="2090057" cy="1436915"/>
           </a:xfrm>
           <a:prstGeom prst="flowChartProcess">
@@ -3096,7 +3096,7 @@
           <a:p>
             <a:pPr algn="ctr"/>
             <a:r>
-              <a:rPr lang="en-US" dirty="0"/>
+              <a:rPr lang="en-US" sz="3240" dirty="0"/>
               <a:t>Read Serial ports and get tags on antennas 1-4</a:t>
             </a:r>
           </a:p>
@@ -3116,7 +3116,7 @@
         </p:nvSpPr>
         <p:spPr>
           <a:xfrm>
-            <a:off x="794658" y="3030685"/>
+            <a:off x="3080664" y="4745191"/>
             <a:ext cx="2090057" cy="1436915"/>
           </a:xfrm>
           <a:prstGeom prst="flowChartAlternateProcess">
@@ -3148,7 +3148,7 @@
           <a:p>
             <a:pPr algn="ctr"/>
             <a:r>
-              <a:rPr lang="en-US" dirty="0"/>
+              <a:rPr lang="en-US" sz="3240" dirty="0"/>
               <a:t>Determine what cage each animal is in (direction logic)</a:t>
             </a:r>
           </a:p>
@@ -3171,7 +3171,7 @@
         </p:nvCxnSpPr>
         <p:spPr>
           <a:xfrm rot="16200000" flipH="1">
-            <a:off x="487386" y="1678382"/>
+            <a:off x="2773392" y="3392882"/>
             <a:ext cx="957941" cy="1746662"/>
           </a:xfrm>
           <a:prstGeom prst="bentConnector3">
@@ -3213,7 +3213,7 @@
         </p:nvCxnSpPr>
         <p:spPr>
           <a:xfrm rot="5400000">
-            <a:off x="2212276" y="1700154"/>
+            <a:off x="4498282" y="3414654"/>
             <a:ext cx="957941" cy="1703118"/>
           </a:xfrm>
           <a:prstGeom prst="bentConnector3">
@@ -3252,7 +3252,7 @@
         </p:nvSpPr>
         <p:spPr>
           <a:xfrm>
-            <a:off x="9876314" y="635829"/>
+            <a:off x="12162320" y="2350335"/>
             <a:ext cx="2090057" cy="1436915"/>
           </a:xfrm>
           <a:prstGeom prst="flowChartProcess">
@@ -3281,7 +3281,7 @@
           <a:p>
             <a:pPr algn="ctr"/>
             <a:r>
-              <a:rPr lang="en-US" dirty="0"/>
+              <a:rPr lang="en-US" sz="3240" dirty="0"/>
               <a:t>Read status on each door</a:t>
             </a:r>
           </a:p>
@@ -3301,7 +3301,7 @@
         </p:nvSpPr>
         <p:spPr>
           <a:xfrm>
-            <a:off x="9876319" y="2551714"/>
+            <a:off x="12162325" y="4266220"/>
             <a:ext cx="2090057" cy="1436915"/>
           </a:xfrm>
           <a:prstGeom prst="flowChartDecision">
@@ -3330,7 +3330,7 @@
           <a:p>
             <a:pPr algn="ctr"/>
             <a:r>
-              <a:rPr lang="en-US" dirty="0"/>
+              <a:rPr lang="en-US" sz="3240" dirty="0"/>
               <a:t>Is door closed?</a:t>
             </a:r>
           </a:p>
@@ -3350,7 +3350,7 @@
         </p:nvSpPr>
         <p:spPr>
           <a:xfrm>
-            <a:off x="6900170" y="4467599"/>
+            <a:off x="9186176" y="6182105"/>
             <a:ext cx="2090057" cy="1436915"/>
           </a:xfrm>
           <a:prstGeom prst="flowChartProcess">
@@ -3379,7 +3379,7 @@
           <a:p>
             <a:pPr algn="ctr"/>
             <a:r>
-              <a:rPr lang="en-US" dirty="0"/>
+              <a:rPr lang="en-US" sz="3240" dirty="0"/>
               <a:t>Check status of lever(s)</a:t>
             </a:r>
           </a:p>
@@ -3399,7 +3399,7 @@
         </p:nvSpPr>
         <p:spPr>
           <a:xfrm>
-            <a:off x="6900172" y="6274624"/>
+            <a:off x="9186178" y="7989130"/>
             <a:ext cx="2090057" cy="1436915"/>
           </a:xfrm>
           <a:prstGeom prst="flowChartDecision">
@@ -3428,7 +3428,7 @@
           <a:p>
             <a:pPr algn="ctr"/>
             <a:r>
-              <a:rPr lang="en-US" dirty="0"/>
+              <a:rPr lang="en-US" sz="3240" dirty="0"/>
               <a:t>Is the lever pressed?</a:t>
             </a:r>
           </a:p>
@@ -3448,7 +3448,7 @@
         </p:nvSpPr>
         <p:spPr>
           <a:xfrm>
-            <a:off x="5017933" y="8321146"/>
+            <a:off x="7303939" y="10035652"/>
             <a:ext cx="2090057" cy="1436915"/>
           </a:xfrm>
           <a:prstGeom prst="flowChartProcess">
@@ -3480,7 +3480,7 @@
           <a:p>
             <a:pPr algn="ctr"/>
             <a:r>
-              <a:rPr lang="en-US" dirty="0"/>
+              <a:rPr lang="en-US" sz="3240" dirty="0"/>
               <a:t>Open door</a:t>
             </a:r>
           </a:p>
@@ -3504,7 +3504,7 @@
         </p:nvCxnSpPr>
         <p:spPr>
           <a:xfrm rot="5400000">
-            <a:off x="9193788" y="2740040"/>
+            <a:off x="11479788" y="4454546"/>
             <a:ext cx="478970" cy="2976149"/>
           </a:xfrm>
           <a:prstGeom prst="bentConnector3">
@@ -3549,7 +3549,7 @@
         </p:nvCxnSpPr>
         <p:spPr>
           <a:xfrm rot="16200000" flipH="1">
-            <a:off x="7760144" y="6089567"/>
+            <a:off x="10046144" y="7804067"/>
             <a:ext cx="370110" cy="2"/>
           </a:xfrm>
           <a:prstGeom prst="bentConnector3">
@@ -3591,7 +3591,7 @@
         </p:nvCxnSpPr>
         <p:spPr>
           <a:xfrm rot="5400000">
-            <a:off x="6699279" y="7075223"/>
+            <a:off x="8985285" y="8789728"/>
             <a:ext cx="609607" cy="1882239"/>
           </a:xfrm>
           <a:prstGeom prst="bentConnector3">
@@ -3636,7 +3636,7 @@
         </p:nvCxnSpPr>
         <p:spPr>
           <a:xfrm rot="16200000" flipH="1">
-            <a:off x="10681859" y="2312226"/>
+            <a:off x="12967859" y="4026732"/>
             <a:ext cx="478970" cy="5"/>
           </a:xfrm>
           <a:prstGeom prst="bentConnector3">
@@ -3675,7 +3675,7 @@
         </p:nvSpPr>
         <p:spPr>
           <a:xfrm>
-            <a:off x="12851469" y="4467599"/>
+            <a:off x="15137475" y="6182105"/>
             <a:ext cx="2090057" cy="1436915"/>
           </a:xfrm>
           <a:prstGeom prst="flowChartDecision">
@@ -3704,7 +3704,7 @@
           <a:p>
             <a:pPr algn="ctr"/>
             <a:r>
-              <a:rPr lang="en-US" dirty="0"/>
+              <a:rPr lang="en-US" sz="3240" dirty="0"/>
               <a:t>Are voles in diff cages?</a:t>
             </a:r>
           </a:p>
@@ -3724,7 +3724,7 @@
         </p:nvSpPr>
         <p:spPr>
           <a:xfrm>
-            <a:off x="14733706" y="6274621"/>
+            <a:off x="17019712" y="7989127"/>
             <a:ext cx="2090057" cy="1436915"/>
           </a:xfrm>
           <a:prstGeom prst="flowChartDecision">
@@ -3753,7 +3753,7 @@
           <a:p>
             <a:pPr algn="ctr"/>
             <a:r>
-              <a:rPr lang="en-US" dirty="0"/>
+              <a:rPr lang="en-US" sz="3240" dirty="0"/>
               <a:t>Is the IR beam unobstructed?</a:t>
             </a:r>
           </a:p>
@@ -3773,7 +3773,7 @@
         </p:nvSpPr>
         <p:spPr>
           <a:xfrm>
-            <a:off x="16615941" y="8299368"/>
+            <a:off x="18901947" y="10013874"/>
             <a:ext cx="2090057" cy="1436915"/>
           </a:xfrm>
           <a:prstGeom prst="flowChartProcess">
@@ -3805,7 +3805,7 @@
           <a:p>
             <a:pPr algn="ctr"/>
             <a:r>
-              <a:rPr lang="en-US" dirty="0"/>
+              <a:rPr lang="en-US" sz="3240" dirty="0"/>
               <a:t>Close door</a:t>
             </a:r>
           </a:p>
@@ -3828,7 +3828,7 @@
         </p:nvCxnSpPr>
         <p:spPr>
           <a:xfrm rot="16200000" flipH="1">
-            <a:off x="14652563" y="5148448"/>
+            <a:off x="16938569" y="6862954"/>
             <a:ext cx="370107" cy="1882237"/>
           </a:xfrm>
           <a:prstGeom prst="bentConnector3">
@@ -3873,7 +3873,7 @@
         </p:nvCxnSpPr>
         <p:spPr>
           <a:xfrm rot="16200000" flipH="1">
-            <a:off x="16425935" y="7064334"/>
+            <a:off x="18711935" y="8778840"/>
             <a:ext cx="587832" cy="1882235"/>
           </a:xfrm>
           <a:prstGeom prst="bentConnector3">
@@ -3915,7 +3915,7 @@
         </p:nvSpPr>
         <p:spPr>
           <a:xfrm>
-            <a:off x="8782406" y="10587261"/>
+            <a:off x="11068407" y="14016261"/>
             <a:ext cx="2090057" cy="1436915"/>
           </a:xfrm>
           <a:prstGeom prst="flowChartOffpageConnector">
@@ -3944,7 +3944,7 @@
           <a:p>
             <a:pPr algn="ctr"/>
             <a:r>
-              <a:rPr lang="en-US" dirty="0"/>
+              <a:rPr lang="en-US" sz="3240" dirty="0"/>
               <a:t>END</a:t>
             </a:r>
           </a:p>
@@ -3964,7 +3964,7 @@
         </p:nvSpPr>
         <p:spPr>
           <a:xfrm>
-            <a:off x="10969233" y="6274620"/>
+            <a:off x="13255239" y="7989126"/>
             <a:ext cx="2090057" cy="1436915"/>
           </a:xfrm>
           <a:prstGeom prst="flowChartOffpageConnector">
@@ -3993,7 +3993,7 @@
           <a:p>
             <a:pPr algn="ctr"/>
             <a:r>
-              <a:rPr lang="en-US" dirty="0"/>
+              <a:rPr lang="en-US" sz="3240" dirty="0"/>
               <a:t>END</a:t>
             </a:r>
           </a:p>
@@ -4013,7 +4013,7 @@
         </p:nvSpPr>
         <p:spPr>
           <a:xfrm>
-            <a:off x="12851469" y="8299369"/>
+            <a:off x="15137475" y="10013875"/>
             <a:ext cx="2090057" cy="1436915"/>
           </a:xfrm>
           <a:prstGeom prst="flowChartOffpageConnector">
@@ -4042,7 +4042,7 @@
           <a:p>
             <a:pPr algn="ctr"/>
             <a:r>
-              <a:rPr lang="en-US" dirty="0"/>
+              <a:rPr lang="en-US" sz="3240" dirty="0"/>
               <a:t>END</a:t>
             </a:r>
           </a:p>
@@ -4065,7 +4065,7 @@
         </p:nvCxnSpPr>
         <p:spPr>
           <a:xfrm rot="5400000">
-            <a:off x="12770326" y="5148448"/>
+            <a:off x="15056326" y="6862948"/>
             <a:ext cx="370106" cy="1882236"/>
           </a:xfrm>
           <a:prstGeom prst="bentConnector3">
@@ -4110,7 +4110,7 @@
         </p:nvCxnSpPr>
         <p:spPr>
           <a:xfrm rot="5400000">
-            <a:off x="14543701" y="7064334"/>
+            <a:off x="16829707" y="8778840"/>
             <a:ext cx="587833" cy="1882237"/>
           </a:xfrm>
           <a:prstGeom prst="bentConnector3">
@@ -4155,7 +4155,7 @@
         </p:nvCxnSpPr>
         <p:spPr>
           <a:xfrm rot="16200000" flipH="1">
-            <a:off x="12169437" y="2740538"/>
+            <a:off x="14455437" y="4455038"/>
             <a:ext cx="478970" cy="2975150"/>
           </a:xfrm>
           <a:prstGeom prst="bentConnector3">
@@ -4197,7 +4197,7 @@
         </p:nvSpPr>
         <p:spPr>
           <a:xfrm>
-            <a:off x="5017932" y="10587262"/>
+            <a:off x="7303933" y="14016262"/>
             <a:ext cx="2090057" cy="1436915"/>
           </a:xfrm>
           <a:prstGeom prst="flowChartInputOutput">
@@ -4234,7 +4234,7 @@
           <a:p>
             <a:pPr algn="ctr"/>
             <a:r>
-              <a:rPr lang="en-US" dirty="0"/>
+              <a:rPr lang="en-US" sz="3240" dirty="0"/>
               <a:t>Update object properties</a:t>
             </a:r>
           </a:p>
@@ -4254,7 +4254,7 @@
         </p:nvSpPr>
         <p:spPr>
           <a:xfrm>
-            <a:off x="8782407" y="8321146"/>
+            <a:off x="11068413" y="10035652"/>
             <a:ext cx="2090057" cy="1436915"/>
           </a:xfrm>
           <a:prstGeom prst="flowChartInputOutput">
@@ -4291,7 +4291,7 @@
           <a:p>
             <a:pPr algn="ctr"/>
             <a:r>
-              <a:rPr lang="en-US" dirty="0"/>
+              <a:rPr lang="en-US" sz="3240" dirty="0"/>
               <a:t>Update object properties</a:t>
             </a:r>
           </a:p>
@@ -4314,7 +4314,7 @@
         </p:nvCxnSpPr>
         <p:spPr>
           <a:xfrm rot="16200000" flipH="1">
-            <a:off x="8581515" y="7075224"/>
+            <a:off x="10867521" y="8789730"/>
             <a:ext cx="609607" cy="1882235"/>
           </a:xfrm>
           <a:prstGeom prst="bentConnector3">
@@ -4359,7 +4359,7 @@
         </p:nvCxnSpPr>
         <p:spPr>
           <a:xfrm rot="5400000">
-            <a:off x="5648362" y="10172661"/>
+            <a:off x="7934367" y="11887167"/>
             <a:ext cx="829201" cy="1"/>
           </a:xfrm>
           <a:prstGeom prst="bentConnector3">
@@ -4401,7 +4401,7 @@
         </p:nvCxnSpPr>
         <p:spPr>
           <a:xfrm rot="5400000">
-            <a:off x="9412835" y="10172661"/>
+            <a:off x="11698835" y="11887167"/>
             <a:ext cx="829200" cy="1"/>
           </a:xfrm>
           <a:prstGeom prst="bentConnector3">
@@ -4440,7 +4440,7 @@
         </p:nvSpPr>
         <p:spPr>
           <a:xfrm>
-            <a:off x="16615940" y="10587260"/>
+            <a:off x="18901941" y="14016260"/>
             <a:ext cx="2090057" cy="1436915"/>
           </a:xfrm>
           <a:prstGeom prst="flowChartInputOutput">
@@ -4477,7 +4477,7 @@
           <a:p>
             <a:pPr algn="ctr"/>
             <a:r>
-              <a:rPr lang="en-US" dirty="0"/>
+              <a:rPr lang="en-US" sz="3240" dirty="0"/>
               <a:t>Update object properties</a:t>
             </a:r>
           </a:p>
@@ -4500,7 +4500,7 @@
         </p:nvCxnSpPr>
         <p:spPr>
           <a:xfrm rot="5400000">
-            <a:off x="17235482" y="10161771"/>
+            <a:off x="19521488" y="11876277"/>
             <a:ext cx="850977" cy="1"/>
           </a:xfrm>
           <a:prstGeom prst="bentConnector3">
@@ -4539,7 +4539,7 @@
         </p:nvSpPr>
         <p:spPr>
           <a:xfrm>
-            <a:off x="16823759" y="4467597"/>
+            <a:off x="19109765" y="6182103"/>
             <a:ext cx="2090057" cy="1436915"/>
           </a:xfrm>
           <a:prstGeom prst="flowChartInputOutput">
@@ -4576,7 +4576,7 @@
           <a:p>
             <a:pPr algn="ctr"/>
             <a:r>
-              <a:rPr lang="en-US" dirty="0"/>
+              <a:rPr lang="en-US" sz="3240" dirty="0"/>
               <a:t>Update object properties</a:t>
             </a:r>
           </a:p>
@@ -4599,7 +4599,7 @@
         </p:nvCxnSpPr>
         <p:spPr>
           <a:xfrm flipV="1">
-            <a:off x="14941526" y="5186054"/>
+            <a:off x="17227532" y="6900554"/>
             <a:ext cx="2091239" cy="2"/>
           </a:xfrm>
           <a:prstGeom prst="bentConnector3">
@@ -4638,7 +4638,7 @@
         </p:nvSpPr>
         <p:spPr>
           <a:xfrm>
-            <a:off x="794657" y="5425541"/>
+            <a:off x="3080663" y="7140047"/>
             <a:ext cx="2090057" cy="1436915"/>
           </a:xfrm>
           <a:prstGeom prst="flowChartInputOutput">
@@ -4675,7 +4675,7 @@
           <a:p>
             <a:pPr algn="ctr"/>
             <a:r>
-              <a:rPr lang="en-US" dirty="0"/>
+              <a:rPr lang="en-US" sz="3240" dirty="0"/>
               <a:t>Update object properties</a:t>
             </a:r>
           </a:p>
@@ -4698,7 +4698,7 @@
         </p:nvCxnSpPr>
         <p:spPr>
           <a:xfrm rot="5400000">
-            <a:off x="1360717" y="4946570"/>
+            <a:off x="3646722" y="6661076"/>
             <a:ext cx="957941" cy="1"/>
           </a:xfrm>
           <a:prstGeom prst="bentConnector3">
@@ -4737,8 +4737,8 @@
         </p:nvSpPr>
         <p:spPr>
           <a:xfrm>
-            <a:off x="16443756" y="-2774372"/>
-            <a:ext cx="1674414" cy="298415"/>
+            <a:off x="18729756" y="-2774372"/>
+            <a:ext cx="1674414" cy="590931"/>
           </a:xfrm>
           <a:prstGeom prst="rect">
             <a:avLst/>
@@ -4758,7 +4758,7 @@
           <a:p>
             <a:pPr algn="ctr"/>
             <a:r>
-              <a:rPr lang="en-US" dirty="0"/>
+              <a:rPr lang="en-US" sz="3240" dirty="0"/>
               <a:t>LEGEND</a:t>
             </a:r>
           </a:p>
@@ -4778,8 +4778,8 @@
         </p:nvGrpSpPr>
         <p:grpSpPr>
           <a:xfrm>
-            <a:off x="15524018" y="-2067791"/>
-            <a:ext cx="2594152" cy="311631"/>
+            <a:off x="17810018" y="-2067789"/>
+            <a:ext cx="2594152" cy="1791514"/>
             <a:chOff x="17352818" y="1018309"/>
             <a:chExt cx="2594152" cy="311631"/>
           </a:xfrm>
@@ -4826,7 +4826,7 @@
             <a:lstStyle/>
             <a:p>
               <a:pPr algn="ctr"/>
-              <a:endParaRPr lang="en-US"/>
+              <a:endParaRPr lang="en-US" sz="3240"/>
             </a:p>
           </p:txBody>
         </p:sp>
@@ -4845,7 +4845,7 @@
           <p:spPr>
             <a:xfrm>
               <a:off x="18272556" y="1018309"/>
-              <a:ext cx="1674414" cy="298415"/>
+              <a:ext cx="1674414" cy="102792"/>
             </a:xfrm>
             <a:prstGeom prst="rect">
               <a:avLst/>
@@ -4859,7 +4859,7 @@
             <a:lstStyle/>
             <a:p>
               <a:r>
-                <a:rPr lang="en-US" dirty="0"/>
+                <a:rPr lang="en-US" sz="3240" dirty="0"/>
                 <a:t>Process</a:t>
               </a:r>
             </a:p>
@@ -4880,8 +4880,8 @@
         </p:nvGrpSpPr>
         <p:grpSpPr>
           <a:xfrm>
-            <a:off x="15524018" y="-1563489"/>
-            <a:ext cx="3715986" cy="340482"/>
+            <a:off x="17810018" y="151011"/>
+            <a:ext cx="3715986" cy="3682290"/>
             <a:chOff x="17352818" y="1484160"/>
             <a:chExt cx="3715986" cy="340482"/>
           </a:xfrm>
@@ -4931,7 +4931,7 @@
             <a:lstStyle/>
             <a:p>
               <a:pPr algn="ctr"/>
-              <a:endParaRPr lang="en-US"/>
+              <a:endParaRPr lang="en-US" sz="3240"/>
             </a:p>
           </p:txBody>
         </p:sp>
@@ -4950,7 +4950,7 @@
           <p:spPr>
             <a:xfrm>
               <a:off x="18272555" y="1484160"/>
-              <a:ext cx="2796249" cy="298415"/>
+              <a:ext cx="2796249" cy="100743"/>
             </a:xfrm>
             <a:prstGeom prst="rect">
               <a:avLst/>
@@ -4964,7 +4964,7 @@
             <a:lstStyle/>
             <a:p>
               <a:r>
-                <a:rPr lang="en-US" dirty="0"/>
+                <a:rPr lang="en-US" sz="3240" dirty="0"/>
                 <a:t>Function Candidate</a:t>
               </a:r>
             </a:p>
@@ -4985,8 +4985,8 @@
         </p:nvGrpSpPr>
         <p:grpSpPr>
           <a:xfrm>
-            <a:off x="15524018" y="-1059187"/>
-            <a:ext cx="3927764" cy="342010"/>
+            <a:off x="17810018" y="655313"/>
+            <a:ext cx="3927764" cy="3682290"/>
             <a:chOff x="17352818" y="2026913"/>
             <a:chExt cx="3927764" cy="342010"/>
           </a:xfrm>
@@ -5041,7 +5041,7 @@
             <a:lstStyle/>
             <a:p>
               <a:pPr algn="ctr"/>
-              <a:endParaRPr lang="en-US"/>
+              <a:endParaRPr lang="en-US" sz="3240"/>
             </a:p>
           </p:txBody>
         </p:sp>
@@ -5060,7 +5060,7 @@
           <p:spPr>
             <a:xfrm>
               <a:off x="18272556" y="2026913"/>
-              <a:ext cx="3008026" cy="298415"/>
+              <a:ext cx="3008026" cy="101195"/>
             </a:xfrm>
             <a:prstGeom prst="rect">
               <a:avLst/>
@@ -5074,7 +5074,7 @@
             <a:lstStyle/>
             <a:p>
               <a:r>
-                <a:rPr lang="en-US" dirty="0"/>
+                <a:rPr lang="en-US" sz="3240" dirty="0"/>
                 <a:t>Function used multiple times</a:t>
               </a:r>
             </a:p>
@@ -5095,8 +5095,8 @@
         </p:nvSpPr>
         <p:spPr>
           <a:xfrm>
-            <a:off x="-942686" y="-1952372"/>
-            <a:ext cx="15685710" cy="1246495"/>
+            <a:off x="1343314" y="-1952372"/>
+            <a:ext cx="15685710" cy="1246623"/>
           </a:xfrm>
           <a:prstGeom prst="rect">
             <a:avLst/>
@@ -5110,7 +5110,7 @@
           <a:lstStyle/>
           <a:p>
             <a:r>
-              <a:rPr lang="en-US" sz="7500" dirty="0"/>
+              <a:rPr lang="en-US" sz="7501" dirty="0"/>
               <a:t>Arduino Based Decision Tree</a:t>
             </a:r>
           </a:p>
@@ -5218,7 +5218,7 @@
         </p:nvSpPr>
         <p:spPr>
           <a:xfrm>
-            <a:off x="6379030" y="-1997531"/>
+            <a:off x="8665031" y="-1997531"/>
             <a:ext cx="2090057" cy="1436915"/>
           </a:xfrm>
           <a:prstGeom prst="flowChartDecision">
@@ -5246,7 +5246,7 @@
           <a:lstStyle/>
           <a:p>
             <a:pPr algn="ctr"/>
-            <a:endParaRPr lang="en-US" dirty="0"/>
+            <a:endParaRPr lang="en-US" sz="3240" dirty="0"/>
           </a:p>
         </p:txBody>
       </p:sp>
@@ -5264,7 +5264,7 @@
         </p:nvSpPr>
         <p:spPr>
           <a:xfrm>
-            <a:off x="9448803" y="-1997530"/>
+            <a:off x="11734804" y="-1997530"/>
             <a:ext cx="2090057" cy="1436915"/>
           </a:xfrm>
           <a:prstGeom prst="flowChartProcess">
@@ -5292,7 +5292,7 @@
           <a:lstStyle/>
           <a:p>
             <a:pPr algn="ctr"/>
-            <a:endParaRPr lang="en-US" dirty="0"/>
+            <a:endParaRPr lang="en-US" sz="3240" dirty="0"/>
           </a:p>
         </p:txBody>
       </p:sp>
@@ -5310,7 +5310,7 @@
         </p:nvSpPr>
         <p:spPr>
           <a:xfrm>
-            <a:off x="13193490" y="-1997530"/>
+            <a:off x="15479491" y="-1997530"/>
             <a:ext cx="2090057" cy="1436915"/>
           </a:xfrm>
           <a:prstGeom prst="flowChartAlternateProcess">
@@ -5338,7 +5338,7 @@
           <a:lstStyle/>
           <a:p>
             <a:pPr algn="ctr"/>
-            <a:endParaRPr lang="en-US"/>
+            <a:endParaRPr lang="en-US" sz="3240"/>
           </a:p>
         </p:txBody>
       </p:sp>
@@ -5356,7 +5356,7 @@
         </p:nvSpPr>
         <p:spPr>
           <a:xfrm>
-            <a:off x="3309257" y="-1997531"/>
+            <a:off x="5595258" y="-1997531"/>
             <a:ext cx="2090057" cy="1436915"/>
           </a:xfrm>
           <a:prstGeom prst="flowChartOffpageConnector">
@@ -5384,7 +5384,7 @@
           <a:lstStyle/>
           <a:p>
             <a:pPr algn="ctr"/>
-            <a:endParaRPr lang="en-US" dirty="0"/>
+            <a:endParaRPr lang="en-US" sz="3240" dirty="0"/>
           </a:p>
         </p:txBody>
       </p:sp>
@@ -5402,7 +5402,7 @@
         </p:nvSpPr>
         <p:spPr>
           <a:xfrm>
-            <a:off x="16110859" y="-1997531"/>
+            <a:off x="18396860" y="-1997531"/>
             <a:ext cx="2090057" cy="1436915"/>
           </a:xfrm>
           <a:prstGeom prst="flowChartInputOutput">
@@ -5430,7 +5430,7 @@
           <a:lstStyle/>
           <a:p>
             <a:pPr algn="ctr"/>
-            <a:endParaRPr lang="en-US"/>
+            <a:endParaRPr lang="en-US" sz="3240"/>
           </a:p>
         </p:txBody>
       </p:sp>
@@ -5481,7 +5481,7 @@
         </p:nvCxnSpPr>
         <p:spPr>
           <a:xfrm rot="10800000" flipV="1">
-            <a:off x="7891968" y="2737500"/>
+            <a:off x="10177973" y="4452000"/>
             <a:ext cx="7319681" cy="879986"/>
           </a:xfrm>
           <a:prstGeom prst="bentConnector3">
@@ -5527,7 +5527,7 @@
         </p:nvCxnSpPr>
         <p:spPr>
           <a:xfrm rot="10800000" flipV="1">
-            <a:off x="7891459" y="4469067"/>
+            <a:off x="10177459" y="6183567"/>
             <a:ext cx="7320186" cy="855178"/>
           </a:xfrm>
           <a:prstGeom prst="bentConnector3">
@@ -5573,7 +5573,7 @@
         </p:nvCxnSpPr>
         <p:spPr>
           <a:xfrm>
-            <a:off x="3163948" y="4474147"/>
+            <a:off x="5449954" y="6188653"/>
             <a:ext cx="2637455" cy="850099"/>
           </a:xfrm>
           <a:prstGeom prst="bentConnector3">
@@ -5616,7 +5616,7 @@
         </p:nvSpPr>
         <p:spPr>
           <a:xfrm>
-            <a:off x="5801403" y="-1406197"/>
+            <a:off x="8087404" y="-1406197"/>
             <a:ext cx="2090057" cy="1063298"/>
           </a:xfrm>
           <a:prstGeom prst="flowChartOffpageConnector">
@@ -5645,15 +5645,15 @@
           <a:p>
             <a:pPr algn="ctr"/>
             <a:r>
-              <a:rPr lang="en-US" dirty="0"/>
+              <a:rPr lang="en-US" sz="3240" dirty="0"/>
               <a:t>Initialize </a:t>
             </a:r>
             <a:r>
-              <a:rPr lang="en-US" dirty="0" err="1"/>
+              <a:rPr lang="en-US" sz="3240" dirty="0" err="1"/>
               <a:t>voleTags</a:t>
             </a:r>
             <a:r>
-              <a:rPr lang="en-US" dirty="0"/>
+              <a:rPr lang="en-US" sz="3240" dirty="0"/>
               <a:t> Queue</a:t>
             </a:r>
           </a:p>
@@ -5673,7 +5673,7 @@
         </p:nvSpPr>
         <p:spPr>
           <a:xfrm>
-            <a:off x="9006635" y="-1406197"/>
+            <a:off x="11292636" y="-1406197"/>
             <a:ext cx="2090057" cy="1063299"/>
           </a:xfrm>
           <a:prstGeom prst="flowChartOffpageConnector">
@@ -5702,7 +5702,7 @@
           <a:p>
             <a:pPr algn="ctr"/>
             <a:r>
-              <a:rPr lang="en-US" dirty="0"/>
+              <a:rPr lang="en-US" sz="3240" dirty="0"/>
               <a:t>Initialize time synchronization queue</a:t>
             </a:r>
           </a:p>
@@ -5722,7 +5722,7 @@
         </p:nvSpPr>
         <p:spPr>
           <a:xfrm>
-            <a:off x="1073890" y="-39148"/>
+            <a:off x="3359895" y="1675356"/>
             <a:ext cx="2090057" cy="519519"/>
           </a:xfrm>
           <a:prstGeom prst="flowChartProcess">
@@ -5751,7 +5751,7 @@
           <a:p>
             <a:pPr algn="ctr"/>
             <a:r>
-              <a:rPr lang="en-US" dirty="0"/>
+              <a:rPr lang="en-US" sz="3240" dirty="0"/>
               <a:t>Start Thread 1</a:t>
             </a:r>
           </a:p>
@@ -5771,7 +5771,7 @@
         </p:nvSpPr>
         <p:spPr>
           <a:xfrm>
-            <a:off x="1073891" y="1063613"/>
+            <a:off x="3359897" y="2778118"/>
             <a:ext cx="2090057" cy="519519"/>
           </a:xfrm>
           <a:prstGeom prst="flowChartProcess">
@@ -5800,7 +5800,7 @@
           <a:p>
             <a:pPr algn="ctr"/>
             <a:r>
-              <a:rPr lang="en-US" dirty="0"/>
+              <a:rPr lang="en-US" sz="3240" dirty="0"/>
               <a:t>Read sensor signal</a:t>
             </a:r>
           </a:p>
@@ -5820,7 +5820,7 @@
         </p:nvSpPr>
         <p:spPr>
           <a:xfrm>
-            <a:off x="1073890" y="2160302"/>
+            <a:off x="3359896" y="3874808"/>
             <a:ext cx="2090057" cy="1154397"/>
           </a:xfrm>
           <a:prstGeom prst="flowChartDecision">
@@ -5849,7 +5849,7 @@
           <a:p>
             <a:pPr algn="ctr"/>
             <a:r>
-              <a:rPr lang="en-US" dirty="0"/>
+              <a:rPr lang="en-US" sz="3240" dirty="0"/>
               <a:t>Did it ping vole 1?</a:t>
             </a:r>
           </a:p>
@@ -5869,7 +5869,7 @@
         </p:nvSpPr>
         <p:spPr>
           <a:xfrm>
-            <a:off x="5801910" y="2416991"/>
+            <a:off x="8087916" y="4131497"/>
             <a:ext cx="2090057" cy="641017"/>
           </a:xfrm>
           <a:prstGeom prst="flowChartOffpageConnector">
@@ -5898,15 +5898,15 @@
           <a:p>
             <a:pPr algn="ctr"/>
             <a:r>
-              <a:rPr lang="en-US" dirty="0"/>
+              <a:rPr lang="en-US" sz="3240" dirty="0"/>
               <a:t>Output vole number and </a:t>
             </a:r>
             <a:r>
-              <a:rPr lang="en-US" dirty="0" err="1"/>
+              <a:rPr lang="en-US" sz="3240" dirty="0" err="1"/>
               <a:t>rfid</a:t>
             </a:r>
             <a:r>
-              <a:rPr lang="en-US" dirty="0"/>
+              <a:rPr lang="en-US" sz="3240" dirty="0"/>
               <a:t> tag</a:t>
             </a:r>
           </a:p>
@@ -5926,7 +5926,7 @@
         </p:nvSpPr>
         <p:spPr>
           <a:xfrm>
-            <a:off x="5801910" y="3296978"/>
+            <a:off x="8087916" y="5011484"/>
             <a:ext cx="2090057" cy="641017"/>
           </a:xfrm>
           <a:prstGeom prst="flowChartOffpageConnector">
@@ -5955,7 +5955,7 @@
           <a:p>
             <a:pPr algn="ctr"/>
             <a:r>
-              <a:rPr lang="en-US" dirty="0"/>
+              <a:rPr lang="en-US" sz="3240" dirty="0"/>
               <a:t>Output “none”</a:t>
             </a:r>
           </a:p>
@@ -5978,7 +5978,7 @@
         </p:nvCxnSpPr>
         <p:spPr>
           <a:xfrm>
-            <a:off x="3163947" y="2737500"/>
+            <a:off x="5449953" y="4452000"/>
             <a:ext cx="2637963" cy="879986"/>
           </a:xfrm>
           <a:prstGeom prst="bentConnector3">
@@ -6024,7 +6024,7 @@
         </p:nvCxnSpPr>
         <p:spPr>
           <a:xfrm flipV="1">
-            <a:off x="3163947" y="2737500"/>
+            <a:off x="5449953" y="4452006"/>
             <a:ext cx="2637963" cy="1"/>
           </a:xfrm>
           <a:prstGeom prst="bentConnector3">
@@ -6067,7 +6067,7 @@
         </p:nvSpPr>
         <p:spPr>
           <a:xfrm>
-            <a:off x="1073891" y="3896948"/>
+            <a:off x="3359897" y="5611454"/>
             <a:ext cx="2090057" cy="1154397"/>
           </a:xfrm>
           <a:prstGeom prst="flowChartDecision">
@@ -6096,7 +6096,7 @@
           <a:p>
             <a:pPr algn="ctr"/>
             <a:r>
-              <a:rPr lang="en-US" dirty="0"/>
+              <a:rPr lang="en-US" sz="3240" dirty="0"/>
               <a:t>Did it ping vole 2?</a:t>
             </a:r>
           </a:p>
@@ -6116,7 +6116,7 @@
         </p:nvSpPr>
         <p:spPr>
           <a:xfrm>
-            <a:off x="5801404" y="4148038"/>
+            <a:off x="8087410" y="5862544"/>
             <a:ext cx="2090057" cy="641017"/>
           </a:xfrm>
           <a:prstGeom prst="flowChartOffpageConnector">
@@ -6145,15 +6145,15 @@
           <a:p>
             <a:pPr algn="ctr"/>
             <a:r>
-              <a:rPr lang="en-US" dirty="0"/>
+              <a:rPr lang="en-US" sz="3240" dirty="0"/>
               <a:t>Output vole number and </a:t>
             </a:r>
             <a:r>
-              <a:rPr lang="en-US" dirty="0" err="1"/>
+              <a:rPr lang="en-US" sz="3240" dirty="0" err="1"/>
               <a:t>rfid</a:t>
             </a:r>
             <a:r>
-              <a:rPr lang="en-US" dirty="0"/>
+              <a:rPr lang="en-US" sz="3240" dirty="0"/>
               <a:t> tag</a:t>
             </a:r>
           </a:p>
@@ -6173,7 +6173,7 @@
         </p:nvSpPr>
         <p:spPr>
           <a:xfrm>
-            <a:off x="5801403" y="5003737"/>
+            <a:off x="8087409" y="6718243"/>
             <a:ext cx="2090057" cy="641017"/>
           </a:xfrm>
           <a:prstGeom prst="flowChartOffpageConnector">
@@ -6202,7 +6202,7 @@
           <a:p>
             <a:pPr algn="ctr"/>
             <a:r>
-              <a:rPr lang="en-US" dirty="0"/>
+              <a:rPr lang="en-US" sz="3240" dirty="0"/>
               <a:t>Output “none”</a:t>
             </a:r>
           </a:p>
@@ -6225,7 +6225,7 @@
         </p:nvCxnSpPr>
         <p:spPr>
           <a:xfrm flipV="1">
-            <a:off x="3163947" y="4468546"/>
+            <a:off x="5449948" y="6183046"/>
             <a:ext cx="2637456" cy="5600"/>
           </a:xfrm>
           <a:prstGeom prst="bentConnector3">
@@ -6268,7 +6268,7 @@
         </p:nvSpPr>
         <p:spPr>
           <a:xfrm>
-            <a:off x="1073889" y="6231794"/>
+            <a:off x="3359895" y="7946299"/>
             <a:ext cx="2090057" cy="519519"/>
           </a:xfrm>
           <a:prstGeom prst="flowChartProcess">
@@ -6297,7 +6297,7 @@
           <a:p>
             <a:pPr algn="ctr"/>
             <a:r>
-              <a:rPr lang="en-US" dirty="0"/>
+              <a:rPr lang="en-US" sz="3240" dirty="0"/>
               <a:t>Read time queue</a:t>
             </a:r>
           </a:p>
@@ -6320,7 +6320,7 @@
         </p:nvCxnSpPr>
         <p:spPr>
           <a:xfrm rot="5400000">
-            <a:off x="3190580" y="-369532"/>
+            <a:off x="5476585" y="1344968"/>
             <a:ext cx="6834451" cy="6887718"/>
           </a:xfrm>
           <a:prstGeom prst="bentConnector2">
@@ -6360,7 +6360,7 @@
         </p:nvSpPr>
         <p:spPr>
           <a:xfrm>
-            <a:off x="1073890" y="8411205"/>
+            <a:off x="3359896" y="10125711"/>
             <a:ext cx="2090057" cy="1154397"/>
           </a:xfrm>
           <a:prstGeom prst="flowChartDecision">
@@ -6389,7 +6389,7 @@
           <a:p>
             <a:pPr algn="ctr"/>
             <a:r>
-              <a:rPr lang="en-US" dirty="0"/>
+              <a:rPr lang="en-US" sz="3240" dirty="0"/>
               <a:t>Number &lt; # of threads?</a:t>
             </a:r>
           </a:p>
@@ -6409,7 +6409,7 @@
         </p:nvSpPr>
         <p:spPr>
           <a:xfrm>
-            <a:off x="9006636" y="6972299"/>
+            <a:off x="11292642" y="8686805"/>
             <a:ext cx="2090057" cy="576203"/>
           </a:xfrm>
           <a:prstGeom prst="flowChartOffpageConnector">
@@ -6438,7 +6438,7 @@
           <a:p>
             <a:pPr algn="ctr"/>
             <a:r>
-              <a:rPr lang="en-US" dirty="0"/>
+              <a:rPr lang="en-US" sz="3240" dirty="0"/>
               <a:t>Add 1 to indicate finished sensing</a:t>
             </a:r>
           </a:p>
@@ -6461,7 +6461,7 @@
         </p:nvCxnSpPr>
         <p:spPr>
           <a:xfrm rot="16200000" flipH="1">
-            <a:off x="5308232" y="3561997"/>
+            <a:off x="7594232" y="5276497"/>
             <a:ext cx="509088" cy="6887718"/>
           </a:xfrm>
           <a:prstGeom prst="bentConnector2">
@@ -6504,7 +6504,7 @@
         </p:nvCxnSpPr>
         <p:spPr>
           <a:xfrm rot="5400000">
-            <a:off x="5653941" y="4013479"/>
+            <a:off x="7939947" y="5727979"/>
             <a:ext cx="862703" cy="7932746"/>
           </a:xfrm>
           <a:prstGeom prst="bentConnector3">
@@ -6547,7 +6547,7 @@
         </p:nvCxnSpPr>
         <p:spPr>
           <a:xfrm rot="16200000" flipH="1">
-            <a:off x="1827299" y="771991"/>
+            <a:off x="4113305" y="2486497"/>
             <a:ext cx="583241" cy="1"/>
           </a:xfrm>
           <a:prstGeom prst="bentConnector3">
@@ -6589,7 +6589,7 @@
         </p:nvCxnSpPr>
         <p:spPr>
           <a:xfrm rot="5400000">
-            <a:off x="1830334" y="1871717"/>
+            <a:off x="4116334" y="3586222"/>
             <a:ext cx="577170" cy="1"/>
           </a:xfrm>
           <a:prstGeom prst="bentConnector3">
@@ -6631,7 +6631,7 @@
         </p:nvCxnSpPr>
         <p:spPr>
           <a:xfrm rot="16200000" flipH="1">
-            <a:off x="1827795" y="3605822"/>
+            <a:off x="4113801" y="5320327"/>
             <a:ext cx="582249" cy="1"/>
           </a:xfrm>
           <a:prstGeom prst="bentConnector3">
@@ -6673,7 +6673,7 @@
         </p:nvCxnSpPr>
         <p:spPr>
           <a:xfrm rot="5400000">
-            <a:off x="1528695" y="5641567"/>
+            <a:off x="3814701" y="7356067"/>
             <a:ext cx="1180449" cy="2"/>
           </a:xfrm>
           <a:prstGeom prst="bentConnector3">
@@ -6712,7 +6712,7 @@
         </p:nvSpPr>
         <p:spPr>
           <a:xfrm>
-            <a:off x="9006634" y="8667894"/>
+            <a:off x="11292640" y="10382400"/>
             <a:ext cx="2090057" cy="641017"/>
           </a:xfrm>
           <a:prstGeom prst="flowChartOffpageConnector">
@@ -6741,7 +6741,7 @@
           <a:p>
             <a:pPr algn="ctr"/>
             <a:r>
-              <a:rPr lang="en-US" dirty="0"/>
+              <a:rPr lang="en-US" sz="3240" dirty="0"/>
               <a:t>Output 0</a:t>
             </a:r>
           </a:p>
@@ -6761,7 +6761,7 @@
         </p:nvSpPr>
         <p:spPr>
           <a:xfrm>
-            <a:off x="5040263" y="10096503"/>
+            <a:off x="7326269" y="11811009"/>
             <a:ext cx="2090057" cy="718457"/>
           </a:xfrm>
           <a:prstGeom prst="flowChartInputOutput">
@@ -6790,7 +6790,7 @@
           <a:p>
             <a:pPr algn="ctr"/>
             <a:r>
-              <a:rPr lang="en-US" dirty="0"/>
+              <a:rPr lang="en-US" sz="3240" dirty="0"/>
               <a:t>END</a:t>
             </a:r>
           </a:p>
@@ -6813,7 +6813,7 @@
         </p:nvCxnSpPr>
         <p:spPr>
           <a:xfrm flipV="1">
-            <a:off x="3163947" y="8988403"/>
+            <a:off x="5449953" y="10702908"/>
             <a:ext cx="5842687" cy="1"/>
           </a:xfrm>
           <a:prstGeom prst="bentConnector3">
@@ -6859,7 +6859,7 @@
         </p:nvCxnSpPr>
         <p:spPr>
           <a:xfrm>
-            <a:off x="3163946" y="8988404"/>
+            <a:off x="5449946" y="10702909"/>
             <a:ext cx="3130350" cy="1108099"/>
           </a:xfrm>
           <a:prstGeom prst="bentConnector2">
@@ -6901,7 +6901,7 @@
         </p:nvSpPr>
         <p:spPr>
           <a:xfrm>
-            <a:off x="1073889" y="10142800"/>
+            <a:off x="3359895" y="11857306"/>
             <a:ext cx="2090057" cy="519519"/>
           </a:xfrm>
           <a:prstGeom prst="flowChartProcess">
@@ -6930,7 +6930,7 @@
           <a:p>
             <a:pPr algn="ctr"/>
             <a:r>
-              <a:rPr lang="en-US" dirty="0"/>
+              <a:rPr lang="en-US" sz="3240" dirty="0"/>
               <a:t>Read time queue</a:t>
             </a:r>
           </a:p>
@@ -6953,7 +6953,7 @@
         </p:nvCxnSpPr>
         <p:spPr>
           <a:xfrm rot="5400000">
-            <a:off x="1830319" y="9854201"/>
+            <a:off x="4116319" y="11568707"/>
             <a:ext cx="577198" cy="1"/>
           </a:xfrm>
           <a:prstGeom prst="bentConnector3">
@@ -6998,7 +6998,7 @@
         </p:nvCxnSpPr>
         <p:spPr>
           <a:xfrm rot="5400000" flipH="1">
-            <a:off x="759446" y="9302847"/>
+            <a:off x="3045452" y="11017347"/>
             <a:ext cx="1673915" cy="1045028"/>
           </a:xfrm>
           <a:prstGeom prst="bentConnector4">
@@ -7043,7 +7043,7 @@
         </p:nvCxnSpPr>
         <p:spPr>
           <a:xfrm rot="16200000" flipH="1">
-            <a:off x="5466741" y="1036792"/>
+            <a:off x="7752747" y="2751298"/>
             <a:ext cx="2759889" cy="507"/>
           </a:xfrm>
           <a:prstGeom prst="bentConnector3">
@@ -7083,7 +7083,7 @@
         </p:nvSpPr>
         <p:spPr>
           <a:xfrm>
-            <a:off x="15211648" y="-39148"/>
+            <a:off x="17497653" y="1675356"/>
             <a:ext cx="2090057" cy="519519"/>
           </a:xfrm>
           <a:prstGeom prst="flowChartProcess">
@@ -7112,7 +7112,7 @@
           <a:p>
             <a:pPr algn="ctr"/>
             <a:r>
-              <a:rPr lang="en-US" dirty="0"/>
+              <a:rPr lang="en-US" sz="3240" dirty="0"/>
               <a:t>Start Thread 1</a:t>
             </a:r>
           </a:p>
@@ -7132,7 +7132,7 @@
         </p:nvSpPr>
         <p:spPr>
           <a:xfrm>
-            <a:off x="15211649" y="1063613"/>
+            <a:off x="17497655" y="2778118"/>
             <a:ext cx="2090057" cy="519519"/>
           </a:xfrm>
           <a:prstGeom prst="flowChartProcess">
@@ -7161,7 +7161,7 @@
           <a:p>
             <a:pPr algn="ctr"/>
             <a:r>
-              <a:rPr lang="en-US" dirty="0"/>
+              <a:rPr lang="en-US" sz="3240" dirty="0"/>
               <a:t>Read sensor signal</a:t>
             </a:r>
           </a:p>
@@ -7181,7 +7181,7 @@
         </p:nvSpPr>
         <p:spPr>
           <a:xfrm>
-            <a:off x="15211648" y="2160302"/>
+            <a:off x="17497654" y="3874808"/>
             <a:ext cx="2090057" cy="1154397"/>
           </a:xfrm>
           <a:prstGeom prst="flowChartDecision">
@@ -7210,7 +7210,7 @@
           <a:p>
             <a:pPr algn="ctr"/>
             <a:r>
-              <a:rPr lang="en-US" dirty="0"/>
+              <a:rPr lang="en-US" sz="3240" dirty="0"/>
               <a:t>Did it ping vole 1?</a:t>
             </a:r>
           </a:p>
@@ -7230,7 +7230,7 @@
         </p:nvSpPr>
         <p:spPr>
           <a:xfrm>
-            <a:off x="15211646" y="3891869"/>
+            <a:off x="17497652" y="5606375"/>
             <a:ext cx="2090057" cy="1154397"/>
           </a:xfrm>
           <a:prstGeom prst="flowChartDecision">
@@ -7259,7 +7259,7 @@
           <a:p>
             <a:pPr algn="ctr"/>
             <a:r>
-              <a:rPr lang="en-US" dirty="0"/>
+              <a:rPr lang="en-US" sz="3240" dirty="0"/>
               <a:t>Did it ping vole 2?</a:t>
             </a:r>
           </a:p>
@@ -7279,7 +7279,7 @@
         </p:nvSpPr>
         <p:spPr>
           <a:xfrm>
-            <a:off x="15211647" y="6231794"/>
+            <a:off x="17497653" y="7946299"/>
             <a:ext cx="2090057" cy="519519"/>
           </a:xfrm>
           <a:prstGeom prst="flowChartProcess">
@@ -7308,7 +7308,7 @@
           <a:p>
             <a:pPr algn="ctr"/>
             <a:r>
-              <a:rPr lang="en-US" dirty="0"/>
+              <a:rPr lang="en-US" sz="3240" dirty="0"/>
               <a:t>Read time queue</a:t>
             </a:r>
           </a:p>
@@ -7328,7 +7328,7 @@
         </p:nvSpPr>
         <p:spPr>
           <a:xfrm>
-            <a:off x="15211648" y="8411205"/>
+            <a:off x="17497654" y="10125711"/>
             <a:ext cx="2090057" cy="1154397"/>
           </a:xfrm>
           <a:prstGeom prst="flowChartDecision">
@@ -7357,7 +7357,7 @@
           <a:p>
             <a:pPr algn="ctr"/>
             <a:r>
-              <a:rPr lang="en-US" dirty="0"/>
+              <a:rPr lang="en-US" sz="3240" dirty="0"/>
               <a:t>Number &lt; # of threads?</a:t>
             </a:r>
           </a:p>
@@ -7380,7 +7380,7 @@
         </p:nvCxnSpPr>
         <p:spPr>
           <a:xfrm rot="16200000" flipH="1">
-            <a:off x="15965057" y="771991"/>
+            <a:off x="18251062" y="2486497"/>
             <a:ext cx="583241" cy="1"/>
           </a:xfrm>
           <a:prstGeom prst="bentConnector3">
@@ -7422,7 +7422,7 @@
         </p:nvCxnSpPr>
         <p:spPr>
           <a:xfrm rot="5400000">
-            <a:off x="15968092" y="1871717"/>
+            <a:off x="18254092" y="3586222"/>
             <a:ext cx="577170" cy="1"/>
           </a:xfrm>
           <a:prstGeom prst="bentConnector3">
@@ -7464,7 +7464,7 @@
         </p:nvCxnSpPr>
         <p:spPr>
           <a:xfrm rot="5400000">
-            <a:off x="15968090" y="3603282"/>
+            <a:off x="18254090" y="5317782"/>
             <a:ext cx="577170" cy="2"/>
           </a:xfrm>
           <a:prstGeom prst="bentConnector3">
@@ -7506,7 +7506,7 @@
         </p:nvCxnSpPr>
         <p:spPr>
           <a:xfrm rot="16200000" flipH="1">
-            <a:off x="15663910" y="5639029"/>
+            <a:off x="17949910" y="7353535"/>
             <a:ext cx="1185528" cy="1"/>
           </a:xfrm>
           <a:prstGeom prst="bentConnector3">
@@ -7545,7 +7545,7 @@
         </p:nvSpPr>
         <p:spPr>
           <a:xfrm>
-            <a:off x="15211647" y="10142800"/>
+            <a:off x="17497653" y="11857306"/>
             <a:ext cx="2090057" cy="519519"/>
           </a:xfrm>
           <a:prstGeom prst="flowChartProcess">
@@ -7574,7 +7574,7 @@
           <a:p>
             <a:pPr algn="ctr"/>
             <a:r>
-              <a:rPr lang="en-US" dirty="0"/>
+              <a:rPr lang="en-US" sz="3240" dirty="0"/>
               <a:t>Read time queue</a:t>
             </a:r>
           </a:p>
@@ -7597,7 +7597,7 @@
         </p:nvCxnSpPr>
         <p:spPr>
           <a:xfrm rot="5400000">
-            <a:off x="15968077" y="9854201"/>
+            <a:off x="18254077" y="11568707"/>
             <a:ext cx="577198" cy="1"/>
           </a:xfrm>
           <a:prstGeom prst="bentConnector3">
@@ -7642,7 +7642,7 @@
         </p:nvCxnSpPr>
         <p:spPr>
           <a:xfrm rot="10800000">
-            <a:off x="7891968" y="2737501"/>
+            <a:off x="10177973" y="4452007"/>
             <a:ext cx="7319681" cy="1"/>
           </a:xfrm>
           <a:prstGeom prst="bentConnector3">
@@ -7688,7 +7688,7 @@
         </p:nvCxnSpPr>
         <p:spPr>
           <a:xfrm rot="10800000">
-            <a:off x="7891462" y="4468548"/>
+            <a:off x="10177468" y="6183053"/>
             <a:ext cx="7320185" cy="521"/>
           </a:xfrm>
           <a:prstGeom prst="bentConnector3">
@@ -7734,7 +7734,7 @@
         </p:nvCxnSpPr>
         <p:spPr>
           <a:xfrm rot="16200000" flipH="1">
-            <a:off x="9214430" y="494336"/>
+            <a:off x="11500436" y="2208842"/>
             <a:ext cx="6834451" cy="5159983"/>
           </a:xfrm>
           <a:prstGeom prst="bentConnector2">
@@ -7777,7 +7777,7 @@
         </p:nvCxnSpPr>
         <p:spPr>
           <a:xfrm rot="5400000">
-            <a:off x="13422140" y="4425866"/>
+            <a:off x="15708140" y="6140372"/>
             <a:ext cx="509088" cy="5159983"/>
           </a:xfrm>
           <a:prstGeom prst="bentConnector2">
@@ -7820,7 +7820,7 @@
         </p:nvCxnSpPr>
         <p:spPr>
           <a:xfrm rot="16200000" flipH="1">
-            <a:off x="12722820" y="4877346"/>
+            <a:off x="15008826" y="6591846"/>
             <a:ext cx="862703" cy="6205012"/>
           </a:xfrm>
           <a:prstGeom prst="bentConnector3">
@@ -7866,7 +7866,7 @@
         </p:nvCxnSpPr>
         <p:spPr>
           <a:xfrm rot="5400000" flipH="1" flipV="1">
-            <a:off x="15942232" y="9302847"/>
+            <a:off x="18228238" y="11017353"/>
             <a:ext cx="1673915" cy="1045029"/>
           </a:xfrm>
           <a:prstGeom prst="bentConnector4">
@@ -7911,7 +7911,7 @@
         </p:nvCxnSpPr>
         <p:spPr>
           <a:xfrm rot="10800000">
-            <a:off x="11096692" y="8988404"/>
+            <a:off x="13382698" y="10702910"/>
             <a:ext cx="4114957" cy="1"/>
           </a:xfrm>
           <a:prstGeom prst="bentConnector3">
@@ -7954,7 +7954,7 @@
         </p:nvSpPr>
         <p:spPr>
           <a:xfrm>
-            <a:off x="11245273" y="10043330"/>
+            <a:off x="13531279" y="11757836"/>
             <a:ext cx="2090057" cy="718457"/>
           </a:xfrm>
           <a:prstGeom prst="flowChartInputOutput">
@@ -7983,7 +7983,7 @@
           <a:p>
             <a:pPr algn="ctr"/>
             <a:r>
-              <a:rPr lang="en-US" dirty="0"/>
+              <a:rPr lang="en-US" sz="3240" dirty="0"/>
               <a:t>END</a:t>
             </a:r>
           </a:p>
@@ -8006,7 +8006,7 @@
         </p:nvCxnSpPr>
         <p:spPr>
           <a:xfrm rot="10800000" flipV="1">
-            <a:off x="12499308" y="8988403"/>
+            <a:off x="14785313" y="10702903"/>
             <a:ext cx="2712341" cy="1054926"/>
           </a:xfrm>
           <a:prstGeom prst="bentConnector2">
@@ -8078,8 +8078,8 @@
         </p:nvSpPr>
         <p:spPr>
           <a:xfrm>
-            <a:off x="-1163782" y="-2379518"/>
-            <a:ext cx="20615564" cy="11035145"/>
+            <a:off x="2751859" y="2331032"/>
+            <a:ext cx="17356282" cy="6325265"/>
           </a:xfrm>
           <a:prstGeom prst="roundRect">
             <a:avLst/>
@@ -8132,13 +8132,18 @@
         </p:nvSpPr>
         <p:spPr>
           <a:xfrm>
-            <a:off x="-540328" y="-1859973"/>
-            <a:ext cx="4468092" cy="1200329"/>
+            <a:off x="3107326" y="2760174"/>
+            <a:ext cx="3761695" cy="1446550"/>
           </a:xfrm>
           <a:prstGeom prst="rect">
             <a:avLst/>
           </a:prstGeom>
           <a:noFill/>
+          <a:ln cap="rnd" cmpd="sng">
+            <a:solidFill>
+              <a:schemeClr val="tx1"/>
+            </a:solidFill>
+          </a:ln>
         </p:spPr>
         <p:txBody>
           <a:bodyPr wrap="square" rtlCol="0">
@@ -8147,23 +8152,23 @@
           <a:lstStyle/>
           <a:p>
             <a:r>
-              <a:rPr lang="en-US" sz="2400" b="1" dirty="0"/>
+              <a:rPr lang="en-US" sz="2200" b="1" dirty="0"/>
               <a:t>MODE 1: </a:t>
             </a:r>
             <a:r>
-              <a:rPr lang="en-US" sz="2400" dirty="0"/>
+              <a:rPr lang="en-US" sz="2200" dirty="0"/>
               <a:t>Listening for lever press,</a:t>
             </a:r>
           </a:p>
           <a:p>
             <a:r>
-              <a:rPr lang="en-US" sz="2400" dirty="0"/>
+              <a:rPr lang="en-US" sz="2200" dirty="0"/>
               <a:t>Animals in separate cages, </a:t>
             </a:r>
           </a:p>
           <a:p>
             <a:r>
-              <a:rPr lang="en-US" sz="2400" dirty="0"/>
+              <a:rPr lang="en-US" sz="2200" dirty="0"/>
               <a:t>Door to test animal is closed</a:t>
             </a:r>
           </a:p>
@@ -8183,8 +8188,8 @@
         </p:nvSpPr>
         <p:spPr>
           <a:xfrm>
-            <a:off x="-1163781" y="11170227"/>
-            <a:ext cx="20615564" cy="1433946"/>
+            <a:off x="2751859" y="10641445"/>
+            <a:ext cx="17356282" cy="743528"/>
           </a:xfrm>
           <a:prstGeom prst="roundRect">
             <a:avLst/>
@@ -8241,8 +8246,8 @@
         </p:nvSpPr>
         <p:spPr>
           <a:xfrm>
-            <a:off x="3699164" y="-883227"/>
-            <a:ext cx="15129164" cy="9019309"/>
+            <a:off x="7113432" y="3210330"/>
+            <a:ext cx="12737272" cy="5201420"/>
           </a:xfrm>
           <a:prstGeom prst="roundRect">
             <a:avLst/>
@@ -8274,7 +8279,7 @@
           <a:lstStyle/>
           <a:p>
             <a:pPr algn="ctr"/>
-            <a:endParaRPr lang="en-US"/>
+            <a:endParaRPr lang="en-US" sz="3240"/>
           </a:p>
         </p:txBody>
       </p:sp>
@@ -8292,13 +8297,18 @@
         </p:nvSpPr>
         <p:spPr>
           <a:xfrm>
-            <a:off x="4114800" y="-446809"/>
-            <a:ext cx="5216236" cy="1200329"/>
+            <a:off x="7508802" y="3586045"/>
+            <a:ext cx="4391559" cy="1446550"/>
           </a:xfrm>
           <a:prstGeom prst="rect">
             <a:avLst/>
           </a:prstGeom>
           <a:noFill/>
+          <a:ln>
+            <a:solidFill>
+              <a:schemeClr val="tx1"/>
+            </a:solidFill>
+          </a:ln>
         </p:spPr>
         <p:txBody>
           <a:bodyPr wrap="square" rtlCol="0">
@@ -8307,23 +8317,23 @@
           <a:lstStyle/>
           <a:p>
             <a:r>
-              <a:rPr lang="en-US" sz="2400" b="1" dirty="0"/>
+              <a:rPr lang="en-US" sz="2200" b="1" dirty="0"/>
               <a:t>MODE 2: </a:t>
             </a:r>
             <a:r>
-              <a:rPr lang="en-US" sz="2400" dirty="0"/>
+              <a:rPr lang="en-US" sz="2200" dirty="0"/>
               <a:t>Animal moving between cages,</a:t>
             </a:r>
           </a:p>
           <a:p>
             <a:r>
-              <a:rPr lang="en-US" sz="2400" dirty="0"/>
+              <a:rPr lang="en-US" sz="2200" dirty="0"/>
               <a:t>Door to large cage is in transition,</a:t>
             </a:r>
           </a:p>
           <a:p>
             <a:r>
-              <a:rPr lang="en-US" sz="2400" dirty="0"/>
+              <a:rPr lang="en-US" sz="2200" dirty="0"/>
               <a:t>State determined by RFID</a:t>
             </a:r>
           </a:p>
@@ -8343,8 +8353,8 @@
         </p:nvSpPr>
         <p:spPr>
           <a:xfrm>
-            <a:off x="-1163782" y="9175172"/>
-            <a:ext cx="20615564" cy="1433946"/>
+            <a:off x="2751859" y="9155278"/>
+            <a:ext cx="17356282" cy="743528"/>
           </a:xfrm>
           <a:prstGeom prst="roundRect">
             <a:avLst/>
@@ -8387,69 +8397,32 @@
           </a:p>
         </p:txBody>
       </p:sp>
-      <p:cxnSp>
-        <p:nvCxnSpPr>
-          <p:cNvPr id="11" name="Straight Arrow Connector 10">
-            <a:extLst>
-              <a:ext uri="{FF2B5EF4-FFF2-40B4-BE49-F238E27FC236}">
-                <a16:creationId xmlns:a16="http://schemas.microsoft.com/office/drawing/2014/main" id="{35E31CBD-19FC-4145-A50A-EBE3B8FFBC0D}"/>
-              </a:ext>
-            </a:extLst>
-          </p:cNvPr>
-          <p:cNvCxnSpPr/>
-          <p:nvPr/>
-        </p:nvCxnSpPr>
+      <p:sp>
+        <p:nvSpPr>
+          <p:cNvPr id="12" name="TextBox 11">
+            <a:extLst>
+              <a:ext uri="{FF2B5EF4-FFF2-40B4-BE49-F238E27FC236}">
+                <a16:creationId xmlns:a16="http://schemas.microsoft.com/office/drawing/2014/main" id="{CD50824B-D7A1-4A78-B3FB-61F110C75C37}"/>
+              </a:ext>
+            </a:extLst>
+          </p:cNvPr>
+          <p:cNvSpPr txBox="1"/>
+          <p:nvPr/>
+        </p:nvSpPr>
         <p:spPr>
           <a:xfrm>
-            <a:off x="-83127" y="153355"/>
-            <a:ext cx="3782291" cy="0"/>
-          </a:xfrm>
-          <a:prstGeom prst="straightConnector1">
-            <a:avLst/>
-          </a:prstGeom>
-          <a:ln w="76200">
+            <a:off x="3107326" y="4966178"/>
+            <a:ext cx="2921873" cy="769441"/>
+          </a:xfrm>
+          <a:prstGeom prst="rect">
+            <a:avLst/>
+          </a:prstGeom>
+          <a:noFill/>
+          <a:ln>
             <a:solidFill>
               <a:schemeClr val="tx1"/>
             </a:solidFill>
-            <a:tailEnd type="triangle"/>
           </a:ln>
-        </p:spPr>
-        <p:style>
-          <a:lnRef idx="1">
-            <a:schemeClr val="accent1"/>
-          </a:lnRef>
-          <a:fillRef idx="0">
-            <a:schemeClr val="accent1"/>
-          </a:fillRef>
-          <a:effectRef idx="0">
-            <a:schemeClr val="accent1"/>
-          </a:effectRef>
-          <a:fontRef idx="minor">
-            <a:schemeClr val="tx1"/>
-          </a:fontRef>
-        </p:style>
-      </p:cxnSp>
-      <p:sp>
-        <p:nvSpPr>
-          <p:cNvPr id="12" name="TextBox 11">
-            <a:extLst>
-              <a:ext uri="{FF2B5EF4-FFF2-40B4-BE49-F238E27FC236}">
-                <a16:creationId xmlns:a16="http://schemas.microsoft.com/office/drawing/2014/main" id="{CD50824B-D7A1-4A78-B3FB-61F110C75C37}"/>
-              </a:ext>
-            </a:extLst>
-          </p:cNvPr>
-          <p:cNvSpPr txBox="1"/>
-          <p:nvPr/>
-        </p:nvSpPr>
-        <p:spPr>
-          <a:xfrm>
-            <a:off x="-83127" y="363683"/>
-            <a:ext cx="3470563" cy="830997"/>
-          </a:xfrm>
-          <a:prstGeom prst="rect">
-            <a:avLst/>
-          </a:prstGeom>
-          <a:noFill/>
         </p:spPr>
         <p:txBody>
           <a:bodyPr wrap="square" rtlCol="0">
@@ -8458,101 +8431,12 @@
           <a:lstStyle/>
           <a:p>
             <a:r>
-              <a:rPr lang="en-US" sz="2400" dirty="0"/>
+              <a:rPr lang="en-US" sz="2200" dirty="0"/>
               <a:t>Lever press moves to next mode</a:t>
             </a:r>
           </a:p>
         </p:txBody>
       </p:sp>
-      <p:cxnSp>
-        <p:nvCxnSpPr>
-          <p:cNvPr id="16" name="Straight Arrow Connector 15">
-            <a:extLst>
-              <a:ext uri="{FF2B5EF4-FFF2-40B4-BE49-F238E27FC236}">
-                <a16:creationId xmlns:a16="http://schemas.microsoft.com/office/drawing/2014/main" id="{ACB8F577-EA57-4FA1-88EB-DA84DA631EB6}"/>
-              </a:ext>
-            </a:extLst>
-          </p:cNvPr>
-          <p:cNvCxnSpPr>
-            <a:cxnSpLocks/>
-          </p:cNvCxnSpPr>
-          <p:nvPr/>
-        </p:nvCxnSpPr>
-        <p:spPr>
-          <a:xfrm flipV="1">
-            <a:off x="5320142" y="3658234"/>
-            <a:ext cx="0" cy="5766323"/>
-          </a:xfrm>
-          <a:prstGeom prst="straightConnector1">
-            <a:avLst/>
-          </a:prstGeom>
-          <a:ln w="76200">
-            <a:solidFill>
-              <a:schemeClr val="tx1"/>
-            </a:solidFill>
-            <a:prstDash val="sysDot"/>
-            <a:tailEnd type="triangle"/>
-          </a:ln>
-        </p:spPr>
-        <p:style>
-          <a:lnRef idx="1">
-            <a:schemeClr val="accent1"/>
-          </a:lnRef>
-          <a:fillRef idx="0">
-            <a:schemeClr val="accent1"/>
-          </a:fillRef>
-          <a:effectRef idx="0">
-            <a:schemeClr val="accent1"/>
-          </a:effectRef>
-          <a:fontRef idx="minor">
-            <a:schemeClr val="tx1"/>
-          </a:fontRef>
-        </p:style>
-      </p:cxnSp>
-      <p:cxnSp>
-        <p:nvCxnSpPr>
-          <p:cNvPr id="17" name="Straight Arrow Connector 16">
-            <a:extLst>
-              <a:ext uri="{FF2B5EF4-FFF2-40B4-BE49-F238E27FC236}">
-                <a16:creationId xmlns:a16="http://schemas.microsoft.com/office/drawing/2014/main" id="{2E996F10-75EC-4128-A5D5-42DE64E353EE}"/>
-              </a:ext>
-            </a:extLst>
-          </p:cNvPr>
-          <p:cNvCxnSpPr>
-            <a:cxnSpLocks/>
-          </p:cNvCxnSpPr>
-          <p:nvPr/>
-        </p:nvCxnSpPr>
-        <p:spPr>
-          <a:xfrm>
-            <a:off x="7689277" y="1857189"/>
-            <a:ext cx="2286000" cy="0"/>
-          </a:xfrm>
-          <a:prstGeom prst="straightConnector1">
-            <a:avLst/>
-          </a:prstGeom>
-          <a:ln w="76200">
-            <a:solidFill>
-              <a:schemeClr val="tx1"/>
-            </a:solidFill>
-            <a:tailEnd type="triangle"/>
-          </a:ln>
-        </p:spPr>
-        <p:style>
-          <a:lnRef idx="1">
-            <a:schemeClr val="accent1"/>
-          </a:lnRef>
-          <a:fillRef idx="0">
-            <a:schemeClr val="accent1"/>
-          </a:fillRef>
-          <a:effectRef idx="0">
-            <a:schemeClr val="accent1"/>
-          </a:effectRef>
-          <a:fontRef idx="minor">
-            <a:schemeClr val="tx1"/>
-          </a:fontRef>
-        </p:style>
-      </p:cxnSp>
       <p:sp>
         <p:nvSpPr>
           <p:cNvPr id="18" name="Rectangle: Rounded Corners 17">
@@ -8567,15 +8451,15 @@
         </p:nvSpPr>
         <p:spPr>
           <a:xfrm>
-            <a:off x="10099958" y="753520"/>
-            <a:ext cx="8063250" cy="6925362"/>
+            <a:off x="12757355" y="4691681"/>
+            <a:ext cx="6788465" cy="3490155"/>
           </a:xfrm>
           <a:prstGeom prst="roundRect">
             <a:avLst/>
           </a:prstGeom>
           <a:solidFill>
             <a:srgbClr val="8C3FC5">
-              <a:alpha val="80000"/>
+              <a:alpha val="85000"/>
             </a:srgbClr>
           </a:solidFill>
         </p:spPr>
@@ -8600,7 +8484,7 @@
           <a:lstStyle/>
           <a:p>
             <a:pPr algn="ctr"/>
-            <a:endParaRPr lang="en-US"/>
+            <a:endParaRPr lang="en-US" sz="3240"/>
           </a:p>
         </p:txBody>
       </p:sp>
@@ -8618,13 +8502,18 @@
         </p:nvSpPr>
         <p:spPr>
           <a:xfrm>
-            <a:off x="10411692" y="1194680"/>
-            <a:ext cx="4759036" cy="1200329"/>
+            <a:off x="13158302" y="4933546"/>
+            <a:ext cx="4006641" cy="1446550"/>
           </a:xfrm>
           <a:prstGeom prst="rect">
             <a:avLst/>
           </a:prstGeom>
           <a:noFill/>
+          <a:ln>
+            <a:solidFill>
+              <a:schemeClr val="tx1"/>
+            </a:solidFill>
+          </a:ln>
         </p:spPr>
         <p:txBody>
           <a:bodyPr wrap="square" rtlCol="0">
@@ -8633,23 +8522,23 @@
           <a:lstStyle/>
           <a:p>
             <a:r>
-              <a:rPr lang="en-US" sz="2400" b="1" dirty="0"/>
+              <a:rPr lang="en-US" sz="2200" b="1" dirty="0"/>
               <a:t>MODE 3: </a:t>
             </a:r>
             <a:r>
-              <a:rPr lang="en-US" sz="2400" dirty="0"/>
+              <a:rPr lang="en-US" sz="2200" dirty="0"/>
               <a:t>Animals are in same cage,</a:t>
             </a:r>
           </a:p>
           <a:p>
             <a:r>
-              <a:rPr lang="en-US" sz="2400" dirty="0"/>
+              <a:rPr lang="en-US" sz="2200" dirty="0"/>
               <a:t>All doors are open,</a:t>
             </a:r>
           </a:p>
           <a:p>
             <a:r>
-              <a:rPr lang="en-US" sz="2400" dirty="0"/>
+              <a:rPr lang="en-US" sz="2200" dirty="0"/>
               <a:t>Monitoring RFID movement</a:t>
             </a:r>
           </a:p>
@@ -8669,13 +8558,18 @@
         </p:nvSpPr>
         <p:spPr>
           <a:xfrm>
-            <a:off x="7689278" y="2088573"/>
-            <a:ext cx="2285997" cy="1569660"/>
+            <a:off x="13323225" y="6674419"/>
+            <a:ext cx="2988738" cy="1107996"/>
           </a:xfrm>
           <a:prstGeom prst="rect">
             <a:avLst/>
           </a:prstGeom>
           <a:noFill/>
+          <a:ln>
+            <a:solidFill>
+              <a:schemeClr val="tx1"/>
+            </a:solidFill>
+          </a:ln>
         </p:spPr>
         <p:txBody>
           <a:bodyPr wrap="square" rtlCol="0">
@@ -8684,7 +8578,7 @@
           <a:lstStyle/>
           <a:p>
             <a:r>
-              <a:rPr lang="en-US" sz="2400" dirty="0"/>
+              <a:rPr lang="en-US" sz="2200" dirty="0"/>
               <a:t>Door closes when animal has successfully moved cages</a:t>
             </a:r>
           </a:p>
@@ -8692,65 +8586,24 @@
       </p:sp>
       <p:cxnSp>
         <p:nvCxnSpPr>
-          <p:cNvPr id="22" name="Straight Arrow Connector 21">
-            <a:extLst>
-              <a:ext uri="{FF2B5EF4-FFF2-40B4-BE49-F238E27FC236}">
-                <a16:creationId xmlns:a16="http://schemas.microsoft.com/office/drawing/2014/main" id="{4382EF0F-9B8B-4F2C-AD0F-8FE51C6D2948}"/>
+          <p:cNvPr id="25" name="Straight Arrow Connector 24">
+            <a:extLst>
+              <a:ext uri="{FF2B5EF4-FFF2-40B4-BE49-F238E27FC236}">
+                <a16:creationId xmlns:a16="http://schemas.microsoft.com/office/drawing/2014/main" id="{90F4F443-D018-4C6C-B441-53F4B5ECABF3}"/>
               </a:ext>
             </a:extLst>
           </p:cNvPr>
           <p:cNvCxnSpPr>
             <a:cxnSpLocks/>
+            <a:stCxn id="6" idx="0"/>
+            <a:endCxn id="9" idx="2"/>
           </p:cNvCxnSpPr>
           <p:nvPr/>
         </p:nvCxnSpPr>
         <p:spPr>
           <a:xfrm flipV="1">
-            <a:off x="15097986" y="5476009"/>
-            <a:ext cx="0" cy="3948548"/>
-          </a:xfrm>
-          <a:prstGeom prst="straightConnector1">
-            <a:avLst/>
-          </a:prstGeom>
-          <a:ln w="76200">
-            <a:solidFill>
-              <a:schemeClr val="tx1"/>
-            </a:solidFill>
-            <a:prstDash val="sysDot"/>
-            <a:tailEnd type="triangle"/>
-          </a:ln>
-        </p:spPr>
-        <p:style>
-          <a:lnRef idx="1">
-            <a:schemeClr val="accent1"/>
-          </a:lnRef>
-          <a:fillRef idx="0">
-            <a:schemeClr val="accent1"/>
-          </a:fillRef>
-          <a:effectRef idx="0">
-            <a:schemeClr val="accent1"/>
-          </a:effectRef>
-          <a:fontRef idx="minor">
-            <a:schemeClr val="tx1"/>
-          </a:fontRef>
-        </p:style>
-      </p:cxnSp>
-      <p:cxnSp>
-        <p:nvCxnSpPr>
-          <p:cNvPr id="25" name="Straight Arrow Connector 24">
-            <a:extLst>
-              <a:ext uri="{FF2B5EF4-FFF2-40B4-BE49-F238E27FC236}">
-                <a16:creationId xmlns:a16="http://schemas.microsoft.com/office/drawing/2014/main" id="{90F4F443-D018-4C6C-B441-53F4B5ECABF3}"/>
-              </a:ext>
-            </a:extLst>
-          </p:cNvPr>
-          <p:cNvCxnSpPr/>
-          <p:nvPr/>
-        </p:nvCxnSpPr>
-        <p:spPr>
-          <a:xfrm flipV="1">
-            <a:off x="9144000" y="10193482"/>
-            <a:ext cx="0" cy="1371600"/>
+            <a:off x="11430000" y="9898811"/>
+            <a:ext cx="0" cy="742639"/>
           </a:xfrm>
           <a:prstGeom prst="straightConnector1">
             <a:avLst/>
@@ -8792,8 +8645,8 @@
         </p:nvSpPr>
         <p:spPr>
           <a:xfrm>
-            <a:off x="4405846" y="1528099"/>
-            <a:ext cx="2951019" cy="1891144"/>
+            <a:off x="3208650" y="6738125"/>
+            <a:ext cx="2484468" cy="980593"/>
           </a:xfrm>
           <a:prstGeom prst="rect">
             <a:avLst/>
@@ -8844,8 +8697,8 @@
         </p:nvSpPr>
         <p:spPr>
           <a:xfrm>
-            <a:off x="14464143" y="3138054"/>
-            <a:ext cx="2951019" cy="1891144"/>
+            <a:off x="16668123" y="6813774"/>
+            <a:ext cx="2484468" cy="980593"/>
           </a:xfrm>
           <a:prstGeom prst="rect">
             <a:avLst/>
@@ -8882,33 +8735,156 @@
           </a:p>
         </p:txBody>
       </p:sp>
+      <p:sp>
+        <p:nvSpPr>
+          <p:cNvPr id="33" name="TextBox 32">
+            <a:extLst>
+              <a:ext uri="{FF2B5EF4-FFF2-40B4-BE49-F238E27FC236}">
+                <a16:creationId xmlns:a16="http://schemas.microsoft.com/office/drawing/2014/main" id="{7AE2D28E-FB3F-407C-BD2F-73B878C8C84D}"/>
+              </a:ext>
+            </a:extLst>
+          </p:cNvPr>
+          <p:cNvSpPr txBox="1"/>
+          <p:nvPr/>
+        </p:nvSpPr>
+        <p:spPr>
+          <a:xfrm>
+            <a:off x="17457805" y="4928073"/>
+            <a:ext cx="1592157" cy="1446550"/>
+          </a:xfrm>
+          <a:prstGeom prst="rect">
+            <a:avLst/>
+          </a:prstGeom>
+          <a:noFill/>
+          <a:ln>
+            <a:solidFill>
+              <a:schemeClr val="tx1"/>
+            </a:solidFill>
+          </a:ln>
+        </p:spPr>
+        <p:txBody>
+          <a:bodyPr wrap="square" rtlCol="0">
+            <a:spAutoFit/>
+          </a:bodyPr>
+          <a:lstStyle/>
+          <a:p>
+            <a:r>
+              <a:rPr lang="en-US" sz="2200" dirty="0"/>
+              <a:t>Exit when test animal exits large cage</a:t>
+            </a:r>
+          </a:p>
+        </p:txBody>
+      </p:sp>
+      <p:sp>
+        <p:nvSpPr>
+          <p:cNvPr id="40" name="TextBox 39">
+            <a:extLst>
+              <a:ext uri="{FF2B5EF4-FFF2-40B4-BE49-F238E27FC236}">
+                <a16:creationId xmlns:a16="http://schemas.microsoft.com/office/drawing/2014/main" id="{8AD1F944-4F63-40CE-99B0-FE37CC338055}"/>
+              </a:ext>
+            </a:extLst>
+          </p:cNvPr>
+          <p:cNvSpPr txBox="1"/>
+          <p:nvPr/>
+        </p:nvSpPr>
+        <p:spPr>
+          <a:xfrm>
+            <a:off x="13218979" y="3461005"/>
+            <a:ext cx="4828254" cy="430887"/>
+          </a:xfrm>
+          <a:prstGeom prst="rect">
+            <a:avLst/>
+          </a:prstGeom>
+          <a:noFill/>
+          <a:ln>
+            <a:solidFill>
+              <a:schemeClr val="tx1"/>
+            </a:solidFill>
+          </a:ln>
+        </p:spPr>
+        <p:txBody>
+          <a:bodyPr wrap="square" rtlCol="0">
+            <a:spAutoFit/>
+          </a:bodyPr>
+          <a:lstStyle/>
+          <a:p>
+            <a:r>
+              <a:rPr lang="en-US" sz="2200" dirty="0"/>
+              <a:t>Exit when animal moves to small cage </a:t>
+            </a:r>
+          </a:p>
+        </p:txBody>
+      </p:sp>
+      <p:sp>
+        <p:nvSpPr>
+          <p:cNvPr id="80" name="TextBox 79">
+            <a:extLst>
+              <a:ext uri="{FF2B5EF4-FFF2-40B4-BE49-F238E27FC236}">
+                <a16:creationId xmlns:a16="http://schemas.microsoft.com/office/drawing/2014/main" id="{4610F997-AFDD-4619-90E0-FDFC587A5664}"/>
+              </a:ext>
+            </a:extLst>
+          </p:cNvPr>
+          <p:cNvSpPr txBox="1"/>
+          <p:nvPr/>
+        </p:nvSpPr>
+        <p:spPr>
+          <a:xfrm>
+            <a:off x="8115389" y="6843700"/>
+            <a:ext cx="3429000" cy="769441"/>
+          </a:xfrm>
+          <a:prstGeom prst="rect">
+            <a:avLst/>
+          </a:prstGeom>
+          <a:noFill/>
+          <a:ln>
+            <a:solidFill>
+              <a:schemeClr val="tx1"/>
+            </a:solidFill>
+          </a:ln>
+        </p:spPr>
+        <p:txBody>
+          <a:bodyPr wrap="square" rtlCol="0">
+            <a:spAutoFit/>
+          </a:bodyPr>
+          <a:lstStyle/>
+          <a:p>
+            <a:r>
+              <a:rPr lang="en-US" sz="2200" dirty="0"/>
+              <a:t>Animal movement moves to next mode</a:t>
+            </a:r>
+          </a:p>
+        </p:txBody>
+      </p:sp>
       <p:cxnSp>
         <p:nvCxnSpPr>
-          <p:cNvPr id="31" name="Straight Arrow Connector 30">
-            <a:extLst>
-              <a:ext uri="{FF2B5EF4-FFF2-40B4-BE49-F238E27FC236}">
-                <a16:creationId xmlns:a16="http://schemas.microsoft.com/office/drawing/2014/main" id="{F82DA9B3-6FB8-46D2-8978-9DB544F76C0A}"/>
+          <p:cNvPr id="95" name="Connector: Elbow 94">
+            <a:extLst>
+              <a:ext uri="{FF2B5EF4-FFF2-40B4-BE49-F238E27FC236}">
+                <a16:creationId xmlns:a16="http://schemas.microsoft.com/office/drawing/2014/main" id="{8DB92E17-AB4B-438A-A7F1-C088801CDFE0}"/>
               </a:ext>
             </a:extLst>
           </p:cNvPr>
           <p:cNvCxnSpPr>
-            <a:cxnSpLocks/>
+            <a:stCxn id="9" idx="0"/>
+            <a:endCxn id="27" idx="2"/>
           </p:cNvCxnSpPr>
           <p:nvPr/>
         </p:nvCxnSpPr>
         <p:spPr>
-          <a:xfrm flipH="1" flipV="1">
-            <a:off x="15087598" y="153355"/>
-            <a:ext cx="20776" cy="2911966"/>
-          </a:xfrm>
-          <a:prstGeom prst="straightConnector1">
-            <a:avLst/>
+          <a:xfrm rot="16200000" flipV="1">
+            <a:off x="7222165" y="4947438"/>
+            <a:ext cx="1436565" cy="6979116"/>
+          </a:xfrm>
+          <a:prstGeom prst="bentConnector3">
+            <a:avLst>
+              <a:gd name="adj1" fmla="val 22152"/>
+            </a:avLst>
           </a:prstGeom>
           <a:ln w="76200">
             <a:solidFill>
               <a:schemeClr val="tx1"/>
             </a:solidFill>
-            <a:prstDash val="dash"/>
+            <a:prstDash val="sysDot"/>
             <a:tailEnd type="triangle"/>
           </a:ln>
         </p:spPr>
@@ -8927,68 +8903,36 @@
           </a:fontRef>
         </p:style>
       </p:cxnSp>
-      <p:sp>
-        <p:nvSpPr>
-          <p:cNvPr id="33" name="TextBox 32">
-            <a:extLst>
-              <a:ext uri="{FF2B5EF4-FFF2-40B4-BE49-F238E27FC236}">
-                <a16:creationId xmlns:a16="http://schemas.microsoft.com/office/drawing/2014/main" id="{7AE2D28E-FB3F-407C-BD2F-73B878C8C84D}"/>
-              </a:ext>
-            </a:extLst>
-          </p:cNvPr>
-          <p:cNvSpPr txBox="1"/>
-          <p:nvPr/>
-        </p:nvSpPr>
-        <p:spPr>
-          <a:xfrm>
-            <a:off x="15524019" y="1194679"/>
-            <a:ext cx="1891143" cy="1569660"/>
-          </a:xfrm>
-          <a:prstGeom prst="rect">
-            <a:avLst/>
-          </a:prstGeom>
-          <a:noFill/>
-        </p:spPr>
-        <p:txBody>
-          <a:bodyPr wrap="square" rtlCol="0">
-            <a:spAutoFit/>
-          </a:bodyPr>
-          <a:lstStyle/>
-          <a:p>
-            <a:r>
-              <a:rPr lang="en-US" sz="2400" dirty="0"/>
-              <a:t>Exit when test animal exits large cage</a:t>
-            </a:r>
-          </a:p>
-        </p:txBody>
-      </p:sp>
       <p:cxnSp>
         <p:nvCxnSpPr>
-          <p:cNvPr id="37" name="Connector: Elbow 36">
-            <a:extLst>
-              <a:ext uri="{FF2B5EF4-FFF2-40B4-BE49-F238E27FC236}">
-                <a16:creationId xmlns:a16="http://schemas.microsoft.com/office/drawing/2014/main" id="{F3381FF6-4FBB-4D4E-BB4C-11E22970B8ED}"/>
-              </a:ext>
-            </a:extLst>
-          </p:cNvPr>
-          <p:cNvCxnSpPr/>
+          <p:cNvPr id="98" name="Connector: Elbow 97">
+            <a:extLst>
+              <a:ext uri="{FF2B5EF4-FFF2-40B4-BE49-F238E27FC236}">
+                <a16:creationId xmlns:a16="http://schemas.microsoft.com/office/drawing/2014/main" id="{9E7FE7B8-E459-49D5-A54A-0B0E329F6C32}"/>
+              </a:ext>
+            </a:extLst>
+          </p:cNvPr>
+          <p:cNvCxnSpPr>
+            <a:stCxn id="9" idx="0"/>
+            <a:endCxn id="28" idx="2"/>
+          </p:cNvCxnSpPr>
           <p:nvPr/>
         </p:nvCxnSpPr>
         <p:spPr>
-          <a:xfrm rot="10800000">
-            <a:off x="4405847" y="-1631372"/>
-            <a:ext cx="5694113" cy="2161309"/>
+          <a:xfrm rot="5400000" flipH="1" flipV="1">
+            <a:off x="13989720" y="5234647"/>
+            <a:ext cx="1360916" cy="6480357"/>
           </a:xfrm>
           <a:prstGeom prst="bentConnector3">
             <a:avLst>
-              <a:gd name="adj1" fmla="val 729"/>
+              <a:gd name="adj1" fmla="val 23404"/>
             </a:avLst>
           </a:prstGeom>
           <a:ln w="76200">
             <a:solidFill>
               <a:schemeClr val="tx1"/>
             </a:solidFill>
-            <a:prstDash val="dash"/>
+            <a:prstDash val="sysDot"/>
             <a:tailEnd type="triangle"/>
           </a:ln>
         </p:spPr>
@@ -9007,41 +8951,236 @@
           </a:fontRef>
         </p:style>
       </p:cxnSp>
-      <p:sp>
-        <p:nvSpPr>
-          <p:cNvPr id="40" name="TextBox 39">
-            <a:extLst>
-              <a:ext uri="{FF2B5EF4-FFF2-40B4-BE49-F238E27FC236}">
-                <a16:creationId xmlns:a16="http://schemas.microsoft.com/office/drawing/2014/main" id="{8AD1F944-4F63-40CE-99B0-FE37CC338055}"/>
-              </a:ext>
-            </a:extLst>
-          </p:cNvPr>
-          <p:cNvSpPr txBox="1"/>
-          <p:nvPr/>
-        </p:nvSpPr>
+      <p:cxnSp>
+        <p:nvCxnSpPr>
+          <p:cNvPr id="101" name="Connector: Elbow 100">
+            <a:extLst>
+              <a:ext uri="{FF2B5EF4-FFF2-40B4-BE49-F238E27FC236}">
+                <a16:creationId xmlns:a16="http://schemas.microsoft.com/office/drawing/2014/main" id="{1582FEC0-1E30-4A3F-A18B-905A6BF01F05}"/>
+              </a:ext>
+            </a:extLst>
+          </p:cNvPr>
+          <p:cNvCxnSpPr>
+            <a:cxnSpLocks/>
+            <a:stCxn id="12" idx="3"/>
+            <a:endCxn id="8" idx="2"/>
+          </p:cNvCxnSpPr>
+          <p:nvPr/>
+        </p:nvCxnSpPr>
+        <p:spPr>
+          <a:xfrm flipV="1">
+            <a:off x="6029199" y="5032600"/>
+            <a:ext cx="3675383" cy="318299"/>
+          </a:xfrm>
+          <a:prstGeom prst="bentConnector2">
+            <a:avLst/>
+          </a:prstGeom>
+          <a:ln w="50800">
+            <a:solidFill>
+              <a:schemeClr val="tx1"/>
+            </a:solidFill>
+            <a:tailEnd type="triangle"/>
+          </a:ln>
+        </p:spPr>
+        <p:style>
+          <a:lnRef idx="1">
+            <a:schemeClr val="accent1"/>
+          </a:lnRef>
+          <a:fillRef idx="0">
+            <a:schemeClr val="accent1"/>
+          </a:fillRef>
+          <a:effectRef idx="0">
+            <a:schemeClr val="accent1"/>
+          </a:effectRef>
+          <a:fontRef idx="minor">
+            <a:schemeClr val="tx1"/>
+          </a:fontRef>
+        </p:style>
+      </p:cxnSp>
+      <p:cxnSp>
+        <p:nvCxnSpPr>
+          <p:cNvPr id="103" name="Connector: Elbow 102">
+            <a:extLst>
+              <a:ext uri="{FF2B5EF4-FFF2-40B4-BE49-F238E27FC236}">
+                <a16:creationId xmlns:a16="http://schemas.microsoft.com/office/drawing/2014/main" id="{949AA18E-10C1-460D-B677-C086B3985DC7}"/>
+              </a:ext>
+            </a:extLst>
+          </p:cNvPr>
+          <p:cNvCxnSpPr>
+            <a:stCxn id="80" idx="3"/>
+            <a:endCxn id="21" idx="1"/>
+          </p:cNvCxnSpPr>
+          <p:nvPr/>
+        </p:nvCxnSpPr>
         <p:spPr>
           <a:xfrm>
-            <a:off x="10411692" y="-659644"/>
-            <a:ext cx="3595250" cy="830997"/>
-          </a:xfrm>
-          <a:prstGeom prst="rect">
-            <a:avLst/>
-          </a:prstGeom>
-          <a:noFill/>
-        </p:spPr>
-        <p:txBody>
-          <a:bodyPr wrap="square" rtlCol="0">
-            <a:spAutoFit/>
-          </a:bodyPr>
-          <a:lstStyle/>
-          <a:p>
-            <a:r>
-              <a:rPr lang="en-US" sz="2400" dirty="0"/>
-              <a:t>Exit when animal moves to small cage </a:t>
-            </a:r>
-          </a:p>
-        </p:txBody>
-      </p:sp>
+            <a:off x="11544389" y="7228421"/>
+            <a:ext cx="1778836" cy="1"/>
+          </a:xfrm>
+          <a:prstGeom prst="bentConnector3">
+            <a:avLst/>
+          </a:prstGeom>
+          <a:ln w="50800">
+            <a:solidFill>
+              <a:schemeClr val="tx1"/>
+            </a:solidFill>
+            <a:tailEnd type="triangle"/>
+          </a:ln>
+        </p:spPr>
+        <p:style>
+          <a:lnRef idx="1">
+            <a:schemeClr val="accent1"/>
+          </a:lnRef>
+          <a:fillRef idx="0">
+            <a:schemeClr val="accent1"/>
+          </a:fillRef>
+          <a:effectRef idx="0">
+            <a:schemeClr val="accent1"/>
+          </a:effectRef>
+          <a:fontRef idx="minor">
+            <a:schemeClr val="tx1"/>
+          </a:fontRef>
+        </p:style>
+      </p:cxnSp>
+      <p:cxnSp>
+        <p:nvCxnSpPr>
+          <p:cNvPr id="105" name="Connector: Elbow 104">
+            <a:extLst>
+              <a:ext uri="{FF2B5EF4-FFF2-40B4-BE49-F238E27FC236}">
+                <a16:creationId xmlns:a16="http://schemas.microsoft.com/office/drawing/2014/main" id="{5B7672D4-5242-4F93-AFBD-4E8836C51398}"/>
+              </a:ext>
+            </a:extLst>
+          </p:cNvPr>
+          <p:cNvCxnSpPr>
+            <a:cxnSpLocks/>
+            <a:stCxn id="33" idx="0"/>
+            <a:endCxn id="8" idx="3"/>
+          </p:cNvCxnSpPr>
+          <p:nvPr/>
+        </p:nvCxnSpPr>
+        <p:spPr>
+          <a:xfrm rot="16200000" flipV="1">
+            <a:off x="14767747" y="1441939"/>
+            <a:ext cx="618753" cy="6353523"/>
+          </a:xfrm>
+          <a:prstGeom prst="bentConnector2">
+            <a:avLst/>
+          </a:prstGeom>
+          <a:ln w="50800">
+            <a:solidFill>
+              <a:schemeClr val="tx1"/>
+            </a:solidFill>
+            <a:tailEnd type="triangle"/>
+          </a:ln>
+        </p:spPr>
+        <p:style>
+          <a:lnRef idx="1">
+            <a:schemeClr val="accent1"/>
+          </a:lnRef>
+          <a:fillRef idx="0">
+            <a:schemeClr val="accent1"/>
+          </a:fillRef>
+          <a:effectRef idx="0">
+            <a:schemeClr val="accent1"/>
+          </a:effectRef>
+          <a:fontRef idx="minor">
+            <a:schemeClr val="tx1"/>
+          </a:fontRef>
+        </p:style>
+      </p:cxnSp>
+      <p:cxnSp>
+        <p:nvCxnSpPr>
+          <p:cNvPr id="107" name="Connector: Elbow 106">
+            <a:extLst>
+              <a:ext uri="{FF2B5EF4-FFF2-40B4-BE49-F238E27FC236}">
+                <a16:creationId xmlns:a16="http://schemas.microsoft.com/office/drawing/2014/main" id="{14E158D4-A94E-4263-9B3A-2E41CB7B7E0A}"/>
+              </a:ext>
+            </a:extLst>
+          </p:cNvPr>
+          <p:cNvCxnSpPr>
+            <a:cxnSpLocks/>
+            <a:stCxn id="40" idx="0"/>
+            <a:endCxn id="5" idx="0"/>
+          </p:cNvCxnSpPr>
+          <p:nvPr/>
+        </p:nvCxnSpPr>
+        <p:spPr>
+          <a:xfrm rot="16200000" flipV="1">
+            <a:off x="9960225" y="-2211879"/>
+            <a:ext cx="700826" cy="10644937"/>
+          </a:xfrm>
+          <a:prstGeom prst="bentConnector3">
+            <a:avLst>
+              <a:gd name="adj1" fmla="val 186983"/>
+            </a:avLst>
+          </a:prstGeom>
+          <a:ln w="50800">
+            <a:solidFill>
+              <a:schemeClr val="tx1"/>
+            </a:solidFill>
+            <a:tailEnd type="triangle"/>
+          </a:ln>
+        </p:spPr>
+        <p:style>
+          <a:lnRef idx="1">
+            <a:schemeClr val="accent1"/>
+          </a:lnRef>
+          <a:fillRef idx="0">
+            <a:schemeClr val="accent1"/>
+          </a:fillRef>
+          <a:effectRef idx="0">
+            <a:schemeClr val="accent1"/>
+          </a:effectRef>
+          <a:fontRef idx="minor">
+            <a:schemeClr val="tx1"/>
+          </a:fontRef>
+        </p:style>
+      </p:cxnSp>
+      <p:cxnSp>
+        <p:nvCxnSpPr>
+          <p:cNvPr id="109" name="Connector: Elbow 108">
+            <a:extLst>
+              <a:ext uri="{FF2B5EF4-FFF2-40B4-BE49-F238E27FC236}">
+                <a16:creationId xmlns:a16="http://schemas.microsoft.com/office/drawing/2014/main" id="{02AACE7E-A67C-490B-B03C-E2434C9F6DB1}"/>
+              </a:ext>
+            </a:extLst>
+          </p:cNvPr>
+          <p:cNvCxnSpPr>
+            <a:stCxn id="80" idx="3"/>
+            <a:endCxn id="20" idx="1"/>
+          </p:cNvCxnSpPr>
+          <p:nvPr/>
+        </p:nvCxnSpPr>
+        <p:spPr>
+          <a:xfrm flipV="1">
+            <a:off x="11544389" y="5656826"/>
+            <a:ext cx="1613908" cy="1571595"/>
+          </a:xfrm>
+          <a:prstGeom prst="bentConnector3">
+            <a:avLst/>
+          </a:prstGeom>
+          <a:ln w="50800">
+            <a:solidFill>
+              <a:schemeClr val="tx1"/>
+            </a:solidFill>
+            <a:tailEnd type="triangle"/>
+          </a:ln>
+        </p:spPr>
+        <p:style>
+          <a:lnRef idx="1">
+            <a:schemeClr val="accent1"/>
+          </a:lnRef>
+          <a:fillRef idx="0">
+            <a:schemeClr val="accent1"/>
+          </a:fillRef>
+          <a:effectRef idx="0">
+            <a:schemeClr val="accent1"/>
+          </a:effectRef>
+          <a:fontRef idx="minor">
+            <a:schemeClr val="tx1"/>
+          </a:fontRef>
+        </p:style>
+      </p:cxnSp>
     </p:spTree>
     <p:extLst>
       <p:ext uri="{BB962C8B-B14F-4D97-AF65-F5344CB8AC3E}">
@@ -9086,7 +9225,7 @@
         </p:nvGrpSpPr>
         <p:grpSpPr>
           <a:xfrm>
-            <a:off x="12176702" y="2852622"/>
+            <a:off x="14462708" y="4567122"/>
             <a:ext cx="3054675" cy="5551562"/>
             <a:chOff x="14005501" y="6933099"/>
             <a:chExt cx="3054675" cy="4806462"/>
@@ -9144,7 +9283,7 @@
             <a:lstStyle/>
             <a:p>
               <a:pPr algn="ctr"/>
-              <a:endParaRPr lang="en-US"/>
+              <a:endParaRPr lang="en-US" sz="3240"/>
             </a:p>
           </p:txBody>
         </p:sp>
@@ -9309,7 +9448,7 @@
         </p:nvGrpSpPr>
         <p:grpSpPr>
           <a:xfrm>
-            <a:off x="3948776" y="1173244"/>
+            <a:off x="6234776" y="2887749"/>
             <a:ext cx="6980482" cy="8225319"/>
             <a:chOff x="5777576" y="5460866"/>
             <a:chExt cx="6980482" cy="7023796"/>
@@ -9367,7 +9506,7 @@
             <a:lstStyle/>
             <a:p>
               <a:pPr algn="ctr"/>
-              <a:endParaRPr lang="en-US"/>
+              <a:endParaRPr lang="en-US" sz="3240"/>
             </a:p>
           </p:txBody>
         </p:sp>
@@ -9886,7 +10025,7 @@
         </p:nvCxnSpPr>
         <p:spPr>
           <a:xfrm>
-            <a:off x="7149400" y="4241022"/>
+            <a:off x="9435406" y="5955523"/>
             <a:ext cx="5533067" cy="3606"/>
           </a:xfrm>
           <a:prstGeom prst="bentConnector3">
@@ -9934,7 +10073,7 @@
         </p:nvCxnSpPr>
         <p:spPr>
           <a:xfrm rot="10800000">
-            <a:off x="2701335" y="2834599"/>
+            <a:off x="4987341" y="4549105"/>
             <a:ext cx="2201615" cy="5587611"/>
           </a:xfrm>
           <a:prstGeom prst="bentConnector3">
@@ -9979,7 +10118,7 @@
         </p:nvCxnSpPr>
         <p:spPr>
           <a:xfrm flipH="1" flipV="1">
-            <a:off x="6993006" y="2119036"/>
+            <a:off x="9279006" y="3833536"/>
             <a:ext cx="7779516" cy="4509080"/>
           </a:xfrm>
           <a:prstGeom prst="bentConnector3">
@@ -10020,7 +10159,7 @@
         </p:nvGrpSpPr>
         <p:grpSpPr>
           <a:xfrm>
-            <a:off x="-98632" y="1154281"/>
+            <a:off x="2187368" y="2868786"/>
             <a:ext cx="3054674" cy="8244281"/>
             <a:chOff x="3868615" y="3212123"/>
             <a:chExt cx="3054674" cy="6462764"/>
@@ -10078,7 +10217,7 @@
             <a:lstStyle/>
             <a:p>
               <a:pPr algn="ctr"/>
-              <a:endParaRPr lang="en-US"/>
+              <a:endParaRPr lang="en-US" sz="3240"/>
             </a:p>
           </p:txBody>
         </p:sp>
@@ -10347,7 +10486,7 @@
         </p:nvSpPr>
         <p:spPr>
           <a:xfrm>
-            <a:off x="4902949" y="-602824"/>
+            <a:off x="7188954" y="1111676"/>
             <a:ext cx="2090057" cy="1047324"/>
           </a:xfrm>
           <a:prstGeom prst="flowChartOffpageConnector">
@@ -10401,10 +10540,10 @@
         </p:nvGrpSpPr>
         <p:grpSpPr>
           <a:xfrm>
-            <a:off x="15434263" y="-2306515"/>
-            <a:ext cx="2574458" cy="3460795"/>
+            <a:off x="17720263" y="-592015"/>
+            <a:ext cx="2574458" cy="6728848"/>
             <a:chOff x="14637095" y="779585"/>
-            <a:chExt cx="2574458" cy="3460795"/>
+            <a:chExt cx="2574458" cy="3711367"/>
           </a:xfrm>
         </p:grpSpPr>
         <p:sp>
@@ -10459,7 +10598,7 @@
             <a:lstStyle/>
             <a:p>
               <a:pPr algn="ctr"/>
-              <a:endParaRPr lang="en-US"/>
+              <a:endParaRPr lang="en-US" sz="3240"/>
             </a:p>
           </p:txBody>
         </p:sp>
@@ -10515,7 +10654,7 @@
             <a:lstStyle/>
             <a:p>
               <a:pPr algn="ctr"/>
-              <a:endParaRPr lang="en-US"/>
+              <a:endParaRPr lang="en-US" sz="3240"/>
             </a:p>
           </p:txBody>
         </p:sp>
@@ -10571,7 +10710,7 @@
             <a:lstStyle/>
             <a:p>
               <a:pPr algn="ctr"/>
-              <a:endParaRPr lang="en-US"/>
+              <a:endParaRPr lang="en-US" sz="3240"/>
             </a:p>
           </p:txBody>
         </p:sp>
@@ -10590,7 +10729,7 @@
           <p:spPr>
             <a:xfrm>
               <a:off x="15857317" y="779585"/>
-              <a:ext cx="1024936" cy="298415"/>
+              <a:ext cx="1024936" cy="600941"/>
             </a:xfrm>
             <a:prstGeom prst="rect">
               <a:avLst/>
@@ -10604,7 +10743,7 @@
             <a:lstStyle/>
             <a:p>
               <a:r>
-                <a:rPr lang="en-US" dirty="0"/>
+                <a:rPr lang="en-US" sz="3240" dirty="0"/>
                 <a:t>Mode 1</a:t>
               </a:r>
             </a:p>
@@ -10625,7 +10764,7 @@
           <p:spPr>
             <a:xfrm>
               <a:off x="15857317" y="1298123"/>
-              <a:ext cx="1024936" cy="298415"/>
+              <a:ext cx="1024936" cy="600941"/>
             </a:xfrm>
             <a:prstGeom prst="rect">
               <a:avLst/>
@@ -10639,7 +10778,7 @@
             <a:lstStyle/>
             <a:p>
               <a:r>
-                <a:rPr lang="en-US" dirty="0"/>
+                <a:rPr lang="en-US" sz="3240" dirty="0"/>
                 <a:t>Mode 2</a:t>
               </a:r>
             </a:p>
@@ -10660,7 +10799,7 @@
           <p:spPr>
             <a:xfrm>
               <a:off x="15857317" y="1816661"/>
-              <a:ext cx="1024936" cy="298415"/>
+              <a:ext cx="1024936" cy="600941"/>
             </a:xfrm>
             <a:prstGeom prst="rect">
               <a:avLst/>
@@ -10674,7 +10813,7 @@
             <a:lstStyle/>
             <a:p>
               <a:r>
-                <a:rPr lang="en-US" dirty="0"/>
+                <a:rPr lang="en-US" sz="3240" dirty="0"/>
                 <a:t>Mode 3</a:t>
               </a:r>
             </a:p>
@@ -10779,7 +10918,7 @@
           <p:spPr>
             <a:xfrm>
               <a:off x="15857317" y="2335199"/>
-              <a:ext cx="1024936" cy="298415"/>
+              <a:ext cx="1024936" cy="328295"/>
             </a:xfrm>
             <a:prstGeom prst="rect">
               <a:avLst/>
@@ -10793,7 +10932,7 @@
             <a:lstStyle/>
             <a:p>
               <a:r>
-                <a:rPr lang="en-US" dirty="0"/>
+                <a:rPr lang="en-US" sz="3240" dirty="0"/>
                 <a:t>YES</a:t>
               </a:r>
             </a:p>
@@ -10814,7 +10953,7 @@
           <p:spPr>
             <a:xfrm>
               <a:off x="15857317" y="2853737"/>
-              <a:ext cx="1024936" cy="298415"/>
+              <a:ext cx="1024936" cy="328295"/>
             </a:xfrm>
             <a:prstGeom prst="rect">
               <a:avLst/>
@@ -10828,7 +10967,7 @@
             <a:lstStyle/>
             <a:p>
               <a:r>
-                <a:rPr lang="en-US" dirty="0"/>
+                <a:rPr lang="en-US" sz="3240" dirty="0"/>
                 <a:t>NO</a:t>
               </a:r>
             </a:p>
@@ -10892,7 +11031,7 @@
           <p:spPr>
             <a:xfrm>
               <a:off x="15857316" y="3371847"/>
-              <a:ext cx="1354237" cy="298415"/>
+              <a:ext cx="1354237" cy="600941"/>
             </a:xfrm>
             <a:prstGeom prst="rect">
               <a:avLst/>
@@ -10906,7 +11045,7 @@
             <a:lstStyle/>
             <a:p>
               <a:r>
-                <a:rPr lang="en-US" dirty="0"/>
+                <a:rPr lang="en-US" sz="3240" dirty="0"/>
                 <a:t>Queue Data</a:t>
               </a:r>
             </a:p>
@@ -10960,7 +11099,7 @@
             <a:lstStyle/>
             <a:p>
               <a:pPr algn="ctr"/>
-              <a:endParaRPr lang="en-US"/>
+              <a:endParaRPr lang="en-US" sz="3240"/>
             </a:p>
           </p:txBody>
         </p:sp>
@@ -10979,7 +11118,7 @@
           <p:spPr>
             <a:xfrm>
               <a:off x="15857316" y="3890011"/>
-              <a:ext cx="1354237" cy="298415"/>
+              <a:ext cx="1354237" cy="600941"/>
             </a:xfrm>
             <a:prstGeom prst="rect">
               <a:avLst/>
@@ -10993,7 +11132,7 @@
             <a:lstStyle/>
             <a:p>
               <a:r>
-                <a:rPr lang="en-US" dirty="0"/>
+                <a:rPr lang="en-US" sz="3240" dirty="0"/>
                 <a:t>Thread</a:t>
               </a:r>
             </a:p>
@@ -11014,8 +11153,8 @@
         </p:nvSpPr>
         <p:spPr>
           <a:xfrm>
-            <a:off x="-1055077" y="-2306515"/>
-            <a:ext cx="15568245" cy="1246495"/>
+            <a:off x="1230924" y="-2306515"/>
+            <a:ext cx="15568245" cy="1246623"/>
           </a:xfrm>
           <a:prstGeom prst="rect">
             <a:avLst/>
@@ -11029,7 +11168,7 @@
           <a:lstStyle/>
           <a:p>
             <a:r>
-              <a:rPr lang="en-US" sz="7500" dirty="0"/>
+              <a:rPr lang="en-US" sz="7501" dirty="0"/>
               <a:t>Modal Decision Tree</a:t>
             </a:r>
           </a:p>
@@ -11053,7 +11192,7 @@
         </p:nvCxnSpPr>
         <p:spPr>
           <a:xfrm>
-            <a:off x="5947978" y="444501"/>
+            <a:off x="8233983" y="2159007"/>
             <a:ext cx="1" cy="1193057"/>
           </a:xfrm>
           <a:prstGeom prst="straightConnector1">
@@ -11100,7 +11239,7 @@
         </p:nvCxnSpPr>
         <p:spPr>
           <a:xfrm rot="16200000" flipH="1">
-            <a:off x="8175115" y="-1782637"/>
+            <a:off x="10461120" y="-68137"/>
             <a:ext cx="3325245" cy="7779518"/>
           </a:xfrm>
           <a:prstGeom prst="bentConnector3">
@@ -11145,7 +11284,7 @@
         </p:nvSpPr>
         <p:spPr>
           <a:xfrm>
-            <a:off x="-75180" y="9757405"/>
+            <a:off x="2210820" y="11471910"/>
             <a:ext cx="3054674" cy="646331"/>
           </a:xfrm>
           <a:prstGeom prst="rect">
@@ -11181,7 +11320,7 @@
         </p:nvSpPr>
         <p:spPr>
           <a:xfrm>
-            <a:off x="5465668" y="9757407"/>
+            <a:off x="7751669" y="11471912"/>
             <a:ext cx="3054674" cy="646331"/>
           </a:xfrm>
           <a:prstGeom prst="rect">
@@ -11217,7 +11356,7 @@
         </p:nvSpPr>
         <p:spPr>
           <a:xfrm>
-            <a:off x="12176701" y="9757406"/>
+            <a:off x="14462701" y="11471912"/>
             <a:ext cx="3054674" cy="646331"/>
           </a:xfrm>
           <a:prstGeom prst="rect">
@@ -11283,7 +11422,7 @@
         </p:nvSpPr>
         <p:spPr>
           <a:xfrm>
-            <a:off x="6807632" y="-90857"/>
+            <a:off x="9093637" y="1623647"/>
             <a:ext cx="2090057" cy="775399"/>
           </a:xfrm>
           <a:prstGeom prst="flowChartProcess">
@@ -11312,7 +11451,7 @@
           <a:p>
             <a:pPr algn="ctr"/>
             <a:r>
-              <a:rPr lang="en-US" dirty="0"/>
+              <a:rPr lang="en-US" sz="3240" dirty="0"/>
               <a:t>Define Thread Functions</a:t>
             </a:r>
           </a:p>
@@ -11335,7 +11474,7 @@
         </p:nvCxnSpPr>
         <p:spPr>
           <a:xfrm rot="5400000">
-            <a:off x="2918571" y="-2463457"/>
+            <a:off x="5204571" y="-748954"/>
             <a:ext cx="1786090" cy="8082089"/>
           </a:xfrm>
           <a:prstGeom prst="bentConnector3">
@@ -11377,7 +11516,7 @@
         </p:nvCxnSpPr>
         <p:spPr>
           <a:xfrm rot="5400000">
-            <a:off x="5631897" y="249868"/>
+            <a:off x="7917902" y="1964368"/>
             <a:ext cx="1786091" cy="2655438"/>
           </a:xfrm>
           <a:prstGeom prst="bentConnector3">
@@ -11419,7 +11558,7 @@
         </p:nvCxnSpPr>
         <p:spPr>
           <a:xfrm rot="16200000" flipH="1">
-            <a:off x="8346490" y="190712"/>
+            <a:off x="10632490" y="1905212"/>
             <a:ext cx="1786090" cy="2773750"/>
           </a:xfrm>
           <a:prstGeom prst="bentConnector3">
@@ -11461,7 +11600,7 @@
         </p:nvCxnSpPr>
         <p:spPr>
           <a:xfrm rot="16200000" flipH="1">
-            <a:off x="11061085" y="-2523883"/>
+            <a:off x="13347085" y="-809383"/>
             <a:ext cx="1786090" cy="8202940"/>
           </a:xfrm>
           <a:prstGeom prst="bentConnector3">
@@ -11500,7 +11639,7 @@
         </p:nvGrpSpPr>
         <p:grpSpPr>
           <a:xfrm>
-            <a:off x="-1275728" y="2470632"/>
+            <a:off x="1010276" y="4185132"/>
             <a:ext cx="4536153" cy="9252526"/>
             <a:chOff x="1021992" y="4970582"/>
             <a:chExt cx="4536153" cy="9252526"/>
@@ -11549,7 +11688,7 @@
             <a:p>
               <a:pPr algn="ctr"/>
               <a:r>
-                <a:rPr lang="en-US" dirty="0"/>
+                <a:rPr lang="en-US" sz="3240" dirty="0"/>
                 <a:t>Wait for other threads to end</a:t>
               </a:r>
             </a:p>
@@ -11598,7 +11737,7 @@
             <a:p>
               <a:pPr algn="ctr"/>
               <a:r>
-                <a:rPr lang="en-US" dirty="0"/>
+                <a:rPr lang="en-US" sz="3240" dirty="0"/>
                 <a:t>RFID 1</a:t>
               </a:r>
             </a:p>
@@ -11647,7 +11786,7 @@
             <a:p>
               <a:pPr algn="ctr"/>
               <a:r>
-                <a:rPr lang="en-US" dirty="0"/>
+                <a:rPr lang="en-US" sz="3240" dirty="0"/>
                 <a:t>Setup Serial Port</a:t>
               </a:r>
             </a:p>
@@ -11696,7 +11835,7 @@
             <a:p>
               <a:pPr algn="ctr"/>
               <a:r>
-                <a:rPr lang="en-US" dirty="0"/>
+                <a:rPr lang="en-US" sz="3240" dirty="0"/>
                 <a:t>Read Serial Port</a:t>
               </a:r>
             </a:p>
@@ -11745,7 +11884,7 @@
             <a:p>
               <a:pPr algn="ctr"/>
               <a:r>
-                <a:rPr lang="en-US" dirty="0"/>
+                <a:rPr lang="en-US" sz="3240" dirty="0"/>
                 <a:t>Is there a vole that pings?</a:t>
               </a:r>
             </a:p>
@@ -11794,21 +11933,21 @@
             <a:p>
               <a:pPr algn="ctr"/>
               <a:r>
-                <a:rPr lang="en-US" dirty="0"/>
+                <a:rPr lang="en-US" sz="3240" dirty="0"/>
                 <a:t>Output to Shared Queue:</a:t>
               </a:r>
             </a:p>
             <a:p>
               <a:pPr algn="ctr"/>
               <a:r>
-                <a:rPr lang="en-US" dirty="0"/>
+                <a:rPr lang="en-US" sz="3240" dirty="0"/>
                 <a:t>RFID #,</a:t>
               </a:r>
             </a:p>
             <a:p>
               <a:pPr algn="ctr"/>
               <a:r>
-                <a:rPr lang="en-US" dirty="0"/>
+                <a:rPr lang="en-US" sz="3240" dirty="0"/>
                 <a:t>Vole #</a:t>
               </a:r>
             </a:p>
@@ -12088,7 +12227,7 @@
         </p:nvGrpSpPr>
         <p:grpSpPr>
           <a:xfrm>
-            <a:off x="4152194" y="2470634"/>
+            <a:off x="6438200" y="4185140"/>
             <a:ext cx="4536153" cy="9252525"/>
             <a:chOff x="7115908" y="4970583"/>
             <a:chExt cx="4536153" cy="9252525"/>
@@ -12137,7 +12276,7 @@
             <a:p>
               <a:pPr algn="ctr"/>
               <a:r>
-                <a:rPr lang="en-US" dirty="0"/>
+                <a:rPr lang="en-US" sz="3240" dirty="0"/>
                 <a:t>RFID 2</a:t>
               </a:r>
             </a:p>
@@ -12206,7 +12345,7 @@
               <a:p>
                 <a:pPr algn="ctr"/>
                 <a:r>
-                  <a:rPr lang="en-US" dirty="0"/>
+                  <a:rPr lang="en-US" sz="3240" dirty="0"/>
                   <a:t>Wait for other threads to end</a:t>
                 </a:r>
               </a:p>
@@ -12255,7 +12394,7 @@
               <a:p>
                 <a:pPr algn="ctr"/>
                 <a:r>
-                  <a:rPr lang="en-US" dirty="0"/>
+                  <a:rPr lang="en-US" sz="3240" dirty="0"/>
                   <a:t>Setup Serial Port</a:t>
                 </a:r>
               </a:p>
@@ -12304,7 +12443,7 @@
               <a:p>
                 <a:pPr algn="ctr"/>
                 <a:r>
-                  <a:rPr lang="en-US" dirty="0"/>
+                  <a:rPr lang="en-US" sz="3240" dirty="0"/>
                   <a:t>Read Serial Port</a:t>
                 </a:r>
               </a:p>
@@ -12353,7 +12492,7 @@
               <a:p>
                 <a:pPr algn="ctr"/>
                 <a:r>
-                  <a:rPr lang="en-US" dirty="0"/>
+                  <a:rPr lang="en-US" sz="3240" dirty="0"/>
                   <a:t>Is there a vole that pings?</a:t>
                 </a:r>
               </a:p>
@@ -12402,21 +12541,21 @@
               <a:p>
                 <a:pPr algn="ctr"/>
                 <a:r>
-                  <a:rPr lang="en-US" dirty="0"/>
+                  <a:rPr lang="en-US" sz="3240" dirty="0"/>
                   <a:t>Output to Shared Queue:</a:t>
                 </a:r>
               </a:p>
               <a:p>
                 <a:pPr algn="ctr"/>
                 <a:r>
-                  <a:rPr lang="en-US" dirty="0"/>
+                  <a:rPr lang="en-US" sz="3240" dirty="0"/>
                   <a:t>RFID #,</a:t>
                 </a:r>
               </a:p>
               <a:p>
                 <a:pPr algn="ctr"/>
                 <a:r>
-                  <a:rPr lang="en-US" dirty="0"/>
+                  <a:rPr lang="en-US" sz="3240" dirty="0"/>
                   <a:t>Vole #</a:t>
                 </a:r>
               </a:p>
@@ -12698,7 +12837,7 @@
         </p:nvGrpSpPr>
         <p:grpSpPr>
           <a:xfrm>
-            <a:off x="9580115" y="2470633"/>
+            <a:off x="11866121" y="4185138"/>
             <a:ext cx="4536153" cy="9177161"/>
             <a:chOff x="12269447" y="4970582"/>
             <a:chExt cx="4536153" cy="9177161"/>
@@ -12747,7 +12886,7 @@
             <a:p>
               <a:pPr algn="ctr"/>
               <a:r>
-                <a:rPr lang="en-US" dirty="0"/>
+                <a:rPr lang="en-US" sz="3240" dirty="0"/>
                 <a:t>RFID 3</a:t>
               </a:r>
             </a:p>
@@ -12816,7 +12955,7 @@
               <a:p>
                 <a:pPr algn="ctr"/>
                 <a:r>
-                  <a:rPr lang="en-US" dirty="0"/>
+                  <a:rPr lang="en-US" sz="3240" dirty="0"/>
                   <a:t>Wait for other threads to end</a:t>
                 </a:r>
               </a:p>
@@ -12865,7 +13004,7 @@
               <a:p>
                 <a:pPr algn="ctr"/>
                 <a:r>
-                  <a:rPr lang="en-US" dirty="0"/>
+                  <a:rPr lang="en-US" sz="3240" dirty="0"/>
                   <a:t>Setup Serial Port</a:t>
                 </a:r>
               </a:p>
@@ -12914,7 +13053,7 @@
               <a:p>
                 <a:pPr algn="ctr"/>
                 <a:r>
-                  <a:rPr lang="en-US" dirty="0"/>
+                  <a:rPr lang="en-US" sz="3240" dirty="0"/>
                   <a:t>Read Serial Port</a:t>
                 </a:r>
               </a:p>
@@ -12963,7 +13102,7 @@
               <a:p>
                 <a:pPr algn="ctr"/>
                 <a:r>
-                  <a:rPr lang="en-US" dirty="0"/>
+                  <a:rPr lang="en-US" sz="3240" dirty="0"/>
                   <a:t>Is there a vole that pings?</a:t>
                 </a:r>
               </a:p>
@@ -13012,21 +13151,21 @@
               <a:p>
                 <a:pPr algn="ctr"/>
                 <a:r>
-                  <a:rPr lang="en-US" dirty="0"/>
+                  <a:rPr lang="en-US" sz="3240" dirty="0"/>
                   <a:t>Output to Shared Queue:</a:t>
                 </a:r>
               </a:p>
               <a:p>
                 <a:pPr algn="ctr"/>
                 <a:r>
-                  <a:rPr lang="en-US" dirty="0"/>
+                  <a:rPr lang="en-US" sz="3240" dirty="0"/>
                   <a:t>RFID #,</a:t>
                 </a:r>
               </a:p>
               <a:p>
                 <a:pPr algn="ctr"/>
                 <a:r>
-                  <a:rPr lang="en-US" dirty="0"/>
+                  <a:rPr lang="en-US" sz="3240" dirty="0"/>
                   <a:t>Vole #</a:t>
                 </a:r>
               </a:p>
@@ -13308,7 +13447,7 @@
         </p:nvGrpSpPr>
         <p:grpSpPr>
           <a:xfrm>
-            <a:off x="15008037" y="2470633"/>
+            <a:off x="17294043" y="4185138"/>
             <a:ext cx="4536153" cy="9177161"/>
             <a:chOff x="17305756" y="4970582"/>
             <a:chExt cx="4536153" cy="9177161"/>
@@ -13357,7 +13496,7 @@
             <a:p>
               <a:pPr algn="ctr"/>
               <a:r>
-                <a:rPr lang="en-US" dirty="0"/>
+                <a:rPr lang="en-US" sz="3240" dirty="0"/>
                 <a:t>RFID 4</a:t>
               </a:r>
             </a:p>
@@ -13426,7 +13565,7 @@
               <a:p>
                 <a:pPr algn="ctr"/>
                 <a:r>
-                  <a:rPr lang="en-US" dirty="0"/>
+                  <a:rPr lang="en-US" sz="3240" dirty="0"/>
                   <a:t>Wait for other threads to end</a:t>
                 </a:r>
               </a:p>
@@ -13475,7 +13614,7 @@
               <a:p>
                 <a:pPr algn="ctr"/>
                 <a:r>
-                  <a:rPr lang="en-US" dirty="0"/>
+                  <a:rPr lang="en-US" sz="3240" dirty="0"/>
                   <a:t>Setup Serial Port</a:t>
                 </a:r>
               </a:p>
@@ -13524,7 +13663,7 @@
               <a:p>
                 <a:pPr algn="ctr"/>
                 <a:r>
-                  <a:rPr lang="en-US" dirty="0"/>
+                  <a:rPr lang="en-US" sz="3240" dirty="0"/>
                   <a:t>Read Serial Port</a:t>
                 </a:r>
               </a:p>
@@ -13573,7 +13712,7 @@
               <a:p>
                 <a:pPr algn="ctr"/>
                 <a:r>
-                  <a:rPr lang="en-US" dirty="0"/>
+                  <a:rPr lang="en-US" sz="3240" dirty="0"/>
                   <a:t>Is there a vole that pings?</a:t>
                 </a:r>
               </a:p>
@@ -13622,21 +13761,21 @@
               <a:p>
                 <a:pPr algn="ctr"/>
                 <a:r>
-                  <a:rPr lang="en-US" dirty="0"/>
+                  <a:rPr lang="en-US" sz="3240" dirty="0"/>
                   <a:t>Output to Shared Queue:</a:t>
                 </a:r>
               </a:p>
               <a:p>
                 <a:pPr algn="ctr"/>
                 <a:r>
-                  <a:rPr lang="en-US" dirty="0"/>
+                  <a:rPr lang="en-US" sz="3240" dirty="0"/>
                   <a:t>RFID #,</a:t>
                 </a:r>
               </a:p>
               <a:p>
                 <a:pPr algn="ctr"/>
                 <a:r>
-                  <a:rPr lang="en-US" dirty="0"/>
+                  <a:rPr lang="en-US" sz="3240" dirty="0"/>
                   <a:t>Vole #</a:t>
                 </a:r>
               </a:p>
@@ -13918,8 +14057,8 @@
         </p:nvSpPr>
         <p:spPr>
           <a:xfrm>
-            <a:off x="-1477107" y="-2359184"/>
-            <a:ext cx="11793415" cy="1246495"/>
+            <a:off x="808894" y="-2359184"/>
+            <a:ext cx="11793415" cy="1246623"/>
           </a:xfrm>
           <a:prstGeom prst="rect">
             <a:avLst/>
@@ -13933,7 +14072,7 @@
           <a:lstStyle/>
           <a:p>
             <a:r>
-              <a:rPr lang="en-US" sz="7500" dirty="0"/>
+              <a:rPr lang="en-US" sz="7501" dirty="0"/>
               <a:t>RFID Tracking Decision Tree</a:t>
             </a:r>
           </a:p>
@@ -13953,7 +14092,7 @@
         </p:nvSpPr>
         <p:spPr>
           <a:xfrm>
-            <a:off x="-1711568" y="1884485"/>
+            <a:off x="574436" y="3598985"/>
             <a:ext cx="5225987" cy="10456984"/>
           </a:xfrm>
           <a:prstGeom prst="roundRect">
@@ -13987,7 +14126,7 @@
           <a:lstStyle/>
           <a:p>
             <a:pPr algn="ctr"/>
-            <a:endParaRPr lang="en-US"/>
+            <a:endParaRPr lang="en-US" sz="3240"/>
           </a:p>
         </p:txBody>
       </p:sp>
@@ -14005,7 +14144,7 @@
         </p:nvSpPr>
         <p:spPr>
           <a:xfrm>
-            <a:off x="3786241" y="1884485"/>
+            <a:off x="6072247" y="3598985"/>
             <a:ext cx="5225987" cy="10456984"/>
           </a:xfrm>
           <a:prstGeom prst="roundRect">
@@ -14039,7 +14178,7 @@
           <a:lstStyle/>
           <a:p>
             <a:pPr algn="ctr"/>
-            <a:endParaRPr lang="en-US"/>
+            <a:endParaRPr lang="en-US" sz="3240"/>
           </a:p>
         </p:txBody>
       </p:sp>
@@ -14057,7 +14196,7 @@
         </p:nvSpPr>
         <p:spPr>
           <a:xfrm>
-            <a:off x="9321679" y="1884485"/>
+            <a:off x="11607685" y="3598985"/>
             <a:ext cx="5225987" cy="10456984"/>
           </a:xfrm>
           <a:prstGeom prst="roundRect">
@@ -14091,7 +14230,7 @@
           <a:lstStyle/>
           <a:p>
             <a:pPr algn="ctr"/>
-            <a:endParaRPr lang="en-US"/>
+            <a:endParaRPr lang="en-US" sz="3240"/>
           </a:p>
         </p:txBody>
       </p:sp>
@@ -14109,7 +14248,7 @@
         </p:nvSpPr>
         <p:spPr>
           <a:xfrm>
-            <a:off x="14767790" y="1884485"/>
+            <a:off x="17053796" y="3598985"/>
             <a:ext cx="5225987" cy="10456984"/>
           </a:xfrm>
           <a:prstGeom prst="roundRect">
@@ -14143,7 +14282,7 @@
           <a:lstStyle/>
           <a:p>
             <a:pPr algn="ctr"/>
-            <a:endParaRPr lang="en-US"/>
+            <a:endParaRPr lang="en-US" sz="3240"/>
           </a:p>
         </p:txBody>
       </p:sp>
@@ -14161,8 +14300,8 @@
         </p:nvGrpSpPr>
         <p:grpSpPr>
           <a:xfrm>
-            <a:off x="14962809" y="-2171038"/>
-            <a:ext cx="4270568" cy="670229"/>
+            <a:off x="17248809" y="-2171038"/>
+            <a:ext cx="4270568" cy="1573916"/>
             <a:chOff x="16689569" y="609087"/>
             <a:chExt cx="4270568" cy="670229"/>
           </a:xfrm>
@@ -14215,7 +14354,7 @@
             <a:lstStyle/>
             <a:p>
               <a:pPr algn="ctr"/>
-              <a:endParaRPr lang="en-US"/>
+              <a:endParaRPr lang="en-US" sz="3240"/>
             </a:p>
           </p:txBody>
         </p:sp>
@@ -14234,7 +14373,7 @@
           <p:spPr>
             <a:xfrm>
               <a:off x="18194214" y="705675"/>
-              <a:ext cx="2765923" cy="477054"/>
+              <a:ext cx="2765923" cy="203146"/>
             </a:xfrm>
             <a:prstGeom prst="rect">
               <a:avLst/>
@@ -14299,7 +14438,7 @@
         </p:nvSpPr>
         <p:spPr>
           <a:xfrm>
-            <a:off x="14056243" y="-789467"/>
+            <a:off x="16342248" y="925037"/>
             <a:ext cx="4918833" cy="11115615"/>
           </a:xfrm>
           <a:prstGeom prst="roundRect">
@@ -14337,7 +14476,7 @@
           <a:lstStyle/>
           <a:p>
             <a:pPr algn="ctr"/>
-            <a:endParaRPr lang="en-US"/>
+            <a:endParaRPr lang="en-US" sz="3240"/>
           </a:p>
         </p:txBody>
       </p:sp>
@@ -14355,7 +14494,7 @@
         </p:nvSpPr>
         <p:spPr>
           <a:xfrm>
-            <a:off x="-1509823" y="-789467"/>
+            <a:off x="776181" y="925037"/>
             <a:ext cx="15289609" cy="11115615"/>
           </a:xfrm>
           <a:prstGeom prst="roundRect">
@@ -14388,7 +14527,7 @@
           <a:lstStyle/>
           <a:p>
             <a:pPr algn="ctr"/>
-            <a:endParaRPr lang="en-US"/>
+            <a:endParaRPr lang="en-US" sz="3240"/>
           </a:p>
         </p:txBody>
       </p:sp>
@@ -14410,7 +14549,7 @@
         </p:nvCxnSpPr>
         <p:spPr>
           <a:xfrm rot="10800000" flipV="1">
-            <a:off x="7011161" y="3822018"/>
+            <a:off x="9297167" y="5536518"/>
             <a:ext cx="2246263" cy="879986"/>
           </a:xfrm>
           <a:prstGeom prst="bentConnector3">
@@ -14456,7 +14595,7 @@
         </p:nvCxnSpPr>
         <p:spPr>
           <a:xfrm>
-            <a:off x="2674852" y="5558665"/>
+            <a:off x="4960852" y="7273171"/>
             <a:ext cx="2246248" cy="850099"/>
           </a:xfrm>
           <a:prstGeom prst="bentConnector3">
@@ -14499,7 +14638,7 @@
         </p:nvSpPr>
         <p:spPr>
           <a:xfrm>
-            <a:off x="4921109" y="-311038"/>
+            <a:off x="7207114" y="1403462"/>
             <a:ext cx="2090057" cy="1063298"/>
           </a:xfrm>
           <a:prstGeom prst="flowChartOffpageConnector">
@@ -14528,15 +14667,15 @@
           <a:p>
             <a:pPr algn="ctr"/>
             <a:r>
-              <a:rPr lang="en-US" dirty="0"/>
+              <a:rPr lang="en-US" sz="3240" dirty="0"/>
               <a:t>Initialize </a:t>
             </a:r>
             <a:r>
-              <a:rPr lang="en-US" dirty="0" err="1"/>
+              <a:rPr lang="en-US" sz="3240" dirty="0" err="1"/>
               <a:t>voleTags</a:t>
             </a:r>
             <a:r>
-              <a:rPr lang="en-US" dirty="0"/>
+              <a:rPr lang="en-US" sz="3240" dirty="0"/>
               <a:t> Queue</a:t>
             </a:r>
           </a:p>
@@ -14556,7 +14695,7 @@
         </p:nvSpPr>
         <p:spPr>
           <a:xfrm>
-            <a:off x="4921108" y="3501509"/>
+            <a:off x="7207114" y="5216015"/>
             <a:ext cx="2090057" cy="641017"/>
           </a:xfrm>
           <a:prstGeom prst="flowChartOffpageConnector">
@@ -14585,15 +14724,15 @@
           <a:p>
             <a:pPr algn="ctr"/>
             <a:r>
-              <a:rPr lang="en-US" dirty="0"/>
+              <a:rPr lang="en-US" sz="3240" dirty="0"/>
               <a:t>Output vole number and </a:t>
             </a:r>
             <a:r>
-              <a:rPr lang="en-US" dirty="0" err="1"/>
+              <a:rPr lang="en-US" sz="3240" dirty="0" err="1"/>
               <a:t>rfid</a:t>
             </a:r>
             <a:r>
-              <a:rPr lang="en-US" dirty="0"/>
+              <a:rPr lang="en-US" sz="3240" dirty="0"/>
               <a:t> tag</a:t>
             </a:r>
           </a:p>
@@ -14613,7 +14752,7 @@
         </p:nvSpPr>
         <p:spPr>
           <a:xfrm>
-            <a:off x="4921103" y="4381496"/>
+            <a:off x="7207109" y="6096002"/>
             <a:ext cx="2090057" cy="641017"/>
           </a:xfrm>
           <a:prstGeom prst="flowChartOffpageConnector">
@@ -14642,7 +14781,7 @@
           <a:p>
             <a:pPr algn="ctr"/>
             <a:r>
-              <a:rPr lang="en-US" dirty="0"/>
+              <a:rPr lang="en-US" sz="3240" dirty="0"/>
               <a:t>Output “none”</a:t>
             </a:r>
           </a:p>
@@ -14665,7 +14804,7 @@
         </p:nvCxnSpPr>
         <p:spPr>
           <a:xfrm>
-            <a:off x="2674852" y="3822018"/>
+            <a:off x="4960857" y="5536518"/>
             <a:ext cx="2246251" cy="879986"/>
           </a:xfrm>
           <a:prstGeom prst="bentConnector3">
@@ -14711,7 +14850,7 @@
         </p:nvCxnSpPr>
         <p:spPr>
           <a:xfrm flipV="1">
-            <a:off x="2674851" y="3822018"/>
+            <a:off x="4960851" y="5536523"/>
             <a:ext cx="2246256" cy="1"/>
           </a:xfrm>
           <a:prstGeom prst="bentConnector3">
@@ -14754,7 +14893,7 @@
         </p:nvSpPr>
         <p:spPr>
           <a:xfrm>
-            <a:off x="4921102" y="5231595"/>
+            <a:off x="7207108" y="6946101"/>
             <a:ext cx="2090057" cy="641017"/>
           </a:xfrm>
           <a:prstGeom prst="flowChartOffpageConnector">
@@ -14783,15 +14922,15 @@
           <a:p>
             <a:pPr algn="ctr"/>
             <a:r>
-              <a:rPr lang="en-US" dirty="0"/>
+              <a:rPr lang="en-US" sz="3240" dirty="0"/>
               <a:t>Output vole number and </a:t>
             </a:r>
             <a:r>
-              <a:rPr lang="en-US" dirty="0" err="1"/>
+              <a:rPr lang="en-US" sz="3240" dirty="0" err="1"/>
               <a:t>rfid</a:t>
             </a:r>
             <a:r>
-              <a:rPr lang="en-US" dirty="0"/>
+              <a:rPr lang="en-US" sz="3240" dirty="0"/>
               <a:t> tag</a:t>
             </a:r>
           </a:p>
@@ -14811,7 +14950,7 @@
         </p:nvSpPr>
         <p:spPr>
           <a:xfrm>
-            <a:off x="4921101" y="6088255"/>
+            <a:off x="7207107" y="7802761"/>
             <a:ext cx="2090057" cy="641017"/>
           </a:xfrm>
           <a:prstGeom prst="flowChartOffpageConnector">
@@ -14840,7 +14979,7 @@
           <a:p>
             <a:pPr algn="ctr"/>
             <a:r>
-              <a:rPr lang="en-US" dirty="0"/>
+              <a:rPr lang="en-US" sz="3240" dirty="0"/>
               <a:t>Output “none”</a:t>
             </a:r>
           </a:p>
@@ -14863,7 +15002,7 @@
         </p:nvCxnSpPr>
         <p:spPr>
           <a:xfrm flipV="1">
-            <a:off x="2674853" y="5552104"/>
+            <a:off x="4960858" y="7266610"/>
             <a:ext cx="2246249" cy="6561"/>
           </a:xfrm>
           <a:prstGeom prst="bentConnector3">
@@ -14909,7 +15048,7 @@
         </p:nvCxnSpPr>
         <p:spPr>
           <a:xfrm rot="5400000">
-            <a:off x="4591513" y="2126885"/>
+            <a:off x="6877513" y="3841391"/>
             <a:ext cx="2749248" cy="1"/>
           </a:xfrm>
           <a:prstGeom prst="bentConnector3">
@@ -14949,7 +15088,7 @@
         </p:nvSpPr>
         <p:spPr>
           <a:xfrm>
-            <a:off x="584795" y="-39148"/>
+            <a:off x="2870800" y="1675356"/>
             <a:ext cx="2090057" cy="519519"/>
           </a:xfrm>
           <a:prstGeom prst="flowChartProcess">
@@ -14978,7 +15117,7 @@
           <a:p>
             <a:pPr algn="ctr"/>
             <a:r>
-              <a:rPr lang="en-US" dirty="0"/>
+              <a:rPr lang="en-US" sz="3240" dirty="0"/>
               <a:t>Start Thread 1</a:t>
             </a:r>
           </a:p>
@@ -14998,7 +15137,7 @@
         </p:nvSpPr>
         <p:spPr>
           <a:xfrm>
-            <a:off x="584796" y="2143052"/>
+            <a:off x="2870802" y="3857558"/>
             <a:ext cx="2090057" cy="519519"/>
           </a:xfrm>
           <a:prstGeom prst="flowChartProcess">
@@ -15027,7 +15166,7 @@
           <a:p>
             <a:pPr algn="ctr"/>
             <a:r>
-              <a:rPr lang="en-US" dirty="0"/>
+              <a:rPr lang="en-US" sz="3240" dirty="0"/>
               <a:t>Read sensor signal</a:t>
             </a:r>
           </a:p>
@@ -15047,7 +15186,7 @@
         </p:nvSpPr>
         <p:spPr>
           <a:xfrm>
-            <a:off x="584795" y="3244820"/>
+            <a:off x="2870801" y="4959326"/>
             <a:ext cx="2090057" cy="1154397"/>
           </a:xfrm>
           <a:prstGeom prst="flowChartDecision">
@@ -15076,7 +15215,7 @@
           <a:p>
             <a:pPr algn="ctr"/>
             <a:r>
-              <a:rPr lang="en-US" dirty="0"/>
+              <a:rPr lang="en-US" sz="3240" dirty="0"/>
               <a:t>Did it ping vole 1?</a:t>
             </a:r>
           </a:p>
@@ -15096,7 +15235,7 @@
         </p:nvSpPr>
         <p:spPr>
           <a:xfrm>
-            <a:off x="584796" y="4981466"/>
+            <a:off x="2870802" y="6695972"/>
             <a:ext cx="2090057" cy="1154397"/>
           </a:xfrm>
           <a:prstGeom prst="flowChartDecision">
@@ -15125,7 +15264,7 @@
           <a:p>
             <a:pPr algn="ctr"/>
             <a:r>
-              <a:rPr lang="en-US" dirty="0"/>
+              <a:rPr lang="en-US" sz="3240" dirty="0"/>
               <a:t>Did it ping vole 2?</a:t>
             </a:r>
           </a:p>
@@ -15148,7 +15287,7 @@
         </p:nvCxnSpPr>
         <p:spPr>
           <a:xfrm rot="5400000">
-            <a:off x="1338701" y="2953695"/>
+            <a:off x="3624707" y="4668201"/>
             <a:ext cx="582249" cy="1"/>
           </a:xfrm>
           <a:prstGeom prst="bentConnector3">
@@ -15190,7 +15329,7 @@
         </p:nvCxnSpPr>
         <p:spPr>
           <a:xfrm rot="16200000" flipH="1">
-            <a:off x="1338700" y="4690340"/>
+            <a:off x="3624706" y="6404846"/>
             <a:ext cx="582249" cy="1"/>
           </a:xfrm>
           <a:prstGeom prst="bentConnector3">
@@ -15229,7 +15368,7 @@
         </p:nvSpPr>
         <p:spPr>
           <a:xfrm>
-            <a:off x="584794" y="1059785"/>
+            <a:off x="2870800" y="2774291"/>
             <a:ext cx="2090057" cy="519519"/>
           </a:xfrm>
           <a:prstGeom prst="flowChartProcess">
@@ -15258,7 +15397,7 @@
           <a:p>
             <a:pPr algn="ctr"/>
             <a:r>
-              <a:rPr lang="en-US" dirty="0"/>
+              <a:rPr lang="en-US" sz="3240" dirty="0"/>
               <a:t>Set event to FALSE</a:t>
             </a:r>
           </a:p>
@@ -15281,7 +15420,7 @@
         </p:nvCxnSpPr>
         <p:spPr>
           <a:xfrm flipH="1">
-            <a:off x="1629823" y="480372"/>
+            <a:off x="3915828" y="2194878"/>
             <a:ext cx="1" cy="579413"/>
           </a:xfrm>
           <a:prstGeom prst="straightConnector1">
@@ -15323,7 +15462,7 @@
         </p:nvCxnSpPr>
         <p:spPr>
           <a:xfrm rot="16200000" flipH="1">
-            <a:off x="1347949" y="1861176"/>
+            <a:off x="3633949" y="3575676"/>
             <a:ext cx="563748" cy="2"/>
           </a:xfrm>
           <a:prstGeom prst="bentConnector3">
@@ -15362,7 +15501,7 @@
         </p:nvSpPr>
         <p:spPr>
           <a:xfrm>
-            <a:off x="584794" y="7406363"/>
+            <a:off x="2870800" y="9120868"/>
             <a:ext cx="2090057" cy="519519"/>
           </a:xfrm>
           <a:prstGeom prst="flowChartProcess">
@@ -15391,7 +15530,7 @@
           <a:p>
             <a:pPr algn="ctr"/>
             <a:r>
-              <a:rPr lang="en-US" dirty="0"/>
+              <a:rPr lang="en-US" sz="3240" dirty="0"/>
               <a:t>Set event to TRUE</a:t>
             </a:r>
           </a:p>
@@ -15411,7 +15550,7 @@
         </p:nvSpPr>
         <p:spPr>
           <a:xfrm>
-            <a:off x="584793" y="8489630"/>
+            <a:off x="2870799" y="10204136"/>
             <a:ext cx="2090057" cy="519519"/>
           </a:xfrm>
           <a:prstGeom prst="flowChartProcess">
@@ -15440,7 +15579,7 @@
           <a:p>
             <a:pPr algn="ctr"/>
             <a:r>
-              <a:rPr lang="en-US" dirty="0"/>
+              <a:rPr lang="en-US" sz="3240" dirty="0"/>
               <a:t>WAIT for Main Event</a:t>
             </a:r>
           </a:p>
@@ -15463,7 +15602,7 @@
         </p:nvCxnSpPr>
         <p:spPr>
           <a:xfrm rot="5400000">
-            <a:off x="994573" y="6771111"/>
+            <a:off x="3280573" y="8485611"/>
             <a:ext cx="1270500" cy="2"/>
           </a:xfrm>
           <a:prstGeom prst="bentConnector3">
@@ -15505,7 +15644,7 @@
         </p:nvCxnSpPr>
         <p:spPr>
           <a:xfrm rot="5400000">
-            <a:off x="1347948" y="8207756"/>
+            <a:off x="3633948" y="9922262"/>
             <a:ext cx="563748" cy="1"/>
           </a:xfrm>
           <a:prstGeom prst="bentConnector3">
@@ -15547,7 +15686,7 @@
         </p:nvCxnSpPr>
         <p:spPr>
           <a:xfrm rot="5400000" flipH="1">
-            <a:off x="-2737495" y="4641832"/>
+            <a:off x="-451495" y="6356332"/>
             <a:ext cx="7689604" cy="1045028"/>
           </a:xfrm>
           <a:prstGeom prst="bentConnector4">
@@ -15592,7 +15731,7 @@
         </p:nvCxnSpPr>
         <p:spPr>
           <a:xfrm rot="10800000" flipV="1">
-            <a:off x="7011157" y="5558664"/>
+            <a:off x="9297158" y="7273169"/>
             <a:ext cx="2246266" cy="850099"/>
           </a:xfrm>
           <a:prstGeom prst="bentConnector3">
@@ -15638,7 +15777,7 @@
         </p:nvCxnSpPr>
         <p:spPr>
           <a:xfrm rot="10800000">
-            <a:off x="7011164" y="3822019"/>
+            <a:off x="9297164" y="5536525"/>
             <a:ext cx="2246258" cy="1"/>
           </a:xfrm>
           <a:prstGeom prst="bentConnector3">
@@ -15684,7 +15823,7 @@
         </p:nvCxnSpPr>
         <p:spPr>
           <a:xfrm rot="10800000">
-            <a:off x="7011160" y="5552105"/>
+            <a:off x="9297166" y="7266611"/>
             <a:ext cx="2246265" cy="6561"/>
           </a:xfrm>
           <a:prstGeom prst="bentConnector3">
@@ -15727,7 +15866,7 @@
         </p:nvSpPr>
         <p:spPr>
           <a:xfrm>
-            <a:off x="9257423" y="-39148"/>
+            <a:off x="11543428" y="1675356"/>
             <a:ext cx="2090057" cy="519519"/>
           </a:xfrm>
           <a:prstGeom prst="flowChartProcess">
@@ -15756,7 +15895,7 @@
           <a:p>
             <a:pPr algn="ctr"/>
             <a:r>
-              <a:rPr lang="en-US" dirty="0"/>
+              <a:rPr lang="en-US" sz="3240" dirty="0"/>
               <a:t>Start Thread 2</a:t>
             </a:r>
           </a:p>
@@ -15776,7 +15915,7 @@
         </p:nvSpPr>
         <p:spPr>
           <a:xfrm>
-            <a:off x="9257424" y="2143052"/>
+            <a:off x="11543430" y="3857558"/>
             <a:ext cx="2090057" cy="519519"/>
           </a:xfrm>
           <a:prstGeom prst="flowChartProcess">
@@ -15805,7 +15944,7 @@
           <a:p>
             <a:pPr algn="ctr"/>
             <a:r>
-              <a:rPr lang="en-US" dirty="0"/>
+              <a:rPr lang="en-US" sz="3240" dirty="0"/>
               <a:t>Read sensor signal</a:t>
             </a:r>
           </a:p>
@@ -15825,7 +15964,7 @@
         </p:nvSpPr>
         <p:spPr>
           <a:xfrm>
-            <a:off x="9257423" y="3244820"/>
+            <a:off x="11543429" y="4959326"/>
             <a:ext cx="2090057" cy="1154397"/>
           </a:xfrm>
           <a:prstGeom prst="flowChartDecision">
@@ -15854,7 +15993,7 @@
           <a:p>
             <a:pPr algn="ctr"/>
             <a:r>
-              <a:rPr lang="en-US" dirty="0"/>
+              <a:rPr lang="en-US" sz="3240" dirty="0"/>
               <a:t>Did it ping vole 1?</a:t>
             </a:r>
           </a:p>
@@ -15874,7 +16013,7 @@
         </p:nvSpPr>
         <p:spPr>
           <a:xfrm>
-            <a:off x="9257424" y="4981466"/>
+            <a:off x="11543430" y="6695972"/>
             <a:ext cx="2090057" cy="1154397"/>
           </a:xfrm>
           <a:prstGeom prst="flowChartDecision">
@@ -15903,7 +16042,7 @@
           <a:p>
             <a:pPr algn="ctr"/>
             <a:r>
-              <a:rPr lang="en-US" dirty="0"/>
+              <a:rPr lang="en-US" sz="3240" dirty="0"/>
               <a:t>Did it ping vole 2?</a:t>
             </a:r>
           </a:p>
@@ -15926,7 +16065,7 @@
         </p:nvCxnSpPr>
         <p:spPr>
           <a:xfrm rot="5400000">
-            <a:off x="10011329" y="2953695"/>
+            <a:off x="12297334" y="4668201"/>
             <a:ext cx="582249" cy="1"/>
           </a:xfrm>
           <a:prstGeom prst="bentConnector3">
@@ -15968,7 +16107,7 @@
         </p:nvCxnSpPr>
         <p:spPr>
           <a:xfrm rot="16200000" flipH="1">
-            <a:off x="10011328" y="4690340"/>
+            <a:off x="12297333" y="6404846"/>
             <a:ext cx="582249" cy="1"/>
           </a:xfrm>
           <a:prstGeom prst="bentConnector3">
@@ -16007,7 +16146,7 @@
         </p:nvSpPr>
         <p:spPr>
           <a:xfrm>
-            <a:off x="9257422" y="1059785"/>
+            <a:off x="11543428" y="2774291"/>
             <a:ext cx="2090057" cy="519519"/>
           </a:xfrm>
           <a:prstGeom prst="flowChartProcess">
@@ -16036,7 +16175,7 @@
           <a:p>
             <a:pPr algn="ctr"/>
             <a:r>
-              <a:rPr lang="en-US" dirty="0"/>
+              <a:rPr lang="en-US" sz="3240" dirty="0"/>
               <a:t>Set event to FALSE</a:t>
             </a:r>
           </a:p>
@@ -16059,7 +16198,7 @@
         </p:nvCxnSpPr>
         <p:spPr>
           <a:xfrm flipH="1">
-            <a:off x="10302451" y="480372"/>
+            <a:off x="12588457" y="2194878"/>
             <a:ext cx="1" cy="579413"/>
           </a:xfrm>
           <a:prstGeom prst="straightConnector1">
@@ -16101,7 +16240,7 @@
         </p:nvCxnSpPr>
         <p:spPr>
           <a:xfrm rot="16200000" flipH="1">
-            <a:off x="10020577" y="1861176"/>
+            <a:off x="12306577" y="3575676"/>
             <a:ext cx="563748" cy="2"/>
           </a:xfrm>
           <a:prstGeom prst="bentConnector3">
@@ -16140,7 +16279,7 @@
         </p:nvSpPr>
         <p:spPr>
           <a:xfrm>
-            <a:off x="9257422" y="7406363"/>
+            <a:off x="11543428" y="9120868"/>
             <a:ext cx="2090057" cy="519519"/>
           </a:xfrm>
           <a:prstGeom prst="flowChartProcess">
@@ -16169,7 +16308,7 @@
           <a:p>
             <a:pPr algn="ctr"/>
             <a:r>
-              <a:rPr lang="en-US" dirty="0"/>
+              <a:rPr lang="en-US" sz="3240" dirty="0"/>
               <a:t>Set event to TRUE</a:t>
             </a:r>
           </a:p>
@@ -16189,7 +16328,7 @@
         </p:nvSpPr>
         <p:spPr>
           <a:xfrm>
-            <a:off x="9257421" y="8489630"/>
+            <a:off x="11543427" y="10204136"/>
             <a:ext cx="2090057" cy="519519"/>
           </a:xfrm>
           <a:prstGeom prst="flowChartProcess">
@@ -16218,7 +16357,7 @@
           <a:p>
             <a:pPr algn="ctr"/>
             <a:r>
-              <a:rPr lang="en-US" dirty="0"/>
+              <a:rPr lang="en-US" sz="3240" dirty="0"/>
               <a:t>WAIT for Main Event</a:t>
             </a:r>
           </a:p>
@@ -16241,7 +16380,7 @@
         </p:nvCxnSpPr>
         <p:spPr>
           <a:xfrm rot="5400000">
-            <a:off x="9667201" y="6771111"/>
+            <a:off x="11953201" y="8485611"/>
             <a:ext cx="1270500" cy="2"/>
           </a:xfrm>
           <a:prstGeom prst="bentConnector3">
@@ -16283,7 +16422,7 @@
         </p:nvCxnSpPr>
         <p:spPr>
           <a:xfrm rot="5400000">
-            <a:off x="10020576" y="8207756"/>
+            <a:off x="12306576" y="9922262"/>
             <a:ext cx="563748" cy="1"/>
           </a:xfrm>
           <a:prstGeom prst="bentConnector3">
@@ -16326,7 +16465,7 @@
         </p:nvCxnSpPr>
         <p:spPr>
           <a:xfrm rot="5400000" flipH="1" flipV="1">
-            <a:off x="6980161" y="4641832"/>
+            <a:off x="9266161" y="6356338"/>
             <a:ext cx="7689604" cy="1045029"/>
           </a:xfrm>
           <a:prstGeom prst="bentConnector4">
@@ -16368,7 +16507,7 @@
         </p:nvSpPr>
         <p:spPr>
           <a:xfrm>
-            <a:off x="14638764" y="-39148"/>
+            <a:off x="16924769" y="1675356"/>
             <a:ext cx="2090057" cy="519519"/>
           </a:xfrm>
           <a:prstGeom prst="flowChartProcess">
@@ -16397,7 +16536,7 @@
           <a:p>
             <a:pPr algn="ctr"/>
             <a:r>
-              <a:rPr lang="en-US" dirty="0"/>
+              <a:rPr lang="en-US" sz="3240" dirty="0"/>
               <a:t>Start Schedule Thread</a:t>
             </a:r>
           </a:p>
@@ -16417,7 +16556,7 @@
         </p:nvSpPr>
         <p:spPr>
           <a:xfrm>
-            <a:off x="14668373" y="2093047"/>
+            <a:off x="16954379" y="3807553"/>
             <a:ext cx="2090057" cy="519519"/>
           </a:xfrm>
           <a:prstGeom prst="flowChartProcess">
@@ -16446,7 +16585,7 @@
           <a:p>
             <a:pPr algn="ctr"/>
             <a:r>
-              <a:rPr lang="en-US" dirty="0"/>
+              <a:rPr lang="en-US" sz="3240" dirty="0"/>
               <a:t>Set Main Event to FASLE</a:t>
             </a:r>
           </a:p>
@@ -16466,7 +16605,7 @@
         </p:nvSpPr>
         <p:spPr>
           <a:xfrm>
-            <a:off x="14668373" y="4225241"/>
+            <a:off x="16954379" y="5939747"/>
             <a:ext cx="2090057" cy="519519"/>
           </a:xfrm>
           <a:prstGeom prst="flowChartProcess">
@@ -16495,7 +16634,7 @@
           <a:p>
             <a:pPr algn="ctr"/>
             <a:r>
-              <a:rPr lang="en-US" dirty="0"/>
+              <a:rPr lang="en-US" sz="3240" dirty="0"/>
               <a:t>WAIT for thread1 event</a:t>
             </a:r>
           </a:p>
@@ -16515,7 +16654,7 @@
         </p:nvSpPr>
         <p:spPr>
           <a:xfrm>
-            <a:off x="14668374" y="6357435"/>
+            <a:off x="16954380" y="8071941"/>
             <a:ext cx="2090057" cy="519519"/>
           </a:xfrm>
           <a:prstGeom prst="flowChartProcess">
@@ -16544,7 +16683,7 @@
           <a:p>
             <a:pPr algn="ctr"/>
             <a:r>
-              <a:rPr lang="en-US" dirty="0"/>
+              <a:rPr lang="en-US" sz="3240" dirty="0"/>
               <a:t>WAIT for thread2 event</a:t>
             </a:r>
           </a:p>
@@ -16564,7 +16703,7 @@
         </p:nvSpPr>
         <p:spPr>
           <a:xfrm>
-            <a:off x="14668374" y="8489630"/>
+            <a:off x="16954380" y="10204136"/>
             <a:ext cx="2090057" cy="519519"/>
           </a:xfrm>
           <a:prstGeom prst="flowChartProcess">
@@ -16593,7 +16732,7 @@
           <a:p>
             <a:pPr algn="ctr"/>
             <a:r>
-              <a:rPr lang="en-US" dirty="0"/>
+              <a:rPr lang="en-US" sz="3240" dirty="0"/>
               <a:t>Set Main Event to TRUE</a:t>
             </a:r>
           </a:p>
@@ -16616,7 +16755,7 @@
         </p:nvCxnSpPr>
         <p:spPr>
           <a:xfrm rot="5400000" flipH="1" flipV="1">
-            <a:off x="12907744" y="5158464"/>
+            <a:off x="15193744" y="6872970"/>
             <a:ext cx="6656342" cy="1045027"/>
           </a:xfrm>
           <a:prstGeom prst="bentConnector4">
@@ -16660,7 +16799,7 @@
         </p:nvCxnSpPr>
         <p:spPr>
           <a:xfrm rot="5400000">
-            <a:off x="14852452" y="1311712"/>
+            <a:off x="17138452" y="3026217"/>
             <a:ext cx="1662680" cy="1"/>
           </a:xfrm>
           <a:prstGeom prst="bentConnector3">
@@ -16701,7 +16840,7 @@
         </p:nvCxnSpPr>
         <p:spPr>
           <a:xfrm rot="5400000">
-            <a:off x="14888678" y="3437289"/>
+            <a:off x="17174678" y="5151795"/>
             <a:ext cx="1649446" cy="1"/>
           </a:xfrm>
           <a:prstGeom prst="bentConnector3">
@@ -16742,7 +16881,7 @@
         </p:nvCxnSpPr>
         <p:spPr>
           <a:xfrm rot="5400000">
-            <a:off x="14881400" y="5576759"/>
+            <a:off x="17167406" y="7291259"/>
             <a:ext cx="1664003" cy="2"/>
           </a:xfrm>
           <a:prstGeom prst="bentConnector3">
@@ -16783,7 +16922,7 @@
         </p:nvCxnSpPr>
         <p:spPr>
           <a:xfrm rot="5400000">
-            <a:off x="14907065" y="7683290"/>
+            <a:off x="17193071" y="9397796"/>
             <a:ext cx="1612675" cy="3"/>
           </a:xfrm>
           <a:prstGeom prst="bentConnector3">
@@ -16822,8 +16961,8 @@
         </p:nvSpPr>
         <p:spPr>
           <a:xfrm>
-            <a:off x="-914400" y="-2745858"/>
-            <a:ext cx="19436316" cy="1246495"/>
+            <a:off x="1371600" y="-2745858"/>
+            <a:ext cx="19436316" cy="1246623"/>
           </a:xfrm>
           <a:prstGeom prst="rect">
             <a:avLst/>
@@ -16837,7 +16976,7 @@
           <a:lstStyle/>
           <a:p>
             <a:r>
-              <a:rPr lang="en-US" sz="7500" dirty="0"/>
+              <a:rPr lang="en-US" sz="7501" dirty="0"/>
               <a:t>RFID Threading Flow Chart</a:t>
             </a:r>
           </a:p>
@@ -16873,210 +17012,119 @@
           <a:chExt cx="0" cy="0"/>
         </a:xfrm>
       </p:grpSpPr>
-      <p:sp>
-        <p:nvSpPr>
-          <p:cNvPr id="4" name="Rectangle 3">
-            <a:extLst>
-              <a:ext uri="{FF2B5EF4-FFF2-40B4-BE49-F238E27FC236}">
-                <a16:creationId xmlns:a16="http://schemas.microsoft.com/office/drawing/2014/main" id="{8910DB94-51C4-4E2D-9439-C606660827E0}"/>
-              </a:ext>
-            </a:extLst>
-          </p:cNvPr>
-          <p:cNvSpPr/>
-          <p:nvPr/>
-        </p:nvSpPr>
-        <p:spPr>
+      <p:grpSp>
+        <p:nvGrpSpPr>
+          <p:cNvPr id="28" name="Group 27">
+            <a:extLst>
+              <a:ext uri="{FF2B5EF4-FFF2-40B4-BE49-F238E27FC236}">
+                <a16:creationId xmlns:a16="http://schemas.microsoft.com/office/drawing/2014/main" id="{36513332-AE2D-4A4D-A467-2CCCA42330E0}"/>
+              </a:ext>
+            </a:extLst>
+          </p:cNvPr>
+          <p:cNvGrpSpPr/>
+          <p:nvPr/>
+        </p:nvGrpSpPr>
+        <p:grpSpPr>
           <a:xfrm>
-            <a:off x="-871871" y="390743"/>
+            <a:off x="1270255" y="1532035"/>
             <a:ext cx="6719777" cy="10866474"/>
-          </a:xfrm>
-          <a:prstGeom prst="rect">
-            <a:avLst/>
-          </a:prstGeom>
-          <a:solidFill>
-            <a:srgbClr val="8C3FC5">
-              <a:alpha val="70000"/>
-            </a:srgbClr>
-          </a:solidFill>
-          <a:ln>
+            <a:chOff x="1270255" y="1089580"/>
+            <a:chExt cx="6719777" cy="10866474"/>
+          </a:xfrm>
+        </p:grpSpPr>
+        <p:sp>
+          <p:nvSpPr>
+            <p:cNvPr id="4" name="Rectangle 3">
+              <a:extLst>
+                <a:ext uri="{FF2B5EF4-FFF2-40B4-BE49-F238E27FC236}">
+                  <a16:creationId xmlns:a16="http://schemas.microsoft.com/office/drawing/2014/main" id="{8910DB94-51C4-4E2D-9439-C606660827E0}"/>
+                </a:ext>
+              </a:extLst>
+            </p:cNvPr>
+            <p:cNvSpPr/>
+            <p:nvPr/>
+          </p:nvSpPr>
+          <p:spPr>
+            <a:xfrm>
+              <a:off x="1270255" y="1089580"/>
+              <a:ext cx="6719777" cy="10866474"/>
+            </a:xfrm>
+            <a:prstGeom prst="rect">
+              <a:avLst/>
+            </a:prstGeom>
             <a:solidFill>
-              <a:schemeClr val="tx1"/>
+              <a:srgbClr val="8C3FC5">
+                <a:alpha val="70000"/>
+              </a:srgbClr>
             </a:solidFill>
-          </a:ln>
-        </p:spPr>
-        <p:style>
-          <a:lnRef idx="2">
-            <a:schemeClr val="accent1">
-              <a:shade val="50000"/>
-            </a:schemeClr>
-          </a:lnRef>
-          <a:fillRef idx="1">
-            <a:schemeClr val="accent1"/>
-          </a:fillRef>
-          <a:effectRef idx="0">
-            <a:schemeClr val="accent1"/>
-          </a:effectRef>
-          <a:fontRef idx="minor">
-            <a:schemeClr val="lt1"/>
-          </a:fontRef>
-        </p:style>
-        <p:txBody>
-          <a:bodyPr rtlCol="0" anchor="ctr"/>
-          <a:lstStyle/>
-          <a:p>
-            <a:pPr algn="ctr"/>
-            <a:endParaRPr lang="en-US"/>
-          </a:p>
-        </p:txBody>
-      </p:sp>
-      <p:sp>
-        <p:nvSpPr>
-          <p:cNvPr id="6" name="Rectangle 5">
-            <a:extLst>
-              <a:ext uri="{FF2B5EF4-FFF2-40B4-BE49-F238E27FC236}">
-                <a16:creationId xmlns:a16="http://schemas.microsoft.com/office/drawing/2014/main" id="{3DB47140-473A-4185-BE9C-3C207373B7FA}"/>
-              </a:ext>
-            </a:extLst>
-          </p:cNvPr>
-          <p:cNvSpPr/>
-          <p:nvPr/>
-        </p:nvSpPr>
-        <p:spPr>
-          <a:xfrm>
-            <a:off x="10579399" y="-651249"/>
-            <a:ext cx="8580473" cy="4561367"/>
-          </a:xfrm>
-          <a:prstGeom prst="rect">
-            <a:avLst/>
-          </a:prstGeom>
-          <a:solidFill>
-            <a:schemeClr val="accent1">
-              <a:alpha val="70000"/>
-            </a:schemeClr>
-          </a:solidFill>
-          <a:ln>
-            <a:solidFill>
-              <a:schemeClr val="tx1"/>
-            </a:solidFill>
-          </a:ln>
-        </p:spPr>
-        <p:style>
-          <a:lnRef idx="2">
-            <a:schemeClr val="accent1">
-              <a:shade val="50000"/>
-            </a:schemeClr>
-          </a:lnRef>
-          <a:fillRef idx="1">
-            <a:schemeClr val="accent1"/>
-          </a:fillRef>
-          <a:effectRef idx="0">
-            <a:schemeClr val="accent1"/>
-          </a:effectRef>
-          <a:fontRef idx="minor">
-            <a:schemeClr val="lt1"/>
-          </a:fontRef>
-        </p:style>
-        <p:txBody>
-          <a:bodyPr rtlCol="0" anchor="ctr"/>
-          <a:lstStyle/>
-          <a:p>
-            <a:pPr algn="ctr"/>
-            <a:endParaRPr lang="en-US"/>
-          </a:p>
-        </p:txBody>
-      </p:sp>
-      <p:sp>
-        <p:nvSpPr>
-          <p:cNvPr id="8" name="Rectangle 7">
-            <a:extLst>
-              <a:ext uri="{FF2B5EF4-FFF2-40B4-BE49-F238E27FC236}">
-                <a16:creationId xmlns:a16="http://schemas.microsoft.com/office/drawing/2014/main" id="{637DDEC4-2CC9-4E1C-A425-BA25E049A878}"/>
-              </a:ext>
-            </a:extLst>
-          </p:cNvPr>
-          <p:cNvSpPr/>
-          <p:nvPr/>
-        </p:nvSpPr>
-        <p:spPr>
-          <a:xfrm>
-            <a:off x="10579399" y="7737841"/>
-            <a:ext cx="8580473" cy="4561367"/>
-          </a:xfrm>
-          <a:prstGeom prst="rect">
-            <a:avLst/>
-          </a:prstGeom>
-          <a:solidFill>
-            <a:schemeClr val="accent1">
-              <a:alpha val="70000"/>
-            </a:schemeClr>
-          </a:solidFill>
-          <a:ln>
-            <a:solidFill>
-              <a:schemeClr val="tx1"/>
-            </a:solidFill>
-          </a:ln>
-        </p:spPr>
-        <p:style>
-          <a:lnRef idx="2">
-            <a:schemeClr val="accent1">
-              <a:shade val="50000"/>
-            </a:schemeClr>
-          </a:lnRef>
-          <a:fillRef idx="1">
-            <a:schemeClr val="accent1"/>
-          </a:fillRef>
-          <a:effectRef idx="0">
-            <a:schemeClr val="accent1"/>
-          </a:effectRef>
-          <a:fontRef idx="minor">
-            <a:schemeClr val="lt1"/>
-          </a:fontRef>
-        </p:style>
-        <p:txBody>
-          <a:bodyPr rtlCol="0" anchor="ctr"/>
-          <a:lstStyle/>
-          <a:p>
-            <a:pPr algn="ctr"/>
-            <a:endParaRPr lang="en-US"/>
-          </a:p>
-        </p:txBody>
-      </p:sp>
-      <p:sp>
-        <p:nvSpPr>
-          <p:cNvPr id="9" name="TextBox 8">
-            <a:extLst>
-              <a:ext uri="{FF2B5EF4-FFF2-40B4-BE49-F238E27FC236}">
-                <a16:creationId xmlns:a16="http://schemas.microsoft.com/office/drawing/2014/main" id="{9B0F0A09-CF79-4424-A0D1-FA594ACFB99A}"/>
-              </a:ext>
-            </a:extLst>
-          </p:cNvPr>
-          <p:cNvSpPr txBox="1"/>
-          <p:nvPr/>
-        </p:nvSpPr>
-        <p:spPr>
-          <a:xfrm>
-            <a:off x="754910" y="5316149"/>
-            <a:ext cx="3466214" cy="1015663"/>
-          </a:xfrm>
-          <a:prstGeom prst="rect">
-            <a:avLst/>
-          </a:prstGeom>
-          <a:noFill/>
-        </p:spPr>
-        <p:txBody>
-          <a:bodyPr wrap="square" rtlCol="0" anchor="ctr">
-            <a:spAutoFit/>
-          </a:bodyPr>
-          <a:lstStyle/>
-          <a:p>
-            <a:pPr algn="ctr"/>
-            <a:r>
-              <a:rPr lang="en-US" sz="6000" dirty="0"/>
-              <a:t>0</a:t>
-            </a:r>
-          </a:p>
-        </p:txBody>
-      </p:sp>
+            <a:ln>
+              <a:solidFill>
+                <a:schemeClr val="tx1"/>
+              </a:solidFill>
+            </a:ln>
+          </p:spPr>
+          <p:style>
+            <a:lnRef idx="2">
+              <a:schemeClr val="accent1">
+                <a:shade val="50000"/>
+              </a:schemeClr>
+            </a:lnRef>
+            <a:fillRef idx="1">
+              <a:schemeClr val="accent1"/>
+            </a:fillRef>
+            <a:effectRef idx="0">
+              <a:schemeClr val="accent1"/>
+            </a:effectRef>
+            <a:fontRef idx="minor">
+              <a:schemeClr val="lt1"/>
+            </a:fontRef>
+          </p:style>
+          <p:txBody>
+            <a:bodyPr rtlCol="0" anchor="ctr"/>
+            <a:lstStyle/>
+            <a:p>
+              <a:pPr algn="ctr"/>
+              <a:endParaRPr lang="en-US" sz="3240"/>
+            </a:p>
+          </p:txBody>
+        </p:sp>
+        <p:sp>
+          <p:nvSpPr>
+            <p:cNvPr id="9" name="TextBox 8">
+              <a:extLst>
+                <a:ext uri="{FF2B5EF4-FFF2-40B4-BE49-F238E27FC236}">
+                  <a16:creationId xmlns:a16="http://schemas.microsoft.com/office/drawing/2014/main" id="{9B0F0A09-CF79-4424-A0D1-FA594ACFB99A}"/>
+                </a:ext>
+              </a:extLst>
+            </p:cNvPr>
+            <p:cNvSpPr txBox="1"/>
+            <p:nvPr/>
+          </p:nvSpPr>
+          <p:spPr>
+            <a:xfrm>
+              <a:off x="2897036" y="6014985"/>
+              <a:ext cx="3466214" cy="1015663"/>
+            </a:xfrm>
+            <a:prstGeom prst="rect">
+              <a:avLst/>
+            </a:prstGeom>
+            <a:noFill/>
+          </p:spPr>
+          <p:txBody>
+            <a:bodyPr wrap="square" rtlCol="0" anchor="ctr">
+              <a:spAutoFit/>
+            </a:bodyPr>
+            <a:lstStyle/>
+            <a:p>
+              <a:pPr algn="ctr"/>
+              <a:r>
+                <a:rPr lang="en-US" sz="6000" dirty="0"/>
+                <a:t>0</a:t>
+              </a:r>
+            </a:p>
+          </p:txBody>
+        </p:sp>
+      </p:grpSp>
       <p:sp>
         <p:nvSpPr>
           <p:cNvPr id="10" name="TextBox 9">
@@ -17091,8 +17139,8 @@
         </p:nvSpPr>
         <p:spPr>
           <a:xfrm>
-            <a:off x="-914400" y="-2745858"/>
-            <a:ext cx="19436316" cy="1246495"/>
+            <a:off x="1270255" y="86313"/>
+            <a:ext cx="19436316" cy="1246623"/>
           </a:xfrm>
           <a:prstGeom prst="rect">
             <a:avLst/>
@@ -17106,7 +17154,7 @@
           <a:lstStyle/>
           <a:p>
             <a:r>
-              <a:rPr lang="en-US" sz="7500" dirty="0"/>
+              <a:rPr lang="en-US" sz="7501" dirty="0"/>
               <a:t>Cage Numbering System</a:t>
             </a:r>
           </a:p>
@@ -17126,7 +17174,7 @@
         </p:nvSpPr>
         <p:spPr>
           <a:xfrm>
-            <a:off x="6344979" y="390743"/>
+            <a:off x="8630979" y="2547698"/>
             <a:ext cx="3721396" cy="2477386"/>
           </a:xfrm>
           <a:prstGeom prst="rect">
@@ -17164,7 +17212,7 @@
           <a:lstStyle/>
           <a:p>
             <a:pPr algn="ctr"/>
-            <a:endParaRPr lang="en-US"/>
+            <a:endParaRPr lang="en-US" sz="3240"/>
           </a:p>
         </p:txBody>
       </p:sp>
@@ -17182,7 +17230,7 @@
         </p:nvSpPr>
         <p:spPr>
           <a:xfrm>
-            <a:off x="6632063" y="954272"/>
+            <a:off x="8918063" y="3111227"/>
             <a:ext cx="1446028" cy="1339702"/>
           </a:xfrm>
           <a:prstGeom prst="roundRect">
@@ -17212,7 +17260,7 @@
             <a:pPr algn="ctr"/>
             <a:r>
               <a:rPr lang="en-US" sz="5000" dirty="0"/>
-              <a:t>-1</a:t>
+              <a:t>2</a:t>
             </a:r>
           </a:p>
         </p:txBody>
@@ -17231,7 +17279,7 @@
         </p:nvSpPr>
         <p:spPr>
           <a:xfrm>
-            <a:off x="8333263" y="954272"/>
+            <a:off x="10672100" y="3116718"/>
             <a:ext cx="1446028" cy="1339702"/>
           </a:xfrm>
           <a:prstGeom prst="roundRect">
@@ -17261,7 +17309,7 @@
             <a:pPr algn="ctr"/>
             <a:r>
               <a:rPr lang="en-US" sz="5000" dirty="0"/>
-              <a:t>-3</a:t>
+              <a:t>4</a:t>
             </a:r>
           </a:p>
         </p:txBody>
@@ -17280,7 +17328,7 @@
         </p:nvSpPr>
         <p:spPr>
           <a:xfrm>
-            <a:off x="6344979" y="8779830"/>
+            <a:off x="8583808" y="8740076"/>
             <a:ext cx="3721396" cy="2477386"/>
           </a:xfrm>
           <a:prstGeom prst="rect">
@@ -17318,7 +17366,7 @@
           <a:lstStyle/>
           <a:p>
             <a:pPr algn="ctr"/>
-            <a:endParaRPr lang="en-US"/>
+            <a:endParaRPr lang="en-US" sz="3240"/>
           </a:p>
         </p:txBody>
       </p:sp>
@@ -17336,7 +17384,7 @@
         </p:nvSpPr>
         <p:spPr>
           <a:xfrm>
-            <a:off x="6632063" y="9343359"/>
+            <a:off x="8870892" y="9303605"/>
             <a:ext cx="1446028" cy="1339702"/>
           </a:xfrm>
           <a:prstGeom prst="roundRect">
@@ -17385,7 +17433,7 @@
         </p:nvSpPr>
         <p:spPr>
           <a:xfrm>
-            <a:off x="8333263" y="9343359"/>
+            <a:off x="10572092" y="9303605"/>
             <a:ext cx="1446028" cy="1339702"/>
           </a:xfrm>
           <a:prstGeom prst="roundRect">
@@ -17420,382 +17468,233 @@
           </a:p>
         </p:txBody>
       </p:sp>
-      <p:cxnSp>
-        <p:nvCxnSpPr>
-          <p:cNvPr id="19" name="Straight Arrow Connector 18">
-            <a:extLst>
-              <a:ext uri="{FF2B5EF4-FFF2-40B4-BE49-F238E27FC236}">
-                <a16:creationId xmlns:a16="http://schemas.microsoft.com/office/drawing/2014/main" id="{71C8EE71-E105-4B1D-B7C3-BDA38CB328AE}"/>
-              </a:ext>
-            </a:extLst>
-          </p:cNvPr>
-          <p:cNvCxnSpPr>
-            <a:cxnSpLocks/>
-          </p:cNvCxnSpPr>
-          <p:nvPr/>
-        </p:nvCxnSpPr>
-        <p:spPr>
-          <a:xfrm flipH="1">
-            <a:off x="6344979" y="18607"/>
-            <a:ext cx="3721396" cy="0"/>
-          </a:xfrm>
-          <a:prstGeom prst="straightConnector1">
-            <a:avLst/>
-          </a:prstGeom>
-          <a:ln w="63500">
-            <a:tailEnd type="triangle"/>
-          </a:ln>
-        </p:spPr>
-        <p:style>
-          <a:lnRef idx="1">
-            <a:schemeClr val="accent1"/>
-          </a:lnRef>
-          <a:fillRef idx="0">
-            <a:schemeClr val="accent1"/>
-          </a:fillRef>
-          <a:effectRef idx="0">
-            <a:schemeClr val="accent1"/>
-          </a:effectRef>
-          <a:fontRef idx="minor">
-            <a:schemeClr val="tx1"/>
-          </a:fontRef>
-        </p:style>
-      </p:cxnSp>
-      <p:cxnSp>
-        <p:nvCxnSpPr>
-          <p:cNvPr id="21" name="Straight Arrow Connector 20">
-            <a:extLst>
-              <a:ext uri="{FF2B5EF4-FFF2-40B4-BE49-F238E27FC236}">
-                <a16:creationId xmlns:a16="http://schemas.microsoft.com/office/drawing/2014/main" id="{CC1C2E4A-FE6E-4EB0-A02B-60F0CAE7988C}"/>
-              </a:ext>
-            </a:extLst>
-          </p:cNvPr>
-          <p:cNvCxnSpPr>
-            <a:cxnSpLocks/>
-          </p:cNvCxnSpPr>
-          <p:nvPr/>
-        </p:nvCxnSpPr>
-        <p:spPr>
-          <a:xfrm flipH="1">
-            <a:off x="6344979" y="8375797"/>
-            <a:ext cx="3721396" cy="0"/>
-          </a:xfrm>
-          <a:prstGeom prst="straightConnector1">
-            <a:avLst/>
-          </a:prstGeom>
-          <a:ln w="63500">
-            <a:tailEnd type="triangle"/>
-          </a:ln>
-        </p:spPr>
-        <p:style>
-          <a:lnRef idx="1">
-            <a:schemeClr val="accent1"/>
-          </a:lnRef>
-          <a:fillRef idx="0">
-            <a:schemeClr val="accent1"/>
-          </a:fillRef>
-          <a:effectRef idx="0">
-            <a:schemeClr val="accent1"/>
-          </a:effectRef>
-          <a:fontRef idx="minor">
-            <a:schemeClr val="tx1"/>
-          </a:fontRef>
-        </p:style>
-      </p:cxnSp>
-      <p:cxnSp>
-        <p:nvCxnSpPr>
-          <p:cNvPr id="23" name="Straight Arrow Connector 22">
-            <a:extLst>
-              <a:ext uri="{FF2B5EF4-FFF2-40B4-BE49-F238E27FC236}">
-                <a16:creationId xmlns:a16="http://schemas.microsoft.com/office/drawing/2014/main" id="{0D0FC1C7-B2F7-44A7-848E-5F1E94D236B7}"/>
-              </a:ext>
-            </a:extLst>
-          </p:cNvPr>
-          <p:cNvCxnSpPr/>
-          <p:nvPr/>
-        </p:nvCxnSpPr>
-        <p:spPr>
+      <p:grpSp>
+        <p:nvGrpSpPr>
+          <p:cNvPr id="14" name="Group 13">
+            <a:extLst>
+              <a:ext uri="{FF2B5EF4-FFF2-40B4-BE49-F238E27FC236}">
+                <a16:creationId xmlns:a16="http://schemas.microsoft.com/office/drawing/2014/main" id="{5EB79F9F-FE7F-4652-ADB3-A36E52933D5E}"/>
+              </a:ext>
+            </a:extLst>
+          </p:cNvPr>
+          <p:cNvGrpSpPr/>
+          <p:nvPr/>
+        </p:nvGrpSpPr>
+        <p:grpSpPr>
           <a:xfrm>
-            <a:off x="6344979" y="3250905"/>
-            <a:ext cx="3721396" cy="0"/>
-          </a:xfrm>
-          <a:prstGeom prst="straightConnector1">
-            <a:avLst/>
-          </a:prstGeom>
-          <a:ln w="63500">
-            <a:tailEnd type="triangle"/>
-          </a:ln>
-        </p:spPr>
-        <p:style>
-          <a:lnRef idx="1">
-            <a:schemeClr val="accent1"/>
-          </a:lnRef>
-          <a:fillRef idx="0">
-            <a:schemeClr val="accent1"/>
-          </a:fillRef>
-          <a:effectRef idx="0">
-            <a:schemeClr val="accent1"/>
-          </a:effectRef>
-          <a:fontRef idx="minor">
-            <a:schemeClr val="tx1"/>
-          </a:fontRef>
-        </p:style>
-      </p:cxnSp>
-      <p:cxnSp>
-        <p:nvCxnSpPr>
-          <p:cNvPr id="24" name="Straight Arrow Connector 23">
-            <a:extLst>
-              <a:ext uri="{FF2B5EF4-FFF2-40B4-BE49-F238E27FC236}">
-                <a16:creationId xmlns:a16="http://schemas.microsoft.com/office/drawing/2014/main" id="{4C655B81-5D75-46E3-AAED-E4A3B03AF8DE}"/>
-              </a:ext>
-            </a:extLst>
-          </p:cNvPr>
-          <p:cNvCxnSpPr/>
-          <p:nvPr/>
-        </p:nvCxnSpPr>
-        <p:spPr>
+            <a:off x="12850580" y="7968055"/>
+            <a:ext cx="8580473" cy="4561367"/>
+            <a:chOff x="12865405" y="9452347"/>
+            <a:chExt cx="8580473" cy="4561367"/>
+          </a:xfrm>
+        </p:grpSpPr>
+        <p:sp>
+          <p:nvSpPr>
+            <p:cNvPr id="8" name="Rectangle 7">
+              <a:extLst>
+                <a:ext uri="{FF2B5EF4-FFF2-40B4-BE49-F238E27FC236}">
+                  <a16:creationId xmlns:a16="http://schemas.microsoft.com/office/drawing/2014/main" id="{637DDEC4-2CC9-4E1C-A425-BA25E049A878}"/>
+                </a:ext>
+              </a:extLst>
+            </p:cNvPr>
+            <p:cNvSpPr/>
+            <p:nvPr/>
+          </p:nvSpPr>
+          <p:spPr>
+            <a:xfrm>
+              <a:off x="12865405" y="9452347"/>
+              <a:ext cx="8580473" cy="4561367"/>
+            </a:xfrm>
+            <a:prstGeom prst="rect">
+              <a:avLst/>
+            </a:prstGeom>
+            <a:solidFill>
+              <a:srgbClr val="8C3FC5">
+                <a:alpha val="70000"/>
+              </a:srgbClr>
+            </a:solidFill>
+            <a:ln>
+              <a:solidFill>
+                <a:schemeClr val="tx1"/>
+              </a:solidFill>
+            </a:ln>
+          </p:spPr>
+          <p:style>
+            <a:lnRef idx="2">
+              <a:schemeClr val="accent1">
+                <a:shade val="50000"/>
+              </a:schemeClr>
+            </a:lnRef>
+            <a:fillRef idx="1">
+              <a:schemeClr val="accent1"/>
+            </a:fillRef>
+            <a:effectRef idx="0">
+              <a:schemeClr val="accent1"/>
+            </a:effectRef>
+            <a:fontRef idx="minor">
+              <a:schemeClr val="lt1"/>
+            </a:fontRef>
+          </p:style>
+          <p:txBody>
+            <a:bodyPr rtlCol="0" anchor="ctr"/>
+            <a:lstStyle/>
+            <a:p>
+              <a:pPr algn="ctr"/>
+              <a:endParaRPr lang="en-US" sz="3240"/>
+            </a:p>
+          </p:txBody>
+        </p:sp>
+        <p:sp>
+          <p:nvSpPr>
+            <p:cNvPr id="18" name="TextBox 17">
+              <a:extLst>
+                <a:ext uri="{FF2B5EF4-FFF2-40B4-BE49-F238E27FC236}">
+                  <a16:creationId xmlns:a16="http://schemas.microsoft.com/office/drawing/2014/main" id="{5BDB123B-9412-4C64-BCD3-80F3B5A44559}"/>
+                </a:ext>
+              </a:extLst>
+            </p:cNvPr>
+            <p:cNvSpPr txBox="1"/>
+            <p:nvPr/>
+          </p:nvSpPr>
+          <p:spPr>
+            <a:xfrm>
+              <a:off x="15422527" y="11258594"/>
+              <a:ext cx="3466214" cy="1015663"/>
+            </a:xfrm>
+            <a:prstGeom prst="rect">
+              <a:avLst/>
+            </a:prstGeom>
+            <a:noFill/>
+          </p:spPr>
+          <p:txBody>
+            <a:bodyPr wrap="square" rtlCol="0" anchor="ctr">
+              <a:spAutoFit/>
+            </a:bodyPr>
+            <a:lstStyle/>
+            <a:p>
+              <a:pPr algn="ctr"/>
+              <a:r>
+                <a:rPr lang="en-US" sz="6000" dirty="0"/>
+                <a:t>2</a:t>
+              </a:r>
+            </a:p>
+          </p:txBody>
+        </p:sp>
+      </p:grpSp>
+      <p:grpSp>
+        <p:nvGrpSpPr>
+          <p:cNvPr id="27" name="Group 26">
+            <a:extLst>
+              <a:ext uri="{FF2B5EF4-FFF2-40B4-BE49-F238E27FC236}">
+                <a16:creationId xmlns:a16="http://schemas.microsoft.com/office/drawing/2014/main" id="{7FEB361B-8511-4237-A643-0ACC3E41B0DB}"/>
+              </a:ext>
+            </a:extLst>
+          </p:cNvPr>
+          <p:cNvGrpSpPr/>
+          <p:nvPr/>
+        </p:nvGrpSpPr>
+        <p:grpSpPr>
           <a:xfrm>
-            <a:off x="6344979" y="11608096"/>
-            <a:ext cx="3721396" cy="0"/>
-          </a:xfrm>
-          <a:prstGeom prst="straightConnector1">
-            <a:avLst/>
-          </a:prstGeom>
-          <a:ln w="63500">
-            <a:tailEnd type="triangle"/>
-          </a:ln>
-        </p:spPr>
-        <p:style>
-          <a:lnRef idx="1">
-            <a:schemeClr val="accent1"/>
-          </a:lnRef>
-          <a:fillRef idx="0">
-            <a:schemeClr val="accent1"/>
-          </a:fillRef>
-          <a:effectRef idx="0">
-            <a:schemeClr val="accent1"/>
-          </a:effectRef>
-          <a:fontRef idx="minor">
-            <a:schemeClr val="tx1"/>
-          </a:fontRef>
-        </p:style>
-      </p:cxnSp>
-      <p:sp>
-        <p:nvSpPr>
-          <p:cNvPr id="18" name="TextBox 17">
-            <a:extLst>
-              <a:ext uri="{FF2B5EF4-FFF2-40B4-BE49-F238E27FC236}">
-                <a16:creationId xmlns:a16="http://schemas.microsoft.com/office/drawing/2014/main" id="{5BDB123B-9412-4C64-BCD3-80F3B5A44559}"/>
-              </a:ext>
-            </a:extLst>
-          </p:cNvPr>
-          <p:cNvSpPr txBox="1"/>
-          <p:nvPr/>
-        </p:nvSpPr>
-        <p:spPr>
-          <a:xfrm>
-            <a:off x="13136527" y="9505379"/>
-            <a:ext cx="3466214" cy="1015663"/>
-          </a:xfrm>
-          <a:prstGeom prst="rect">
-            <a:avLst/>
-          </a:prstGeom>
-          <a:noFill/>
-        </p:spPr>
-        <p:txBody>
-          <a:bodyPr wrap="square" rtlCol="0" anchor="ctr">
-            <a:spAutoFit/>
-          </a:bodyPr>
-          <a:lstStyle/>
-          <a:p>
-            <a:pPr algn="ctr"/>
-            <a:r>
-              <a:rPr lang="en-US" sz="6000" dirty="0"/>
-              <a:t>2</a:t>
-            </a:r>
-          </a:p>
-        </p:txBody>
-      </p:sp>
-      <p:sp>
-        <p:nvSpPr>
-          <p:cNvPr id="20" name="TextBox 19">
-            <a:extLst>
-              <a:ext uri="{FF2B5EF4-FFF2-40B4-BE49-F238E27FC236}">
-                <a16:creationId xmlns:a16="http://schemas.microsoft.com/office/drawing/2014/main" id="{0BB98573-D0AC-4E02-97D7-F9EA9A70E071}"/>
-              </a:ext>
-            </a:extLst>
-          </p:cNvPr>
-          <p:cNvSpPr txBox="1"/>
-          <p:nvPr/>
-        </p:nvSpPr>
-        <p:spPr>
-          <a:xfrm>
-            <a:off x="13136527" y="1116292"/>
-            <a:ext cx="3466214" cy="1015663"/>
-          </a:xfrm>
-          <a:prstGeom prst="rect">
-            <a:avLst/>
-          </a:prstGeom>
-          <a:noFill/>
-        </p:spPr>
-        <p:txBody>
-          <a:bodyPr wrap="square" rtlCol="0" anchor="ctr">
-            <a:spAutoFit/>
-          </a:bodyPr>
-          <a:lstStyle/>
-          <a:p>
-            <a:pPr algn="ctr"/>
-            <a:r>
-              <a:rPr lang="en-US" sz="6000" dirty="0"/>
-              <a:t>-2</a:t>
-            </a:r>
-          </a:p>
-        </p:txBody>
-      </p:sp>
-      <p:sp>
-        <p:nvSpPr>
-          <p:cNvPr id="2" name="TextBox 1">
-            <a:extLst>
-              <a:ext uri="{FF2B5EF4-FFF2-40B4-BE49-F238E27FC236}">
-                <a16:creationId xmlns:a16="http://schemas.microsoft.com/office/drawing/2014/main" id="{BD2133DC-E336-4DA3-B70C-98A22C8E8E42}"/>
-              </a:ext>
-            </a:extLst>
-          </p:cNvPr>
-          <p:cNvSpPr txBox="1"/>
-          <p:nvPr/>
-        </p:nvSpPr>
-        <p:spPr>
-          <a:xfrm>
-            <a:off x="7274668" y="3559251"/>
-            <a:ext cx="2022839" cy="707886"/>
-          </a:xfrm>
-          <a:prstGeom prst="rect">
-            <a:avLst/>
-          </a:prstGeom>
-          <a:noFill/>
-        </p:spPr>
-        <p:txBody>
-          <a:bodyPr wrap="square" rtlCol="0">
-            <a:spAutoFit/>
-          </a:bodyPr>
-          <a:lstStyle/>
-          <a:p>
-            <a:pPr algn="ctr"/>
-            <a:r>
-              <a:rPr lang="en-US" sz="4000" dirty="0"/>
-              <a:t>-1</a:t>
-            </a:r>
-          </a:p>
-        </p:txBody>
-      </p:sp>
-      <p:sp>
-        <p:nvSpPr>
-          <p:cNvPr id="22" name="TextBox 21">
-            <a:extLst>
-              <a:ext uri="{FF2B5EF4-FFF2-40B4-BE49-F238E27FC236}">
-                <a16:creationId xmlns:a16="http://schemas.microsoft.com/office/drawing/2014/main" id="{6A666CD5-16F9-43E9-BE14-73D4D63C2EED}"/>
-              </a:ext>
-            </a:extLst>
-          </p:cNvPr>
-          <p:cNvSpPr txBox="1"/>
-          <p:nvPr/>
-        </p:nvSpPr>
-        <p:spPr>
-          <a:xfrm>
-            <a:off x="7274668" y="-1005192"/>
-            <a:ext cx="2022839" cy="707886"/>
-          </a:xfrm>
-          <a:prstGeom prst="rect">
-            <a:avLst/>
-          </a:prstGeom>
-          <a:noFill/>
-        </p:spPr>
-        <p:txBody>
-          <a:bodyPr wrap="square" rtlCol="0">
-            <a:spAutoFit/>
-          </a:bodyPr>
-          <a:lstStyle/>
-          <a:p>
-            <a:pPr algn="ctr"/>
-            <a:r>
-              <a:rPr lang="en-US" sz="4000" dirty="0"/>
-              <a:t>-3</a:t>
-            </a:r>
-          </a:p>
-        </p:txBody>
-      </p:sp>
-      <p:sp>
-        <p:nvSpPr>
-          <p:cNvPr id="25" name="TextBox 24">
-            <a:extLst>
-              <a:ext uri="{FF2B5EF4-FFF2-40B4-BE49-F238E27FC236}">
-                <a16:creationId xmlns:a16="http://schemas.microsoft.com/office/drawing/2014/main" id="{7493936A-9755-4BF7-8A75-7FF513A44220}"/>
-              </a:ext>
-            </a:extLst>
-          </p:cNvPr>
-          <p:cNvSpPr txBox="1"/>
-          <p:nvPr/>
-        </p:nvSpPr>
-        <p:spPr>
-          <a:xfrm>
-            <a:off x="7274668" y="7383897"/>
-            <a:ext cx="2022839" cy="707886"/>
-          </a:xfrm>
-          <a:prstGeom prst="rect">
-            <a:avLst/>
-          </a:prstGeom>
-          <a:noFill/>
-        </p:spPr>
-        <p:txBody>
-          <a:bodyPr wrap="square" rtlCol="0">
-            <a:spAutoFit/>
-          </a:bodyPr>
-          <a:lstStyle/>
-          <a:p>
-            <a:pPr algn="ctr"/>
-            <a:r>
-              <a:rPr lang="en-US" sz="4000" dirty="0"/>
-              <a:t>3</a:t>
-            </a:r>
-          </a:p>
-        </p:txBody>
-      </p:sp>
-      <p:sp>
-        <p:nvSpPr>
-          <p:cNvPr id="26" name="TextBox 25">
-            <a:extLst>
-              <a:ext uri="{FF2B5EF4-FFF2-40B4-BE49-F238E27FC236}">
-                <a16:creationId xmlns:a16="http://schemas.microsoft.com/office/drawing/2014/main" id="{24101CF6-2F83-41F3-BA66-7195FF8A7E12}"/>
-              </a:ext>
-            </a:extLst>
-          </p:cNvPr>
-          <p:cNvSpPr txBox="1"/>
-          <p:nvPr/>
-        </p:nvSpPr>
-        <p:spPr>
-          <a:xfrm>
-            <a:off x="7274668" y="11820745"/>
-            <a:ext cx="2022839" cy="707886"/>
-          </a:xfrm>
-          <a:prstGeom prst="rect">
-            <a:avLst/>
-          </a:prstGeom>
-          <a:noFill/>
-        </p:spPr>
-        <p:txBody>
-          <a:bodyPr wrap="square" rtlCol="0">
-            <a:spAutoFit/>
-          </a:bodyPr>
-          <a:lstStyle/>
-          <a:p>
-            <a:pPr algn="ctr"/>
-            <a:r>
-              <a:rPr lang="en-US" sz="4000" dirty="0"/>
-              <a:t>1</a:t>
-            </a:r>
-          </a:p>
-        </p:txBody>
-      </p:sp>
+            <a:off x="12865404" y="1505710"/>
+            <a:ext cx="8580473" cy="4561367"/>
+            <a:chOff x="12865404" y="1063255"/>
+            <a:chExt cx="8580473" cy="4561367"/>
+          </a:xfrm>
+          <a:solidFill>
+            <a:srgbClr val="8C3FC5">
+              <a:alpha val="70000"/>
+            </a:srgbClr>
+          </a:solidFill>
+        </p:grpSpPr>
+        <p:sp>
+          <p:nvSpPr>
+            <p:cNvPr id="6" name="Rectangle 5">
+              <a:extLst>
+                <a:ext uri="{FF2B5EF4-FFF2-40B4-BE49-F238E27FC236}">
+                  <a16:creationId xmlns:a16="http://schemas.microsoft.com/office/drawing/2014/main" id="{3DB47140-473A-4185-BE9C-3C207373B7FA}"/>
+                </a:ext>
+              </a:extLst>
+            </p:cNvPr>
+            <p:cNvSpPr/>
+            <p:nvPr/>
+          </p:nvSpPr>
+          <p:spPr>
+            <a:xfrm>
+              <a:off x="12865404" y="1063255"/>
+              <a:ext cx="8580473" cy="4561367"/>
+            </a:xfrm>
+            <a:prstGeom prst="rect">
+              <a:avLst/>
+            </a:prstGeom>
+            <a:grpFill/>
+            <a:ln>
+              <a:solidFill>
+                <a:schemeClr val="tx1"/>
+              </a:solidFill>
+            </a:ln>
+          </p:spPr>
+          <p:style>
+            <a:lnRef idx="2">
+              <a:schemeClr val="accent1">
+                <a:shade val="50000"/>
+              </a:schemeClr>
+            </a:lnRef>
+            <a:fillRef idx="1">
+              <a:schemeClr val="accent1"/>
+            </a:fillRef>
+            <a:effectRef idx="0">
+              <a:schemeClr val="accent1"/>
+            </a:effectRef>
+            <a:fontRef idx="minor">
+              <a:schemeClr val="lt1"/>
+            </a:fontRef>
+          </p:style>
+          <p:txBody>
+            <a:bodyPr rtlCol="0" anchor="ctr"/>
+            <a:lstStyle/>
+            <a:p>
+              <a:pPr algn="ctr"/>
+              <a:endParaRPr lang="en-US" sz="3240"/>
+            </a:p>
+          </p:txBody>
+        </p:sp>
+        <p:sp>
+          <p:nvSpPr>
+            <p:cNvPr id="20" name="TextBox 19">
+              <a:extLst>
+                <a:ext uri="{FF2B5EF4-FFF2-40B4-BE49-F238E27FC236}">
+                  <a16:creationId xmlns:a16="http://schemas.microsoft.com/office/drawing/2014/main" id="{0BB98573-D0AC-4E02-97D7-F9EA9A70E071}"/>
+                </a:ext>
+              </a:extLst>
+            </p:cNvPr>
+            <p:cNvSpPr txBox="1"/>
+            <p:nvPr/>
+          </p:nvSpPr>
+          <p:spPr>
+            <a:xfrm>
+              <a:off x="15422527" y="2919159"/>
+              <a:ext cx="3466214" cy="1015663"/>
+            </a:xfrm>
+            <a:prstGeom prst="rect">
+              <a:avLst/>
+            </a:prstGeom>
+            <a:noFill/>
+          </p:spPr>
+          <p:txBody>
+            <a:bodyPr wrap="square" rtlCol="0" anchor="ctr">
+              <a:spAutoFit/>
+            </a:bodyPr>
+            <a:lstStyle/>
+            <a:p>
+              <a:pPr algn="ctr"/>
+              <a:r>
+                <a:rPr lang="en-US" sz="6000" dirty="0"/>
+                <a:t>1</a:t>
+              </a:r>
+            </a:p>
+          </p:txBody>
+        </p:sp>
+      </p:grpSp>
     </p:spTree>
     <p:extLst>
       <p:ext uri="{BB962C8B-B14F-4D97-AF65-F5344CB8AC3E}">
@@ -18003,7 +17902,7 @@
         </p:nvSpPr>
         <p:spPr>
           <a:xfrm>
-            <a:off x="6379030" y="-1997531"/>
+            <a:off x="8665031" y="-1997531"/>
             <a:ext cx="2090057" cy="1436915"/>
           </a:xfrm>
           <a:prstGeom prst="flowChartDecision">
@@ -18031,7 +17930,7 @@
           <a:lstStyle/>
           <a:p>
             <a:pPr algn="ctr"/>
-            <a:endParaRPr lang="en-US" dirty="0"/>
+            <a:endParaRPr lang="en-US" sz="3240" dirty="0"/>
           </a:p>
         </p:txBody>
       </p:sp>
@@ -18049,7 +17948,7 @@
         </p:nvSpPr>
         <p:spPr>
           <a:xfrm>
-            <a:off x="13193490" y="-1997530"/>
+            <a:off x="15479491" y="-1997530"/>
             <a:ext cx="2090057" cy="1436915"/>
           </a:xfrm>
           <a:prstGeom prst="flowChartAlternateProcess">
@@ -18077,7 +17976,7 @@
           <a:lstStyle/>
           <a:p>
             <a:pPr algn="ctr"/>
-            <a:endParaRPr lang="en-US"/>
+            <a:endParaRPr lang="en-US" sz="3240"/>
           </a:p>
         </p:txBody>
       </p:sp>
@@ -18095,7 +17994,7 @@
         </p:nvSpPr>
         <p:spPr>
           <a:xfrm>
-            <a:off x="3309257" y="-1997531"/>
+            <a:off x="5595258" y="-1997531"/>
             <a:ext cx="2090057" cy="1436915"/>
           </a:xfrm>
           <a:prstGeom prst="flowChartOffpageConnector">
@@ -18123,7 +18022,7 @@
           <a:lstStyle/>
           <a:p>
             <a:pPr algn="ctr"/>
-            <a:endParaRPr lang="en-US" dirty="0"/>
+            <a:endParaRPr lang="en-US" sz="3240" dirty="0"/>
           </a:p>
         </p:txBody>
       </p:sp>
@@ -18141,7 +18040,7 @@
         </p:nvSpPr>
         <p:spPr>
           <a:xfrm>
-            <a:off x="16110859" y="-1997531"/>
+            <a:off x="18396860" y="-1997531"/>
             <a:ext cx="2090057" cy="1436915"/>
           </a:xfrm>
           <a:prstGeom prst="flowChartInputOutput">
@@ -18169,7 +18068,7 @@
           <a:lstStyle/>
           <a:p>
             <a:pPr algn="ctr"/>
-            <a:endParaRPr lang="en-US"/>
+            <a:endParaRPr lang="en-US" sz="3240"/>
           </a:p>
         </p:txBody>
       </p:sp>
@@ -18187,7 +18086,7 @@
         </p:nvGrpSpPr>
         <p:grpSpPr>
           <a:xfrm>
-            <a:off x="4714749" y="3338929"/>
+            <a:off x="7000749" y="5053429"/>
             <a:ext cx="2544796" cy="2307240"/>
             <a:chOff x="439036" y="646412"/>
             <a:chExt cx="2544796" cy="2307240"/>
@@ -18236,7 +18135,7 @@
             <a:p>
               <a:pPr algn="ctr"/>
               <a:r>
-                <a:rPr lang="en-US" dirty="0"/>
+                <a:rPr lang="en-US" sz="3240" dirty="0"/>
                 <a:t>Lever</a:t>
               </a:r>
             </a:p>
@@ -18283,7 +18182,7 @@
             <a:bodyPr rtlCol="0" anchor="ctr"/>
             <a:lstStyle/>
             <a:p>
-              <a:pPr marL="285750" indent="-285750">
+              <a:pPr marL="285773" indent="-285773">
                 <a:buFont typeface="Arial" panose="020B0604020202020204" pitchFamily="34" charset="0"/>
                 <a:buChar char="•"/>
               </a:pPr>
@@ -18293,7 +18192,7 @@
               </a:r>
             </a:p>
             <a:p>
-              <a:pPr marL="285750" indent="-285750">
+              <a:pPr marL="285773" indent="-285773">
                 <a:buFont typeface="Arial" panose="020B0604020202020204" pitchFamily="34" charset="0"/>
                 <a:buChar char="•"/>
               </a:pPr>
@@ -18303,7 +18202,7 @@
               </a:r>
             </a:p>
             <a:p>
-              <a:pPr marL="285750" indent="-285750">
+              <a:pPr marL="285773" indent="-285773">
                 <a:buFont typeface="Arial" panose="020B0604020202020204" pitchFamily="34" charset="0"/>
                 <a:buChar char="•"/>
               </a:pPr>
@@ -18313,7 +18212,7 @@
               </a:r>
             </a:p>
             <a:p>
-              <a:pPr marL="285750" indent="-285750">
+              <a:pPr marL="285773" indent="-285773">
                 <a:buFont typeface="Arial" panose="020B0604020202020204" pitchFamily="34" charset="0"/>
                 <a:buChar char="•"/>
               </a:pPr>
@@ -18365,7 +18264,7 @@
             <a:bodyPr rtlCol="0" anchor="ctr"/>
             <a:lstStyle/>
             <a:p>
-              <a:pPr marL="285750" indent="-285750">
+              <a:pPr marL="285773" indent="-285773">
                 <a:buFont typeface="Arial" panose="020B0604020202020204" pitchFamily="34" charset="0"/>
                 <a:buChar char="•"/>
               </a:pPr>
@@ -18375,7 +18274,7 @@
               </a:r>
             </a:p>
             <a:p>
-              <a:pPr marL="285750" indent="-285750">
+              <a:pPr marL="285773" indent="-285773">
                 <a:buFont typeface="Arial" panose="020B0604020202020204" pitchFamily="34" charset="0"/>
                 <a:buChar char="•"/>
               </a:pPr>
@@ -18385,7 +18284,7 @@
               </a:r>
             </a:p>
             <a:p>
-              <a:pPr marL="285750" indent="-285750">
+              <a:pPr marL="285773" indent="-285773">
                 <a:buFont typeface="Arial" panose="020B0604020202020204" pitchFamily="34" charset="0"/>
                 <a:buChar char="•"/>
               </a:pPr>
@@ -18395,7 +18294,7 @@
               </a:r>
             </a:p>
             <a:p>
-              <a:pPr marL="285750" indent="-285750">
+              <a:pPr marL="285773" indent="-285773">
                 <a:buFont typeface="Arial" panose="020B0604020202020204" pitchFamily="34" charset="0"/>
                 <a:buChar char="•"/>
               </a:pPr>
@@ -18425,7 +18324,7 @@
         </p:nvGrpSpPr>
         <p:grpSpPr>
           <a:xfrm>
-            <a:off x="482579" y="3527611"/>
+            <a:off x="2768579" y="5242111"/>
             <a:ext cx="2544796" cy="1523476"/>
             <a:chOff x="439036" y="646412"/>
             <a:chExt cx="2544796" cy="1523476"/>
@@ -18474,7 +18373,7 @@
             <a:p>
               <a:pPr algn="ctr"/>
               <a:r>
-                <a:rPr lang="en-US" dirty="0"/>
+                <a:rPr lang="en-US" sz="3240" dirty="0"/>
                 <a:t>Servo</a:t>
               </a:r>
             </a:p>
@@ -18521,7 +18420,7 @@
             <a:bodyPr rtlCol="0" anchor="ctr"/>
             <a:lstStyle/>
             <a:p>
-              <a:pPr marL="285750" indent="-285750">
+              <a:pPr marL="285773" indent="-285773">
                 <a:buFont typeface="Arial" panose="020B0604020202020204" pitchFamily="34" charset="0"/>
                 <a:buChar char="•"/>
               </a:pPr>
@@ -18531,7 +18430,7 @@
               </a:r>
             </a:p>
             <a:p>
-              <a:pPr marL="285750" indent="-285750">
+              <a:pPr marL="285773" indent="-285773">
                 <a:buFont typeface="Arial" panose="020B0604020202020204" pitchFamily="34" charset="0"/>
                 <a:buChar char="•"/>
               </a:pPr>
@@ -18583,7 +18482,7 @@
             <a:bodyPr rtlCol="0" anchor="ctr"/>
             <a:lstStyle/>
             <a:p>
-              <a:pPr marL="285750" indent="-285750">
+              <a:pPr marL="285773" indent="-285773">
                 <a:buFont typeface="Arial" panose="020B0604020202020204" pitchFamily="34" charset="0"/>
                 <a:buChar char="•"/>
               </a:pPr>
@@ -18593,7 +18492,7 @@
               </a:r>
             </a:p>
             <a:p>
-              <a:pPr marL="285750" indent="-285750">
+              <a:pPr marL="285773" indent="-285773">
                 <a:buFont typeface="Arial" panose="020B0604020202020204" pitchFamily="34" charset="0"/>
                 <a:buChar char="•"/>
               </a:pPr>
@@ -18623,7 +18522,7 @@
         </p:nvGrpSpPr>
         <p:grpSpPr>
           <a:xfrm>
-            <a:off x="482579" y="5627686"/>
+            <a:off x="2768579" y="7342192"/>
             <a:ext cx="2544796" cy="1673345"/>
             <a:chOff x="439036" y="646411"/>
             <a:chExt cx="2544796" cy="1673345"/>
@@ -18672,7 +18571,7 @@
             <a:p>
               <a:pPr algn="ctr"/>
               <a:r>
-                <a:rPr lang="en-US" dirty="0"/>
+                <a:rPr lang="en-US" sz="3240" dirty="0"/>
                 <a:t>Switch</a:t>
               </a:r>
             </a:p>
@@ -18719,7 +18618,7 @@
             <a:bodyPr rtlCol="0" anchor="ctr"/>
             <a:lstStyle/>
             <a:p>
-              <a:pPr marL="285750" indent="-285750">
+              <a:pPr marL="285773" indent="-285773">
                 <a:buFont typeface="Arial" panose="020B0604020202020204" pitchFamily="34" charset="0"/>
                 <a:buChar char="•"/>
               </a:pPr>
@@ -18729,7 +18628,7 @@
               </a:r>
             </a:p>
             <a:p>
-              <a:pPr marL="285750" indent="-285750">
+              <a:pPr marL="285773" indent="-285773">
                 <a:buFont typeface="Arial" panose="020B0604020202020204" pitchFamily="34" charset="0"/>
                 <a:buChar char="•"/>
               </a:pPr>
@@ -18739,7 +18638,7 @@
               </a:r>
             </a:p>
             <a:p>
-              <a:pPr marL="285750" indent="-285750">
+              <a:pPr marL="285773" indent="-285773">
                 <a:buFont typeface="Arial" panose="020B0604020202020204" pitchFamily="34" charset="0"/>
                 <a:buChar char="•"/>
               </a:pPr>
@@ -18791,7 +18690,7 @@
             <a:bodyPr rtlCol="0" anchor="ctr"/>
             <a:lstStyle/>
             <a:p>
-              <a:pPr marL="285750" indent="-285750">
+              <a:pPr marL="285773" indent="-285773">
                 <a:buFont typeface="Arial" panose="020B0604020202020204" pitchFamily="34" charset="0"/>
                 <a:buChar char="•"/>
               </a:pPr>
@@ -18805,7 +18704,7 @@
               </a:r>
             </a:p>
             <a:p>
-              <a:pPr marL="285750" indent="-285750">
+              <a:pPr marL="285773" indent="-285773">
                 <a:buFont typeface="Arial" panose="020B0604020202020204" pitchFamily="34" charset="0"/>
                 <a:buChar char="•"/>
               </a:pPr>
@@ -18835,7 +18734,7 @@
         </p:nvGrpSpPr>
         <p:grpSpPr>
           <a:xfrm>
-            <a:off x="482579" y="7877629"/>
+            <a:off x="2768579" y="9592135"/>
             <a:ext cx="2544796" cy="1918415"/>
             <a:chOff x="439036" y="646411"/>
             <a:chExt cx="2544796" cy="1918415"/>
@@ -18884,7 +18783,7 @@
             <a:p>
               <a:pPr algn="ctr"/>
               <a:r>
-                <a:rPr lang="en-US" dirty="0"/>
+                <a:rPr lang="en-US" sz="3240" dirty="0"/>
                 <a:t>IR</a:t>
               </a:r>
             </a:p>
@@ -18931,7 +18830,7 @@
             <a:bodyPr rtlCol="0" anchor="ctr"/>
             <a:lstStyle/>
             <a:p>
-              <a:pPr marL="285750" indent="-285750">
+              <a:pPr marL="285773" indent="-285773">
                 <a:buFont typeface="Arial" panose="020B0604020202020204" pitchFamily="34" charset="0"/>
                 <a:buChar char="•"/>
               </a:pPr>
@@ -18941,7 +18840,7 @@
               </a:r>
             </a:p>
             <a:p>
-              <a:pPr marL="285750" indent="-285750">
+              <a:pPr marL="285773" indent="-285773">
                 <a:buFont typeface="Arial" panose="020B0604020202020204" pitchFamily="34" charset="0"/>
                 <a:buChar char="•"/>
               </a:pPr>
@@ -18951,7 +18850,7 @@
               </a:r>
             </a:p>
             <a:p>
-              <a:pPr marL="285750" indent="-285750">
+              <a:pPr marL="285773" indent="-285773">
                 <a:buFont typeface="Arial" panose="020B0604020202020204" pitchFamily="34" charset="0"/>
                 <a:buChar char="•"/>
               </a:pPr>
@@ -19003,7 +18902,7 @@
             <a:bodyPr rtlCol="0" anchor="ctr"/>
             <a:lstStyle/>
             <a:p>
-              <a:pPr marL="285750" indent="-285750">
+              <a:pPr marL="285773" indent="-285773">
                 <a:buFont typeface="Arial" panose="020B0604020202020204" pitchFamily="34" charset="0"/>
                 <a:buChar char="•"/>
               </a:pPr>
@@ -19017,7 +18916,7 @@
               </a:r>
             </a:p>
             <a:p>
-              <a:pPr marL="285750" indent="-285750">
+              <a:pPr marL="285773" indent="-285773">
                 <a:buFont typeface="Arial" panose="020B0604020202020204" pitchFamily="34" charset="0"/>
                 <a:buChar char="•"/>
               </a:pPr>
@@ -19047,7 +18946,7 @@
         </p:nvGrpSpPr>
         <p:grpSpPr>
           <a:xfrm>
-            <a:off x="482579" y="1368337"/>
+            <a:off x="2768579" y="3082843"/>
             <a:ext cx="2544796" cy="1582675"/>
             <a:chOff x="439036" y="646412"/>
             <a:chExt cx="2544796" cy="1582675"/>
@@ -19096,7 +18995,7 @@
             <a:p>
               <a:pPr algn="ctr"/>
               <a:r>
-                <a:rPr lang="en-US" dirty="0"/>
+                <a:rPr lang="en-US" sz="3240" dirty="0"/>
                 <a:t>RFID</a:t>
               </a:r>
             </a:p>
@@ -19143,7 +19042,7 @@
             <a:bodyPr rtlCol="0" anchor="ctr"/>
             <a:lstStyle/>
             <a:p>
-              <a:pPr marL="285750" indent="-285750">
+              <a:pPr marL="285773" indent="-285773">
                 <a:buFont typeface="Arial" panose="020B0604020202020204" pitchFamily="34" charset="0"/>
                 <a:buChar char="•"/>
               </a:pPr>
@@ -19153,7 +19052,7 @@
               </a:r>
             </a:p>
             <a:p>
-              <a:pPr marL="285750" indent="-285750">
+              <a:pPr marL="285773" indent="-285773">
                 <a:buFont typeface="Arial" panose="020B0604020202020204" pitchFamily="34" charset="0"/>
                 <a:buChar char="•"/>
               </a:pPr>
@@ -19205,7 +19104,7 @@
             <a:bodyPr rtlCol="0" anchor="ctr"/>
             <a:lstStyle/>
             <a:p>
-              <a:pPr marL="285750" indent="-285750">
+              <a:pPr marL="285773" indent="-285773">
                 <a:buFont typeface="Arial" panose="020B0604020202020204" pitchFamily="34" charset="0"/>
                 <a:buChar char="•"/>
               </a:pPr>
@@ -19219,7 +19118,7 @@
               </a:r>
             </a:p>
             <a:p>
-              <a:pPr marL="285750" indent="-285750">
+              <a:pPr marL="285773" indent="-285773">
                 <a:buFont typeface="Arial" panose="020B0604020202020204" pitchFamily="34" charset="0"/>
                 <a:buChar char="•"/>
               </a:pPr>
@@ -19252,7 +19151,7 @@
         </p:nvCxnSpPr>
         <p:spPr>
           <a:xfrm>
-            <a:off x="3027375" y="4114915"/>
+            <a:off x="5313375" y="5829421"/>
             <a:ext cx="1687374" cy="7259"/>
           </a:xfrm>
           <a:prstGeom prst="bentConnector3">
@@ -19294,7 +19193,7 @@
         </p:nvCxnSpPr>
         <p:spPr>
           <a:xfrm flipV="1">
-            <a:off x="3027375" y="4122174"/>
+            <a:off x="5313375" y="5836674"/>
             <a:ext cx="1687374" cy="2232158"/>
           </a:xfrm>
           <a:prstGeom prst="bentConnector3">
@@ -19333,7 +19232,7 @@
         </p:nvSpPr>
         <p:spPr>
           <a:xfrm>
-            <a:off x="482579" y="456705"/>
+            <a:off x="2768579" y="2171211"/>
             <a:ext cx="6776966" cy="584775"/>
           </a:xfrm>
           <a:prstGeom prst="rect">
@@ -19374,7 +19273,7 @@
         </p:nvSpPr>
         <p:spPr>
           <a:xfrm>
-            <a:off x="9144000" y="4114915"/>
+            <a:off x="11430000" y="5829415"/>
             <a:ext cx="3874168" cy="523220"/>
           </a:xfrm>
           <a:prstGeom prst="rect">
@@ -19419,12 +19318,12 @@
         </p:nvCxnSpPr>
         <p:spPr>
           <a:xfrm>
-            <a:off x="3027375" y="1970440"/>
-            <a:ext cx="6116625" cy="2406085"/>
+            <a:off x="5313380" y="3684941"/>
+            <a:ext cx="6116625" cy="2406084"/>
           </a:xfrm>
           <a:prstGeom prst="bentConnector3">
             <a:avLst>
-              <a:gd name="adj1" fmla="val 84571"/>
+              <a:gd name="adj1" fmla="val 50000"/>
             </a:avLst>
           </a:prstGeom>
           <a:ln w="28575">
@@ -19464,12 +19363,12 @@
         </p:nvCxnSpPr>
         <p:spPr>
           <a:xfrm flipV="1">
-            <a:off x="3027375" y="4376525"/>
-            <a:ext cx="6116625" cy="4216853"/>
+            <a:off x="5313380" y="6091025"/>
+            <a:ext cx="6116625" cy="4216854"/>
           </a:xfrm>
           <a:prstGeom prst="bentConnector3">
             <a:avLst>
-              <a:gd name="adj1" fmla="val 84415"/>
+              <a:gd name="adj1" fmla="val 50000"/>
             </a:avLst>
           </a:prstGeom>
           <a:ln w="28575">
@@ -19509,7 +19408,7 @@
         </p:nvCxnSpPr>
         <p:spPr>
           <a:xfrm>
-            <a:off x="7259545" y="4122174"/>
+            <a:off x="9545550" y="5836679"/>
             <a:ext cx="1884455" cy="254351"/>
           </a:xfrm>
           <a:prstGeom prst="bentConnector3">
